--- a/courses/apcsp/lect8.pptx
+++ b/courses/apcsp/lect8.pptx
@@ -9,30 +9,34 @@
     <p:sldId id="286" r:id="rId3"/>
     <p:sldId id="304" r:id="rId4"/>
     <p:sldId id="307" r:id="rId5"/>
-    <p:sldId id="331" r:id="rId6"/>
-    <p:sldId id="310" r:id="rId7"/>
-    <p:sldId id="308" r:id="rId8"/>
-    <p:sldId id="311" r:id="rId9"/>
-    <p:sldId id="300" r:id="rId10"/>
-    <p:sldId id="312" r:id="rId11"/>
-    <p:sldId id="313" r:id="rId12"/>
-    <p:sldId id="314" r:id="rId13"/>
-    <p:sldId id="315" r:id="rId14"/>
-    <p:sldId id="296" r:id="rId15"/>
-    <p:sldId id="317" r:id="rId16"/>
-    <p:sldId id="318" r:id="rId17"/>
-    <p:sldId id="319" r:id="rId18"/>
-    <p:sldId id="320" r:id="rId19"/>
-    <p:sldId id="321" r:id="rId20"/>
-    <p:sldId id="323" r:id="rId21"/>
-    <p:sldId id="324" r:id="rId22"/>
-    <p:sldId id="329" r:id="rId23"/>
-    <p:sldId id="328" r:id="rId24"/>
-    <p:sldId id="325" r:id="rId25"/>
-    <p:sldId id="326" r:id="rId26"/>
-    <p:sldId id="327" r:id="rId27"/>
-    <p:sldId id="330" r:id="rId28"/>
-    <p:sldId id="284" r:id="rId29"/>
+    <p:sldId id="334" r:id="rId6"/>
+    <p:sldId id="335" r:id="rId7"/>
+    <p:sldId id="331" r:id="rId8"/>
+    <p:sldId id="310" r:id="rId9"/>
+    <p:sldId id="308" r:id="rId10"/>
+    <p:sldId id="311" r:id="rId11"/>
+    <p:sldId id="300" r:id="rId12"/>
+    <p:sldId id="312" r:id="rId13"/>
+    <p:sldId id="313" r:id="rId14"/>
+    <p:sldId id="314" r:id="rId15"/>
+    <p:sldId id="315" r:id="rId16"/>
+    <p:sldId id="296" r:id="rId17"/>
+    <p:sldId id="317" r:id="rId18"/>
+    <p:sldId id="318" r:id="rId19"/>
+    <p:sldId id="319" r:id="rId20"/>
+    <p:sldId id="320" r:id="rId21"/>
+    <p:sldId id="321" r:id="rId22"/>
+    <p:sldId id="323" r:id="rId23"/>
+    <p:sldId id="324" r:id="rId24"/>
+    <p:sldId id="329" r:id="rId25"/>
+    <p:sldId id="333" r:id="rId26"/>
+    <p:sldId id="332" r:id="rId27"/>
+    <p:sldId id="328" r:id="rId28"/>
+    <p:sldId id="325" r:id="rId29"/>
+    <p:sldId id="326" r:id="rId30"/>
+    <p:sldId id="327" r:id="rId31"/>
+    <p:sldId id="330" r:id="rId32"/>
+    <p:sldId id="284" r:id="rId33"/>
   </p:sldIdLst>
   <p:sldSz cx="9144000" cy="5715000" type="screen16x10"/>
   <p:notesSz cx="6858000" cy="9144000"/>
@@ -142,7 +146,7 @@
 <file path=ppt/revisionInfo.xml><?xml version="1.0" encoding="utf-8"?>
 <p1510:revInfo xmlns:a="http://schemas.openxmlformats.org/drawingml/2006/main" xmlns:r="http://schemas.openxmlformats.org/officeDocument/2006/relationships" xmlns:p1510="http://schemas.microsoft.com/office/powerpoint/2015/10/main">
   <p1510:revLst>
-    <p1510:client id="{DBF8C059-04A6-1547-9DE4-356B5DFE87B9}" v="409" dt="2019-11-02T04:37:50.666"/>
+    <p1510:client id="{DBF8C059-04A6-1547-9DE4-356B5DFE87B9}" v="703" dt="2019-11-05T17:20:53.038"/>
   </p1510:revLst>
 </p1510:revInfo>
 </file>
@@ -152,7 +156,7 @@
   <pc:docChgLst>
     <pc:chgData name="Long B Nguyen" userId="f59fb8f3-a021-417a-8bc1-65c8d471c621" providerId="ADAL" clId="{DBF8C059-04A6-1547-9DE4-356B5DFE87B9}"/>
     <pc:docChg chg="undo custSel addSld delSld modSld">
-      <pc:chgData name="Long B Nguyen" userId="f59fb8f3-a021-417a-8bc1-65c8d471c621" providerId="ADAL" clId="{DBF8C059-04A6-1547-9DE4-356B5DFE87B9}" dt="2019-11-02T04:37:50.665" v="8241" actId="20577"/>
+      <pc:chgData name="Long B Nguyen" userId="f59fb8f3-a021-417a-8bc1-65c8d471c621" providerId="ADAL" clId="{DBF8C059-04A6-1547-9DE4-356B5DFE87B9}" dt="2019-11-05T17:20:53.038" v="9356" actId="113"/>
       <pc:docMkLst>
         <pc:docMk/>
       </pc:docMkLst>
@@ -494,13 +498,6 @@
             <ac:spMk id="9" creationId="{E3B2E017-30B2-884B-A113-B419A2ED51AD}"/>
           </ac:spMkLst>
         </pc:spChg>
-      </pc:sldChg>
-      <pc:sldChg chg="add del modAnim">
-        <pc:chgData name="Long B Nguyen" userId="f59fb8f3-a021-417a-8bc1-65c8d471c621" providerId="ADAL" clId="{DBF8C059-04A6-1547-9DE4-356B5DFE87B9}" dt="2019-11-01T12:59:00.338" v="7925" actId="2696"/>
-        <pc:sldMkLst>
-          <pc:docMk/>
-          <pc:sldMk cId="526334589" sldId="316"/>
-        </pc:sldMkLst>
       </pc:sldChg>
       <pc:sldChg chg="delSp modSp add modAnim">
         <pc:chgData name="Long B Nguyen" userId="f59fb8f3-a021-417a-8bc1-65c8d471c621" providerId="ADAL" clId="{DBF8C059-04A6-1547-9DE4-356B5DFE87B9}" dt="2019-11-01T12:59:07.006" v="7926"/>
@@ -1048,6 +1045,224 @@
           </ac:spMkLst>
         </pc:spChg>
       </pc:sldChg>
+      <pc:sldChg chg="addSp modSp add del modAnim">
+        <pc:chgData name="Long B Nguyen" userId="f59fb8f3-a021-417a-8bc1-65c8d471c621" providerId="ADAL" clId="{DBF8C059-04A6-1547-9DE4-356B5DFE87B9}" dt="2019-11-05T17:10:36.059" v="8795" actId="2696"/>
+        <pc:sldMkLst>
+          <pc:docMk/>
+          <pc:sldMk cId="2212369123" sldId="332"/>
+        </pc:sldMkLst>
+        <pc:spChg chg="mod">
+          <ac:chgData name="Long B Nguyen" userId="f59fb8f3-a021-417a-8bc1-65c8d471c621" providerId="ADAL" clId="{DBF8C059-04A6-1547-9DE4-356B5DFE87B9}" dt="2019-11-05T16:37:41.404" v="8271" actId="20577"/>
+          <ac:spMkLst>
+            <pc:docMk/>
+            <pc:sldMk cId="2212369123" sldId="332"/>
+            <ac:spMk id="2" creationId="{AA3A228F-61D0-D949-A5E7-F83756230BF8}"/>
+          </ac:spMkLst>
+        </pc:spChg>
+        <pc:spChg chg="add mod">
+          <ac:chgData name="Long B Nguyen" userId="f59fb8f3-a021-417a-8bc1-65c8d471c621" providerId="ADAL" clId="{DBF8C059-04A6-1547-9DE4-356B5DFE87B9}" dt="2019-11-05T17:01:44.593" v="8634" actId="255"/>
+          <ac:spMkLst>
+            <pc:docMk/>
+            <pc:sldMk cId="2212369123" sldId="332"/>
+            <ac:spMk id="3" creationId="{570A35DD-4629-0443-A5D4-C85F7024B280}"/>
+          </ac:spMkLst>
+        </pc:spChg>
+        <pc:spChg chg="mod">
+          <ac:chgData name="Long B Nguyen" userId="f59fb8f3-a021-417a-8bc1-65c8d471c621" providerId="ADAL" clId="{DBF8C059-04A6-1547-9DE4-356B5DFE87B9}" dt="2019-11-05T16:52:47.272" v="8477" actId="20577"/>
+          <ac:spMkLst>
+            <pc:docMk/>
+            <pc:sldMk cId="2212369123" sldId="332"/>
+            <ac:spMk id="9" creationId="{E3B2E017-30B2-884B-A113-B419A2ED51AD}"/>
+          </ac:spMkLst>
+        </pc:spChg>
+      </pc:sldChg>
+      <pc:sldChg chg="modSp add modAnim">
+        <pc:chgData name="Long B Nguyen" userId="f59fb8f3-a021-417a-8bc1-65c8d471c621" providerId="ADAL" clId="{DBF8C059-04A6-1547-9DE4-356B5DFE87B9}" dt="2019-11-05T17:20:53.038" v="9356" actId="113"/>
+        <pc:sldMkLst>
+          <pc:docMk/>
+          <pc:sldMk cId="3490093738" sldId="332"/>
+        </pc:sldMkLst>
+        <pc:spChg chg="mod">
+          <ac:chgData name="Long B Nguyen" userId="f59fb8f3-a021-417a-8bc1-65c8d471c621" providerId="ADAL" clId="{DBF8C059-04A6-1547-9DE4-356B5DFE87B9}" dt="2019-11-05T17:12:21.775" v="8941" actId="1036"/>
+          <ac:spMkLst>
+            <pc:docMk/>
+            <pc:sldMk cId="3490093738" sldId="332"/>
+            <ac:spMk id="3" creationId="{570A35DD-4629-0443-A5D4-C85F7024B280}"/>
+          </ac:spMkLst>
+        </pc:spChg>
+        <pc:spChg chg="mod">
+          <ac:chgData name="Long B Nguyen" userId="f59fb8f3-a021-417a-8bc1-65c8d471c621" providerId="ADAL" clId="{DBF8C059-04A6-1547-9DE4-356B5DFE87B9}" dt="2019-11-05T17:20:53.038" v="9356" actId="113"/>
+          <ac:spMkLst>
+            <pc:docMk/>
+            <pc:sldMk cId="3490093738" sldId="332"/>
+            <ac:spMk id="9" creationId="{E3B2E017-30B2-884B-A113-B419A2ED51AD}"/>
+          </ac:spMkLst>
+        </pc:spChg>
+      </pc:sldChg>
+      <pc:sldChg chg="modSp add modAnim">
+        <pc:chgData name="Long B Nguyen" userId="f59fb8f3-a021-417a-8bc1-65c8d471c621" providerId="ADAL" clId="{DBF8C059-04A6-1547-9DE4-356B5DFE87B9}" dt="2019-11-05T17:20:39.740" v="9352" actId="255"/>
+        <pc:sldMkLst>
+          <pc:docMk/>
+          <pc:sldMk cId="4156079510" sldId="333"/>
+        </pc:sldMkLst>
+        <pc:spChg chg="mod">
+          <ac:chgData name="Long B Nguyen" userId="f59fb8f3-a021-417a-8bc1-65c8d471c621" providerId="ADAL" clId="{DBF8C059-04A6-1547-9DE4-356B5DFE87B9}" dt="2019-11-05T17:09:37.067" v="8759" actId="20577"/>
+          <ac:spMkLst>
+            <pc:docMk/>
+            <pc:sldMk cId="4156079510" sldId="333"/>
+            <ac:spMk id="2" creationId="{AA3A228F-61D0-D949-A5E7-F83756230BF8}"/>
+          </ac:spMkLst>
+        </pc:spChg>
+        <pc:spChg chg="mod">
+          <ac:chgData name="Long B Nguyen" userId="f59fb8f3-a021-417a-8bc1-65c8d471c621" providerId="ADAL" clId="{DBF8C059-04A6-1547-9DE4-356B5DFE87B9}" dt="2019-11-05T17:10:18.308" v="8793" actId="20577"/>
+          <ac:spMkLst>
+            <pc:docMk/>
+            <pc:sldMk cId="4156079510" sldId="333"/>
+            <ac:spMk id="3" creationId="{570A35DD-4629-0443-A5D4-C85F7024B280}"/>
+          </ac:spMkLst>
+        </pc:spChg>
+        <pc:spChg chg="mod">
+          <ac:chgData name="Long B Nguyen" userId="f59fb8f3-a021-417a-8bc1-65c8d471c621" providerId="ADAL" clId="{DBF8C059-04A6-1547-9DE4-356B5DFE87B9}" dt="2019-11-05T17:20:39.740" v="9352" actId="255"/>
+          <ac:spMkLst>
+            <pc:docMk/>
+            <pc:sldMk cId="4156079510" sldId="333"/>
+            <ac:spMk id="9" creationId="{E3B2E017-30B2-884B-A113-B419A2ED51AD}"/>
+          </ac:spMkLst>
+        </pc:spChg>
+      </pc:sldChg>
+      <pc:sldChg chg="modSp add del">
+        <pc:chgData name="Long B Nguyen" userId="f59fb8f3-a021-417a-8bc1-65c8d471c621" providerId="ADAL" clId="{DBF8C059-04A6-1547-9DE4-356B5DFE87B9}" dt="2019-11-05T17:10:21.596" v="8794" actId="2696"/>
+        <pc:sldMkLst>
+          <pc:docMk/>
+          <pc:sldMk cId="1948982797" sldId="334"/>
+        </pc:sldMkLst>
+        <pc:spChg chg="mod">
+          <ac:chgData name="Long B Nguyen" userId="f59fb8f3-a021-417a-8bc1-65c8d471c621" providerId="ADAL" clId="{DBF8C059-04A6-1547-9DE4-356B5DFE87B9}" dt="2019-11-05T17:03:37.787" v="8753" actId="1076"/>
+          <ac:spMkLst>
+            <pc:docMk/>
+            <pc:sldMk cId="1948982797" sldId="334"/>
+            <ac:spMk id="3" creationId="{570A35DD-4629-0443-A5D4-C85F7024B280}"/>
+          </ac:spMkLst>
+        </pc:spChg>
+        <pc:spChg chg="mod">
+          <ac:chgData name="Long B Nguyen" userId="f59fb8f3-a021-417a-8bc1-65c8d471c621" providerId="ADAL" clId="{DBF8C059-04A6-1547-9DE4-356B5DFE87B9}" dt="2019-11-05T17:03:34.850" v="8752" actId="20577"/>
+          <ac:spMkLst>
+            <pc:docMk/>
+            <pc:sldMk cId="1948982797" sldId="334"/>
+            <ac:spMk id="9" creationId="{E3B2E017-30B2-884B-A113-B419A2ED51AD}"/>
+          </ac:spMkLst>
+        </pc:spChg>
+      </pc:sldChg>
+      <pc:sldChg chg="addSp delSp modSp add delAnim modAnim">
+        <pc:chgData name="Long B Nguyen" userId="f59fb8f3-a021-417a-8bc1-65c8d471c621" providerId="ADAL" clId="{DBF8C059-04A6-1547-9DE4-356B5DFE87B9}" dt="2019-11-05T17:17:35.728" v="9178" actId="20577"/>
+        <pc:sldMkLst>
+          <pc:docMk/>
+          <pc:sldMk cId="4080804918" sldId="334"/>
+        </pc:sldMkLst>
+        <pc:spChg chg="mod">
+          <ac:chgData name="Long B Nguyen" userId="f59fb8f3-a021-417a-8bc1-65c8d471c621" providerId="ADAL" clId="{DBF8C059-04A6-1547-9DE4-356B5DFE87B9}" dt="2019-11-05T17:17:35.728" v="9178" actId="20577"/>
+          <ac:spMkLst>
+            <pc:docMk/>
+            <pc:sldMk cId="4080804918" sldId="334"/>
+            <ac:spMk id="2" creationId="{AA3A228F-61D0-D949-A5E7-F83756230BF8}"/>
+          </ac:spMkLst>
+        </pc:spChg>
+        <pc:spChg chg="del">
+          <ac:chgData name="Long B Nguyen" userId="f59fb8f3-a021-417a-8bc1-65c8d471c621" providerId="ADAL" clId="{DBF8C059-04A6-1547-9DE4-356B5DFE87B9}" dt="2019-11-05T17:14:14.746" v="8943" actId="478"/>
+          <ac:spMkLst>
+            <pc:docMk/>
+            <pc:sldMk cId="4080804918" sldId="334"/>
+            <ac:spMk id="4" creationId="{3C1D2CCE-B02B-8D4A-B006-6965D4D418F0}"/>
+          </ac:spMkLst>
+        </pc:spChg>
+        <pc:spChg chg="del">
+          <ac:chgData name="Long B Nguyen" userId="f59fb8f3-a021-417a-8bc1-65c8d471c621" providerId="ADAL" clId="{DBF8C059-04A6-1547-9DE4-356B5DFE87B9}" dt="2019-11-05T17:14:23.453" v="8947" actId="478"/>
+          <ac:spMkLst>
+            <pc:docMk/>
+            <pc:sldMk cId="4080804918" sldId="334"/>
+            <ac:spMk id="5" creationId="{098C8043-8C8C-AF4C-BF1C-D1D52C75A7B9}"/>
+          </ac:spMkLst>
+        </pc:spChg>
+        <pc:spChg chg="add mod">
+          <ac:chgData name="Long B Nguyen" userId="f59fb8f3-a021-417a-8bc1-65c8d471c621" providerId="ADAL" clId="{DBF8C059-04A6-1547-9DE4-356B5DFE87B9}" dt="2019-11-05T17:17:10.127" v="9132" actId="1076"/>
+          <ac:spMkLst>
+            <pc:docMk/>
+            <pc:sldMk cId="4080804918" sldId="334"/>
+            <ac:spMk id="8" creationId="{C57243A4-61B0-BF49-9762-D919B22CF822}"/>
+          </ac:spMkLst>
+        </pc:spChg>
+        <pc:spChg chg="mod">
+          <ac:chgData name="Long B Nguyen" userId="f59fb8f3-a021-417a-8bc1-65c8d471c621" providerId="ADAL" clId="{DBF8C059-04A6-1547-9DE4-356B5DFE87B9}" dt="2019-11-05T17:16:01.090" v="8965" actId="20577"/>
+          <ac:spMkLst>
+            <pc:docMk/>
+            <pc:sldMk cId="4080804918" sldId="334"/>
+            <ac:spMk id="9" creationId="{E3B2E017-30B2-884B-A113-B419A2ED51AD}"/>
+          </ac:spMkLst>
+        </pc:spChg>
+        <pc:cxnChg chg="add mod">
+          <ac:chgData name="Long B Nguyen" userId="f59fb8f3-a021-417a-8bc1-65c8d471c621" providerId="ADAL" clId="{DBF8C059-04A6-1547-9DE4-356B5DFE87B9}" dt="2019-11-05T17:16:08.244" v="8984" actId="1035"/>
+          <ac:cxnSpMkLst>
+            <pc:docMk/>
+            <pc:sldMk cId="4080804918" sldId="334"/>
+            <ac:cxnSpMk id="6" creationId="{E5285AED-414F-CF48-BDA3-F9C105DE78F6}"/>
+          </ac:cxnSpMkLst>
+        </pc:cxnChg>
+        <pc:cxnChg chg="add mod">
+          <ac:chgData name="Long B Nguyen" userId="f59fb8f3-a021-417a-8bc1-65c8d471c621" providerId="ADAL" clId="{DBF8C059-04A6-1547-9DE4-356B5DFE87B9}" dt="2019-11-05T17:16:12.196" v="8998" actId="1036"/>
+          <ac:cxnSpMkLst>
+            <pc:docMk/>
+            <pc:sldMk cId="4080804918" sldId="334"/>
+            <ac:cxnSpMk id="10" creationId="{D2B72858-9062-1748-A56F-9BF516549403}"/>
+          </ac:cxnSpMkLst>
+        </pc:cxnChg>
+      </pc:sldChg>
+      <pc:sldChg chg="delSp modSp add delAnim modAnim">
+        <pc:chgData name="Long B Nguyen" userId="f59fb8f3-a021-417a-8bc1-65c8d471c621" providerId="ADAL" clId="{DBF8C059-04A6-1547-9DE4-356B5DFE87B9}" dt="2019-11-05T17:20:08.620" v="9348" actId="1076"/>
+        <pc:sldMkLst>
+          <pc:docMk/>
+          <pc:sldMk cId="2359254305" sldId="335"/>
+        </pc:sldMkLst>
+        <pc:spChg chg="mod">
+          <ac:chgData name="Long B Nguyen" userId="f59fb8f3-a021-417a-8bc1-65c8d471c621" providerId="ADAL" clId="{DBF8C059-04A6-1547-9DE4-356B5DFE87B9}" dt="2019-11-05T17:17:44.817" v="9202" actId="20577"/>
+          <ac:spMkLst>
+            <pc:docMk/>
+            <pc:sldMk cId="2359254305" sldId="335"/>
+            <ac:spMk id="2" creationId="{AA3A228F-61D0-D949-A5E7-F83756230BF8}"/>
+          </ac:spMkLst>
+        </pc:spChg>
+        <pc:spChg chg="mod">
+          <ac:chgData name="Long B Nguyen" userId="f59fb8f3-a021-417a-8bc1-65c8d471c621" providerId="ADAL" clId="{DBF8C059-04A6-1547-9DE4-356B5DFE87B9}" dt="2019-11-05T17:20:08.620" v="9348" actId="1076"/>
+          <ac:spMkLst>
+            <pc:docMk/>
+            <pc:sldMk cId="2359254305" sldId="335"/>
+            <ac:spMk id="8" creationId="{C57243A4-61B0-BF49-9762-D919B22CF822}"/>
+          </ac:spMkLst>
+        </pc:spChg>
+        <pc:spChg chg="mod">
+          <ac:chgData name="Long B Nguyen" userId="f59fb8f3-a021-417a-8bc1-65c8d471c621" providerId="ADAL" clId="{DBF8C059-04A6-1547-9DE4-356B5DFE87B9}" dt="2019-11-05T17:19:57.342" v="9347" actId="207"/>
+          <ac:spMkLst>
+            <pc:docMk/>
+            <pc:sldMk cId="2359254305" sldId="335"/>
+            <ac:spMk id="9" creationId="{E3B2E017-30B2-884B-A113-B419A2ED51AD}"/>
+          </ac:spMkLst>
+        </pc:spChg>
+        <pc:cxnChg chg="del">
+          <ac:chgData name="Long B Nguyen" userId="f59fb8f3-a021-417a-8bc1-65c8d471c621" providerId="ADAL" clId="{DBF8C059-04A6-1547-9DE4-356B5DFE87B9}" dt="2019-11-05T17:18:08.832" v="9268" actId="478"/>
+          <ac:cxnSpMkLst>
+            <pc:docMk/>
+            <pc:sldMk cId="2359254305" sldId="335"/>
+            <ac:cxnSpMk id="6" creationId="{E5285AED-414F-CF48-BDA3-F9C105DE78F6}"/>
+          </ac:cxnSpMkLst>
+        </pc:cxnChg>
+        <pc:cxnChg chg="mod">
+          <ac:chgData name="Long B Nguyen" userId="f59fb8f3-a021-417a-8bc1-65c8d471c621" providerId="ADAL" clId="{DBF8C059-04A6-1547-9DE4-356B5DFE87B9}" dt="2019-11-05T17:18:16.794" v="9271" actId="14100"/>
+          <ac:cxnSpMkLst>
+            <pc:docMk/>
+            <pc:sldMk cId="2359254305" sldId="335"/>
+            <ac:cxnSpMk id="10" creationId="{D2B72858-9062-1748-A56F-9BF516549403}"/>
+          </ac:cxnSpMkLst>
+        </pc:cxnChg>
+      </pc:sldChg>
     </pc:docChg>
   </pc:docChgLst>
   <pc:docChgLst>
@@ -1193,7 +1408,7 @@
           <a:p>
             <a:fld id="{4AAD347D-5ACD-4C99-B74B-A9C85AD731AF}" type="datetimeFigureOut">
               <a:rPr lang="en-US" smtClean="0"/>
-              <a:t>11/1/19</a:t>
+              <a:t>11/5/19</a:t>
             </a:fld>
             <a:endParaRPr lang="en-US" dirty="0"/>
           </a:p>
@@ -1363,7 +1578,7 @@
           <a:p>
             <a:fld id="{4509A250-FF31-4206-8172-F9D3106AACB1}" type="datetimeFigureOut">
               <a:rPr lang="en-US" smtClean="0"/>
-              <a:t>11/1/19</a:t>
+              <a:t>11/5/19</a:t>
             </a:fld>
             <a:endParaRPr lang="en-US" dirty="0"/>
           </a:p>
@@ -1543,7 +1758,7 @@
           <a:p>
             <a:fld id="{4509A250-FF31-4206-8172-F9D3106AACB1}" type="datetimeFigureOut">
               <a:rPr lang="en-US" smtClean="0"/>
-              <a:t>11/1/19</a:t>
+              <a:t>11/5/19</a:t>
             </a:fld>
             <a:endParaRPr lang="en-US" dirty="0"/>
           </a:p>
@@ -1713,7 +1928,7 @@
           <a:p>
             <a:fld id="{4509A250-FF31-4206-8172-F9D3106AACB1}" type="datetimeFigureOut">
               <a:rPr lang="en-US" smtClean="0"/>
-              <a:t>11/1/19</a:t>
+              <a:t>11/5/19</a:t>
             </a:fld>
             <a:endParaRPr lang="en-US" dirty="0"/>
           </a:p>
@@ -1959,7 +2174,7 @@
           <a:p>
             <a:fld id="{9796027F-7875-4030-9381-8BD8C4F21935}" type="datetimeFigureOut">
               <a:rPr lang="en-US" smtClean="0"/>
-              <a:t>11/1/19</a:t>
+              <a:t>11/5/19</a:t>
             </a:fld>
             <a:endParaRPr lang="en-US" dirty="0"/>
           </a:p>
@@ -2191,7 +2406,7 @@
           <a:p>
             <a:fld id="{9796027F-7875-4030-9381-8BD8C4F21935}" type="datetimeFigureOut">
               <a:rPr lang="en-US" smtClean="0"/>
-              <a:t>11/1/19</a:t>
+              <a:t>11/5/19</a:t>
             </a:fld>
             <a:endParaRPr lang="en-US" dirty="0"/>
           </a:p>
@@ -2558,7 +2773,7 @@
           <a:p>
             <a:fld id="{9796027F-7875-4030-9381-8BD8C4F21935}" type="datetimeFigureOut">
               <a:rPr lang="en-US" smtClean="0"/>
-              <a:t>11/1/19</a:t>
+              <a:t>11/5/19</a:t>
             </a:fld>
             <a:endParaRPr lang="en-US" dirty="0"/>
           </a:p>
@@ -2676,7 +2891,7 @@
           <a:p>
             <a:fld id="{4509A250-FF31-4206-8172-F9D3106AACB1}" type="datetimeFigureOut">
               <a:rPr lang="en-US" smtClean="0"/>
-              <a:t>11/1/19</a:t>
+              <a:t>11/5/19</a:t>
             </a:fld>
             <a:endParaRPr lang="en-US" dirty="0"/>
           </a:p>
@@ -2771,7 +2986,7 @@
           <a:p>
             <a:fld id="{4509A250-FF31-4206-8172-F9D3106AACB1}" type="datetimeFigureOut">
               <a:rPr lang="en-US" smtClean="0"/>
-              <a:t>11/1/19</a:t>
+              <a:t>11/5/19</a:t>
             </a:fld>
             <a:endParaRPr lang="en-US" dirty="0"/>
           </a:p>
@@ -3048,7 +3263,7 @@
           <a:p>
             <a:fld id="{4509A250-FF31-4206-8172-F9D3106AACB1}" type="datetimeFigureOut">
               <a:rPr lang="en-US" smtClean="0"/>
-              <a:t>11/1/19</a:t>
+              <a:t>11/5/19</a:t>
             </a:fld>
             <a:endParaRPr lang="en-US" dirty="0"/>
           </a:p>
@@ -3305,7 +3520,7 @@
           <a:p>
             <a:fld id="{4509A250-FF31-4206-8172-F9D3106AACB1}" type="datetimeFigureOut">
               <a:rPr lang="en-US" smtClean="0"/>
-              <a:t>11/1/19</a:t>
+              <a:t>11/5/19</a:t>
             </a:fld>
             <a:endParaRPr lang="en-US" dirty="0"/>
           </a:p>
@@ -3518,7 +3733,7 @@
           <a:p>
             <a:fld id="{4AAD347D-5ACD-4C99-B74B-A9C85AD731AF}" type="datetimeFigureOut">
               <a:rPr lang="en-US" smtClean="0"/>
-              <a:t>11/1/19</a:t>
+              <a:t>11/5/19</a:t>
             </a:fld>
             <a:endParaRPr lang="en-US" dirty="0"/>
           </a:p>
@@ -4249,6 +4464,1476 @@
           <a:p>
             <a:r>
               <a:rPr lang="en-US" dirty="0"/>
+              <a:t>Functions</a:t>
+            </a:r>
+          </a:p>
+        </p:txBody>
+      </p:sp>
+      <p:sp>
+        <p:nvSpPr>
+          <p:cNvPr id="9" name="Content Placeholder 8">
+            <a:extLst>
+              <a:ext uri="{FF2B5EF4-FFF2-40B4-BE49-F238E27FC236}">
+                <a16:creationId xmlns:a16="http://schemas.microsoft.com/office/drawing/2014/main" id="{E3B2E017-30B2-884B-A113-B419A2ED51AD}"/>
+              </a:ext>
+            </a:extLst>
+          </p:cNvPr>
+          <p:cNvSpPr>
+            <a:spLocks noGrp="1"/>
+          </p:cNvSpPr>
+          <p:nvPr>
+            <p:ph idx="1"/>
+          </p:nvPr>
+        </p:nvSpPr>
+        <p:spPr>
+          <a:xfrm>
+            <a:off x="483848" y="1288073"/>
+            <a:ext cx="8051725" cy="4292919"/>
+          </a:xfrm>
+        </p:spPr>
+        <p:txBody>
+          <a:bodyPr>
+            <a:normAutofit/>
+          </a:bodyPr>
+          <a:lstStyle/>
+          <a:p>
+            <a:pPr marL="0" indent="0">
+              <a:buNone/>
+            </a:pPr>
+            <a:r>
+              <a:rPr lang="en-US" dirty="0"/>
+              <a:t>Functions can take optional keyword arguments. These are given default values. Their default values are used if a user does not specify these inputs when calling the function. Default values must come after positional arguments in the function signature.</a:t>
+            </a:r>
+          </a:p>
+          <a:p>
+            <a:pPr marL="0" indent="0">
+              <a:buNone/>
+            </a:pPr>
+            <a:endParaRPr lang="en-US" b="1" dirty="0">
+              <a:solidFill>
+                <a:srgbClr val="000087"/>
+              </a:solidFill>
+              <a:latin typeface="Inconsolata Medium" panose="020B0609030003000000" pitchFamily="49" charset="77"/>
+            </a:endParaRPr>
+          </a:p>
+          <a:p>
+            <a:pPr marL="0" indent="0">
+              <a:buNone/>
+            </a:pPr>
+            <a:r>
+              <a:rPr lang="en-US" b="1" dirty="0">
+                <a:solidFill>
+                  <a:srgbClr val="000087"/>
+                </a:solidFill>
+                <a:latin typeface="Inconsolata Medium" panose="020B0609030003000000" pitchFamily="49" charset="77"/>
+              </a:rPr>
+              <a:t>In </a:t>
+            </a:r>
+            <a:r>
+              <a:rPr lang="en-US" b="1" dirty="0">
+                <a:latin typeface="Inconsolata Medium" panose="020B0609030003000000" pitchFamily="49" charset="77"/>
+              </a:rPr>
+              <a:t>[</a:t>
+            </a:r>
+            <a:r>
+              <a:rPr lang="en-US" b="1" dirty="0">
+                <a:solidFill>
+                  <a:srgbClr val="FF6600"/>
+                </a:solidFill>
+                <a:latin typeface="Inconsolata Medium" panose="020B0609030003000000" pitchFamily="49" charset="77"/>
+              </a:rPr>
+              <a:t>1</a:t>
+            </a:r>
+            <a:r>
+              <a:rPr lang="en-US" b="1" dirty="0">
+                <a:latin typeface="Inconsolata Medium" panose="020B0609030003000000" pitchFamily="49" charset="77"/>
+              </a:rPr>
+              <a:t>]: </a:t>
+            </a:r>
+            <a:r>
+              <a:rPr lang="en-US" b="1" dirty="0">
+                <a:solidFill>
+                  <a:srgbClr val="006699"/>
+                </a:solidFill>
+                <a:latin typeface="Inconsolata Medium" panose="020B0609030003000000" pitchFamily="49" charset="77"/>
+              </a:rPr>
+              <a:t>def </a:t>
+            </a:r>
+            <a:r>
+              <a:rPr lang="en-US" b="1" dirty="0">
+                <a:solidFill>
+                  <a:srgbClr val="CC00FF"/>
+                </a:solidFill>
+                <a:latin typeface="Inconsolata Medium" panose="020B0609030003000000" pitchFamily="49" charset="77"/>
+              </a:rPr>
+              <a:t>subtract</a:t>
+            </a:r>
+            <a:r>
+              <a:rPr lang="en-US" b="1" dirty="0">
+                <a:latin typeface="Inconsolata Medium" panose="020B0609030003000000" pitchFamily="49" charset="77"/>
+              </a:rPr>
+              <a:t>(</a:t>
+            </a:r>
+            <a:r>
+              <a:rPr lang="en-US" b="1" dirty="0">
+                <a:solidFill>
+                  <a:srgbClr val="000087"/>
+                </a:solidFill>
+                <a:latin typeface="Inconsolata Medium" panose="020B0609030003000000" pitchFamily="49" charset="77"/>
+              </a:rPr>
+              <a:t>a</a:t>
+            </a:r>
+            <a:r>
+              <a:rPr lang="en-US" b="1" dirty="0">
+                <a:latin typeface="Inconsolata Medium" panose="020B0609030003000000" pitchFamily="49" charset="77"/>
+              </a:rPr>
+              <a:t>, </a:t>
+            </a:r>
+            <a:r>
+              <a:rPr lang="en-US" b="1" dirty="0">
+                <a:solidFill>
+                  <a:srgbClr val="000087"/>
+                </a:solidFill>
+                <a:latin typeface="Inconsolata Medium" panose="020B0609030003000000" pitchFamily="49" charset="77"/>
+              </a:rPr>
+              <a:t>b=</a:t>
+            </a:r>
+            <a:r>
+              <a:rPr lang="en-US" b="1" dirty="0">
+                <a:solidFill>
+                  <a:srgbClr val="FF6600"/>
+                </a:solidFill>
+                <a:latin typeface="Inconsolata Medium" panose="020B0609030003000000" pitchFamily="49" charset="77"/>
+              </a:rPr>
+              <a:t>0</a:t>
+            </a:r>
+            <a:r>
+              <a:rPr lang="en-US" b="1" dirty="0">
+                <a:latin typeface="Inconsolata Medium" panose="020B0609030003000000" pitchFamily="49" charset="77"/>
+              </a:rPr>
+              <a:t>): </a:t>
+            </a:r>
+          </a:p>
+          <a:p>
+            <a:pPr marL="0" indent="0">
+              <a:buNone/>
+            </a:pPr>
+            <a:r>
+              <a:rPr lang="en-US" b="1" dirty="0">
+                <a:solidFill>
+                  <a:srgbClr val="000087"/>
+                </a:solidFill>
+                <a:latin typeface="Inconsolata Medium" panose="020B0609030003000000" pitchFamily="49" charset="77"/>
+              </a:rPr>
+              <a:t>		return a - b</a:t>
+            </a:r>
+            <a:r>
+              <a:rPr lang="en-US" b="1" dirty="0">
+                <a:latin typeface="Inconsolata Medium" panose="020B0609030003000000" pitchFamily="49" charset="77"/>
+              </a:rPr>
+              <a:t>   </a:t>
+            </a:r>
+            <a:endParaRPr lang="en-US" b="1" dirty="0">
+              <a:solidFill>
+                <a:srgbClr val="000087"/>
+              </a:solidFill>
+              <a:latin typeface="Inconsolata Medium" panose="020B0609030003000000" pitchFamily="49" charset="77"/>
+            </a:endParaRPr>
+          </a:p>
+          <a:p>
+            <a:pPr marL="0" indent="0">
+              <a:buNone/>
+            </a:pPr>
+            <a:r>
+              <a:rPr lang="en-US" b="1" dirty="0">
+                <a:solidFill>
+                  <a:srgbClr val="000087"/>
+                </a:solidFill>
+                <a:latin typeface="Inconsolata Medium" panose="020B0609030003000000" pitchFamily="49" charset="77"/>
+              </a:rPr>
+              <a:t>In </a:t>
+            </a:r>
+            <a:r>
+              <a:rPr lang="en-US" b="1" dirty="0">
+                <a:latin typeface="Inconsolata Medium" panose="020B0609030003000000" pitchFamily="49" charset="77"/>
+              </a:rPr>
+              <a:t>[</a:t>
+            </a:r>
+            <a:r>
+              <a:rPr lang="en-US" b="1" dirty="0">
+                <a:solidFill>
+                  <a:srgbClr val="FF6600"/>
+                </a:solidFill>
+                <a:latin typeface="Inconsolata Medium" panose="020B0609030003000000" pitchFamily="49" charset="77"/>
+              </a:rPr>
+              <a:t>2</a:t>
+            </a:r>
+            <a:r>
+              <a:rPr lang="en-US" b="1" dirty="0">
+                <a:latin typeface="Inconsolata Medium" panose="020B0609030003000000" pitchFamily="49" charset="77"/>
+              </a:rPr>
+              <a:t>]: </a:t>
+            </a:r>
+            <a:r>
+              <a:rPr lang="en-US" b="1" dirty="0">
+                <a:solidFill>
+                  <a:srgbClr val="000087"/>
+                </a:solidFill>
+                <a:latin typeface="Inconsolata Medium" panose="020B0609030003000000" pitchFamily="49" charset="77"/>
+              </a:rPr>
+              <a:t>subtract</a:t>
+            </a:r>
+            <a:r>
+              <a:rPr lang="en-US" b="1" dirty="0">
+                <a:latin typeface="Inconsolata Medium" panose="020B0609030003000000" pitchFamily="49" charset="77"/>
+              </a:rPr>
+              <a:t>(</a:t>
+            </a:r>
+            <a:r>
+              <a:rPr lang="en-US" b="1" dirty="0">
+                <a:solidFill>
+                  <a:srgbClr val="FF6600"/>
+                </a:solidFill>
+                <a:latin typeface="Inconsolata Medium" panose="020B0609030003000000" pitchFamily="49" charset="77"/>
+              </a:rPr>
+              <a:t>2</a:t>
+            </a:r>
+            <a:r>
+              <a:rPr lang="en-US" b="1" dirty="0">
+                <a:latin typeface="Inconsolata Medium" panose="020B0609030003000000" pitchFamily="49" charset="77"/>
+              </a:rPr>
+              <a:t>) </a:t>
+            </a:r>
+          </a:p>
+          <a:p>
+            <a:pPr marL="0" indent="0">
+              <a:buNone/>
+            </a:pPr>
+            <a:r>
+              <a:rPr lang="en-US" b="1" dirty="0">
+                <a:latin typeface="Inconsolata Medium" panose="020B0609030003000000" pitchFamily="49" charset="77"/>
+              </a:rPr>
+              <a:t>Out [2]: 2</a:t>
+            </a:r>
+          </a:p>
+          <a:p>
+            <a:pPr marL="0" indent="0">
+              <a:buNone/>
+            </a:pPr>
+            <a:endParaRPr lang="en-US" b="1" dirty="0">
+              <a:latin typeface="Inconsolata Medium" panose="020B0609030003000000" pitchFamily="49" charset="77"/>
+            </a:endParaRPr>
+          </a:p>
+          <a:p>
+            <a:pPr marL="0" indent="0">
+              <a:buNone/>
+            </a:pPr>
+            <a:r>
+              <a:rPr lang="en-US" b="1" dirty="0">
+                <a:solidFill>
+                  <a:srgbClr val="000087"/>
+                </a:solidFill>
+                <a:latin typeface="Inconsolata Medium" panose="020B0609030003000000" pitchFamily="49" charset="77"/>
+              </a:rPr>
+              <a:t>In </a:t>
+            </a:r>
+            <a:r>
+              <a:rPr lang="en-US" b="1" dirty="0">
+                <a:latin typeface="Inconsolata Medium" panose="020B0609030003000000" pitchFamily="49" charset="77"/>
+              </a:rPr>
+              <a:t>[</a:t>
+            </a:r>
+            <a:r>
+              <a:rPr lang="en-US" b="1" dirty="0">
+                <a:solidFill>
+                  <a:srgbClr val="FF6600"/>
+                </a:solidFill>
+                <a:latin typeface="Inconsolata Medium" panose="020B0609030003000000" pitchFamily="49" charset="77"/>
+              </a:rPr>
+              <a:t>3</a:t>
+            </a:r>
+            <a:r>
+              <a:rPr lang="en-US" b="1" dirty="0">
+                <a:latin typeface="Inconsolata Medium" panose="020B0609030003000000" pitchFamily="49" charset="77"/>
+              </a:rPr>
+              <a:t>]: </a:t>
+            </a:r>
+            <a:r>
+              <a:rPr lang="en-US" b="1" dirty="0">
+                <a:solidFill>
+                  <a:srgbClr val="000087"/>
+                </a:solidFill>
+                <a:latin typeface="Inconsolata Medium" panose="020B0609030003000000" pitchFamily="49" charset="77"/>
+              </a:rPr>
+              <a:t>subtract</a:t>
+            </a:r>
+            <a:r>
+              <a:rPr lang="en-US" b="1" dirty="0">
+                <a:latin typeface="Inconsolata Medium" panose="020B0609030003000000" pitchFamily="49" charset="77"/>
+              </a:rPr>
+              <a:t>(</a:t>
+            </a:r>
+            <a:r>
+              <a:rPr lang="en-US" b="1" dirty="0">
+                <a:solidFill>
+                  <a:srgbClr val="FF6600"/>
+                </a:solidFill>
+                <a:latin typeface="Inconsolata Medium" panose="020B0609030003000000" pitchFamily="49" charset="77"/>
+              </a:rPr>
+              <a:t>1</a:t>
+            </a:r>
+            <a:r>
+              <a:rPr lang="en-US" b="1" dirty="0">
+                <a:latin typeface="Inconsolata Medium" panose="020B0609030003000000" pitchFamily="49" charset="77"/>
+              </a:rPr>
+              <a:t>, </a:t>
+            </a:r>
+            <a:r>
+              <a:rPr lang="en-US" b="1" dirty="0">
+                <a:solidFill>
+                  <a:srgbClr val="FF6600"/>
+                </a:solidFill>
+                <a:latin typeface="Inconsolata Medium" panose="020B0609030003000000" pitchFamily="49" charset="77"/>
+              </a:rPr>
+              <a:t>3</a:t>
+            </a:r>
+            <a:r>
+              <a:rPr lang="en-US" b="1" dirty="0">
+                <a:latin typeface="Inconsolata Medium" panose="020B0609030003000000" pitchFamily="49" charset="77"/>
+              </a:rPr>
+              <a:t>) </a:t>
+            </a:r>
+          </a:p>
+          <a:p>
+            <a:pPr marL="0" indent="0">
+              <a:buNone/>
+            </a:pPr>
+            <a:r>
+              <a:rPr lang="en-US" b="1" dirty="0">
+                <a:latin typeface="Inconsolata Medium" panose="020B0609030003000000" pitchFamily="49" charset="77"/>
+              </a:rPr>
+              <a:t>Out [3]: -2</a:t>
+            </a:r>
+          </a:p>
+          <a:p>
+            <a:pPr marL="0" indent="0">
+              <a:buNone/>
+            </a:pPr>
+            <a:endParaRPr lang="en-US" b="1" dirty="0">
+              <a:latin typeface="Inconsolata Medium" panose="020B0609030003000000" pitchFamily="49" charset="77"/>
+            </a:endParaRPr>
+          </a:p>
+        </p:txBody>
+      </p:sp>
+      <p:sp>
+        <p:nvSpPr>
+          <p:cNvPr id="3" name="TextBox 2">
+            <a:extLst>
+              <a:ext uri="{FF2B5EF4-FFF2-40B4-BE49-F238E27FC236}">
+                <a16:creationId xmlns:a16="http://schemas.microsoft.com/office/drawing/2014/main" id="{4023DC8A-3C5D-324F-8DB0-21911EC4DFD1}"/>
+              </a:ext>
+            </a:extLst>
+          </p:cNvPr>
+          <p:cNvSpPr txBox="1"/>
+          <p:nvPr/>
+        </p:nvSpPr>
+        <p:spPr>
+          <a:xfrm>
+            <a:off x="4257461" y="3381398"/>
+            <a:ext cx="3671198" cy="1061829"/>
+          </a:xfrm>
+          <a:prstGeom prst="rect">
+            <a:avLst/>
+          </a:prstGeom>
+          <a:noFill/>
+        </p:spPr>
+        <p:txBody>
+          <a:bodyPr wrap="none" rtlCol="0">
+            <a:spAutoFit/>
+          </a:bodyPr>
+          <a:lstStyle/>
+          <a:p>
+            <a:r>
+              <a:rPr lang="en-US" sz="2100" b="1" dirty="0">
+                <a:solidFill>
+                  <a:srgbClr val="000087"/>
+                </a:solidFill>
+                <a:latin typeface="Inconsolata Medium" panose="020B0609030003000000" pitchFamily="49" charset="77"/>
+              </a:rPr>
+              <a:t>In </a:t>
+            </a:r>
+            <a:r>
+              <a:rPr lang="en-US" sz="2100" b="1" dirty="0">
+                <a:latin typeface="Inconsolata Medium" panose="020B0609030003000000" pitchFamily="49" charset="77"/>
+              </a:rPr>
+              <a:t>[</a:t>
+            </a:r>
+            <a:r>
+              <a:rPr lang="en-US" sz="2100" b="1" dirty="0">
+                <a:solidFill>
+                  <a:srgbClr val="FF6600"/>
+                </a:solidFill>
+                <a:latin typeface="Inconsolata Medium" panose="020B0609030003000000" pitchFamily="49" charset="77"/>
+              </a:rPr>
+              <a:t>4</a:t>
+            </a:r>
+            <a:r>
+              <a:rPr lang="en-US" sz="2100" b="1" dirty="0">
+                <a:latin typeface="Inconsolata Medium" panose="020B0609030003000000" pitchFamily="49" charset="77"/>
+              </a:rPr>
+              <a:t>]: </a:t>
+            </a:r>
+            <a:r>
+              <a:rPr lang="en-US" sz="2100" b="1" dirty="0">
+                <a:solidFill>
+                  <a:srgbClr val="000087"/>
+                </a:solidFill>
+                <a:latin typeface="Inconsolata Medium" panose="020B0609030003000000" pitchFamily="49" charset="77"/>
+              </a:rPr>
+              <a:t>subtract</a:t>
+            </a:r>
+            <a:r>
+              <a:rPr lang="en-US" sz="2100" b="1" dirty="0">
+                <a:latin typeface="Inconsolata Medium" panose="020B0609030003000000" pitchFamily="49" charset="77"/>
+              </a:rPr>
+              <a:t>(</a:t>
+            </a:r>
+            <a:r>
+              <a:rPr lang="en-US" sz="2100" b="1" dirty="0">
+                <a:solidFill>
+                  <a:srgbClr val="FF6600"/>
+                </a:solidFill>
+                <a:latin typeface="Inconsolata Medium" panose="020B0609030003000000" pitchFamily="49" charset="77"/>
+              </a:rPr>
+              <a:t>2</a:t>
+            </a:r>
+            <a:r>
+              <a:rPr lang="en-US" sz="2100" b="1" dirty="0">
+                <a:latin typeface="Inconsolata Medium" panose="020B0609030003000000" pitchFamily="49" charset="77"/>
+              </a:rPr>
+              <a:t>, </a:t>
+            </a:r>
+            <a:r>
+              <a:rPr lang="en-US" sz="2100" b="1" dirty="0">
+                <a:solidFill>
+                  <a:srgbClr val="000087"/>
+                </a:solidFill>
+                <a:latin typeface="Inconsolata Medium" panose="020B0609030003000000" pitchFamily="49" charset="77"/>
+              </a:rPr>
+              <a:t>b=</a:t>
+            </a:r>
+            <a:r>
+              <a:rPr lang="en-US" sz="2100" b="1" dirty="0">
+                <a:solidFill>
+                  <a:srgbClr val="FF6600"/>
+                </a:solidFill>
+                <a:latin typeface="Inconsolata Medium" panose="020B0609030003000000" pitchFamily="49" charset="77"/>
+              </a:rPr>
+              <a:t>5</a:t>
+            </a:r>
+            <a:r>
+              <a:rPr lang="en-US" sz="2100" b="1" dirty="0">
+                <a:latin typeface="Inconsolata Medium" panose="020B0609030003000000" pitchFamily="49" charset="77"/>
+              </a:rPr>
+              <a:t>) </a:t>
+            </a:r>
+          </a:p>
+          <a:p>
+            <a:r>
+              <a:rPr lang="en-US" sz="2100" b="1" dirty="0">
+                <a:latin typeface="Inconsolata Medium" panose="020B0609030003000000" pitchFamily="49" charset="77"/>
+              </a:rPr>
+              <a:t>Out [4]: -3</a:t>
+            </a:r>
+          </a:p>
+          <a:p>
+            <a:endParaRPr lang="en-US" sz="2100" dirty="0"/>
+          </a:p>
+        </p:txBody>
+      </p:sp>
+      <p:sp>
+        <p:nvSpPr>
+          <p:cNvPr id="5" name="TextBox 4">
+            <a:extLst>
+              <a:ext uri="{FF2B5EF4-FFF2-40B4-BE49-F238E27FC236}">
+                <a16:creationId xmlns:a16="http://schemas.microsoft.com/office/drawing/2014/main" id="{4BD8B7E0-415D-8B4F-8BA2-6F64FF7243AA}"/>
+              </a:ext>
+            </a:extLst>
+          </p:cNvPr>
+          <p:cNvSpPr txBox="1"/>
+          <p:nvPr/>
+        </p:nvSpPr>
+        <p:spPr>
+          <a:xfrm>
+            <a:off x="4257461" y="4559367"/>
+            <a:ext cx="4089581" cy="1061829"/>
+          </a:xfrm>
+          <a:prstGeom prst="rect">
+            <a:avLst/>
+          </a:prstGeom>
+          <a:noFill/>
+        </p:spPr>
+        <p:txBody>
+          <a:bodyPr wrap="none" rtlCol="0">
+            <a:spAutoFit/>
+          </a:bodyPr>
+          <a:lstStyle/>
+          <a:p>
+            <a:r>
+              <a:rPr lang="en-US" sz="2100" b="1" dirty="0">
+                <a:solidFill>
+                  <a:srgbClr val="000087"/>
+                </a:solidFill>
+                <a:latin typeface="Inconsolata Medium" panose="020B0609030003000000" pitchFamily="49" charset="77"/>
+              </a:rPr>
+              <a:t>In </a:t>
+            </a:r>
+            <a:r>
+              <a:rPr lang="en-US" sz="2100" b="1" dirty="0">
+                <a:latin typeface="Inconsolata Medium" panose="020B0609030003000000" pitchFamily="49" charset="77"/>
+              </a:rPr>
+              <a:t>[</a:t>
+            </a:r>
+            <a:r>
+              <a:rPr lang="en-US" sz="2100" b="1" dirty="0">
+                <a:solidFill>
+                  <a:srgbClr val="FF6600"/>
+                </a:solidFill>
+                <a:latin typeface="Inconsolata Medium" panose="020B0609030003000000" pitchFamily="49" charset="77"/>
+              </a:rPr>
+              <a:t>5</a:t>
+            </a:r>
+            <a:r>
+              <a:rPr lang="en-US" sz="2100" b="1" dirty="0">
+                <a:latin typeface="Inconsolata Medium" panose="020B0609030003000000" pitchFamily="49" charset="77"/>
+              </a:rPr>
+              <a:t>]: </a:t>
+            </a:r>
+            <a:r>
+              <a:rPr lang="en-US" sz="2100" b="1" dirty="0">
+                <a:solidFill>
+                  <a:srgbClr val="000087"/>
+                </a:solidFill>
+                <a:latin typeface="Inconsolata Medium" panose="020B0609030003000000" pitchFamily="49" charset="77"/>
+              </a:rPr>
+              <a:t>subtract</a:t>
+            </a:r>
+            <a:r>
+              <a:rPr lang="en-US" sz="2100" b="1" dirty="0">
+                <a:latin typeface="Inconsolata Medium" panose="020B0609030003000000" pitchFamily="49" charset="77"/>
+              </a:rPr>
+              <a:t>(</a:t>
+            </a:r>
+            <a:r>
+              <a:rPr lang="en-US" sz="2100" b="1" dirty="0">
+                <a:solidFill>
+                  <a:srgbClr val="000087"/>
+                </a:solidFill>
+                <a:latin typeface="Inconsolata Medium" panose="020B0609030003000000" pitchFamily="49" charset="77"/>
+              </a:rPr>
+              <a:t>b=</a:t>
+            </a:r>
+            <a:r>
+              <a:rPr lang="en-US" sz="2100" b="1" dirty="0">
+                <a:solidFill>
+                  <a:srgbClr val="FF6600"/>
+                </a:solidFill>
+                <a:latin typeface="Inconsolata Medium" panose="020B0609030003000000" pitchFamily="49" charset="77"/>
+              </a:rPr>
+              <a:t>-1</a:t>
+            </a:r>
+            <a:r>
+              <a:rPr lang="en-US" sz="2100" b="1" dirty="0">
+                <a:latin typeface="Inconsolata Medium" panose="020B0609030003000000" pitchFamily="49" charset="77"/>
+              </a:rPr>
+              <a:t>, </a:t>
+            </a:r>
+            <a:r>
+              <a:rPr lang="en-US" sz="2100" b="1" dirty="0">
+                <a:solidFill>
+                  <a:srgbClr val="000087"/>
+                </a:solidFill>
+                <a:latin typeface="Inconsolata Medium" panose="020B0609030003000000" pitchFamily="49" charset="77"/>
+              </a:rPr>
+              <a:t>a=</a:t>
+            </a:r>
+            <a:r>
+              <a:rPr lang="en-US" sz="2100" b="1" dirty="0">
+                <a:solidFill>
+                  <a:srgbClr val="FF6600"/>
+                </a:solidFill>
+                <a:latin typeface="Inconsolata Medium" panose="020B0609030003000000" pitchFamily="49" charset="77"/>
+              </a:rPr>
+              <a:t>6</a:t>
+            </a:r>
+            <a:r>
+              <a:rPr lang="en-US" sz="2100" b="1" dirty="0">
+                <a:latin typeface="Inconsolata Medium" panose="020B0609030003000000" pitchFamily="49" charset="77"/>
+              </a:rPr>
+              <a:t>) </a:t>
+            </a:r>
+          </a:p>
+          <a:p>
+            <a:r>
+              <a:rPr lang="en-US" sz="2100" b="1" dirty="0">
+                <a:latin typeface="Inconsolata Medium" panose="020B0609030003000000" pitchFamily="49" charset="77"/>
+              </a:rPr>
+              <a:t>Out [5]: 7</a:t>
+            </a:r>
+          </a:p>
+          <a:p>
+            <a:endParaRPr lang="en-US" sz="2100" dirty="0"/>
+          </a:p>
+        </p:txBody>
+      </p:sp>
+    </p:spTree>
+    <p:extLst>
+      <p:ext uri="{BB962C8B-B14F-4D97-AF65-F5344CB8AC3E}">
+        <p14:creationId xmlns:p14="http://schemas.microsoft.com/office/powerpoint/2010/main" val="4210029770"/>
+      </p:ext>
+    </p:extLst>
+  </p:cSld>
+  <p:clrMapOvr>
+    <a:masterClrMapping/>
+  </p:clrMapOvr>
+  <p:timing>
+    <p:tnLst>
+      <p:par>
+        <p:cTn id="1" dur="indefinite" restart="never" nodeType="tmRoot">
+          <p:childTnLst>
+            <p:seq concurrent="1" nextAc="seek">
+              <p:cTn id="2" dur="indefinite" nodeType="mainSeq">
+                <p:childTnLst>
+                  <p:par>
+                    <p:cTn id="3" fill="hold">
+                      <p:stCondLst>
+                        <p:cond delay="indefinite"/>
+                      </p:stCondLst>
+                      <p:childTnLst>
+                        <p:par>
+                          <p:cTn id="4" fill="hold">
+                            <p:stCondLst>
+                              <p:cond delay="0"/>
+                            </p:stCondLst>
+                            <p:childTnLst>
+                              <p:par>
+                                <p:cTn id="5" presetID="1" presetClass="entr" presetSubtype="0" fill="hold" nodeType="clickEffect">
+                                  <p:stCondLst>
+                                    <p:cond delay="0"/>
+                                  </p:stCondLst>
+                                  <p:childTnLst>
+                                    <p:set>
+                                      <p:cBhvr>
+                                        <p:cTn id="6" dur="1" fill="hold">
+                                          <p:stCondLst>
+                                            <p:cond delay="0"/>
+                                          </p:stCondLst>
+                                        </p:cTn>
+                                        <p:tgtEl>
+                                          <p:spTgt spid="9">
+                                            <p:txEl>
+                                              <p:pRg st="2" end="2"/>
+                                            </p:txEl>
+                                          </p:spTgt>
+                                        </p:tgtEl>
+                                        <p:attrNameLst>
+                                          <p:attrName>style.visibility</p:attrName>
+                                        </p:attrNameLst>
+                                      </p:cBhvr>
+                                      <p:to>
+                                        <p:strVal val="visible"/>
+                                      </p:to>
+                                    </p:set>
+                                  </p:childTnLst>
+                                </p:cTn>
+                              </p:par>
+                              <p:par>
+                                <p:cTn id="7" presetID="1" presetClass="entr" presetSubtype="0" fill="hold" nodeType="withEffect">
+                                  <p:stCondLst>
+                                    <p:cond delay="0"/>
+                                  </p:stCondLst>
+                                  <p:childTnLst>
+                                    <p:set>
+                                      <p:cBhvr>
+                                        <p:cTn id="8" dur="1" fill="hold">
+                                          <p:stCondLst>
+                                            <p:cond delay="0"/>
+                                          </p:stCondLst>
+                                        </p:cTn>
+                                        <p:tgtEl>
+                                          <p:spTgt spid="9">
+                                            <p:txEl>
+                                              <p:pRg st="3" end="3"/>
+                                            </p:txEl>
+                                          </p:spTgt>
+                                        </p:tgtEl>
+                                        <p:attrNameLst>
+                                          <p:attrName>style.visibility</p:attrName>
+                                        </p:attrNameLst>
+                                      </p:cBhvr>
+                                      <p:to>
+                                        <p:strVal val="visible"/>
+                                      </p:to>
+                                    </p:set>
+                                  </p:childTnLst>
+                                </p:cTn>
+                              </p:par>
+                            </p:childTnLst>
+                          </p:cTn>
+                        </p:par>
+                      </p:childTnLst>
+                    </p:cTn>
+                  </p:par>
+                  <p:par>
+                    <p:cTn id="9" fill="hold">
+                      <p:stCondLst>
+                        <p:cond delay="indefinite"/>
+                      </p:stCondLst>
+                      <p:childTnLst>
+                        <p:par>
+                          <p:cTn id="10" fill="hold">
+                            <p:stCondLst>
+                              <p:cond delay="0"/>
+                            </p:stCondLst>
+                            <p:childTnLst>
+                              <p:par>
+                                <p:cTn id="11" presetID="1" presetClass="entr" presetSubtype="0" fill="hold" nodeType="clickEffect">
+                                  <p:stCondLst>
+                                    <p:cond delay="0"/>
+                                  </p:stCondLst>
+                                  <p:childTnLst>
+                                    <p:set>
+                                      <p:cBhvr>
+                                        <p:cTn id="12" dur="1" fill="hold">
+                                          <p:stCondLst>
+                                            <p:cond delay="0"/>
+                                          </p:stCondLst>
+                                        </p:cTn>
+                                        <p:tgtEl>
+                                          <p:spTgt spid="9">
+                                            <p:txEl>
+                                              <p:pRg st="4" end="4"/>
+                                            </p:txEl>
+                                          </p:spTgt>
+                                        </p:tgtEl>
+                                        <p:attrNameLst>
+                                          <p:attrName>style.visibility</p:attrName>
+                                        </p:attrNameLst>
+                                      </p:cBhvr>
+                                      <p:to>
+                                        <p:strVal val="visible"/>
+                                      </p:to>
+                                    </p:set>
+                                  </p:childTnLst>
+                                </p:cTn>
+                              </p:par>
+                              <p:par>
+                                <p:cTn id="13" presetID="1" presetClass="entr" presetSubtype="0" fill="hold" nodeType="withEffect">
+                                  <p:stCondLst>
+                                    <p:cond delay="0"/>
+                                  </p:stCondLst>
+                                  <p:childTnLst>
+                                    <p:set>
+                                      <p:cBhvr>
+                                        <p:cTn id="14" dur="1" fill="hold">
+                                          <p:stCondLst>
+                                            <p:cond delay="0"/>
+                                          </p:stCondLst>
+                                        </p:cTn>
+                                        <p:tgtEl>
+                                          <p:spTgt spid="9">
+                                            <p:txEl>
+                                              <p:pRg st="5" end="5"/>
+                                            </p:txEl>
+                                          </p:spTgt>
+                                        </p:tgtEl>
+                                        <p:attrNameLst>
+                                          <p:attrName>style.visibility</p:attrName>
+                                        </p:attrNameLst>
+                                      </p:cBhvr>
+                                      <p:to>
+                                        <p:strVal val="visible"/>
+                                      </p:to>
+                                    </p:set>
+                                  </p:childTnLst>
+                                </p:cTn>
+                              </p:par>
+                            </p:childTnLst>
+                          </p:cTn>
+                        </p:par>
+                      </p:childTnLst>
+                    </p:cTn>
+                  </p:par>
+                  <p:par>
+                    <p:cTn id="15" fill="hold">
+                      <p:stCondLst>
+                        <p:cond delay="indefinite"/>
+                      </p:stCondLst>
+                      <p:childTnLst>
+                        <p:par>
+                          <p:cTn id="16" fill="hold">
+                            <p:stCondLst>
+                              <p:cond delay="0"/>
+                            </p:stCondLst>
+                            <p:childTnLst>
+                              <p:par>
+                                <p:cTn id="17" presetID="1" presetClass="entr" presetSubtype="0" fill="hold" nodeType="clickEffect">
+                                  <p:stCondLst>
+                                    <p:cond delay="0"/>
+                                  </p:stCondLst>
+                                  <p:childTnLst>
+                                    <p:set>
+                                      <p:cBhvr>
+                                        <p:cTn id="18" dur="1" fill="hold">
+                                          <p:stCondLst>
+                                            <p:cond delay="0"/>
+                                          </p:stCondLst>
+                                        </p:cTn>
+                                        <p:tgtEl>
+                                          <p:spTgt spid="9">
+                                            <p:txEl>
+                                              <p:pRg st="7" end="7"/>
+                                            </p:txEl>
+                                          </p:spTgt>
+                                        </p:tgtEl>
+                                        <p:attrNameLst>
+                                          <p:attrName>style.visibility</p:attrName>
+                                        </p:attrNameLst>
+                                      </p:cBhvr>
+                                      <p:to>
+                                        <p:strVal val="visible"/>
+                                      </p:to>
+                                    </p:set>
+                                  </p:childTnLst>
+                                </p:cTn>
+                              </p:par>
+                              <p:par>
+                                <p:cTn id="19" presetID="1" presetClass="entr" presetSubtype="0" fill="hold" nodeType="withEffect">
+                                  <p:stCondLst>
+                                    <p:cond delay="0"/>
+                                  </p:stCondLst>
+                                  <p:childTnLst>
+                                    <p:set>
+                                      <p:cBhvr>
+                                        <p:cTn id="20" dur="1" fill="hold">
+                                          <p:stCondLst>
+                                            <p:cond delay="0"/>
+                                          </p:stCondLst>
+                                        </p:cTn>
+                                        <p:tgtEl>
+                                          <p:spTgt spid="9">
+                                            <p:txEl>
+                                              <p:pRg st="8" end="8"/>
+                                            </p:txEl>
+                                          </p:spTgt>
+                                        </p:tgtEl>
+                                        <p:attrNameLst>
+                                          <p:attrName>style.visibility</p:attrName>
+                                        </p:attrNameLst>
+                                      </p:cBhvr>
+                                      <p:to>
+                                        <p:strVal val="visible"/>
+                                      </p:to>
+                                    </p:set>
+                                  </p:childTnLst>
+                                </p:cTn>
+                              </p:par>
+                            </p:childTnLst>
+                          </p:cTn>
+                        </p:par>
+                      </p:childTnLst>
+                    </p:cTn>
+                  </p:par>
+                  <p:par>
+                    <p:cTn id="21" fill="hold">
+                      <p:stCondLst>
+                        <p:cond delay="indefinite"/>
+                      </p:stCondLst>
+                      <p:childTnLst>
+                        <p:par>
+                          <p:cTn id="22" fill="hold">
+                            <p:stCondLst>
+                              <p:cond delay="0"/>
+                            </p:stCondLst>
+                            <p:childTnLst>
+                              <p:par>
+                                <p:cTn id="23" presetID="1" presetClass="entr" presetSubtype="0" fill="hold" nodeType="clickEffect">
+                                  <p:stCondLst>
+                                    <p:cond delay="0"/>
+                                  </p:stCondLst>
+                                  <p:childTnLst>
+                                    <p:set>
+                                      <p:cBhvr>
+                                        <p:cTn id="24" dur="1" fill="hold">
+                                          <p:stCondLst>
+                                            <p:cond delay="0"/>
+                                          </p:stCondLst>
+                                        </p:cTn>
+                                        <p:tgtEl>
+                                          <p:spTgt spid="3">
+                                            <p:txEl>
+                                              <p:pRg st="0" end="0"/>
+                                            </p:txEl>
+                                          </p:spTgt>
+                                        </p:tgtEl>
+                                        <p:attrNameLst>
+                                          <p:attrName>style.visibility</p:attrName>
+                                        </p:attrNameLst>
+                                      </p:cBhvr>
+                                      <p:to>
+                                        <p:strVal val="visible"/>
+                                      </p:to>
+                                    </p:set>
+                                  </p:childTnLst>
+                                </p:cTn>
+                              </p:par>
+                              <p:par>
+                                <p:cTn id="25" presetID="1" presetClass="entr" presetSubtype="0" fill="hold" nodeType="withEffect">
+                                  <p:stCondLst>
+                                    <p:cond delay="0"/>
+                                  </p:stCondLst>
+                                  <p:childTnLst>
+                                    <p:set>
+                                      <p:cBhvr>
+                                        <p:cTn id="26" dur="1" fill="hold">
+                                          <p:stCondLst>
+                                            <p:cond delay="0"/>
+                                          </p:stCondLst>
+                                        </p:cTn>
+                                        <p:tgtEl>
+                                          <p:spTgt spid="3">
+                                            <p:txEl>
+                                              <p:pRg st="1" end="1"/>
+                                            </p:txEl>
+                                          </p:spTgt>
+                                        </p:tgtEl>
+                                        <p:attrNameLst>
+                                          <p:attrName>style.visibility</p:attrName>
+                                        </p:attrNameLst>
+                                      </p:cBhvr>
+                                      <p:to>
+                                        <p:strVal val="visible"/>
+                                      </p:to>
+                                    </p:set>
+                                  </p:childTnLst>
+                                </p:cTn>
+                              </p:par>
+                            </p:childTnLst>
+                          </p:cTn>
+                        </p:par>
+                      </p:childTnLst>
+                    </p:cTn>
+                  </p:par>
+                  <p:par>
+                    <p:cTn id="27" fill="hold">
+                      <p:stCondLst>
+                        <p:cond delay="indefinite"/>
+                      </p:stCondLst>
+                      <p:childTnLst>
+                        <p:par>
+                          <p:cTn id="28" fill="hold">
+                            <p:stCondLst>
+                              <p:cond delay="0"/>
+                            </p:stCondLst>
+                            <p:childTnLst>
+                              <p:par>
+                                <p:cTn id="29" presetID="1" presetClass="entr" presetSubtype="0" fill="hold" nodeType="clickEffect">
+                                  <p:stCondLst>
+                                    <p:cond delay="0"/>
+                                  </p:stCondLst>
+                                  <p:childTnLst>
+                                    <p:set>
+                                      <p:cBhvr>
+                                        <p:cTn id="30" dur="1" fill="hold">
+                                          <p:stCondLst>
+                                            <p:cond delay="0"/>
+                                          </p:stCondLst>
+                                        </p:cTn>
+                                        <p:tgtEl>
+                                          <p:spTgt spid="5">
+                                            <p:txEl>
+                                              <p:pRg st="0" end="0"/>
+                                            </p:txEl>
+                                          </p:spTgt>
+                                        </p:tgtEl>
+                                        <p:attrNameLst>
+                                          <p:attrName>style.visibility</p:attrName>
+                                        </p:attrNameLst>
+                                      </p:cBhvr>
+                                      <p:to>
+                                        <p:strVal val="visible"/>
+                                      </p:to>
+                                    </p:set>
+                                  </p:childTnLst>
+                                </p:cTn>
+                              </p:par>
+                              <p:par>
+                                <p:cTn id="31" presetID="1" presetClass="entr" presetSubtype="0" fill="hold" nodeType="withEffect">
+                                  <p:stCondLst>
+                                    <p:cond delay="0"/>
+                                  </p:stCondLst>
+                                  <p:childTnLst>
+                                    <p:set>
+                                      <p:cBhvr>
+                                        <p:cTn id="32" dur="1" fill="hold">
+                                          <p:stCondLst>
+                                            <p:cond delay="0"/>
+                                          </p:stCondLst>
+                                        </p:cTn>
+                                        <p:tgtEl>
+                                          <p:spTgt spid="5">
+                                            <p:txEl>
+                                              <p:pRg st="1" end="1"/>
+                                            </p:txEl>
+                                          </p:spTgt>
+                                        </p:tgtEl>
+                                        <p:attrNameLst>
+                                          <p:attrName>style.visibility</p:attrName>
+                                        </p:attrNameLst>
+                                      </p:cBhvr>
+                                      <p:to>
+                                        <p:strVal val="visible"/>
+                                      </p:to>
+                                    </p:set>
+                                  </p:childTnLst>
+                                </p:cTn>
+                              </p:par>
+                            </p:childTnLst>
+                          </p:cTn>
+                        </p:par>
+                      </p:childTnLst>
+                    </p:cTn>
+                  </p:par>
+                </p:childTnLst>
+              </p:cTn>
+              <p:prevCondLst>
+                <p:cond evt="onPrev" delay="0">
+                  <p:tgtEl>
+                    <p:sldTgt/>
+                  </p:tgtEl>
+                </p:cond>
+              </p:prevCondLst>
+              <p:nextCondLst>
+                <p:cond evt="onNext" delay="0">
+                  <p:tgtEl>
+                    <p:sldTgt/>
+                  </p:tgtEl>
+                </p:cond>
+              </p:nextCondLst>
+            </p:seq>
+          </p:childTnLst>
+        </p:cTn>
+      </p:par>
+    </p:tnLst>
+  </p:timing>
+</p:sld>
+</file>
+
+<file path=ppt/slides/slide11.xml><?xml version="1.0" encoding="utf-8"?>
+<p:sld xmlns:a="http://schemas.openxmlformats.org/drawingml/2006/main" xmlns:r="http://schemas.openxmlformats.org/officeDocument/2006/relationships" xmlns:p="http://schemas.openxmlformats.org/presentationml/2006/main">
+  <p:cSld>
+    <p:spTree>
+      <p:nvGrpSpPr>
+        <p:cNvPr id="1" name=""/>
+        <p:cNvGrpSpPr/>
+        <p:nvPr/>
+      </p:nvGrpSpPr>
+      <p:grpSpPr>
+        <a:xfrm>
+          <a:off x="0" y="0"/>
+          <a:ext cx="0" cy="0"/>
+          <a:chOff x="0" y="0"/>
+          <a:chExt cx="0" cy="0"/>
+        </a:xfrm>
+      </p:grpSpPr>
+      <p:sp>
+        <p:nvSpPr>
+          <p:cNvPr id="2" name="Title 1">
+            <a:extLst>
+              <a:ext uri="{FF2B5EF4-FFF2-40B4-BE49-F238E27FC236}">
+                <a16:creationId xmlns:a16="http://schemas.microsoft.com/office/drawing/2014/main" id="{AA3A228F-61D0-D949-A5E7-F83756230BF8}"/>
+              </a:ext>
+            </a:extLst>
+          </p:cNvPr>
+          <p:cNvSpPr>
+            <a:spLocks noGrp="1"/>
+          </p:cNvSpPr>
+          <p:nvPr>
+            <p:ph type="title"/>
+          </p:nvPr>
+        </p:nvSpPr>
+        <p:spPr>
+          <a:xfrm>
+            <a:off x="483848" y="467027"/>
+            <a:ext cx="7053542" cy="683886"/>
+          </a:xfrm>
+        </p:spPr>
+        <p:txBody>
+          <a:bodyPr/>
+          <a:lstStyle/>
+          <a:p>
+            <a:r>
+              <a:rPr lang="en-US" dirty="0"/>
+              <a:t>Built-in Functions</a:t>
+            </a:r>
+          </a:p>
+        </p:txBody>
+      </p:sp>
+      <p:sp>
+        <p:nvSpPr>
+          <p:cNvPr id="9" name="Content Placeholder 8">
+            <a:extLst>
+              <a:ext uri="{FF2B5EF4-FFF2-40B4-BE49-F238E27FC236}">
+                <a16:creationId xmlns:a16="http://schemas.microsoft.com/office/drawing/2014/main" id="{E3B2E017-30B2-884B-A113-B419A2ED51AD}"/>
+              </a:ext>
+            </a:extLst>
+          </p:cNvPr>
+          <p:cNvSpPr>
+            <a:spLocks noGrp="1"/>
+          </p:cNvSpPr>
+          <p:nvPr>
+            <p:ph idx="1"/>
+          </p:nvPr>
+        </p:nvSpPr>
+        <p:spPr>
+          <a:xfrm>
+            <a:off x="483848" y="1150913"/>
+            <a:ext cx="8051725" cy="4440590"/>
+          </a:xfrm>
+        </p:spPr>
+        <p:txBody>
+          <a:bodyPr>
+            <a:noAutofit/>
+          </a:bodyPr>
+          <a:lstStyle/>
+          <a:p>
+            <a:pPr marL="0" indent="0">
+              <a:buNone/>
+            </a:pPr>
+            <a:r>
+              <a:rPr lang="en-US" dirty="0"/>
+              <a:t>There are many useful built-in functions. These functions can be called directly without importing any modules.  </a:t>
+            </a:r>
+          </a:p>
+          <a:p>
+            <a:pPr marL="0" indent="0">
+              <a:buNone/>
+            </a:pPr>
+            <a:endParaRPr lang="en-US" dirty="0"/>
+          </a:p>
+          <a:p>
+            <a:pPr marL="0" indent="0">
+              <a:buNone/>
+            </a:pPr>
+            <a:r>
+              <a:rPr lang="en-US" dirty="0"/>
+              <a:t> </a:t>
+            </a:r>
+          </a:p>
+          <a:p>
+            <a:pPr marL="0" indent="0">
+              <a:buNone/>
+            </a:pPr>
+            <a:endParaRPr lang="en-US" dirty="0"/>
+          </a:p>
+          <a:p>
+            <a:pPr marL="0" indent="0">
+              <a:buNone/>
+            </a:pPr>
+            <a:endParaRPr lang="en-US" dirty="0"/>
+          </a:p>
+        </p:txBody>
+      </p:sp>
+      <p:graphicFrame>
+        <p:nvGraphicFramePr>
+          <p:cNvPr id="3" name="Table 2">
+            <a:extLst>
+              <a:ext uri="{FF2B5EF4-FFF2-40B4-BE49-F238E27FC236}">
+                <a16:creationId xmlns:a16="http://schemas.microsoft.com/office/drawing/2014/main" id="{57EBABBC-BF53-D54B-B535-A6EEF3CDBAF8}"/>
+              </a:ext>
+            </a:extLst>
+          </p:cNvPr>
+          <p:cNvGraphicFramePr>
+            <a:graphicFrameLocks noGrp="1"/>
+          </p:cNvGraphicFramePr>
+          <p:nvPr>
+            <p:extLst>
+              <p:ext uri="{D42A27DB-BD31-4B8C-83A1-F6EECF244321}">
+                <p14:modId xmlns:p14="http://schemas.microsoft.com/office/powerpoint/2010/main" val="103694027"/>
+              </p:ext>
+            </p:extLst>
+          </p:nvPr>
+        </p:nvGraphicFramePr>
+        <p:xfrm>
+          <a:off x="425450" y="2181589"/>
+          <a:ext cx="8293100" cy="2489200"/>
+        </p:xfrm>
+        <a:graphic>
+          <a:graphicData uri="http://schemas.openxmlformats.org/drawingml/2006/table">
+            <a:tbl>
+              <a:tblPr firstRow="1" bandRow="1">
+                <a:tableStyleId>{5940675A-B579-460E-94D1-54222C63F5DA}</a:tableStyleId>
+              </a:tblPr>
+              <a:tblGrid>
+                <a:gridCol w="2992868">
+                  <a:extLst>
+                    <a:ext uri="{9D8B030D-6E8A-4147-A177-3AD203B41FA5}">
+                      <a16:colId xmlns:a16="http://schemas.microsoft.com/office/drawing/2014/main" val="1372689344"/>
+                    </a:ext>
+                  </a:extLst>
+                </a:gridCol>
+                <a:gridCol w="5300232">
+                  <a:extLst>
+                    <a:ext uri="{9D8B030D-6E8A-4147-A177-3AD203B41FA5}">
+                      <a16:colId xmlns:a16="http://schemas.microsoft.com/office/drawing/2014/main" val="25896437"/>
+                    </a:ext>
+                  </a:extLst>
+                </a:gridCol>
+              </a:tblGrid>
+              <a:tr h="604520">
+                <a:tc>
+                  <a:txBody>
+                    <a:bodyPr/>
+                    <a:lstStyle/>
+                    <a:p>
+                      <a:r>
+                        <a:rPr lang="en-US" sz="1800" dirty="0"/>
+                        <a:t>abs()</a:t>
+                      </a:r>
+                    </a:p>
+                  </a:txBody>
+                  <a:tcPr/>
+                </a:tc>
+                <a:tc>
+                  <a:txBody>
+                    <a:bodyPr/>
+                    <a:lstStyle/>
+                    <a:p>
+                      <a:r>
+                        <a:rPr lang="en-US" sz="1800" dirty="0"/>
+                        <a:t>returns the absolute value of a numeric value.</a:t>
+                      </a:r>
+                    </a:p>
+                  </a:txBody>
+                  <a:tcPr/>
+                </a:tc>
+                <a:extLst>
+                  <a:ext uri="{0D108BD9-81ED-4DB2-BD59-A6C34878D82A}">
+                    <a16:rowId xmlns:a16="http://schemas.microsoft.com/office/drawing/2014/main" val="2024864045"/>
+                  </a:ext>
+                </a:extLst>
+              </a:tr>
+              <a:tr h="604520">
+                <a:tc>
+                  <a:txBody>
+                    <a:bodyPr/>
+                    <a:lstStyle/>
+                    <a:p>
+                      <a:pPr marL="0" marR="0" lvl="0" indent="0" algn="l" defTabSz="685800" rtl="0" eaLnBrk="1" fontAlgn="auto" latinLnBrk="0" hangingPunct="1">
+                        <a:lnSpc>
+                          <a:spcPct val="100000"/>
+                        </a:lnSpc>
+                        <a:spcBef>
+                          <a:spcPts val="0"/>
+                        </a:spcBef>
+                        <a:spcAft>
+                          <a:spcPts val="0"/>
+                        </a:spcAft>
+                        <a:buClrTx/>
+                        <a:buSzTx/>
+                        <a:buFontTx/>
+                        <a:buNone/>
+                        <a:tabLst/>
+                        <a:defRPr/>
+                      </a:pPr>
+                      <a:r>
+                        <a:rPr lang="en-US" sz="1800" dirty="0"/>
+                        <a:t>min(), max()</a:t>
+                      </a:r>
+                    </a:p>
+                  </a:txBody>
+                  <a:tcPr/>
+                </a:tc>
+                <a:tc>
+                  <a:txBody>
+                    <a:bodyPr/>
+                    <a:lstStyle/>
+                    <a:p>
+                      <a:r>
+                        <a:rPr lang="en-US" sz="1800" dirty="0"/>
+                        <a:t>returns the minimum and maximum of an </a:t>
+                      </a:r>
+                      <a:r>
+                        <a:rPr lang="en-US" sz="1800" dirty="0" err="1"/>
+                        <a:t>iterable</a:t>
+                      </a:r>
+                      <a:r>
+                        <a:rPr lang="en-US" sz="1800" dirty="0"/>
+                        <a:t>, respectively.</a:t>
+                      </a:r>
+                    </a:p>
+                  </a:txBody>
+                  <a:tcPr/>
+                </a:tc>
+                <a:extLst>
+                  <a:ext uri="{0D108BD9-81ED-4DB2-BD59-A6C34878D82A}">
+                    <a16:rowId xmlns:a16="http://schemas.microsoft.com/office/drawing/2014/main" val="2941287029"/>
+                  </a:ext>
+                </a:extLst>
+              </a:tr>
+              <a:tr h="604520">
+                <a:tc>
+                  <a:txBody>
+                    <a:bodyPr/>
+                    <a:lstStyle/>
+                    <a:p>
+                      <a:r>
+                        <a:rPr lang="en-US" sz="1800" dirty="0"/>
+                        <a:t>sorted(object, reverse=False)</a:t>
+                      </a:r>
+                    </a:p>
+                  </a:txBody>
+                  <a:tcPr/>
+                </a:tc>
+                <a:tc>
+                  <a:txBody>
+                    <a:bodyPr/>
+                    <a:lstStyle/>
+                    <a:p>
+                      <a:r>
+                        <a:rPr lang="en-US" sz="1800" dirty="0"/>
+                        <a:t>returns a sorted </a:t>
+                      </a:r>
+                      <a:r>
+                        <a:rPr lang="en-US" sz="1800" dirty="0" err="1"/>
+                        <a:t>iterable</a:t>
+                      </a:r>
+                      <a:r>
+                        <a:rPr lang="en-US" sz="1800" dirty="0"/>
+                        <a:t>. b=By default, sort the </a:t>
+                      </a:r>
+                      <a:r>
+                        <a:rPr lang="en-US" sz="1800" dirty="0" err="1"/>
+                        <a:t>iterable</a:t>
+                      </a:r>
+                      <a:r>
+                        <a:rPr lang="en-US" sz="1800" dirty="0"/>
+                        <a:t> in ascending order unless reverse=True.</a:t>
+                      </a:r>
+                    </a:p>
+                  </a:txBody>
+                  <a:tcPr/>
+                </a:tc>
+                <a:extLst>
+                  <a:ext uri="{0D108BD9-81ED-4DB2-BD59-A6C34878D82A}">
+                    <a16:rowId xmlns:a16="http://schemas.microsoft.com/office/drawing/2014/main" val="3567364839"/>
+                  </a:ext>
+                </a:extLst>
+              </a:tr>
+              <a:tr h="604520">
+                <a:tc>
+                  <a:txBody>
+                    <a:bodyPr/>
+                    <a:lstStyle/>
+                    <a:p>
+                      <a:r>
+                        <a:rPr lang="en-US" sz="1800" dirty="0"/>
+                        <a:t>sum()</a:t>
+                      </a:r>
+                    </a:p>
+                  </a:txBody>
+                  <a:tcPr/>
+                </a:tc>
+                <a:tc>
+                  <a:txBody>
+                    <a:bodyPr/>
+                    <a:lstStyle/>
+                    <a:p>
+                      <a:r>
+                        <a:rPr lang="en-US" sz="1800" dirty="0"/>
+                        <a:t>returns the sum of an </a:t>
+                      </a:r>
+                      <a:r>
+                        <a:rPr lang="en-US" sz="1800" dirty="0" err="1"/>
+                        <a:t>iterable</a:t>
+                      </a:r>
+                      <a:r>
+                        <a:rPr lang="en-US" sz="1800" dirty="0"/>
+                        <a:t>.</a:t>
+                      </a:r>
+                      <a:endParaRPr lang="en-US" sz="1800" b="1" dirty="0"/>
+                    </a:p>
+                  </a:txBody>
+                  <a:tcPr/>
+                </a:tc>
+                <a:extLst>
+                  <a:ext uri="{0D108BD9-81ED-4DB2-BD59-A6C34878D82A}">
+                    <a16:rowId xmlns:a16="http://schemas.microsoft.com/office/drawing/2014/main" val="2059888123"/>
+                  </a:ext>
+                </a:extLst>
+              </a:tr>
+            </a:tbl>
+          </a:graphicData>
+        </a:graphic>
+      </p:graphicFrame>
+    </p:spTree>
+    <p:extLst>
+      <p:ext uri="{BB962C8B-B14F-4D97-AF65-F5344CB8AC3E}">
+        <p14:creationId xmlns:p14="http://schemas.microsoft.com/office/powerpoint/2010/main" val="470149039"/>
+      </p:ext>
+    </p:extLst>
+  </p:cSld>
+  <p:clrMapOvr>
+    <a:masterClrMapping/>
+  </p:clrMapOvr>
+</p:sld>
+</file>
+
+<file path=ppt/slides/slide12.xml><?xml version="1.0" encoding="utf-8"?>
+<p:sld xmlns:a="http://schemas.openxmlformats.org/drawingml/2006/main" xmlns:r="http://schemas.openxmlformats.org/officeDocument/2006/relationships" xmlns:p="http://schemas.openxmlformats.org/presentationml/2006/main">
+  <p:cSld>
+    <p:spTree>
+      <p:nvGrpSpPr>
+        <p:cNvPr id="1" name=""/>
+        <p:cNvGrpSpPr/>
+        <p:nvPr/>
+      </p:nvGrpSpPr>
+      <p:grpSpPr>
+        <a:xfrm>
+          <a:off x="0" y="0"/>
+          <a:ext cx="0" cy="0"/>
+          <a:chOff x="0" y="0"/>
+          <a:chExt cx="0" cy="0"/>
+        </a:xfrm>
+      </p:grpSpPr>
+      <p:sp>
+        <p:nvSpPr>
+          <p:cNvPr id="2" name="Title 1">
+            <a:extLst>
+              <a:ext uri="{FF2B5EF4-FFF2-40B4-BE49-F238E27FC236}">
+                <a16:creationId xmlns:a16="http://schemas.microsoft.com/office/drawing/2014/main" id="{AA3A228F-61D0-D949-A5E7-F83756230BF8}"/>
+              </a:ext>
+            </a:extLst>
+          </p:cNvPr>
+          <p:cNvSpPr>
+            <a:spLocks noGrp="1"/>
+          </p:cNvSpPr>
+          <p:nvPr>
+            <p:ph type="title"/>
+          </p:nvPr>
+        </p:nvSpPr>
+        <p:spPr>
+          <a:xfrm>
+            <a:off x="483848" y="467027"/>
+            <a:ext cx="7053542" cy="683886"/>
+          </a:xfrm>
+        </p:spPr>
+        <p:txBody>
+          <a:bodyPr/>
+          <a:lstStyle/>
+          <a:p>
+            <a:r>
+              <a:rPr lang="en-US" dirty="0"/>
               <a:t>Built-in Functions</a:t>
             </a:r>
           </a:p>
@@ -4975,7 +6660,7 @@
 </p:sld>
 </file>
 
-<file path=ppt/slides/slide11.xml><?xml version="1.0" encoding="utf-8"?>
+<file path=ppt/slides/slide13.xml><?xml version="1.0" encoding="utf-8"?>
 <p:sld xmlns:a="http://schemas.openxmlformats.org/drawingml/2006/main" xmlns:r="http://schemas.openxmlformats.org/officeDocument/2006/relationships" xmlns:p="http://schemas.openxmlformats.org/presentationml/2006/main">
   <p:cSld>
     <p:spTree>
@@ -5884,7 +7569,7 @@
 </p:sld>
 </file>
 
-<file path=ppt/slides/slide12.xml><?xml version="1.0" encoding="utf-8"?>
+<file path=ppt/slides/slide14.xml><?xml version="1.0" encoding="utf-8"?>
 <p:sld xmlns:a="http://schemas.openxmlformats.org/drawingml/2006/main" xmlns:r="http://schemas.openxmlformats.org/officeDocument/2006/relationships" xmlns:p="http://schemas.openxmlformats.org/presentationml/2006/main">
   <p:cSld>
     <p:spTree>
@@ -6210,7 +7895,7 @@
 </p:sld>
 </file>
 
-<file path=ppt/slides/slide13.xml><?xml version="1.0" encoding="utf-8"?>
+<file path=ppt/slides/slide15.xml><?xml version="1.0" encoding="utf-8"?>
 <p:sld xmlns:a="http://schemas.openxmlformats.org/drawingml/2006/main" xmlns:r="http://schemas.openxmlformats.org/officeDocument/2006/relationships" xmlns:p="http://schemas.openxmlformats.org/presentationml/2006/main">
   <p:cSld>
     <p:spTree>
@@ -6582,7 +8267,7 @@
 </p:sld>
 </file>
 
-<file path=ppt/slides/slide14.xml><?xml version="1.0" encoding="utf-8"?>
+<file path=ppt/slides/slide16.xml><?xml version="1.0" encoding="utf-8"?>
 <p:sld xmlns:a="http://schemas.openxmlformats.org/drawingml/2006/main" xmlns:r="http://schemas.openxmlformats.org/officeDocument/2006/relationships" xmlns:p="http://schemas.openxmlformats.org/presentationml/2006/main">
   <p:cSld>
     <p:spTree>
@@ -6935,7 +8620,7 @@
 </p:sld>
 </file>
 
-<file path=ppt/slides/slide15.xml><?xml version="1.0" encoding="utf-8"?>
+<file path=ppt/slides/slide17.xml><?xml version="1.0" encoding="utf-8"?>
 <p:sld xmlns:a="http://schemas.openxmlformats.org/drawingml/2006/main" xmlns:r="http://schemas.openxmlformats.org/officeDocument/2006/relationships" xmlns:p="http://schemas.openxmlformats.org/presentationml/2006/main">
   <p:cSld>
     <p:spTree>
@@ -7162,7 +8847,7 @@
 </p:sld>
 </file>
 
-<file path=ppt/slides/slide16.xml><?xml version="1.0" encoding="utf-8"?>
+<file path=ppt/slides/slide18.xml><?xml version="1.0" encoding="utf-8"?>
 <p:sld xmlns:a="http://schemas.openxmlformats.org/drawingml/2006/main" xmlns:r="http://schemas.openxmlformats.org/officeDocument/2006/relationships" xmlns:p="http://schemas.openxmlformats.org/presentationml/2006/main">
   <p:cSld>
     <p:spTree>
@@ -7551,7 +9236,7 @@
 </p:sld>
 </file>
 
-<file path=ppt/slides/slide17.xml><?xml version="1.0" encoding="utf-8"?>
+<file path=ppt/slides/slide19.xml><?xml version="1.0" encoding="utf-8"?>
 <p:sld xmlns:a="http://schemas.openxmlformats.org/drawingml/2006/main" xmlns:r="http://schemas.openxmlformats.org/officeDocument/2006/relationships" xmlns:p="http://schemas.openxmlformats.org/presentationml/2006/main">
   <p:cSld>
     <p:spTree>
@@ -7816,7 +9501,249 @@
 </p:sld>
 </file>
 
-<file path=ppt/slides/slide18.xml><?xml version="1.0" encoding="utf-8"?>
+<file path=ppt/slides/slide2.xml><?xml version="1.0" encoding="utf-8"?>
+<p:sld xmlns:a="http://schemas.openxmlformats.org/drawingml/2006/main" xmlns:r="http://schemas.openxmlformats.org/officeDocument/2006/relationships" xmlns:p="http://schemas.openxmlformats.org/presentationml/2006/main">
+  <p:cSld>
+    <p:spTree>
+      <p:nvGrpSpPr>
+        <p:cNvPr id="1" name=""/>
+        <p:cNvGrpSpPr/>
+        <p:nvPr/>
+      </p:nvGrpSpPr>
+      <p:grpSpPr>
+        <a:xfrm>
+          <a:off x="0" y="0"/>
+          <a:ext cx="0" cy="0"/>
+          <a:chOff x="0" y="0"/>
+          <a:chExt cx="0" cy="0"/>
+        </a:xfrm>
+      </p:grpSpPr>
+      <p:sp>
+        <p:nvSpPr>
+          <p:cNvPr id="2" name="Title 1">
+            <a:extLst>
+              <a:ext uri="{FF2B5EF4-FFF2-40B4-BE49-F238E27FC236}">
+                <a16:creationId xmlns:a16="http://schemas.microsoft.com/office/drawing/2014/main" id="{AA3A228F-61D0-D949-A5E7-F83756230BF8}"/>
+              </a:ext>
+            </a:extLst>
+          </p:cNvPr>
+          <p:cNvSpPr>
+            <a:spLocks noGrp="1"/>
+          </p:cNvSpPr>
+          <p:nvPr>
+            <p:ph type="title"/>
+          </p:nvPr>
+        </p:nvSpPr>
+        <p:spPr>
+          <a:xfrm>
+            <a:off x="483848" y="467027"/>
+            <a:ext cx="7053542" cy="683886"/>
+          </a:xfrm>
+        </p:spPr>
+        <p:txBody>
+          <a:bodyPr/>
+          <a:lstStyle/>
+          <a:p>
+            <a:r>
+              <a:rPr lang="en-US" dirty="0"/>
+              <a:t>Topics</a:t>
+            </a:r>
+          </a:p>
+        </p:txBody>
+      </p:sp>
+      <p:sp>
+        <p:nvSpPr>
+          <p:cNvPr id="9" name="Content Placeholder 8">
+            <a:extLst>
+              <a:ext uri="{FF2B5EF4-FFF2-40B4-BE49-F238E27FC236}">
+                <a16:creationId xmlns:a16="http://schemas.microsoft.com/office/drawing/2014/main" id="{E3B2E017-30B2-884B-A113-B419A2ED51AD}"/>
+              </a:ext>
+            </a:extLst>
+          </p:cNvPr>
+          <p:cNvSpPr>
+            <a:spLocks noGrp="1"/>
+          </p:cNvSpPr>
+          <p:nvPr>
+            <p:ph idx="1"/>
+          </p:nvPr>
+        </p:nvSpPr>
+        <p:spPr>
+          <a:xfrm>
+            <a:off x="483848" y="1288073"/>
+            <a:ext cx="8051725" cy="4303429"/>
+          </a:xfrm>
+        </p:spPr>
+        <p:txBody>
+          <a:bodyPr/>
+          <a:lstStyle/>
+          <a:p>
+            <a:pPr marL="0" indent="0">
+              <a:buNone/>
+            </a:pPr>
+            <a:endParaRPr lang="en-US" dirty="0">
+              <a:latin typeface="Gill Sans MT" panose="020B0502020104020203" pitchFamily="34" charset="77"/>
+            </a:endParaRPr>
+          </a:p>
+          <a:p>
+            <a:pPr marL="457200" indent="-457200">
+              <a:buAutoNum type="arabicParenR"/>
+            </a:pPr>
+            <a:r>
+              <a:rPr lang="en-US" dirty="0">
+                <a:latin typeface="Gill Sans MT" panose="020B0502020104020203" pitchFamily="34" charset="77"/>
+              </a:rPr>
+              <a:t>Functions</a:t>
+            </a:r>
+          </a:p>
+          <a:p>
+            <a:pPr marL="685800" lvl="1" indent="-342900">
+              <a:buAutoNum type="alphaLcParenR"/>
+            </a:pPr>
+            <a:r>
+              <a:rPr lang="en-US" dirty="0">
+                <a:latin typeface="Gill Sans MT" panose="020B0502020104020203" pitchFamily="34" charset="77"/>
+              </a:rPr>
+              <a:t>Positional Arguments</a:t>
+            </a:r>
+          </a:p>
+          <a:p>
+            <a:pPr marL="685800" lvl="1" indent="-342900">
+              <a:buAutoNum type="alphaLcParenR"/>
+            </a:pPr>
+            <a:r>
+              <a:rPr lang="en-US" dirty="0">
+                <a:latin typeface="Gill Sans MT" panose="020B0502020104020203" pitchFamily="34" charset="77"/>
+              </a:rPr>
+              <a:t>Keyword Arguments</a:t>
+            </a:r>
+          </a:p>
+          <a:p>
+            <a:pPr marL="685800" lvl="1" indent="-342900">
+              <a:buAutoNum type="alphaLcParenR"/>
+            </a:pPr>
+            <a:r>
+              <a:rPr lang="en-US" dirty="0">
+                <a:latin typeface="Gill Sans MT" panose="020B0502020104020203" pitchFamily="34" charset="77"/>
+              </a:rPr>
+              <a:t>Default Values</a:t>
+            </a:r>
+          </a:p>
+          <a:p>
+            <a:pPr marL="342900" indent="-342900">
+              <a:buAutoNum type="arabicParenR"/>
+            </a:pPr>
+            <a:r>
+              <a:rPr lang="en-US" dirty="0">
+                <a:latin typeface="Gill Sans MT" panose="020B0502020104020203" pitchFamily="34" charset="77"/>
+              </a:rPr>
+              <a:t>Built-in Functions</a:t>
+            </a:r>
+          </a:p>
+          <a:p>
+            <a:pPr marL="342900" indent="-342900">
+              <a:buAutoNum type="arabicParenR"/>
+            </a:pPr>
+            <a:r>
+              <a:rPr lang="en-US" dirty="0">
+                <a:latin typeface="Gill Sans MT" panose="020B0502020104020203" pitchFamily="34" charset="77"/>
+              </a:rPr>
+              <a:t>Installing and Running a Python Script</a:t>
+            </a:r>
+          </a:p>
+          <a:p>
+            <a:pPr marL="342900" indent="-342900">
+              <a:buAutoNum type="arabicParenR"/>
+            </a:pPr>
+            <a:r>
+              <a:rPr lang="en-US" dirty="0">
+                <a:latin typeface="Gill Sans MT" panose="020B0502020104020203" pitchFamily="34" charset="77"/>
+              </a:rPr>
+              <a:t>Execution of a Script</a:t>
+            </a:r>
+          </a:p>
+          <a:p>
+            <a:pPr marL="342900" indent="-342900">
+              <a:buAutoNum type="arabicParenR"/>
+            </a:pPr>
+            <a:r>
+              <a:rPr lang="en-US" dirty="0">
+                <a:latin typeface="Gill Sans MT" panose="020B0502020104020203" pitchFamily="34" charset="77"/>
+              </a:rPr>
+              <a:t>main()</a:t>
+            </a:r>
+          </a:p>
+          <a:p>
+            <a:pPr marL="342900" indent="-342900">
+              <a:buAutoNum type="arabicParenR"/>
+            </a:pPr>
+            <a:endParaRPr lang="en-US" dirty="0">
+              <a:latin typeface="Gill Sans MT" panose="020B0502020104020203" pitchFamily="34" charset="77"/>
+            </a:endParaRPr>
+          </a:p>
+          <a:p>
+            <a:pPr marL="685800" lvl="1" indent="-342900">
+              <a:buAutoNum type="alphaLcParenR"/>
+            </a:pPr>
+            <a:endParaRPr lang="en-US" dirty="0">
+              <a:latin typeface="Gill Sans MT" panose="020B0502020104020203" pitchFamily="34" charset="77"/>
+            </a:endParaRPr>
+          </a:p>
+          <a:p>
+            <a:pPr marL="0" indent="0">
+              <a:buNone/>
+            </a:pPr>
+            <a:endParaRPr lang="en-US" dirty="0">
+              <a:latin typeface="Gill Sans MT" panose="020B0502020104020203" pitchFamily="34" charset="77"/>
+            </a:endParaRPr>
+          </a:p>
+          <a:p>
+            <a:pPr marL="457200" indent="-457200">
+              <a:buAutoNum type="arabicParenR"/>
+            </a:pPr>
+            <a:endParaRPr lang="en-US" dirty="0">
+              <a:latin typeface="Gill Sans MT" panose="020B0502020104020203" pitchFamily="34" charset="77"/>
+            </a:endParaRPr>
+          </a:p>
+          <a:p>
+            <a:pPr marL="457200" indent="-457200">
+              <a:buAutoNum type="arabicParenR"/>
+            </a:pPr>
+            <a:endParaRPr lang="en-US" dirty="0">
+              <a:latin typeface="Gill Sans MT" panose="020B0502020104020203" pitchFamily="34" charset="77"/>
+            </a:endParaRPr>
+          </a:p>
+          <a:p>
+            <a:pPr marL="0" indent="0">
+              <a:buNone/>
+            </a:pPr>
+            <a:endParaRPr lang="en-US" dirty="0">
+              <a:latin typeface="Gill Sans MT" panose="020B0502020104020203" pitchFamily="34" charset="77"/>
+            </a:endParaRPr>
+          </a:p>
+          <a:p>
+            <a:pPr marL="0" indent="0">
+              <a:buNone/>
+            </a:pPr>
+            <a:endParaRPr lang="en-US" b="1" dirty="0">
+              <a:latin typeface="Gill Sans MT" panose="020B0502020104020203" pitchFamily="34" charset="77"/>
+            </a:endParaRPr>
+          </a:p>
+        </p:txBody>
+      </p:sp>
+    </p:spTree>
+    <p:extLst>
+      <p:ext uri="{BB962C8B-B14F-4D97-AF65-F5344CB8AC3E}">
+        <p14:creationId xmlns:p14="http://schemas.microsoft.com/office/powerpoint/2010/main" val="131840209"/>
+      </p:ext>
+    </p:extLst>
+  </p:cSld>
+  <p:clrMapOvr>
+    <a:masterClrMapping/>
+  </p:clrMapOvr>
+</p:sld>
+</file>
+
+<file path=ppt/slides/slide20.xml><?xml version="1.0" encoding="utf-8"?>
 <p:sld xmlns:a="http://schemas.openxmlformats.org/drawingml/2006/main" xmlns:r="http://schemas.openxmlformats.org/officeDocument/2006/relationships" xmlns:p="http://schemas.openxmlformats.org/presentationml/2006/main">
   <p:cSld>
     <p:spTree>
@@ -8635,7 +10562,7 @@
 </p:sld>
 </file>
 
-<file path=ppt/slides/slide19.xml><?xml version="1.0" encoding="utf-8"?>
+<file path=ppt/slides/slide21.xml><?xml version="1.0" encoding="utf-8"?>
 <p:sld xmlns:a="http://schemas.openxmlformats.org/drawingml/2006/main" xmlns:r="http://schemas.openxmlformats.org/officeDocument/2006/relationships" xmlns:p="http://schemas.openxmlformats.org/presentationml/2006/main">
   <p:cSld>
     <p:spTree>
@@ -9444,249 +11371,7 @@
 </p:sld>
 </file>
 
-<file path=ppt/slides/slide2.xml><?xml version="1.0" encoding="utf-8"?>
-<p:sld xmlns:a="http://schemas.openxmlformats.org/drawingml/2006/main" xmlns:r="http://schemas.openxmlformats.org/officeDocument/2006/relationships" xmlns:p="http://schemas.openxmlformats.org/presentationml/2006/main">
-  <p:cSld>
-    <p:spTree>
-      <p:nvGrpSpPr>
-        <p:cNvPr id="1" name=""/>
-        <p:cNvGrpSpPr/>
-        <p:nvPr/>
-      </p:nvGrpSpPr>
-      <p:grpSpPr>
-        <a:xfrm>
-          <a:off x="0" y="0"/>
-          <a:ext cx="0" cy="0"/>
-          <a:chOff x="0" y="0"/>
-          <a:chExt cx="0" cy="0"/>
-        </a:xfrm>
-      </p:grpSpPr>
-      <p:sp>
-        <p:nvSpPr>
-          <p:cNvPr id="2" name="Title 1">
-            <a:extLst>
-              <a:ext uri="{FF2B5EF4-FFF2-40B4-BE49-F238E27FC236}">
-                <a16:creationId xmlns:a16="http://schemas.microsoft.com/office/drawing/2014/main" id="{AA3A228F-61D0-D949-A5E7-F83756230BF8}"/>
-              </a:ext>
-            </a:extLst>
-          </p:cNvPr>
-          <p:cNvSpPr>
-            <a:spLocks noGrp="1"/>
-          </p:cNvSpPr>
-          <p:nvPr>
-            <p:ph type="title"/>
-          </p:nvPr>
-        </p:nvSpPr>
-        <p:spPr>
-          <a:xfrm>
-            <a:off x="483848" y="467027"/>
-            <a:ext cx="7053542" cy="683886"/>
-          </a:xfrm>
-        </p:spPr>
-        <p:txBody>
-          <a:bodyPr/>
-          <a:lstStyle/>
-          <a:p>
-            <a:r>
-              <a:rPr lang="en-US" dirty="0"/>
-              <a:t>Topics</a:t>
-            </a:r>
-          </a:p>
-        </p:txBody>
-      </p:sp>
-      <p:sp>
-        <p:nvSpPr>
-          <p:cNvPr id="9" name="Content Placeholder 8">
-            <a:extLst>
-              <a:ext uri="{FF2B5EF4-FFF2-40B4-BE49-F238E27FC236}">
-                <a16:creationId xmlns:a16="http://schemas.microsoft.com/office/drawing/2014/main" id="{E3B2E017-30B2-884B-A113-B419A2ED51AD}"/>
-              </a:ext>
-            </a:extLst>
-          </p:cNvPr>
-          <p:cNvSpPr>
-            <a:spLocks noGrp="1"/>
-          </p:cNvSpPr>
-          <p:nvPr>
-            <p:ph idx="1"/>
-          </p:nvPr>
-        </p:nvSpPr>
-        <p:spPr>
-          <a:xfrm>
-            <a:off x="483848" y="1288073"/>
-            <a:ext cx="8051725" cy="4303429"/>
-          </a:xfrm>
-        </p:spPr>
-        <p:txBody>
-          <a:bodyPr/>
-          <a:lstStyle/>
-          <a:p>
-            <a:pPr marL="0" indent="0">
-              <a:buNone/>
-            </a:pPr>
-            <a:endParaRPr lang="en-US" dirty="0">
-              <a:latin typeface="Gill Sans MT" panose="020B0502020104020203" pitchFamily="34" charset="77"/>
-            </a:endParaRPr>
-          </a:p>
-          <a:p>
-            <a:pPr marL="457200" indent="-457200">
-              <a:buAutoNum type="arabicParenR"/>
-            </a:pPr>
-            <a:r>
-              <a:rPr lang="en-US" dirty="0">
-                <a:latin typeface="Gill Sans MT" panose="020B0502020104020203" pitchFamily="34" charset="77"/>
-              </a:rPr>
-              <a:t>Functions</a:t>
-            </a:r>
-          </a:p>
-          <a:p>
-            <a:pPr marL="685800" lvl="1" indent="-342900">
-              <a:buAutoNum type="alphaLcParenR"/>
-            </a:pPr>
-            <a:r>
-              <a:rPr lang="en-US" dirty="0">
-                <a:latin typeface="Gill Sans MT" panose="020B0502020104020203" pitchFamily="34" charset="77"/>
-              </a:rPr>
-              <a:t>Positional Arguments</a:t>
-            </a:r>
-          </a:p>
-          <a:p>
-            <a:pPr marL="685800" lvl="1" indent="-342900">
-              <a:buAutoNum type="alphaLcParenR"/>
-            </a:pPr>
-            <a:r>
-              <a:rPr lang="en-US" dirty="0">
-                <a:latin typeface="Gill Sans MT" panose="020B0502020104020203" pitchFamily="34" charset="77"/>
-              </a:rPr>
-              <a:t>Keyword Arguments</a:t>
-            </a:r>
-          </a:p>
-          <a:p>
-            <a:pPr marL="685800" lvl="1" indent="-342900">
-              <a:buAutoNum type="alphaLcParenR"/>
-            </a:pPr>
-            <a:r>
-              <a:rPr lang="en-US" dirty="0">
-                <a:latin typeface="Gill Sans MT" panose="020B0502020104020203" pitchFamily="34" charset="77"/>
-              </a:rPr>
-              <a:t>Default Values</a:t>
-            </a:r>
-          </a:p>
-          <a:p>
-            <a:pPr marL="342900" indent="-342900">
-              <a:buAutoNum type="arabicParenR"/>
-            </a:pPr>
-            <a:r>
-              <a:rPr lang="en-US" dirty="0">
-                <a:latin typeface="Gill Sans MT" panose="020B0502020104020203" pitchFamily="34" charset="77"/>
-              </a:rPr>
-              <a:t>Built-in Functions</a:t>
-            </a:r>
-          </a:p>
-          <a:p>
-            <a:pPr marL="342900" indent="-342900">
-              <a:buAutoNum type="arabicParenR"/>
-            </a:pPr>
-            <a:r>
-              <a:rPr lang="en-US" dirty="0">
-                <a:latin typeface="Gill Sans MT" panose="020B0502020104020203" pitchFamily="34" charset="77"/>
-              </a:rPr>
-              <a:t>Installing and Running a Python Script</a:t>
-            </a:r>
-          </a:p>
-          <a:p>
-            <a:pPr marL="342900" indent="-342900">
-              <a:buAutoNum type="arabicParenR"/>
-            </a:pPr>
-            <a:r>
-              <a:rPr lang="en-US" dirty="0">
-                <a:latin typeface="Gill Sans MT" panose="020B0502020104020203" pitchFamily="34" charset="77"/>
-              </a:rPr>
-              <a:t>Execution of a Script</a:t>
-            </a:r>
-          </a:p>
-          <a:p>
-            <a:pPr marL="342900" indent="-342900">
-              <a:buAutoNum type="arabicParenR"/>
-            </a:pPr>
-            <a:r>
-              <a:rPr lang="en-US" dirty="0">
-                <a:latin typeface="Gill Sans MT" panose="020B0502020104020203" pitchFamily="34" charset="77"/>
-              </a:rPr>
-              <a:t>main()</a:t>
-            </a:r>
-          </a:p>
-          <a:p>
-            <a:pPr marL="342900" indent="-342900">
-              <a:buAutoNum type="arabicParenR"/>
-            </a:pPr>
-            <a:endParaRPr lang="en-US" dirty="0">
-              <a:latin typeface="Gill Sans MT" panose="020B0502020104020203" pitchFamily="34" charset="77"/>
-            </a:endParaRPr>
-          </a:p>
-          <a:p>
-            <a:pPr marL="685800" lvl="1" indent="-342900">
-              <a:buAutoNum type="alphaLcParenR"/>
-            </a:pPr>
-            <a:endParaRPr lang="en-US" dirty="0">
-              <a:latin typeface="Gill Sans MT" panose="020B0502020104020203" pitchFamily="34" charset="77"/>
-            </a:endParaRPr>
-          </a:p>
-          <a:p>
-            <a:pPr marL="0" indent="0">
-              <a:buNone/>
-            </a:pPr>
-            <a:endParaRPr lang="en-US" dirty="0">
-              <a:latin typeface="Gill Sans MT" panose="020B0502020104020203" pitchFamily="34" charset="77"/>
-            </a:endParaRPr>
-          </a:p>
-          <a:p>
-            <a:pPr marL="457200" indent="-457200">
-              <a:buAutoNum type="arabicParenR"/>
-            </a:pPr>
-            <a:endParaRPr lang="en-US" dirty="0">
-              <a:latin typeface="Gill Sans MT" panose="020B0502020104020203" pitchFamily="34" charset="77"/>
-            </a:endParaRPr>
-          </a:p>
-          <a:p>
-            <a:pPr marL="457200" indent="-457200">
-              <a:buAutoNum type="arabicParenR"/>
-            </a:pPr>
-            <a:endParaRPr lang="en-US" dirty="0">
-              <a:latin typeface="Gill Sans MT" panose="020B0502020104020203" pitchFamily="34" charset="77"/>
-            </a:endParaRPr>
-          </a:p>
-          <a:p>
-            <a:pPr marL="0" indent="0">
-              <a:buNone/>
-            </a:pPr>
-            <a:endParaRPr lang="en-US" dirty="0">
-              <a:latin typeface="Gill Sans MT" panose="020B0502020104020203" pitchFamily="34" charset="77"/>
-            </a:endParaRPr>
-          </a:p>
-          <a:p>
-            <a:pPr marL="0" indent="0">
-              <a:buNone/>
-            </a:pPr>
-            <a:endParaRPr lang="en-US" b="1" dirty="0">
-              <a:latin typeface="Gill Sans MT" panose="020B0502020104020203" pitchFamily="34" charset="77"/>
-            </a:endParaRPr>
-          </a:p>
-        </p:txBody>
-      </p:sp>
-    </p:spTree>
-    <p:extLst>
-      <p:ext uri="{BB962C8B-B14F-4D97-AF65-F5344CB8AC3E}">
-        <p14:creationId xmlns:p14="http://schemas.microsoft.com/office/powerpoint/2010/main" val="131840209"/>
-      </p:ext>
-    </p:extLst>
-  </p:cSld>
-  <p:clrMapOvr>
-    <a:masterClrMapping/>
-  </p:clrMapOvr>
-</p:sld>
-</file>
-
-<file path=ppt/slides/slide20.xml><?xml version="1.0" encoding="utf-8"?>
+<file path=ppt/slides/slide22.xml><?xml version="1.0" encoding="utf-8"?>
 <p:sld xmlns:a="http://schemas.openxmlformats.org/drawingml/2006/main" xmlns:r="http://schemas.openxmlformats.org/officeDocument/2006/relationships" xmlns:p="http://schemas.openxmlformats.org/presentationml/2006/main">
   <p:cSld>
     <p:spTree>
@@ -10731,7 +12416,7 @@
 </p:sld>
 </file>
 
-<file path=ppt/slides/slide21.xml><?xml version="1.0" encoding="utf-8"?>
+<file path=ppt/slides/slide23.xml><?xml version="1.0" encoding="utf-8"?>
 <p:sld xmlns:a="http://schemas.openxmlformats.org/drawingml/2006/main" xmlns:r="http://schemas.openxmlformats.org/officeDocument/2006/relationships" xmlns:p="http://schemas.openxmlformats.org/presentationml/2006/main">
   <p:cSld>
     <p:spTree>
@@ -11084,7 +12769,7 @@
 </p:sld>
 </file>
 
-<file path=ppt/slides/slide22.xml><?xml version="1.0" encoding="utf-8"?>
+<file path=ppt/slides/slide24.xml><?xml version="1.0" encoding="utf-8"?>
 <p:sld xmlns:a="http://schemas.openxmlformats.org/drawingml/2006/main" xmlns:r="http://schemas.openxmlformats.org/officeDocument/2006/relationships" xmlns:p="http://schemas.openxmlformats.org/presentationml/2006/main">
   <p:cSld>
     <p:spTree>
@@ -11997,7 +13682,1250 @@
 </p:sld>
 </file>
 
-<file path=ppt/slides/slide23.xml><?xml version="1.0" encoding="utf-8"?>
+<file path=ppt/slides/slide25.xml><?xml version="1.0" encoding="utf-8"?>
+<p:sld xmlns:a="http://schemas.openxmlformats.org/drawingml/2006/main" xmlns:r="http://schemas.openxmlformats.org/officeDocument/2006/relationships" xmlns:p="http://schemas.openxmlformats.org/presentationml/2006/main">
+  <p:cSld>
+    <p:spTree>
+      <p:nvGrpSpPr>
+        <p:cNvPr id="1" name=""/>
+        <p:cNvGrpSpPr/>
+        <p:nvPr/>
+      </p:nvGrpSpPr>
+      <p:grpSpPr>
+        <a:xfrm>
+          <a:off x="0" y="0"/>
+          <a:ext cx="0" cy="0"/>
+          <a:chOff x="0" y="0"/>
+          <a:chExt cx="0" cy="0"/>
+        </a:xfrm>
+      </p:grpSpPr>
+      <p:sp>
+        <p:nvSpPr>
+          <p:cNvPr id="2" name="Title 1">
+            <a:extLst>
+              <a:ext uri="{FF2B5EF4-FFF2-40B4-BE49-F238E27FC236}">
+                <a16:creationId xmlns:a16="http://schemas.microsoft.com/office/drawing/2014/main" id="{AA3A228F-61D0-D949-A5E7-F83756230BF8}"/>
+              </a:ext>
+            </a:extLst>
+          </p:cNvPr>
+          <p:cNvSpPr>
+            <a:spLocks noGrp="1"/>
+          </p:cNvSpPr>
+          <p:nvPr>
+            <p:ph type="title"/>
+          </p:nvPr>
+        </p:nvSpPr>
+        <p:spPr>
+          <a:xfrm>
+            <a:off x="483848" y="467027"/>
+            <a:ext cx="7053542" cy="683886"/>
+          </a:xfrm>
+        </p:spPr>
+        <p:txBody>
+          <a:bodyPr/>
+          <a:lstStyle/>
+          <a:p>
+            <a:r>
+              <a:rPr lang="en-US" dirty="0"/>
+              <a:t>Immutable Objects in Parameters</a:t>
+            </a:r>
+          </a:p>
+        </p:txBody>
+      </p:sp>
+      <p:sp>
+        <p:nvSpPr>
+          <p:cNvPr id="9" name="Content Placeholder 8">
+            <a:extLst>
+              <a:ext uri="{FF2B5EF4-FFF2-40B4-BE49-F238E27FC236}">
+                <a16:creationId xmlns:a16="http://schemas.microsoft.com/office/drawing/2014/main" id="{E3B2E017-30B2-884B-A113-B419A2ED51AD}"/>
+              </a:ext>
+            </a:extLst>
+          </p:cNvPr>
+          <p:cNvSpPr>
+            <a:spLocks noGrp="1"/>
+          </p:cNvSpPr>
+          <p:nvPr>
+            <p:ph idx="1"/>
+          </p:nvPr>
+        </p:nvSpPr>
+        <p:spPr>
+          <a:xfrm>
+            <a:off x="483848" y="1042587"/>
+            <a:ext cx="8051725" cy="4606183"/>
+          </a:xfrm>
+        </p:spPr>
+        <p:txBody>
+          <a:bodyPr>
+            <a:noAutofit/>
+          </a:bodyPr>
+          <a:lstStyle/>
+          <a:p>
+            <a:pPr marL="0" indent="0">
+              <a:buNone/>
+            </a:pPr>
+            <a:endParaRPr lang="en-US" sz="2000" b="1" dirty="0">
+              <a:solidFill>
+                <a:srgbClr val="34A327"/>
+              </a:solidFill>
+              <a:latin typeface="Menlo" panose="020B0609030804020204" pitchFamily="49" charset="0"/>
+            </a:endParaRPr>
+          </a:p>
+          <a:p>
+            <a:pPr marL="0" indent="0">
+              <a:buNone/>
+            </a:pPr>
+            <a:endParaRPr lang="en-US" sz="2000" b="1" dirty="0">
+              <a:solidFill>
+                <a:srgbClr val="34A327"/>
+              </a:solidFill>
+              <a:latin typeface="Menlo" panose="020B0609030804020204" pitchFamily="49" charset="0"/>
+            </a:endParaRPr>
+          </a:p>
+          <a:p>
+            <a:pPr marL="0" indent="0">
+              <a:buNone/>
+            </a:pPr>
+            <a:r>
+              <a:rPr lang="en-US" sz="2200" b="1" dirty="0">
+                <a:solidFill>
+                  <a:srgbClr val="34A327"/>
+                </a:solidFill>
+                <a:latin typeface="Inconsolata Medium" panose="020B0609030003000000" pitchFamily="49" charset="77"/>
+              </a:rPr>
+              <a:t>def</a:t>
+            </a:r>
+            <a:r>
+              <a:rPr lang="en-US" sz="2200" b="1" dirty="0">
+                <a:solidFill>
+                  <a:srgbClr val="000000"/>
+                </a:solidFill>
+                <a:latin typeface="Inconsolata Medium" panose="020B0609030003000000" pitchFamily="49" charset="77"/>
+              </a:rPr>
+              <a:t> </a:t>
+            </a:r>
+            <a:r>
+              <a:rPr lang="en-US" sz="2200" b="1" dirty="0">
+                <a:solidFill>
+                  <a:srgbClr val="3C9FF2"/>
+                </a:solidFill>
+                <a:latin typeface="Inconsolata Medium" panose="020B0609030003000000" pitchFamily="49" charset="77"/>
+              </a:rPr>
+              <a:t>fun</a:t>
+            </a:r>
+            <a:r>
+              <a:rPr lang="en-US" sz="2200" b="1" dirty="0">
+                <a:solidFill>
+                  <a:srgbClr val="000000"/>
+                </a:solidFill>
+                <a:latin typeface="Inconsolata Medium" panose="020B0609030003000000" pitchFamily="49" charset="77"/>
+              </a:rPr>
+              <a:t>(a): </a:t>
+            </a:r>
+          </a:p>
+          <a:p>
+            <a:pPr marL="0" indent="0">
+              <a:buNone/>
+            </a:pPr>
+            <a:r>
+              <a:rPr lang="en-US" sz="2200" b="1" dirty="0">
+                <a:solidFill>
+                  <a:srgbClr val="000000"/>
+                </a:solidFill>
+                <a:latin typeface="Inconsolata Medium" panose="020B0609030003000000" pitchFamily="49" charset="77"/>
+              </a:rPr>
+              <a:t>	a = </a:t>
+            </a:r>
+            <a:r>
+              <a:rPr lang="en-US" sz="2200" b="1" dirty="0">
+                <a:solidFill>
+                  <a:srgbClr val="34A327"/>
+                </a:solidFill>
+                <a:latin typeface="Inconsolata Medium" panose="020B0609030003000000" pitchFamily="49" charset="77"/>
+              </a:rPr>
+              <a:t>0</a:t>
+            </a:r>
+            <a:r>
+              <a:rPr lang="en-US" sz="2200" b="1" dirty="0">
+                <a:solidFill>
+                  <a:srgbClr val="000000"/>
+                </a:solidFill>
+                <a:latin typeface="Inconsolata Medium" panose="020B0609030003000000" pitchFamily="49" charset="77"/>
+              </a:rPr>
+              <a:t> </a:t>
+            </a:r>
+          </a:p>
+          <a:p>
+            <a:pPr marL="0" indent="0">
+              <a:buNone/>
+            </a:pPr>
+            <a:endParaRPr lang="en-US" sz="2200" b="1" dirty="0">
+              <a:solidFill>
+                <a:srgbClr val="000000"/>
+              </a:solidFill>
+              <a:latin typeface="Inconsolata Medium" panose="020B0609030003000000" pitchFamily="49" charset="77"/>
+            </a:endParaRPr>
+          </a:p>
+          <a:p>
+            <a:pPr marL="0" indent="0">
+              <a:buNone/>
+            </a:pPr>
+            <a:r>
+              <a:rPr lang="en-US" sz="2200" b="1" dirty="0">
+                <a:solidFill>
+                  <a:srgbClr val="000000"/>
+                </a:solidFill>
+                <a:latin typeface="Inconsolata Medium" panose="020B0609030003000000" pitchFamily="49" charset="77"/>
+              </a:rPr>
+              <a:t>x = </a:t>
+            </a:r>
+            <a:r>
+              <a:rPr lang="en-US" sz="2200" b="1" dirty="0">
+                <a:solidFill>
+                  <a:srgbClr val="00B050"/>
+                </a:solidFill>
+                <a:latin typeface="Inconsolata Medium" panose="020B0609030003000000" pitchFamily="49" charset="77"/>
+              </a:rPr>
+              <a:t>1</a:t>
+            </a:r>
+          </a:p>
+          <a:p>
+            <a:pPr marL="0" indent="0">
+              <a:buNone/>
+            </a:pPr>
+            <a:r>
+              <a:rPr lang="en-US" sz="2200" b="1" dirty="0">
+                <a:solidFill>
+                  <a:srgbClr val="00B050"/>
+                </a:solidFill>
+                <a:latin typeface="Inconsolata Medium" panose="020B0609030003000000" pitchFamily="49" charset="77"/>
+              </a:rPr>
+              <a:t>fun(</a:t>
+            </a:r>
+            <a:r>
+              <a:rPr lang="en-US" sz="2200" b="1" dirty="0">
+                <a:latin typeface="Inconsolata Medium" panose="020B0609030003000000" pitchFamily="49" charset="77"/>
+              </a:rPr>
+              <a:t>x</a:t>
+            </a:r>
+            <a:r>
+              <a:rPr lang="en-US" sz="2200" b="1" dirty="0">
+                <a:solidFill>
+                  <a:srgbClr val="00B050"/>
+                </a:solidFill>
+                <a:latin typeface="Inconsolata Medium" panose="020B0609030003000000" pitchFamily="49" charset="77"/>
+              </a:rPr>
+              <a:t>)</a:t>
+            </a:r>
+          </a:p>
+          <a:p>
+            <a:pPr marL="0" indent="0">
+              <a:buNone/>
+            </a:pPr>
+            <a:r>
+              <a:rPr lang="en-US" sz="2200" b="1" dirty="0">
+                <a:solidFill>
+                  <a:srgbClr val="00B050"/>
+                </a:solidFill>
+                <a:latin typeface="Inconsolata Medium" panose="020B0609030003000000" pitchFamily="49" charset="77"/>
+              </a:rPr>
+              <a:t>print(</a:t>
+            </a:r>
+            <a:r>
+              <a:rPr lang="en-US" sz="2200" b="1" dirty="0">
+                <a:latin typeface="Inconsolata Medium" panose="020B0609030003000000" pitchFamily="49" charset="77"/>
+              </a:rPr>
+              <a:t>x</a:t>
+            </a:r>
+            <a:r>
+              <a:rPr lang="en-US" sz="2200" b="1" dirty="0">
+                <a:solidFill>
+                  <a:srgbClr val="00B050"/>
+                </a:solidFill>
+                <a:latin typeface="Inconsolata Medium" panose="020B0609030003000000" pitchFamily="49" charset="77"/>
+              </a:rPr>
+              <a:t>) </a:t>
+            </a:r>
+            <a:r>
+              <a:rPr lang="en-US" sz="2200" b="1" dirty="0">
+                <a:solidFill>
+                  <a:srgbClr val="006699"/>
+                </a:solidFill>
+                <a:latin typeface="Inconsolata Medium" panose="020B0609030003000000" pitchFamily="49" charset="77"/>
+              </a:rPr>
+              <a:t># 1</a:t>
+            </a:r>
+          </a:p>
+          <a:p>
+            <a:pPr marL="0" indent="0">
+              <a:buNone/>
+            </a:pPr>
+            <a:endParaRPr lang="en-US" sz="2000" b="1" dirty="0">
+              <a:solidFill>
+                <a:srgbClr val="006699"/>
+              </a:solidFill>
+              <a:latin typeface="Inconsolata Medium" panose="020B0609030003000000" pitchFamily="49" charset="77"/>
+            </a:endParaRPr>
+          </a:p>
+          <a:p>
+            <a:pPr marL="0" indent="0">
+              <a:buNone/>
+            </a:pPr>
+            <a:endParaRPr lang="en-US" sz="2000" b="1" dirty="0">
+              <a:solidFill>
+                <a:srgbClr val="006699"/>
+              </a:solidFill>
+              <a:latin typeface="Inconsolata Medium" panose="020B0609030003000000" pitchFamily="49" charset="77"/>
+            </a:endParaRPr>
+          </a:p>
+        </p:txBody>
+      </p:sp>
+      <p:sp>
+        <p:nvSpPr>
+          <p:cNvPr id="3" name="TextBox 2">
+            <a:extLst>
+              <a:ext uri="{FF2B5EF4-FFF2-40B4-BE49-F238E27FC236}">
+                <a16:creationId xmlns:a16="http://schemas.microsoft.com/office/drawing/2014/main" id="{570A35DD-4629-0443-A5D4-C85F7024B280}"/>
+              </a:ext>
+            </a:extLst>
+          </p:cNvPr>
+          <p:cNvSpPr txBox="1"/>
+          <p:nvPr/>
+        </p:nvSpPr>
+        <p:spPr>
+          <a:xfrm>
+            <a:off x="3060834" y="2041892"/>
+            <a:ext cx="3975233" cy="2246769"/>
+          </a:xfrm>
+          <a:prstGeom prst="rect">
+            <a:avLst/>
+          </a:prstGeom>
+          <a:noFill/>
+        </p:spPr>
+        <p:txBody>
+          <a:bodyPr wrap="square" rtlCol="0">
+            <a:spAutoFit/>
+          </a:bodyPr>
+          <a:lstStyle/>
+          <a:p>
+            <a:r>
+              <a:rPr lang="en-US" sz="2000" dirty="0"/>
+              <a:t>Initially, a and x reference the same object: 1. However since int objects are immutable, this function creates a new object and a references the new object 0. The reference of x is unchanged. </a:t>
+            </a:r>
+          </a:p>
+          <a:p>
+            <a:endParaRPr lang="en-US" sz="2000" dirty="0"/>
+          </a:p>
+        </p:txBody>
+      </p:sp>
+    </p:spTree>
+    <p:extLst>
+      <p:ext uri="{BB962C8B-B14F-4D97-AF65-F5344CB8AC3E}">
+        <p14:creationId xmlns:p14="http://schemas.microsoft.com/office/powerpoint/2010/main" val="4156079510"/>
+      </p:ext>
+    </p:extLst>
+  </p:cSld>
+  <p:clrMapOvr>
+    <a:masterClrMapping/>
+  </p:clrMapOvr>
+  <p:timing>
+    <p:tnLst>
+      <p:par>
+        <p:cTn id="1" dur="indefinite" restart="never" nodeType="tmRoot">
+          <p:childTnLst>
+            <p:seq concurrent="1" nextAc="seek">
+              <p:cTn id="2" dur="indefinite" nodeType="mainSeq">
+                <p:childTnLst>
+                  <p:par>
+                    <p:cTn id="3" fill="hold">
+                      <p:stCondLst>
+                        <p:cond delay="indefinite"/>
+                      </p:stCondLst>
+                      <p:childTnLst>
+                        <p:par>
+                          <p:cTn id="4" fill="hold">
+                            <p:stCondLst>
+                              <p:cond delay="0"/>
+                            </p:stCondLst>
+                            <p:childTnLst>
+                              <p:par>
+                                <p:cTn id="5" presetID="1" presetClass="entr" presetSubtype="0" fill="hold" nodeType="clickEffect">
+                                  <p:stCondLst>
+                                    <p:cond delay="0"/>
+                                  </p:stCondLst>
+                                  <p:childTnLst>
+                                    <p:set>
+                                      <p:cBhvr>
+                                        <p:cTn id="6" dur="1" fill="hold">
+                                          <p:stCondLst>
+                                            <p:cond delay="0"/>
+                                          </p:stCondLst>
+                                        </p:cTn>
+                                        <p:tgtEl>
+                                          <p:spTgt spid="9">
+                                            <p:txEl>
+                                              <p:pRg st="2" end="2"/>
+                                            </p:txEl>
+                                          </p:spTgt>
+                                        </p:tgtEl>
+                                        <p:attrNameLst>
+                                          <p:attrName>style.visibility</p:attrName>
+                                        </p:attrNameLst>
+                                      </p:cBhvr>
+                                      <p:to>
+                                        <p:strVal val="visible"/>
+                                      </p:to>
+                                    </p:set>
+                                  </p:childTnLst>
+                                </p:cTn>
+                              </p:par>
+                            </p:childTnLst>
+                          </p:cTn>
+                        </p:par>
+                      </p:childTnLst>
+                    </p:cTn>
+                  </p:par>
+                  <p:par>
+                    <p:cTn id="7" fill="hold">
+                      <p:stCondLst>
+                        <p:cond delay="indefinite"/>
+                      </p:stCondLst>
+                      <p:childTnLst>
+                        <p:par>
+                          <p:cTn id="8" fill="hold">
+                            <p:stCondLst>
+                              <p:cond delay="0"/>
+                            </p:stCondLst>
+                            <p:childTnLst>
+                              <p:par>
+                                <p:cTn id="9" presetID="1" presetClass="entr" presetSubtype="0" fill="hold" nodeType="clickEffect">
+                                  <p:stCondLst>
+                                    <p:cond delay="0"/>
+                                  </p:stCondLst>
+                                  <p:childTnLst>
+                                    <p:set>
+                                      <p:cBhvr>
+                                        <p:cTn id="10" dur="1" fill="hold">
+                                          <p:stCondLst>
+                                            <p:cond delay="0"/>
+                                          </p:stCondLst>
+                                        </p:cTn>
+                                        <p:tgtEl>
+                                          <p:spTgt spid="9">
+                                            <p:txEl>
+                                              <p:pRg st="3" end="3"/>
+                                            </p:txEl>
+                                          </p:spTgt>
+                                        </p:tgtEl>
+                                        <p:attrNameLst>
+                                          <p:attrName>style.visibility</p:attrName>
+                                        </p:attrNameLst>
+                                      </p:cBhvr>
+                                      <p:to>
+                                        <p:strVal val="visible"/>
+                                      </p:to>
+                                    </p:set>
+                                  </p:childTnLst>
+                                </p:cTn>
+                              </p:par>
+                            </p:childTnLst>
+                          </p:cTn>
+                        </p:par>
+                      </p:childTnLst>
+                    </p:cTn>
+                  </p:par>
+                  <p:par>
+                    <p:cTn id="11" fill="hold">
+                      <p:stCondLst>
+                        <p:cond delay="indefinite"/>
+                      </p:stCondLst>
+                      <p:childTnLst>
+                        <p:par>
+                          <p:cTn id="12" fill="hold">
+                            <p:stCondLst>
+                              <p:cond delay="0"/>
+                            </p:stCondLst>
+                            <p:childTnLst>
+                              <p:par>
+                                <p:cTn id="13" presetID="1" presetClass="entr" presetSubtype="0" fill="hold" nodeType="clickEffect">
+                                  <p:stCondLst>
+                                    <p:cond delay="0"/>
+                                  </p:stCondLst>
+                                  <p:childTnLst>
+                                    <p:set>
+                                      <p:cBhvr>
+                                        <p:cTn id="14" dur="1" fill="hold">
+                                          <p:stCondLst>
+                                            <p:cond delay="0"/>
+                                          </p:stCondLst>
+                                        </p:cTn>
+                                        <p:tgtEl>
+                                          <p:spTgt spid="9">
+                                            <p:txEl>
+                                              <p:pRg st="5" end="5"/>
+                                            </p:txEl>
+                                          </p:spTgt>
+                                        </p:tgtEl>
+                                        <p:attrNameLst>
+                                          <p:attrName>style.visibility</p:attrName>
+                                        </p:attrNameLst>
+                                      </p:cBhvr>
+                                      <p:to>
+                                        <p:strVal val="visible"/>
+                                      </p:to>
+                                    </p:set>
+                                  </p:childTnLst>
+                                </p:cTn>
+                              </p:par>
+                            </p:childTnLst>
+                          </p:cTn>
+                        </p:par>
+                      </p:childTnLst>
+                    </p:cTn>
+                  </p:par>
+                  <p:par>
+                    <p:cTn id="15" fill="hold">
+                      <p:stCondLst>
+                        <p:cond delay="indefinite"/>
+                      </p:stCondLst>
+                      <p:childTnLst>
+                        <p:par>
+                          <p:cTn id="16" fill="hold">
+                            <p:stCondLst>
+                              <p:cond delay="0"/>
+                            </p:stCondLst>
+                            <p:childTnLst>
+                              <p:par>
+                                <p:cTn id="17" presetID="1" presetClass="entr" presetSubtype="0" fill="hold" nodeType="clickEffect">
+                                  <p:stCondLst>
+                                    <p:cond delay="0"/>
+                                  </p:stCondLst>
+                                  <p:childTnLst>
+                                    <p:set>
+                                      <p:cBhvr>
+                                        <p:cTn id="18" dur="1" fill="hold">
+                                          <p:stCondLst>
+                                            <p:cond delay="0"/>
+                                          </p:stCondLst>
+                                        </p:cTn>
+                                        <p:tgtEl>
+                                          <p:spTgt spid="9">
+                                            <p:txEl>
+                                              <p:pRg st="6" end="6"/>
+                                            </p:txEl>
+                                          </p:spTgt>
+                                        </p:tgtEl>
+                                        <p:attrNameLst>
+                                          <p:attrName>style.visibility</p:attrName>
+                                        </p:attrNameLst>
+                                      </p:cBhvr>
+                                      <p:to>
+                                        <p:strVal val="visible"/>
+                                      </p:to>
+                                    </p:set>
+                                  </p:childTnLst>
+                                </p:cTn>
+                              </p:par>
+                            </p:childTnLst>
+                          </p:cTn>
+                        </p:par>
+                      </p:childTnLst>
+                    </p:cTn>
+                  </p:par>
+                  <p:par>
+                    <p:cTn id="19" fill="hold">
+                      <p:stCondLst>
+                        <p:cond delay="indefinite"/>
+                      </p:stCondLst>
+                      <p:childTnLst>
+                        <p:par>
+                          <p:cTn id="20" fill="hold">
+                            <p:stCondLst>
+                              <p:cond delay="0"/>
+                            </p:stCondLst>
+                            <p:childTnLst>
+                              <p:par>
+                                <p:cTn id="21" presetID="1" presetClass="entr" presetSubtype="0" fill="hold" nodeType="clickEffect">
+                                  <p:stCondLst>
+                                    <p:cond delay="0"/>
+                                  </p:stCondLst>
+                                  <p:childTnLst>
+                                    <p:set>
+                                      <p:cBhvr>
+                                        <p:cTn id="22" dur="1" fill="hold">
+                                          <p:stCondLst>
+                                            <p:cond delay="0"/>
+                                          </p:stCondLst>
+                                        </p:cTn>
+                                        <p:tgtEl>
+                                          <p:spTgt spid="9">
+                                            <p:txEl>
+                                              <p:pRg st="7" end="7"/>
+                                            </p:txEl>
+                                          </p:spTgt>
+                                        </p:tgtEl>
+                                        <p:attrNameLst>
+                                          <p:attrName>style.visibility</p:attrName>
+                                        </p:attrNameLst>
+                                      </p:cBhvr>
+                                      <p:to>
+                                        <p:strVal val="visible"/>
+                                      </p:to>
+                                    </p:set>
+                                  </p:childTnLst>
+                                </p:cTn>
+                              </p:par>
+                            </p:childTnLst>
+                          </p:cTn>
+                        </p:par>
+                      </p:childTnLst>
+                    </p:cTn>
+                  </p:par>
+                </p:childTnLst>
+              </p:cTn>
+              <p:prevCondLst>
+                <p:cond evt="onPrev" delay="0">
+                  <p:tgtEl>
+                    <p:sldTgt/>
+                  </p:tgtEl>
+                </p:cond>
+              </p:prevCondLst>
+              <p:nextCondLst>
+                <p:cond evt="onNext" delay="0">
+                  <p:tgtEl>
+                    <p:sldTgt/>
+                  </p:tgtEl>
+                </p:cond>
+              </p:nextCondLst>
+            </p:seq>
+          </p:childTnLst>
+        </p:cTn>
+      </p:par>
+    </p:tnLst>
+  </p:timing>
+</p:sld>
+</file>
+
+<file path=ppt/slides/slide26.xml><?xml version="1.0" encoding="utf-8"?>
+<p:sld xmlns:a="http://schemas.openxmlformats.org/drawingml/2006/main" xmlns:r="http://schemas.openxmlformats.org/officeDocument/2006/relationships" xmlns:p="http://schemas.openxmlformats.org/presentationml/2006/main">
+  <p:cSld>
+    <p:spTree>
+      <p:nvGrpSpPr>
+        <p:cNvPr id="1" name=""/>
+        <p:cNvGrpSpPr/>
+        <p:nvPr/>
+      </p:nvGrpSpPr>
+      <p:grpSpPr>
+        <a:xfrm>
+          <a:off x="0" y="0"/>
+          <a:ext cx="0" cy="0"/>
+          <a:chOff x="0" y="0"/>
+          <a:chExt cx="0" cy="0"/>
+        </a:xfrm>
+      </p:grpSpPr>
+      <p:sp>
+        <p:nvSpPr>
+          <p:cNvPr id="2" name="Title 1">
+            <a:extLst>
+              <a:ext uri="{FF2B5EF4-FFF2-40B4-BE49-F238E27FC236}">
+                <a16:creationId xmlns:a16="http://schemas.microsoft.com/office/drawing/2014/main" id="{AA3A228F-61D0-D949-A5E7-F83756230BF8}"/>
+              </a:ext>
+            </a:extLst>
+          </p:cNvPr>
+          <p:cNvSpPr>
+            <a:spLocks noGrp="1"/>
+          </p:cNvSpPr>
+          <p:nvPr>
+            <p:ph type="title"/>
+          </p:nvPr>
+        </p:nvSpPr>
+        <p:spPr>
+          <a:xfrm>
+            <a:off x="483848" y="467027"/>
+            <a:ext cx="7053542" cy="683886"/>
+          </a:xfrm>
+        </p:spPr>
+        <p:txBody>
+          <a:bodyPr/>
+          <a:lstStyle/>
+          <a:p>
+            <a:r>
+              <a:rPr lang="en-US" dirty="0"/>
+              <a:t>Mutable Objects in Parameters</a:t>
+            </a:r>
+          </a:p>
+        </p:txBody>
+      </p:sp>
+      <p:sp>
+        <p:nvSpPr>
+          <p:cNvPr id="9" name="Content Placeholder 8">
+            <a:extLst>
+              <a:ext uri="{FF2B5EF4-FFF2-40B4-BE49-F238E27FC236}">
+                <a16:creationId xmlns:a16="http://schemas.microsoft.com/office/drawing/2014/main" id="{E3B2E017-30B2-884B-A113-B419A2ED51AD}"/>
+              </a:ext>
+            </a:extLst>
+          </p:cNvPr>
+          <p:cNvSpPr>
+            <a:spLocks noGrp="1"/>
+          </p:cNvSpPr>
+          <p:nvPr>
+            <p:ph idx="1"/>
+          </p:nvPr>
+        </p:nvSpPr>
+        <p:spPr>
+          <a:xfrm>
+            <a:off x="483848" y="1042587"/>
+            <a:ext cx="8051725" cy="4606183"/>
+          </a:xfrm>
+        </p:spPr>
+        <p:txBody>
+          <a:bodyPr>
+            <a:noAutofit/>
+          </a:bodyPr>
+          <a:lstStyle/>
+          <a:p>
+            <a:pPr marL="0" indent="0">
+              <a:buNone/>
+            </a:pPr>
+            <a:endParaRPr lang="en-US" sz="2000" b="1" dirty="0">
+              <a:solidFill>
+                <a:srgbClr val="34A327"/>
+              </a:solidFill>
+              <a:latin typeface="Menlo" panose="020B0609030804020204" pitchFamily="49" charset="0"/>
+            </a:endParaRPr>
+          </a:p>
+          <a:p>
+            <a:pPr marL="0" indent="0">
+              <a:buNone/>
+            </a:pPr>
+            <a:endParaRPr lang="en-US" sz="2000" b="1" dirty="0">
+              <a:solidFill>
+                <a:srgbClr val="34A327"/>
+              </a:solidFill>
+              <a:latin typeface="Menlo" panose="020B0609030804020204" pitchFamily="49" charset="0"/>
+            </a:endParaRPr>
+          </a:p>
+          <a:p>
+            <a:pPr marL="0" indent="0">
+              <a:buNone/>
+            </a:pPr>
+            <a:r>
+              <a:rPr lang="en-US" sz="2200" b="1" dirty="0">
+                <a:solidFill>
+                  <a:srgbClr val="34A327"/>
+                </a:solidFill>
+                <a:latin typeface="Inconsolata Medium" panose="020B0609030003000000" pitchFamily="49" charset="77"/>
+              </a:rPr>
+              <a:t>def</a:t>
+            </a:r>
+            <a:r>
+              <a:rPr lang="en-US" sz="2200" b="1" dirty="0">
+                <a:solidFill>
+                  <a:srgbClr val="000000"/>
+                </a:solidFill>
+                <a:latin typeface="Inconsolata Medium" panose="020B0609030003000000" pitchFamily="49" charset="77"/>
+              </a:rPr>
+              <a:t> </a:t>
+            </a:r>
+            <a:r>
+              <a:rPr lang="en-US" sz="2200" b="1" dirty="0">
+                <a:solidFill>
+                  <a:srgbClr val="3C9FF2"/>
+                </a:solidFill>
+                <a:latin typeface="Inconsolata Medium" panose="020B0609030003000000" pitchFamily="49" charset="77"/>
+              </a:rPr>
+              <a:t>fun2</a:t>
+            </a:r>
+            <a:r>
+              <a:rPr lang="en-US" sz="2200" b="1" dirty="0">
+                <a:solidFill>
+                  <a:srgbClr val="000000"/>
+                </a:solidFill>
+                <a:latin typeface="Inconsolata Medium" panose="020B0609030003000000" pitchFamily="49" charset="77"/>
+              </a:rPr>
+              <a:t>(a): </a:t>
+            </a:r>
+          </a:p>
+          <a:p>
+            <a:pPr marL="0" indent="0">
+              <a:buNone/>
+            </a:pPr>
+            <a:r>
+              <a:rPr lang="en-US" sz="2200" b="1" dirty="0">
+                <a:solidFill>
+                  <a:srgbClr val="000000"/>
+                </a:solidFill>
+                <a:latin typeface="Inconsolata Medium" panose="020B0609030003000000" pitchFamily="49" charset="77"/>
+              </a:rPr>
+              <a:t>	</a:t>
+            </a:r>
+            <a:r>
+              <a:rPr lang="en-US" sz="2200" b="1" dirty="0" err="1">
+                <a:solidFill>
+                  <a:srgbClr val="000000"/>
+                </a:solidFill>
+                <a:latin typeface="Inconsolata Medium" panose="020B0609030003000000" pitchFamily="49" charset="77"/>
+              </a:rPr>
+              <a:t>a.append</a:t>
+            </a:r>
+            <a:r>
+              <a:rPr lang="en-US" sz="2200" b="1" dirty="0">
+                <a:solidFill>
+                  <a:srgbClr val="000000"/>
+                </a:solidFill>
+                <a:latin typeface="Inconsolata Medium" panose="020B0609030003000000" pitchFamily="49" charset="77"/>
+              </a:rPr>
+              <a:t>(0) </a:t>
+            </a:r>
+          </a:p>
+          <a:p>
+            <a:pPr marL="0" indent="0">
+              <a:buNone/>
+            </a:pPr>
+            <a:endParaRPr lang="en-US" sz="2200" b="1" dirty="0">
+              <a:solidFill>
+                <a:srgbClr val="000000"/>
+              </a:solidFill>
+              <a:latin typeface="Inconsolata Medium" panose="020B0609030003000000" pitchFamily="49" charset="77"/>
+            </a:endParaRPr>
+          </a:p>
+          <a:p>
+            <a:pPr marL="0" indent="0">
+              <a:buNone/>
+            </a:pPr>
+            <a:endParaRPr lang="en-US" sz="2200" b="1" dirty="0">
+              <a:solidFill>
+                <a:srgbClr val="006699"/>
+              </a:solidFill>
+              <a:latin typeface="Inconsolata Medium" panose="020B0609030003000000" pitchFamily="49" charset="77"/>
+            </a:endParaRPr>
+          </a:p>
+          <a:p>
+            <a:pPr marL="0" indent="0">
+              <a:buNone/>
+            </a:pPr>
+            <a:r>
+              <a:rPr lang="en-US" sz="2200" b="1" dirty="0">
+                <a:solidFill>
+                  <a:srgbClr val="000000"/>
+                </a:solidFill>
+                <a:latin typeface="Inconsolata Medium" panose="020B0609030003000000" pitchFamily="49" charset="77"/>
+              </a:rPr>
+              <a:t>x = </a:t>
+            </a:r>
+            <a:r>
+              <a:rPr lang="en-US" sz="2200" b="1" dirty="0">
+                <a:solidFill>
+                  <a:srgbClr val="00B050"/>
+                </a:solidFill>
+                <a:latin typeface="Inconsolata Medium" panose="020B0609030003000000" pitchFamily="49" charset="77"/>
+              </a:rPr>
+              <a:t>[1,2,3]</a:t>
+            </a:r>
+          </a:p>
+          <a:p>
+            <a:pPr marL="0" indent="0">
+              <a:buNone/>
+            </a:pPr>
+            <a:r>
+              <a:rPr lang="en-US" sz="2200" b="1" dirty="0">
+                <a:solidFill>
+                  <a:srgbClr val="00B050"/>
+                </a:solidFill>
+                <a:latin typeface="Inconsolata Medium" panose="020B0609030003000000" pitchFamily="49" charset="77"/>
+              </a:rPr>
+              <a:t>fun2(</a:t>
+            </a:r>
+            <a:r>
+              <a:rPr lang="en-US" sz="2200" b="1" dirty="0">
+                <a:latin typeface="Inconsolata Medium" panose="020B0609030003000000" pitchFamily="49" charset="77"/>
+              </a:rPr>
+              <a:t>x</a:t>
+            </a:r>
+            <a:r>
+              <a:rPr lang="en-US" sz="2200" b="1" dirty="0">
+                <a:solidFill>
+                  <a:srgbClr val="00B050"/>
+                </a:solidFill>
+                <a:latin typeface="Inconsolata Medium" panose="020B0609030003000000" pitchFamily="49" charset="77"/>
+              </a:rPr>
+              <a:t>)</a:t>
+            </a:r>
+          </a:p>
+          <a:p>
+            <a:pPr marL="0" indent="0">
+              <a:buNone/>
+            </a:pPr>
+            <a:r>
+              <a:rPr lang="en-US" sz="2200" b="1" dirty="0">
+                <a:solidFill>
+                  <a:srgbClr val="00B050"/>
+                </a:solidFill>
+                <a:latin typeface="Inconsolata Medium" panose="020B0609030003000000" pitchFamily="49" charset="77"/>
+              </a:rPr>
+              <a:t>print(</a:t>
+            </a:r>
+            <a:r>
+              <a:rPr lang="en-US" sz="2200" b="1" dirty="0">
+                <a:latin typeface="Inconsolata Medium" panose="020B0609030003000000" pitchFamily="49" charset="77"/>
+              </a:rPr>
+              <a:t>x</a:t>
+            </a:r>
+            <a:r>
+              <a:rPr lang="en-US" sz="2200" b="1" dirty="0">
+                <a:solidFill>
+                  <a:srgbClr val="00B050"/>
+                </a:solidFill>
+                <a:latin typeface="Inconsolata Medium" panose="020B0609030003000000" pitchFamily="49" charset="77"/>
+              </a:rPr>
+              <a:t>) </a:t>
+            </a:r>
+            <a:r>
+              <a:rPr lang="en-US" sz="2200" b="1" dirty="0">
+                <a:solidFill>
+                  <a:srgbClr val="006699"/>
+                </a:solidFill>
+                <a:latin typeface="Inconsolata Medium" panose="020B0609030003000000" pitchFamily="49" charset="77"/>
+              </a:rPr>
+              <a:t># [1,2,3,0]</a:t>
+            </a:r>
+          </a:p>
+          <a:p>
+            <a:pPr marL="0" indent="0">
+              <a:buNone/>
+            </a:pPr>
+            <a:endParaRPr lang="en-US" sz="2000" b="1" dirty="0">
+              <a:solidFill>
+                <a:srgbClr val="006699"/>
+              </a:solidFill>
+              <a:latin typeface="Inconsolata Medium" panose="020B0609030003000000" pitchFamily="49" charset="77"/>
+            </a:endParaRPr>
+          </a:p>
+        </p:txBody>
+      </p:sp>
+      <p:sp>
+        <p:nvSpPr>
+          <p:cNvPr id="3" name="TextBox 2">
+            <a:extLst>
+              <a:ext uri="{FF2B5EF4-FFF2-40B4-BE49-F238E27FC236}">
+                <a16:creationId xmlns:a16="http://schemas.microsoft.com/office/drawing/2014/main" id="{570A35DD-4629-0443-A5D4-C85F7024B280}"/>
+              </a:ext>
+            </a:extLst>
+          </p:cNvPr>
+          <p:cNvSpPr txBox="1"/>
+          <p:nvPr/>
+        </p:nvSpPr>
+        <p:spPr>
+          <a:xfrm>
+            <a:off x="3590224" y="1778250"/>
+            <a:ext cx="3782728" cy="1631216"/>
+          </a:xfrm>
+          <a:prstGeom prst="rect">
+            <a:avLst/>
+          </a:prstGeom>
+          <a:noFill/>
+        </p:spPr>
+        <p:txBody>
+          <a:bodyPr wrap="square" rtlCol="0">
+            <a:spAutoFit/>
+          </a:bodyPr>
+          <a:lstStyle/>
+          <a:p>
+            <a:r>
+              <a:rPr lang="en-US" sz="2000" dirty="0"/>
+              <a:t>Both a and x reference the same list object. Since list objects are mutable, modifying a will also modify x since both reference the same list. </a:t>
+            </a:r>
+          </a:p>
+        </p:txBody>
+      </p:sp>
+    </p:spTree>
+    <p:extLst>
+      <p:ext uri="{BB962C8B-B14F-4D97-AF65-F5344CB8AC3E}">
+        <p14:creationId xmlns:p14="http://schemas.microsoft.com/office/powerpoint/2010/main" val="3490093738"/>
+      </p:ext>
+    </p:extLst>
+  </p:cSld>
+  <p:clrMapOvr>
+    <a:masterClrMapping/>
+  </p:clrMapOvr>
+  <p:timing>
+    <p:tnLst>
+      <p:par>
+        <p:cTn id="1" dur="indefinite" restart="never" nodeType="tmRoot">
+          <p:childTnLst>
+            <p:seq concurrent="1" nextAc="seek">
+              <p:cTn id="2" dur="indefinite" nodeType="mainSeq">
+                <p:childTnLst>
+                  <p:par>
+                    <p:cTn id="3" fill="hold">
+                      <p:stCondLst>
+                        <p:cond delay="indefinite"/>
+                      </p:stCondLst>
+                      <p:childTnLst>
+                        <p:par>
+                          <p:cTn id="4" fill="hold">
+                            <p:stCondLst>
+                              <p:cond delay="0"/>
+                            </p:stCondLst>
+                            <p:childTnLst>
+                              <p:par>
+                                <p:cTn id="5" presetID="1" presetClass="entr" presetSubtype="0" fill="hold" nodeType="clickEffect">
+                                  <p:stCondLst>
+                                    <p:cond delay="0"/>
+                                  </p:stCondLst>
+                                  <p:childTnLst>
+                                    <p:set>
+                                      <p:cBhvr>
+                                        <p:cTn id="6" dur="1" fill="hold">
+                                          <p:stCondLst>
+                                            <p:cond delay="0"/>
+                                          </p:stCondLst>
+                                        </p:cTn>
+                                        <p:tgtEl>
+                                          <p:spTgt spid="9">
+                                            <p:txEl>
+                                              <p:pRg st="2" end="2"/>
+                                            </p:txEl>
+                                          </p:spTgt>
+                                        </p:tgtEl>
+                                        <p:attrNameLst>
+                                          <p:attrName>style.visibility</p:attrName>
+                                        </p:attrNameLst>
+                                      </p:cBhvr>
+                                      <p:to>
+                                        <p:strVal val="visible"/>
+                                      </p:to>
+                                    </p:set>
+                                  </p:childTnLst>
+                                </p:cTn>
+                              </p:par>
+                            </p:childTnLst>
+                          </p:cTn>
+                        </p:par>
+                      </p:childTnLst>
+                    </p:cTn>
+                  </p:par>
+                  <p:par>
+                    <p:cTn id="7" fill="hold">
+                      <p:stCondLst>
+                        <p:cond delay="indefinite"/>
+                      </p:stCondLst>
+                      <p:childTnLst>
+                        <p:par>
+                          <p:cTn id="8" fill="hold">
+                            <p:stCondLst>
+                              <p:cond delay="0"/>
+                            </p:stCondLst>
+                            <p:childTnLst>
+                              <p:par>
+                                <p:cTn id="9" presetID="1" presetClass="entr" presetSubtype="0" fill="hold" nodeType="clickEffect">
+                                  <p:stCondLst>
+                                    <p:cond delay="0"/>
+                                  </p:stCondLst>
+                                  <p:childTnLst>
+                                    <p:set>
+                                      <p:cBhvr>
+                                        <p:cTn id="10" dur="1" fill="hold">
+                                          <p:stCondLst>
+                                            <p:cond delay="0"/>
+                                          </p:stCondLst>
+                                        </p:cTn>
+                                        <p:tgtEl>
+                                          <p:spTgt spid="9">
+                                            <p:txEl>
+                                              <p:pRg st="3" end="3"/>
+                                            </p:txEl>
+                                          </p:spTgt>
+                                        </p:tgtEl>
+                                        <p:attrNameLst>
+                                          <p:attrName>style.visibility</p:attrName>
+                                        </p:attrNameLst>
+                                      </p:cBhvr>
+                                      <p:to>
+                                        <p:strVal val="visible"/>
+                                      </p:to>
+                                    </p:set>
+                                  </p:childTnLst>
+                                </p:cTn>
+                              </p:par>
+                            </p:childTnLst>
+                          </p:cTn>
+                        </p:par>
+                      </p:childTnLst>
+                    </p:cTn>
+                  </p:par>
+                  <p:par>
+                    <p:cTn id="11" fill="hold">
+                      <p:stCondLst>
+                        <p:cond delay="indefinite"/>
+                      </p:stCondLst>
+                      <p:childTnLst>
+                        <p:par>
+                          <p:cTn id="12" fill="hold">
+                            <p:stCondLst>
+                              <p:cond delay="0"/>
+                            </p:stCondLst>
+                            <p:childTnLst>
+                              <p:par>
+                                <p:cTn id="13" presetID="1" presetClass="entr" presetSubtype="0" fill="hold" nodeType="clickEffect">
+                                  <p:stCondLst>
+                                    <p:cond delay="0"/>
+                                  </p:stCondLst>
+                                  <p:childTnLst>
+                                    <p:set>
+                                      <p:cBhvr>
+                                        <p:cTn id="14" dur="1" fill="hold">
+                                          <p:stCondLst>
+                                            <p:cond delay="0"/>
+                                          </p:stCondLst>
+                                        </p:cTn>
+                                        <p:tgtEl>
+                                          <p:spTgt spid="9">
+                                            <p:txEl>
+                                              <p:pRg st="6" end="6"/>
+                                            </p:txEl>
+                                          </p:spTgt>
+                                        </p:tgtEl>
+                                        <p:attrNameLst>
+                                          <p:attrName>style.visibility</p:attrName>
+                                        </p:attrNameLst>
+                                      </p:cBhvr>
+                                      <p:to>
+                                        <p:strVal val="visible"/>
+                                      </p:to>
+                                    </p:set>
+                                  </p:childTnLst>
+                                </p:cTn>
+                              </p:par>
+                            </p:childTnLst>
+                          </p:cTn>
+                        </p:par>
+                      </p:childTnLst>
+                    </p:cTn>
+                  </p:par>
+                  <p:par>
+                    <p:cTn id="15" fill="hold">
+                      <p:stCondLst>
+                        <p:cond delay="indefinite"/>
+                      </p:stCondLst>
+                      <p:childTnLst>
+                        <p:par>
+                          <p:cTn id="16" fill="hold">
+                            <p:stCondLst>
+                              <p:cond delay="0"/>
+                            </p:stCondLst>
+                            <p:childTnLst>
+                              <p:par>
+                                <p:cTn id="17" presetID="1" presetClass="entr" presetSubtype="0" fill="hold" nodeType="clickEffect">
+                                  <p:stCondLst>
+                                    <p:cond delay="0"/>
+                                  </p:stCondLst>
+                                  <p:childTnLst>
+                                    <p:set>
+                                      <p:cBhvr>
+                                        <p:cTn id="18" dur="1" fill="hold">
+                                          <p:stCondLst>
+                                            <p:cond delay="0"/>
+                                          </p:stCondLst>
+                                        </p:cTn>
+                                        <p:tgtEl>
+                                          <p:spTgt spid="9">
+                                            <p:txEl>
+                                              <p:pRg st="7" end="7"/>
+                                            </p:txEl>
+                                          </p:spTgt>
+                                        </p:tgtEl>
+                                        <p:attrNameLst>
+                                          <p:attrName>style.visibility</p:attrName>
+                                        </p:attrNameLst>
+                                      </p:cBhvr>
+                                      <p:to>
+                                        <p:strVal val="visible"/>
+                                      </p:to>
+                                    </p:set>
+                                  </p:childTnLst>
+                                </p:cTn>
+                              </p:par>
+                            </p:childTnLst>
+                          </p:cTn>
+                        </p:par>
+                      </p:childTnLst>
+                    </p:cTn>
+                  </p:par>
+                  <p:par>
+                    <p:cTn id="19" fill="hold">
+                      <p:stCondLst>
+                        <p:cond delay="indefinite"/>
+                      </p:stCondLst>
+                      <p:childTnLst>
+                        <p:par>
+                          <p:cTn id="20" fill="hold">
+                            <p:stCondLst>
+                              <p:cond delay="0"/>
+                            </p:stCondLst>
+                            <p:childTnLst>
+                              <p:par>
+                                <p:cTn id="21" presetID="1" presetClass="entr" presetSubtype="0" fill="hold" nodeType="clickEffect">
+                                  <p:stCondLst>
+                                    <p:cond delay="0"/>
+                                  </p:stCondLst>
+                                  <p:childTnLst>
+                                    <p:set>
+                                      <p:cBhvr>
+                                        <p:cTn id="22" dur="1" fill="hold">
+                                          <p:stCondLst>
+                                            <p:cond delay="0"/>
+                                          </p:stCondLst>
+                                        </p:cTn>
+                                        <p:tgtEl>
+                                          <p:spTgt spid="9">
+                                            <p:txEl>
+                                              <p:pRg st="8" end="8"/>
+                                            </p:txEl>
+                                          </p:spTgt>
+                                        </p:tgtEl>
+                                        <p:attrNameLst>
+                                          <p:attrName>style.visibility</p:attrName>
+                                        </p:attrNameLst>
+                                      </p:cBhvr>
+                                      <p:to>
+                                        <p:strVal val="visible"/>
+                                      </p:to>
+                                    </p:set>
+                                  </p:childTnLst>
+                                </p:cTn>
+                              </p:par>
+                            </p:childTnLst>
+                          </p:cTn>
+                        </p:par>
+                      </p:childTnLst>
+                    </p:cTn>
+                  </p:par>
+                </p:childTnLst>
+              </p:cTn>
+              <p:prevCondLst>
+                <p:cond evt="onPrev" delay="0">
+                  <p:tgtEl>
+                    <p:sldTgt/>
+                  </p:tgtEl>
+                </p:cond>
+              </p:prevCondLst>
+              <p:nextCondLst>
+                <p:cond evt="onNext" delay="0">
+                  <p:tgtEl>
+                    <p:sldTgt/>
+                  </p:tgtEl>
+                </p:cond>
+              </p:nextCondLst>
+            </p:seq>
+          </p:childTnLst>
+        </p:cTn>
+      </p:par>
+    </p:tnLst>
+  </p:timing>
+</p:sld>
+</file>
+
+<file path=ppt/slides/slide27.xml><?xml version="1.0" encoding="utf-8"?>
 <p:sld xmlns:a="http://schemas.openxmlformats.org/drawingml/2006/main" xmlns:r="http://schemas.openxmlformats.org/officeDocument/2006/relationships" xmlns:p="http://schemas.openxmlformats.org/presentationml/2006/main">
   <p:cSld>
     <p:spTree>
@@ -12879,7 +15807,7 @@
 </p:sld>
 </file>
 
-<file path=ppt/slides/slide24.xml><?xml version="1.0" encoding="utf-8"?>
+<file path=ppt/slides/slide28.xml><?xml version="1.0" encoding="utf-8"?>
 <p:sld xmlns:a="http://schemas.openxmlformats.org/drawingml/2006/main" xmlns:r="http://schemas.openxmlformats.org/officeDocument/2006/relationships" xmlns:p="http://schemas.openxmlformats.org/presentationml/2006/main">
   <p:cSld>
     <p:spTree>
@@ -13582,7 +16510,7 @@
 </p:sld>
 </file>
 
-<file path=ppt/slides/slide25.xml><?xml version="1.0" encoding="utf-8"?>
+<file path=ppt/slides/slide29.xml><?xml version="1.0" encoding="utf-8"?>
 <p:sld xmlns:a="http://schemas.openxmlformats.org/drawingml/2006/main" xmlns:r="http://schemas.openxmlformats.org/officeDocument/2006/relationships" xmlns:p="http://schemas.openxmlformats.org/presentationml/2006/main">
   <p:cSld>
     <p:spTree>
@@ -14599,7 +17527,377 @@
 </p:sld>
 </file>
 
-<file path=ppt/slides/slide26.xml><?xml version="1.0" encoding="utf-8"?>
+<file path=ppt/slides/slide3.xml><?xml version="1.0" encoding="utf-8"?>
+<p:sld xmlns:a="http://schemas.openxmlformats.org/drawingml/2006/main" xmlns:r="http://schemas.openxmlformats.org/officeDocument/2006/relationships" xmlns:p="http://schemas.openxmlformats.org/presentationml/2006/main">
+  <p:cSld>
+    <p:spTree>
+      <p:nvGrpSpPr>
+        <p:cNvPr id="1" name=""/>
+        <p:cNvGrpSpPr/>
+        <p:nvPr/>
+      </p:nvGrpSpPr>
+      <p:grpSpPr>
+        <a:xfrm>
+          <a:off x="0" y="0"/>
+          <a:ext cx="0" cy="0"/>
+          <a:chOff x="0" y="0"/>
+          <a:chExt cx="0" cy="0"/>
+        </a:xfrm>
+      </p:grpSpPr>
+      <p:sp>
+        <p:nvSpPr>
+          <p:cNvPr id="2" name="Title 1">
+            <a:extLst>
+              <a:ext uri="{FF2B5EF4-FFF2-40B4-BE49-F238E27FC236}">
+                <a16:creationId xmlns:a16="http://schemas.microsoft.com/office/drawing/2014/main" id="{AA3A228F-61D0-D949-A5E7-F83756230BF8}"/>
+              </a:ext>
+            </a:extLst>
+          </p:cNvPr>
+          <p:cNvSpPr>
+            <a:spLocks noGrp="1"/>
+          </p:cNvSpPr>
+          <p:nvPr>
+            <p:ph type="title"/>
+          </p:nvPr>
+        </p:nvSpPr>
+        <p:spPr>
+          <a:xfrm>
+            <a:off x="483848" y="467027"/>
+            <a:ext cx="7053542" cy="683886"/>
+          </a:xfrm>
+        </p:spPr>
+        <p:txBody>
+          <a:bodyPr/>
+          <a:lstStyle/>
+          <a:p>
+            <a:r>
+              <a:rPr lang="en-US" dirty="0"/>
+              <a:t>Functions</a:t>
+            </a:r>
+          </a:p>
+        </p:txBody>
+      </p:sp>
+      <p:sp>
+        <p:nvSpPr>
+          <p:cNvPr id="9" name="Content Placeholder 8">
+            <a:extLst>
+              <a:ext uri="{FF2B5EF4-FFF2-40B4-BE49-F238E27FC236}">
+                <a16:creationId xmlns:a16="http://schemas.microsoft.com/office/drawing/2014/main" id="{E3B2E017-30B2-884B-A113-B419A2ED51AD}"/>
+              </a:ext>
+            </a:extLst>
+          </p:cNvPr>
+          <p:cNvSpPr>
+            <a:spLocks noGrp="1"/>
+          </p:cNvSpPr>
+          <p:nvPr>
+            <p:ph idx="1"/>
+          </p:nvPr>
+        </p:nvSpPr>
+        <p:spPr>
+          <a:xfrm>
+            <a:off x="483848" y="1288073"/>
+            <a:ext cx="8051725" cy="4292919"/>
+          </a:xfrm>
+        </p:spPr>
+        <p:txBody>
+          <a:bodyPr>
+            <a:normAutofit/>
+          </a:bodyPr>
+          <a:lstStyle/>
+          <a:p>
+            <a:pPr marL="0" indent="0">
+              <a:buNone/>
+            </a:pPr>
+            <a:r>
+              <a:rPr lang="en-US" dirty="0"/>
+              <a:t>One way to organize Python code and to make it more readable and reusable is to factor out useful pieces into reusable </a:t>
+            </a:r>
+            <a:r>
+              <a:rPr lang="en-US" i="1" dirty="0"/>
+              <a:t>functions</a:t>
+            </a:r>
+            <a:r>
+              <a:rPr lang="en-US" dirty="0"/>
+              <a:t>. </a:t>
+            </a:r>
+          </a:p>
+          <a:p>
+            <a:pPr marL="0" indent="0">
+              <a:buNone/>
+            </a:pPr>
+            <a:endParaRPr lang="en-US" dirty="0"/>
+          </a:p>
+          <a:p>
+            <a:pPr marL="0" indent="0">
+              <a:buNone/>
+            </a:pPr>
+            <a:r>
+              <a:rPr lang="en-US" dirty="0"/>
+              <a:t>A </a:t>
+            </a:r>
+            <a:r>
+              <a:rPr lang="en-US" i="1" dirty="0"/>
+              <a:t>function</a:t>
+            </a:r>
+            <a:r>
+              <a:rPr lang="en-US" dirty="0"/>
+              <a:t> is a group of code that has a name and can be called using parentheses.  A function is defined using the</a:t>
+            </a:r>
+            <a:r>
+              <a:rPr lang="en-US" i="1" dirty="0"/>
+              <a:t> def</a:t>
+            </a:r>
+            <a:r>
+              <a:rPr lang="en-US" dirty="0"/>
+              <a:t> statement. </a:t>
+            </a:r>
+          </a:p>
+          <a:p>
+            <a:pPr marL="0" indent="0">
+              <a:buNone/>
+            </a:pPr>
+            <a:endParaRPr lang="en-US" dirty="0"/>
+          </a:p>
+          <a:p>
+            <a:pPr marL="0" indent="0">
+              <a:buNone/>
+            </a:pPr>
+            <a:r>
+              <a:rPr lang="en-US" b="1" dirty="0">
+                <a:solidFill>
+                  <a:srgbClr val="006699"/>
+                </a:solidFill>
+                <a:latin typeface="Inconsolata Medium" panose="020B0609030003000000" pitchFamily="49" charset="77"/>
+              </a:rPr>
+              <a:t>def </a:t>
+            </a:r>
+            <a:r>
+              <a:rPr lang="en-US" b="1" i="1" dirty="0" err="1">
+                <a:solidFill>
+                  <a:srgbClr val="CC00FF"/>
+                </a:solidFill>
+                <a:latin typeface="Inconsolata Medium" panose="020B0609030003000000" pitchFamily="49" charset="77"/>
+              </a:rPr>
+              <a:t>function_name</a:t>
+            </a:r>
+            <a:r>
+              <a:rPr lang="en-US" b="1" dirty="0">
+                <a:latin typeface="Inconsolata Medium" panose="020B0609030003000000" pitchFamily="49" charset="77"/>
+              </a:rPr>
+              <a:t>(</a:t>
+            </a:r>
+            <a:r>
+              <a:rPr lang="en-US" b="1" i="1" dirty="0">
+                <a:solidFill>
+                  <a:srgbClr val="000087"/>
+                </a:solidFill>
+                <a:latin typeface="Inconsolata Medium" panose="020B0609030003000000" pitchFamily="49" charset="77"/>
+              </a:rPr>
+              <a:t>arguments</a:t>
+            </a:r>
+            <a:r>
+              <a:rPr lang="en-US" b="1" dirty="0">
+                <a:latin typeface="Inconsolata Medium" panose="020B0609030003000000" pitchFamily="49" charset="77"/>
+              </a:rPr>
+              <a:t>): </a:t>
+            </a:r>
+          </a:p>
+          <a:p>
+            <a:pPr marL="0" indent="0">
+              <a:buNone/>
+            </a:pPr>
+            <a:r>
+              <a:rPr lang="en-US" b="1" i="1" dirty="0">
+                <a:solidFill>
+                  <a:srgbClr val="000087"/>
+                </a:solidFill>
+                <a:latin typeface="Inconsolata Medium" panose="020B0609030003000000" pitchFamily="49" charset="77"/>
+              </a:rPr>
+              <a:t>	block</a:t>
+            </a:r>
+            <a:r>
+              <a:rPr lang="en-US" sz="2400" i="1" dirty="0">
+                <a:latin typeface="UbuntuMono"/>
+              </a:rPr>
+              <a:t> </a:t>
+            </a:r>
+            <a:endParaRPr lang="en-US" dirty="0"/>
+          </a:p>
+        </p:txBody>
+      </p:sp>
+    </p:spTree>
+    <p:extLst>
+      <p:ext uri="{BB962C8B-B14F-4D97-AF65-F5344CB8AC3E}">
+        <p14:creationId xmlns:p14="http://schemas.microsoft.com/office/powerpoint/2010/main" val="3670596711"/>
+      </p:ext>
+    </p:extLst>
+  </p:cSld>
+  <p:clrMapOvr>
+    <a:masterClrMapping/>
+  </p:clrMapOvr>
+  <p:timing>
+    <p:tnLst>
+      <p:par>
+        <p:cTn id="1" dur="indefinite" restart="never" nodeType="tmRoot">
+          <p:childTnLst>
+            <p:seq concurrent="1" nextAc="seek">
+              <p:cTn id="2" dur="indefinite" nodeType="mainSeq">
+                <p:childTnLst>
+                  <p:par>
+                    <p:cTn id="3" fill="hold">
+                      <p:stCondLst>
+                        <p:cond delay="indefinite"/>
+                      </p:stCondLst>
+                      <p:childTnLst>
+                        <p:par>
+                          <p:cTn id="4" fill="hold">
+                            <p:stCondLst>
+                              <p:cond delay="0"/>
+                            </p:stCondLst>
+                            <p:childTnLst>
+                              <p:par>
+                                <p:cTn id="5" presetID="1" presetClass="entr" presetSubtype="0" fill="hold" nodeType="clickEffect">
+                                  <p:stCondLst>
+                                    <p:cond delay="0"/>
+                                  </p:stCondLst>
+                                  <p:childTnLst>
+                                    <p:set>
+                                      <p:cBhvr>
+                                        <p:cTn id="6" dur="1" fill="hold">
+                                          <p:stCondLst>
+                                            <p:cond delay="0"/>
+                                          </p:stCondLst>
+                                        </p:cTn>
+                                        <p:tgtEl>
+                                          <p:spTgt spid="9">
+                                            <p:txEl>
+                                              <p:pRg st="2" end="2"/>
+                                            </p:txEl>
+                                          </p:spTgt>
+                                        </p:tgtEl>
+                                        <p:attrNameLst>
+                                          <p:attrName>style.visibility</p:attrName>
+                                        </p:attrNameLst>
+                                      </p:cBhvr>
+                                      <p:to>
+                                        <p:strVal val="visible"/>
+                                      </p:to>
+                                    </p:set>
+                                  </p:childTnLst>
+                                </p:cTn>
+                              </p:par>
+                            </p:childTnLst>
+                          </p:cTn>
+                        </p:par>
+                      </p:childTnLst>
+                    </p:cTn>
+                  </p:par>
+                  <p:par>
+                    <p:cTn id="7" fill="hold">
+                      <p:stCondLst>
+                        <p:cond delay="indefinite"/>
+                      </p:stCondLst>
+                      <p:childTnLst>
+                        <p:par>
+                          <p:cTn id="8" fill="hold">
+                            <p:stCondLst>
+                              <p:cond delay="0"/>
+                            </p:stCondLst>
+                            <p:childTnLst>
+                              <p:par>
+                                <p:cTn id="9" presetID="1" presetClass="entr" presetSubtype="0" fill="hold" nodeType="clickEffect">
+                                  <p:stCondLst>
+                                    <p:cond delay="0"/>
+                                  </p:stCondLst>
+                                  <p:childTnLst>
+                                    <p:set>
+                                      <p:cBhvr>
+                                        <p:cTn id="10" dur="1" fill="hold">
+                                          <p:stCondLst>
+                                            <p:cond delay="0"/>
+                                          </p:stCondLst>
+                                        </p:cTn>
+                                        <p:tgtEl>
+                                          <p:spTgt spid="9">
+                                            <p:txEl>
+                                              <p:pRg st="4" end="4"/>
+                                            </p:txEl>
+                                          </p:spTgt>
+                                        </p:tgtEl>
+                                        <p:attrNameLst>
+                                          <p:attrName>style.visibility</p:attrName>
+                                        </p:attrNameLst>
+                                      </p:cBhvr>
+                                      <p:to>
+                                        <p:strVal val="visible"/>
+                                      </p:to>
+                                    </p:set>
+                                  </p:childTnLst>
+                                </p:cTn>
+                              </p:par>
+                              <p:par>
+                                <p:cTn id="11" presetID="1" presetClass="entr" presetSubtype="0" fill="hold" nodeType="withEffect">
+                                  <p:stCondLst>
+                                    <p:cond delay="0"/>
+                                  </p:stCondLst>
+                                  <p:childTnLst>
+                                    <p:set>
+                                      <p:cBhvr>
+                                        <p:cTn id="12" dur="1" fill="hold">
+                                          <p:stCondLst>
+                                            <p:cond delay="0"/>
+                                          </p:stCondLst>
+                                        </p:cTn>
+                                        <p:tgtEl>
+                                          <p:spTgt spid="9">
+                                            <p:txEl>
+                                              <p:pRg st="5" end="5"/>
+                                            </p:txEl>
+                                          </p:spTgt>
+                                        </p:tgtEl>
+                                        <p:attrNameLst>
+                                          <p:attrName>style.visibility</p:attrName>
+                                        </p:attrNameLst>
+                                      </p:cBhvr>
+                                      <p:to>
+                                        <p:strVal val="visible"/>
+                                      </p:to>
+                                    </p:set>
+                                  </p:childTnLst>
+                                </p:cTn>
+                              </p:par>
+                            </p:childTnLst>
+                          </p:cTn>
+                        </p:par>
+                      </p:childTnLst>
+                    </p:cTn>
+                  </p:par>
+                </p:childTnLst>
+              </p:cTn>
+              <p:prevCondLst>
+                <p:cond evt="onPrev" delay="0">
+                  <p:tgtEl>
+                    <p:sldTgt/>
+                  </p:tgtEl>
+                </p:cond>
+              </p:prevCondLst>
+              <p:nextCondLst>
+                <p:cond evt="onNext" delay="0">
+                  <p:tgtEl>
+                    <p:sldTgt/>
+                  </p:tgtEl>
+                </p:cond>
+              </p:nextCondLst>
+            </p:seq>
+          </p:childTnLst>
+        </p:cTn>
+      </p:par>
+    </p:tnLst>
+  </p:timing>
+</p:sld>
+</file>
+
+<file path=ppt/slides/slide30.xml><?xml version="1.0" encoding="utf-8"?>
 <p:sld xmlns:a="http://schemas.openxmlformats.org/drawingml/2006/main" xmlns:r="http://schemas.openxmlformats.org/officeDocument/2006/relationships" xmlns:p="http://schemas.openxmlformats.org/presentationml/2006/main">
   <p:cSld>
     <p:spTree>
@@ -15772,7 +19070,7 @@
 </p:sld>
 </file>
 
-<file path=ppt/slides/slide27.xml><?xml version="1.0" encoding="utf-8"?>
+<file path=ppt/slides/slide31.xml><?xml version="1.0" encoding="utf-8"?>
 <p:sld xmlns:a="http://schemas.openxmlformats.org/drawingml/2006/main" xmlns:r="http://schemas.openxmlformats.org/officeDocument/2006/relationships" xmlns:p="http://schemas.openxmlformats.org/presentationml/2006/main">
   <p:cSld>
     <p:spTree>
@@ -16760,7 +20058,7 @@
 </p:sld>
 </file>
 
-<file path=ppt/slides/slide28.xml><?xml version="1.0" encoding="utf-8"?>
+<file path=ppt/slides/slide32.xml><?xml version="1.0" encoding="utf-8"?>
 <p:sld xmlns:a="http://schemas.openxmlformats.org/drawingml/2006/main" xmlns:r="http://schemas.openxmlformats.org/officeDocument/2006/relationships" xmlns:p="http://schemas.openxmlformats.org/presentationml/2006/main">
   <p:cSld>
     <p:spTree>
@@ -16888,376 +20186,6 @@
   <p:clrMapOvr>
     <a:masterClrMapping/>
   </p:clrMapOvr>
-</p:sld>
-</file>
-
-<file path=ppt/slides/slide3.xml><?xml version="1.0" encoding="utf-8"?>
-<p:sld xmlns:a="http://schemas.openxmlformats.org/drawingml/2006/main" xmlns:r="http://schemas.openxmlformats.org/officeDocument/2006/relationships" xmlns:p="http://schemas.openxmlformats.org/presentationml/2006/main">
-  <p:cSld>
-    <p:spTree>
-      <p:nvGrpSpPr>
-        <p:cNvPr id="1" name=""/>
-        <p:cNvGrpSpPr/>
-        <p:nvPr/>
-      </p:nvGrpSpPr>
-      <p:grpSpPr>
-        <a:xfrm>
-          <a:off x="0" y="0"/>
-          <a:ext cx="0" cy="0"/>
-          <a:chOff x="0" y="0"/>
-          <a:chExt cx="0" cy="0"/>
-        </a:xfrm>
-      </p:grpSpPr>
-      <p:sp>
-        <p:nvSpPr>
-          <p:cNvPr id="2" name="Title 1">
-            <a:extLst>
-              <a:ext uri="{FF2B5EF4-FFF2-40B4-BE49-F238E27FC236}">
-                <a16:creationId xmlns:a16="http://schemas.microsoft.com/office/drawing/2014/main" id="{AA3A228F-61D0-D949-A5E7-F83756230BF8}"/>
-              </a:ext>
-            </a:extLst>
-          </p:cNvPr>
-          <p:cNvSpPr>
-            <a:spLocks noGrp="1"/>
-          </p:cNvSpPr>
-          <p:nvPr>
-            <p:ph type="title"/>
-          </p:nvPr>
-        </p:nvSpPr>
-        <p:spPr>
-          <a:xfrm>
-            <a:off x="483848" y="467027"/>
-            <a:ext cx="7053542" cy="683886"/>
-          </a:xfrm>
-        </p:spPr>
-        <p:txBody>
-          <a:bodyPr/>
-          <a:lstStyle/>
-          <a:p>
-            <a:r>
-              <a:rPr lang="en-US" dirty="0"/>
-              <a:t>Functions</a:t>
-            </a:r>
-          </a:p>
-        </p:txBody>
-      </p:sp>
-      <p:sp>
-        <p:nvSpPr>
-          <p:cNvPr id="9" name="Content Placeholder 8">
-            <a:extLst>
-              <a:ext uri="{FF2B5EF4-FFF2-40B4-BE49-F238E27FC236}">
-                <a16:creationId xmlns:a16="http://schemas.microsoft.com/office/drawing/2014/main" id="{E3B2E017-30B2-884B-A113-B419A2ED51AD}"/>
-              </a:ext>
-            </a:extLst>
-          </p:cNvPr>
-          <p:cNvSpPr>
-            <a:spLocks noGrp="1"/>
-          </p:cNvSpPr>
-          <p:nvPr>
-            <p:ph idx="1"/>
-          </p:nvPr>
-        </p:nvSpPr>
-        <p:spPr>
-          <a:xfrm>
-            <a:off x="483848" y="1288073"/>
-            <a:ext cx="8051725" cy="4292919"/>
-          </a:xfrm>
-        </p:spPr>
-        <p:txBody>
-          <a:bodyPr>
-            <a:normAutofit/>
-          </a:bodyPr>
-          <a:lstStyle/>
-          <a:p>
-            <a:pPr marL="0" indent="0">
-              <a:buNone/>
-            </a:pPr>
-            <a:r>
-              <a:rPr lang="en-US" dirty="0"/>
-              <a:t>One way to organize Python code and to make it more readable and reusable is to factor out useful pieces into reusable </a:t>
-            </a:r>
-            <a:r>
-              <a:rPr lang="en-US" i="1" dirty="0"/>
-              <a:t>functions</a:t>
-            </a:r>
-            <a:r>
-              <a:rPr lang="en-US" dirty="0"/>
-              <a:t>. </a:t>
-            </a:r>
-          </a:p>
-          <a:p>
-            <a:pPr marL="0" indent="0">
-              <a:buNone/>
-            </a:pPr>
-            <a:endParaRPr lang="en-US" dirty="0"/>
-          </a:p>
-          <a:p>
-            <a:pPr marL="0" indent="0">
-              <a:buNone/>
-            </a:pPr>
-            <a:r>
-              <a:rPr lang="en-US" dirty="0"/>
-              <a:t>A </a:t>
-            </a:r>
-            <a:r>
-              <a:rPr lang="en-US" i="1" dirty="0"/>
-              <a:t>function</a:t>
-            </a:r>
-            <a:r>
-              <a:rPr lang="en-US" dirty="0"/>
-              <a:t> is a group of code that has a name and can be called using parentheses.  A function is defined using the</a:t>
-            </a:r>
-            <a:r>
-              <a:rPr lang="en-US" i="1" dirty="0"/>
-              <a:t> def</a:t>
-            </a:r>
-            <a:r>
-              <a:rPr lang="en-US" dirty="0"/>
-              <a:t> statement. </a:t>
-            </a:r>
-          </a:p>
-          <a:p>
-            <a:pPr marL="0" indent="0">
-              <a:buNone/>
-            </a:pPr>
-            <a:endParaRPr lang="en-US" dirty="0"/>
-          </a:p>
-          <a:p>
-            <a:pPr marL="0" indent="0">
-              <a:buNone/>
-            </a:pPr>
-            <a:r>
-              <a:rPr lang="en-US" b="1" dirty="0">
-                <a:solidFill>
-                  <a:srgbClr val="006699"/>
-                </a:solidFill>
-                <a:latin typeface="Inconsolata Medium" panose="020B0609030003000000" pitchFamily="49" charset="77"/>
-              </a:rPr>
-              <a:t>def </a:t>
-            </a:r>
-            <a:r>
-              <a:rPr lang="en-US" b="1" i="1" dirty="0" err="1">
-                <a:solidFill>
-                  <a:srgbClr val="CC00FF"/>
-                </a:solidFill>
-                <a:latin typeface="Inconsolata Medium" panose="020B0609030003000000" pitchFamily="49" charset="77"/>
-              </a:rPr>
-              <a:t>function_name</a:t>
-            </a:r>
-            <a:r>
-              <a:rPr lang="en-US" b="1" dirty="0">
-                <a:latin typeface="Inconsolata Medium" panose="020B0609030003000000" pitchFamily="49" charset="77"/>
-              </a:rPr>
-              <a:t>(</a:t>
-            </a:r>
-            <a:r>
-              <a:rPr lang="en-US" b="1" i="1" dirty="0">
-                <a:solidFill>
-                  <a:srgbClr val="000087"/>
-                </a:solidFill>
-                <a:latin typeface="Inconsolata Medium" panose="020B0609030003000000" pitchFamily="49" charset="77"/>
-              </a:rPr>
-              <a:t>arguments</a:t>
-            </a:r>
-            <a:r>
-              <a:rPr lang="en-US" b="1" dirty="0">
-                <a:latin typeface="Inconsolata Medium" panose="020B0609030003000000" pitchFamily="49" charset="77"/>
-              </a:rPr>
-              <a:t>): </a:t>
-            </a:r>
-          </a:p>
-          <a:p>
-            <a:pPr marL="0" indent="0">
-              <a:buNone/>
-            </a:pPr>
-            <a:r>
-              <a:rPr lang="en-US" b="1" i="1" dirty="0">
-                <a:solidFill>
-                  <a:srgbClr val="000087"/>
-                </a:solidFill>
-                <a:latin typeface="Inconsolata Medium" panose="020B0609030003000000" pitchFamily="49" charset="77"/>
-              </a:rPr>
-              <a:t>	block</a:t>
-            </a:r>
-            <a:r>
-              <a:rPr lang="en-US" sz="2400" i="1" dirty="0">
-                <a:latin typeface="UbuntuMono"/>
-              </a:rPr>
-              <a:t> </a:t>
-            </a:r>
-            <a:endParaRPr lang="en-US" dirty="0"/>
-          </a:p>
-        </p:txBody>
-      </p:sp>
-    </p:spTree>
-    <p:extLst>
-      <p:ext uri="{BB962C8B-B14F-4D97-AF65-F5344CB8AC3E}">
-        <p14:creationId xmlns:p14="http://schemas.microsoft.com/office/powerpoint/2010/main" val="3670596711"/>
-      </p:ext>
-    </p:extLst>
-  </p:cSld>
-  <p:clrMapOvr>
-    <a:masterClrMapping/>
-  </p:clrMapOvr>
-  <p:timing>
-    <p:tnLst>
-      <p:par>
-        <p:cTn id="1" dur="indefinite" restart="never" nodeType="tmRoot">
-          <p:childTnLst>
-            <p:seq concurrent="1" nextAc="seek">
-              <p:cTn id="2" dur="indefinite" nodeType="mainSeq">
-                <p:childTnLst>
-                  <p:par>
-                    <p:cTn id="3" fill="hold">
-                      <p:stCondLst>
-                        <p:cond delay="indefinite"/>
-                      </p:stCondLst>
-                      <p:childTnLst>
-                        <p:par>
-                          <p:cTn id="4" fill="hold">
-                            <p:stCondLst>
-                              <p:cond delay="0"/>
-                            </p:stCondLst>
-                            <p:childTnLst>
-                              <p:par>
-                                <p:cTn id="5" presetID="1" presetClass="entr" presetSubtype="0" fill="hold" nodeType="clickEffect">
-                                  <p:stCondLst>
-                                    <p:cond delay="0"/>
-                                  </p:stCondLst>
-                                  <p:childTnLst>
-                                    <p:set>
-                                      <p:cBhvr>
-                                        <p:cTn id="6" dur="1" fill="hold">
-                                          <p:stCondLst>
-                                            <p:cond delay="0"/>
-                                          </p:stCondLst>
-                                        </p:cTn>
-                                        <p:tgtEl>
-                                          <p:spTgt spid="9">
-                                            <p:txEl>
-                                              <p:pRg st="2" end="2"/>
-                                            </p:txEl>
-                                          </p:spTgt>
-                                        </p:tgtEl>
-                                        <p:attrNameLst>
-                                          <p:attrName>style.visibility</p:attrName>
-                                        </p:attrNameLst>
-                                      </p:cBhvr>
-                                      <p:to>
-                                        <p:strVal val="visible"/>
-                                      </p:to>
-                                    </p:set>
-                                  </p:childTnLst>
-                                </p:cTn>
-                              </p:par>
-                            </p:childTnLst>
-                          </p:cTn>
-                        </p:par>
-                      </p:childTnLst>
-                    </p:cTn>
-                  </p:par>
-                  <p:par>
-                    <p:cTn id="7" fill="hold">
-                      <p:stCondLst>
-                        <p:cond delay="indefinite"/>
-                      </p:stCondLst>
-                      <p:childTnLst>
-                        <p:par>
-                          <p:cTn id="8" fill="hold">
-                            <p:stCondLst>
-                              <p:cond delay="0"/>
-                            </p:stCondLst>
-                            <p:childTnLst>
-                              <p:par>
-                                <p:cTn id="9" presetID="1" presetClass="entr" presetSubtype="0" fill="hold" nodeType="clickEffect">
-                                  <p:stCondLst>
-                                    <p:cond delay="0"/>
-                                  </p:stCondLst>
-                                  <p:childTnLst>
-                                    <p:set>
-                                      <p:cBhvr>
-                                        <p:cTn id="10" dur="1" fill="hold">
-                                          <p:stCondLst>
-                                            <p:cond delay="0"/>
-                                          </p:stCondLst>
-                                        </p:cTn>
-                                        <p:tgtEl>
-                                          <p:spTgt spid="9">
-                                            <p:txEl>
-                                              <p:pRg st="4" end="4"/>
-                                            </p:txEl>
-                                          </p:spTgt>
-                                        </p:tgtEl>
-                                        <p:attrNameLst>
-                                          <p:attrName>style.visibility</p:attrName>
-                                        </p:attrNameLst>
-                                      </p:cBhvr>
-                                      <p:to>
-                                        <p:strVal val="visible"/>
-                                      </p:to>
-                                    </p:set>
-                                  </p:childTnLst>
-                                </p:cTn>
-                              </p:par>
-                              <p:par>
-                                <p:cTn id="11" presetID="1" presetClass="entr" presetSubtype="0" fill="hold" nodeType="withEffect">
-                                  <p:stCondLst>
-                                    <p:cond delay="0"/>
-                                  </p:stCondLst>
-                                  <p:childTnLst>
-                                    <p:set>
-                                      <p:cBhvr>
-                                        <p:cTn id="12" dur="1" fill="hold">
-                                          <p:stCondLst>
-                                            <p:cond delay="0"/>
-                                          </p:stCondLst>
-                                        </p:cTn>
-                                        <p:tgtEl>
-                                          <p:spTgt spid="9">
-                                            <p:txEl>
-                                              <p:pRg st="5" end="5"/>
-                                            </p:txEl>
-                                          </p:spTgt>
-                                        </p:tgtEl>
-                                        <p:attrNameLst>
-                                          <p:attrName>style.visibility</p:attrName>
-                                        </p:attrNameLst>
-                                      </p:cBhvr>
-                                      <p:to>
-                                        <p:strVal val="visible"/>
-                                      </p:to>
-                                    </p:set>
-                                  </p:childTnLst>
-                                </p:cTn>
-                              </p:par>
-                            </p:childTnLst>
-                          </p:cTn>
-                        </p:par>
-                      </p:childTnLst>
-                    </p:cTn>
-                  </p:par>
-                </p:childTnLst>
-              </p:cTn>
-              <p:prevCondLst>
-                <p:cond evt="onPrev" delay="0">
-                  <p:tgtEl>
-                    <p:sldTgt/>
-                  </p:tgtEl>
-                </p:cond>
-              </p:prevCondLst>
-              <p:nextCondLst>
-                <p:cond evt="onNext" delay="0">
-                  <p:tgtEl>
-                    <p:sldTgt/>
-                  </p:tgtEl>
-                </p:cond>
-              </p:nextCondLst>
-            </p:seq>
-          </p:childTnLst>
-        </p:cTn>
-      </p:par>
-    </p:tnLst>
-  </p:timing>
 </p:sld>
 </file>
 
@@ -18168,6 +21096,1310 @@
 </file>
 
 <file path=ppt/slides/slide5.xml><?xml version="1.0" encoding="utf-8"?>
+<p:sld xmlns:a="http://schemas.openxmlformats.org/drawingml/2006/main" xmlns:r="http://schemas.openxmlformats.org/officeDocument/2006/relationships" xmlns:p="http://schemas.openxmlformats.org/presentationml/2006/main">
+  <p:cSld>
+    <p:spTree>
+      <p:nvGrpSpPr>
+        <p:cNvPr id="1" name=""/>
+        <p:cNvGrpSpPr/>
+        <p:nvPr/>
+      </p:nvGrpSpPr>
+      <p:grpSpPr>
+        <a:xfrm>
+          <a:off x="0" y="0"/>
+          <a:ext cx="0" cy="0"/>
+          <a:chOff x="0" y="0"/>
+          <a:chExt cx="0" cy="0"/>
+        </a:xfrm>
+      </p:grpSpPr>
+      <p:sp>
+        <p:nvSpPr>
+          <p:cNvPr id="2" name="Title 1">
+            <a:extLst>
+              <a:ext uri="{FF2B5EF4-FFF2-40B4-BE49-F238E27FC236}">
+                <a16:creationId xmlns:a16="http://schemas.microsoft.com/office/drawing/2014/main" id="{AA3A228F-61D0-D949-A5E7-F83756230BF8}"/>
+              </a:ext>
+            </a:extLst>
+          </p:cNvPr>
+          <p:cNvSpPr>
+            <a:spLocks noGrp="1"/>
+          </p:cNvSpPr>
+          <p:nvPr>
+            <p:ph type="title"/>
+          </p:nvPr>
+        </p:nvSpPr>
+        <p:spPr>
+          <a:xfrm>
+            <a:off x="483848" y="467027"/>
+            <a:ext cx="7053542" cy="683886"/>
+          </a:xfrm>
+        </p:spPr>
+        <p:txBody>
+          <a:bodyPr/>
+          <a:lstStyle/>
+          <a:p>
+            <a:r>
+              <a:rPr lang="en-US" dirty="0"/>
+              <a:t>Functions Parameters (input)</a:t>
+            </a:r>
+          </a:p>
+        </p:txBody>
+      </p:sp>
+      <p:sp>
+        <p:nvSpPr>
+          <p:cNvPr id="9" name="Content Placeholder 8">
+            <a:extLst>
+              <a:ext uri="{FF2B5EF4-FFF2-40B4-BE49-F238E27FC236}">
+                <a16:creationId xmlns:a16="http://schemas.microsoft.com/office/drawing/2014/main" id="{E3B2E017-30B2-884B-A113-B419A2ED51AD}"/>
+              </a:ext>
+            </a:extLst>
+          </p:cNvPr>
+          <p:cNvSpPr>
+            <a:spLocks noGrp="1"/>
+          </p:cNvSpPr>
+          <p:nvPr>
+            <p:ph idx="1"/>
+          </p:nvPr>
+        </p:nvSpPr>
+        <p:spPr>
+          <a:xfrm>
+            <a:off x="483848" y="1288073"/>
+            <a:ext cx="8051725" cy="4292919"/>
+          </a:xfrm>
+        </p:spPr>
+        <p:txBody>
+          <a:bodyPr>
+            <a:normAutofit/>
+          </a:bodyPr>
+          <a:lstStyle/>
+          <a:p>
+            <a:pPr marL="0" indent="0">
+              <a:buNone/>
+            </a:pPr>
+            <a:endParaRPr lang="en-US" dirty="0"/>
+          </a:p>
+          <a:p>
+            <a:pPr marL="0" indent="0">
+              <a:buNone/>
+            </a:pPr>
+            <a:endParaRPr lang="en-US" dirty="0"/>
+          </a:p>
+          <a:p>
+            <a:pPr marL="0" indent="0">
+              <a:buNone/>
+            </a:pPr>
+            <a:endParaRPr lang="en-US" dirty="0"/>
+          </a:p>
+          <a:p>
+            <a:pPr marL="0" indent="0">
+              <a:buNone/>
+            </a:pPr>
+            <a:r>
+              <a:rPr lang="en-US" b="1" dirty="0">
+                <a:solidFill>
+                  <a:srgbClr val="000087"/>
+                </a:solidFill>
+                <a:latin typeface="Inconsolata Medium" panose="020B0609030003000000" pitchFamily="49" charset="77"/>
+              </a:rPr>
+              <a:t>In </a:t>
+            </a:r>
+            <a:r>
+              <a:rPr lang="en-US" b="1" dirty="0">
+                <a:latin typeface="Inconsolata Medium" panose="020B0609030003000000" pitchFamily="49" charset="77"/>
+              </a:rPr>
+              <a:t>[</a:t>
+            </a:r>
+            <a:r>
+              <a:rPr lang="en-US" b="1" dirty="0">
+                <a:solidFill>
+                  <a:srgbClr val="FF6600"/>
+                </a:solidFill>
+                <a:latin typeface="Inconsolata Medium" panose="020B0609030003000000" pitchFamily="49" charset="77"/>
+              </a:rPr>
+              <a:t>1</a:t>
+            </a:r>
+            <a:r>
+              <a:rPr lang="en-US" b="1" dirty="0">
+                <a:latin typeface="Inconsolata Medium" panose="020B0609030003000000" pitchFamily="49" charset="77"/>
+              </a:rPr>
+              <a:t>]: </a:t>
+            </a:r>
+            <a:r>
+              <a:rPr lang="en-US" b="1" dirty="0">
+                <a:solidFill>
+                  <a:srgbClr val="006699"/>
+                </a:solidFill>
+                <a:latin typeface="Inconsolata Medium" panose="020B0609030003000000" pitchFamily="49" charset="77"/>
+              </a:rPr>
+              <a:t>def </a:t>
+            </a:r>
+            <a:r>
+              <a:rPr lang="en-US" b="1" dirty="0">
+                <a:latin typeface="Inconsolata Medium" panose="020B0609030003000000" pitchFamily="49" charset="77"/>
+              </a:rPr>
+              <a:t>add(</a:t>
+            </a:r>
+            <a:r>
+              <a:rPr lang="en-US" b="1" dirty="0">
+                <a:solidFill>
+                  <a:srgbClr val="FF0000"/>
+                </a:solidFill>
+                <a:latin typeface="Inconsolata Medium" panose="020B0609030003000000" pitchFamily="49" charset="77"/>
+              </a:rPr>
+              <a:t>a</a:t>
+            </a:r>
+            <a:r>
+              <a:rPr lang="en-US" b="1" dirty="0">
+                <a:latin typeface="Inconsolata Medium" panose="020B0609030003000000" pitchFamily="49" charset="77"/>
+              </a:rPr>
+              <a:t>, </a:t>
+            </a:r>
+            <a:r>
+              <a:rPr lang="en-US" b="1" dirty="0">
+                <a:solidFill>
+                  <a:schemeClr val="accent1"/>
+                </a:solidFill>
+                <a:latin typeface="Inconsolata Medium" panose="020B0609030003000000" pitchFamily="49" charset="77"/>
+              </a:rPr>
+              <a:t>b</a:t>
+            </a:r>
+            <a:r>
+              <a:rPr lang="en-US" b="1" dirty="0">
+                <a:latin typeface="Inconsolata Medium" panose="020B0609030003000000" pitchFamily="49" charset="77"/>
+              </a:rPr>
+              <a:t>): </a:t>
+            </a:r>
+          </a:p>
+          <a:p>
+            <a:pPr marL="0" indent="0">
+              <a:buNone/>
+            </a:pPr>
+            <a:r>
+              <a:rPr lang="en-US" b="1" dirty="0">
+                <a:solidFill>
+                  <a:srgbClr val="000087"/>
+                </a:solidFill>
+                <a:latin typeface="Inconsolata Medium" panose="020B0609030003000000" pitchFamily="49" charset="77"/>
+              </a:rPr>
+              <a:t>		return a + b</a:t>
+            </a:r>
+            <a:r>
+              <a:rPr lang="en-US" b="1" dirty="0">
+                <a:latin typeface="Inconsolata Medium" panose="020B0609030003000000" pitchFamily="49" charset="77"/>
+              </a:rPr>
+              <a:t> </a:t>
+            </a:r>
+          </a:p>
+          <a:p>
+            <a:pPr marL="0" indent="0">
+              <a:buNone/>
+            </a:pPr>
+            <a:endParaRPr lang="en-US" b="1" dirty="0">
+              <a:solidFill>
+                <a:srgbClr val="000087"/>
+              </a:solidFill>
+              <a:latin typeface="Inconsolata Medium" panose="020B0609030003000000" pitchFamily="49" charset="77"/>
+            </a:endParaRPr>
+          </a:p>
+          <a:p>
+            <a:pPr marL="0" indent="0">
+              <a:buNone/>
+            </a:pPr>
+            <a:endParaRPr lang="en-US" b="1" dirty="0">
+              <a:solidFill>
+                <a:srgbClr val="000087"/>
+              </a:solidFill>
+              <a:latin typeface="Inconsolata Medium" panose="020B0609030003000000" pitchFamily="49" charset="77"/>
+            </a:endParaRPr>
+          </a:p>
+          <a:p>
+            <a:pPr marL="0" indent="0">
+              <a:buNone/>
+            </a:pPr>
+            <a:r>
+              <a:rPr lang="en-US" b="1" dirty="0">
+                <a:solidFill>
+                  <a:srgbClr val="000087"/>
+                </a:solidFill>
+                <a:latin typeface="Inconsolata Medium" panose="020B0609030003000000" pitchFamily="49" charset="77"/>
+              </a:rPr>
+              <a:t>In </a:t>
+            </a:r>
+            <a:r>
+              <a:rPr lang="en-US" b="1" dirty="0">
+                <a:latin typeface="Inconsolata Medium" panose="020B0609030003000000" pitchFamily="49" charset="77"/>
+              </a:rPr>
+              <a:t>[</a:t>
+            </a:r>
+            <a:r>
+              <a:rPr lang="en-US" b="1" dirty="0">
+                <a:solidFill>
+                  <a:srgbClr val="FF6600"/>
+                </a:solidFill>
+                <a:latin typeface="Inconsolata Medium" panose="020B0609030003000000" pitchFamily="49" charset="77"/>
+              </a:rPr>
+              <a:t>2</a:t>
+            </a:r>
+            <a:r>
+              <a:rPr lang="en-US" b="1" dirty="0">
+                <a:latin typeface="Inconsolata Medium" panose="020B0609030003000000" pitchFamily="49" charset="77"/>
+              </a:rPr>
+              <a:t>]: add(</a:t>
+            </a:r>
+            <a:r>
+              <a:rPr lang="en-US" b="1" dirty="0">
+                <a:solidFill>
+                  <a:srgbClr val="FF0000"/>
+                </a:solidFill>
+                <a:latin typeface="Inconsolata Medium" panose="020B0609030003000000" pitchFamily="49" charset="77"/>
+              </a:rPr>
+              <a:t>2</a:t>
+            </a:r>
+            <a:r>
+              <a:rPr lang="en-US" b="1" dirty="0">
+                <a:latin typeface="Inconsolata Medium" panose="020B0609030003000000" pitchFamily="49" charset="77"/>
+              </a:rPr>
+              <a:t>, </a:t>
+            </a:r>
+            <a:r>
+              <a:rPr lang="en-US" b="1" dirty="0">
+                <a:solidFill>
+                  <a:schemeClr val="accent1"/>
+                </a:solidFill>
+                <a:latin typeface="Inconsolata Medium" panose="020B0609030003000000" pitchFamily="49" charset="77"/>
+              </a:rPr>
+              <a:t>4</a:t>
+            </a:r>
+            <a:r>
+              <a:rPr lang="en-US" b="1" dirty="0">
+                <a:latin typeface="Inconsolata Medium" panose="020B0609030003000000" pitchFamily="49" charset="77"/>
+              </a:rPr>
+              <a:t>) </a:t>
+            </a:r>
+          </a:p>
+          <a:p>
+            <a:pPr marL="0" indent="0">
+              <a:buNone/>
+            </a:pPr>
+            <a:r>
+              <a:rPr lang="en-US" b="1" dirty="0">
+                <a:latin typeface="Inconsolata Medium" panose="020B0609030003000000" pitchFamily="49" charset="77"/>
+              </a:rPr>
+              <a:t>Out [2]: 6</a:t>
+            </a:r>
+          </a:p>
+          <a:p>
+            <a:pPr marL="0" indent="0">
+              <a:buNone/>
+            </a:pPr>
+            <a:endParaRPr lang="en-US" b="1" dirty="0">
+              <a:latin typeface="Inconsolata Medium" panose="020B0609030003000000" pitchFamily="49" charset="77"/>
+            </a:endParaRPr>
+          </a:p>
+        </p:txBody>
+      </p:sp>
+      <p:cxnSp>
+        <p:nvCxnSpPr>
+          <p:cNvPr id="6" name="Straight Arrow Connector 5">
+            <a:extLst>
+              <a:ext uri="{FF2B5EF4-FFF2-40B4-BE49-F238E27FC236}">
+                <a16:creationId xmlns:a16="http://schemas.microsoft.com/office/drawing/2014/main" id="{E5285AED-414F-CF48-BDA3-F9C105DE78F6}"/>
+              </a:ext>
+            </a:extLst>
+          </p:cNvPr>
+          <p:cNvCxnSpPr>
+            <a:cxnSpLocks/>
+          </p:cNvCxnSpPr>
+          <p:nvPr/>
+        </p:nvCxnSpPr>
+        <p:spPr>
+          <a:xfrm flipV="1">
+            <a:off x="2338939" y="2858708"/>
+            <a:ext cx="462013" cy="1174282"/>
+          </a:xfrm>
+          <a:prstGeom prst="straightConnector1">
+            <a:avLst/>
+          </a:prstGeom>
+          <a:ln w="25400">
+            <a:tailEnd type="triangle"/>
+          </a:ln>
+        </p:spPr>
+        <p:style>
+          <a:lnRef idx="1">
+            <a:schemeClr val="accent1"/>
+          </a:lnRef>
+          <a:fillRef idx="0">
+            <a:schemeClr val="accent1"/>
+          </a:fillRef>
+          <a:effectRef idx="0">
+            <a:schemeClr val="accent1"/>
+          </a:effectRef>
+          <a:fontRef idx="minor">
+            <a:schemeClr val="tx1"/>
+          </a:fontRef>
+        </p:style>
+      </p:cxnSp>
+      <p:cxnSp>
+        <p:nvCxnSpPr>
+          <p:cNvPr id="10" name="Straight Arrow Connector 9">
+            <a:extLst>
+              <a:ext uri="{FF2B5EF4-FFF2-40B4-BE49-F238E27FC236}">
+                <a16:creationId xmlns:a16="http://schemas.microsoft.com/office/drawing/2014/main" id="{D2B72858-9062-1748-A56F-9BF516549403}"/>
+              </a:ext>
+            </a:extLst>
+          </p:cNvPr>
+          <p:cNvCxnSpPr>
+            <a:cxnSpLocks/>
+          </p:cNvCxnSpPr>
+          <p:nvPr/>
+        </p:nvCxnSpPr>
+        <p:spPr>
+          <a:xfrm flipV="1">
+            <a:off x="2741595" y="2849078"/>
+            <a:ext cx="462013" cy="1174282"/>
+          </a:xfrm>
+          <a:prstGeom prst="straightConnector1">
+            <a:avLst/>
+          </a:prstGeom>
+          <a:ln w="25400">
+            <a:tailEnd type="triangle"/>
+          </a:ln>
+        </p:spPr>
+        <p:style>
+          <a:lnRef idx="1">
+            <a:schemeClr val="accent1"/>
+          </a:lnRef>
+          <a:fillRef idx="0">
+            <a:schemeClr val="accent1"/>
+          </a:fillRef>
+          <a:effectRef idx="0">
+            <a:schemeClr val="accent1"/>
+          </a:effectRef>
+          <a:fontRef idx="minor">
+            <a:schemeClr val="tx1"/>
+          </a:fontRef>
+        </p:style>
+      </p:cxnSp>
+      <p:sp>
+        <p:nvSpPr>
+          <p:cNvPr id="8" name="TextBox 7">
+            <a:extLst>
+              <a:ext uri="{FF2B5EF4-FFF2-40B4-BE49-F238E27FC236}">
+                <a16:creationId xmlns:a16="http://schemas.microsoft.com/office/drawing/2014/main" id="{C57243A4-61B0-BF49-9762-D919B22CF822}"/>
+              </a:ext>
+            </a:extLst>
+          </p:cNvPr>
+          <p:cNvSpPr txBox="1"/>
+          <p:nvPr/>
+        </p:nvSpPr>
+        <p:spPr>
+          <a:xfrm>
+            <a:off x="3921425" y="2849078"/>
+            <a:ext cx="4614148" cy="1015663"/>
+          </a:xfrm>
+          <a:prstGeom prst="rect">
+            <a:avLst/>
+          </a:prstGeom>
+          <a:noFill/>
+        </p:spPr>
+        <p:txBody>
+          <a:bodyPr wrap="none" rtlCol="0">
+            <a:spAutoFit/>
+          </a:bodyPr>
+          <a:lstStyle/>
+          <a:p>
+            <a:r>
+              <a:rPr lang="en-US" sz="2000" dirty="0"/>
+              <a:t>In function calling, the actual parameters </a:t>
+            </a:r>
+          </a:p>
+          <a:p>
+            <a:r>
+              <a:rPr lang="en-US" sz="2000" dirty="0"/>
+              <a:t>2 and 4 are sent to the formal parameters </a:t>
+            </a:r>
+          </a:p>
+          <a:p>
+            <a:r>
+              <a:rPr lang="en-US" sz="2000" dirty="0"/>
+              <a:t>a and b respectively.</a:t>
+            </a:r>
+          </a:p>
+        </p:txBody>
+      </p:sp>
+    </p:spTree>
+    <p:extLst>
+      <p:ext uri="{BB962C8B-B14F-4D97-AF65-F5344CB8AC3E}">
+        <p14:creationId xmlns:p14="http://schemas.microsoft.com/office/powerpoint/2010/main" val="4080804918"/>
+      </p:ext>
+    </p:extLst>
+  </p:cSld>
+  <p:clrMapOvr>
+    <a:masterClrMapping/>
+  </p:clrMapOvr>
+  <p:timing>
+    <p:tnLst>
+      <p:par>
+        <p:cTn id="1" dur="indefinite" restart="never" nodeType="tmRoot">
+          <p:childTnLst>
+            <p:seq concurrent="1" nextAc="seek">
+              <p:cTn id="2" dur="indefinite" nodeType="mainSeq">
+                <p:childTnLst>
+                  <p:par>
+                    <p:cTn id="3" fill="hold">
+                      <p:stCondLst>
+                        <p:cond delay="indefinite"/>
+                      </p:stCondLst>
+                      <p:childTnLst>
+                        <p:par>
+                          <p:cTn id="4" fill="hold">
+                            <p:stCondLst>
+                              <p:cond delay="0"/>
+                            </p:stCondLst>
+                            <p:childTnLst>
+                              <p:par>
+                                <p:cTn id="5" presetID="1" presetClass="entr" presetSubtype="0" fill="hold" nodeType="clickEffect">
+                                  <p:stCondLst>
+                                    <p:cond delay="0"/>
+                                  </p:stCondLst>
+                                  <p:childTnLst>
+                                    <p:set>
+                                      <p:cBhvr>
+                                        <p:cTn id="6" dur="1" fill="hold">
+                                          <p:stCondLst>
+                                            <p:cond delay="0"/>
+                                          </p:stCondLst>
+                                        </p:cTn>
+                                        <p:tgtEl>
+                                          <p:spTgt spid="9">
+                                            <p:txEl>
+                                              <p:pRg st="3" end="3"/>
+                                            </p:txEl>
+                                          </p:spTgt>
+                                        </p:tgtEl>
+                                        <p:attrNameLst>
+                                          <p:attrName>style.visibility</p:attrName>
+                                        </p:attrNameLst>
+                                      </p:cBhvr>
+                                      <p:to>
+                                        <p:strVal val="visible"/>
+                                      </p:to>
+                                    </p:set>
+                                  </p:childTnLst>
+                                </p:cTn>
+                              </p:par>
+                              <p:par>
+                                <p:cTn id="7" presetID="1" presetClass="entr" presetSubtype="0" fill="hold" nodeType="withEffect">
+                                  <p:stCondLst>
+                                    <p:cond delay="0"/>
+                                  </p:stCondLst>
+                                  <p:childTnLst>
+                                    <p:set>
+                                      <p:cBhvr>
+                                        <p:cTn id="8" dur="1" fill="hold">
+                                          <p:stCondLst>
+                                            <p:cond delay="0"/>
+                                          </p:stCondLst>
+                                        </p:cTn>
+                                        <p:tgtEl>
+                                          <p:spTgt spid="9">
+                                            <p:txEl>
+                                              <p:pRg st="4" end="4"/>
+                                            </p:txEl>
+                                          </p:spTgt>
+                                        </p:tgtEl>
+                                        <p:attrNameLst>
+                                          <p:attrName>style.visibility</p:attrName>
+                                        </p:attrNameLst>
+                                      </p:cBhvr>
+                                      <p:to>
+                                        <p:strVal val="visible"/>
+                                      </p:to>
+                                    </p:set>
+                                  </p:childTnLst>
+                                </p:cTn>
+                              </p:par>
+                            </p:childTnLst>
+                          </p:cTn>
+                        </p:par>
+                      </p:childTnLst>
+                    </p:cTn>
+                  </p:par>
+                  <p:par>
+                    <p:cTn id="9" fill="hold">
+                      <p:stCondLst>
+                        <p:cond delay="indefinite"/>
+                      </p:stCondLst>
+                      <p:childTnLst>
+                        <p:par>
+                          <p:cTn id="10" fill="hold">
+                            <p:stCondLst>
+                              <p:cond delay="0"/>
+                            </p:stCondLst>
+                            <p:childTnLst>
+                              <p:par>
+                                <p:cTn id="11" presetID="1" presetClass="entr" presetSubtype="0" fill="hold" nodeType="clickEffect">
+                                  <p:stCondLst>
+                                    <p:cond delay="0"/>
+                                  </p:stCondLst>
+                                  <p:childTnLst>
+                                    <p:set>
+                                      <p:cBhvr>
+                                        <p:cTn id="12" dur="1" fill="hold">
+                                          <p:stCondLst>
+                                            <p:cond delay="0"/>
+                                          </p:stCondLst>
+                                        </p:cTn>
+                                        <p:tgtEl>
+                                          <p:spTgt spid="9">
+                                            <p:txEl>
+                                              <p:pRg st="7" end="7"/>
+                                            </p:txEl>
+                                          </p:spTgt>
+                                        </p:tgtEl>
+                                        <p:attrNameLst>
+                                          <p:attrName>style.visibility</p:attrName>
+                                        </p:attrNameLst>
+                                      </p:cBhvr>
+                                      <p:to>
+                                        <p:strVal val="visible"/>
+                                      </p:to>
+                                    </p:set>
+                                  </p:childTnLst>
+                                </p:cTn>
+                              </p:par>
+                              <p:par>
+                                <p:cTn id="13" presetID="1" presetClass="entr" presetSubtype="0" fill="hold" nodeType="withEffect">
+                                  <p:stCondLst>
+                                    <p:cond delay="0"/>
+                                  </p:stCondLst>
+                                  <p:childTnLst>
+                                    <p:set>
+                                      <p:cBhvr>
+                                        <p:cTn id="14" dur="1" fill="hold">
+                                          <p:stCondLst>
+                                            <p:cond delay="0"/>
+                                          </p:stCondLst>
+                                        </p:cTn>
+                                        <p:tgtEl>
+                                          <p:spTgt spid="9">
+                                            <p:txEl>
+                                              <p:pRg st="8" end="8"/>
+                                            </p:txEl>
+                                          </p:spTgt>
+                                        </p:tgtEl>
+                                        <p:attrNameLst>
+                                          <p:attrName>style.visibility</p:attrName>
+                                        </p:attrNameLst>
+                                      </p:cBhvr>
+                                      <p:to>
+                                        <p:strVal val="visible"/>
+                                      </p:to>
+                                    </p:set>
+                                  </p:childTnLst>
+                                </p:cTn>
+                              </p:par>
+                              <p:par>
+                                <p:cTn id="15" presetID="1" presetClass="entr" presetSubtype="0" fill="hold" nodeType="withEffect">
+                                  <p:stCondLst>
+                                    <p:cond delay="0"/>
+                                  </p:stCondLst>
+                                  <p:childTnLst>
+                                    <p:set>
+                                      <p:cBhvr>
+                                        <p:cTn id="16" dur="1" fill="hold">
+                                          <p:stCondLst>
+                                            <p:cond delay="0"/>
+                                          </p:stCondLst>
+                                        </p:cTn>
+                                        <p:tgtEl>
+                                          <p:spTgt spid="6"/>
+                                        </p:tgtEl>
+                                        <p:attrNameLst>
+                                          <p:attrName>style.visibility</p:attrName>
+                                        </p:attrNameLst>
+                                      </p:cBhvr>
+                                      <p:to>
+                                        <p:strVal val="visible"/>
+                                      </p:to>
+                                    </p:set>
+                                  </p:childTnLst>
+                                </p:cTn>
+                              </p:par>
+                              <p:par>
+                                <p:cTn id="17" presetID="1" presetClass="entr" presetSubtype="0" fill="hold" nodeType="withEffect">
+                                  <p:stCondLst>
+                                    <p:cond delay="0"/>
+                                  </p:stCondLst>
+                                  <p:childTnLst>
+                                    <p:set>
+                                      <p:cBhvr>
+                                        <p:cTn id="18" dur="1" fill="hold">
+                                          <p:stCondLst>
+                                            <p:cond delay="0"/>
+                                          </p:stCondLst>
+                                        </p:cTn>
+                                        <p:tgtEl>
+                                          <p:spTgt spid="10"/>
+                                        </p:tgtEl>
+                                        <p:attrNameLst>
+                                          <p:attrName>style.visibility</p:attrName>
+                                        </p:attrNameLst>
+                                      </p:cBhvr>
+                                      <p:to>
+                                        <p:strVal val="visible"/>
+                                      </p:to>
+                                    </p:set>
+                                  </p:childTnLst>
+                                </p:cTn>
+                              </p:par>
+                            </p:childTnLst>
+                          </p:cTn>
+                        </p:par>
+                      </p:childTnLst>
+                    </p:cTn>
+                  </p:par>
+                </p:childTnLst>
+              </p:cTn>
+              <p:prevCondLst>
+                <p:cond evt="onPrev" delay="0">
+                  <p:tgtEl>
+                    <p:sldTgt/>
+                  </p:tgtEl>
+                </p:cond>
+              </p:prevCondLst>
+              <p:nextCondLst>
+                <p:cond evt="onNext" delay="0">
+                  <p:tgtEl>
+                    <p:sldTgt/>
+                  </p:tgtEl>
+                </p:cond>
+              </p:nextCondLst>
+            </p:seq>
+          </p:childTnLst>
+        </p:cTn>
+      </p:par>
+    </p:tnLst>
+  </p:timing>
+</p:sld>
+</file>
+
+<file path=ppt/slides/slide6.xml><?xml version="1.0" encoding="utf-8"?>
+<p:sld xmlns:a="http://schemas.openxmlformats.org/drawingml/2006/main" xmlns:r="http://schemas.openxmlformats.org/officeDocument/2006/relationships" xmlns:p="http://schemas.openxmlformats.org/presentationml/2006/main">
+  <p:cSld>
+    <p:spTree>
+      <p:nvGrpSpPr>
+        <p:cNvPr id="1" name=""/>
+        <p:cNvGrpSpPr/>
+        <p:nvPr/>
+      </p:nvGrpSpPr>
+      <p:grpSpPr>
+        <a:xfrm>
+          <a:off x="0" y="0"/>
+          <a:ext cx="0" cy="0"/>
+          <a:chOff x="0" y="0"/>
+          <a:chExt cx="0" cy="0"/>
+        </a:xfrm>
+      </p:grpSpPr>
+      <p:sp>
+        <p:nvSpPr>
+          <p:cNvPr id="2" name="Title 1">
+            <a:extLst>
+              <a:ext uri="{FF2B5EF4-FFF2-40B4-BE49-F238E27FC236}">
+                <a16:creationId xmlns:a16="http://schemas.microsoft.com/office/drawing/2014/main" id="{AA3A228F-61D0-D949-A5E7-F83756230BF8}"/>
+              </a:ext>
+            </a:extLst>
+          </p:cNvPr>
+          <p:cNvSpPr>
+            <a:spLocks noGrp="1"/>
+          </p:cNvSpPr>
+          <p:nvPr>
+            <p:ph type="title"/>
+          </p:nvPr>
+        </p:nvSpPr>
+        <p:spPr>
+          <a:xfrm>
+            <a:off x="483848" y="467027"/>
+            <a:ext cx="7053542" cy="683886"/>
+          </a:xfrm>
+        </p:spPr>
+        <p:txBody>
+          <a:bodyPr/>
+          <a:lstStyle/>
+          <a:p>
+            <a:r>
+              <a:rPr lang="en-US" dirty="0"/>
+              <a:t>Function Return (output) </a:t>
+            </a:r>
+          </a:p>
+        </p:txBody>
+      </p:sp>
+      <p:sp>
+        <p:nvSpPr>
+          <p:cNvPr id="9" name="Content Placeholder 8">
+            <a:extLst>
+              <a:ext uri="{FF2B5EF4-FFF2-40B4-BE49-F238E27FC236}">
+                <a16:creationId xmlns:a16="http://schemas.microsoft.com/office/drawing/2014/main" id="{E3B2E017-30B2-884B-A113-B419A2ED51AD}"/>
+              </a:ext>
+            </a:extLst>
+          </p:cNvPr>
+          <p:cNvSpPr>
+            <a:spLocks noGrp="1"/>
+          </p:cNvSpPr>
+          <p:nvPr>
+            <p:ph idx="1"/>
+          </p:nvPr>
+        </p:nvSpPr>
+        <p:spPr>
+          <a:xfrm>
+            <a:off x="483848" y="1288073"/>
+            <a:ext cx="8051725" cy="4292919"/>
+          </a:xfrm>
+        </p:spPr>
+        <p:txBody>
+          <a:bodyPr>
+            <a:normAutofit/>
+          </a:bodyPr>
+          <a:lstStyle/>
+          <a:p>
+            <a:pPr marL="0" indent="0">
+              <a:buNone/>
+            </a:pPr>
+            <a:endParaRPr lang="en-US" dirty="0"/>
+          </a:p>
+          <a:p>
+            <a:pPr marL="0" indent="0">
+              <a:buNone/>
+            </a:pPr>
+            <a:endParaRPr lang="en-US" dirty="0"/>
+          </a:p>
+          <a:p>
+            <a:pPr marL="0" indent="0">
+              <a:buNone/>
+            </a:pPr>
+            <a:endParaRPr lang="en-US" dirty="0"/>
+          </a:p>
+          <a:p>
+            <a:pPr marL="0" indent="0">
+              <a:buNone/>
+            </a:pPr>
+            <a:r>
+              <a:rPr lang="en-US" b="1" dirty="0">
+                <a:solidFill>
+                  <a:srgbClr val="000087"/>
+                </a:solidFill>
+                <a:latin typeface="Inconsolata Medium" panose="020B0609030003000000" pitchFamily="49" charset="77"/>
+              </a:rPr>
+              <a:t>In </a:t>
+            </a:r>
+            <a:r>
+              <a:rPr lang="en-US" b="1" dirty="0">
+                <a:latin typeface="Inconsolata Medium" panose="020B0609030003000000" pitchFamily="49" charset="77"/>
+              </a:rPr>
+              <a:t>[</a:t>
+            </a:r>
+            <a:r>
+              <a:rPr lang="en-US" b="1" dirty="0">
+                <a:solidFill>
+                  <a:srgbClr val="FF6600"/>
+                </a:solidFill>
+                <a:latin typeface="Inconsolata Medium" panose="020B0609030003000000" pitchFamily="49" charset="77"/>
+              </a:rPr>
+              <a:t>1</a:t>
+            </a:r>
+            <a:r>
+              <a:rPr lang="en-US" b="1" dirty="0">
+                <a:latin typeface="Inconsolata Medium" panose="020B0609030003000000" pitchFamily="49" charset="77"/>
+              </a:rPr>
+              <a:t>]: </a:t>
+            </a:r>
+            <a:r>
+              <a:rPr lang="en-US" b="1" dirty="0">
+                <a:solidFill>
+                  <a:srgbClr val="006699"/>
+                </a:solidFill>
+                <a:latin typeface="Inconsolata Medium" panose="020B0609030003000000" pitchFamily="49" charset="77"/>
+              </a:rPr>
+              <a:t>def </a:t>
+            </a:r>
+            <a:r>
+              <a:rPr lang="en-US" b="1" dirty="0">
+                <a:latin typeface="Inconsolata Medium" panose="020B0609030003000000" pitchFamily="49" charset="77"/>
+              </a:rPr>
+              <a:t>add(a, b): </a:t>
+            </a:r>
+          </a:p>
+          <a:p>
+            <a:pPr marL="0" indent="0">
+              <a:buNone/>
+            </a:pPr>
+            <a:r>
+              <a:rPr lang="en-US" b="1" dirty="0">
+                <a:solidFill>
+                  <a:srgbClr val="000087"/>
+                </a:solidFill>
+                <a:latin typeface="Inconsolata Medium" panose="020B0609030003000000" pitchFamily="49" charset="77"/>
+              </a:rPr>
+              <a:t>		</a:t>
+            </a:r>
+            <a:r>
+              <a:rPr lang="en-US" b="1" dirty="0">
+                <a:latin typeface="Inconsolata Medium" panose="020B0609030003000000" pitchFamily="49" charset="77"/>
+              </a:rPr>
+              <a:t>return</a:t>
+            </a:r>
+            <a:r>
+              <a:rPr lang="en-US" b="1" dirty="0">
+                <a:solidFill>
+                  <a:srgbClr val="000087"/>
+                </a:solidFill>
+                <a:latin typeface="Inconsolata Medium" panose="020B0609030003000000" pitchFamily="49" charset="77"/>
+              </a:rPr>
+              <a:t> </a:t>
+            </a:r>
+            <a:r>
+              <a:rPr lang="en-US" b="1" dirty="0">
+                <a:solidFill>
+                  <a:srgbClr val="FF0000"/>
+                </a:solidFill>
+                <a:latin typeface="Inconsolata Medium" panose="020B0609030003000000" pitchFamily="49" charset="77"/>
+              </a:rPr>
+              <a:t>a + b </a:t>
+            </a:r>
+          </a:p>
+          <a:p>
+            <a:pPr marL="0" indent="0">
+              <a:buNone/>
+            </a:pPr>
+            <a:endParaRPr lang="en-US" b="1" dirty="0">
+              <a:solidFill>
+                <a:srgbClr val="000087"/>
+              </a:solidFill>
+              <a:latin typeface="Inconsolata Medium" panose="020B0609030003000000" pitchFamily="49" charset="77"/>
+            </a:endParaRPr>
+          </a:p>
+          <a:p>
+            <a:pPr marL="0" indent="0">
+              <a:buNone/>
+            </a:pPr>
+            <a:endParaRPr lang="en-US" b="1" dirty="0">
+              <a:solidFill>
+                <a:srgbClr val="000087"/>
+              </a:solidFill>
+              <a:latin typeface="Inconsolata Medium" panose="020B0609030003000000" pitchFamily="49" charset="77"/>
+            </a:endParaRPr>
+          </a:p>
+          <a:p>
+            <a:pPr marL="0" indent="0">
+              <a:buNone/>
+            </a:pPr>
+            <a:r>
+              <a:rPr lang="en-US" b="1" dirty="0">
+                <a:solidFill>
+                  <a:srgbClr val="000087"/>
+                </a:solidFill>
+                <a:latin typeface="Inconsolata Medium" panose="020B0609030003000000" pitchFamily="49" charset="77"/>
+              </a:rPr>
+              <a:t>In </a:t>
+            </a:r>
+            <a:r>
+              <a:rPr lang="en-US" b="1" dirty="0">
+                <a:latin typeface="Inconsolata Medium" panose="020B0609030003000000" pitchFamily="49" charset="77"/>
+              </a:rPr>
+              <a:t>[</a:t>
+            </a:r>
+            <a:r>
+              <a:rPr lang="en-US" b="1" dirty="0">
+                <a:solidFill>
+                  <a:srgbClr val="FF6600"/>
+                </a:solidFill>
+                <a:latin typeface="Inconsolata Medium" panose="020B0609030003000000" pitchFamily="49" charset="77"/>
+              </a:rPr>
+              <a:t>2</a:t>
+            </a:r>
+            <a:r>
+              <a:rPr lang="en-US" b="1" dirty="0">
+                <a:latin typeface="Inconsolata Medium" panose="020B0609030003000000" pitchFamily="49" charset="77"/>
+              </a:rPr>
+              <a:t>]: </a:t>
+            </a:r>
+            <a:r>
+              <a:rPr lang="en-US" b="1" dirty="0">
+                <a:solidFill>
+                  <a:srgbClr val="FF0000"/>
+                </a:solidFill>
+                <a:latin typeface="Inconsolata Medium" panose="020B0609030003000000" pitchFamily="49" charset="77"/>
+              </a:rPr>
+              <a:t>add(2, 4) </a:t>
+            </a:r>
+          </a:p>
+          <a:p>
+            <a:pPr marL="0" indent="0">
+              <a:buNone/>
+            </a:pPr>
+            <a:r>
+              <a:rPr lang="en-US" b="1" dirty="0">
+                <a:latin typeface="Inconsolata Medium" panose="020B0609030003000000" pitchFamily="49" charset="77"/>
+              </a:rPr>
+              <a:t>Out [2]: </a:t>
+            </a:r>
+            <a:r>
+              <a:rPr lang="en-US" b="1" dirty="0">
+                <a:solidFill>
+                  <a:srgbClr val="FF0000"/>
+                </a:solidFill>
+                <a:latin typeface="Inconsolata Medium" panose="020B0609030003000000" pitchFamily="49" charset="77"/>
+              </a:rPr>
+              <a:t>6</a:t>
+            </a:r>
+          </a:p>
+          <a:p>
+            <a:pPr marL="0" indent="0">
+              <a:buNone/>
+            </a:pPr>
+            <a:endParaRPr lang="en-US" b="1" dirty="0">
+              <a:latin typeface="Inconsolata Medium" panose="020B0609030003000000" pitchFamily="49" charset="77"/>
+            </a:endParaRPr>
+          </a:p>
+        </p:txBody>
+      </p:sp>
+      <p:cxnSp>
+        <p:nvCxnSpPr>
+          <p:cNvPr id="10" name="Straight Arrow Connector 9">
+            <a:extLst>
+              <a:ext uri="{FF2B5EF4-FFF2-40B4-BE49-F238E27FC236}">
+                <a16:creationId xmlns:a16="http://schemas.microsoft.com/office/drawing/2014/main" id="{D2B72858-9062-1748-A56F-9BF516549403}"/>
+              </a:ext>
+            </a:extLst>
+          </p:cNvPr>
+          <p:cNvCxnSpPr>
+            <a:cxnSpLocks/>
+          </p:cNvCxnSpPr>
+          <p:nvPr/>
+        </p:nvCxnSpPr>
+        <p:spPr>
+          <a:xfrm flipH="1">
+            <a:off x="2618072" y="3356909"/>
+            <a:ext cx="308008" cy="644992"/>
+          </a:xfrm>
+          <a:prstGeom prst="straightConnector1">
+            <a:avLst/>
+          </a:prstGeom>
+          <a:ln w="25400">
+            <a:tailEnd type="triangle"/>
+          </a:ln>
+        </p:spPr>
+        <p:style>
+          <a:lnRef idx="1">
+            <a:schemeClr val="accent1"/>
+          </a:lnRef>
+          <a:fillRef idx="0">
+            <a:schemeClr val="accent1"/>
+          </a:fillRef>
+          <a:effectRef idx="0">
+            <a:schemeClr val="accent1"/>
+          </a:effectRef>
+          <a:fontRef idx="minor">
+            <a:schemeClr val="tx1"/>
+          </a:fontRef>
+        </p:style>
+      </p:cxnSp>
+      <p:sp>
+        <p:nvSpPr>
+          <p:cNvPr id="8" name="TextBox 7">
+            <a:extLst>
+              <a:ext uri="{FF2B5EF4-FFF2-40B4-BE49-F238E27FC236}">
+                <a16:creationId xmlns:a16="http://schemas.microsoft.com/office/drawing/2014/main" id="{C57243A4-61B0-BF49-9762-D919B22CF822}"/>
+              </a:ext>
+            </a:extLst>
+          </p:cNvPr>
+          <p:cNvSpPr txBox="1"/>
+          <p:nvPr/>
+        </p:nvSpPr>
+        <p:spPr>
+          <a:xfrm>
+            <a:off x="4010619" y="2388169"/>
+            <a:ext cx="5036635" cy="1015663"/>
+          </a:xfrm>
+          <a:prstGeom prst="rect">
+            <a:avLst/>
+          </a:prstGeom>
+          <a:noFill/>
+        </p:spPr>
+        <p:txBody>
+          <a:bodyPr wrap="none" rtlCol="0">
+            <a:spAutoFit/>
+          </a:bodyPr>
+          <a:lstStyle/>
+          <a:p>
+            <a:r>
+              <a:rPr lang="en-US" sz="2000" dirty="0"/>
+              <a:t>When a function returns a value, the returned </a:t>
+            </a:r>
+          </a:p>
+          <a:p>
+            <a:r>
+              <a:rPr lang="en-US" sz="2000" dirty="0"/>
+              <a:t>value is the value of the entire function </a:t>
+            </a:r>
+          </a:p>
+          <a:p>
+            <a:r>
+              <a:rPr lang="en-US" sz="2000" dirty="0"/>
+              <a:t>call add(2,4).</a:t>
+            </a:r>
+          </a:p>
+        </p:txBody>
+      </p:sp>
+    </p:spTree>
+    <p:extLst>
+      <p:ext uri="{BB962C8B-B14F-4D97-AF65-F5344CB8AC3E}">
+        <p14:creationId xmlns:p14="http://schemas.microsoft.com/office/powerpoint/2010/main" val="2359254305"/>
+      </p:ext>
+    </p:extLst>
+  </p:cSld>
+  <p:clrMapOvr>
+    <a:masterClrMapping/>
+  </p:clrMapOvr>
+  <p:timing>
+    <p:tnLst>
+      <p:par>
+        <p:cTn id="1" dur="indefinite" restart="never" nodeType="tmRoot">
+          <p:childTnLst>
+            <p:seq concurrent="1" nextAc="seek">
+              <p:cTn id="2" dur="indefinite" nodeType="mainSeq">
+                <p:childTnLst>
+                  <p:par>
+                    <p:cTn id="3" fill="hold">
+                      <p:stCondLst>
+                        <p:cond delay="indefinite"/>
+                      </p:stCondLst>
+                      <p:childTnLst>
+                        <p:par>
+                          <p:cTn id="4" fill="hold">
+                            <p:stCondLst>
+                              <p:cond delay="0"/>
+                            </p:stCondLst>
+                            <p:childTnLst>
+                              <p:par>
+                                <p:cTn id="5" presetID="1" presetClass="entr" presetSubtype="0" fill="hold" nodeType="clickEffect">
+                                  <p:stCondLst>
+                                    <p:cond delay="0"/>
+                                  </p:stCondLst>
+                                  <p:childTnLst>
+                                    <p:set>
+                                      <p:cBhvr>
+                                        <p:cTn id="6" dur="1" fill="hold">
+                                          <p:stCondLst>
+                                            <p:cond delay="0"/>
+                                          </p:stCondLst>
+                                        </p:cTn>
+                                        <p:tgtEl>
+                                          <p:spTgt spid="9">
+                                            <p:txEl>
+                                              <p:pRg st="3" end="3"/>
+                                            </p:txEl>
+                                          </p:spTgt>
+                                        </p:tgtEl>
+                                        <p:attrNameLst>
+                                          <p:attrName>style.visibility</p:attrName>
+                                        </p:attrNameLst>
+                                      </p:cBhvr>
+                                      <p:to>
+                                        <p:strVal val="visible"/>
+                                      </p:to>
+                                    </p:set>
+                                  </p:childTnLst>
+                                </p:cTn>
+                              </p:par>
+                              <p:par>
+                                <p:cTn id="7" presetID="1" presetClass="entr" presetSubtype="0" fill="hold" nodeType="withEffect">
+                                  <p:stCondLst>
+                                    <p:cond delay="0"/>
+                                  </p:stCondLst>
+                                  <p:childTnLst>
+                                    <p:set>
+                                      <p:cBhvr>
+                                        <p:cTn id="8" dur="1" fill="hold">
+                                          <p:stCondLst>
+                                            <p:cond delay="0"/>
+                                          </p:stCondLst>
+                                        </p:cTn>
+                                        <p:tgtEl>
+                                          <p:spTgt spid="9">
+                                            <p:txEl>
+                                              <p:pRg st="4" end="4"/>
+                                            </p:txEl>
+                                          </p:spTgt>
+                                        </p:tgtEl>
+                                        <p:attrNameLst>
+                                          <p:attrName>style.visibility</p:attrName>
+                                        </p:attrNameLst>
+                                      </p:cBhvr>
+                                      <p:to>
+                                        <p:strVal val="visible"/>
+                                      </p:to>
+                                    </p:set>
+                                  </p:childTnLst>
+                                </p:cTn>
+                              </p:par>
+                            </p:childTnLst>
+                          </p:cTn>
+                        </p:par>
+                      </p:childTnLst>
+                    </p:cTn>
+                  </p:par>
+                  <p:par>
+                    <p:cTn id="9" fill="hold">
+                      <p:stCondLst>
+                        <p:cond delay="indefinite"/>
+                      </p:stCondLst>
+                      <p:childTnLst>
+                        <p:par>
+                          <p:cTn id="10" fill="hold">
+                            <p:stCondLst>
+                              <p:cond delay="0"/>
+                            </p:stCondLst>
+                            <p:childTnLst>
+                              <p:par>
+                                <p:cTn id="11" presetID="1" presetClass="entr" presetSubtype="0" fill="hold" nodeType="clickEffect">
+                                  <p:stCondLst>
+                                    <p:cond delay="0"/>
+                                  </p:stCondLst>
+                                  <p:childTnLst>
+                                    <p:set>
+                                      <p:cBhvr>
+                                        <p:cTn id="12" dur="1" fill="hold">
+                                          <p:stCondLst>
+                                            <p:cond delay="0"/>
+                                          </p:stCondLst>
+                                        </p:cTn>
+                                        <p:tgtEl>
+                                          <p:spTgt spid="9">
+                                            <p:txEl>
+                                              <p:pRg st="7" end="7"/>
+                                            </p:txEl>
+                                          </p:spTgt>
+                                        </p:tgtEl>
+                                        <p:attrNameLst>
+                                          <p:attrName>style.visibility</p:attrName>
+                                        </p:attrNameLst>
+                                      </p:cBhvr>
+                                      <p:to>
+                                        <p:strVal val="visible"/>
+                                      </p:to>
+                                    </p:set>
+                                  </p:childTnLst>
+                                </p:cTn>
+                              </p:par>
+                            </p:childTnLst>
+                          </p:cTn>
+                        </p:par>
+                      </p:childTnLst>
+                    </p:cTn>
+                  </p:par>
+                  <p:par>
+                    <p:cTn id="13" fill="hold">
+                      <p:stCondLst>
+                        <p:cond delay="indefinite"/>
+                      </p:stCondLst>
+                      <p:childTnLst>
+                        <p:par>
+                          <p:cTn id="14" fill="hold">
+                            <p:stCondLst>
+                              <p:cond delay="0"/>
+                            </p:stCondLst>
+                            <p:childTnLst>
+                              <p:par>
+                                <p:cTn id="15" presetID="1" presetClass="entr" presetSubtype="0" fill="hold" nodeType="clickEffect">
+                                  <p:stCondLst>
+                                    <p:cond delay="0"/>
+                                  </p:stCondLst>
+                                  <p:childTnLst>
+                                    <p:set>
+                                      <p:cBhvr>
+                                        <p:cTn id="16" dur="1" fill="hold">
+                                          <p:stCondLst>
+                                            <p:cond delay="0"/>
+                                          </p:stCondLst>
+                                        </p:cTn>
+                                        <p:tgtEl>
+                                          <p:spTgt spid="9">
+                                            <p:txEl>
+                                              <p:pRg st="8" end="8"/>
+                                            </p:txEl>
+                                          </p:spTgt>
+                                        </p:tgtEl>
+                                        <p:attrNameLst>
+                                          <p:attrName>style.visibility</p:attrName>
+                                        </p:attrNameLst>
+                                      </p:cBhvr>
+                                      <p:to>
+                                        <p:strVal val="visible"/>
+                                      </p:to>
+                                    </p:set>
+                                  </p:childTnLst>
+                                </p:cTn>
+                              </p:par>
+                              <p:par>
+                                <p:cTn id="17" presetID="1" presetClass="entr" presetSubtype="0" fill="hold" nodeType="withEffect">
+                                  <p:stCondLst>
+                                    <p:cond delay="0"/>
+                                  </p:stCondLst>
+                                  <p:childTnLst>
+                                    <p:set>
+                                      <p:cBhvr>
+                                        <p:cTn id="18" dur="1" fill="hold">
+                                          <p:stCondLst>
+                                            <p:cond delay="0"/>
+                                          </p:stCondLst>
+                                        </p:cTn>
+                                        <p:tgtEl>
+                                          <p:spTgt spid="10"/>
+                                        </p:tgtEl>
+                                        <p:attrNameLst>
+                                          <p:attrName>style.visibility</p:attrName>
+                                        </p:attrNameLst>
+                                      </p:cBhvr>
+                                      <p:to>
+                                        <p:strVal val="visible"/>
+                                      </p:to>
+                                    </p:set>
+                                  </p:childTnLst>
+                                </p:cTn>
+                              </p:par>
+                            </p:childTnLst>
+                          </p:cTn>
+                        </p:par>
+                      </p:childTnLst>
+                    </p:cTn>
+                  </p:par>
+                </p:childTnLst>
+              </p:cTn>
+              <p:prevCondLst>
+                <p:cond evt="onPrev" delay="0">
+                  <p:tgtEl>
+                    <p:sldTgt/>
+                  </p:tgtEl>
+                </p:cond>
+              </p:prevCondLst>
+              <p:nextCondLst>
+                <p:cond evt="onNext" delay="0">
+                  <p:tgtEl>
+                    <p:sldTgt/>
+                  </p:tgtEl>
+                </p:cond>
+              </p:nextCondLst>
+            </p:seq>
+          </p:childTnLst>
+        </p:cTn>
+      </p:par>
+    </p:tnLst>
+  </p:timing>
+</p:sld>
+</file>
+
+<file path=ppt/slides/slide7.xml><?xml version="1.0" encoding="utf-8"?>
 <p:sld xmlns:a="http://schemas.openxmlformats.org/drawingml/2006/main" xmlns:r="http://schemas.openxmlformats.org/officeDocument/2006/relationships" xmlns:p="http://schemas.openxmlformats.org/presentationml/2006/main">
   <p:cSld>
     <p:spTree>
@@ -19384,7 +23616,7 @@
 </p:sld>
 </file>
 
-<file path=ppt/slides/slide6.xml><?xml version="1.0" encoding="utf-8"?>
+<file path=ppt/slides/slide8.xml><?xml version="1.0" encoding="utf-8"?>
 <p:sld xmlns:a="http://schemas.openxmlformats.org/drawingml/2006/main" xmlns:r="http://schemas.openxmlformats.org/officeDocument/2006/relationships" xmlns:p="http://schemas.openxmlformats.org/presentationml/2006/main">
   <p:cSld>
     <p:spTree>
@@ -20570,7 +24802,7 @@
 </p:sld>
 </file>
 
-<file path=ppt/slides/slide7.xml><?xml version="1.0" encoding="utf-8"?>
+<file path=ppt/slides/slide9.xml><?xml version="1.0" encoding="utf-8"?>
 <p:sld xmlns:a="http://schemas.openxmlformats.org/drawingml/2006/main" xmlns:r="http://schemas.openxmlformats.org/officeDocument/2006/relationships" xmlns:p="http://schemas.openxmlformats.org/presentationml/2006/main">
   <p:cSld>
     <p:spTree>
@@ -21526,1476 +25758,6 @@
 </p:sld>
 </file>
 
-<file path=ppt/slides/slide8.xml><?xml version="1.0" encoding="utf-8"?>
-<p:sld xmlns:a="http://schemas.openxmlformats.org/drawingml/2006/main" xmlns:r="http://schemas.openxmlformats.org/officeDocument/2006/relationships" xmlns:p="http://schemas.openxmlformats.org/presentationml/2006/main">
-  <p:cSld>
-    <p:spTree>
-      <p:nvGrpSpPr>
-        <p:cNvPr id="1" name=""/>
-        <p:cNvGrpSpPr/>
-        <p:nvPr/>
-      </p:nvGrpSpPr>
-      <p:grpSpPr>
-        <a:xfrm>
-          <a:off x="0" y="0"/>
-          <a:ext cx="0" cy="0"/>
-          <a:chOff x="0" y="0"/>
-          <a:chExt cx="0" cy="0"/>
-        </a:xfrm>
-      </p:grpSpPr>
-      <p:sp>
-        <p:nvSpPr>
-          <p:cNvPr id="2" name="Title 1">
-            <a:extLst>
-              <a:ext uri="{FF2B5EF4-FFF2-40B4-BE49-F238E27FC236}">
-                <a16:creationId xmlns:a16="http://schemas.microsoft.com/office/drawing/2014/main" id="{AA3A228F-61D0-D949-A5E7-F83756230BF8}"/>
-              </a:ext>
-            </a:extLst>
-          </p:cNvPr>
-          <p:cNvSpPr>
-            <a:spLocks noGrp="1"/>
-          </p:cNvSpPr>
-          <p:nvPr>
-            <p:ph type="title"/>
-          </p:nvPr>
-        </p:nvSpPr>
-        <p:spPr>
-          <a:xfrm>
-            <a:off x="483848" y="467027"/>
-            <a:ext cx="7053542" cy="683886"/>
-          </a:xfrm>
-        </p:spPr>
-        <p:txBody>
-          <a:bodyPr/>
-          <a:lstStyle/>
-          <a:p>
-            <a:r>
-              <a:rPr lang="en-US" dirty="0"/>
-              <a:t>Functions</a:t>
-            </a:r>
-          </a:p>
-        </p:txBody>
-      </p:sp>
-      <p:sp>
-        <p:nvSpPr>
-          <p:cNvPr id="9" name="Content Placeholder 8">
-            <a:extLst>
-              <a:ext uri="{FF2B5EF4-FFF2-40B4-BE49-F238E27FC236}">
-                <a16:creationId xmlns:a16="http://schemas.microsoft.com/office/drawing/2014/main" id="{E3B2E017-30B2-884B-A113-B419A2ED51AD}"/>
-              </a:ext>
-            </a:extLst>
-          </p:cNvPr>
-          <p:cNvSpPr>
-            <a:spLocks noGrp="1"/>
-          </p:cNvSpPr>
-          <p:nvPr>
-            <p:ph idx="1"/>
-          </p:nvPr>
-        </p:nvSpPr>
-        <p:spPr>
-          <a:xfrm>
-            <a:off x="483848" y="1288073"/>
-            <a:ext cx="8051725" cy="4292919"/>
-          </a:xfrm>
-        </p:spPr>
-        <p:txBody>
-          <a:bodyPr>
-            <a:normAutofit/>
-          </a:bodyPr>
-          <a:lstStyle/>
-          <a:p>
-            <a:pPr marL="0" indent="0">
-              <a:buNone/>
-            </a:pPr>
-            <a:r>
-              <a:rPr lang="en-US" dirty="0"/>
-              <a:t>Functions can take optional keyword arguments. These are given default values. Their default values are used if a user does not specify these inputs when calling the function. Default values must come after positional arguments in the function signature.</a:t>
-            </a:r>
-          </a:p>
-          <a:p>
-            <a:pPr marL="0" indent="0">
-              <a:buNone/>
-            </a:pPr>
-            <a:endParaRPr lang="en-US" b="1" dirty="0">
-              <a:solidFill>
-                <a:srgbClr val="000087"/>
-              </a:solidFill>
-              <a:latin typeface="Inconsolata Medium" panose="020B0609030003000000" pitchFamily="49" charset="77"/>
-            </a:endParaRPr>
-          </a:p>
-          <a:p>
-            <a:pPr marL="0" indent="0">
-              <a:buNone/>
-            </a:pPr>
-            <a:r>
-              <a:rPr lang="en-US" b="1" dirty="0">
-                <a:solidFill>
-                  <a:srgbClr val="000087"/>
-                </a:solidFill>
-                <a:latin typeface="Inconsolata Medium" panose="020B0609030003000000" pitchFamily="49" charset="77"/>
-              </a:rPr>
-              <a:t>In </a:t>
-            </a:r>
-            <a:r>
-              <a:rPr lang="en-US" b="1" dirty="0">
-                <a:latin typeface="Inconsolata Medium" panose="020B0609030003000000" pitchFamily="49" charset="77"/>
-              </a:rPr>
-              <a:t>[</a:t>
-            </a:r>
-            <a:r>
-              <a:rPr lang="en-US" b="1" dirty="0">
-                <a:solidFill>
-                  <a:srgbClr val="FF6600"/>
-                </a:solidFill>
-                <a:latin typeface="Inconsolata Medium" panose="020B0609030003000000" pitchFamily="49" charset="77"/>
-              </a:rPr>
-              <a:t>1</a:t>
-            </a:r>
-            <a:r>
-              <a:rPr lang="en-US" b="1" dirty="0">
-                <a:latin typeface="Inconsolata Medium" panose="020B0609030003000000" pitchFamily="49" charset="77"/>
-              </a:rPr>
-              <a:t>]: </a:t>
-            </a:r>
-            <a:r>
-              <a:rPr lang="en-US" b="1" dirty="0">
-                <a:solidFill>
-                  <a:srgbClr val="006699"/>
-                </a:solidFill>
-                <a:latin typeface="Inconsolata Medium" panose="020B0609030003000000" pitchFamily="49" charset="77"/>
-              </a:rPr>
-              <a:t>def </a:t>
-            </a:r>
-            <a:r>
-              <a:rPr lang="en-US" b="1" dirty="0">
-                <a:solidFill>
-                  <a:srgbClr val="CC00FF"/>
-                </a:solidFill>
-                <a:latin typeface="Inconsolata Medium" panose="020B0609030003000000" pitchFamily="49" charset="77"/>
-              </a:rPr>
-              <a:t>subtract</a:t>
-            </a:r>
-            <a:r>
-              <a:rPr lang="en-US" b="1" dirty="0">
-                <a:latin typeface="Inconsolata Medium" panose="020B0609030003000000" pitchFamily="49" charset="77"/>
-              </a:rPr>
-              <a:t>(</a:t>
-            </a:r>
-            <a:r>
-              <a:rPr lang="en-US" b="1" dirty="0">
-                <a:solidFill>
-                  <a:srgbClr val="000087"/>
-                </a:solidFill>
-                <a:latin typeface="Inconsolata Medium" panose="020B0609030003000000" pitchFamily="49" charset="77"/>
-              </a:rPr>
-              <a:t>a</a:t>
-            </a:r>
-            <a:r>
-              <a:rPr lang="en-US" b="1" dirty="0">
-                <a:latin typeface="Inconsolata Medium" panose="020B0609030003000000" pitchFamily="49" charset="77"/>
-              </a:rPr>
-              <a:t>, </a:t>
-            </a:r>
-            <a:r>
-              <a:rPr lang="en-US" b="1" dirty="0">
-                <a:solidFill>
-                  <a:srgbClr val="000087"/>
-                </a:solidFill>
-                <a:latin typeface="Inconsolata Medium" panose="020B0609030003000000" pitchFamily="49" charset="77"/>
-              </a:rPr>
-              <a:t>b=</a:t>
-            </a:r>
-            <a:r>
-              <a:rPr lang="en-US" b="1" dirty="0">
-                <a:solidFill>
-                  <a:srgbClr val="FF6600"/>
-                </a:solidFill>
-                <a:latin typeface="Inconsolata Medium" panose="020B0609030003000000" pitchFamily="49" charset="77"/>
-              </a:rPr>
-              <a:t>0</a:t>
-            </a:r>
-            <a:r>
-              <a:rPr lang="en-US" b="1" dirty="0">
-                <a:latin typeface="Inconsolata Medium" panose="020B0609030003000000" pitchFamily="49" charset="77"/>
-              </a:rPr>
-              <a:t>): </a:t>
-            </a:r>
-          </a:p>
-          <a:p>
-            <a:pPr marL="0" indent="0">
-              <a:buNone/>
-            </a:pPr>
-            <a:r>
-              <a:rPr lang="en-US" b="1" dirty="0">
-                <a:solidFill>
-                  <a:srgbClr val="000087"/>
-                </a:solidFill>
-                <a:latin typeface="Inconsolata Medium" panose="020B0609030003000000" pitchFamily="49" charset="77"/>
-              </a:rPr>
-              <a:t>		return a - b</a:t>
-            </a:r>
-            <a:r>
-              <a:rPr lang="en-US" b="1" dirty="0">
-                <a:latin typeface="Inconsolata Medium" panose="020B0609030003000000" pitchFamily="49" charset="77"/>
-              </a:rPr>
-              <a:t>   </a:t>
-            </a:r>
-            <a:endParaRPr lang="en-US" b="1" dirty="0">
-              <a:solidFill>
-                <a:srgbClr val="000087"/>
-              </a:solidFill>
-              <a:latin typeface="Inconsolata Medium" panose="020B0609030003000000" pitchFamily="49" charset="77"/>
-            </a:endParaRPr>
-          </a:p>
-          <a:p>
-            <a:pPr marL="0" indent="0">
-              <a:buNone/>
-            </a:pPr>
-            <a:r>
-              <a:rPr lang="en-US" b="1" dirty="0">
-                <a:solidFill>
-                  <a:srgbClr val="000087"/>
-                </a:solidFill>
-                <a:latin typeface="Inconsolata Medium" panose="020B0609030003000000" pitchFamily="49" charset="77"/>
-              </a:rPr>
-              <a:t>In </a:t>
-            </a:r>
-            <a:r>
-              <a:rPr lang="en-US" b="1" dirty="0">
-                <a:latin typeface="Inconsolata Medium" panose="020B0609030003000000" pitchFamily="49" charset="77"/>
-              </a:rPr>
-              <a:t>[</a:t>
-            </a:r>
-            <a:r>
-              <a:rPr lang="en-US" b="1" dirty="0">
-                <a:solidFill>
-                  <a:srgbClr val="FF6600"/>
-                </a:solidFill>
-                <a:latin typeface="Inconsolata Medium" panose="020B0609030003000000" pitchFamily="49" charset="77"/>
-              </a:rPr>
-              <a:t>2</a:t>
-            </a:r>
-            <a:r>
-              <a:rPr lang="en-US" b="1" dirty="0">
-                <a:latin typeface="Inconsolata Medium" panose="020B0609030003000000" pitchFamily="49" charset="77"/>
-              </a:rPr>
-              <a:t>]: </a:t>
-            </a:r>
-            <a:r>
-              <a:rPr lang="en-US" b="1" dirty="0">
-                <a:solidFill>
-                  <a:srgbClr val="000087"/>
-                </a:solidFill>
-                <a:latin typeface="Inconsolata Medium" panose="020B0609030003000000" pitchFamily="49" charset="77"/>
-              </a:rPr>
-              <a:t>subtract</a:t>
-            </a:r>
-            <a:r>
-              <a:rPr lang="en-US" b="1" dirty="0">
-                <a:latin typeface="Inconsolata Medium" panose="020B0609030003000000" pitchFamily="49" charset="77"/>
-              </a:rPr>
-              <a:t>(</a:t>
-            </a:r>
-            <a:r>
-              <a:rPr lang="en-US" b="1" dirty="0">
-                <a:solidFill>
-                  <a:srgbClr val="FF6600"/>
-                </a:solidFill>
-                <a:latin typeface="Inconsolata Medium" panose="020B0609030003000000" pitchFamily="49" charset="77"/>
-              </a:rPr>
-              <a:t>2</a:t>
-            </a:r>
-            <a:r>
-              <a:rPr lang="en-US" b="1" dirty="0">
-                <a:latin typeface="Inconsolata Medium" panose="020B0609030003000000" pitchFamily="49" charset="77"/>
-              </a:rPr>
-              <a:t>) </a:t>
-            </a:r>
-          </a:p>
-          <a:p>
-            <a:pPr marL="0" indent="0">
-              <a:buNone/>
-            </a:pPr>
-            <a:r>
-              <a:rPr lang="en-US" b="1" dirty="0">
-                <a:latin typeface="Inconsolata Medium" panose="020B0609030003000000" pitchFamily="49" charset="77"/>
-              </a:rPr>
-              <a:t>Out [2]: 2</a:t>
-            </a:r>
-          </a:p>
-          <a:p>
-            <a:pPr marL="0" indent="0">
-              <a:buNone/>
-            </a:pPr>
-            <a:endParaRPr lang="en-US" b="1" dirty="0">
-              <a:latin typeface="Inconsolata Medium" panose="020B0609030003000000" pitchFamily="49" charset="77"/>
-            </a:endParaRPr>
-          </a:p>
-          <a:p>
-            <a:pPr marL="0" indent="0">
-              <a:buNone/>
-            </a:pPr>
-            <a:r>
-              <a:rPr lang="en-US" b="1" dirty="0">
-                <a:solidFill>
-                  <a:srgbClr val="000087"/>
-                </a:solidFill>
-                <a:latin typeface="Inconsolata Medium" panose="020B0609030003000000" pitchFamily="49" charset="77"/>
-              </a:rPr>
-              <a:t>In </a:t>
-            </a:r>
-            <a:r>
-              <a:rPr lang="en-US" b="1" dirty="0">
-                <a:latin typeface="Inconsolata Medium" panose="020B0609030003000000" pitchFamily="49" charset="77"/>
-              </a:rPr>
-              <a:t>[</a:t>
-            </a:r>
-            <a:r>
-              <a:rPr lang="en-US" b="1" dirty="0">
-                <a:solidFill>
-                  <a:srgbClr val="FF6600"/>
-                </a:solidFill>
-                <a:latin typeface="Inconsolata Medium" panose="020B0609030003000000" pitchFamily="49" charset="77"/>
-              </a:rPr>
-              <a:t>3</a:t>
-            </a:r>
-            <a:r>
-              <a:rPr lang="en-US" b="1" dirty="0">
-                <a:latin typeface="Inconsolata Medium" panose="020B0609030003000000" pitchFamily="49" charset="77"/>
-              </a:rPr>
-              <a:t>]: </a:t>
-            </a:r>
-            <a:r>
-              <a:rPr lang="en-US" b="1" dirty="0">
-                <a:solidFill>
-                  <a:srgbClr val="000087"/>
-                </a:solidFill>
-                <a:latin typeface="Inconsolata Medium" panose="020B0609030003000000" pitchFamily="49" charset="77"/>
-              </a:rPr>
-              <a:t>subtract</a:t>
-            </a:r>
-            <a:r>
-              <a:rPr lang="en-US" b="1" dirty="0">
-                <a:latin typeface="Inconsolata Medium" panose="020B0609030003000000" pitchFamily="49" charset="77"/>
-              </a:rPr>
-              <a:t>(</a:t>
-            </a:r>
-            <a:r>
-              <a:rPr lang="en-US" b="1" dirty="0">
-                <a:solidFill>
-                  <a:srgbClr val="FF6600"/>
-                </a:solidFill>
-                <a:latin typeface="Inconsolata Medium" panose="020B0609030003000000" pitchFamily="49" charset="77"/>
-              </a:rPr>
-              <a:t>1</a:t>
-            </a:r>
-            <a:r>
-              <a:rPr lang="en-US" b="1" dirty="0">
-                <a:latin typeface="Inconsolata Medium" panose="020B0609030003000000" pitchFamily="49" charset="77"/>
-              </a:rPr>
-              <a:t>, </a:t>
-            </a:r>
-            <a:r>
-              <a:rPr lang="en-US" b="1" dirty="0">
-                <a:solidFill>
-                  <a:srgbClr val="FF6600"/>
-                </a:solidFill>
-                <a:latin typeface="Inconsolata Medium" panose="020B0609030003000000" pitchFamily="49" charset="77"/>
-              </a:rPr>
-              <a:t>3</a:t>
-            </a:r>
-            <a:r>
-              <a:rPr lang="en-US" b="1" dirty="0">
-                <a:latin typeface="Inconsolata Medium" panose="020B0609030003000000" pitchFamily="49" charset="77"/>
-              </a:rPr>
-              <a:t>) </a:t>
-            </a:r>
-          </a:p>
-          <a:p>
-            <a:pPr marL="0" indent="0">
-              <a:buNone/>
-            </a:pPr>
-            <a:r>
-              <a:rPr lang="en-US" b="1" dirty="0">
-                <a:latin typeface="Inconsolata Medium" panose="020B0609030003000000" pitchFamily="49" charset="77"/>
-              </a:rPr>
-              <a:t>Out [3]: -2</a:t>
-            </a:r>
-          </a:p>
-          <a:p>
-            <a:pPr marL="0" indent="0">
-              <a:buNone/>
-            </a:pPr>
-            <a:endParaRPr lang="en-US" b="1" dirty="0">
-              <a:latin typeface="Inconsolata Medium" panose="020B0609030003000000" pitchFamily="49" charset="77"/>
-            </a:endParaRPr>
-          </a:p>
-        </p:txBody>
-      </p:sp>
-      <p:sp>
-        <p:nvSpPr>
-          <p:cNvPr id="3" name="TextBox 2">
-            <a:extLst>
-              <a:ext uri="{FF2B5EF4-FFF2-40B4-BE49-F238E27FC236}">
-                <a16:creationId xmlns:a16="http://schemas.microsoft.com/office/drawing/2014/main" id="{4023DC8A-3C5D-324F-8DB0-21911EC4DFD1}"/>
-              </a:ext>
-            </a:extLst>
-          </p:cNvPr>
-          <p:cNvSpPr txBox="1"/>
-          <p:nvPr/>
-        </p:nvSpPr>
-        <p:spPr>
-          <a:xfrm>
-            <a:off x="4257461" y="3381398"/>
-            <a:ext cx="3671198" cy="1061829"/>
-          </a:xfrm>
-          <a:prstGeom prst="rect">
-            <a:avLst/>
-          </a:prstGeom>
-          <a:noFill/>
-        </p:spPr>
-        <p:txBody>
-          <a:bodyPr wrap="none" rtlCol="0">
-            <a:spAutoFit/>
-          </a:bodyPr>
-          <a:lstStyle/>
-          <a:p>
-            <a:r>
-              <a:rPr lang="en-US" sz="2100" b="1" dirty="0">
-                <a:solidFill>
-                  <a:srgbClr val="000087"/>
-                </a:solidFill>
-                <a:latin typeface="Inconsolata Medium" panose="020B0609030003000000" pitchFamily="49" charset="77"/>
-              </a:rPr>
-              <a:t>In </a:t>
-            </a:r>
-            <a:r>
-              <a:rPr lang="en-US" sz="2100" b="1" dirty="0">
-                <a:latin typeface="Inconsolata Medium" panose="020B0609030003000000" pitchFamily="49" charset="77"/>
-              </a:rPr>
-              <a:t>[</a:t>
-            </a:r>
-            <a:r>
-              <a:rPr lang="en-US" sz="2100" b="1" dirty="0">
-                <a:solidFill>
-                  <a:srgbClr val="FF6600"/>
-                </a:solidFill>
-                <a:latin typeface="Inconsolata Medium" panose="020B0609030003000000" pitchFamily="49" charset="77"/>
-              </a:rPr>
-              <a:t>4</a:t>
-            </a:r>
-            <a:r>
-              <a:rPr lang="en-US" sz="2100" b="1" dirty="0">
-                <a:latin typeface="Inconsolata Medium" panose="020B0609030003000000" pitchFamily="49" charset="77"/>
-              </a:rPr>
-              <a:t>]: </a:t>
-            </a:r>
-            <a:r>
-              <a:rPr lang="en-US" sz="2100" b="1" dirty="0">
-                <a:solidFill>
-                  <a:srgbClr val="000087"/>
-                </a:solidFill>
-                <a:latin typeface="Inconsolata Medium" panose="020B0609030003000000" pitchFamily="49" charset="77"/>
-              </a:rPr>
-              <a:t>subtract</a:t>
-            </a:r>
-            <a:r>
-              <a:rPr lang="en-US" sz="2100" b="1" dirty="0">
-                <a:latin typeface="Inconsolata Medium" panose="020B0609030003000000" pitchFamily="49" charset="77"/>
-              </a:rPr>
-              <a:t>(</a:t>
-            </a:r>
-            <a:r>
-              <a:rPr lang="en-US" sz="2100" b="1" dirty="0">
-                <a:solidFill>
-                  <a:srgbClr val="FF6600"/>
-                </a:solidFill>
-                <a:latin typeface="Inconsolata Medium" panose="020B0609030003000000" pitchFamily="49" charset="77"/>
-              </a:rPr>
-              <a:t>2</a:t>
-            </a:r>
-            <a:r>
-              <a:rPr lang="en-US" sz="2100" b="1" dirty="0">
-                <a:latin typeface="Inconsolata Medium" panose="020B0609030003000000" pitchFamily="49" charset="77"/>
-              </a:rPr>
-              <a:t>, </a:t>
-            </a:r>
-            <a:r>
-              <a:rPr lang="en-US" sz="2100" b="1" dirty="0">
-                <a:solidFill>
-                  <a:srgbClr val="000087"/>
-                </a:solidFill>
-                <a:latin typeface="Inconsolata Medium" panose="020B0609030003000000" pitchFamily="49" charset="77"/>
-              </a:rPr>
-              <a:t>b=</a:t>
-            </a:r>
-            <a:r>
-              <a:rPr lang="en-US" sz="2100" b="1" dirty="0">
-                <a:solidFill>
-                  <a:srgbClr val="FF6600"/>
-                </a:solidFill>
-                <a:latin typeface="Inconsolata Medium" panose="020B0609030003000000" pitchFamily="49" charset="77"/>
-              </a:rPr>
-              <a:t>5</a:t>
-            </a:r>
-            <a:r>
-              <a:rPr lang="en-US" sz="2100" b="1" dirty="0">
-                <a:latin typeface="Inconsolata Medium" panose="020B0609030003000000" pitchFamily="49" charset="77"/>
-              </a:rPr>
-              <a:t>) </a:t>
-            </a:r>
-          </a:p>
-          <a:p>
-            <a:r>
-              <a:rPr lang="en-US" sz="2100" b="1" dirty="0">
-                <a:latin typeface="Inconsolata Medium" panose="020B0609030003000000" pitchFamily="49" charset="77"/>
-              </a:rPr>
-              <a:t>Out [4]: -3</a:t>
-            </a:r>
-          </a:p>
-          <a:p>
-            <a:endParaRPr lang="en-US" sz="2100" dirty="0"/>
-          </a:p>
-        </p:txBody>
-      </p:sp>
-      <p:sp>
-        <p:nvSpPr>
-          <p:cNvPr id="5" name="TextBox 4">
-            <a:extLst>
-              <a:ext uri="{FF2B5EF4-FFF2-40B4-BE49-F238E27FC236}">
-                <a16:creationId xmlns:a16="http://schemas.microsoft.com/office/drawing/2014/main" id="{4BD8B7E0-415D-8B4F-8BA2-6F64FF7243AA}"/>
-              </a:ext>
-            </a:extLst>
-          </p:cNvPr>
-          <p:cNvSpPr txBox="1"/>
-          <p:nvPr/>
-        </p:nvSpPr>
-        <p:spPr>
-          <a:xfrm>
-            <a:off x="4257461" y="4559367"/>
-            <a:ext cx="4089581" cy="1061829"/>
-          </a:xfrm>
-          <a:prstGeom prst="rect">
-            <a:avLst/>
-          </a:prstGeom>
-          <a:noFill/>
-        </p:spPr>
-        <p:txBody>
-          <a:bodyPr wrap="none" rtlCol="0">
-            <a:spAutoFit/>
-          </a:bodyPr>
-          <a:lstStyle/>
-          <a:p>
-            <a:r>
-              <a:rPr lang="en-US" sz="2100" b="1" dirty="0">
-                <a:solidFill>
-                  <a:srgbClr val="000087"/>
-                </a:solidFill>
-                <a:latin typeface="Inconsolata Medium" panose="020B0609030003000000" pitchFamily="49" charset="77"/>
-              </a:rPr>
-              <a:t>In </a:t>
-            </a:r>
-            <a:r>
-              <a:rPr lang="en-US" sz="2100" b="1" dirty="0">
-                <a:latin typeface="Inconsolata Medium" panose="020B0609030003000000" pitchFamily="49" charset="77"/>
-              </a:rPr>
-              <a:t>[</a:t>
-            </a:r>
-            <a:r>
-              <a:rPr lang="en-US" sz="2100" b="1" dirty="0">
-                <a:solidFill>
-                  <a:srgbClr val="FF6600"/>
-                </a:solidFill>
-                <a:latin typeface="Inconsolata Medium" panose="020B0609030003000000" pitchFamily="49" charset="77"/>
-              </a:rPr>
-              <a:t>5</a:t>
-            </a:r>
-            <a:r>
-              <a:rPr lang="en-US" sz="2100" b="1" dirty="0">
-                <a:latin typeface="Inconsolata Medium" panose="020B0609030003000000" pitchFamily="49" charset="77"/>
-              </a:rPr>
-              <a:t>]: </a:t>
-            </a:r>
-            <a:r>
-              <a:rPr lang="en-US" sz="2100" b="1" dirty="0">
-                <a:solidFill>
-                  <a:srgbClr val="000087"/>
-                </a:solidFill>
-                <a:latin typeface="Inconsolata Medium" panose="020B0609030003000000" pitchFamily="49" charset="77"/>
-              </a:rPr>
-              <a:t>subtract</a:t>
-            </a:r>
-            <a:r>
-              <a:rPr lang="en-US" sz="2100" b="1" dirty="0">
-                <a:latin typeface="Inconsolata Medium" panose="020B0609030003000000" pitchFamily="49" charset="77"/>
-              </a:rPr>
-              <a:t>(</a:t>
-            </a:r>
-            <a:r>
-              <a:rPr lang="en-US" sz="2100" b="1" dirty="0">
-                <a:solidFill>
-                  <a:srgbClr val="000087"/>
-                </a:solidFill>
-                <a:latin typeface="Inconsolata Medium" panose="020B0609030003000000" pitchFamily="49" charset="77"/>
-              </a:rPr>
-              <a:t>b=</a:t>
-            </a:r>
-            <a:r>
-              <a:rPr lang="en-US" sz="2100" b="1" dirty="0">
-                <a:solidFill>
-                  <a:srgbClr val="FF6600"/>
-                </a:solidFill>
-                <a:latin typeface="Inconsolata Medium" panose="020B0609030003000000" pitchFamily="49" charset="77"/>
-              </a:rPr>
-              <a:t>-1</a:t>
-            </a:r>
-            <a:r>
-              <a:rPr lang="en-US" sz="2100" b="1" dirty="0">
-                <a:latin typeface="Inconsolata Medium" panose="020B0609030003000000" pitchFamily="49" charset="77"/>
-              </a:rPr>
-              <a:t>, </a:t>
-            </a:r>
-            <a:r>
-              <a:rPr lang="en-US" sz="2100" b="1" dirty="0">
-                <a:solidFill>
-                  <a:srgbClr val="000087"/>
-                </a:solidFill>
-                <a:latin typeface="Inconsolata Medium" panose="020B0609030003000000" pitchFamily="49" charset="77"/>
-              </a:rPr>
-              <a:t>a=</a:t>
-            </a:r>
-            <a:r>
-              <a:rPr lang="en-US" sz="2100" b="1" dirty="0">
-                <a:solidFill>
-                  <a:srgbClr val="FF6600"/>
-                </a:solidFill>
-                <a:latin typeface="Inconsolata Medium" panose="020B0609030003000000" pitchFamily="49" charset="77"/>
-              </a:rPr>
-              <a:t>6</a:t>
-            </a:r>
-            <a:r>
-              <a:rPr lang="en-US" sz="2100" b="1" dirty="0">
-                <a:latin typeface="Inconsolata Medium" panose="020B0609030003000000" pitchFamily="49" charset="77"/>
-              </a:rPr>
-              <a:t>) </a:t>
-            </a:r>
-          </a:p>
-          <a:p>
-            <a:r>
-              <a:rPr lang="en-US" sz="2100" b="1" dirty="0">
-                <a:latin typeface="Inconsolata Medium" panose="020B0609030003000000" pitchFamily="49" charset="77"/>
-              </a:rPr>
-              <a:t>Out [5]: 7</a:t>
-            </a:r>
-          </a:p>
-          <a:p>
-            <a:endParaRPr lang="en-US" sz="2100" dirty="0"/>
-          </a:p>
-        </p:txBody>
-      </p:sp>
-    </p:spTree>
-    <p:extLst>
-      <p:ext uri="{BB962C8B-B14F-4D97-AF65-F5344CB8AC3E}">
-        <p14:creationId xmlns:p14="http://schemas.microsoft.com/office/powerpoint/2010/main" val="4210029770"/>
-      </p:ext>
-    </p:extLst>
-  </p:cSld>
-  <p:clrMapOvr>
-    <a:masterClrMapping/>
-  </p:clrMapOvr>
-  <p:timing>
-    <p:tnLst>
-      <p:par>
-        <p:cTn id="1" dur="indefinite" restart="never" nodeType="tmRoot">
-          <p:childTnLst>
-            <p:seq concurrent="1" nextAc="seek">
-              <p:cTn id="2" dur="indefinite" nodeType="mainSeq">
-                <p:childTnLst>
-                  <p:par>
-                    <p:cTn id="3" fill="hold">
-                      <p:stCondLst>
-                        <p:cond delay="indefinite"/>
-                      </p:stCondLst>
-                      <p:childTnLst>
-                        <p:par>
-                          <p:cTn id="4" fill="hold">
-                            <p:stCondLst>
-                              <p:cond delay="0"/>
-                            </p:stCondLst>
-                            <p:childTnLst>
-                              <p:par>
-                                <p:cTn id="5" presetID="1" presetClass="entr" presetSubtype="0" fill="hold" nodeType="clickEffect">
-                                  <p:stCondLst>
-                                    <p:cond delay="0"/>
-                                  </p:stCondLst>
-                                  <p:childTnLst>
-                                    <p:set>
-                                      <p:cBhvr>
-                                        <p:cTn id="6" dur="1" fill="hold">
-                                          <p:stCondLst>
-                                            <p:cond delay="0"/>
-                                          </p:stCondLst>
-                                        </p:cTn>
-                                        <p:tgtEl>
-                                          <p:spTgt spid="9">
-                                            <p:txEl>
-                                              <p:pRg st="2" end="2"/>
-                                            </p:txEl>
-                                          </p:spTgt>
-                                        </p:tgtEl>
-                                        <p:attrNameLst>
-                                          <p:attrName>style.visibility</p:attrName>
-                                        </p:attrNameLst>
-                                      </p:cBhvr>
-                                      <p:to>
-                                        <p:strVal val="visible"/>
-                                      </p:to>
-                                    </p:set>
-                                  </p:childTnLst>
-                                </p:cTn>
-                              </p:par>
-                              <p:par>
-                                <p:cTn id="7" presetID="1" presetClass="entr" presetSubtype="0" fill="hold" nodeType="withEffect">
-                                  <p:stCondLst>
-                                    <p:cond delay="0"/>
-                                  </p:stCondLst>
-                                  <p:childTnLst>
-                                    <p:set>
-                                      <p:cBhvr>
-                                        <p:cTn id="8" dur="1" fill="hold">
-                                          <p:stCondLst>
-                                            <p:cond delay="0"/>
-                                          </p:stCondLst>
-                                        </p:cTn>
-                                        <p:tgtEl>
-                                          <p:spTgt spid="9">
-                                            <p:txEl>
-                                              <p:pRg st="3" end="3"/>
-                                            </p:txEl>
-                                          </p:spTgt>
-                                        </p:tgtEl>
-                                        <p:attrNameLst>
-                                          <p:attrName>style.visibility</p:attrName>
-                                        </p:attrNameLst>
-                                      </p:cBhvr>
-                                      <p:to>
-                                        <p:strVal val="visible"/>
-                                      </p:to>
-                                    </p:set>
-                                  </p:childTnLst>
-                                </p:cTn>
-                              </p:par>
-                            </p:childTnLst>
-                          </p:cTn>
-                        </p:par>
-                      </p:childTnLst>
-                    </p:cTn>
-                  </p:par>
-                  <p:par>
-                    <p:cTn id="9" fill="hold">
-                      <p:stCondLst>
-                        <p:cond delay="indefinite"/>
-                      </p:stCondLst>
-                      <p:childTnLst>
-                        <p:par>
-                          <p:cTn id="10" fill="hold">
-                            <p:stCondLst>
-                              <p:cond delay="0"/>
-                            </p:stCondLst>
-                            <p:childTnLst>
-                              <p:par>
-                                <p:cTn id="11" presetID="1" presetClass="entr" presetSubtype="0" fill="hold" nodeType="clickEffect">
-                                  <p:stCondLst>
-                                    <p:cond delay="0"/>
-                                  </p:stCondLst>
-                                  <p:childTnLst>
-                                    <p:set>
-                                      <p:cBhvr>
-                                        <p:cTn id="12" dur="1" fill="hold">
-                                          <p:stCondLst>
-                                            <p:cond delay="0"/>
-                                          </p:stCondLst>
-                                        </p:cTn>
-                                        <p:tgtEl>
-                                          <p:spTgt spid="9">
-                                            <p:txEl>
-                                              <p:pRg st="4" end="4"/>
-                                            </p:txEl>
-                                          </p:spTgt>
-                                        </p:tgtEl>
-                                        <p:attrNameLst>
-                                          <p:attrName>style.visibility</p:attrName>
-                                        </p:attrNameLst>
-                                      </p:cBhvr>
-                                      <p:to>
-                                        <p:strVal val="visible"/>
-                                      </p:to>
-                                    </p:set>
-                                  </p:childTnLst>
-                                </p:cTn>
-                              </p:par>
-                              <p:par>
-                                <p:cTn id="13" presetID="1" presetClass="entr" presetSubtype="0" fill="hold" nodeType="withEffect">
-                                  <p:stCondLst>
-                                    <p:cond delay="0"/>
-                                  </p:stCondLst>
-                                  <p:childTnLst>
-                                    <p:set>
-                                      <p:cBhvr>
-                                        <p:cTn id="14" dur="1" fill="hold">
-                                          <p:stCondLst>
-                                            <p:cond delay="0"/>
-                                          </p:stCondLst>
-                                        </p:cTn>
-                                        <p:tgtEl>
-                                          <p:spTgt spid="9">
-                                            <p:txEl>
-                                              <p:pRg st="5" end="5"/>
-                                            </p:txEl>
-                                          </p:spTgt>
-                                        </p:tgtEl>
-                                        <p:attrNameLst>
-                                          <p:attrName>style.visibility</p:attrName>
-                                        </p:attrNameLst>
-                                      </p:cBhvr>
-                                      <p:to>
-                                        <p:strVal val="visible"/>
-                                      </p:to>
-                                    </p:set>
-                                  </p:childTnLst>
-                                </p:cTn>
-                              </p:par>
-                            </p:childTnLst>
-                          </p:cTn>
-                        </p:par>
-                      </p:childTnLst>
-                    </p:cTn>
-                  </p:par>
-                  <p:par>
-                    <p:cTn id="15" fill="hold">
-                      <p:stCondLst>
-                        <p:cond delay="indefinite"/>
-                      </p:stCondLst>
-                      <p:childTnLst>
-                        <p:par>
-                          <p:cTn id="16" fill="hold">
-                            <p:stCondLst>
-                              <p:cond delay="0"/>
-                            </p:stCondLst>
-                            <p:childTnLst>
-                              <p:par>
-                                <p:cTn id="17" presetID="1" presetClass="entr" presetSubtype="0" fill="hold" nodeType="clickEffect">
-                                  <p:stCondLst>
-                                    <p:cond delay="0"/>
-                                  </p:stCondLst>
-                                  <p:childTnLst>
-                                    <p:set>
-                                      <p:cBhvr>
-                                        <p:cTn id="18" dur="1" fill="hold">
-                                          <p:stCondLst>
-                                            <p:cond delay="0"/>
-                                          </p:stCondLst>
-                                        </p:cTn>
-                                        <p:tgtEl>
-                                          <p:spTgt spid="9">
-                                            <p:txEl>
-                                              <p:pRg st="7" end="7"/>
-                                            </p:txEl>
-                                          </p:spTgt>
-                                        </p:tgtEl>
-                                        <p:attrNameLst>
-                                          <p:attrName>style.visibility</p:attrName>
-                                        </p:attrNameLst>
-                                      </p:cBhvr>
-                                      <p:to>
-                                        <p:strVal val="visible"/>
-                                      </p:to>
-                                    </p:set>
-                                  </p:childTnLst>
-                                </p:cTn>
-                              </p:par>
-                              <p:par>
-                                <p:cTn id="19" presetID="1" presetClass="entr" presetSubtype="0" fill="hold" nodeType="withEffect">
-                                  <p:stCondLst>
-                                    <p:cond delay="0"/>
-                                  </p:stCondLst>
-                                  <p:childTnLst>
-                                    <p:set>
-                                      <p:cBhvr>
-                                        <p:cTn id="20" dur="1" fill="hold">
-                                          <p:stCondLst>
-                                            <p:cond delay="0"/>
-                                          </p:stCondLst>
-                                        </p:cTn>
-                                        <p:tgtEl>
-                                          <p:spTgt spid="9">
-                                            <p:txEl>
-                                              <p:pRg st="8" end="8"/>
-                                            </p:txEl>
-                                          </p:spTgt>
-                                        </p:tgtEl>
-                                        <p:attrNameLst>
-                                          <p:attrName>style.visibility</p:attrName>
-                                        </p:attrNameLst>
-                                      </p:cBhvr>
-                                      <p:to>
-                                        <p:strVal val="visible"/>
-                                      </p:to>
-                                    </p:set>
-                                  </p:childTnLst>
-                                </p:cTn>
-                              </p:par>
-                            </p:childTnLst>
-                          </p:cTn>
-                        </p:par>
-                      </p:childTnLst>
-                    </p:cTn>
-                  </p:par>
-                  <p:par>
-                    <p:cTn id="21" fill="hold">
-                      <p:stCondLst>
-                        <p:cond delay="indefinite"/>
-                      </p:stCondLst>
-                      <p:childTnLst>
-                        <p:par>
-                          <p:cTn id="22" fill="hold">
-                            <p:stCondLst>
-                              <p:cond delay="0"/>
-                            </p:stCondLst>
-                            <p:childTnLst>
-                              <p:par>
-                                <p:cTn id="23" presetID="1" presetClass="entr" presetSubtype="0" fill="hold" nodeType="clickEffect">
-                                  <p:stCondLst>
-                                    <p:cond delay="0"/>
-                                  </p:stCondLst>
-                                  <p:childTnLst>
-                                    <p:set>
-                                      <p:cBhvr>
-                                        <p:cTn id="24" dur="1" fill="hold">
-                                          <p:stCondLst>
-                                            <p:cond delay="0"/>
-                                          </p:stCondLst>
-                                        </p:cTn>
-                                        <p:tgtEl>
-                                          <p:spTgt spid="3">
-                                            <p:txEl>
-                                              <p:pRg st="0" end="0"/>
-                                            </p:txEl>
-                                          </p:spTgt>
-                                        </p:tgtEl>
-                                        <p:attrNameLst>
-                                          <p:attrName>style.visibility</p:attrName>
-                                        </p:attrNameLst>
-                                      </p:cBhvr>
-                                      <p:to>
-                                        <p:strVal val="visible"/>
-                                      </p:to>
-                                    </p:set>
-                                  </p:childTnLst>
-                                </p:cTn>
-                              </p:par>
-                              <p:par>
-                                <p:cTn id="25" presetID="1" presetClass="entr" presetSubtype="0" fill="hold" nodeType="withEffect">
-                                  <p:stCondLst>
-                                    <p:cond delay="0"/>
-                                  </p:stCondLst>
-                                  <p:childTnLst>
-                                    <p:set>
-                                      <p:cBhvr>
-                                        <p:cTn id="26" dur="1" fill="hold">
-                                          <p:stCondLst>
-                                            <p:cond delay="0"/>
-                                          </p:stCondLst>
-                                        </p:cTn>
-                                        <p:tgtEl>
-                                          <p:spTgt spid="3">
-                                            <p:txEl>
-                                              <p:pRg st="1" end="1"/>
-                                            </p:txEl>
-                                          </p:spTgt>
-                                        </p:tgtEl>
-                                        <p:attrNameLst>
-                                          <p:attrName>style.visibility</p:attrName>
-                                        </p:attrNameLst>
-                                      </p:cBhvr>
-                                      <p:to>
-                                        <p:strVal val="visible"/>
-                                      </p:to>
-                                    </p:set>
-                                  </p:childTnLst>
-                                </p:cTn>
-                              </p:par>
-                            </p:childTnLst>
-                          </p:cTn>
-                        </p:par>
-                      </p:childTnLst>
-                    </p:cTn>
-                  </p:par>
-                  <p:par>
-                    <p:cTn id="27" fill="hold">
-                      <p:stCondLst>
-                        <p:cond delay="indefinite"/>
-                      </p:stCondLst>
-                      <p:childTnLst>
-                        <p:par>
-                          <p:cTn id="28" fill="hold">
-                            <p:stCondLst>
-                              <p:cond delay="0"/>
-                            </p:stCondLst>
-                            <p:childTnLst>
-                              <p:par>
-                                <p:cTn id="29" presetID="1" presetClass="entr" presetSubtype="0" fill="hold" nodeType="clickEffect">
-                                  <p:stCondLst>
-                                    <p:cond delay="0"/>
-                                  </p:stCondLst>
-                                  <p:childTnLst>
-                                    <p:set>
-                                      <p:cBhvr>
-                                        <p:cTn id="30" dur="1" fill="hold">
-                                          <p:stCondLst>
-                                            <p:cond delay="0"/>
-                                          </p:stCondLst>
-                                        </p:cTn>
-                                        <p:tgtEl>
-                                          <p:spTgt spid="5">
-                                            <p:txEl>
-                                              <p:pRg st="0" end="0"/>
-                                            </p:txEl>
-                                          </p:spTgt>
-                                        </p:tgtEl>
-                                        <p:attrNameLst>
-                                          <p:attrName>style.visibility</p:attrName>
-                                        </p:attrNameLst>
-                                      </p:cBhvr>
-                                      <p:to>
-                                        <p:strVal val="visible"/>
-                                      </p:to>
-                                    </p:set>
-                                  </p:childTnLst>
-                                </p:cTn>
-                              </p:par>
-                              <p:par>
-                                <p:cTn id="31" presetID="1" presetClass="entr" presetSubtype="0" fill="hold" nodeType="withEffect">
-                                  <p:stCondLst>
-                                    <p:cond delay="0"/>
-                                  </p:stCondLst>
-                                  <p:childTnLst>
-                                    <p:set>
-                                      <p:cBhvr>
-                                        <p:cTn id="32" dur="1" fill="hold">
-                                          <p:stCondLst>
-                                            <p:cond delay="0"/>
-                                          </p:stCondLst>
-                                        </p:cTn>
-                                        <p:tgtEl>
-                                          <p:spTgt spid="5">
-                                            <p:txEl>
-                                              <p:pRg st="1" end="1"/>
-                                            </p:txEl>
-                                          </p:spTgt>
-                                        </p:tgtEl>
-                                        <p:attrNameLst>
-                                          <p:attrName>style.visibility</p:attrName>
-                                        </p:attrNameLst>
-                                      </p:cBhvr>
-                                      <p:to>
-                                        <p:strVal val="visible"/>
-                                      </p:to>
-                                    </p:set>
-                                  </p:childTnLst>
-                                </p:cTn>
-                              </p:par>
-                            </p:childTnLst>
-                          </p:cTn>
-                        </p:par>
-                      </p:childTnLst>
-                    </p:cTn>
-                  </p:par>
-                </p:childTnLst>
-              </p:cTn>
-              <p:prevCondLst>
-                <p:cond evt="onPrev" delay="0">
-                  <p:tgtEl>
-                    <p:sldTgt/>
-                  </p:tgtEl>
-                </p:cond>
-              </p:prevCondLst>
-              <p:nextCondLst>
-                <p:cond evt="onNext" delay="0">
-                  <p:tgtEl>
-                    <p:sldTgt/>
-                  </p:tgtEl>
-                </p:cond>
-              </p:nextCondLst>
-            </p:seq>
-          </p:childTnLst>
-        </p:cTn>
-      </p:par>
-    </p:tnLst>
-  </p:timing>
-</p:sld>
-</file>
-
-<file path=ppt/slides/slide9.xml><?xml version="1.0" encoding="utf-8"?>
-<p:sld xmlns:a="http://schemas.openxmlformats.org/drawingml/2006/main" xmlns:r="http://schemas.openxmlformats.org/officeDocument/2006/relationships" xmlns:p="http://schemas.openxmlformats.org/presentationml/2006/main">
-  <p:cSld>
-    <p:spTree>
-      <p:nvGrpSpPr>
-        <p:cNvPr id="1" name=""/>
-        <p:cNvGrpSpPr/>
-        <p:nvPr/>
-      </p:nvGrpSpPr>
-      <p:grpSpPr>
-        <a:xfrm>
-          <a:off x="0" y="0"/>
-          <a:ext cx="0" cy="0"/>
-          <a:chOff x="0" y="0"/>
-          <a:chExt cx="0" cy="0"/>
-        </a:xfrm>
-      </p:grpSpPr>
-      <p:sp>
-        <p:nvSpPr>
-          <p:cNvPr id="2" name="Title 1">
-            <a:extLst>
-              <a:ext uri="{FF2B5EF4-FFF2-40B4-BE49-F238E27FC236}">
-                <a16:creationId xmlns:a16="http://schemas.microsoft.com/office/drawing/2014/main" id="{AA3A228F-61D0-D949-A5E7-F83756230BF8}"/>
-              </a:ext>
-            </a:extLst>
-          </p:cNvPr>
-          <p:cNvSpPr>
-            <a:spLocks noGrp="1"/>
-          </p:cNvSpPr>
-          <p:nvPr>
-            <p:ph type="title"/>
-          </p:nvPr>
-        </p:nvSpPr>
-        <p:spPr>
-          <a:xfrm>
-            <a:off x="483848" y="467027"/>
-            <a:ext cx="7053542" cy="683886"/>
-          </a:xfrm>
-        </p:spPr>
-        <p:txBody>
-          <a:bodyPr/>
-          <a:lstStyle/>
-          <a:p>
-            <a:r>
-              <a:rPr lang="en-US" dirty="0"/>
-              <a:t>Built-in Functions</a:t>
-            </a:r>
-          </a:p>
-        </p:txBody>
-      </p:sp>
-      <p:sp>
-        <p:nvSpPr>
-          <p:cNvPr id="9" name="Content Placeholder 8">
-            <a:extLst>
-              <a:ext uri="{FF2B5EF4-FFF2-40B4-BE49-F238E27FC236}">
-                <a16:creationId xmlns:a16="http://schemas.microsoft.com/office/drawing/2014/main" id="{E3B2E017-30B2-884B-A113-B419A2ED51AD}"/>
-              </a:ext>
-            </a:extLst>
-          </p:cNvPr>
-          <p:cNvSpPr>
-            <a:spLocks noGrp="1"/>
-          </p:cNvSpPr>
-          <p:nvPr>
-            <p:ph idx="1"/>
-          </p:nvPr>
-        </p:nvSpPr>
-        <p:spPr>
-          <a:xfrm>
-            <a:off x="483848" y="1150913"/>
-            <a:ext cx="8051725" cy="4440590"/>
-          </a:xfrm>
-        </p:spPr>
-        <p:txBody>
-          <a:bodyPr>
-            <a:noAutofit/>
-          </a:bodyPr>
-          <a:lstStyle/>
-          <a:p>
-            <a:pPr marL="0" indent="0">
-              <a:buNone/>
-            </a:pPr>
-            <a:r>
-              <a:rPr lang="en-US" dirty="0"/>
-              <a:t>There are many useful built-in functions. These functions can be called directly without importing any modules.  </a:t>
-            </a:r>
-          </a:p>
-          <a:p>
-            <a:pPr marL="0" indent="0">
-              <a:buNone/>
-            </a:pPr>
-            <a:endParaRPr lang="en-US" dirty="0"/>
-          </a:p>
-          <a:p>
-            <a:pPr marL="0" indent="0">
-              <a:buNone/>
-            </a:pPr>
-            <a:r>
-              <a:rPr lang="en-US" dirty="0"/>
-              <a:t> </a:t>
-            </a:r>
-          </a:p>
-          <a:p>
-            <a:pPr marL="0" indent="0">
-              <a:buNone/>
-            </a:pPr>
-            <a:endParaRPr lang="en-US" dirty="0"/>
-          </a:p>
-          <a:p>
-            <a:pPr marL="0" indent="0">
-              <a:buNone/>
-            </a:pPr>
-            <a:endParaRPr lang="en-US" dirty="0"/>
-          </a:p>
-        </p:txBody>
-      </p:sp>
-      <p:graphicFrame>
-        <p:nvGraphicFramePr>
-          <p:cNvPr id="3" name="Table 2">
-            <a:extLst>
-              <a:ext uri="{FF2B5EF4-FFF2-40B4-BE49-F238E27FC236}">
-                <a16:creationId xmlns:a16="http://schemas.microsoft.com/office/drawing/2014/main" id="{57EBABBC-BF53-D54B-B535-A6EEF3CDBAF8}"/>
-              </a:ext>
-            </a:extLst>
-          </p:cNvPr>
-          <p:cNvGraphicFramePr>
-            <a:graphicFrameLocks noGrp="1"/>
-          </p:cNvGraphicFramePr>
-          <p:nvPr>
-            <p:extLst>
-              <p:ext uri="{D42A27DB-BD31-4B8C-83A1-F6EECF244321}">
-                <p14:modId xmlns:p14="http://schemas.microsoft.com/office/powerpoint/2010/main" val="103694027"/>
-              </p:ext>
-            </p:extLst>
-          </p:nvPr>
-        </p:nvGraphicFramePr>
-        <p:xfrm>
-          <a:off x="425450" y="2181589"/>
-          <a:ext cx="8293100" cy="2489200"/>
-        </p:xfrm>
-        <a:graphic>
-          <a:graphicData uri="http://schemas.openxmlformats.org/drawingml/2006/table">
-            <a:tbl>
-              <a:tblPr firstRow="1" bandRow="1">
-                <a:tableStyleId>{5940675A-B579-460E-94D1-54222C63F5DA}</a:tableStyleId>
-              </a:tblPr>
-              <a:tblGrid>
-                <a:gridCol w="2992868">
-                  <a:extLst>
-                    <a:ext uri="{9D8B030D-6E8A-4147-A177-3AD203B41FA5}">
-                      <a16:colId xmlns:a16="http://schemas.microsoft.com/office/drawing/2014/main" val="1372689344"/>
-                    </a:ext>
-                  </a:extLst>
-                </a:gridCol>
-                <a:gridCol w="5300232">
-                  <a:extLst>
-                    <a:ext uri="{9D8B030D-6E8A-4147-A177-3AD203B41FA5}">
-                      <a16:colId xmlns:a16="http://schemas.microsoft.com/office/drawing/2014/main" val="25896437"/>
-                    </a:ext>
-                  </a:extLst>
-                </a:gridCol>
-              </a:tblGrid>
-              <a:tr h="604520">
-                <a:tc>
-                  <a:txBody>
-                    <a:bodyPr/>
-                    <a:lstStyle/>
-                    <a:p>
-                      <a:r>
-                        <a:rPr lang="en-US" sz="1800" dirty="0"/>
-                        <a:t>abs()</a:t>
-                      </a:r>
-                    </a:p>
-                  </a:txBody>
-                  <a:tcPr/>
-                </a:tc>
-                <a:tc>
-                  <a:txBody>
-                    <a:bodyPr/>
-                    <a:lstStyle/>
-                    <a:p>
-                      <a:r>
-                        <a:rPr lang="en-US" sz="1800" dirty="0"/>
-                        <a:t>returns the absolute value of a numeric value.</a:t>
-                      </a:r>
-                    </a:p>
-                  </a:txBody>
-                  <a:tcPr/>
-                </a:tc>
-                <a:extLst>
-                  <a:ext uri="{0D108BD9-81ED-4DB2-BD59-A6C34878D82A}">
-                    <a16:rowId xmlns:a16="http://schemas.microsoft.com/office/drawing/2014/main" val="2024864045"/>
-                  </a:ext>
-                </a:extLst>
-              </a:tr>
-              <a:tr h="604520">
-                <a:tc>
-                  <a:txBody>
-                    <a:bodyPr/>
-                    <a:lstStyle/>
-                    <a:p>
-                      <a:pPr marL="0" marR="0" lvl="0" indent="0" algn="l" defTabSz="685800" rtl="0" eaLnBrk="1" fontAlgn="auto" latinLnBrk="0" hangingPunct="1">
-                        <a:lnSpc>
-                          <a:spcPct val="100000"/>
-                        </a:lnSpc>
-                        <a:spcBef>
-                          <a:spcPts val="0"/>
-                        </a:spcBef>
-                        <a:spcAft>
-                          <a:spcPts val="0"/>
-                        </a:spcAft>
-                        <a:buClrTx/>
-                        <a:buSzTx/>
-                        <a:buFontTx/>
-                        <a:buNone/>
-                        <a:tabLst/>
-                        <a:defRPr/>
-                      </a:pPr>
-                      <a:r>
-                        <a:rPr lang="en-US" sz="1800" dirty="0"/>
-                        <a:t>min(), max()</a:t>
-                      </a:r>
-                    </a:p>
-                  </a:txBody>
-                  <a:tcPr/>
-                </a:tc>
-                <a:tc>
-                  <a:txBody>
-                    <a:bodyPr/>
-                    <a:lstStyle/>
-                    <a:p>
-                      <a:r>
-                        <a:rPr lang="en-US" sz="1800" dirty="0"/>
-                        <a:t>returns the minimum and maximum of an </a:t>
-                      </a:r>
-                      <a:r>
-                        <a:rPr lang="en-US" sz="1800" dirty="0" err="1"/>
-                        <a:t>iterable</a:t>
-                      </a:r>
-                      <a:r>
-                        <a:rPr lang="en-US" sz="1800" dirty="0"/>
-                        <a:t>, respectively.</a:t>
-                      </a:r>
-                    </a:p>
-                  </a:txBody>
-                  <a:tcPr/>
-                </a:tc>
-                <a:extLst>
-                  <a:ext uri="{0D108BD9-81ED-4DB2-BD59-A6C34878D82A}">
-                    <a16:rowId xmlns:a16="http://schemas.microsoft.com/office/drawing/2014/main" val="2941287029"/>
-                  </a:ext>
-                </a:extLst>
-              </a:tr>
-              <a:tr h="604520">
-                <a:tc>
-                  <a:txBody>
-                    <a:bodyPr/>
-                    <a:lstStyle/>
-                    <a:p>
-                      <a:r>
-                        <a:rPr lang="en-US" sz="1800" dirty="0"/>
-                        <a:t>sorted(object, reverse=False)</a:t>
-                      </a:r>
-                    </a:p>
-                  </a:txBody>
-                  <a:tcPr/>
-                </a:tc>
-                <a:tc>
-                  <a:txBody>
-                    <a:bodyPr/>
-                    <a:lstStyle/>
-                    <a:p>
-                      <a:r>
-                        <a:rPr lang="en-US" sz="1800" dirty="0"/>
-                        <a:t>returns a sorted </a:t>
-                      </a:r>
-                      <a:r>
-                        <a:rPr lang="en-US" sz="1800" dirty="0" err="1"/>
-                        <a:t>iterable</a:t>
-                      </a:r>
-                      <a:r>
-                        <a:rPr lang="en-US" sz="1800" dirty="0"/>
-                        <a:t>. b=By default, sort the </a:t>
-                      </a:r>
-                      <a:r>
-                        <a:rPr lang="en-US" sz="1800" dirty="0" err="1"/>
-                        <a:t>iterable</a:t>
-                      </a:r>
-                      <a:r>
-                        <a:rPr lang="en-US" sz="1800" dirty="0"/>
-                        <a:t> in ascending order unless reverse=True.</a:t>
-                      </a:r>
-                    </a:p>
-                  </a:txBody>
-                  <a:tcPr/>
-                </a:tc>
-                <a:extLst>
-                  <a:ext uri="{0D108BD9-81ED-4DB2-BD59-A6C34878D82A}">
-                    <a16:rowId xmlns:a16="http://schemas.microsoft.com/office/drawing/2014/main" val="3567364839"/>
-                  </a:ext>
-                </a:extLst>
-              </a:tr>
-              <a:tr h="604520">
-                <a:tc>
-                  <a:txBody>
-                    <a:bodyPr/>
-                    <a:lstStyle/>
-                    <a:p>
-                      <a:r>
-                        <a:rPr lang="en-US" sz="1800" dirty="0"/>
-                        <a:t>sum()</a:t>
-                      </a:r>
-                    </a:p>
-                  </a:txBody>
-                  <a:tcPr/>
-                </a:tc>
-                <a:tc>
-                  <a:txBody>
-                    <a:bodyPr/>
-                    <a:lstStyle/>
-                    <a:p>
-                      <a:r>
-                        <a:rPr lang="en-US" sz="1800" dirty="0"/>
-                        <a:t>returns the sum of an </a:t>
-                      </a:r>
-                      <a:r>
-                        <a:rPr lang="en-US" sz="1800" dirty="0" err="1"/>
-                        <a:t>iterable</a:t>
-                      </a:r>
-                      <a:r>
-                        <a:rPr lang="en-US" sz="1800" dirty="0"/>
-                        <a:t>.</a:t>
-                      </a:r>
-                      <a:endParaRPr lang="en-US" sz="1800" b="1" dirty="0"/>
-                    </a:p>
-                  </a:txBody>
-                  <a:tcPr/>
-                </a:tc>
-                <a:extLst>
-                  <a:ext uri="{0D108BD9-81ED-4DB2-BD59-A6C34878D82A}">
-                    <a16:rowId xmlns:a16="http://schemas.microsoft.com/office/drawing/2014/main" val="2059888123"/>
-                  </a:ext>
-                </a:extLst>
-              </a:tr>
-            </a:tbl>
-          </a:graphicData>
-        </a:graphic>
-      </p:graphicFrame>
-    </p:spTree>
-    <p:extLst>
-      <p:ext uri="{BB962C8B-B14F-4D97-AF65-F5344CB8AC3E}">
-        <p14:creationId xmlns:p14="http://schemas.microsoft.com/office/powerpoint/2010/main" val="470149039"/>
-      </p:ext>
-    </p:extLst>
-  </p:cSld>
-  <p:clrMapOvr>
-    <a:masterClrMapping/>
-  </p:clrMapOvr>
-</p:sld>
-</file>
-
 <file path=ppt/theme/theme1.xml><?xml version="1.0" encoding="utf-8"?>
 <a:theme xmlns:a="http://schemas.openxmlformats.org/drawingml/2006/main" name="Office Theme">
   <a:themeElements>

--- a/courses/apcsp/lect8.pptx
+++ b/courses/apcsp/lect8.pptx
@@ -156,7 +156,7 @@
   <pc:docChgLst>
     <pc:chgData name="Long B Nguyen" userId="f59fb8f3-a021-417a-8bc1-65c8d471c621" providerId="ADAL" clId="{DBF8C059-04A6-1547-9DE4-356B5DFE87B9}"/>
     <pc:docChg chg="undo custSel addSld delSld modSld">
-      <pc:chgData name="Long B Nguyen" userId="f59fb8f3-a021-417a-8bc1-65c8d471c621" providerId="ADAL" clId="{DBF8C059-04A6-1547-9DE4-356B5DFE87B9}" dt="2019-11-05T17:20:53.038" v="9356" actId="113"/>
+      <pc:chgData name="Long B Nguyen" userId="f59fb8f3-a021-417a-8bc1-65c8d471c621" providerId="ADAL" clId="{DBF8C059-04A6-1547-9DE4-356B5DFE87B9}" dt="2019-11-05T17:27:08.270" v="9426" actId="20577"/>
       <pc:docMkLst>
         <pc:docMk/>
       </pc:docMkLst>
@@ -172,6 +172,21 @@
             <pc:docMk/>
             <pc:sldMk cId="4247104139" sldId="256"/>
             <ac:spMk id="3" creationId="{1BDC47C8-6776-7B44-9CD4-95FC91452D62}"/>
+          </ac:spMkLst>
+        </pc:spChg>
+      </pc:sldChg>
+      <pc:sldChg chg="modSp">
+        <pc:chgData name="Long B Nguyen" userId="f59fb8f3-a021-417a-8bc1-65c8d471c621" providerId="ADAL" clId="{DBF8C059-04A6-1547-9DE4-356B5DFE87B9}" dt="2019-11-05T17:27:08.270" v="9426" actId="20577"/>
+        <pc:sldMkLst>
+          <pc:docMk/>
+          <pc:sldMk cId="1438711869" sldId="284"/>
+        </pc:sldMkLst>
+        <pc:spChg chg="mod">
+          <ac:chgData name="Long B Nguyen" userId="f59fb8f3-a021-417a-8bc1-65c8d471c621" providerId="ADAL" clId="{DBF8C059-04A6-1547-9DE4-356B5DFE87B9}" dt="2019-11-05T17:27:08.270" v="9426" actId="20577"/>
+          <ac:spMkLst>
+            <pc:docMk/>
+            <pc:sldMk cId="1438711869" sldId="284"/>
+            <ac:spMk id="9" creationId="{E3B2E017-30B2-884B-A113-B419A2ED51AD}"/>
           </ac:spMkLst>
         </pc:spChg>
       </pc:sldChg>
@@ -20169,6 +20184,24 @@
             </a:r>
           </a:p>
           <a:p>
+            <a:pPr marL="457200" indent="-457200">
+              <a:buAutoNum type="arabicParenR"/>
+            </a:pPr>
+            <a:r>
+              <a:rPr lang="en-US" dirty="0" err="1"/>
+              <a:t>Halterman</a:t>
+            </a:r>
+            <a:r>
+              <a:rPr lang="en-US" dirty="0"/>
+              <a:t>, Richard, Fundamentals of </a:t>
+            </a:r>
+            <a:r>
+              <a:rPr lang="en-US"/>
+              <a:t>Python Programming.</a:t>
+            </a:r>
+            <a:endParaRPr lang="en-US" dirty="0"/>
+          </a:p>
+          <a:p>
             <a:pPr marL="0" indent="0">
               <a:buNone/>
             </a:pPr>

--- a/courses/apcsp/lect8.pptx
+++ b/courses/apcsp/lect8.pptx
@@ -36,7 +36,8 @@
     <p:sldId id="326" r:id="rId30"/>
     <p:sldId id="327" r:id="rId31"/>
     <p:sldId id="330" r:id="rId32"/>
-    <p:sldId id="284" r:id="rId33"/>
+    <p:sldId id="336" r:id="rId33"/>
+    <p:sldId id="284" r:id="rId34"/>
   </p:sldIdLst>
   <p:sldSz cx="9144000" cy="5715000" type="screen16x10"/>
   <p:notesSz cx="6858000" cy="9144000"/>
@@ -146,7 +147,7 @@
 <file path=ppt/revisionInfo.xml><?xml version="1.0" encoding="utf-8"?>
 <p1510:revInfo xmlns:a="http://schemas.openxmlformats.org/drawingml/2006/main" xmlns:r="http://schemas.openxmlformats.org/officeDocument/2006/relationships" xmlns:p1510="http://schemas.microsoft.com/office/powerpoint/2015/10/main">
   <p1510:revLst>
-    <p1510:client id="{DBF8C059-04A6-1547-9DE4-356B5DFE87B9}" v="703" dt="2019-11-05T17:20:53.038"/>
+    <p1510:client id="{DBF8C059-04A6-1547-9DE4-356B5DFE87B9}" v="1419" dt="2019-11-05T17:40:49.766"/>
   </p1510:revLst>
 </p1510:revInfo>
 </file>
@@ -156,7 +157,7 @@
   <pc:docChgLst>
     <pc:chgData name="Long B Nguyen" userId="f59fb8f3-a021-417a-8bc1-65c8d471c621" providerId="ADAL" clId="{DBF8C059-04A6-1547-9DE4-356B5DFE87B9}"/>
     <pc:docChg chg="undo custSel addSld delSld modSld">
-      <pc:chgData name="Long B Nguyen" userId="f59fb8f3-a021-417a-8bc1-65c8d471c621" providerId="ADAL" clId="{DBF8C059-04A6-1547-9DE4-356B5DFE87B9}" dt="2019-11-05T17:27:08.270" v="9426" actId="20577"/>
+      <pc:chgData name="Long B Nguyen" userId="f59fb8f3-a021-417a-8bc1-65c8d471c621" providerId="ADAL" clId="{DBF8C059-04A6-1547-9DE4-356B5DFE87B9}" dt="2019-11-05T17:40:49.766" v="10145" actId="20577"/>
       <pc:docMkLst>
         <pc:docMk/>
       </pc:docMkLst>
@@ -1278,6 +1279,29 @@
           </ac:cxnSpMkLst>
         </pc:cxnChg>
       </pc:sldChg>
+      <pc:sldChg chg="modSp add modAnim">
+        <pc:chgData name="Long B Nguyen" userId="f59fb8f3-a021-417a-8bc1-65c8d471c621" providerId="ADAL" clId="{DBF8C059-04A6-1547-9DE4-356B5DFE87B9}" dt="2019-11-05T17:40:49.766" v="10145" actId="20577"/>
+        <pc:sldMkLst>
+          <pc:docMk/>
+          <pc:sldMk cId="2552887808" sldId="336"/>
+        </pc:sldMkLst>
+        <pc:spChg chg="mod">
+          <ac:chgData name="Long B Nguyen" userId="f59fb8f3-a021-417a-8bc1-65c8d471c621" providerId="ADAL" clId="{DBF8C059-04A6-1547-9DE4-356B5DFE87B9}" dt="2019-11-05T17:29:04.158" v="9430" actId="20577"/>
+          <ac:spMkLst>
+            <pc:docMk/>
+            <pc:sldMk cId="2552887808" sldId="336"/>
+            <ac:spMk id="2" creationId="{AA3A228F-61D0-D949-A5E7-F83756230BF8}"/>
+          </ac:spMkLst>
+        </pc:spChg>
+        <pc:spChg chg="mod">
+          <ac:chgData name="Long B Nguyen" userId="f59fb8f3-a021-417a-8bc1-65c8d471c621" providerId="ADAL" clId="{DBF8C059-04A6-1547-9DE4-356B5DFE87B9}" dt="2019-11-05T17:40:49.766" v="10145" actId="20577"/>
+          <ac:spMkLst>
+            <pc:docMk/>
+            <pc:sldMk cId="2552887808" sldId="336"/>
+            <ac:spMk id="9" creationId="{E3B2E017-30B2-884B-A113-B419A2ED51AD}"/>
+          </ac:spMkLst>
+        </pc:spChg>
+      </pc:sldChg>
     </pc:docChg>
   </pc:docChgLst>
   <pc:docChgLst>
@@ -20074,6 +20098,523 @@
 </file>
 
 <file path=ppt/slides/slide32.xml><?xml version="1.0" encoding="utf-8"?>
+<p:sld xmlns:a="http://schemas.openxmlformats.org/drawingml/2006/main" xmlns:r="http://schemas.openxmlformats.org/officeDocument/2006/relationships" xmlns:p="http://schemas.openxmlformats.org/presentationml/2006/main">
+  <p:cSld>
+    <p:spTree>
+      <p:nvGrpSpPr>
+        <p:cNvPr id="1" name=""/>
+        <p:cNvGrpSpPr/>
+        <p:nvPr/>
+      </p:nvGrpSpPr>
+      <p:grpSpPr>
+        <a:xfrm>
+          <a:off x="0" y="0"/>
+          <a:ext cx="0" cy="0"/>
+          <a:chOff x="0" y="0"/>
+          <a:chExt cx="0" cy="0"/>
+        </a:xfrm>
+      </p:grpSpPr>
+      <p:sp>
+        <p:nvSpPr>
+          <p:cNvPr id="2" name="Title 1">
+            <a:extLst>
+              <a:ext uri="{FF2B5EF4-FFF2-40B4-BE49-F238E27FC236}">
+                <a16:creationId xmlns:a16="http://schemas.microsoft.com/office/drawing/2014/main" id="{AA3A228F-61D0-D949-A5E7-F83756230BF8}"/>
+              </a:ext>
+            </a:extLst>
+          </p:cNvPr>
+          <p:cNvSpPr>
+            <a:spLocks noGrp="1"/>
+          </p:cNvSpPr>
+          <p:nvPr>
+            <p:ph type="title"/>
+          </p:nvPr>
+        </p:nvSpPr>
+        <p:spPr>
+          <a:xfrm>
+            <a:off x="483848" y="467027"/>
+            <a:ext cx="7053542" cy="683886"/>
+          </a:xfrm>
+        </p:spPr>
+        <p:txBody>
+          <a:bodyPr/>
+          <a:lstStyle/>
+          <a:p>
+            <a:r>
+              <a:rPr lang="en-US" dirty="0"/>
+              <a:t>Lab</a:t>
+            </a:r>
+          </a:p>
+        </p:txBody>
+      </p:sp>
+      <p:sp>
+        <p:nvSpPr>
+          <p:cNvPr id="9" name="Content Placeholder 8">
+            <a:extLst>
+              <a:ext uri="{FF2B5EF4-FFF2-40B4-BE49-F238E27FC236}">
+                <a16:creationId xmlns:a16="http://schemas.microsoft.com/office/drawing/2014/main" id="{E3B2E017-30B2-884B-A113-B419A2ED51AD}"/>
+              </a:ext>
+            </a:extLst>
+          </p:cNvPr>
+          <p:cNvSpPr>
+            <a:spLocks noGrp="1"/>
+          </p:cNvSpPr>
+          <p:nvPr>
+            <p:ph idx="1"/>
+          </p:nvPr>
+        </p:nvSpPr>
+        <p:spPr>
+          <a:xfrm>
+            <a:off x="483848" y="1150913"/>
+            <a:ext cx="8051725" cy="4430079"/>
+          </a:xfrm>
+        </p:spPr>
+        <p:txBody>
+          <a:bodyPr>
+            <a:normAutofit/>
+          </a:bodyPr>
+          <a:lstStyle/>
+          <a:p>
+            <a:pPr marL="0" indent="0">
+              <a:buNone/>
+            </a:pPr>
+            <a:r>
+              <a:rPr lang="en-US" dirty="0"/>
+              <a:t>Create a new </a:t>
+            </a:r>
+            <a:r>
+              <a:rPr lang="en-US" dirty="0" err="1"/>
+              <a:t>repl</a:t>
+            </a:r>
+            <a:r>
+              <a:rPr lang="en-US" dirty="0"/>
+              <a:t> on </a:t>
+            </a:r>
+            <a:r>
+              <a:rPr lang="en-US" dirty="0" err="1"/>
+              <a:t>replit</a:t>
+            </a:r>
+            <a:r>
+              <a:rPr lang="en-US" dirty="0"/>
+              <a:t>.</a:t>
+            </a:r>
+          </a:p>
+          <a:p>
+            <a:pPr marL="0" indent="0">
+              <a:buNone/>
+            </a:pPr>
+            <a:r>
+              <a:rPr lang="en-US" dirty="0"/>
+              <a:t>Write the following functions:</a:t>
+            </a:r>
+          </a:p>
+          <a:p>
+            <a:pPr marL="0" indent="0">
+              <a:buNone/>
+            </a:pPr>
+            <a:endParaRPr lang="en-US" dirty="0"/>
+          </a:p>
+          <a:p>
+            <a:pPr marL="0" indent="0">
+              <a:buNone/>
+            </a:pPr>
+            <a:r>
+              <a:rPr lang="en-US" dirty="0" err="1"/>
+              <a:t>special_sum</a:t>
+            </a:r>
+            <a:r>
+              <a:rPr lang="en-US" dirty="0"/>
+              <a:t>(a, b, c): This function sum all integers from a to be inclusive that are multiples of c. </a:t>
+            </a:r>
+          </a:p>
+          <a:p>
+            <a:pPr marL="0" indent="0">
+              <a:buNone/>
+            </a:pPr>
+            <a:r>
+              <a:rPr lang="en-US" dirty="0" err="1"/>
+              <a:t>every_other</a:t>
+            </a:r>
+            <a:r>
+              <a:rPr lang="en-US" dirty="0"/>
+              <a:t>(str): This method accepts a string and returns the new string that is every other character of the original string. </a:t>
+            </a:r>
+          </a:p>
+          <a:p>
+            <a:pPr marL="0" indent="0">
+              <a:buNone/>
+            </a:pPr>
+            <a:r>
+              <a:rPr lang="en-US" dirty="0" err="1"/>
+              <a:t>modify_list</a:t>
+            </a:r>
+            <a:r>
+              <a:rPr lang="en-US" dirty="0"/>
+              <a:t>(</a:t>
+            </a:r>
+            <a:r>
+              <a:rPr lang="en-US" dirty="0" err="1"/>
+              <a:t>lst</a:t>
+            </a:r>
+            <a:r>
+              <a:rPr lang="en-US" dirty="0"/>
+              <a:t>, num): This method accepts a list and a number and return a new list where every occurrence of num to set to 0. DO NOT modify the original list but rather return a new list. </a:t>
+            </a:r>
+          </a:p>
+          <a:p>
+            <a:pPr marL="0" indent="0">
+              <a:buNone/>
+            </a:pPr>
+            <a:r>
+              <a:rPr lang="en-US" dirty="0"/>
+              <a:t>average(dt): This function accepts a dictionary and returns the average of </a:t>
+            </a:r>
+            <a:r>
+              <a:rPr lang="en-US"/>
+              <a:t>its values. </a:t>
+            </a:r>
+            <a:endParaRPr lang="en-US" dirty="0"/>
+          </a:p>
+        </p:txBody>
+      </p:sp>
+    </p:spTree>
+    <p:extLst>
+      <p:ext uri="{BB962C8B-B14F-4D97-AF65-F5344CB8AC3E}">
+        <p14:creationId xmlns:p14="http://schemas.microsoft.com/office/powerpoint/2010/main" val="2552887808"/>
+      </p:ext>
+    </p:extLst>
+  </p:cSld>
+  <p:clrMapOvr>
+    <a:masterClrMapping/>
+  </p:clrMapOvr>
+  <p:timing>
+    <p:tnLst>
+      <p:par>
+        <p:cTn id="1" dur="indefinite" restart="never" nodeType="tmRoot">
+          <p:childTnLst>
+            <p:seq concurrent="1" nextAc="seek">
+              <p:cTn id="2" dur="indefinite" nodeType="mainSeq">
+                <p:childTnLst>
+                  <p:par>
+                    <p:cTn id="3" fill="hold">
+                      <p:stCondLst>
+                        <p:cond delay="indefinite"/>
+                      </p:stCondLst>
+                      <p:childTnLst>
+                        <p:par>
+                          <p:cTn id="4" fill="hold">
+                            <p:stCondLst>
+                              <p:cond delay="0"/>
+                            </p:stCondLst>
+                            <p:childTnLst>
+                              <p:par>
+                                <p:cTn id="5" presetID="1" presetClass="entr" presetSubtype="0" fill="hold" nodeType="clickEffect">
+                                  <p:stCondLst>
+                                    <p:cond delay="0"/>
+                                  </p:stCondLst>
+                                  <p:childTnLst>
+                                    <p:set>
+                                      <p:cBhvr>
+                                        <p:cTn id="6" dur="1" fill="hold">
+                                          <p:stCondLst>
+                                            <p:cond delay="0"/>
+                                          </p:stCondLst>
+                                        </p:cTn>
+                                        <p:tgtEl>
+                                          <p:spTgt spid="9">
+                                            <p:txEl>
+                                              <p:pRg st="0" end="0"/>
+                                            </p:txEl>
+                                          </p:spTgt>
+                                        </p:tgtEl>
+                                        <p:attrNameLst>
+                                          <p:attrName>style.visibility</p:attrName>
+                                        </p:attrNameLst>
+                                      </p:cBhvr>
+                                      <p:to>
+                                        <p:strVal val="visible"/>
+                                      </p:to>
+                                    </p:set>
+                                  </p:childTnLst>
+                                </p:cTn>
+                              </p:par>
+                            </p:childTnLst>
+                          </p:cTn>
+                        </p:par>
+                      </p:childTnLst>
+                    </p:cTn>
+                  </p:par>
+                  <p:par>
+                    <p:cTn id="7" fill="hold">
+                      <p:stCondLst>
+                        <p:cond delay="indefinite"/>
+                      </p:stCondLst>
+                      <p:childTnLst>
+                        <p:par>
+                          <p:cTn id="8" fill="hold">
+                            <p:stCondLst>
+                              <p:cond delay="0"/>
+                            </p:stCondLst>
+                            <p:childTnLst>
+                              <p:par>
+                                <p:cTn id="9" presetID="1" presetClass="entr" presetSubtype="0" fill="hold" nodeType="clickEffect">
+                                  <p:stCondLst>
+                                    <p:cond delay="0"/>
+                                  </p:stCondLst>
+                                  <p:childTnLst>
+                                    <p:set>
+                                      <p:cBhvr>
+                                        <p:cTn id="10" dur="1" fill="hold">
+                                          <p:stCondLst>
+                                            <p:cond delay="0"/>
+                                          </p:stCondLst>
+                                        </p:cTn>
+                                        <p:tgtEl>
+                                          <p:spTgt spid="9">
+                                            <p:txEl>
+                                              <p:pRg st="1" end="1"/>
+                                            </p:txEl>
+                                          </p:spTgt>
+                                        </p:tgtEl>
+                                        <p:attrNameLst>
+                                          <p:attrName>style.visibility</p:attrName>
+                                        </p:attrNameLst>
+                                      </p:cBhvr>
+                                      <p:to>
+                                        <p:strVal val="visible"/>
+                                      </p:to>
+                                    </p:set>
+                                  </p:childTnLst>
+                                </p:cTn>
+                              </p:par>
+                            </p:childTnLst>
+                          </p:cTn>
+                        </p:par>
+                      </p:childTnLst>
+                    </p:cTn>
+                  </p:par>
+                  <p:par>
+                    <p:cTn id="11" fill="hold">
+                      <p:stCondLst>
+                        <p:cond delay="indefinite"/>
+                      </p:stCondLst>
+                      <p:childTnLst>
+                        <p:par>
+                          <p:cTn id="12" fill="hold">
+                            <p:stCondLst>
+                              <p:cond delay="0"/>
+                            </p:stCondLst>
+                            <p:childTnLst>
+                              <p:par>
+                                <p:cTn id="13" presetID="1" presetClass="entr" presetSubtype="0" fill="hold" nodeType="clickEffect">
+                                  <p:stCondLst>
+                                    <p:cond delay="0"/>
+                                  </p:stCondLst>
+                                  <p:childTnLst>
+                                    <p:set>
+                                      <p:cBhvr>
+                                        <p:cTn id="14" dur="1" fill="hold">
+                                          <p:stCondLst>
+                                            <p:cond delay="0"/>
+                                          </p:stCondLst>
+                                        </p:cTn>
+                                        <p:tgtEl>
+                                          <p:spTgt spid="9">
+                                            <p:txEl>
+                                              <p:pRg st="3" end="3"/>
+                                            </p:txEl>
+                                          </p:spTgt>
+                                        </p:tgtEl>
+                                        <p:attrNameLst>
+                                          <p:attrName>style.visibility</p:attrName>
+                                        </p:attrNameLst>
+                                      </p:cBhvr>
+                                      <p:to>
+                                        <p:strVal val="visible"/>
+                                      </p:to>
+                                    </p:set>
+                                  </p:childTnLst>
+                                </p:cTn>
+                              </p:par>
+                            </p:childTnLst>
+                          </p:cTn>
+                        </p:par>
+                      </p:childTnLst>
+                    </p:cTn>
+                  </p:par>
+                  <p:par>
+                    <p:cTn id="15" fill="hold">
+                      <p:stCondLst>
+                        <p:cond delay="indefinite"/>
+                      </p:stCondLst>
+                      <p:childTnLst>
+                        <p:par>
+                          <p:cTn id="16" fill="hold">
+                            <p:stCondLst>
+                              <p:cond delay="0"/>
+                            </p:stCondLst>
+                            <p:childTnLst>
+                              <p:par>
+                                <p:cTn id="17" presetID="1" presetClass="entr" presetSubtype="0" fill="hold" nodeType="clickEffect">
+                                  <p:stCondLst>
+                                    <p:cond delay="0"/>
+                                  </p:stCondLst>
+                                  <p:childTnLst>
+                                    <p:set>
+                                      <p:cBhvr>
+                                        <p:cTn id="18" dur="1" fill="hold">
+                                          <p:stCondLst>
+                                            <p:cond delay="0"/>
+                                          </p:stCondLst>
+                                        </p:cTn>
+                                        <p:tgtEl>
+                                          <p:spTgt spid="9">
+                                            <p:txEl>
+                                              <p:pRg st="4" end="4"/>
+                                            </p:txEl>
+                                          </p:spTgt>
+                                        </p:tgtEl>
+                                        <p:attrNameLst>
+                                          <p:attrName>style.visibility</p:attrName>
+                                        </p:attrNameLst>
+                                      </p:cBhvr>
+                                      <p:to>
+                                        <p:strVal val="visible"/>
+                                      </p:to>
+                                    </p:set>
+                                  </p:childTnLst>
+                                </p:cTn>
+                              </p:par>
+                            </p:childTnLst>
+                          </p:cTn>
+                        </p:par>
+                      </p:childTnLst>
+                    </p:cTn>
+                  </p:par>
+                  <p:par>
+                    <p:cTn id="19" fill="hold">
+                      <p:stCondLst>
+                        <p:cond delay="indefinite"/>
+                      </p:stCondLst>
+                      <p:childTnLst>
+                        <p:par>
+                          <p:cTn id="20" fill="hold">
+                            <p:stCondLst>
+                              <p:cond delay="0"/>
+                            </p:stCondLst>
+                            <p:childTnLst>
+                              <p:par>
+                                <p:cTn id="21" presetID="1" presetClass="entr" presetSubtype="0" fill="hold" nodeType="clickEffect">
+                                  <p:stCondLst>
+                                    <p:cond delay="0"/>
+                                  </p:stCondLst>
+                                  <p:childTnLst>
+                                    <p:set>
+                                      <p:cBhvr>
+                                        <p:cTn id="22" dur="1" fill="hold">
+                                          <p:stCondLst>
+                                            <p:cond delay="0"/>
+                                          </p:stCondLst>
+                                        </p:cTn>
+                                        <p:tgtEl>
+                                          <p:spTgt spid="9">
+                                            <p:txEl>
+                                              <p:pRg st="5" end="5"/>
+                                            </p:txEl>
+                                          </p:spTgt>
+                                        </p:tgtEl>
+                                        <p:attrNameLst>
+                                          <p:attrName>style.visibility</p:attrName>
+                                        </p:attrNameLst>
+                                      </p:cBhvr>
+                                      <p:to>
+                                        <p:strVal val="visible"/>
+                                      </p:to>
+                                    </p:set>
+                                  </p:childTnLst>
+                                </p:cTn>
+                              </p:par>
+                            </p:childTnLst>
+                          </p:cTn>
+                        </p:par>
+                      </p:childTnLst>
+                    </p:cTn>
+                  </p:par>
+                  <p:par>
+                    <p:cTn id="23" fill="hold">
+                      <p:stCondLst>
+                        <p:cond delay="indefinite"/>
+                      </p:stCondLst>
+                      <p:childTnLst>
+                        <p:par>
+                          <p:cTn id="24" fill="hold">
+                            <p:stCondLst>
+                              <p:cond delay="0"/>
+                            </p:stCondLst>
+                            <p:childTnLst>
+                              <p:par>
+                                <p:cTn id="25" presetID="1" presetClass="entr" presetSubtype="0" fill="hold" nodeType="clickEffect">
+                                  <p:stCondLst>
+                                    <p:cond delay="0"/>
+                                  </p:stCondLst>
+                                  <p:childTnLst>
+                                    <p:set>
+                                      <p:cBhvr>
+                                        <p:cTn id="26" dur="1" fill="hold">
+                                          <p:stCondLst>
+                                            <p:cond delay="0"/>
+                                          </p:stCondLst>
+                                        </p:cTn>
+                                        <p:tgtEl>
+                                          <p:spTgt spid="9">
+                                            <p:txEl>
+                                              <p:pRg st="6" end="6"/>
+                                            </p:txEl>
+                                          </p:spTgt>
+                                        </p:tgtEl>
+                                        <p:attrNameLst>
+                                          <p:attrName>style.visibility</p:attrName>
+                                        </p:attrNameLst>
+                                      </p:cBhvr>
+                                      <p:to>
+                                        <p:strVal val="visible"/>
+                                      </p:to>
+                                    </p:set>
+                                  </p:childTnLst>
+                                </p:cTn>
+                              </p:par>
+                            </p:childTnLst>
+                          </p:cTn>
+                        </p:par>
+                      </p:childTnLst>
+                    </p:cTn>
+                  </p:par>
+                </p:childTnLst>
+              </p:cTn>
+              <p:prevCondLst>
+                <p:cond evt="onPrev" delay="0">
+                  <p:tgtEl>
+                    <p:sldTgt/>
+                  </p:tgtEl>
+                </p:cond>
+              </p:prevCondLst>
+              <p:nextCondLst>
+                <p:cond evt="onNext" delay="0">
+                  <p:tgtEl>
+                    <p:sldTgt/>
+                  </p:tgtEl>
+                </p:cond>
+              </p:nextCondLst>
+            </p:seq>
+          </p:childTnLst>
+        </p:cTn>
+      </p:par>
+    </p:tnLst>
+  </p:timing>
+</p:sld>
+</file>
+
+<file path=ppt/slides/slide33.xml><?xml version="1.0" encoding="utf-8"?>
 <p:sld xmlns:a="http://schemas.openxmlformats.org/drawingml/2006/main" xmlns:r="http://schemas.openxmlformats.org/officeDocument/2006/relationships" xmlns:p="http://schemas.openxmlformats.org/presentationml/2006/main">
   <p:cSld>
     <p:spTree>

--- a/courses/apcsp/lect8.pptx
+++ b/courses/apcsp/lect8.pptx
@@ -147,7 +147,7 @@
 <file path=ppt/revisionInfo.xml><?xml version="1.0" encoding="utf-8"?>
 <p1510:revInfo xmlns:a="http://schemas.openxmlformats.org/drawingml/2006/main" xmlns:r="http://schemas.openxmlformats.org/officeDocument/2006/relationships" xmlns:p1510="http://schemas.microsoft.com/office/powerpoint/2015/10/main">
   <p1510:revLst>
-    <p1510:client id="{DBF8C059-04A6-1547-9DE4-356B5DFE87B9}" v="1419" dt="2019-11-05T17:40:49.766"/>
+    <p1510:client id="{DBF8C059-04A6-1547-9DE4-356B5DFE87B9}" v="1479" dt="2019-11-06T14:54:35.450"/>
   </p1510:revLst>
 </p1510:revInfo>
 </file>
@@ -157,7 +157,7 @@
   <pc:docChgLst>
     <pc:chgData name="Long B Nguyen" userId="f59fb8f3-a021-417a-8bc1-65c8d471c621" providerId="ADAL" clId="{DBF8C059-04A6-1547-9DE4-356B5DFE87B9}"/>
     <pc:docChg chg="undo custSel addSld delSld modSld">
-      <pc:chgData name="Long B Nguyen" userId="f59fb8f3-a021-417a-8bc1-65c8d471c621" providerId="ADAL" clId="{DBF8C059-04A6-1547-9DE4-356B5DFE87B9}" dt="2019-11-05T17:40:49.766" v="10145" actId="20577"/>
+      <pc:chgData name="Long B Nguyen" userId="f59fb8f3-a021-417a-8bc1-65c8d471c621" providerId="ADAL" clId="{DBF8C059-04A6-1547-9DE4-356B5DFE87B9}" dt="2019-11-06T14:54:35.450" v="10205" actId="20577"/>
       <pc:docMkLst>
         <pc:docMk/>
       </pc:docMkLst>
@@ -1280,7 +1280,7 @@
         </pc:cxnChg>
       </pc:sldChg>
       <pc:sldChg chg="modSp add modAnim">
-        <pc:chgData name="Long B Nguyen" userId="f59fb8f3-a021-417a-8bc1-65c8d471c621" providerId="ADAL" clId="{DBF8C059-04A6-1547-9DE4-356B5DFE87B9}" dt="2019-11-05T17:40:49.766" v="10145" actId="20577"/>
+        <pc:chgData name="Long B Nguyen" userId="f59fb8f3-a021-417a-8bc1-65c8d471c621" providerId="ADAL" clId="{DBF8C059-04A6-1547-9DE4-356B5DFE87B9}" dt="2019-11-06T14:54:35.450" v="10205" actId="20577"/>
         <pc:sldMkLst>
           <pc:docMk/>
           <pc:sldMk cId="2552887808" sldId="336"/>
@@ -1294,7 +1294,7 @@
           </ac:spMkLst>
         </pc:spChg>
         <pc:spChg chg="mod">
-          <ac:chgData name="Long B Nguyen" userId="f59fb8f3-a021-417a-8bc1-65c8d471c621" providerId="ADAL" clId="{DBF8C059-04A6-1547-9DE4-356B5DFE87B9}" dt="2019-11-05T17:40:49.766" v="10145" actId="20577"/>
+          <ac:chgData name="Long B Nguyen" userId="f59fb8f3-a021-417a-8bc1-65c8d471c621" providerId="ADAL" clId="{DBF8C059-04A6-1547-9DE4-356B5DFE87B9}" dt="2019-11-06T14:54:35.450" v="10205" actId="20577"/>
           <ac:spMkLst>
             <pc:docMk/>
             <pc:sldMk cId="2552887808" sldId="336"/>
@@ -1447,7 +1447,7 @@
           <a:p>
             <a:fld id="{4AAD347D-5ACD-4C99-B74B-A9C85AD731AF}" type="datetimeFigureOut">
               <a:rPr lang="en-US" smtClean="0"/>
-              <a:t>11/5/19</a:t>
+              <a:t>11/6/19</a:t>
             </a:fld>
             <a:endParaRPr lang="en-US" dirty="0"/>
           </a:p>
@@ -1617,7 +1617,7 @@
           <a:p>
             <a:fld id="{4509A250-FF31-4206-8172-F9D3106AACB1}" type="datetimeFigureOut">
               <a:rPr lang="en-US" smtClean="0"/>
-              <a:t>11/5/19</a:t>
+              <a:t>11/6/19</a:t>
             </a:fld>
             <a:endParaRPr lang="en-US" dirty="0"/>
           </a:p>
@@ -1797,7 +1797,7 @@
           <a:p>
             <a:fld id="{4509A250-FF31-4206-8172-F9D3106AACB1}" type="datetimeFigureOut">
               <a:rPr lang="en-US" smtClean="0"/>
-              <a:t>11/5/19</a:t>
+              <a:t>11/6/19</a:t>
             </a:fld>
             <a:endParaRPr lang="en-US" dirty="0"/>
           </a:p>
@@ -1967,7 +1967,7 @@
           <a:p>
             <a:fld id="{4509A250-FF31-4206-8172-F9D3106AACB1}" type="datetimeFigureOut">
               <a:rPr lang="en-US" smtClean="0"/>
-              <a:t>11/5/19</a:t>
+              <a:t>11/6/19</a:t>
             </a:fld>
             <a:endParaRPr lang="en-US" dirty="0"/>
           </a:p>
@@ -2213,7 +2213,7 @@
           <a:p>
             <a:fld id="{9796027F-7875-4030-9381-8BD8C4F21935}" type="datetimeFigureOut">
               <a:rPr lang="en-US" smtClean="0"/>
-              <a:t>11/5/19</a:t>
+              <a:t>11/6/19</a:t>
             </a:fld>
             <a:endParaRPr lang="en-US" dirty="0"/>
           </a:p>
@@ -2445,7 +2445,7 @@
           <a:p>
             <a:fld id="{9796027F-7875-4030-9381-8BD8C4F21935}" type="datetimeFigureOut">
               <a:rPr lang="en-US" smtClean="0"/>
-              <a:t>11/5/19</a:t>
+              <a:t>11/6/19</a:t>
             </a:fld>
             <a:endParaRPr lang="en-US" dirty="0"/>
           </a:p>
@@ -2812,7 +2812,7 @@
           <a:p>
             <a:fld id="{9796027F-7875-4030-9381-8BD8C4F21935}" type="datetimeFigureOut">
               <a:rPr lang="en-US" smtClean="0"/>
-              <a:t>11/5/19</a:t>
+              <a:t>11/6/19</a:t>
             </a:fld>
             <a:endParaRPr lang="en-US" dirty="0"/>
           </a:p>
@@ -2930,7 +2930,7 @@
           <a:p>
             <a:fld id="{4509A250-FF31-4206-8172-F9D3106AACB1}" type="datetimeFigureOut">
               <a:rPr lang="en-US" smtClean="0"/>
-              <a:t>11/5/19</a:t>
+              <a:t>11/6/19</a:t>
             </a:fld>
             <a:endParaRPr lang="en-US" dirty="0"/>
           </a:p>
@@ -3025,7 +3025,7 @@
           <a:p>
             <a:fld id="{4509A250-FF31-4206-8172-F9D3106AACB1}" type="datetimeFigureOut">
               <a:rPr lang="en-US" smtClean="0"/>
-              <a:t>11/5/19</a:t>
+              <a:t>11/6/19</a:t>
             </a:fld>
             <a:endParaRPr lang="en-US" dirty="0"/>
           </a:p>
@@ -3302,7 +3302,7 @@
           <a:p>
             <a:fld id="{4509A250-FF31-4206-8172-F9D3106AACB1}" type="datetimeFigureOut">
               <a:rPr lang="en-US" smtClean="0"/>
-              <a:t>11/5/19</a:t>
+              <a:t>11/6/19</a:t>
             </a:fld>
             <a:endParaRPr lang="en-US" dirty="0"/>
           </a:p>
@@ -3559,7 +3559,7 @@
           <a:p>
             <a:fld id="{4509A250-FF31-4206-8172-F9D3106AACB1}" type="datetimeFigureOut">
               <a:rPr lang="en-US" smtClean="0"/>
-              <a:t>11/5/19</a:t>
+              <a:t>11/6/19</a:t>
             </a:fld>
             <a:endParaRPr lang="en-US" dirty="0"/>
           </a:p>
@@ -3772,7 +3772,7 @@
           <a:p>
             <a:fld id="{4AAD347D-5ACD-4C99-B74B-A9C85AD731AF}" type="datetimeFigureOut">
               <a:rPr lang="en-US" smtClean="0"/>
-              <a:t>11/5/19</a:t>
+              <a:t>11/6/19</a:t>
             </a:fld>
             <a:endParaRPr lang="en-US" dirty="0"/>
           </a:p>
@@ -20212,6 +20212,14 @@
             <a:pPr marL="0" indent="0">
               <a:buNone/>
             </a:pPr>
+            <a:r>
+              <a:rPr lang="en-US" dirty="0"/>
+              <a:t>reverse(str): This function returns str </a:t>
+            </a:r>
+            <a:r>
+              <a:rPr lang="en-US"/>
+              <a:t>but reversed. </a:t>
+            </a:r>
             <a:endParaRPr lang="en-US" dirty="0"/>
           </a:p>
           <a:p>
@@ -20267,13 +20275,8 @@
             </a:pPr>
             <a:r>
               <a:rPr lang="en-US" dirty="0"/>
-              <a:t>average(dt): This function accepts a dictionary and returns the average of </a:t>
-            </a:r>
-            <a:r>
-              <a:rPr lang="en-US"/>
-              <a:t>its values. </a:t>
-            </a:r>
-            <a:endParaRPr lang="en-US" dirty="0"/>
+              <a:t>average(dt): This function accepts a dictionary and returns the average of its values. </a:t>
+            </a:r>
           </a:p>
         </p:txBody>
       </p:sp>
@@ -20421,7 +20424,7 @@
                                         <p:tgtEl>
                                           <p:spTgt spid="9">
                                             <p:txEl>
-                                              <p:pRg st="3" end="3"/>
+                                              <p:pRg st="2" end="2"/>
                                             </p:txEl>
                                           </p:spTgt>
                                         </p:tgtEl>
@@ -20470,7 +20473,7 @@
                                         <p:tgtEl>
                                           <p:spTgt spid="9">
                                             <p:txEl>
-                                              <p:pRg st="4" end="4"/>
+                                              <p:pRg st="3" end="3"/>
                                             </p:txEl>
                                           </p:spTgt>
                                         </p:tgtEl>
@@ -20519,7 +20522,7 @@
                                         <p:tgtEl>
                                           <p:spTgt spid="9">
                                             <p:txEl>
-                                              <p:pRg st="5" end="5"/>
+                                              <p:pRg st="4" end="4"/>
                                             </p:txEl>
                                           </p:spTgt>
                                         </p:tgtEl>
@@ -20561,6 +20564,55 @@
                                     <p:set>
                                       <p:cBhvr>
                                         <p:cTn id="26" dur="1" fill="hold">
+                                          <p:stCondLst>
+                                            <p:cond delay="0"/>
+                                          </p:stCondLst>
+                                        </p:cTn>
+                                        <p:tgtEl>
+                                          <p:spTgt spid="9">
+                                            <p:txEl>
+                                              <p:pRg st="5" end="5"/>
+                                            </p:txEl>
+                                          </p:spTgt>
+                                        </p:tgtEl>
+                                        <p:attrNameLst>
+                                          <p:attrName>style.visibility</p:attrName>
+                                        </p:attrNameLst>
+                                      </p:cBhvr>
+                                      <p:to>
+                                        <p:strVal val="visible"/>
+                                      </p:to>
+                                    </p:set>
+                                  </p:childTnLst>
+                                </p:cTn>
+                              </p:par>
+                            </p:childTnLst>
+                          </p:cTn>
+                        </p:par>
+                      </p:childTnLst>
+                    </p:cTn>
+                  </p:par>
+                  <p:par>
+                    <p:cTn id="27" fill="hold">
+                      <p:stCondLst>
+                        <p:cond delay="indefinite"/>
+                      </p:stCondLst>
+                      <p:childTnLst>
+                        <p:par>
+                          <p:cTn id="28" fill="hold">
+                            <p:stCondLst>
+                              <p:cond delay="0"/>
+                            </p:stCondLst>
+                            <p:childTnLst>
+                              <p:par>
+                                <p:cTn id="29" presetID="1" presetClass="entr" presetSubtype="0" fill="hold" nodeType="clickEffect">
+                                  <p:stCondLst>
+                                    <p:cond delay="0"/>
+                                  </p:stCondLst>
+                                  <p:childTnLst>
+                                    <p:set>
+                                      <p:cBhvr>
+                                        <p:cTn id="30" dur="1" fill="hold">
                                           <p:stCondLst>
                                             <p:cond delay="0"/>
                                           </p:stCondLst>

--- a/courses/apcsp/lect8.pptx
+++ b/courses/apcsp/lect8.pptx
@@ -147,7 +147,7 @@
 <file path=ppt/revisionInfo.xml><?xml version="1.0" encoding="utf-8"?>
 <p1510:revInfo xmlns:a="http://schemas.openxmlformats.org/drawingml/2006/main" xmlns:r="http://schemas.openxmlformats.org/officeDocument/2006/relationships" xmlns:p1510="http://schemas.microsoft.com/office/powerpoint/2015/10/main">
   <p1510:revLst>
-    <p1510:client id="{DBF8C059-04A6-1547-9DE4-356B5DFE87B9}" v="1479" dt="2019-11-06T14:54:35.450"/>
+    <p1510:client id="{DBF8C059-04A6-1547-9DE4-356B5DFE87B9}" v="1510" dt="2019-11-06T15:19:41.686"/>
   </p1510:revLst>
 </p1510:revInfo>
 </file>
@@ -157,7 +157,7 @@
   <pc:docChgLst>
     <pc:chgData name="Long B Nguyen" userId="f59fb8f3-a021-417a-8bc1-65c8d471c621" providerId="ADAL" clId="{DBF8C059-04A6-1547-9DE4-356B5DFE87B9}"/>
     <pc:docChg chg="undo custSel addSld delSld modSld">
-      <pc:chgData name="Long B Nguyen" userId="f59fb8f3-a021-417a-8bc1-65c8d471c621" providerId="ADAL" clId="{DBF8C059-04A6-1547-9DE4-356B5DFE87B9}" dt="2019-11-06T14:54:35.450" v="10205" actId="20577"/>
+      <pc:chgData name="Long B Nguyen" userId="f59fb8f3-a021-417a-8bc1-65c8d471c621" providerId="ADAL" clId="{DBF8C059-04A6-1547-9DE4-356B5DFE87B9}" dt="2019-11-06T15:19:41.685" v="10236" actId="20577"/>
       <pc:docMkLst>
         <pc:docMk/>
       </pc:docMkLst>
@@ -1280,7 +1280,7 @@
         </pc:cxnChg>
       </pc:sldChg>
       <pc:sldChg chg="modSp add modAnim">
-        <pc:chgData name="Long B Nguyen" userId="f59fb8f3-a021-417a-8bc1-65c8d471c621" providerId="ADAL" clId="{DBF8C059-04A6-1547-9DE4-356B5DFE87B9}" dt="2019-11-06T14:54:35.450" v="10205" actId="20577"/>
+        <pc:chgData name="Long B Nguyen" userId="f59fb8f3-a021-417a-8bc1-65c8d471c621" providerId="ADAL" clId="{DBF8C059-04A6-1547-9DE4-356B5DFE87B9}" dt="2019-11-06T15:19:41.685" v="10236" actId="20577"/>
         <pc:sldMkLst>
           <pc:docMk/>
           <pc:sldMk cId="2552887808" sldId="336"/>
@@ -1294,7 +1294,7 @@
           </ac:spMkLst>
         </pc:spChg>
         <pc:spChg chg="mod">
-          <ac:chgData name="Long B Nguyen" userId="f59fb8f3-a021-417a-8bc1-65c8d471c621" providerId="ADAL" clId="{DBF8C059-04A6-1547-9DE4-356B5DFE87B9}" dt="2019-11-06T14:54:35.450" v="10205" actId="20577"/>
+          <ac:chgData name="Long B Nguyen" userId="f59fb8f3-a021-417a-8bc1-65c8d471c621" providerId="ADAL" clId="{DBF8C059-04A6-1547-9DE4-356B5DFE87B9}" dt="2019-11-06T15:19:41.685" v="10236" actId="20577"/>
           <ac:spMkLst>
             <pc:docMk/>
             <pc:sldMk cId="2552887808" sldId="336"/>
@@ -20214,13 +20214,8 @@
             </a:pPr>
             <a:r>
               <a:rPr lang="en-US" dirty="0"/>
-              <a:t>reverse(str): This function returns str </a:t>
-            </a:r>
-            <a:r>
-              <a:rPr lang="en-US"/>
-              <a:t>but reversed. </a:t>
-            </a:r>
-            <a:endParaRPr lang="en-US" dirty="0"/>
+              <a:t>reverse(str): This function returns str but reversed. </a:t>
+            </a:r>
           </a:p>
           <a:p>
             <a:pPr marL="0" indent="0">
@@ -20232,7 +20227,7 @@
             </a:r>
             <a:r>
               <a:rPr lang="en-US" dirty="0"/>
-              <a:t>(a, b, c): This function sum all integers from a to be inclusive that are multiples of c. </a:t>
+              <a:t>(a, b, c): This function sum all integers from a to b inclusive that are multiples of c. </a:t>
             </a:r>
           </a:p>
           <a:p>
@@ -20245,7 +20240,7 @@
             </a:r>
             <a:r>
               <a:rPr lang="en-US" dirty="0"/>
-              <a:t>(str): This method accepts a string and returns the new string that is every other character of the original string. </a:t>
+              <a:t>(str): This function accepts a string and returns the new string that is every other character of the original string. </a:t>
             </a:r>
           </a:p>
           <a:p>
@@ -20266,7 +20261,15 @@
             </a:r>
             <a:r>
               <a:rPr lang="en-US" dirty="0"/>
-              <a:t>, num): This method accepts a list and a number and return a new list where every occurrence of num to set to 0. DO NOT modify the original list but rather return a new list. </a:t>
+              <a:t>, num): </a:t>
+            </a:r>
+            <a:r>
+              <a:rPr lang="en-US"/>
+              <a:t>This function </a:t>
+            </a:r>
+            <a:r>
+              <a:rPr lang="en-US" dirty="0"/>
+              <a:t>accepts a list and a number and return a new list where every occurrence of num to set to 0. DO NOT modify the original list but rather return a new list. </a:t>
             </a:r>
           </a:p>
           <a:p>

--- a/courses/apcsp/lect8.pptx
+++ b/courses/apcsp/lect8.pptx
@@ -147,7 +147,7 @@
 <file path=ppt/revisionInfo.xml><?xml version="1.0" encoding="utf-8"?>
 <p1510:revInfo xmlns:a="http://schemas.openxmlformats.org/drawingml/2006/main" xmlns:r="http://schemas.openxmlformats.org/officeDocument/2006/relationships" xmlns:p1510="http://schemas.microsoft.com/office/powerpoint/2015/10/main">
   <p1510:revLst>
-    <p1510:client id="{DBF8C059-04A6-1547-9DE4-356B5DFE87B9}" v="1510" dt="2019-11-06T15:19:41.686"/>
+    <p1510:client id="{DBF8C059-04A6-1547-9DE4-356B5DFE87B9}" v="1729" dt="2019-11-06T15:25:12.976"/>
   </p1510:revLst>
 </p1510:revInfo>
 </file>
@@ -157,7 +157,7 @@
   <pc:docChgLst>
     <pc:chgData name="Long B Nguyen" userId="f59fb8f3-a021-417a-8bc1-65c8d471c621" providerId="ADAL" clId="{DBF8C059-04A6-1547-9DE4-356B5DFE87B9}"/>
     <pc:docChg chg="undo custSel addSld delSld modSld">
-      <pc:chgData name="Long B Nguyen" userId="f59fb8f3-a021-417a-8bc1-65c8d471c621" providerId="ADAL" clId="{DBF8C059-04A6-1547-9DE4-356B5DFE87B9}" dt="2019-11-06T15:19:41.685" v="10236" actId="20577"/>
+      <pc:chgData name="Long B Nguyen" userId="f59fb8f3-a021-417a-8bc1-65c8d471c621" providerId="ADAL" clId="{DBF8C059-04A6-1547-9DE4-356B5DFE87B9}" dt="2019-11-06T15:25:12.976" v="10455" actId="20577"/>
       <pc:docMkLst>
         <pc:docMk/>
       </pc:docMkLst>
@@ -1280,7 +1280,7 @@
         </pc:cxnChg>
       </pc:sldChg>
       <pc:sldChg chg="modSp add modAnim">
-        <pc:chgData name="Long B Nguyen" userId="f59fb8f3-a021-417a-8bc1-65c8d471c621" providerId="ADAL" clId="{DBF8C059-04A6-1547-9DE4-356B5DFE87B9}" dt="2019-11-06T15:19:41.685" v="10236" actId="20577"/>
+        <pc:chgData name="Long B Nguyen" userId="f59fb8f3-a021-417a-8bc1-65c8d471c621" providerId="ADAL" clId="{DBF8C059-04A6-1547-9DE4-356B5DFE87B9}" dt="2019-11-06T15:25:12.976" v="10455" actId="20577"/>
         <pc:sldMkLst>
           <pc:docMk/>
           <pc:sldMk cId="2552887808" sldId="336"/>
@@ -1294,7 +1294,7 @@
           </ac:spMkLst>
         </pc:spChg>
         <pc:spChg chg="mod">
-          <ac:chgData name="Long B Nguyen" userId="f59fb8f3-a021-417a-8bc1-65c8d471c621" providerId="ADAL" clId="{DBF8C059-04A6-1547-9DE4-356B5DFE87B9}" dt="2019-11-06T15:19:41.685" v="10236" actId="20577"/>
+          <ac:chgData name="Long B Nguyen" userId="f59fb8f3-a021-417a-8bc1-65c8d471c621" providerId="ADAL" clId="{DBF8C059-04A6-1547-9DE4-356B5DFE87B9}" dt="2019-11-06T15:25:12.976" v="10455" actId="20577"/>
           <ac:spMkLst>
             <pc:docMk/>
             <pc:sldMk cId="2552887808" sldId="336"/>
@@ -20196,7 +20196,7 @@
             </a:r>
             <a:r>
               <a:rPr lang="en-US" dirty="0"/>
-              <a:t>.</a:t>
+              <a:t>. Write the following functions:</a:t>
             </a:r>
           </a:p>
           <a:p>
@@ -20205,16 +20205,7 @@
             </a:pPr>
             <a:r>
               <a:rPr lang="en-US" dirty="0"/>
-              <a:t>Write the following functions:</a:t>
-            </a:r>
-          </a:p>
-          <a:p>
-            <a:pPr marL="0" indent="0">
-              <a:buNone/>
-            </a:pPr>
-            <a:r>
-              <a:rPr lang="en-US" dirty="0"/>
-              <a:t>reverse(str): This function returns str but reversed. </a:t>
+              <a:t>reverse(str): This function returns str but reversed.  Do TWO versions of this: reverse1 and reverse2. The first uses a for loop. The second uses no loop. </a:t>
             </a:r>
           </a:p>
           <a:p>
@@ -20227,7 +20218,7 @@
             </a:r>
             <a:r>
               <a:rPr lang="en-US" dirty="0"/>
-              <a:t>(a, b, c): This function sum all integers from a to b inclusive that are multiples of c. </a:t>
+              <a:t>(a, b, c): This function sum all integers from a to b inclusive that are multiples of c. Use a default keyword parameter with c=1. </a:t>
             </a:r>
           </a:p>
           <a:p>
@@ -20249,7 +20240,7 @@
             </a:pPr>
             <a:r>
               <a:rPr lang="en-US" dirty="0" err="1"/>
-              <a:t>modify_list</a:t>
+              <a:t>zero_list</a:t>
             </a:r>
             <a:r>
               <a:rPr lang="en-US" dirty="0"/>
@@ -20261,15 +20252,7 @@
             </a:r>
             <a:r>
               <a:rPr lang="en-US" dirty="0"/>
-              <a:t>, num): </a:t>
-            </a:r>
-            <a:r>
-              <a:rPr lang="en-US"/>
-              <a:t>This function </a:t>
-            </a:r>
-            <a:r>
-              <a:rPr lang="en-US" dirty="0"/>
-              <a:t>accepts a list and a number and return a new list where every occurrence of num to set to 0. DO NOT modify the original list but rather return a new list. </a:t>
+              <a:t>, num): This function accepts a list and a number and return a new list where every occurrence of num to set to 0. DO NOT modify the original list but rather return a new list. </a:t>
             </a:r>
           </a:p>
           <a:p>
@@ -20575,55 +20558,6 @@
                                           <p:spTgt spid="9">
                                             <p:txEl>
                                               <p:pRg st="5" end="5"/>
-                                            </p:txEl>
-                                          </p:spTgt>
-                                        </p:tgtEl>
-                                        <p:attrNameLst>
-                                          <p:attrName>style.visibility</p:attrName>
-                                        </p:attrNameLst>
-                                      </p:cBhvr>
-                                      <p:to>
-                                        <p:strVal val="visible"/>
-                                      </p:to>
-                                    </p:set>
-                                  </p:childTnLst>
-                                </p:cTn>
-                              </p:par>
-                            </p:childTnLst>
-                          </p:cTn>
-                        </p:par>
-                      </p:childTnLst>
-                    </p:cTn>
-                  </p:par>
-                  <p:par>
-                    <p:cTn id="27" fill="hold">
-                      <p:stCondLst>
-                        <p:cond delay="indefinite"/>
-                      </p:stCondLst>
-                      <p:childTnLst>
-                        <p:par>
-                          <p:cTn id="28" fill="hold">
-                            <p:stCondLst>
-                              <p:cond delay="0"/>
-                            </p:stCondLst>
-                            <p:childTnLst>
-                              <p:par>
-                                <p:cTn id="29" presetID="1" presetClass="entr" presetSubtype="0" fill="hold" nodeType="clickEffect">
-                                  <p:stCondLst>
-                                    <p:cond delay="0"/>
-                                  </p:stCondLst>
-                                  <p:childTnLst>
-                                    <p:set>
-                                      <p:cBhvr>
-                                        <p:cTn id="30" dur="1" fill="hold">
-                                          <p:stCondLst>
-                                            <p:cond delay="0"/>
-                                          </p:stCondLst>
-                                        </p:cTn>
-                                        <p:tgtEl>
-                                          <p:spTgt spid="9">
-                                            <p:txEl>
-                                              <p:pRg st="6" end="6"/>
                                             </p:txEl>
                                           </p:spTgt>
                                         </p:tgtEl>

--- a/courses/apcsp/lect8.pptx
+++ b/courses/apcsp/lect8.pptx
@@ -147,7 +147,7 @@
 <file path=ppt/revisionInfo.xml><?xml version="1.0" encoding="utf-8"?>
 <p1510:revInfo xmlns:a="http://schemas.openxmlformats.org/drawingml/2006/main" xmlns:r="http://schemas.openxmlformats.org/officeDocument/2006/relationships" xmlns:p1510="http://schemas.microsoft.com/office/powerpoint/2015/10/main">
   <p1510:revLst>
-    <p1510:client id="{DBF8C059-04A6-1547-9DE4-356B5DFE87B9}" v="1729" dt="2019-11-06T15:25:12.976"/>
+    <p1510:client id="{DBF8C059-04A6-1547-9DE4-356B5DFE87B9}" v="1730" dt="2019-11-06T15:27:05.674"/>
   </p1510:revLst>
 </p1510:revInfo>
 </file>
@@ -157,7 +157,7 @@
   <pc:docChgLst>
     <pc:chgData name="Long B Nguyen" userId="f59fb8f3-a021-417a-8bc1-65c8d471c621" providerId="ADAL" clId="{DBF8C059-04A6-1547-9DE4-356B5DFE87B9}"/>
     <pc:docChg chg="undo custSel addSld delSld modSld">
-      <pc:chgData name="Long B Nguyen" userId="f59fb8f3-a021-417a-8bc1-65c8d471c621" providerId="ADAL" clId="{DBF8C059-04A6-1547-9DE4-356B5DFE87B9}" dt="2019-11-06T15:25:12.976" v="10455" actId="20577"/>
+      <pc:chgData name="Long B Nguyen" userId="f59fb8f3-a021-417a-8bc1-65c8d471c621" providerId="ADAL" clId="{DBF8C059-04A6-1547-9DE4-356B5DFE87B9}" dt="2019-11-06T15:27:05.673" v="10456" actId="20577"/>
       <pc:docMkLst>
         <pc:docMk/>
       </pc:docMkLst>
@@ -1280,7 +1280,7 @@
         </pc:cxnChg>
       </pc:sldChg>
       <pc:sldChg chg="modSp add modAnim">
-        <pc:chgData name="Long B Nguyen" userId="f59fb8f3-a021-417a-8bc1-65c8d471c621" providerId="ADAL" clId="{DBF8C059-04A6-1547-9DE4-356B5DFE87B9}" dt="2019-11-06T15:25:12.976" v="10455" actId="20577"/>
+        <pc:chgData name="Long B Nguyen" userId="f59fb8f3-a021-417a-8bc1-65c8d471c621" providerId="ADAL" clId="{DBF8C059-04A6-1547-9DE4-356B5DFE87B9}" dt="2019-11-06T15:27:05.673" v="10456" actId="20577"/>
         <pc:sldMkLst>
           <pc:docMk/>
           <pc:sldMk cId="2552887808" sldId="336"/>
@@ -1294,7 +1294,7 @@
           </ac:spMkLst>
         </pc:spChg>
         <pc:spChg chg="mod">
-          <ac:chgData name="Long B Nguyen" userId="f59fb8f3-a021-417a-8bc1-65c8d471c621" providerId="ADAL" clId="{DBF8C059-04A6-1547-9DE4-356B5DFE87B9}" dt="2019-11-06T15:25:12.976" v="10455" actId="20577"/>
+          <ac:chgData name="Long B Nguyen" userId="f59fb8f3-a021-417a-8bc1-65c8d471c621" providerId="ADAL" clId="{DBF8C059-04A6-1547-9DE4-356B5DFE87B9}" dt="2019-11-06T15:27:05.673" v="10456" actId="20577"/>
           <ac:spMkLst>
             <pc:docMk/>
             <pc:sldMk cId="2552887808" sldId="336"/>
@@ -20218,7 +20218,15 @@
             </a:r>
             <a:r>
               <a:rPr lang="en-US" dirty="0"/>
-              <a:t>(a, b, c): This function sum all integers from a to b inclusive that are multiples of c. Use a default keyword parameter with c=1. </a:t>
+              <a:t>(a, b, c): This </a:t>
+            </a:r>
+            <a:r>
+              <a:rPr lang="en-US"/>
+              <a:t>function sums </a:t>
+            </a:r>
+            <a:r>
+              <a:rPr lang="en-US" dirty="0"/>
+              <a:t>all integers from a to b inclusive that are multiples of c. Use a default keyword parameter with c=1. </a:t>
             </a:r>
           </a:p>
           <a:p>

--- a/courses/apcsp/lect8.pptx
+++ b/courses/apcsp/lect8.pptx
@@ -147,7 +147,7 @@
 <file path=ppt/revisionInfo.xml><?xml version="1.0" encoding="utf-8"?>
 <p1510:revInfo xmlns:a="http://schemas.openxmlformats.org/drawingml/2006/main" xmlns:r="http://schemas.openxmlformats.org/officeDocument/2006/relationships" xmlns:p1510="http://schemas.microsoft.com/office/powerpoint/2015/10/main">
   <p1510:revLst>
-    <p1510:client id="{DBF8C059-04A6-1547-9DE4-356B5DFE87B9}" v="1730" dt="2019-11-06T15:27:05.674"/>
+    <p1510:client id="{DBF8C059-04A6-1547-9DE4-356B5DFE87B9}" v="1741" dt="2019-11-10T12:28:21.195"/>
   </p1510:revLst>
 </p1510:revInfo>
 </file>
@@ -157,7 +157,7 @@
   <pc:docChgLst>
     <pc:chgData name="Long B Nguyen" userId="f59fb8f3-a021-417a-8bc1-65c8d471c621" providerId="ADAL" clId="{DBF8C059-04A6-1547-9DE4-356B5DFE87B9}"/>
     <pc:docChg chg="undo custSel addSld delSld modSld">
-      <pc:chgData name="Long B Nguyen" userId="f59fb8f3-a021-417a-8bc1-65c8d471c621" providerId="ADAL" clId="{DBF8C059-04A6-1547-9DE4-356B5DFE87B9}" dt="2019-11-06T15:27:05.673" v="10456" actId="20577"/>
+      <pc:chgData name="Long B Nguyen" userId="f59fb8f3-a021-417a-8bc1-65c8d471c621" providerId="ADAL" clId="{DBF8C059-04A6-1547-9DE4-356B5DFE87B9}" dt="2019-11-10T12:28:21.195" v="10467" actId="20577"/>
       <pc:docMkLst>
         <pc:docMk/>
       </pc:docMkLst>
@@ -462,7 +462,7 @@
         </pc:cxnChg>
       </pc:sldChg>
       <pc:sldChg chg="delSp modSp add modAnim">
-        <pc:chgData name="Long B Nguyen" userId="f59fb8f3-a021-417a-8bc1-65c8d471c621" providerId="ADAL" clId="{DBF8C059-04A6-1547-9DE4-356B5DFE87B9}" dt="2019-11-01T12:58:38.278" v="7919"/>
+        <pc:chgData name="Long B Nguyen" userId="f59fb8f3-a021-417a-8bc1-65c8d471c621" providerId="ADAL" clId="{DBF8C059-04A6-1547-9DE4-356B5DFE87B9}" dt="2019-11-10T12:28:21.195" v="10467" actId="20577"/>
         <pc:sldMkLst>
           <pc:docMk/>
           <pc:sldMk cId="1565173198" sldId="314"/>
@@ -492,7 +492,7 @@
           </ac:spMkLst>
         </pc:spChg>
         <pc:spChg chg="mod">
-          <ac:chgData name="Long B Nguyen" userId="f59fb8f3-a021-417a-8bc1-65c8d471c621" providerId="ADAL" clId="{DBF8C059-04A6-1547-9DE4-356B5DFE87B9}" dt="2019-10-24T16:07:38.885" v="1900" actId="20577"/>
+          <ac:chgData name="Long B Nguyen" userId="f59fb8f3-a021-417a-8bc1-65c8d471c621" providerId="ADAL" clId="{DBF8C059-04A6-1547-9DE4-356B5DFE87B9}" dt="2019-11-10T12:28:21.195" v="10467" actId="20577"/>
           <ac:spMkLst>
             <pc:docMk/>
             <pc:sldMk cId="1565173198" sldId="314"/>
@@ -1061,37 +1061,6 @@
           </ac:spMkLst>
         </pc:spChg>
       </pc:sldChg>
-      <pc:sldChg chg="addSp modSp add del modAnim">
-        <pc:chgData name="Long B Nguyen" userId="f59fb8f3-a021-417a-8bc1-65c8d471c621" providerId="ADAL" clId="{DBF8C059-04A6-1547-9DE4-356B5DFE87B9}" dt="2019-11-05T17:10:36.059" v="8795" actId="2696"/>
-        <pc:sldMkLst>
-          <pc:docMk/>
-          <pc:sldMk cId="2212369123" sldId="332"/>
-        </pc:sldMkLst>
-        <pc:spChg chg="mod">
-          <ac:chgData name="Long B Nguyen" userId="f59fb8f3-a021-417a-8bc1-65c8d471c621" providerId="ADAL" clId="{DBF8C059-04A6-1547-9DE4-356B5DFE87B9}" dt="2019-11-05T16:37:41.404" v="8271" actId="20577"/>
-          <ac:spMkLst>
-            <pc:docMk/>
-            <pc:sldMk cId="2212369123" sldId="332"/>
-            <ac:spMk id="2" creationId="{AA3A228F-61D0-D949-A5E7-F83756230BF8}"/>
-          </ac:spMkLst>
-        </pc:spChg>
-        <pc:spChg chg="add mod">
-          <ac:chgData name="Long B Nguyen" userId="f59fb8f3-a021-417a-8bc1-65c8d471c621" providerId="ADAL" clId="{DBF8C059-04A6-1547-9DE4-356B5DFE87B9}" dt="2019-11-05T17:01:44.593" v="8634" actId="255"/>
-          <ac:spMkLst>
-            <pc:docMk/>
-            <pc:sldMk cId="2212369123" sldId="332"/>
-            <ac:spMk id="3" creationId="{570A35DD-4629-0443-A5D4-C85F7024B280}"/>
-          </ac:spMkLst>
-        </pc:spChg>
-        <pc:spChg chg="mod">
-          <ac:chgData name="Long B Nguyen" userId="f59fb8f3-a021-417a-8bc1-65c8d471c621" providerId="ADAL" clId="{DBF8C059-04A6-1547-9DE4-356B5DFE87B9}" dt="2019-11-05T16:52:47.272" v="8477" actId="20577"/>
-          <ac:spMkLst>
-            <pc:docMk/>
-            <pc:sldMk cId="2212369123" sldId="332"/>
-            <ac:spMk id="9" creationId="{E3B2E017-30B2-884B-A113-B419A2ED51AD}"/>
-          </ac:spMkLst>
-        </pc:spChg>
-      </pc:sldChg>
       <pc:sldChg chg="modSp add modAnim">
         <pc:chgData name="Long B Nguyen" userId="f59fb8f3-a021-417a-8bc1-65c8d471c621" providerId="ADAL" clId="{DBF8C059-04A6-1547-9DE4-356B5DFE87B9}" dt="2019-11-05T17:20:53.038" v="9356" actId="113"/>
         <pc:sldMkLst>
@@ -1142,29 +1111,6 @@
           <ac:spMkLst>
             <pc:docMk/>
             <pc:sldMk cId="4156079510" sldId="333"/>
-            <ac:spMk id="9" creationId="{E3B2E017-30B2-884B-A113-B419A2ED51AD}"/>
-          </ac:spMkLst>
-        </pc:spChg>
-      </pc:sldChg>
-      <pc:sldChg chg="modSp add del">
-        <pc:chgData name="Long B Nguyen" userId="f59fb8f3-a021-417a-8bc1-65c8d471c621" providerId="ADAL" clId="{DBF8C059-04A6-1547-9DE4-356B5DFE87B9}" dt="2019-11-05T17:10:21.596" v="8794" actId="2696"/>
-        <pc:sldMkLst>
-          <pc:docMk/>
-          <pc:sldMk cId="1948982797" sldId="334"/>
-        </pc:sldMkLst>
-        <pc:spChg chg="mod">
-          <ac:chgData name="Long B Nguyen" userId="f59fb8f3-a021-417a-8bc1-65c8d471c621" providerId="ADAL" clId="{DBF8C059-04A6-1547-9DE4-356B5DFE87B9}" dt="2019-11-05T17:03:37.787" v="8753" actId="1076"/>
-          <ac:spMkLst>
-            <pc:docMk/>
-            <pc:sldMk cId="1948982797" sldId="334"/>
-            <ac:spMk id="3" creationId="{570A35DD-4629-0443-A5D4-C85F7024B280}"/>
-          </ac:spMkLst>
-        </pc:spChg>
-        <pc:spChg chg="mod">
-          <ac:chgData name="Long B Nguyen" userId="f59fb8f3-a021-417a-8bc1-65c8d471c621" providerId="ADAL" clId="{DBF8C059-04A6-1547-9DE4-356B5DFE87B9}" dt="2019-11-05T17:03:34.850" v="8752" actId="20577"/>
-          <ac:spMkLst>
-            <pc:docMk/>
-            <pc:sldMk cId="1948982797" sldId="334"/>
             <ac:spMk id="9" creationId="{E3B2E017-30B2-884B-A113-B419A2ED51AD}"/>
           </ac:spMkLst>
         </pc:spChg>
@@ -1447,7 +1393,7 @@
           <a:p>
             <a:fld id="{4AAD347D-5ACD-4C99-B74B-A9C85AD731AF}" type="datetimeFigureOut">
               <a:rPr lang="en-US" smtClean="0"/>
-              <a:t>11/6/19</a:t>
+              <a:t>11/10/19</a:t>
             </a:fld>
             <a:endParaRPr lang="en-US" dirty="0"/>
           </a:p>
@@ -1617,7 +1563,7 @@
           <a:p>
             <a:fld id="{4509A250-FF31-4206-8172-F9D3106AACB1}" type="datetimeFigureOut">
               <a:rPr lang="en-US" smtClean="0"/>
-              <a:t>11/6/19</a:t>
+              <a:t>11/10/19</a:t>
             </a:fld>
             <a:endParaRPr lang="en-US" dirty="0"/>
           </a:p>
@@ -1797,7 +1743,7 @@
           <a:p>
             <a:fld id="{4509A250-FF31-4206-8172-F9D3106AACB1}" type="datetimeFigureOut">
               <a:rPr lang="en-US" smtClean="0"/>
-              <a:t>11/6/19</a:t>
+              <a:t>11/10/19</a:t>
             </a:fld>
             <a:endParaRPr lang="en-US" dirty="0"/>
           </a:p>
@@ -1967,7 +1913,7 @@
           <a:p>
             <a:fld id="{4509A250-FF31-4206-8172-F9D3106AACB1}" type="datetimeFigureOut">
               <a:rPr lang="en-US" smtClean="0"/>
-              <a:t>11/6/19</a:t>
+              <a:t>11/10/19</a:t>
             </a:fld>
             <a:endParaRPr lang="en-US" dirty="0"/>
           </a:p>
@@ -2213,7 +2159,7 @@
           <a:p>
             <a:fld id="{9796027F-7875-4030-9381-8BD8C4F21935}" type="datetimeFigureOut">
               <a:rPr lang="en-US" smtClean="0"/>
-              <a:t>11/6/19</a:t>
+              <a:t>11/10/19</a:t>
             </a:fld>
             <a:endParaRPr lang="en-US" dirty="0"/>
           </a:p>
@@ -2445,7 +2391,7 @@
           <a:p>
             <a:fld id="{9796027F-7875-4030-9381-8BD8C4F21935}" type="datetimeFigureOut">
               <a:rPr lang="en-US" smtClean="0"/>
-              <a:t>11/6/19</a:t>
+              <a:t>11/10/19</a:t>
             </a:fld>
             <a:endParaRPr lang="en-US" dirty="0"/>
           </a:p>
@@ -2812,7 +2758,7 @@
           <a:p>
             <a:fld id="{9796027F-7875-4030-9381-8BD8C4F21935}" type="datetimeFigureOut">
               <a:rPr lang="en-US" smtClean="0"/>
-              <a:t>11/6/19</a:t>
+              <a:t>11/10/19</a:t>
             </a:fld>
             <a:endParaRPr lang="en-US" dirty="0"/>
           </a:p>
@@ -2930,7 +2876,7 @@
           <a:p>
             <a:fld id="{4509A250-FF31-4206-8172-F9D3106AACB1}" type="datetimeFigureOut">
               <a:rPr lang="en-US" smtClean="0"/>
-              <a:t>11/6/19</a:t>
+              <a:t>11/10/19</a:t>
             </a:fld>
             <a:endParaRPr lang="en-US" dirty="0"/>
           </a:p>
@@ -3025,7 +2971,7 @@
           <a:p>
             <a:fld id="{4509A250-FF31-4206-8172-F9D3106AACB1}" type="datetimeFigureOut">
               <a:rPr lang="en-US" smtClean="0"/>
-              <a:t>11/6/19</a:t>
+              <a:t>11/10/19</a:t>
             </a:fld>
             <a:endParaRPr lang="en-US" dirty="0"/>
           </a:p>
@@ -3302,7 +3248,7 @@
           <a:p>
             <a:fld id="{4509A250-FF31-4206-8172-F9D3106AACB1}" type="datetimeFigureOut">
               <a:rPr lang="en-US" smtClean="0"/>
-              <a:t>11/6/19</a:t>
+              <a:t>11/10/19</a:t>
             </a:fld>
             <a:endParaRPr lang="en-US" dirty="0"/>
           </a:p>
@@ -3559,7 +3505,7 @@
           <a:p>
             <a:fld id="{4509A250-FF31-4206-8172-F9D3106AACB1}" type="datetimeFigureOut">
               <a:rPr lang="en-US" smtClean="0"/>
-              <a:t>11/6/19</a:t>
+              <a:t>11/10/19</a:t>
             </a:fld>
             <a:endParaRPr lang="en-US" dirty="0"/>
           </a:p>
@@ -3772,7 +3718,7 @@
           <a:p>
             <a:fld id="{4AAD347D-5ACD-4C99-B74B-A9C85AD731AF}" type="datetimeFigureOut">
               <a:rPr lang="en-US" smtClean="0"/>
-              <a:t>11/6/19</a:t>
+              <a:t>11/10/19</a:t>
             </a:fld>
             <a:endParaRPr lang="en-US" dirty="0"/>
           </a:p>
@@ -7761,7 +7707,23 @@
             </a:r>
             <a:r>
               <a:rPr lang="en-US" dirty="0"/>
-              <a:t> is a Python script: a text file that contains Python code. </a:t>
+              <a:t> is a Python </a:t>
+            </a:r>
+            <a:r>
+              <a:rPr lang="en-US" b="1" dirty="0"/>
+              <a:t>script </a:t>
+            </a:r>
+            <a:r>
+              <a:rPr lang="en-US" b="1"/>
+              <a:t>or module</a:t>
+            </a:r>
+            <a:r>
+              <a:rPr lang="en-US"/>
+              <a:t>: </a:t>
+            </a:r>
+            <a:r>
+              <a:rPr lang="en-US" dirty="0"/>
+              <a:t>a text file that contains Python code. </a:t>
             </a:r>
           </a:p>
           <a:p>

--- a/courses/apcsp/lect8.pptx
+++ b/courses/apcsp/lect8.pptx
@@ -151,7 +151,7 @@
 <file path=ppt/revisionInfo.xml><?xml version="1.0" encoding="utf-8"?>
 <p1510:revInfo xmlns:a="http://schemas.openxmlformats.org/drawingml/2006/main" xmlns:r="http://schemas.openxmlformats.org/officeDocument/2006/relationships" xmlns:p1510="http://schemas.microsoft.com/office/powerpoint/2015/10/main">
   <p1510:revLst>
-    <p1510:client id="{E8D3279B-BE7F-DC4A-8AF1-4A9A7D6CF1FB}" v="256" dt="2020-12-15T14:45:48.450"/>
+    <p1510:client id="{E8D3279B-BE7F-DC4A-8AF1-4A9A7D6CF1FB}" v="264" dt="2020-12-16T15:24:43.193"/>
   </p1510:revLst>
 </p1510:revInfo>
 </file>
@@ -161,7 +161,7 @@
   <pc:docChgLst>
     <pc:chgData name="Long B Nguyen" userId="f59fb8f3-a021-417a-8bc1-65c8d471c621" providerId="ADAL" clId="{E8D3279B-BE7F-DC4A-8AF1-4A9A7D6CF1FB}"/>
     <pc:docChg chg="undo custSel addSld delSld modSld">
-      <pc:chgData name="Long B Nguyen" userId="f59fb8f3-a021-417a-8bc1-65c8d471c621" providerId="ADAL" clId="{E8D3279B-BE7F-DC4A-8AF1-4A9A7D6CF1FB}" dt="2020-12-15T14:45:48.450" v="489" actId="20577"/>
+      <pc:chgData name="Long B Nguyen" userId="f59fb8f3-a021-417a-8bc1-65c8d471c621" providerId="ADAL" clId="{E8D3279B-BE7F-DC4A-8AF1-4A9A7D6CF1FB}" dt="2020-12-16T15:24:43.192" v="497" actId="20577"/>
       <pc:docMkLst>
         <pc:docMk/>
       </pc:docMkLst>
@@ -797,7 +797,7 @@
         </pc:spChg>
       </pc:sldChg>
       <pc:sldChg chg="modSp mod">
-        <pc:chgData name="Long B Nguyen" userId="f59fb8f3-a021-417a-8bc1-65c8d471c621" providerId="ADAL" clId="{E8D3279B-BE7F-DC4A-8AF1-4A9A7D6CF1FB}" dt="2020-12-15T14:27:15.201" v="474" actId="14100"/>
+        <pc:chgData name="Long B Nguyen" userId="f59fb8f3-a021-417a-8bc1-65c8d471c621" providerId="ADAL" clId="{E8D3279B-BE7F-DC4A-8AF1-4A9A7D6CF1FB}" dt="2020-12-16T15:24:43.192" v="497" actId="20577"/>
         <pc:sldMkLst>
           <pc:docMk/>
           <pc:sldMk cId="3520320687" sldId="340"/>
@@ -811,7 +811,7 @@
           </ac:spMkLst>
         </pc:spChg>
         <pc:spChg chg="mod">
-          <ac:chgData name="Long B Nguyen" userId="f59fb8f3-a021-417a-8bc1-65c8d471c621" providerId="ADAL" clId="{E8D3279B-BE7F-DC4A-8AF1-4A9A7D6CF1FB}" dt="2020-12-15T14:27:15.201" v="474" actId="14100"/>
+          <ac:chgData name="Long B Nguyen" userId="f59fb8f3-a021-417a-8bc1-65c8d471c621" providerId="ADAL" clId="{E8D3279B-BE7F-DC4A-8AF1-4A9A7D6CF1FB}" dt="2020-12-16T15:24:43.192" v="497" actId="20577"/>
           <ac:spMkLst>
             <pc:docMk/>
             <pc:sldMk cId="3520320687" sldId="340"/>
@@ -1876,7 +1876,7 @@
           <a:p>
             <a:fld id="{4AAD347D-5ACD-4C99-B74B-A9C85AD731AF}" type="datetimeFigureOut">
               <a:rPr lang="en-US" smtClean="0"/>
-              <a:t>12/15/20</a:t>
+              <a:t>12/16/20</a:t>
             </a:fld>
             <a:endParaRPr lang="en-US" dirty="0"/>
           </a:p>
@@ -2046,7 +2046,7 @@
           <a:p>
             <a:fld id="{4509A250-FF31-4206-8172-F9D3106AACB1}" type="datetimeFigureOut">
               <a:rPr lang="en-US" smtClean="0"/>
-              <a:t>12/15/20</a:t>
+              <a:t>12/16/20</a:t>
             </a:fld>
             <a:endParaRPr lang="en-US" dirty="0"/>
           </a:p>
@@ -2226,7 +2226,7 @@
           <a:p>
             <a:fld id="{4509A250-FF31-4206-8172-F9D3106AACB1}" type="datetimeFigureOut">
               <a:rPr lang="en-US" smtClean="0"/>
-              <a:t>12/15/20</a:t>
+              <a:t>12/16/20</a:t>
             </a:fld>
             <a:endParaRPr lang="en-US" dirty="0"/>
           </a:p>
@@ -2396,7 +2396,7 @@
           <a:p>
             <a:fld id="{4509A250-FF31-4206-8172-F9D3106AACB1}" type="datetimeFigureOut">
               <a:rPr lang="en-US" smtClean="0"/>
-              <a:t>12/15/20</a:t>
+              <a:t>12/16/20</a:t>
             </a:fld>
             <a:endParaRPr lang="en-US" dirty="0"/>
           </a:p>
@@ -2642,7 +2642,7 @@
           <a:p>
             <a:fld id="{9796027F-7875-4030-9381-8BD8C4F21935}" type="datetimeFigureOut">
               <a:rPr lang="en-US" smtClean="0"/>
-              <a:t>12/15/20</a:t>
+              <a:t>12/16/20</a:t>
             </a:fld>
             <a:endParaRPr lang="en-US" dirty="0"/>
           </a:p>
@@ -2874,7 +2874,7 @@
           <a:p>
             <a:fld id="{9796027F-7875-4030-9381-8BD8C4F21935}" type="datetimeFigureOut">
               <a:rPr lang="en-US" smtClean="0"/>
-              <a:t>12/15/20</a:t>
+              <a:t>12/16/20</a:t>
             </a:fld>
             <a:endParaRPr lang="en-US" dirty="0"/>
           </a:p>
@@ -3241,7 +3241,7 @@
           <a:p>
             <a:fld id="{9796027F-7875-4030-9381-8BD8C4F21935}" type="datetimeFigureOut">
               <a:rPr lang="en-US" smtClean="0"/>
-              <a:t>12/15/20</a:t>
+              <a:t>12/16/20</a:t>
             </a:fld>
             <a:endParaRPr lang="en-US" dirty="0"/>
           </a:p>
@@ -3359,7 +3359,7 @@
           <a:p>
             <a:fld id="{4509A250-FF31-4206-8172-F9D3106AACB1}" type="datetimeFigureOut">
               <a:rPr lang="en-US" smtClean="0"/>
-              <a:t>12/15/20</a:t>
+              <a:t>12/16/20</a:t>
             </a:fld>
             <a:endParaRPr lang="en-US" dirty="0"/>
           </a:p>
@@ -3454,7 +3454,7 @@
           <a:p>
             <a:fld id="{4509A250-FF31-4206-8172-F9D3106AACB1}" type="datetimeFigureOut">
               <a:rPr lang="en-US" smtClean="0"/>
-              <a:t>12/15/20</a:t>
+              <a:t>12/16/20</a:t>
             </a:fld>
             <a:endParaRPr lang="en-US" dirty="0"/>
           </a:p>
@@ -3731,7 +3731,7 @@
           <a:p>
             <a:fld id="{4509A250-FF31-4206-8172-F9D3106AACB1}" type="datetimeFigureOut">
               <a:rPr lang="en-US" smtClean="0"/>
-              <a:t>12/15/20</a:t>
+              <a:t>12/16/20</a:t>
             </a:fld>
             <a:endParaRPr lang="en-US" dirty="0"/>
           </a:p>
@@ -3988,7 +3988,7 @@
           <a:p>
             <a:fld id="{4509A250-FF31-4206-8172-F9D3106AACB1}" type="datetimeFigureOut">
               <a:rPr lang="en-US" smtClean="0"/>
-              <a:t>12/15/20</a:t>
+              <a:t>12/16/20</a:t>
             </a:fld>
             <a:endParaRPr lang="en-US" dirty="0"/>
           </a:p>
@@ -4201,7 +4201,7 @@
           <a:p>
             <a:fld id="{4AAD347D-5ACD-4C99-B74B-A9C85AD731AF}" type="datetimeFigureOut">
               <a:rPr lang="en-US" smtClean="0"/>
-              <a:t>12/15/20</a:t>
+              <a:t>12/16/20</a:t>
             </a:fld>
             <a:endParaRPr lang="en-US" dirty="0"/>
           </a:p>
@@ -23012,7 +23012,7 @@
               <a:rPr lang="en-US" b="1" dirty="0">
                 <a:latin typeface="Inconsolata" panose="020B0609030003000000" pitchFamily="49" charset="77"/>
               </a:rPr>
-              <a:t>[4, 1, 2]</a:t>
+              <a:t>[4, 2, 3]</a:t>
             </a:r>
           </a:p>
           <a:p>
@@ -23073,8 +23073,29 @@
               <a:rPr lang="en-US" b="1" dirty="0">
                 <a:latin typeface="Inconsolata" panose="020B0609030003000000" pitchFamily="49" charset="77"/>
               </a:rPr>
-              <a:t>[4, 1, 2]</a:t>
-            </a:r>
+              <a:t>[4</a:t>
+            </a:r>
+            <a:r>
+              <a:rPr lang="en-US" b="1">
+                <a:latin typeface="Inconsolata" panose="020B0609030003000000" pitchFamily="49" charset="77"/>
+              </a:rPr>
+              <a:t>, 2, </a:t>
+            </a:r>
+            <a:r>
+              <a:rPr lang="en-US" b="1" dirty="0">
+                <a:latin typeface="Inconsolata" panose="020B0609030003000000" pitchFamily="49" charset="77"/>
+              </a:rPr>
+              <a:t>3</a:t>
+            </a:r>
+            <a:r>
+              <a:rPr lang="en-US" b="1">
+                <a:latin typeface="Inconsolata" panose="020B0609030003000000" pitchFamily="49" charset="77"/>
+              </a:rPr>
+              <a:t>]</a:t>
+            </a:r>
+            <a:endParaRPr lang="en-US" b="1" dirty="0">
+              <a:latin typeface="Inconsolata" panose="020B0609030003000000" pitchFamily="49" charset="77"/>
+            </a:endParaRPr>
           </a:p>
           <a:p>
             <a:pPr marL="0" indent="0">

--- a/courses/apcsp/lect8.pptx
+++ b/courses/apcsp/lect8.pptx
@@ -41,7 +41,8 @@
     <p:sldId id="340" r:id="rId35"/>
     <p:sldId id="335" r:id="rId36"/>
     <p:sldId id="341" r:id="rId37"/>
-    <p:sldId id="284" r:id="rId38"/>
+    <p:sldId id="346" r:id="rId38"/>
+    <p:sldId id="284" r:id="rId39"/>
   </p:sldIdLst>
   <p:sldSz cx="9144000" cy="5715000" type="screen16x10"/>
   <p:notesSz cx="6858000" cy="9144000"/>
@@ -151,7 +152,7 @@
 <file path=ppt/revisionInfo.xml><?xml version="1.0" encoding="utf-8"?>
 <p1510:revInfo xmlns:a="http://schemas.openxmlformats.org/drawingml/2006/main" xmlns:r="http://schemas.openxmlformats.org/officeDocument/2006/relationships" xmlns:p1510="http://schemas.microsoft.com/office/powerpoint/2015/10/main">
   <p1510:revLst>
-    <p1510:client id="{E8D3279B-BE7F-DC4A-8AF1-4A9A7D6CF1FB}" v="264" dt="2020-12-16T15:24:43.193"/>
+    <p1510:client id="{E8D3279B-BE7F-DC4A-8AF1-4A9A7D6CF1FB}" v="265" dt="2020-12-17T15:01:00.568"/>
   </p1510:revLst>
 </p1510:revInfo>
 </file>
@@ -161,7 +162,7 @@
   <pc:docChgLst>
     <pc:chgData name="Long B Nguyen" userId="f59fb8f3-a021-417a-8bc1-65c8d471c621" providerId="ADAL" clId="{E8D3279B-BE7F-DC4A-8AF1-4A9A7D6CF1FB}"/>
     <pc:docChg chg="undo custSel addSld delSld modSld">
-      <pc:chgData name="Long B Nguyen" userId="f59fb8f3-a021-417a-8bc1-65c8d471c621" providerId="ADAL" clId="{E8D3279B-BE7F-DC4A-8AF1-4A9A7D6CF1FB}" dt="2020-12-16T15:24:43.192" v="497" actId="20577"/>
+      <pc:chgData name="Long B Nguyen" userId="f59fb8f3-a021-417a-8bc1-65c8d471c621" providerId="ADAL" clId="{E8D3279B-BE7F-DC4A-8AF1-4A9A7D6CF1FB}" dt="2020-12-17T15:28:59.513" v="873" actId="20577"/>
       <pc:docMkLst>
         <pc:docMk/>
       </pc:docMkLst>
@@ -820,13 +821,13 @@
         </pc:spChg>
       </pc:sldChg>
       <pc:sldChg chg="modSp mod">
-        <pc:chgData name="Long B Nguyen" userId="f59fb8f3-a021-417a-8bc1-65c8d471c621" providerId="ADAL" clId="{E8D3279B-BE7F-DC4A-8AF1-4A9A7D6CF1FB}" dt="2020-12-15T14:28:25.201" v="478" actId="14100"/>
+        <pc:chgData name="Long B Nguyen" userId="f59fb8f3-a021-417a-8bc1-65c8d471c621" providerId="ADAL" clId="{E8D3279B-BE7F-DC4A-8AF1-4A9A7D6CF1FB}" dt="2020-12-17T15:28:59.513" v="873" actId="20577"/>
         <pc:sldMkLst>
           <pc:docMk/>
           <pc:sldMk cId="2050208201" sldId="341"/>
         </pc:sldMkLst>
         <pc:spChg chg="mod">
-          <ac:chgData name="Long B Nguyen" userId="f59fb8f3-a021-417a-8bc1-65c8d471c621" providerId="ADAL" clId="{E8D3279B-BE7F-DC4A-8AF1-4A9A7D6CF1FB}" dt="2020-12-15T14:28:22.800" v="477" actId="1076"/>
+          <ac:chgData name="Long B Nguyen" userId="f59fb8f3-a021-417a-8bc1-65c8d471c621" providerId="ADAL" clId="{E8D3279B-BE7F-DC4A-8AF1-4A9A7D6CF1FB}" dt="2020-12-17T15:01:07.043" v="502" actId="20577"/>
           <ac:spMkLst>
             <pc:docMk/>
             <pc:sldMk cId="2050208201" sldId="341"/>
@@ -834,7 +835,7 @@
           </ac:spMkLst>
         </pc:spChg>
         <pc:spChg chg="mod">
-          <ac:chgData name="Long B Nguyen" userId="f59fb8f3-a021-417a-8bc1-65c8d471c621" providerId="ADAL" clId="{E8D3279B-BE7F-DC4A-8AF1-4A9A7D6CF1FB}" dt="2020-12-15T14:28:25.201" v="478" actId="14100"/>
+          <ac:chgData name="Long B Nguyen" userId="f59fb8f3-a021-417a-8bc1-65c8d471c621" providerId="ADAL" clId="{E8D3279B-BE7F-DC4A-8AF1-4A9A7D6CF1FB}" dt="2020-12-17T15:28:59.513" v="873" actId="20577"/>
           <ac:spMkLst>
             <pc:docMk/>
             <pc:sldMk cId="2050208201" sldId="341"/>
@@ -931,6 +932,21 @@
             <pc:docMk/>
             <pc:sldMk cId="2355424310" sldId="345"/>
             <ac:spMk id="9" creationId="{E3B2E017-30B2-884B-A113-B419A2ED51AD}"/>
+          </ac:spMkLst>
+        </pc:spChg>
+      </pc:sldChg>
+      <pc:sldChg chg="modSp add mod">
+        <pc:chgData name="Long B Nguyen" userId="f59fb8f3-a021-417a-8bc1-65c8d471c621" providerId="ADAL" clId="{E8D3279B-BE7F-DC4A-8AF1-4A9A7D6CF1FB}" dt="2020-12-17T15:01:03.692" v="500" actId="20577"/>
+        <pc:sldMkLst>
+          <pc:docMk/>
+          <pc:sldMk cId="3549579413" sldId="346"/>
+        </pc:sldMkLst>
+        <pc:spChg chg="mod">
+          <ac:chgData name="Long B Nguyen" userId="f59fb8f3-a021-417a-8bc1-65c8d471c621" providerId="ADAL" clId="{E8D3279B-BE7F-DC4A-8AF1-4A9A7D6CF1FB}" dt="2020-12-17T15:01:03.692" v="500" actId="20577"/>
+          <ac:spMkLst>
+            <pc:docMk/>
+            <pc:sldMk cId="3549579413" sldId="346"/>
+            <ac:spMk id="2" creationId="{AA3A228F-61D0-D949-A5E7-F83756230BF8}"/>
           </ac:spMkLst>
         </pc:spChg>
       </pc:sldChg>
@@ -1876,7 +1892,7 @@
           <a:p>
             <a:fld id="{4AAD347D-5ACD-4C99-B74B-A9C85AD731AF}" type="datetimeFigureOut">
               <a:rPr lang="en-US" smtClean="0"/>
-              <a:t>12/16/20</a:t>
+              <a:t>12/17/20</a:t>
             </a:fld>
             <a:endParaRPr lang="en-US" dirty="0"/>
           </a:p>
@@ -2046,7 +2062,7 @@
           <a:p>
             <a:fld id="{4509A250-FF31-4206-8172-F9D3106AACB1}" type="datetimeFigureOut">
               <a:rPr lang="en-US" smtClean="0"/>
-              <a:t>12/16/20</a:t>
+              <a:t>12/17/20</a:t>
             </a:fld>
             <a:endParaRPr lang="en-US" dirty="0"/>
           </a:p>
@@ -2226,7 +2242,7 @@
           <a:p>
             <a:fld id="{4509A250-FF31-4206-8172-F9D3106AACB1}" type="datetimeFigureOut">
               <a:rPr lang="en-US" smtClean="0"/>
-              <a:t>12/16/20</a:t>
+              <a:t>12/17/20</a:t>
             </a:fld>
             <a:endParaRPr lang="en-US" dirty="0"/>
           </a:p>
@@ -2396,7 +2412,7 @@
           <a:p>
             <a:fld id="{4509A250-FF31-4206-8172-F9D3106AACB1}" type="datetimeFigureOut">
               <a:rPr lang="en-US" smtClean="0"/>
-              <a:t>12/16/20</a:t>
+              <a:t>12/17/20</a:t>
             </a:fld>
             <a:endParaRPr lang="en-US" dirty="0"/>
           </a:p>
@@ -2642,7 +2658,7 @@
           <a:p>
             <a:fld id="{9796027F-7875-4030-9381-8BD8C4F21935}" type="datetimeFigureOut">
               <a:rPr lang="en-US" smtClean="0"/>
-              <a:t>12/16/20</a:t>
+              <a:t>12/17/20</a:t>
             </a:fld>
             <a:endParaRPr lang="en-US" dirty="0"/>
           </a:p>
@@ -2874,7 +2890,7 @@
           <a:p>
             <a:fld id="{9796027F-7875-4030-9381-8BD8C4F21935}" type="datetimeFigureOut">
               <a:rPr lang="en-US" smtClean="0"/>
-              <a:t>12/16/20</a:t>
+              <a:t>12/17/20</a:t>
             </a:fld>
             <a:endParaRPr lang="en-US" dirty="0"/>
           </a:p>
@@ -3241,7 +3257,7 @@
           <a:p>
             <a:fld id="{9796027F-7875-4030-9381-8BD8C4F21935}" type="datetimeFigureOut">
               <a:rPr lang="en-US" smtClean="0"/>
-              <a:t>12/16/20</a:t>
+              <a:t>12/17/20</a:t>
             </a:fld>
             <a:endParaRPr lang="en-US" dirty="0"/>
           </a:p>
@@ -3359,7 +3375,7 @@
           <a:p>
             <a:fld id="{4509A250-FF31-4206-8172-F9D3106AACB1}" type="datetimeFigureOut">
               <a:rPr lang="en-US" smtClean="0"/>
-              <a:t>12/16/20</a:t>
+              <a:t>12/17/20</a:t>
             </a:fld>
             <a:endParaRPr lang="en-US" dirty="0"/>
           </a:p>
@@ -3454,7 +3470,7 @@
           <a:p>
             <a:fld id="{4509A250-FF31-4206-8172-F9D3106AACB1}" type="datetimeFigureOut">
               <a:rPr lang="en-US" smtClean="0"/>
-              <a:t>12/16/20</a:t>
+              <a:t>12/17/20</a:t>
             </a:fld>
             <a:endParaRPr lang="en-US" dirty="0"/>
           </a:p>
@@ -3731,7 +3747,7 @@
           <a:p>
             <a:fld id="{4509A250-FF31-4206-8172-F9D3106AACB1}" type="datetimeFigureOut">
               <a:rPr lang="en-US" smtClean="0"/>
-              <a:t>12/16/20</a:t>
+              <a:t>12/17/20</a:t>
             </a:fld>
             <a:endParaRPr lang="en-US" dirty="0"/>
           </a:p>
@@ -3988,7 +4004,7 @@
           <a:p>
             <a:fld id="{4509A250-FF31-4206-8172-F9D3106AACB1}" type="datetimeFigureOut">
               <a:rPr lang="en-US" smtClean="0"/>
-              <a:t>12/16/20</a:t>
+              <a:t>12/17/20</a:t>
             </a:fld>
             <a:endParaRPr lang="en-US" dirty="0"/>
           </a:p>
@@ -4201,7 +4217,7 @@
           <a:p>
             <a:fld id="{4AAD347D-5ACD-4C99-B74B-A9C85AD731AF}" type="datetimeFigureOut">
               <a:rPr lang="en-US" smtClean="0"/>
-              <a:t>12/16/20</a:t>
+              <a:t>12/17/20</a:t>
             </a:fld>
             <a:endParaRPr lang="en-US" dirty="0"/>
           </a:p>
@@ -24463,7 +24479,7 @@
           <a:p>
             <a:r>
               <a:rPr lang="en-US" dirty="0"/>
-              <a:t>Lab</a:t>
+              <a:t>Lab 1</a:t>
             </a:r>
           </a:p>
         </p:txBody>
@@ -24517,88 +24533,71 @@
             </a:r>
             <a:r>
               <a:rPr lang="en-US" dirty="0"/>
-              <a:t> Use list comprehensions to create the following lists.</a:t>
-            </a:r>
+              <a:t> Use list comprehensions to create the following </a:t>
+            </a:r>
+            <a:r>
+              <a:rPr lang="en-US"/>
+              <a:t>lists.</a:t>
+            </a:r>
+          </a:p>
+          <a:p>
+            <a:pPr marL="0" indent="0">
+              <a:buNone/>
+            </a:pPr>
+            <a:endParaRPr lang="en-US" dirty="0"/>
+          </a:p>
+          <a:p>
+            <a:pPr marL="457200" indent="-457200">
+              <a:buAutoNum type="arabicParenR"/>
+            </a:pPr>
+            <a:r>
+              <a:rPr lang="en-US" b="1" dirty="0">
+                <a:latin typeface="Inconsolata" panose="020B0609030003000000" pitchFamily="49" charset="77"/>
+              </a:rPr>
+              <a:t>Create this list and assign it to a variable [3,41,62,87,101, 88]. Use a for loop to compute the sum. Print out the sum.</a:t>
+            </a:r>
+          </a:p>
+          <a:p>
+            <a:pPr marL="457200" indent="-457200">
+              <a:buAutoNum type="arabicParenR"/>
+            </a:pPr>
+            <a:r>
+              <a:rPr lang="en-US" b="1" dirty="0">
+                <a:latin typeface="Inconsolata" panose="020B0609030003000000" pitchFamily="49" charset="77"/>
+              </a:rPr>
+              <a:t>Use a for loop to compute the sum of odd numbers from the list above. </a:t>
+            </a:r>
+          </a:p>
+          <a:p>
+            <a:pPr marL="457200" indent="-457200">
+              <a:buAutoNum type="arabicParenR"/>
+            </a:pPr>
+            <a:r>
+              <a:rPr lang="en-US" b="1" dirty="0">
+                <a:latin typeface="Inconsolata" panose="020B0609030003000000" pitchFamily="49" charset="77"/>
+              </a:rPr>
+              <a:t>Use a for loop to compute the sum of values located at even indices.(Use the </a:t>
+            </a:r>
+            <a:r>
+              <a:rPr lang="en-US" b="1" dirty="0" err="1">
+                <a:latin typeface="Inconsolata" panose="020B0609030003000000" pitchFamily="49" charset="77"/>
+              </a:rPr>
+              <a:t>len</a:t>
+            </a:r>
+            <a:r>
+              <a:rPr lang="en-US" b="1" dirty="0">
+                <a:latin typeface="Inconsolata" panose="020B0609030003000000" pitchFamily="49" charset="77"/>
+              </a:rPr>
+              <a:t>() function).</a:t>
+            </a:r>
+          </a:p>
+          <a:p>
+            <a:pPr marL="457200" indent="-457200">
+              <a:buAutoNum type="arabicParenR"/>
+            </a:pPr>
             <a:endParaRPr lang="en-US" b="1" dirty="0">
               <a:latin typeface="Inconsolata" panose="020B0609030003000000" pitchFamily="49" charset="77"/>
             </a:endParaRPr>
-          </a:p>
-          <a:p>
-            <a:pPr marL="457200" indent="-457200">
-              <a:buAutoNum type="arabicParenR"/>
-            </a:pPr>
-            <a:r>
-              <a:rPr lang="en-US" b="1" dirty="0">
-                <a:latin typeface="Inconsolata" panose="020B0609030003000000" pitchFamily="49" charset="77"/>
-              </a:rPr>
-              <a:t>[2,4,6,8,10,…,20]</a:t>
-            </a:r>
-          </a:p>
-          <a:p>
-            <a:pPr marL="457200" indent="-457200">
-              <a:buAutoNum type="arabicParenR"/>
-            </a:pPr>
-            <a:r>
-              <a:rPr lang="en-US" b="1" dirty="0">
-                <a:latin typeface="Inconsolata" panose="020B0609030003000000" pitchFamily="49" charset="77"/>
-              </a:rPr>
-              <a:t>[1,8,27,64,125]</a:t>
-            </a:r>
-          </a:p>
-          <a:p>
-            <a:pPr marL="457200" indent="-457200">
-              <a:buAutoNum type="arabicParenR"/>
-            </a:pPr>
-            <a:r>
-              <a:rPr lang="en-US" b="1" dirty="0">
-                <a:latin typeface="Inconsolata" panose="020B0609030003000000" pitchFamily="49" charset="77"/>
-              </a:rPr>
-              <a:t>[0.5,1.0,1.5,2.0,2.5,3.0]</a:t>
-            </a:r>
-          </a:p>
-          <a:p>
-            <a:pPr marL="457200" indent="-457200">
-              <a:buAutoNum type="arabicParenR"/>
-            </a:pPr>
-            <a:r>
-              <a:rPr lang="en-US" b="1" dirty="0">
-                <a:latin typeface="Inconsolata" panose="020B0609030003000000" pitchFamily="49" charset="77"/>
-              </a:rPr>
-              <a:t>['1','2','3','4','5']</a:t>
-            </a:r>
-          </a:p>
-          <a:p>
-            <a:pPr marL="457200" indent="-457200">
-              <a:buAutoNum type="arabicParenR"/>
-            </a:pPr>
-            <a:r>
-              <a:rPr lang="en-US" b="1" dirty="0">
-                <a:latin typeface="Inconsolata" panose="020B0609030003000000" pitchFamily="49" charset="77"/>
-              </a:rPr>
-              <a:t>[1,3,5,7,9,…,99]. Must use condition in the list comprehension.</a:t>
-            </a:r>
-          </a:p>
-          <a:p>
-            <a:pPr marL="457200" indent="-457200">
-              <a:buAutoNum type="arabicParenR"/>
-            </a:pPr>
-            <a:r>
-              <a:rPr lang="en-US" b="1" dirty="0">
-                <a:latin typeface="Inconsolata" panose="020B0609030003000000" pitchFamily="49" charset="77"/>
-              </a:rPr>
-              <a:t>The nested 2D list: [1,2,3,4,5] repeated 10 times.</a:t>
-            </a:r>
-          </a:p>
-          <a:p>
-            <a:pPr marL="457200" indent="-457200">
-              <a:buAutoNum type="arabicParenR"/>
-            </a:pPr>
-            <a:r>
-              <a:rPr lang="en-US" b="1" dirty="0">
-                <a:latin typeface="Inconsolata" panose="020B0609030003000000" pitchFamily="49" charset="77"/>
-              </a:rPr>
-              <a:t>The nested 2D list: [0,0,0,0,0] repeated 20 times.</a:t>
-            </a:r>
           </a:p>
         </p:txBody>
       </p:sp>
@@ -24616,6 +24615,203 @@
 </file>
 
 <file path=ppt/slides/slide37.xml><?xml version="1.0" encoding="utf-8"?>
+<p:sld xmlns:a="http://schemas.openxmlformats.org/drawingml/2006/main" xmlns:r="http://schemas.openxmlformats.org/officeDocument/2006/relationships" xmlns:p="http://schemas.openxmlformats.org/presentationml/2006/main">
+  <p:cSld>
+    <p:spTree>
+      <p:nvGrpSpPr>
+        <p:cNvPr id="1" name=""/>
+        <p:cNvGrpSpPr/>
+        <p:nvPr/>
+      </p:nvGrpSpPr>
+      <p:grpSpPr>
+        <a:xfrm>
+          <a:off x="0" y="0"/>
+          <a:ext cx="0" cy="0"/>
+          <a:chOff x="0" y="0"/>
+          <a:chExt cx="0" cy="0"/>
+        </a:xfrm>
+      </p:grpSpPr>
+      <p:sp>
+        <p:nvSpPr>
+          <p:cNvPr id="2" name="Title 1">
+            <a:extLst>
+              <a:ext uri="{FF2B5EF4-FFF2-40B4-BE49-F238E27FC236}">
+                <a16:creationId xmlns:a16="http://schemas.microsoft.com/office/drawing/2014/main" id="{AA3A228F-61D0-D949-A5E7-F83756230BF8}"/>
+              </a:ext>
+            </a:extLst>
+          </p:cNvPr>
+          <p:cNvSpPr>
+            <a:spLocks noGrp="1"/>
+          </p:cNvSpPr>
+          <p:nvPr>
+            <p:ph type="title"/>
+          </p:nvPr>
+        </p:nvSpPr>
+        <p:spPr>
+          <a:xfrm>
+            <a:off x="174929" y="145751"/>
+            <a:ext cx="7053542" cy="683886"/>
+          </a:xfrm>
+        </p:spPr>
+        <p:txBody>
+          <a:bodyPr/>
+          <a:lstStyle/>
+          <a:p>
+            <a:r>
+              <a:rPr lang="en-US" dirty="0"/>
+              <a:t>Lab 2</a:t>
+            </a:r>
+          </a:p>
+        </p:txBody>
+      </p:sp>
+      <p:sp>
+        <p:nvSpPr>
+          <p:cNvPr id="9" name="Content Placeholder 8">
+            <a:extLst>
+              <a:ext uri="{FF2B5EF4-FFF2-40B4-BE49-F238E27FC236}">
+                <a16:creationId xmlns:a16="http://schemas.microsoft.com/office/drawing/2014/main" id="{E3B2E017-30B2-884B-A113-B419A2ED51AD}"/>
+              </a:ext>
+            </a:extLst>
+          </p:cNvPr>
+          <p:cNvSpPr>
+            <a:spLocks noGrp="1"/>
+          </p:cNvSpPr>
+          <p:nvPr>
+            <p:ph idx="1"/>
+          </p:nvPr>
+        </p:nvSpPr>
+        <p:spPr>
+          <a:xfrm>
+            <a:off x="308920" y="926758"/>
+            <a:ext cx="8226654" cy="4788242"/>
+          </a:xfrm>
+        </p:spPr>
+        <p:txBody>
+          <a:bodyPr>
+            <a:noAutofit/>
+          </a:bodyPr>
+          <a:lstStyle/>
+          <a:p>
+            <a:pPr marL="0" indent="0">
+              <a:buNone/>
+            </a:pPr>
+            <a:r>
+              <a:rPr lang="en-US" dirty="0"/>
+              <a:t>Create a new </a:t>
+            </a:r>
+            <a:r>
+              <a:rPr lang="en-US" dirty="0" err="1"/>
+              <a:t>repl</a:t>
+            </a:r>
+            <a:r>
+              <a:rPr lang="en-US" dirty="0"/>
+              <a:t> on </a:t>
+            </a:r>
+            <a:r>
+              <a:rPr lang="en-US" dirty="0" err="1"/>
+              <a:t>repl.it</a:t>
+            </a:r>
+            <a:r>
+              <a:rPr lang="en-US" dirty="0"/>
+              <a:t> Use list comprehensions to create the following lists.</a:t>
+            </a:r>
+            <a:endParaRPr lang="en-US" b="1" dirty="0">
+              <a:latin typeface="Inconsolata" panose="020B0609030003000000" pitchFamily="49" charset="77"/>
+            </a:endParaRPr>
+          </a:p>
+          <a:p>
+            <a:pPr marL="457200" indent="-457200">
+              <a:buAutoNum type="arabicParenR"/>
+            </a:pPr>
+            <a:r>
+              <a:rPr lang="en-US" b="1" dirty="0">
+                <a:latin typeface="Inconsolata" panose="020B0609030003000000" pitchFamily="49" charset="77"/>
+              </a:rPr>
+              <a:t>[2,4,6,8,10,…,20]</a:t>
+            </a:r>
+          </a:p>
+          <a:p>
+            <a:pPr marL="457200" indent="-457200">
+              <a:buAutoNum type="arabicParenR"/>
+            </a:pPr>
+            <a:r>
+              <a:rPr lang="en-US" b="1" dirty="0">
+                <a:latin typeface="Inconsolata" panose="020B0609030003000000" pitchFamily="49" charset="77"/>
+              </a:rPr>
+              <a:t>[1,8,27,64,125]</a:t>
+            </a:r>
+          </a:p>
+          <a:p>
+            <a:pPr marL="457200" indent="-457200">
+              <a:buAutoNum type="arabicParenR"/>
+            </a:pPr>
+            <a:r>
+              <a:rPr lang="en-US" b="1" dirty="0">
+                <a:latin typeface="Inconsolata" panose="020B0609030003000000" pitchFamily="49" charset="77"/>
+              </a:rPr>
+              <a:t>[0.5,1.0,1.5,2.0,2.5,3.0]</a:t>
+            </a:r>
+          </a:p>
+          <a:p>
+            <a:pPr marL="457200" indent="-457200">
+              <a:buAutoNum type="arabicParenR"/>
+            </a:pPr>
+            <a:r>
+              <a:rPr lang="en-US" b="1" dirty="0">
+                <a:latin typeface="Inconsolata" panose="020B0609030003000000" pitchFamily="49" charset="77"/>
+              </a:rPr>
+              <a:t>['1','2','3','4','5']</a:t>
+            </a:r>
+          </a:p>
+          <a:p>
+            <a:pPr marL="457200" indent="-457200">
+              <a:buAutoNum type="arabicParenR"/>
+            </a:pPr>
+            <a:r>
+              <a:rPr lang="en-US" b="1" dirty="0">
+                <a:latin typeface="Inconsolata" panose="020B0609030003000000" pitchFamily="49" charset="77"/>
+              </a:rPr>
+              <a:t>[1,3,5,7,9,…,99]. Must use condition in the list comprehension.</a:t>
+            </a:r>
+          </a:p>
+          <a:p>
+            <a:pPr marL="457200" indent="-457200">
+              <a:buAutoNum type="arabicParenR"/>
+            </a:pPr>
+            <a:r>
+              <a:rPr lang="en-US" b="1" dirty="0">
+                <a:latin typeface="Inconsolata" panose="020B0609030003000000" pitchFamily="49" charset="77"/>
+              </a:rPr>
+              <a:t>The nested 2D list: [1,2,3,4,5] repeated 10 times.</a:t>
+            </a:r>
+          </a:p>
+          <a:p>
+            <a:pPr marL="457200" indent="-457200">
+              <a:buAutoNum type="arabicParenR"/>
+            </a:pPr>
+            <a:r>
+              <a:rPr lang="en-US" b="1" dirty="0">
+                <a:latin typeface="Inconsolata" panose="020B0609030003000000" pitchFamily="49" charset="77"/>
+              </a:rPr>
+              <a:t>The nested 2D list: [0,0,0,0,0] repeated 20 times.</a:t>
+            </a:r>
+          </a:p>
+        </p:txBody>
+      </p:sp>
+    </p:spTree>
+    <p:extLst>
+      <p:ext uri="{BB962C8B-B14F-4D97-AF65-F5344CB8AC3E}">
+        <p14:creationId xmlns:p14="http://schemas.microsoft.com/office/powerpoint/2010/main" val="3549579413"/>
+      </p:ext>
+    </p:extLst>
+  </p:cSld>
+  <p:clrMapOvr>
+    <a:masterClrMapping/>
+  </p:clrMapOvr>
+</p:sld>
+</file>
+
+<file path=ppt/slides/slide38.xml><?xml version="1.0" encoding="utf-8"?>
 <p:sld xmlns:a="http://schemas.openxmlformats.org/drawingml/2006/main" xmlns:r="http://schemas.openxmlformats.org/officeDocument/2006/relationships" xmlns:p="http://schemas.openxmlformats.org/presentationml/2006/main">
   <p:cSld>
     <p:spTree>

--- a/courses/apcsp/lect8.pptx
+++ b/courses/apcsp/lect8.pptx
@@ -13,36 +13,37 @@
     <p:sldId id="327" r:id="rId7"/>
     <p:sldId id="326" r:id="rId8"/>
     <p:sldId id="345" r:id="rId9"/>
-    <p:sldId id="307" r:id="rId10"/>
-    <p:sldId id="309" r:id="rId11"/>
-    <p:sldId id="336" r:id="rId12"/>
-    <p:sldId id="310" r:id="rId13"/>
-    <p:sldId id="306" r:id="rId14"/>
-    <p:sldId id="300" r:id="rId15"/>
-    <p:sldId id="332" r:id="rId16"/>
-    <p:sldId id="342" r:id="rId17"/>
-    <p:sldId id="343" r:id="rId18"/>
-    <p:sldId id="344" r:id="rId19"/>
-    <p:sldId id="329" r:id="rId20"/>
-    <p:sldId id="321" r:id="rId21"/>
-    <p:sldId id="333" r:id="rId22"/>
-    <p:sldId id="322" r:id="rId23"/>
-    <p:sldId id="330" r:id="rId24"/>
-    <p:sldId id="315" r:id="rId25"/>
-    <p:sldId id="337" r:id="rId26"/>
-    <p:sldId id="338" r:id="rId27"/>
-    <p:sldId id="324" r:id="rId28"/>
-    <p:sldId id="325" r:id="rId29"/>
-    <p:sldId id="334" r:id="rId30"/>
-    <p:sldId id="288" r:id="rId31"/>
-    <p:sldId id="319" r:id="rId32"/>
-    <p:sldId id="266" r:id="rId33"/>
-    <p:sldId id="339" r:id="rId34"/>
-    <p:sldId id="340" r:id="rId35"/>
-    <p:sldId id="335" r:id="rId36"/>
-    <p:sldId id="341" r:id="rId37"/>
-    <p:sldId id="346" r:id="rId38"/>
-    <p:sldId id="284" r:id="rId39"/>
+    <p:sldId id="352" r:id="rId10"/>
+    <p:sldId id="307" r:id="rId11"/>
+    <p:sldId id="309" r:id="rId12"/>
+    <p:sldId id="336" r:id="rId13"/>
+    <p:sldId id="310" r:id="rId14"/>
+    <p:sldId id="306" r:id="rId15"/>
+    <p:sldId id="300" r:id="rId16"/>
+    <p:sldId id="332" r:id="rId17"/>
+    <p:sldId id="342" r:id="rId18"/>
+    <p:sldId id="343" r:id="rId19"/>
+    <p:sldId id="344" r:id="rId20"/>
+    <p:sldId id="329" r:id="rId21"/>
+    <p:sldId id="321" r:id="rId22"/>
+    <p:sldId id="333" r:id="rId23"/>
+    <p:sldId id="322" r:id="rId24"/>
+    <p:sldId id="330" r:id="rId25"/>
+    <p:sldId id="315" r:id="rId26"/>
+    <p:sldId id="337" r:id="rId27"/>
+    <p:sldId id="338" r:id="rId28"/>
+    <p:sldId id="324" r:id="rId29"/>
+    <p:sldId id="325" r:id="rId30"/>
+    <p:sldId id="334" r:id="rId31"/>
+    <p:sldId id="288" r:id="rId32"/>
+    <p:sldId id="319" r:id="rId33"/>
+    <p:sldId id="266" r:id="rId34"/>
+    <p:sldId id="339" r:id="rId35"/>
+    <p:sldId id="340" r:id="rId36"/>
+    <p:sldId id="335" r:id="rId37"/>
+    <p:sldId id="341" r:id="rId38"/>
+    <p:sldId id="346" r:id="rId39"/>
+    <p:sldId id="284" r:id="rId40"/>
   </p:sldIdLst>
   <p:sldSz cx="9144000" cy="5715000" type="screen16x10"/>
   <p:notesSz cx="6858000" cy="9144000"/>
@@ -152,7 +153,7 @@
 <file path=ppt/revisionInfo.xml><?xml version="1.0" encoding="utf-8"?>
 <p1510:revInfo xmlns:a="http://schemas.openxmlformats.org/drawingml/2006/main" xmlns:r="http://schemas.openxmlformats.org/officeDocument/2006/relationships" xmlns:p1510="http://schemas.microsoft.com/office/powerpoint/2015/10/main">
   <p1510:revLst>
-    <p1510:client id="{E8D3279B-BE7F-DC4A-8AF1-4A9A7D6CF1FB}" v="265" dt="2020-12-17T15:01:00.568"/>
+    <p1510:client id="{C2DBDEAB-F9E9-2A4E-837A-14AD33E68FC8}" v="25" dt="2021-01-05T13:50:39.900"/>
   </p1510:revLst>
 </p1510:revInfo>
 </file>
@@ -1758,6 +1759,38 @@
       </pc:docMkLst>
     </pc:docChg>
   </pc:docChgLst>
+  <pc:docChgLst>
+    <pc:chgData name="Long B Nguyen" userId="f59fb8f3-a021-417a-8bc1-65c8d471c621" providerId="ADAL" clId="{C2DBDEAB-F9E9-2A4E-837A-14AD33E68FC8}"/>
+    <pc:docChg chg="addSld modSld">
+      <pc:chgData name="Long B Nguyen" userId="f59fb8f3-a021-417a-8bc1-65c8d471c621" providerId="ADAL" clId="{C2DBDEAB-F9E9-2A4E-837A-14AD33E68FC8}" dt="2021-01-05T13:50:39.900" v="26" actId="20577"/>
+      <pc:docMkLst>
+        <pc:docMk/>
+      </pc:docMkLst>
+      <pc:sldChg chg="modSp add mod">
+        <pc:chgData name="Long B Nguyen" userId="f59fb8f3-a021-417a-8bc1-65c8d471c621" providerId="ADAL" clId="{C2DBDEAB-F9E9-2A4E-837A-14AD33E68FC8}" dt="2021-01-05T13:50:39.900" v="26" actId="20577"/>
+        <pc:sldMkLst>
+          <pc:docMk/>
+          <pc:sldMk cId="291122115" sldId="352"/>
+        </pc:sldMkLst>
+        <pc:spChg chg="mod">
+          <ac:chgData name="Long B Nguyen" userId="f59fb8f3-a021-417a-8bc1-65c8d471c621" providerId="ADAL" clId="{C2DBDEAB-F9E9-2A4E-837A-14AD33E68FC8}" dt="2021-01-05T13:50:26.486" v="1" actId="1076"/>
+          <ac:spMkLst>
+            <pc:docMk/>
+            <pc:sldMk cId="291122115" sldId="352"/>
+            <ac:spMk id="2" creationId="{AA3A228F-61D0-D949-A5E7-F83756230BF8}"/>
+          </ac:spMkLst>
+        </pc:spChg>
+        <pc:spChg chg="mod">
+          <ac:chgData name="Long B Nguyen" userId="f59fb8f3-a021-417a-8bc1-65c8d471c621" providerId="ADAL" clId="{C2DBDEAB-F9E9-2A4E-837A-14AD33E68FC8}" dt="2021-01-05T13:50:39.900" v="26" actId="20577"/>
+          <ac:spMkLst>
+            <pc:docMk/>
+            <pc:sldMk cId="291122115" sldId="352"/>
+            <ac:spMk id="9" creationId="{E3B2E017-30B2-884B-A113-B419A2ED51AD}"/>
+          </ac:spMkLst>
+        </pc:spChg>
+      </pc:sldChg>
+    </pc:docChg>
+  </pc:docChgLst>
 </pc:chgInfo>
 </file>
 
@@ -1892,7 +1925,7 @@
           <a:p>
             <a:fld id="{4AAD347D-5ACD-4C99-B74B-A9C85AD731AF}" type="datetimeFigureOut">
               <a:rPr lang="en-US" smtClean="0"/>
-              <a:t>12/17/20</a:t>
+              <a:t>1/5/21</a:t>
             </a:fld>
             <a:endParaRPr lang="en-US" dirty="0"/>
           </a:p>
@@ -2062,7 +2095,7 @@
           <a:p>
             <a:fld id="{4509A250-FF31-4206-8172-F9D3106AACB1}" type="datetimeFigureOut">
               <a:rPr lang="en-US" smtClean="0"/>
-              <a:t>12/17/20</a:t>
+              <a:t>1/5/21</a:t>
             </a:fld>
             <a:endParaRPr lang="en-US" dirty="0"/>
           </a:p>
@@ -2242,7 +2275,7 @@
           <a:p>
             <a:fld id="{4509A250-FF31-4206-8172-F9D3106AACB1}" type="datetimeFigureOut">
               <a:rPr lang="en-US" smtClean="0"/>
-              <a:t>12/17/20</a:t>
+              <a:t>1/5/21</a:t>
             </a:fld>
             <a:endParaRPr lang="en-US" dirty="0"/>
           </a:p>
@@ -2412,7 +2445,7 @@
           <a:p>
             <a:fld id="{4509A250-FF31-4206-8172-F9D3106AACB1}" type="datetimeFigureOut">
               <a:rPr lang="en-US" smtClean="0"/>
-              <a:t>12/17/20</a:t>
+              <a:t>1/5/21</a:t>
             </a:fld>
             <a:endParaRPr lang="en-US" dirty="0"/>
           </a:p>
@@ -2658,7 +2691,7 @@
           <a:p>
             <a:fld id="{9796027F-7875-4030-9381-8BD8C4F21935}" type="datetimeFigureOut">
               <a:rPr lang="en-US" smtClean="0"/>
-              <a:t>12/17/20</a:t>
+              <a:t>1/5/21</a:t>
             </a:fld>
             <a:endParaRPr lang="en-US" dirty="0"/>
           </a:p>
@@ -2890,7 +2923,7 @@
           <a:p>
             <a:fld id="{9796027F-7875-4030-9381-8BD8C4F21935}" type="datetimeFigureOut">
               <a:rPr lang="en-US" smtClean="0"/>
-              <a:t>12/17/20</a:t>
+              <a:t>1/5/21</a:t>
             </a:fld>
             <a:endParaRPr lang="en-US" dirty="0"/>
           </a:p>
@@ -3257,7 +3290,7 @@
           <a:p>
             <a:fld id="{9796027F-7875-4030-9381-8BD8C4F21935}" type="datetimeFigureOut">
               <a:rPr lang="en-US" smtClean="0"/>
-              <a:t>12/17/20</a:t>
+              <a:t>1/5/21</a:t>
             </a:fld>
             <a:endParaRPr lang="en-US" dirty="0"/>
           </a:p>
@@ -3375,7 +3408,7 @@
           <a:p>
             <a:fld id="{4509A250-FF31-4206-8172-F9D3106AACB1}" type="datetimeFigureOut">
               <a:rPr lang="en-US" smtClean="0"/>
-              <a:t>12/17/20</a:t>
+              <a:t>1/5/21</a:t>
             </a:fld>
             <a:endParaRPr lang="en-US" dirty="0"/>
           </a:p>
@@ -3470,7 +3503,7 @@
           <a:p>
             <a:fld id="{4509A250-FF31-4206-8172-F9D3106AACB1}" type="datetimeFigureOut">
               <a:rPr lang="en-US" smtClean="0"/>
-              <a:t>12/17/20</a:t>
+              <a:t>1/5/21</a:t>
             </a:fld>
             <a:endParaRPr lang="en-US" dirty="0"/>
           </a:p>
@@ -3747,7 +3780,7 @@
           <a:p>
             <a:fld id="{4509A250-FF31-4206-8172-F9D3106AACB1}" type="datetimeFigureOut">
               <a:rPr lang="en-US" smtClean="0"/>
-              <a:t>12/17/20</a:t>
+              <a:t>1/5/21</a:t>
             </a:fld>
             <a:endParaRPr lang="en-US" dirty="0"/>
           </a:p>
@@ -4004,7 +4037,7 @@
           <a:p>
             <a:fld id="{4509A250-FF31-4206-8172-F9D3106AACB1}" type="datetimeFigureOut">
               <a:rPr lang="en-US" smtClean="0"/>
-              <a:t>12/17/20</a:t>
+              <a:t>1/5/21</a:t>
             </a:fld>
             <a:endParaRPr lang="en-US" dirty="0"/>
           </a:p>
@@ -4217,7 +4250,7 @@
           <a:p>
             <a:fld id="{4AAD347D-5ACD-4C99-B74B-A9C85AD731AF}" type="datetimeFigureOut">
               <a:rPr lang="en-US" smtClean="0"/>
-              <a:t>12/17/20</a:t>
+              <a:t>1/5/21</a:t>
             </a:fld>
             <a:endParaRPr lang="en-US" dirty="0"/>
           </a:p>
@@ -4943,6 +4976,941 @@
         </p:nvSpPr>
         <p:spPr>
           <a:xfrm>
+            <a:off x="150215" y="123498"/>
+            <a:ext cx="7053542" cy="683886"/>
+          </a:xfrm>
+        </p:spPr>
+        <p:txBody>
+          <a:bodyPr/>
+          <a:lstStyle/>
+          <a:p>
+            <a:r>
+              <a:rPr lang="en-US" dirty="0"/>
+              <a:t>Slicing</a:t>
+            </a:r>
+          </a:p>
+        </p:txBody>
+      </p:sp>
+      <p:sp>
+        <p:nvSpPr>
+          <p:cNvPr id="9" name="Content Placeholder 8">
+            <a:extLst>
+              <a:ext uri="{FF2B5EF4-FFF2-40B4-BE49-F238E27FC236}">
+                <a16:creationId xmlns:a16="http://schemas.microsoft.com/office/drawing/2014/main" id="{E3B2E017-30B2-884B-A113-B419A2ED51AD}"/>
+              </a:ext>
+            </a:extLst>
+          </p:cNvPr>
+          <p:cNvSpPr>
+            <a:spLocks noGrp="1"/>
+          </p:cNvSpPr>
+          <p:nvPr>
+            <p:ph idx="1"/>
+          </p:nvPr>
+        </p:nvSpPr>
+        <p:spPr>
+          <a:xfrm>
+            <a:off x="150216" y="807385"/>
+            <a:ext cx="8385358" cy="4784118"/>
+          </a:xfrm>
+        </p:spPr>
+        <p:txBody>
+          <a:bodyPr>
+            <a:normAutofit/>
+          </a:bodyPr>
+          <a:lstStyle/>
+          <a:p>
+            <a:pPr marL="0" indent="0">
+              <a:buNone/>
+            </a:pPr>
+            <a:r>
+              <a:rPr lang="en-US" dirty="0"/>
+              <a:t>Similar to strings, lists also support slicing. </a:t>
+            </a:r>
+            <a:r>
+              <a:rPr lang="en-US" i="1" dirty="0"/>
+              <a:t>Slicing </a:t>
+            </a:r>
+            <a:r>
+              <a:rPr lang="en-US" dirty="0"/>
+              <a:t>is accessing multiple values from the list. It uses a colon to indicate the start point (inclusive) and end point (non-inclusive) of the subarray. </a:t>
+            </a:r>
+          </a:p>
+          <a:p>
+            <a:pPr marL="0" indent="0">
+              <a:buNone/>
+            </a:pPr>
+            <a:r>
+              <a:rPr lang="en-US" b="1" dirty="0">
+                <a:solidFill>
+                  <a:srgbClr val="000087"/>
+                </a:solidFill>
+                <a:latin typeface="Inconsolata" panose="020B0609030003000000" pitchFamily="49" charset="77"/>
+              </a:rPr>
+              <a:t>In</a:t>
+            </a:r>
+            <a:r>
+              <a:rPr lang="en-US" b="1" dirty="0">
+                <a:latin typeface="Inconsolata" panose="020B0609030003000000" pitchFamily="49" charset="77"/>
+              </a:rPr>
+              <a:t>[</a:t>
+            </a:r>
+            <a:r>
+              <a:rPr lang="en-US" b="1" dirty="0">
+                <a:solidFill>
+                  <a:srgbClr val="FF6600"/>
+                </a:solidFill>
+                <a:latin typeface="Inconsolata" panose="020B0609030003000000" pitchFamily="49" charset="77"/>
+              </a:rPr>
+              <a:t>1</a:t>
+            </a:r>
+            <a:r>
+              <a:rPr lang="en-US" b="1" dirty="0">
+                <a:latin typeface="Inconsolata" panose="020B0609030003000000" pitchFamily="49" charset="77"/>
+              </a:rPr>
+              <a:t>]:  </a:t>
+            </a:r>
+            <a:r>
+              <a:rPr lang="en-US" b="1" dirty="0">
+                <a:solidFill>
+                  <a:srgbClr val="000087"/>
+                </a:solidFill>
+                <a:latin typeface="Inconsolata" panose="020B0609030003000000" pitchFamily="49" charset="77"/>
+              </a:rPr>
+              <a:t>L </a:t>
+            </a:r>
+            <a:r>
+              <a:rPr lang="en-US" b="1" dirty="0">
+                <a:solidFill>
+                  <a:srgbClr val="545454"/>
+                </a:solidFill>
+                <a:latin typeface="Inconsolata" panose="020B0609030003000000" pitchFamily="49" charset="77"/>
+              </a:rPr>
+              <a:t>= </a:t>
+            </a:r>
+            <a:r>
+              <a:rPr lang="en-US" b="1" dirty="0">
+                <a:latin typeface="Inconsolata" panose="020B0609030003000000" pitchFamily="49" charset="77"/>
+              </a:rPr>
+              <a:t>[</a:t>
+            </a:r>
+            <a:r>
+              <a:rPr lang="en-US" b="1" dirty="0">
+                <a:solidFill>
+                  <a:srgbClr val="FF6600"/>
+                </a:solidFill>
+                <a:latin typeface="Inconsolata" panose="020B0609030003000000" pitchFamily="49" charset="77"/>
+              </a:rPr>
+              <a:t>1</a:t>
+            </a:r>
+            <a:r>
+              <a:rPr lang="en-US" b="1" dirty="0">
+                <a:latin typeface="Inconsolata" panose="020B0609030003000000" pitchFamily="49" charset="77"/>
+              </a:rPr>
+              <a:t>, </a:t>
+            </a:r>
+            <a:r>
+              <a:rPr lang="en-US" b="1" dirty="0">
+                <a:solidFill>
+                  <a:srgbClr val="FF6600"/>
+                </a:solidFill>
+                <a:latin typeface="Inconsolata" panose="020B0609030003000000" pitchFamily="49" charset="77"/>
+              </a:rPr>
+              <a:t>2</a:t>
+            </a:r>
+            <a:r>
+              <a:rPr lang="en-US" b="1" dirty="0">
+                <a:latin typeface="Inconsolata" panose="020B0609030003000000" pitchFamily="49" charset="77"/>
+              </a:rPr>
+              <a:t>, </a:t>
+            </a:r>
+            <a:r>
+              <a:rPr lang="en-US" b="1" dirty="0">
+                <a:solidFill>
+                  <a:srgbClr val="FF6600"/>
+                </a:solidFill>
+                <a:latin typeface="Inconsolata" panose="020B0609030003000000" pitchFamily="49" charset="77"/>
+              </a:rPr>
+              <a:t>3</a:t>
+            </a:r>
+            <a:r>
+              <a:rPr lang="en-US" b="1" dirty="0">
+                <a:latin typeface="Inconsolata" panose="020B0609030003000000" pitchFamily="49" charset="77"/>
+              </a:rPr>
+              <a:t>, </a:t>
+            </a:r>
+            <a:r>
+              <a:rPr lang="en-US" b="1" dirty="0">
+                <a:solidFill>
+                  <a:srgbClr val="FF6600"/>
+                </a:solidFill>
+                <a:latin typeface="Inconsolata" panose="020B0609030003000000" pitchFamily="49" charset="77"/>
+              </a:rPr>
+              <a:t>4</a:t>
+            </a:r>
+            <a:r>
+              <a:rPr lang="en-US" b="1" dirty="0">
+                <a:latin typeface="Inconsolata" panose="020B0609030003000000" pitchFamily="49" charset="77"/>
+              </a:rPr>
+              <a:t>, </a:t>
+            </a:r>
+            <a:r>
+              <a:rPr lang="en-US" b="1" dirty="0">
+                <a:solidFill>
+                  <a:srgbClr val="FF6600"/>
+                </a:solidFill>
+                <a:latin typeface="Inconsolata" panose="020B0609030003000000" pitchFamily="49" charset="77"/>
+              </a:rPr>
+              <a:t>5</a:t>
+            </a:r>
+            <a:r>
+              <a:rPr lang="en-US" b="1" dirty="0">
+                <a:latin typeface="Inconsolata" panose="020B0609030003000000" pitchFamily="49" charset="77"/>
+              </a:rPr>
+              <a:t>]</a:t>
+            </a:r>
+            <a:br>
+              <a:rPr lang="en-US" b="1" dirty="0">
+                <a:latin typeface="Inconsolata" panose="020B0609030003000000" pitchFamily="49" charset="77"/>
+              </a:rPr>
+            </a:br>
+            <a:r>
+              <a:rPr lang="en-US" b="1" dirty="0">
+                <a:solidFill>
+                  <a:srgbClr val="000087"/>
+                </a:solidFill>
+                <a:latin typeface="Inconsolata" panose="020B0609030003000000" pitchFamily="49" charset="77"/>
+              </a:rPr>
+              <a:t>In </a:t>
+            </a:r>
+            <a:r>
+              <a:rPr lang="en-US" b="1" dirty="0">
+                <a:latin typeface="Inconsolata" panose="020B0609030003000000" pitchFamily="49" charset="77"/>
+              </a:rPr>
+              <a:t>[</a:t>
+            </a:r>
+            <a:r>
+              <a:rPr lang="en-US" b="1" dirty="0">
+                <a:solidFill>
+                  <a:srgbClr val="FF6600"/>
+                </a:solidFill>
+                <a:latin typeface="Inconsolata" panose="020B0609030003000000" pitchFamily="49" charset="77"/>
+              </a:rPr>
+              <a:t>2</a:t>
+            </a:r>
+            <a:r>
+              <a:rPr lang="en-US" b="1" dirty="0">
+                <a:latin typeface="Inconsolata" panose="020B0609030003000000" pitchFamily="49" charset="77"/>
+              </a:rPr>
+              <a:t>]: </a:t>
+            </a:r>
+            <a:r>
+              <a:rPr lang="en-US" b="1" dirty="0">
+                <a:solidFill>
+                  <a:srgbClr val="000087"/>
+                </a:solidFill>
+                <a:latin typeface="Inconsolata" panose="020B0609030003000000" pitchFamily="49" charset="77"/>
+              </a:rPr>
+              <a:t>L</a:t>
+            </a:r>
+            <a:r>
+              <a:rPr lang="en-US" b="1" dirty="0">
+                <a:latin typeface="Inconsolata" panose="020B0609030003000000" pitchFamily="49" charset="77"/>
+              </a:rPr>
+              <a:t>[</a:t>
+            </a:r>
+            <a:r>
+              <a:rPr lang="en-US" b="1" dirty="0">
+                <a:solidFill>
+                  <a:srgbClr val="FF6600"/>
+                </a:solidFill>
+                <a:latin typeface="Inconsolata" panose="020B0609030003000000" pitchFamily="49" charset="77"/>
+              </a:rPr>
+              <a:t>0:3</a:t>
+            </a:r>
+            <a:r>
+              <a:rPr lang="en-US" b="1" dirty="0">
+                <a:latin typeface="Inconsolata" panose="020B0609030003000000" pitchFamily="49" charset="77"/>
+              </a:rPr>
+              <a:t>] </a:t>
+            </a:r>
+          </a:p>
+          <a:p>
+            <a:pPr marL="0" indent="0">
+              <a:buNone/>
+            </a:pPr>
+            <a:r>
+              <a:rPr lang="en-US" b="1" dirty="0">
+                <a:latin typeface="Inconsolata" panose="020B0609030003000000" pitchFamily="49" charset="77"/>
+              </a:rPr>
+              <a:t>Out [2]: [1, 2, 3] </a:t>
+            </a:r>
+          </a:p>
+          <a:p>
+            <a:pPr marL="0" indent="0">
+              <a:buNone/>
+            </a:pPr>
+            <a:endParaRPr lang="en-US" b="1" dirty="0">
+              <a:latin typeface="Inconsolata" panose="020B0609030003000000" pitchFamily="49" charset="77"/>
+            </a:endParaRPr>
+          </a:p>
+          <a:p>
+            <a:pPr marL="0" indent="0">
+              <a:buNone/>
+            </a:pPr>
+            <a:r>
+              <a:rPr lang="en-US" b="1" dirty="0">
+                <a:solidFill>
+                  <a:srgbClr val="000087"/>
+                </a:solidFill>
+                <a:latin typeface="Inconsolata" panose="020B0609030003000000" pitchFamily="49" charset="77"/>
+              </a:rPr>
+              <a:t>In </a:t>
+            </a:r>
+            <a:r>
+              <a:rPr lang="en-US" b="1" dirty="0">
+                <a:latin typeface="Inconsolata" panose="020B0609030003000000" pitchFamily="49" charset="77"/>
+              </a:rPr>
+              <a:t>[</a:t>
+            </a:r>
+            <a:r>
+              <a:rPr lang="en-US" b="1" dirty="0">
+                <a:solidFill>
+                  <a:srgbClr val="FF6600"/>
+                </a:solidFill>
+                <a:latin typeface="Inconsolata" panose="020B0609030003000000" pitchFamily="49" charset="77"/>
+              </a:rPr>
+              <a:t>3</a:t>
+            </a:r>
+            <a:r>
+              <a:rPr lang="en-US" b="1" dirty="0">
+                <a:latin typeface="Inconsolata" panose="020B0609030003000000" pitchFamily="49" charset="77"/>
+              </a:rPr>
+              <a:t>]: </a:t>
+            </a:r>
+            <a:r>
+              <a:rPr lang="en-US" b="1" dirty="0">
+                <a:solidFill>
+                  <a:srgbClr val="000087"/>
+                </a:solidFill>
+                <a:latin typeface="Inconsolata" panose="020B0609030003000000" pitchFamily="49" charset="77"/>
+              </a:rPr>
+              <a:t>L</a:t>
+            </a:r>
+            <a:r>
+              <a:rPr lang="en-US" b="1" dirty="0">
+                <a:latin typeface="Inconsolata" panose="020B0609030003000000" pitchFamily="49" charset="77"/>
+              </a:rPr>
+              <a:t>[</a:t>
+            </a:r>
+            <a:r>
+              <a:rPr lang="en-US" b="1" dirty="0">
+                <a:solidFill>
+                  <a:srgbClr val="FF6600"/>
+                </a:solidFill>
+                <a:latin typeface="Inconsolata" panose="020B0609030003000000" pitchFamily="49" charset="77"/>
+              </a:rPr>
+              <a:t>:3</a:t>
+            </a:r>
+            <a:r>
+              <a:rPr lang="en-US" b="1" dirty="0">
+                <a:latin typeface="Inconsolata" panose="020B0609030003000000" pitchFamily="49" charset="77"/>
+              </a:rPr>
+              <a:t>] </a:t>
+            </a:r>
+          </a:p>
+          <a:p>
+            <a:pPr marL="0" indent="0">
+              <a:buNone/>
+            </a:pPr>
+            <a:r>
+              <a:rPr lang="en-US" b="1" dirty="0">
+                <a:latin typeface="Inconsolata" panose="020B0609030003000000" pitchFamily="49" charset="77"/>
+              </a:rPr>
+              <a:t>Out [3]: [1, 2, 3]  </a:t>
+            </a:r>
+          </a:p>
+          <a:p>
+            <a:pPr marL="0" indent="0">
+              <a:buNone/>
+            </a:pPr>
+            <a:endParaRPr lang="en-US" b="1" dirty="0">
+              <a:solidFill>
+                <a:srgbClr val="000087"/>
+              </a:solidFill>
+              <a:latin typeface="Inconsolata" panose="020B0609030003000000" pitchFamily="49" charset="77"/>
+            </a:endParaRPr>
+          </a:p>
+          <a:p>
+            <a:pPr marL="0" indent="0">
+              <a:buNone/>
+            </a:pPr>
+            <a:r>
+              <a:rPr lang="en-US" b="1" dirty="0">
+                <a:solidFill>
+                  <a:srgbClr val="000087"/>
+                </a:solidFill>
+                <a:latin typeface="Inconsolata" panose="020B0609030003000000" pitchFamily="49" charset="77"/>
+              </a:rPr>
+              <a:t>In </a:t>
+            </a:r>
+            <a:r>
+              <a:rPr lang="en-US" b="1" dirty="0">
+                <a:latin typeface="Inconsolata" panose="020B0609030003000000" pitchFamily="49" charset="77"/>
+              </a:rPr>
+              <a:t>[</a:t>
+            </a:r>
+            <a:r>
+              <a:rPr lang="en-US" b="1" dirty="0">
+                <a:solidFill>
+                  <a:srgbClr val="FF6600"/>
+                </a:solidFill>
+                <a:latin typeface="Inconsolata" panose="020B0609030003000000" pitchFamily="49" charset="77"/>
+              </a:rPr>
+              <a:t>4</a:t>
+            </a:r>
+            <a:r>
+              <a:rPr lang="en-US" b="1" dirty="0">
+                <a:latin typeface="Inconsolata" panose="020B0609030003000000" pitchFamily="49" charset="77"/>
+              </a:rPr>
+              <a:t>]: </a:t>
+            </a:r>
+            <a:r>
+              <a:rPr lang="en-US" b="1" dirty="0">
+                <a:solidFill>
+                  <a:srgbClr val="000087"/>
+                </a:solidFill>
+                <a:latin typeface="Inconsolata" panose="020B0609030003000000" pitchFamily="49" charset="77"/>
+              </a:rPr>
+              <a:t>L</a:t>
+            </a:r>
+            <a:r>
+              <a:rPr lang="en-US" b="1" dirty="0">
+                <a:latin typeface="Inconsolata" panose="020B0609030003000000" pitchFamily="49" charset="77"/>
+              </a:rPr>
+              <a:t>[</a:t>
+            </a:r>
+            <a:r>
+              <a:rPr lang="en-US" b="1" dirty="0">
+                <a:solidFill>
+                  <a:srgbClr val="FF6600"/>
+                </a:solidFill>
+                <a:latin typeface="Inconsolata" panose="020B0609030003000000" pitchFamily="49" charset="77"/>
+              </a:rPr>
+              <a:t>-3:</a:t>
+            </a:r>
+            <a:r>
+              <a:rPr lang="en-US" b="1" dirty="0">
+                <a:latin typeface="Inconsolata" panose="020B0609030003000000" pitchFamily="49" charset="77"/>
+              </a:rPr>
+              <a:t>] </a:t>
+            </a:r>
+          </a:p>
+          <a:p>
+            <a:pPr marL="0" indent="0">
+              <a:buNone/>
+            </a:pPr>
+            <a:r>
+              <a:rPr lang="en-US" b="1" dirty="0">
+                <a:latin typeface="Inconsolata" panose="020B0609030003000000" pitchFamily="49" charset="77"/>
+              </a:rPr>
+              <a:t>Out [4]: [3, 4, 5]  </a:t>
+            </a:r>
+          </a:p>
+          <a:p>
+            <a:pPr marL="0" indent="0">
+              <a:buNone/>
+            </a:pPr>
+            <a:endParaRPr lang="en-US" b="1" dirty="0">
+              <a:solidFill>
+                <a:srgbClr val="000087"/>
+              </a:solidFill>
+              <a:latin typeface="Inconsolata" panose="020B0609030003000000" pitchFamily="49" charset="77"/>
+            </a:endParaRPr>
+          </a:p>
+        </p:txBody>
+      </p:sp>
+      <p:sp>
+        <p:nvSpPr>
+          <p:cNvPr id="4" name="TextBox 3">
+            <a:extLst>
+              <a:ext uri="{FF2B5EF4-FFF2-40B4-BE49-F238E27FC236}">
+                <a16:creationId xmlns:a16="http://schemas.microsoft.com/office/drawing/2014/main" id="{05D0FF44-ED85-F649-9E37-57AC59AB411C}"/>
+              </a:ext>
+            </a:extLst>
+          </p:cNvPr>
+          <p:cNvSpPr txBox="1"/>
+          <p:nvPr/>
+        </p:nvSpPr>
+        <p:spPr>
+          <a:xfrm>
+            <a:off x="3420265" y="3294887"/>
+            <a:ext cx="2984938" cy="738664"/>
+          </a:xfrm>
+          <a:prstGeom prst="rect">
+            <a:avLst/>
+          </a:prstGeom>
+          <a:noFill/>
+        </p:spPr>
+        <p:txBody>
+          <a:bodyPr wrap="square" rtlCol="0">
+            <a:spAutoFit/>
+          </a:bodyPr>
+          <a:lstStyle/>
+          <a:p>
+            <a:r>
+              <a:rPr lang="en-US" sz="2100" dirty="0"/>
+              <a:t>Leaving out the first index defaults to 0.</a:t>
+            </a:r>
+          </a:p>
+        </p:txBody>
+      </p:sp>
+      <p:sp>
+        <p:nvSpPr>
+          <p:cNvPr id="6" name="TextBox 5">
+            <a:extLst>
+              <a:ext uri="{FF2B5EF4-FFF2-40B4-BE49-F238E27FC236}">
+                <a16:creationId xmlns:a16="http://schemas.microsoft.com/office/drawing/2014/main" id="{3B49FF43-4D4F-704B-A9F1-A113EABE5440}"/>
+              </a:ext>
+            </a:extLst>
+          </p:cNvPr>
+          <p:cNvSpPr txBox="1"/>
+          <p:nvPr/>
+        </p:nvSpPr>
+        <p:spPr>
+          <a:xfrm>
+            <a:off x="3420265" y="4443195"/>
+            <a:ext cx="2984938" cy="738664"/>
+          </a:xfrm>
+          <a:prstGeom prst="rect">
+            <a:avLst/>
+          </a:prstGeom>
+          <a:noFill/>
+        </p:spPr>
+        <p:txBody>
+          <a:bodyPr wrap="square" rtlCol="0">
+            <a:spAutoFit/>
+          </a:bodyPr>
+          <a:lstStyle/>
+          <a:p>
+            <a:r>
+              <a:rPr lang="en-US" sz="2100" dirty="0"/>
+              <a:t>Leaving out the last index defaults to length of list.</a:t>
+            </a:r>
+          </a:p>
+        </p:txBody>
+      </p:sp>
+    </p:spTree>
+    <p:extLst>
+      <p:ext uri="{BB962C8B-B14F-4D97-AF65-F5344CB8AC3E}">
+        <p14:creationId xmlns:p14="http://schemas.microsoft.com/office/powerpoint/2010/main" val="2816034367"/>
+      </p:ext>
+    </p:extLst>
+  </p:cSld>
+  <p:clrMapOvr>
+    <a:masterClrMapping/>
+  </p:clrMapOvr>
+  <p:timing>
+    <p:tnLst>
+      <p:par>
+        <p:cTn id="1" dur="indefinite" restart="never" nodeType="tmRoot">
+          <p:childTnLst>
+            <p:seq concurrent="1" nextAc="seek">
+              <p:cTn id="2" dur="indefinite" nodeType="mainSeq">
+                <p:childTnLst>
+                  <p:par>
+                    <p:cTn id="3" fill="hold">
+                      <p:stCondLst>
+                        <p:cond delay="indefinite"/>
+                      </p:stCondLst>
+                      <p:childTnLst>
+                        <p:par>
+                          <p:cTn id="4" fill="hold">
+                            <p:stCondLst>
+                              <p:cond delay="0"/>
+                            </p:stCondLst>
+                            <p:childTnLst>
+                              <p:par>
+                                <p:cTn id="5" presetID="1" presetClass="entr" presetSubtype="0" fill="hold" nodeType="clickEffect">
+                                  <p:stCondLst>
+                                    <p:cond delay="0"/>
+                                  </p:stCondLst>
+                                  <p:childTnLst>
+                                    <p:set>
+                                      <p:cBhvr>
+                                        <p:cTn id="6" dur="1" fill="hold">
+                                          <p:stCondLst>
+                                            <p:cond delay="0"/>
+                                          </p:stCondLst>
+                                        </p:cTn>
+                                        <p:tgtEl>
+                                          <p:spTgt spid="9">
+                                            <p:txEl>
+                                              <p:pRg st="1" end="1"/>
+                                            </p:txEl>
+                                          </p:spTgt>
+                                        </p:tgtEl>
+                                        <p:attrNameLst>
+                                          <p:attrName>style.visibility</p:attrName>
+                                        </p:attrNameLst>
+                                      </p:cBhvr>
+                                      <p:to>
+                                        <p:strVal val="visible"/>
+                                      </p:to>
+                                    </p:set>
+                                  </p:childTnLst>
+                                </p:cTn>
+                              </p:par>
+                              <p:par>
+                                <p:cTn id="7" presetID="1" presetClass="entr" presetSubtype="0" fill="hold" nodeType="withEffect">
+                                  <p:stCondLst>
+                                    <p:cond delay="0"/>
+                                  </p:stCondLst>
+                                  <p:childTnLst>
+                                    <p:set>
+                                      <p:cBhvr>
+                                        <p:cTn id="8" dur="1" fill="hold">
+                                          <p:stCondLst>
+                                            <p:cond delay="0"/>
+                                          </p:stCondLst>
+                                        </p:cTn>
+                                        <p:tgtEl>
+                                          <p:spTgt spid="9">
+                                            <p:txEl>
+                                              <p:pRg st="2" end="2"/>
+                                            </p:txEl>
+                                          </p:spTgt>
+                                        </p:tgtEl>
+                                        <p:attrNameLst>
+                                          <p:attrName>style.visibility</p:attrName>
+                                        </p:attrNameLst>
+                                      </p:cBhvr>
+                                      <p:to>
+                                        <p:strVal val="visible"/>
+                                      </p:to>
+                                    </p:set>
+                                  </p:childTnLst>
+                                </p:cTn>
+                              </p:par>
+                            </p:childTnLst>
+                          </p:cTn>
+                        </p:par>
+                      </p:childTnLst>
+                    </p:cTn>
+                  </p:par>
+                  <p:par>
+                    <p:cTn id="9" fill="hold">
+                      <p:stCondLst>
+                        <p:cond delay="indefinite"/>
+                      </p:stCondLst>
+                      <p:childTnLst>
+                        <p:par>
+                          <p:cTn id="10" fill="hold">
+                            <p:stCondLst>
+                              <p:cond delay="0"/>
+                            </p:stCondLst>
+                            <p:childTnLst>
+                              <p:par>
+                                <p:cTn id="11" presetID="1" presetClass="entr" presetSubtype="0" fill="hold" nodeType="clickEffect">
+                                  <p:stCondLst>
+                                    <p:cond delay="0"/>
+                                  </p:stCondLst>
+                                  <p:childTnLst>
+                                    <p:set>
+                                      <p:cBhvr>
+                                        <p:cTn id="12" dur="1" fill="hold">
+                                          <p:stCondLst>
+                                            <p:cond delay="0"/>
+                                          </p:stCondLst>
+                                        </p:cTn>
+                                        <p:tgtEl>
+                                          <p:spTgt spid="9">
+                                            <p:txEl>
+                                              <p:pRg st="4" end="4"/>
+                                            </p:txEl>
+                                          </p:spTgt>
+                                        </p:tgtEl>
+                                        <p:attrNameLst>
+                                          <p:attrName>style.visibility</p:attrName>
+                                        </p:attrNameLst>
+                                      </p:cBhvr>
+                                      <p:to>
+                                        <p:strVal val="visible"/>
+                                      </p:to>
+                                    </p:set>
+                                  </p:childTnLst>
+                                </p:cTn>
+                              </p:par>
+                              <p:par>
+                                <p:cTn id="13" presetID="1" presetClass="entr" presetSubtype="0" fill="hold" nodeType="withEffect">
+                                  <p:stCondLst>
+                                    <p:cond delay="0"/>
+                                  </p:stCondLst>
+                                  <p:childTnLst>
+                                    <p:set>
+                                      <p:cBhvr>
+                                        <p:cTn id="14" dur="1" fill="hold">
+                                          <p:stCondLst>
+                                            <p:cond delay="0"/>
+                                          </p:stCondLst>
+                                        </p:cTn>
+                                        <p:tgtEl>
+                                          <p:spTgt spid="9">
+                                            <p:txEl>
+                                              <p:pRg st="5" end="5"/>
+                                            </p:txEl>
+                                          </p:spTgt>
+                                        </p:tgtEl>
+                                        <p:attrNameLst>
+                                          <p:attrName>style.visibility</p:attrName>
+                                        </p:attrNameLst>
+                                      </p:cBhvr>
+                                      <p:to>
+                                        <p:strVal val="visible"/>
+                                      </p:to>
+                                    </p:set>
+                                  </p:childTnLst>
+                                </p:cTn>
+                              </p:par>
+                            </p:childTnLst>
+                          </p:cTn>
+                        </p:par>
+                      </p:childTnLst>
+                    </p:cTn>
+                  </p:par>
+                  <p:par>
+                    <p:cTn id="15" fill="hold">
+                      <p:stCondLst>
+                        <p:cond delay="indefinite"/>
+                      </p:stCondLst>
+                      <p:childTnLst>
+                        <p:par>
+                          <p:cTn id="16" fill="hold">
+                            <p:stCondLst>
+                              <p:cond delay="0"/>
+                            </p:stCondLst>
+                            <p:childTnLst>
+                              <p:par>
+                                <p:cTn id="17" presetID="1" presetClass="entr" presetSubtype="0" fill="hold" grpId="0" nodeType="clickEffect">
+                                  <p:stCondLst>
+                                    <p:cond delay="0"/>
+                                  </p:stCondLst>
+                                  <p:childTnLst>
+                                    <p:set>
+                                      <p:cBhvr>
+                                        <p:cTn id="18" dur="1" fill="hold">
+                                          <p:stCondLst>
+                                            <p:cond delay="0"/>
+                                          </p:stCondLst>
+                                        </p:cTn>
+                                        <p:tgtEl>
+                                          <p:spTgt spid="4"/>
+                                        </p:tgtEl>
+                                        <p:attrNameLst>
+                                          <p:attrName>style.visibility</p:attrName>
+                                        </p:attrNameLst>
+                                      </p:cBhvr>
+                                      <p:to>
+                                        <p:strVal val="visible"/>
+                                      </p:to>
+                                    </p:set>
+                                  </p:childTnLst>
+                                </p:cTn>
+                              </p:par>
+                            </p:childTnLst>
+                          </p:cTn>
+                        </p:par>
+                      </p:childTnLst>
+                    </p:cTn>
+                  </p:par>
+                  <p:par>
+                    <p:cTn id="19" fill="hold">
+                      <p:stCondLst>
+                        <p:cond delay="indefinite"/>
+                      </p:stCondLst>
+                      <p:childTnLst>
+                        <p:par>
+                          <p:cTn id="20" fill="hold">
+                            <p:stCondLst>
+                              <p:cond delay="0"/>
+                            </p:stCondLst>
+                            <p:childTnLst>
+                              <p:par>
+                                <p:cTn id="21" presetID="1" presetClass="entr" presetSubtype="0" fill="hold" nodeType="clickEffect">
+                                  <p:stCondLst>
+                                    <p:cond delay="0"/>
+                                  </p:stCondLst>
+                                  <p:childTnLst>
+                                    <p:set>
+                                      <p:cBhvr>
+                                        <p:cTn id="22" dur="1" fill="hold">
+                                          <p:stCondLst>
+                                            <p:cond delay="0"/>
+                                          </p:stCondLst>
+                                        </p:cTn>
+                                        <p:tgtEl>
+                                          <p:spTgt spid="9">
+                                            <p:txEl>
+                                              <p:pRg st="7" end="7"/>
+                                            </p:txEl>
+                                          </p:spTgt>
+                                        </p:tgtEl>
+                                        <p:attrNameLst>
+                                          <p:attrName>style.visibility</p:attrName>
+                                        </p:attrNameLst>
+                                      </p:cBhvr>
+                                      <p:to>
+                                        <p:strVal val="visible"/>
+                                      </p:to>
+                                    </p:set>
+                                  </p:childTnLst>
+                                </p:cTn>
+                              </p:par>
+                              <p:par>
+                                <p:cTn id="23" presetID="1" presetClass="entr" presetSubtype="0" fill="hold" nodeType="withEffect">
+                                  <p:stCondLst>
+                                    <p:cond delay="0"/>
+                                  </p:stCondLst>
+                                  <p:childTnLst>
+                                    <p:set>
+                                      <p:cBhvr>
+                                        <p:cTn id="24" dur="1" fill="hold">
+                                          <p:stCondLst>
+                                            <p:cond delay="0"/>
+                                          </p:stCondLst>
+                                        </p:cTn>
+                                        <p:tgtEl>
+                                          <p:spTgt spid="9">
+                                            <p:txEl>
+                                              <p:pRg st="8" end="8"/>
+                                            </p:txEl>
+                                          </p:spTgt>
+                                        </p:tgtEl>
+                                        <p:attrNameLst>
+                                          <p:attrName>style.visibility</p:attrName>
+                                        </p:attrNameLst>
+                                      </p:cBhvr>
+                                      <p:to>
+                                        <p:strVal val="visible"/>
+                                      </p:to>
+                                    </p:set>
+                                  </p:childTnLst>
+                                </p:cTn>
+                              </p:par>
+                            </p:childTnLst>
+                          </p:cTn>
+                        </p:par>
+                      </p:childTnLst>
+                    </p:cTn>
+                  </p:par>
+                  <p:par>
+                    <p:cTn id="25" fill="hold">
+                      <p:stCondLst>
+                        <p:cond delay="indefinite"/>
+                      </p:stCondLst>
+                      <p:childTnLst>
+                        <p:par>
+                          <p:cTn id="26" fill="hold">
+                            <p:stCondLst>
+                              <p:cond delay="0"/>
+                            </p:stCondLst>
+                            <p:childTnLst>
+                              <p:par>
+                                <p:cTn id="27" presetID="1" presetClass="entr" presetSubtype="0" fill="hold" grpId="0" nodeType="clickEffect">
+                                  <p:stCondLst>
+                                    <p:cond delay="0"/>
+                                  </p:stCondLst>
+                                  <p:childTnLst>
+                                    <p:set>
+                                      <p:cBhvr>
+                                        <p:cTn id="28" dur="1" fill="hold">
+                                          <p:stCondLst>
+                                            <p:cond delay="0"/>
+                                          </p:stCondLst>
+                                        </p:cTn>
+                                        <p:tgtEl>
+                                          <p:spTgt spid="6"/>
+                                        </p:tgtEl>
+                                        <p:attrNameLst>
+                                          <p:attrName>style.visibility</p:attrName>
+                                        </p:attrNameLst>
+                                      </p:cBhvr>
+                                      <p:to>
+                                        <p:strVal val="visible"/>
+                                      </p:to>
+                                    </p:set>
+                                  </p:childTnLst>
+                                </p:cTn>
+                              </p:par>
+                            </p:childTnLst>
+                          </p:cTn>
+                        </p:par>
+                      </p:childTnLst>
+                    </p:cTn>
+                  </p:par>
+                </p:childTnLst>
+              </p:cTn>
+              <p:prevCondLst>
+                <p:cond evt="onPrev" delay="0">
+                  <p:tgtEl>
+                    <p:sldTgt/>
+                  </p:tgtEl>
+                </p:cond>
+              </p:prevCondLst>
+              <p:nextCondLst>
+                <p:cond evt="onNext" delay="0">
+                  <p:tgtEl>
+                    <p:sldTgt/>
+                  </p:tgtEl>
+                </p:cond>
+              </p:nextCondLst>
+            </p:seq>
+          </p:childTnLst>
+        </p:cTn>
+      </p:par>
+    </p:tnLst>
+    <p:bldLst>
+      <p:bldP spid="4" grpId="0"/>
+      <p:bldP spid="6" grpId="0"/>
+    </p:bldLst>
+  </p:timing>
+</p:sld>
+</file>
+
+<file path=ppt/slides/slide11.xml><?xml version="1.0" encoding="utf-8"?>
+<p:sld xmlns:a="http://schemas.openxmlformats.org/drawingml/2006/main" xmlns:r="http://schemas.openxmlformats.org/officeDocument/2006/relationships" xmlns:p="http://schemas.openxmlformats.org/presentationml/2006/main">
+  <p:cSld>
+    <p:spTree>
+      <p:nvGrpSpPr>
+        <p:cNvPr id="1" name=""/>
+        <p:cNvGrpSpPr/>
+        <p:nvPr/>
+      </p:nvGrpSpPr>
+      <p:grpSpPr>
+        <a:xfrm>
+          <a:off x="0" y="0"/>
+          <a:ext cx="0" cy="0"/>
+          <a:chOff x="0" y="0"/>
+          <a:chExt cx="0" cy="0"/>
+        </a:xfrm>
+      </p:grpSpPr>
+      <p:sp>
+        <p:nvSpPr>
+          <p:cNvPr id="2" name="Title 1">
+            <a:extLst>
+              <a:ext uri="{FF2B5EF4-FFF2-40B4-BE49-F238E27FC236}">
+                <a16:creationId xmlns:a16="http://schemas.microsoft.com/office/drawing/2014/main" id="{AA3A228F-61D0-D949-A5E7-F83756230BF8}"/>
+              </a:ext>
+            </a:extLst>
+          </p:cNvPr>
+          <p:cNvSpPr>
+            <a:spLocks noGrp="1"/>
+          </p:cNvSpPr>
+          <p:nvPr>
+            <p:ph type="title"/>
+          </p:nvPr>
+        </p:nvSpPr>
+        <p:spPr>
+          <a:xfrm>
             <a:off x="187286" y="123498"/>
             <a:ext cx="7053542" cy="683886"/>
           </a:xfrm>
@@ -5435,7 +6403,7 @@
 </p:sld>
 </file>
 
-<file path=ppt/slides/slide11.xml><?xml version="1.0" encoding="utf-8"?>
+<file path=ppt/slides/slide12.xml><?xml version="1.0" encoding="utf-8"?>
 <p:sld xmlns:a="http://schemas.openxmlformats.org/drawingml/2006/main" xmlns:r="http://schemas.openxmlformats.org/officeDocument/2006/relationships" xmlns:p="http://schemas.openxmlformats.org/presentationml/2006/main">
   <p:cSld>
     <p:spTree>
@@ -6958,7 +7926,7 @@
 </p:sld>
 </file>
 
-<file path=ppt/slides/slide12.xml><?xml version="1.0" encoding="utf-8"?>
+<file path=ppt/slides/slide13.xml><?xml version="1.0" encoding="utf-8"?>
 <p:sld xmlns:a="http://schemas.openxmlformats.org/drawingml/2006/main" xmlns:r="http://schemas.openxmlformats.org/officeDocument/2006/relationships" xmlns:p="http://schemas.openxmlformats.org/presentationml/2006/main">
   <p:cSld>
     <p:spTree>
@@ -7766,7 +8734,7 @@
 </p:sld>
 </file>
 
-<file path=ppt/slides/slide13.xml><?xml version="1.0" encoding="utf-8"?>
+<file path=ppt/slides/slide14.xml><?xml version="1.0" encoding="utf-8"?>
 <p:sld xmlns:a="http://schemas.openxmlformats.org/drawingml/2006/main" xmlns:r="http://schemas.openxmlformats.org/officeDocument/2006/relationships" xmlns:p="http://schemas.openxmlformats.org/presentationml/2006/main">
   <p:cSld>
     <p:spTree>
@@ -8303,7 +9271,7 @@
 </p:sld>
 </file>
 
-<file path=ppt/slides/slide14.xml><?xml version="1.0" encoding="utf-8"?>
+<file path=ppt/slides/slide15.xml><?xml version="1.0" encoding="utf-8"?>
 <p:sld xmlns:a="http://schemas.openxmlformats.org/drawingml/2006/main" xmlns:r="http://schemas.openxmlformats.org/officeDocument/2006/relationships" xmlns:p="http://schemas.openxmlformats.org/presentationml/2006/main">
   <p:cSld>
     <p:spTree>
@@ -8741,7 +9709,7 @@
 </p:sld>
 </file>
 
-<file path=ppt/slides/slide15.xml><?xml version="1.0" encoding="utf-8"?>
+<file path=ppt/slides/slide16.xml><?xml version="1.0" encoding="utf-8"?>
 <p:sld xmlns:a="http://schemas.openxmlformats.org/drawingml/2006/main" xmlns:r="http://schemas.openxmlformats.org/officeDocument/2006/relationships" xmlns:p="http://schemas.openxmlformats.org/presentationml/2006/main">
   <p:cSld>
     <p:spTree>
@@ -10061,7 +11029,7 @@
 </p:sld>
 </file>
 
-<file path=ppt/slides/slide16.xml><?xml version="1.0" encoding="utf-8"?>
+<file path=ppt/slides/slide17.xml><?xml version="1.0" encoding="utf-8"?>
 <p:sld xmlns:a="http://schemas.openxmlformats.org/drawingml/2006/main" xmlns:r="http://schemas.openxmlformats.org/officeDocument/2006/relationships" xmlns:p="http://schemas.openxmlformats.org/presentationml/2006/main">
   <p:cSld>
     <p:spTree>
@@ -10794,7 +11762,7 @@
 </p:sld>
 </file>
 
-<file path=ppt/slides/slide17.xml><?xml version="1.0" encoding="utf-8"?>
+<file path=ppt/slides/slide18.xml><?xml version="1.0" encoding="utf-8"?>
 <p:sld xmlns:a="http://schemas.openxmlformats.org/drawingml/2006/main" xmlns:r="http://schemas.openxmlformats.org/officeDocument/2006/relationships" xmlns:p="http://schemas.openxmlformats.org/presentationml/2006/main">
   <p:cSld>
     <p:spTree>
@@ -11587,7 +12555,7 @@
 </p:sld>
 </file>
 
-<file path=ppt/slides/slide18.xml><?xml version="1.0" encoding="utf-8"?>
+<file path=ppt/slides/slide19.xml><?xml version="1.0" encoding="utf-8"?>
 <p:sld xmlns:a="http://schemas.openxmlformats.org/drawingml/2006/main" xmlns:r="http://schemas.openxmlformats.org/officeDocument/2006/relationships" xmlns:p="http://schemas.openxmlformats.org/presentationml/2006/main">
   <p:cSld>
     <p:spTree>
@@ -12380,7 +13348,216 @@
 </p:sld>
 </file>
 
-<file path=ppt/slides/slide19.xml><?xml version="1.0" encoding="utf-8"?>
+<file path=ppt/slides/slide2.xml><?xml version="1.0" encoding="utf-8"?>
+<p:sld xmlns:a="http://schemas.openxmlformats.org/drawingml/2006/main" xmlns:r="http://schemas.openxmlformats.org/officeDocument/2006/relationships" xmlns:p="http://schemas.openxmlformats.org/presentationml/2006/main">
+  <p:cSld>
+    <p:spTree>
+      <p:nvGrpSpPr>
+        <p:cNvPr id="1" name=""/>
+        <p:cNvGrpSpPr/>
+        <p:nvPr/>
+      </p:nvGrpSpPr>
+      <p:grpSpPr>
+        <a:xfrm>
+          <a:off x="0" y="0"/>
+          <a:ext cx="0" cy="0"/>
+          <a:chOff x="0" y="0"/>
+          <a:chExt cx="0" cy="0"/>
+        </a:xfrm>
+      </p:grpSpPr>
+      <p:sp>
+        <p:nvSpPr>
+          <p:cNvPr id="2" name="Title 1">
+            <a:extLst>
+              <a:ext uri="{FF2B5EF4-FFF2-40B4-BE49-F238E27FC236}">
+                <a16:creationId xmlns:a16="http://schemas.microsoft.com/office/drawing/2014/main" id="{AA3A228F-61D0-D949-A5E7-F83756230BF8}"/>
+              </a:ext>
+            </a:extLst>
+          </p:cNvPr>
+          <p:cNvSpPr>
+            <a:spLocks noGrp="1"/>
+          </p:cNvSpPr>
+          <p:nvPr>
+            <p:ph type="title"/>
+          </p:nvPr>
+        </p:nvSpPr>
+        <p:spPr>
+          <a:xfrm>
+            <a:off x="483848" y="467027"/>
+            <a:ext cx="7053542" cy="683886"/>
+          </a:xfrm>
+        </p:spPr>
+        <p:txBody>
+          <a:bodyPr/>
+          <a:lstStyle/>
+          <a:p>
+            <a:r>
+              <a:rPr lang="en-US" dirty="0"/>
+              <a:t>Topics</a:t>
+            </a:r>
+          </a:p>
+        </p:txBody>
+      </p:sp>
+      <p:sp>
+        <p:nvSpPr>
+          <p:cNvPr id="9" name="Content Placeholder 8">
+            <a:extLst>
+              <a:ext uri="{FF2B5EF4-FFF2-40B4-BE49-F238E27FC236}">
+                <a16:creationId xmlns:a16="http://schemas.microsoft.com/office/drawing/2014/main" id="{E3B2E017-30B2-884B-A113-B419A2ED51AD}"/>
+              </a:ext>
+            </a:extLst>
+          </p:cNvPr>
+          <p:cNvSpPr>
+            <a:spLocks noGrp="1"/>
+          </p:cNvSpPr>
+          <p:nvPr>
+            <p:ph idx="1"/>
+          </p:nvPr>
+        </p:nvSpPr>
+        <p:spPr>
+          <a:xfrm>
+            <a:off x="483848" y="1288073"/>
+            <a:ext cx="8051725" cy="4303429"/>
+          </a:xfrm>
+        </p:spPr>
+        <p:txBody>
+          <a:bodyPr/>
+          <a:lstStyle/>
+          <a:p>
+            <a:pPr marL="0" indent="0">
+              <a:buNone/>
+            </a:pPr>
+            <a:endParaRPr lang="en-US" dirty="0">
+              <a:latin typeface="Gill Sans MT" panose="020B0502020104020203" pitchFamily="34" charset="77"/>
+            </a:endParaRPr>
+          </a:p>
+          <a:p>
+            <a:pPr marL="457200" indent="-457200">
+              <a:buAutoNum type="arabicParenR"/>
+            </a:pPr>
+            <a:r>
+              <a:rPr lang="en-US" dirty="0">
+                <a:latin typeface="Gill Sans MT" panose="020B0502020104020203" pitchFamily="34" charset="77"/>
+              </a:rPr>
+              <a:t>Lists</a:t>
+            </a:r>
+          </a:p>
+          <a:p>
+            <a:pPr marL="685800" lvl="1" indent="-342900">
+              <a:buFont typeface="+mj-lt"/>
+              <a:buAutoNum type="alphaLcParenR"/>
+            </a:pPr>
+            <a:r>
+              <a:rPr lang="en-US" sz="2000" dirty="0">
+                <a:latin typeface="Gill Sans MT" panose="020B0502020104020203" pitchFamily="34" charset="77"/>
+              </a:rPr>
+              <a:t>Indexing and Slicing</a:t>
+            </a:r>
+          </a:p>
+          <a:p>
+            <a:pPr marL="685800" lvl="1" indent="-342900">
+              <a:buFont typeface="+mj-lt"/>
+              <a:buAutoNum type="alphaLcParenR"/>
+            </a:pPr>
+            <a:r>
+              <a:rPr lang="en-US" sz="2000" dirty="0">
+                <a:latin typeface="Gill Sans MT" panose="020B0502020104020203" pitchFamily="34" charset="77"/>
+              </a:rPr>
+              <a:t>List Methods</a:t>
+            </a:r>
+          </a:p>
+          <a:p>
+            <a:pPr marL="0" indent="0">
+              <a:buNone/>
+            </a:pPr>
+            <a:r>
+              <a:rPr lang="en-US" dirty="0">
+                <a:latin typeface="Gill Sans MT" panose="020B0502020104020203" pitchFamily="34" charset="77"/>
+              </a:rPr>
+              <a:t>3)   List comprehensions	</a:t>
+            </a:r>
+          </a:p>
+          <a:p>
+            <a:pPr marL="457200" indent="-457200">
+              <a:buAutoNum type="arabicParenR" startAt="4"/>
+            </a:pPr>
+            <a:r>
+              <a:rPr lang="en-US" dirty="0" err="1">
+                <a:latin typeface="Gill Sans MT" panose="020B0502020104020203" pitchFamily="34" charset="77"/>
+              </a:rPr>
+              <a:t>Iterables</a:t>
+            </a:r>
+            <a:endParaRPr lang="en-US" dirty="0">
+              <a:latin typeface="Gill Sans MT" panose="020B0502020104020203" pitchFamily="34" charset="77"/>
+            </a:endParaRPr>
+          </a:p>
+          <a:p>
+            <a:pPr marL="0" indent="0">
+              <a:buNone/>
+            </a:pPr>
+            <a:r>
+              <a:rPr lang="en-US" dirty="0">
+                <a:latin typeface="Gill Sans MT" panose="020B0502020104020203" pitchFamily="34" charset="77"/>
+              </a:rPr>
+              <a:t>5)   Membership and Operations</a:t>
+            </a:r>
+          </a:p>
+          <a:p>
+            <a:pPr marL="0" indent="0">
+              <a:buNone/>
+            </a:pPr>
+            <a:endParaRPr lang="en-US" dirty="0">
+              <a:latin typeface="Gill Sans MT" panose="020B0502020104020203" pitchFamily="34" charset="77"/>
+            </a:endParaRPr>
+          </a:p>
+          <a:p>
+            <a:pPr marL="457200" indent="-457200">
+              <a:buAutoNum type="arabicParenR"/>
+            </a:pPr>
+            <a:endParaRPr lang="en-US" dirty="0">
+              <a:latin typeface="Gill Sans MT" panose="020B0502020104020203" pitchFamily="34" charset="77"/>
+            </a:endParaRPr>
+          </a:p>
+          <a:p>
+            <a:pPr marL="457200" indent="-457200">
+              <a:buAutoNum type="arabicParenR"/>
+            </a:pPr>
+            <a:endParaRPr lang="en-US" dirty="0">
+              <a:latin typeface="Gill Sans MT" panose="020B0502020104020203" pitchFamily="34" charset="77"/>
+            </a:endParaRPr>
+          </a:p>
+          <a:p>
+            <a:pPr marL="0" indent="0">
+              <a:buNone/>
+            </a:pPr>
+            <a:endParaRPr lang="en-US" dirty="0">
+              <a:latin typeface="Gill Sans MT" panose="020B0502020104020203" pitchFamily="34" charset="77"/>
+            </a:endParaRPr>
+          </a:p>
+          <a:p>
+            <a:pPr marL="0" indent="0">
+              <a:buNone/>
+            </a:pPr>
+            <a:endParaRPr lang="en-US" b="1" dirty="0">
+              <a:latin typeface="Gill Sans MT" panose="020B0502020104020203" pitchFamily="34" charset="77"/>
+            </a:endParaRPr>
+          </a:p>
+        </p:txBody>
+      </p:sp>
+    </p:spTree>
+    <p:extLst>
+      <p:ext uri="{BB962C8B-B14F-4D97-AF65-F5344CB8AC3E}">
+        <p14:creationId xmlns:p14="http://schemas.microsoft.com/office/powerpoint/2010/main" val="131840209"/>
+      </p:ext>
+    </p:extLst>
+  </p:cSld>
+  <p:clrMapOvr>
+    <a:masterClrMapping/>
+  </p:clrMapOvr>
+</p:sld>
+</file>
+
+<file path=ppt/slides/slide20.xml><?xml version="1.0" encoding="utf-8"?>
 <p:sld xmlns:a="http://schemas.openxmlformats.org/drawingml/2006/main" xmlns:r="http://schemas.openxmlformats.org/officeDocument/2006/relationships" xmlns:p="http://schemas.openxmlformats.org/presentationml/2006/main">
   <p:cSld>
     <p:spTree>
@@ -12933,216 +14110,7 @@
 </p:sld>
 </file>
 
-<file path=ppt/slides/slide2.xml><?xml version="1.0" encoding="utf-8"?>
-<p:sld xmlns:a="http://schemas.openxmlformats.org/drawingml/2006/main" xmlns:r="http://schemas.openxmlformats.org/officeDocument/2006/relationships" xmlns:p="http://schemas.openxmlformats.org/presentationml/2006/main">
-  <p:cSld>
-    <p:spTree>
-      <p:nvGrpSpPr>
-        <p:cNvPr id="1" name=""/>
-        <p:cNvGrpSpPr/>
-        <p:nvPr/>
-      </p:nvGrpSpPr>
-      <p:grpSpPr>
-        <a:xfrm>
-          <a:off x="0" y="0"/>
-          <a:ext cx="0" cy="0"/>
-          <a:chOff x="0" y="0"/>
-          <a:chExt cx="0" cy="0"/>
-        </a:xfrm>
-      </p:grpSpPr>
-      <p:sp>
-        <p:nvSpPr>
-          <p:cNvPr id="2" name="Title 1">
-            <a:extLst>
-              <a:ext uri="{FF2B5EF4-FFF2-40B4-BE49-F238E27FC236}">
-                <a16:creationId xmlns:a16="http://schemas.microsoft.com/office/drawing/2014/main" id="{AA3A228F-61D0-D949-A5E7-F83756230BF8}"/>
-              </a:ext>
-            </a:extLst>
-          </p:cNvPr>
-          <p:cNvSpPr>
-            <a:spLocks noGrp="1"/>
-          </p:cNvSpPr>
-          <p:nvPr>
-            <p:ph type="title"/>
-          </p:nvPr>
-        </p:nvSpPr>
-        <p:spPr>
-          <a:xfrm>
-            <a:off x="483848" y="467027"/>
-            <a:ext cx="7053542" cy="683886"/>
-          </a:xfrm>
-        </p:spPr>
-        <p:txBody>
-          <a:bodyPr/>
-          <a:lstStyle/>
-          <a:p>
-            <a:r>
-              <a:rPr lang="en-US" dirty="0"/>
-              <a:t>Topics</a:t>
-            </a:r>
-          </a:p>
-        </p:txBody>
-      </p:sp>
-      <p:sp>
-        <p:nvSpPr>
-          <p:cNvPr id="9" name="Content Placeholder 8">
-            <a:extLst>
-              <a:ext uri="{FF2B5EF4-FFF2-40B4-BE49-F238E27FC236}">
-                <a16:creationId xmlns:a16="http://schemas.microsoft.com/office/drawing/2014/main" id="{E3B2E017-30B2-884B-A113-B419A2ED51AD}"/>
-              </a:ext>
-            </a:extLst>
-          </p:cNvPr>
-          <p:cNvSpPr>
-            <a:spLocks noGrp="1"/>
-          </p:cNvSpPr>
-          <p:nvPr>
-            <p:ph idx="1"/>
-          </p:nvPr>
-        </p:nvSpPr>
-        <p:spPr>
-          <a:xfrm>
-            <a:off x="483848" y="1288073"/>
-            <a:ext cx="8051725" cy="4303429"/>
-          </a:xfrm>
-        </p:spPr>
-        <p:txBody>
-          <a:bodyPr/>
-          <a:lstStyle/>
-          <a:p>
-            <a:pPr marL="0" indent="0">
-              <a:buNone/>
-            </a:pPr>
-            <a:endParaRPr lang="en-US" dirty="0">
-              <a:latin typeface="Gill Sans MT" panose="020B0502020104020203" pitchFamily="34" charset="77"/>
-            </a:endParaRPr>
-          </a:p>
-          <a:p>
-            <a:pPr marL="457200" indent="-457200">
-              <a:buAutoNum type="arabicParenR"/>
-            </a:pPr>
-            <a:r>
-              <a:rPr lang="en-US" dirty="0">
-                <a:latin typeface="Gill Sans MT" panose="020B0502020104020203" pitchFamily="34" charset="77"/>
-              </a:rPr>
-              <a:t>Lists</a:t>
-            </a:r>
-          </a:p>
-          <a:p>
-            <a:pPr marL="685800" lvl="1" indent="-342900">
-              <a:buFont typeface="+mj-lt"/>
-              <a:buAutoNum type="alphaLcParenR"/>
-            </a:pPr>
-            <a:r>
-              <a:rPr lang="en-US" sz="2000" dirty="0">
-                <a:latin typeface="Gill Sans MT" panose="020B0502020104020203" pitchFamily="34" charset="77"/>
-              </a:rPr>
-              <a:t>Indexing and Slicing</a:t>
-            </a:r>
-          </a:p>
-          <a:p>
-            <a:pPr marL="685800" lvl="1" indent="-342900">
-              <a:buFont typeface="+mj-lt"/>
-              <a:buAutoNum type="alphaLcParenR"/>
-            </a:pPr>
-            <a:r>
-              <a:rPr lang="en-US" sz="2000" dirty="0">
-                <a:latin typeface="Gill Sans MT" panose="020B0502020104020203" pitchFamily="34" charset="77"/>
-              </a:rPr>
-              <a:t>List Methods</a:t>
-            </a:r>
-          </a:p>
-          <a:p>
-            <a:pPr marL="0" indent="0">
-              <a:buNone/>
-            </a:pPr>
-            <a:r>
-              <a:rPr lang="en-US" dirty="0">
-                <a:latin typeface="Gill Sans MT" panose="020B0502020104020203" pitchFamily="34" charset="77"/>
-              </a:rPr>
-              <a:t>3)   List comprehensions	</a:t>
-            </a:r>
-          </a:p>
-          <a:p>
-            <a:pPr marL="457200" indent="-457200">
-              <a:buAutoNum type="arabicParenR" startAt="4"/>
-            </a:pPr>
-            <a:r>
-              <a:rPr lang="en-US" dirty="0" err="1">
-                <a:latin typeface="Gill Sans MT" panose="020B0502020104020203" pitchFamily="34" charset="77"/>
-              </a:rPr>
-              <a:t>Iterables</a:t>
-            </a:r>
-            <a:endParaRPr lang="en-US" dirty="0">
-              <a:latin typeface="Gill Sans MT" panose="020B0502020104020203" pitchFamily="34" charset="77"/>
-            </a:endParaRPr>
-          </a:p>
-          <a:p>
-            <a:pPr marL="0" indent="0">
-              <a:buNone/>
-            </a:pPr>
-            <a:r>
-              <a:rPr lang="en-US" dirty="0">
-                <a:latin typeface="Gill Sans MT" panose="020B0502020104020203" pitchFamily="34" charset="77"/>
-              </a:rPr>
-              <a:t>5)   Membership and Operations</a:t>
-            </a:r>
-          </a:p>
-          <a:p>
-            <a:pPr marL="0" indent="0">
-              <a:buNone/>
-            </a:pPr>
-            <a:endParaRPr lang="en-US" dirty="0">
-              <a:latin typeface="Gill Sans MT" panose="020B0502020104020203" pitchFamily="34" charset="77"/>
-            </a:endParaRPr>
-          </a:p>
-          <a:p>
-            <a:pPr marL="457200" indent="-457200">
-              <a:buAutoNum type="arabicParenR"/>
-            </a:pPr>
-            <a:endParaRPr lang="en-US" dirty="0">
-              <a:latin typeface="Gill Sans MT" panose="020B0502020104020203" pitchFamily="34" charset="77"/>
-            </a:endParaRPr>
-          </a:p>
-          <a:p>
-            <a:pPr marL="457200" indent="-457200">
-              <a:buAutoNum type="arabicParenR"/>
-            </a:pPr>
-            <a:endParaRPr lang="en-US" dirty="0">
-              <a:latin typeface="Gill Sans MT" panose="020B0502020104020203" pitchFamily="34" charset="77"/>
-            </a:endParaRPr>
-          </a:p>
-          <a:p>
-            <a:pPr marL="0" indent="0">
-              <a:buNone/>
-            </a:pPr>
-            <a:endParaRPr lang="en-US" dirty="0">
-              <a:latin typeface="Gill Sans MT" panose="020B0502020104020203" pitchFamily="34" charset="77"/>
-            </a:endParaRPr>
-          </a:p>
-          <a:p>
-            <a:pPr marL="0" indent="0">
-              <a:buNone/>
-            </a:pPr>
-            <a:endParaRPr lang="en-US" b="1" dirty="0">
-              <a:latin typeface="Gill Sans MT" panose="020B0502020104020203" pitchFamily="34" charset="77"/>
-            </a:endParaRPr>
-          </a:p>
-        </p:txBody>
-      </p:sp>
-    </p:spTree>
-    <p:extLst>
-      <p:ext uri="{BB962C8B-B14F-4D97-AF65-F5344CB8AC3E}">
-        <p14:creationId xmlns:p14="http://schemas.microsoft.com/office/powerpoint/2010/main" val="131840209"/>
-      </p:ext>
-    </p:extLst>
-  </p:cSld>
-  <p:clrMapOvr>
-    <a:masterClrMapping/>
-  </p:clrMapOvr>
-</p:sld>
-</file>
-
-<file path=ppt/slides/slide20.xml><?xml version="1.0" encoding="utf-8"?>
+<file path=ppt/slides/slide21.xml><?xml version="1.0" encoding="utf-8"?>
 <p:sld xmlns:a="http://schemas.openxmlformats.org/drawingml/2006/main" xmlns:r="http://schemas.openxmlformats.org/officeDocument/2006/relationships" xmlns:p="http://schemas.openxmlformats.org/presentationml/2006/main">
   <p:cSld>
     <p:spTree>
@@ -13997,7 +14965,7 @@
 </p:sld>
 </file>
 
-<file path=ppt/slides/slide21.xml><?xml version="1.0" encoding="utf-8"?>
+<file path=ppt/slides/slide22.xml><?xml version="1.0" encoding="utf-8"?>
 <p:sld xmlns:a="http://schemas.openxmlformats.org/drawingml/2006/main" xmlns:r="http://schemas.openxmlformats.org/officeDocument/2006/relationships" xmlns:p="http://schemas.openxmlformats.org/presentationml/2006/main">
   <p:cSld>
     <p:spTree>
@@ -14531,7 +15499,7 @@
 </p:sld>
 </file>
 
-<file path=ppt/slides/slide22.xml><?xml version="1.0" encoding="utf-8"?>
+<file path=ppt/slides/slide23.xml><?xml version="1.0" encoding="utf-8"?>
 <p:sld xmlns:a="http://schemas.openxmlformats.org/drawingml/2006/main" xmlns:r="http://schemas.openxmlformats.org/officeDocument/2006/relationships" xmlns:p="http://schemas.openxmlformats.org/presentationml/2006/main">
   <p:cSld>
     <p:spTree>
@@ -14827,7 +15795,7 @@
 </p:sld>
 </file>
 
-<file path=ppt/slides/slide23.xml><?xml version="1.0" encoding="utf-8"?>
+<file path=ppt/slides/slide24.xml><?xml version="1.0" encoding="utf-8"?>
 <p:sld xmlns:a="http://schemas.openxmlformats.org/drawingml/2006/main" xmlns:r="http://schemas.openxmlformats.org/officeDocument/2006/relationships" xmlns:p="http://schemas.openxmlformats.org/presentationml/2006/main">
   <p:cSld>
     <p:spTree>
@@ -15655,7 +16623,7 @@
 </p:sld>
 </file>
 
-<file path=ppt/slides/slide24.xml><?xml version="1.0" encoding="utf-8"?>
+<file path=ppt/slides/slide25.xml><?xml version="1.0" encoding="utf-8"?>
 <p:sld xmlns:a="http://schemas.openxmlformats.org/drawingml/2006/main" xmlns:r="http://schemas.openxmlformats.org/officeDocument/2006/relationships" xmlns:p="http://schemas.openxmlformats.org/presentationml/2006/main">
   <p:cSld>
     <p:spTree>
@@ -16568,7 +17536,7 @@
 </p:sld>
 </file>
 
-<file path=ppt/slides/slide25.xml><?xml version="1.0" encoding="utf-8"?>
+<file path=ppt/slides/slide26.xml><?xml version="1.0" encoding="utf-8"?>
 <p:sld xmlns:a="http://schemas.openxmlformats.org/drawingml/2006/main" xmlns:r="http://schemas.openxmlformats.org/officeDocument/2006/relationships" xmlns:p="http://schemas.openxmlformats.org/presentationml/2006/main">
   <p:cSld>
     <p:spTree>
@@ -17186,7 +18154,7 @@
 </p:sld>
 </file>
 
-<file path=ppt/slides/slide26.xml><?xml version="1.0" encoding="utf-8"?>
+<file path=ppt/slides/slide27.xml><?xml version="1.0" encoding="utf-8"?>
 <p:sld xmlns:a="http://schemas.openxmlformats.org/drawingml/2006/main" xmlns:r="http://schemas.openxmlformats.org/officeDocument/2006/relationships" xmlns:p="http://schemas.openxmlformats.org/presentationml/2006/main">
   <p:cSld>
     <p:spTree>
@@ -17548,172 +18516,6 @@
 </p:sld>
 </file>
 
-<file path=ppt/slides/slide27.xml><?xml version="1.0" encoding="utf-8"?>
-<p:sld xmlns:a="http://schemas.openxmlformats.org/drawingml/2006/main" xmlns:r="http://schemas.openxmlformats.org/officeDocument/2006/relationships" xmlns:p="http://schemas.openxmlformats.org/presentationml/2006/main">
-  <p:cSld>
-    <p:spTree>
-      <p:nvGrpSpPr>
-        <p:cNvPr id="1" name=""/>
-        <p:cNvGrpSpPr/>
-        <p:nvPr/>
-      </p:nvGrpSpPr>
-      <p:grpSpPr>
-        <a:xfrm>
-          <a:off x="0" y="0"/>
-          <a:ext cx="0" cy="0"/>
-          <a:chOff x="0" y="0"/>
-          <a:chExt cx="0" cy="0"/>
-        </a:xfrm>
-      </p:grpSpPr>
-      <p:sp>
-        <p:nvSpPr>
-          <p:cNvPr id="2" name="Title 1">
-            <a:extLst>
-              <a:ext uri="{FF2B5EF4-FFF2-40B4-BE49-F238E27FC236}">
-                <a16:creationId xmlns:a16="http://schemas.microsoft.com/office/drawing/2014/main" id="{AA3A228F-61D0-D949-A5E7-F83756230BF8}"/>
-              </a:ext>
-            </a:extLst>
-          </p:cNvPr>
-          <p:cNvSpPr>
-            <a:spLocks noGrp="1"/>
-          </p:cNvSpPr>
-          <p:nvPr>
-            <p:ph type="title"/>
-          </p:nvPr>
-        </p:nvSpPr>
-        <p:spPr>
-          <a:xfrm>
-            <a:off x="483848" y="467027"/>
-            <a:ext cx="7053542" cy="683886"/>
-          </a:xfrm>
-        </p:spPr>
-        <p:txBody>
-          <a:bodyPr/>
-          <a:lstStyle/>
-          <a:p>
-            <a:r>
-              <a:rPr lang="en-US" dirty="0"/>
-              <a:t>Membership and Operations</a:t>
-            </a:r>
-          </a:p>
-        </p:txBody>
-      </p:sp>
-      <p:sp>
-        <p:nvSpPr>
-          <p:cNvPr id="9" name="Content Placeholder 8">
-            <a:extLst>
-              <a:ext uri="{FF2B5EF4-FFF2-40B4-BE49-F238E27FC236}">
-                <a16:creationId xmlns:a16="http://schemas.microsoft.com/office/drawing/2014/main" id="{E3B2E017-30B2-884B-A113-B419A2ED51AD}"/>
-              </a:ext>
-            </a:extLst>
-          </p:cNvPr>
-          <p:cNvSpPr>
-            <a:spLocks noGrp="1"/>
-          </p:cNvSpPr>
-          <p:nvPr>
-            <p:ph idx="1"/>
-          </p:nvPr>
-        </p:nvSpPr>
-        <p:spPr>
-          <a:xfrm>
-            <a:off x="483848" y="1150913"/>
-            <a:ext cx="8051725" cy="4440590"/>
-          </a:xfrm>
-        </p:spPr>
-        <p:txBody>
-          <a:bodyPr>
-            <a:noAutofit/>
-          </a:bodyPr>
-          <a:lstStyle/>
-          <a:p>
-            <a:pPr marL="0" indent="0">
-              <a:buNone/>
-            </a:pPr>
-            <a:endParaRPr lang="en-US" dirty="0"/>
-          </a:p>
-          <a:p>
-            <a:pPr marL="0" indent="0">
-              <a:buNone/>
-            </a:pPr>
-            <a:endParaRPr lang="en-US" dirty="0"/>
-          </a:p>
-          <a:p>
-            <a:pPr marL="0" indent="0">
-              <a:buNone/>
-            </a:pPr>
-            <a:endParaRPr lang="en-US" dirty="0"/>
-          </a:p>
-          <a:p>
-            <a:pPr marL="0" indent="0">
-              <a:buNone/>
-            </a:pPr>
-            <a:endParaRPr lang="en-US" dirty="0"/>
-          </a:p>
-          <a:p>
-            <a:pPr marL="0" indent="0">
-              <a:buNone/>
-            </a:pPr>
-            <a:endParaRPr lang="en-US" dirty="0"/>
-          </a:p>
-          <a:p>
-            <a:pPr marL="0" indent="0">
-              <a:buNone/>
-            </a:pPr>
-            <a:endParaRPr lang="en-US" dirty="0"/>
-          </a:p>
-          <a:p>
-            <a:pPr marL="0" indent="0">
-              <a:buNone/>
-            </a:pPr>
-            <a:endParaRPr lang="en-US" sz="1900" b="1" dirty="0">
-              <a:latin typeface="Inconsolata" panose="020B0609030003000000" pitchFamily="49" charset="77"/>
-            </a:endParaRPr>
-          </a:p>
-        </p:txBody>
-      </p:sp>
-      <p:pic>
-        <p:nvPicPr>
-          <p:cNvPr id="6" name="Picture 5">
-            <a:extLst>
-              <a:ext uri="{FF2B5EF4-FFF2-40B4-BE49-F238E27FC236}">
-                <a16:creationId xmlns:a16="http://schemas.microsoft.com/office/drawing/2014/main" id="{FE6799D1-000E-F24E-9DA4-3EA460D9A16B}"/>
-              </a:ext>
-            </a:extLst>
-          </p:cNvPr>
-          <p:cNvPicPr>
-            <a:picLocks noChangeAspect="1"/>
-          </p:cNvPicPr>
-          <p:nvPr/>
-        </p:nvPicPr>
-        <p:blipFill>
-          <a:blip r:embed="rId2"/>
-          <a:stretch>
-            <a:fillRect/>
-          </a:stretch>
-        </p:blipFill>
-        <p:spPr>
-          <a:xfrm>
-            <a:off x="255174" y="1408493"/>
-            <a:ext cx="6202888" cy="2787494"/>
-          </a:xfrm>
-          <a:prstGeom prst="rect">
-            <a:avLst/>
-          </a:prstGeom>
-        </p:spPr>
-      </p:pic>
-    </p:spTree>
-    <p:extLst>
-      <p:ext uri="{BB962C8B-B14F-4D97-AF65-F5344CB8AC3E}">
-        <p14:creationId xmlns:p14="http://schemas.microsoft.com/office/powerpoint/2010/main" val="3883735123"/>
-      </p:ext>
-    </p:extLst>
-  </p:cSld>
-  <p:clrMapOvr>
-    <a:masterClrMapping/>
-  </p:clrMapOvr>
-</p:sld>
-</file>
-
 <file path=ppt/slides/slide28.xml><?xml version="1.0" encoding="utf-8"?>
 <p:sld xmlns:a="http://schemas.openxmlformats.org/drawingml/2006/main" xmlns:r="http://schemas.openxmlformats.org/officeDocument/2006/relationships" xmlns:p="http://schemas.openxmlformats.org/presentationml/2006/main">
   <p:cSld>
@@ -17759,7 +18561,7 @@
           <a:p>
             <a:r>
               <a:rPr lang="en-US" dirty="0"/>
-              <a:t>Identity Operations</a:t>
+              <a:t>Membership and Operations</a:t>
             </a:r>
           </a:p>
         </p:txBody>
@@ -17795,317 +18597,82 @@
             <a:pPr marL="0" indent="0">
               <a:buNone/>
             </a:pPr>
-            <a:r>
-              <a:rPr lang="en-US" dirty="0"/>
-              <a:t>The comparison operator == checks for </a:t>
-            </a:r>
-            <a:r>
-              <a:rPr lang="en-US" i="1" dirty="0"/>
-              <a:t>object equality</a:t>
-            </a:r>
-            <a:r>
-              <a:rPr lang="en-US" dirty="0"/>
-              <a:t>. It checks to see if two objects have the same content. </a:t>
-            </a:r>
-          </a:p>
-          <a:p>
-            <a:pPr marL="0" indent="0">
-              <a:buNone/>
-            </a:pPr>
-            <a:endParaRPr lang="en-US" b="1" dirty="0">
-              <a:solidFill>
-                <a:srgbClr val="000087"/>
-              </a:solidFill>
+            <a:endParaRPr lang="en-US" dirty="0"/>
+          </a:p>
+          <a:p>
+            <a:pPr marL="0" indent="0">
+              <a:buNone/>
+            </a:pPr>
+            <a:endParaRPr lang="en-US" dirty="0"/>
+          </a:p>
+          <a:p>
+            <a:pPr marL="0" indent="0">
+              <a:buNone/>
+            </a:pPr>
+            <a:endParaRPr lang="en-US" dirty="0"/>
+          </a:p>
+          <a:p>
+            <a:pPr marL="0" indent="0">
+              <a:buNone/>
+            </a:pPr>
+            <a:endParaRPr lang="en-US" dirty="0"/>
+          </a:p>
+          <a:p>
+            <a:pPr marL="0" indent="0">
+              <a:buNone/>
+            </a:pPr>
+            <a:endParaRPr lang="en-US" dirty="0"/>
+          </a:p>
+          <a:p>
+            <a:pPr marL="0" indent="0">
+              <a:buNone/>
+            </a:pPr>
+            <a:endParaRPr lang="en-US" dirty="0"/>
+          </a:p>
+          <a:p>
+            <a:pPr marL="0" indent="0">
+              <a:buNone/>
+            </a:pPr>
+            <a:endParaRPr lang="en-US" sz="1900" b="1" dirty="0">
               <a:latin typeface="Inconsolata" panose="020B0609030003000000" pitchFamily="49" charset="77"/>
             </a:endParaRPr>
           </a:p>
-          <a:p>
-            <a:pPr marL="0" indent="0">
-              <a:buNone/>
-            </a:pPr>
-            <a:endParaRPr lang="en-US" b="1" dirty="0">
-              <a:solidFill>
-                <a:srgbClr val="000087"/>
-              </a:solidFill>
-              <a:latin typeface="Inconsolata" panose="020B0609030003000000" pitchFamily="49" charset="77"/>
-            </a:endParaRPr>
-          </a:p>
-          <a:p>
-            <a:pPr marL="0" indent="0">
-              <a:buNone/>
-            </a:pPr>
-            <a:r>
-              <a:rPr lang="en-US" b="1" dirty="0">
-                <a:solidFill>
-                  <a:srgbClr val="000087"/>
-                </a:solidFill>
-                <a:latin typeface="Inconsolata" panose="020B0609030003000000" pitchFamily="49" charset="77"/>
-              </a:rPr>
-              <a:t>In </a:t>
-            </a:r>
-            <a:r>
-              <a:rPr lang="en-US" b="1" dirty="0">
-                <a:latin typeface="Inconsolata" panose="020B0609030003000000" pitchFamily="49" charset="77"/>
-              </a:rPr>
-              <a:t>[</a:t>
-            </a:r>
-            <a:r>
-              <a:rPr lang="en-US" b="1" dirty="0">
-                <a:solidFill>
-                  <a:srgbClr val="FF6600"/>
-                </a:solidFill>
-                <a:latin typeface="Inconsolata" panose="020B0609030003000000" pitchFamily="49" charset="77"/>
-              </a:rPr>
-              <a:t>1</a:t>
-            </a:r>
-            <a:r>
-              <a:rPr lang="en-US" b="1" dirty="0">
-                <a:latin typeface="Inconsolata" panose="020B0609030003000000" pitchFamily="49" charset="77"/>
-              </a:rPr>
-              <a:t>]: </a:t>
-            </a:r>
-            <a:r>
-              <a:rPr lang="en-US" b="1" dirty="0">
-                <a:solidFill>
-                  <a:srgbClr val="000087"/>
-                </a:solidFill>
-                <a:latin typeface="Inconsolata" panose="020B0609030003000000" pitchFamily="49" charset="77"/>
-              </a:rPr>
-              <a:t>a </a:t>
-            </a:r>
-            <a:r>
-              <a:rPr lang="en-US" b="1" dirty="0">
-                <a:solidFill>
-                  <a:srgbClr val="545454"/>
-                </a:solidFill>
-                <a:latin typeface="Inconsolata" panose="020B0609030003000000" pitchFamily="49" charset="77"/>
-              </a:rPr>
-              <a:t>= </a:t>
-            </a:r>
-            <a:r>
-              <a:rPr lang="en-US" b="1" dirty="0">
-                <a:latin typeface="Inconsolata" panose="020B0609030003000000" pitchFamily="49" charset="77"/>
-              </a:rPr>
-              <a:t>[</a:t>
-            </a:r>
-            <a:r>
-              <a:rPr lang="en-US" b="1" dirty="0">
-                <a:solidFill>
-                  <a:srgbClr val="FF6600"/>
-                </a:solidFill>
-                <a:latin typeface="Inconsolata" panose="020B0609030003000000" pitchFamily="49" charset="77"/>
-              </a:rPr>
-              <a:t>1</a:t>
-            </a:r>
-            <a:r>
-              <a:rPr lang="en-US" b="1" dirty="0">
-                <a:latin typeface="Inconsolata" panose="020B0609030003000000" pitchFamily="49" charset="77"/>
-              </a:rPr>
-              <a:t>,</a:t>
-            </a:r>
-            <a:r>
-              <a:rPr lang="en-US" b="1" dirty="0">
-                <a:solidFill>
-                  <a:srgbClr val="FF6600"/>
-                </a:solidFill>
-                <a:latin typeface="Inconsolata" panose="020B0609030003000000" pitchFamily="49" charset="77"/>
-              </a:rPr>
-              <a:t>2</a:t>
-            </a:r>
-            <a:r>
-              <a:rPr lang="en-US" b="1" dirty="0">
-                <a:latin typeface="Inconsolata" panose="020B0609030003000000" pitchFamily="49" charset="77"/>
-              </a:rPr>
-              <a:t>,</a:t>
-            </a:r>
-            <a:r>
-              <a:rPr lang="en-US" b="1" dirty="0">
-                <a:solidFill>
-                  <a:srgbClr val="FF6600"/>
-                </a:solidFill>
-                <a:latin typeface="Inconsolata" panose="020B0609030003000000" pitchFamily="49" charset="77"/>
-              </a:rPr>
-              <a:t>3</a:t>
-            </a:r>
-            <a:r>
-              <a:rPr lang="en-US" b="1" dirty="0">
-                <a:latin typeface="Inconsolata" panose="020B0609030003000000" pitchFamily="49" charset="77"/>
-              </a:rPr>
-              <a:t>] </a:t>
-            </a:r>
-          </a:p>
-          <a:p>
-            <a:pPr marL="0" indent="0">
-              <a:buNone/>
-            </a:pPr>
-            <a:r>
-              <a:rPr lang="en-US" b="1" dirty="0">
-                <a:solidFill>
-                  <a:srgbClr val="000087"/>
-                </a:solidFill>
-                <a:latin typeface="Inconsolata" panose="020B0609030003000000" pitchFamily="49" charset="77"/>
-              </a:rPr>
-              <a:t>	   b </a:t>
-            </a:r>
-            <a:r>
-              <a:rPr lang="en-US" b="1" dirty="0">
-                <a:solidFill>
-                  <a:srgbClr val="545454"/>
-                </a:solidFill>
-                <a:latin typeface="Inconsolata" panose="020B0609030003000000" pitchFamily="49" charset="77"/>
-              </a:rPr>
-              <a:t>= </a:t>
-            </a:r>
-            <a:r>
-              <a:rPr lang="en-US" b="1" dirty="0">
-                <a:latin typeface="Inconsolata" panose="020B0609030003000000" pitchFamily="49" charset="77"/>
-              </a:rPr>
-              <a:t>[</a:t>
-            </a:r>
-            <a:r>
-              <a:rPr lang="en-US" b="1" dirty="0">
-                <a:solidFill>
-                  <a:srgbClr val="FF6600"/>
-                </a:solidFill>
-                <a:latin typeface="Inconsolata" panose="020B0609030003000000" pitchFamily="49" charset="77"/>
-              </a:rPr>
-              <a:t>1</a:t>
-            </a:r>
-            <a:r>
-              <a:rPr lang="en-US" b="1" dirty="0">
-                <a:latin typeface="Inconsolata" panose="020B0609030003000000" pitchFamily="49" charset="77"/>
-              </a:rPr>
-              <a:t>,</a:t>
-            </a:r>
-            <a:r>
-              <a:rPr lang="en-US" b="1" dirty="0">
-                <a:solidFill>
-                  <a:srgbClr val="FF6600"/>
-                </a:solidFill>
-                <a:latin typeface="Inconsolata" panose="020B0609030003000000" pitchFamily="49" charset="77"/>
-              </a:rPr>
-              <a:t>2</a:t>
-            </a:r>
-            <a:r>
-              <a:rPr lang="en-US" b="1" dirty="0">
-                <a:latin typeface="Inconsolata" panose="020B0609030003000000" pitchFamily="49" charset="77"/>
-              </a:rPr>
-              <a:t>,</a:t>
-            </a:r>
-            <a:r>
-              <a:rPr lang="en-US" b="1" dirty="0">
-                <a:solidFill>
-                  <a:srgbClr val="FF6600"/>
-                </a:solidFill>
-                <a:latin typeface="Inconsolata" panose="020B0609030003000000" pitchFamily="49" charset="77"/>
-              </a:rPr>
-              <a:t>3</a:t>
-            </a:r>
-            <a:r>
-              <a:rPr lang="en-US" b="1" dirty="0">
-                <a:latin typeface="Inconsolata" panose="020B0609030003000000" pitchFamily="49" charset="77"/>
-              </a:rPr>
-              <a:t>] </a:t>
-            </a:r>
-          </a:p>
-          <a:p>
-            <a:pPr marL="0" indent="0">
-              <a:buNone/>
-            </a:pPr>
-            <a:r>
-              <a:rPr lang="en-US" b="1" dirty="0">
-                <a:solidFill>
-                  <a:srgbClr val="000087"/>
-                </a:solidFill>
-                <a:latin typeface="Inconsolata" panose="020B0609030003000000" pitchFamily="49" charset="77"/>
-              </a:rPr>
-              <a:t>In</a:t>
-            </a:r>
-            <a:r>
-              <a:rPr lang="en-US" b="1" dirty="0">
-                <a:latin typeface="Inconsolata" panose="020B0609030003000000" pitchFamily="49" charset="77"/>
-              </a:rPr>
-              <a:t>[</a:t>
-            </a:r>
-            <a:r>
-              <a:rPr lang="en-US" b="1" dirty="0">
-                <a:solidFill>
-                  <a:srgbClr val="FF6600"/>
-                </a:solidFill>
-                <a:latin typeface="Inconsolata" panose="020B0609030003000000" pitchFamily="49" charset="77"/>
-              </a:rPr>
-              <a:t>2</a:t>
-            </a:r>
-            <a:r>
-              <a:rPr lang="en-US" b="1" dirty="0">
-                <a:latin typeface="Inconsolata" panose="020B0609030003000000" pitchFamily="49" charset="77"/>
-              </a:rPr>
-              <a:t>]:  </a:t>
-            </a:r>
-            <a:r>
-              <a:rPr lang="en-US" b="1" dirty="0">
-                <a:solidFill>
-                  <a:srgbClr val="000087"/>
-                </a:solidFill>
-                <a:latin typeface="Inconsolata" panose="020B0609030003000000" pitchFamily="49" charset="77"/>
-              </a:rPr>
-              <a:t>a </a:t>
-            </a:r>
-            <a:r>
-              <a:rPr lang="en-US" b="1" dirty="0">
-                <a:solidFill>
-                  <a:srgbClr val="545454"/>
-                </a:solidFill>
-                <a:latin typeface="Inconsolata" panose="020B0609030003000000" pitchFamily="49" charset="77"/>
-              </a:rPr>
-              <a:t>== </a:t>
-            </a:r>
-            <a:r>
-              <a:rPr lang="en-US" b="1" dirty="0">
-                <a:solidFill>
-                  <a:srgbClr val="000087"/>
-                </a:solidFill>
-                <a:latin typeface="Inconsolata" panose="020B0609030003000000" pitchFamily="49" charset="77"/>
-              </a:rPr>
-              <a:t>b </a:t>
-            </a:r>
-            <a:r>
-              <a:rPr lang="en-US" sz="2000" b="1" dirty="0">
-                <a:solidFill>
-                  <a:srgbClr val="33566B"/>
-                </a:solidFill>
-                <a:latin typeface="Inconsolata" panose="020B0609030003000000" pitchFamily="49" charset="77"/>
-              </a:rPr>
-              <a:t># a and b are different lists, same content </a:t>
-            </a:r>
-            <a:endParaRPr lang="en-US" sz="2000" b="1" dirty="0">
-              <a:latin typeface="Inconsolata" panose="020B0609030003000000" pitchFamily="49" charset="77"/>
-            </a:endParaRPr>
-          </a:p>
-          <a:p>
-            <a:pPr marL="0" indent="0">
-              <a:buNone/>
-            </a:pPr>
-            <a:r>
-              <a:rPr lang="en-US" b="1" dirty="0">
-                <a:latin typeface="Inconsolata" panose="020B0609030003000000" pitchFamily="49" charset="77"/>
-              </a:rPr>
-              <a:t>Out [2]: True </a:t>
-            </a:r>
-            <a:endParaRPr lang="en-US" dirty="0"/>
-          </a:p>
-          <a:p>
-            <a:pPr marL="0" indent="0">
-              <a:buNone/>
-            </a:pPr>
-            <a:endParaRPr lang="en-US" dirty="0"/>
-          </a:p>
         </p:txBody>
       </p:sp>
+      <p:pic>
+        <p:nvPicPr>
+          <p:cNvPr id="6" name="Picture 5">
+            <a:extLst>
+              <a:ext uri="{FF2B5EF4-FFF2-40B4-BE49-F238E27FC236}">
+                <a16:creationId xmlns:a16="http://schemas.microsoft.com/office/drawing/2014/main" id="{FE6799D1-000E-F24E-9DA4-3EA460D9A16B}"/>
+              </a:ext>
+            </a:extLst>
+          </p:cNvPr>
+          <p:cNvPicPr>
+            <a:picLocks noChangeAspect="1"/>
+          </p:cNvPicPr>
+          <p:nvPr/>
+        </p:nvPicPr>
+        <p:blipFill>
+          <a:blip r:embed="rId2"/>
+          <a:stretch>
+            <a:fillRect/>
+          </a:stretch>
+        </p:blipFill>
+        <p:spPr>
+          <a:xfrm>
+            <a:off x="255174" y="1408493"/>
+            <a:ext cx="6202888" cy="2787494"/>
+          </a:xfrm>
+          <a:prstGeom prst="rect">
+            <a:avLst/>
+          </a:prstGeom>
+        </p:spPr>
+      </p:pic>
     </p:spTree>
     <p:extLst>
       <p:ext uri="{BB962C8B-B14F-4D97-AF65-F5344CB8AC3E}">
-        <p14:creationId xmlns:p14="http://schemas.microsoft.com/office/powerpoint/2010/main" val="97464883"/>
+        <p14:creationId xmlns:p14="http://schemas.microsoft.com/office/powerpoint/2010/main" val="3883735123"/>
       </p:ext>
     </p:extLst>
   </p:cSld>
@@ -18198,93 +18765,15 @@
             </a:pPr>
             <a:r>
               <a:rPr lang="en-US" dirty="0"/>
-              <a:t>The identity operators, is and is not, check for </a:t>
+              <a:t>The comparison operator == checks for </a:t>
             </a:r>
             <a:r>
               <a:rPr lang="en-US" i="1" dirty="0"/>
-              <a:t>object identity</a:t>
+              <a:t>object equality</a:t>
             </a:r>
             <a:r>
               <a:rPr lang="en-US" dirty="0"/>
-              <a:t>.  They check whether two variable </a:t>
-            </a:r>
-            <a:r>
-              <a:rPr lang="en-US" b="1" dirty="0"/>
-              <a:t>references</a:t>
-            </a:r>
-            <a:r>
-              <a:rPr lang="en-US" dirty="0"/>
-              <a:t> the same object. </a:t>
-            </a:r>
-          </a:p>
-          <a:p>
-            <a:pPr marL="0" indent="0">
-              <a:buNone/>
-            </a:pPr>
-            <a:r>
-              <a:rPr lang="en-US" b="1" dirty="0">
-                <a:solidFill>
-                  <a:srgbClr val="000087"/>
-                </a:solidFill>
-                <a:latin typeface="Inconsolata" panose="020B0609030003000000" pitchFamily="49" charset="77"/>
-              </a:rPr>
-              <a:t>In</a:t>
-            </a:r>
-            <a:r>
-              <a:rPr lang="en-US" b="1" dirty="0">
-                <a:latin typeface="Inconsolata" panose="020B0609030003000000" pitchFamily="49" charset="77"/>
-              </a:rPr>
-              <a:t>[</a:t>
-            </a:r>
-            <a:r>
-              <a:rPr lang="en-US" b="1" dirty="0">
-                <a:solidFill>
-                  <a:srgbClr val="FF6600"/>
-                </a:solidFill>
-                <a:latin typeface="Inconsolata" panose="020B0609030003000000" pitchFamily="49" charset="77"/>
-              </a:rPr>
-              <a:t>3</a:t>
-            </a:r>
-            <a:r>
-              <a:rPr lang="en-US" b="1" dirty="0">
-                <a:latin typeface="Inconsolata" panose="020B0609030003000000" pitchFamily="49" charset="77"/>
-              </a:rPr>
-              <a:t>]: </a:t>
-            </a:r>
-            <a:r>
-              <a:rPr lang="en-US" b="1" dirty="0">
-                <a:solidFill>
-                  <a:srgbClr val="000087"/>
-                </a:solidFill>
-                <a:latin typeface="Inconsolata" panose="020B0609030003000000" pitchFamily="49" charset="77"/>
-              </a:rPr>
-              <a:t>a </a:t>
-            </a:r>
-            <a:r>
-              <a:rPr lang="en-US" b="1" dirty="0">
-                <a:latin typeface="Inconsolata" panose="020B0609030003000000" pitchFamily="49" charset="77"/>
-              </a:rPr>
-              <a:t>is </a:t>
-            </a:r>
-            <a:r>
-              <a:rPr lang="en-US" b="1" dirty="0">
-                <a:solidFill>
-                  <a:srgbClr val="000087"/>
-                </a:solidFill>
-                <a:latin typeface="Inconsolata" panose="020B0609030003000000" pitchFamily="49" charset="77"/>
-              </a:rPr>
-              <a:t>b </a:t>
-            </a:r>
-          </a:p>
-          <a:p>
-            <a:pPr marL="0" indent="0">
-              <a:buNone/>
-            </a:pPr>
-            <a:r>
-              <a:rPr lang="en-US" b="1" dirty="0">
-                <a:latin typeface="Inconsolata" panose="020B0609030003000000" pitchFamily="49" charset="77"/>
-              </a:rPr>
-              <a:t>Out [3]: False </a:t>
+              <a:t>. It checks to see if two objects have the same content. </a:t>
             </a:r>
           </a:p>
           <a:p>
@@ -18302,76 +18791,6 @@
             <a:pPr marL="0" indent="0">
               <a:buNone/>
             </a:pPr>
-            <a:r>
-              <a:rPr lang="en-US" b="1" dirty="0">
-                <a:solidFill>
-                  <a:srgbClr val="000087"/>
-                </a:solidFill>
-                <a:latin typeface="Inconsolata" panose="020B0609030003000000" pitchFamily="49" charset="77"/>
-              </a:rPr>
-              <a:t>In</a:t>
-            </a:r>
-            <a:r>
-              <a:rPr lang="en-US" b="1" dirty="0">
-                <a:latin typeface="Inconsolata" panose="020B0609030003000000" pitchFamily="49" charset="77"/>
-              </a:rPr>
-              <a:t>[</a:t>
-            </a:r>
-            <a:r>
-              <a:rPr lang="en-US" b="1" dirty="0">
-                <a:solidFill>
-                  <a:srgbClr val="FF6600"/>
-                </a:solidFill>
-                <a:latin typeface="Inconsolata" panose="020B0609030003000000" pitchFamily="49" charset="77"/>
-              </a:rPr>
-              <a:t>4</a:t>
-            </a:r>
-            <a:r>
-              <a:rPr lang="en-US" b="1" dirty="0">
-                <a:latin typeface="Inconsolata" panose="020B0609030003000000" pitchFamily="49" charset="77"/>
-              </a:rPr>
-              <a:t>]: </a:t>
-            </a:r>
-            <a:r>
-              <a:rPr lang="en-US" b="1" dirty="0">
-                <a:solidFill>
-                  <a:srgbClr val="000087"/>
-                </a:solidFill>
-                <a:latin typeface="Inconsolata" panose="020B0609030003000000" pitchFamily="49" charset="77"/>
-              </a:rPr>
-              <a:t>a </a:t>
-            </a:r>
-            <a:r>
-              <a:rPr lang="en-US" b="1" dirty="0">
-                <a:latin typeface="Inconsolata" panose="020B0609030003000000" pitchFamily="49" charset="77"/>
-              </a:rPr>
-              <a:t>is not </a:t>
-            </a:r>
-            <a:r>
-              <a:rPr lang="en-US" b="1" dirty="0">
-                <a:solidFill>
-                  <a:srgbClr val="000087"/>
-                </a:solidFill>
-                <a:latin typeface="Inconsolata" panose="020B0609030003000000" pitchFamily="49" charset="77"/>
-              </a:rPr>
-              <a:t>b </a:t>
-            </a:r>
-          </a:p>
-          <a:p>
-            <a:pPr marL="0" indent="0">
-              <a:buNone/>
-            </a:pPr>
-            <a:r>
-              <a:rPr lang="en-US" b="1" dirty="0">
-                <a:latin typeface="Inconsolata" panose="020B0609030003000000" pitchFamily="49" charset="77"/>
-              </a:rPr>
-              <a:t>Out [4]: True </a:t>
-            </a:r>
-          </a:p>
-          <a:p>
-            <a:pPr marL="0" indent="0">
-              <a:buNone/>
-            </a:pPr>
             <a:endParaRPr lang="en-US" b="1" dirty="0">
               <a:solidFill>
                 <a:srgbClr val="000087"/>
@@ -18405,13 +18824,13 @@
                 </a:solidFill>
                 <a:latin typeface="Inconsolata" panose="020B0609030003000000" pitchFamily="49" charset="77"/>
               </a:rPr>
-              <a:t>5</a:t>
-            </a:r>
-            <a:r>
-              <a:rPr lang="en-US" b="1" dirty="0">
-                <a:latin typeface="Inconsolata" panose="020B0609030003000000" pitchFamily="49" charset="77"/>
-              </a:rPr>
-              <a:t>]:	</a:t>
+              <a:t>1</a:t>
+            </a:r>
+            <a:r>
+              <a:rPr lang="en-US" b="1" dirty="0">
+                <a:latin typeface="Inconsolata" panose="020B0609030003000000" pitchFamily="49" charset="77"/>
+              </a:rPr>
+              <a:t>]: </a:t>
             </a:r>
             <a:r>
               <a:rPr lang="en-US" b="1" dirty="0">
@@ -18494,7 +18913,7 @@
                 </a:solidFill>
                 <a:latin typeface="Inconsolata" panose="020B0609030003000000" pitchFamily="49" charset="77"/>
               </a:rPr>
-              <a:t>	   	b </a:t>
+              <a:t>	   b </a:t>
             </a:r>
             <a:r>
               <a:rPr lang="en-US" b="1" dirty="0">
@@ -18507,14 +18926,127 @@
             </a:r>
             <a:r>
               <a:rPr lang="en-US" b="1" dirty="0">
+                <a:latin typeface="Inconsolata" panose="020B0609030003000000" pitchFamily="49" charset="77"/>
+              </a:rPr>
+              <a:t>[</a:t>
+            </a:r>
+            <a:r>
+              <a:rPr lang="en-US" b="1" dirty="0">
+                <a:solidFill>
+                  <a:srgbClr val="FF6600"/>
+                </a:solidFill>
+                <a:latin typeface="Inconsolata" panose="020B0609030003000000" pitchFamily="49" charset="77"/>
+              </a:rPr>
+              <a:t>1</a:t>
+            </a:r>
+            <a:r>
+              <a:rPr lang="en-US" b="1" dirty="0">
+                <a:latin typeface="Inconsolata" panose="020B0609030003000000" pitchFamily="49" charset="77"/>
+              </a:rPr>
+              <a:t>,</a:t>
+            </a:r>
+            <a:r>
+              <a:rPr lang="en-US" b="1" dirty="0">
+                <a:solidFill>
+                  <a:srgbClr val="FF6600"/>
+                </a:solidFill>
+                <a:latin typeface="Inconsolata" panose="020B0609030003000000" pitchFamily="49" charset="77"/>
+              </a:rPr>
+              <a:t>2</a:t>
+            </a:r>
+            <a:r>
+              <a:rPr lang="en-US" b="1" dirty="0">
+                <a:latin typeface="Inconsolata" panose="020B0609030003000000" pitchFamily="49" charset="77"/>
+              </a:rPr>
+              <a:t>,</a:t>
+            </a:r>
+            <a:r>
+              <a:rPr lang="en-US" b="1" dirty="0">
+                <a:solidFill>
+                  <a:srgbClr val="FF6600"/>
+                </a:solidFill>
+                <a:latin typeface="Inconsolata" panose="020B0609030003000000" pitchFamily="49" charset="77"/>
+              </a:rPr>
+              <a:t>3</a:t>
+            </a:r>
+            <a:r>
+              <a:rPr lang="en-US" b="1" dirty="0">
+                <a:latin typeface="Inconsolata" panose="020B0609030003000000" pitchFamily="49" charset="77"/>
+              </a:rPr>
+              <a:t>] </a:t>
+            </a:r>
+          </a:p>
+          <a:p>
+            <a:pPr marL="0" indent="0">
+              <a:buNone/>
+            </a:pPr>
+            <a:r>
+              <a:rPr lang="en-US" b="1" dirty="0">
                 <a:solidFill>
                   <a:srgbClr val="000087"/>
                 </a:solidFill>
                 <a:latin typeface="Inconsolata" panose="020B0609030003000000" pitchFamily="49" charset="77"/>
               </a:rPr>
+              <a:t>In</a:t>
+            </a:r>
+            <a:r>
+              <a:rPr lang="en-US" b="1" dirty="0">
+                <a:latin typeface="Inconsolata" panose="020B0609030003000000" pitchFamily="49" charset="77"/>
+              </a:rPr>
+              <a:t>[</a:t>
+            </a:r>
+            <a:r>
+              <a:rPr lang="en-US" b="1" dirty="0">
+                <a:solidFill>
+                  <a:srgbClr val="FF6600"/>
+                </a:solidFill>
+                <a:latin typeface="Inconsolata" panose="020B0609030003000000" pitchFamily="49" charset="77"/>
+              </a:rPr>
+              <a:t>2</a:t>
+            </a:r>
+            <a:r>
+              <a:rPr lang="en-US" b="1" dirty="0">
+                <a:latin typeface="Inconsolata" panose="020B0609030003000000" pitchFamily="49" charset="77"/>
+              </a:rPr>
+              <a:t>]:  </a:t>
+            </a:r>
+            <a:r>
+              <a:rPr lang="en-US" b="1" dirty="0">
+                <a:solidFill>
+                  <a:srgbClr val="000087"/>
+                </a:solidFill>
+                <a:latin typeface="Inconsolata" panose="020B0609030003000000" pitchFamily="49" charset="77"/>
+              </a:rPr>
               <a:t>a </a:t>
             </a:r>
-            <a:endParaRPr lang="en-US" b="1" dirty="0">
+            <a:r>
+              <a:rPr lang="en-US" b="1" dirty="0">
+                <a:solidFill>
+                  <a:srgbClr val="545454"/>
+                </a:solidFill>
+                <a:latin typeface="Inconsolata" panose="020B0609030003000000" pitchFamily="49" charset="77"/>
+              </a:rPr>
+              <a:t>== </a:t>
+            </a:r>
+            <a:r>
+              <a:rPr lang="en-US" b="1" dirty="0">
+                <a:solidFill>
+                  <a:srgbClr val="000087"/>
+                </a:solidFill>
+                <a:latin typeface="Inconsolata" panose="020B0609030003000000" pitchFamily="49" charset="77"/>
+              </a:rPr>
+              <a:t>b </a:t>
+            </a:r>
+            <a:r>
+              <a:rPr lang="en-US" sz="2000" b="1" dirty="0">
+                <a:solidFill>
+                  <a:srgbClr val="33566B"/>
+                </a:solidFill>
+                <a:latin typeface="Inconsolata" panose="020B0609030003000000" pitchFamily="49" charset="77"/>
+              </a:rPr>
+              <a:t># a and b are different lists, same content </a:t>
+            </a:r>
+            <a:endParaRPr lang="en-US" sz="2000" b="1" dirty="0">
               <a:latin typeface="Inconsolata" panose="020B0609030003000000" pitchFamily="49" charset="77"/>
             </a:endParaRPr>
           </a:p>
@@ -18524,47 +19056,11 @@
             </a:pPr>
             <a:r>
               <a:rPr lang="en-US" b="1" dirty="0">
-                <a:solidFill>
-                  <a:srgbClr val="000087"/>
-                </a:solidFill>
-                <a:latin typeface="Inconsolata" panose="020B0609030003000000" pitchFamily="49" charset="77"/>
-              </a:rPr>
-              <a:t>		a </a:t>
-            </a:r>
-            <a:r>
-              <a:rPr lang="en-US" b="1" dirty="0">
-                <a:latin typeface="Inconsolata" panose="020B0609030003000000" pitchFamily="49" charset="77"/>
-              </a:rPr>
-              <a:t>is </a:t>
-            </a:r>
-            <a:r>
-              <a:rPr lang="en-US" b="1" dirty="0">
-                <a:solidFill>
-                  <a:srgbClr val="000087"/>
-                </a:solidFill>
-                <a:latin typeface="Inconsolata" panose="020B0609030003000000" pitchFamily="49" charset="77"/>
-              </a:rPr>
-              <a:t>b </a:t>
-            </a:r>
-          </a:p>
-          <a:p>
-            <a:pPr marL="0" indent="0">
-              <a:buNone/>
-            </a:pPr>
-            <a:r>
-              <a:rPr lang="en-US" b="1" dirty="0">
-                <a:latin typeface="Inconsolata" panose="020B0609030003000000" pitchFamily="49" charset="77"/>
-              </a:rPr>
-              <a:t>Out [5]: True </a:t>
-            </a:r>
-          </a:p>
-          <a:p>
-            <a:pPr marL="0" indent="0">
-              <a:buNone/>
-            </a:pPr>
-            <a:endParaRPr lang="en-US" b="1" dirty="0">
-              <a:latin typeface="Inconsolata" panose="020B0609030003000000" pitchFamily="49" charset="77"/>
-            </a:endParaRPr>
+                <a:latin typeface="Inconsolata" panose="020B0609030003000000" pitchFamily="49" charset="77"/>
+              </a:rPr>
+              <a:t>Out [2]: True </a:t>
+            </a:r>
+            <a:endParaRPr lang="en-US" dirty="0"/>
           </a:p>
           <a:p>
             <a:pPr marL="0" indent="0">
@@ -18577,265 +19073,13 @@
     </p:spTree>
     <p:extLst>
       <p:ext uri="{BB962C8B-B14F-4D97-AF65-F5344CB8AC3E}">
-        <p14:creationId xmlns:p14="http://schemas.microsoft.com/office/powerpoint/2010/main" val="1297630579"/>
+        <p14:creationId xmlns:p14="http://schemas.microsoft.com/office/powerpoint/2010/main" val="97464883"/>
       </p:ext>
     </p:extLst>
   </p:cSld>
   <p:clrMapOvr>
     <a:masterClrMapping/>
   </p:clrMapOvr>
-  <p:timing>
-    <p:tnLst>
-      <p:par>
-        <p:cTn id="1" dur="indefinite" restart="never" nodeType="tmRoot">
-          <p:childTnLst>
-            <p:seq concurrent="1" nextAc="seek">
-              <p:cTn id="2" dur="indefinite" nodeType="mainSeq">
-                <p:childTnLst>
-                  <p:par>
-                    <p:cTn id="3" fill="hold">
-                      <p:stCondLst>
-                        <p:cond delay="indefinite"/>
-                      </p:stCondLst>
-                      <p:childTnLst>
-                        <p:par>
-                          <p:cTn id="4" fill="hold">
-                            <p:stCondLst>
-                              <p:cond delay="0"/>
-                            </p:stCondLst>
-                            <p:childTnLst>
-                              <p:par>
-                                <p:cTn id="5" presetID="1" presetClass="entr" presetSubtype="0" fill="hold" nodeType="clickEffect">
-                                  <p:stCondLst>
-                                    <p:cond delay="0"/>
-                                  </p:stCondLst>
-                                  <p:childTnLst>
-                                    <p:set>
-                                      <p:cBhvr>
-                                        <p:cTn id="6" dur="1" fill="hold">
-                                          <p:stCondLst>
-                                            <p:cond delay="0"/>
-                                          </p:stCondLst>
-                                        </p:cTn>
-                                        <p:tgtEl>
-                                          <p:spTgt spid="9">
-                                            <p:txEl>
-                                              <p:pRg st="4" end="4"/>
-                                            </p:txEl>
-                                          </p:spTgt>
-                                        </p:tgtEl>
-                                        <p:attrNameLst>
-                                          <p:attrName>style.visibility</p:attrName>
-                                        </p:attrNameLst>
-                                      </p:cBhvr>
-                                      <p:to>
-                                        <p:strVal val="visible"/>
-                                      </p:to>
-                                    </p:set>
-                                  </p:childTnLst>
-                                </p:cTn>
-                              </p:par>
-                              <p:par>
-                                <p:cTn id="7" presetID="1" presetClass="entr" presetSubtype="0" fill="hold" nodeType="withEffect">
-                                  <p:stCondLst>
-                                    <p:cond delay="0"/>
-                                  </p:stCondLst>
-                                  <p:childTnLst>
-                                    <p:set>
-                                      <p:cBhvr>
-                                        <p:cTn id="8" dur="1" fill="hold">
-                                          <p:stCondLst>
-                                            <p:cond delay="0"/>
-                                          </p:stCondLst>
-                                        </p:cTn>
-                                        <p:tgtEl>
-                                          <p:spTgt spid="9">
-                                            <p:txEl>
-                                              <p:pRg st="5" end="5"/>
-                                            </p:txEl>
-                                          </p:spTgt>
-                                        </p:tgtEl>
-                                        <p:attrNameLst>
-                                          <p:attrName>style.visibility</p:attrName>
-                                        </p:attrNameLst>
-                                      </p:cBhvr>
-                                      <p:to>
-                                        <p:strVal val="visible"/>
-                                      </p:to>
-                                    </p:set>
-                                  </p:childTnLst>
-                                </p:cTn>
-                              </p:par>
-                            </p:childTnLst>
-                          </p:cTn>
-                        </p:par>
-                      </p:childTnLst>
-                    </p:cTn>
-                  </p:par>
-                  <p:par>
-                    <p:cTn id="9" fill="hold">
-                      <p:stCondLst>
-                        <p:cond delay="indefinite"/>
-                      </p:stCondLst>
-                      <p:childTnLst>
-                        <p:par>
-                          <p:cTn id="10" fill="hold">
-                            <p:stCondLst>
-                              <p:cond delay="0"/>
-                            </p:stCondLst>
-                            <p:childTnLst>
-                              <p:par>
-                                <p:cTn id="11" presetID="1" presetClass="entr" presetSubtype="0" fill="hold" nodeType="clickEffect">
-                                  <p:stCondLst>
-                                    <p:cond delay="0"/>
-                                  </p:stCondLst>
-                                  <p:childTnLst>
-                                    <p:set>
-                                      <p:cBhvr>
-                                        <p:cTn id="12" dur="1" fill="hold">
-                                          <p:stCondLst>
-                                            <p:cond delay="0"/>
-                                          </p:stCondLst>
-                                        </p:cTn>
-                                        <p:tgtEl>
-                                          <p:spTgt spid="9">
-                                            <p:txEl>
-                                              <p:pRg st="7" end="7"/>
-                                            </p:txEl>
-                                          </p:spTgt>
-                                        </p:tgtEl>
-                                        <p:attrNameLst>
-                                          <p:attrName>style.visibility</p:attrName>
-                                        </p:attrNameLst>
-                                      </p:cBhvr>
-                                      <p:to>
-                                        <p:strVal val="visible"/>
-                                      </p:to>
-                                    </p:set>
-                                  </p:childTnLst>
-                                </p:cTn>
-                              </p:par>
-                              <p:par>
-                                <p:cTn id="13" presetID="1" presetClass="entr" presetSubtype="0" fill="hold" nodeType="withEffect">
-                                  <p:stCondLst>
-                                    <p:cond delay="0"/>
-                                  </p:stCondLst>
-                                  <p:childTnLst>
-                                    <p:set>
-                                      <p:cBhvr>
-                                        <p:cTn id="14" dur="1" fill="hold">
-                                          <p:stCondLst>
-                                            <p:cond delay="0"/>
-                                          </p:stCondLst>
-                                        </p:cTn>
-                                        <p:tgtEl>
-                                          <p:spTgt spid="9">
-                                            <p:txEl>
-                                              <p:pRg st="8" end="8"/>
-                                            </p:txEl>
-                                          </p:spTgt>
-                                        </p:tgtEl>
-                                        <p:attrNameLst>
-                                          <p:attrName>style.visibility</p:attrName>
-                                        </p:attrNameLst>
-                                      </p:cBhvr>
-                                      <p:to>
-                                        <p:strVal val="visible"/>
-                                      </p:to>
-                                    </p:set>
-                                  </p:childTnLst>
-                                </p:cTn>
-                              </p:par>
-                              <p:par>
-                                <p:cTn id="15" presetID="1" presetClass="entr" presetSubtype="0" fill="hold" nodeType="withEffect">
-                                  <p:stCondLst>
-                                    <p:cond delay="0"/>
-                                  </p:stCondLst>
-                                  <p:childTnLst>
-                                    <p:set>
-                                      <p:cBhvr>
-                                        <p:cTn id="16" dur="1" fill="hold">
-                                          <p:stCondLst>
-                                            <p:cond delay="0"/>
-                                          </p:stCondLst>
-                                        </p:cTn>
-                                        <p:tgtEl>
-                                          <p:spTgt spid="9">
-                                            <p:txEl>
-                                              <p:pRg st="9" end="9"/>
-                                            </p:txEl>
-                                          </p:spTgt>
-                                        </p:tgtEl>
-                                        <p:attrNameLst>
-                                          <p:attrName>style.visibility</p:attrName>
-                                        </p:attrNameLst>
-                                      </p:cBhvr>
-                                      <p:to>
-                                        <p:strVal val="visible"/>
-                                      </p:to>
-                                    </p:set>
-                                  </p:childTnLst>
-                                </p:cTn>
-                              </p:par>
-                              <p:par>
-                                <p:cTn id="17" presetID="1" presetClass="entr" presetSubtype="0" fill="hold" nodeType="withEffect">
-                                  <p:stCondLst>
-                                    <p:cond delay="0"/>
-                                  </p:stCondLst>
-                                  <p:childTnLst>
-                                    <p:set>
-                                      <p:cBhvr>
-                                        <p:cTn id="18" dur="1" fill="hold">
-                                          <p:stCondLst>
-                                            <p:cond delay="0"/>
-                                          </p:stCondLst>
-                                        </p:cTn>
-                                        <p:tgtEl>
-                                          <p:spTgt spid="9">
-                                            <p:txEl>
-                                              <p:pRg st="10" end="10"/>
-                                            </p:txEl>
-                                          </p:spTgt>
-                                        </p:tgtEl>
-                                        <p:attrNameLst>
-                                          <p:attrName>style.visibility</p:attrName>
-                                        </p:attrNameLst>
-                                      </p:cBhvr>
-                                      <p:to>
-                                        <p:strVal val="visible"/>
-                                      </p:to>
-                                    </p:set>
-                                  </p:childTnLst>
-                                </p:cTn>
-                              </p:par>
-                            </p:childTnLst>
-                          </p:cTn>
-                        </p:par>
-                      </p:childTnLst>
-                    </p:cTn>
-                  </p:par>
-                </p:childTnLst>
-              </p:cTn>
-              <p:prevCondLst>
-                <p:cond evt="onPrev" delay="0">
-                  <p:tgtEl>
-                    <p:sldTgt/>
-                  </p:tgtEl>
-                </p:cond>
-              </p:prevCondLst>
-              <p:nextCondLst>
-                <p:cond evt="onNext" delay="0">
-                  <p:tgtEl>
-                    <p:sldTgt/>
-                  </p:tgtEl>
-                </p:cond>
-              </p:nextCondLst>
-            </p:seq>
-          </p:childTnLst>
-        </p:cTn>
-      </p:par>
-    </p:tnLst>
-  </p:timing>
 </p:sld>
 </file>
 
@@ -19306,6 +19550,730 @@
         </p:nvSpPr>
         <p:spPr>
           <a:xfrm>
+            <a:off x="483848" y="467027"/>
+            <a:ext cx="7053542" cy="683886"/>
+          </a:xfrm>
+        </p:spPr>
+        <p:txBody>
+          <a:bodyPr/>
+          <a:lstStyle/>
+          <a:p>
+            <a:r>
+              <a:rPr lang="en-US" dirty="0"/>
+              <a:t>Identity Operations</a:t>
+            </a:r>
+          </a:p>
+        </p:txBody>
+      </p:sp>
+      <p:sp>
+        <p:nvSpPr>
+          <p:cNvPr id="9" name="Content Placeholder 8">
+            <a:extLst>
+              <a:ext uri="{FF2B5EF4-FFF2-40B4-BE49-F238E27FC236}">
+                <a16:creationId xmlns:a16="http://schemas.microsoft.com/office/drawing/2014/main" id="{E3B2E017-30B2-884B-A113-B419A2ED51AD}"/>
+              </a:ext>
+            </a:extLst>
+          </p:cNvPr>
+          <p:cNvSpPr>
+            <a:spLocks noGrp="1"/>
+          </p:cNvSpPr>
+          <p:nvPr>
+            <p:ph idx="1"/>
+          </p:nvPr>
+        </p:nvSpPr>
+        <p:spPr>
+          <a:xfrm>
+            <a:off x="483848" y="1150913"/>
+            <a:ext cx="8051725" cy="4440590"/>
+          </a:xfrm>
+        </p:spPr>
+        <p:txBody>
+          <a:bodyPr>
+            <a:noAutofit/>
+          </a:bodyPr>
+          <a:lstStyle/>
+          <a:p>
+            <a:pPr marL="0" indent="0">
+              <a:buNone/>
+            </a:pPr>
+            <a:r>
+              <a:rPr lang="en-US" dirty="0"/>
+              <a:t>The identity operators, is and is not, check for </a:t>
+            </a:r>
+            <a:r>
+              <a:rPr lang="en-US" i="1" dirty="0"/>
+              <a:t>object identity</a:t>
+            </a:r>
+            <a:r>
+              <a:rPr lang="en-US" dirty="0"/>
+              <a:t>.  They check whether two variable </a:t>
+            </a:r>
+            <a:r>
+              <a:rPr lang="en-US" b="1" dirty="0"/>
+              <a:t>references</a:t>
+            </a:r>
+            <a:r>
+              <a:rPr lang="en-US" dirty="0"/>
+              <a:t> the same object. </a:t>
+            </a:r>
+          </a:p>
+          <a:p>
+            <a:pPr marL="0" indent="0">
+              <a:buNone/>
+            </a:pPr>
+            <a:r>
+              <a:rPr lang="en-US" b="1" dirty="0">
+                <a:solidFill>
+                  <a:srgbClr val="000087"/>
+                </a:solidFill>
+                <a:latin typeface="Inconsolata" panose="020B0609030003000000" pitchFamily="49" charset="77"/>
+              </a:rPr>
+              <a:t>In</a:t>
+            </a:r>
+            <a:r>
+              <a:rPr lang="en-US" b="1" dirty="0">
+                <a:latin typeface="Inconsolata" panose="020B0609030003000000" pitchFamily="49" charset="77"/>
+              </a:rPr>
+              <a:t>[</a:t>
+            </a:r>
+            <a:r>
+              <a:rPr lang="en-US" b="1" dirty="0">
+                <a:solidFill>
+                  <a:srgbClr val="FF6600"/>
+                </a:solidFill>
+                <a:latin typeface="Inconsolata" panose="020B0609030003000000" pitchFamily="49" charset="77"/>
+              </a:rPr>
+              <a:t>3</a:t>
+            </a:r>
+            <a:r>
+              <a:rPr lang="en-US" b="1" dirty="0">
+                <a:latin typeface="Inconsolata" panose="020B0609030003000000" pitchFamily="49" charset="77"/>
+              </a:rPr>
+              <a:t>]: </a:t>
+            </a:r>
+            <a:r>
+              <a:rPr lang="en-US" b="1" dirty="0">
+                <a:solidFill>
+                  <a:srgbClr val="000087"/>
+                </a:solidFill>
+                <a:latin typeface="Inconsolata" panose="020B0609030003000000" pitchFamily="49" charset="77"/>
+              </a:rPr>
+              <a:t>a </a:t>
+            </a:r>
+            <a:r>
+              <a:rPr lang="en-US" b="1" dirty="0">
+                <a:latin typeface="Inconsolata" panose="020B0609030003000000" pitchFamily="49" charset="77"/>
+              </a:rPr>
+              <a:t>is </a:t>
+            </a:r>
+            <a:r>
+              <a:rPr lang="en-US" b="1" dirty="0">
+                <a:solidFill>
+                  <a:srgbClr val="000087"/>
+                </a:solidFill>
+                <a:latin typeface="Inconsolata" panose="020B0609030003000000" pitchFamily="49" charset="77"/>
+              </a:rPr>
+              <a:t>b </a:t>
+            </a:r>
+          </a:p>
+          <a:p>
+            <a:pPr marL="0" indent="0">
+              <a:buNone/>
+            </a:pPr>
+            <a:r>
+              <a:rPr lang="en-US" b="1" dirty="0">
+                <a:latin typeface="Inconsolata" panose="020B0609030003000000" pitchFamily="49" charset="77"/>
+              </a:rPr>
+              <a:t>Out [3]: False </a:t>
+            </a:r>
+          </a:p>
+          <a:p>
+            <a:pPr marL="0" indent="0">
+              <a:buNone/>
+            </a:pPr>
+            <a:endParaRPr lang="en-US" b="1" dirty="0">
+              <a:solidFill>
+                <a:srgbClr val="000087"/>
+              </a:solidFill>
+              <a:latin typeface="Inconsolata" panose="020B0609030003000000" pitchFamily="49" charset="77"/>
+            </a:endParaRPr>
+          </a:p>
+          <a:p>
+            <a:pPr marL="0" indent="0">
+              <a:buNone/>
+            </a:pPr>
+            <a:r>
+              <a:rPr lang="en-US" b="1" dirty="0">
+                <a:solidFill>
+                  <a:srgbClr val="000087"/>
+                </a:solidFill>
+                <a:latin typeface="Inconsolata" panose="020B0609030003000000" pitchFamily="49" charset="77"/>
+              </a:rPr>
+              <a:t>In</a:t>
+            </a:r>
+            <a:r>
+              <a:rPr lang="en-US" b="1" dirty="0">
+                <a:latin typeface="Inconsolata" panose="020B0609030003000000" pitchFamily="49" charset="77"/>
+              </a:rPr>
+              <a:t>[</a:t>
+            </a:r>
+            <a:r>
+              <a:rPr lang="en-US" b="1" dirty="0">
+                <a:solidFill>
+                  <a:srgbClr val="FF6600"/>
+                </a:solidFill>
+                <a:latin typeface="Inconsolata" panose="020B0609030003000000" pitchFamily="49" charset="77"/>
+              </a:rPr>
+              <a:t>4</a:t>
+            </a:r>
+            <a:r>
+              <a:rPr lang="en-US" b="1" dirty="0">
+                <a:latin typeface="Inconsolata" panose="020B0609030003000000" pitchFamily="49" charset="77"/>
+              </a:rPr>
+              <a:t>]: </a:t>
+            </a:r>
+            <a:r>
+              <a:rPr lang="en-US" b="1" dirty="0">
+                <a:solidFill>
+                  <a:srgbClr val="000087"/>
+                </a:solidFill>
+                <a:latin typeface="Inconsolata" panose="020B0609030003000000" pitchFamily="49" charset="77"/>
+              </a:rPr>
+              <a:t>a </a:t>
+            </a:r>
+            <a:r>
+              <a:rPr lang="en-US" b="1" dirty="0">
+                <a:latin typeface="Inconsolata" panose="020B0609030003000000" pitchFamily="49" charset="77"/>
+              </a:rPr>
+              <a:t>is not </a:t>
+            </a:r>
+            <a:r>
+              <a:rPr lang="en-US" b="1" dirty="0">
+                <a:solidFill>
+                  <a:srgbClr val="000087"/>
+                </a:solidFill>
+                <a:latin typeface="Inconsolata" panose="020B0609030003000000" pitchFamily="49" charset="77"/>
+              </a:rPr>
+              <a:t>b </a:t>
+            </a:r>
+          </a:p>
+          <a:p>
+            <a:pPr marL="0" indent="0">
+              <a:buNone/>
+            </a:pPr>
+            <a:r>
+              <a:rPr lang="en-US" b="1" dirty="0">
+                <a:latin typeface="Inconsolata" panose="020B0609030003000000" pitchFamily="49" charset="77"/>
+              </a:rPr>
+              <a:t>Out [4]: True </a:t>
+            </a:r>
+          </a:p>
+          <a:p>
+            <a:pPr marL="0" indent="0">
+              <a:buNone/>
+            </a:pPr>
+            <a:endParaRPr lang="en-US" b="1" dirty="0">
+              <a:solidFill>
+                <a:srgbClr val="000087"/>
+              </a:solidFill>
+              <a:latin typeface="Inconsolata" panose="020B0609030003000000" pitchFamily="49" charset="77"/>
+            </a:endParaRPr>
+          </a:p>
+          <a:p>
+            <a:pPr marL="0" indent="0">
+              <a:buNone/>
+            </a:pPr>
+            <a:r>
+              <a:rPr lang="en-US" b="1" dirty="0">
+                <a:solidFill>
+                  <a:srgbClr val="000087"/>
+                </a:solidFill>
+                <a:latin typeface="Inconsolata" panose="020B0609030003000000" pitchFamily="49" charset="77"/>
+              </a:rPr>
+              <a:t>In </a:t>
+            </a:r>
+            <a:r>
+              <a:rPr lang="en-US" b="1" dirty="0">
+                <a:latin typeface="Inconsolata" panose="020B0609030003000000" pitchFamily="49" charset="77"/>
+              </a:rPr>
+              <a:t>[</a:t>
+            </a:r>
+            <a:r>
+              <a:rPr lang="en-US" b="1" dirty="0">
+                <a:solidFill>
+                  <a:srgbClr val="FF6600"/>
+                </a:solidFill>
+                <a:latin typeface="Inconsolata" panose="020B0609030003000000" pitchFamily="49" charset="77"/>
+              </a:rPr>
+              <a:t>5</a:t>
+            </a:r>
+            <a:r>
+              <a:rPr lang="en-US" b="1" dirty="0">
+                <a:latin typeface="Inconsolata" panose="020B0609030003000000" pitchFamily="49" charset="77"/>
+              </a:rPr>
+              <a:t>]:	</a:t>
+            </a:r>
+            <a:r>
+              <a:rPr lang="en-US" b="1" dirty="0">
+                <a:solidFill>
+                  <a:srgbClr val="000087"/>
+                </a:solidFill>
+                <a:latin typeface="Inconsolata" panose="020B0609030003000000" pitchFamily="49" charset="77"/>
+              </a:rPr>
+              <a:t>a </a:t>
+            </a:r>
+            <a:r>
+              <a:rPr lang="en-US" b="1" dirty="0">
+                <a:solidFill>
+                  <a:srgbClr val="545454"/>
+                </a:solidFill>
+                <a:latin typeface="Inconsolata" panose="020B0609030003000000" pitchFamily="49" charset="77"/>
+              </a:rPr>
+              <a:t>= </a:t>
+            </a:r>
+            <a:r>
+              <a:rPr lang="en-US" b="1" dirty="0">
+                <a:latin typeface="Inconsolata" panose="020B0609030003000000" pitchFamily="49" charset="77"/>
+              </a:rPr>
+              <a:t>[</a:t>
+            </a:r>
+            <a:r>
+              <a:rPr lang="en-US" b="1" dirty="0">
+                <a:solidFill>
+                  <a:srgbClr val="FF6600"/>
+                </a:solidFill>
+                <a:latin typeface="Inconsolata" panose="020B0609030003000000" pitchFamily="49" charset="77"/>
+              </a:rPr>
+              <a:t>1</a:t>
+            </a:r>
+            <a:r>
+              <a:rPr lang="en-US" b="1" dirty="0">
+                <a:latin typeface="Inconsolata" panose="020B0609030003000000" pitchFamily="49" charset="77"/>
+              </a:rPr>
+              <a:t>,</a:t>
+            </a:r>
+            <a:r>
+              <a:rPr lang="en-US" b="1" dirty="0">
+                <a:solidFill>
+                  <a:srgbClr val="FF6600"/>
+                </a:solidFill>
+                <a:latin typeface="Inconsolata" panose="020B0609030003000000" pitchFamily="49" charset="77"/>
+              </a:rPr>
+              <a:t>2</a:t>
+            </a:r>
+            <a:r>
+              <a:rPr lang="en-US" b="1" dirty="0">
+                <a:latin typeface="Inconsolata" panose="020B0609030003000000" pitchFamily="49" charset="77"/>
+              </a:rPr>
+              <a:t>,</a:t>
+            </a:r>
+            <a:r>
+              <a:rPr lang="en-US" b="1" dirty="0">
+                <a:solidFill>
+                  <a:srgbClr val="FF6600"/>
+                </a:solidFill>
+                <a:latin typeface="Inconsolata" panose="020B0609030003000000" pitchFamily="49" charset="77"/>
+              </a:rPr>
+              <a:t>3</a:t>
+            </a:r>
+            <a:r>
+              <a:rPr lang="en-US" b="1" dirty="0">
+                <a:latin typeface="Inconsolata" panose="020B0609030003000000" pitchFamily="49" charset="77"/>
+              </a:rPr>
+              <a:t>] </a:t>
+            </a:r>
+          </a:p>
+          <a:p>
+            <a:pPr marL="0" indent="0">
+              <a:buNone/>
+            </a:pPr>
+            <a:r>
+              <a:rPr lang="en-US" b="1" dirty="0">
+                <a:solidFill>
+                  <a:srgbClr val="000087"/>
+                </a:solidFill>
+                <a:latin typeface="Inconsolata" panose="020B0609030003000000" pitchFamily="49" charset="77"/>
+              </a:rPr>
+              <a:t>	   	b </a:t>
+            </a:r>
+            <a:r>
+              <a:rPr lang="en-US" b="1" dirty="0">
+                <a:solidFill>
+                  <a:srgbClr val="545454"/>
+                </a:solidFill>
+                <a:latin typeface="Inconsolata" panose="020B0609030003000000" pitchFamily="49" charset="77"/>
+              </a:rPr>
+              <a:t>= </a:t>
+            </a:r>
+            <a:r>
+              <a:rPr lang="en-US" b="1" dirty="0">
+                <a:solidFill>
+                  <a:srgbClr val="000087"/>
+                </a:solidFill>
+                <a:latin typeface="Inconsolata" panose="020B0609030003000000" pitchFamily="49" charset="77"/>
+              </a:rPr>
+              <a:t>a </a:t>
+            </a:r>
+            <a:endParaRPr lang="en-US" b="1" dirty="0">
+              <a:latin typeface="Inconsolata" panose="020B0609030003000000" pitchFamily="49" charset="77"/>
+            </a:endParaRPr>
+          </a:p>
+          <a:p>
+            <a:pPr marL="0" indent="0">
+              <a:buNone/>
+            </a:pPr>
+            <a:r>
+              <a:rPr lang="en-US" b="1" dirty="0">
+                <a:solidFill>
+                  <a:srgbClr val="000087"/>
+                </a:solidFill>
+                <a:latin typeface="Inconsolata" panose="020B0609030003000000" pitchFamily="49" charset="77"/>
+              </a:rPr>
+              <a:t>		a </a:t>
+            </a:r>
+            <a:r>
+              <a:rPr lang="en-US" b="1" dirty="0">
+                <a:latin typeface="Inconsolata" panose="020B0609030003000000" pitchFamily="49" charset="77"/>
+              </a:rPr>
+              <a:t>is </a:t>
+            </a:r>
+            <a:r>
+              <a:rPr lang="en-US" b="1" dirty="0">
+                <a:solidFill>
+                  <a:srgbClr val="000087"/>
+                </a:solidFill>
+                <a:latin typeface="Inconsolata" panose="020B0609030003000000" pitchFamily="49" charset="77"/>
+              </a:rPr>
+              <a:t>b </a:t>
+            </a:r>
+          </a:p>
+          <a:p>
+            <a:pPr marL="0" indent="0">
+              <a:buNone/>
+            </a:pPr>
+            <a:r>
+              <a:rPr lang="en-US" b="1" dirty="0">
+                <a:latin typeface="Inconsolata" panose="020B0609030003000000" pitchFamily="49" charset="77"/>
+              </a:rPr>
+              <a:t>Out [5]: True </a:t>
+            </a:r>
+          </a:p>
+          <a:p>
+            <a:pPr marL="0" indent="0">
+              <a:buNone/>
+            </a:pPr>
+            <a:endParaRPr lang="en-US" b="1" dirty="0">
+              <a:latin typeface="Inconsolata" panose="020B0609030003000000" pitchFamily="49" charset="77"/>
+            </a:endParaRPr>
+          </a:p>
+          <a:p>
+            <a:pPr marL="0" indent="0">
+              <a:buNone/>
+            </a:pPr>
+            <a:endParaRPr lang="en-US" dirty="0"/>
+          </a:p>
+        </p:txBody>
+      </p:sp>
+    </p:spTree>
+    <p:extLst>
+      <p:ext uri="{BB962C8B-B14F-4D97-AF65-F5344CB8AC3E}">
+        <p14:creationId xmlns:p14="http://schemas.microsoft.com/office/powerpoint/2010/main" val="1297630579"/>
+      </p:ext>
+    </p:extLst>
+  </p:cSld>
+  <p:clrMapOvr>
+    <a:masterClrMapping/>
+  </p:clrMapOvr>
+  <p:timing>
+    <p:tnLst>
+      <p:par>
+        <p:cTn id="1" dur="indefinite" restart="never" nodeType="tmRoot">
+          <p:childTnLst>
+            <p:seq concurrent="1" nextAc="seek">
+              <p:cTn id="2" dur="indefinite" nodeType="mainSeq">
+                <p:childTnLst>
+                  <p:par>
+                    <p:cTn id="3" fill="hold">
+                      <p:stCondLst>
+                        <p:cond delay="indefinite"/>
+                      </p:stCondLst>
+                      <p:childTnLst>
+                        <p:par>
+                          <p:cTn id="4" fill="hold">
+                            <p:stCondLst>
+                              <p:cond delay="0"/>
+                            </p:stCondLst>
+                            <p:childTnLst>
+                              <p:par>
+                                <p:cTn id="5" presetID="1" presetClass="entr" presetSubtype="0" fill="hold" nodeType="clickEffect">
+                                  <p:stCondLst>
+                                    <p:cond delay="0"/>
+                                  </p:stCondLst>
+                                  <p:childTnLst>
+                                    <p:set>
+                                      <p:cBhvr>
+                                        <p:cTn id="6" dur="1" fill="hold">
+                                          <p:stCondLst>
+                                            <p:cond delay="0"/>
+                                          </p:stCondLst>
+                                        </p:cTn>
+                                        <p:tgtEl>
+                                          <p:spTgt spid="9">
+                                            <p:txEl>
+                                              <p:pRg st="4" end="4"/>
+                                            </p:txEl>
+                                          </p:spTgt>
+                                        </p:tgtEl>
+                                        <p:attrNameLst>
+                                          <p:attrName>style.visibility</p:attrName>
+                                        </p:attrNameLst>
+                                      </p:cBhvr>
+                                      <p:to>
+                                        <p:strVal val="visible"/>
+                                      </p:to>
+                                    </p:set>
+                                  </p:childTnLst>
+                                </p:cTn>
+                              </p:par>
+                              <p:par>
+                                <p:cTn id="7" presetID="1" presetClass="entr" presetSubtype="0" fill="hold" nodeType="withEffect">
+                                  <p:stCondLst>
+                                    <p:cond delay="0"/>
+                                  </p:stCondLst>
+                                  <p:childTnLst>
+                                    <p:set>
+                                      <p:cBhvr>
+                                        <p:cTn id="8" dur="1" fill="hold">
+                                          <p:stCondLst>
+                                            <p:cond delay="0"/>
+                                          </p:stCondLst>
+                                        </p:cTn>
+                                        <p:tgtEl>
+                                          <p:spTgt spid="9">
+                                            <p:txEl>
+                                              <p:pRg st="5" end="5"/>
+                                            </p:txEl>
+                                          </p:spTgt>
+                                        </p:tgtEl>
+                                        <p:attrNameLst>
+                                          <p:attrName>style.visibility</p:attrName>
+                                        </p:attrNameLst>
+                                      </p:cBhvr>
+                                      <p:to>
+                                        <p:strVal val="visible"/>
+                                      </p:to>
+                                    </p:set>
+                                  </p:childTnLst>
+                                </p:cTn>
+                              </p:par>
+                            </p:childTnLst>
+                          </p:cTn>
+                        </p:par>
+                      </p:childTnLst>
+                    </p:cTn>
+                  </p:par>
+                  <p:par>
+                    <p:cTn id="9" fill="hold">
+                      <p:stCondLst>
+                        <p:cond delay="indefinite"/>
+                      </p:stCondLst>
+                      <p:childTnLst>
+                        <p:par>
+                          <p:cTn id="10" fill="hold">
+                            <p:stCondLst>
+                              <p:cond delay="0"/>
+                            </p:stCondLst>
+                            <p:childTnLst>
+                              <p:par>
+                                <p:cTn id="11" presetID="1" presetClass="entr" presetSubtype="0" fill="hold" nodeType="clickEffect">
+                                  <p:stCondLst>
+                                    <p:cond delay="0"/>
+                                  </p:stCondLst>
+                                  <p:childTnLst>
+                                    <p:set>
+                                      <p:cBhvr>
+                                        <p:cTn id="12" dur="1" fill="hold">
+                                          <p:stCondLst>
+                                            <p:cond delay="0"/>
+                                          </p:stCondLst>
+                                        </p:cTn>
+                                        <p:tgtEl>
+                                          <p:spTgt spid="9">
+                                            <p:txEl>
+                                              <p:pRg st="7" end="7"/>
+                                            </p:txEl>
+                                          </p:spTgt>
+                                        </p:tgtEl>
+                                        <p:attrNameLst>
+                                          <p:attrName>style.visibility</p:attrName>
+                                        </p:attrNameLst>
+                                      </p:cBhvr>
+                                      <p:to>
+                                        <p:strVal val="visible"/>
+                                      </p:to>
+                                    </p:set>
+                                  </p:childTnLst>
+                                </p:cTn>
+                              </p:par>
+                              <p:par>
+                                <p:cTn id="13" presetID="1" presetClass="entr" presetSubtype="0" fill="hold" nodeType="withEffect">
+                                  <p:stCondLst>
+                                    <p:cond delay="0"/>
+                                  </p:stCondLst>
+                                  <p:childTnLst>
+                                    <p:set>
+                                      <p:cBhvr>
+                                        <p:cTn id="14" dur="1" fill="hold">
+                                          <p:stCondLst>
+                                            <p:cond delay="0"/>
+                                          </p:stCondLst>
+                                        </p:cTn>
+                                        <p:tgtEl>
+                                          <p:spTgt spid="9">
+                                            <p:txEl>
+                                              <p:pRg st="8" end="8"/>
+                                            </p:txEl>
+                                          </p:spTgt>
+                                        </p:tgtEl>
+                                        <p:attrNameLst>
+                                          <p:attrName>style.visibility</p:attrName>
+                                        </p:attrNameLst>
+                                      </p:cBhvr>
+                                      <p:to>
+                                        <p:strVal val="visible"/>
+                                      </p:to>
+                                    </p:set>
+                                  </p:childTnLst>
+                                </p:cTn>
+                              </p:par>
+                              <p:par>
+                                <p:cTn id="15" presetID="1" presetClass="entr" presetSubtype="0" fill="hold" nodeType="withEffect">
+                                  <p:stCondLst>
+                                    <p:cond delay="0"/>
+                                  </p:stCondLst>
+                                  <p:childTnLst>
+                                    <p:set>
+                                      <p:cBhvr>
+                                        <p:cTn id="16" dur="1" fill="hold">
+                                          <p:stCondLst>
+                                            <p:cond delay="0"/>
+                                          </p:stCondLst>
+                                        </p:cTn>
+                                        <p:tgtEl>
+                                          <p:spTgt spid="9">
+                                            <p:txEl>
+                                              <p:pRg st="9" end="9"/>
+                                            </p:txEl>
+                                          </p:spTgt>
+                                        </p:tgtEl>
+                                        <p:attrNameLst>
+                                          <p:attrName>style.visibility</p:attrName>
+                                        </p:attrNameLst>
+                                      </p:cBhvr>
+                                      <p:to>
+                                        <p:strVal val="visible"/>
+                                      </p:to>
+                                    </p:set>
+                                  </p:childTnLst>
+                                </p:cTn>
+                              </p:par>
+                              <p:par>
+                                <p:cTn id="17" presetID="1" presetClass="entr" presetSubtype="0" fill="hold" nodeType="withEffect">
+                                  <p:stCondLst>
+                                    <p:cond delay="0"/>
+                                  </p:stCondLst>
+                                  <p:childTnLst>
+                                    <p:set>
+                                      <p:cBhvr>
+                                        <p:cTn id="18" dur="1" fill="hold">
+                                          <p:stCondLst>
+                                            <p:cond delay="0"/>
+                                          </p:stCondLst>
+                                        </p:cTn>
+                                        <p:tgtEl>
+                                          <p:spTgt spid="9">
+                                            <p:txEl>
+                                              <p:pRg st="10" end="10"/>
+                                            </p:txEl>
+                                          </p:spTgt>
+                                        </p:tgtEl>
+                                        <p:attrNameLst>
+                                          <p:attrName>style.visibility</p:attrName>
+                                        </p:attrNameLst>
+                                      </p:cBhvr>
+                                      <p:to>
+                                        <p:strVal val="visible"/>
+                                      </p:to>
+                                    </p:set>
+                                  </p:childTnLst>
+                                </p:cTn>
+                              </p:par>
+                            </p:childTnLst>
+                          </p:cTn>
+                        </p:par>
+                      </p:childTnLst>
+                    </p:cTn>
+                  </p:par>
+                </p:childTnLst>
+              </p:cTn>
+              <p:prevCondLst>
+                <p:cond evt="onPrev" delay="0">
+                  <p:tgtEl>
+                    <p:sldTgt/>
+                  </p:tgtEl>
+                </p:cond>
+              </p:prevCondLst>
+              <p:nextCondLst>
+                <p:cond evt="onNext" delay="0">
+                  <p:tgtEl>
+                    <p:sldTgt/>
+                  </p:tgtEl>
+                </p:cond>
+              </p:nextCondLst>
+            </p:seq>
+          </p:childTnLst>
+        </p:cTn>
+      </p:par>
+    </p:tnLst>
+  </p:timing>
+</p:sld>
+</file>
+
+<file path=ppt/slides/slide31.xml><?xml version="1.0" encoding="utf-8"?>
+<p:sld xmlns:a="http://schemas.openxmlformats.org/drawingml/2006/main" xmlns:r="http://schemas.openxmlformats.org/officeDocument/2006/relationships" xmlns:p="http://schemas.openxmlformats.org/presentationml/2006/main">
+  <p:cSld>
+    <p:spTree>
+      <p:nvGrpSpPr>
+        <p:cNvPr id="1" name=""/>
+        <p:cNvGrpSpPr/>
+        <p:nvPr/>
+      </p:nvGrpSpPr>
+      <p:grpSpPr>
+        <a:xfrm>
+          <a:off x="0" y="0"/>
+          <a:ext cx="0" cy="0"/>
+          <a:chOff x="0" y="0"/>
+          <a:chExt cx="0" cy="0"/>
+        </a:xfrm>
+      </p:grpSpPr>
+      <p:sp>
+        <p:nvSpPr>
+          <p:cNvPr id="2" name="Title 1">
+            <a:extLst>
+              <a:ext uri="{FF2B5EF4-FFF2-40B4-BE49-F238E27FC236}">
+                <a16:creationId xmlns:a16="http://schemas.microsoft.com/office/drawing/2014/main" id="{AA3A228F-61D0-D949-A5E7-F83756230BF8}"/>
+              </a:ext>
+            </a:extLst>
+          </p:cNvPr>
+          <p:cNvSpPr>
+            <a:spLocks noGrp="1"/>
+          </p:cNvSpPr>
+          <p:nvPr>
+            <p:ph type="title"/>
+          </p:nvPr>
+        </p:nvSpPr>
+        <p:spPr>
+          <a:xfrm>
             <a:off x="174929" y="218090"/>
             <a:ext cx="7053542" cy="683886"/>
           </a:xfrm>
@@ -19909,7 +20877,7 @@
 </p:sld>
 </file>
 
-<file path=ppt/slides/slide31.xml><?xml version="1.0" encoding="utf-8"?>
+<file path=ppt/slides/slide32.xml><?xml version="1.0" encoding="utf-8"?>
 <p:sld xmlns:a="http://schemas.openxmlformats.org/drawingml/2006/main" xmlns:r="http://schemas.openxmlformats.org/officeDocument/2006/relationships" xmlns:p="http://schemas.openxmlformats.org/presentationml/2006/main">
   <p:cSld>
     <p:spTree>
@@ -20763,7 +21731,7 @@
 </p:sld>
 </file>
 
-<file path=ppt/slides/slide32.xml><?xml version="1.0" encoding="utf-8"?>
+<file path=ppt/slides/slide33.xml><?xml version="1.0" encoding="utf-8"?>
 <p:sld xmlns:a="http://schemas.openxmlformats.org/drawingml/2006/main" xmlns:r="http://schemas.openxmlformats.org/officeDocument/2006/relationships" xmlns:p="http://schemas.openxmlformats.org/presentationml/2006/main">
   <p:cSld>
     <p:spTree>
@@ -21738,7 +22706,7 @@
 </p:sld>
 </file>
 
-<file path=ppt/slides/slide33.xml><?xml version="1.0" encoding="utf-8"?>
+<file path=ppt/slides/slide34.xml><?xml version="1.0" encoding="utf-8"?>
 <p:sld xmlns:a="http://schemas.openxmlformats.org/drawingml/2006/main" xmlns:r="http://schemas.openxmlformats.org/officeDocument/2006/relationships" xmlns:p="http://schemas.openxmlformats.org/presentationml/2006/main">
   <p:cSld>
     <p:spTree>
@@ -22667,7 +23635,7 @@
 </p:sld>
 </file>
 
-<file path=ppt/slides/slide34.xml><?xml version="1.0" encoding="utf-8"?>
+<file path=ppt/slides/slide35.xml><?xml version="1.0" encoding="utf-8"?>
 <p:sld xmlns:a="http://schemas.openxmlformats.org/drawingml/2006/main" xmlns:r="http://schemas.openxmlformats.org/officeDocument/2006/relationships" xmlns:p="http://schemas.openxmlformats.org/presentationml/2006/main">
   <p:cSld>
     <p:spTree>
@@ -23592,7 +24560,7 @@
 </p:sld>
 </file>
 
-<file path=ppt/slides/slide35.xml><?xml version="1.0" encoding="utf-8"?>
+<file path=ppt/slides/slide36.xml><?xml version="1.0" encoding="utf-8"?>
 <p:sld xmlns:a="http://schemas.openxmlformats.org/drawingml/2006/main" xmlns:r="http://schemas.openxmlformats.org/officeDocument/2006/relationships" xmlns:p="http://schemas.openxmlformats.org/presentationml/2006/main">
   <p:cSld>
     <p:spTree>
@@ -24434,186 +25402,6 @@
 </p:sld>
 </file>
 
-<file path=ppt/slides/slide36.xml><?xml version="1.0" encoding="utf-8"?>
-<p:sld xmlns:a="http://schemas.openxmlformats.org/drawingml/2006/main" xmlns:r="http://schemas.openxmlformats.org/officeDocument/2006/relationships" xmlns:p="http://schemas.openxmlformats.org/presentationml/2006/main">
-  <p:cSld>
-    <p:spTree>
-      <p:nvGrpSpPr>
-        <p:cNvPr id="1" name=""/>
-        <p:cNvGrpSpPr/>
-        <p:nvPr/>
-      </p:nvGrpSpPr>
-      <p:grpSpPr>
-        <a:xfrm>
-          <a:off x="0" y="0"/>
-          <a:ext cx="0" cy="0"/>
-          <a:chOff x="0" y="0"/>
-          <a:chExt cx="0" cy="0"/>
-        </a:xfrm>
-      </p:grpSpPr>
-      <p:sp>
-        <p:nvSpPr>
-          <p:cNvPr id="2" name="Title 1">
-            <a:extLst>
-              <a:ext uri="{FF2B5EF4-FFF2-40B4-BE49-F238E27FC236}">
-                <a16:creationId xmlns:a16="http://schemas.microsoft.com/office/drawing/2014/main" id="{AA3A228F-61D0-D949-A5E7-F83756230BF8}"/>
-              </a:ext>
-            </a:extLst>
-          </p:cNvPr>
-          <p:cNvSpPr>
-            <a:spLocks noGrp="1"/>
-          </p:cNvSpPr>
-          <p:nvPr>
-            <p:ph type="title"/>
-          </p:nvPr>
-        </p:nvSpPr>
-        <p:spPr>
-          <a:xfrm>
-            <a:off x="174929" y="145751"/>
-            <a:ext cx="7053542" cy="683886"/>
-          </a:xfrm>
-        </p:spPr>
-        <p:txBody>
-          <a:bodyPr/>
-          <a:lstStyle/>
-          <a:p>
-            <a:r>
-              <a:rPr lang="en-US" dirty="0"/>
-              <a:t>Lab 1</a:t>
-            </a:r>
-          </a:p>
-        </p:txBody>
-      </p:sp>
-      <p:sp>
-        <p:nvSpPr>
-          <p:cNvPr id="9" name="Content Placeholder 8">
-            <a:extLst>
-              <a:ext uri="{FF2B5EF4-FFF2-40B4-BE49-F238E27FC236}">
-                <a16:creationId xmlns:a16="http://schemas.microsoft.com/office/drawing/2014/main" id="{E3B2E017-30B2-884B-A113-B419A2ED51AD}"/>
-              </a:ext>
-            </a:extLst>
-          </p:cNvPr>
-          <p:cNvSpPr>
-            <a:spLocks noGrp="1"/>
-          </p:cNvSpPr>
-          <p:nvPr>
-            <p:ph idx="1"/>
-          </p:nvPr>
-        </p:nvSpPr>
-        <p:spPr>
-          <a:xfrm>
-            <a:off x="308920" y="926758"/>
-            <a:ext cx="8226654" cy="4788242"/>
-          </a:xfrm>
-        </p:spPr>
-        <p:txBody>
-          <a:bodyPr>
-            <a:noAutofit/>
-          </a:bodyPr>
-          <a:lstStyle/>
-          <a:p>
-            <a:pPr marL="0" indent="0">
-              <a:buNone/>
-            </a:pPr>
-            <a:r>
-              <a:rPr lang="en-US" dirty="0"/>
-              <a:t>Create a new </a:t>
-            </a:r>
-            <a:r>
-              <a:rPr lang="en-US" dirty="0" err="1"/>
-              <a:t>repl</a:t>
-            </a:r>
-            <a:r>
-              <a:rPr lang="en-US" dirty="0"/>
-              <a:t> on </a:t>
-            </a:r>
-            <a:r>
-              <a:rPr lang="en-US" dirty="0" err="1"/>
-              <a:t>repl.it</a:t>
-            </a:r>
-            <a:r>
-              <a:rPr lang="en-US" dirty="0"/>
-              <a:t> Use list comprehensions to create the following </a:t>
-            </a:r>
-            <a:r>
-              <a:rPr lang="en-US"/>
-              <a:t>lists.</a:t>
-            </a:r>
-          </a:p>
-          <a:p>
-            <a:pPr marL="0" indent="0">
-              <a:buNone/>
-            </a:pPr>
-            <a:endParaRPr lang="en-US" dirty="0"/>
-          </a:p>
-          <a:p>
-            <a:pPr marL="457200" indent="-457200">
-              <a:buAutoNum type="arabicParenR"/>
-            </a:pPr>
-            <a:r>
-              <a:rPr lang="en-US" b="1" dirty="0">
-                <a:latin typeface="Inconsolata" panose="020B0609030003000000" pitchFamily="49" charset="77"/>
-              </a:rPr>
-              <a:t>Create this list and assign it to a variable [3,41,62,87,101, 88]. Use a for loop to compute the sum. Print out the sum.</a:t>
-            </a:r>
-          </a:p>
-          <a:p>
-            <a:pPr marL="457200" indent="-457200">
-              <a:buAutoNum type="arabicParenR"/>
-            </a:pPr>
-            <a:r>
-              <a:rPr lang="en-US" b="1" dirty="0">
-                <a:latin typeface="Inconsolata" panose="020B0609030003000000" pitchFamily="49" charset="77"/>
-              </a:rPr>
-              <a:t>Use a for loop to compute the sum of odd numbers from the list above. </a:t>
-            </a:r>
-          </a:p>
-          <a:p>
-            <a:pPr marL="457200" indent="-457200">
-              <a:buAutoNum type="arabicParenR"/>
-            </a:pPr>
-            <a:r>
-              <a:rPr lang="en-US" b="1" dirty="0">
-                <a:latin typeface="Inconsolata" panose="020B0609030003000000" pitchFamily="49" charset="77"/>
-              </a:rPr>
-              <a:t>Use a for loop to compute the sum of values located at even indices.(Use the </a:t>
-            </a:r>
-            <a:r>
-              <a:rPr lang="en-US" b="1" dirty="0" err="1">
-                <a:latin typeface="Inconsolata" panose="020B0609030003000000" pitchFamily="49" charset="77"/>
-              </a:rPr>
-              <a:t>len</a:t>
-            </a:r>
-            <a:r>
-              <a:rPr lang="en-US" b="1" dirty="0">
-                <a:latin typeface="Inconsolata" panose="020B0609030003000000" pitchFamily="49" charset="77"/>
-              </a:rPr>
-              <a:t>() function).</a:t>
-            </a:r>
-          </a:p>
-          <a:p>
-            <a:pPr marL="457200" indent="-457200">
-              <a:buAutoNum type="arabicParenR"/>
-            </a:pPr>
-            <a:endParaRPr lang="en-US" b="1" dirty="0">
-              <a:latin typeface="Inconsolata" panose="020B0609030003000000" pitchFamily="49" charset="77"/>
-            </a:endParaRPr>
-          </a:p>
-        </p:txBody>
-      </p:sp>
-    </p:spTree>
-    <p:extLst>
-      <p:ext uri="{BB962C8B-B14F-4D97-AF65-F5344CB8AC3E}">
-        <p14:creationId xmlns:p14="http://schemas.microsoft.com/office/powerpoint/2010/main" val="2050208201"/>
-      </p:ext>
-    </p:extLst>
-  </p:cSld>
-  <p:clrMapOvr>
-    <a:masterClrMapping/>
-  </p:clrMapOvr>
-</p:sld>
-</file>
-
 <file path=ppt/slides/slide37.xml><?xml version="1.0" encoding="utf-8"?>
 <p:sld xmlns:a="http://schemas.openxmlformats.org/drawingml/2006/main" xmlns:r="http://schemas.openxmlformats.org/officeDocument/2006/relationships" xmlns:p="http://schemas.openxmlformats.org/presentationml/2006/main">
   <p:cSld>
@@ -24659,7 +25447,7 @@
           <a:p>
             <a:r>
               <a:rPr lang="en-US" dirty="0"/>
-              <a:t>Lab 2</a:t>
+              <a:t>Lab 1</a:t>
             </a:r>
           </a:p>
         </p:txBody>
@@ -24713,6 +25501,186 @@
             </a:r>
             <a:r>
               <a:rPr lang="en-US" dirty="0"/>
+              <a:t> Use list comprehensions to create the following </a:t>
+            </a:r>
+            <a:r>
+              <a:rPr lang="en-US"/>
+              <a:t>lists.</a:t>
+            </a:r>
+          </a:p>
+          <a:p>
+            <a:pPr marL="0" indent="0">
+              <a:buNone/>
+            </a:pPr>
+            <a:endParaRPr lang="en-US" dirty="0"/>
+          </a:p>
+          <a:p>
+            <a:pPr marL="457200" indent="-457200">
+              <a:buAutoNum type="arabicParenR"/>
+            </a:pPr>
+            <a:r>
+              <a:rPr lang="en-US" b="1" dirty="0">
+                <a:latin typeface="Inconsolata" panose="020B0609030003000000" pitchFamily="49" charset="77"/>
+              </a:rPr>
+              <a:t>Create this list and assign it to a variable [3,41,62,87,101, 88]. Use a for loop to compute the sum. Print out the sum.</a:t>
+            </a:r>
+          </a:p>
+          <a:p>
+            <a:pPr marL="457200" indent="-457200">
+              <a:buAutoNum type="arabicParenR"/>
+            </a:pPr>
+            <a:r>
+              <a:rPr lang="en-US" b="1" dirty="0">
+                <a:latin typeface="Inconsolata" panose="020B0609030003000000" pitchFamily="49" charset="77"/>
+              </a:rPr>
+              <a:t>Use a for loop to compute the sum of odd numbers from the list above. </a:t>
+            </a:r>
+          </a:p>
+          <a:p>
+            <a:pPr marL="457200" indent="-457200">
+              <a:buAutoNum type="arabicParenR"/>
+            </a:pPr>
+            <a:r>
+              <a:rPr lang="en-US" b="1" dirty="0">
+                <a:latin typeface="Inconsolata" panose="020B0609030003000000" pitchFamily="49" charset="77"/>
+              </a:rPr>
+              <a:t>Use a for loop to compute the sum of values located at even indices.(Use the </a:t>
+            </a:r>
+            <a:r>
+              <a:rPr lang="en-US" b="1" dirty="0" err="1">
+                <a:latin typeface="Inconsolata" panose="020B0609030003000000" pitchFamily="49" charset="77"/>
+              </a:rPr>
+              <a:t>len</a:t>
+            </a:r>
+            <a:r>
+              <a:rPr lang="en-US" b="1" dirty="0">
+                <a:latin typeface="Inconsolata" panose="020B0609030003000000" pitchFamily="49" charset="77"/>
+              </a:rPr>
+              <a:t>() function).</a:t>
+            </a:r>
+          </a:p>
+          <a:p>
+            <a:pPr marL="457200" indent="-457200">
+              <a:buAutoNum type="arabicParenR"/>
+            </a:pPr>
+            <a:endParaRPr lang="en-US" b="1" dirty="0">
+              <a:latin typeface="Inconsolata" panose="020B0609030003000000" pitchFamily="49" charset="77"/>
+            </a:endParaRPr>
+          </a:p>
+        </p:txBody>
+      </p:sp>
+    </p:spTree>
+    <p:extLst>
+      <p:ext uri="{BB962C8B-B14F-4D97-AF65-F5344CB8AC3E}">
+        <p14:creationId xmlns:p14="http://schemas.microsoft.com/office/powerpoint/2010/main" val="2050208201"/>
+      </p:ext>
+    </p:extLst>
+  </p:cSld>
+  <p:clrMapOvr>
+    <a:masterClrMapping/>
+  </p:clrMapOvr>
+</p:sld>
+</file>
+
+<file path=ppt/slides/slide38.xml><?xml version="1.0" encoding="utf-8"?>
+<p:sld xmlns:a="http://schemas.openxmlformats.org/drawingml/2006/main" xmlns:r="http://schemas.openxmlformats.org/officeDocument/2006/relationships" xmlns:p="http://schemas.openxmlformats.org/presentationml/2006/main">
+  <p:cSld>
+    <p:spTree>
+      <p:nvGrpSpPr>
+        <p:cNvPr id="1" name=""/>
+        <p:cNvGrpSpPr/>
+        <p:nvPr/>
+      </p:nvGrpSpPr>
+      <p:grpSpPr>
+        <a:xfrm>
+          <a:off x="0" y="0"/>
+          <a:ext cx="0" cy="0"/>
+          <a:chOff x="0" y="0"/>
+          <a:chExt cx="0" cy="0"/>
+        </a:xfrm>
+      </p:grpSpPr>
+      <p:sp>
+        <p:nvSpPr>
+          <p:cNvPr id="2" name="Title 1">
+            <a:extLst>
+              <a:ext uri="{FF2B5EF4-FFF2-40B4-BE49-F238E27FC236}">
+                <a16:creationId xmlns:a16="http://schemas.microsoft.com/office/drawing/2014/main" id="{AA3A228F-61D0-D949-A5E7-F83756230BF8}"/>
+              </a:ext>
+            </a:extLst>
+          </p:cNvPr>
+          <p:cNvSpPr>
+            <a:spLocks noGrp="1"/>
+          </p:cNvSpPr>
+          <p:nvPr>
+            <p:ph type="title"/>
+          </p:nvPr>
+        </p:nvSpPr>
+        <p:spPr>
+          <a:xfrm>
+            <a:off x="174929" y="145751"/>
+            <a:ext cx="7053542" cy="683886"/>
+          </a:xfrm>
+        </p:spPr>
+        <p:txBody>
+          <a:bodyPr/>
+          <a:lstStyle/>
+          <a:p>
+            <a:r>
+              <a:rPr lang="en-US" dirty="0"/>
+              <a:t>Lab 2</a:t>
+            </a:r>
+          </a:p>
+        </p:txBody>
+      </p:sp>
+      <p:sp>
+        <p:nvSpPr>
+          <p:cNvPr id="9" name="Content Placeholder 8">
+            <a:extLst>
+              <a:ext uri="{FF2B5EF4-FFF2-40B4-BE49-F238E27FC236}">
+                <a16:creationId xmlns:a16="http://schemas.microsoft.com/office/drawing/2014/main" id="{E3B2E017-30B2-884B-A113-B419A2ED51AD}"/>
+              </a:ext>
+            </a:extLst>
+          </p:cNvPr>
+          <p:cNvSpPr>
+            <a:spLocks noGrp="1"/>
+          </p:cNvSpPr>
+          <p:nvPr>
+            <p:ph idx="1"/>
+          </p:nvPr>
+        </p:nvSpPr>
+        <p:spPr>
+          <a:xfrm>
+            <a:off x="308920" y="926758"/>
+            <a:ext cx="8226654" cy="4788242"/>
+          </a:xfrm>
+        </p:spPr>
+        <p:txBody>
+          <a:bodyPr>
+            <a:noAutofit/>
+          </a:bodyPr>
+          <a:lstStyle/>
+          <a:p>
+            <a:pPr marL="0" indent="0">
+              <a:buNone/>
+            </a:pPr>
+            <a:r>
+              <a:rPr lang="en-US" dirty="0"/>
+              <a:t>Create a new </a:t>
+            </a:r>
+            <a:r>
+              <a:rPr lang="en-US" dirty="0" err="1"/>
+              <a:t>repl</a:t>
+            </a:r>
+            <a:r>
+              <a:rPr lang="en-US" dirty="0"/>
+              <a:t> on </a:t>
+            </a:r>
+            <a:r>
+              <a:rPr lang="en-US" dirty="0" err="1"/>
+              <a:t>repl.it</a:t>
+            </a:r>
+            <a:r>
+              <a:rPr lang="en-US" dirty="0"/>
               <a:t> Use list comprehensions to create the following lists.</a:t>
             </a:r>
             <a:endParaRPr lang="en-US" b="1" dirty="0">
@@ -24811,7 +25779,7 @@
 </p:sld>
 </file>
 
-<file path=ppt/slides/slide38.xml><?xml version="1.0" encoding="utf-8"?>
+<file path=ppt/slides/slide39.xml><?xml version="1.0" encoding="utf-8"?>
 <p:sld xmlns:a="http://schemas.openxmlformats.org/drawingml/2006/main" xmlns:r="http://schemas.openxmlformats.org/officeDocument/2006/relationships" xmlns:p="http://schemas.openxmlformats.org/presentationml/2006/main">
   <p:cSld>
     <p:spTree>
@@ -29365,7 +30333,7 @@
         </p:nvSpPr>
         <p:spPr>
           <a:xfrm>
-            <a:off x="150215" y="123498"/>
+            <a:off x="183811" y="181277"/>
             <a:ext cx="7053542" cy="683886"/>
           </a:xfrm>
         </p:spPr>
@@ -29375,7 +30343,7 @@
           <a:p>
             <a:r>
               <a:rPr lang="en-US" dirty="0"/>
-              <a:t>Slicing</a:t>
+              <a:t>List of Lists(2D lists)</a:t>
             </a:r>
           </a:p>
         </p:txBody>
@@ -29398,13 +30366,13 @@
         </p:nvSpPr>
         <p:spPr>
           <a:xfrm>
-            <a:off x="150216" y="807385"/>
-            <a:ext cx="8385358" cy="4784118"/>
+            <a:off x="183812" y="865164"/>
+            <a:ext cx="8351762" cy="4849836"/>
           </a:xfrm>
         </p:spPr>
         <p:txBody>
           <a:bodyPr>
-            <a:normAutofit/>
+            <a:noAutofit/>
           </a:bodyPr>
           <a:lstStyle/>
           <a:p>
@@ -29413,316 +30381,19 @@
             </a:pPr>
             <a:r>
               <a:rPr lang="en-US" dirty="0"/>
-              <a:t>Similar to strings, lists also support slicing. </a:t>
-            </a:r>
-            <a:r>
-              <a:rPr lang="en-US" i="1" dirty="0"/>
-              <a:t>Slicing </a:t>
-            </a:r>
-            <a:r>
-              <a:rPr lang="en-US" dirty="0"/>
-              <a:t>is accessing multiple values from the list. It uses a colon to indicate the start point (inclusive) and end point (non-inclusive) of the subarray. </a:t>
-            </a:r>
-          </a:p>
-          <a:p>
-            <a:pPr marL="0" indent="0">
-              <a:buNone/>
-            </a:pPr>
-            <a:r>
-              <a:rPr lang="en-US" b="1" dirty="0">
-                <a:solidFill>
-                  <a:srgbClr val="000087"/>
-                </a:solidFill>
-                <a:latin typeface="Inconsolata" panose="020B0609030003000000" pitchFamily="49" charset="77"/>
-              </a:rPr>
-              <a:t>In</a:t>
-            </a:r>
-            <a:r>
-              <a:rPr lang="en-US" b="1" dirty="0">
-                <a:latin typeface="Inconsolata" panose="020B0609030003000000" pitchFamily="49" charset="77"/>
-              </a:rPr>
-              <a:t>[</a:t>
-            </a:r>
-            <a:r>
-              <a:rPr lang="en-US" b="1" dirty="0">
-                <a:solidFill>
-                  <a:srgbClr val="FF6600"/>
-                </a:solidFill>
-                <a:latin typeface="Inconsolata" panose="020B0609030003000000" pitchFamily="49" charset="77"/>
-              </a:rPr>
-              <a:t>1</a:t>
-            </a:r>
-            <a:r>
-              <a:rPr lang="en-US" b="1" dirty="0">
-                <a:latin typeface="Inconsolata" panose="020B0609030003000000" pitchFamily="49" charset="77"/>
-              </a:rPr>
-              <a:t>]:  </a:t>
-            </a:r>
-            <a:r>
-              <a:rPr lang="en-US" b="1" dirty="0">
-                <a:solidFill>
-                  <a:srgbClr val="000087"/>
-                </a:solidFill>
-                <a:latin typeface="Inconsolata" panose="020B0609030003000000" pitchFamily="49" charset="77"/>
-              </a:rPr>
-              <a:t>L </a:t>
-            </a:r>
-            <a:r>
-              <a:rPr lang="en-US" b="1" dirty="0">
-                <a:solidFill>
-                  <a:srgbClr val="545454"/>
-                </a:solidFill>
-                <a:latin typeface="Inconsolata" panose="020B0609030003000000" pitchFamily="49" charset="77"/>
-              </a:rPr>
-              <a:t>= </a:t>
-            </a:r>
-            <a:r>
-              <a:rPr lang="en-US" b="1" dirty="0">
-                <a:latin typeface="Inconsolata" panose="020B0609030003000000" pitchFamily="49" charset="77"/>
-              </a:rPr>
-              <a:t>[</a:t>
-            </a:r>
-            <a:r>
-              <a:rPr lang="en-US" b="1" dirty="0">
-                <a:solidFill>
-                  <a:srgbClr val="FF6600"/>
-                </a:solidFill>
-                <a:latin typeface="Inconsolata" panose="020B0609030003000000" pitchFamily="49" charset="77"/>
-              </a:rPr>
-              <a:t>1</a:t>
-            </a:r>
-            <a:r>
-              <a:rPr lang="en-US" b="1" dirty="0">
-                <a:latin typeface="Inconsolata" panose="020B0609030003000000" pitchFamily="49" charset="77"/>
-              </a:rPr>
-              <a:t>, </a:t>
-            </a:r>
-            <a:r>
-              <a:rPr lang="en-US" b="1" dirty="0">
-                <a:solidFill>
-                  <a:srgbClr val="FF6600"/>
-                </a:solidFill>
-                <a:latin typeface="Inconsolata" panose="020B0609030003000000" pitchFamily="49" charset="77"/>
-              </a:rPr>
-              <a:t>2</a:t>
-            </a:r>
-            <a:r>
-              <a:rPr lang="en-US" b="1" dirty="0">
-                <a:latin typeface="Inconsolata" panose="020B0609030003000000" pitchFamily="49" charset="77"/>
-              </a:rPr>
-              <a:t>, </a:t>
-            </a:r>
-            <a:r>
-              <a:rPr lang="en-US" b="1" dirty="0">
-                <a:solidFill>
-                  <a:srgbClr val="FF6600"/>
-                </a:solidFill>
-                <a:latin typeface="Inconsolata" panose="020B0609030003000000" pitchFamily="49" charset="77"/>
-              </a:rPr>
-              <a:t>3</a:t>
-            </a:r>
-            <a:r>
-              <a:rPr lang="en-US" b="1" dirty="0">
-                <a:latin typeface="Inconsolata" panose="020B0609030003000000" pitchFamily="49" charset="77"/>
-              </a:rPr>
-              <a:t>, </a:t>
-            </a:r>
-            <a:r>
-              <a:rPr lang="en-US" b="1" dirty="0">
-                <a:solidFill>
-                  <a:srgbClr val="FF6600"/>
-                </a:solidFill>
-                <a:latin typeface="Inconsolata" panose="020B0609030003000000" pitchFamily="49" charset="77"/>
-              </a:rPr>
-              <a:t>4</a:t>
-            </a:r>
-            <a:r>
-              <a:rPr lang="en-US" b="1" dirty="0">
-                <a:latin typeface="Inconsolata" panose="020B0609030003000000" pitchFamily="49" charset="77"/>
-              </a:rPr>
-              <a:t>, </a:t>
-            </a:r>
-            <a:r>
-              <a:rPr lang="en-US" b="1" dirty="0">
-                <a:solidFill>
-                  <a:srgbClr val="FF6600"/>
-                </a:solidFill>
-                <a:latin typeface="Inconsolata" panose="020B0609030003000000" pitchFamily="49" charset="77"/>
-              </a:rPr>
-              <a:t>5</a:t>
-            </a:r>
-            <a:r>
-              <a:rPr lang="en-US" b="1" dirty="0">
-                <a:latin typeface="Inconsolata" panose="020B0609030003000000" pitchFamily="49" charset="77"/>
-              </a:rPr>
-              <a:t>]</a:t>
-            </a:r>
-            <a:br>
-              <a:rPr lang="en-US" b="1" dirty="0">
-                <a:latin typeface="Inconsolata" panose="020B0609030003000000" pitchFamily="49" charset="77"/>
-              </a:rPr>
-            </a:br>
-            <a:r>
-              <a:rPr lang="en-US" b="1" dirty="0">
-                <a:solidFill>
-                  <a:srgbClr val="000087"/>
-                </a:solidFill>
-                <a:latin typeface="Inconsolata" panose="020B0609030003000000" pitchFamily="49" charset="77"/>
-              </a:rPr>
-              <a:t>In </a:t>
-            </a:r>
-            <a:r>
-              <a:rPr lang="en-US" b="1" dirty="0">
-                <a:latin typeface="Inconsolata" panose="020B0609030003000000" pitchFamily="49" charset="77"/>
-              </a:rPr>
-              <a:t>[</a:t>
-            </a:r>
-            <a:r>
-              <a:rPr lang="en-US" b="1" dirty="0">
-                <a:solidFill>
-                  <a:srgbClr val="FF6600"/>
-                </a:solidFill>
-                <a:latin typeface="Inconsolata" panose="020B0609030003000000" pitchFamily="49" charset="77"/>
-              </a:rPr>
-              <a:t>2</a:t>
-            </a:r>
-            <a:r>
-              <a:rPr lang="en-US" b="1" dirty="0">
-                <a:latin typeface="Inconsolata" panose="020B0609030003000000" pitchFamily="49" charset="77"/>
-              </a:rPr>
-              <a:t>]: </a:t>
-            </a:r>
-            <a:r>
-              <a:rPr lang="en-US" b="1" dirty="0">
-                <a:solidFill>
-                  <a:srgbClr val="000087"/>
-                </a:solidFill>
-                <a:latin typeface="Inconsolata" panose="020B0609030003000000" pitchFamily="49" charset="77"/>
-              </a:rPr>
-              <a:t>L</a:t>
-            </a:r>
-            <a:r>
-              <a:rPr lang="en-US" b="1" dirty="0">
-                <a:latin typeface="Inconsolata" panose="020B0609030003000000" pitchFamily="49" charset="77"/>
-              </a:rPr>
-              <a:t>[</a:t>
-            </a:r>
-            <a:r>
-              <a:rPr lang="en-US" b="1" dirty="0">
-                <a:solidFill>
-                  <a:srgbClr val="FF6600"/>
-                </a:solidFill>
-                <a:latin typeface="Inconsolata" panose="020B0609030003000000" pitchFamily="49" charset="77"/>
-              </a:rPr>
-              <a:t>0:3</a:t>
-            </a:r>
-            <a:r>
-              <a:rPr lang="en-US" b="1" dirty="0">
-                <a:latin typeface="Inconsolata" panose="020B0609030003000000" pitchFamily="49" charset="77"/>
-              </a:rPr>
-              <a:t>] </a:t>
-            </a:r>
-          </a:p>
-          <a:p>
-            <a:pPr marL="0" indent="0">
-              <a:buNone/>
-            </a:pPr>
-            <a:r>
-              <a:rPr lang="en-US" b="1" dirty="0">
-                <a:latin typeface="Inconsolata" panose="020B0609030003000000" pitchFamily="49" charset="77"/>
-              </a:rPr>
-              <a:t>Out [2]: [1, 2, 3] </a:t>
-            </a:r>
-          </a:p>
-          <a:p>
-            <a:pPr marL="0" indent="0">
-              <a:buNone/>
-            </a:pPr>
-            <a:endParaRPr lang="en-US" b="1" dirty="0">
-              <a:latin typeface="Inconsolata" panose="020B0609030003000000" pitchFamily="49" charset="77"/>
-            </a:endParaRPr>
-          </a:p>
-          <a:p>
-            <a:pPr marL="0" indent="0">
-              <a:buNone/>
-            </a:pPr>
-            <a:r>
-              <a:rPr lang="en-US" b="1" dirty="0">
-                <a:solidFill>
-                  <a:srgbClr val="000087"/>
-                </a:solidFill>
-                <a:latin typeface="Inconsolata" panose="020B0609030003000000" pitchFamily="49" charset="77"/>
-              </a:rPr>
-              <a:t>In </a:t>
-            </a:r>
-            <a:r>
-              <a:rPr lang="en-US" b="1" dirty="0">
-                <a:latin typeface="Inconsolata" panose="020B0609030003000000" pitchFamily="49" charset="77"/>
-              </a:rPr>
-              <a:t>[</a:t>
-            </a:r>
-            <a:r>
-              <a:rPr lang="en-US" b="1" dirty="0">
-                <a:solidFill>
-                  <a:srgbClr val="FF6600"/>
-                </a:solidFill>
-                <a:latin typeface="Inconsolata" panose="020B0609030003000000" pitchFamily="49" charset="77"/>
-              </a:rPr>
-              <a:t>3</a:t>
-            </a:r>
-            <a:r>
-              <a:rPr lang="en-US" b="1" dirty="0">
-                <a:latin typeface="Inconsolata" panose="020B0609030003000000" pitchFamily="49" charset="77"/>
-              </a:rPr>
-              <a:t>]: </a:t>
-            </a:r>
-            <a:r>
-              <a:rPr lang="en-US" b="1" dirty="0">
-                <a:solidFill>
-                  <a:srgbClr val="000087"/>
-                </a:solidFill>
-                <a:latin typeface="Inconsolata" panose="020B0609030003000000" pitchFamily="49" charset="77"/>
-              </a:rPr>
-              <a:t>L</a:t>
-            </a:r>
-            <a:r>
-              <a:rPr lang="en-US" b="1" dirty="0">
-                <a:latin typeface="Inconsolata" panose="020B0609030003000000" pitchFamily="49" charset="77"/>
-              </a:rPr>
-              <a:t>[</a:t>
-            </a:r>
-            <a:r>
-              <a:rPr lang="en-US" b="1" dirty="0">
-                <a:solidFill>
-                  <a:srgbClr val="FF6600"/>
-                </a:solidFill>
-                <a:latin typeface="Inconsolata" panose="020B0609030003000000" pitchFamily="49" charset="77"/>
-              </a:rPr>
-              <a:t>:3</a:t>
-            </a:r>
-            <a:r>
-              <a:rPr lang="en-US" b="1" dirty="0">
-                <a:latin typeface="Inconsolata" panose="020B0609030003000000" pitchFamily="49" charset="77"/>
-              </a:rPr>
-              <a:t>] </a:t>
-            </a:r>
-          </a:p>
-          <a:p>
-            <a:pPr marL="0" indent="0">
-              <a:buNone/>
-            </a:pPr>
-            <a:r>
-              <a:rPr lang="en-US" b="1" dirty="0">
-                <a:latin typeface="Inconsolata" panose="020B0609030003000000" pitchFamily="49" charset="77"/>
-              </a:rPr>
-              <a:t>Out [3]: [1, 2, 3]  </a:t>
-            </a:r>
-          </a:p>
-          <a:p>
-            <a:pPr marL="0" indent="0">
-              <a:buNone/>
-            </a:pPr>
-            <a:endParaRPr lang="en-US" b="1" dirty="0">
+              <a:t>Compute the sum of a 2D list </a:t>
+            </a:r>
+            <a:r>
+              <a:rPr lang="en-US"/>
+              <a:t>using nested loops. </a:t>
+            </a:r>
+            <a:endParaRPr lang="en-US" dirty="0"/>
+          </a:p>
+          <a:p>
+            <a:pPr marL="0" indent="0">
+              <a:buNone/>
+            </a:pPr>
+            <a:endParaRPr lang="en-US" sz="2000" b="1" dirty="0">
               <a:solidFill>
                 <a:srgbClr val="000087"/>
               </a:solidFill>
@@ -29734,164 +30405,382 @@
               <a:buNone/>
             </a:pPr>
             <a:r>
-              <a:rPr lang="en-US" b="1" dirty="0">
+              <a:rPr lang="en-US" sz="2000" b="1" dirty="0">
                 <a:solidFill>
                   <a:srgbClr val="000087"/>
                 </a:solidFill>
                 <a:latin typeface="Inconsolata" panose="020B0609030003000000" pitchFamily="49" charset="77"/>
               </a:rPr>
-              <a:t>In </a:t>
-            </a:r>
-            <a:r>
-              <a:rPr lang="en-US" b="1" dirty="0">
+              <a:t>In</a:t>
+            </a:r>
+            <a:r>
+              <a:rPr lang="en-US" sz="2000" b="1" dirty="0">
                 <a:latin typeface="Inconsolata" panose="020B0609030003000000" pitchFamily="49" charset="77"/>
               </a:rPr>
               <a:t>[</a:t>
             </a:r>
             <a:r>
-              <a:rPr lang="en-US" b="1" dirty="0">
+              <a:rPr lang="en-US" sz="2000" b="1" dirty="0">
                 <a:solidFill>
                   <a:srgbClr val="FF6600"/>
                 </a:solidFill>
                 <a:latin typeface="Inconsolata" panose="020B0609030003000000" pitchFamily="49" charset="77"/>
               </a:rPr>
-              <a:t>4</a:t>
-            </a:r>
-            <a:r>
-              <a:rPr lang="en-US" b="1" dirty="0">
+              <a:t>1</a:t>
+            </a:r>
+            <a:r>
+              <a:rPr lang="en-US" sz="2000" b="1" dirty="0">
                 <a:latin typeface="Inconsolata" panose="020B0609030003000000" pitchFamily="49" charset="77"/>
               </a:rPr>
               <a:t>]: </a:t>
             </a:r>
             <a:r>
-              <a:rPr lang="en-US" b="1" dirty="0">
+              <a:rPr lang="en-US" sz="2000" b="1" dirty="0" err="1">
                 <a:solidFill>
                   <a:srgbClr val="000087"/>
                 </a:solidFill>
                 <a:latin typeface="Inconsolata" panose="020B0609030003000000" pitchFamily="49" charset="77"/>
               </a:rPr>
-              <a:t>L</a:t>
-            </a:r>
-            <a:r>
-              <a:rPr lang="en-US" b="1" dirty="0">
+              <a:t>lst</a:t>
+            </a:r>
+            <a:r>
+              <a:rPr lang="en-US" sz="2000" b="1" dirty="0">
+                <a:solidFill>
+                  <a:srgbClr val="000087"/>
+                </a:solidFill>
+                <a:latin typeface="Inconsolata" panose="020B0609030003000000" pitchFamily="49" charset="77"/>
+              </a:rPr>
+              <a:t> </a:t>
+            </a:r>
+            <a:r>
+              <a:rPr lang="en-US" sz="2000" b="1" dirty="0">
+                <a:solidFill>
+                  <a:srgbClr val="545454"/>
+                </a:solidFill>
+                <a:latin typeface="Inconsolata" panose="020B0609030003000000" pitchFamily="49" charset="77"/>
+              </a:rPr>
+              <a:t>= </a:t>
+            </a:r>
+            <a:r>
+              <a:rPr lang="en-US" sz="2000" b="1" dirty="0">
                 <a:latin typeface="Inconsolata" panose="020B0609030003000000" pitchFamily="49" charset="77"/>
               </a:rPr>
               <a:t>[</a:t>
             </a:r>
             <a:r>
-              <a:rPr lang="en-US" b="1" dirty="0">
+              <a:rPr lang="en-US" sz="2000" b="1" dirty="0">
                 <a:solidFill>
                   <a:srgbClr val="FF6600"/>
                 </a:solidFill>
                 <a:latin typeface="Inconsolata" panose="020B0609030003000000" pitchFamily="49" charset="77"/>
               </a:rPr>
-              <a:t>-3:</a:t>
-            </a:r>
-            <a:r>
-              <a:rPr lang="en-US" b="1" dirty="0">
-                <a:latin typeface="Inconsolata" panose="020B0609030003000000" pitchFamily="49" charset="77"/>
-              </a:rPr>
-              <a:t>] </a:t>
-            </a:r>
-          </a:p>
-          <a:p>
-            <a:pPr marL="0" indent="0">
-              <a:buNone/>
-            </a:pPr>
-            <a:r>
-              <a:rPr lang="en-US" b="1" dirty="0">
-                <a:latin typeface="Inconsolata" panose="020B0609030003000000" pitchFamily="49" charset="77"/>
-              </a:rPr>
-              <a:t>Out [4]: [3, 4, 5]  </a:t>
-            </a:r>
-          </a:p>
-          <a:p>
-            <a:pPr marL="0" indent="0">
-              <a:buNone/>
-            </a:pPr>
-            <a:endParaRPr lang="en-US" b="1" dirty="0">
+              <a:t>[1, 2, 3],</a:t>
+            </a:r>
+          </a:p>
+          <a:p>
+            <a:pPr marL="0" indent="0">
+              <a:buNone/>
+            </a:pPr>
+            <a:r>
+              <a:rPr lang="en-US" sz="2000" b="1" dirty="0">
+                <a:solidFill>
+                  <a:srgbClr val="FF6600"/>
+                </a:solidFill>
+                <a:latin typeface="Inconsolata" panose="020B0609030003000000" pitchFamily="49" charset="77"/>
+              </a:rPr>
+              <a:t>              [4, 5, 6], </a:t>
+            </a:r>
+          </a:p>
+          <a:p>
+            <a:pPr marL="0" indent="0">
+              <a:buNone/>
+            </a:pPr>
+            <a:r>
+              <a:rPr lang="en-US" sz="2000" b="1" dirty="0">
+                <a:solidFill>
+                  <a:srgbClr val="FF6600"/>
+                </a:solidFill>
+                <a:latin typeface="Inconsolata" panose="020B0609030003000000" pitchFamily="49" charset="77"/>
+              </a:rPr>
+              <a:t>              [7, 8, 9]</a:t>
+            </a:r>
+            <a:r>
+              <a:rPr lang="en-US" sz="2000" b="1" dirty="0">
+                <a:latin typeface="Inconsolata" panose="020B0609030003000000" pitchFamily="49" charset="77"/>
+              </a:rPr>
+              <a:t>]</a:t>
+            </a:r>
+          </a:p>
+          <a:p>
+            <a:pPr marL="0" indent="0">
+              <a:buNone/>
+            </a:pPr>
+            <a:r>
+              <a:rPr lang="en-US" sz="2000" b="1" dirty="0">
+                <a:solidFill>
+                  <a:srgbClr val="000087"/>
+                </a:solidFill>
+                <a:latin typeface="Inconsolata" panose="020B0609030003000000" pitchFamily="49" charset="77"/>
+              </a:rPr>
+              <a:t>In</a:t>
+            </a:r>
+            <a:r>
+              <a:rPr lang="en-US" sz="2000" b="1" dirty="0">
+                <a:latin typeface="Inconsolata" panose="020B0609030003000000" pitchFamily="49" charset="77"/>
+              </a:rPr>
+              <a:t>[</a:t>
+            </a:r>
+            <a:r>
+              <a:rPr lang="en-US" sz="2000" b="1" dirty="0">
+                <a:solidFill>
+                  <a:srgbClr val="FF6600"/>
+                </a:solidFill>
+                <a:latin typeface="Inconsolata" panose="020B0609030003000000" pitchFamily="49" charset="77"/>
+              </a:rPr>
+              <a:t>2</a:t>
+            </a:r>
+            <a:r>
+              <a:rPr lang="en-US" sz="2000" b="1" dirty="0">
+                <a:latin typeface="Inconsolata" panose="020B0609030003000000" pitchFamily="49" charset="77"/>
+              </a:rPr>
+              <a:t>]: </a:t>
+            </a:r>
+            <a:r>
+              <a:rPr lang="en-US" sz="2000" b="1" dirty="0">
+                <a:solidFill>
+                  <a:srgbClr val="000087"/>
+                </a:solidFill>
+                <a:latin typeface="Inconsolata" panose="020B0609030003000000" pitchFamily="49" charset="77"/>
+              </a:rPr>
+              <a:t>sum = 0</a:t>
+            </a:r>
+          </a:p>
+          <a:p>
+            <a:pPr marL="0" indent="0">
+              <a:buNone/>
+            </a:pPr>
+            <a:r>
+              <a:rPr lang="en-US" sz="2000" b="1" dirty="0">
+                <a:solidFill>
+                  <a:srgbClr val="000087"/>
+                </a:solidFill>
+                <a:latin typeface="Inconsolata" panose="020B0609030003000000" pitchFamily="49" charset="77"/>
+              </a:rPr>
+              <a:t>	  for </a:t>
+            </a:r>
+            <a:r>
+              <a:rPr lang="en-US" sz="2000" b="1" dirty="0">
+                <a:solidFill>
+                  <a:srgbClr val="FF0000"/>
+                </a:solidFill>
+                <a:latin typeface="Inconsolata" panose="020B0609030003000000" pitchFamily="49" charset="77"/>
+              </a:rPr>
+              <a:t>row</a:t>
+            </a:r>
+            <a:r>
+              <a:rPr lang="en-US" sz="2000" b="1" dirty="0">
+                <a:solidFill>
+                  <a:srgbClr val="000087"/>
+                </a:solidFill>
+                <a:latin typeface="Inconsolata" panose="020B0609030003000000" pitchFamily="49" charset="77"/>
+              </a:rPr>
+              <a:t> in </a:t>
+            </a:r>
+            <a:r>
+              <a:rPr lang="en-US" sz="2000" b="1" dirty="0" err="1">
+                <a:solidFill>
+                  <a:srgbClr val="00B050"/>
+                </a:solidFill>
+                <a:latin typeface="Inconsolata" panose="020B0609030003000000" pitchFamily="49" charset="77"/>
+              </a:rPr>
+              <a:t>lst</a:t>
+            </a:r>
+            <a:r>
+              <a:rPr lang="en-US" sz="2000" b="1" dirty="0">
+                <a:solidFill>
+                  <a:srgbClr val="000087"/>
+                </a:solidFill>
+                <a:latin typeface="Inconsolata" panose="020B0609030003000000" pitchFamily="49" charset="77"/>
+              </a:rPr>
+              <a:t>:</a:t>
+            </a:r>
+          </a:p>
+          <a:p>
+            <a:pPr marL="0" indent="0">
+              <a:buNone/>
+            </a:pPr>
+            <a:r>
+              <a:rPr lang="en-US" sz="2000" b="1" dirty="0">
+                <a:solidFill>
+                  <a:srgbClr val="000087"/>
+                </a:solidFill>
+                <a:latin typeface="Inconsolata" panose="020B0609030003000000" pitchFamily="49" charset="77"/>
+              </a:rPr>
+              <a:t>		for </a:t>
+            </a:r>
+            <a:r>
+              <a:rPr lang="en-US" sz="2000" b="1" dirty="0">
+                <a:solidFill>
+                  <a:srgbClr val="FF0000"/>
+                </a:solidFill>
+                <a:latin typeface="Inconsolata" panose="020B0609030003000000" pitchFamily="49" charset="77"/>
+              </a:rPr>
+              <a:t>item</a:t>
+            </a:r>
+            <a:r>
+              <a:rPr lang="en-US" sz="2000" b="1" dirty="0">
+                <a:solidFill>
+                  <a:srgbClr val="000087"/>
+                </a:solidFill>
+                <a:latin typeface="Inconsolata" panose="020B0609030003000000" pitchFamily="49" charset="77"/>
+              </a:rPr>
+              <a:t> in </a:t>
+            </a:r>
+            <a:r>
+              <a:rPr lang="en-US" sz="2000" b="1" dirty="0">
+                <a:solidFill>
+                  <a:srgbClr val="00B050"/>
+                </a:solidFill>
+                <a:latin typeface="Inconsolata" panose="020B0609030003000000" pitchFamily="49" charset="77"/>
+              </a:rPr>
+              <a:t>row</a:t>
+            </a:r>
+            <a:r>
+              <a:rPr lang="en-US" sz="2000" b="1" dirty="0">
+                <a:solidFill>
+                  <a:srgbClr val="000087"/>
+                </a:solidFill>
+                <a:latin typeface="Inconsolata" panose="020B0609030003000000" pitchFamily="49" charset="77"/>
+              </a:rPr>
+              <a:t>:</a:t>
+            </a:r>
+          </a:p>
+          <a:p>
+            <a:pPr marL="0" indent="0">
+              <a:buNone/>
+            </a:pPr>
+            <a:r>
+              <a:rPr lang="en-US" sz="2000" b="1" dirty="0">
+                <a:solidFill>
+                  <a:srgbClr val="000087"/>
+                </a:solidFill>
+                <a:latin typeface="Inconsolata" panose="020B0609030003000000" pitchFamily="49" charset="77"/>
+              </a:rPr>
+              <a:t>			sum += item</a:t>
+            </a:r>
+          </a:p>
+          <a:p>
+            <a:pPr marL="0" indent="0">
+              <a:buNone/>
+            </a:pPr>
+            <a:r>
+              <a:rPr lang="en-US" sz="2000" b="1" dirty="0">
+                <a:solidFill>
+                  <a:srgbClr val="000087"/>
+                </a:solidFill>
+                <a:latin typeface="Inconsolata" panose="020B0609030003000000" pitchFamily="49" charset="77"/>
+              </a:rPr>
+              <a:t>	  print(sum)</a:t>
+            </a:r>
+          </a:p>
+          <a:p>
+            <a:pPr marL="0" indent="0">
+              <a:buNone/>
+            </a:pPr>
+            <a:r>
+              <a:rPr lang="en-US" sz="2000" b="1" dirty="0">
+                <a:latin typeface="Inconsolata" panose="020B0609030003000000" pitchFamily="49" charset="77"/>
+              </a:rPr>
+              <a:t>45</a:t>
+            </a:r>
+          </a:p>
+          <a:p>
+            <a:pPr marL="0" indent="0">
+              <a:buNone/>
+            </a:pPr>
+            <a:endParaRPr lang="en-US" sz="2000" b="1" dirty="0">
               <a:solidFill>
                 <a:srgbClr val="000087"/>
               </a:solidFill>
               <a:latin typeface="Inconsolata" panose="020B0609030003000000" pitchFamily="49" charset="77"/>
             </a:endParaRPr>
           </a:p>
-        </p:txBody>
-      </p:sp>
-      <p:sp>
-        <p:nvSpPr>
-          <p:cNvPr id="4" name="TextBox 3">
-            <a:extLst>
-              <a:ext uri="{FF2B5EF4-FFF2-40B4-BE49-F238E27FC236}">
-                <a16:creationId xmlns:a16="http://schemas.microsoft.com/office/drawing/2014/main" id="{05D0FF44-ED85-F649-9E37-57AC59AB411C}"/>
-              </a:ext>
-            </a:extLst>
-          </p:cNvPr>
-          <p:cNvSpPr txBox="1"/>
-          <p:nvPr/>
-        </p:nvSpPr>
-        <p:spPr>
-          <a:xfrm>
-            <a:off x="3420265" y="3294887"/>
-            <a:ext cx="2984938" cy="738664"/>
-          </a:xfrm>
-          <a:prstGeom prst="rect">
-            <a:avLst/>
-          </a:prstGeom>
-          <a:noFill/>
-        </p:spPr>
-        <p:txBody>
-          <a:bodyPr wrap="square" rtlCol="0">
-            <a:spAutoFit/>
-          </a:bodyPr>
-          <a:lstStyle/>
-          <a:p>
-            <a:r>
-              <a:rPr lang="en-US" sz="2100" dirty="0"/>
-              <a:t>Leaving out the first index defaults to 0.</a:t>
-            </a:r>
-          </a:p>
-        </p:txBody>
-      </p:sp>
-      <p:sp>
-        <p:nvSpPr>
-          <p:cNvPr id="6" name="TextBox 5">
-            <a:extLst>
-              <a:ext uri="{FF2B5EF4-FFF2-40B4-BE49-F238E27FC236}">
-                <a16:creationId xmlns:a16="http://schemas.microsoft.com/office/drawing/2014/main" id="{3B49FF43-4D4F-704B-A9F1-A113EABE5440}"/>
-              </a:ext>
-            </a:extLst>
-          </p:cNvPr>
-          <p:cNvSpPr txBox="1"/>
-          <p:nvPr/>
-        </p:nvSpPr>
-        <p:spPr>
-          <a:xfrm>
-            <a:off x="3420265" y="4443195"/>
-            <a:ext cx="2984938" cy="738664"/>
-          </a:xfrm>
-          <a:prstGeom prst="rect">
-            <a:avLst/>
-          </a:prstGeom>
-          <a:noFill/>
-        </p:spPr>
-        <p:txBody>
-          <a:bodyPr wrap="square" rtlCol="0">
-            <a:spAutoFit/>
-          </a:bodyPr>
-          <a:lstStyle/>
-          <a:p>
-            <a:r>
-              <a:rPr lang="en-US" sz="2100" dirty="0"/>
-              <a:t>Leaving out the last index defaults to length of list.</a:t>
-            </a:r>
+          <a:p>
+            <a:pPr marL="0" indent="0">
+              <a:buNone/>
+            </a:pPr>
+            <a:r>
+              <a:rPr lang="en-US" sz="2000" b="1" dirty="0">
+                <a:solidFill>
+                  <a:srgbClr val="000087"/>
+                </a:solidFill>
+                <a:latin typeface="Inconsolata" panose="020B0609030003000000" pitchFamily="49" charset="77"/>
+              </a:rPr>
+              <a:t>	  </a:t>
+            </a:r>
+            <a:r>
+              <a:rPr lang="en-US" sz="2000" b="1" dirty="0">
+                <a:latin typeface="Inconsolata" panose="020B0609030003000000" pitchFamily="49" charset="77"/>
+              </a:rPr>
+              <a:t> </a:t>
+            </a:r>
+          </a:p>
+          <a:p>
+            <a:pPr marL="0" indent="0">
+              <a:buNone/>
+            </a:pPr>
+            <a:endParaRPr lang="en-US" sz="2000" b="1" dirty="0">
+              <a:latin typeface="Inconsolata" panose="020B0609030003000000" pitchFamily="49" charset="77"/>
+            </a:endParaRPr>
+          </a:p>
+          <a:p>
+            <a:pPr marL="0" indent="0">
+              <a:buNone/>
+            </a:pPr>
+            <a:r>
+              <a:rPr lang="en-US" dirty="0"/>
+              <a:t> 	                </a:t>
+            </a:r>
+          </a:p>
+          <a:p>
+            <a:pPr marL="0" indent="0">
+              <a:buNone/>
+            </a:pPr>
+            <a:endParaRPr lang="en-US" dirty="0"/>
+          </a:p>
+          <a:p>
+            <a:pPr marL="0" indent="0">
+              <a:buNone/>
+            </a:pPr>
+            <a:endParaRPr lang="en-US" dirty="0"/>
+          </a:p>
+          <a:p>
+            <a:pPr marL="0" indent="0">
+              <a:buNone/>
+            </a:pPr>
+            <a:r>
+              <a:rPr lang="en-US" dirty="0"/>
+              <a:t> </a:t>
+            </a:r>
+          </a:p>
+          <a:p>
+            <a:pPr marL="0" indent="0">
+              <a:buNone/>
+            </a:pPr>
+            <a:endParaRPr lang="en-US" dirty="0"/>
+          </a:p>
+          <a:p>
+            <a:pPr marL="0" indent="0">
+              <a:buNone/>
+            </a:pPr>
+            <a:endParaRPr lang="en-US" dirty="0"/>
           </a:p>
         </p:txBody>
       </p:sp>
     </p:spTree>
     <p:extLst>
       <p:ext uri="{BB962C8B-B14F-4D97-AF65-F5344CB8AC3E}">
-        <p14:creationId xmlns:p14="http://schemas.microsoft.com/office/powerpoint/2010/main" val="2816034367"/>
+        <p14:creationId xmlns:p14="http://schemas.microsoft.com/office/powerpoint/2010/main" val="291122115"/>
       </p:ext>
     </p:extLst>
   </p:cSld>
@@ -29934,38 +30823,7 @@
                                         <p:tgtEl>
                                           <p:spTgt spid="9">
                                             <p:txEl>
-                                              <p:pRg st="1" end="1"/>
-                                            </p:txEl>
-                                          </p:spTgt>
-                                        </p:tgtEl>
-                                        <p:attrNameLst>
-                                          <p:attrName>style.visibility</p:attrName>
-                                        </p:attrNameLst>
-                                      </p:cBhvr>
-                                      <p:to>
-                                        <p:strVal val="visible"/>
-                                      </p:to>
-                                    </p:set>
-                                  </p:childTnLst>
-                                </p:cTn>
-                              </p:par>
-                              <p:par>
-                                <p:cTn id="7" presetID="1" presetClass="entr" presetSubtype="0" fill="hold" nodeType="withEffect">
-                                  <p:stCondLst>
-                                    <p:cond delay="0"/>
-                                  </p:stCondLst>
-                                  <p:childTnLst>
-                                    <p:set>
-                                      <p:cBhvr>
-                                        <p:cTn id="8" dur="1" fill="hold">
-                                          <p:stCondLst>
-                                            <p:cond delay="0"/>
-                                          </p:stCondLst>
-                                        </p:cTn>
-                                        <p:tgtEl>
-                                          <p:spTgt spid="9">
-                                            <p:txEl>
-                                              <p:pRg st="2" end="2"/>
+                                              <p:pRg st="5" end="5"/>
                                             </p:txEl>
                                           </p:spTgt>
                                         </p:tgtEl>
@@ -29987,26 +30845,26 @@
                     </p:cTn>
                   </p:par>
                   <p:par>
-                    <p:cTn id="9" fill="hold">
+                    <p:cTn id="7" fill="hold">
                       <p:stCondLst>
                         <p:cond delay="indefinite"/>
                       </p:stCondLst>
                       <p:childTnLst>
                         <p:par>
-                          <p:cTn id="10" fill="hold">
+                          <p:cTn id="8" fill="hold">
                             <p:stCondLst>
                               <p:cond delay="0"/>
                             </p:stCondLst>
                             <p:childTnLst>
                               <p:par>
-                                <p:cTn id="11" presetID="1" presetClass="entr" presetSubtype="0" fill="hold" nodeType="clickEffect">
+                                <p:cTn id="9" presetID="1" presetClass="entr" presetSubtype="0" fill="hold" nodeType="clickEffect">
                                   <p:stCondLst>
                                     <p:cond delay="0"/>
                                   </p:stCondLst>
                                   <p:childTnLst>
                                     <p:set>
                                       <p:cBhvr>
-                                        <p:cTn id="12" dur="1" fill="hold">
+                                        <p:cTn id="10" dur="1" fill="hold">
                                           <p:stCondLst>
                                             <p:cond delay="0"/>
                                           </p:stCondLst>
@@ -30014,7 +30872,7 @@
                                         <p:tgtEl>
                                           <p:spTgt spid="9">
                                             <p:txEl>
-                                              <p:pRg st="4" end="4"/>
+                                              <p:pRg st="6" end="6"/>
                                             </p:txEl>
                                           </p:spTgt>
                                         </p:tgtEl>
@@ -30029,8 +30887,26 @@
                                   </p:childTnLst>
                                 </p:cTn>
                               </p:par>
+                            </p:childTnLst>
+                          </p:cTn>
+                        </p:par>
+                      </p:childTnLst>
+                    </p:cTn>
+                  </p:par>
+                  <p:par>
+                    <p:cTn id="11" fill="hold">
+                      <p:stCondLst>
+                        <p:cond delay="indefinite"/>
+                      </p:stCondLst>
+                      <p:childTnLst>
+                        <p:par>
+                          <p:cTn id="12" fill="hold">
+                            <p:stCondLst>
+                              <p:cond delay="0"/>
+                            </p:stCondLst>
+                            <p:childTnLst>
                               <p:par>
-                                <p:cTn id="13" presetID="1" presetClass="entr" presetSubtype="0" fill="hold" nodeType="withEffect">
+                                <p:cTn id="13" presetID="1" presetClass="entr" presetSubtype="0" fill="hold" nodeType="clickEffect">
                                   <p:stCondLst>
                                     <p:cond delay="0"/>
                                   </p:stCondLst>
@@ -30045,7 +30921,7 @@
                                         <p:tgtEl>
                                           <p:spTgt spid="9">
                                             <p:txEl>
-                                              <p:pRg st="5" end="5"/>
+                                              <p:pRg st="7" end="7"/>
                                             </p:txEl>
                                           </p:spTgt>
                                         </p:tgtEl>
@@ -30079,7 +30955,7 @@
                             </p:stCondLst>
                             <p:childTnLst>
                               <p:par>
-                                <p:cTn id="17" presetID="1" presetClass="entr" presetSubtype="0" fill="hold" grpId="0" nodeType="clickEffect">
+                                <p:cTn id="17" presetID="1" presetClass="entr" presetSubtype="0" fill="hold" nodeType="clickEffect">
                                   <p:stCondLst>
                                     <p:cond delay="0"/>
                                   </p:stCondLst>
@@ -30092,7 +30968,11 @@
                                           </p:stCondLst>
                                         </p:cTn>
                                         <p:tgtEl>
-                                          <p:spTgt spid="4"/>
+                                          <p:spTgt spid="9">
+                                            <p:txEl>
+                                              <p:pRg st="8" end="8"/>
+                                            </p:txEl>
+                                          </p:spTgt>
                                         </p:tgtEl>
                                         <p:attrNameLst>
                                           <p:attrName>style.visibility</p:attrName>
@@ -30139,38 +31019,7 @@
                                         <p:tgtEl>
                                           <p:spTgt spid="9">
                                             <p:txEl>
-                                              <p:pRg st="7" end="7"/>
-                                            </p:txEl>
-                                          </p:spTgt>
-                                        </p:tgtEl>
-                                        <p:attrNameLst>
-                                          <p:attrName>style.visibility</p:attrName>
-                                        </p:attrNameLst>
-                                      </p:cBhvr>
-                                      <p:to>
-                                        <p:strVal val="visible"/>
-                                      </p:to>
-                                    </p:set>
-                                  </p:childTnLst>
-                                </p:cTn>
-                              </p:par>
-                              <p:par>
-                                <p:cTn id="23" presetID="1" presetClass="entr" presetSubtype="0" fill="hold" nodeType="withEffect">
-                                  <p:stCondLst>
-                                    <p:cond delay="0"/>
-                                  </p:stCondLst>
-                                  <p:childTnLst>
-                                    <p:set>
-                                      <p:cBhvr>
-                                        <p:cTn id="24" dur="1" fill="hold">
-                                          <p:stCondLst>
-                                            <p:cond delay="0"/>
-                                          </p:stCondLst>
-                                        </p:cTn>
-                                        <p:tgtEl>
-                                          <p:spTgt spid="9">
-                                            <p:txEl>
-                                              <p:pRg st="8" end="8"/>
+                                              <p:pRg st="9" end="9"/>
                                             </p:txEl>
                                           </p:spTgt>
                                         </p:tgtEl>
@@ -30192,32 +31041,85 @@
                     </p:cTn>
                   </p:par>
                   <p:par>
-                    <p:cTn id="25" fill="hold">
+                    <p:cTn id="23" fill="hold">
                       <p:stCondLst>
                         <p:cond delay="indefinite"/>
                       </p:stCondLst>
                       <p:childTnLst>
                         <p:par>
-                          <p:cTn id="26" fill="hold">
+                          <p:cTn id="24" fill="hold">
                             <p:stCondLst>
                               <p:cond delay="0"/>
                             </p:stCondLst>
                             <p:childTnLst>
                               <p:par>
-                                <p:cTn id="27" presetID="1" presetClass="entr" presetSubtype="0" fill="hold" grpId="0" nodeType="clickEffect">
+                                <p:cTn id="25" presetID="1" presetClass="entr" presetSubtype="0" fill="hold" nodeType="clickEffect">
                                   <p:stCondLst>
                                     <p:cond delay="0"/>
                                   </p:stCondLst>
                                   <p:childTnLst>
                                     <p:set>
                                       <p:cBhvr>
-                                        <p:cTn id="28" dur="1" fill="hold">
+                                        <p:cTn id="26" dur="1" fill="hold">
                                           <p:stCondLst>
                                             <p:cond delay="0"/>
                                           </p:stCondLst>
                                         </p:cTn>
                                         <p:tgtEl>
-                                          <p:spTgt spid="6"/>
+                                          <p:spTgt spid="9">
+                                            <p:txEl>
+                                              <p:pRg st="10" end="10"/>
+                                            </p:txEl>
+                                          </p:spTgt>
+                                        </p:tgtEl>
+                                        <p:attrNameLst>
+                                          <p:attrName>style.visibility</p:attrName>
+                                        </p:attrNameLst>
+                                      </p:cBhvr>
+                                      <p:to>
+                                        <p:strVal val="visible"/>
+                                      </p:to>
+                                    </p:set>
+                                  </p:childTnLst>
+                                </p:cTn>
+                              </p:par>
+                            </p:childTnLst>
+                          </p:cTn>
+                        </p:par>
+                      </p:childTnLst>
+                    </p:cTn>
+                  </p:par>
+                  <p:par>
+                    <p:cTn id="27" fill="hold">
+                      <p:stCondLst>
+                        <p:cond delay="indefinite"/>
+                      </p:stCondLst>
+                      <p:childTnLst>
+                        <p:par>
+                          <p:cTn id="28" fill="hold">
+                            <p:stCondLst>
+                              <p:cond delay="0"/>
+                            </p:stCondLst>
+                            <p:childTnLst>
+                              <p:par>
+                                <p:cTn id="29" presetID="1" presetClass="entr" presetSubtype="0" fill="hold" nodeType="clickEffect">
+                                  <p:stCondLst>
+                                    <p:cond delay="0"/>
+                                  </p:stCondLst>
+                                  <p:childTnLst>
+                                    <p:set>
+                                      <p:cBhvr>
+                                        <p:cTn id="30" dur="1" fill="hold">
+                                          <p:stCondLst>
+                                            <p:cond delay="0"/>
+                                          </p:stCondLst>
+                                        </p:cTn>
+                                        <p:tgtEl>
+                                          <p:spTgt spid="9">
+                                            <p:txEl>
+                                              <p:pRg st="12" end="12"/>
+                                            </p:txEl>
+                                          </p:spTgt>
                                         </p:tgtEl>
                                         <p:attrNameLst>
                                           <p:attrName>style.visibility</p:attrName>
@@ -30257,10 +31159,6 @@
         </p:cTn>
       </p:par>
     </p:tnLst>
-    <p:bldLst>
-      <p:bldP spid="4" grpId="0"/>
-      <p:bldP spid="6" grpId="0"/>
-    </p:bldLst>
   </p:timing>
 </p:sld>
 </file>

--- a/courses/apcsp/lect8.pptx
+++ b/courses/apcsp/lect8.pptx
@@ -10,19 +10,20 @@
     <p:sldId id="320" r:id="rId4"/>
     <p:sldId id="321" r:id="rId5"/>
     <p:sldId id="328" r:id="rId6"/>
-    <p:sldId id="329" r:id="rId7"/>
-    <p:sldId id="322" r:id="rId8"/>
-    <p:sldId id="323" r:id="rId9"/>
-    <p:sldId id="327" r:id="rId10"/>
-    <p:sldId id="330" r:id="rId11"/>
-    <p:sldId id="324" r:id="rId12"/>
-    <p:sldId id="332" r:id="rId13"/>
-    <p:sldId id="325" r:id="rId14"/>
-    <p:sldId id="331" r:id="rId15"/>
-    <p:sldId id="302" r:id="rId16"/>
-    <p:sldId id="306" r:id="rId17"/>
-    <p:sldId id="307" r:id="rId18"/>
-    <p:sldId id="316" r:id="rId19"/>
+    <p:sldId id="333" r:id="rId7"/>
+    <p:sldId id="329" r:id="rId8"/>
+    <p:sldId id="322" r:id="rId9"/>
+    <p:sldId id="323" r:id="rId10"/>
+    <p:sldId id="327" r:id="rId11"/>
+    <p:sldId id="330" r:id="rId12"/>
+    <p:sldId id="324" r:id="rId13"/>
+    <p:sldId id="332" r:id="rId14"/>
+    <p:sldId id="325" r:id="rId15"/>
+    <p:sldId id="331" r:id="rId16"/>
+    <p:sldId id="302" r:id="rId17"/>
+    <p:sldId id="306" r:id="rId18"/>
+    <p:sldId id="307" r:id="rId19"/>
+    <p:sldId id="316" r:id="rId20"/>
   </p:sldIdLst>
   <p:sldSz cx="9144000" cy="5715000" type="screen16x10"/>
   <p:notesSz cx="6858000" cy="9144000"/>
@@ -132,7 +133,7 @@
 <file path=ppt/revisionInfo.xml><?xml version="1.0" encoding="utf-8"?>
 <p1510:revInfo xmlns:a="http://schemas.openxmlformats.org/drawingml/2006/main" xmlns:r="http://schemas.openxmlformats.org/officeDocument/2006/relationships" xmlns:p1510="http://schemas.microsoft.com/office/powerpoint/2015/10/main">
   <p1510:revLst>
-    <p1510:client id="{03B59D2A-58F7-2C47-BB72-AE152660F162}" v="45" dt="2021-06-05T16:01:06.129"/>
+    <p1510:client id="{3CB66211-2DF4-2442-833E-8DD261694FF0}" v="251" dt="2021-11-07T17:24:01.542"/>
   </p1510:revLst>
 </p1510:revInfo>
 </file>
@@ -1283,6 +1284,30 @@
     </pc:docChg>
   </pc:docChgLst>
   <pc:docChgLst>
+    <pc:chgData name="Long B Nguyen" userId="f59fb8f3-a021-417a-8bc1-65c8d471c621" providerId="ADAL" clId="{3CB66211-2DF4-2442-833E-8DD261694FF0}"/>
+    <pc:docChg chg="addSld modSld">
+      <pc:chgData name="Long B Nguyen" userId="f59fb8f3-a021-417a-8bc1-65c8d471c621" providerId="ADAL" clId="{3CB66211-2DF4-2442-833E-8DD261694FF0}" dt="2021-11-07T17:24:01.542" v="250" actId="20577"/>
+      <pc:docMkLst>
+        <pc:docMk/>
+      </pc:docMkLst>
+      <pc:sldChg chg="modSp add modAnim">
+        <pc:chgData name="Long B Nguyen" userId="f59fb8f3-a021-417a-8bc1-65c8d471c621" providerId="ADAL" clId="{3CB66211-2DF4-2442-833E-8DD261694FF0}" dt="2021-11-07T17:24:01.542" v="250" actId="20577"/>
+        <pc:sldMkLst>
+          <pc:docMk/>
+          <pc:sldMk cId="2023389722" sldId="333"/>
+        </pc:sldMkLst>
+        <pc:spChg chg="mod">
+          <ac:chgData name="Long B Nguyen" userId="f59fb8f3-a021-417a-8bc1-65c8d471c621" providerId="ADAL" clId="{3CB66211-2DF4-2442-833E-8DD261694FF0}" dt="2021-11-07T17:24:01.542" v="250" actId="20577"/>
+          <ac:spMkLst>
+            <pc:docMk/>
+            <pc:sldMk cId="2023389722" sldId="333"/>
+            <ac:spMk id="9" creationId="{E3B2E017-30B2-884B-A113-B419A2ED51AD}"/>
+          </ac:spMkLst>
+        </pc:spChg>
+      </pc:sldChg>
+    </pc:docChg>
+  </pc:docChgLst>
+  <pc:docChgLst>
     <pc:chgData name="Long B Nguyen" userId="f59fb8f3-a021-417a-8bc1-65c8d471c621" providerId="ADAL" clId="{AA9102B5-DACA-D841-B260-AEEBF90FC60A}"/>
     <pc:docChg chg="custSel addSld delSld modSld">
       <pc:chgData name="Long B Nguyen" userId="f59fb8f3-a021-417a-8bc1-65c8d471c621" providerId="ADAL" clId="{AA9102B5-DACA-D841-B260-AEEBF90FC60A}" dt="2020-01-06T17:07:10.515" v="1519" actId="2711"/>
@@ -1769,7 +1794,7 @@
           <a:p>
             <a:fld id="{4AAD347D-5ACD-4C99-B74B-A9C85AD731AF}" type="datetimeFigureOut">
               <a:rPr lang="en-US" smtClean="0"/>
-              <a:t>6/5/21</a:t>
+              <a:t>11/7/21</a:t>
             </a:fld>
             <a:endParaRPr lang="en-US" dirty="0"/>
           </a:p>
@@ -1939,7 +1964,7 @@
           <a:p>
             <a:fld id="{4509A250-FF31-4206-8172-F9D3106AACB1}" type="datetimeFigureOut">
               <a:rPr lang="en-US" smtClean="0"/>
-              <a:t>6/5/21</a:t>
+              <a:t>11/7/21</a:t>
             </a:fld>
             <a:endParaRPr lang="en-US" dirty="0"/>
           </a:p>
@@ -2119,7 +2144,7 @@
           <a:p>
             <a:fld id="{4509A250-FF31-4206-8172-F9D3106AACB1}" type="datetimeFigureOut">
               <a:rPr lang="en-US" smtClean="0"/>
-              <a:t>6/5/21</a:t>
+              <a:t>11/7/21</a:t>
             </a:fld>
             <a:endParaRPr lang="en-US" dirty="0"/>
           </a:p>
@@ -2289,7 +2314,7 @@
           <a:p>
             <a:fld id="{4509A250-FF31-4206-8172-F9D3106AACB1}" type="datetimeFigureOut">
               <a:rPr lang="en-US" smtClean="0"/>
-              <a:t>6/5/21</a:t>
+              <a:t>11/7/21</a:t>
             </a:fld>
             <a:endParaRPr lang="en-US" dirty="0"/>
           </a:p>
@@ -2535,7 +2560,7 @@
           <a:p>
             <a:fld id="{9796027F-7875-4030-9381-8BD8C4F21935}" type="datetimeFigureOut">
               <a:rPr lang="en-US" smtClean="0"/>
-              <a:t>6/5/21</a:t>
+              <a:t>11/7/21</a:t>
             </a:fld>
             <a:endParaRPr lang="en-US" dirty="0"/>
           </a:p>
@@ -2767,7 +2792,7 @@
           <a:p>
             <a:fld id="{9796027F-7875-4030-9381-8BD8C4F21935}" type="datetimeFigureOut">
               <a:rPr lang="en-US" smtClean="0"/>
-              <a:t>6/5/21</a:t>
+              <a:t>11/7/21</a:t>
             </a:fld>
             <a:endParaRPr lang="en-US" dirty="0"/>
           </a:p>
@@ -3134,7 +3159,7 @@
           <a:p>
             <a:fld id="{9796027F-7875-4030-9381-8BD8C4F21935}" type="datetimeFigureOut">
               <a:rPr lang="en-US" smtClean="0"/>
-              <a:t>6/5/21</a:t>
+              <a:t>11/7/21</a:t>
             </a:fld>
             <a:endParaRPr lang="en-US" dirty="0"/>
           </a:p>
@@ -3252,7 +3277,7 @@
           <a:p>
             <a:fld id="{4509A250-FF31-4206-8172-F9D3106AACB1}" type="datetimeFigureOut">
               <a:rPr lang="en-US" smtClean="0"/>
-              <a:t>6/5/21</a:t>
+              <a:t>11/7/21</a:t>
             </a:fld>
             <a:endParaRPr lang="en-US" dirty="0"/>
           </a:p>
@@ -3347,7 +3372,7 @@
           <a:p>
             <a:fld id="{4509A250-FF31-4206-8172-F9D3106AACB1}" type="datetimeFigureOut">
               <a:rPr lang="en-US" smtClean="0"/>
-              <a:t>6/5/21</a:t>
+              <a:t>11/7/21</a:t>
             </a:fld>
             <a:endParaRPr lang="en-US" dirty="0"/>
           </a:p>
@@ -3624,7 +3649,7 @@
           <a:p>
             <a:fld id="{4509A250-FF31-4206-8172-F9D3106AACB1}" type="datetimeFigureOut">
               <a:rPr lang="en-US" smtClean="0"/>
-              <a:t>6/5/21</a:t>
+              <a:t>11/7/21</a:t>
             </a:fld>
             <a:endParaRPr lang="en-US" dirty="0"/>
           </a:p>
@@ -3881,7 +3906,7 @@
           <a:p>
             <a:fld id="{4509A250-FF31-4206-8172-F9D3106AACB1}" type="datetimeFigureOut">
               <a:rPr lang="en-US" smtClean="0"/>
-              <a:t>6/5/21</a:t>
+              <a:t>11/7/21</a:t>
             </a:fld>
             <a:endParaRPr lang="en-US" dirty="0"/>
           </a:p>
@@ -4094,7 +4119,7 @@
           <a:p>
             <a:fld id="{4AAD347D-5ACD-4C99-B74B-A9C85AD731AF}" type="datetimeFigureOut">
               <a:rPr lang="en-US" smtClean="0"/>
-              <a:t>6/5/21</a:t>
+              <a:t>11/7/21</a:t>
             </a:fld>
             <a:endParaRPr lang="en-US" dirty="0"/>
           </a:p>
@@ -4815,6 +4840,668 @@
         </p:nvSpPr>
         <p:spPr>
           <a:xfrm>
+            <a:off x="141402" y="54497"/>
+            <a:ext cx="7053542" cy="683886"/>
+          </a:xfrm>
+        </p:spPr>
+        <p:txBody>
+          <a:bodyPr/>
+          <a:lstStyle/>
+          <a:p>
+            <a:r>
+              <a:rPr lang="en-US" dirty="0"/>
+              <a:t>While and Break</a:t>
+            </a:r>
+          </a:p>
+        </p:txBody>
+      </p:sp>
+      <p:sp>
+        <p:nvSpPr>
+          <p:cNvPr id="9" name="Content Placeholder 8">
+            <a:extLst>
+              <a:ext uri="{FF2B5EF4-FFF2-40B4-BE49-F238E27FC236}">
+                <a16:creationId xmlns:a16="http://schemas.microsoft.com/office/drawing/2014/main" id="{E3B2E017-30B2-884B-A113-B419A2ED51AD}"/>
+              </a:ext>
+            </a:extLst>
+          </p:cNvPr>
+          <p:cNvSpPr>
+            <a:spLocks noGrp="1"/>
+          </p:cNvSpPr>
+          <p:nvPr>
+            <p:ph idx="1"/>
+          </p:nvPr>
+        </p:nvSpPr>
+        <p:spPr>
+          <a:xfrm>
+            <a:off x="141402" y="829558"/>
+            <a:ext cx="8394171" cy="4830945"/>
+          </a:xfrm>
+        </p:spPr>
+        <p:txBody>
+          <a:bodyPr>
+            <a:normAutofit/>
+          </a:bodyPr>
+          <a:lstStyle/>
+          <a:p>
+            <a:pPr marL="0" indent="0">
+              <a:buNone/>
+            </a:pPr>
+            <a:r>
+              <a:rPr lang="en-US" sz="2000" dirty="0">
+                <a:latin typeface="Gill Sans MT" panose="020B0502020104020203" pitchFamily="34" charset="77"/>
+              </a:rPr>
+              <a:t>As another example of an indefinite loop, suppose the user is asked to enter a numeric grade. The program will keep asking the user until he enters a value in the appropriate range(0 – 100).</a:t>
+            </a:r>
+            <a:endParaRPr lang="en-US" sz="2000" b="1" dirty="0">
+              <a:solidFill>
+                <a:srgbClr val="FF4C00"/>
+              </a:solidFill>
+              <a:latin typeface="LucidaSansTypewriterStd"/>
+            </a:endParaRPr>
+          </a:p>
+          <a:p>
+            <a:pPr marL="0" indent="0">
+              <a:buNone/>
+            </a:pPr>
+            <a:endParaRPr lang="en-US" sz="2000" b="1" dirty="0">
+              <a:solidFill>
+                <a:srgbClr val="FF4C00"/>
+              </a:solidFill>
+              <a:latin typeface="LucidaSansTypewriterStd"/>
+            </a:endParaRPr>
+          </a:p>
+          <a:p>
+            <a:pPr marL="0" indent="0">
+              <a:buNone/>
+            </a:pPr>
+            <a:r>
+              <a:rPr lang="en-US" sz="2000" b="1" dirty="0">
+                <a:solidFill>
+                  <a:srgbClr val="FF4C00"/>
+                </a:solidFill>
+                <a:latin typeface="Inconsolata" panose="020B0609030003000000" pitchFamily="49" charset="77"/>
+              </a:rPr>
+              <a:t>while True</a:t>
+            </a:r>
+            <a:r>
+              <a:rPr lang="en-US" sz="2000" b="1" dirty="0">
+                <a:latin typeface="Inconsolata" panose="020B0609030003000000" pitchFamily="49" charset="77"/>
+              </a:rPr>
+              <a:t>: </a:t>
+            </a:r>
+          </a:p>
+          <a:p>
+            <a:pPr marL="0" indent="0">
+              <a:buNone/>
+            </a:pPr>
+            <a:r>
+              <a:rPr lang="en-US" sz="2000" b="1" dirty="0">
+                <a:latin typeface="Inconsolata" panose="020B0609030003000000" pitchFamily="49" charset="77"/>
+              </a:rPr>
+              <a:t>	number = </a:t>
+            </a:r>
+            <a:r>
+              <a:rPr lang="en-US" sz="2000" b="1" dirty="0">
+                <a:solidFill>
+                  <a:srgbClr val="990CFF"/>
+                </a:solidFill>
+                <a:latin typeface="Inconsolata" panose="020B0609030003000000" pitchFamily="49" charset="77"/>
+              </a:rPr>
+              <a:t>int</a:t>
+            </a:r>
+            <a:r>
+              <a:rPr lang="en-US" sz="2000" b="1" dirty="0">
+                <a:latin typeface="Inconsolata" panose="020B0609030003000000" pitchFamily="49" charset="77"/>
+              </a:rPr>
+              <a:t>(</a:t>
+            </a:r>
+            <a:r>
+              <a:rPr lang="en-US" sz="2000" b="1" dirty="0">
+                <a:solidFill>
+                  <a:srgbClr val="990CFF"/>
+                </a:solidFill>
+                <a:latin typeface="Inconsolata" panose="020B0609030003000000" pitchFamily="49" charset="77"/>
+              </a:rPr>
+              <a:t>input</a:t>
+            </a:r>
+            <a:r>
+              <a:rPr lang="en-US" sz="2000" b="1" dirty="0">
+                <a:latin typeface="Inconsolata" panose="020B0609030003000000" pitchFamily="49" charset="77"/>
+              </a:rPr>
+              <a:t>(</a:t>
+            </a:r>
+            <a:r>
+              <a:rPr lang="en-US" sz="2000" b="1" dirty="0">
+                <a:solidFill>
+                  <a:srgbClr val="0CFF00"/>
+                </a:solidFill>
+                <a:latin typeface="Inconsolata" panose="020B0609030003000000" pitchFamily="49" charset="77"/>
+              </a:rPr>
+              <a:t>"Enter the numeric grade: "</a:t>
+            </a:r>
+            <a:r>
+              <a:rPr lang="en-US" sz="2000" b="1" dirty="0">
+                <a:latin typeface="Inconsolata" panose="020B0609030003000000" pitchFamily="49" charset="77"/>
+              </a:rPr>
+              <a:t>)) </a:t>
+            </a:r>
+          </a:p>
+          <a:p>
+            <a:pPr marL="0" indent="0">
+              <a:buNone/>
+            </a:pPr>
+            <a:r>
+              <a:rPr lang="en-US" sz="2000" b="1" dirty="0">
+                <a:solidFill>
+                  <a:srgbClr val="FF4C00"/>
+                </a:solidFill>
+                <a:latin typeface="Inconsolata" panose="020B0609030003000000" pitchFamily="49" charset="77"/>
+              </a:rPr>
+              <a:t>	if </a:t>
+            </a:r>
+            <a:r>
+              <a:rPr lang="en-US" sz="2000" b="1" dirty="0">
+                <a:latin typeface="Inconsolata" panose="020B0609030003000000" pitchFamily="49" charset="77"/>
+              </a:rPr>
+              <a:t>number &gt;= 0 and number &lt;= 100: </a:t>
+            </a:r>
+          </a:p>
+          <a:p>
+            <a:pPr marL="0" indent="0">
+              <a:buNone/>
+            </a:pPr>
+            <a:r>
+              <a:rPr lang="en-US" sz="2000" b="1" dirty="0">
+                <a:solidFill>
+                  <a:srgbClr val="FF4C00"/>
+                </a:solidFill>
+                <a:latin typeface="Inconsolata" panose="020B0609030003000000" pitchFamily="49" charset="77"/>
+              </a:rPr>
+              <a:t>		break </a:t>
+            </a:r>
+          </a:p>
+          <a:p>
+            <a:pPr marL="0" indent="0">
+              <a:buNone/>
+            </a:pPr>
+            <a:r>
+              <a:rPr lang="en-US" sz="2000" b="1" dirty="0">
+                <a:solidFill>
+                  <a:srgbClr val="FF4C00"/>
+                </a:solidFill>
+                <a:latin typeface="Inconsolata" panose="020B0609030003000000" pitchFamily="49" charset="77"/>
+              </a:rPr>
+              <a:t>	else</a:t>
+            </a:r>
+            <a:r>
+              <a:rPr lang="en-US" sz="2000" b="1" dirty="0">
+                <a:latin typeface="Inconsolata" panose="020B0609030003000000" pitchFamily="49" charset="77"/>
+              </a:rPr>
+              <a:t>: </a:t>
+            </a:r>
+          </a:p>
+          <a:p>
+            <a:pPr marL="0" indent="0">
+              <a:buNone/>
+            </a:pPr>
+            <a:r>
+              <a:rPr lang="en-US" sz="2000" b="1" dirty="0">
+                <a:solidFill>
+                  <a:srgbClr val="990CFF"/>
+                </a:solidFill>
+                <a:latin typeface="Inconsolata" panose="020B0609030003000000" pitchFamily="49" charset="77"/>
+              </a:rPr>
+              <a:t>		print</a:t>
+            </a:r>
+            <a:r>
+              <a:rPr lang="en-US" sz="2000" b="1" dirty="0">
+                <a:latin typeface="Inconsolata" panose="020B0609030003000000" pitchFamily="49" charset="77"/>
+              </a:rPr>
+              <a:t>(</a:t>
+            </a:r>
+            <a:r>
+              <a:rPr lang="en-US" sz="2000" b="1" dirty="0">
+                <a:solidFill>
+                  <a:srgbClr val="0CFF00"/>
+                </a:solidFill>
+                <a:latin typeface="Inconsolata" panose="020B0609030003000000" pitchFamily="49" charset="77"/>
+              </a:rPr>
+              <a:t>"Error: grade must be between 100 and 0"</a:t>
+            </a:r>
+            <a:r>
+              <a:rPr lang="en-US" sz="2000" b="1" dirty="0">
+                <a:latin typeface="Inconsolata" panose="020B0609030003000000" pitchFamily="49" charset="77"/>
+              </a:rPr>
+              <a:t>) </a:t>
+            </a:r>
+          </a:p>
+          <a:p>
+            <a:pPr marL="0" indent="0">
+              <a:buNone/>
+            </a:pPr>
+            <a:r>
+              <a:rPr lang="en-US" sz="2000" b="1" dirty="0">
+                <a:solidFill>
+                  <a:srgbClr val="990CFF"/>
+                </a:solidFill>
+                <a:latin typeface="Inconsolata" panose="020B0609030003000000" pitchFamily="49" charset="77"/>
+              </a:rPr>
+              <a:t>print</a:t>
+            </a:r>
+            <a:r>
+              <a:rPr lang="en-US" sz="2000" b="1" dirty="0">
+                <a:latin typeface="Inconsolata" panose="020B0609030003000000" pitchFamily="49" charset="77"/>
+              </a:rPr>
+              <a:t>(number)    </a:t>
+            </a:r>
+            <a:r>
+              <a:rPr lang="en-US" sz="2000" b="1" dirty="0">
+                <a:solidFill>
+                  <a:schemeClr val="accent1">
+                    <a:lumMod val="75000"/>
+                  </a:schemeClr>
+                </a:solidFill>
+                <a:latin typeface="Inconsolata" panose="020B0609030003000000" pitchFamily="49" charset="77"/>
+              </a:rPr>
+              <a:t># Just echo the valid input </a:t>
+            </a:r>
+          </a:p>
+          <a:p>
+            <a:pPr marL="0" indent="0">
+              <a:buNone/>
+            </a:pPr>
+            <a:endParaRPr lang="en-US" sz="1800" b="1" dirty="0">
+              <a:solidFill>
+                <a:srgbClr val="193FFF"/>
+              </a:solidFill>
+              <a:latin typeface="Inconsolata" panose="020B0609030003000000" pitchFamily="49" charset="77"/>
+            </a:endParaRPr>
+          </a:p>
+          <a:p>
+            <a:pPr marL="0" indent="0">
+              <a:buNone/>
+              <a:defRPr/>
+            </a:pPr>
+            <a:endParaRPr lang="en-US" dirty="0"/>
+          </a:p>
+          <a:p>
+            <a:pPr marL="0" indent="0">
+              <a:buNone/>
+              <a:defRPr/>
+            </a:pPr>
+            <a:endParaRPr lang="en-US" dirty="0">
+              <a:latin typeface="Gill Sans MT" panose="020B0502020104020203" pitchFamily="34" charset="77"/>
+            </a:endParaRPr>
+          </a:p>
+        </p:txBody>
+      </p:sp>
+    </p:spTree>
+    <p:extLst>
+      <p:ext uri="{BB962C8B-B14F-4D97-AF65-F5344CB8AC3E}">
+        <p14:creationId xmlns:p14="http://schemas.microsoft.com/office/powerpoint/2010/main" val="1724104636"/>
+      </p:ext>
+    </p:extLst>
+  </p:cSld>
+  <p:clrMapOvr>
+    <a:masterClrMapping/>
+  </p:clrMapOvr>
+  <p:timing>
+    <p:tnLst>
+      <p:par>
+        <p:cTn id="1" dur="indefinite" restart="never" nodeType="tmRoot">
+          <p:childTnLst>
+            <p:seq concurrent="1" nextAc="seek">
+              <p:cTn id="2" dur="indefinite" nodeType="mainSeq">
+                <p:childTnLst>
+                  <p:par>
+                    <p:cTn id="3" fill="hold">
+                      <p:stCondLst>
+                        <p:cond delay="indefinite"/>
+                      </p:stCondLst>
+                      <p:childTnLst>
+                        <p:par>
+                          <p:cTn id="4" fill="hold">
+                            <p:stCondLst>
+                              <p:cond delay="0"/>
+                            </p:stCondLst>
+                            <p:childTnLst>
+                              <p:par>
+                                <p:cTn id="5" presetID="1" presetClass="entr" presetSubtype="0" fill="hold" nodeType="clickEffect">
+                                  <p:stCondLst>
+                                    <p:cond delay="0"/>
+                                  </p:stCondLst>
+                                  <p:childTnLst>
+                                    <p:set>
+                                      <p:cBhvr>
+                                        <p:cTn id="6" dur="1" fill="hold">
+                                          <p:stCondLst>
+                                            <p:cond delay="0"/>
+                                          </p:stCondLst>
+                                        </p:cTn>
+                                        <p:tgtEl>
+                                          <p:spTgt spid="9">
+                                            <p:txEl>
+                                              <p:pRg st="2" end="2"/>
+                                            </p:txEl>
+                                          </p:spTgt>
+                                        </p:tgtEl>
+                                        <p:attrNameLst>
+                                          <p:attrName>style.visibility</p:attrName>
+                                        </p:attrNameLst>
+                                      </p:cBhvr>
+                                      <p:to>
+                                        <p:strVal val="visible"/>
+                                      </p:to>
+                                    </p:set>
+                                  </p:childTnLst>
+                                </p:cTn>
+                              </p:par>
+                              <p:par>
+                                <p:cTn id="7" presetID="1" presetClass="entr" presetSubtype="0" fill="hold" nodeType="withEffect">
+                                  <p:stCondLst>
+                                    <p:cond delay="0"/>
+                                  </p:stCondLst>
+                                  <p:childTnLst>
+                                    <p:set>
+                                      <p:cBhvr>
+                                        <p:cTn id="8" dur="1" fill="hold">
+                                          <p:stCondLst>
+                                            <p:cond delay="0"/>
+                                          </p:stCondLst>
+                                        </p:cTn>
+                                        <p:tgtEl>
+                                          <p:spTgt spid="9">
+                                            <p:txEl>
+                                              <p:pRg st="3" end="3"/>
+                                            </p:txEl>
+                                          </p:spTgt>
+                                        </p:tgtEl>
+                                        <p:attrNameLst>
+                                          <p:attrName>style.visibility</p:attrName>
+                                        </p:attrNameLst>
+                                      </p:cBhvr>
+                                      <p:to>
+                                        <p:strVal val="visible"/>
+                                      </p:to>
+                                    </p:set>
+                                  </p:childTnLst>
+                                </p:cTn>
+                              </p:par>
+                            </p:childTnLst>
+                          </p:cTn>
+                        </p:par>
+                      </p:childTnLst>
+                    </p:cTn>
+                  </p:par>
+                  <p:par>
+                    <p:cTn id="9" fill="hold">
+                      <p:stCondLst>
+                        <p:cond delay="indefinite"/>
+                      </p:stCondLst>
+                      <p:childTnLst>
+                        <p:par>
+                          <p:cTn id="10" fill="hold">
+                            <p:stCondLst>
+                              <p:cond delay="0"/>
+                            </p:stCondLst>
+                            <p:childTnLst>
+                              <p:par>
+                                <p:cTn id="11" presetID="1" presetClass="entr" presetSubtype="0" fill="hold" nodeType="clickEffect">
+                                  <p:stCondLst>
+                                    <p:cond delay="0"/>
+                                  </p:stCondLst>
+                                  <p:childTnLst>
+                                    <p:set>
+                                      <p:cBhvr>
+                                        <p:cTn id="12" dur="1" fill="hold">
+                                          <p:stCondLst>
+                                            <p:cond delay="0"/>
+                                          </p:stCondLst>
+                                        </p:cTn>
+                                        <p:tgtEl>
+                                          <p:spTgt spid="9">
+                                            <p:txEl>
+                                              <p:pRg st="4" end="4"/>
+                                            </p:txEl>
+                                          </p:spTgt>
+                                        </p:tgtEl>
+                                        <p:attrNameLst>
+                                          <p:attrName>style.visibility</p:attrName>
+                                        </p:attrNameLst>
+                                      </p:cBhvr>
+                                      <p:to>
+                                        <p:strVal val="visible"/>
+                                      </p:to>
+                                    </p:set>
+                                  </p:childTnLst>
+                                </p:cTn>
+                              </p:par>
+                              <p:par>
+                                <p:cTn id="13" presetID="1" presetClass="entr" presetSubtype="0" fill="hold" nodeType="withEffect">
+                                  <p:stCondLst>
+                                    <p:cond delay="0"/>
+                                  </p:stCondLst>
+                                  <p:childTnLst>
+                                    <p:set>
+                                      <p:cBhvr>
+                                        <p:cTn id="14" dur="1" fill="hold">
+                                          <p:stCondLst>
+                                            <p:cond delay="0"/>
+                                          </p:stCondLst>
+                                        </p:cTn>
+                                        <p:tgtEl>
+                                          <p:spTgt spid="9">
+                                            <p:txEl>
+                                              <p:pRg st="5" end="5"/>
+                                            </p:txEl>
+                                          </p:spTgt>
+                                        </p:tgtEl>
+                                        <p:attrNameLst>
+                                          <p:attrName>style.visibility</p:attrName>
+                                        </p:attrNameLst>
+                                      </p:cBhvr>
+                                      <p:to>
+                                        <p:strVal val="visible"/>
+                                      </p:to>
+                                    </p:set>
+                                  </p:childTnLst>
+                                </p:cTn>
+                              </p:par>
+                            </p:childTnLst>
+                          </p:cTn>
+                        </p:par>
+                      </p:childTnLst>
+                    </p:cTn>
+                  </p:par>
+                  <p:par>
+                    <p:cTn id="15" fill="hold">
+                      <p:stCondLst>
+                        <p:cond delay="indefinite"/>
+                      </p:stCondLst>
+                      <p:childTnLst>
+                        <p:par>
+                          <p:cTn id="16" fill="hold">
+                            <p:stCondLst>
+                              <p:cond delay="0"/>
+                            </p:stCondLst>
+                            <p:childTnLst>
+                              <p:par>
+                                <p:cTn id="17" presetID="1" presetClass="entr" presetSubtype="0" fill="hold" nodeType="clickEffect">
+                                  <p:stCondLst>
+                                    <p:cond delay="0"/>
+                                  </p:stCondLst>
+                                  <p:childTnLst>
+                                    <p:set>
+                                      <p:cBhvr>
+                                        <p:cTn id="18" dur="1" fill="hold">
+                                          <p:stCondLst>
+                                            <p:cond delay="0"/>
+                                          </p:stCondLst>
+                                        </p:cTn>
+                                        <p:tgtEl>
+                                          <p:spTgt spid="9">
+                                            <p:txEl>
+                                              <p:pRg st="6" end="6"/>
+                                            </p:txEl>
+                                          </p:spTgt>
+                                        </p:tgtEl>
+                                        <p:attrNameLst>
+                                          <p:attrName>style.visibility</p:attrName>
+                                        </p:attrNameLst>
+                                      </p:cBhvr>
+                                      <p:to>
+                                        <p:strVal val="visible"/>
+                                      </p:to>
+                                    </p:set>
+                                  </p:childTnLst>
+                                </p:cTn>
+                              </p:par>
+                              <p:par>
+                                <p:cTn id="19" presetID="1" presetClass="entr" presetSubtype="0" fill="hold" nodeType="withEffect">
+                                  <p:stCondLst>
+                                    <p:cond delay="0"/>
+                                  </p:stCondLst>
+                                  <p:childTnLst>
+                                    <p:set>
+                                      <p:cBhvr>
+                                        <p:cTn id="20" dur="1" fill="hold">
+                                          <p:stCondLst>
+                                            <p:cond delay="0"/>
+                                          </p:stCondLst>
+                                        </p:cTn>
+                                        <p:tgtEl>
+                                          <p:spTgt spid="9">
+                                            <p:txEl>
+                                              <p:pRg st="7" end="7"/>
+                                            </p:txEl>
+                                          </p:spTgt>
+                                        </p:tgtEl>
+                                        <p:attrNameLst>
+                                          <p:attrName>style.visibility</p:attrName>
+                                        </p:attrNameLst>
+                                      </p:cBhvr>
+                                      <p:to>
+                                        <p:strVal val="visible"/>
+                                      </p:to>
+                                    </p:set>
+                                  </p:childTnLst>
+                                </p:cTn>
+                              </p:par>
+                            </p:childTnLst>
+                          </p:cTn>
+                        </p:par>
+                      </p:childTnLst>
+                    </p:cTn>
+                  </p:par>
+                  <p:par>
+                    <p:cTn id="21" fill="hold">
+                      <p:stCondLst>
+                        <p:cond delay="indefinite"/>
+                      </p:stCondLst>
+                      <p:childTnLst>
+                        <p:par>
+                          <p:cTn id="22" fill="hold">
+                            <p:stCondLst>
+                              <p:cond delay="0"/>
+                            </p:stCondLst>
+                            <p:childTnLst>
+                              <p:par>
+                                <p:cTn id="23" presetID="1" presetClass="entr" presetSubtype="0" fill="hold" nodeType="clickEffect">
+                                  <p:stCondLst>
+                                    <p:cond delay="0"/>
+                                  </p:stCondLst>
+                                  <p:childTnLst>
+                                    <p:set>
+                                      <p:cBhvr>
+                                        <p:cTn id="24" dur="1" fill="hold">
+                                          <p:stCondLst>
+                                            <p:cond delay="0"/>
+                                          </p:stCondLst>
+                                        </p:cTn>
+                                        <p:tgtEl>
+                                          <p:spTgt spid="9">
+                                            <p:txEl>
+                                              <p:pRg st="8" end="8"/>
+                                            </p:txEl>
+                                          </p:spTgt>
+                                        </p:tgtEl>
+                                        <p:attrNameLst>
+                                          <p:attrName>style.visibility</p:attrName>
+                                        </p:attrNameLst>
+                                      </p:cBhvr>
+                                      <p:to>
+                                        <p:strVal val="visible"/>
+                                      </p:to>
+                                    </p:set>
+                                  </p:childTnLst>
+                                </p:cTn>
+                              </p:par>
+                            </p:childTnLst>
+                          </p:cTn>
+                        </p:par>
+                      </p:childTnLst>
+                    </p:cTn>
+                  </p:par>
+                </p:childTnLst>
+              </p:cTn>
+              <p:prevCondLst>
+                <p:cond evt="onPrev" delay="0">
+                  <p:tgtEl>
+                    <p:sldTgt/>
+                  </p:tgtEl>
+                </p:cond>
+              </p:prevCondLst>
+              <p:nextCondLst>
+                <p:cond evt="onNext" delay="0">
+                  <p:tgtEl>
+                    <p:sldTgt/>
+                  </p:tgtEl>
+                </p:cond>
+              </p:nextCondLst>
+            </p:seq>
+          </p:childTnLst>
+        </p:cTn>
+      </p:par>
+    </p:tnLst>
+  </p:timing>
+</p:sld>
+</file>
+
+<file path=ppt/slides/slide11.xml><?xml version="1.0" encoding="utf-8"?>
+<p:sld xmlns:a="http://schemas.openxmlformats.org/drawingml/2006/main" xmlns:r="http://schemas.openxmlformats.org/officeDocument/2006/relationships" xmlns:p="http://schemas.openxmlformats.org/presentationml/2006/main">
+  <p:cSld>
+    <p:spTree>
+      <p:nvGrpSpPr>
+        <p:cNvPr id="1" name=""/>
+        <p:cNvGrpSpPr/>
+        <p:nvPr/>
+      </p:nvGrpSpPr>
+      <p:grpSpPr>
+        <a:xfrm>
+          <a:off x="0" y="0"/>
+          <a:ext cx="0" cy="0"/>
+          <a:chOff x="0" y="0"/>
+          <a:chExt cx="0" cy="0"/>
+        </a:xfrm>
+      </p:grpSpPr>
+      <p:sp>
+        <p:nvSpPr>
+          <p:cNvPr id="2" name="Title 1">
+            <a:extLst>
+              <a:ext uri="{FF2B5EF4-FFF2-40B4-BE49-F238E27FC236}">
+                <a16:creationId xmlns:a16="http://schemas.microsoft.com/office/drawing/2014/main" id="{AA3A228F-61D0-D949-A5E7-F83756230BF8}"/>
+              </a:ext>
+            </a:extLst>
+          </p:cNvPr>
+          <p:cNvSpPr>
+            <a:spLocks noGrp="1"/>
+          </p:cNvSpPr>
+          <p:nvPr>
+            <p:ph type="title"/>
+          </p:nvPr>
+        </p:nvSpPr>
+        <p:spPr>
+          <a:xfrm>
             <a:off x="160256" y="54495"/>
             <a:ext cx="7053542" cy="683886"/>
           </a:xfrm>
@@ -5533,7 +6220,7 @@
 </p:sld>
 </file>
 
-<file path=ppt/slides/slide11.xml><?xml version="1.0" encoding="utf-8"?>
+<file path=ppt/slides/slide12.xml><?xml version="1.0" encoding="utf-8"?>
 <p:sld xmlns:a="http://schemas.openxmlformats.org/drawingml/2006/main" xmlns:r="http://schemas.openxmlformats.org/officeDocument/2006/relationships" xmlns:p="http://schemas.openxmlformats.org/presentationml/2006/main">
   <p:cSld>
     <p:spTree>
@@ -6348,7 +7035,7 @@
 </p:sld>
 </file>
 
-<file path=ppt/slides/slide12.xml><?xml version="1.0" encoding="utf-8"?>
+<file path=ppt/slides/slide13.xml><?xml version="1.0" encoding="utf-8"?>
 <p:sld xmlns:a="http://schemas.openxmlformats.org/drawingml/2006/main" xmlns:r="http://schemas.openxmlformats.org/officeDocument/2006/relationships" xmlns:p="http://schemas.openxmlformats.org/presentationml/2006/main">
   <p:cSld>
     <p:spTree>
@@ -7118,7 +7805,7 @@
 </p:sld>
 </file>
 
-<file path=ppt/slides/slide13.xml><?xml version="1.0" encoding="utf-8"?>
+<file path=ppt/slides/slide14.xml><?xml version="1.0" encoding="utf-8"?>
 <p:sld xmlns:a="http://schemas.openxmlformats.org/drawingml/2006/main" xmlns:r="http://schemas.openxmlformats.org/officeDocument/2006/relationships" xmlns:p="http://schemas.openxmlformats.org/presentationml/2006/main">
   <p:cSld>
     <p:spTree>
@@ -7582,7 +8269,7 @@
 </p:sld>
 </file>
 
-<file path=ppt/slides/slide14.xml><?xml version="1.0" encoding="utf-8"?>
+<file path=ppt/slides/slide15.xml><?xml version="1.0" encoding="utf-8"?>
 <p:sld xmlns:a="http://schemas.openxmlformats.org/drawingml/2006/main" xmlns:r="http://schemas.openxmlformats.org/officeDocument/2006/relationships" xmlns:p="http://schemas.openxmlformats.org/presentationml/2006/main">
   <p:cSld>
     <p:spTree>
@@ -8779,7 +9466,7 @@
 </p:sld>
 </file>
 
-<file path=ppt/slides/slide15.xml><?xml version="1.0" encoding="utf-8"?>
+<file path=ppt/slides/slide16.xml><?xml version="1.0" encoding="utf-8"?>
 <p:sld xmlns:a="http://schemas.openxmlformats.org/drawingml/2006/main" xmlns:r="http://schemas.openxmlformats.org/officeDocument/2006/relationships" xmlns:p="http://schemas.openxmlformats.org/presentationml/2006/main">
   <p:cSld>
     <p:spTree>
@@ -9460,7 +10147,7 @@
 </p:sld>
 </file>
 
-<file path=ppt/slides/slide16.xml><?xml version="1.0" encoding="utf-8"?>
+<file path=ppt/slides/slide17.xml><?xml version="1.0" encoding="utf-8"?>
 <p:sld xmlns:a="http://schemas.openxmlformats.org/drawingml/2006/main" xmlns:r="http://schemas.openxmlformats.org/officeDocument/2006/relationships" xmlns:p="http://schemas.openxmlformats.org/presentationml/2006/main">
   <p:cSld>
     <p:spTree>
@@ -10030,7 +10717,7 @@
 </p:sld>
 </file>
 
-<file path=ppt/slides/slide17.xml><?xml version="1.0" encoding="utf-8"?>
+<file path=ppt/slides/slide18.xml><?xml version="1.0" encoding="utf-8"?>
 <p:sld xmlns:a="http://schemas.openxmlformats.org/drawingml/2006/main" xmlns:r="http://schemas.openxmlformats.org/officeDocument/2006/relationships" xmlns:p="http://schemas.openxmlformats.org/presentationml/2006/main">
   <p:cSld>
     <p:spTree>
@@ -10621,7 +11308,7 @@
 </p:sld>
 </file>
 
-<file path=ppt/slides/slide18.xml><?xml version="1.0" encoding="utf-8"?>
+<file path=ppt/slides/slide19.xml><?xml version="1.0" encoding="utf-8"?>
 <p:sld xmlns:a="http://schemas.openxmlformats.org/drawingml/2006/main" xmlns:r="http://schemas.openxmlformats.org/officeDocument/2006/relationships" xmlns:p="http://schemas.openxmlformats.org/presentationml/2006/main">
   <p:cSld>
     <p:spTree>
@@ -13145,6 +13832,139 @@
         </p:nvSpPr>
         <p:spPr>
           <a:xfrm>
+            <a:off x="169682" y="134007"/>
+            <a:ext cx="7053542" cy="683886"/>
+          </a:xfrm>
+        </p:spPr>
+        <p:txBody>
+          <a:bodyPr/>
+          <a:lstStyle/>
+          <a:p>
+            <a:r>
+              <a:rPr lang="en-US" dirty="0"/>
+              <a:t>Indefinite Loop</a:t>
+            </a:r>
+          </a:p>
+        </p:txBody>
+      </p:sp>
+      <p:sp>
+        <p:nvSpPr>
+          <p:cNvPr id="9" name="Content Placeholder 8">
+            <a:extLst>
+              <a:ext uri="{FF2B5EF4-FFF2-40B4-BE49-F238E27FC236}">
+                <a16:creationId xmlns:a16="http://schemas.microsoft.com/office/drawing/2014/main" id="{E3B2E017-30B2-884B-A113-B419A2ED51AD}"/>
+              </a:ext>
+            </a:extLst>
+          </p:cNvPr>
+          <p:cNvSpPr>
+            <a:spLocks noGrp="1"/>
+          </p:cNvSpPr>
+          <p:nvPr>
+            <p:ph idx="1"/>
+          </p:nvPr>
+        </p:nvSpPr>
+        <p:spPr>
+          <a:xfrm>
+            <a:off x="169682" y="1007165"/>
+            <a:ext cx="8804636" cy="4573828"/>
+          </a:xfrm>
+        </p:spPr>
+        <p:txBody>
+          <a:bodyPr>
+            <a:normAutofit/>
+          </a:bodyPr>
+          <a:lstStyle/>
+          <a:p>
+            <a:pPr marL="0" indent="0">
+              <a:buNone/>
+            </a:pPr>
+            <a:endParaRPr lang="en-US" dirty="0"/>
+          </a:p>
+          <a:p>
+            <a:pPr marL="0" indent="0">
+              <a:buNone/>
+            </a:pPr>
+            <a:endParaRPr lang="en-US" dirty="0"/>
+          </a:p>
+          <a:p>
+            <a:pPr marL="0" indent="0">
+              <a:buNone/>
+            </a:pPr>
+            <a:r>
+              <a:rPr lang="en-US" dirty="0"/>
+              <a:t>For loops are commonly used for definite loops: loops where the number of iterations is known in advance. </a:t>
+            </a:r>
+          </a:p>
+          <a:p>
+            <a:pPr marL="0" indent="0">
+              <a:buNone/>
+            </a:pPr>
+            <a:endParaRPr lang="en-US" dirty="0"/>
+          </a:p>
+          <a:p>
+            <a:pPr marL="0" indent="0">
+              <a:buNone/>
+            </a:pPr>
+            <a:r>
+              <a:rPr lang="en-US" dirty="0"/>
+              <a:t>While loops are used for indefinite loops: loops where the number of iterations is unknown </a:t>
+            </a:r>
+            <a:r>
+              <a:rPr lang="en-US"/>
+              <a:t>in advance.  </a:t>
+            </a:r>
+            <a:endParaRPr lang="en-US" dirty="0"/>
+          </a:p>
+        </p:txBody>
+      </p:sp>
+    </p:spTree>
+    <p:extLst>
+      <p:ext uri="{BB962C8B-B14F-4D97-AF65-F5344CB8AC3E}">
+        <p14:creationId xmlns:p14="http://schemas.microsoft.com/office/powerpoint/2010/main" val="2023389722"/>
+      </p:ext>
+    </p:extLst>
+  </p:cSld>
+  <p:clrMapOvr>
+    <a:masterClrMapping/>
+  </p:clrMapOvr>
+</p:sld>
+</file>
+
+<file path=ppt/slides/slide7.xml><?xml version="1.0" encoding="utf-8"?>
+<p:sld xmlns:a="http://schemas.openxmlformats.org/drawingml/2006/main" xmlns:r="http://schemas.openxmlformats.org/officeDocument/2006/relationships" xmlns:p="http://schemas.openxmlformats.org/presentationml/2006/main">
+  <p:cSld>
+    <p:spTree>
+      <p:nvGrpSpPr>
+        <p:cNvPr id="1" name=""/>
+        <p:cNvGrpSpPr/>
+        <p:nvPr/>
+      </p:nvGrpSpPr>
+      <p:grpSpPr>
+        <a:xfrm>
+          <a:off x="0" y="0"/>
+          <a:ext cx="0" cy="0"/>
+          <a:chOff x="0" y="0"/>
+          <a:chExt cx="0" cy="0"/>
+        </a:xfrm>
+      </p:grpSpPr>
+      <p:sp>
+        <p:nvSpPr>
+          <p:cNvPr id="2" name="Title 1">
+            <a:extLst>
+              <a:ext uri="{FF2B5EF4-FFF2-40B4-BE49-F238E27FC236}">
+                <a16:creationId xmlns:a16="http://schemas.microsoft.com/office/drawing/2014/main" id="{AA3A228F-61D0-D949-A5E7-F83756230BF8}"/>
+              </a:ext>
+            </a:extLst>
+          </p:cNvPr>
+          <p:cNvSpPr>
+            <a:spLocks noGrp="1"/>
+          </p:cNvSpPr>
+          <p:nvPr>
+            <p:ph type="title"/>
+          </p:nvPr>
+        </p:nvSpPr>
+        <p:spPr>
+          <a:xfrm>
             <a:off x="160256" y="77447"/>
             <a:ext cx="7053542" cy="683886"/>
           </a:xfrm>
@@ -13776,7 +14596,7 @@
 </p:sld>
 </file>
 
-<file path=ppt/slides/slide7.xml><?xml version="1.0" encoding="utf-8"?>
+<file path=ppt/slides/slide8.xml><?xml version="1.0" encoding="utf-8"?>
 <p:sld xmlns:a="http://schemas.openxmlformats.org/drawingml/2006/main" xmlns:r="http://schemas.openxmlformats.org/officeDocument/2006/relationships" xmlns:p="http://schemas.openxmlformats.org/presentationml/2006/main">
   <p:cSld>
     <p:spTree>
@@ -14461,7 +15281,7 @@
 </p:sld>
 </file>
 
-<file path=ppt/slides/slide8.xml><?xml version="1.0" encoding="utf-8"?>
+<file path=ppt/slides/slide9.xml><?xml version="1.0" encoding="utf-8"?>
 <p:sld xmlns:a="http://schemas.openxmlformats.org/drawingml/2006/main" xmlns:r="http://schemas.openxmlformats.org/officeDocument/2006/relationships" xmlns:p="http://schemas.openxmlformats.org/presentationml/2006/main">
   <p:cSld>
     <p:spTree>
@@ -15176,668 +15996,6 @@
 </p:sld>
 </file>
 
-<file path=ppt/slides/slide9.xml><?xml version="1.0" encoding="utf-8"?>
-<p:sld xmlns:a="http://schemas.openxmlformats.org/drawingml/2006/main" xmlns:r="http://schemas.openxmlformats.org/officeDocument/2006/relationships" xmlns:p="http://schemas.openxmlformats.org/presentationml/2006/main">
-  <p:cSld>
-    <p:spTree>
-      <p:nvGrpSpPr>
-        <p:cNvPr id="1" name=""/>
-        <p:cNvGrpSpPr/>
-        <p:nvPr/>
-      </p:nvGrpSpPr>
-      <p:grpSpPr>
-        <a:xfrm>
-          <a:off x="0" y="0"/>
-          <a:ext cx="0" cy="0"/>
-          <a:chOff x="0" y="0"/>
-          <a:chExt cx="0" cy="0"/>
-        </a:xfrm>
-      </p:grpSpPr>
-      <p:sp>
-        <p:nvSpPr>
-          <p:cNvPr id="2" name="Title 1">
-            <a:extLst>
-              <a:ext uri="{FF2B5EF4-FFF2-40B4-BE49-F238E27FC236}">
-                <a16:creationId xmlns:a16="http://schemas.microsoft.com/office/drawing/2014/main" id="{AA3A228F-61D0-D949-A5E7-F83756230BF8}"/>
-              </a:ext>
-            </a:extLst>
-          </p:cNvPr>
-          <p:cNvSpPr>
-            <a:spLocks noGrp="1"/>
-          </p:cNvSpPr>
-          <p:nvPr>
-            <p:ph type="title"/>
-          </p:nvPr>
-        </p:nvSpPr>
-        <p:spPr>
-          <a:xfrm>
-            <a:off x="141402" y="54497"/>
-            <a:ext cx="7053542" cy="683886"/>
-          </a:xfrm>
-        </p:spPr>
-        <p:txBody>
-          <a:bodyPr/>
-          <a:lstStyle/>
-          <a:p>
-            <a:r>
-              <a:rPr lang="en-US" dirty="0"/>
-              <a:t>While and Break</a:t>
-            </a:r>
-          </a:p>
-        </p:txBody>
-      </p:sp>
-      <p:sp>
-        <p:nvSpPr>
-          <p:cNvPr id="9" name="Content Placeholder 8">
-            <a:extLst>
-              <a:ext uri="{FF2B5EF4-FFF2-40B4-BE49-F238E27FC236}">
-                <a16:creationId xmlns:a16="http://schemas.microsoft.com/office/drawing/2014/main" id="{E3B2E017-30B2-884B-A113-B419A2ED51AD}"/>
-              </a:ext>
-            </a:extLst>
-          </p:cNvPr>
-          <p:cNvSpPr>
-            <a:spLocks noGrp="1"/>
-          </p:cNvSpPr>
-          <p:nvPr>
-            <p:ph idx="1"/>
-          </p:nvPr>
-        </p:nvSpPr>
-        <p:spPr>
-          <a:xfrm>
-            <a:off x="141402" y="829558"/>
-            <a:ext cx="8394171" cy="4830945"/>
-          </a:xfrm>
-        </p:spPr>
-        <p:txBody>
-          <a:bodyPr>
-            <a:normAutofit/>
-          </a:bodyPr>
-          <a:lstStyle/>
-          <a:p>
-            <a:pPr marL="0" indent="0">
-              <a:buNone/>
-            </a:pPr>
-            <a:r>
-              <a:rPr lang="en-US" sz="2000" dirty="0">
-                <a:latin typeface="Gill Sans MT" panose="020B0502020104020203" pitchFamily="34" charset="77"/>
-              </a:rPr>
-              <a:t>As another example of an indefinite loop, suppose the user is asked to enter a numeric grade. The program will keep asking the user until he enters a value in the appropriate range(0 – 100).</a:t>
-            </a:r>
-            <a:endParaRPr lang="en-US" sz="2000" b="1" dirty="0">
-              <a:solidFill>
-                <a:srgbClr val="FF4C00"/>
-              </a:solidFill>
-              <a:latin typeface="LucidaSansTypewriterStd"/>
-            </a:endParaRPr>
-          </a:p>
-          <a:p>
-            <a:pPr marL="0" indent="0">
-              <a:buNone/>
-            </a:pPr>
-            <a:endParaRPr lang="en-US" sz="2000" b="1" dirty="0">
-              <a:solidFill>
-                <a:srgbClr val="FF4C00"/>
-              </a:solidFill>
-              <a:latin typeface="LucidaSansTypewriterStd"/>
-            </a:endParaRPr>
-          </a:p>
-          <a:p>
-            <a:pPr marL="0" indent="0">
-              <a:buNone/>
-            </a:pPr>
-            <a:r>
-              <a:rPr lang="en-US" sz="2000" b="1" dirty="0">
-                <a:solidFill>
-                  <a:srgbClr val="FF4C00"/>
-                </a:solidFill>
-                <a:latin typeface="Inconsolata" panose="020B0609030003000000" pitchFamily="49" charset="77"/>
-              </a:rPr>
-              <a:t>while True</a:t>
-            </a:r>
-            <a:r>
-              <a:rPr lang="en-US" sz="2000" b="1" dirty="0">
-                <a:latin typeface="Inconsolata" panose="020B0609030003000000" pitchFamily="49" charset="77"/>
-              </a:rPr>
-              <a:t>: </a:t>
-            </a:r>
-          </a:p>
-          <a:p>
-            <a:pPr marL="0" indent="0">
-              <a:buNone/>
-            </a:pPr>
-            <a:r>
-              <a:rPr lang="en-US" sz="2000" b="1" dirty="0">
-                <a:latin typeface="Inconsolata" panose="020B0609030003000000" pitchFamily="49" charset="77"/>
-              </a:rPr>
-              <a:t>	number = </a:t>
-            </a:r>
-            <a:r>
-              <a:rPr lang="en-US" sz="2000" b="1" dirty="0">
-                <a:solidFill>
-                  <a:srgbClr val="990CFF"/>
-                </a:solidFill>
-                <a:latin typeface="Inconsolata" panose="020B0609030003000000" pitchFamily="49" charset="77"/>
-              </a:rPr>
-              <a:t>int</a:t>
-            </a:r>
-            <a:r>
-              <a:rPr lang="en-US" sz="2000" b="1" dirty="0">
-                <a:latin typeface="Inconsolata" panose="020B0609030003000000" pitchFamily="49" charset="77"/>
-              </a:rPr>
-              <a:t>(</a:t>
-            </a:r>
-            <a:r>
-              <a:rPr lang="en-US" sz="2000" b="1" dirty="0">
-                <a:solidFill>
-                  <a:srgbClr val="990CFF"/>
-                </a:solidFill>
-                <a:latin typeface="Inconsolata" panose="020B0609030003000000" pitchFamily="49" charset="77"/>
-              </a:rPr>
-              <a:t>input</a:t>
-            </a:r>
-            <a:r>
-              <a:rPr lang="en-US" sz="2000" b="1" dirty="0">
-                <a:latin typeface="Inconsolata" panose="020B0609030003000000" pitchFamily="49" charset="77"/>
-              </a:rPr>
-              <a:t>(</a:t>
-            </a:r>
-            <a:r>
-              <a:rPr lang="en-US" sz="2000" b="1" dirty="0">
-                <a:solidFill>
-                  <a:srgbClr val="0CFF00"/>
-                </a:solidFill>
-                <a:latin typeface="Inconsolata" panose="020B0609030003000000" pitchFamily="49" charset="77"/>
-              </a:rPr>
-              <a:t>"Enter the numeric grade: "</a:t>
-            </a:r>
-            <a:r>
-              <a:rPr lang="en-US" sz="2000" b="1" dirty="0">
-                <a:latin typeface="Inconsolata" panose="020B0609030003000000" pitchFamily="49" charset="77"/>
-              </a:rPr>
-              <a:t>)) </a:t>
-            </a:r>
-          </a:p>
-          <a:p>
-            <a:pPr marL="0" indent="0">
-              <a:buNone/>
-            </a:pPr>
-            <a:r>
-              <a:rPr lang="en-US" sz="2000" b="1" dirty="0">
-                <a:solidFill>
-                  <a:srgbClr val="FF4C00"/>
-                </a:solidFill>
-                <a:latin typeface="Inconsolata" panose="020B0609030003000000" pitchFamily="49" charset="77"/>
-              </a:rPr>
-              <a:t>	if </a:t>
-            </a:r>
-            <a:r>
-              <a:rPr lang="en-US" sz="2000" b="1" dirty="0">
-                <a:latin typeface="Inconsolata" panose="020B0609030003000000" pitchFamily="49" charset="77"/>
-              </a:rPr>
-              <a:t>number &gt;= 0 and number &lt;= 100: </a:t>
-            </a:r>
-          </a:p>
-          <a:p>
-            <a:pPr marL="0" indent="0">
-              <a:buNone/>
-            </a:pPr>
-            <a:r>
-              <a:rPr lang="en-US" sz="2000" b="1" dirty="0">
-                <a:solidFill>
-                  <a:srgbClr val="FF4C00"/>
-                </a:solidFill>
-                <a:latin typeface="Inconsolata" panose="020B0609030003000000" pitchFamily="49" charset="77"/>
-              </a:rPr>
-              <a:t>		break </a:t>
-            </a:r>
-          </a:p>
-          <a:p>
-            <a:pPr marL="0" indent="0">
-              <a:buNone/>
-            </a:pPr>
-            <a:r>
-              <a:rPr lang="en-US" sz="2000" b="1" dirty="0">
-                <a:solidFill>
-                  <a:srgbClr val="FF4C00"/>
-                </a:solidFill>
-                <a:latin typeface="Inconsolata" panose="020B0609030003000000" pitchFamily="49" charset="77"/>
-              </a:rPr>
-              <a:t>	else</a:t>
-            </a:r>
-            <a:r>
-              <a:rPr lang="en-US" sz="2000" b="1" dirty="0">
-                <a:latin typeface="Inconsolata" panose="020B0609030003000000" pitchFamily="49" charset="77"/>
-              </a:rPr>
-              <a:t>: </a:t>
-            </a:r>
-          </a:p>
-          <a:p>
-            <a:pPr marL="0" indent="0">
-              <a:buNone/>
-            </a:pPr>
-            <a:r>
-              <a:rPr lang="en-US" sz="2000" b="1" dirty="0">
-                <a:solidFill>
-                  <a:srgbClr val="990CFF"/>
-                </a:solidFill>
-                <a:latin typeface="Inconsolata" panose="020B0609030003000000" pitchFamily="49" charset="77"/>
-              </a:rPr>
-              <a:t>		print</a:t>
-            </a:r>
-            <a:r>
-              <a:rPr lang="en-US" sz="2000" b="1" dirty="0">
-                <a:latin typeface="Inconsolata" panose="020B0609030003000000" pitchFamily="49" charset="77"/>
-              </a:rPr>
-              <a:t>(</a:t>
-            </a:r>
-            <a:r>
-              <a:rPr lang="en-US" sz="2000" b="1" dirty="0">
-                <a:solidFill>
-                  <a:srgbClr val="0CFF00"/>
-                </a:solidFill>
-                <a:latin typeface="Inconsolata" panose="020B0609030003000000" pitchFamily="49" charset="77"/>
-              </a:rPr>
-              <a:t>"Error: grade must be between 100 and 0"</a:t>
-            </a:r>
-            <a:r>
-              <a:rPr lang="en-US" sz="2000" b="1" dirty="0">
-                <a:latin typeface="Inconsolata" panose="020B0609030003000000" pitchFamily="49" charset="77"/>
-              </a:rPr>
-              <a:t>) </a:t>
-            </a:r>
-          </a:p>
-          <a:p>
-            <a:pPr marL="0" indent="0">
-              <a:buNone/>
-            </a:pPr>
-            <a:r>
-              <a:rPr lang="en-US" sz="2000" b="1" dirty="0">
-                <a:solidFill>
-                  <a:srgbClr val="990CFF"/>
-                </a:solidFill>
-                <a:latin typeface="Inconsolata" panose="020B0609030003000000" pitchFamily="49" charset="77"/>
-              </a:rPr>
-              <a:t>print</a:t>
-            </a:r>
-            <a:r>
-              <a:rPr lang="en-US" sz="2000" b="1" dirty="0">
-                <a:latin typeface="Inconsolata" panose="020B0609030003000000" pitchFamily="49" charset="77"/>
-              </a:rPr>
-              <a:t>(number)    </a:t>
-            </a:r>
-            <a:r>
-              <a:rPr lang="en-US" sz="2000" b="1" dirty="0">
-                <a:solidFill>
-                  <a:schemeClr val="accent1">
-                    <a:lumMod val="75000"/>
-                  </a:schemeClr>
-                </a:solidFill>
-                <a:latin typeface="Inconsolata" panose="020B0609030003000000" pitchFamily="49" charset="77"/>
-              </a:rPr>
-              <a:t># Just echo the valid input </a:t>
-            </a:r>
-          </a:p>
-          <a:p>
-            <a:pPr marL="0" indent="0">
-              <a:buNone/>
-            </a:pPr>
-            <a:endParaRPr lang="en-US" sz="1800" b="1" dirty="0">
-              <a:solidFill>
-                <a:srgbClr val="193FFF"/>
-              </a:solidFill>
-              <a:latin typeface="Inconsolata" panose="020B0609030003000000" pitchFamily="49" charset="77"/>
-            </a:endParaRPr>
-          </a:p>
-          <a:p>
-            <a:pPr marL="0" indent="0">
-              <a:buNone/>
-              <a:defRPr/>
-            </a:pPr>
-            <a:endParaRPr lang="en-US" dirty="0"/>
-          </a:p>
-          <a:p>
-            <a:pPr marL="0" indent="0">
-              <a:buNone/>
-              <a:defRPr/>
-            </a:pPr>
-            <a:endParaRPr lang="en-US" dirty="0">
-              <a:latin typeface="Gill Sans MT" panose="020B0502020104020203" pitchFamily="34" charset="77"/>
-            </a:endParaRPr>
-          </a:p>
-        </p:txBody>
-      </p:sp>
-    </p:spTree>
-    <p:extLst>
-      <p:ext uri="{BB962C8B-B14F-4D97-AF65-F5344CB8AC3E}">
-        <p14:creationId xmlns:p14="http://schemas.microsoft.com/office/powerpoint/2010/main" val="1724104636"/>
-      </p:ext>
-    </p:extLst>
-  </p:cSld>
-  <p:clrMapOvr>
-    <a:masterClrMapping/>
-  </p:clrMapOvr>
-  <p:timing>
-    <p:tnLst>
-      <p:par>
-        <p:cTn id="1" dur="indefinite" restart="never" nodeType="tmRoot">
-          <p:childTnLst>
-            <p:seq concurrent="1" nextAc="seek">
-              <p:cTn id="2" dur="indefinite" nodeType="mainSeq">
-                <p:childTnLst>
-                  <p:par>
-                    <p:cTn id="3" fill="hold">
-                      <p:stCondLst>
-                        <p:cond delay="indefinite"/>
-                      </p:stCondLst>
-                      <p:childTnLst>
-                        <p:par>
-                          <p:cTn id="4" fill="hold">
-                            <p:stCondLst>
-                              <p:cond delay="0"/>
-                            </p:stCondLst>
-                            <p:childTnLst>
-                              <p:par>
-                                <p:cTn id="5" presetID="1" presetClass="entr" presetSubtype="0" fill="hold" nodeType="clickEffect">
-                                  <p:stCondLst>
-                                    <p:cond delay="0"/>
-                                  </p:stCondLst>
-                                  <p:childTnLst>
-                                    <p:set>
-                                      <p:cBhvr>
-                                        <p:cTn id="6" dur="1" fill="hold">
-                                          <p:stCondLst>
-                                            <p:cond delay="0"/>
-                                          </p:stCondLst>
-                                        </p:cTn>
-                                        <p:tgtEl>
-                                          <p:spTgt spid="9">
-                                            <p:txEl>
-                                              <p:pRg st="2" end="2"/>
-                                            </p:txEl>
-                                          </p:spTgt>
-                                        </p:tgtEl>
-                                        <p:attrNameLst>
-                                          <p:attrName>style.visibility</p:attrName>
-                                        </p:attrNameLst>
-                                      </p:cBhvr>
-                                      <p:to>
-                                        <p:strVal val="visible"/>
-                                      </p:to>
-                                    </p:set>
-                                  </p:childTnLst>
-                                </p:cTn>
-                              </p:par>
-                              <p:par>
-                                <p:cTn id="7" presetID="1" presetClass="entr" presetSubtype="0" fill="hold" nodeType="withEffect">
-                                  <p:stCondLst>
-                                    <p:cond delay="0"/>
-                                  </p:stCondLst>
-                                  <p:childTnLst>
-                                    <p:set>
-                                      <p:cBhvr>
-                                        <p:cTn id="8" dur="1" fill="hold">
-                                          <p:stCondLst>
-                                            <p:cond delay="0"/>
-                                          </p:stCondLst>
-                                        </p:cTn>
-                                        <p:tgtEl>
-                                          <p:spTgt spid="9">
-                                            <p:txEl>
-                                              <p:pRg st="3" end="3"/>
-                                            </p:txEl>
-                                          </p:spTgt>
-                                        </p:tgtEl>
-                                        <p:attrNameLst>
-                                          <p:attrName>style.visibility</p:attrName>
-                                        </p:attrNameLst>
-                                      </p:cBhvr>
-                                      <p:to>
-                                        <p:strVal val="visible"/>
-                                      </p:to>
-                                    </p:set>
-                                  </p:childTnLst>
-                                </p:cTn>
-                              </p:par>
-                            </p:childTnLst>
-                          </p:cTn>
-                        </p:par>
-                      </p:childTnLst>
-                    </p:cTn>
-                  </p:par>
-                  <p:par>
-                    <p:cTn id="9" fill="hold">
-                      <p:stCondLst>
-                        <p:cond delay="indefinite"/>
-                      </p:stCondLst>
-                      <p:childTnLst>
-                        <p:par>
-                          <p:cTn id="10" fill="hold">
-                            <p:stCondLst>
-                              <p:cond delay="0"/>
-                            </p:stCondLst>
-                            <p:childTnLst>
-                              <p:par>
-                                <p:cTn id="11" presetID="1" presetClass="entr" presetSubtype="0" fill="hold" nodeType="clickEffect">
-                                  <p:stCondLst>
-                                    <p:cond delay="0"/>
-                                  </p:stCondLst>
-                                  <p:childTnLst>
-                                    <p:set>
-                                      <p:cBhvr>
-                                        <p:cTn id="12" dur="1" fill="hold">
-                                          <p:stCondLst>
-                                            <p:cond delay="0"/>
-                                          </p:stCondLst>
-                                        </p:cTn>
-                                        <p:tgtEl>
-                                          <p:spTgt spid="9">
-                                            <p:txEl>
-                                              <p:pRg st="4" end="4"/>
-                                            </p:txEl>
-                                          </p:spTgt>
-                                        </p:tgtEl>
-                                        <p:attrNameLst>
-                                          <p:attrName>style.visibility</p:attrName>
-                                        </p:attrNameLst>
-                                      </p:cBhvr>
-                                      <p:to>
-                                        <p:strVal val="visible"/>
-                                      </p:to>
-                                    </p:set>
-                                  </p:childTnLst>
-                                </p:cTn>
-                              </p:par>
-                              <p:par>
-                                <p:cTn id="13" presetID="1" presetClass="entr" presetSubtype="0" fill="hold" nodeType="withEffect">
-                                  <p:stCondLst>
-                                    <p:cond delay="0"/>
-                                  </p:stCondLst>
-                                  <p:childTnLst>
-                                    <p:set>
-                                      <p:cBhvr>
-                                        <p:cTn id="14" dur="1" fill="hold">
-                                          <p:stCondLst>
-                                            <p:cond delay="0"/>
-                                          </p:stCondLst>
-                                        </p:cTn>
-                                        <p:tgtEl>
-                                          <p:spTgt spid="9">
-                                            <p:txEl>
-                                              <p:pRg st="5" end="5"/>
-                                            </p:txEl>
-                                          </p:spTgt>
-                                        </p:tgtEl>
-                                        <p:attrNameLst>
-                                          <p:attrName>style.visibility</p:attrName>
-                                        </p:attrNameLst>
-                                      </p:cBhvr>
-                                      <p:to>
-                                        <p:strVal val="visible"/>
-                                      </p:to>
-                                    </p:set>
-                                  </p:childTnLst>
-                                </p:cTn>
-                              </p:par>
-                            </p:childTnLst>
-                          </p:cTn>
-                        </p:par>
-                      </p:childTnLst>
-                    </p:cTn>
-                  </p:par>
-                  <p:par>
-                    <p:cTn id="15" fill="hold">
-                      <p:stCondLst>
-                        <p:cond delay="indefinite"/>
-                      </p:stCondLst>
-                      <p:childTnLst>
-                        <p:par>
-                          <p:cTn id="16" fill="hold">
-                            <p:stCondLst>
-                              <p:cond delay="0"/>
-                            </p:stCondLst>
-                            <p:childTnLst>
-                              <p:par>
-                                <p:cTn id="17" presetID="1" presetClass="entr" presetSubtype="0" fill="hold" nodeType="clickEffect">
-                                  <p:stCondLst>
-                                    <p:cond delay="0"/>
-                                  </p:stCondLst>
-                                  <p:childTnLst>
-                                    <p:set>
-                                      <p:cBhvr>
-                                        <p:cTn id="18" dur="1" fill="hold">
-                                          <p:stCondLst>
-                                            <p:cond delay="0"/>
-                                          </p:stCondLst>
-                                        </p:cTn>
-                                        <p:tgtEl>
-                                          <p:spTgt spid="9">
-                                            <p:txEl>
-                                              <p:pRg st="6" end="6"/>
-                                            </p:txEl>
-                                          </p:spTgt>
-                                        </p:tgtEl>
-                                        <p:attrNameLst>
-                                          <p:attrName>style.visibility</p:attrName>
-                                        </p:attrNameLst>
-                                      </p:cBhvr>
-                                      <p:to>
-                                        <p:strVal val="visible"/>
-                                      </p:to>
-                                    </p:set>
-                                  </p:childTnLst>
-                                </p:cTn>
-                              </p:par>
-                              <p:par>
-                                <p:cTn id="19" presetID="1" presetClass="entr" presetSubtype="0" fill="hold" nodeType="withEffect">
-                                  <p:stCondLst>
-                                    <p:cond delay="0"/>
-                                  </p:stCondLst>
-                                  <p:childTnLst>
-                                    <p:set>
-                                      <p:cBhvr>
-                                        <p:cTn id="20" dur="1" fill="hold">
-                                          <p:stCondLst>
-                                            <p:cond delay="0"/>
-                                          </p:stCondLst>
-                                        </p:cTn>
-                                        <p:tgtEl>
-                                          <p:spTgt spid="9">
-                                            <p:txEl>
-                                              <p:pRg st="7" end="7"/>
-                                            </p:txEl>
-                                          </p:spTgt>
-                                        </p:tgtEl>
-                                        <p:attrNameLst>
-                                          <p:attrName>style.visibility</p:attrName>
-                                        </p:attrNameLst>
-                                      </p:cBhvr>
-                                      <p:to>
-                                        <p:strVal val="visible"/>
-                                      </p:to>
-                                    </p:set>
-                                  </p:childTnLst>
-                                </p:cTn>
-                              </p:par>
-                            </p:childTnLst>
-                          </p:cTn>
-                        </p:par>
-                      </p:childTnLst>
-                    </p:cTn>
-                  </p:par>
-                  <p:par>
-                    <p:cTn id="21" fill="hold">
-                      <p:stCondLst>
-                        <p:cond delay="indefinite"/>
-                      </p:stCondLst>
-                      <p:childTnLst>
-                        <p:par>
-                          <p:cTn id="22" fill="hold">
-                            <p:stCondLst>
-                              <p:cond delay="0"/>
-                            </p:stCondLst>
-                            <p:childTnLst>
-                              <p:par>
-                                <p:cTn id="23" presetID="1" presetClass="entr" presetSubtype="0" fill="hold" nodeType="clickEffect">
-                                  <p:stCondLst>
-                                    <p:cond delay="0"/>
-                                  </p:stCondLst>
-                                  <p:childTnLst>
-                                    <p:set>
-                                      <p:cBhvr>
-                                        <p:cTn id="24" dur="1" fill="hold">
-                                          <p:stCondLst>
-                                            <p:cond delay="0"/>
-                                          </p:stCondLst>
-                                        </p:cTn>
-                                        <p:tgtEl>
-                                          <p:spTgt spid="9">
-                                            <p:txEl>
-                                              <p:pRg st="8" end="8"/>
-                                            </p:txEl>
-                                          </p:spTgt>
-                                        </p:tgtEl>
-                                        <p:attrNameLst>
-                                          <p:attrName>style.visibility</p:attrName>
-                                        </p:attrNameLst>
-                                      </p:cBhvr>
-                                      <p:to>
-                                        <p:strVal val="visible"/>
-                                      </p:to>
-                                    </p:set>
-                                  </p:childTnLst>
-                                </p:cTn>
-                              </p:par>
-                            </p:childTnLst>
-                          </p:cTn>
-                        </p:par>
-                      </p:childTnLst>
-                    </p:cTn>
-                  </p:par>
-                </p:childTnLst>
-              </p:cTn>
-              <p:prevCondLst>
-                <p:cond evt="onPrev" delay="0">
-                  <p:tgtEl>
-                    <p:sldTgt/>
-                  </p:tgtEl>
-                </p:cond>
-              </p:prevCondLst>
-              <p:nextCondLst>
-                <p:cond evt="onNext" delay="0">
-                  <p:tgtEl>
-                    <p:sldTgt/>
-                  </p:tgtEl>
-                </p:cond>
-              </p:nextCondLst>
-            </p:seq>
-          </p:childTnLst>
-        </p:cTn>
-      </p:par>
-    </p:tnLst>
-  </p:timing>
-</p:sld>
-</file>
-
 <file path=ppt/theme/theme1.xml><?xml version="1.0" encoding="utf-8"?>
 <a:theme xmlns:a="http://schemas.openxmlformats.org/drawingml/2006/main" name="Office Theme">
   <a:themeElements>

--- a/courses/apcsp/lect8.pptx
+++ b/courses/apcsp/lect8.pptx
@@ -18,12 +18,14 @@
     <p:sldId id="330" r:id="rId12"/>
     <p:sldId id="324" r:id="rId13"/>
     <p:sldId id="332" r:id="rId14"/>
-    <p:sldId id="325" r:id="rId15"/>
-    <p:sldId id="331" r:id="rId16"/>
-    <p:sldId id="302" r:id="rId17"/>
-    <p:sldId id="306" r:id="rId18"/>
-    <p:sldId id="307" r:id="rId19"/>
-    <p:sldId id="316" r:id="rId20"/>
+    <p:sldId id="302" r:id="rId15"/>
+    <p:sldId id="306" r:id="rId16"/>
+    <p:sldId id="307" r:id="rId17"/>
+    <p:sldId id="334" r:id="rId18"/>
+    <p:sldId id="335" r:id="rId19"/>
+    <p:sldId id="325" r:id="rId20"/>
+    <p:sldId id="331" r:id="rId21"/>
+    <p:sldId id="316" r:id="rId22"/>
   </p:sldIdLst>
   <p:sldSz cx="9144000" cy="5715000" type="screen16x10"/>
   <p:notesSz cx="6858000" cy="9144000"/>
@@ -140,6 +142,699 @@
 
 <file path=ppt/changesInfos/changesInfo1.xml><?xml version="1.0" encoding="utf-8"?>
 <pc:chgInfo xmlns:a="http://schemas.openxmlformats.org/drawingml/2006/main" xmlns:r="http://schemas.openxmlformats.org/officeDocument/2006/relationships" xmlns:ac="http://schemas.microsoft.com/office/drawing/2013/main/command" xmlns:pc="http://schemas.microsoft.com/office/powerpoint/2013/main/command">
+  <pc:docChgLst>
+    <pc:chgData name="Long B Nguyen" userId="f59fb8f3-a021-417a-8bc1-65c8d471c621" providerId="ADAL" clId="{B5860C40-AA08-4447-A918-2D2782E0FC0B}"/>
+    <pc:docChg chg="delSld modSld">
+      <pc:chgData name="Long B Nguyen" userId="f59fb8f3-a021-417a-8bc1-65c8d471c621" providerId="ADAL" clId="{B5860C40-AA08-4447-A918-2D2782E0FC0B}" dt="2019-09-16T13:59:20.091" v="35" actId="2696"/>
+      <pc:docMkLst>
+        <pc:docMk/>
+      </pc:docMkLst>
+      <pc:sldChg chg="modSp">
+        <pc:chgData name="Long B Nguyen" userId="f59fb8f3-a021-417a-8bc1-65c8d471c621" providerId="ADAL" clId="{B5860C40-AA08-4447-A918-2D2782E0FC0B}" dt="2019-09-16T13:58:36.640" v="18" actId="20577"/>
+        <pc:sldMkLst>
+          <pc:docMk/>
+          <pc:sldMk cId="4247104139" sldId="256"/>
+        </pc:sldMkLst>
+        <pc:spChg chg="mod">
+          <ac:chgData name="Long B Nguyen" userId="f59fb8f3-a021-417a-8bc1-65c8d471c621" providerId="ADAL" clId="{B5860C40-AA08-4447-A918-2D2782E0FC0B}" dt="2019-09-16T13:58:36.640" v="18" actId="20577"/>
+          <ac:spMkLst>
+            <pc:docMk/>
+            <pc:sldMk cId="4247104139" sldId="256"/>
+            <ac:spMk id="3" creationId="{1BDC47C8-6776-7B44-9CD4-95FC91452D62}"/>
+          </ac:spMkLst>
+        </pc:spChg>
+      </pc:sldChg>
+    </pc:docChg>
+  </pc:docChgLst>
+  <pc:docChgLst>
+    <pc:chgData name="Long B Nguyen" userId="f59fb8f3-a021-417a-8bc1-65c8d471c621" providerId="ADAL" clId="{4D090DEB-D33E-0146-8FDE-1BD7A7A456A7}"/>
+    <pc:docChg chg="undo custSel modSld">
+      <pc:chgData name="Long B Nguyen" userId="f59fb8f3-a021-417a-8bc1-65c8d471c621" providerId="ADAL" clId="{4D090DEB-D33E-0146-8FDE-1BD7A7A456A7}" dt="2020-11-20T14:06:48.637" v="1117" actId="20577"/>
+      <pc:docMkLst>
+        <pc:docMk/>
+      </pc:docMkLst>
+      <pc:sldChg chg="modSp mod modAnim">
+        <pc:chgData name="Long B Nguyen" userId="f59fb8f3-a021-417a-8bc1-65c8d471c621" providerId="ADAL" clId="{4D090DEB-D33E-0146-8FDE-1BD7A7A456A7}" dt="2020-11-19T04:45:19.757" v="781" actId="1076"/>
+        <pc:sldMkLst>
+          <pc:docMk/>
+          <pc:sldMk cId="924617162" sldId="319"/>
+        </pc:sldMkLst>
+        <pc:spChg chg="mod">
+          <ac:chgData name="Long B Nguyen" userId="f59fb8f3-a021-417a-8bc1-65c8d471c621" providerId="ADAL" clId="{4D090DEB-D33E-0146-8FDE-1BD7A7A456A7}" dt="2020-11-19T04:45:19.757" v="781" actId="1076"/>
+          <ac:spMkLst>
+            <pc:docMk/>
+            <pc:sldMk cId="924617162" sldId="319"/>
+            <ac:spMk id="2" creationId="{AA3A228F-61D0-D949-A5E7-F83756230BF8}"/>
+          </ac:spMkLst>
+        </pc:spChg>
+        <pc:spChg chg="mod">
+          <ac:chgData name="Long B Nguyen" userId="f59fb8f3-a021-417a-8bc1-65c8d471c621" providerId="ADAL" clId="{4D090DEB-D33E-0146-8FDE-1BD7A7A456A7}" dt="2020-11-19T04:45:14.666" v="779" actId="14100"/>
+          <ac:spMkLst>
+            <pc:docMk/>
+            <pc:sldMk cId="924617162" sldId="319"/>
+            <ac:spMk id="9" creationId="{E3B2E017-30B2-884B-A113-B419A2ED51AD}"/>
+          </ac:spMkLst>
+        </pc:spChg>
+      </pc:sldChg>
+      <pc:sldChg chg="modSp mod modAnim">
+        <pc:chgData name="Long B Nguyen" userId="f59fb8f3-a021-417a-8bc1-65c8d471c621" providerId="ADAL" clId="{4D090DEB-D33E-0146-8FDE-1BD7A7A456A7}" dt="2020-11-19T04:33:36.604" v="547"/>
+        <pc:sldMkLst>
+          <pc:docMk/>
+          <pc:sldMk cId="3758830494" sldId="320"/>
+        </pc:sldMkLst>
+        <pc:spChg chg="mod">
+          <ac:chgData name="Long B Nguyen" userId="f59fb8f3-a021-417a-8bc1-65c8d471c621" providerId="ADAL" clId="{4D090DEB-D33E-0146-8FDE-1BD7A7A456A7}" dt="2020-11-19T04:26:47.866" v="412" actId="1076"/>
+          <ac:spMkLst>
+            <pc:docMk/>
+            <pc:sldMk cId="3758830494" sldId="320"/>
+            <ac:spMk id="2" creationId="{AA3A228F-61D0-D949-A5E7-F83756230BF8}"/>
+          </ac:spMkLst>
+        </pc:spChg>
+        <pc:spChg chg="mod">
+          <ac:chgData name="Long B Nguyen" userId="f59fb8f3-a021-417a-8bc1-65c8d471c621" providerId="ADAL" clId="{4D090DEB-D33E-0146-8FDE-1BD7A7A456A7}" dt="2020-11-19T04:26:45.399" v="411" actId="14100"/>
+          <ac:spMkLst>
+            <pc:docMk/>
+            <pc:sldMk cId="3758830494" sldId="320"/>
+            <ac:spMk id="9" creationId="{E3B2E017-30B2-884B-A113-B419A2ED51AD}"/>
+          </ac:spMkLst>
+        </pc:spChg>
+      </pc:sldChg>
+      <pc:sldChg chg="addSp modSp mod modAnim">
+        <pc:chgData name="Long B Nguyen" userId="f59fb8f3-a021-417a-8bc1-65c8d471c621" providerId="ADAL" clId="{4D090DEB-D33E-0146-8FDE-1BD7A7A456A7}" dt="2020-11-19T13:05:31.040" v="1113"/>
+        <pc:sldMkLst>
+          <pc:docMk/>
+          <pc:sldMk cId="1022945305" sldId="321"/>
+        </pc:sldMkLst>
+        <pc:spChg chg="mod">
+          <ac:chgData name="Long B Nguyen" userId="f59fb8f3-a021-417a-8bc1-65c8d471c621" providerId="ADAL" clId="{4D090DEB-D33E-0146-8FDE-1BD7A7A456A7}" dt="2020-11-19T04:26:53.269" v="413" actId="1076"/>
+          <ac:spMkLst>
+            <pc:docMk/>
+            <pc:sldMk cId="1022945305" sldId="321"/>
+            <ac:spMk id="2" creationId="{AA3A228F-61D0-D949-A5E7-F83756230BF8}"/>
+          </ac:spMkLst>
+        </pc:spChg>
+        <pc:spChg chg="add mod">
+          <ac:chgData name="Long B Nguyen" userId="f59fb8f3-a021-417a-8bc1-65c8d471c621" providerId="ADAL" clId="{4D090DEB-D33E-0146-8FDE-1BD7A7A456A7}" dt="2020-11-19T13:05:18.398" v="1111" actId="1076"/>
+          <ac:spMkLst>
+            <pc:docMk/>
+            <pc:sldMk cId="1022945305" sldId="321"/>
+            <ac:spMk id="3" creationId="{3C72A7FE-2096-AA46-B5B0-556366A0BFB1}"/>
+          </ac:spMkLst>
+        </pc:spChg>
+        <pc:spChg chg="add mod">
+          <ac:chgData name="Long B Nguyen" userId="f59fb8f3-a021-417a-8bc1-65c8d471c621" providerId="ADAL" clId="{4D090DEB-D33E-0146-8FDE-1BD7A7A456A7}" dt="2020-11-19T13:05:16.504" v="1110" actId="1076"/>
+          <ac:spMkLst>
+            <pc:docMk/>
+            <pc:sldMk cId="1022945305" sldId="321"/>
+            <ac:spMk id="5" creationId="{DD72A416-729A-D14D-937B-E31E95D5697D}"/>
+          </ac:spMkLst>
+        </pc:spChg>
+        <pc:spChg chg="mod">
+          <ac:chgData name="Long B Nguyen" userId="f59fb8f3-a021-417a-8bc1-65c8d471c621" providerId="ADAL" clId="{4D090DEB-D33E-0146-8FDE-1BD7A7A456A7}" dt="2020-11-19T13:03:48.213" v="952" actId="20577"/>
+          <ac:spMkLst>
+            <pc:docMk/>
+            <pc:sldMk cId="1022945305" sldId="321"/>
+            <ac:spMk id="9" creationId="{E3B2E017-30B2-884B-A113-B419A2ED51AD}"/>
+          </ac:spMkLst>
+        </pc:spChg>
+      </pc:sldChg>
+      <pc:sldChg chg="modSp mod modAnim">
+        <pc:chgData name="Long B Nguyen" userId="f59fb8f3-a021-417a-8bc1-65c8d471c621" providerId="ADAL" clId="{4D090DEB-D33E-0146-8FDE-1BD7A7A456A7}" dt="2020-11-19T04:38:55.983" v="637"/>
+        <pc:sldMkLst>
+          <pc:docMk/>
+          <pc:sldMk cId="3456840474" sldId="322"/>
+        </pc:sldMkLst>
+        <pc:spChg chg="mod">
+          <ac:chgData name="Long B Nguyen" userId="f59fb8f3-a021-417a-8bc1-65c8d471c621" providerId="ADAL" clId="{4D090DEB-D33E-0146-8FDE-1BD7A7A456A7}" dt="2020-11-19T04:37:10.670" v="621" actId="1076"/>
+          <ac:spMkLst>
+            <pc:docMk/>
+            <pc:sldMk cId="3456840474" sldId="322"/>
+            <ac:spMk id="2" creationId="{AA3A228F-61D0-D949-A5E7-F83756230BF8}"/>
+          </ac:spMkLst>
+        </pc:spChg>
+        <pc:spChg chg="mod">
+          <ac:chgData name="Long B Nguyen" userId="f59fb8f3-a021-417a-8bc1-65c8d471c621" providerId="ADAL" clId="{4D090DEB-D33E-0146-8FDE-1BD7A7A456A7}" dt="2020-11-19T04:36:58.455" v="610" actId="20577"/>
+          <ac:spMkLst>
+            <pc:docMk/>
+            <pc:sldMk cId="3456840474" sldId="322"/>
+            <ac:spMk id="9" creationId="{E3B2E017-30B2-884B-A113-B419A2ED51AD}"/>
+          </ac:spMkLst>
+        </pc:spChg>
+      </pc:sldChg>
+      <pc:sldChg chg="modSp mod modAnim">
+        <pc:chgData name="Long B Nguyen" userId="f59fb8f3-a021-417a-8bc1-65c8d471c621" providerId="ADAL" clId="{4D090DEB-D33E-0146-8FDE-1BD7A7A456A7}" dt="2020-11-19T04:37:41.967" v="627"/>
+        <pc:sldMkLst>
+          <pc:docMk/>
+          <pc:sldMk cId="1062075874" sldId="323"/>
+        </pc:sldMkLst>
+        <pc:spChg chg="mod">
+          <ac:chgData name="Long B Nguyen" userId="f59fb8f3-a021-417a-8bc1-65c8d471c621" providerId="ADAL" clId="{4D090DEB-D33E-0146-8FDE-1BD7A7A456A7}" dt="2020-11-19T04:30:28.655" v="535" actId="20577"/>
+          <ac:spMkLst>
+            <pc:docMk/>
+            <pc:sldMk cId="1062075874" sldId="323"/>
+            <ac:spMk id="2" creationId="{AA3A228F-61D0-D949-A5E7-F83756230BF8}"/>
+          </ac:spMkLst>
+        </pc:spChg>
+        <pc:spChg chg="mod">
+          <ac:chgData name="Long B Nguyen" userId="f59fb8f3-a021-417a-8bc1-65c8d471c621" providerId="ADAL" clId="{4D090DEB-D33E-0146-8FDE-1BD7A7A456A7}" dt="2020-11-19T04:29:52.399" v="506" actId="14100"/>
+          <ac:spMkLst>
+            <pc:docMk/>
+            <pc:sldMk cId="1062075874" sldId="323"/>
+            <ac:spMk id="9" creationId="{E3B2E017-30B2-884B-A113-B419A2ED51AD}"/>
+          </ac:spMkLst>
+        </pc:spChg>
+      </pc:sldChg>
+      <pc:sldChg chg="modSp mod modAnim">
+        <pc:chgData name="Long B Nguyen" userId="f59fb8f3-a021-417a-8bc1-65c8d471c621" providerId="ADAL" clId="{4D090DEB-D33E-0146-8FDE-1BD7A7A456A7}" dt="2020-11-19T04:48:10.088" v="870"/>
+        <pc:sldMkLst>
+          <pc:docMk/>
+          <pc:sldMk cId="1310010799" sldId="324"/>
+        </pc:sldMkLst>
+        <pc:spChg chg="mod">
+          <ac:chgData name="Long B Nguyen" userId="f59fb8f3-a021-417a-8bc1-65c8d471c621" providerId="ADAL" clId="{4D090DEB-D33E-0146-8FDE-1BD7A7A456A7}" dt="2020-11-19T04:31:04.571" v="539" actId="1076"/>
+          <ac:spMkLst>
+            <pc:docMk/>
+            <pc:sldMk cId="1310010799" sldId="324"/>
+            <ac:spMk id="2" creationId="{AA3A228F-61D0-D949-A5E7-F83756230BF8}"/>
+          </ac:spMkLst>
+        </pc:spChg>
+        <pc:spChg chg="mod">
+          <ac:chgData name="Long B Nguyen" userId="f59fb8f3-a021-417a-8bc1-65c8d471c621" providerId="ADAL" clId="{4D090DEB-D33E-0146-8FDE-1BD7A7A456A7}" dt="2020-11-19T04:30:58.529" v="538" actId="1076"/>
+          <ac:spMkLst>
+            <pc:docMk/>
+            <pc:sldMk cId="1310010799" sldId="324"/>
+            <ac:spMk id="9" creationId="{E3B2E017-30B2-884B-A113-B419A2ED51AD}"/>
+          </ac:spMkLst>
+        </pc:spChg>
+      </pc:sldChg>
+      <pc:sldChg chg="modSp mod modAnim">
+        <pc:chgData name="Long B Nguyen" userId="f59fb8f3-a021-417a-8bc1-65c8d471c621" providerId="ADAL" clId="{4D090DEB-D33E-0146-8FDE-1BD7A7A456A7}" dt="2020-11-19T04:49:22.406" v="887"/>
+        <pc:sldMkLst>
+          <pc:docMk/>
+          <pc:sldMk cId="3314372952" sldId="325"/>
+        </pc:sldMkLst>
+        <pc:spChg chg="mod">
+          <ac:chgData name="Long B Nguyen" userId="f59fb8f3-a021-417a-8bc1-65c8d471c621" providerId="ADAL" clId="{4D090DEB-D33E-0146-8FDE-1BD7A7A456A7}" dt="2020-11-12T12:08:02.340" v="146" actId="1076"/>
+          <ac:spMkLst>
+            <pc:docMk/>
+            <pc:sldMk cId="3314372952" sldId="325"/>
+            <ac:spMk id="2" creationId="{AA3A228F-61D0-D949-A5E7-F83756230BF8}"/>
+          </ac:spMkLst>
+        </pc:spChg>
+        <pc:spChg chg="mod">
+          <ac:chgData name="Long B Nguyen" userId="f59fb8f3-a021-417a-8bc1-65c8d471c621" providerId="ADAL" clId="{4D090DEB-D33E-0146-8FDE-1BD7A7A456A7}" dt="2020-11-19T04:49:09.844" v="883" actId="20577"/>
+          <ac:spMkLst>
+            <pc:docMk/>
+            <pc:sldMk cId="3314372952" sldId="325"/>
+            <ac:spMk id="9" creationId="{E3B2E017-30B2-884B-A113-B419A2ED51AD}"/>
+          </ac:spMkLst>
+        </pc:spChg>
+      </pc:sldChg>
+      <pc:sldChg chg="modSp mod modAnim">
+        <pc:chgData name="Long B Nguyen" userId="f59fb8f3-a021-417a-8bc1-65c8d471c621" providerId="ADAL" clId="{4D090DEB-D33E-0146-8FDE-1BD7A7A456A7}" dt="2020-11-19T04:38:18.076" v="631"/>
+        <pc:sldMkLst>
+          <pc:docMk/>
+          <pc:sldMk cId="1724104636" sldId="327"/>
+        </pc:sldMkLst>
+        <pc:spChg chg="mod">
+          <ac:chgData name="Long B Nguyen" userId="f59fb8f3-a021-417a-8bc1-65c8d471c621" providerId="ADAL" clId="{4D090DEB-D33E-0146-8FDE-1BD7A7A456A7}" dt="2020-11-19T04:30:22.456" v="522" actId="20577"/>
+          <ac:spMkLst>
+            <pc:docMk/>
+            <pc:sldMk cId="1724104636" sldId="327"/>
+            <ac:spMk id="2" creationId="{AA3A228F-61D0-D949-A5E7-F83756230BF8}"/>
+          </ac:spMkLst>
+        </pc:spChg>
+        <pc:spChg chg="mod">
+          <ac:chgData name="Long B Nguyen" userId="f59fb8f3-a021-417a-8bc1-65c8d471c621" providerId="ADAL" clId="{4D090DEB-D33E-0146-8FDE-1BD7A7A456A7}" dt="2020-11-19T04:30:06.009" v="508" actId="14100"/>
+          <ac:spMkLst>
+            <pc:docMk/>
+            <pc:sldMk cId="1724104636" sldId="327"/>
+            <ac:spMk id="9" creationId="{E3B2E017-30B2-884B-A113-B419A2ED51AD}"/>
+          </ac:spMkLst>
+        </pc:spChg>
+      </pc:sldChg>
+      <pc:sldChg chg="modSp mod modAnim">
+        <pc:chgData name="Long B Nguyen" userId="f59fb8f3-a021-417a-8bc1-65c8d471c621" providerId="ADAL" clId="{4D090DEB-D33E-0146-8FDE-1BD7A7A456A7}" dt="2020-11-19T04:35:29.630" v="597"/>
+        <pc:sldMkLst>
+          <pc:docMk/>
+          <pc:sldMk cId="3894299887" sldId="328"/>
+        </pc:sldMkLst>
+        <pc:spChg chg="mod">
+          <ac:chgData name="Long B Nguyen" userId="f59fb8f3-a021-417a-8bc1-65c8d471c621" providerId="ADAL" clId="{4D090DEB-D33E-0146-8FDE-1BD7A7A456A7}" dt="2020-11-19T04:28:32.104" v="469" actId="1076"/>
+          <ac:spMkLst>
+            <pc:docMk/>
+            <pc:sldMk cId="3894299887" sldId="328"/>
+            <ac:spMk id="2" creationId="{AA3A228F-61D0-D949-A5E7-F83756230BF8}"/>
+          </ac:spMkLst>
+        </pc:spChg>
+        <pc:spChg chg="mod">
+          <ac:chgData name="Long B Nguyen" userId="f59fb8f3-a021-417a-8bc1-65c8d471c621" providerId="ADAL" clId="{4D090DEB-D33E-0146-8FDE-1BD7A7A456A7}" dt="2020-11-19T04:35:17.641" v="595" actId="20577"/>
+          <ac:spMkLst>
+            <pc:docMk/>
+            <pc:sldMk cId="3894299887" sldId="328"/>
+            <ac:spMk id="9" creationId="{E3B2E017-30B2-884B-A113-B419A2ED51AD}"/>
+          </ac:spMkLst>
+        </pc:spChg>
+      </pc:sldChg>
+      <pc:sldChg chg="modSp mod modAnim">
+        <pc:chgData name="Long B Nguyen" userId="f59fb8f3-a021-417a-8bc1-65c8d471c621" providerId="ADAL" clId="{4D090DEB-D33E-0146-8FDE-1BD7A7A456A7}" dt="2020-11-19T04:35:59.803" v="602"/>
+        <pc:sldMkLst>
+          <pc:docMk/>
+          <pc:sldMk cId="4294143140" sldId="329"/>
+        </pc:sldMkLst>
+        <pc:spChg chg="mod">
+          <ac:chgData name="Long B Nguyen" userId="f59fb8f3-a021-417a-8bc1-65c8d471c621" providerId="ADAL" clId="{4D090DEB-D33E-0146-8FDE-1BD7A7A456A7}" dt="2020-11-19T04:29:15.696" v="503" actId="1076"/>
+          <ac:spMkLst>
+            <pc:docMk/>
+            <pc:sldMk cId="4294143140" sldId="329"/>
+            <ac:spMk id="2" creationId="{AA3A228F-61D0-D949-A5E7-F83756230BF8}"/>
+          </ac:spMkLst>
+        </pc:spChg>
+        <pc:spChg chg="mod">
+          <ac:chgData name="Long B Nguyen" userId="f59fb8f3-a021-417a-8bc1-65c8d471c621" providerId="ADAL" clId="{4D090DEB-D33E-0146-8FDE-1BD7A7A456A7}" dt="2020-11-19T04:29:13.159" v="502" actId="14100"/>
+          <ac:spMkLst>
+            <pc:docMk/>
+            <pc:sldMk cId="4294143140" sldId="329"/>
+            <ac:spMk id="9" creationId="{E3B2E017-30B2-884B-A113-B419A2ED51AD}"/>
+          </ac:spMkLst>
+        </pc:spChg>
+      </pc:sldChg>
+      <pc:sldChg chg="modSp mod modAnim">
+        <pc:chgData name="Long B Nguyen" userId="f59fb8f3-a021-417a-8bc1-65c8d471c621" providerId="ADAL" clId="{4D090DEB-D33E-0146-8FDE-1BD7A7A456A7}" dt="2020-11-19T04:47:48.607" v="864"/>
+        <pc:sldMkLst>
+          <pc:docMk/>
+          <pc:sldMk cId="3594730708" sldId="330"/>
+        </pc:sldMkLst>
+        <pc:spChg chg="mod">
+          <ac:chgData name="Long B Nguyen" userId="f59fb8f3-a021-417a-8bc1-65c8d471c621" providerId="ADAL" clId="{4D090DEB-D33E-0146-8FDE-1BD7A7A456A7}" dt="2020-11-19T04:30:51.008" v="537" actId="1076"/>
+          <ac:spMkLst>
+            <pc:docMk/>
+            <pc:sldMk cId="3594730708" sldId="330"/>
+            <ac:spMk id="2" creationId="{AA3A228F-61D0-D949-A5E7-F83756230BF8}"/>
+          </ac:spMkLst>
+        </pc:spChg>
+        <pc:spChg chg="mod">
+          <ac:chgData name="Long B Nguyen" userId="f59fb8f3-a021-417a-8bc1-65c8d471c621" providerId="ADAL" clId="{4D090DEB-D33E-0146-8FDE-1BD7A7A456A7}" dt="2020-11-19T04:47:45.452" v="863" actId="14100"/>
+          <ac:spMkLst>
+            <pc:docMk/>
+            <pc:sldMk cId="3594730708" sldId="330"/>
+            <ac:spMk id="9" creationId="{E3B2E017-30B2-884B-A113-B419A2ED51AD}"/>
+          </ac:spMkLst>
+        </pc:spChg>
+      </pc:sldChg>
+      <pc:sldChg chg="addSp delSp modSp mod modAnim">
+        <pc:chgData name="Long B Nguyen" userId="f59fb8f3-a021-417a-8bc1-65c8d471c621" providerId="ADAL" clId="{4D090DEB-D33E-0146-8FDE-1BD7A7A456A7}" dt="2020-11-19T04:50:19.326" v="901"/>
+        <pc:sldMkLst>
+          <pc:docMk/>
+          <pc:sldMk cId="3870816631" sldId="331"/>
+        </pc:sldMkLst>
+        <pc:spChg chg="mod">
+          <ac:chgData name="Long B Nguyen" userId="f59fb8f3-a021-417a-8bc1-65c8d471c621" providerId="ADAL" clId="{4D090DEB-D33E-0146-8FDE-1BD7A7A456A7}" dt="2020-11-19T04:32:15.917" v="542" actId="255"/>
+          <ac:spMkLst>
+            <pc:docMk/>
+            <pc:sldMk cId="3870816631" sldId="331"/>
+            <ac:spMk id="2" creationId="{AA3A228F-61D0-D949-A5E7-F83756230BF8}"/>
+          </ac:spMkLst>
+        </pc:spChg>
+        <pc:spChg chg="add del mod">
+          <ac:chgData name="Long B Nguyen" userId="f59fb8f3-a021-417a-8bc1-65c8d471c621" providerId="ADAL" clId="{4D090DEB-D33E-0146-8FDE-1BD7A7A456A7}" dt="2020-11-12T13:15:47.185" v="400"/>
+          <ac:spMkLst>
+            <pc:docMk/>
+            <pc:sldMk cId="3870816631" sldId="331"/>
+            <ac:spMk id="3" creationId="{E68AA33E-8791-084B-A0F9-C8D0D2031050}"/>
+          </ac:spMkLst>
+        </pc:spChg>
+        <pc:spChg chg="add mod">
+          <ac:chgData name="Long B Nguyen" userId="f59fb8f3-a021-417a-8bc1-65c8d471c621" providerId="ADAL" clId="{4D090DEB-D33E-0146-8FDE-1BD7A7A456A7}" dt="2020-11-12T13:15:40.658" v="398" actId="207"/>
+          <ac:spMkLst>
+            <pc:docMk/>
+            <pc:sldMk cId="3870816631" sldId="331"/>
+            <ac:spMk id="4" creationId="{82B7CFAA-F2D6-8B42-AC58-997AD5662DAB}"/>
+          </ac:spMkLst>
+        </pc:spChg>
+        <pc:spChg chg="mod">
+          <ac:chgData name="Long B Nguyen" userId="f59fb8f3-a021-417a-8bc1-65c8d471c621" providerId="ADAL" clId="{4D090DEB-D33E-0146-8FDE-1BD7A7A456A7}" dt="2020-11-19T04:32:21.193" v="543" actId="14100"/>
+          <ac:spMkLst>
+            <pc:docMk/>
+            <pc:sldMk cId="3870816631" sldId="331"/>
+            <ac:spMk id="9" creationId="{E3B2E017-30B2-884B-A113-B419A2ED51AD}"/>
+          </ac:spMkLst>
+        </pc:spChg>
+      </pc:sldChg>
+      <pc:sldChg chg="modSp mod modAnim">
+        <pc:chgData name="Long B Nguyen" userId="f59fb8f3-a021-417a-8bc1-65c8d471c621" providerId="ADAL" clId="{4D090DEB-D33E-0146-8FDE-1BD7A7A456A7}" dt="2020-11-20T14:06:48.637" v="1117" actId="20577"/>
+        <pc:sldMkLst>
+          <pc:docMk/>
+          <pc:sldMk cId="3124353102" sldId="332"/>
+        </pc:sldMkLst>
+        <pc:spChg chg="mod">
+          <ac:chgData name="Long B Nguyen" userId="f59fb8f3-a021-417a-8bc1-65c8d471c621" providerId="ADAL" clId="{4D090DEB-D33E-0146-8FDE-1BD7A7A456A7}" dt="2020-11-19T04:31:26.138" v="540" actId="1076"/>
+          <ac:spMkLst>
+            <pc:docMk/>
+            <pc:sldMk cId="3124353102" sldId="332"/>
+            <ac:spMk id="2" creationId="{AA3A228F-61D0-D949-A5E7-F83756230BF8}"/>
+          </ac:spMkLst>
+        </pc:spChg>
+        <pc:spChg chg="mod">
+          <ac:chgData name="Long B Nguyen" userId="f59fb8f3-a021-417a-8bc1-65c8d471c621" providerId="ADAL" clId="{4D090DEB-D33E-0146-8FDE-1BD7A7A456A7}" dt="2020-11-20T14:06:48.637" v="1117" actId="20577"/>
+          <ac:spMkLst>
+            <pc:docMk/>
+            <pc:sldMk cId="3124353102" sldId="332"/>
+            <ac:spMk id="9" creationId="{E3B2E017-30B2-884B-A113-B419A2ED51AD}"/>
+          </ac:spMkLst>
+        </pc:spChg>
+      </pc:sldChg>
+    </pc:docChg>
+  </pc:docChgLst>
+  <pc:docChgLst>
+    <pc:chgData name="Long B Nguyen" userId="f59fb8f3-a021-417a-8bc1-65c8d471c621" providerId="ADAL" clId="{AA9102B5-DACA-D841-B260-AEEBF90FC60A}"/>
+    <pc:docChg chg="custSel addSld delSld modSld">
+      <pc:chgData name="Long B Nguyen" userId="f59fb8f3-a021-417a-8bc1-65c8d471c621" providerId="ADAL" clId="{AA9102B5-DACA-D841-B260-AEEBF90FC60A}" dt="2020-01-06T17:07:10.515" v="1519" actId="2711"/>
+      <pc:docMkLst>
+        <pc:docMk/>
+      </pc:docMkLst>
+      <pc:sldChg chg="modSp">
+        <pc:chgData name="Long B Nguyen" userId="f59fb8f3-a021-417a-8bc1-65c8d471c621" providerId="ADAL" clId="{AA9102B5-DACA-D841-B260-AEEBF90FC60A}" dt="2020-01-05T22:05:23.536" v="23" actId="20577"/>
+        <pc:sldMkLst>
+          <pc:docMk/>
+          <pc:sldMk cId="4247104139" sldId="256"/>
+        </pc:sldMkLst>
+        <pc:spChg chg="mod">
+          <ac:chgData name="Long B Nguyen" userId="f59fb8f3-a021-417a-8bc1-65c8d471c621" providerId="ADAL" clId="{AA9102B5-DACA-D841-B260-AEEBF90FC60A}" dt="2020-01-05T22:05:23.536" v="23" actId="20577"/>
+          <ac:spMkLst>
+            <pc:docMk/>
+            <pc:sldMk cId="4247104139" sldId="256"/>
+            <ac:spMk id="3" creationId="{1BDC47C8-6776-7B44-9CD4-95FC91452D62}"/>
+          </ac:spMkLst>
+        </pc:spChg>
+      </pc:sldChg>
+      <pc:sldChg chg="del">
+        <pc:chgData name="Long B Nguyen" userId="f59fb8f3-a021-417a-8bc1-65c8d471c621" providerId="ADAL" clId="{AA9102B5-DACA-D841-B260-AEEBF90FC60A}" dt="2020-01-05T22:05:52.483" v="41" actId="2696"/>
+        <pc:sldMkLst>
+          <pc:docMk/>
+          <pc:sldMk cId="1438711869" sldId="284"/>
+        </pc:sldMkLst>
+      </pc:sldChg>
+      <pc:sldChg chg="del">
+        <pc:chgData name="Long B Nguyen" userId="f59fb8f3-a021-417a-8bc1-65c8d471c621" providerId="ADAL" clId="{AA9102B5-DACA-D841-B260-AEEBF90FC60A}" dt="2020-01-05T22:05:52.199" v="24" actId="2696"/>
+        <pc:sldMkLst>
+          <pc:docMk/>
+          <pc:sldMk cId="131840209" sldId="286"/>
+        </pc:sldMkLst>
+      </pc:sldChg>
+      <pc:sldChg chg="del">
+        <pc:chgData name="Long B Nguyen" userId="f59fb8f3-a021-417a-8bc1-65c8d471c621" providerId="ADAL" clId="{AA9102B5-DACA-D841-B260-AEEBF90FC60A}" dt="2020-01-05T22:05:52.214" v="25" actId="2696"/>
+        <pc:sldMkLst>
+          <pc:docMk/>
+          <pc:sldMk cId="1816941262" sldId="295"/>
+        </pc:sldMkLst>
+      </pc:sldChg>
+      <pc:sldChg chg="del">
+        <pc:chgData name="Long B Nguyen" userId="f59fb8f3-a021-417a-8bc1-65c8d471c621" providerId="ADAL" clId="{AA9102B5-DACA-D841-B260-AEEBF90FC60A}" dt="2020-01-05T22:05:52.246" v="27" actId="2696"/>
+        <pc:sldMkLst>
+          <pc:docMk/>
+          <pc:sldMk cId="553003360" sldId="296"/>
+        </pc:sldMkLst>
+      </pc:sldChg>
+      <pc:sldChg chg="del">
+        <pc:chgData name="Long B Nguyen" userId="f59fb8f3-a021-417a-8bc1-65c8d471c621" providerId="ADAL" clId="{AA9102B5-DACA-D841-B260-AEEBF90FC60A}" dt="2020-01-05T22:05:52.268" v="28" actId="2696"/>
+        <pc:sldMkLst>
+          <pc:docMk/>
+          <pc:sldMk cId="3006175481" sldId="297"/>
+        </pc:sldMkLst>
+      </pc:sldChg>
+      <pc:sldChg chg="del">
+        <pc:chgData name="Long B Nguyen" userId="f59fb8f3-a021-417a-8bc1-65c8d471c621" providerId="ADAL" clId="{AA9102B5-DACA-D841-B260-AEEBF90FC60A}" dt="2020-01-05T22:05:52.287" v="29" actId="2696"/>
+        <pc:sldMkLst>
+          <pc:docMk/>
+          <pc:sldMk cId="3150557076" sldId="298"/>
+        </pc:sldMkLst>
+      </pc:sldChg>
+      <pc:sldChg chg="del">
+        <pc:chgData name="Long B Nguyen" userId="f59fb8f3-a021-417a-8bc1-65c8d471c621" providerId="ADAL" clId="{AA9102B5-DACA-D841-B260-AEEBF90FC60A}" dt="2020-01-05T22:05:52.442" v="38" actId="2696"/>
+        <pc:sldMkLst>
+          <pc:docMk/>
+          <pc:sldMk cId="128704095" sldId="302"/>
+        </pc:sldMkLst>
+      </pc:sldChg>
+      <pc:sldChg chg="del">
+        <pc:chgData name="Long B Nguyen" userId="f59fb8f3-a021-417a-8bc1-65c8d471c621" providerId="ADAL" clId="{AA9102B5-DACA-D841-B260-AEEBF90FC60A}" dt="2020-01-05T22:05:52.305" v="30" actId="2696"/>
+        <pc:sldMkLst>
+          <pc:docMk/>
+          <pc:sldMk cId="3275945509" sldId="303"/>
+        </pc:sldMkLst>
+      </pc:sldChg>
+      <pc:sldChg chg="del">
+        <pc:chgData name="Long B Nguyen" userId="f59fb8f3-a021-417a-8bc1-65c8d471c621" providerId="ADAL" clId="{AA9102B5-DACA-D841-B260-AEEBF90FC60A}" dt="2020-01-05T22:05:52.321" v="31" actId="2696"/>
+        <pc:sldMkLst>
+          <pc:docMk/>
+          <pc:sldMk cId="406772024" sldId="304"/>
+        </pc:sldMkLst>
+      </pc:sldChg>
+      <pc:sldChg chg="del">
+        <pc:chgData name="Long B Nguyen" userId="f59fb8f3-a021-417a-8bc1-65c8d471c621" providerId="ADAL" clId="{AA9102B5-DACA-D841-B260-AEEBF90FC60A}" dt="2020-01-05T22:05:52.334" v="32" actId="2696"/>
+        <pc:sldMkLst>
+          <pc:docMk/>
+          <pc:sldMk cId="1703902501" sldId="305"/>
+        </pc:sldMkLst>
+      </pc:sldChg>
+      <pc:sldChg chg="del">
+        <pc:chgData name="Long B Nguyen" userId="f59fb8f3-a021-417a-8bc1-65c8d471c621" providerId="ADAL" clId="{AA9102B5-DACA-D841-B260-AEEBF90FC60A}" dt="2020-01-05T22:05:52.461" v="39" actId="2696"/>
+        <pc:sldMkLst>
+          <pc:docMk/>
+          <pc:sldMk cId="3614829039" sldId="306"/>
+        </pc:sldMkLst>
+      </pc:sldChg>
+      <pc:sldChg chg="del">
+        <pc:chgData name="Long B Nguyen" userId="f59fb8f3-a021-417a-8bc1-65c8d471c621" providerId="ADAL" clId="{AA9102B5-DACA-D841-B260-AEEBF90FC60A}" dt="2020-01-05T22:05:52.471" v="40" actId="2696"/>
+        <pc:sldMkLst>
+          <pc:docMk/>
+          <pc:sldMk cId="295911327" sldId="307"/>
+        </pc:sldMkLst>
+      </pc:sldChg>
+      <pc:sldChg chg="del">
+        <pc:chgData name="Long B Nguyen" userId="f59fb8f3-a021-417a-8bc1-65c8d471c621" providerId="ADAL" clId="{AA9102B5-DACA-D841-B260-AEEBF90FC60A}" dt="2020-01-05T22:05:52.353" v="33" actId="2696"/>
+        <pc:sldMkLst>
+          <pc:docMk/>
+          <pc:sldMk cId="67957925" sldId="308"/>
+        </pc:sldMkLst>
+      </pc:sldChg>
+      <pc:sldChg chg="del">
+        <pc:chgData name="Long B Nguyen" userId="f59fb8f3-a021-417a-8bc1-65c8d471c621" providerId="ADAL" clId="{AA9102B5-DACA-D841-B260-AEEBF90FC60A}" dt="2020-01-05T22:05:52.365" v="34" actId="2696"/>
+        <pc:sldMkLst>
+          <pc:docMk/>
+          <pc:sldMk cId="1872435103" sldId="309"/>
+        </pc:sldMkLst>
+      </pc:sldChg>
+      <pc:sldChg chg="del">
+        <pc:chgData name="Long B Nguyen" userId="f59fb8f3-a021-417a-8bc1-65c8d471c621" providerId="ADAL" clId="{AA9102B5-DACA-D841-B260-AEEBF90FC60A}" dt="2020-01-05T22:05:52.385" v="35" actId="2696"/>
+        <pc:sldMkLst>
+          <pc:docMk/>
+          <pc:sldMk cId="4088965571" sldId="310"/>
+        </pc:sldMkLst>
+      </pc:sldChg>
+      <pc:sldChg chg="del">
+        <pc:chgData name="Long B Nguyen" userId="f59fb8f3-a021-417a-8bc1-65c8d471c621" providerId="ADAL" clId="{AA9102B5-DACA-D841-B260-AEEBF90FC60A}" dt="2020-01-05T22:05:52.404" v="36" actId="2696"/>
+        <pc:sldMkLst>
+          <pc:docMk/>
+          <pc:sldMk cId="2255846137" sldId="311"/>
+        </pc:sldMkLst>
+      </pc:sldChg>
+      <pc:sldChg chg="del">
+        <pc:chgData name="Long B Nguyen" userId="f59fb8f3-a021-417a-8bc1-65c8d471c621" providerId="ADAL" clId="{AA9102B5-DACA-D841-B260-AEEBF90FC60A}" dt="2020-01-05T22:05:52.423" v="37" actId="2696"/>
+        <pc:sldMkLst>
+          <pc:docMk/>
+          <pc:sldMk cId="1513627164" sldId="312"/>
+        </pc:sldMkLst>
+      </pc:sldChg>
+      <pc:sldChg chg="del">
+        <pc:chgData name="Long B Nguyen" userId="f59fb8f3-a021-417a-8bc1-65c8d471c621" providerId="ADAL" clId="{AA9102B5-DACA-D841-B260-AEEBF90FC60A}" dt="2020-01-05T22:05:52.231" v="26" actId="2696"/>
+        <pc:sldMkLst>
+          <pc:docMk/>
+          <pc:sldMk cId="2097059918" sldId="313"/>
+        </pc:sldMkLst>
+      </pc:sldChg>
+      <pc:sldChg chg="modSp">
+        <pc:chgData name="Long B Nguyen" userId="f59fb8f3-a021-417a-8bc1-65c8d471c621" providerId="ADAL" clId="{AA9102B5-DACA-D841-B260-AEEBF90FC60A}" dt="2020-01-06T15:37:30.346" v="948" actId="20577"/>
+        <pc:sldMkLst>
+          <pc:docMk/>
+          <pc:sldMk cId="1452600724" sldId="316"/>
+        </pc:sldMkLst>
+        <pc:spChg chg="mod">
+          <ac:chgData name="Long B Nguyen" userId="f59fb8f3-a021-417a-8bc1-65c8d471c621" providerId="ADAL" clId="{AA9102B5-DACA-D841-B260-AEEBF90FC60A}" dt="2020-01-06T15:37:30.346" v="948" actId="20577"/>
+          <ac:spMkLst>
+            <pc:docMk/>
+            <pc:sldMk cId="1452600724" sldId="316"/>
+            <ac:spMk id="9" creationId="{E3B2E017-30B2-884B-A113-B419A2ED51AD}"/>
+          </ac:spMkLst>
+        </pc:spChg>
+      </pc:sldChg>
+      <pc:sldChg chg="del">
+        <pc:chgData name="Long B Nguyen" userId="f59fb8f3-a021-417a-8bc1-65c8d471c621" providerId="ADAL" clId="{AA9102B5-DACA-D841-B260-AEEBF90FC60A}" dt="2020-01-06T15:03:11.354" v="848" actId="2696"/>
+        <pc:sldMkLst>
+          <pc:docMk/>
+          <pc:sldMk cId="1787114790" sldId="317"/>
+        </pc:sldMkLst>
+      </pc:sldChg>
+      <pc:sldChg chg="del">
+        <pc:chgData name="Long B Nguyen" userId="f59fb8f3-a021-417a-8bc1-65c8d471c621" providerId="ADAL" clId="{AA9102B5-DACA-D841-B260-AEEBF90FC60A}" dt="2020-01-05T22:06:12.101" v="42" actId="2696"/>
+        <pc:sldMkLst>
+          <pc:docMk/>
+          <pc:sldMk cId="1215229427" sldId="318"/>
+        </pc:sldMkLst>
+      </pc:sldChg>
+      <pc:sldChg chg="modSp">
+        <pc:chgData name="Long B Nguyen" userId="f59fb8f3-a021-417a-8bc1-65c8d471c621" providerId="ADAL" clId="{AA9102B5-DACA-D841-B260-AEEBF90FC60A}" dt="2020-01-06T01:48:03.413" v="110" actId="20577"/>
+        <pc:sldMkLst>
+          <pc:docMk/>
+          <pc:sldMk cId="924617162" sldId="319"/>
+        </pc:sldMkLst>
+        <pc:spChg chg="mod">
+          <ac:chgData name="Long B Nguyen" userId="f59fb8f3-a021-417a-8bc1-65c8d471c621" providerId="ADAL" clId="{AA9102B5-DACA-D841-B260-AEEBF90FC60A}" dt="2020-01-06T01:48:03.413" v="110" actId="20577"/>
+          <ac:spMkLst>
+            <pc:docMk/>
+            <pc:sldMk cId="924617162" sldId="319"/>
+            <ac:spMk id="9" creationId="{E3B2E017-30B2-884B-A113-B419A2ED51AD}"/>
+          </ac:spMkLst>
+        </pc:spChg>
+      </pc:sldChg>
+      <pc:sldChg chg="modSp">
+        <pc:chgData name="Long B Nguyen" userId="f59fb8f3-a021-417a-8bc1-65c8d471c621" providerId="ADAL" clId="{AA9102B5-DACA-D841-B260-AEEBF90FC60A}" dt="2020-01-06T01:56:11.549" v="712" actId="1076"/>
+        <pc:sldMkLst>
+          <pc:docMk/>
+          <pc:sldMk cId="1310010799" sldId="324"/>
+        </pc:sldMkLst>
+        <pc:spChg chg="mod">
+          <ac:chgData name="Long B Nguyen" userId="f59fb8f3-a021-417a-8bc1-65c8d471c621" providerId="ADAL" clId="{AA9102B5-DACA-D841-B260-AEEBF90FC60A}" dt="2020-01-06T01:56:11.549" v="712" actId="1076"/>
+          <ac:spMkLst>
+            <pc:docMk/>
+            <pc:sldMk cId="1310010799" sldId="324"/>
+            <ac:spMk id="9" creationId="{E3B2E017-30B2-884B-A113-B419A2ED51AD}"/>
+          </ac:spMkLst>
+        </pc:spChg>
+      </pc:sldChg>
+      <pc:sldChg chg="modSp">
+        <pc:chgData name="Long B Nguyen" userId="f59fb8f3-a021-417a-8bc1-65c8d471c621" providerId="ADAL" clId="{AA9102B5-DACA-D841-B260-AEEBF90FC60A}" dt="2020-01-06T15:35:11.658" v="853" actId="20577"/>
+        <pc:sldMkLst>
+          <pc:docMk/>
+          <pc:sldMk cId="3314372952" sldId="325"/>
+        </pc:sldMkLst>
+        <pc:spChg chg="mod">
+          <ac:chgData name="Long B Nguyen" userId="f59fb8f3-a021-417a-8bc1-65c8d471c621" providerId="ADAL" clId="{AA9102B5-DACA-D841-B260-AEEBF90FC60A}" dt="2020-01-06T15:35:11.658" v="853" actId="20577"/>
+          <ac:spMkLst>
+            <pc:docMk/>
+            <pc:sldMk cId="3314372952" sldId="325"/>
+            <ac:spMk id="2" creationId="{AA3A228F-61D0-D949-A5E7-F83756230BF8}"/>
+          </ac:spMkLst>
+        </pc:spChg>
+        <pc:spChg chg="mod">
+          <ac:chgData name="Long B Nguyen" userId="f59fb8f3-a021-417a-8bc1-65c8d471c621" providerId="ADAL" clId="{AA9102B5-DACA-D841-B260-AEEBF90FC60A}" dt="2020-01-06T15:02:45.351" v="846" actId="20577"/>
+          <ac:spMkLst>
+            <pc:docMk/>
+            <pc:sldMk cId="3314372952" sldId="325"/>
+            <ac:spMk id="9" creationId="{E3B2E017-30B2-884B-A113-B419A2ED51AD}"/>
+          </ac:spMkLst>
+        </pc:spChg>
+      </pc:sldChg>
+      <pc:sldChg chg="del">
+        <pc:chgData name="Long B Nguyen" userId="f59fb8f3-a021-417a-8bc1-65c8d471c621" providerId="ADAL" clId="{AA9102B5-DACA-D841-B260-AEEBF90FC60A}" dt="2020-01-06T15:03:07.580" v="847" actId="2696"/>
+        <pc:sldMkLst>
+          <pc:docMk/>
+          <pc:sldMk cId="3117943122" sldId="326"/>
+        </pc:sldMkLst>
+      </pc:sldChg>
+      <pc:sldChg chg="del">
+        <pc:chgData name="Long B Nguyen" userId="f59fb8f3-a021-417a-8bc1-65c8d471c621" providerId="ADAL" clId="{AA9102B5-DACA-D841-B260-AEEBF90FC60A}" dt="2020-01-06T01:49:27.456" v="111" actId="2696"/>
+        <pc:sldMkLst>
+          <pc:docMk/>
+          <pc:sldMk cId="1025618360" sldId="327"/>
+        </pc:sldMkLst>
+      </pc:sldChg>
+      <pc:sldChg chg="modSp add">
+        <pc:chgData name="Long B Nguyen" userId="f59fb8f3-a021-417a-8bc1-65c8d471c621" providerId="ADAL" clId="{AA9102B5-DACA-D841-B260-AEEBF90FC60A}" dt="2020-01-06T15:00:48.763" v="818" actId="113"/>
+        <pc:sldMkLst>
+          <pc:docMk/>
+          <pc:sldMk cId="1724104636" sldId="327"/>
+        </pc:sldMkLst>
+        <pc:spChg chg="mod">
+          <ac:chgData name="Long B Nguyen" userId="f59fb8f3-a021-417a-8bc1-65c8d471c621" providerId="ADAL" clId="{AA9102B5-DACA-D841-B260-AEEBF90FC60A}" dt="2020-01-06T15:00:48.763" v="818" actId="113"/>
+          <ac:spMkLst>
+            <pc:docMk/>
+            <pc:sldMk cId="1724104636" sldId="327"/>
+            <ac:spMk id="9" creationId="{E3B2E017-30B2-884B-A113-B419A2ED51AD}"/>
+          </ac:spMkLst>
+        </pc:spChg>
+      </pc:sldChg>
+      <pc:sldChg chg="modSp">
+        <pc:chgData name="Long B Nguyen" userId="f59fb8f3-a021-417a-8bc1-65c8d471c621" providerId="ADAL" clId="{AA9102B5-DACA-D841-B260-AEEBF90FC60A}" dt="2020-01-06T01:55:34.369" v="708" actId="20577"/>
+        <pc:sldMkLst>
+          <pc:docMk/>
+          <pc:sldMk cId="4294143140" sldId="329"/>
+        </pc:sldMkLst>
+        <pc:spChg chg="mod">
+          <ac:chgData name="Long B Nguyen" userId="f59fb8f3-a021-417a-8bc1-65c8d471c621" providerId="ADAL" clId="{AA9102B5-DACA-D841-B260-AEEBF90FC60A}" dt="2020-01-06T01:55:34.369" v="708" actId="20577"/>
+          <ac:spMkLst>
+            <pc:docMk/>
+            <pc:sldMk cId="4294143140" sldId="329"/>
+            <ac:spMk id="9" creationId="{E3B2E017-30B2-884B-A113-B419A2ED51AD}"/>
+          </ac:spMkLst>
+        </pc:spChg>
+      </pc:sldChg>
+      <pc:sldChg chg="modSp add">
+        <pc:chgData name="Long B Nguyen" userId="f59fb8f3-a021-417a-8bc1-65c8d471c621" providerId="ADAL" clId="{AA9102B5-DACA-D841-B260-AEEBF90FC60A}" dt="2020-01-06T15:01:01.638" v="819" actId="2711"/>
+        <pc:sldMkLst>
+          <pc:docMk/>
+          <pc:sldMk cId="3594730708" sldId="330"/>
+        </pc:sldMkLst>
+        <pc:spChg chg="mod">
+          <ac:chgData name="Long B Nguyen" userId="f59fb8f3-a021-417a-8bc1-65c8d471c621" providerId="ADAL" clId="{AA9102B5-DACA-D841-B260-AEEBF90FC60A}" dt="2020-01-06T15:01:01.638" v="819" actId="2711"/>
+          <ac:spMkLst>
+            <pc:docMk/>
+            <pc:sldMk cId="3594730708" sldId="330"/>
+            <ac:spMk id="9" creationId="{E3B2E017-30B2-884B-A113-B419A2ED51AD}"/>
+          </ac:spMkLst>
+        </pc:spChg>
+      </pc:sldChg>
+      <pc:sldChg chg="modSp add">
+        <pc:chgData name="Long B Nguyen" userId="f59fb8f3-a021-417a-8bc1-65c8d471c621" providerId="ADAL" clId="{AA9102B5-DACA-D841-B260-AEEBF90FC60A}" dt="2020-01-06T02:00:17.493" v="815" actId="255"/>
+        <pc:sldMkLst>
+          <pc:docMk/>
+          <pc:sldMk cId="3870816631" sldId="331"/>
+        </pc:sldMkLst>
+        <pc:spChg chg="mod">
+          <ac:chgData name="Long B Nguyen" userId="f59fb8f3-a021-417a-8bc1-65c8d471c621" providerId="ADAL" clId="{AA9102B5-DACA-D841-B260-AEEBF90FC60A}" dt="2020-01-06T02:00:17.493" v="815" actId="255"/>
+          <ac:spMkLst>
+            <pc:docMk/>
+            <pc:sldMk cId="3870816631" sldId="331"/>
+            <ac:spMk id="9" creationId="{E3B2E017-30B2-884B-A113-B419A2ED51AD}"/>
+          </ac:spMkLst>
+        </pc:spChg>
+      </pc:sldChg>
+      <pc:sldChg chg="modSp add">
+        <pc:chgData name="Long B Nguyen" userId="f59fb8f3-a021-417a-8bc1-65c8d471c621" providerId="ADAL" clId="{AA9102B5-DACA-D841-B260-AEEBF90FC60A}" dt="2020-01-06T17:07:10.515" v="1519" actId="2711"/>
+        <pc:sldMkLst>
+          <pc:docMk/>
+          <pc:sldMk cId="3124353102" sldId="332"/>
+        </pc:sldMkLst>
+        <pc:spChg chg="mod">
+          <ac:chgData name="Long B Nguyen" userId="f59fb8f3-a021-417a-8bc1-65c8d471c621" providerId="ADAL" clId="{AA9102B5-DACA-D841-B260-AEEBF90FC60A}" dt="2020-01-06T17:03:36.721" v="1332" actId="20577"/>
+          <ac:spMkLst>
+            <pc:docMk/>
+            <pc:sldMk cId="3124353102" sldId="332"/>
+            <ac:spMk id="2" creationId="{AA3A228F-61D0-D949-A5E7-F83756230BF8}"/>
+          </ac:spMkLst>
+        </pc:spChg>
+        <pc:spChg chg="mod">
+          <ac:chgData name="Long B Nguyen" userId="f59fb8f3-a021-417a-8bc1-65c8d471c621" providerId="ADAL" clId="{AA9102B5-DACA-D841-B260-AEEBF90FC60A}" dt="2020-01-06T17:07:10.515" v="1519" actId="2711"/>
+          <ac:spMkLst>
+            <pc:docMk/>
+            <pc:sldMk cId="3124353102" sldId="332"/>
+            <ac:spMk id="9" creationId="{E3B2E017-30B2-884B-A113-B419A2ED51AD}"/>
+          </ac:spMkLst>
+        </pc:spChg>
+      </pc:sldChg>
+    </pc:docChg>
+  </pc:docChgLst>
   <pc:docChgLst>
     <pc:chgData name="Long B Nguyen" userId="f59fb8f3-a021-417a-8bc1-65c8d471c621" providerId="ADAL" clId="{A54A5039-9BC6-1548-AC61-7314DB675A9D}"/>
     <pc:docChg chg="undo custSel addSld delSld modSld">
@@ -637,432 +1332,23 @@
     </pc:docChg>
   </pc:docChgLst>
   <pc:docChgLst>
-    <pc:chgData name="Long B Nguyen" userId="f59fb8f3-a021-417a-8bc1-65c8d471c621" providerId="ADAL" clId="{4D090DEB-D33E-0146-8FDE-1BD7A7A456A7}"/>
-    <pc:docChg chg="undo custSel modSld">
-      <pc:chgData name="Long B Nguyen" userId="f59fb8f3-a021-417a-8bc1-65c8d471c621" providerId="ADAL" clId="{4D090DEB-D33E-0146-8FDE-1BD7A7A456A7}" dt="2020-11-20T14:06:48.637" v="1117" actId="20577"/>
+    <pc:chgData name="Long B Nguyen" userId="f59fb8f3-a021-417a-8bc1-65c8d471c621" providerId="ADAL" clId="{3CB66211-2DF4-2442-833E-8DD261694FF0}"/>
+    <pc:docChg chg="addSld modSld">
+      <pc:chgData name="Long B Nguyen" userId="f59fb8f3-a021-417a-8bc1-65c8d471c621" providerId="ADAL" clId="{3CB66211-2DF4-2442-833E-8DD261694FF0}" dt="2021-11-07T17:24:01.542" v="250" actId="20577"/>
       <pc:docMkLst>
         <pc:docMk/>
       </pc:docMkLst>
-      <pc:sldChg chg="modSp mod modAnim">
-        <pc:chgData name="Long B Nguyen" userId="f59fb8f3-a021-417a-8bc1-65c8d471c621" providerId="ADAL" clId="{4D090DEB-D33E-0146-8FDE-1BD7A7A456A7}" dt="2020-11-19T04:45:19.757" v="781" actId="1076"/>
+      <pc:sldChg chg="modSp add modAnim">
+        <pc:chgData name="Long B Nguyen" userId="f59fb8f3-a021-417a-8bc1-65c8d471c621" providerId="ADAL" clId="{3CB66211-2DF4-2442-833E-8DD261694FF0}" dt="2021-11-07T17:24:01.542" v="250" actId="20577"/>
         <pc:sldMkLst>
           <pc:docMk/>
-          <pc:sldMk cId="924617162" sldId="319"/>
+          <pc:sldMk cId="2023389722" sldId="333"/>
         </pc:sldMkLst>
         <pc:spChg chg="mod">
-          <ac:chgData name="Long B Nguyen" userId="f59fb8f3-a021-417a-8bc1-65c8d471c621" providerId="ADAL" clId="{4D090DEB-D33E-0146-8FDE-1BD7A7A456A7}" dt="2020-11-19T04:45:19.757" v="781" actId="1076"/>
+          <ac:chgData name="Long B Nguyen" userId="f59fb8f3-a021-417a-8bc1-65c8d471c621" providerId="ADAL" clId="{3CB66211-2DF4-2442-833E-8DD261694FF0}" dt="2021-11-07T17:24:01.542" v="250" actId="20577"/>
           <ac:spMkLst>
             <pc:docMk/>
-            <pc:sldMk cId="924617162" sldId="319"/>
-            <ac:spMk id="2" creationId="{AA3A228F-61D0-D949-A5E7-F83756230BF8}"/>
-          </ac:spMkLst>
-        </pc:spChg>
-        <pc:spChg chg="mod">
-          <ac:chgData name="Long B Nguyen" userId="f59fb8f3-a021-417a-8bc1-65c8d471c621" providerId="ADAL" clId="{4D090DEB-D33E-0146-8FDE-1BD7A7A456A7}" dt="2020-11-19T04:45:14.666" v="779" actId="14100"/>
-          <ac:spMkLst>
-            <pc:docMk/>
-            <pc:sldMk cId="924617162" sldId="319"/>
-            <ac:spMk id="9" creationId="{E3B2E017-30B2-884B-A113-B419A2ED51AD}"/>
-          </ac:spMkLst>
-        </pc:spChg>
-      </pc:sldChg>
-      <pc:sldChg chg="modSp mod modAnim">
-        <pc:chgData name="Long B Nguyen" userId="f59fb8f3-a021-417a-8bc1-65c8d471c621" providerId="ADAL" clId="{4D090DEB-D33E-0146-8FDE-1BD7A7A456A7}" dt="2020-11-19T04:33:36.604" v="547"/>
-        <pc:sldMkLst>
-          <pc:docMk/>
-          <pc:sldMk cId="3758830494" sldId="320"/>
-        </pc:sldMkLst>
-        <pc:spChg chg="mod">
-          <ac:chgData name="Long B Nguyen" userId="f59fb8f3-a021-417a-8bc1-65c8d471c621" providerId="ADAL" clId="{4D090DEB-D33E-0146-8FDE-1BD7A7A456A7}" dt="2020-11-19T04:26:47.866" v="412" actId="1076"/>
-          <ac:spMkLst>
-            <pc:docMk/>
-            <pc:sldMk cId="3758830494" sldId="320"/>
-            <ac:spMk id="2" creationId="{AA3A228F-61D0-D949-A5E7-F83756230BF8}"/>
-          </ac:spMkLst>
-        </pc:spChg>
-        <pc:spChg chg="mod">
-          <ac:chgData name="Long B Nguyen" userId="f59fb8f3-a021-417a-8bc1-65c8d471c621" providerId="ADAL" clId="{4D090DEB-D33E-0146-8FDE-1BD7A7A456A7}" dt="2020-11-19T04:26:45.399" v="411" actId="14100"/>
-          <ac:spMkLst>
-            <pc:docMk/>
-            <pc:sldMk cId="3758830494" sldId="320"/>
-            <ac:spMk id="9" creationId="{E3B2E017-30B2-884B-A113-B419A2ED51AD}"/>
-          </ac:spMkLst>
-        </pc:spChg>
-      </pc:sldChg>
-      <pc:sldChg chg="addSp modSp mod modAnim">
-        <pc:chgData name="Long B Nguyen" userId="f59fb8f3-a021-417a-8bc1-65c8d471c621" providerId="ADAL" clId="{4D090DEB-D33E-0146-8FDE-1BD7A7A456A7}" dt="2020-11-19T13:05:31.040" v="1113"/>
-        <pc:sldMkLst>
-          <pc:docMk/>
-          <pc:sldMk cId="1022945305" sldId="321"/>
-        </pc:sldMkLst>
-        <pc:spChg chg="mod">
-          <ac:chgData name="Long B Nguyen" userId="f59fb8f3-a021-417a-8bc1-65c8d471c621" providerId="ADAL" clId="{4D090DEB-D33E-0146-8FDE-1BD7A7A456A7}" dt="2020-11-19T04:26:53.269" v="413" actId="1076"/>
-          <ac:spMkLst>
-            <pc:docMk/>
-            <pc:sldMk cId="1022945305" sldId="321"/>
-            <ac:spMk id="2" creationId="{AA3A228F-61D0-D949-A5E7-F83756230BF8}"/>
-          </ac:spMkLst>
-        </pc:spChg>
-        <pc:spChg chg="add mod">
-          <ac:chgData name="Long B Nguyen" userId="f59fb8f3-a021-417a-8bc1-65c8d471c621" providerId="ADAL" clId="{4D090DEB-D33E-0146-8FDE-1BD7A7A456A7}" dt="2020-11-19T13:05:18.398" v="1111" actId="1076"/>
-          <ac:spMkLst>
-            <pc:docMk/>
-            <pc:sldMk cId="1022945305" sldId="321"/>
-            <ac:spMk id="3" creationId="{3C72A7FE-2096-AA46-B5B0-556366A0BFB1}"/>
-          </ac:spMkLst>
-        </pc:spChg>
-        <pc:spChg chg="add mod">
-          <ac:chgData name="Long B Nguyen" userId="f59fb8f3-a021-417a-8bc1-65c8d471c621" providerId="ADAL" clId="{4D090DEB-D33E-0146-8FDE-1BD7A7A456A7}" dt="2020-11-19T13:05:16.504" v="1110" actId="1076"/>
-          <ac:spMkLst>
-            <pc:docMk/>
-            <pc:sldMk cId="1022945305" sldId="321"/>
-            <ac:spMk id="5" creationId="{DD72A416-729A-D14D-937B-E31E95D5697D}"/>
-          </ac:spMkLst>
-        </pc:spChg>
-        <pc:spChg chg="mod">
-          <ac:chgData name="Long B Nguyen" userId="f59fb8f3-a021-417a-8bc1-65c8d471c621" providerId="ADAL" clId="{4D090DEB-D33E-0146-8FDE-1BD7A7A456A7}" dt="2020-11-19T13:03:48.213" v="952" actId="20577"/>
-          <ac:spMkLst>
-            <pc:docMk/>
-            <pc:sldMk cId="1022945305" sldId="321"/>
-            <ac:spMk id="9" creationId="{E3B2E017-30B2-884B-A113-B419A2ED51AD}"/>
-          </ac:spMkLst>
-        </pc:spChg>
-      </pc:sldChg>
-      <pc:sldChg chg="modSp mod modAnim">
-        <pc:chgData name="Long B Nguyen" userId="f59fb8f3-a021-417a-8bc1-65c8d471c621" providerId="ADAL" clId="{4D090DEB-D33E-0146-8FDE-1BD7A7A456A7}" dt="2020-11-19T04:38:55.983" v="637"/>
-        <pc:sldMkLst>
-          <pc:docMk/>
-          <pc:sldMk cId="3456840474" sldId="322"/>
-        </pc:sldMkLst>
-        <pc:spChg chg="mod">
-          <ac:chgData name="Long B Nguyen" userId="f59fb8f3-a021-417a-8bc1-65c8d471c621" providerId="ADAL" clId="{4D090DEB-D33E-0146-8FDE-1BD7A7A456A7}" dt="2020-11-19T04:37:10.670" v="621" actId="1076"/>
-          <ac:spMkLst>
-            <pc:docMk/>
-            <pc:sldMk cId="3456840474" sldId="322"/>
-            <ac:spMk id="2" creationId="{AA3A228F-61D0-D949-A5E7-F83756230BF8}"/>
-          </ac:spMkLst>
-        </pc:spChg>
-        <pc:spChg chg="mod">
-          <ac:chgData name="Long B Nguyen" userId="f59fb8f3-a021-417a-8bc1-65c8d471c621" providerId="ADAL" clId="{4D090DEB-D33E-0146-8FDE-1BD7A7A456A7}" dt="2020-11-19T04:36:58.455" v="610" actId="20577"/>
-          <ac:spMkLst>
-            <pc:docMk/>
-            <pc:sldMk cId="3456840474" sldId="322"/>
-            <ac:spMk id="9" creationId="{E3B2E017-30B2-884B-A113-B419A2ED51AD}"/>
-          </ac:spMkLst>
-        </pc:spChg>
-      </pc:sldChg>
-      <pc:sldChg chg="modSp mod modAnim">
-        <pc:chgData name="Long B Nguyen" userId="f59fb8f3-a021-417a-8bc1-65c8d471c621" providerId="ADAL" clId="{4D090DEB-D33E-0146-8FDE-1BD7A7A456A7}" dt="2020-11-19T04:37:41.967" v="627"/>
-        <pc:sldMkLst>
-          <pc:docMk/>
-          <pc:sldMk cId="1062075874" sldId="323"/>
-        </pc:sldMkLst>
-        <pc:spChg chg="mod">
-          <ac:chgData name="Long B Nguyen" userId="f59fb8f3-a021-417a-8bc1-65c8d471c621" providerId="ADAL" clId="{4D090DEB-D33E-0146-8FDE-1BD7A7A456A7}" dt="2020-11-19T04:30:28.655" v="535" actId="20577"/>
-          <ac:spMkLst>
-            <pc:docMk/>
-            <pc:sldMk cId="1062075874" sldId="323"/>
-            <ac:spMk id="2" creationId="{AA3A228F-61D0-D949-A5E7-F83756230BF8}"/>
-          </ac:spMkLst>
-        </pc:spChg>
-        <pc:spChg chg="mod">
-          <ac:chgData name="Long B Nguyen" userId="f59fb8f3-a021-417a-8bc1-65c8d471c621" providerId="ADAL" clId="{4D090DEB-D33E-0146-8FDE-1BD7A7A456A7}" dt="2020-11-19T04:29:52.399" v="506" actId="14100"/>
-          <ac:spMkLst>
-            <pc:docMk/>
-            <pc:sldMk cId="1062075874" sldId="323"/>
-            <ac:spMk id="9" creationId="{E3B2E017-30B2-884B-A113-B419A2ED51AD}"/>
-          </ac:spMkLst>
-        </pc:spChg>
-      </pc:sldChg>
-      <pc:sldChg chg="modSp mod modAnim">
-        <pc:chgData name="Long B Nguyen" userId="f59fb8f3-a021-417a-8bc1-65c8d471c621" providerId="ADAL" clId="{4D090DEB-D33E-0146-8FDE-1BD7A7A456A7}" dt="2020-11-19T04:48:10.088" v="870"/>
-        <pc:sldMkLst>
-          <pc:docMk/>
-          <pc:sldMk cId="1310010799" sldId="324"/>
-        </pc:sldMkLst>
-        <pc:spChg chg="mod">
-          <ac:chgData name="Long B Nguyen" userId="f59fb8f3-a021-417a-8bc1-65c8d471c621" providerId="ADAL" clId="{4D090DEB-D33E-0146-8FDE-1BD7A7A456A7}" dt="2020-11-19T04:31:04.571" v="539" actId="1076"/>
-          <ac:spMkLst>
-            <pc:docMk/>
-            <pc:sldMk cId="1310010799" sldId="324"/>
-            <ac:spMk id="2" creationId="{AA3A228F-61D0-D949-A5E7-F83756230BF8}"/>
-          </ac:spMkLst>
-        </pc:spChg>
-        <pc:spChg chg="mod">
-          <ac:chgData name="Long B Nguyen" userId="f59fb8f3-a021-417a-8bc1-65c8d471c621" providerId="ADAL" clId="{4D090DEB-D33E-0146-8FDE-1BD7A7A456A7}" dt="2020-11-19T04:30:58.529" v="538" actId="1076"/>
-          <ac:spMkLst>
-            <pc:docMk/>
-            <pc:sldMk cId="1310010799" sldId="324"/>
-            <ac:spMk id="9" creationId="{E3B2E017-30B2-884B-A113-B419A2ED51AD}"/>
-          </ac:spMkLst>
-        </pc:spChg>
-      </pc:sldChg>
-      <pc:sldChg chg="modSp mod modAnim">
-        <pc:chgData name="Long B Nguyen" userId="f59fb8f3-a021-417a-8bc1-65c8d471c621" providerId="ADAL" clId="{4D090DEB-D33E-0146-8FDE-1BD7A7A456A7}" dt="2020-11-19T04:49:22.406" v="887"/>
-        <pc:sldMkLst>
-          <pc:docMk/>
-          <pc:sldMk cId="3314372952" sldId="325"/>
-        </pc:sldMkLst>
-        <pc:spChg chg="mod">
-          <ac:chgData name="Long B Nguyen" userId="f59fb8f3-a021-417a-8bc1-65c8d471c621" providerId="ADAL" clId="{4D090DEB-D33E-0146-8FDE-1BD7A7A456A7}" dt="2020-11-12T12:08:02.340" v="146" actId="1076"/>
-          <ac:spMkLst>
-            <pc:docMk/>
-            <pc:sldMk cId="3314372952" sldId="325"/>
-            <ac:spMk id="2" creationId="{AA3A228F-61D0-D949-A5E7-F83756230BF8}"/>
-          </ac:spMkLst>
-        </pc:spChg>
-        <pc:spChg chg="mod">
-          <ac:chgData name="Long B Nguyen" userId="f59fb8f3-a021-417a-8bc1-65c8d471c621" providerId="ADAL" clId="{4D090DEB-D33E-0146-8FDE-1BD7A7A456A7}" dt="2020-11-19T04:49:09.844" v="883" actId="20577"/>
-          <ac:spMkLst>
-            <pc:docMk/>
-            <pc:sldMk cId="3314372952" sldId="325"/>
-            <ac:spMk id="9" creationId="{E3B2E017-30B2-884B-A113-B419A2ED51AD}"/>
-          </ac:spMkLst>
-        </pc:spChg>
-      </pc:sldChg>
-      <pc:sldChg chg="modSp mod modAnim">
-        <pc:chgData name="Long B Nguyen" userId="f59fb8f3-a021-417a-8bc1-65c8d471c621" providerId="ADAL" clId="{4D090DEB-D33E-0146-8FDE-1BD7A7A456A7}" dt="2020-11-19T04:38:18.076" v="631"/>
-        <pc:sldMkLst>
-          <pc:docMk/>
-          <pc:sldMk cId="1724104636" sldId="327"/>
-        </pc:sldMkLst>
-        <pc:spChg chg="mod">
-          <ac:chgData name="Long B Nguyen" userId="f59fb8f3-a021-417a-8bc1-65c8d471c621" providerId="ADAL" clId="{4D090DEB-D33E-0146-8FDE-1BD7A7A456A7}" dt="2020-11-19T04:30:22.456" v="522" actId="20577"/>
-          <ac:spMkLst>
-            <pc:docMk/>
-            <pc:sldMk cId="1724104636" sldId="327"/>
-            <ac:spMk id="2" creationId="{AA3A228F-61D0-D949-A5E7-F83756230BF8}"/>
-          </ac:spMkLst>
-        </pc:spChg>
-        <pc:spChg chg="mod">
-          <ac:chgData name="Long B Nguyen" userId="f59fb8f3-a021-417a-8bc1-65c8d471c621" providerId="ADAL" clId="{4D090DEB-D33E-0146-8FDE-1BD7A7A456A7}" dt="2020-11-19T04:30:06.009" v="508" actId="14100"/>
-          <ac:spMkLst>
-            <pc:docMk/>
-            <pc:sldMk cId="1724104636" sldId="327"/>
-            <ac:spMk id="9" creationId="{E3B2E017-30B2-884B-A113-B419A2ED51AD}"/>
-          </ac:spMkLst>
-        </pc:spChg>
-      </pc:sldChg>
-      <pc:sldChg chg="modSp mod modAnim">
-        <pc:chgData name="Long B Nguyen" userId="f59fb8f3-a021-417a-8bc1-65c8d471c621" providerId="ADAL" clId="{4D090DEB-D33E-0146-8FDE-1BD7A7A456A7}" dt="2020-11-19T04:35:29.630" v="597"/>
-        <pc:sldMkLst>
-          <pc:docMk/>
-          <pc:sldMk cId="3894299887" sldId="328"/>
-        </pc:sldMkLst>
-        <pc:spChg chg="mod">
-          <ac:chgData name="Long B Nguyen" userId="f59fb8f3-a021-417a-8bc1-65c8d471c621" providerId="ADAL" clId="{4D090DEB-D33E-0146-8FDE-1BD7A7A456A7}" dt="2020-11-19T04:28:32.104" v="469" actId="1076"/>
-          <ac:spMkLst>
-            <pc:docMk/>
-            <pc:sldMk cId="3894299887" sldId="328"/>
-            <ac:spMk id="2" creationId="{AA3A228F-61D0-D949-A5E7-F83756230BF8}"/>
-          </ac:spMkLst>
-        </pc:spChg>
-        <pc:spChg chg="mod">
-          <ac:chgData name="Long B Nguyen" userId="f59fb8f3-a021-417a-8bc1-65c8d471c621" providerId="ADAL" clId="{4D090DEB-D33E-0146-8FDE-1BD7A7A456A7}" dt="2020-11-19T04:35:17.641" v="595" actId="20577"/>
-          <ac:spMkLst>
-            <pc:docMk/>
-            <pc:sldMk cId="3894299887" sldId="328"/>
-            <ac:spMk id="9" creationId="{E3B2E017-30B2-884B-A113-B419A2ED51AD}"/>
-          </ac:spMkLst>
-        </pc:spChg>
-      </pc:sldChg>
-      <pc:sldChg chg="modSp mod modAnim">
-        <pc:chgData name="Long B Nguyen" userId="f59fb8f3-a021-417a-8bc1-65c8d471c621" providerId="ADAL" clId="{4D090DEB-D33E-0146-8FDE-1BD7A7A456A7}" dt="2020-11-19T04:35:59.803" v="602"/>
-        <pc:sldMkLst>
-          <pc:docMk/>
-          <pc:sldMk cId="4294143140" sldId="329"/>
-        </pc:sldMkLst>
-        <pc:spChg chg="mod">
-          <ac:chgData name="Long B Nguyen" userId="f59fb8f3-a021-417a-8bc1-65c8d471c621" providerId="ADAL" clId="{4D090DEB-D33E-0146-8FDE-1BD7A7A456A7}" dt="2020-11-19T04:29:15.696" v="503" actId="1076"/>
-          <ac:spMkLst>
-            <pc:docMk/>
-            <pc:sldMk cId="4294143140" sldId="329"/>
-            <ac:spMk id="2" creationId="{AA3A228F-61D0-D949-A5E7-F83756230BF8}"/>
-          </ac:spMkLst>
-        </pc:spChg>
-        <pc:spChg chg="mod">
-          <ac:chgData name="Long B Nguyen" userId="f59fb8f3-a021-417a-8bc1-65c8d471c621" providerId="ADAL" clId="{4D090DEB-D33E-0146-8FDE-1BD7A7A456A7}" dt="2020-11-19T04:29:13.159" v="502" actId="14100"/>
-          <ac:spMkLst>
-            <pc:docMk/>
-            <pc:sldMk cId="4294143140" sldId="329"/>
-            <ac:spMk id="9" creationId="{E3B2E017-30B2-884B-A113-B419A2ED51AD}"/>
-          </ac:spMkLst>
-        </pc:spChg>
-      </pc:sldChg>
-      <pc:sldChg chg="modSp mod modAnim">
-        <pc:chgData name="Long B Nguyen" userId="f59fb8f3-a021-417a-8bc1-65c8d471c621" providerId="ADAL" clId="{4D090DEB-D33E-0146-8FDE-1BD7A7A456A7}" dt="2020-11-19T04:47:48.607" v="864"/>
-        <pc:sldMkLst>
-          <pc:docMk/>
-          <pc:sldMk cId="3594730708" sldId="330"/>
-        </pc:sldMkLst>
-        <pc:spChg chg="mod">
-          <ac:chgData name="Long B Nguyen" userId="f59fb8f3-a021-417a-8bc1-65c8d471c621" providerId="ADAL" clId="{4D090DEB-D33E-0146-8FDE-1BD7A7A456A7}" dt="2020-11-19T04:30:51.008" v="537" actId="1076"/>
-          <ac:spMkLst>
-            <pc:docMk/>
-            <pc:sldMk cId="3594730708" sldId="330"/>
-            <ac:spMk id="2" creationId="{AA3A228F-61D0-D949-A5E7-F83756230BF8}"/>
-          </ac:spMkLst>
-        </pc:spChg>
-        <pc:spChg chg="mod">
-          <ac:chgData name="Long B Nguyen" userId="f59fb8f3-a021-417a-8bc1-65c8d471c621" providerId="ADAL" clId="{4D090DEB-D33E-0146-8FDE-1BD7A7A456A7}" dt="2020-11-19T04:47:45.452" v="863" actId="14100"/>
-          <ac:spMkLst>
-            <pc:docMk/>
-            <pc:sldMk cId="3594730708" sldId="330"/>
-            <ac:spMk id="9" creationId="{E3B2E017-30B2-884B-A113-B419A2ED51AD}"/>
-          </ac:spMkLst>
-        </pc:spChg>
-      </pc:sldChg>
-      <pc:sldChg chg="addSp delSp modSp mod modAnim">
-        <pc:chgData name="Long B Nguyen" userId="f59fb8f3-a021-417a-8bc1-65c8d471c621" providerId="ADAL" clId="{4D090DEB-D33E-0146-8FDE-1BD7A7A456A7}" dt="2020-11-19T04:50:19.326" v="901"/>
-        <pc:sldMkLst>
-          <pc:docMk/>
-          <pc:sldMk cId="3870816631" sldId="331"/>
-        </pc:sldMkLst>
-        <pc:spChg chg="mod">
-          <ac:chgData name="Long B Nguyen" userId="f59fb8f3-a021-417a-8bc1-65c8d471c621" providerId="ADAL" clId="{4D090DEB-D33E-0146-8FDE-1BD7A7A456A7}" dt="2020-11-19T04:32:15.917" v="542" actId="255"/>
-          <ac:spMkLst>
-            <pc:docMk/>
-            <pc:sldMk cId="3870816631" sldId="331"/>
-            <ac:spMk id="2" creationId="{AA3A228F-61D0-D949-A5E7-F83756230BF8}"/>
-          </ac:spMkLst>
-        </pc:spChg>
-        <pc:spChg chg="add del mod">
-          <ac:chgData name="Long B Nguyen" userId="f59fb8f3-a021-417a-8bc1-65c8d471c621" providerId="ADAL" clId="{4D090DEB-D33E-0146-8FDE-1BD7A7A456A7}" dt="2020-11-12T13:15:47.185" v="400"/>
-          <ac:spMkLst>
-            <pc:docMk/>
-            <pc:sldMk cId="3870816631" sldId="331"/>
-            <ac:spMk id="3" creationId="{E68AA33E-8791-084B-A0F9-C8D0D2031050}"/>
-          </ac:spMkLst>
-        </pc:spChg>
-        <pc:spChg chg="add mod">
-          <ac:chgData name="Long B Nguyen" userId="f59fb8f3-a021-417a-8bc1-65c8d471c621" providerId="ADAL" clId="{4D090DEB-D33E-0146-8FDE-1BD7A7A456A7}" dt="2020-11-12T13:15:40.658" v="398" actId="207"/>
-          <ac:spMkLst>
-            <pc:docMk/>
-            <pc:sldMk cId="3870816631" sldId="331"/>
-            <ac:spMk id="4" creationId="{82B7CFAA-F2D6-8B42-AC58-997AD5662DAB}"/>
-          </ac:spMkLst>
-        </pc:spChg>
-        <pc:spChg chg="mod">
-          <ac:chgData name="Long B Nguyen" userId="f59fb8f3-a021-417a-8bc1-65c8d471c621" providerId="ADAL" clId="{4D090DEB-D33E-0146-8FDE-1BD7A7A456A7}" dt="2020-11-19T04:32:21.193" v="543" actId="14100"/>
-          <ac:spMkLst>
-            <pc:docMk/>
-            <pc:sldMk cId="3870816631" sldId="331"/>
-            <ac:spMk id="9" creationId="{E3B2E017-30B2-884B-A113-B419A2ED51AD}"/>
-          </ac:spMkLst>
-        </pc:spChg>
-      </pc:sldChg>
-      <pc:sldChg chg="modSp mod modAnim">
-        <pc:chgData name="Long B Nguyen" userId="f59fb8f3-a021-417a-8bc1-65c8d471c621" providerId="ADAL" clId="{4D090DEB-D33E-0146-8FDE-1BD7A7A456A7}" dt="2020-11-20T14:06:48.637" v="1117" actId="20577"/>
-        <pc:sldMkLst>
-          <pc:docMk/>
-          <pc:sldMk cId="3124353102" sldId="332"/>
-        </pc:sldMkLst>
-        <pc:spChg chg="mod">
-          <ac:chgData name="Long B Nguyen" userId="f59fb8f3-a021-417a-8bc1-65c8d471c621" providerId="ADAL" clId="{4D090DEB-D33E-0146-8FDE-1BD7A7A456A7}" dt="2020-11-19T04:31:26.138" v="540" actId="1076"/>
-          <ac:spMkLst>
-            <pc:docMk/>
-            <pc:sldMk cId="3124353102" sldId="332"/>
-            <ac:spMk id="2" creationId="{AA3A228F-61D0-D949-A5E7-F83756230BF8}"/>
-          </ac:spMkLst>
-        </pc:spChg>
-        <pc:spChg chg="mod">
-          <ac:chgData name="Long B Nguyen" userId="f59fb8f3-a021-417a-8bc1-65c8d471c621" providerId="ADAL" clId="{4D090DEB-D33E-0146-8FDE-1BD7A7A456A7}" dt="2020-11-20T14:06:48.637" v="1117" actId="20577"/>
-          <ac:spMkLst>
-            <pc:docMk/>
-            <pc:sldMk cId="3124353102" sldId="332"/>
-            <ac:spMk id="9" creationId="{E3B2E017-30B2-884B-A113-B419A2ED51AD}"/>
-          </ac:spMkLst>
-        </pc:spChg>
-      </pc:sldChg>
-    </pc:docChg>
-  </pc:docChgLst>
-  <pc:docChgLst>
-    <pc:chgData name="Long B Nguyen" userId="f59fb8f3-a021-417a-8bc1-65c8d471c621" providerId="ADAL" clId="{03B59D2A-58F7-2C47-BB72-AE152660F162}"/>
-    <pc:docChg chg="addSld modSld">
-      <pc:chgData name="Long B Nguyen" userId="f59fb8f3-a021-417a-8bc1-65c8d471c621" providerId="ADAL" clId="{03B59D2A-58F7-2C47-BB72-AE152660F162}" dt="2021-06-05T16:01:06.129" v="84" actId="20577"/>
-      <pc:docMkLst>
-        <pc:docMk/>
-      </pc:docMkLst>
-      <pc:sldChg chg="modSp mod">
-        <pc:chgData name="Long B Nguyen" userId="f59fb8f3-a021-417a-8bc1-65c8d471c621" providerId="ADAL" clId="{03B59D2A-58F7-2C47-BB72-AE152660F162}" dt="2021-06-05T15:57:48.063" v="34" actId="1037"/>
-        <pc:sldMkLst>
-          <pc:docMk/>
-          <pc:sldMk cId="4247104139" sldId="256"/>
-        </pc:sldMkLst>
-        <pc:spChg chg="mod">
-          <ac:chgData name="Long B Nguyen" userId="f59fb8f3-a021-417a-8bc1-65c8d471c621" providerId="ADAL" clId="{03B59D2A-58F7-2C47-BB72-AE152660F162}" dt="2021-06-05T15:57:48.063" v="34" actId="1037"/>
-          <ac:spMkLst>
-            <pc:docMk/>
-            <pc:sldMk cId="4247104139" sldId="256"/>
-            <ac:spMk id="3" creationId="{1BDC47C8-6776-7B44-9CD4-95FC91452D62}"/>
-          </ac:spMkLst>
-        </pc:spChg>
-      </pc:sldChg>
-      <pc:sldChg chg="modSp add mod">
-        <pc:chgData name="Long B Nguyen" userId="f59fb8f3-a021-417a-8bc1-65c8d471c621" providerId="ADAL" clId="{03B59D2A-58F7-2C47-BB72-AE152660F162}" dt="2021-06-05T16:00:22.832" v="50" actId="20577"/>
-        <pc:sldMkLst>
-          <pc:docMk/>
-          <pc:sldMk cId="403449732" sldId="302"/>
-        </pc:sldMkLst>
-        <pc:spChg chg="mod">
-          <ac:chgData name="Long B Nguyen" userId="f59fb8f3-a021-417a-8bc1-65c8d471c621" providerId="ADAL" clId="{03B59D2A-58F7-2C47-BB72-AE152660F162}" dt="2021-06-05T16:00:06.744" v="35" actId="1076"/>
-          <ac:spMkLst>
-            <pc:docMk/>
-            <pc:sldMk cId="403449732" sldId="302"/>
-            <ac:spMk id="2" creationId="{AA3A228F-61D0-D949-A5E7-F83756230BF8}"/>
-          </ac:spMkLst>
-        </pc:spChg>
-        <pc:spChg chg="mod">
-          <ac:chgData name="Long B Nguyen" userId="f59fb8f3-a021-417a-8bc1-65c8d471c621" providerId="ADAL" clId="{03B59D2A-58F7-2C47-BB72-AE152660F162}" dt="2021-06-05T16:00:22.832" v="50" actId="20577"/>
-          <ac:spMkLst>
-            <pc:docMk/>
-            <pc:sldMk cId="403449732" sldId="302"/>
-            <ac:spMk id="9" creationId="{E3B2E017-30B2-884B-A113-B419A2ED51AD}"/>
-          </ac:spMkLst>
-        </pc:spChg>
-      </pc:sldChg>
-      <pc:sldChg chg="modSp add mod">
-        <pc:chgData name="Long B Nguyen" userId="f59fb8f3-a021-417a-8bc1-65c8d471c621" providerId="ADAL" clId="{03B59D2A-58F7-2C47-BB72-AE152660F162}" dt="2021-06-05T16:00:47.158" v="66" actId="20577"/>
-        <pc:sldMkLst>
-          <pc:docMk/>
-          <pc:sldMk cId="370395365" sldId="306"/>
-        </pc:sldMkLst>
-        <pc:spChg chg="mod">
-          <ac:chgData name="Long B Nguyen" userId="f59fb8f3-a021-417a-8bc1-65c8d471c621" providerId="ADAL" clId="{03B59D2A-58F7-2C47-BB72-AE152660F162}" dt="2021-06-05T16:00:29.774" v="51" actId="1076"/>
-          <ac:spMkLst>
-            <pc:docMk/>
-            <pc:sldMk cId="370395365" sldId="306"/>
-            <ac:spMk id="2" creationId="{AA3A228F-61D0-D949-A5E7-F83756230BF8}"/>
-          </ac:spMkLst>
-        </pc:spChg>
-        <pc:spChg chg="mod">
-          <ac:chgData name="Long B Nguyen" userId="f59fb8f3-a021-417a-8bc1-65c8d471c621" providerId="ADAL" clId="{03B59D2A-58F7-2C47-BB72-AE152660F162}" dt="2021-06-05T16:00:47.158" v="66" actId="20577"/>
-          <ac:spMkLst>
-            <pc:docMk/>
-            <pc:sldMk cId="370395365" sldId="306"/>
-            <ac:spMk id="9" creationId="{E3B2E017-30B2-884B-A113-B419A2ED51AD}"/>
-          </ac:spMkLst>
-        </pc:spChg>
-      </pc:sldChg>
-      <pc:sldChg chg="modSp add mod">
-        <pc:chgData name="Long B Nguyen" userId="f59fb8f3-a021-417a-8bc1-65c8d471c621" providerId="ADAL" clId="{03B59D2A-58F7-2C47-BB72-AE152660F162}" dt="2021-06-05T16:01:06.129" v="84" actId="20577"/>
-        <pc:sldMkLst>
-          <pc:docMk/>
-          <pc:sldMk cId="224751101" sldId="307"/>
-        </pc:sldMkLst>
-        <pc:spChg chg="mod">
-          <ac:chgData name="Long B Nguyen" userId="f59fb8f3-a021-417a-8bc1-65c8d471c621" providerId="ADAL" clId="{03B59D2A-58F7-2C47-BB72-AE152660F162}" dt="2021-06-05T16:00:53.536" v="67" actId="1076"/>
-          <ac:spMkLst>
-            <pc:docMk/>
-            <pc:sldMk cId="224751101" sldId="307"/>
-            <ac:spMk id="2" creationId="{AA3A228F-61D0-D949-A5E7-F83756230BF8}"/>
-          </ac:spMkLst>
-        </pc:spChg>
-        <pc:spChg chg="mod">
-          <ac:chgData name="Long B Nguyen" userId="f59fb8f3-a021-417a-8bc1-65c8d471c621" providerId="ADAL" clId="{03B59D2A-58F7-2C47-BB72-AE152660F162}" dt="2021-06-05T16:01:06.129" v="84" actId="20577"/>
-          <ac:spMkLst>
-            <pc:docMk/>
-            <pc:sldMk cId="224751101" sldId="307"/>
+            <pc:sldMk cId="2023389722" sldId="333"/>
             <ac:spMk id="9" creationId="{E3B2E017-30B2-884B-A113-B419A2ED51AD}"/>
           </ac:spMkLst>
         </pc:spChg>
@@ -1284,44 +1570,20 @@
     </pc:docChg>
   </pc:docChgLst>
   <pc:docChgLst>
-    <pc:chgData name="Long B Nguyen" userId="f59fb8f3-a021-417a-8bc1-65c8d471c621" providerId="ADAL" clId="{3CB66211-2DF4-2442-833E-8DD261694FF0}"/>
+    <pc:chgData name="Long B Nguyen" userId="f59fb8f3-a021-417a-8bc1-65c8d471c621" providerId="ADAL" clId="{03B59D2A-58F7-2C47-BB72-AE152660F162}"/>
     <pc:docChg chg="addSld modSld">
-      <pc:chgData name="Long B Nguyen" userId="f59fb8f3-a021-417a-8bc1-65c8d471c621" providerId="ADAL" clId="{3CB66211-2DF4-2442-833E-8DD261694FF0}" dt="2021-11-07T17:24:01.542" v="250" actId="20577"/>
+      <pc:chgData name="Long B Nguyen" userId="f59fb8f3-a021-417a-8bc1-65c8d471c621" providerId="ADAL" clId="{03B59D2A-58F7-2C47-BB72-AE152660F162}" dt="2021-06-05T16:01:06.129" v="84" actId="20577"/>
       <pc:docMkLst>
         <pc:docMk/>
       </pc:docMkLst>
-      <pc:sldChg chg="modSp add modAnim">
-        <pc:chgData name="Long B Nguyen" userId="f59fb8f3-a021-417a-8bc1-65c8d471c621" providerId="ADAL" clId="{3CB66211-2DF4-2442-833E-8DD261694FF0}" dt="2021-11-07T17:24:01.542" v="250" actId="20577"/>
-        <pc:sldMkLst>
-          <pc:docMk/>
-          <pc:sldMk cId="2023389722" sldId="333"/>
-        </pc:sldMkLst>
-        <pc:spChg chg="mod">
-          <ac:chgData name="Long B Nguyen" userId="f59fb8f3-a021-417a-8bc1-65c8d471c621" providerId="ADAL" clId="{3CB66211-2DF4-2442-833E-8DD261694FF0}" dt="2021-11-07T17:24:01.542" v="250" actId="20577"/>
-          <ac:spMkLst>
-            <pc:docMk/>
-            <pc:sldMk cId="2023389722" sldId="333"/>
-            <ac:spMk id="9" creationId="{E3B2E017-30B2-884B-A113-B419A2ED51AD}"/>
-          </ac:spMkLst>
-        </pc:spChg>
-      </pc:sldChg>
-    </pc:docChg>
-  </pc:docChgLst>
-  <pc:docChgLst>
-    <pc:chgData name="Long B Nguyen" userId="f59fb8f3-a021-417a-8bc1-65c8d471c621" providerId="ADAL" clId="{AA9102B5-DACA-D841-B260-AEEBF90FC60A}"/>
-    <pc:docChg chg="custSel addSld delSld modSld">
-      <pc:chgData name="Long B Nguyen" userId="f59fb8f3-a021-417a-8bc1-65c8d471c621" providerId="ADAL" clId="{AA9102B5-DACA-D841-B260-AEEBF90FC60A}" dt="2020-01-06T17:07:10.515" v="1519" actId="2711"/>
-      <pc:docMkLst>
-        <pc:docMk/>
-      </pc:docMkLst>
-      <pc:sldChg chg="modSp">
-        <pc:chgData name="Long B Nguyen" userId="f59fb8f3-a021-417a-8bc1-65c8d471c621" providerId="ADAL" clId="{AA9102B5-DACA-D841-B260-AEEBF90FC60A}" dt="2020-01-05T22:05:23.536" v="23" actId="20577"/>
+      <pc:sldChg chg="modSp mod">
+        <pc:chgData name="Long B Nguyen" userId="f59fb8f3-a021-417a-8bc1-65c8d471c621" providerId="ADAL" clId="{03B59D2A-58F7-2C47-BB72-AE152660F162}" dt="2021-06-05T15:57:48.063" v="34" actId="1037"/>
         <pc:sldMkLst>
           <pc:docMk/>
           <pc:sldMk cId="4247104139" sldId="256"/>
         </pc:sldMkLst>
         <pc:spChg chg="mod">
-          <ac:chgData name="Long B Nguyen" userId="f59fb8f3-a021-417a-8bc1-65c8d471c621" providerId="ADAL" clId="{AA9102B5-DACA-D841-B260-AEEBF90FC60A}" dt="2020-01-05T22:05:23.536" v="23" actId="20577"/>
+          <ac:chgData name="Long B Nguyen" userId="f59fb8f3-a021-417a-8bc1-65c8d471c621" providerId="ADAL" clId="{03B59D2A-58F7-2C47-BB72-AE152660F162}" dt="2021-06-05T15:57:48.063" v="34" actId="1037"/>
           <ac:spMkLst>
             <pc:docMk/>
             <pc:sldMk cId="4247104139" sldId="256"/>
@@ -1329,332 +1591,72 @@
           </ac:spMkLst>
         </pc:spChg>
       </pc:sldChg>
-      <pc:sldChg chg="del">
-        <pc:chgData name="Long B Nguyen" userId="f59fb8f3-a021-417a-8bc1-65c8d471c621" providerId="ADAL" clId="{AA9102B5-DACA-D841-B260-AEEBF90FC60A}" dt="2020-01-05T22:05:52.483" v="41" actId="2696"/>
+      <pc:sldChg chg="modSp add mod">
+        <pc:chgData name="Long B Nguyen" userId="f59fb8f3-a021-417a-8bc1-65c8d471c621" providerId="ADAL" clId="{03B59D2A-58F7-2C47-BB72-AE152660F162}" dt="2021-06-05T16:00:22.832" v="50" actId="20577"/>
         <pc:sldMkLst>
           <pc:docMk/>
-          <pc:sldMk cId="1438711869" sldId="284"/>
-        </pc:sldMkLst>
-      </pc:sldChg>
-      <pc:sldChg chg="del">
-        <pc:chgData name="Long B Nguyen" userId="f59fb8f3-a021-417a-8bc1-65c8d471c621" providerId="ADAL" clId="{AA9102B5-DACA-D841-B260-AEEBF90FC60A}" dt="2020-01-05T22:05:52.199" v="24" actId="2696"/>
-        <pc:sldMkLst>
-          <pc:docMk/>
-          <pc:sldMk cId="131840209" sldId="286"/>
-        </pc:sldMkLst>
-      </pc:sldChg>
-      <pc:sldChg chg="del">
-        <pc:chgData name="Long B Nguyen" userId="f59fb8f3-a021-417a-8bc1-65c8d471c621" providerId="ADAL" clId="{AA9102B5-DACA-D841-B260-AEEBF90FC60A}" dt="2020-01-05T22:05:52.214" v="25" actId="2696"/>
-        <pc:sldMkLst>
-          <pc:docMk/>
-          <pc:sldMk cId="1816941262" sldId="295"/>
-        </pc:sldMkLst>
-      </pc:sldChg>
-      <pc:sldChg chg="del">
-        <pc:chgData name="Long B Nguyen" userId="f59fb8f3-a021-417a-8bc1-65c8d471c621" providerId="ADAL" clId="{AA9102B5-DACA-D841-B260-AEEBF90FC60A}" dt="2020-01-05T22:05:52.246" v="27" actId="2696"/>
-        <pc:sldMkLst>
-          <pc:docMk/>
-          <pc:sldMk cId="553003360" sldId="296"/>
-        </pc:sldMkLst>
-      </pc:sldChg>
-      <pc:sldChg chg="del">
-        <pc:chgData name="Long B Nguyen" userId="f59fb8f3-a021-417a-8bc1-65c8d471c621" providerId="ADAL" clId="{AA9102B5-DACA-D841-B260-AEEBF90FC60A}" dt="2020-01-05T22:05:52.268" v="28" actId="2696"/>
-        <pc:sldMkLst>
-          <pc:docMk/>
-          <pc:sldMk cId="3006175481" sldId="297"/>
-        </pc:sldMkLst>
-      </pc:sldChg>
-      <pc:sldChg chg="del">
-        <pc:chgData name="Long B Nguyen" userId="f59fb8f3-a021-417a-8bc1-65c8d471c621" providerId="ADAL" clId="{AA9102B5-DACA-D841-B260-AEEBF90FC60A}" dt="2020-01-05T22:05:52.287" v="29" actId="2696"/>
-        <pc:sldMkLst>
-          <pc:docMk/>
-          <pc:sldMk cId="3150557076" sldId="298"/>
-        </pc:sldMkLst>
-      </pc:sldChg>
-      <pc:sldChg chg="del">
-        <pc:chgData name="Long B Nguyen" userId="f59fb8f3-a021-417a-8bc1-65c8d471c621" providerId="ADAL" clId="{AA9102B5-DACA-D841-B260-AEEBF90FC60A}" dt="2020-01-05T22:05:52.442" v="38" actId="2696"/>
-        <pc:sldMkLst>
-          <pc:docMk/>
-          <pc:sldMk cId="128704095" sldId="302"/>
-        </pc:sldMkLst>
-      </pc:sldChg>
-      <pc:sldChg chg="del">
-        <pc:chgData name="Long B Nguyen" userId="f59fb8f3-a021-417a-8bc1-65c8d471c621" providerId="ADAL" clId="{AA9102B5-DACA-D841-B260-AEEBF90FC60A}" dt="2020-01-05T22:05:52.305" v="30" actId="2696"/>
-        <pc:sldMkLst>
-          <pc:docMk/>
-          <pc:sldMk cId="3275945509" sldId="303"/>
-        </pc:sldMkLst>
-      </pc:sldChg>
-      <pc:sldChg chg="del">
-        <pc:chgData name="Long B Nguyen" userId="f59fb8f3-a021-417a-8bc1-65c8d471c621" providerId="ADAL" clId="{AA9102B5-DACA-D841-B260-AEEBF90FC60A}" dt="2020-01-05T22:05:52.321" v="31" actId="2696"/>
-        <pc:sldMkLst>
-          <pc:docMk/>
-          <pc:sldMk cId="406772024" sldId="304"/>
-        </pc:sldMkLst>
-      </pc:sldChg>
-      <pc:sldChg chg="del">
-        <pc:chgData name="Long B Nguyen" userId="f59fb8f3-a021-417a-8bc1-65c8d471c621" providerId="ADAL" clId="{AA9102B5-DACA-D841-B260-AEEBF90FC60A}" dt="2020-01-05T22:05:52.334" v="32" actId="2696"/>
-        <pc:sldMkLst>
-          <pc:docMk/>
-          <pc:sldMk cId="1703902501" sldId="305"/>
-        </pc:sldMkLst>
-      </pc:sldChg>
-      <pc:sldChg chg="del">
-        <pc:chgData name="Long B Nguyen" userId="f59fb8f3-a021-417a-8bc1-65c8d471c621" providerId="ADAL" clId="{AA9102B5-DACA-D841-B260-AEEBF90FC60A}" dt="2020-01-05T22:05:52.461" v="39" actId="2696"/>
-        <pc:sldMkLst>
-          <pc:docMk/>
-          <pc:sldMk cId="3614829039" sldId="306"/>
-        </pc:sldMkLst>
-      </pc:sldChg>
-      <pc:sldChg chg="del">
-        <pc:chgData name="Long B Nguyen" userId="f59fb8f3-a021-417a-8bc1-65c8d471c621" providerId="ADAL" clId="{AA9102B5-DACA-D841-B260-AEEBF90FC60A}" dt="2020-01-05T22:05:52.471" v="40" actId="2696"/>
-        <pc:sldMkLst>
-          <pc:docMk/>
-          <pc:sldMk cId="295911327" sldId="307"/>
-        </pc:sldMkLst>
-      </pc:sldChg>
-      <pc:sldChg chg="del">
-        <pc:chgData name="Long B Nguyen" userId="f59fb8f3-a021-417a-8bc1-65c8d471c621" providerId="ADAL" clId="{AA9102B5-DACA-D841-B260-AEEBF90FC60A}" dt="2020-01-05T22:05:52.353" v="33" actId="2696"/>
-        <pc:sldMkLst>
-          <pc:docMk/>
-          <pc:sldMk cId="67957925" sldId="308"/>
-        </pc:sldMkLst>
-      </pc:sldChg>
-      <pc:sldChg chg="del">
-        <pc:chgData name="Long B Nguyen" userId="f59fb8f3-a021-417a-8bc1-65c8d471c621" providerId="ADAL" clId="{AA9102B5-DACA-D841-B260-AEEBF90FC60A}" dt="2020-01-05T22:05:52.365" v="34" actId="2696"/>
-        <pc:sldMkLst>
-          <pc:docMk/>
-          <pc:sldMk cId="1872435103" sldId="309"/>
-        </pc:sldMkLst>
-      </pc:sldChg>
-      <pc:sldChg chg="del">
-        <pc:chgData name="Long B Nguyen" userId="f59fb8f3-a021-417a-8bc1-65c8d471c621" providerId="ADAL" clId="{AA9102B5-DACA-D841-B260-AEEBF90FC60A}" dt="2020-01-05T22:05:52.385" v="35" actId="2696"/>
-        <pc:sldMkLst>
-          <pc:docMk/>
-          <pc:sldMk cId="4088965571" sldId="310"/>
-        </pc:sldMkLst>
-      </pc:sldChg>
-      <pc:sldChg chg="del">
-        <pc:chgData name="Long B Nguyen" userId="f59fb8f3-a021-417a-8bc1-65c8d471c621" providerId="ADAL" clId="{AA9102B5-DACA-D841-B260-AEEBF90FC60A}" dt="2020-01-05T22:05:52.404" v="36" actId="2696"/>
-        <pc:sldMkLst>
-          <pc:docMk/>
-          <pc:sldMk cId="2255846137" sldId="311"/>
-        </pc:sldMkLst>
-      </pc:sldChg>
-      <pc:sldChg chg="del">
-        <pc:chgData name="Long B Nguyen" userId="f59fb8f3-a021-417a-8bc1-65c8d471c621" providerId="ADAL" clId="{AA9102B5-DACA-D841-B260-AEEBF90FC60A}" dt="2020-01-05T22:05:52.423" v="37" actId="2696"/>
-        <pc:sldMkLst>
-          <pc:docMk/>
-          <pc:sldMk cId="1513627164" sldId="312"/>
-        </pc:sldMkLst>
-      </pc:sldChg>
-      <pc:sldChg chg="del">
-        <pc:chgData name="Long B Nguyen" userId="f59fb8f3-a021-417a-8bc1-65c8d471c621" providerId="ADAL" clId="{AA9102B5-DACA-D841-B260-AEEBF90FC60A}" dt="2020-01-05T22:05:52.231" v="26" actId="2696"/>
-        <pc:sldMkLst>
-          <pc:docMk/>
-          <pc:sldMk cId="2097059918" sldId="313"/>
-        </pc:sldMkLst>
-      </pc:sldChg>
-      <pc:sldChg chg="modSp">
-        <pc:chgData name="Long B Nguyen" userId="f59fb8f3-a021-417a-8bc1-65c8d471c621" providerId="ADAL" clId="{AA9102B5-DACA-D841-B260-AEEBF90FC60A}" dt="2020-01-06T15:37:30.346" v="948" actId="20577"/>
-        <pc:sldMkLst>
-          <pc:docMk/>
-          <pc:sldMk cId="1452600724" sldId="316"/>
+          <pc:sldMk cId="403449732" sldId="302"/>
         </pc:sldMkLst>
         <pc:spChg chg="mod">
-          <ac:chgData name="Long B Nguyen" userId="f59fb8f3-a021-417a-8bc1-65c8d471c621" providerId="ADAL" clId="{AA9102B5-DACA-D841-B260-AEEBF90FC60A}" dt="2020-01-06T15:37:30.346" v="948" actId="20577"/>
+          <ac:chgData name="Long B Nguyen" userId="f59fb8f3-a021-417a-8bc1-65c8d471c621" providerId="ADAL" clId="{03B59D2A-58F7-2C47-BB72-AE152660F162}" dt="2021-06-05T16:00:06.744" v="35" actId="1076"/>
           <ac:spMkLst>
             <pc:docMk/>
-            <pc:sldMk cId="1452600724" sldId="316"/>
+            <pc:sldMk cId="403449732" sldId="302"/>
+            <ac:spMk id="2" creationId="{AA3A228F-61D0-D949-A5E7-F83756230BF8}"/>
+          </ac:spMkLst>
+        </pc:spChg>
+        <pc:spChg chg="mod">
+          <ac:chgData name="Long B Nguyen" userId="f59fb8f3-a021-417a-8bc1-65c8d471c621" providerId="ADAL" clId="{03B59D2A-58F7-2C47-BB72-AE152660F162}" dt="2021-06-05T16:00:22.832" v="50" actId="20577"/>
+          <ac:spMkLst>
+            <pc:docMk/>
+            <pc:sldMk cId="403449732" sldId="302"/>
             <ac:spMk id="9" creationId="{E3B2E017-30B2-884B-A113-B419A2ED51AD}"/>
           </ac:spMkLst>
         </pc:spChg>
       </pc:sldChg>
-      <pc:sldChg chg="del">
-        <pc:chgData name="Long B Nguyen" userId="f59fb8f3-a021-417a-8bc1-65c8d471c621" providerId="ADAL" clId="{AA9102B5-DACA-D841-B260-AEEBF90FC60A}" dt="2020-01-06T15:03:11.354" v="848" actId="2696"/>
+      <pc:sldChg chg="modSp add mod">
+        <pc:chgData name="Long B Nguyen" userId="f59fb8f3-a021-417a-8bc1-65c8d471c621" providerId="ADAL" clId="{03B59D2A-58F7-2C47-BB72-AE152660F162}" dt="2021-06-05T16:00:47.158" v="66" actId="20577"/>
         <pc:sldMkLst>
           <pc:docMk/>
-          <pc:sldMk cId="1787114790" sldId="317"/>
-        </pc:sldMkLst>
-      </pc:sldChg>
-      <pc:sldChg chg="del">
-        <pc:chgData name="Long B Nguyen" userId="f59fb8f3-a021-417a-8bc1-65c8d471c621" providerId="ADAL" clId="{AA9102B5-DACA-D841-B260-AEEBF90FC60A}" dt="2020-01-05T22:06:12.101" v="42" actId="2696"/>
-        <pc:sldMkLst>
-          <pc:docMk/>
-          <pc:sldMk cId="1215229427" sldId="318"/>
-        </pc:sldMkLst>
-      </pc:sldChg>
-      <pc:sldChg chg="modSp">
-        <pc:chgData name="Long B Nguyen" userId="f59fb8f3-a021-417a-8bc1-65c8d471c621" providerId="ADAL" clId="{AA9102B5-DACA-D841-B260-AEEBF90FC60A}" dt="2020-01-06T01:48:03.413" v="110" actId="20577"/>
-        <pc:sldMkLst>
-          <pc:docMk/>
-          <pc:sldMk cId="924617162" sldId="319"/>
+          <pc:sldMk cId="370395365" sldId="306"/>
         </pc:sldMkLst>
         <pc:spChg chg="mod">
-          <ac:chgData name="Long B Nguyen" userId="f59fb8f3-a021-417a-8bc1-65c8d471c621" providerId="ADAL" clId="{AA9102B5-DACA-D841-B260-AEEBF90FC60A}" dt="2020-01-06T01:48:03.413" v="110" actId="20577"/>
+          <ac:chgData name="Long B Nguyen" userId="f59fb8f3-a021-417a-8bc1-65c8d471c621" providerId="ADAL" clId="{03B59D2A-58F7-2C47-BB72-AE152660F162}" dt="2021-06-05T16:00:29.774" v="51" actId="1076"/>
           <ac:spMkLst>
             <pc:docMk/>
-            <pc:sldMk cId="924617162" sldId="319"/>
+            <pc:sldMk cId="370395365" sldId="306"/>
+            <ac:spMk id="2" creationId="{AA3A228F-61D0-D949-A5E7-F83756230BF8}"/>
+          </ac:spMkLst>
+        </pc:spChg>
+        <pc:spChg chg="mod">
+          <ac:chgData name="Long B Nguyen" userId="f59fb8f3-a021-417a-8bc1-65c8d471c621" providerId="ADAL" clId="{03B59D2A-58F7-2C47-BB72-AE152660F162}" dt="2021-06-05T16:00:47.158" v="66" actId="20577"/>
+          <ac:spMkLst>
+            <pc:docMk/>
+            <pc:sldMk cId="370395365" sldId="306"/>
             <ac:spMk id="9" creationId="{E3B2E017-30B2-884B-A113-B419A2ED51AD}"/>
           </ac:spMkLst>
         </pc:spChg>
       </pc:sldChg>
-      <pc:sldChg chg="modSp">
-        <pc:chgData name="Long B Nguyen" userId="f59fb8f3-a021-417a-8bc1-65c8d471c621" providerId="ADAL" clId="{AA9102B5-DACA-D841-B260-AEEBF90FC60A}" dt="2020-01-06T01:56:11.549" v="712" actId="1076"/>
+      <pc:sldChg chg="modSp add mod">
+        <pc:chgData name="Long B Nguyen" userId="f59fb8f3-a021-417a-8bc1-65c8d471c621" providerId="ADAL" clId="{03B59D2A-58F7-2C47-BB72-AE152660F162}" dt="2021-06-05T16:01:06.129" v="84" actId="20577"/>
         <pc:sldMkLst>
           <pc:docMk/>
-          <pc:sldMk cId="1310010799" sldId="324"/>
+          <pc:sldMk cId="224751101" sldId="307"/>
         </pc:sldMkLst>
         <pc:spChg chg="mod">
-          <ac:chgData name="Long B Nguyen" userId="f59fb8f3-a021-417a-8bc1-65c8d471c621" providerId="ADAL" clId="{AA9102B5-DACA-D841-B260-AEEBF90FC60A}" dt="2020-01-06T01:56:11.549" v="712" actId="1076"/>
+          <ac:chgData name="Long B Nguyen" userId="f59fb8f3-a021-417a-8bc1-65c8d471c621" providerId="ADAL" clId="{03B59D2A-58F7-2C47-BB72-AE152660F162}" dt="2021-06-05T16:00:53.536" v="67" actId="1076"/>
           <ac:spMkLst>
             <pc:docMk/>
-            <pc:sldMk cId="1310010799" sldId="324"/>
-            <ac:spMk id="9" creationId="{E3B2E017-30B2-884B-A113-B419A2ED51AD}"/>
-          </ac:spMkLst>
-        </pc:spChg>
-      </pc:sldChg>
-      <pc:sldChg chg="modSp">
-        <pc:chgData name="Long B Nguyen" userId="f59fb8f3-a021-417a-8bc1-65c8d471c621" providerId="ADAL" clId="{AA9102B5-DACA-D841-B260-AEEBF90FC60A}" dt="2020-01-06T15:35:11.658" v="853" actId="20577"/>
-        <pc:sldMkLst>
-          <pc:docMk/>
-          <pc:sldMk cId="3314372952" sldId="325"/>
-        </pc:sldMkLst>
-        <pc:spChg chg="mod">
-          <ac:chgData name="Long B Nguyen" userId="f59fb8f3-a021-417a-8bc1-65c8d471c621" providerId="ADAL" clId="{AA9102B5-DACA-D841-B260-AEEBF90FC60A}" dt="2020-01-06T15:35:11.658" v="853" actId="20577"/>
-          <ac:spMkLst>
-            <pc:docMk/>
-            <pc:sldMk cId="3314372952" sldId="325"/>
+            <pc:sldMk cId="224751101" sldId="307"/>
             <ac:spMk id="2" creationId="{AA3A228F-61D0-D949-A5E7-F83756230BF8}"/>
           </ac:spMkLst>
         </pc:spChg>
         <pc:spChg chg="mod">
-          <ac:chgData name="Long B Nguyen" userId="f59fb8f3-a021-417a-8bc1-65c8d471c621" providerId="ADAL" clId="{AA9102B5-DACA-D841-B260-AEEBF90FC60A}" dt="2020-01-06T15:02:45.351" v="846" actId="20577"/>
+          <ac:chgData name="Long B Nguyen" userId="f59fb8f3-a021-417a-8bc1-65c8d471c621" providerId="ADAL" clId="{03B59D2A-58F7-2C47-BB72-AE152660F162}" dt="2021-06-05T16:01:06.129" v="84" actId="20577"/>
           <ac:spMkLst>
             <pc:docMk/>
-            <pc:sldMk cId="3314372952" sldId="325"/>
+            <pc:sldMk cId="224751101" sldId="307"/>
             <ac:spMk id="9" creationId="{E3B2E017-30B2-884B-A113-B419A2ED51AD}"/>
-          </ac:spMkLst>
-        </pc:spChg>
-      </pc:sldChg>
-      <pc:sldChg chg="del">
-        <pc:chgData name="Long B Nguyen" userId="f59fb8f3-a021-417a-8bc1-65c8d471c621" providerId="ADAL" clId="{AA9102B5-DACA-D841-B260-AEEBF90FC60A}" dt="2020-01-06T15:03:07.580" v="847" actId="2696"/>
-        <pc:sldMkLst>
-          <pc:docMk/>
-          <pc:sldMk cId="3117943122" sldId="326"/>
-        </pc:sldMkLst>
-      </pc:sldChg>
-      <pc:sldChg chg="del">
-        <pc:chgData name="Long B Nguyen" userId="f59fb8f3-a021-417a-8bc1-65c8d471c621" providerId="ADAL" clId="{AA9102B5-DACA-D841-B260-AEEBF90FC60A}" dt="2020-01-06T01:49:27.456" v="111" actId="2696"/>
-        <pc:sldMkLst>
-          <pc:docMk/>
-          <pc:sldMk cId="1025618360" sldId="327"/>
-        </pc:sldMkLst>
-      </pc:sldChg>
-      <pc:sldChg chg="modSp add">
-        <pc:chgData name="Long B Nguyen" userId="f59fb8f3-a021-417a-8bc1-65c8d471c621" providerId="ADAL" clId="{AA9102B5-DACA-D841-B260-AEEBF90FC60A}" dt="2020-01-06T15:00:48.763" v="818" actId="113"/>
-        <pc:sldMkLst>
-          <pc:docMk/>
-          <pc:sldMk cId="1724104636" sldId="327"/>
-        </pc:sldMkLst>
-        <pc:spChg chg="mod">
-          <ac:chgData name="Long B Nguyen" userId="f59fb8f3-a021-417a-8bc1-65c8d471c621" providerId="ADAL" clId="{AA9102B5-DACA-D841-B260-AEEBF90FC60A}" dt="2020-01-06T15:00:48.763" v="818" actId="113"/>
-          <ac:spMkLst>
-            <pc:docMk/>
-            <pc:sldMk cId="1724104636" sldId="327"/>
-            <ac:spMk id="9" creationId="{E3B2E017-30B2-884B-A113-B419A2ED51AD}"/>
-          </ac:spMkLst>
-        </pc:spChg>
-      </pc:sldChg>
-      <pc:sldChg chg="modSp">
-        <pc:chgData name="Long B Nguyen" userId="f59fb8f3-a021-417a-8bc1-65c8d471c621" providerId="ADAL" clId="{AA9102B5-DACA-D841-B260-AEEBF90FC60A}" dt="2020-01-06T01:55:34.369" v="708" actId="20577"/>
-        <pc:sldMkLst>
-          <pc:docMk/>
-          <pc:sldMk cId="4294143140" sldId="329"/>
-        </pc:sldMkLst>
-        <pc:spChg chg="mod">
-          <ac:chgData name="Long B Nguyen" userId="f59fb8f3-a021-417a-8bc1-65c8d471c621" providerId="ADAL" clId="{AA9102B5-DACA-D841-B260-AEEBF90FC60A}" dt="2020-01-06T01:55:34.369" v="708" actId="20577"/>
-          <ac:spMkLst>
-            <pc:docMk/>
-            <pc:sldMk cId="4294143140" sldId="329"/>
-            <ac:spMk id="9" creationId="{E3B2E017-30B2-884B-A113-B419A2ED51AD}"/>
-          </ac:spMkLst>
-        </pc:spChg>
-      </pc:sldChg>
-      <pc:sldChg chg="modSp add">
-        <pc:chgData name="Long B Nguyen" userId="f59fb8f3-a021-417a-8bc1-65c8d471c621" providerId="ADAL" clId="{AA9102B5-DACA-D841-B260-AEEBF90FC60A}" dt="2020-01-06T15:01:01.638" v="819" actId="2711"/>
-        <pc:sldMkLst>
-          <pc:docMk/>
-          <pc:sldMk cId="3594730708" sldId="330"/>
-        </pc:sldMkLst>
-        <pc:spChg chg="mod">
-          <ac:chgData name="Long B Nguyen" userId="f59fb8f3-a021-417a-8bc1-65c8d471c621" providerId="ADAL" clId="{AA9102B5-DACA-D841-B260-AEEBF90FC60A}" dt="2020-01-06T15:01:01.638" v="819" actId="2711"/>
-          <ac:spMkLst>
-            <pc:docMk/>
-            <pc:sldMk cId="3594730708" sldId="330"/>
-            <ac:spMk id="9" creationId="{E3B2E017-30B2-884B-A113-B419A2ED51AD}"/>
-          </ac:spMkLst>
-        </pc:spChg>
-      </pc:sldChg>
-      <pc:sldChg chg="modSp add">
-        <pc:chgData name="Long B Nguyen" userId="f59fb8f3-a021-417a-8bc1-65c8d471c621" providerId="ADAL" clId="{AA9102B5-DACA-D841-B260-AEEBF90FC60A}" dt="2020-01-06T02:00:17.493" v="815" actId="255"/>
-        <pc:sldMkLst>
-          <pc:docMk/>
-          <pc:sldMk cId="3870816631" sldId="331"/>
-        </pc:sldMkLst>
-        <pc:spChg chg="mod">
-          <ac:chgData name="Long B Nguyen" userId="f59fb8f3-a021-417a-8bc1-65c8d471c621" providerId="ADAL" clId="{AA9102B5-DACA-D841-B260-AEEBF90FC60A}" dt="2020-01-06T02:00:17.493" v="815" actId="255"/>
-          <ac:spMkLst>
-            <pc:docMk/>
-            <pc:sldMk cId="3870816631" sldId="331"/>
-            <ac:spMk id="9" creationId="{E3B2E017-30B2-884B-A113-B419A2ED51AD}"/>
-          </ac:spMkLst>
-        </pc:spChg>
-      </pc:sldChg>
-      <pc:sldChg chg="modSp add">
-        <pc:chgData name="Long B Nguyen" userId="f59fb8f3-a021-417a-8bc1-65c8d471c621" providerId="ADAL" clId="{AA9102B5-DACA-D841-B260-AEEBF90FC60A}" dt="2020-01-06T17:07:10.515" v="1519" actId="2711"/>
-        <pc:sldMkLst>
-          <pc:docMk/>
-          <pc:sldMk cId="3124353102" sldId="332"/>
-        </pc:sldMkLst>
-        <pc:spChg chg="mod">
-          <ac:chgData name="Long B Nguyen" userId="f59fb8f3-a021-417a-8bc1-65c8d471c621" providerId="ADAL" clId="{AA9102B5-DACA-D841-B260-AEEBF90FC60A}" dt="2020-01-06T17:03:36.721" v="1332" actId="20577"/>
-          <ac:spMkLst>
-            <pc:docMk/>
-            <pc:sldMk cId="3124353102" sldId="332"/>
-            <ac:spMk id="2" creationId="{AA3A228F-61D0-D949-A5E7-F83756230BF8}"/>
-          </ac:spMkLst>
-        </pc:spChg>
-        <pc:spChg chg="mod">
-          <ac:chgData name="Long B Nguyen" userId="f59fb8f3-a021-417a-8bc1-65c8d471c621" providerId="ADAL" clId="{AA9102B5-DACA-D841-B260-AEEBF90FC60A}" dt="2020-01-06T17:07:10.515" v="1519" actId="2711"/>
-          <ac:spMkLst>
-            <pc:docMk/>
-            <pc:sldMk cId="3124353102" sldId="332"/>
-            <ac:spMk id="9" creationId="{E3B2E017-30B2-884B-A113-B419A2ED51AD}"/>
-          </ac:spMkLst>
-        </pc:spChg>
-      </pc:sldChg>
-    </pc:docChg>
-  </pc:docChgLst>
-  <pc:docChgLst>
-    <pc:chgData name="Long B Nguyen" userId="f59fb8f3-a021-417a-8bc1-65c8d471c621" providerId="ADAL" clId="{B5860C40-AA08-4447-A918-2D2782E0FC0B}"/>
-    <pc:docChg chg="delSld modSld">
-      <pc:chgData name="Long B Nguyen" userId="f59fb8f3-a021-417a-8bc1-65c8d471c621" providerId="ADAL" clId="{B5860C40-AA08-4447-A918-2D2782E0FC0B}" dt="2019-09-16T13:59:20.091" v="35" actId="2696"/>
-      <pc:docMkLst>
-        <pc:docMk/>
-      </pc:docMkLst>
-      <pc:sldChg chg="modSp">
-        <pc:chgData name="Long B Nguyen" userId="f59fb8f3-a021-417a-8bc1-65c8d471c621" providerId="ADAL" clId="{B5860C40-AA08-4447-A918-2D2782E0FC0B}" dt="2019-09-16T13:58:36.640" v="18" actId="20577"/>
-        <pc:sldMkLst>
-          <pc:docMk/>
-          <pc:sldMk cId="4247104139" sldId="256"/>
-        </pc:sldMkLst>
-        <pc:spChg chg="mod">
-          <ac:chgData name="Long B Nguyen" userId="f59fb8f3-a021-417a-8bc1-65c8d471c621" providerId="ADAL" clId="{B5860C40-AA08-4447-A918-2D2782E0FC0B}" dt="2019-09-16T13:58:36.640" v="18" actId="20577"/>
-          <ac:spMkLst>
-            <pc:docMk/>
-            <pc:sldMk cId="4247104139" sldId="256"/>
-            <ac:spMk id="3" creationId="{1BDC47C8-6776-7B44-9CD4-95FC91452D62}"/>
           </ac:spMkLst>
         </pc:spChg>
       </pc:sldChg>
@@ -1794,7 +1796,7 @@
           <a:p>
             <a:fld id="{4AAD347D-5ACD-4C99-B74B-A9C85AD731AF}" type="datetimeFigureOut">
               <a:rPr lang="en-US" smtClean="0"/>
-              <a:t>11/7/21</a:t>
+              <a:t>11/17/21</a:t>
             </a:fld>
             <a:endParaRPr lang="en-US" dirty="0"/>
           </a:p>
@@ -1964,7 +1966,7 @@
           <a:p>
             <a:fld id="{4509A250-FF31-4206-8172-F9D3106AACB1}" type="datetimeFigureOut">
               <a:rPr lang="en-US" smtClean="0"/>
-              <a:t>11/7/21</a:t>
+              <a:t>11/17/21</a:t>
             </a:fld>
             <a:endParaRPr lang="en-US" dirty="0"/>
           </a:p>
@@ -2144,7 +2146,7 @@
           <a:p>
             <a:fld id="{4509A250-FF31-4206-8172-F9D3106AACB1}" type="datetimeFigureOut">
               <a:rPr lang="en-US" smtClean="0"/>
-              <a:t>11/7/21</a:t>
+              <a:t>11/17/21</a:t>
             </a:fld>
             <a:endParaRPr lang="en-US" dirty="0"/>
           </a:p>
@@ -2314,7 +2316,7 @@
           <a:p>
             <a:fld id="{4509A250-FF31-4206-8172-F9D3106AACB1}" type="datetimeFigureOut">
               <a:rPr lang="en-US" smtClean="0"/>
-              <a:t>11/7/21</a:t>
+              <a:t>11/17/21</a:t>
             </a:fld>
             <a:endParaRPr lang="en-US" dirty="0"/>
           </a:p>
@@ -2560,7 +2562,7 @@
           <a:p>
             <a:fld id="{9796027F-7875-4030-9381-8BD8C4F21935}" type="datetimeFigureOut">
               <a:rPr lang="en-US" smtClean="0"/>
-              <a:t>11/7/21</a:t>
+              <a:t>11/17/21</a:t>
             </a:fld>
             <a:endParaRPr lang="en-US" dirty="0"/>
           </a:p>
@@ -2792,7 +2794,7 @@
           <a:p>
             <a:fld id="{9796027F-7875-4030-9381-8BD8C4F21935}" type="datetimeFigureOut">
               <a:rPr lang="en-US" smtClean="0"/>
-              <a:t>11/7/21</a:t>
+              <a:t>11/17/21</a:t>
             </a:fld>
             <a:endParaRPr lang="en-US" dirty="0"/>
           </a:p>
@@ -3159,7 +3161,7 @@
           <a:p>
             <a:fld id="{9796027F-7875-4030-9381-8BD8C4F21935}" type="datetimeFigureOut">
               <a:rPr lang="en-US" smtClean="0"/>
-              <a:t>11/7/21</a:t>
+              <a:t>11/17/21</a:t>
             </a:fld>
             <a:endParaRPr lang="en-US" dirty="0"/>
           </a:p>
@@ -3277,7 +3279,7 @@
           <a:p>
             <a:fld id="{4509A250-FF31-4206-8172-F9D3106AACB1}" type="datetimeFigureOut">
               <a:rPr lang="en-US" smtClean="0"/>
-              <a:t>11/7/21</a:t>
+              <a:t>11/17/21</a:t>
             </a:fld>
             <a:endParaRPr lang="en-US" dirty="0"/>
           </a:p>
@@ -3372,7 +3374,7 @@
           <a:p>
             <a:fld id="{4509A250-FF31-4206-8172-F9D3106AACB1}" type="datetimeFigureOut">
               <a:rPr lang="en-US" smtClean="0"/>
-              <a:t>11/7/21</a:t>
+              <a:t>11/17/21</a:t>
             </a:fld>
             <a:endParaRPr lang="en-US" dirty="0"/>
           </a:p>
@@ -3649,7 +3651,7 @@
           <a:p>
             <a:fld id="{4509A250-FF31-4206-8172-F9D3106AACB1}" type="datetimeFigureOut">
               <a:rPr lang="en-US" smtClean="0"/>
-              <a:t>11/7/21</a:t>
+              <a:t>11/17/21</a:t>
             </a:fld>
             <a:endParaRPr lang="en-US" dirty="0"/>
           </a:p>
@@ -3906,7 +3908,7 @@
           <a:p>
             <a:fld id="{4509A250-FF31-4206-8172-F9D3106AACB1}" type="datetimeFigureOut">
               <a:rPr lang="en-US" smtClean="0"/>
-              <a:t>11/7/21</a:t>
+              <a:t>11/17/21</a:t>
             </a:fld>
             <a:endParaRPr lang="en-US" dirty="0"/>
           </a:p>
@@ -4119,7 +4121,7 @@
           <a:p>
             <a:fld id="{4AAD347D-5ACD-4C99-B74B-A9C85AD731AF}" type="datetimeFigureOut">
               <a:rPr lang="en-US" smtClean="0"/>
-              <a:t>11/7/21</a:t>
+              <a:t>11/17/21</a:t>
             </a:fld>
             <a:endParaRPr lang="en-US" dirty="0"/>
           </a:p>
@@ -7840,6 +7842,3191 @@
         </p:nvSpPr>
         <p:spPr>
           <a:xfrm>
+            <a:off x="170339" y="134008"/>
+            <a:ext cx="7053542" cy="683886"/>
+          </a:xfrm>
+        </p:spPr>
+        <p:txBody>
+          <a:bodyPr/>
+          <a:lstStyle/>
+          <a:p>
+            <a:r>
+              <a:rPr lang="en-US" dirty="0"/>
+              <a:t>Nested Loops</a:t>
+            </a:r>
+          </a:p>
+        </p:txBody>
+      </p:sp>
+      <p:sp>
+        <p:nvSpPr>
+          <p:cNvPr id="9" name="Content Placeholder 8">
+            <a:extLst>
+              <a:ext uri="{FF2B5EF4-FFF2-40B4-BE49-F238E27FC236}">
+                <a16:creationId xmlns:a16="http://schemas.microsoft.com/office/drawing/2014/main" id="{E3B2E017-30B2-884B-A113-B419A2ED51AD}"/>
+              </a:ext>
+            </a:extLst>
+          </p:cNvPr>
+          <p:cNvSpPr>
+            <a:spLocks noGrp="1"/>
+          </p:cNvSpPr>
+          <p:nvPr>
+            <p:ph idx="1"/>
+          </p:nvPr>
+        </p:nvSpPr>
+        <p:spPr>
+          <a:xfrm>
+            <a:off x="170340" y="817895"/>
+            <a:ext cx="8365234" cy="4763098"/>
+          </a:xfrm>
+        </p:spPr>
+        <p:txBody>
+          <a:bodyPr>
+            <a:normAutofit/>
+          </a:bodyPr>
+          <a:lstStyle/>
+          <a:p>
+            <a:pPr marL="0" indent="0">
+              <a:buNone/>
+            </a:pPr>
+            <a:r>
+              <a:rPr lang="en-US" dirty="0">
+                <a:latin typeface="Gill Sans MT" panose="020B0502020104020203" pitchFamily="34" charset="77"/>
+              </a:rPr>
+              <a:t>A </a:t>
+            </a:r>
+            <a:r>
+              <a:rPr lang="en-US" i="1" dirty="0">
+                <a:latin typeface="Gill Sans MT" panose="020B0502020104020203" pitchFamily="34" charset="77"/>
+              </a:rPr>
+              <a:t>nested loop</a:t>
+            </a:r>
+            <a:r>
+              <a:rPr lang="en-US" dirty="0">
+                <a:latin typeface="Gill Sans MT" panose="020B0502020104020203" pitchFamily="34" charset="77"/>
+              </a:rPr>
+              <a:t> is a loop inside of another loop. </a:t>
+            </a:r>
+          </a:p>
+          <a:p>
+            <a:pPr marL="0" indent="0">
+              <a:buNone/>
+            </a:pPr>
+            <a:endParaRPr lang="en-US" dirty="0">
+              <a:latin typeface="Gill Sans MT" panose="020B0502020104020203" pitchFamily="34" charset="77"/>
+            </a:endParaRPr>
+          </a:p>
+          <a:p>
+            <a:pPr marL="0" indent="0">
+              <a:buNone/>
+            </a:pPr>
+            <a:r>
+              <a:rPr lang="en-US" b="1" dirty="0">
+                <a:solidFill>
+                  <a:srgbClr val="006699"/>
+                </a:solidFill>
+                <a:latin typeface="Inconsolata" panose="020B0609030003000000" pitchFamily="49" charset="77"/>
+              </a:rPr>
+              <a:t>for </a:t>
+            </a:r>
+            <a:r>
+              <a:rPr lang="en-US" b="1" dirty="0">
+                <a:solidFill>
+                  <a:srgbClr val="000087"/>
+                </a:solidFill>
+                <a:latin typeface="Inconsolata" panose="020B0609030003000000" pitchFamily="49" charset="77"/>
+              </a:rPr>
+              <a:t>i </a:t>
+            </a:r>
+            <a:r>
+              <a:rPr lang="en-US" b="1" dirty="0">
+                <a:latin typeface="Inconsolata" panose="020B0609030003000000" pitchFamily="49" charset="77"/>
+              </a:rPr>
+              <a:t>in </a:t>
+            </a:r>
+            <a:r>
+              <a:rPr lang="en-US" b="1" dirty="0">
+                <a:solidFill>
+                  <a:srgbClr val="336666"/>
+                </a:solidFill>
+                <a:latin typeface="Inconsolata" panose="020B0609030003000000" pitchFamily="49" charset="77"/>
+              </a:rPr>
+              <a:t>range</a:t>
+            </a:r>
+            <a:r>
+              <a:rPr lang="en-US" b="1" dirty="0">
+                <a:latin typeface="Inconsolata" panose="020B0609030003000000" pitchFamily="49" charset="77"/>
+              </a:rPr>
+              <a:t>(</a:t>
+            </a:r>
+            <a:r>
+              <a:rPr lang="en-US" b="1" dirty="0">
+                <a:solidFill>
+                  <a:srgbClr val="FF6600"/>
+                </a:solidFill>
+                <a:latin typeface="Inconsolata" panose="020B0609030003000000" pitchFamily="49" charset="77"/>
+              </a:rPr>
+              <a:t>1, 4</a:t>
+            </a:r>
+            <a:r>
+              <a:rPr lang="en-US" b="1" dirty="0">
+                <a:latin typeface="Inconsolata" panose="020B0609030003000000" pitchFamily="49" charset="77"/>
+              </a:rPr>
+              <a:t>):</a:t>
+            </a:r>
+          </a:p>
+          <a:p>
+            <a:pPr marL="0" indent="0">
+              <a:buNone/>
+            </a:pPr>
+            <a:r>
+              <a:rPr lang="en-US" b="1" dirty="0">
+                <a:solidFill>
+                  <a:srgbClr val="FF6600"/>
+                </a:solidFill>
+                <a:latin typeface="Inconsolata" panose="020B0609030003000000" pitchFamily="49" charset="77"/>
+              </a:rPr>
+              <a:t>	</a:t>
+            </a:r>
+            <a:r>
+              <a:rPr lang="en-US" b="1" dirty="0">
+                <a:solidFill>
+                  <a:srgbClr val="006699"/>
+                </a:solidFill>
+                <a:latin typeface="Inconsolata" panose="020B0609030003000000" pitchFamily="49" charset="77"/>
+              </a:rPr>
+              <a:t>for </a:t>
+            </a:r>
+            <a:r>
+              <a:rPr lang="en-US" b="1" dirty="0">
+                <a:solidFill>
+                  <a:srgbClr val="000087"/>
+                </a:solidFill>
+                <a:latin typeface="Inconsolata" panose="020B0609030003000000" pitchFamily="49" charset="77"/>
+              </a:rPr>
+              <a:t>j </a:t>
+            </a:r>
+            <a:r>
+              <a:rPr lang="en-US" b="1" dirty="0">
+                <a:latin typeface="Inconsolata" panose="020B0609030003000000" pitchFamily="49" charset="77"/>
+              </a:rPr>
+              <a:t>in </a:t>
+            </a:r>
+            <a:r>
+              <a:rPr lang="en-US" b="1" dirty="0">
+                <a:solidFill>
+                  <a:srgbClr val="336666"/>
+                </a:solidFill>
+                <a:latin typeface="Inconsolata" panose="020B0609030003000000" pitchFamily="49" charset="77"/>
+              </a:rPr>
+              <a:t>range</a:t>
+            </a:r>
+            <a:r>
+              <a:rPr lang="en-US" b="1" dirty="0">
+                <a:latin typeface="Inconsolata" panose="020B0609030003000000" pitchFamily="49" charset="77"/>
+              </a:rPr>
+              <a:t>(</a:t>
+            </a:r>
+            <a:r>
+              <a:rPr lang="en-US" b="1" dirty="0">
+                <a:solidFill>
+                  <a:srgbClr val="FF6600"/>
+                </a:solidFill>
+                <a:latin typeface="Inconsolata" panose="020B0609030003000000" pitchFamily="49" charset="77"/>
+              </a:rPr>
+              <a:t>1, 5</a:t>
+            </a:r>
+            <a:r>
+              <a:rPr lang="en-US" b="1" dirty="0">
+                <a:latin typeface="Inconsolata" panose="020B0609030003000000" pitchFamily="49" charset="77"/>
+              </a:rPr>
+              <a:t>): </a:t>
+            </a:r>
+          </a:p>
+          <a:p>
+            <a:pPr marL="0" indent="0">
+              <a:buNone/>
+            </a:pPr>
+            <a:r>
+              <a:rPr lang="en-US" b="1" dirty="0">
+                <a:solidFill>
+                  <a:srgbClr val="006699"/>
+                </a:solidFill>
+                <a:latin typeface="Inconsolata" panose="020B0609030003000000" pitchFamily="49" charset="77"/>
+              </a:rPr>
+              <a:t>		print</a:t>
+            </a:r>
+            <a:r>
+              <a:rPr lang="en-US" b="1" dirty="0">
+                <a:latin typeface="Inconsolata" panose="020B0609030003000000" pitchFamily="49" charset="77"/>
+              </a:rPr>
+              <a:t>(</a:t>
+            </a:r>
+            <a:r>
+              <a:rPr lang="en-US" b="1" dirty="0" err="1">
+                <a:solidFill>
+                  <a:srgbClr val="000087"/>
+                </a:solidFill>
+                <a:latin typeface="Inconsolata" panose="020B0609030003000000" pitchFamily="49" charset="77"/>
+              </a:rPr>
+              <a:t>i</a:t>
+            </a:r>
+            <a:r>
+              <a:rPr lang="en-US" b="1" dirty="0">
+                <a:solidFill>
+                  <a:srgbClr val="000087"/>
+                </a:solidFill>
+                <a:latin typeface="Inconsolata" panose="020B0609030003000000" pitchFamily="49" charset="77"/>
+              </a:rPr>
+              <a:t> * j</a:t>
+            </a:r>
+            <a:r>
+              <a:rPr lang="en-US" b="1" dirty="0">
+                <a:latin typeface="Inconsolata" panose="020B0609030003000000" pitchFamily="49" charset="77"/>
+              </a:rPr>
+              <a:t>, </a:t>
+            </a:r>
+            <a:r>
+              <a:rPr lang="en-US" b="1" dirty="0">
+                <a:solidFill>
+                  <a:srgbClr val="000087"/>
+                </a:solidFill>
+                <a:latin typeface="Inconsolata" panose="020B0609030003000000" pitchFamily="49" charset="77"/>
+              </a:rPr>
+              <a:t>end</a:t>
+            </a:r>
+            <a:r>
+              <a:rPr lang="en-US" b="1" dirty="0">
+                <a:solidFill>
+                  <a:srgbClr val="545454"/>
+                </a:solidFill>
+                <a:latin typeface="Inconsolata" panose="020B0609030003000000" pitchFamily="49" charset="77"/>
+              </a:rPr>
+              <a:t>=</a:t>
+            </a:r>
+            <a:r>
+              <a:rPr lang="en-US" b="1" dirty="0">
+                <a:solidFill>
+                  <a:srgbClr val="CC3300"/>
+                </a:solidFill>
+                <a:latin typeface="Inconsolata" panose="020B0609030003000000" pitchFamily="49" charset="77"/>
+              </a:rPr>
+              <a:t>‘ ’</a:t>
+            </a:r>
+            <a:r>
+              <a:rPr lang="en-US" b="1" dirty="0">
+                <a:latin typeface="Inconsolata" panose="020B0609030003000000" pitchFamily="49" charset="77"/>
+              </a:rPr>
+              <a:t>) </a:t>
+            </a:r>
+          </a:p>
+          <a:p>
+            <a:pPr marL="0" indent="0">
+              <a:buNone/>
+            </a:pPr>
+            <a:r>
+              <a:rPr lang="en-US" b="1" dirty="0">
+                <a:latin typeface="Inconsolata" panose="020B0609030003000000" pitchFamily="49" charset="77"/>
+              </a:rPr>
+              <a:t>	</a:t>
+            </a:r>
+            <a:r>
+              <a:rPr lang="en-US" b="1" dirty="0">
+                <a:solidFill>
+                  <a:srgbClr val="006699"/>
+                </a:solidFill>
+                <a:latin typeface="Inconsolata" panose="020B0609030003000000" pitchFamily="49" charset="77"/>
+              </a:rPr>
+              <a:t>print</a:t>
+            </a:r>
+            <a:r>
+              <a:rPr lang="en-US" b="1" dirty="0">
+                <a:latin typeface="Inconsolata" panose="020B0609030003000000" pitchFamily="49" charset="77"/>
+              </a:rPr>
+              <a:t>()</a:t>
+            </a:r>
+          </a:p>
+          <a:p>
+            <a:pPr marL="0" indent="0">
+              <a:buNone/>
+            </a:pPr>
+            <a:endParaRPr lang="en-US" dirty="0"/>
+          </a:p>
+          <a:p>
+            <a:pPr marL="0" indent="0">
+              <a:buNone/>
+            </a:pPr>
+            <a:r>
+              <a:rPr lang="en-US" b="1" dirty="0">
+                <a:latin typeface="Inconsolata" panose="020B0609030003000000" pitchFamily="49" charset="77"/>
+              </a:rPr>
+              <a:t>1 2 3 4 </a:t>
+            </a:r>
+          </a:p>
+          <a:p>
+            <a:pPr marL="0" indent="0">
+              <a:buNone/>
+            </a:pPr>
+            <a:r>
+              <a:rPr lang="en-US" b="1" dirty="0">
+                <a:latin typeface="Inconsolata" panose="020B0609030003000000" pitchFamily="49" charset="77"/>
+              </a:rPr>
+              <a:t>2 4 6 8 </a:t>
+            </a:r>
+          </a:p>
+          <a:p>
+            <a:pPr marL="0" indent="0">
+              <a:buNone/>
+            </a:pPr>
+            <a:r>
+              <a:rPr lang="en-US" b="1" dirty="0">
+                <a:latin typeface="Inconsolata" panose="020B0609030003000000" pitchFamily="49" charset="77"/>
+              </a:rPr>
+              <a:t>3 6 9 12 </a:t>
+            </a:r>
+            <a:endParaRPr lang="en-US" sz="2100" b="1" dirty="0">
+              <a:solidFill>
+                <a:srgbClr val="000087"/>
+              </a:solidFill>
+              <a:latin typeface="Inconsolata" panose="020B0609030003000000" pitchFamily="49" charset="77"/>
+            </a:endParaRPr>
+          </a:p>
+        </p:txBody>
+      </p:sp>
+    </p:spTree>
+    <p:extLst>
+      <p:ext uri="{BB962C8B-B14F-4D97-AF65-F5344CB8AC3E}">
+        <p14:creationId xmlns:p14="http://schemas.microsoft.com/office/powerpoint/2010/main" val="403449732"/>
+      </p:ext>
+    </p:extLst>
+  </p:cSld>
+  <p:clrMapOvr>
+    <a:masterClrMapping/>
+  </p:clrMapOvr>
+  <p:timing>
+    <p:tnLst>
+      <p:par>
+        <p:cTn id="1" dur="indefinite" restart="never" nodeType="tmRoot">
+          <p:childTnLst>
+            <p:seq concurrent="1" nextAc="seek">
+              <p:cTn id="2" dur="indefinite" nodeType="mainSeq">
+                <p:childTnLst>
+                  <p:par>
+                    <p:cTn id="3" fill="hold">
+                      <p:stCondLst>
+                        <p:cond delay="indefinite"/>
+                      </p:stCondLst>
+                      <p:childTnLst>
+                        <p:par>
+                          <p:cTn id="4" fill="hold">
+                            <p:stCondLst>
+                              <p:cond delay="0"/>
+                            </p:stCondLst>
+                            <p:childTnLst>
+                              <p:par>
+                                <p:cTn id="5" presetID="1" presetClass="entr" presetSubtype="0" fill="hold" nodeType="clickEffect">
+                                  <p:stCondLst>
+                                    <p:cond delay="0"/>
+                                  </p:stCondLst>
+                                  <p:childTnLst>
+                                    <p:set>
+                                      <p:cBhvr>
+                                        <p:cTn id="6" dur="1" fill="hold">
+                                          <p:stCondLst>
+                                            <p:cond delay="0"/>
+                                          </p:stCondLst>
+                                        </p:cTn>
+                                        <p:tgtEl>
+                                          <p:spTgt spid="9">
+                                            <p:txEl>
+                                              <p:pRg st="2" end="2"/>
+                                            </p:txEl>
+                                          </p:spTgt>
+                                        </p:tgtEl>
+                                        <p:attrNameLst>
+                                          <p:attrName>style.visibility</p:attrName>
+                                        </p:attrNameLst>
+                                      </p:cBhvr>
+                                      <p:to>
+                                        <p:strVal val="visible"/>
+                                      </p:to>
+                                    </p:set>
+                                  </p:childTnLst>
+                                </p:cTn>
+                              </p:par>
+                              <p:par>
+                                <p:cTn id="7" presetID="1" presetClass="entr" presetSubtype="0" fill="hold" nodeType="withEffect">
+                                  <p:stCondLst>
+                                    <p:cond delay="0"/>
+                                  </p:stCondLst>
+                                  <p:childTnLst>
+                                    <p:set>
+                                      <p:cBhvr>
+                                        <p:cTn id="8" dur="1" fill="hold">
+                                          <p:stCondLst>
+                                            <p:cond delay="0"/>
+                                          </p:stCondLst>
+                                        </p:cTn>
+                                        <p:tgtEl>
+                                          <p:spTgt spid="9">
+                                            <p:txEl>
+                                              <p:pRg st="3" end="3"/>
+                                            </p:txEl>
+                                          </p:spTgt>
+                                        </p:tgtEl>
+                                        <p:attrNameLst>
+                                          <p:attrName>style.visibility</p:attrName>
+                                        </p:attrNameLst>
+                                      </p:cBhvr>
+                                      <p:to>
+                                        <p:strVal val="visible"/>
+                                      </p:to>
+                                    </p:set>
+                                  </p:childTnLst>
+                                </p:cTn>
+                              </p:par>
+                              <p:par>
+                                <p:cTn id="9" presetID="1" presetClass="entr" presetSubtype="0" fill="hold" nodeType="withEffect">
+                                  <p:stCondLst>
+                                    <p:cond delay="0"/>
+                                  </p:stCondLst>
+                                  <p:childTnLst>
+                                    <p:set>
+                                      <p:cBhvr>
+                                        <p:cTn id="10" dur="1" fill="hold">
+                                          <p:stCondLst>
+                                            <p:cond delay="0"/>
+                                          </p:stCondLst>
+                                        </p:cTn>
+                                        <p:tgtEl>
+                                          <p:spTgt spid="9">
+                                            <p:txEl>
+                                              <p:pRg st="4" end="4"/>
+                                            </p:txEl>
+                                          </p:spTgt>
+                                        </p:tgtEl>
+                                        <p:attrNameLst>
+                                          <p:attrName>style.visibility</p:attrName>
+                                        </p:attrNameLst>
+                                      </p:cBhvr>
+                                      <p:to>
+                                        <p:strVal val="visible"/>
+                                      </p:to>
+                                    </p:set>
+                                  </p:childTnLst>
+                                </p:cTn>
+                              </p:par>
+                              <p:par>
+                                <p:cTn id="11" presetID="1" presetClass="entr" presetSubtype="0" fill="hold" nodeType="withEffect">
+                                  <p:stCondLst>
+                                    <p:cond delay="0"/>
+                                  </p:stCondLst>
+                                  <p:childTnLst>
+                                    <p:set>
+                                      <p:cBhvr>
+                                        <p:cTn id="12" dur="1" fill="hold">
+                                          <p:stCondLst>
+                                            <p:cond delay="0"/>
+                                          </p:stCondLst>
+                                        </p:cTn>
+                                        <p:tgtEl>
+                                          <p:spTgt spid="9">
+                                            <p:txEl>
+                                              <p:pRg st="5" end="5"/>
+                                            </p:txEl>
+                                          </p:spTgt>
+                                        </p:tgtEl>
+                                        <p:attrNameLst>
+                                          <p:attrName>style.visibility</p:attrName>
+                                        </p:attrNameLst>
+                                      </p:cBhvr>
+                                      <p:to>
+                                        <p:strVal val="visible"/>
+                                      </p:to>
+                                    </p:set>
+                                  </p:childTnLst>
+                                </p:cTn>
+                              </p:par>
+                            </p:childTnLst>
+                          </p:cTn>
+                        </p:par>
+                      </p:childTnLst>
+                    </p:cTn>
+                  </p:par>
+                  <p:par>
+                    <p:cTn id="13" fill="hold">
+                      <p:stCondLst>
+                        <p:cond delay="indefinite"/>
+                      </p:stCondLst>
+                      <p:childTnLst>
+                        <p:par>
+                          <p:cTn id="14" fill="hold">
+                            <p:stCondLst>
+                              <p:cond delay="0"/>
+                            </p:stCondLst>
+                            <p:childTnLst>
+                              <p:par>
+                                <p:cTn id="15" presetID="1" presetClass="entr" presetSubtype="0" fill="hold" nodeType="clickEffect">
+                                  <p:stCondLst>
+                                    <p:cond delay="0"/>
+                                  </p:stCondLst>
+                                  <p:childTnLst>
+                                    <p:set>
+                                      <p:cBhvr>
+                                        <p:cTn id="16" dur="1" fill="hold">
+                                          <p:stCondLst>
+                                            <p:cond delay="0"/>
+                                          </p:stCondLst>
+                                        </p:cTn>
+                                        <p:tgtEl>
+                                          <p:spTgt spid="9">
+                                            <p:txEl>
+                                              <p:pRg st="7" end="7"/>
+                                            </p:txEl>
+                                          </p:spTgt>
+                                        </p:tgtEl>
+                                        <p:attrNameLst>
+                                          <p:attrName>style.visibility</p:attrName>
+                                        </p:attrNameLst>
+                                      </p:cBhvr>
+                                      <p:to>
+                                        <p:strVal val="visible"/>
+                                      </p:to>
+                                    </p:set>
+                                  </p:childTnLst>
+                                </p:cTn>
+                              </p:par>
+                              <p:par>
+                                <p:cTn id="17" presetID="1" presetClass="entr" presetSubtype="0" fill="hold" nodeType="withEffect">
+                                  <p:stCondLst>
+                                    <p:cond delay="0"/>
+                                  </p:stCondLst>
+                                  <p:childTnLst>
+                                    <p:set>
+                                      <p:cBhvr>
+                                        <p:cTn id="18" dur="1" fill="hold">
+                                          <p:stCondLst>
+                                            <p:cond delay="0"/>
+                                          </p:stCondLst>
+                                        </p:cTn>
+                                        <p:tgtEl>
+                                          <p:spTgt spid="9">
+                                            <p:txEl>
+                                              <p:pRg st="8" end="8"/>
+                                            </p:txEl>
+                                          </p:spTgt>
+                                        </p:tgtEl>
+                                        <p:attrNameLst>
+                                          <p:attrName>style.visibility</p:attrName>
+                                        </p:attrNameLst>
+                                      </p:cBhvr>
+                                      <p:to>
+                                        <p:strVal val="visible"/>
+                                      </p:to>
+                                    </p:set>
+                                  </p:childTnLst>
+                                </p:cTn>
+                              </p:par>
+                              <p:par>
+                                <p:cTn id="19" presetID="1" presetClass="entr" presetSubtype="0" fill="hold" nodeType="withEffect">
+                                  <p:stCondLst>
+                                    <p:cond delay="0"/>
+                                  </p:stCondLst>
+                                  <p:childTnLst>
+                                    <p:set>
+                                      <p:cBhvr>
+                                        <p:cTn id="20" dur="1" fill="hold">
+                                          <p:stCondLst>
+                                            <p:cond delay="0"/>
+                                          </p:stCondLst>
+                                        </p:cTn>
+                                        <p:tgtEl>
+                                          <p:spTgt spid="9">
+                                            <p:txEl>
+                                              <p:pRg st="9" end="9"/>
+                                            </p:txEl>
+                                          </p:spTgt>
+                                        </p:tgtEl>
+                                        <p:attrNameLst>
+                                          <p:attrName>style.visibility</p:attrName>
+                                        </p:attrNameLst>
+                                      </p:cBhvr>
+                                      <p:to>
+                                        <p:strVal val="visible"/>
+                                      </p:to>
+                                    </p:set>
+                                  </p:childTnLst>
+                                </p:cTn>
+                              </p:par>
+                            </p:childTnLst>
+                          </p:cTn>
+                        </p:par>
+                      </p:childTnLst>
+                    </p:cTn>
+                  </p:par>
+                </p:childTnLst>
+              </p:cTn>
+              <p:prevCondLst>
+                <p:cond evt="onPrev" delay="0">
+                  <p:tgtEl>
+                    <p:sldTgt/>
+                  </p:tgtEl>
+                </p:cond>
+              </p:prevCondLst>
+              <p:nextCondLst>
+                <p:cond evt="onNext" delay="0">
+                  <p:tgtEl>
+                    <p:sldTgt/>
+                  </p:tgtEl>
+                </p:cond>
+              </p:nextCondLst>
+            </p:seq>
+          </p:childTnLst>
+        </p:cTn>
+      </p:par>
+    </p:tnLst>
+  </p:timing>
+</p:sld>
+</file>
+
+<file path=ppt/slides/slide15.xml><?xml version="1.0" encoding="utf-8"?>
+<p:sld xmlns:a="http://schemas.openxmlformats.org/drawingml/2006/main" xmlns:r="http://schemas.openxmlformats.org/officeDocument/2006/relationships" xmlns:p="http://schemas.openxmlformats.org/presentationml/2006/main">
+  <p:cSld>
+    <p:spTree>
+      <p:nvGrpSpPr>
+        <p:cNvPr id="1" name=""/>
+        <p:cNvGrpSpPr/>
+        <p:nvPr/>
+      </p:nvGrpSpPr>
+      <p:grpSpPr>
+        <a:xfrm>
+          <a:off x="0" y="0"/>
+          <a:ext cx="0" cy="0"/>
+          <a:chOff x="0" y="0"/>
+          <a:chExt cx="0" cy="0"/>
+        </a:xfrm>
+      </p:grpSpPr>
+      <p:sp>
+        <p:nvSpPr>
+          <p:cNvPr id="2" name="Title 1">
+            <a:extLst>
+              <a:ext uri="{FF2B5EF4-FFF2-40B4-BE49-F238E27FC236}">
+                <a16:creationId xmlns:a16="http://schemas.microsoft.com/office/drawing/2014/main" id="{AA3A228F-61D0-D949-A5E7-F83756230BF8}"/>
+              </a:ext>
+            </a:extLst>
+          </p:cNvPr>
+          <p:cNvSpPr>
+            <a:spLocks noGrp="1"/>
+          </p:cNvSpPr>
+          <p:nvPr>
+            <p:ph type="title"/>
+          </p:nvPr>
+        </p:nvSpPr>
+        <p:spPr>
+          <a:xfrm>
+            <a:off x="100671" y="134008"/>
+            <a:ext cx="7053542" cy="683886"/>
+          </a:xfrm>
+        </p:spPr>
+        <p:txBody>
+          <a:bodyPr/>
+          <a:lstStyle/>
+          <a:p>
+            <a:r>
+              <a:rPr lang="en-US" dirty="0"/>
+              <a:t>Nested Loops Example 1</a:t>
+            </a:r>
+          </a:p>
+        </p:txBody>
+      </p:sp>
+      <p:sp>
+        <p:nvSpPr>
+          <p:cNvPr id="9" name="Content Placeholder 8">
+            <a:extLst>
+              <a:ext uri="{FF2B5EF4-FFF2-40B4-BE49-F238E27FC236}">
+                <a16:creationId xmlns:a16="http://schemas.microsoft.com/office/drawing/2014/main" id="{E3B2E017-30B2-884B-A113-B419A2ED51AD}"/>
+              </a:ext>
+            </a:extLst>
+          </p:cNvPr>
+          <p:cNvSpPr>
+            <a:spLocks noGrp="1"/>
+          </p:cNvSpPr>
+          <p:nvPr>
+            <p:ph idx="1"/>
+          </p:nvPr>
+        </p:nvSpPr>
+        <p:spPr>
+          <a:xfrm>
+            <a:off x="200298" y="817895"/>
+            <a:ext cx="8335276" cy="4763098"/>
+          </a:xfrm>
+        </p:spPr>
+        <p:txBody>
+          <a:bodyPr>
+            <a:normAutofit/>
+          </a:bodyPr>
+          <a:lstStyle/>
+          <a:p>
+            <a:pPr marL="0" indent="0">
+              <a:buNone/>
+            </a:pPr>
+            <a:endParaRPr lang="en-US" dirty="0">
+              <a:latin typeface="Gill Sans MT" panose="020B0502020104020203" pitchFamily="34" charset="77"/>
+            </a:endParaRPr>
+          </a:p>
+          <a:p>
+            <a:pPr marL="0" indent="0">
+              <a:buNone/>
+            </a:pPr>
+            <a:r>
+              <a:rPr lang="en-US" b="1" dirty="0">
+                <a:solidFill>
+                  <a:srgbClr val="006699"/>
+                </a:solidFill>
+                <a:latin typeface="Inconsolata" panose="020B0609030003000000" pitchFamily="49" charset="77"/>
+              </a:rPr>
+              <a:t>for </a:t>
+            </a:r>
+            <a:r>
+              <a:rPr lang="en-US" b="1" dirty="0">
+                <a:solidFill>
+                  <a:srgbClr val="000087"/>
+                </a:solidFill>
+                <a:latin typeface="Inconsolata" panose="020B0609030003000000" pitchFamily="49" charset="77"/>
+              </a:rPr>
+              <a:t>i </a:t>
+            </a:r>
+            <a:r>
+              <a:rPr lang="en-US" b="1" dirty="0">
+                <a:latin typeface="Inconsolata" panose="020B0609030003000000" pitchFamily="49" charset="77"/>
+              </a:rPr>
+              <a:t>in </a:t>
+            </a:r>
+            <a:r>
+              <a:rPr lang="en-US" b="1" dirty="0">
+                <a:solidFill>
+                  <a:srgbClr val="336666"/>
+                </a:solidFill>
+                <a:latin typeface="Inconsolata" panose="020B0609030003000000" pitchFamily="49" charset="77"/>
+              </a:rPr>
+              <a:t>range</a:t>
+            </a:r>
+            <a:r>
+              <a:rPr lang="en-US" b="1" dirty="0">
+                <a:latin typeface="Inconsolata" panose="020B0609030003000000" pitchFamily="49" charset="77"/>
+              </a:rPr>
+              <a:t>(</a:t>
+            </a:r>
+            <a:r>
+              <a:rPr lang="en-US" b="1" dirty="0">
+                <a:solidFill>
+                  <a:srgbClr val="FF6600"/>
+                </a:solidFill>
+                <a:latin typeface="Inconsolata" panose="020B0609030003000000" pitchFamily="49" charset="77"/>
+              </a:rPr>
+              <a:t>1, 6</a:t>
+            </a:r>
+            <a:r>
+              <a:rPr lang="en-US" b="1" dirty="0">
+                <a:latin typeface="Inconsolata" panose="020B0609030003000000" pitchFamily="49" charset="77"/>
+              </a:rPr>
+              <a:t>):</a:t>
+            </a:r>
+          </a:p>
+          <a:p>
+            <a:pPr marL="0" indent="0">
+              <a:buNone/>
+            </a:pPr>
+            <a:r>
+              <a:rPr lang="en-US" b="1" dirty="0">
+                <a:solidFill>
+                  <a:srgbClr val="FF6600"/>
+                </a:solidFill>
+                <a:latin typeface="Inconsolata" panose="020B0609030003000000" pitchFamily="49" charset="77"/>
+              </a:rPr>
+              <a:t>	</a:t>
+            </a:r>
+            <a:r>
+              <a:rPr lang="en-US" b="1" dirty="0">
+                <a:solidFill>
+                  <a:srgbClr val="006699"/>
+                </a:solidFill>
+                <a:latin typeface="Inconsolata" panose="020B0609030003000000" pitchFamily="49" charset="77"/>
+              </a:rPr>
+              <a:t>for </a:t>
+            </a:r>
+            <a:r>
+              <a:rPr lang="en-US" b="1" dirty="0">
+                <a:solidFill>
+                  <a:srgbClr val="000087"/>
+                </a:solidFill>
+                <a:latin typeface="Inconsolata" panose="020B0609030003000000" pitchFamily="49" charset="77"/>
+              </a:rPr>
+              <a:t>j </a:t>
+            </a:r>
+            <a:r>
+              <a:rPr lang="en-US" b="1" dirty="0">
+                <a:latin typeface="Inconsolata" panose="020B0609030003000000" pitchFamily="49" charset="77"/>
+              </a:rPr>
+              <a:t>in </a:t>
+            </a:r>
+            <a:r>
+              <a:rPr lang="en-US" b="1" dirty="0">
+                <a:solidFill>
+                  <a:srgbClr val="336666"/>
+                </a:solidFill>
+                <a:latin typeface="Inconsolata" panose="020B0609030003000000" pitchFamily="49" charset="77"/>
+              </a:rPr>
+              <a:t>range</a:t>
+            </a:r>
+            <a:r>
+              <a:rPr lang="en-US" b="1" dirty="0">
+                <a:latin typeface="Inconsolata" panose="020B0609030003000000" pitchFamily="49" charset="77"/>
+              </a:rPr>
+              <a:t>(</a:t>
+            </a:r>
+            <a:r>
+              <a:rPr lang="en-US" b="1" dirty="0">
+                <a:solidFill>
+                  <a:srgbClr val="FF6600"/>
+                </a:solidFill>
+                <a:latin typeface="Inconsolata" panose="020B0609030003000000" pitchFamily="49" charset="77"/>
+              </a:rPr>
+              <a:t>1, i+1</a:t>
+            </a:r>
+            <a:r>
+              <a:rPr lang="en-US" b="1" dirty="0">
+                <a:latin typeface="Inconsolata" panose="020B0609030003000000" pitchFamily="49" charset="77"/>
+              </a:rPr>
+              <a:t>): </a:t>
+            </a:r>
+          </a:p>
+          <a:p>
+            <a:pPr marL="0" indent="0">
+              <a:buNone/>
+            </a:pPr>
+            <a:r>
+              <a:rPr lang="en-US" b="1" dirty="0">
+                <a:solidFill>
+                  <a:srgbClr val="006699"/>
+                </a:solidFill>
+                <a:latin typeface="Inconsolata" panose="020B0609030003000000" pitchFamily="49" charset="77"/>
+              </a:rPr>
+              <a:t>		print</a:t>
+            </a:r>
+            <a:r>
+              <a:rPr lang="en-US" b="1" dirty="0">
+                <a:latin typeface="Inconsolata" panose="020B0609030003000000" pitchFamily="49" charset="77"/>
+              </a:rPr>
+              <a:t>(j, </a:t>
+            </a:r>
+            <a:r>
+              <a:rPr lang="en-US" b="1" dirty="0">
+                <a:solidFill>
+                  <a:srgbClr val="000087"/>
+                </a:solidFill>
+                <a:latin typeface="Inconsolata" panose="020B0609030003000000" pitchFamily="49" charset="77"/>
+              </a:rPr>
+              <a:t>end</a:t>
+            </a:r>
+            <a:r>
+              <a:rPr lang="en-US" b="1" dirty="0">
+                <a:solidFill>
+                  <a:srgbClr val="545454"/>
+                </a:solidFill>
+                <a:latin typeface="Inconsolata" panose="020B0609030003000000" pitchFamily="49" charset="77"/>
+              </a:rPr>
+              <a:t>=</a:t>
+            </a:r>
+            <a:r>
+              <a:rPr lang="en-US" b="1" dirty="0">
+                <a:solidFill>
+                  <a:srgbClr val="CC3300"/>
+                </a:solidFill>
+                <a:latin typeface="Inconsolata" panose="020B0609030003000000" pitchFamily="49" charset="77"/>
+              </a:rPr>
+              <a:t>‘ ’</a:t>
+            </a:r>
+            <a:r>
+              <a:rPr lang="en-US" b="1" dirty="0">
+                <a:latin typeface="Inconsolata" panose="020B0609030003000000" pitchFamily="49" charset="77"/>
+              </a:rPr>
+              <a:t>) </a:t>
+            </a:r>
+          </a:p>
+          <a:p>
+            <a:pPr marL="0" indent="0">
+              <a:buNone/>
+            </a:pPr>
+            <a:r>
+              <a:rPr lang="en-US" b="1" dirty="0">
+                <a:latin typeface="Inconsolata" panose="020B0609030003000000" pitchFamily="49" charset="77"/>
+              </a:rPr>
+              <a:t>	</a:t>
+            </a:r>
+            <a:r>
+              <a:rPr lang="en-US" b="1" dirty="0">
+                <a:solidFill>
+                  <a:srgbClr val="006699"/>
+                </a:solidFill>
+                <a:latin typeface="Inconsolata" panose="020B0609030003000000" pitchFamily="49" charset="77"/>
+              </a:rPr>
+              <a:t>print</a:t>
+            </a:r>
+            <a:r>
+              <a:rPr lang="en-US" b="1" dirty="0">
+                <a:latin typeface="Inconsolata" panose="020B0609030003000000" pitchFamily="49" charset="77"/>
+              </a:rPr>
+              <a:t>()</a:t>
+            </a:r>
+          </a:p>
+          <a:p>
+            <a:pPr marL="0" indent="0">
+              <a:buNone/>
+            </a:pPr>
+            <a:endParaRPr lang="en-US" dirty="0"/>
+          </a:p>
+          <a:p>
+            <a:pPr marL="0" indent="0">
+              <a:buNone/>
+            </a:pPr>
+            <a:r>
+              <a:rPr lang="en-US" b="1" dirty="0">
+                <a:latin typeface="Inconsolata" panose="020B0609030003000000" pitchFamily="49" charset="77"/>
+              </a:rPr>
+              <a:t>1  </a:t>
+            </a:r>
+          </a:p>
+          <a:p>
+            <a:pPr marL="0" indent="0">
+              <a:buNone/>
+            </a:pPr>
+            <a:r>
+              <a:rPr lang="en-US" b="1" dirty="0">
+                <a:latin typeface="Inconsolata" panose="020B0609030003000000" pitchFamily="49" charset="77"/>
+              </a:rPr>
+              <a:t>1 2 </a:t>
+            </a:r>
+          </a:p>
+          <a:p>
+            <a:pPr marL="0" indent="0">
+              <a:buNone/>
+            </a:pPr>
+            <a:r>
+              <a:rPr lang="en-US" sz="2100" b="1" dirty="0">
+                <a:latin typeface="Inconsolata" panose="020B0609030003000000" pitchFamily="49" charset="77"/>
+              </a:rPr>
+              <a:t>1 2 3</a:t>
+            </a:r>
+          </a:p>
+          <a:p>
+            <a:pPr marL="0" indent="0">
+              <a:buNone/>
+            </a:pPr>
+            <a:r>
+              <a:rPr lang="en-US" b="1" dirty="0">
+                <a:latin typeface="Inconsolata" panose="020B0609030003000000" pitchFamily="49" charset="77"/>
+              </a:rPr>
+              <a:t>1 2 3 4 </a:t>
+            </a:r>
+          </a:p>
+          <a:p>
+            <a:pPr marL="0" indent="0">
+              <a:buNone/>
+            </a:pPr>
+            <a:r>
+              <a:rPr lang="en-US" sz="2100" b="1" dirty="0">
+                <a:latin typeface="Inconsolata" panose="020B0609030003000000" pitchFamily="49" charset="77"/>
+              </a:rPr>
+              <a:t>1 2 3 4 5</a:t>
+            </a:r>
+          </a:p>
+        </p:txBody>
+      </p:sp>
+    </p:spTree>
+    <p:extLst>
+      <p:ext uri="{BB962C8B-B14F-4D97-AF65-F5344CB8AC3E}">
+        <p14:creationId xmlns:p14="http://schemas.microsoft.com/office/powerpoint/2010/main" val="370395365"/>
+      </p:ext>
+    </p:extLst>
+  </p:cSld>
+  <p:clrMapOvr>
+    <a:masterClrMapping/>
+  </p:clrMapOvr>
+  <p:timing>
+    <p:tnLst>
+      <p:par>
+        <p:cTn id="1" dur="indefinite" restart="never" nodeType="tmRoot">
+          <p:childTnLst>
+            <p:seq concurrent="1" nextAc="seek">
+              <p:cTn id="2" dur="indefinite" nodeType="mainSeq">
+                <p:childTnLst>
+                  <p:par>
+                    <p:cTn id="3" fill="hold">
+                      <p:stCondLst>
+                        <p:cond delay="indefinite"/>
+                      </p:stCondLst>
+                      <p:childTnLst>
+                        <p:par>
+                          <p:cTn id="4" fill="hold">
+                            <p:stCondLst>
+                              <p:cond delay="0"/>
+                            </p:stCondLst>
+                            <p:childTnLst>
+                              <p:par>
+                                <p:cTn id="5" presetID="1" presetClass="entr" presetSubtype="0" fill="hold" nodeType="clickEffect">
+                                  <p:stCondLst>
+                                    <p:cond delay="0"/>
+                                  </p:stCondLst>
+                                  <p:childTnLst>
+                                    <p:set>
+                                      <p:cBhvr>
+                                        <p:cTn id="6" dur="1" fill="hold">
+                                          <p:stCondLst>
+                                            <p:cond delay="0"/>
+                                          </p:stCondLst>
+                                        </p:cTn>
+                                        <p:tgtEl>
+                                          <p:spTgt spid="9">
+                                            <p:txEl>
+                                              <p:pRg st="6" end="6"/>
+                                            </p:txEl>
+                                          </p:spTgt>
+                                        </p:tgtEl>
+                                        <p:attrNameLst>
+                                          <p:attrName>style.visibility</p:attrName>
+                                        </p:attrNameLst>
+                                      </p:cBhvr>
+                                      <p:to>
+                                        <p:strVal val="visible"/>
+                                      </p:to>
+                                    </p:set>
+                                  </p:childTnLst>
+                                </p:cTn>
+                              </p:par>
+                              <p:par>
+                                <p:cTn id="7" presetID="1" presetClass="entr" presetSubtype="0" fill="hold" nodeType="withEffect">
+                                  <p:stCondLst>
+                                    <p:cond delay="0"/>
+                                  </p:stCondLst>
+                                  <p:childTnLst>
+                                    <p:set>
+                                      <p:cBhvr>
+                                        <p:cTn id="8" dur="1" fill="hold">
+                                          <p:stCondLst>
+                                            <p:cond delay="0"/>
+                                          </p:stCondLst>
+                                        </p:cTn>
+                                        <p:tgtEl>
+                                          <p:spTgt spid="9">
+                                            <p:txEl>
+                                              <p:pRg st="7" end="7"/>
+                                            </p:txEl>
+                                          </p:spTgt>
+                                        </p:tgtEl>
+                                        <p:attrNameLst>
+                                          <p:attrName>style.visibility</p:attrName>
+                                        </p:attrNameLst>
+                                      </p:cBhvr>
+                                      <p:to>
+                                        <p:strVal val="visible"/>
+                                      </p:to>
+                                    </p:set>
+                                  </p:childTnLst>
+                                </p:cTn>
+                              </p:par>
+                              <p:par>
+                                <p:cTn id="9" presetID="1" presetClass="entr" presetSubtype="0" fill="hold" nodeType="withEffect">
+                                  <p:stCondLst>
+                                    <p:cond delay="0"/>
+                                  </p:stCondLst>
+                                  <p:childTnLst>
+                                    <p:set>
+                                      <p:cBhvr>
+                                        <p:cTn id="10" dur="1" fill="hold">
+                                          <p:stCondLst>
+                                            <p:cond delay="0"/>
+                                          </p:stCondLst>
+                                        </p:cTn>
+                                        <p:tgtEl>
+                                          <p:spTgt spid="9">
+                                            <p:txEl>
+                                              <p:pRg st="8" end="8"/>
+                                            </p:txEl>
+                                          </p:spTgt>
+                                        </p:tgtEl>
+                                        <p:attrNameLst>
+                                          <p:attrName>style.visibility</p:attrName>
+                                        </p:attrNameLst>
+                                      </p:cBhvr>
+                                      <p:to>
+                                        <p:strVal val="visible"/>
+                                      </p:to>
+                                    </p:set>
+                                  </p:childTnLst>
+                                </p:cTn>
+                              </p:par>
+                              <p:par>
+                                <p:cTn id="11" presetID="1" presetClass="entr" presetSubtype="0" fill="hold" nodeType="withEffect">
+                                  <p:stCondLst>
+                                    <p:cond delay="0"/>
+                                  </p:stCondLst>
+                                  <p:childTnLst>
+                                    <p:set>
+                                      <p:cBhvr>
+                                        <p:cTn id="12" dur="1" fill="hold">
+                                          <p:stCondLst>
+                                            <p:cond delay="0"/>
+                                          </p:stCondLst>
+                                        </p:cTn>
+                                        <p:tgtEl>
+                                          <p:spTgt spid="9">
+                                            <p:txEl>
+                                              <p:pRg st="9" end="9"/>
+                                            </p:txEl>
+                                          </p:spTgt>
+                                        </p:tgtEl>
+                                        <p:attrNameLst>
+                                          <p:attrName>style.visibility</p:attrName>
+                                        </p:attrNameLst>
+                                      </p:cBhvr>
+                                      <p:to>
+                                        <p:strVal val="visible"/>
+                                      </p:to>
+                                    </p:set>
+                                  </p:childTnLst>
+                                </p:cTn>
+                              </p:par>
+                              <p:par>
+                                <p:cTn id="13" presetID="1" presetClass="entr" presetSubtype="0" fill="hold" nodeType="withEffect">
+                                  <p:stCondLst>
+                                    <p:cond delay="0"/>
+                                  </p:stCondLst>
+                                  <p:childTnLst>
+                                    <p:set>
+                                      <p:cBhvr>
+                                        <p:cTn id="14" dur="1" fill="hold">
+                                          <p:stCondLst>
+                                            <p:cond delay="0"/>
+                                          </p:stCondLst>
+                                        </p:cTn>
+                                        <p:tgtEl>
+                                          <p:spTgt spid="9">
+                                            <p:txEl>
+                                              <p:pRg st="10" end="10"/>
+                                            </p:txEl>
+                                          </p:spTgt>
+                                        </p:tgtEl>
+                                        <p:attrNameLst>
+                                          <p:attrName>style.visibility</p:attrName>
+                                        </p:attrNameLst>
+                                      </p:cBhvr>
+                                      <p:to>
+                                        <p:strVal val="visible"/>
+                                      </p:to>
+                                    </p:set>
+                                  </p:childTnLst>
+                                </p:cTn>
+                              </p:par>
+                            </p:childTnLst>
+                          </p:cTn>
+                        </p:par>
+                      </p:childTnLst>
+                    </p:cTn>
+                  </p:par>
+                </p:childTnLst>
+              </p:cTn>
+              <p:prevCondLst>
+                <p:cond evt="onPrev" delay="0">
+                  <p:tgtEl>
+                    <p:sldTgt/>
+                  </p:tgtEl>
+                </p:cond>
+              </p:prevCondLst>
+              <p:nextCondLst>
+                <p:cond evt="onNext" delay="0">
+                  <p:tgtEl>
+                    <p:sldTgt/>
+                  </p:tgtEl>
+                </p:cond>
+              </p:nextCondLst>
+            </p:seq>
+          </p:childTnLst>
+        </p:cTn>
+      </p:par>
+    </p:tnLst>
+  </p:timing>
+</p:sld>
+</file>
+
+<file path=ppt/slides/slide16.xml><?xml version="1.0" encoding="utf-8"?>
+<p:sld xmlns:a="http://schemas.openxmlformats.org/drawingml/2006/main" xmlns:r="http://schemas.openxmlformats.org/officeDocument/2006/relationships" xmlns:p="http://schemas.openxmlformats.org/presentationml/2006/main">
+  <p:cSld>
+    <p:spTree>
+      <p:nvGrpSpPr>
+        <p:cNvPr id="1" name=""/>
+        <p:cNvGrpSpPr/>
+        <p:nvPr/>
+      </p:nvGrpSpPr>
+      <p:grpSpPr>
+        <a:xfrm>
+          <a:off x="0" y="0"/>
+          <a:ext cx="0" cy="0"/>
+          <a:chOff x="0" y="0"/>
+          <a:chExt cx="0" cy="0"/>
+        </a:xfrm>
+      </p:grpSpPr>
+      <p:sp>
+        <p:nvSpPr>
+          <p:cNvPr id="2" name="Title 1">
+            <a:extLst>
+              <a:ext uri="{FF2B5EF4-FFF2-40B4-BE49-F238E27FC236}">
+                <a16:creationId xmlns:a16="http://schemas.microsoft.com/office/drawing/2014/main" id="{AA3A228F-61D0-D949-A5E7-F83756230BF8}"/>
+              </a:ext>
+            </a:extLst>
+          </p:cNvPr>
+          <p:cNvSpPr>
+            <a:spLocks noGrp="1"/>
+          </p:cNvSpPr>
+          <p:nvPr>
+            <p:ph type="title"/>
+          </p:nvPr>
+        </p:nvSpPr>
+        <p:spPr>
+          <a:xfrm>
+            <a:off x="170339" y="134008"/>
+            <a:ext cx="7053542" cy="683886"/>
+          </a:xfrm>
+        </p:spPr>
+        <p:txBody>
+          <a:bodyPr/>
+          <a:lstStyle/>
+          <a:p>
+            <a:r>
+              <a:rPr lang="en-US" dirty="0"/>
+              <a:t>Nested Loops Example 2</a:t>
+            </a:r>
+          </a:p>
+        </p:txBody>
+      </p:sp>
+      <p:sp>
+        <p:nvSpPr>
+          <p:cNvPr id="9" name="Content Placeholder 8">
+            <a:extLst>
+              <a:ext uri="{FF2B5EF4-FFF2-40B4-BE49-F238E27FC236}">
+                <a16:creationId xmlns:a16="http://schemas.microsoft.com/office/drawing/2014/main" id="{E3B2E017-30B2-884B-A113-B419A2ED51AD}"/>
+              </a:ext>
+            </a:extLst>
+          </p:cNvPr>
+          <p:cNvSpPr>
+            <a:spLocks noGrp="1"/>
+          </p:cNvSpPr>
+          <p:nvPr>
+            <p:ph idx="1"/>
+          </p:nvPr>
+        </p:nvSpPr>
+        <p:spPr>
+          <a:xfrm>
+            <a:off x="170340" y="817895"/>
+            <a:ext cx="8365234" cy="4763098"/>
+          </a:xfrm>
+        </p:spPr>
+        <p:txBody>
+          <a:bodyPr>
+            <a:normAutofit/>
+          </a:bodyPr>
+          <a:lstStyle/>
+          <a:p>
+            <a:pPr marL="0" indent="0">
+              <a:buNone/>
+            </a:pPr>
+            <a:endParaRPr lang="en-US" dirty="0">
+              <a:latin typeface="Gill Sans MT" panose="020B0502020104020203" pitchFamily="34" charset="77"/>
+            </a:endParaRPr>
+          </a:p>
+          <a:p>
+            <a:pPr marL="0" indent="0">
+              <a:buNone/>
+            </a:pPr>
+            <a:r>
+              <a:rPr lang="en-US" b="1" dirty="0">
+                <a:solidFill>
+                  <a:srgbClr val="006699"/>
+                </a:solidFill>
+                <a:latin typeface="Inconsolata" panose="020B0609030003000000" pitchFamily="49" charset="77"/>
+              </a:rPr>
+              <a:t>for </a:t>
+            </a:r>
+            <a:r>
+              <a:rPr lang="en-US" b="1" dirty="0">
+                <a:solidFill>
+                  <a:srgbClr val="000087"/>
+                </a:solidFill>
+                <a:latin typeface="Inconsolata" panose="020B0609030003000000" pitchFamily="49" charset="77"/>
+              </a:rPr>
+              <a:t>i </a:t>
+            </a:r>
+            <a:r>
+              <a:rPr lang="en-US" b="1" dirty="0">
+                <a:latin typeface="Inconsolata" panose="020B0609030003000000" pitchFamily="49" charset="77"/>
+              </a:rPr>
+              <a:t>in </a:t>
+            </a:r>
+            <a:r>
+              <a:rPr lang="en-US" b="1" dirty="0">
+                <a:solidFill>
+                  <a:srgbClr val="336666"/>
+                </a:solidFill>
+                <a:latin typeface="Inconsolata" panose="020B0609030003000000" pitchFamily="49" charset="77"/>
+              </a:rPr>
+              <a:t>range</a:t>
+            </a:r>
+            <a:r>
+              <a:rPr lang="en-US" b="1" dirty="0">
+                <a:latin typeface="Inconsolata" panose="020B0609030003000000" pitchFamily="49" charset="77"/>
+              </a:rPr>
+              <a:t>(</a:t>
+            </a:r>
+            <a:r>
+              <a:rPr lang="en-US" b="1" dirty="0">
+                <a:solidFill>
+                  <a:srgbClr val="FF6600"/>
+                </a:solidFill>
+                <a:latin typeface="Inconsolata" panose="020B0609030003000000" pitchFamily="49" charset="77"/>
+              </a:rPr>
+              <a:t>1, 6</a:t>
+            </a:r>
+            <a:r>
+              <a:rPr lang="en-US" b="1" dirty="0">
+                <a:latin typeface="Inconsolata" panose="020B0609030003000000" pitchFamily="49" charset="77"/>
+              </a:rPr>
+              <a:t>):</a:t>
+            </a:r>
+          </a:p>
+          <a:p>
+            <a:pPr marL="0" indent="0">
+              <a:buNone/>
+            </a:pPr>
+            <a:r>
+              <a:rPr lang="en-US" b="1" dirty="0">
+                <a:solidFill>
+                  <a:srgbClr val="FF6600"/>
+                </a:solidFill>
+                <a:latin typeface="Inconsolata" panose="020B0609030003000000" pitchFamily="49" charset="77"/>
+              </a:rPr>
+              <a:t>	</a:t>
+            </a:r>
+            <a:r>
+              <a:rPr lang="en-US" b="1" dirty="0">
+                <a:solidFill>
+                  <a:srgbClr val="006699"/>
+                </a:solidFill>
+                <a:latin typeface="Inconsolata" panose="020B0609030003000000" pitchFamily="49" charset="77"/>
+              </a:rPr>
+              <a:t>for </a:t>
+            </a:r>
+            <a:r>
+              <a:rPr lang="en-US" b="1" dirty="0">
+                <a:solidFill>
+                  <a:srgbClr val="000087"/>
+                </a:solidFill>
+                <a:latin typeface="Inconsolata" panose="020B0609030003000000" pitchFamily="49" charset="77"/>
+              </a:rPr>
+              <a:t>j </a:t>
+            </a:r>
+            <a:r>
+              <a:rPr lang="en-US" b="1" dirty="0">
+                <a:latin typeface="Inconsolata" panose="020B0609030003000000" pitchFamily="49" charset="77"/>
+              </a:rPr>
+              <a:t>in </a:t>
+            </a:r>
+            <a:r>
+              <a:rPr lang="en-US" b="1" dirty="0">
+                <a:solidFill>
+                  <a:srgbClr val="336666"/>
+                </a:solidFill>
+                <a:latin typeface="Inconsolata" panose="020B0609030003000000" pitchFamily="49" charset="77"/>
+              </a:rPr>
+              <a:t>range</a:t>
+            </a:r>
+            <a:r>
+              <a:rPr lang="en-US" b="1" dirty="0">
+                <a:latin typeface="Inconsolata" panose="020B0609030003000000" pitchFamily="49" charset="77"/>
+              </a:rPr>
+              <a:t>(</a:t>
+            </a:r>
+            <a:r>
+              <a:rPr lang="en-US" b="1" dirty="0">
+                <a:solidFill>
+                  <a:srgbClr val="FF6600"/>
+                </a:solidFill>
+                <a:latin typeface="Inconsolata" panose="020B0609030003000000" pitchFamily="49" charset="77"/>
+              </a:rPr>
+              <a:t>6, </a:t>
+            </a:r>
+            <a:r>
+              <a:rPr lang="en-US" b="1" dirty="0" err="1">
+                <a:solidFill>
+                  <a:srgbClr val="FF6600"/>
+                </a:solidFill>
+                <a:latin typeface="Inconsolata" panose="020B0609030003000000" pitchFamily="49" charset="77"/>
+              </a:rPr>
+              <a:t>i</a:t>
+            </a:r>
+            <a:r>
+              <a:rPr lang="en-US" b="1" dirty="0">
+                <a:solidFill>
+                  <a:srgbClr val="FF6600"/>
+                </a:solidFill>
+                <a:latin typeface="Inconsolata" panose="020B0609030003000000" pitchFamily="49" charset="77"/>
+              </a:rPr>
+              <a:t>, -1</a:t>
+            </a:r>
+            <a:r>
+              <a:rPr lang="en-US" b="1" dirty="0">
+                <a:latin typeface="Inconsolata" panose="020B0609030003000000" pitchFamily="49" charset="77"/>
+              </a:rPr>
+              <a:t>): </a:t>
+            </a:r>
+          </a:p>
+          <a:p>
+            <a:pPr marL="0" indent="0">
+              <a:buNone/>
+            </a:pPr>
+            <a:r>
+              <a:rPr lang="en-US" b="1" dirty="0">
+                <a:solidFill>
+                  <a:srgbClr val="006699"/>
+                </a:solidFill>
+                <a:latin typeface="Inconsolata" panose="020B0609030003000000" pitchFamily="49" charset="77"/>
+              </a:rPr>
+              <a:t>		print</a:t>
+            </a:r>
+            <a:r>
+              <a:rPr lang="en-US" b="1" dirty="0">
+                <a:latin typeface="Inconsolata" panose="020B0609030003000000" pitchFamily="49" charset="77"/>
+              </a:rPr>
+              <a:t>(j, </a:t>
+            </a:r>
+            <a:r>
+              <a:rPr lang="en-US" b="1" dirty="0">
+                <a:solidFill>
+                  <a:srgbClr val="000087"/>
+                </a:solidFill>
+                <a:latin typeface="Inconsolata" panose="020B0609030003000000" pitchFamily="49" charset="77"/>
+              </a:rPr>
+              <a:t>end</a:t>
+            </a:r>
+            <a:r>
+              <a:rPr lang="en-US" b="1" dirty="0">
+                <a:solidFill>
+                  <a:srgbClr val="545454"/>
+                </a:solidFill>
+                <a:latin typeface="Inconsolata" panose="020B0609030003000000" pitchFamily="49" charset="77"/>
+              </a:rPr>
+              <a:t>=</a:t>
+            </a:r>
+            <a:r>
+              <a:rPr lang="en-US" b="1" dirty="0">
+                <a:solidFill>
+                  <a:srgbClr val="CC3300"/>
+                </a:solidFill>
+                <a:latin typeface="Inconsolata" panose="020B0609030003000000" pitchFamily="49" charset="77"/>
+              </a:rPr>
+              <a:t>‘ ’</a:t>
+            </a:r>
+            <a:r>
+              <a:rPr lang="en-US" b="1" dirty="0">
+                <a:latin typeface="Inconsolata" panose="020B0609030003000000" pitchFamily="49" charset="77"/>
+              </a:rPr>
+              <a:t>) </a:t>
+            </a:r>
+          </a:p>
+          <a:p>
+            <a:pPr marL="0" indent="0">
+              <a:buNone/>
+            </a:pPr>
+            <a:r>
+              <a:rPr lang="en-US" b="1">
+                <a:latin typeface="Inconsolata" panose="020B0609030003000000" pitchFamily="49" charset="77"/>
+              </a:rPr>
+              <a:t>	</a:t>
+            </a:r>
+            <a:r>
+              <a:rPr lang="en-US" b="1">
+                <a:solidFill>
+                  <a:srgbClr val="006699"/>
+                </a:solidFill>
+                <a:latin typeface="Inconsolata" panose="020B0609030003000000" pitchFamily="49" charset="77"/>
+              </a:rPr>
+              <a:t>print</a:t>
+            </a:r>
+            <a:r>
+              <a:rPr lang="en-US" b="1" dirty="0">
+                <a:latin typeface="Inconsolata" panose="020B0609030003000000" pitchFamily="49" charset="77"/>
+              </a:rPr>
+              <a:t>()</a:t>
+            </a:r>
+          </a:p>
+          <a:p>
+            <a:pPr marL="0" indent="0">
+              <a:buNone/>
+            </a:pPr>
+            <a:endParaRPr lang="en-US" dirty="0"/>
+          </a:p>
+          <a:p>
+            <a:pPr marL="0" indent="0">
+              <a:buNone/>
+            </a:pPr>
+            <a:r>
+              <a:rPr lang="en-US" b="1" dirty="0">
+                <a:latin typeface="Inconsolata" panose="020B0609030003000000" pitchFamily="49" charset="77"/>
+              </a:rPr>
+              <a:t>6 5 4 3 2</a:t>
+            </a:r>
+          </a:p>
+          <a:p>
+            <a:pPr marL="0" indent="0">
+              <a:buNone/>
+            </a:pPr>
+            <a:r>
+              <a:rPr lang="en-US" b="1" dirty="0">
+                <a:latin typeface="Inconsolata" panose="020B0609030003000000" pitchFamily="49" charset="77"/>
+              </a:rPr>
+              <a:t>6 5 4 3</a:t>
+            </a:r>
+          </a:p>
+          <a:p>
+            <a:pPr marL="0" indent="0">
+              <a:buNone/>
+            </a:pPr>
+            <a:r>
+              <a:rPr lang="en-US" b="1" dirty="0">
+                <a:latin typeface="Inconsolata" panose="020B0609030003000000" pitchFamily="49" charset="77"/>
+              </a:rPr>
+              <a:t>6 5 4</a:t>
+            </a:r>
+          </a:p>
+          <a:p>
+            <a:pPr marL="0" indent="0">
+              <a:buNone/>
+            </a:pPr>
+            <a:r>
+              <a:rPr lang="en-US" sz="2100" b="1" dirty="0">
+                <a:latin typeface="Inconsolata" panose="020B0609030003000000" pitchFamily="49" charset="77"/>
+              </a:rPr>
+              <a:t>6 5</a:t>
+            </a:r>
+          </a:p>
+          <a:p>
+            <a:pPr marL="0" indent="0">
+              <a:buNone/>
+            </a:pPr>
+            <a:r>
+              <a:rPr lang="en-US" b="1" dirty="0">
+                <a:latin typeface="Inconsolata" panose="020B0609030003000000" pitchFamily="49" charset="77"/>
+              </a:rPr>
+              <a:t>6</a:t>
+            </a:r>
+            <a:endParaRPr lang="en-US" sz="2100" b="1" dirty="0">
+              <a:latin typeface="Inconsolata" panose="020B0609030003000000" pitchFamily="49" charset="77"/>
+            </a:endParaRPr>
+          </a:p>
+        </p:txBody>
+      </p:sp>
+    </p:spTree>
+    <p:extLst>
+      <p:ext uri="{BB962C8B-B14F-4D97-AF65-F5344CB8AC3E}">
+        <p14:creationId xmlns:p14="http://schemas.microsoft.com/office/powerpoint/2010/main" val="224751101"/>
+      </p:ext>
+    </p:extLst>
+  </p:cSld>
+  <p:clrMapOvr>
+    <a:masterClrMapping/>
+  </p:clrMapOvr>
+  <p:timing>
+    <p:tnLst>
+      <p:par>
+        <p:cTn id="1" dur="indefinite" restart="never" nodeType="tmRoot">
+          <p:childTnLst>
+            <p:seq concurrent="1" nextAc="seek">
+              <p:cTn id="2" dur="indefinite" nodeType="mainSeq">
+                <p:childTnLst>
+                  <p:par>
+                    <p:cTn id="3" fill="hold">
+                      <p:stCondLst>
+                        <p:cond delay="indefinite"/>
+                      </p:stCondLst>
+                      <p:childTnLst>
+                        <p:par>
+                          <p:cTn id="4" fill="hold">
+                            <p:stCondLst>
+                              <p:cond delay="0"/>
+                            </p:stCondLst>
+                            <p:childTnLst>
+                              <p:par>
+                                <p:cTn id="5" presetID="1" presetClass="entr" presetSubtype="0" fill="hold" nodeType="clickEffect">
+                                  <p:stCondLst>
+                                    <p:cond delay="0"/>
+                                  </p:stCondLst>
+                                  <p:childTnLst>
+                                    <p:set>
+                                      <p:cBhvr>
+                                        <p:cTn id="6" dur="1" fill="hold">
+                                          <p:stCondLst>
+                                            <p:cond delay="0"/>
+                                          </p:stCondLst>
+                                        </p:cTn>
+                                        <p:tgtEl>
+                                          <p:spTgt spid="9">
+                                            <p:txEl>
+                                              <p:pRg st="6" end="6"/>
+                                            </p:txEl>
+                                          </p:spTgt>
+                                        </p:tgtEl>
+                                        <p:attrNameLst>
+                                          <p:attrName>style.visibility</p:attrName>
+                                        </p:attrNameLst>
+                                      </p:cBhvr>
+                                      <p:to>
+                                        <p:strVal val="visible"/>
+                                      </p:to>
+                                    </p:set>
+                                  </p:childTnLst>
+                                </p:cTn>
+                              </p:par>
+                              <p:par>
+                                <p:cTn id="7" presetID="1" presetClass="entr" presetSubtype="0" fill="hold" nodeType="withEffect">
+                                  <p:stCondLst>
+                                    <p:cond delay="0"/>
+                                  </p:stCondLst>
+                                  <p:childTnLst>
+                                    <p:set>
+                                      <p:cBhvr>
+                                        <p:cTn id="8" dur="1" fill="hold">
+                                          <p:stCondLst>
+                                            <p:cond delay="0"/>
+                                          </p:stCondLst>
+                                        </p:cTn>
+                                        <p:tgtEl>
+                                          <p:spTgt spid="9">
+                                            <p:txEl>
+                                              <p:pRg st="7" end="7"/>
+                                            </p:txEl>
+                                          </p:spTgt>
+                                        </p:tgtEl>
+                                        <p:attrNameLst>
+                                          <p:attrName>style.visibility</p:attrName>
+                                        </p:attrNameLst>
+                                      </p:cBhvr>
+                                      <p:to>
+                                        <p:strVal val="visible"/>
+                                      </p:to>
+                                    </p:set>
+                                  </p:childTnLst>
+                                </p:cTn>
+                              </p:par>
+                              <p:par>
+                                <p:cTn id="9" presetID="1" presetClass="entr" presetSubtype="0" fill="hold" nodeType="withEffect">
+                                  <p:stCondLst>
+                                    <p:cond delay="0"/>
+                                  </p:stCondLst>
+                                  <p:childTnLst>
+                                    <p:set>
+                                      <p:cBhvr>
+                                        <p:cTn id="10" dur="1" fill="hold">
+                                          <p:stCondLst>
+                                            <p:cond delay="0"/>
+                                          </p:stCondLst>
+                                        </p:cTn>
+                                        <p:tgtEl>
+                                          <p:spTgt spid="9">
+                                            <p:txEl>
+                                              <p:pRg st="8" end="8"/>
+                                            </p:txEl>
+                                          </p:spTgt>
+                                        </p:tgtEl>
+                                        <p:attrNameLst>
+                                          <p:attrName>style.visibility</p:attrName>
+                                        </p:attrNameLst>
+                                      </p:cBhvr>
+                                      <p:to>
+                                        <p:strVal val="visible"/>
+                                      </p:to>
+                                    </p:set>
+                                  </p:childTnLst>
+                                </p:cTn>
+                              </p:par>
+                              <p:par>
+                                <p:cTn id="11" presetID="1" presetClass="entr" presetSubtype="0" fill="hold" nodeType="withEffect">
+                                  <p:stCondLst>
+                                    <p:cond delay="0"/>
+                                  </p:stCondLst>
+                                  <p:childTnLst>
+                                    <p:set>
+                                      <p:cBhvr>
+                                        <p:cTn id="12" dur="1" fill="hold">
+                                          <p:stCondLst>
+                                            <p:cond delay="0"/>
+                                          </p:stCondLst>
+                                        </p:cTn>
+                                        <p:tgtEl>
+                                          <p:spTgt spid="9">
+                                            <p:txEl>
+                                              <p:pRg st="9" end="9"/>
+                                            </p:txEl>
+                                          </p:spTgt>
+                                        </p:tgtEl>
+                                        <p:attrNameLst>
+                                          <p:attrName>style.visibility</p:attrName>
+                                        </p:attrNameLst>
+                                      </p:cBhvr>
+                                      <p:to>
+                                        <p:strVal val="visible"/>
+                                      </p:to>
+                                    </p:set>
+                                  </p:childTnLst>
+                                </p:cTn>
+                              </p:par>
+                              <p:par>
+                                <p:cTn id="13" presetID="1" presetClass="entr" presetSubtype="0" fill="hold" nodeType="withEffect">
+                                  <p:stCondLst>
+                                    <p:cond delay="0"/>
+                                  </p:stCondLst>
+                                  <p:childTnLst>
+                                    <p:set>
+                                      <p:cBhvr>
+                                        <p:cTn id="14" dur="1" fill="hold">
+                                          <p:stCondLst>
+                                            <p:cond delay="0"/>
+                                          </p:stCondLst>
+                                        </p:cTn>
+                                        <p:tgtEl>
+                                          <p:spTgt spid="9">
+                                            <p:txEl>
+                                              <p:pRg st="10" end="10"/>
+                                            </p:txEl>
+                                          </p:spTgt>
+                                        </p:tgtEl>
+                                        <p:attrNameLst>
+                                          <p:attrName>style.visibility</p:attrName>
+                                        </p:attrNameLst>
+                                      </p:cBhvr>
+                                      <p:to>
+                                        <p:strVal val="visible"/>
+                                      </p:to>
+                                    </p:set>
+                                  </p:childTnLst>
+                                </p:cTn>
+                              </p:par>
+                            </p:childTnLst>
+                          </p:cTn>
+                        </p:par>
+                      </p:childTnLst>
+                    </p:cTn>
+                  </p:par>
+                </p:childTnLst>
+              </p:cTn>
+              <p:prevCondLst>
+                <p:cond evt="onPrev" delay="0">
+                  <p:tgtEl>
+                    <p:sldTgt/>
+                  </p:tgtEl>
+                </p:cond>
+              </p:prevCondLst>
+              <p:nextCondLst>
+                <p:cond evt="onNext" delay="0">
+                  <p:tgtEl>
+                    <p:sldTgt/>
+                  </p:tgtEl>
+                </p:cond>
+              </p:nextCondLst>
+            </p:seq>
+          </p:childTnLst>
+        </p:cTn>
+      </p:par>
+    </p:tnLst>
+  </p:timing>
+</p:sld>
+</file>
+
+<file path=ppt/slides/slide17.xml><?xml version="1.0" encoding="utf-8"?>
+<p:sld xmlns:a="http://schemas.openxmlformats.org/drawingml/2006/main" xmlns:r="http://schemas.openxmlformats.org/officeDocument/2006/relationships" xmlns:p="http://schemas.openxmlformats.org/presentationml/2006/main">
+  <p:cSld>
+    <p:spTree>
+      <p:nvGrpSpPr>
+        <p:cNvPr id="1" name=""/>
+        <p:cNvGrpSpPr/>
+        <p:nvPr/>
+      </p:nvGrpSpPr>
+      <p:grpSpPr>
+        <a:xfrm>
+          <a:off x="0" y="0"/>
+          <a:ext cx="0" cy="0"/>
+          <a:chOff x="0" y="0"/>
+          <a:chExt cx="0" cy="0"/>
+        </a:xfrm>
+      </p:grpSpPr>
+      <p:sp>
+        <p:nvSpPr>
+          <p:cNvPr id="2" name="Title 1">
+            <a:extLst>
+              <a:ext uri="{FF2B5EF4-FFF2-40B4-BE49-F238E27FC236}">
+                <a16:creationId xmlns:a16="http://schemas.microsoft.com/office/drawing/2014/main" id="{AA3A228F-61D0-D949-A5E7-F83756230BF8}"/>
+              </a:ext>
+            </a:extLst>
+          </p:cNvPr>
+          <p:cNvSpPr>
+            <a:spLocks noGrp="1"/>
+          </p:cNvSpPr>
+          <p:nvPr>
+            <p:ph type="title"/>
+          </p:nvPr>
+        </p:nvSpPr>
+        <p:spPr>
+          <a:xfrm>
+            <a:off x="170339" y="134008"/>
+            <a:ext cx="7053542" cy="683886"/>
+          </a:xfrm>
+        </p:spPr>
+        <p:txBody>
+          <a:bodyPr/>
+          <a:lstStyle/>
+          <a:p>
+            <a:r>
+              <a:rPr lang="en-US" dirty="0"/>
+              <a:t>Sum of 2D lists</a:t>
+            </a:r>
+          </a:p>
+        </p:txBody>
+      </p:sp>
+      <p:sp>
+        <p:nvSpPr>
+          <p:cNvPr id="9" name="Content Placeholder 8">
+            <a:extLst>
+              <a:ext uri="{FF2B5EF4-FFF2-40B4-BE49-F238E27FC236}">
+                <a16:creationId xmlns:a16="http://schemas.microsoft.com/office/drawing/2014/main" id="{E3B2E017-30B2-884B-A113-B419A2ED51AD}"/>
+              </a:ext>
+            </a:extLst>
+          </p:cNvPr>
+          <p:cNvSpPr>
+            <a:spLocks noGrp="1"/>
+          </p:cNvSpPr>
+          <p:nvPr>
+            <p:ph idx="1"/>
+          </p:nvPr>
+        </p:nvSpPr>
+        <p:spPr>
+          <a:xfrm>
+            <a:off x="170340" y="817895"/>
+            <a:ext cx="8365234" cy="4763098"/>
+          </a:xfrm>
+        </p:spPr>
+        <p:txBody>
+          <a:bodyPr>
+            <a:normAutofit/>
+          </a:bodyPr>
+          <a:lstStyle/>
+          <a:p>
+            <a:pPr marL="0" indent="0">
+              <a:buNone/>
+            </a:pPr>
+            <a:r>
+              <a:rPr lang="en-US" dirty="0">
+                <a:latin typeface="Gill Sans MT" panose="020B0502020104020203" pitchFamily="34" charset="77"/>
+              </a:rPr>
+              <a:t>A 2D list is a list of lists. </a:t>
+            </a:r>
+          </a:p>
+          <a:p>
+            <a:pPr marL="0" indent="0">
+              <a:buNone/>
+            </a:pPr>
+            <a:r>
+              <a:rPr lang="en-US" dirty="0">
+                <a:latin typeface="INCONSOLATA" panose="020B0609030003000000" pitchFamily="49" charset="77"/>
+              </a:rPr>
+              <a:t>list2d = [[1, 2, 5],</a:t>
+            </a:r>
+          </a:p>
+          <a:p>
+            <a:pPr marL="0" indent="0">
+              <a:buNone/>
+            </a:pPr>
+            <a:r>
+              <a:rPr lang="en-US" dirty="0">
+                <a:latin typeface="INCONSOLATA" panose="020B0609030003000000" pitchFamily="49" charset="77"/>
+              </a:rPr>
+              <a:t>		[3, -1, 6],</a:t>
+            </a:r>
+          </a:p>
+          <a:p>
+            <a:pPr marL="0" indent="0">
+              <a:buNone/>
+            </a:pPr>
+            <a:r>
+              <a:rPr lang="en-US" dirty="0">
+                <a:latin typeface="INCONSOLATA" panose="020B0609030003000000" pitchFamily="49" charset="77"/>
+              </a:rPr>
+              <a:t>		[10, 1, 0]]</a:t>
+            </a:r>
+          </a:p>
+          <a:p>
+            <a:pPr marL="0" indent="0">
+              <a:buNone/>
+            </a:pPr>
+            <a:r>
+              <a:rPr lang="en-US" dirty="0">
+                <a:latin typeface="INCONSOLATA" panose="020B0609030003000000" pitchFamily="49" charset="77"/>
+              </a:rPr>
+              <a:t>sum = 0</a:t>
+            </a:r>
+          </a:p>
+          <a:p>
+            <a:pPr marL="0" indent="0">
+              <a:buNone/>
+            </a:pPr>
+            <a:r>
+              <a:rPr lang="en-US" b="1" dirty="0">
+                <a:solidFill>
+                  <a:srgbClr val="006699"/>
+                </a:solidFill>
+                <a:latin typeface="Inconsolata" panose="020B0609030003000000" pitchFamily="49" charset="77"/>
+              </a:rPr>
+              <a:t>for </a:t>
+            </a:r>
+            <a:r>
+              <a:rPr lang="en-US" b="1" dirty="0">
+                <a:solidFill>
+                  <a:srgbClr val="000087"/>
+                </a:solidFill>
+                <a:latin typeface="Inconsolata" panose="020B0609030003000000" pitchFamily="49" charset="77"/>
+              </a:rPr>
+              <a:t>row </a:t>
+            </a:r>
+            <a:r>
+              <a:rPr lang="en-US" b="1" dirty="0">
+                <a:latin typeface="Inconsolata" panose="020B0609030003000000" pitchFamily="49" charset="77"/>
+              </a:rPr>
+              <a:t>in list2d:</a:t>
+            </a:r>
+          </a:p>
+          <a:p>
+            <a:pPr marL="0" indent="0">
+              <a:buNone/>
+            </a:pPr>
+            <a:r>
+              <a:rPr lang="en-US" b="1" dirty="0">
+                <a:solidFill>
+                  <a:srgbClr val="FF6600"/>
+                </a:solidFill>
+                <a:latin typeface="Inconsolata" panose="020B0609030003000000" pitchFamily="49" charset="77"/>
+              </a:rPr>
+              <a:t>	</a:t>
+            </a:r>
+            <a:r>
+              <a:rPr lang="en-US" b="1" dirty="0">
+                <a:solidFill>
+                  <a:srgbClr val="006699"/>
+                </a:solidFill>
+                <a:latin typeface="Inconsolata" panose="020B0609030003000000" pitchFamily="49" charset="77"/>
+              </a:rPr>
+              <a:t>for </a:t>
+            </a:r>
+            <a:r>
+              <a:rPr lang="en-US" b="1" dirty="0">
+                <a:solidFill>
+                  <a:srgbClr val="000087"/>
+                </a:solidFill>
+                <a:latin typeface="Inconsolata" panose="020B0609030003000000" pitchFamily="49" charset="77"/>
+              </a:rPr>
+              <a:t>num </a:t>
+            </a:r>
+            <a:r>
+              <a:rPr lang="en-US" b="1" dirty="0">
+                <a:latin typeface="Inconsolata" panose="020B0609030003000000" pitchFamily="49" charset="77"/>
+              </a:rPr>
+              <a:t>in row: </a:t>
+            </a:r>
+          </a:p>
+          <a:p>
+            <a:pPr marL="0" indent="0">
+              <a:buNone/>
+            </a:pPr>
+            <a:r>
+              <a:rPr lang="en-US" b="1" dirty="0">
+                <a:solidFill>
+                  <a:srgbClr val="006699"/>
+                </a:solidFill>
+                <a:latin typeface="Inconsolata" panose="020B0609030003000000" pitchFamily="49" charset="77"/>
+              </a:rPr>
+              <a:t>		sum += num</a:t>
+            </a:r>
+            <a:r>
+              <a:rPr lang="en-US" b="1" dirty="0">
+                <a:latin typeface="Inconsolata" panose="020B0609030003000000" pitchFamily="49" charset="77"/>
+              </a:rPr>
+              <a:t> </a:t>
+            </a:r>
+          </a:p>
+          <a:p>
+            <a:pPr marL="0" indent="0">
+              <a:buNone/>
+            </a:pPr>
+            <a:r>
+              <a:rPr lang="en-US" b="1" dirty="0">
+                <a:latin typeface="Inconsolata" panose="020B0609030003000000" pitchFamily="49" charset="77"/>
+              </a:rPr>
+              <a:t>print(sum)</a:t>
+            </a:r>
+          </a:p>
+          <a:p>
+            <a:pPr marL="0" indent="0">
+              <a:buNone/>
+            </a:pPr>
+            <a:endParaRPr lang="en-US" b="1" dirty="0">
+              <a:latin typeface="Inconsolata" panose="020B0609030003000000" pitchFamily="49" charset="77"/>
+            </a:endParaRPr>
+          </a:p>
+          <a:p>
+            <a:pPr marL="0" indent="0">
+              <a:buNone/>
+            </a:pPr>
+            <a:r>
+              <a:rPr lang="en-US" dirty="0">
+                <a:latin typeface="Gill Sans MT" panose="020B0502020104020203" pitchFamily="34" charset="77"/>
+              </a:rPr>
+              <a:t>Output:</a:t>
+            </a:r>
+          </a:p>
+          <a:p>
+            <a:pPr marL="0" indent="0">
+              <a:buNone/>
+            </a:pPr>
+            <a:r>
+              <a:rPr lang="en-US" dirty="0">
+                <a:latin typeface="Gill Sans MT" panose="020B0502020104020203" pitchFamily="34" charset="77"/>
+              </a:rPr>
+              <a:t>27</a:t>
+            </a:r>
+          </a:p>
+        </p:txBody>
+      </p:sp>
+      <p:sp>
+        <p:nvSpPr>
+          <p:cNvPr id="3" name="TextBox 2">
+            <a:extLst>
+              <a:ext uri="{FF2B5EF4-FFF2-40B4-BE49-F238E27FC236}">
+                <a16:creationId xmlns:a16="http://schemas.microsoft.com/office/drawing/2014/main" id="{48DA4FF1-142A-6D44-9986-344D8D8232A1}"/>
+              </a:ext>
+            </a:extLst>
+          </p:cNvPr>
+          <p:cNvSpPr txBox="1"/>
+          <p:nvPr/>
+        </p:nvSpPr>
+        <p:spPr>
+          <a:xfrm>
+            <a:off x="3610024" y="1166950"/>
+            <a:ext cx="5786322" cy="1015663"/>
+          </a:xfrm>
+          <a:prstGeom prst="rect">
+            <a:avLst/>
+          </a:prstGeom>
+          <a:noFill/>
+        </p:spPr>
+        <p:txBody>
+          <a:bodyPr wrap="square" rtlCol="0">
+            <a:spAutoFit/>
+          </a:bodyPr>
+          <a:lstStyle/>
+          <a:p>
+            <a:r>
+              <a:rPr lang="en-US" sz="2000" dirty="0">
+                <a:solidFill>
+                  <a:srgbClr val="FF0000"/>
+                </a:solidFill>
+              </a:rPr>
+              <a:t>Equivalently:</a:t>
+            </a:r>
+          </a:p>
+          <a:p>
+            <a:r>
+              <a:rPr lang="en-US" sz="2000" dirty="0">
+                <a:solidFill>
+                  <a:srgbClr val="FF0000"/>
+                </a:solidFill>
+                <a:latin typeface="INCONSOLATA" panose="020B0609030003000000" pitchFamily="49" charset="77"/>
+              </a:rPr>
+              <a:t>list2d = [[1, 2, 5],[3, -1, 6],[10, 1, 0]]</a:t>
+            </a:r>
+          </a:p>
+          <a:p>
+            <a:endParaRPr lang="en-US" sz="2000" dirty="0"/>
+          </a:p>
+        </p:txBody>
+      </p:sp>
+    </p:spTree>
+    <p:extLst>
+      <p:ext uri="{BB962C8B-B14F-4D97-AF65-F5344CB8AC3E}">
+        <p14:creationId xmlns:p14="http://schemas.microsoft.com/office/powerpoint/2010/main" val="1330680031"/>
+      </p:ext>
+    </p:extLst>
+  </p:cSld>
+  <p:clrMapOvr>
+    <a:masterClrMapping/>
+  </p:clrMapOvr>
+  <p:timing>
+    <p:tnLst>
+      <p:par>
+        <p:cTn id="1" dur="indefinite" restart="never" nodeType="tmRoot">
+          <p:childTnLst>
+            <p:seq concurrent="1" nextAc="seek">
+              <p:cTn id="2" dur="indefinite" nodeType="mainSeq">
+                <p:childTnLst>
+                  <p:par>
+                    <p:cTn id="3" fill="hold">
+                      <p:stCondLst>
+                        <p:cond delay="indefinite"/>
+                      </p:stCondLst>
+                      <p:childTnLst>
+                        <p:par>
+                          <p:cTn id="4" fill="hold">
+                            <p:stCondLst>
+                              <p:cond delay="0"/>
+                            </p:stCondLst>
+                            <p:childTnLst>
+                              <p:par>
+                                <p:cTn id="5" presetID="1" presetClass="entr" presetSubtype="0" fill="hold" grpId="0" nodeType="clickEffect">
+                                  <p:stCondLst>
+                                    <p:cond delay="0"/>
+                                  </p:stCondLst>
+                                  <p:childTnLst>
+                                    <p:set>
+                                      <p:cBhvr>
+                                        <p:cTn id="6" dur="1" fill="hold">
+                                          <p:stCondLst>
+                                            <p:cond delay="0"/>
+                                          </p:stCondLst>
+                                        </p:cTn>
+                                        <p:tgtEl>
+                                          <p:spTgt spid="3"/>
+                                        </p:tgtEl>
+                                        <p:attrNameLst>
+                                          <p:attrName>style.visibility</p:attrName>
+                                        </p:attrNameLst>
+                                      </p:cBhvr>
+                                      <p:to>
+                                        <p:strVal val="visible"/>
+                                      </p:to>
+                                    </p:set>
+                                  </p:childTnLst>
+                                </p:cTn>
+                              </p:par>
+                            </p:childTnLst>
+                          </p:cTn>
+                        </p:par>
+                      </p:childTnLst>
+                    </p:cTn>
+                  </p:par>
+                  <p:par>
+                    <p:cTn id="7" fill="hold">
+                      <p:stCondLst>
+                        <p:cond delay="indefinite"/>
+                      </p:stCondLst>
+                      <p:childTnLst>
+                        <p:par>
+                          <p:cTn id="8" fill="hold">
+                            <p:stCondLst>
+                              <p:cond delay="0"/>
+                            </p:stCondLst>
+                            <p:childTnLst>
+                              <p:par>
+                                <p:cTn id="9" presetID="1" presetClass="entr" presetSubtype="0" fill="hold" nodeType="clickEffect">
+                                  <p:stCondLst>
+                                    <p:cond delay="0"/>
+                                  </p:stCondLst>
+                                  <p:childTnLst>
+                                    <p:set>
+                                      <p:cBhvr>
+                                        <p:cTn id="10" dur="1" fill="hold">
+                                          <p:stCondLst>
+                                            <p:cond delay="0"/>
+                                          </p:stCondLst>
+                                        </p:cTn>
+                                        <p:tgtEl>
+                                          <p:spTgt spid="9">
+                                            <p:txEl>
+                                              <p:pRg st="4" end="4"/>
+                                            </p:txEl>
+                                          </p:spTgt>
+                                        </p:tgtEl>
+                                        <p:attrNameLst>
+                                          <p:attrName>style.visibility</p:attrName>
+                                        </p:attrNameLst>
+                                      </p:cBhvr>
+                                      <p:to>
+                                        <p:strVal val="visible"/>
+                                      </p:to>
+                                    </p:set>
+                                  </p:childTnLst>
+                                </p:cTn>
+                              </p:par>
+                            </p:childTnLst>
+                          </p:cTn>
+                        </p:par>
+                      </p:childTnLst>
+                    </p:cTn>
+                  </p:par>
+                  <p:par>
+                    <p:cTn id="11" fill="hold">
+                      <p:stCondLst>
+                        <p:cond delay="indefinite"/>
+                      </p:stCondLst>
+                      <p:childTnLst>
+                        <p:par>
+                          <p:cTn id="12" fill="hold">
+                            <p:stCondLst>
+                              <p:cond delay="0"/>
+                            </p:stCondLst>
+                            <p:childTnLst>
+                              <p:par>
+                                <p:cTn id="13" presetID="1" presetClass="entr" presetSubtype="0" fill="hold" nodeType="clickEffect">
+                                  <p:stCondLst>
+                                    <p:cond delay="0"/>
+                                  </p:stCondLst>
+                                  <p:childTnLst>
+                                    <p:set>
+                                      <p:cBhvr>
+                                        <p:cTn id="14" dur="1" fill="hold">
+                                          <p:stCondLst>
+                                            <p:cond delay="0"/>
+                                          </p:stCondLst>
+                                        </p:cTn>
+                                        <p:tgtEl>
+                                          <p:spTgt spid="9">
+                                            <p:txEl>
+                                              <p:pRg st="5" end="5"/>
+                                            </p:txEl>
+                                          </p:spTgt>
+                                        </p:tgtEl>
+                                        <p:attrNameLst>
+                                          <p:attrName>style.visibility</p:attrName>
+                                        </p:attrNameLst>
+                                      </p:cBhvr>
+                                      <p:to>
+                                        <p:strVal val="visible"/>
+                                      </p:to>
+                                    </p:set>
+                                  </p:childTnLst>
+                                </p:cTn>
+                              </p:par>
+                            </p:childTnLst>
+                          </p:cTn>
+                        </p:par>
+                      </p:childTnLst>
+                    </p:cTn>
+                  </p:par>
+                  <p:par>
+                    <p:cTn id="15" fill="hold">
+                      <p:stCondLst>
+                        <p:cond delay="indefinite"/>
+                      </p:stCondLst>
+                      <p:childTnLst>
+                        <p:par>
+                          <p:cTn id="16" fill="hold">
+                            <p:stCondLst>
+                              <p:cond delay="0"/>
+                            </p:stCondLst>
+                            <p:childTnLst>
+                              <p:par>
+                                <p:cTn id="17" presetID="1" presetClass="entr" presetSubtype="0" fill="hold" nodeType="clickEffect">
+                                  <p:stCondLst>
+                                    <p:cond delay="0"/>
+                                  </p:stCondLst>
+                                  <p:childTnLst>
+                                    <p:set>
+                                      <p:cBhvr>
+                                        <p:cTn id="18" dur="1" fill="hold">
+                                          <p:stCondLst>
+                                            <p:cond delay="0"/>
+                                          </p:stCondLst>
+                                        </p:cTn>
+                                        <p:tgtEl>
+                                          <p:spTgt spid="9">
+                                            <p:txEl>
+                                              <p:pRg st="6" end="6"/>
+                                            </p:txEl>
+                                          </p:spTgt>
+                                        </p:tgtEl>
+                                        <p:attrNameLst>
+                                          <p:attrName>style.visibility</p:attrName>
+                                        </p:attrNameLst>
+                                      </p:cBhvr>
+                                      <p:to>
+                                        <p:strVal val="visible"/>
+                                      </p:to>
+                                    </p:set>
+                                  </p:childTnLst>
+                                </p:cTn>
+                              </p:par>
+                            </p:childTnLst>
+                          </p:cTn>
+                        </p:par>
+                      </p:childTnLst>
+                    </p:cTn>
+                  </p:par>
+                  <p:par>
+                    <p:cTn id="19" fill="hold">
+                      <p:stCondLst>
+                        <p:cond delay="indefinite"/>
+                      </p:stCondLst>
+                      <p:childTnLst>
+                        <p:par>
+                          <p:cTn id="20" fill="hold">
+                            <p:stCondLst>
+                              <p:cond delay="0"/>
+                            </p:stCondLst>
+                            <p:childTnLst>
+                              <p:par>
+                                <p:cTn id="21" presetID="1" presetClass="entr" presetSubtype="0" fill="hold" nodeType="clickEffect">
+                                  <p:stCondLst>
+                                    <p:cond delay="0"/>
+                                  </p:stCondLst>
+                                  <p:childTnLst>
+                                    <p:set>
+                                      <p:cBhvr>
+                                        <p:cTn id="22" dur="1" fill="hold">
+                                          <p:stCondLst>
+                                            <p:cond delay="0"/>
+                                          </p:stCondLst>
+                                        </p:cTn>
+                                        <p:tgtEl>
+                                          <p:spTgt spid="9">
+                                            <p:txEl>
+                                              <p:pRg st="7" end="7"/>
+                                            </p:txEl>
+                                          </p:spTgt>
+                                        </p:tgtEl>
+                                        <p:attrNameLst>
+                                          <p:attrName>style.visibility</p:attrName>
+                                        </p:attrNameLst>
+                                      </p:cBhvr>
+                                      <p:to>
+                                        <p:strVal val="visible"/>
+                                      </p:to>
+                                    </p:set>
+                                  </p:childTnLst>
+                                </p:cTn>
+                              </p:par>
+                            </p:childTnLst>
+                          </p:cTn>
+                        </p:par>
+                      </p:childTnLst>
+                    </p:cTn>
+                  </p:par>
+                  <p:par>
+                    <p:cTn id="23" fill="hold">
+                      <p:stCondLst>
+                        <p:cond delay="indefinite"/>
+                      </p:stCondLst>
+                      <p:childTnLst>
+                        <p:par>
+                          <p:cTn id="24" fill="hold">
+                            <p:stCondLst>
+                              <p:cond delay="0"/>
+                            </p:stCondLst>
+                            <p:childTnLst>
+                              <p:par>
+                                <p:cTn id="25" presetID="1" presetClass="entr" presetSubtype="0" fill="hold" nodeType="clickEffect">
+                                  <p:stCondLst>
+                                    <p:cond delay="0"/>
+                                  </p:stCondLst>
+                                  <p:childTnLst>
+                                    <p:set>
+                                      <p:cBhvr>
+                                        <p:cTn id="26" dur="1" fill="hold">
+                                          <p:stCondLst>
+                                            <p:cond delay="0"/>
+                                          </p:stCondLst>
+                                        </p:cTn>
+                                        <p:tgtEl>
+                                          <p:spTgt spid="9">
+                                            <p:txEl>
+                                              <p:pRg st="8" end="8"/>
+                                            </p:txEl>
+                                          </p:spTgt>
+                                        </p:tgtEl>
+                                        <p:attrNameLst>
+                                          <p:attrName>style.visibility</p:attrName>
+                                        </p:attrNameLst>
+                                      </p:cBhvr>
+                                      <p:to>
+                                        <p:strVal val="visible"/>
+                                      </p:to>
+                                    </p:set>
+                                  </p:childTnLst>
+                                </p:cTn>
+                              </p:par>
+                            </p:childTnLst>
+                          </p:cTn>
+                        </p:par>
+                      </p:childTnLst>
+                    </p:cTn>
+                  </p:par>
+                  <p:par>
+                    <p:cTn id="27" fill="hold">
+                      <p:stCondLst>
+                        <p:cond delay="indefinite"/>
+                      </p:stCondLst>
+                      <p:childTnLst>
+                        <p:par>
+                          <p:cTn id="28" fill="hold">
+                            <p:stCondLst>
+                              <p:cond delay="0"/>
+                            </p:stCondLst>
+                            <p:childTnLst>
+                              <p:par>
+                                <p:cTn id="29" presetID="1" presetClass="entr" presetSubtype="0" fill="hold" nodeType="clickEffect">
+                                  <p:stCondLst>
+                                    <p:cond delay="0"/>
+                                  </p:stCondLst>
+                                  <p:childTnLst>
+                                    <p:set>
+                                      <p:cBhvr>
+                                        <p:cTn id="30" dur="1" fill="hold">
+                                          <p:stCondLst>
+                                            <p:cond delay="0"/>
+                                          </p:stCondLst>
+                                        </p:cTn>
+                                        <p:tgtEl>
+                                          <p:spTgt spid="9">
+                                            <p:txEl>
+                                              <p:pRg st="10" end="10"/>
+                                            </p:txEl>
+                                          </p:spTgt>
+                                        </p:tgtEl>
+                                        <p:attrNameLst>
+                                          <p:attrName>style.visibility</p:attrName>
+                                        </p:attrNameLst>
+                                      </p:cBhvr>
+                                      <p:to>
+                                        <p:strVal val="visible"/>
+                                      </p:to>
+                                    </p:set>
+                                  </p:childTnLst>
+                                </p:cTn>
+                              </p:par>
+                            </p:childTnLst>
+                          </p:cTn>
+                        </p:par>
+                      </p:childTnLst>
+                    </p:cTn>
+                  </p:par>
+                  <p:par>
+                    <p:cTn id="31" fill="hold">
+                      <p:stCondLst>
+                        <p:cond delay="indefinite"/>
+                      </p:stCondLst>
+                      <p:childTnLst>
+                        <p:par>
+                          <p:cTn id="32" fill="hold">
+                            <p:stCondLst>
+                              <p:cond delay="0"/>
+                            </p:stCondLst>
+                            <p:childTnLst>
+                              <p:par>
+                                <p:cTn id="33" presetID="1" presetClass="entr" presetSubtype="0" fill="hold" nodeType="clickEffect">
+                                  <p:stCondLst>
+                                    <p:cond delay="0"/>
+                                  </p:stCondLst>
+                                  <p:childTnLst>
+                                    <p:set>
+                                      <p:cBhvr>
+                                        <p:cTn id="34" dur="1" fill="hold">
+                                          <p:stCondLst>
+                                            <p:cond delay="0"/>
+                                          </p:stCondLst>
+                                        </p:cTn>
+                                        <p:tgtEl>
+                                          <p:spTgt spid="9">
+                                            <p:txEl>
+                                              <p:pRg st="11" end="11"/>
+                                            </p:txEl>
+                                          </p:spTgt>
+                                        </p:tgtEl>
+                                        <p:attrNameLst>
+                                          <p:attrName>style.visibility</p:attrName>
+                                        </p:attrNameLst>
+                                      </p:cBhvr>
+                                      <p:to>
+                                        <p:strVal val="visible"/>
+                                      </p:to>
+                                    </p:set>
+                                  </p:childTnLst>
+                                </p:cTn>
+                              </p:par>
+                            </p:childTnLst>
+                          </p:cTn>
+                        </p:par>
+                      </p:childTnLst>
+                    </p:cTn>
+                  </p:par>
+                </p:childTnLst>
+              </p:cTn>
+              <p:prevCondLst>
+                <p:cond evt="onPrev" delay="0">
+                  <p:tgtEl>
+                    <p:sldTgt/>
+                  </p:tgtEl>
+                </p:cond>
+              </p:prevCondLst>
+              <p:nextCondLst>
+                <p:cond evt="onNext" delay="0">
+                  <p:tgtEl>
+                    <p:sldTgt/>
+                  </p:tgtEl>
+                </p:cond>
+              </p:nextCondLst>
+            </p:seq>
+          </p:childTnLst>
+        </p:cTn>
+      </p:par>
+    </p:tnLst>
+    <p:bldLst>
+      <p:bldP spid="3" grpId="0"/>
+    </p:bldLst>
+  </p:timing>
+</p:sld>
+</file>
+
+<file path=ppt/slides/slide18.xml><?xml version="1.0" encoding="utf-8"?>
+<p:sld xmlns:a="http://schemas.openxmlformats.org/drawingml/2006/main" xmlns:r="http://schemas.openxmlformats.org/officeDocument/2006/relationships" xmlns:p="http://schemas.openxmlformats.org/presentationml/2006/main">
+  <p:cSld>
+    <p:spTree>
+      <p:nvGrpSpPr>
+        <p:cNvPr id="1" name=""/>
+        <p:cNvGrpSpPr/>
+        <p:nvPr/>
+      </p:nvGrpSpPr>
+      <p:grpSpPr>
+        <a:xfrm>
+          <a:off x="0" y="0"/>
+          <a:ext cx="0" cy="0"/>
+          <a:chOff x="0" y="0"/>
+          <a:chExt cx="0" cy="0"/>
+        </a:xfrm>
+      </p:grpSpPr>
+      <p:sp>
+        <p:nvSpPr>
+          <p:cNvPr id="2" name="Title 1">
+            <a:extLst>
+              <a:ext uri="{FF2B5EF4-FFF2-40B4-BE49-F238E27FC236}">
+                <a16:creationId xmlns:a16="http://schemas.microsoft.com/office/drawing/2014/main" id="{AA3A228F-61D0-D949-A5E7-F83756230BF8}"/>
+              </a:ext>
+            </a:extLst>
+          </p:cNvPr>
+          <p:cNvSpPr>
+            <a:spLocks noGrp="1"/>
+          </p:cNvSpPr>
+          <p:nvPr>
+            <p:ph type="title"/>
+          </p:nvPr>
+        </p:nvSpPr>
+        <p:spPr>
+          <a:xfrm>
+            <a:off x="170339" y="134008"/>
+            <a:ext cx="7053542" cy="683886"/>
+          </a:xfrm>
+        </p:spPr>
+        <p:txBody>
+          <a:bodyPr/>
+          <a:lstStyle/>
+          <a:p>
+            <a:r>
+              <a:rPr lang="en-US" dirty="0"/>
+              <a:t>List of Students</a:t>
+            </a:r>
+          </a:p>
+        </p:txBody>
+      </p:sp>
+      <p:sp>
+        <p:nvSpPr>
+          <p:cNvPr id="9" name="Content Placeholder 8">
+            <a:extLst>
+              <a:ext uri="{FF2B5EF4-FFF2-40B4-BE49-F238E27FC236}">
+                <a16:creationId xmlns:a16="http://schemas.microsoft.com/office/drawing/2014/main" id="{E3B2E017-30B2-884B-A113-B419A2ED51AD}"/>
+              </a:ext>
+            </a:extLst>
+          </p:cNvPr>
+          <p:cNvSpPr>
+            <a:spLocks noGrp="1"/>
+          </p:cNvSpPr>
+          <p:nvPr>
+            <p:ph idx="1"/>
+          </p:nvPr>
+        </p:nvSpPr>
+        <p:spPr>
+          <a:xfrm>
+            <a:off x="170340" y="817895"/>
+            <a:ext cx="8365234" cy="4763098"/>
+          </a:xfrm>
+        </p:spPr>
+        <p:txBody>
+          <a:bodyPr>
+            <a:normAutofit/>
+          </a:bodyPr>
+          <a:lstStyle/>
+          <a:p>
+            <a:pPr marL="0" indent="0">
+              <a:buNone/>
+            </a:pPr>
+            <a:r>
+              <a:rPr lang="en-US" dirty="0">
+                <a:latin typeface="INCONSOLATA" panose="020B0609030003000000" pitchFamily="49" charset="77"/>
+              </a:rPr>
+              <a:t>students = [["Mike", 80], </a:t>
+            </a:r>
+          </a:p>
+          <a:p>
+            <a:pPr marL="0" indent="0">
+              <a:buNone/>
+            </a:pPr>
+            <a:r>
+              <a:rPr lang="en-US" dirty="0">
+                <a:latin typeface="INCONSOLATA" panose="020B0609030003000000" pitchFamily="49" charset="77"/>
+              </a:rPr>
+              <a:t>            ["John", 90],</a:t>
+            </a:r>
+          </a:p>
+          <a:p>
+            <a:pPr marL="0" indent="0">
+              <a:buNone/>
+            </a:pPr>
+            <a:r>
+              <a:rPr lang="en-US" dirty="0">
+                <a:latin typeface="INCONSOLATA" panose="020B0609030003000000" pitchFamily="49" charset="77"/>
+              </a:rPr>
+              <a:t>            ["Sarah", 85]]</a:t>
+            </a:r>
+          </a:p>
+          <a:p>
+            <a:pPr marL="0" indent="0">
+              <a:buNone/>
+            </a:pPr>
+            <a:r>
+              <a:rPr lang="en-US" dirty="0">
+                <a:latin typeface="INCONSOLATA" panose="020B0609030003000000" pitchFamily="49" charset="77"/>
+              </a:rPr>
+              <a:t>sum = 0</a:t>
+            </a:r>
+          </a:p>
+          <a:p>
+            <a:pPr marL="0" indent="0">
+              <a:buNone/>
+            </a:pPr>
+            <a:r>
+              <a:rPr lang="en-US" b="1" dirty="0">
+                <a:solidFill>
+                  <a:srgbClr val="006699"/>
+                </a:solidFill>
+                <a:latin typeface="Inconsolata" panose="020B0609030003000000" pitchFamily="49" charset="77"/>
+              </a:rPr>
+              <a:t>for </a:t>
+            </a:r>
+            <a:r>
+              <a:rPr lang="en-US" b="1" dirty="0">
+                <a:solidFill>
+                  <a:srgbClr val="000087"/>
+                </a:solidFill>
+                <a:latin typeface="Inconsolata" panose="020B0609030003000000" pitchFamily="49" charset="77"/>
+              </a:rPr>
+              <a:t>student </a:t>
+            </a:r>
+            <a:r>
+              <a:rPr lang="en-US" b="1" dirty="0">
+                <a:latin typeface="Inconsolata" panose="020B0609030003000000" pitchFamily="49" charset="77"/>
+              </a:rPr>
+              <a:t>in students: </a:t>
+            </a:r>
+          </a:p>
+          <a:p>
+            <a:pPr marL="0" indent="0">
+              <a:buNone/>
+            </a:pPr>
+            <a:r>
+              <a:rPr lang="en-US" b="1" dirty="0">
+                <a:solidFill>
+                  <a:srgbClr val="006699"/>
+                </a:solidFill>
+                <a:latin typeface="Inconsolata" panose="020B0609030003000000" pitchFamily="49" charset="77"/>
+              </a:rPr>
+              <a:t>	sum += student[1]		</a:t>
+            </a:r>
+            <a:r>
+              <a:rPr lang="en-US" b="1" dirty="0">
+                <a:solidFill>
+                  <a:srgbClr val="FF0000"/>
+                </a:solidFill>
+                <a:latin typeface="Inconsolata" panose="020B0609030003000000" pitchFamily="49" charset="77"/>
+              </a:rPr>
+              <a:t># why student[1]? </a:t>
+            </a:r>
+          </a:p>
+          <a:p>
+            <a:pPr marL="0" indent="0">
+              <a:buNone/>
+            </a:pPr>
+            <a:r>
+              <a:rPr lang="en-US" b="1" dirty="0" err="1">
+                <a:latin typeface="Inconsolata" panose="020B0609030003000000" pitchFamily="49" charset="77"/>
+              </a:rPr>
+              <a:t>ave</a:t>
+            </a:r>
+            <a:r>
+              <a:rPr lang="en-US" b="1" dirty="0">
+                <a:latin typeface="Inconsolata" panose="020B0609030003000000" pitchFamily="49" charset="77"/>
+              </a:rPr>
+              <a:t> = sum / </a:t>
+            </a:r>
+            <a:r>
+              <a:rPr lang="en-US" b="1" dirty="0" err="1">
+                <a:latin typeface="Inconsolata" panose="020B0609030003000000" pitchFamily="49" charset="77"/>
+              </a:rPr>
+              <a:t>len</a:t>
+            </a:r>
+            <a:r>
+              <a:rPr lang="en-US" b="1" dirty="0">
+                <a:latin typeface="Inconsolata" panose="020B0609030003000000" pitchFamily="49" charset="77"/>
+              </a:rPr>
+              <a:t>(students)</a:t>
+            </a:r>
+          </a:p>
+          <a:p>
+            <a:pPr marL="0" indent="0">
+              <a:buNone/>
+            </a:pPr>
+            <a:r>
+              <a:rPr lang="en-US" b="1" dirty="0">
+                <a:latin typeface="Inconsolata" panose="020B0609030003000000" pitchFamily="49" charset="77"/>
+              </a:rPr>
+              <a:t>print(</a:t>
+            </a:r>
+            <a:r>
+              <a:rPr lang="en-US" b="1" dirty="0" err="1">
+                <a:latin typeface="Inconsolata" panose="020B0609030003000000" pitchFamily="49" charset="77"/>
+              </a:rPr>
+              <a:t>ave</a:t>
+            </a:r>
+            <a:r>
+              <a:rPr lang="en-US" b="1" dirty="0">
+                <a:latin typeface="Inconsolata" panose="020B0609030003000000" pitchFamily="49" charset="77"/>
+              </a:rPr>
+              <a:t>)</a:t>
+            </a:r>
+          </a:p>
+          <a:p>
+            <a:pPr marL="0" indent="0">
+              <a:buNone/>
+            </a:pPr>
+            <a:endParaRPr lang="en-US" b="1" dirty="0">
+              <a:latin typeface="Inconsolata" panose="020B0609030003000000" pitchFamily="49" charset="77"/>
+            </a:endParaRPr>
+          </a:p>
+          <a:p>
+            <a:pPr marL="0" indent="0">
+              <a:buNone/>
+            </a:pPr>
+            <a:r>
+              <a:rPr lang="en-US" dirty="0">
+                <a:latin typeface="Gill Sans MT" panose="020B0502020104020203" pitchFamily="34" charset="77"/>
+              </a:rPr>
+              <a:t>Output:</a:t>
+            </a:r>
+          </a:p>
+          <a:p>
+            <a:pPr marL="0" indent="0">
+              <a:buNone/>
+            </a:pPr>
+            <a:r>
+              <a:rPr lang="en-US" dirty="0">
+                <a:latin typeface="Gill Sans MT" panose="020B0502020104020203" pitchFamily="34" charset="77"/>
+              </a:rPr>
+              <a:t>85.0</a:t>
+            </a:r>
+          </a:p>
+        </p:txBody>
+      </p:sp>
+    </p:spTree>
+    <p:extLst>
+      <p:ext uri="{BB962C8B-B14F-4D97-AF65-F5344CB8AC3E}">
+        <p14:creationId xmlns:p14="http://schemas.microsoft.com/office/powerpoint/2010/main" val="1205733451"/>
+      </p:ext>
+    </p:extLst>
+  </p:cSld>
+  <p:clrMapOvr>
+    <a:masterClrMapping/>
+  </p:clrMapOvr>
+  <p:timing>
+    <p:tnLst>
+      <p:par>
+        <p:cTn id="1" dur="indefinite" restart="never" nodeType="tmRoot">
+          <p:childTnLst>
+            <p:seq concurrent="1" nextAc="seek">
+              <p:cTn id="2" dur="indefinite" nodeType="mainSeq">
+                <p:childTnLst>
+                  <p:par>
+                    <p:cTn id="3" fill="hold">
+                      <p:stCondLst>
+                        <p:cond delay="indefinite"/>
+                      </p:stCondLst>
+                      <p:childTnLst>
+                        <p:par>
+                          <p:cTn id="4" fill="hold">
+                            <p:stCondLst>
+                              <p:cond delay="0"/>
+                            </p:stCondLst>
+                            <p:childTnLst>
+                              <p:par>
+                                <p:cTn id="5" presetID="1" presetClass="entr" presetSubtype="0" fill="hold" nodeType="clickEffect">
+                                  <p:stCondLst>
+                                    <p:cond delay="0"/>
+                                  </p:stCondLst>
+                                  <p:childTnLst>
+                                    <p:set>
+                                      <p:cBhvr>
+                                        <p:cTn id="6" dur="1" fill="hold">
+                                          <p:stCondLst>
+                                            <p:cond delay="0"/>
+                                          </p:stCondLst>
+                                        </p:cTn>
+                                        <p:tgtEl>
+                                          <p:spTgt spid="9">
+                                            <p:txEl>
+                                              <p:pRg st="4" end="4"/>
+                                            </p:txEl>
+                                          </p:spTgt>
+                                        </p:tgtEl>
+                                        <p:attrNameLst>
+                                          <p:attrName>style.visibility</p:attrName>
+                                        </p:attrNameLst>
+                                      </p:cBhvr>
+                                      <p:to>
+                                        <p:strVal val="visible"/>
+                                      </p:to>
+                                    </p:set>
+                                  </p:childTnLst>
+                                </p:cTn>
+                              </p:par>
+                            </p:childTnLst>
+                          </p:cTn>
+                        </p:par>
+                      </p:childTnLst>
+                    </p:cTn>
+                  </p:par>
+                  <p:par>
+                    <p:cTn id="7" fill="hold">
+                      <p:stCondLst>
+                        <p:cond delay="indefinite"/>
+                      </p:stCondLst>
+                      <p:childTnLst>
+                        <p:par>
+                          <p:cTn id="8" fill="hold">
+                            <p:stCondLst>
+                              <p:cond delay="0"/>
+                            </p:stCondLst>
+                            <p:childTnLst>
+                              <p:par>
+                                <p:cTn id="9" presetID="1" presetClass="entr" presetSubtype="0" fill="hold" nodeType="clickEffect">
+                                  <p:stCondLst>
+                                    <p:cond delay="0"/>
+                                  </p:stCondLst>
+                                  <p:childTnLst>
+                                    <p:set>
+                                      <p:cBhvr>
+                                        <p:cTn id="10" dur="1" fill="hold">
+                                          <p:stCondLst>
+                                            <p:cond delay="0"/>
+                                          </p:stCondLst>
+                                        </p:cTn>
+                                        <p:tgtEl>
+                                          <p:spTgt spid="9">
+                                            <p:txEl>
+                                              <p:pRg st="5" end="5"/>
+                                            </p:txEl>
+                                          </p:spTgt>
+                                        </p:tgtEl>
+                                        <p:attrNameLst>
+                                          <p:attrName>style.visibility</p:attrName>
+                                        </p:attrNameLst>
+                                      </p:cBhvr>
+                                      <p:to>
+                                        <p:strVal val="visible"/>
+                                      </p:to>
+                                    </p:set>
+                                  </p:childTnLst>
+                                </p:cTn>
+                              </p:par>
+                            </p:childTnLst>
+                          </p:cTn>
+                        </p:par>
+                      </p:childTnLst>
+                    </p:cTn>
+                  </p:par>
+                  <p:par>
+                    <p:cTn id="11" fill="hold">
+                      <p:stCondLst>
+                        <p:cond delay="indefinite"/>
+                      </p:stCondLst>
+                      <p:childTnLst>
+                        <p:par>
+                          <p:cTn id="12" fill="hold">
+                            <p:stCondLst>
+                              <p:cond delay="0"/>
+                            </p:stCondLst>
+                            <p:childTnLst>
+                              <p:par>
+                                <p:cTn id="13" presetID="1" presetClass="entr" presetSubtype="0" fill="hold" nodeType="clickEffect">
+                                  <p:stCondLst>
+                                    <p:cond delay="0"/>
+                                  </p:stCondLst>
+                                  <p:childTnLst>
+                                    <p:set>
+                                      <p:cBhvr>
+                                        <p:cTn id="14" dur="1" fill="hold">
+                                          <p:stCondLst>
+                                            <p:cond delay="0"/>
+                                          </p:stCondLst>
+                                        </p:cTn>
+                                        <p:tgtEl>
+                                          <p:spTgt spid="9">
+                                            <p:txEl>
+                                              <p:pRg st="6" end="6"/>
+                                            </p:txEl>
+                                          </p:spTgt>
+                                        </p:tgtEl>
+                                        <p:attrNameLst>
+                                          <p:attrName>style.visibility</p:attrName>
+                                        </p:attrNameLst>
+                                      </p:cBhvr>
+                                      <p:to>
+                                        <p:strVal val="visible"/>
+                                      </p:to>
+                                    </p:set>
+                                  </p:childTnLst>
+                                </p:cTn>
+                              </p:par>
+                            </p:childTnLst>
+                          </p:cTn>
+                        </p:par>
+                      </p:childTnLst>
+                    </p:cTn>
+                  </p:par>
+                  <p:par>
+                    <p:cTn id="15" fill="hold">
+                      <p:stCondLst>
+                        <p:cond delay="indefinite"/>
+                      </p:stCondLst>
+                      <p:childTnLst>
+                        <p:par>
+                          <p:cTn id="16" fill="hold">
+                            <p:stCondLst>
+                              <p:cond delay="0"/>
+                            </p:stCondLst>
+                            <p:childTnLst>
+                              <p:par>
+                                <p:cTn id="17" presetID="1" presetClass="entr" presetSubtype="0" fill="hold" nodeType="clickEffect">
+                                  <p:stCondLst>
+                                    <p:cond delay="0"/>
+                                  </p:stCondLst>
+                                  <p:childTnLst>
+                                    <p:set>
+                                      <p:cBhvr>
+                                        <p:cTn id="18" dur="1" fill="hold">
+                                          <p:stCondLst>
+                                            <p:cond delay="0"/>
+                                          </p:stCondLst>
+                                        </p:cTn>
+                                        <p:tgtEl>
+                                          <p:spTgt spid="9">
+                                            <p:txEl>
+                                              <p:pRg st="7" end="7"/>
+                                            </p:txEl>
+                                          </p:spTgt>
+                                        </p:tgtEl>
+                                        <p:attrNameLst>
+                                          <p:attrName>style.visibility</p:attrName>
+                                        </p:attrNameLst>
+                                      </p:cBhvr>
+                                      <p:to>
+                                        <p:strVal val="visible"/>
+                                      </p:to>
+                                    </p:set>
+                                  </p:childTnLst>
+                                </p:cTn>
+                              </p:par>
+                            </p:childTnLst>
+                          </p:cTn>
+                        </p:par>
+                      </p:childTnLst>
+                    </p:cTn>
+                  </p:par>
+                  <p:par>
+                    <p:cTn id="19" fill="hold">
+                      <p:stCondLst>
+                        <p:cond delay="indefinite"/>
+                      </p:stCondLst>
+                      <p:childTnLst>
+                        <p:par>
+                          <p:cTn id="20" fill="hold">
+                            <p:stCondLst>
+                              <p:cond delay="0"/>
+                            </p:stCondLst>
+                            <p:childTnLst>
+                              <p:par>
+                                <p:cTn id="21" presetID="1" presetClass="entr" presetSubtype="0" fill="hold" nodeType="clickEffect">
+                                  <p:stCondLst>
+                                    <p:cond delay="0"/>
+                                  </p:stCondLst>
+                                  <p:childTnLst>
+                                    <p:set>
+                                      <p:cBhvr>
+                                        <p:cTn id="22" dur="1" fill="hold">
+                                          <p:stCondLst>
+                                            <p:cond delay="0"/>
+                                          </p:stCondLst>
+                                        </p:cTn>
+                                        <p:tgtEl>
+                                          <p:spTgt spid="9">
+                                            <p:txEl>
+                                              <p:pRg st="9" end="9"/>
+                                            </p:txEl>
+                                          </p:spTgt>
+                                        </p:tgtEl>
+                                        <p:attrNameLst>
+                                          <p:attrName>style.visibility</p:attrName>
+                                        </p:attrNameLst>
+                                      </p:cBhvr>
+                                      <p:to>
+                                        <p:strVal val="visible"/>
+                                      </p:to>
+                                    </p:set>
+                                  </p:childTnLst>
+                                </p:cTn>
+                              </p:par>
+                            </p:childTnLst>
+                          </p:cTn>
+                        </p:par>
+                      </p:childTnLst>
+                    </p:cTn>
+                  </p:par>
+                  <p:par>
+                    <p:cTn id="23" fill="hold">
+                      <p:stCondLst>
+                        <p:cond delay="indefinite"/>
+                      </p:stCondLst>
+                      <p:childTnLst>
+                        <p:par>
+                          <p:cTn id="24" fill="hold">
+                            <p:stCondLst>
+                              <p:cond delay="0"/>
+                            </p:stCondLst>
+                            <p:childTnLst>
+                              <p:par>
+                                <p:cTn id="25" presetID="1" presetClass="entr" presetSubtype="0" fill="hold" nodeType="clickEffect">
+                                  <p:stCondLst>
+                                    <p:cond delay="0"/>
+                                  </p:stCondLst>
+                                  <p:childTnLst>
+                                    <p:set>
+                                      <p:cBhvr>
+                                        <p:cTn id="26" dur="1" fill="hold">
+                                          <p:stCondLst>
+                                            <p:cond delay="0"/>
+                                          </p:stCondLst>
+                                        </p:cTn>
+                                        <p:tgtEl>
+                                          <p:spTgt spid="9">
+                                            <p:txEl>
+                                              <p:pRg st="10" end="10"/>
+                                            </p:txEl>
+                                          </p:spTgt>
+                                        </p:tgtEl>
+                                        <p:attrNameLst>
+                                          <p:attrName>style.visibility</p:attrName>
+                                        </p:attrNameLst>
+                                      </p:cBhvr>
+                                      <p:to>
+                                        <p:strVal val="visible"/>
+                                      </p:to>
+                                    </p:set>
+                                  </p:childTnLst>
+                                </p:cTn>
+                              </p:par>
+                            </p:childTnLst>
+                          </p:cTn>
+                        </p:par>
+                      </p:childTnLst>
+                    </p:cTn>
+                  </p:par>
+                </p:childTnLst>
+              </p:cTn>
+              <p:prevCondLst>
+                <p:cond evt="onPrev" delay="0">
+                  <p:tgtEl>
+                    <p:sldTgt/>
+                  </p:tgtEl>
+                </p:cond>
+              </p:prevCondLst>
+              <p:nextCondLst>
+                <p:cond evt="onNext" delay="0">
+                  <p:tgtEl>
+                    <p:sldTgt/>
+                  </p:tgtEl>
+                </p:cond>
+              </p:nextCondLst>
+            </p:seq>
+          </p:childTnLst>
+        </p:cTn>
+      </p:par>
+    </p:tnLst>
+  </p:timing>
+</p:sld>
+</file>
+
+<file path=ppt/slides/slide19.xml><?xml version="1.0" encoding="utf-8"?>
+<p:sld xmlns:a="http://schemas.openxmlformats.org/drawingml/2006/main" xmlns:r="http://schemas.openxmlformats.org/officeDocument/2006/relationships" xmlns:p="http://schemas.openxmlformats.org/presentationml/2006/main">
+  <p:cSld>
+    <p:spTree>
+      <p:nvGrpSpPr>
+        <p:cNvPr id="1" name=""/>
+        <p:cNvGrpSpPr/>
+        <p:nvPr/>
+      </p:nvGrpSpPr>
+      <p:grpSpPr>
+        <a:xfrm>
+          <a:off x="0" y="0"/>
+          <a:ext cx="0" cy="0"/>
+          <a:chOff x="0" y="0"/>
+          <a:chExt cx="0" cy="0"/>
+        </a:xfrm>
+      </p:grpSpPr>
+      <p:sp>
+        <p:nvSpPr>
+          <p:cNvPr id="2" name="Title 1">
+            <a:extLst>
+              <a:ext uri="{FF2B5EF4-FFF2-40B4-BE49-F238E27FC236}">
+                <a16:creationId xmlns:a16="http://schemas.microsoft.com/office/drawing/2014/main" id="{AA3A228F-61D0-D949-A5E7-F83756230BF8}"/>
+              </a:ext>
+            </a:extLst>
+          </p:cNvPr>
+          <p:cNvSpPr>
+            <a:spLocks noGrp="1"/>
+          </p:cNvSpPr>
+          <p:nvPr>
+            <p:ph type="title"/>
+          </p:nvPr>
+        </p:nvSpPr>
+        <p:spPr>
+          <a:xfrm>
             <a:off x="216816" y="97887"/>
             <a:ext cx="6962355" cy="587809"/>
           </a:xfrm>
@@ -8051,7 +11238,7 @@
     </p:spTree>
     <p:extLst>
       <p:ext uri="{BB962C8B-B14F-4D97-AF65-F5344CB8AC3E}">
-        <p14:creationId xmlns:p14="http://schemas.microsoft.com/office/powerpoint/2010/main" val="3314372952"/>
+        <p14:creationId xmlns:p14="http://schemas.microsoft.com/office/powerpoint/2010/main" val="451405738"/>
       </p:ext>
     </p:extLst>
   </p:cSld>
@@ -8269,7 +11456,382 @@
 </p:sld>
 </file>
 
-<file path=ppt/slides/slide15.xml><?xml version="1.0" encoding="utf-8"?>
+<file path=ppt/slides/slide2.xml><?xml version="1.0" encoding="utf-8"?>
+<p:sld xmlns:a="http://schemas.openxmlformats.org/drawingml/2006/main" xmlns:r="http://schemas.openxmlformats.org/officeDocument/2006/relationships" xmlns:p="http://schemas.openxmlformats.org/presentationml/2006/main">
+  <p:cSld>
+    <p:spTree>
+      <p:nvGrpSpPr>
+        <p:cNvPr id="1" name=""/>
+        <p:cNvGrpSpPr/>
+        <p:nvPr/>
+      </p:nvGrpSpPr>
+      <p:grpSpPr>
+        <a:xfrm>
+          <a:off x="0" y="0"/>
+          <a:ext cx="0" cy="0"/>
+          <a:chOff x="0" y="0"/>
+          <a:chExt cx="0" cy="0"/>
+        </a:xfrm>
+      </p:grpSpPr>
+      <p:sp>
+        <p:nvSpPr>
+          <p:cNvPr id="2" name="Title 1">
+            <a:extLst>
+              <a:ext uri="{FF2B5EF4-FFF2-40B4-BE49-F238E27FC236}">
+                <a16:creationId xmlns:a16="http://schemas.microsoft.com/office/drawing/2014/main" id="{AA3A228F-61D0-D949-A5E7-F83756230BF8}"/>
+              </a:ext>
+            </a:extLst>
+          </p:cNvPr>
+          <p:cNvSpPr>
+            <a:spLocks noGrp="1"/>
+          </p:cNvSpPr>
+          <p:nvPr>
+            <p:ph type="title"/>
+          </p:nvPr>
+        </p:nvSpPr>
+        <p:spPr>
+          <a:xfrm>
+            <a:off x="169682" y="134007"/>
+            <a:ext cx="7053542" cy="683886"/>
+          </a:xfrm>
+        </p:spPr>
+        <p:txBody>
+          <a:bodyPr/>
+          <a:lstStyle/>
+          <a:p>
+            <a:r>
+              <a:rPr lang="en-US" dirty="0"/>
+              <a:t>Indefinite Loop</a:t>
+            </a:r>
+          </a:p>
+        </p:txBody>
+      </p:sp>
+      <p:sp>
+        <p:nvSpPr>
+          <p:cNvPr id="9" name="Content Placeholder 8">
+            <a:extLst>
+              <a:ext uri="{FF2B5EF4-FFF2-40B4-BE49-F238E27FC236}">
+                <a16:creationId xmlns:a16="http://schemas.microsoft.com/office/drawing/2014/main" id="{E3B2E017-30B2-884B-A113-B419A2ED51AD}"/>
+              </a:ext>
+            </a:extLst>
+          </p:cNvPr>
+          <p:cNvSpPr>
+            <a:spLocks noGrp="1"/>
+          </p:cNvSpPr>
+          <p:nvPr>
+            <p:ph idx="1"/>
+          </p:nvPr>
+        </p:nvSpPr>
+        <p:spPr>
+          <a:xfrm>
+            <a:off x="169682" y="1007165"/>
+            <a:ext cx="8804636" cy="4573828"/>
+          </a:xfrm>
+        </p:spPr>
+        <p:txBody>
+          <a:bodyPr>
+            <a:normAutofit/>
+          </a:bodyPr>
+          <a:lstStyle/>
+          <a:p>
+            <a:pPr marL="0" indent="0">
+              <a:buNone/>
+            </a:pPr>
+            <a:r>
+              <a:rPr lang="en-US" dirty="0"/>
+              <a:t>A </a:t>
+            </a:r>
+            <a:r>
+              <a:rPr lang="en-US" b="1" dirty="0"/>
+              <a:t>for </a:t>
+            </a:r>
+            <a:r>
+              <a:rPr lang="en-US" dirty="0"/>
+              <a:t>loop, we discussed earlier is an example of a </a:t>
+            </a:r>
+            <a:r>
+              <a:rPr lang="en-US" b="1" dirty="0"/>
+              <a:t>definite loop</a:t>
+            </a:r>
+            <a:r>
+              <a:rPr lang="en-US" dirty="0"/>
+              <a:t>, the number of iterations can be specified ahead of time by the programmer.</a:t>
+            </a:r>
+          </a:p>
+          <a:p>
+            <a:pPr marL="0" indent="0">
+              <a:buNone/>
+            </a:pPr>
+            <a:endParaRPr lang="en-US" dirty="0"/>
+          </a:p>
+          <a:p>
+            <a:pPr marL="0" indent="0">
+              <a:buNone/>
+            </a:pPr>
+            <a:r>
+              <a:rPr lang="en-US" dirty="0"/>
+              <a:t>In some cases, however, the number of iterations can be unknown.  This type of loop is called an </a:t>
+            </a:r>
+            <a:r>
+              <a:rPr lang="en-US" b="1" dirty="0"/>
+              <a:t>indefinite loop.  </a:t>
+            </a:r>
+            <a:r>
+              <a:rPr lang="en-US" dirty="0"/>
+              <a:t>For example, a user is asked to enter a set of inputs. The number of inputs the user enter is not known in advance. The program’s input loop accepts these values until the user enters a special value or </a:t>
+            </a:r>
+            <a:r>
+              <a:rPr lang="en-US" b="1" dirty="0"/>
+              <a:t>sentinel </a:t>
+            </a:r>
+            <a:r>
+              <a:rPr lang="en-US" dirty="0"/>
+              <a:t>that terminates the input. </a:t>
+            </a:r>
+          </a:p>
+          <a:p>
+            <a:pPr marL="0" indent="0">
+              <a:buNone/>
+            </a:pPr>
+            <a:endParaRPr lang="en-US" dirty="0"/>
+          </a:p>
+          <a:p>
+            <a:pPr marL="0" indent="0">
+              <a:buNone/>
+            </a:pPr>
+            <a:r>
+              <a:rPr lang="en-US" dirty="0"/>
+              <a:t>In this section, we explore the use of the </a:t>
+            </a:r>
+            <a:r>
+              <a:rPr lang="en-US" b="1" dirty="0"/>
+              <a:t>while </a:t>
+            </a:r>
+            <a:r>
+              <a:rPr lang="en-US" dirty="0"/>
+              <a:t>loop to describe conditional iteration: iteration that repeats as long as a condition is true. </a:t>
+            </a:r>
+          </a:p>
+          <a:p>
+            <a:pPr marL="0" indent="0">
+              <a:buNone/>
+            </a:pPr>
+            <a:endParaRPr lang="en-US" dirty="0"/>
+          </a:p>
+          <a:p>
+            <a:pPr marL="0" indent="0">
+              <a:buNone/>
+            </a:pPr>
+            <a:r>
+              <a:rPr lang="en-US" dirty="0"/>
+              <a:t>Between the two loops, the for loop is more common. </a:t>
+            </a:r>
+          </a:p>
+          <a:p>
+            <a:pPr marL="0" indent="0">
+              <a:buNone/>
+            </a:pPr>
+            <a:endParaRPr lang="en-US" dirty="0"/>
+          </a:p>
+          <a:p>
+            <a:pPr marL="0" indent="0">
+              <a:buNone/>
+            </a:pPr>
+            <a:endParaRPr lang="en-US" dirty="0"/>
+          </a:p>
+        </p:txBody>
+      </p:sp>
+    </p:spTree>
+    <p:extLst>
+      <p:ext uri="{BB962C8B-B14F-4D97-AF65-F5344CB8AC3E}">
+        <p14:creationId xmlns:p14="http://schemas.microsoft.com/office/powerpoint/2010/main" val="924617162"/>
+      </p:ext>
+    </p:extLst>
+  </p:cSld>
+  <p:clrMapOvr>
+    <a:masterClrMapping/>
+  </p:clrMapOvr>
+  <p:timing>
+    <p:tnLst>
+      <p:par>
+        <p:cTn id="1" dur="indefinite" restart="never" nodeType="tmRoot">
+          <p:childTnLst>
+            <p:seq concurrent="1" nextAc="seek">
+              <p:cTn id="2" dur="indefinite" nodeType="mainSeq">
+                <p:childTnLst>
+                  <p:par>
+                    <p:cTn id="3" fill="hold">
+                      <p:stCondLst>
+                        <p:cond delay="indefinite"/>
+                      </p:stCondLst>
+                      <p:childTnLst>
+                        <p:par>
+                          <p:cTn id="4" fill="hold">
+                            <p:stCondLst>
+                              <p:cond delay="0"/>
+                            </p:stCondLst>
+                            <p:childTnLst>
+                              <p:par>
+                                <p:cTn id="5" presetID="1" presetClass="entr" presetSubtype="0" fill="hold" nodeType="clickEffect">
+                                  <p:stCondLst>
+                                    <p:cond delay="0"/>
+                                  </p:stCondLst>
+                                  <p:childTnLst>
+                                    <p:set>
+                                      <p:cBhvr>
+                                        <p:cTn id="6" dur="1" fill="hold">
+                                          <p:stCondLst>
+                                            <p:cond delay="0"/>
+                                          </p:stCondLst>
+                                        </p:cTn>
+                                        <p:tgtEl>
+                                          <p:spTgt spid="9">
+                                            <p:txEl>
+                                              <p:pRg st="2" end="2"/>
+                                            </p:txEl>
+                                          </p:spTgt>
+                                        </p:tgtEl>
+                                        <p:attrNameLst>
+                                          <p:attrName>style.visibility</p:attrName>
+                                        </p:attrNameLst>
+                                      </p:cBhvr>
+                                      <p:to>
+                                        <p:strVal val="visible"/>
+                                      </p:to>
+                                    </p:set>
+                                  </p:childTnLst>
+                                </p:cTn>
+                              </p:par>
+                            </p:childTnLst>
+                          </p:cTn>
+                        </p:par>
+                      </p:childTnLst>
+                    </p:cTn>
+                  </p:par>
+                  <p:par>
+                    <p:cTn id="7" fill="hold">
+                      <p:stCondLst>
+                        <p:cond delay="indefinite"/>
+                      </p:stCondLst>
+                      <p:childTnLst>
+                        <p:par>
+                          <p:cTn id="8" fill="hold">
+                            <p:stCondLst>
+                              <p:cond delay="0"/>
+                            </p:stCondLst>
+                            <p:childTnLst>
+                              <p:par>
+                                <p:cTn id="9" presetID="1" presetClass="entr" presetSubtype="0" fill="hold" nodeType="clickEffect">
+                                  <p:stCondLst>
+                                    <p:cond delay="0"/>
+                                  </p:stCondLst>
+                                  <p:childTnLst>
+                                    <p:set>
+                                      <p:cBhvr>
+                                        <p:cTn id="10" dur="1" fill="hold">
+                                          <p:stCondLst>
+                                            <p:cond delay="0"/>
+                                          </p:stCondLst>
+                                        </p:cTn>
+                                        <p:tgtEl>
+                                          <p:spTgt spid="9">
+                                            <p:txEl>
+                                              <p:pRg st="4" end="4"/>
+                                            </p:txEl>
+                                          </p:spTgt>
+                                        </p:tgtEl>
+                                        <p:attrNameLst>
+                                          <p:attrName>style.visibility</p:attrName>
+                                        </p:attrNameLst>
+                                      </p:cBhvr>
+                                      <p:to>
+                                        <p:strVal val="visible"/>
+                                      </p:to>
+                                    </p:set>
+                                  </p:childTnLst>
+                                </p:cTn>
+                              </p:par>
+                            </p:childTnLst>
+                          </p:cTn>
+                        </p:par>
+                      </p:childTnLst>
+                    </p:cTn>
+                  </p:par>
+                  <p:par>
+                    <p:cTn id="11" fill="hold">
+                      <p:stCondLst>
+                        <p:cond delay="indefinite"/>
+                      </p:stCondLst>
+                      <p:childTnLst>
+                        <p:par>
+                          <p:cTn id="12" fill="hold">
+                            <p:stCondLst>
+                              <p:cond delay="0"/>
+                            </p:stCondLst>
+                            <p:childTnLst>
+                              <p:par>
+                                <p:cTn id="13" presetID="1" presetClass="entr" presetSubtype="0" fill="hold" nodeType="clickEffect">
+                                  <p:stCondLst>
+                                    <p:cond delay="0"/>
+                                  </p:stCondLst>
+                                  <p:childTnLst>
+                                    <p:set>
+                                      <p:cBhvr>
+                                        <p:cTn id="14" dur="1" fill="hold">
+                                          <p:stCondLst>
+                                            <p:cond delay="0"/>
+                                          </p:stCondLst>
+                                        </p:cTn>
+                                        <p:tgtEl>
+                                          <p:spTgt spid="9">
+                                            <p:txEl>
+                                              <p:pRg st="6" end="6"/>
+                                            </p:txEl>
+                                          </p:spTgt>
+                                        </p:tgtEl>
+                                        <p:attrNameLst>
+                                          <p:attrName>style.visibility</p:attrName>
+                                        </p:attrNameLst>
+                                      </p:cBhvr>
+                                      <p:to>
+                                        <p:strVal val="visible"/>
+                                      </p:to>
+                                    </p:set>
+                                  </p:childTnLst>
+                                </p:cTn>
+                              </p:par>
+                            </p:childTnLst>
+                          </p:cTn>
+                        </p:par>
+                      </p:childTnLst>
+                    </p:cTn>
+                  </p:par>
+                </p:childTnLst>
+              </p:cTn>
+              <p:prevCondLst>
+                <p:cond evt="onPrev" delay="0">
+                  <p:tgtEl>
+                    <p:sldTgt/>
+                  </p:tgtEl>
+                </p:cond>
+              </p:prevCondLst>
+              <p:nextCondLst>
+                <p:cond evt="onNext" delay="0">
+                  <p:tgtEl>
+                    <p:sldTgt/>
+                  </p:tgtEl>
+                </p:cond>
+              </p:nextCondLst>
+            </p:seq>
+          </p:childTnLst>
+        </p:cTn>
+      </p:par>
+    </p:tnLst>
+  </p:timing>
+</p:sld>
+</file>
+
+<file path=ppt/slides/slide20.xml><?xml version="1.0" encoding="utf-8"?>
 <p:sld xmlns:a="http://schemas.openxmlformats.org/drawingml/2006/main" xmlns:r="http://schemas.openxmlformats.org/officeDocument/2006/relationships" xmlns:p="http://schemas.openxmlformats.org/presentationml/2006/main">
   <p:cSld>
     <p:spTree>
@@ -8740,7 +12302,7 @@
     </p:spTree>
     <p:extLst>
       <p:ext uri="{BB962C8B-B14F-4D97-AF65-F5344CB8AC3E}">
-        <p14:creationId xmlns:p14="http://schemas.microsoft.com/office/powerpoint/2010/main" val="3870816631"/>
+        <p14:creationId xmlns:p14="http://schemas.microsoft.com/office/powerpoint/2010/main" val="1712009111"/>
       </p:ext>
     </p:extLst>
   </p:cSld>
@@ -9466,1849 +13028,7 @@
 </p:sld>
 </file>
 
-<file path=ppt/slides/slide16.xml><?xml version="1.0" encoding="utf-8"?>
-<p:sld xmlns:a="http://schemas.openxmlformats.org/drawingml/2006/main" xmlns:r="http://schemas.openxmlformats.org/officeDocument/2006/relationships" xmlns:p="http://schemas.openxmlformats.org/presentationml/2006/main">
-  <p:cSld>
-    <p:spTree>
-      <p:nvGrpSpPr>
-        <p:cNvPr id="1" name=""/>
-        <p:cNvGrpSpPr/>
-        <p:nvPr/>
-      </p:nvGrpSpPr>
-      <p:grpSpPr>
-        <a:xfrm>
-          <a:off x="0" y="0"/>
-          <a:ext cx="0" cy="0"/>
-          <a:chOff x="0" y="0"/>
-          <a:chExt cx="0" cy="0"/>
-        </a:xfrm>
-      </p:grpSpPr>
-      <p:sp>
-        <p:nvSpPr>
-          <p:cNvPr id="2" name="Title 1">
-            <a:extLst>
-              <a:ext uri="{FF2B5EF4-FFF2-40B4-BE49-F238E27FC236}">
-                <a16:creationId xmlns:a16="http://schemas.microsoft.com/office/drawing/2014/main" id="{AA3A228F-61D0-D949-A5E7-F83756230BF8}"/>
-              </a:ext>
-            </a:extLst>
-          </p:cNvPr>
-          <p:cNvSpPr>
-            <a:spLocks noGrp="1"/>
-          </p:cNvSpPr>
-          <p:nvPr>
-            <p:ph type="title"/>
-          </p:nvPr>
-        </p:nvSpPr>
-        <p:spPr>
-          <a:xfrm>
-            <a:off x="170339" y="134008"/>
-            <a:ext cx="7053542" cy="683886"/>
-          </a:xfrm>
-        </p:spPr>
-        <p:txBody>
-          <a:bodyPr/>
-          <a:lstStyle/>
-          <a:p>
-            <a:r>
-              <a:rPr lang="en-US" dirty="0"/>
-              <a:t>Nested Loops</a:t>
-            </a:r>
-          </a:p>
-        </p:txBody>
-      </p:sp>
-      <p:sp>
-        <p:nvSpPr>
-          <p:cNvPr id="9" name="Content Placeholder 8">
-            <a:extLst>
-              <a:ext uri="{FF2B5EF4-FFF2-40B4-BE49-F238E27FC236}">
-                <a16:creationId xmlns:a16="http://schemas.microsoft.com/office/drawing/2014/main" id="{E3B2E017-30B2-884B-A113-B419A2ED51AD}"/>
-              </a:ext>
-            </a:extLst>
-          </p:cNvPr>
-          <p:cNvSpPr>
-            <a:spLocks noGrp="1"/>
-          </p:cNvSpPr>
-          <p:nvPr>
-            <p:ph idx="1"/>
-          </p:nvPr>
-        </p:nvSpPr>
-        <p:spPr>
-          <a:xfrm>
-            <a:off x="170340" y="817895"/>
-            <a:ext cx="8365234" cy="4763098"/>
-          </a:xfrm>
-        </p:spPr>
-        <p:txBody>
-          <a:bodyPr>
-            <a:normAutofit/>
-          </a:bodyPr>
-          <a:lstStyle/>
-          <a:p>
-            <a:pPr marL="0" indent="0">
-              <a:buNone/>
-            </a:pPr>
-            <a:r>
-              <a:rPr lang="en-US" dirty="0">
-                <a:latin typeface="Gill Sans MT" panose="020B0502020104020203" pitchFamily="34" charset="77"/>
-              </a:rPr>
-              <a:t>A </a:t>
-            </a:r>
-            <a:r>
-              <a:rPr lang="en-US" i="1" dirty="0">
-                <a:latin typeface="Gill Sans MT" panose="020B0502020104020203" pitchFamily="34" charset="77"/>
-              </a:rPr>
-              <a:t>nested loop</a:t>
-            </a:r>
-            <a:r>
-              <a:rPr lang="en-US" dirty="0">
-                <a:latin typeface="Gill Sans MT" panose="020B0502020104020203" pitchFamily="34" charset="77"/>
-              </a:rPr>
-              <a:t> is a loop inside of another loop. </a:t>
-            </a:r>
-          </a:p>
-          <a:p>
-            <a:pPr marL="0" indent="0">
-              <a:buNone/>
-            </a:pPr>
-            <a:endParaRPr lang="en-US" dirty="0">
-              <a:latin typeface="Gill Sans MT" panose="020B0502020104020203" pitchFamily="34" charset="77"/>
-            </a:endParaRPr>
-          </a:p>
-          <a:p>
-            <a:pPr marL="0" indent="0">
-              <a:buNone/>
-            </a:pPr>
-            <a:r>
-              <a:rPr lang="en-US" b="1" dirty="0">
-                <a:solidFill>
-                  <a:srgbClr val="006699"/>
-                </a:solidFill>
-                <a:latin typeface="Inconsolata" panose="020B0609030003000000" pitchFamily="49" charset="77"/>
-              </a:rPr>
-              <a:t>for </a:t>
-            </a:r>
-            <a:r>
-              <a:rPr lang="en-US" b="1" dirty="0">
-                <a:solidFill>
-                  <a:srgbClr val="000087"/>
-                </a:solidFill>
-                <a:latin typeface="Inconsolata" panose="020B0609030003000000" pitchFamily="49" charset="77"/>
-              </a:rPr>
-              <a:t>i </a:t>
-            </a:r>
-            <a:r>
-              <a:rPr lang="en-US" b="1" dirty="0">
-                <a:latin typeface="Inconsolata" panose="020B0609030003000000" pitchFamily="49" charset="77"/>
-              </a:rPr>
-              <a:t>in </a:t>
-            </a:r>
-            <a:r>
-              <a:rPr lang="en-US" b="1" dirty="0">
-                <a:solidFill>
-                  <a:srgbClr val="336666"/>
-                </a:solidFill>
-                <a:latin typeface="Inconsolata" panose="020B0609030003000000" pitchFamily="49" charset="77"/>
-              </a:rPr>
-              <a:t>range</a:t>
-            </a:r>
-            <a:r>
-              <a:rPr lang="en-US" b="1" dirty="0">
-                <a:latin typeface="Inconsolata" panose="020B0609030003000000" pitchFamily="49" charset="77"/>
-              </a:rPr>
-              <a:t>(</a:t>
-            </a:r>
-            <a:r>
-              <a:rPr lang="en-US" b="1" dirty="0">
-                <a:solidFill>
-                  <a:srgbClr val="FF6600"/>
-                </a:solidFill>
-                <a:latin typeface="Inconsolata" panose="020B0609030003000000" pitchFamily="49" charset="77"/>
-              </a:rPr>
-              <a:t>1, 4</a:t>
-            </a:r>
-            <a:r>
-              <a:rPr lang="en-US" b="1" dirty="0">
-                <a:latin typeface="Inconsolata" panose="020B0609030003000000" pitchFamily="49" charset="77"/>
-              </a:rPr>
-              <a:t>):</a:t>
-            </a:r>
-          </a:p>
-          <a:p>
-            <a:pPr marL="0" indent="0">
-              <a:buNone/>
-            </a:pPr>
-            <a:r>
-              <a:rPr lang="en-US" b="1" dirty="0">
-                <a:solidFill>
-                  <a:srgbClr val="FF6600"/>
-                </a:solidFill>
-                <a:latin typeface="Inconsolata" panose="020B0609030003000000" pitchFamily="49" charset="77"/>
-              </a:rPr>
-              <a:t>	</a:t>
-            </a:r>
-            <a:r>
-              <a:rPr lang="en-US" b="1" dirty="0">
-                <a:solidFill>
-                  <a:srgbClr val="006699"/>
-                </a:solidFill>
-                <a:latin typeface="Inconsolata" panose="020B0609030003000000" pitchFamily="49" charset="77"/>
-              </a:rPr>
-              <a:t>for </a:t>
-            </a:r>
-            <a:r>
-              <a:rPr lang="en-US" b="1" dirty="0">
-                <a:solidFill>
-                  <a:srgbClr val="000087"/>
-                </a:solidFill>
-                <a:latin typeface="Inconsolata" panose="020B0609030003000000" pitchFamily="49" charset="77"/>
-              </a:rPr>
-              <a:t>j </a:t>
-            </a:r>
-            <a:r>
-              <a:rPr lang="en-US" b="1" dirty="0">
-                <a:latin typeface="Inconsolata" panose="020B0609030003000000" pitchFamily="49" charset="77"/>
-              </a:rPr>
-              <a:t>in </a:t>
-            </a:r>
-            <a:r>
-              <a:rPr lang="en-US" b="1" dirty="0">
-                <a:solidFill>
-                  <a:srgbClr val="336666"/>
-                </a:solidFill>
-                <a:latin typeface="Inconsolata" panose="020B0609030003000000" pitchFamily="49" charset="77"/>
-              </a:rPr>
-              <a:t>range</a:t>
-            </a:r>
-            <a:r>
-              <a:rPr lang="en-US" b="1" dirty="0">
-                <a:latin typeface="Inconsolata" panose="020B0609030003000000" pitchFamily="49" charset="77"/>
-              </a:rPr>
-              <a:t>(</a:t>
-            </a:r>
-            <a:r>
-              <a:rPr lang="en-US" b="1" dirty="0">
-                <a:solidFill>
-                  <a:srgbClr val="FF6600"/>
-                </a:solidFill>
-                <a:latin typeface="Inconsolata" panose="020B0609030003000000" pitchFamily="49" charset="77"/>
-              </a:rPr>
-              <a:t>1, 5</a:t>
-            </a:r>
-            <a:r>
-              <a:rPr lang="en-US" b="1" dirty="0">
-                <a:latin typeface="Inconsolata" panose="020B0609030003000000" pitchFamily="49" charset="77"/>
-              </a:rPr>
-              <a:t>): </a:t>
-            </a:r>
-          </a:p>
-          <a:p>
-            <a:pPr marL="0" indent="0">
-              <a:buNone/>
-            </a:pPr>
-            <a:r>
-              <a:rPr lang="en-US" b="1" dirty="0">
-                <a:solidFill>
-                  <a:srgbClr val="006699"/>
-                </a:solidFill>
-                <a:latin typeface="Inconsolata" panose="020B0609030003000000" pitchFamily="49" charset="77"/>
-              </a:rPr>
-              <a:t>		print</a:t>
-            </a:r>
-            <a:r>
-              <a:rPr lang="en-US" b="1" dirty="0">
-                <a:latin typeface="Inconsolata" panose="020B0609030003000000" pitchFamily="49" charset="77"/>
-              </a:rPr>
-              <a:t>(</a:t>
-            </a:r>
-            <a:r>
-              <a:rPr lang="en-US" b="1" dirty="0" err="1">
-                <a:solidFill>
-                  <a:srgbClr val="000087"/>
-                </a:solidFill>
-                <a:latin typeface="Inconsolata" panose="020B0609030003000000" pitchFamily="49" charset="77"/>
-              </a:rPr>
-              <a:t>i</a:t>
-            </a:r>
-            <a:r>
-              <a:rPr lang="en-US" b="1" dirty="0">
-                <a:solidFill>
-                  <a:srgbClr val="000087"/>
-                </a:solidFill>
-                <a:latin typeface="Inconsolata" panose="020B0609030003000000" pitchFamily="49" charset="77"/>
-              </a:rPr>
-              <a:t> * j</a:t>
-            </a:r>
-            <a:r>
-              <a:rPr lang="en-US" b="1" dirty="0">
-                <a:latin typeface="Inconsolata" panose="020B0609030003000000" pitchFamily="49" charset="77"/>
-              </a:rPr>
-              <a:t>, </a:t>
-            </a:r>
-            <a:r>
-              <a:rPr lang="en-US" b="1" dirty="0">
-                <a:solidFill>
-                  <a:srgbClr val="000087"/>
-                </a:solidFill>
-                <a:latin typeface="Inconsolata" panose="020B0609030003000000" pitchFamily="49" charset="77"/>
-              </a:rPr>
-              <a:t>end</a:t>
-            </a:r>
-            <a:r>
-              <a:rPr lang="en-US" b="1" dirty="0">
-                <a:solidFill>
-                  <a:srgbClr val="545454"/>
-                </a:solidFill>
-                <a:latin typeface="Inconsolata" panose="020B0609030003000000" pitchFamily="49" charset="77"/>
-              </a:rPr>
-              <a:t>=</a:t>
-            </a:r>
-            <a:r>
-              <a:rPr lang="en-US" b="1" dirty="0">
-                <a:solidFill>
-                  <a:srgbClr val="CC3300"/>
-                </a:solidFill>
-                <a:latin typeface="Inconsolata" panose="020B0609030003000000" pitchFamily="49" charset="77"/>
-              </a:rPr>
-              <a:t>‘ ’</a:t>
-            </a:r>
-            <a:r>
-              <a:rPr lang="en-US" b="1" dirty="0">
-                <a:latin typeface="Inconsolata" panose="020B0609030003000000" pitchFamily="49" charset="77"/>
-              </a:rPr>
-              <a:t>) </a:t>
-            </a:r>
-          </a:p>
-          <a:p>
-            <a:pPr marL="0" indent="0">
-              <a:buNone/>
-            </a:pPr>
-            <a:r>
-              <a:rPr lang="en-US" b="1" dirty="0">
-                <a:latin typeface="Inconsolata" panose="020B0609030003000000" pitchFamily="49" charset="77"/>
-              </a:rPr>
-              <a:t>	</a:t>
-            </a:r>
-            <a:r>
-              <a:rPr lang="en-US" b="1" dirty="0">
-                <a:solidFill>
-                  <a:srgbClr val="006699"/>
-                </a:solidFill>
-                <a:latin typeface="Inconsolata" panose="020B0609030003000000" pitchFamily="49" charset="77"/>
-              </a:rPr>
-              <a:t>print</a:t>
-            </a:r>
-            <a:r>
-              <a:rPr lang="en-US" b="1" dirty="0">
-                <a:latin typeface="Inconsolata" panose="020B0609030003000000" pitchFamily="49" charset="77"/>
-              </a:rPr>
-              <a:t>()</a:t>
-            </a:r>
-          </a:p>
-          <a:p>
-            <a:pPr marL="0" indent="0">
-              <a:buNone/>
-            </a:pPr>
-            <a:endParaRPr lang="en-US" dirty="0"/>
-          </a:p>
-          <a:p>
-            <a:pPr marL="0" indent="0">
-              <a:buNone/>
-            </a:pPr>
-            <a:r>
-              <a:rPr lang="en-US" b="1" dirty="0">
-                <a:latin typeface="Inconsolata" panose="020B0609030003000000" pitchFamily="49" charset="77"/>
-              </a:rPr>
-              <a:t>1 2 3 4 </a:t>
-            </a:r>
-          </a:p>
-          <a:p>
-            <a:pPr marL="0" indent="0">
-              <a:buNone/>
-            </a:pPr>
-            <a:r>
-              <a:rPr lang="en-US" b="1" dirty="0">
-                <a:latin typeface="Inconsolata" panose="020B0609030003000000" pitchFamily="49" charset="77"/>
-              </a:rPr>
-              <a:t>2 4 6 8 </a:t>
-            </a:r>
-          </a:p>
-          <a:p>
-            <a:pPr marL="0" indent="0">
-              <a:buNone/>
-            </a:pPr>
-            <a:r>
-              <a:rPr lang="en-US" b="1" dirty="0">
-                <a:latin typeface="Inconsolata" panose="020B0609030003000000" pitchFamily="49" charset="77"/>
-              </a:rPr>
-              <a:t>3 6 9 12 </a:t>
-            </a:r>
-            <a:endParaRPr lang="en-US" sz="2100" b="1" dirty="0">
-              <a:solidFill>
-                <a:srgbClr val="000087"/>
-              </a:solidFill>
-              <a:latin typeface="Inconsolata" panose="020B0609030003000000" pitchFamily="49" charset="77"/>
-            </a:endParaRPr>
-          </a:p>
-        </p:txBody>
-      </p:sp>
-    </p:spTree>
-    <p:extLst>
-      <p:ext uri="{BB962C8B-B14F-4D97-AF65-F5344CB8AC3E}">
-        <p14:creationId xmlns:p14="http://schemas.microsoft.com/office/powerpoint/2010/main" val="403449732"/>
-      </p:ext>
-    </p:extLst>
-  </p:cSld>
-  <p:clrMapOvr>
-    <a:masterClrMapping/>
-  </p:clrMapOvr>
-  <p:timing>
-    <p:tnLst>
-      <p:par>
-        <p:cTn id="1" dur="indefinite" restart="never" nodeType="tmRoot">
-          <p:childTnLst>
-            <p:seq concurrent="1" nextAc="seek">
-              <p:cTn id="2" dur="indefinite" nodeType="mainSeq">
-                <p:childTnLst>
-                  <p:par>
-                    <p:cTn id="3" fill="hold">
-                      <p:stCondLst>
-                        <p:cond delay="indefinite"/>
-                      </p:stCondLst>
-                      <p:childTnLst>
-                        <p:par>
-                          <p:cTn id="4" fill="hold">
-                            <p:stCondLst>
-                              <p:cond delay="0"/>
-                            </p:stCondLst>
-                            <p:childTnLst>
-                              <p:par>
-                                <p:cTn id="5" presetID="1" presetClass="entr" presetSubtype="0" fill="hold" nodeType="clickEffect">
-                                  <p:stCondLst>
-                                    <p:cond delay="0"/>
-                                  </p:stCondLst>
-                                  <p:childTnLst>
-                                    <p:set>
-                                      <p:cBhvr>
-                                        <p:cTn id="6" dur="1" fill="hold">
-                                          <p:stCondLst>
-                                            <p:cond delay="0"/>
-                                          </p:stCondLst>
-                                        </p:cTn>
-                                        <p:tgtEl>
-                                          <p:spTgt spid="9">
-                                            <p:txEl>
-                                              <p:pRg st="2" end="2"/>
-                                            </p:txEl>
-                                          </p:spTgt>
-                                        </p:tgtEl>
-                                        <p:attrNameLst>
-                                          <p:attrName>style.visibility</p:attrName>
-                                        </p:attrNameLst>
-                                      </p:cBhvr>
-                                      <p:to>
-                                        <p:strVal val="visible"/>
-                                      </p:to>
-                                    </p:set>
-                                  </p:childTnLst>
-                                </p:cTn>
-                              </p:par>
-                              <p:par>
-                                <p:cTn id="7" presetID="1" presetClass="entr" presetSubtype="0" fill="hold" nodeType="withEffect">
-                                  <p:stCondLst>
-                                    <p:cond delay="0"/>
-                                  </p:stCondLst>
-                                  <p:childTnLst>
-                                    <p:set>
-                                      <p:cBhvr>
-                                        <p:cTn id="8" dur="1" fill="hold">
-                                          <p:stCondLst>
-                                            <p:cond delay="0"/>
-                                          </p:stCondLst>
-                                        </p:cTn>
-                                        <p:tgtEl>
-                                          <p:spTgt spid="9">
-                                            <p:txEl>
-                                              <p:pRg st="3" end="3"/>
-                                            </p:txEl>
-                                          </p:spTgt>
-                                        </p:tgtEl>
-                                        <p:attrNameLst>
-                                          <p:attrName>style.visibility</p:attrName>
-                                        </p:attrNameLst>
-                                      </p:cBhvr>
-                                      <p:to>
-                                        <p:strVal val="visible"/>
-                                      </p:to>
-                                    </p:set>
-                                  </p:childTnLst>
-                                </p:cTn>
-                              </p:par>
-                              <p:par>
-                                <p:cTn id="9" presetID="1" presetClass="entr" presetSubtype="0" fill="hold" nodeType="withEffect">
-                                  <p:stCondLst>
-                                    <p:cond delay="0"/>
-                                  </p:stCondLst>
-                                  <p:childTnLst>
-                                    <p:set>
-                                      <p:cBhvr>
-                                        <p:cTn id="10" dur="1" fill="hold">
-                                          <p:stCondLst>
-                                            <p:cond delay="0"/>
-                                          </p:stCondLst>
-                                        </p:cTn>
-                                        <p:tgtEl>
-                                          <p:spTgt spid="9">
-                                            <p:txEl>
-                                              <p:pRg st="4" end="4"/>
-                                            </p:txEl>
-                                          </p:spTgt>
-                                        </p:tgtEl>
-                                        <p:attrNameLst>
-                                          <p:attrName>style.visibility</p:attrName>
-                                        </p:attrNameLst>
-                                      </p:cBhvr>
-                                      <p:to>
-                                        <p:strVal val="visible"/>
-                                      </p:to>
-                                    </p:set>
-                                  </p:childTnLst>
-                                </p:cTn>
-                              </p:par>
-                              <p:par>
-                                <p:cTn id="11" presetID="1" presetClass="entr" presetSubtype="0" fill="hold" nodeType="withEffect">
-                                  <p:stCondLst>
-                                    <p:cond delay="0"/>
-                                  </p:stCondLst>
-                                  <p:childTnLst>
-                                    <p:set>
-                                      <p:cBhvr>
-                                        <p:cTn id="12" dur="1" fill="hold">
-                                          <p:stCondLst>
-                                            <p:cond delay="0"/>
-                                          </p:stCondLst>
-                                        </p:cTn>
-                                        <p:tgtEl>
-                                          <p:spTgt spid="9">
-                                            <p:txEl>
-                                              <p:pRg st="5" end="5"/>
-                                            </p:txEl>
-                                          </p:spTgt>
-                                        </p:tgtEl>
-                                        <p:attrNameLst>
-                                          <p:attrName>style.visibility</p:attrName>
-                                        </p:attrNameLst>
-                                      </p:cBhvr>
-                                      <p:to>
-                                        <p:strVal val="visible"/>
-                                      </p:to>
-                                    </p:set>
-                                  </p:childTnLst>
-                                </p:cTn>
-                              </p:par>
-                            </p:childTnLst>
-                          </p:cTn>
-                        </p:par>
-                      </p:childTnLst>
-                    </p:cTn>
-                  </p:par>
-                  <p:par>
-                    <p:cTn id="13" fill="hold">
-                      <p:stCondLst>
-                        <p:cond delay="indefinite"/>
-                      </p:stCondLst>
-                      <p:childTnLst>
-                        <p:par>
-                          <p:cTn id="14" fill="hold">
-                            <p:stCondLst>
-                              <p:cond delay="0"/>
-                            </p:stCondLst>
-                            <p:childTnLst>
-                              <p:par>
-                                <p:cTn id="15" presetID="1" presetClass="entr" presetSubtype="0" fill="hold" nodeType="clickEffect">
-                                  <p:stCondLst>
-                                    <p:cond delay="0"/>
-                                  </p:stCondLst>
-                                  <p:childTnLst>
-                                    <p:set>
-                                      <p:cBhvr>
-                                        <p:cTn id="16" dur="1" fill="hold">
-                                          <p:stCondLst>
-                                            <p:cond delay="0"/>
-                                          </p:stCondLst>
-                                        </p:cTn>
-                                        <p:tgtEl>
-                                          <p:spTgt spid="9">
-                                            <p:txEl>
-                                              <p:pRg st="7" end="7"/>
-                                            </p:txEl>
-                                          </p:spTgt>
-                                        </p:tgtEl>
-                                        <p:attrNameLst>
-                                          <p:attrName>style.visibility</p:attrName>
-                                        </p:attrNameLst>
-                                      </p:cBhvr>
-                                      <p:to>
-                                        <p:strVal val="visible"/>
-                                      </p:to>
-                                    </p:set>
-                                  </p:childTnLst>
-                                </p:cTn>
-                              </p:par>
-                              <p:par>
-                                <p:cTn id="17" presetID="1" presetClass="entr" presetSubtype="0" fill="hold" nodeType="withEffect">
-                                  <p:stCondLst>
-                                    <p:cond delay="0"/>
-                                  </p:stCondLst>
-                                  <p:childTnLst>
-                                    <p:set>
-                                      <p:cBhvr>
-                                        <p:cTn id="18" dur="1" fill="hold">
-                                          <p:stCondLst>
-                                            <p:cond delay="0"/>
-                                          </p:stCondLst>
-                                        </p:cTn>
-                                        <p:tgtEl>
-                                          <p:spTgt spid="9">
-                                            <p:txEl>
-                                              <p:pRg st="8" end="8"/>
-                                            </p:txEl>
-                                          </p:spTgt>
-                                        </p:tgtEl>
-                                        <p:attrNameLst>
-                                          <p:attrName>style.visibility</p:attrName>
-                                        </p:attrNameLst>
-                                      </p:cBhvr>
-                                      <p:to>
-                                        <p:strVal val="visible"/>
-                                      </p:to>
-                                    </p:set>
-                                  </p:childTnLst>
-                                </p:cTn>
-                              </p:par>
-                              <p:par>
-                                <p:cTn id="19" presetID="1" presetClass="entr" presetSubtype="0" fill="hold" nodeType="withEffect">
-                                  <p:stCondLst>
-                                    <p:cond delay="0"/>
-                                  </p:stCondLst>
-                                  <p:childTnLst>
-                                    <p:set>
-                                      <p:cBhvr>
-                                        <p:cTn id="20" dur="1" fill="hold">
-                                          <p:stCondLst>
-                                            <p:cond delay="0"/>
-                                          </p:stCondLst>
-                                        </p:cTn>
-                                        <p:tgtEl>
-                                          <p:spTgt spid="9">
-                                            <p:txEl>
-                                              <p:pRg st="9" end="9"/>
-                                            </p:txEl>
-                                          </p:spTgt>
-                                        </p:tgtEl>
-                                        <p:attrNameLst>
-                                          <p:attrName>style.visibility</p:attrName>
-                                        </p:attrNameLst>
-                                      </p:cBhvr>
-                                      <p:to>
-                                        <p:strVal val="visible"/>
-                                      </p:to>
-                                    </p:set>
-                                  </p:childTnLst>
-                                </p:cTn>
-                              </p:par>
-                            </p:childTnLst>
-                          </p:cTn>
-                        </p:par>
-                      </p:childTnLst>
-                    </p:cTn>
-                  </p:par>
-                </p:childTnLst>
-              </p:cTn>
-              <p:prevCondLst>
-                <p:cond evt="onPrev" delay="0">
-                  <p:tgtEl>
-                    <p:sldTgt/>
-                  </p:tgtEl>
-                </p:cond>
-              </p:prevCondLst>
-              <p:nextCondLst>
-                <p:cond evt="onNext" delay="0">
-                  <p:tgtEl>
-                    <p:sldTgt/>
-                  </p:tgtEl>
-                </p:cond>
-              </p:nextCondLst>
-            </p:seq>
-          </p:childTnLst>
-        </p:cTn>
-      </p:par>
-    </p:tnLst>
-  </p:timing>
-</p:sld>
-</file>
-
-<file path=ppt/slides/slide17.xml><?xml version="1.0" encoding="utf-8"?>
-<p:sld xmlns:a="http://schemas.openxmlformats.org/drawingml/2006/main" xmlns:r="http://schemas.openxmlformats.org/officeDocument/2006/relationships" xmlns:p="http://schemas.openxmlformats.org/presentationml/2006/main">
-  <p:cSld>
-    <p:spTree>
-      <p:nvGrpSpPr>
-        <p:cNvPr id="1" name=""/>
-        <p:cNvGrpSpPr/>
-        <p:nvPr/>
-      </p:nvGrpSpPr>
-      <p:grpSpPr>
-        <a:xfrm>
-          <a:off x="0" y="0"/>
-          <a:ext cx="0" cy="0"/>
-          <a:chOff x="0" y="0"/>
-          <a:chExt cx="0" cy="0"/>
-        </a:xfrm>
-      </p:grpSpPr>
-      <p:sp>
-        <p:nvSpPr>
-          <p:cNvPr id="2" name="Title 1">
-            <a:extLst>
-              <a:ext uri="{FF2B5EF4-FFF2-40B4-BE49-F238E27FC236}">
-                <a16:creationId xmlns:a16="http://schemas.microsoft.com/office/drawing/2014/main" id="{AA3A228F-61D0-D949-A5E7-F83756230BF8}"/>
-              </a:ext>
-            </a:extLst>
-          </p:cNvPr>
-          <p:cNvSpPr>
-            <a:spLocks noGrp="1"/>
-          </p:cNvSpPr>
-          <p:nvPr>
-            <p:ph type="title"/>
-          </p:nvPr>
-        </p:nvSpPr>
-        <p:spPr>
-          <a:xfrm>
-            <a:off x="100671" y="134008"/>
-            <a:ext cx="7053542" cy="683886"/>
-          </a:xfrm>
-        </p:spPr>
-        <p:txBody>
-          <a:bodyPr/>
-          <a:lstStyle/>
-          <a:p>
-            <a:r>
-              <a:rPr lang="en-US" dirty="0"/>
-              <a:t>Nested Loops Example 1</a:t>
-            </a:r>
-          </a:p>
-        </p:txBody>
-      </p:sp>
-      <p:sp>
-        <p:nvSpPr>
-          <p:cNvPr id="9" name="Content Placeholder 8">
-            <a:extLst>
-              <a:ext uri="{FF2B5EF4-FFF2-40B4-BE49-F238E27FC236}">
-                <a16:creationId xmlns:a16="http://schemas.microsoft.com/office/drawing/2014/main" id="{E3B2E017-30B2-884B-A113-B419A2ED51AD}"/>
-              </a:ext>
-            </a:extLst>
-          </p:cNvPr>
-          <p:cNvSpPr>
-            <a:spLocks noGrp="1"/>
-          </p:cNvSpPr>
-          <p:nvPr>
-            <p:ph idx="1"/>
-          </p:nvPr>
-        </p:nvSpPr>
-        <p:spPr>
-          <a:xfrm>
-            <a:off x="200298" y="817895"/>
-            <a:ext cx="8335276" cy="4763098"/>
-          </a:xfrm>
-        </p:spPr>
-        <p:txBody>
-          <a:bodyPr>
-            <a:normAutofit/>
-          </a:bodyPr>
-          <a:lstStyle/>
-          <a:p>
-            <a:pPr marL="0" indent="0">
-              <a:buNone/>
-            </a:pPr>
-            <a:endParaRPr lang="en-US" dirty="0">
-              <a:latin typeface="Gill Sans MT" panose="020B0502020104020203" pitchFamily="34" charset="77"/>
-            </a:endParaRPr>
-          </a:p>
-          <a:p>
-            <a:pPr marL="0" indent="0">
-              <a:buNone/>
-            </a:pPr>
-            <a:r>
-              <a:rPr lang="en-US" b="1" dirty="0">
-                <a:solidFill>
-                  <a:srgbClr val="006699"/>
-                </a:solidFill>
-                <a:latin typeface="Inconsolata" panose="020B0609030003000000" pitchFamily="49" charset="77"/>
-              </a:rPr>
-              <a:t>for </a:t>
-            </a:r>
-            <a:r>
-              <a:rPr lang="en-US" b="1" dirty="0">
-                <a:solidFill>
-                  <a:srgbClr val="000087"/>
-                </a:solidFill>
-                <a:latin typeface="Inconsolata" panose="020B0609030003000000" pitchFamily="49" charset="77"/>
-              </a:rPr>
-              <a:t>i </a:t>
-            </a:r>
-            <a:r>
-              <a:rPr lang="en-US" b="1" dirty="0">
-                <a:latin typeface="Inconsolata" panose="020B0609030003000000" pitchFamily="49" charset="77"/>
-              </a:rPr>
-              <a:t>in </a:t>
-            </a:r>
-            <a:r>
-              <a:rPr lang="en-US" b="1" dirty="0">
-                <a:solidFill>
-                  <a:srgbClr val="336666"/>
-                </a:solidFill>
-                <a:latin typeface="Inconsolata" panose="020B0609030003000000" pitchFamily="49" charset="77"/>
-              </a:rPr>
-              <a:t>range</a:t>
-            </a:r>
-            <a:r>
-              <a:rPr lang="en-US" b="1" dirty="0">
-                <a:latin typeface="Inconsolata" panose="020B0609030003000000" pitchFamily="49" charset="77"/>
-              </a:rPr>
-              <a:t>(</a:t>
-            </a:r>
-            <a:r>
-              <a:rPr lang="en-US" b="1" dirty="0">
-                <a:solidFill>
-                  <a:srgbClr val="FF6600"/>
-                </a:solidFill>
-                <a:latin typeface="Inconsolata" panose="020B0609030003000000" pitchFamily="49" charset="77"/>
-              </a:rPr>
-              <a:t>1, 6</a:t>
-            </a:r>
-            <a:r>
-              <a:rPr lang="en-US" b="1" dirty="0">
-                <a:latin typeface="Inconsolata" panose="020B0609030003000000" pitchFamily="49" charset="77"/>
-              </a:rPr>
-              <a:t>):</a:t>
-            </a:r>
-          </a:p>
-          <a:p>
-            <a:pPr marL="0" indent="0">
-              <a:buNone/>
-            </a:pPr>
-            <a:r>
-              <a:rPr lang="en-US" b="1" dirty="0">
-                <a:solidFill>
-                  <a:srgbClr val="FF6600"/>
-                </a:solidFill>
-                <a:latin typeface="Inconsolata" panose="020B0609030003000000" pitchFamily="49" charset="77"/>
-              </a:rPr>
-              <a:t>	</a:t>
-            </a:r>
-            <a:r>
-              <a:rPr lang="en-US" b="1" dirty="0">
-                <a:solidFill>
-                  <a:srgbClr val="006699"/>
-                </a:solidFill>
-                <a:latin typeface="Inconsolata" panose="020B0609030003000000" pitchFamily="49" charset="77"/>
-              </a:rPr>
-              <a:t>for </a:t>
-            </a:r>
-            <a:r>
-              <a:rPr lang="en-US" b="1" dirty="0">
-                <a:solidFill>
-                  <a:srgbClr val="000087"/>
-                </a:solidFill>
-                <a:latin typeface="Inconsolata" panose="020B0609030003000000" pitchFamily="49" charset="77"/>
-              </a:rPr>
-              <a:t>j </a:t>
-            </a:r>
-            <a:r>
-              <a:rPr lang="en-US" b="1" dirty="0">
-                <a:latin typeface="Inconsolata" panose="020B0609030003000000" pitchFamily="49" charset="77"/>
-              </a:rPr>
-              <a:t>in </a:t>
-            </a:r>
-            <a:r>
-              <a:rPr lang="en-US" b="1" dirty="0">
-                <a:solidFill>
-                  <a:srgbClr val="336666"/>
-                </a:solidFill>
-                <a:latin typeface="Inconsolata" panose="020B0609030003000000" pitchFamily="49" charset="77"/>
-              </a:rPr>
-              <a:t>range</a:t>
-            </a:r>
-            <a:r>
-              <a:rPr lang="en-US" b="1" dirty="0">
-                <a:latin typeface="Inconsolata" panose="020B0609030003000000" pitchFamily="49" charset="77"/>
-              </a:rPr>
-              <a:t>(</a:t>
-            </a:r>
-            <a:r>
-              <a:rPr lang="en-US" b="1" dirty="0">
-                <a:solidFill>
-                  <a:srgbClr val="FF6600"/>
-                </a:solidFill>
-                <a:latin typeface="Inconsolata" panose="020B0609030003000000" pitchFamily="49" charset="77"/>
-              </a:rPr>
-              <a:t>1, i+1</a:t>
-            </a:r>
-            <a:r>
-              <a:rPr lang="en-US" b="1" dirty="0">
-                <a:latin typeface="Inconsolata" panose="020B0609030003000000" pitchFamily="49" charset="77"/>
-              </a:rPr>
-              <a:t>): </a:t>
-            </a:r>
-          </a:p>
-          <a:p>
-            <a:pPr marL="0" indent="0">
-              <a:buNone/>
-            </a:pPr>
-            <a:r>
-              <a:rPr lang="en-US" b="1" dirty="0">
-                <a:solidFill>
-                  <a:srgbClr val="006699"/>
-                </a:solidFill>
-                <a:latin typeface="Inconsolata" panose="020B0609030003000000" pitchFamily="49" charset="77"/>
-              </a:rPr>
-              <a:t>		print</a:t>
-            </a:r>
-            <a:r>
-              <a:rPr lang="en-US" b="1" dirty="0">
-                <a:latin typeface="Inconsolata" panose="020B0609030003000000" pitchFamily="49" charset="77"/>
-              </a:rPr>
-              <a:t>(j, </a:t>
-            </a:r>
-            <a:r>
-              <a:rPr lang="en-US" b="1" dirty="0">
-                <a:solidFill>
-                  <a:srgbClr val="000087"/>
-                </a:solidFill>
-                <a:latin typeface="Inconsolata" panose="020B0609030003000000" pitchFamily="49" charset="77"/>
-              </a:rPr>
-              <a:t>end</a:t>
-            </a:r>
-            <a:r>
-              <a:rPr lang="en-US" b="1" dirty="0">
-                <a:solidFill>
-                  <a:srgbClr val="545454"/>
-                </a:solidFill>
-                <a:latin typeface="Inconsolata" panose="020B0609030003000000" pitchFamily="49" charset="77"/>
-              </a:rPr>
-              <a:t>=</a:t>
-            </a:r>
-            <a:r>
-              <a:rPr lang="en-US" b="1" dirty="0">
-                <a:solidFill>
-                  <a:srgbClr val="CC3300"/>
-                </a:solidFill>
-                <a:latin typeface="Inconsolata" panose="020B0609030003000000" pitchFamily="49" charset="77"/>
-              </a:rPr>
-              <a:t>‘ ’</a:t>
-            </a:r>
-            <a:r>
-              <a:rPr lang="en-US" b="1" dirty="0">
-                <a:latin typeface="Inconsolata" panose="020B0609030003000000" pitchFamily="49" charset="77"/>
-              </a:rPr>
-              <a:t>) </a:t>
-            </a:r>
-          </a:p>
-          <a:p>
-            <a:pPr marL="0" indent="0">
-              <a:buNone/>
-            </a:pPr>
-            <a:r>
-              <a:rPr lang="en-US" b="1" dirty="0">
-                <a:latin typeface="Inconsolata" panose="020B0609030003000000" pitchFamily="49" charset="77"/>
-              </a:rPr>
-              <a:t>	</a:t>
-            </a:r>
-            <a:r>
-              <a:rPr lang="en-US" b="1" dirty="0">
-                <a:solidFill>
-                  <a:srgbClr val="006699"/>
-                </a:solidFill>
-                <a:latin typeface="Inconsolata" panose="020B0609030003000000" pitchFamily="49" charset="77"/>
-              </a:rPr>
-              <a:t>print</a:t>
-            </a:r>
-            <a:r>
-              <a:rPr lang="en-US" b="1" dirty="0">
-                <a:latin typeface="Inconsolata" panose="020B0609030003000000" pitchFamily="49" charset="77"/>
-              </a:rPr>
-              <a:t>()</a:t>
-            </a:r>
-          </a:p>
-          <a:p>
-            <a:pPr marL="0" indent="0">
-              <a:buNone/>
-            </a:pPr>
-            <a:endParaRPr lang="en-US" dirty="0"/>
-          </a:p>
-          <a:p>
-            <a:pPr marL="0" indent="0">
-              <a:buNone/>
-            </a:pPr>
-            <a:r>
-              <a:rPr lang="en-US" b="1" dirty="0">
-                <a:latin typeface="Inconsolata" panose="020B0609030003000000" pitchFamily="49" charset="77"/>
-              </a:rPr>
-              <a:t>1  </a:t>
-            </a:r>
-          </a:p>
-          <a:p>
-            <a:pPr marL="0" indent="0">
-              <a:buNone/>
-            </a:pPr>
-            <a:r>
-              <a:rPr lang="en-US" b="1" dirty="0">
-                <a:latin typeface="Inconsolata" panose="020B0609030003000000" pitchFamily="49" charset="77"/>
-              </a:rPr>
-              <a:t>1 2 </a:t>
-            </a:r>
-          </a:p>
-          <a:p>
-            <a:pPr marL="0" indent="0">
-              <a:buNone/>
-            </a:pPr>
-            <a:r>
-              <a:rPr lang="en-US" sz="2100" b="1" dirty="0">
-                <a:latin typeface="Inconsolata" panose="020B0609030003000000" pitchFamily="49" charset="77"/>
-              </a:rPr>
-              <a:t>1 2 3</a:t>
-            </a:r>
-          </a:p>
-          <a:p>
-            <a:pPr marL="0" indent="0">
-              <a:buNone/>
-            </a:pPr>
-            <a:r>
-              <a:rPr lang="en-US" b="1" dirty="0">
-                <a:latin typeface="Inconsolata" panose="020B0609030003000000" pitchFamily="49" charset="77"/>
-              </a:rPr>
-              <a:t>1 2 3 4 </a:t>
-            </a:r>
-          </a:p>
-          <a:p>
-            <a:pPr marL="0" indent="0">
-              <a:buNone/>
-            </a:pPr>
-            <a:r>
-              <a:rPr lang="en-US" sz="2100" b="1" dirty="0">
-                <a:latin typeface="Inconsolata" panose="020B0609030003000000" pitchFamily="49" charset="77"/>
-              </a:rPr>
-              <a:t>1 2 3 4 5</a:t>
-            </a:r>
-          </a:p>
-        </p:txBody>
-      </p:sp>
-    </p:spTree>
-    <p:extLst>
-      <p:ext uri="{BB962C8B-B14F-4D97-AF65-F5344CB8AC3E}">
-        <p14:creationId xmlns:p14="http://schemas.microsoft.com/office/powerpoint/2010/main" val="370395365"/>
-      </p:ext>
-    </p:extLst>
-  </p:cSld>
-  <p:clrMapOvr>
-    <a:masterClrMapping/>
-  </p:clrMapOvr>
-  <p:timing>
-    <p:tnLst>
-      <p:par>
-        <p:cTn id="1" dur="indefinite" restart="never" nodeType="tmRoot">
-          <p:childTnLst>
-            <p:seq concurrent="1" nextAc="seek">
-              <p:cTn id="2" dur="indefinite" nodeType="mainSeq">
-                <p:childTnLst>
-                  <p:par>
-                    <p:cTn id="3" fill="hold">
-                      <p:stCondLst>
-                        <p:cond delay="indefinite"/>
-                      </p:stCondLst>
-                      <p:childTnLst>
-                        <p:par>
-                          <p:cTn id="4" fill="hold">
-                            <p:stCondLst>
-                              <p:cond delay="0"/>
-                            </p:stCondLst>
-                            <p:childTnLst>
-                              <p:par>
-                                <p:cTn id="5" presetID="1" presetClass="entr" presetSubtype="0" fill="hold" nodeType="clickEffect">
-                                  <p:stCondLst>
-                                    <p:cond delay="0"/>
-                                  </p:stCondLst>
-                                  <p:childTnLst>
-                                    <p:set>
-                                      <p:cBhvr>
-                                        <p:cTn id="6" dur="1" fill="hold">
-                                          <p:stCondLst>
-                                            <p:cond delay="0"/>
-                                          </p:stCondLst>
-                                        </p:cTn>
-                                        <p:tgtEl>
-                                          <p:spTgt spid="9">
-                                            <p:txEl>
-                                              <p:pRg st="6" end="6"/>
-                                            </p:txEl>
-                                          </p:spTgt>
-                                        </p:tgtEl>
-                                        <p:attrNameLst>
-                                          <p:attrName>style.visibility</p:attrName>
-                                        </p:attrNameLst>
-                                      </p:cBhvr>
-                                      <p:to>
-                                        <p:strVal val="visible"/>
-                                      </p:to>
-                                    </p:set>
-                                  </p:childTnLst>
-                                </p:cTn>
-                              </p:par>
-                              <p:par>
-                                <p:cTn id="7" presetID="1" presetClass="entr" presetSubtype="0" fill="hold" nodeType="withEffect">
-                                  <p:stCondLst>
-                                    <p:cond delay="0"/>
-                                  </p:stCondLst>
-                                  <p:childTnLst>
-                                    <p:set>
-                                      <p:cBhvr>
-                                        <p:cTn id="8" dur="1" fill="hold">
-                                          <p:stCondLst>
-                                            <p:cond delay="0"/>
-                                          </p:stCondLst>
-                                        </p:cTn>
-                                        <p:tgtEl>
-                                          <p:spTgt spid="9">
-                                            <p:txEl>
-                                              <p:pRg st="7" end="7"/>
-                                            </p:txEl>
-                                          </p:spTgt>
-                                        </p:tgtEl>
-                                        <p:attrNameLst>
-                                          <p:attrName>style.visibility</p:attrName>
-                                        </p:attrNameLst>
-                                      </p:cBhvr>
-                                      <p:to>
-                                        <p:strVal val="visible"/>
-                                      </p:to>
-                                    </p:set>
-                                  </p:childTnLst>
-                                </p:cTn>
-                              </p:par>
-                              <p:par>
-                                <p:cTn id="9" presetID="1" presetClass="entr" presetSubtype="0" fill="hold" nodeType="withEffect">
-                                  <p:stCondLst>
-                                    <p:cond delay="0"/>
-                                  </p:stCondLst>
-                                  <p:childTnLst>
-                                    <p:set>
-                                      <p:cBhvr>
-                                        <p:cTn id="10" dur="1" fill="hold">
-                                          <p:stCondLst>
-                                            <p:cond delay="0"/>
-                                          </p:stCondLst>
-                                        </p:cTn>
-                                        <p:tgtEl>
-                                          <p:spTgt spid="9">
-                                            <p:txEl>
-                                              <p:pRg st="8" end="8"/>
-                                            </p:txEl>
-                                          </p:spTgt>
-                                        </p:tgtEl>
-                                        <p:attrNameLst>
-                                          <p:attrName>style.visibility</p:attrName>
-                                        </p:attrNameLst>
-                                      </p:cBhvr>
-                                      <p:to>
-                                        <p:strVal val="visible"/>
-                                      </p:to>
-                                    </p:set>
-                                  </p:childTnLst>
-                                </p:cTn>
-                              </p:par>
-                              <p:par>
-                                <p:cTn id="11" presetID="1" presetClass="entr" presetSubtype="0" fill="hold" nodeType="withEffect">
-                                  <p:stCondLst>
-                                    <p:cond delay="0"/>
-                                  </p:stCondLst>
-                                  <p:childTnLst>
-                                    <p:set>
-                                      <p:cBhvr>
-                                        <p:cTn id="12" dur="1" fill="hold">
-                                          <p:stCondLst>
-                                            <p:cond delay="0"/>
-                                          </p:stCondLst>
-                                        </p:cTn>
-                                        <p:tgtEl>
-                                          <p:spTgt spid="9">
-                                            <p:txEl>
-                                              <p:pRg st="9" end="9"/>
-                                            </p:txEl>
-                                          </p:spTgt>
-                                        </p:tgtEl>
-                                        <p:attrNameLst>
-                                          <p:attrName>style.visibility</p:attrName>
-                                        </p:attrNameLst>
-                                      </p:cBhvr>
-                                      <p:to>
-                                        <p:strVal val="visible"/>
-                                      </p:to>
-                                    </p:set>
-                                  </p:childTnLst>
-                                </p:cTn>
-                              </p:par>
-                              <p:par>
-                                <p:cTn id="13" presetID="1" presetClass="entr" presetSubtype="0" fill="hold" nodeType="withEffect">
-                                  <p:stCondLst>
-                                    <p:cond delay="0"/>
-                                  </p:stCondLst>
-                                  <p:childTnLst>
-                                    <p:set>
-                                      <p:cBhvr>
-                                        <p:cTn id="14" dur="1" fill="hold">
-                                          <p:stCondLst>
-                                            <p:cond delay="0"/>
-                                          </p:stCondLst>
-                                        </p:cTn>
-                                        <p:tgtEl>
-                                          <p:spTgt spid="9">
-                                            <p:txEl>
-                                              <p:pRg st="10" end="10"/>
-                                            </p:txEl>
-                                          </p:spTgt>
-                                        </p:tgtEl>
-                                        <p:attrNameLst>
-                                          <p:attrName>style.visibility</p:attrName>
-                                        </p:attrNameLst>
-                                      </p:cBhvr>
-                                      <p:to>
-                                        <p:strVal val="visible"/>
-                                      </p:to>
-                                    </p:set>
-                                  </p:childTnLst>
-                                </p:cTn>
-                              </p:par>
-                            </p:childTnLst>
-                          </p:cTn>
-                        </p:par>
-                      </p:childTnLst>
-                    </p:cTn>
-                  </p:par>
-                </p:childTnLst>
-              </p:cTn>
-              <p:prevCondLst>
-                <p:cond evt="onPrev" delay="0">
-                  <p:tgtEl>
-                    <p:sldTgt/>
-                  </p:tgtEl>
-                </p:cond>
-              </p:prevCondLst>
-              <p:nextCondLst>
-                <p:cond evt="onNext" delay="0">
-                  <p:tgtEl>
-                    <p:sldTgt/>
-                  </p:tgtEl>
-                </p:cond>
-              </p:nextCondLst>
-            </p:seq>
-          </p:childTnLst>
-        </p:cTn>
-      </p:par>
-    </p:tnLst>
-  </p:timing>
-</p:sld>
-</file>
-
-<file path=ppt/slides/slide18.xml><?xml version="1.0" encoding="utf-8"?>
-<p:sld xmlns:a="http://schemas.openxmlformats.org/drawingml/2006/main" xmlns:r="http://schemas.openxmlformats.org/officeDocument/2006/relationships" xmlns:p="http://schemas.openxmlformats.org/presentationml/2006/main">
-  <p:cSld>
-    <p:spTree>
-      <p:nvGrpSpPr>
-        <p:cNvPr id="1" name=""/>
-        <p:cNvGrpSpPr/>
-        <p:nvPr/>
-      </p:nvGrpSpPr>
-      <p:grpSpPr>
-        <a:xfrm>
-          <a:off x="0" y="0"/>
-          <a:ext cx="0" cy="0"/>
-          <a:chOff x="0" y="0"/>
-          <a:chExt cx="0" cy="0"/>
-        </a:xfrm>
-      </p:grpSpPr>
-      <p:sp>
-        <p:nvSpPr>
-          <p:cNvPr id="2" name="Title 1">
-            <a:extLst>
-              <a:ext uri="{FF2B5EF4-FFF2-40B4-BE49-F238E27FC236}">
-                <a16:creationId xmlns:a16="http://schemas.microsoft.com/office/drawing/2014/main" id="{AA3A228F-61D0-D949-A5E7-F83756230BF8}"/>
-              </a:ext>
-            </a:extLst>
-          </p:cNvPr>
-          <p:cNvSpPr>
-            <a:spLocks noGrp="1"/>
-          </p:cNvSpPr>
-          <p:nvPr>
-            <p:ph type="title"/>
-          </p:nvPr>
-        </p:nvSpPr>
-        <p:spPr>
-          <a:xfrm>
-            <a:off x="170339" y="134008"/>
-            <a:ext cx="7053542" cy="683886"/>
-          </a:xfrm>
-        </p:spPr>
-        <p:txBody>
-          <a:bodyPr/>
-          <a:lstStyle/>
-          <a:p>
-            <a:r>
-              <a:rPr lang="en-US" dirty="0"/>
-              <a:t>Nested Loops Example 2</a:t>
-            </a:r>
-          </a:p>
-        </p:txBody>
-      </p:sp>
-      <p:sp>
-        <p:nvSpPr>
-          <p:cNvPr id="9" name="Content Placeholder 8">
-            <a:extLst>
-              <a:ext uri="{FF2B5EF4-FFF2-40B4-BE49-F238E27FC236}">
-                <a16:creationId xmlns:a16="http://schemas.microsoft.com/office/drawing/2014/main" id="{E3B2E017-30B2-884B-A113-B419A2ED51AD}"/>
-              </a:ext>
-            </a:extLst>
-          </p:cNvPr>
-          <p:cNvSpPr>
-            <a:spLocks noGrp="1"/>
-          </p:cNvSpPr>
-          <p:nvPr>
-            <p:ph idx="1"/>
-          </p:nvPr>
-        </p:nvSpPr>
-        <p:spPr>
-          <a:xfrm>
-            <a:off x="170340" y="817895"/>
-            <a:ext cx="8365234" cy="4763098"/>
-          </a:xfrm>
-        </p:spPr>
-        <p:txBody>
-          <a:bodyPr>
-            <a:normAutofit/>
-          </a:bodyPr>
-          <a:lstStyle/>
-          <a:p>
-            <a:pPr marL="0" indent="0">
-              <a:buNone/>
-            </a:pPr>
-            <a:endParaRPr lang="en-US" dirty="0">
-              <a:latin typeface="Gill Sans MT" panose="020B0502020104020203" pitchFamily="34" charset="77"/>
-            </a:endParaRPr>
-          </a:p>
-          <a:p>
-            <a:pPr marL="0" indent="0">
-              <a:buNone/>
-            </a:pPr>
-            <a:r>
-              <a:rPr lang="en-US" b="1" dirty="0">
-                <a:solidFill>
-                  <a:srgbClr val="006699"/>
-                </a:solidFill>
-                <a:latin typeface="Inconsolata" panose="020B0609030003000000" pitchFamily="49" charset="77"/>
-              </a:rPr>
-              <a:t>for </a:t>
-            </a:r>
-            <a:r>
-              <a:rPr lang="en-US" b="1" dirty="0">
-                <a:solidFill>
-                  <a:srgbClr val="000087"/>
-                </a:solidFill>
-                <a:latin typeface="Inconsolata" panose="020B0609030003000000" pitchFamily="49" charset="77"/>
-              </a:rPr>
-              <a:t>i </a:t>
-            </a:r>
-            <a:r>
-              <a:rPr lang="en-US" b="1" dirty="0">
-                <a:latin typeface="Inconsolata" panose="020B0609030003000000" pitchFamily="49" charset="77"/>
-              </a:rPr>
-              <a:t>in </a:t>
-            </a:r>
-            <a:r>
-              <a:rPr lang="en-US" b="1" dirty="0">
-                <a:solidFill>
-                  <a:srgbClr val="336666"/>
-                </a:solidFill>
-                <a:latin typeface="Inconsolata" panose="020B0609030003000000" pitchFamily="49" charset="77"/>
-              </a:rPr>
-              <a:t>range</a:t>
-            </a:r>
-            <a:r>
-              <a:rPr lang="en-US" b="1" dirty="0">
-                <a:latin typeface="Inconsolata" panose="020B0609030003000000" pitchFamily="49" charset="77"/>
-              </a:rPr>
-              <a:t>(</a:t>
-            </a:r>
-            <a:r>
-              <a:rPr lang="en-US" b="1" dirty="0">
-                <a:solidFill>
-                  <a:srgbClr val="FF6600"/>
-                </a:solidFill>
-                <a:latin typeface="Inconsolata" panose="020B0609030003000000" pitchFamily="49" charset="77"/>
-              </a:rPr>
-              <a:t>1, 6</a:t>
-            </a:r>
-            <a:r>
-              <a:rPr lang="en-US" b="1" dirty="0">
-                <a:latin typeface="Inconsolata" panose="020B0609030003000000" pitchFamily="49" charset="77"/>
-              </a:rPr>
-              <a:t>):</a:t>
-            </a:r>
-          </a:p>
-          <a:p>
-            <a:pPr marL="0" indent="0">
-              <a:buNone/>
-            </a:pPr>
-            <a:r>
-              <a:rPr lang="en-US" b="1" dirty="0">
-                <a:solidFill>
-                  <a:srgbClr val="FF6600"/>
-                </a:solidFill>
-                <a:latin typeface="Inconsolata" panose="020B0609030003000000" pitchFamily="49" charset="77"/>
-              </a:rPr>
-              <a:t>	</a:t>
-            </a:r>
-            <a:r>
-              <a:rPr lang="en-US" b="1" dirty="0">
-                <a:solidFill>
-                  <a:srgbClr val="006699"/>
-                </a:solidFill>
-                <a:latin typeface="Inconsolata" panose="020B0609030003000000" pitchFamily="49" charset="77"/>
-              </a:rPr>
-              <a:t>for </a:t>
-            </a:r>
-            <a:r>
-              <a:rPr lang="en-US" b="1" dirty="0">
-                <a:solidFill>
-                  <a:srgbClr val="000087"/>
-                </a:solidFill>
-                <a:latin typeface="Inconsolata" panose="020B0609030003000000" pitchFamily="49" charset="77"/>
-              </a:rPr>
-              <a:t>j </a:t>
-            </a:r>
-            <a:r>
-              <a:rPr lang="en-US" b="1" dirty="0">
-                <a:latin typeface="Inconsolata" panose="020B0609030003000000" pitchFamily="49" charset="77"/>
-              </a:rPr>
-              <a:t>in </a:t>
-            </a:r>
-            <a:r>
-              <a:rPr lang="en-US" b="1" dirty="0">
-                <a:solidFill>
-                  <a:srgbClr val="336666"/>
-                </a:solidFill>
-                <a:latin typeface="Inconsolata" panose="020B0609030003000000" pitchFamily="49" charset="77"/>
-              </a:rPr>
-              <a:t>range</a:t>
-            </a:r>
-            <a:r>
-              <a:rPr lang="en-US" b="1" dirty="0">
-                <a:latin typeface="Inconsolata" panose="020B0609030003000000" pitchFamily="49" charset="77"/>
-              </a:rPr>
-              <a:t>(</a:t>
-            </a:r>
-            <a:r>
-              <a:rPr lang="en-US" b="1" dirty="0">
-                <a:solidFill>
-                  <a:srgbClr val="FF6600"/>
-                </a:solidFill>
-                <a:latin typeface="Inconsolata" panose="020B0609030003000000" pitchFamily="49" charset="77"/>
-              </a:rPr>
-              <a:t>6, </a:t>
-            </a:r>
-            <a:r>
-              <a:rPr lang="en-US" b="1" dirty="0" err="1">
-                <a:solidFill>
-                  <a:srgbClr val="FF6600"/>
-                </a:solidFill>
-                <a:latin typeface="Inconsolata" panose="020B0609030003000000" pitchFamily="49" charset="77"/>
-              </a:rPr>
-              <a:t>i</a:t>
-            </a:r>
-            <a:r>
-              <a:rPr lang="en-US" b="1" dirty="0">
-                <a:solidFill>
-                  <a:srgbClr val="FF6600"/>
-                </a:solidFill>
-                <a:latin typeface="Inconsolata" panose="020B0609030003000000" pitchFamily="49" charset="77"/>
-              </a:rPr>
-              <a:t>, -1</a:t>
-            </a:r>
-            <a:r>
-              <a:rPr lang="en-US" b="1" dirty="0">
-                <a:latin typeface="Inconsolata" panose="020B0609030003000000" pitchFamily="49" charset="77"/>
-              </a:rPr>
-              <a:t>): </a:t>
-            </a:r>
-          </a:p>
-          <a:p>
-            <a:pPr marL="0" indent="0">
-              <a:buNone/>
-            </a:pPr>
-            <a:r>
-              <a:rPr lang="en-US" b="1" dirty="0">
-                <a:solidFill>
-                  <a:srgbClr val="006699"/>
-                </a:solidFill>
-                <a:latin typeface="Inconsolata" panose="020B0609030003000000" pitchFamily="49" charset="77"/>
-              </a:rPr>
-              <a:t>		print</a:t>
-            </a:r>
-            <a:r>
-              <a:rPr lang="en-US" b="1" dirty="0">
-                <a:latin typeface="Inconsolata" panose="020B0609030003000000" pitchFamily="49" charset="77"/>
-              </a:rPr>
-              <a:t>(j, </a:t>
-            </a:r>
-            <a:r>
-              <a:rPr lang="en-US" b="1" dirty="0">
-                <a:solidFill>
-                  <a:srgbClr val="000087"/>
-                </a:solidFill>
-                <a:latin typeface="Inconsolata" panose="020B0609030003000000" pitchFamily="49" charset="77"/>
-              </a:rPr>
-              <a:t>end</a:t>
-            </a:r>
-            <a:r>
-              <a:rPr lang="en-US" b="1" dirty="0">
-                <a:solidFill>
-                  <a:srgbClr val="545454"/>
-                </a:solidFill>
-                <a:latin typeface="Inconsolata" panose="020B0609030003000000" pitchFamily="49" charset="77"/>
-              </a:rPr>
-              <a:t>=</a:t>
-            </a:r>
-            <a:r>
-              <a:rPr lang="en-US" b="1" dirty="0">
-                <a:solidFill>
-                  <a:srgbClr val="CC3300"/>
-                </a:solidFill>
-                <a:latin typeface="Inconsolata" panose="020B0609030003000000" pitchFamily="49" charset="77"/>
-              </a:rPr>
-              <a:t>‘ ’</a:t>
-            </a:r>
-            <a:r>
-              <a:rPr lang="en-US" b="1" dirty="0">
-                <a:latin typeface="Inconsolata" panose="020B0609030003000000" pitchFamily="49" charset="77"/>
-              </a:rPr>
-              <a:t>) </a:t>
-            </a:r>
-          </a:p>
-          <a:p>
-            <a:pPr marL="0" indent="0">
-              <a:buNone/>
-            </a:pPr>
-            <a:r>
-              <a:rPr lang="en-US" b="1">
-                <a:latin typeface="Inconsolata" panose="020B0609030003000000" pitchFamily="49" charset="77"/>
-              </a:rPr>
-              <a:t>	</a:t>
-            </a:r>
-            <a:r>
-              <a:rPr lang="en-US" b="1">
-                <a:solidFill>
-                  <a:srgbClr val="006699"/>
-                </a:solidFill>
-                <a:latin typeface="Inconsolata" panose="020B0609030003000000" pitchFamily="49" charset="77"/>
-              </a:rPr>
-              <a:t>print</a:t>
-            </a:r>
-            <a:r>
-              <a:rPr lang="en-US" b="1" dirty="0">
-                <a:latin typeface="Inconsolata" panose="020B0609030003000000" pitchFamily="49" charset="77"/>
-              </a:rPr>
-              <a:t>()</a:t>
-            </a:r>
-          </a:p>
-          <a:p>
-            <a:pPr marL="0" indent="0">
-              <a:buNone/>
-            </a:pPr>
-            <a:endParaRPr lang="en-US" dirty="0"/>
-          </a:p>
-          <a:p>
-            <a:pPr marL="0" indent="0">
-              <a:buNone/>
-            </a:pPr>
-            <a:r>
-              <a:rPr lang="en-US" b="1" dirty="0">
-                <a:latin typeface="Inconsolata" panose="020B0609030003000000" pitchFamily="49" charset="77"/>
-              </a:rPr>
-              <a:t>6 5 4 3 2</a:t>
-            </a:r>
-          </a:p>
-          <a:p>
-            <a:pPr marL="0" indent="0">
-              <a:buNone/>
-            </a:pPr>
-            <a:r>
-              <a:rPr lang="en-US" b="1" dirty="0">
-                <a:latin typeface="Inconsolata" panose="020B0609030003000000" pitchFamily="49" charset="77"/>
-              </a:rPr>
-              <a:t>6 5 4 3</a:t>
-            </a:r>
-          </a:p>
-          <a:p>
-            <a:pPr marL="0" indent="0">
-              <a:buNone/>
-            </a:pPr>
-            <a:r>
-              <a:rPr lang="en-US" b="1" dirty="0">
-                <a:latin typeface="Inconsolata" panose="020B0609030003000000" pitchFamily="49" charset="77"/>
-              </a:rPr>
-              <a:t>6 5 4</a:t>
-            </a:r>
-          </a:p>
-          <a:p>
-            <a:pPr marL="0" indent="0">
-              <a:buNone/>
-            </a:pPr>
-            <a:r>
-              <a:rPr lang="en-US" sz="2100" b="1" dirty="0">
-                <a:latin typeface="Inconsolata" panose="020B0609030003000000" pitchFamily="49" charset="77"/>
-              </a:rPr>
-              <a:t>6 5</a:t>
-            </a:r>
-          </a:p>
-          <a:p>
-            <a:pPr marL="0" indent="0">
-              <a:buNone/>
-            </a:pPr>
-            <a:r>
-              <a:rPr lang="en-US" b="1" dirty="0">
-                <a:latin typeface="Inconsolata" panose="020B0609030003000000" pitchFamily="49" charset="77"/>
-              </a:rPr>
-              <a:t>6</a:t>
-            </a:r>
-            <a:endParaRPr lang="en-US" sz="2100" b="1" dirty="0">
-              <a:latin typeface="Inconsolata" panose="020B0609030003000000" pitchFamily="49" charset="77"/>
-            </a:endParaRPr>
-          </a:p>
-        </p:txBody>
-      </p:sp>
-    </p:spTree>
-    <p:extLst>
-      <p:ext uri="{BB962C8B-B14F-4D97-AF65-F5344CB8AC3E}">
-        <p14:creationId xmlns:p14="http://schemas.microsoft.com/office/powerpoint/2010/main" val="224751101"/>
-      </p:ext>
-    </p:extLst>
-  </p:cSld>
-  <p:clrMapOvr>
-    <a:masterClrMapping/>
-  </p:clrMapOvr>
-  <p:timing>
-    <p:tnLst>
-      <p:par>
-        <p:cTn id="1" dur="indefinite" restart="never" nodeType="tmRoot">
-          <p:childTnLst>
-            <p:seq concurrent="1" nextAc="seek">
-              <p:cTn id="2" dur="indefinite" nodeType="mainSeq">
-                <p:childTnLst>
-                  <p:par>
-                    <p:cTn id="3" fill="hold">
-                      <p:stCondLst>
-                        <p:cond delay="indefinite"/>
-                      </p:stCondLst>
-                      <p:childTnLst>
-                        <p:par>
-                          <p:cTn id="4" fill="hold">
-                            <p:stCondLst>
-                              <p:cond delay="0"/>
-                            </p:stCondLst>
-                            <p:childTnLst>
-                              <p:par>
-                                <p:cTn id="5" presetID="1" presetClass="entr" presetSubtype="0" fill="hold" nodeType="clickEffect">
-                                  <p:stCondLst>
-                                    <p:cond delay="0"/>
-                                  </p:stCondLst>
-                                  <p:childTnLst>
-                                    <p:set>
-                                      <p:cBhvr>
-                                        <p:cTn id="6" dur="1" fill="hold">
-                                          <p:stCondLst>
-                                            <p:cond delay="0"/>
-                                          </p:stCondLst>
-                                        </p:cTn>
-                                        <p:tgtEl>
-                                          <p:spTgt spid="9">
-                                            <p:txEl>
-                                              <p:pRg st="6" end="6"/>
-                                            </p:txEl>
-                                          </p:spTgt>
-                                        </p:tgtEl>
-                                        <p:attrNameLst>
-                                          <p:attrName>style.visibility</p:attrName>
-                                        </p:attrNameLst>
-                                      </p:cBhvr>
-                                      <p:to>
-                                        <p:strVal val="visible"/>
-                                      </p:to>
-                                    </p:set>
-                                  </p:childTnLst>
-                                </p:cTn>
-                              </p:par>
-                              <p:par>
-                                <p:cTn id="7" presetID="1" presetClass="entr" presetSubtype="0" fill="hold" nodeType="withEffect">
-                                  <p:stCondLst>
-                                    <p:cond delay="0"/>
-                                  </p:stCondLst>
-                                  <p:childTnLst>
-                                    <p:set>
-                                      <p:cBhvr>
-                                        <p:cTn id="8" dur="1" fill="hold">
-                                          <p:stCondLst>
-                                            <p:cond delay="0"/>
-                                          </p:stCondLst>
-                                        </p:cTn>
-                                        <p:tgtEl>
-                                          <p:spTgt spid="9">
-                                            <p:txEl>
-                                              <p:pRg st="7" end="7"/>
-                                            </p:txEl>
-                                          </p:spTgt>
-                                        </p:tgtEl>
-                                        <p:attrNameLst>
-                                          <p:attrName>style.visibility</p:attrName>
-                                        </p:attrNameLst>
-                                      </p:cBhvr>
-                                      <p:to>
-                                        <p:strVal val="visible"/>
-                                      </p:to>
-                                    </p:set>
-                                  </p:childTnLst>
-                                </p:cTn>
-                              </p:par>
-                              <p:par>
-                                <p:cTn id="9" presetID="1" presetClass="entr" presetSubtype="0" fill="hold" nodeType="withEffect">
-                                  <p:stCondLst>
-                                    <p:cond delay="0"/>
-                                  </p:stCondLst>
-                                  <p:childTnLst>
-                                    <p:set>
-                                      <p:cBhvr>
-                                        <p:cTn id="10" dur="1" fill="hold">
-                                          <p:stCondLst>
-                                            <p:cond delay="0"/>
-                                          </p:stCondLst>
-                                        </p:cTn>
-                                        <p:tgtEl>
-                                          <p:spTgt spid="9">
-                                            <p:txEl>
-                                              <p:pRg st="8" end="8"/>
-                                            </p:txEl>
-                                          </p:spTgt>
-                                        </p:tgtEl>
-                                        <p:attrNameLst>
-                                          <p:attrName>style.visibility</p:attrName>
-                                        </p:attrNameLst>
-                                      </p:cBhvr>
-                                      <p:to>
-                                        <p:strVal val="visible"/>
-                                      </p:to>
-                                    </p:set>
-                                  </p:childTnLst>
-                                </p:cTn>
-                              </p:par>
-                              <p:par>
-                                <p:cTn id="11" presetID="1" presetClass="entr" presetSubtype="0" fill="hold" nodeType="withEffect">
-                                  <p:stCondLst>
-                                    <p:cond delay="0"/>
-                                  </p:stCondLst>
-                                  <p:childTnLst>
-                                    <p:set>
-                                      <p:cBhvr>
-                                        <p:cTn id="12" dur="1" fill="hold">
-                                          <p:stCondLst>
-                                            <p:cond delay="0"/>
-                                          </p:stCondLst>
-                                        </p:cTn>
-                                        <p:tgtEl>
-                                          <p:spTgt spid="9">
-                                            <p:txEl>
-                                              <p:pRg st="9" end="9"/>
-                                            </p:txEl>
-                                          </p:spTgt>
-                                        </p:tgtEl>
-                                        <p:attrNameLst>
-                                          <p:attrName>style.visibility</p:attrName>
-                                        </p:attrNameLst>
-                                      </p:cBhvr>
-                                      <p:to>
-                                        <p:strVal val="visible"/>
-                                      </p:to>
-                                    </p:set>
-                                  </p:childTnLst>
-                                </p:cTn>
-                              </p:par>
-                              <p:par>
-                                <p:cTn id="13" presetID="1" presetClass="entr" presetSubtype="0" fill="hold" nodeType="withEffect">
-                                  <p:stCondLst>
-                                    <p:cond delay="0"/>
-                                  </p:stCondLst>
-                                  <p:childTnLst>
-                                    <p:set>
-                                      <p:cBhvr>
-                                        <p:cTn id="14" dur="1" fill="hold">
-                                          <p:stCondLst>
-                                            <p:cond delay="0"/>
-                                          </p:stCondLst>
-                                        </p:cTn>
-                                        <p:tgtEl>
-                                          <p:spTgt spid="9">
-                                            <p:txEl>
-                                              <p:pRg st="10" end="10"/>
-                                            </p:txEl>
-                                          </p:spTgt>
-                                        </p:tgtEl>
-                                        <p:attrNameLst>
-                                          <p:attrName>style.visibility</p:attrName>
-                                        </p:attrNameLst>
-                                      </p:cBhvr>
-                                      <p:to>
-                                        <p:strVal val="visible"/>
-                                      </p:to>
-                                    </p:set>
-                                  </p:childTnLst>
-                                </p:cTn>
-                              </p:par>
-                            </p:childTnLst>
-                          </p:cTn>
-                        </p:par>
-                      </p:childTnLst>
-                    </p:cTn>
-                  </p:par>
-                </p:childTnLst>
-              </p:cTn>
-              <p:prevCondLst>
-                <p:cond evt="onPrev" delay="0">
-                  <p:tgtEl>
-                    <p:sldTgt/>
-                  </p:tgtEl>
-                </p:cond>
-              </p:prevCondLst>
-              <p:nextCondLst>
-                <p:cond evt="onNext" delay="0">
-                  <p:tgtEl>
-                    <p:sldTgt/>
-                  </p:tgtEl>
-                </p:cond>
-              </p:nextCondLst>
-            </p:seq>
-          </p:childTnLst>
-        </p:cTn>
-      </p:par>
-    </p:tnLst>
-  </p:timing>
-</p:sld>
-</file>
-
-<file path=ppt/slides/slide19.xml><?xml version="1.0" encoding="utf-8"?>
+<file path=ppt/slides/slide21.xml><?xml version="1.0" encoding="utf-8"?>
 <p:sld xmlns:a="http://schemas.openxmlformats.org/drawingml/2006/main" xmlns:r="http://schemas.openxmlformats.org/officeDocument/2006/relationships" xmlns:p="http://schemas.openxmlformats.org/presentationml/2006/main">
   <p:cSld>
     <p:spTree>
@@ -11458,381 +13178,6 @@
   <p:clrMapOvr>
     <a:masterClrMapping/>
   </p:clrMapOvr>
-</p:sld>
-</file>
-
-<file path=ppt/slides/slide2.xml><?xml version="1.0" encoding="utf-8"?>
-<p:sld xmlns:a="http://schemas.openxmlformats.org/drawingml/2006/main" xmlns:r="http://schemas.openxmlformats.org/officeDocument/2006/relationships" xmlns:p="http://schemas.openxmlformats.org/presentationml/2006/main">
-  <p:cSld>
-    <p:spTree>
-      <p:nvGrpSpPr>
-        <p:cNvPr id="1" name=""/>
-        <p:cNvGrpSpPr/>
-        <p:nvPr/>
-      </p:nvGrpSpPr>
-      <p:grpSpPr>
-        <a:xfrm>
-          <a:off x="0" y="0"/>
-          <a:ext cx="0" cy="0"/>
-          <a:chOff x="0" y="0"/>
-          <a:chExt cx="0" cy="0"/>
-        </a:xfrm>
-      </p:grpSpPr>
-      <p:sp>
-        <p:nvSpPr>
-          <p:cNvPr id="2" name="Title 1">
-            <a:extLst>
-              <a:ext uri="{FF2B5EF4-FFF2-40B4-BE49-F238E27FC236}">
-                <a16:creationId xmlns:a16="http://schemas.microsoft.com/office/drawing/2014/main" id="{AA3A228F-61D0-D949-A5E7-F83756230BF8}"/>
-              </a:ext>
-            </a:extLst>
-          </p:cNvPr>
-          <p:cNvSpPr>
-            <a:spLocks noGrp="1"/>
-          </p:cNvSpPr>
-          <p:nvPr>
-            <p:ph type="title"/>
-          </p:nvPr>
-        </p:nvSpPr>
-        <p:spPr>
-          <a:xfrm>
-            <a:off x="169682" y="134007"/>
-            <a:ext cx="7053542" cy="683886"/>
-          </a:xfrm>
-        </p:spPr>
-        <p:txBody>
-          <a:bodyPr/>
-          <a:lstStyle/>
-          <a:p>
-            <a:r>
-              <a:rPr lang="en-US" dirty="0"/>
-              <a:t>Indefinite Loop</a:t>
-            </a:r>
-          </a:p>
-        </p:txBody>
-      </p:sp>
-      <p:sp>
-        <p:nvSpPr>
-          <p:cNvPr id="9" name="Content Placeholder 8">
-            <a:extLst>
-              <a:ext uri="{FF2B5EF4-FFF2-40B4-BE49-F238E27FC236}">
-                <a16:creationId xmlns:a16="http://schemas.microsoft.com/office/drawing/2014/main" id="{E3B2E017-30B2-884B-A113-B419A2ED51AD}"/>
-              </a:ext>
-            </a:extLst>
-          </p:cNvPr>
-          <p:cNvSpPr>
-            <a:spLocks noGrp="1"/>
-          </p:cNvSpPr>
-          <p:nvPr>
-            <p:ph idx="1"/>
-          </p:nvPr>
-        </p:nvSpPr>
-        <p:spPr>
-          <a:xfrm>
-            <a:off x="169682" y="1007165"/>
-            <a:ext cx="8804636" cy="4573828"/>
-          </a:xfrm>
-        </p:spPr>
-        <p:txBody>
-          <a:bodyPr>
-            <a:normAutofit/>
-          </a:bodyPr>
-          <a:lstStyle/>
-          <a:p>
-            <a:pPr marL="0" indent="0">
-              <a:buNone/>
-            </a:pPr>
-            <a:r>
-              <a:rPr lang="en-US" dirty="0"/>
-              <a:t>A </a:t>
-            </a:r>
-            <a:r>
-              <a:rPr lang="en-US" b="1" dirty="0"/>
-              <a:t>for </a:t>
-            </a:r>
-            <a:r>
-              <a:rPr lang="en-US" dirty="0"/>
-              <a:t>loop, we discussed earlier is an example of a </a:t>
-            </a:r>
-            <a:r>
-              <a:rPr lang="en-US" b="1" dirty="0"/>
-              <a:t>definite loop</a:t>
-            </a:r>
-            <a:r>
-              <a:rPr lang="en-US" dirty="0"/>
-              <a:t>, the number of iterations can be specified ahead of time by the programmer.</a:t>
-            </a:r>
-          </a:p>
-          <a:p>
-            <a:pPr marL="0" indent="0">
-              <a:buNone/>
-            </a:pPr>
-            <a:endParaRPr lang="en-US" dirty="0"/>
-          </a:p>
-          <a:p>
-            <a:pPr marL="0" indent="0">
-              <a:buNone/>
-            </a:pPr>
-            <a:r>
-              <a:rPr lang="en-US" dirty="0"/>
-              <a:t>In some cases, however, the number of iterations can be unknown.  This type of loop is called an </a:t>
-            </a:r>
-            <a:r>
-              <a:rPr lang="en-US" b="1" dirty="0"/>
-              <a:t>indefinite loop.  </a:t>
-            </a:r>
-            <a:r>
-              <a:rPr lang="en-US" dirty="0"/>
-              <a:t>For example, a user is asked to enter a set of inputs. The number of inputs the user enter is not known in advance. The program’s input loop accepts these values until the user enters a special value or </a:t>
-            </a:r>
-            <a:r>
-              <a:rPr lang="en-US" b="1" dirty="0"/>
-              <a:t>sentinel </a:t>
-            </a:r>
-            <a:r>
-              <a:rPr lang="en-US" dirty="0"/>
-              <a:t>that terminates the input. </a:t>
-            </a:r>
-          </a:p>
-          <a:p>
-            <a:pPr marL="0" indent="0">
-              <a:buNone/>
-            </a:pPr>
-            <a:endParaRPr lang="en-US" dirty="0"/>
-          </a:p>
-          <a:p>
-            <a:pPr marL="0" indent="0">
-              <a:buNone/>
-            </a:pPr>
-            <a:r>
-              <a:rPr lang="en-US" dirty="0"/>
-              <a:t>In this section, we explore the use of the </a:t>
-            </a:r>
-            <a:r>
-              <a:rPr lang="en-US" b="1" dirty="0"/>
-              <a:t>while </a:t>
-            </a:r>
-            <a:r>
-              <a:rPr lang="en-US" dirty="0"/>
-              <a:t>loop to describe conditional iteration: iteration that repeats as long as a condition is true. </a:t>
-            </a:r>
-          </a:p>
-          <a:p>
-            <a:pPr marL="0" indent="0">
-              <a:buNone/>
-            </a:pPr>
-            <a:endParaRPr lang="en-US" dirty="0"/>
-          </a:p>
-          <a:p>
-            <a:pPr marL="0" indent="0">
-              <a:buNone/>
-            </a:pPr>
-            <a:r>
-              <a:rPr lang="en-US" dirty="0"/>
-              <a:t>Between the two loops, the for loop is more common. </a:t>
-            </a:r>
-          </a:p>
-          <a:p>
-            <a:pPr marL="0" indent="0">
-              <a:buNone/>
-            </a:pPr>
-            <a:endParaRPr lang="en-US" dirty="0"/>
-          </a:p>
-          <a:p>
-            <a:pPr marL="0" indent="0">
-              <a:buNone/>
-            </a:pPr>
-            <a:endParaRPr lang="en-US" dirty="0"/>
-          </a:p>
-        </p:txBody>
-      </p:sp>
-    </p:spTree>
-    <p:extLst>
-      <p:ext uri="{BB962C8B-B14F-4D97-AF65-F5344CB8AC3E}">
-        <p14:creationId xmlns:p14="http://schemas.microsoft.com/office/powerpoint/2010/main" val="924617162"/>
-      </p:ext>
-    </p:extLst>
-  </p:cSld>
-  <p:clrMapOvr>
-    <a:masterClrMapping/>
-  </p:clrMapOvr>
-  <p:timing>
-    <p:tnLst>
-      <p:par>
-        <p:cTn id="1" dur="indefinite" restart="never" nodeType="tmRoot">
-          <p:childTnLst>
-            <p:seq concurrent="1" nextAc="seek">
-              <p:cTn id="2" dur="indefinite" nodeType="mainSeq">
-                <p:childTnLst>
-                  <p:par>
-                    <p:cTn id="3" fill="hold">
-                      <p:stCondLst>
-                        <p:cond delay="indefinite"/>
-                      </p:stCondLst>
-                      <p:childTnLst>
-                        <p:par>
-                          <p:cTn id="4" fill="hold">
-                            <p:stCondLst>
-                              <p:cond delay="0"/>
-                            </p:stCondLst>
-                            <p:childTnLst>
-                              <p:par>
-                                <p:cTn id="5" presetID="1" presetClass="entr" presetSubtype="0" fill="hold" nodeType="clickEffect">
-                                  <p:stCondLst>
-                                    <p:cond delay="0"/>
-                                  </p:stCondLst>
-                                  <p:childTnLst>
-                                    <p:set>
-                                      <p:cBhvr>
-                                        <p:cTn id="6" dur="1" fill="hold">
-                                          <p:stCondLst>
-                                            <p:cond delay="0"/>
-                                          </p:stCondLst>
-                                        </p:cTn>
-                                        <p:tgtEl>
-                                          <p:spTgt spid="9">
-                                            <p:txEl>
-                                              <p:pRg st="2" end="2"/>
-                                            </p:txEl>
-                                          </p:spTgt>
-                                        </p:tgtEl>
-                                        <p:attrNameLst>
-                                          <p:attrName>style.visibility</p:attrName>
-                                        </p:attrNameLst>
-                                      </p:cBhvr>
-                                      <p:to>
-                                        <p:strVal val="visible"/>
-                                      </p:to>
-                                    </p:set>
-                                  </p:childTnLst>
-                                </p:cTn>
-                              </p:par>
-                            </p:childTnLst>
-                          </p:cTn>
-                        </p:par>
-                      </p:childTnLst>
-                    </p:cTn>
-                  </p:par>
-                  <p:par>
-                    <p:cTn id="7" fill="hold">
-                      <p:stCondLst>
-                        <p:cond delay="indefinite"/>
-                      </p:stCondLst>
-                      <p:childTnLst>
-                        <p:par>
-                          <p:cTn id="8" fill="hold">
-                            <p:stCondLst>
-                              <p:cond delay="0"/>
-                            </p:stCondLst>
-                            <p:childTnLst>
-                              <p:par>
-                                <p:cTn id="9" presetID="1" presetClass="entr" presetSubtype="0" fill="hold" nodeType="clickEffect">
-                                  <p:stCondLst>
-                                    <p:cond delay="0"/>
-                                  </p:stCondLst>
-                                  <p:childTnLst>
-                                    <p:set>
-                                      <p:cBhvr>
-                                        <p:cTn id="10" dur="1" fill="hold">
-                                          <p:stCondLst>
-                                            <p:cond delay="0"/>
-                                          </p:stCondLst>
-                                        </p:cTn>
-                                        <p:tgtEl>
-                                          <p:spTgt spid="9">
-                                            <p:txEl>
-                                              <p:pRg st="4" end="4"/>
-                                            </p:txEl>
-                                          </p:spTgt>
-                                        </p:tgtEl>
-                                        <p:attrNameLst>
-                                          <p:attrName>style.visibility</p:attrName>
-                                        </p:attrNameLst>
-                                      </p:cBhvr>
-                                      <p:to>
-                                        <p:strVal val="visible"/>
-                                      </p:to>
-                                    </p:set>
-                                  </p:childTnLst>
-                                </p:cTn>
-                              </p:par>
-                            </p:childTnLst>
-                          </p:cTn>
-                        </p:par>
-                      </p:childTnLst>
-                    </p:cTn>
-                  </p:par>
-                  <p:par>
-                    <p:cTn id="11" fill="hold">
-                      <p:stCondLst>
-                        <p:cond delay="indefinite"/>
-                      </p:stCondLst>
-                      <p:childTnLst>
-                        <p:par>
-                          <p:cTn id="12" fill="hold">
-                            <p:stCondLst>
-                              <p:cond delay="0"/>
-                            </p:stCondLst>
-                            <p:childTnLst>
-                              <p:par>
-                                <p:cTn id="13" presetID="1" presetClass="entr" presetSubtype="0" fill="hold" nodeType="clickEffect">
-                                  <p:stCondLst>
-                                    <p:cond delay="0"/>
-                                  </p:stCondLst>
-                                  <p:childTnLst>
-                                    <p:set>
-                                      <p:cBhvr>
-                                        <p:cTn id="14" dur="1" fill="hold">
-                                          <p:stCondLst>
-                                            <p:cond delay="0"/>
-                                          </p:stCondLst>
-                                        </p:cTn>
-                                        <p:tgtEl>
-                                          <p:spTgt spid="9">
-                                            <p:txEl>
-                                              <p:pRg st="6" end="6"/>
-                                            </p:txEl>
-                                          </p:spTgt>
-                                        </p:tgtEl>
-                                        <p:attrNameLst>
-                                          <p:attrName>style.visibility</p:attrName>
-                                        </p:attrNameLst>
-                                      </p:cBhvr>
-                                      <p:to>
-                                        <p:strVal val="visible"/>
-                                      </p:to>
-                                    </p:set>
-                                  </p:childTnLst>
-                                </p:cTn>
-                              </p:par>
-                            </p:childTnLst>
-                          </p:cTn>
-                        </p:par>
-                      </p:childTnLst>
-                    </p:cTn>
-                  </p:par>
-                </p:childTnLst>
-              </p:cTn>
-              <p:prevCondLst>
-                <p:cond evt="onPrev" delay="0">
-                  <p:tgtEl>
-                    <p:sldTgt/>
-                  </p:tgtEl>
-                </p:cond>
-              </p:prevCondLst>
-              <p:nextCondLst>
-                <p:cond evt="onNext" delay="0">
-                  <p:tgtEl>
-                    <p:sldTgt/>
-                  </p:tgtEl>
-                </p:cond>
-              </p:nextCondLst>
-            </p:seq>
-          </p:childTnLst>
-        </p:cTn>
-      </p:par>
-    </p:tnLst>
-  </p:timing>
 </p:sld>
 </file>
 

--- a/courses/apcsp/lect8.pptx
+++ b/courses/apcsp/lect8.pptx
@@ -4,6 +4,9 @@
   <p:sldMasterIdLst>
     <p:sldMasterId id="2147483791" r:id="rId1"/>
   </p:sldMasterIdLst>
+  <p:notesMasterIdLst>
+    <p:notesMasterId r:id="rId23"/>
+  </p:notesMasterIdLst>
   <p:sldIdLst>
     <p:sldId id="256" r:id="rId2"/>
     <p:sldId id="319" r:id="rId3"/>
@@ -135,7 +138,7 @@
 <file path=ppt/revisionInfo.xml><?xml version="1.0" encoding="utf-8"?>
 <p1510:revInfo xmlns:a="http://schemas.openxmlformats.org/drawingml/2006/main" xmlns:r="http://schemas.openxmlformats.org/officeDocument/2006/relationships" xmlns:p1510="http://schemas.microsoft.com/office/powerpoint/2015/10/main">
   <p1510:revLst>
-    <p1510:client id="{3CB66211-2DF4-2442-833E-8DD261694FF0}" v="251" dt="2021-11-07T17:24:01.542"/>
+    <p1510:client id="{4F0F93AB-943A-FD4E-8DF3-2A5EF8EE30F9}" v="15" dt="2021-11-29T18:28:50.781"/>
   </p1510:revLst>
 </p1510:revInfo>
 </file>
@@ -143,137 +146,148 @@
 <file path=ppt/changesInfos/changesInfo1.xml><?xml version="1.0" encoding="utf-8"?>
 <pc:chgInfo xmlns:a="http://schemas.openxmlformats.org/drawingml/2006/main" xmlns:r="http://schemas.openxmlformats.org/officeDocument/2006/relationships" xmlns:ac="http://schemas.microsoft.com/office/drawing/2013/main/command" xmlns:pc="http://schemas.microsoft.com/office/powerpoint/2013/main/command">
   <pc:docChgLst>
-    <pc:chgData name="Long B Nguyen" userId="f59fb8f3-a021-417a-8bc1-65c8d471c621" providerId="ADAL" clId="{B5860C40-AA08-4447-A918-2D2782E0FC0B}"/>
-    <pc:docChg chg="delSld modSld">
-      <pc:chgData name="Long B Nguyen" userId="f59fb8f3-a021-417a-8bc1-65c8d471c621" providerId="ADAL" clId="{B5860C40-AA08-4447-A918-2D2782E0FC0B}" dt="2019-09-16T13:59:20.091" v="35" actId="2696"/>
+    <pc:chgData name="Long B Nguyen" userId="f59fb8f3-a021-417a-8bc1-65c8d471c621" providerId="ADAL" clId="{4F0F93AB-943A-FD4E-8DF3-2A5EF8EE30F9}"/>
+    <pc:docChg chg="modSld">
+      <pc:chgData name="Long B Nguyen" userId="f59fb8f3-a021-417a-8bc1-65c8d471c621" providerId="ADAL" clId="{4F0F93AB-943A-FD4E-8DF3-2A5EF8EE30F9}" dt="2021-11-29T18:28:50.780" v="14" actId="207"/>
       <pc:docMkLst>
         <pc:docMk/>
       </pc:docMkLst>
-      <pc:sldChg chg="modSp">
-        <pc:chgData name="Long B Nguyen" userId="f59fb8f3-a021-417a-8bc1-65c8d471c621" providerId="ADAL" clId="{B5860C40-AA08-4447-A918-2D2782E0FC0B}" dt="2019-09-16T13:58:36.640" v="18" actId="20577"/>
+      <pc:sldChg chg="addSp modSp">
+        <pc:chgData name="Long B Nguyen" userId="f59fb8f3-a021-417a-8bc1-65c8d471c621" providerId="ADAL" clId="{4F0F93AB-943A-FD4E-8DF3-2A5EF8EE30F9}" dt="2021-11-29T17:27:25.318" v="1"/>
         <pc:sldMkLst>
           <pc:docMk/>
           <pc:sldMk cId="4247104139" sldId="256"/>
         </pc:sldMkLst>
-        <pc:spChg chg="mod">
-          <ac:chgData name="Long B Nguyen" userId="f59fb8f3-a021-417a-8bc1-65c8d471c621" providerId="ADAL" clId="{B5860C40-AA08-4447-A918-2D2782E0FC0B}" dt="2019-09-16T13:58:36.640" v="18" actId="20577"/>
+        <pc:spChg chg="add mod">
+          <ac:chgData name="Long B Nguyen" userId="f59fb8f3-a021-417a-8bc1-65c8d471c621" providerId="ADAL" clId="{4F0F93AB-943A-FD4E-8DF3-2A5EF8EE30F9}" dt="2021-11-29T17:27:25.318" v="1"/>
           <ac:spMkLst>
             <pc:docMk/>
             <pc:sldMk cId="4247104139" sldId="256"/>
-            <ac:spMk id="3" creationId="{1BDC47C8-6776-7B44-9CD4-95FC91452D62}"/>
+            <ac:spMk id="5" creationId="{B2BC8EC2-B682-6F4D-9E6C-B5FCC03B133E}"/>
           </ac:spMkLst>
         </pc:spChg>
       </pc:sldChg>
-    </pc:docChg>
-  </pc:docChgLst>
-  <pc:docChgLst>
-    <pc:chgData name="Long B Nguyen" userId="f59fb8f3-a021-417a-8bc1-65c8d471c621" providerId="ADAL" clId="{4D090DEB-D33E-0146-8FDE-1BD7A7A456A7}"/>
-    <pc:docChg chg="undo custSel modSld">
-      <pc:chgData name="Long B Nguyen" userId="f59fb8f3-a021-417a-8bc1-65c8d471c621" providerId="ADAL" clId="{4D090DEB-D33E-0146-8FDE-1BD7A7A456A7}" dt="2020-11-20T14:06:48.637" v="1117" actId="20577"/>
-      <pc:docMkLst>
-        <pc:docMk/>
-      </pc:docMkLst>
-      <pc:sldChg chg="modSp mod modAnim">
-        <pc:chgData name="Long B Nguyen" userId="f59fb8f3-a021-417a-8bc1-65c8d471c621" providerId="ADAL" clId="{4D090DEB-D33E-0146-8FDE-1BD7A7A456A7}" dt="2020-11-19T04:45:19.757" v="781" actId="1076"/>
+      <pc:sldChg chg="addSp modSp">
+        <pc:chgData name="Long B Nguyen" userId="f59fb8f3-a021-417a-8bc1-65c8d471c621" providerId="ADAL" clId="{4F0F93AB-943A-FD4E-8DF3-2A5EF8EE30F9}" dt="2021-11-29T17:27:25.318" v="1"/>
+        <pc:sldMkLst>
+          <pc:docMk/>
+          <pc:sldMk cId="403449732" sldId="302"/>
+        </pc:sldMkLst>
+        <pc:spChg chg="add mod">
+          <ac:chgData name="Long B Nguyen" userId="f59fb8f3-a021-417a-8bc1-65c8d471c621" providerId="ADAL" clId="{4F0F93AB-943A-FD4E-8DF3-2A5EF8EE30F9}" dt="2021-11-29T17:27:25.318" v="1"/>
+          <ac:spMkLst>
+            <pc:docMk/>
+            <pc:sldMk cId="403449732" sldId="302"/>
+            <ac:spMk id="3" creationId="{B16612CE-F205-704B-A1A0-DA8AFE914EE0}"/>
+          </ac:spMkLst>
+        </pc:spChg>
+      </pc:sldChg>
+      <pc:sldChg chg="addSp modSp">
+        <pc:chgData name="Long B Nguyen" userId="f59fb8f3-a021-417a-8bc1-65c8d471c621" providerId="ADAL" clId="{4F0F93AB-943A-FD4E-8DF3-2A5EF8EE30F9}" dt="2021-11-29T17:27:25.318" v="1"/>
+        <pc:sldMkLst>
+          <pc:docMk/>
+          <pc:sldMk cId="370395365" sldId="306"/>
+        </pc:sldMkLst>
+        <pc:spChg chg="add mod">
+          <ac:chgData name="Long B Nguyen" userId="f59fb8f3-a021-417a-8bc1-65c8d471c621" providerId="ADAL" clId="{4F0F93AB-943A-FD4E-8DF3-2A5EF8EE30F9}" dt="2021-11-29T17:27:25.318" v="1"/>
+          <ac:spMkLst>
+            <pc:docMk/>
+            <pc:sldMk cId="370395365" sldId="306"/>
+            <ac:spMk id="3" creationId="{079F9442-BDD5-664F-B683-5FEDE5D4DFC6}"/>
+          </ac:spMkLst>
+        </pc:spChg>
+      </pc:sldChg>
+      <pc:sldChg chg="addSp modSp">
+        <pc:chgData name="Long B Nguyen" userId="f59fb8f3-a021-417a-8bc1-65c8d471c621" providerId="ADAL" clId="{4F0F93AB-943A-FD4E-8DF3-2A5EF8EE30F9}" dt="2021-11-29T17:27:25.318" v="1"/>
+        <pc:sldMkLst>
+          <pc:docMk/>
+          <pc:sldMk cId="224751101" sldId="307"/>
+        </pc:sldMkLst>
+        <pc:spChg chg="add mod">
+          <ac:chgData name="Long B Nguyen" userId="f59fb8f3-a021-417a-8bc1-65c8d471c621" providerId="ADAL" clId="{4F0F93AB-943A-FD4E-8DF3-2A5EF8EE30F9}" dt="2021-11-29T17:27:25.318" v="1"/>
+          <ac:spMkLst>
+            <pc:docMk/>
+            <pc:sldMk cId="224751101" sldId="307"/>
+            <ac:spMk id="3" creationId="{EBA6D9F6-F879-B64D-A123-E8BD5ADAF5FF}"/>
+          </ac:spMkLst>
+        </pc:spChg>
+      </pc:sldChg>
+      <pc:sldChg chg="addSp modSp">
+        <pc:chgData name="Long B Nguyen" userId="f59fb8f3-a021-417a-8bc1-65c8d471c621" providerId="ADAL" clId="{4F0F93AB-943A-FD4E-8DF3-2A5EF8EE30F9}" dt="2021-11-29T17:27:25.318" v="1"/>
+        <pc:sldMkLst>
+          <pc:docMk/>
+          <pc:sldMk cId="1452600724" sldId="316"/>
+        </pc:sldMkLst>
+        <pc:spChg chg="add mod">
+          <ac:chgData name="Long B Nguyen" userId="f59fb8f3-a021-417a-8bc1-65c8d471c621" providerId="ADAL" clId="{4F0F93AB-943A-FD4E-8DF3-2A5EF8EE30F9}" dt="2021-11-29T17:27:25.318" v="1"/>
+          <ac:spMkLst>
+            <pc:docMk/>
+            <pc:sldMk cId="1452600724" sldId="316"/>
+            <ac:spMk id="3" creationId="{A6EC21DB-BE94-5A4E-B755-315F7F935D76}"/>
+          </ac:spMkLst>
+        </pc:spChg>
+      </pc:sldChg>
+      <pc:sldChg chg="addSp modSp">
+        <pc:chgData name="Long B Nguyen" userId="f59fb8f3-a021-417a-8bc1-65c8d471c621" providerId="ADAL" clId="{4F0F93AB-943A-FD4E-8DF3-2A5EF8EE30F9}" dt="2021-11-29T17:27:25.318" v="1"/>
         <pc:sldMkLst>
           <pc:docMk/>
           <pc:sldMk cId="924617162" sldId="319"/>
         </pc:sldMkLst>
-        <pc:spChg chg="mod">
-          <ac:chgData name="Long B Nguyen" userId="f59fb8f3-a021-417a-8bc1-65c8d471c621" providerId="ADAL" clId="{4D090DEB-D33E-0146-8FDE-1BD7A7A456A7}" dt="2020-11-19T04:45:19.757" v="781" actId="1076"/>
+        <pc:spChg chg="add mod">
+          <ac:chgData name="Long B Nguyen" userId="f59fb8f3-a021-417a-8bc1-65c8d471c621" providerId="ADAL" clId="{4F0F93AB-943A-FD4E-8DF3-2A5EF8EE30F9}" dt="2021-11-29T17:27:25.318" v="1"/>
           <ac:spMkLst>
             <pc:docMk/>
             <pc:sldMk cId="924617162" sldId="319"/>
-            <ac:spMk id="2" creationId="{AA3A228F-61D0-D949-A5E7-F83756230BF8}"/>
-          </ac:spMkLst>
-        </pc:spChg>
-        <pc:spChg chg="mod">
-          <ac:chgData name="Long B Nguyen" userId="f59fb8f3-a021-417a-8bc1-65c8d471c621" providerId="ADAL" clId="{4D090DEB-D33E-0146-8FDE-1BD7A7A456A7}" dt="2020-11-19T04:45:14.666" v="779" actId="14100"/>
-          <ac:spMkLst>
-            <pc:docMk/>
-            <pc:sldMk cId="924617162" sldId="319"/>
-            <ac:spMk id="9" creationId="{E3B2E017-30B2-884B-A113-B419A2ED51AD}"/>
+            <ac:spMk id="3" creationId="{BDC2059B-C28B-4640-BA06-033C10FB8E3F}"/>
           </ac:spMkLst>
         </pc:spChg>
       </pc:sldChg>
-      <pc:sldChg chg="modSp mod modAnim">
-        <pc:chgData name="Long B Nguyen" userId="f59fb8f3-a021-417a-8bc1-65c8d471c621" providerId="ADAL" clId="{4D090DEB-D33E-0146-8FDE-1BD7A7A456A7}" dt="2020-11-19T04:33:36.604" v="547"/>
+      <pc:sldChg chg="addSp modSp">
+        <pc:chgData name="Long B Nguyen" userId="f59fb8f3-a021-417a-8bc1-65c8d471c621" providerId="ADAL" clId="{4F0F93AB-943A-FD4E-8DF3-2A5EF8EE30F9}" dt="2021-11-29T17:27:25.318" v="1"/>
         <pc:sldMkLst>
           <pc:docMk/>
           <pc:sldMk cId="3758830494" sldId="320"/>
         </pc:sldMkLst>
-        <pc:spChg chg="mod">
-          <ac:chgData name="Long B Nguyen" userId="f59fb8f3-a021-417a-8bc1-65c8d471c621" providerId="ADAL" clId="{4D090DEB-D33E-0146-8FDE-1BD7A7A456A7}" dt="2020-11-19T04:26:47.866" v="412" actId="1076"/>
+        <pc:spChg chg="add mod">
+          <ac:chgData name="Long B Nguyen" userId="f59fb8f3-a021-417a-8bc1-65c8d471c621" providerId="ADAL" clId="{4F0F93AB-943A-FD4E-8DF3-2A5EF8EE30F9}" dt="2021-11-29T17:27:25.318" v="1"/>
           <ac:spMkLst>
             <pc:docMk/>
             <pc:sldMk cId="3758830494" sldId="320"/>
-            <ac:spMk id="2" creationId="{AA3A228F-61D0-D949-A5E7-F83756230BF8}"/>
-          </ac:spMkLst>
-        </pc:spChg>
-        <pc:spChg chg="mod">
-          <ac:chgData name="Long B Nguyen" userId="f59fb8f3-a021-417a-8bc1-65c8d471c621" providerId="ADAL" clId="{4D090DEB-D33E-0146-8FDE-1BD7A7A456A7}" dt="2020-11-19T04:26:45.399" v="411" actId="14100"/>
-          <ac:spMkLst>
-            <pc:docMk/>
-            <pc:sldMk cId="3758830494" sldId="320"/>
-            <ac:spMk id="9" creationId="{E3B2E017-30B2-884B-A113-B419A2ED51AD}"/>
+            <ac:spMk id="3" creationId="{E2921E85-92BD-2245-8705-A9D236339CAB}"/>
           </ac:spMkLst>
         </pc:spChg>
       </pc:sldChg>
-      <pc:sldChg chg="addSp modSp mod modAnim">
-        <pc:chgData name="Long B Nguyen" userId="f59fb8f3-a021-417a-8bc1-65c8d471c621" providerId="ADAL" clId="{4D090DEB-D33E-0146-8FDE-1BD7A7A456A7}" dt="2020-11-19T13:05:31.040" v="1113"/>
+      <pc:sldChg chg="addSp modSp">
+        <pc:chgData name="Long B Nguyen" userId="f59fb8f3-a021-417a-8bc1-65c8d471c621" providerId="ADAL" clId="{4F0F93AB-943A-FD4E-8DF3-2A5EF8EE30F9}" dt="2021-11-29T17:27:25.318" v="1"/>
         <pc:sldMkLst>
           <pc:docMk/>
           <pc:sldMk cId="1022945305" sldId="321"/>
         </pc:sldMkLst>
-        <pc:spChg chg="mod">
-          <ac:chgData name="Long B Nguyen" userId="f59fb8f3-a021-417a-8bc1-65c8d471c621" providerId="ADAL" clId="{4D090DEB-D33E-0146-8FDE-1BD7A7A456A7}" dt="2020-11-19T04:26:53.269" v="413" actId="1076"/>
+        <pc:spChg chg="add mod">
+          <ac:chgData name="Long B Nguyen" userId="f59fb8f3-a021-417a-8bc1-65c8d471c621" providerId="ADAL" clId="{4F0F93AB-943A-FD4E-8DF3-2A5EF8EE30F9}" dt="2021-11-29T17:27:25.318" v="1"/>
           <ac:spMkLst>
             <pc:docMk/>
             <pc:sldMk cId="1022945305" sldId="321"/>
-            <ac:spMk id="2" creationId="{AA3A228F-61D0-D949-A5E7-F83756230BF8}"/>
-          </ac:spMkLst>
-        </pc:spChg>
-        <pc:spChg chg="add mod">
-          <ac:chgData name="Long B Nguyen" userId="f59fb8f3-a021-417a-8bc1-65c8d471c621" providerId="ADAL" clId="{4D090DEB-D33E-0146-8FDE-1BD7A7A456A7}" dt="2020-11-19T13:05:18.398" v="1111" actId="1076"/>
-          <ac:spMkLst>
-            <pc:docMk/>
-            <pc:sldMk cId="1022945305" sldId="321"/>
-            <ac:spMk id="3" creationId="{3C72A7FE-2096-AA46-B5B0-556366A0BFB1}"/>
-          </ac:spMkLst>
-        </pc:spChg>
-        <pc:spChg chg="add mod">
-          <ac:chgData name="Long B Nguyen" userId="f59fb8f3-a021-417a-8bc1-65c8d471c621" providerId="ADAL" clId="{4D090DEB-D33E-0146-8FDE-1BD7A7A456A7}" dt="2020-11-19T13:05:16.504" v="1110" actId="1076"/>
-          <ac:spMkLst>
-            <pc:docMk/>
-            <pc:sldMk cId="1022945305" sldId="321"/>
-            <ac:spMk id="5" creationId="{DD72A416-729A-D14D-937B-E31E95D5697D}"/>
-          </ac:spMkLst>
-        </pc:spChg>
-        <pc:spChg chg="mod">
-          <ac:chgData name="Long B Nguyen" userId="f59fb8f3-a021-417a-8bc1-65c8d471c621" providerId="ADAL" clId="{4D090DEB-D33E-0146-8FDE-1BD7A7A456A7}" dt="2020-11-19T13:03:48.213" v="952" actId="20577"/>
-          <ac:spMkLst>
-            <pc:docMk/>
-            <pc:sldMk cId="1022945305" sldId="321"/>
-            <ac:spMk id="9" creationId="{E3B2E017-30B2-884B-A113-B419A2ED51AD}"/>
+            <ac:spMk id="4" creationId="{D9791036-EBBC-1043-9CA9-F3A064B804DF}"/>
           </ac:spMkLst>
         </pc:spChg>
       </pc:sldChg>
-      <pc:sldChg chg="modSp mod modAnim">
-        <pc:chgData name="Long B Nguyen" userId="f59fb8f3-a021-417a-8bc1-65c8d471c621" providerId="ADAL" clId="{4D090DEB-D33E-0146-8FDE-1BD7A7A456A7}" dt="2020-11-19T04:38:55.983" v="637"/>
+      <pc:sldChg chg="addSp modSp">
+        <pc:chgData name="Long B Nguyen" userId="f59fb8f3-a021-417a-8bc1-65c8d471c621" providerId="ADAL" clId="{4F0F93AB-943A-FD4E-8DF3-2A5EF8EE30F9}" dt="2021-11-29T18:28:05.398" v="9"/>
         <pc:sldMkLst>
           <pc:docMk/>
           <pc:sldMk cId="3456840474" sldId="322"/>
         </pc:sldMkLst>
-        <pc:spChg chg="mod">
-          <ac:chgData name="Long B Nguyen" userId="f59fb8f3-a021-417a-8bc1-65c8d471c621" providerId="ADAL" clId="{4D090DEB-D33E-0146-8FDE-1BD7A7A456A7}" dt="2020-11-19T04:37:10.670" v="621" actId="1076"/>
+        <pc:spChg chg="add mod">
+          <ac:chgData name="Long B Nguyen" userId="f59fb8f3-a021-417a-8bc1-65c8d471c621" providerId="ADAL" clId="{4F0F93AB-943A-FD4E-8DF3-2A5EF8EE30F9}" dt="2021-11-29T17:27:25.318" v="1"/>
           <ac:spMkLst>
             <pc:docMk/>
             <pc:sldMk cId="3456840474" sldId="322"/>
-            <ac:spMk id="2" creationId="{AA3A228F-61D0-D949-A5E7-F83756230BF8}"/>
+            <ac:spMk id="3" creationId="{CC2FA81F-03BB-8F4F-850A-A518C2411A1F}"/>
           </ac:spMkLst>
         </pc:spChg>
         <pc:spChg chg="mod">
-          <ac:chgData name="Long B Nguyen" userId="f59fb8f3-a021-417a-8bc1-65c8d471c621" providerId="ADAL" clId="{4D090DEB-D33E-0146-8FDE-1BD7A7A456A7}" dt="2020-11-19T04:36:58.455" v="610" actId="20577"/>
+          <ac:chgData name="Long B Nguyen" userId="f59fb8f3-a021-417a-8bc1-65c8d471c621" providerId="ADAL" clId="{4F0F93AB-943A-FD4E-8DF3-2A5EF8EE30F9}" dt="2021-11-29T18:28:05.398" v="9"/>
           <ac:spMkLst>
             <pc:docMk/>
             <pc:sldMk cId="3456840474" sldId="322"/>
@@ -281,22 +295,22 @@
           </ac:spMkLst>
         </pc:spChg>
       </pc:sldChg>
-      <pc:sldChg chg="modSp mod modAnim">
-        <pc:chgData name="Long B Nguyen" userId="f59fb8f3-a021-417a-8bc1-65c8d471c621" providerId="ADAL" clId="{4D090DEB-D33E-0146-8FDE-1BD7A7A456A7}" dt="2020-11-19T04:37:41.967" v="627"/>
+      <pc:sldChg chg="addSp modSp">
+        <pc:chgData name="Long B Nguyen" userId="f59fb8f3-a021-417a-8bc1-65c8d471c621" providerId="ADAL" clId="{4F0F93AB-943A-FD4E-8DF3-2A5EF8EE30F9}" dt="2021-11-29T18:28:27.791" v="12" actId="207"/>
         <pc:sldMkLst>
           <pc:docMk/>
           <pc:sldMk cId="1062075874" sldId="323"/>
         </pc:sldMkLst>
-        <pc:spChg chg="mod">
-          <ac:chgData name="Long B Nguyen" userId="f59fb8f3-a021-417a-8bc1-65c8d471c621" providerId="ADAL" clId="{4D090DEB-D33E-0146-8FDE-1BD7A7A456A7}" dt="2020-11-19T04:30:28.655" v="535" actId="20577"/>
+        <pc:spChg chg="add mod">
+          <ac:chgData name="Long B Nguyen" userId="f59fb8f3-a021-417a-8bc1-65c8d471c621" providerId="ADAL" clId="{4F0F93AB-943A-FD4E-8DF3-2A5EF8EE30F9}" dt="2021-11-29T17:27:25.318" v="1"/>
           <ac:spMkLst>
             <pc:docMk/>
             <pc:sldMk cId="1062075874" sldId="323"/>
-            <ac:spMk id="2" creationId="{AA3A228F-61D0-D949-A5E7-F83756230BF8}"/>
+            <ac:spMk id="3" creationId="{E6BB2C50-2D6D-3845-88A0-760C2F31B7F1}"/>
           </ac:spMkLst>
         </pc:spChg>
         <pc:spChg chg="mod">
-          <ac:chgData name="Long B Nguyen" userId="f59fb8f3-a021-417a-8bc1-65c8d471c621" providerId="ADAL" clId="{4D090DEB-D33E-0146-8FDE-1BD7A7A456A7}" dt="2020-11-19T04:29:52.399" v="506" actId="14100"/>
+          <ac:chgData name="Long B Nguyen" userId="f59fb8f3-a021-417a-8bc1-65c8d471c621" providerId="ADAL" clId="{4F0F93AB-943A-FD4E-8DF3-2A5EF8EE30F9}" dt="2021-11-29T18:28:27.791" v="12" actId="207"/>
           <ac:spMkLst>
             <pc:docMk/>
             <pc:sldMk cId="1062075874" sldId="323"/>
@@ -304,68 +318,52 @@
           </ac:spMkLst>
         </pc:spChg>
       </pc:sldChg>
-      <pc:sldChg chg="modSp mod modAnim">
-        <pc:chgData name="Long B Nguyen" userId="f59fb8f3-a021-417a-8bc1-65c8d471c621" providerId="ADAL" clId="{4D090DEB-D33E-0146-8FDE-1BD7A7A456A7}" dt="2020-11-19T04:48:10.088" v="870"/>
+      <pc:sldChg chg="addSp modSp">
+        <pc:chgData name="Long B Nguyen" userId="f59fb8f3-a021-417a-8bc1-65c8d471c621" providerId="ADAL" clId="{4F0F93AB-943A-FD4E-8DF3-2A5EF8EE30F9}" dt="2021-11-29T17:27:25.318" v="1"/>
         <pc:sldMkLst>
           <pc:docMk/>
           <pc:sldMk cId="1310010799" sldId="324"/>
         </pc:sldMkLst>
-        <pc:spChg chg="mod">
-          <ac:chgData name="Long B Nguyen" userId="f59fb8f3-a021-417a-8bc1-65c8d471c621" providerId="ADAL" clId="{4D090DEB-D33E-0146-8FDE-1BD7A7A456A7}" dt="2020-11-19T04:31:04.571" v="539" actId="1076"/>
+        <pc:spChg chg="add mod">
+          <ac:chgData name="Long B Nguyen" userId="f59fb8f3-a021-417a-8bc1-65c8d471c621" providerId="ADAL" clId="{4F0F93AB-943A-FD4E-8DF3-2A5EF8EE30F9}" dt="2021-11-29T17:27:25.318" v="1"/>
           <ac:spMkLst>
             <pc:docMk/>
             <pc:sldMk cId="1310010799" sldId="324"/>
-            <ac:spMk id="2" creationId="{AA3A228F-61D0-D949-A5E7-F83756230BF8}"/>
-          </ac:spMkLst>
-        </pc:spChg>
-        <pc:spChg chg="mod">
-          <ac:chgData name="Long B Nguyen" userId="f59fb8f3-a021-417a-8bc1-65c8d471c621" providerId="ADAL" clId="{4D090DEB-D33E-0146-8FDE-1BD7A7A456A7}" dt="2020-11-19T04:30:58.529" v="538" actId="1076"/>
-          <ac:spMkLst>
-            <pc:docMk/>
-            <pc:sldMk cId="1310010799" sldId="324"/>
-            <ac:spMk id="9" creationId="{E3B2E017-30B2-884B-A113-B419A2ED51AD}"/>
+            <ac:spMk id="3" creationId="{FF1B6A0E-7C7A-634F-BD13-8643F7F1AE4F}"/>
           </ac:spMkLst>
         </pc:spChg>
       </pc:sldChg>
-      <pc:sldChg chg="modSp mod modAnim">
-        <pc:chgData name="Long B Nguyen" userId="f59fb8f3-a021-417a-8bc1-65c8d471c621" providerId="ADAL" clId="{4D090DEB-D33E-0146-8FDE-1BD7A7A456A7}" dt="2020-11-19T04:49:22.406" v="887"/>
+      <pc:sldChg chg="addSp modSp">
+        <pc:chgData name="Long B Nguyen" userId="f59fb8f3-a021-417a-8bc1-65c8d471c621" providerId="ADAL" clId="{4F0F93AB-943A-FD4E-8DF3-2A5EF8EE30F9}" dt="2021-11-29T17:27:25.318" v="1"/>
         <pc:sldMkLst>
           <pc:docMk/>
-          <pc:sldMk cId="3314372952" sldId="325"/>
+          <pc:sldMk cId="451405738" sldId="325"/>
         </pc:sldMkLst>
-        <pc:spChg chg="mod">
-          <ac:chgData name="Long B Nguyen" userId="f59fb8f3-a021-417a-8bc1-65c8d471c621" providerId="ADAL" clId="{4D090DEB-D33E-0146-8FDE-1BD7A7A456A7}" dt="2020-11-12T12:08:02.340" v="146" actId="1076"/>
+        <pc:spChg chg="add mod">
+          <ac:chgData name="Long B Nguyen" userId="f59fb8f3-a021-417a-8bc1-65c8d471c621" providerId="ADAL" clId="{4F0F93AB-943A-FD4E-8DF3-2A5EF8EE30F9}" dt="2021-11-29T17:27:25.318" v="1"/>
           <ac:spMkLst>
             <pc:docMk/>
-            <pc:sldMk cId="3314372952" sldId="325"/>
-            <ac:spMk id="2" creationId="{AA3A228F-61D0-D949-A5E7-F83756230BF8}"/>
-          </ac:spMkLst>
-        </pc:spChg>
-        <pc:spChg chg="mod">
-          <ac:chgData name="Long B Nguyen" userId="f59fb8f3-a021-417a-8bc1-65c8d471c621" providerId="ADAL" clId="{4D090DEB-D33E-0146-8FDE-1BD7A7A456A7}" dt="2020-11-19T04:49:09.844" v="883" actId="20577"/>
-          <ac:spMkLst>
-            <pc:docMk/>
-            <pc:sldMk cId="3314372952" sldId="325"/>
-            <ac:spMk id="9" creationId="{E3B2E017-30B2-884B-A113-B419A2ED51AD}"/>
+            <pc:sldMk cId="451405738" sldId="325"/>
+            <ac:spMk id="3" creationId="{72F8AA9C-740A-0B4D-9AD6-D531DA9B9312}"/>
           </ac:spMkLst>
         </pc:spChg>
       </pc:sldChg>
-      <pc:sldChg chg="modSp mod modAnim">
-        <pc:chgData name="Long B Nguyen" userId="f59fb8f3-a021-417a-8bc1-65c8d471c621" providerId="ADAL" clId="{4D090DEB-D33E-0146-8FDE-1BD7A7A456A7}" dt="2020-11-19T04:38:18.076" v="631"/>
+      <pc:sldChg chg="addSp modSp">
+        <pc:chgData name="Long B Nguyen" userId="f59fb8f3-a021-417a-8bc1-65c8d471c621" providerId="ADAL" clId="{4F0F93AB-943A-FD4E-8DF3-2A5EF8EE30F9}" dt="2021-11-29T18:27:05.725" v="3" actId="207"/>
         <pc:sldMkLst>
           <pc:docMk/>
           <pc:sldMk cId="1724104636" sldId="327"/>
         </pc:sldMkLst>
-        <pc:spChg chg="mod">
-          <ac:chgData name="Long B Nguyen" userId="f59fb8f3-a021-417a-8bc1-65c8d471c621" providerId="ADAL" clId="{4D090DEB-D33E-0146-8FDE-1BD7A7A456A7}" dt="2020-11-19T04:30:22.456" v="522" actId="20577"/>
+        <pc:spChg chg="add mod">
+          <ac:chgData name="Long B Nguyen" userId="f59fb8f3-a021-417a-8bc1-65c8d471c621" providerId="ADAL" clId="{4F0F93AB-943A-FD4E-8DF3-2A5EF8EE30F9}" dt="2021-11-29T17:27:25.318" v="1"/>
           <ac:spMkLst>
             <pc:docMk/>
             <pc:sldMk cId="1724104636" sldId="327"/>
-            <ac:spMk id="2" creationId="{AA3A228F-61D0-D949-A5E7-F83756230BF8}"/>
+            <ac:spMk id="3" creationId="{BCC2F645-119F-024F-873B-D01338AB7CFC}"/>
           </ac:spMkLst>
         </pc:spChg>
         <pc:spChg chg="mod">
-          <ac:chgData name="Long B Nguyen" userId="f59fb8f3-a021-417a-8bc1-65c8d471c621" providerId="ADAL" clId="{4D090DEB-D33E-0146-8FDE-1BD7A7A456A7}" dt="2020-11-19T04:30:06.009" v="508" actId="14100"/>
+          <ac:chgData name="Long B Nguyen" userId="f59fb8f3-a021-417a-8bc1-65c8d471c621" providerId="ADAL" clId="{4F0F93AB-943A-FD4E-8DF3-2A5EF8EE30F9}" dt="2021-11-29T18:27:05.725" v="3" actId="207"/>
           <ac:spMkLst>
             <pc:docMk/>
             <pc:sldMk cId="1724104636" sldId="327"/>
@@ -373,45 +371,37 @@
           </ac:spMkLst>
         </pc:spChg>
       </pc:sldChg>
-      <pc:sldChg chg="modSp mod modAnim">
-        <pc:chgData name="Long B Nguyen" userId="f59fb8f3-a021-417a-8bc1-65c8d471c621" providerId="ADAL" clId="{4D090DEB-D33E-0146-8FDE-1BD7A7A456A7}" dt="2020-11-19T04:35:29.630" v="597"/>
+      <pc:sldChg chg="addSp modSp">
+        <pc:chgData name="Long B Nguyen" userId="f59fb8f3-a021-417a-8bc1-65c8d471c621" providerId="ADAL" clId="{4F0F93AB-943A-FD4E-8DF3-2A5EF8EE30F9}" dt="2021-11-29T17:27:25.318" v="1"/>
         <pc:sldMkLst>
           <pc:docMk/>
           <pc:sldMk cId="3894299887" sldId="328"/>
         </pc:sldMkLst>
-        <pc:spChg chg="mod">
-          <ac:chgData name="Long B Nguyen" userId="f59fb8f3-a021-417a-8bc1-65c8d471c621" providerId="ADAL" clId="{4D090DEB-D33E-0146-8FDE-1BD7A7A456A7}" dt="2020-11-19T04:28:32.104" v="469" actId="1076"/>
+        <pc:spChg chg="add mod">
+          <ac:chgData name="Long B Nguyen" userId="f59fb8f3-a021-417a-8bc1-65c8d471c621" providerId="ADAL" clId="{4F0F93AB-943A-FD4E-8DF3-2A5EF8EE30F9}" dt="2021-11-29T17:27:25.318" v="1"/>
           <ac:spMkLst>
             <pc:docMk/>
             <pc:sldMk cId="3894299887" sldId="328"/>
-            <ac:spMk id="2" creationId="{AA3A228F-61D0-D949-A5E7-F83756230BF8}"/>
-          </ac:spMkLst>
-        </pc:spChg>
-        <pc:spChg chg="mod">
-          <ac:chgData name="Long B Nguyen" userId="f59fb8f3-a021-417a-8bc1-65c8d471c621" providerId="ADAL" clId="{4D090DEB-D33E-0146-8FDE-1BD7A7A456A7}" dt="2020-11-19T04:35:17.641" v="595" actId="20577"/>
-          <ac:spMkLst>
-            <pc:docMk/>
-            <pc:sldMk cId="3894299887" sldId="328"/>
-            <ac:spMk id="9" creationId="{E3B2E017-30B2-884B-A113-B419A2ED51AD}"/>
+            <ac:spMk id="3" creationId="{08CC6065-403A-EE41-909D-293639D20DA3}"/>
           </ac:spMkLst>
         </pc:spChg>
       </pc:sldChg>
-      <pc:sldChg chg="modSp mod modAnim">
-        <pc:chgData name="Long B Nguyen" userId="f59fb8f3-a021-417a-8bc1-65c8d471c621" providerId="ADAL" clId="{4D090DEB-D33E-0146-8FDE-1BD7A7A456A7}" dt="2020-11-19T04:35:59.803" v="602"/>
+      <pc:sldChg chg="addSp modSp">
+        <pc:chgData name="Long B Nguyen" userId="f59fb8f3-a021-417a-8bc1-65c8d471c621" providerId="ADAL" clId="{4F0F93AB-943A-FD4E-8DF3-2A5EF8EE30F9}" dt="2021-11-29T18:27:56.570" v="8" actId="207"/>
         <pc:sldMkLst>
           <pc:docMk/>
           <pc:sldMk cId="4294143140" sldId="329"/>
         </pc:sldMkLst>
-        <pc:spChg chg="mod">
-          <ac:chgData name="Long B Nguyen" userId="f59fb8f3-a021-417a-8bc1-65c8d471c621" providerId="ADAL" clId="{4D090DEB-D33E-0146-8FDE-1BD7A7A456A7}" dt="2020-11-19T04:29:15.696" v="503" actId="1076"/>
+        <pc:spChg chg="add mod">
+          <ac:chgData name="Long B Nguyen" userId="f59fb8f3-a021-417a-8bc1-65c8d471c621" providerId="ADAL" clId="{4F0F93AB-943A-FD4E-8DF3-2A5EF8EE30F9}" dt="2021-11-29T17:27:25.318" v="1"/>
           <ac:spMkLst>
             <pc:docMk/>
             <pc:sldMk cId="4294143140" sldId="329"/>
-            <ac:spMk id="2" creationId="{AA3A228F-61D0-D949-A5E7-F83756230BF8}"/>
+            <ac:spMk id="3" creationId="{EC90FA93-9BA3-C942-ADC3-F78FED46447E}"/>
           </ac:spMkLst>
         </pc:spChg>
         <pc:spChg chg="mod">
-          <ac:chgData name="Long B Nguyen" userId="f59fb8f3-a021-417a-8bc1-65c8d471c621" providerId="ADAL" clId="{4D090DEB-D33E-0146-8FDE-1BD7A7A456A7}" dt="2020-11-19T04:29:13.159" v="502" actId="14100"/>
+          <ac:chgData name="Long B Nguyen" userId="f59fb8f3-a021-417a-8bc1-65c8d471c621" providerId="ADAL" clId="{4F0F93AB-943A-FD4E-8DF3-2A5EF8EE30F9}" dt="2021-11-29T18:27:56.570" v="8" actId="207"/>
           <ac:spMkLst>
             <pc:docMk/>
             <pc:sldMk cId="4294143140" sldId="329"/>
@@ -419,22 +409,22 @@
           </ac:spMkLst>
         </pc:spChg>
       </pc:sldChg>
-      <pc:sldChg chg="modSp mod modAnim">
-        <pc:chgData name="Long B Nguyen" userId="f59fb8f3-a021-417a-8bc1-65c8d471c621" providerId="ADAL" clId="{4D090DEB-D33E-0146-8FDE-1BD7A7A456A7}" dt="2020-11-19T04:47:48.607" v="864"/>
+      <pc:sldChg chg="addSp modSp">
+        <pc:chgData name="Long B Nguyen" userId="f59fb8f3-a021-417a-8bc1-65c8d471c621" providerId="ADAL" clId="{4F0F93AB-943A-FD4E-8DF3-2A5EF8EE30F9}" dt="2021-11-29T18:27:19.949" v="4"/>
         <pc:sldMkLst>
           <pc:docMk/>
           <pc:sldMk cId="3594730708" sldId="330"/>
         </pc:sldMkLst>
-        <pc:spChg chg="mod">
-          <ac:chgData name="Long B Nguyen" userId="f59fb8f3-a021-417a-8bc1-65c8d471c621" providerId="ADAL" clId="{4D090DEB-D33E-0146-8FDE-1BD7A7A456A7}" dt="2020-11-19T04:30:51.008" v="537" actId="1076"/>
+        <pc:spChg chg="add mod">
+          <ac:chgData name="Long B Nguyen" userId="f59fb8f3-a021-417a-8bc1-65c8d471c621" providerId="ADAL" clId="{4F0F93AB-943A-FD4E-8DF3-2A5EF8EE30F9}" dt="2021-11-29T17:27:25.318" v="1"/>
           <ac:spMkLst>
             <pc:docMk/>
             <pc:sldMk cId="3594730708" sldId="330"/>
-            <ac:spMk id="2" creationId="{AA3A228F-61D0-D949-A5E7-F83756230BF8}"/>
+            <ac:spMk id="3" creationId="{93848D8B-7F38-C24B-9E96-0219B9F33CC1}"/>
           </ac:spMkLst>
         </pc:spChg>
         <pc:spChg chg="mod">
-          <ac:chgData name="Long B Nguyen" userId="f59fb8f3-a021-417a-8bc1-65c8d471c621" providerId="ADAL" clId="{4D090DEB-D33E-0146-8FDE-1BD7A7A456A7}" dt="2020-11-19T04:47:45.452" v="863" actId="14100"/>
+          <ac:chgData name="Long B Nguyen" userId="f59fb8f3-a021-417a-8bc1-65c8d471c621" providerId="ADAL" clId="{4F0F93AB-943A-FD4E-8DF3-2A5EF8EE30F9}" dt="2021-11-29T18:27:19.949" v="4"/>
           <ac:spMkLst>
             <pc:docMk/>
             <pc:sldMk cId="3594730708" sldId="330"/>
@@ -442,61 +432,37 @@
           </ac:spMkLst>
         </pc:spChg>
       </pc:sldChg>
-      <pc:sldChg chg="addSp delSp modSp mod modAnim">
-        <pc:chgData name="Long B Nguyen" userId="f59fb8f3-a021-417a-8bc1-65c8d471c621" providerId="ADAL" clId="{4D090DEB-D33E-0146-8FDE-1BD7A7A456A7}" dt="2020-11-19T04:50:19.326" v="901"/>
+      <pc:sldChg chg="addSp modSp">
+        <pc:chgData name="Long B Nguyen" userId="f59fb8f3-a021-417a-8bc1-65c8d471c621" providerId="ADAL" clId="{4F0F93AB-943A-FD4E-8DF3-2A5EF8EE30F9}" dt="2021-11-29T17:27:25.318" v="1"/>
         <pc:sldMkLst>
           <pc:docMk/>
-          <pc:sldMk cId="3870816631" sldId="331"/>
+          <pc:sldMk cId="1712009111" sldId="331"/>
         </pc:sldMkLst>
-        <pc:spChg chg="mod">
-          <ac:chgData name="Long B Nguyen" userId="f59fb8f3-a021-417a-8bc1-65c8d471c621" providerId="ADAL" clId="{4D090DEB-D33E-0146-8FDE-1BD7A7A456A7}" dt="2020-11-19T04:32:15.917" v="542" actId="255"/>
+        <pc:spChg chg="add mod">
+          <ac:chgData name="Long B Nguyen" userId="f59fb8f3-a021-417a-8bc1-65c8d471c621" providerId="ADAL" clId="{4F0F93AB-943A-FD4E-8DF3-2A5EF8EE30F9}" dt="2021-11-29T17:27:25.318" v="1"/>
           <ac:spMkLst>
             <pc:docMk/>
-            <pc:sldMk cId="3870816631" sldId="331"/>
-            <ac:spMk id="2" creationId="{AA3A228F-61D0-D949-A5E7-F83756230BF8}"/>
-          </ac:spMkLst>
-        </pc:spChg>
-        <pc:spChg chg="add del mod">
-          <ac:chgData name="Long B Nguyen" userId="f59fb8f3-a021-417a-8bc1-65c8d471c621" providerId="ADAL" clId="{4D090DEB-D33E-0146-8FDE-1BD7A7A456A7}" dt="2020-11-12T13:15:47.185" v="400"/>
-          <ac:spMkLst>
-            <pc:docMk/>
-            <pc:sldMk cId="3870816631" sldId="331"/>
-            <ac:spMk id="3" creationId="{E68AA33E-8791-084B-A0F9-C8D0D2031050}"/>
-          </ac:spMkLst>
-        </pc:spChg>
-        <pc:spChg chg="add mod">
-          <ac:chgData name="Long B Nguyen" userId="f59fb8f3-a021-417a-8bc1-65c8d471c621" providerId="ADAL" clId="{4D090DEB-D33E-0146-8FDE-1BD7A7A456A7}" dt="2020-11-12T13:15:40.658" v="398" actId="207"/>
-          <ac:spMkLst>
-            <pc:docMk/>
-            <pc:sldMk cId="3870816631" sldId="331"/>
-            <ac:spMk id="4" creationId="{82B7CFAA-F2D6-8B42-AC58-997AD5662DAB}"/>
-          </ac:spMkLst>
-        </pc:spChg>
-        <pc:spChg chg="mod">
-          <ac:chgData name="Long B Nguyen" userId="f59fb8f3-a021-417a-8bc1-65c8d471c621" providerId="ADAL" clId="{4D090DEB-D33E-0146-8FDE-1BD7A7A456A7}" dt="2020-11-19T04:32:21.193" v="543" actId="14100"/>
-          <ac:spMkLst>
-            <pc:docMk/>
-            <pc:sldMk cId="3870816631" sldId="331"/>
-            <ac:spMk id="9" creationId="{E3B2E017-30B2-884B-A113-B419A2ED51AD}"/>
+            <pc:sldMk cId="1712009111" sldId="331"/>
+            <ac:spMk id="3" creationId="{71A391CE-3106-A64C-86FD-38D7AFDB1446}"/>
           </ac:spMkLst>
         </pc:spChg>
       </pc:sldChg>
-      <pc:sldChg chg="modSp mod modAnim">
-        <pc:chgData name="Long B Nguyen" userId="f59fb8f3-a021-417a-8bc1-65c8d471c621" providerId="ADAL" clId="{4D090DEB-D33E-0146-8FDE-1BD7A7A456A7}" dt="2020-11-20T14:06:48.637" v="1117" actId="20577"/>
+      <pc:sldChg chg="addSp modSp">
+        <pc:chgData name="Long B Nguyen" userId="f59fb8f3-a021-417a-8bc1-65c8d471c621" providerId="ADAL" clId="{4F0F93AB-943A-FD4E-8DF3-2A5EF8EE30F9}" dt="2021-11-29T18:28:50.780" v="14" actId="207"/>
         <pc:sldMkLst>
           <pc:docMk/>
           <pc:sldMk cId="3124353102" sldId="332"/>
         </pc:sldMkLst>
-        <pc:spChg chg="mod">
-          <ac:chgData name="Long B Nguyen" userId="f59fb8f3-a021-417a-8bc1-65c8d471c621" providerId="ADAL" clId="{4D090DEB-D33E-0146-8FDE-1BD7A7A456A7}" dt="2020-11-19T04:31:26.138" v="540" actId="1076"/>
+        <pc:spChg chg="add mod">
+          <ac:chgData name="Long B Nguyen" userId="f59fb8f3-a021-417a-8bc1-65c8d471c621" providerId="ADAL" clId="{4F0F93AB-943A-FD4E-8DF3-2A5EF8EE30F9}" dt="2021-11-29T17:27:25.318" v="1"/>
           <ac:spMkLst>
             <pc:docMk/>
             <pc:sldMk cId="3124353102" sldId="332"/>
-            <ac:spMk id="2" creationId="{AA3A228F-61D0-D949-A5E7-F83756230BF8}"/>
+            <ac:spMk id="3" creationId="{393B07D7-C9D9-954D-97C6-2A5FB5603F99}"/>
           </ac:spMkLst>
         </pc:spChg>
         <pc:spChg chg="mod">
-          <ac:chgData name="Long B Nguyen" userId="f59fb8f3-a021-417a-8bc1-65c8d471c621" providerId="ADAL" clId="{4D090DEB-D33E-0146-8FDE-1BD7A7A456A7}" dt="2020-11-20T14:06:48.637" v="1117" actId="20577"/>
+          <ac:chgData name="Long B Nguyen" userId="f59fb8f3-a021-417a-8bc1-65c8d471c621" providerId="ADAL" clId="{4F0F93AB-943A-FD4E-8DF3-2A5EF8EE30F9}" dt="2021-11-29T18:28:50.780" v="14" actId="207"/>
           <ac:spMkLst>
             <pc:docMk/>
             <pc:sldMk cId="3124353102" sldId="332"/>
@@ -504,332 +470,48 @@
           </ac:spMkLst>
         </pc:spChg>
       </pc:sldChg>
-    </pc:docChg>
-  </pc:docChgLst>
-  <pc:docChgLst>
-    <pc:chgData name="Long B Nguyen" userId="f59fb8f3-a021-417a-8bc1-65c8d471c621" providerId="ADAL" clId="{AA9102B5-DACA-D841-B260-AEEBF90FC60A}"/>
-    <pc:docChg chg="custSel addSld delSld modSld">
-      <pc:chgData name="Long B Nguyen" userId="f59fb8f3-a021-417a-8bc1-65c8d471c621" providerId="ADAL" clId="{AA9102B5-DACA-D841-B260-AEEBF90FC60A}" dt="2020-01-06T17:07:10.515" v="1519" actId="2711"/>
-      <pc:docMkLst>
-        <pc:docMk/>
-      </pc:docMkLst>
-      <pc:sldChg chg="modSp">
-        <pc:chgData name="Long B Nguyen" userId="f59fb8f3-a021-417a-8bc1-65c8d471c621" providerId="ADAL" clId="{AA9102B5-DACA-D841-B260-AEEBF90FC60A}" dt="2020-01-05T22:05:23.536" v="23" actId="20577"/>
+      <pc:sldChg chg="addSp modSp modAnim">
+        <pc:chgData name="Long B Nguyen" userId="f59fb8f3-a021-417a-8bc1-65c8d471c621" providerId="ADAL" clId="{4F0F93AB-943A-FD4E-8DF3-2A5EF8EE30F9}" dt="2021-11-29T17:27:25.318" v="1"/>
         <pc:sldMkLst>
           <pc:docMk/>
-          <pc:sldMk cId="4247104139" sldId="256"/>
+          <pc:sldMk cId="2023389722" sldId="333"/>
         </pc:sldMkLst>
-        <pc:spChg chg="mod">
-          <ac:chgData name="Long B Nguyen" userId="f59fb8f3-a021-417a-8bc1-65c8d471c621" providerId="ADAL" clId="{AA9102B5-DACA-D841-B260-AEEBF90FC60A}" dt="2020-01-05T22:05:23.536" v="23" actId="20577"/>
+        <pc:spChg chg="add mod">
+          <ac:chgData name="Long B Nguyen" userId="f59fb8f3-a021-417a-8bc1-65c8d471c621" providerId="ADAL" clId="{4F0F93AB-943A-FD4E-8DF3-2A5EF8EE30F9}" dt="2021-11-29T17:27:25.318" v="1"/>
           <ac:spMkLst>
             <pc:docMk/>
-            <pc:sldMk cId="4247104139" sldId="256"/>
-            <ac:spMk id="3" creationId="{1BDC47C8-6776-7B44-9CD4-95FC91452D62}"/>
+            <pc:sldMk cId="2023389722" sldId="333"/>
+            <ac:spMk id="3" creationId="{3EA68713-CEA0-764E-8333-024802A96FE5}"/>
           </ac:spMkLst>
         </pc:spChg>
       </pc:sldChg>
-      <pc:sldChg chg="del">
-        <pc:chgData name="Long B Nguyen" userId="f59fb8f3-a021-417a-8bc1-65c8d471c621" providerId="ADAL" clId="{AA9102B5-DACA-D841-B260-AEEBF90FC60A}" dt="2020-01-05T22:05:52.483" v="41" actId="2696"/>
+      <pc:sldChg chg="addSp modSp">
+        <pc:chgData name="Long B Nguyen" userId="f59fb8f3-a021-417a-8bc1-65c8d471c621" providerId="ADAL" clId="{4F0F93AB-943A-FD4E-8DF3-2A5EF8EE30F9}" dt="2021-11-29T17:27:25.318" v="1"/>
         <pc:sldMkLst>
           <pc:docMk/>
-          <pc:sldMk cId="1438711869" sldId="284"/>
+          <pc:sldMk cId="1330680031" sldId="334"/>
         </pc:sldMkLst>
-      </pc:sldChg>
-      <pc:sldChg chg="del">
-        <pc:chgData name="Long B Nguyen" userId="f59fb8f3-a021-417a-8bc1-65c8d471c621" providerId="ADAL" clId="{AA9102B5-DACA-D841-B260-AEEBF90FC60A}" dt="2020-01-05T22:05:52.199" v="24" actId="2696"/>
-        <pc:sldMkLst>
-          <pc:docMk/>
-          <pc:sldMk cId="131840209" sldId="286"/>
-        </pc:sldMkLst>
-      </pc:sldChg>
-      <pc:sldChg chg="del">
-        <pc:chgData name="Long B Nguyen" userId="f59fb8f3-a021-417a-8bc1-65c8d471c621" providerId="ADAL" clId="{AA9102B5-DACA-D841-B260-AEEBF90FC60A}" dt="2020-01-05T22:05:52.214" v="25" actId="2696"/>
-        <pc:sldMkLst>
-          <pc:docMk/>
-          <pc:sldMk cId="1816941262" sldId="295"/>
-        </pc:sldMkLst>
-      </pc:sldChg>
-      <pc:sldChg chg="del">
-        <pc:chgData name="Long B Nguyen" userId="f59fb8f3-a021-417a-8bc1-65c8d471c621" providerId="ADAL" clId="{AA9102B5-DACA-D841-B260-AEEBF90FC60A}" dt="2020-01-05T22:05:52.246" v="27" actId="2696"/>
-        <pc:sldMkLst>
-          <pc:docMk/>
-          <pc:sldMk cId="553003360" sldId="296"/>
-        </pc:sldMkLst>
-      </pc:sldChg>
-      <pc:sldChg chg="del">
-        <pc:chgData name="Long B Nguyen" userId="f59fb8f3-a021-417a-8bc1-65c8d471c621" providerId="ADAL" clId="{AA9102B5-DACA-D841-B260-AEEBF90FC60A}" dt="2020-01-05T22:05:52.268" v="28" actId="2696"/>
-        <pc:sldMkLst>
-          <pc:docMk/>
-          <pc:sldMk cId="3006175481" sldId="297"/>
-        </pc:sldMkLst>
-      </pc:sldChg>
-      <pc:sldChg chg="del">
-        <pc:chgData name="Long B Nguyen" userId="f59fb8f3-a021-417a-8bc1-65c8d471c621" providerId="ADAL" clId="{AA9102B5-DACA-D841-B260-AEEBF90FC60A}" dt="2020-01-05T22:05:52.287" v="29" actId="2696"/>
-        <pc:sldMkLst>
-          <pc:docMk/>
-          <pc:sldMk cId="3150557076" sldId="298"/>
-        </pc:sldMkLst>
-      </pc:sldChg>
-      <pc:sldChg chg="del">
-        <pc:chgData name="Long B Nguyen" userId="f59fb8f3-a021-417a-8bc1-65c8d471c621" providerId="ADAL" clId="{AA9102B5-DACA-D841-B260-AEEBF90FC60A}" dt="2020-01-05T22:05:52.442" v="38" actId="2696"/>
-        <pc:sldMkLst>
-          <pc:docMk/>
-          <pc:sldMk cId="128704095" sldId="302"/>
-        </pc:sldMkLst>
-      </pc:sldChg>
-      <pc:sldChg chg="del">
-        <pc:chgData name="Long B Nguyen" userId="f59fb8f3-a021-417a-8bc1-65c8d471c621" providerId="ADAL" clId="{AA9102B5-DACA-D841-B260-AEEBF90FC60A}" dt="2020-01-05T22:05:52.305" v="30" actId="2696"/>
-        <pc:sldMkLst>
-          <pc:docMk/>
-          <pc:sldMk cId="3275945509" sldId="303"/>
-        </pc:sldMkLst>
-      </pc:sldChg>
-      <pc:sldChg chg="del">
-        <pc:chgData name="Long B Nguyen" userId="f59fb8f3-a021-417a-8bc1-65c8d471c621" providerId="ADAL" clId="{AA9102B5-DACA-D841-B260-AEEBF90FC60A}" dt="2020-01-05T22:05:52.321" v="31" actId="2696"/>
-        <pc:sldMkLst>
-          <pc:docMk/>
-          <pc:sldMk cId="406772024" sldId="304"/>
-        </pc:sldMkLst>
-      </pc:sldChg>
-      <pc:sldChg chg="del">
-        <pc:chgData name="Long B Nguyen" userId="f59fb8f3-a021-417a-8bc1-65c8d471c621" providerId="ADAL" clId="{AA9102B5-DACA-D841-B260-AEEBF90FC60A}" dt="2020-01-05T22:05:52.334" v="32" actId="2696"/>
-        <pc:sldMkLst>
-          <pc:docMk/>
-          <pc:sldMk cId="1703902501" sldId="305"/>
-        </pc:sldMkLst>
-      </pc:sldChg>
-      <pc:sldChg chg="del">
-        <pc:chgData name="Long B Nguyen" userId="f59fb8f3-a021-417a-8bc1-65c8d471c621" providerId="ADAL" clId="{AA9102B5-DACA-D841-B260-AEEBF90FC60A}" dt="2020-01-05T22:05:52.461" v="39" actId="2696"/>
-        <pc:sldMkLst>
-          <pc:docMk/>
-          <pc:sldMk cId="3614829039" sldId="306"/>
-        </pc:sldMkLst>
-      </pc:sldChg>
-      <pc:sldChg chg="del">
-        <pc:chgData name="Long B Nguyen" userId="f59fb8f3-a021-417a-8bc1-65c8d471c621" providerId="ADAL" clId="{AA9102B5-DACA-D841-B260-AEEBF90FC60A}" dt="2020-01-05T22:05:52.471" v="40" actId="2696"/>
-        <pc:sldMkLst>
-          <pc:docMk/>
-          <pc:sldMk cId="295911327" sldId="307"/>
-        </pc:sldMkLst>
-      </pc:sldChg>
-      <pc:sldChg chg="del">
-        <pc:chgData name="Long B Nguyen" userId="f59fb8f3-a021-417a-8bc1-65c8d471c621" providerId="ADAL" clId="{AA9102B5-DACA-D841-B260-AEEBF90FC60A}" dt="2020-01-05T22:05:52.353" v="33" actId="2696"/>
-        <pc:sldMkLst>
-          <pc:docMk/>
-          <pc:sldMk cId="67957925" sldId="308"/>
-        </pc:sldMkLst>
-      </pc:sldChg>
-      <pc:sldChg chg="del">
-        <pc:chgData name="Long B Nguyen" userId="f59fb8f3-a021-417a-8bc1-65c8d471c621" providerId="ADAL" clId="{AA9102B5-DACA-D841-B260-AEEBF90FC60A}" dt="2020-01-05T22:05:52.365" v="34" actId="2696"/>
-        <pc:sldMkLst>
-          <pc:docMk/>
-          <pc:sldMk cId="1872435103" sldId="309"/>
-        </pc:sldMkLst>
-      </pc:sldChg>
-      <pc:sldChg chg="del">
-        <pc:chgData name="Long B Nguyen" userId="f59fb8f3-a021-417a-8bc1-65c8d471c621" providerId="ADAL" clId="{AA9102B5-DACA-D841-B260-AEEBF90FC60A}" dt="2020-01-05T22:05:52.385" v="35" actId="2696"/>
-        <pc:sldMkLst>
-          <pc:docMk/>
-          <pc:sldMk cId="4088965571" sldId="310"/>
-        </pc:sldMkLst>
-      </pc:sldChg>
-      <pc:sldChg chg="del">
-        <pc:chgData name="Long B Nguyen" userId="f59fb8f3-a021-417a-8bc1-65c8d471c621" providerId="ADAL" clId="{AA9102B5-DACA-D841-B260-AEEBF90FC60A}" dt="2020-01-05T22:05:52.404" v="36" actId="2696"/>
-        <pc:sldMkLst>
-          <pc:docMk/>
-          <pc:sldMk cId="2255846137" sldId="311"/>
-        </pc:sldMkLst>
-      </pc:sldChg>
-      <pc:sldChg chg="del">
-        <pc:chgData name="Long B Nguyen" userId="f59fb8f3-a021-417a-8bc1-65c8d471c621" providerId="ADAL" clId="{AA9102B5-DACA-D841-B260-AEEBF90FC60A}" dt="2020-01-05T22:05:52.423" v="37" actId="2696"/>
-        <pc:sldMkLst>
-          <pc:docMk/>
-          <pc:sldMk cId="1513627164" sldId="312"/>
-        </pc:sldMkLst>
-      </pc:sldChg>
-      <pc:sldChg chg="del">
-        <pc:chgData name="Long B Nguyen" userId="f59fb8f3-a021-417a-8bc1-65c8d471c621" providerId="ADAL" clId="{AA9102B5-DACA-D841-B260-AEEBF90FC60A}" dt="2020-01-05T22:05:52.231" v="26" actId="2696"/>
-        <pc:sldMkLst>
-          <pc:docMk/>
-          <pc:sldMk cId="2097059918" sldId="313"/>
-        </pc:sldMkLst>
-      </pc:sldChg>
-      <pc:sldChg chg="modSp">
-        <pc:chgData name="Long B Nguyen" userId="f59fb8f3-a021-417a-8bc1-65c8d471c621" providerId="ADAL" clId="{AA9102B5-DACA-D841-B260-AEEBF90FC60A}" dt="2020-01-06T15:37:30.346" v="948" actId="20577"/>
-        <pc:sldMkLst>
-          <pc:docMk/>
-          <pc:sldMk cId="1452600724" sldId="316"/>
-        </pc:sldMkLst>
-        <pc:spChg chg="mod">
-          <ac:chgData name="Long B Nguyen" userId="f59fb8f3-a021-417a-8bc1-65c8d471c621" providerId="ADAL" clId="{AA9102B5-DACA-D841-B260-AEEBF90FC60A}" dt="2020-01-06T15:37:30.346" v="948" actId="20577"/>
+        <pc:spChg chg="add mod">
+          <ac:chgData name="Long B Nguyen" userId="f59fb8f3-a021-417a-8bc1-65c8d471c621" providerId="ADAL" clId="{4F0F93AB-943A-FD4E-8DF3-2A5EF8EE30F9}" dt="2021-11-29T17:27:25.318" v="1"/>
           <ac:spMkLst>
             <pc:docMk/>
-            <pc:sldMk cId="1452600724" sldId="316"/>
-            <ac:spMk id="9" creationId="{E3B2E017-30B2-884B-A113-B419A2ED51AD}"/>
+            <pc:sldMk cId="1330680031" sldId="334"/>
+            <ac:spMk id="4" creationId="{9D9AD293-8923-2F42-8581-E79C1EA45B01}"/>
           </ac:spMkLst>
         </pc:spChg>
       </pc:sldChg>
-      <pc:sldChg chg="del">
-        <pc:chgData name="Long B Nguyen" userId="f59fb8f3-a021-417a-8bc1-65c8d471c621" providerId="ADAL" clId="{AA9102B5-DACA-D841-B260-AEEBF90FC60A}" dt="2020-01-06T15:03:11.354" v="848" actId="2696"/>
+      <pc:sldChg chg="addSp modSp">
+        <pc:chgData name="Long B Nguyen" userId="f59fb8f3-a021-417a-8bc1-65c8d471c621" providerId="ADAL" clId="{4F0F93AB-943A-FD4E-8DF3-2A5EF8EE30F9}" dt="2021-11-29T17:27:25.318" v="1"/>
         <pc:sldMkLst>
           <pc:docMk/>
-          <pc:sldMk cId="1787114790" sldId="317"/>
+          <pc:sldMk cId="1205733451" sldId="335"/>
         </pc:sldMkLst>
-      </pc:sldChg>
-      <pc:sldChg chg="del">
-        <pc:chgData name="Long B Nguyen" userId="f59fb8f3-a021-417a-8bc1-65c8d471c621" providerId="ADAL" clId="{AA9102B5-DACA-D841-B260-AEEBF90FC60A}" dt="2020-01-05T22:06:12.101" v="42" actId="2696"/>
-        <pc:sldMkLst>
-          <pc:docMk/>
-          <pc:sldMk cId="1215229427" sldId="318"/>
-        </pc:sldMkLst>
-      </pc:sldChg>
-      <pc:sldChg chg="modSp">
-        <pc:chgData name="Long B Nguyen" userId="f59fb8f3-a021-417a-8bc1-65c8d471c621" providerId="ADAL" clId="{AA9102B5-DACA-D841-B260-AEEBF90FC60A}" dt="2020-01-06T01:48:03.413" v="110" actId="20577"/>
-        <pc:sldMkLst>
-          <pc:docMk/>
-          <pc:sldMk cId="924617162" sldId="319"/>
-        </pc:sldMkLst>
-        <pc:spChg chg="mod">
-          <ac:chgData name="Long B Nguyen" userId="f59fb8f3-a021-417a-8bc1-65c8d471c621" providerId="ADAL" clId="{AA9102B5-DACA-D841-B260-AEEBF90FC60A}" dt="2020-01-06T01:48:03.413" v="110" actId="20577"/>
+        <pc:spChg chg="add mod">
+          <ac:chgData name="Long B Nguyen" userId="f59fb8f3-a021-417a-8bc1-65c8d471c621" providerId="ADAL" clId="{4F0F93AB-943A-FD4E-8DF3-2A5EF8EE30F9}" dt="2021-11-29T17:27:25.318" v="1"/>
           <ac:spMkLst>
             <pc:docMk/>
-            <pc:sldMk cId="924617162" sldId="319"/>
-            <ac:spMk id="9" creationId="{E3B2E017-30B2-884B-A113-B419A2ED51AD}"/>
-          </ac:spMkLst>
-        </pc:spChg>
-      </pc:sldChg>
-      <pc:sldChg chg="modSp">
-        <pc:chgData name="Long B Nguyen" userId="f59fb8f3-a021-417a-8bc1-65c8d471c621" providerId="ADAL" clId="{AA9102B5-DACA-D841-B260-AEEBF90FC60A}" dt="2020-01-06T01:56:11.549" v="712" actId="1076"/>
-        <pc:sldMkLst>
-          <pc:docMk/>
-          <pc:sldMk cId="1310010799" sldId="324"/>
-        </pc:sldMkLst>
-        <pc:spChg chg="mod">
-          <ac:chgData name="Long B Nguyen" userId="f59fb8f3-a021-417a-8bc1-65c8d471c621" providerId="ADAL" clId="{AA9102B5-DACA-D841-B260-AEEBF90FC60A}" dt="2020-01-06T01:56:11.549" v="712" actId="1076"/>
-          <ac:spMkLst>
-            <pc:docMk/>
-            <pc:sldMk cId="1310010799" sldId="324"/>
-            <ac:spMk id="9" creationId="{E3B2E017-30B2-884B-A113-B419A2ED51AD}"/>
-          </ac:spMkLst>
-        </pc:spChg>
-      </pc:sldChg>
-      <pc:sldChg chg="modSp">
-        <pc:chgData name="Long B Nguyen" userId="f59fb8f3-a021-417a-8bc1-65c8d471c621" providerId="ADAL" clId="{AA9102B5-DACA-D841-B260-AEEBF90FC60A}" dt="2020-01-06T15:35:11.658" v="853" actId="20577"/>
-        <pc:sldMkLst>
-          <pc:docMk/>
-          <pc:sldMk cId="3314372952" sldId="325"/>
-        </pc:sldMkLst>
-        <pc:spChg chg="mod">
-          <ac:chgData name="Long B Nguyen" userId="f59fb8f3-a021-417a-8bc1-65c8d471c621" providerId="ADAL" clId="{AA9102B5-DACA-D841-B260-AEEBF90FC60A}" dt="2020-01-06T15:35:11.658" v="853" actId="20577"/>
-          <ac:spMkLst>
-            <pc:docMk/>
-            <pc:sldMk cId="3314372952" sldId="325"/>
-            <ac:spMk id="2" creationId="{AA3A228F-61D0-D949-A5E7-F83756230BF8}"/>
-          </ac:spMkLst>
-        </pc:spChg>
-        <pc:spChg chg="mod">
-          <ac:chgData name="Long B Nguyen" userId="f59fb8f3-a021-417a-8bc1-65c8d471c621" providerId="ADAL" clId="{AA9102B5-DACA-D841-B260-AEEBF90FC60A}" dt="2020-01-06T15:02:45.351" v="846" actId="20577"/>
-          <ac:spMkLst>
-            <pc:docMk/>
-            <pc:sldMk cId="3314372952" sldId="325"/>
-            <ac:spMk id="9" creationId="{E3B2E017-30B2-884B-A113-B419A2ED51AD}"/>
-          </ac:spMkLst>
-        </pc:spChg>
-      </pc:sldChg>
-      <pc:sldChg chg="del">
-        <pc:chgData name="Long B Nguyen" userId="f59fb8f3-a021-417a-8bc1-65c8d471c621" providerId="ADAL" clId="{AA9102B5-DACA-D841-B260-AEEBF90FC60A}" dt="2020-01-06T15:03:07.580" v="847" actId="2696"/>
-        <pc:sldMkLst>
-          <pc:docMk/>
-          <pc:sldMk cId="3117943122" sldId="326"/>
-        </pc:sldMkLst>
-      </pc:sldChg>
-      <pc:sldChg chg="del">
-        <pc:chgData name="Long B Nguyen" userId="f59fb8f3-a021-417a-8bc1-65c8d471c621" providerId="ADAL" clId="{AA9102B5-DACA-D841-B260-AEEBF90FC60A}" dt="2020-01-06T01:49:27.456" v="111" actId="2696"/>
-        <pc:sldMkLst>
-          <pc:docMk/>
-          <pc:sldMk cId="1025618360" sldId="327"/>
-        </pc:sldMkLst>
-      </pc:sldChg>
-      <pc:sldChg chg="modSp add">
-        <pc:chgData name="Long B Nguyen" userId="f59fb8f3-a021-417a-8bc1-65c8d471c621" providerId="ADAL" clId="{AA9102B5-DACA-D841-B260-AEEBF90FC60A}" dt="2020-01-06T15:00:48.763" v="818" actId="113"/>
-        <pc:sldMkLst>
-          <pc:docMk/>
-          <pc:sldMk cId="1724104636" sldId="327"/>
-        </pc:sldMkLst>
-        <pc:spChg chg="mod">
-          <ac:chgData name="Long B Nguyen" userId="f59fb8f3-a021-417a-8bc1-65c8d471c621" providerId="ADAL" clId="{AA9102B5-DACA-D841-B260-AEEBF90FC60A}" dt="2020-01-06T15:00:48.763" v="818" actId="113"/>
-          <ac:spMkLst>
-            <pc:docMk/>
-            <pc:sldMk cId="1724104636" sldId="327"/>
-            <ac:spMk id="9" creationId="{E3B2E017-30B2-884B-A113-B419A2ED51AD}"/>
-          </ac:spMkLst>
-        </pc:spChg>
-      </pc:sldChg>
-      <pc:sldChg chg="modSp">
-        <pc:chgData name="Long B Nguyen" userId="f59fb8f3-a021-417a-8bc1-65c8d471c621" providerId="ADAL" clId="{AA9102B5-DACA-D841-B260-AEEBF90FC60A}" dt="2020-01-06T01:55:34.369" v="708" actId="20577"/>
-        <pc:sldMkLst>
-          <pc:docMk/>
-          <pc:sldMk cId="4294143140" sldId="329"/>
-        </pc:sldMkLst>
-        <pc:spChg chg="mod">
-          <ac:chgData name="Long B Nguyen" userId="f59fb8f3-a021-417a-8bc1-65c8d471c621" providerId="ADAL" clId="{AA9102B5-DACA-D841-B260-AEEBF90FC60A}" dt="2020-01-06T01:55:34.369" v="708" actId="20577"/>
-          <ac:spMkLst>
-            <pc:docMk/>
-            <pc:sldMk cId="4294143140" sldId="329"/>
-            <ac:spMk id="9" creationId="{E3B2E017-30B2-884B-A113-B419A2ED51AD}"/>
-          </ac:spMkLst>
-        </pc:spChg>
-      </pc:sldChg>
-      <pc:sldChg chg="modSp add">
-        <pc:chgData name="Long B Nguyen" userId="f59fb8f3-a021-417a-8bc1-65c8d471c621" providerId="ADAL" clId="{AA9102B5-DACA-D841-B260-AEEBF90FC60A}" dt="2020-01-06T15:01:01.638" v="819" actId="2711"/>
-        <pc:sldMkLst>
-          <pc:docMk/>
-          <pc:sldMk cId="3594730708" sldId="330"/>
-        </pc:sldMkLst>
-        <pc:spChg chg="mod">
-          <ac:chgData name="Long B Nguyen" userId="f59fb8f3-a021-417a-8bc1-65c8d471c621" providerId="ADAL" clId="{AA9102B5-DACA-D841-B260-AEEBF90FC60A}" dt="2020-01-06T15:01:01.638" v="819" actId="2711"/>
-          <ac:spMkLst>
-            <pc:docMk/>
-            <pc:sldMk cId="3594730708" sldId="330"/>
-            <ac:spMk id="9" creationId="{E3B2E017-30B2-884B-A113-B419A2ED51AD}"/>
-          </ac:spMkLst>
-        </pc:spChg>
-      </pc:sldChg>
-      <pc:sldChg chg="modSp add">
-        <pc:chgData name="Long B Nguyen" userId="f59fb8f3-a021-417a-8bc1-65c8d471c621" providerId="ADAL" clId="{AA9102B5-DACA-D841-B260-AEEBF90FC60A}" dt="2020-01-06T02:00:17.493" v="815" actId="255"/>
-        <pc:sldMkLst>
-          <pc:docMk/>
-          <pc:sldMk cId="3870816631" sldId="331"/>
-        </pc:sldMkLst>
-        <pc:spChg chg="mod">
-          <ac:chgData name="Long B Nguyen" userId="f59fb8f3-a021-417a-8bc1-65c8d471c621" providerId="ADAL" clId="{AA9102B5-DACA-D841-B260-AEEBF90FC60A}" dt="2020-01-06T02:00:17.493" v="815" actId="255"/>
-          <ac:spMkLst>
-            <pc:docMk/>
-            <pc:sldMk cId="3870816631" sldId="331"/>
-            <ac:spMk id="9" creationId="{E3B2E017-30B2-884B-A113-B419A2ED51AD}"/>
-          </ac:spMkLst>
-        </pc:spChg>
-      </pc:sldChg>
-      <pc:sldChg chg="modSp add">
-        <pc:chgData name="Long B Nguyen" userId="f59fb8f3-a021-417a-8bc1-65c8d471c621" providerId="ADAL" clId="{AA9102B5-DACA-D841-B260-AEEBF90FC60A}" dt="2020-01-06T17:07:10.515" v="1519" actId="2711"/>
-        <pc:sldMkLst>
-          <pc:docMk/>
-          <pc:sldMk cId="3124353102" sldId="332"/>
-        </pc:sldMkLst>
-        <pc:spChg chg="mod">
-          <ac:chgData name="Long B Nguyen" userId="f59fb8f3-a021-417a-8bc1-65c8d471c621" providerId="ADAL" clId="{AA9102B5-DACA-D841-B260-AEEBF90FC60A}" dt="2020-01-06T17:03:36.721" v="1332" actId="20577"/>
-          <ac:spMkLst>
-            <pc:docMk/>
-            <pc:sldMk cId="3124353102" sldId="332"/>
-            <ac:spMk id="2" creationId="{AA3A228F-61D0-D949-A5E7-F83756230BF8}"/>
-          </ac:spMkLst>
-        </pc:spChg>
-        <pc:spChg chg="mod">
-          <ac:chgData name="Long B Nguyen" userId="f59fb8f3-a021-417a-8bc1-65c8d471c621" providerId="ADAL" clId="{AA9102B5-DACA-D841-B260-AEEBF90FC60A}" dt="2020-01-06T17:07:10.515" v="1519" actId="2711"/>
-          <ac:spMkLst>
-            <pc:docMk/>
-            <pc:sldMk cId="3124353102" sldId="332"/>
-            <ac:spMk id="9" creationId="{E3B2E017-30B2-884B-A113-B419A2ED51AD}"/>
+            <pc:sldMk cId="1205733451" sldId="335"/>
+            <ac:spMk id="3" creationId="{3690ACAD-D471-614E-9143-D07140CF8606}"/>
           </ac:spMkLst>
         </pc:spChg>
       </pc:sldChg>
@@ -1332,23 +1014,432 @@
     </pc:docChg>
   </pc:docChgLst>
   <pc:docChgLst>
-    <pc:chgData name="Long B Nguyen" userId="f59fb8f3-a021-417a-8bc1-65c8d471c621" providerId="ADAL" clId="{3CB66211-2DF4-2442-833E-8DD261694FF0}"/>
-    <pc:docChg chg="addSld modSld">
-      <pc:chgData name="Long B Nguyen" userId="f59fb8f3-a021-417a-8bc1-65c8d471c621" providerId="ADAL" clId="{3CB66211-2DF4-2442-833E-8DD261694FF0}" dt="2021-11-07T17:24:01.542" v="250" actId="20577"/>
+    <pc:chgData name="Long B Nguyen" userId="f59fb8f3-a021-417a-8bc1-65c8d471c621" providerId="ADAL" clId="{4D090DEB-D33E-0146-8FDE-1BD7A7A456A7}"/>
+    <pc:docChg chg="undo custSel modSld">
+      <pc:chgData name="Long B Nguyen" userId="f59fb8f3-a021-417a-8bc1-65c8d471c621" providerId="ADAL" clId="{4D090DEB-D33E-0146-8FDE-1BD7A7A456A7}" dt="2020-11-20T14:06:48.637" v="1117" actId="20577"/>
       <pc:docMkLst>
         <pc:docMk/>
       </pc:docMkLst>
-      <pc:sldChg chg="modSp add modAnim">
-        <pc:chgData name="Long B Nguyen" userId="f59fb8f3-a021-417a-8bc1-65c8d471c621" providerId="ADAL" clId="{3CB66211-2DF4-2442-833E-8DD261694FF0}" dt="2021-11-07T17:24:01.542" v="250" actId="20577"/>
+      <pc:sldChg chg="modSp mod modAnim">
+        <pc:chgData name="Long B Nguyen" userId="f59fb8f3-a021-417a-8bc1-65c8d471c621" providerId="ADAL" clId="{4D090DEB-D33E-0146-8FDE-1BD7A7A456A7}" dt="2020-11-19T04:45:19.757" v="781" actId="1076"/>
         <pc:sldMkLst>
           <pc:docMk/>
-          <pc:sldMk cId="2023389722" sldId="333"/>
+          <pc:sldMk cId="924617162" sldId="319"/>
         </pc:sldMkLst>
         <pc:spChg chg="mod">
-          <ac:chgData name="Long B Nguyen" userId="f59fb8f3-a021-417a-8bc1-65c8d471c621" providerId="ADAL" clId="{3CB66211-2DF4-2442-833E-8DD261694FF0}" dt="2021-11-07T17:24:01.542" v="250" actId="20577"/>
+          <ac:chgData name="Long B Nguyen" userId="f59fb8f3-a021-417a-8bc1-65c8d471c621" providerId="ADAL" clId="{4D090DEB-D33E-0146-8FDE-1BD7A7A456A7}" dt="2020-11-19T04:45:19.757" v="781" actId="1076"/>
           <ac:spMkLst>
             <pc:docMk/>
-            <pc:sldMk cId="2023389722" sldId="333"/>
+            <pc:sldMk cId="924617162" sldId="319"/>
+            <ac:spMk id="2" creationId="{AA3A228F-61D0-D949-A5E7-F83756230BF8}"/>
+          </ac:spMkLst>
+        </pc:spChg>
+        <pc:spChg chg="mod">
+          <ac:chgData name="Long B Nguyen" userId="f59fb8f3-a021-417a-8bc1-65c8d471c621" providerId="ADAL" clId="{4D090DEB-D33E-0146-8FDE-1BD7A7A456A7}" dt="2020-11-19T04:45:14.666" v="779" actId="14100"/>
+          <ac:spMkLst>
+            <pc:docMk/>
+            <pc:sldMk cId="924617162" sldId="319"/>
+            <ac:spMk id="9" creationId="{E3B2E017-30B2-884B-A113-B419A2ED51AD}"/>
+          </ac:spMkLst>
+        </pc:spChg>
+      </pc:sldChg>
+      <pc:sldChg chg="modSp mod modAnim">
+        <pc:chgData name="Long B Nguyen" userId="f59fb8f3-a021-417a-8bc1-65c8d471c621" providerId="ADAL" clId="{4D090DEB-D33E-0146-8FDE-1BD7A7A456A7}" dt="2020-11-19T04:33:36.604" v="547"/>
+        <pc:sldMkLst>
+          <pc:docMk/>
+          <pc:sldMk cId="3758830494" sldId="320"/>
+        </pc:sldMkLst>
+        <pc:spChg chg="mod">
+          <ac:chgData name="Long B Nguyen" userId="f59fb8f3-a021-417a-8bc1-65c8d471c621" providerId="ADAL" clId="{4D090DEB-D33E-0146-8FDE-1BD7A7A456A7}" dt="2020-11-19T04:26:47.866" v="412" actId="1076"/>
+          <ac:spMkLst>
+            <pc:docMk/>
+            <pc:sldMk cId="3758830494" sldId="320"/>
+            <ac:spMk id="2" creationId="{AA3A228F-61D0-D949-A5E7-F83756230BF8}"/>
+          </ac:spMkLst>
+        </pc:spChg>
+        <pc:spChg chg="mod">
+          <ac:chgData name="Long B Nguyen" userId="f59fb8f3-a021-417a-8bc1-65c8d471c621" providerId="ADAL" clId="{4D090DEB-D33E-0146-8FDE-1BD7A7A456A7}" dt="2020-11-19T04:26:45.399" v="411" actId="14100"/>
+          <ac:spMkLst>
+            <pc:docMk/>
+            <pc:sldMk cId="3758830494" sldId="320"/>
+            <ac:spMk id="9" creationId="{E3B2E017-30B2-884B-A113-B419A2ED51AD}"/>
+          </ac:spMkLst>
+        </pc:spChg>
+      </pc:sldChg>
+      <pc:sldChg chg="addSp modSp mod modAnim">
+        <pc:chgData name="Long B Nguyen" userId="f59fb8f3-a021-417a-8bc1-65c8d471c621" providerId="ADAL" clId="{4D090DEB-D33E-0146-8FDE-1BD7A7A456A7}" dt="2020-11-19T13:05:31.040" v="1113"/>
+        <pc:sldMkLst>
+          <pc:docMk/>
+          <pc:sldMk cId="1022945305" sldId="321"/>
+        </pc:sldMkLst>
+        <pc:spChg chg="mod">
+          <ac:chgData name="Long B Nguyen" userId="f59fb8f3-a021-417a-8bc1-65c8d471c621" providerId="ADAL" clId="{4D090DEB-D33E-0146-8FDE-1BD7A7A456A7}" dt="2020-11-19T04:26:53.269" v="413" actId="1076"/>
+          <ac:spMkLst>
+            <pc:docMk/>
+            <pc:sldMk cId="1022945305" sldId="321"/>
+            <ac:spMk id="2" creationId="{AA3A228F-61D0-D949-A5E7-F83756230BF8}"/>
+          </ac:spMkLst>
+        </pc:spChg>
+        <pc:spChg chg="add mod">
+          <ac:chgData name="Long B Nguyen" userId="f59fb8f3-a021-417a-8bc1-65c8d471c621" providerId="ADAL" clId="{4D090DEB-D33E-0146-8FDE-1BD7A7A456A7}" dt="2020-11-19T13:05:18.398" v="1111" actId="1076"/>
+          <ac:spMkLst>
+            <pc:docMk/>
+            <pc:sldMk cId="1022945305" sldId="321"/>
+            <ac:spMk id="3" creationId="{3C72A7FE-2096-AA46-B5B0-556366A0BFB1}"/>
+          </ac:spMkLst>
+        </pc:spChg>
+        <pc:spChg chg="add mod">
+          <ac:chgData name="Long B Nguyen" userId="f59fb8f3-a021-417a-8bc1-65c8d471c621" providerId="ADAL" clId="{4D090DEB-D33E-0146-8FDE-1BD7A7A456A7}" dt="2020-11-19T13:05:16.504" v="1110" actId="1076"/>
+          <ac:spMkLst>
+            <pc:docMk/>
+            <pc:sldMk cId="1022945305" sldId="321"/>
+            <ac:spMk id="5" creationId="{DD72A416-729A-D14D-937B-E31E95D5697D}"/>
+          </ac:spMkLst>
+        </pc:spChg>
+        <pc:spChg chg="mod">
+          <ac:chgData name="Long B Nguyen" userId="f59fb8f3-a021-417a-8bc1-65c8d471c621" providerId="ADAL" clId="{4D090DEB-D33E-0146-8FDE-1BD7A7A456A7}" dt="2020-11-19T13:03:48.213" v="952" actId="20577"/>
+          <ac:spMkLst>
+            <pc:docMk/>
+            <pc:sldMk cId="1022945305" sldId="321"/>
+            <ac:spMk id="9" creationId="{E3B2E017-30B2-884B-A113-B419A2ED51AD}"/>
+          </ac:spMkLst>
+        </pc:spChg>
+      </pc:sldChg>
+      <pc:sldChg chg="modSp mod modAnim">
+        <pc:chgData name="Long B Nguyen" userId="f59fb8f3-a021-417a-8bc1-65c8d471c621" providerId="ADAL" clId="{4D090DEB-D33E-0146-8FDE-1BD7A7A456A7}" dt="2020-11-19T04:38:55.983" v="637"/>
+        <pc:sldMkLst>
+          <pc:docMk/>
+          <pc:sldMk cId="3456840474" sldId="322"/>
+        </pc:sldMkLst>
+        <pc:spChg chg="mod">
+          <ac:chgData name="Long B Nguyen" userId="f59fb8f3-a021-417a-8bc1-65c8d471c621" providerId="ADAL" clId="{4D090DEB-D33E-0146-8FDE-1BD7A7A456A7}" dt="2020-11-19T04:37:10.670" v="621" actId="1076"/>
+          <ac:spMkLst>
+            <pc:docMk/>
+            <pc:sldMk cId="3456840474" sldId="322"/>
+            <ac:spMk id="2" creationId="{AA3A228F-61D0-D949-A5E7-F83756230BF8}"/>
+          </ac:spMkLst>
+        </pc:spChg>
+        <pc:spChg chg="mod">
+          <ac:chgData name="Long B Nguyen" userId="f59fb8f3-a021-417a-8bc1-65c8d471c621" providerId="ADAL" clId="{4D090DEB-D33E-0146-8FDE-1BD7A7A456A7}" dt="2020-11-19T04:36:58.455" v="610" actId="20577"/>
+          <ac:spMkLst>
+            <pc:docMk/>
+            <pc:sldMk cId="3456840474" sldId="322"/>
+            <ac:spMk id="9" creationId="{E3B2E017-30B2-884B-A113-B419A2ED51AD}"/>
+          </ac:spMkLst>
+        </pc:spChg>
+      </pc:sldChg>
+      <pc:sldChg chg="modSp mod modAnim">
+        <pc:chgData name="Long B Nguyen" userId="f59fb8f3-a021-417a-8bc1-65c8d471c621" providerId="ADAL" clId="{4D090DEB-D33E-0146-8FDE-1BD7A7A456A7}" dt="2020-11-19T04:37:41.967" v="627"/>
+        <pc:sldMkLst>
+          <pc:docMk/>
+          <pc:sldMk cId="1062075874" sldId="323"/>
+        </pc:sldMkLst>
+        <pc:spChg chg="mod">
+          <ac:chgData name="Long B Nguyen" userId="f59fb8f3-a021-417a-8bc1-65c8d471c621" providerId="ADAL" clId="{4D090DEB-D33E-0146-8FDE-1BD7A7A456A7}" dt="2020-11-19T04:30:28.655" v="535" actId="20577"/>
+          <ac:spMkLst>
+            <pc:docMk/>
+            <pc:sldMk cId="1062075874" sldId="323"/>
+            <ac:spMk id="2" creationId="{AA3A228F-61D0-D949-A5E7-F83756230BF8}"/>
+          </ac:spMkLst>
+        </pc:spChg>
+        <pc:spChg chg="mod">
+          <ac:chgData name="Long B Nguyen" userId="f59fb8f3-a021-417a-8bc1-65c8d471c621" providerId="ADAL" clId="{4D090DEB-D33E-0146-8FDE-1BD7A7A456A7}" dt="2020-11-19T04:29:52.399" v="506" actId="14100"/>
+          <ac:spMkLst>
+            <pc:docMk/>
+            <pc:sldMk cId="1062075874" sldId="323"/>
+            <ac:spMk id="9" creationId="{E3B2E017-30B2-884B-A113-B419A2ED51AD}"/>
+          </ac:spMkLst>
+        </pc:spChg>
+      </pc:sldChg>
+      <pc:sldChg chg="modSp mod modAnim">
+        <pc:chgData name="Long B Nguyen" userId="f59fb8f3-a021-417a-8bc1-65c8d471c621" providerId="ADAL" clId="{4D090DEB-D33E-0146-8FDE-1BD7A7A456A7}" dt="2020-11-19T04:48:10.088" v="870"/>
+        <pc:sldMkLst>
+          <pc:docMk/>
+          <pc:sldMk cId="1310010799" sldId="324"/>
+        </pc:sldMkLst>
+        <pc:spChg chg="mod">
+          <ac:chgData name="Long B Nguyen" userId="f59fb8f3-a021-417a-8bc1-65c8d471c621" providerId="ADAL" clId="{4D090DEB-D33E-0146-8FDE-1BD7A7A456A7}" dt="2020-11-19T04:31:04.571" v="539" actId="1076"/>
+          <ac:spMkLst>
+            <pc:docMk/>
+            <pc:sldMk cId="1310010799" sldId="324"/>
+            <ac:spMk id="2" creationId="{AA3A228F-61D0-D949-A5E7-F83756230BF8}"/>
+          </ac:spMkLst>
+        </pc:spChg>
+        <pc:spChg chg="mod">
+          <ac:chgData name="Long B Nguyen" userId="f59fb8f3-a021-417a-8bc1-65c8d471c621" providerId="ADAL" clId="{4D090DEB-D33E-0146-8FDE-1BD7A7A456A7}" dt="2020-11-19T04:30:58.529" v="538" actId="1076"/>
+          <ac:spMkLst>
+            <pc:docMk/>
+            <pc:sldMk cId="1310010799" sldId="324"/>
+            <ac:spMk id="9" creationId="{E3B2E017-30B2-884B-A113-B419A2ED51AD}"/>
+          </ac:spMkLst>
+        </pc:spChg>
+      </pc:sldChg>
+      <pc:sldChg chg="modSp mod modAnim">
+        <pc:chgData name="Long B Nguyen" userId="f59fb8f3-a021-417a-8bc1-65c8d471c621" providerId="ADAL" clId="{4D090DEB-D33E-0146-8FDE-1BD7A7A456A7}" dt="2020-11-19T04:49:22.406" v="887"/>
+        <pc:sldMkLst>
+          <pc:docMk/>
+          <pc:sldMk cId="3314372952" sldId="325"/>
+        </pc:sldMkLst>
+        <pc:spChg chg="mod">
+          <ac:chgData name="Long B Nguyen" userId="f59fb8f3-a021-417a-8bc1-65c8d471c621" providerId="ADAL" clId="{4D090DEB-D33E-0146-8FDE-1BD7A7A456A7}" dt="2020-11-12T12:08:02.340" v="146" actId="1076"/>
+          <ac:spMkLst>
+            <pc:docMk/>
+            <pc:sldMk cId="3314372952" sldId="325"/>
+            <ac:spMk id="2" creationId="{AA3A228F-61D0-D949-A5E7-F83756230BF8}"/>
+          </ac:spMkLst>
+        </pc:spChg>
+        <pc:spChg chg="mod">
+          <ac:chgData name="Long B Nguyen" userId="f59fb8f3-a021-417a-8bc1-65c8d471c621" providerId="ADAL" clId="{4D090DEB-D33E-0146-8FDE-1BD7A7A456A7}" dt="2020-11-19T04:49:09.844" v="883" actId="20577"/>
+          <ac:spMkLst>
+            <pc:docMk/>
+            <pc:sldMk cId="3314372952" sldId="325"/>
+            <ac:spMk id="9" creationId="{E3B2E017-30B2-884B-A113-B419A2ED51AD}"/>
+          </ac:spMkLst>
+        </pc:spChg>
+      </pc:sldChg>
+      <pc:sldChg chg="modSp mod modAnim">
+        <pc:chgData name="Long B Nguyen" userId="f59fb8f3-a021-417a-8bc1-65c8d471c621" providerId="ADAL" clId="{4D090DEB-D33E-0146-8FDE-1BD7A7A456A7}" dt="2020-11-19T04:38:18.076" v="631"/>
+        <pc:sldMkLst>
+          <pc:docMk/>
+          <pc:sldMk cId="1724104636" sldId="327"/>
+        </pc:sldMkLst>
+        <pc:spChg chg="mod">
+          <ac:chgData name="Long B Nguyen" userId="f59fb8f3-a021-417a-8bc1-65c8d471c621" providerId="ADAL" clId="{4D090DEB-D33E-0146-8FDE-1BD7A7A456A7}" dt="2020-11-19T04:30:22.456" v="522" actId="20577"/>
+          <ac:spMkLst>
+            <pc:docMk/>
+            <pc:sldMk cId="1724104636" sldId="327"/>
+            <ac:spMk id="2" creationId="{AA3A228F-61D0-D949-A5E7-F83756230BF8}"/>
+          </ac:spMkLst>
+        </pc:spChg>
+        <pc:spChg chg="mod">
+          <ac:chgData name="Long B Nguyen" userId="f59fb8f3-a021-417a-8bc1-65c8d471c621" providerId="ADAL" clId="{4D090DEB-D33E-0146-8FDE-1BD7A7A456A7}" dt="2020-11-19T04:30:06.009" v="508" actId="14100"/>
+          <ac:spMkLst>
+            <pc:docMk/>
+            <pc:sldMk cId="1724104636" sldId="327"/>
+            <ac:spMk id="9" creationId="{E3B2E017-30B2-884B-A113-B419A2ED51AD}"/>
+          </ac:spMkLst>
+        </pc:spChg>
+      </pc:sldChg>
+      <pc:sldChg chg="modSp mod modAnim">
+        <pc:chgData name="Long B Nguyen" userId="f59fb8f3-a021-417a-8bc1-65c8d471c621" providerId="ADAL" clId="{4D090DEB-D33E-0146-8FDE-1BD7A7A456A7}" dt="2020-11-19T04:35:29.630" v="597"/>
+        <pc:sldMkLst>
+          <pc:docMk/>
+          <pc:sldMk cId="3894299887" sldId="328"/>
+        </pc:sldMkLst>
+        <pc:spChg chg="mod">
+          <ac:chgData name="Long B Nguyen" userId="f59fb8f3-a021-417a-8bc1-65c8d471c621" providerId="ADAL" clId="{4D090DEB-D33E-0146-8FDE-1BD7A7A456A7}" dt="2020-11-19T04:28:32.104" v="469" actId="1076"/>
+          <ac:spMkLst>
+            <pc:docMk/>
+            <pc:sldMk cId="3894299887" sldId="328"/>
+            <ac:spMk id="2" creationId="{AA3A228F-61D0-D949-A5E7-F83756230BF8}"/>
+          </ac:spMkLst>
+        </pc:spChg>
+        <pc:spChg chg="mod">
+          <ac:chgData name="Long B Nguyen" userId="f59fb8f3-a021-417a-8bc1-65c8d471c621" providerId="ADAL" clId="{4D090DEB-D33E-0146-8FDE-1BD7A7A456A7}" dt="2020-11-19T04:35:17.641" v="595" actId="20577"/>
+          <ac:spMkLst>
+            <pc:docMk/>
+            <pc:sldMk cId="3894299887" sldId="328"/>
+            <ac:spMk id="9" creationId="{E3B2E017-30B2-884B-A113-B419A2ED51AD}"/>
+          </ac:spMkLst>
+        </pc:spChg>
+      </pc:sldChg>
+      <pc:sldChg chg="modSp mod modAnim">
+        <pc:chgData name="Long B Nguyen" userId="f59fb8f3-a021-417a-8bc1-65c8d471c621" providerId="ADAL" clId="{4D090DEB-D33E-0146-8FDE-1BD7A7A456A7}" dt="2020-11-19T04:35:59.803" v="602"/>
+        <pc:sldMkLst>
+          <pc:docMk/>
+          <pc:sldMk cId="4294143140" sldId="329"/>
+        </pc:sldMkLst>
+        <pc:spChg chg="mod">
+          <ac:chgData name="Long B Nguyen" userId="f59fb8f3-a021-417a-8bc1-65c8d471c621" providerId="ADAL" clId="{4D090DEB-D33E-0146-8FDE-1BD7A7A456A7}" dt="2020-11-19T04:29:15.696" v="503" actId="1076"/>
+          <ac:spMkLst>
+            <pc:docMk/>
+            <pc:sldMk cId="4294143140" sldId="329"/>
+            <ac:spMk id="2" creationId="{AA3A228F-61D0-D949-A5E7-F83756230BF8}"/>
+          </ac:spMkLst>
+        </pc:spChg>
+        <pc:spChg chg="mod">
+          <ac:chgData name="Long B Nguyen" userId="f59fb8f3-a021-417a-8bc1-65c8d471c621" providerId="ADAL" clId="{4D090DEB-D33E-0146-8FDE-1BD7A7A456A7}" dt="2020-11-19T04:29:13.159" v="502" actId="14100"/>
+          <ac:spMkLst>
+            <pc:docMk/>
+            <pc:sldMk cId="4294143140" sldId="329"/>
+            <ac:spMk id="9" creationId="{E3B2E017-30B2-884B-A113-B419A2ED51AD}"/>
+          </ac:spMkLst>
+        </pc:spChg>
+      </pc:sldChg>
+      <pc:sldChg chg="modSp mod modAnim">
+        <pc:chgData name="Long B Nguyen" userId="f59fb8f3-a021-417a-8bc1-65c8d471c621" providerId="ADAL" clId="{4D090DEB-D33E-0146-8FDE-1BD7A7A456A7}" dt="2020-11-19T04:47:48.607" v="864"/>
+        <pc:sldMkLst>
+          <pc:docMk/>
+          <pc:sldMk cId="3594730708" sldId="330"/>
+        </pc:sldMkLst>
+        <pc:spChg chg="mod">
+          <ac:chgData name="Long B Nguyen" userId="f59fb8f3-a021-417a-8bc1-65c8d471c621" providerId="ADAL" clId="{4D090DEB-D33E-0146-8FDE-1BD7A7A456A7}" dt="2020-11-19T04:30:51.008" v="537" actId="1076"/>
+          <ac:spMkLst>
+            <pc:docMk/>
+            <pc:sldMk cId="3594730708" sldId="330"/>
+            <ac:spMk id="2" creationId="{AA3A228F-61D0-D949-A5E7-F83756230BF8}"/>
+          </ac:spMkLst>
+        </pc:spChg>
+        <pc:spChg chg="mod">
+          <ac:chgData name="Long B Nguyen" userId="f59fb8f3-a021-417a-8bc1-65c8d471c621" providerId="ADAL" clId="{4D090DEB-D33E-0146-8FDE-1BD7A7A456A7}" dt="2020-11-19T04:47:45.452" v="863" actId="14100"/>
+          <ac:spMkLst>
+            <pc:docMk/>
+            <pc:sldMk cId="3594730708" sldId="330"/>
+            <ac:spMk id="9" creationId="{E3B2E017-30B2-884B-A113-B419A2ED51AD}"/>
+          </ac:spMkLst>
+        </pc:spChg>
+      </pc:sldChg>
+      <pc:sldChg chg="addSp delSp modSp mod modAnim">
+        <pc:chgData name="Long B Nguyen" userId="f59fb8f3-a021-417a-8bc1-65c8d471c621" providerId="ADAL" clId="{4D090DEB-D33E-0146-8FDE-1BD7A7A456A7}" dt="2020-11-19T04:50:19.326" v="901"/>
+        <pc:sldMkLst>
+          <pc:docMk/>
+          <pc:sldMk cId="3870816631" sldId="331"/>
+        </pc:sldMkLst>
+        <pc:spChg chg="mod">
+          <ac:chgData name="Long B Nguyen" userId="f59fb8f3-a021-417a-8bc1-65c8d471c621" providerId="ADAL" clId="{4D090DEB-D33E-0146-8FDE-1BD7A7A456A7}" dt="2020-11-19T04:32:15.917" v="542" actId="255"/>
+          <ac:spMkLst>
+            <pc:docMk/>
+            <pc:sldMk cId="3870816631" sldId="331"/>
+            <ac:spMk id="2" creationId="{AA3A228F-61D0-D949-A5E7-F83756230BF8}"/>
+          </ac:spMkLst>
+        </pc:spChg>
+        <pc:spChg chg="add del mod">
+          <ac:chgData name="Long B Nguyen" userId="f59fb8f3-a021-417a-8bc1-65c8d471c621" providerId="ADAL" clId="{4D090DEB-D33E-0146-8FDE-1BD7A7A456A7}" dt="2020-11-12T13:15:47.185" v="400"/>
+          <ac:spMkLst>
+            <pc:docMk/>
+            <pc:sldMk cId="3870816631" sldId="331"/>
+            <ac:spMk id="3" creationId="{E68AA33E-8791-084B-A0F9-C8D0D2031050}"/>
+          </ac:spMkLst>
+        </pc:spChg>
+        <pc:spChg chg="add mod">
+          <ac:chgData name="Long B Nguyen" userId="f59fb8f3-a021-417a-8bc1-65c8d471c621" providerId="ADAL" clId="{4D090DEB-D33E-0146-8FDE-1BD7A7A456A7}" dt="2020-11-12T13:15:40.658" v="398" actId="207"/>
+          <ac:spMkLst>
+            <pc:docMk/>
+            <pc:sldMk cId="3870816631" sldId="331"/>
+            <ac:spMk id="4" creationId="{82B7CFAA-F2D6-8B42-AC58-997AD5662DAB}"/>
+          </ac:spMkLst>
+        </pc:spChg>
+        <pc:spChg chg="mod">
+          <ac:chgData name="Long B Nguyen" userId="f59fb8f3-a021-417a-8bc1-65c8d471c621" providerId="ADAL" clId="{4D090DEB-D33E-0146-8FDE-1BD7A7A456A7}" dt="2020-11-19T04:32:21.193" v="543" actId="14100"/>
+          <ac:spMkLst>
+            <pc:docMk/>
+            <pc:sldMk cId="3870816631" sldId="331"/>
+            <ac:spMk id="9" creationId="{E3B2E017-30B2-884B-A113-B419A2ED51AD}"/>
+          </ac:spMkLst>
+        </pc:spChg>
+      </pc:sldChg>
+      <pc:sldChg chg="modSp mod modAnim">
+        <pc:chgData name="Long B Nguyen" userId="f59fb8f3-a021-417a-8bc1-65c8d471c621" providerId="ADAL" clId="{4D090DEB-D33E-0146-8FDE-1BD7A7A456A7}" dt="2020-11-20T14:06:48.637" v="1117" actId="20577"/>
+        <pc:sldMkLst>
+          <pc:docMk/>
+          <pc:sldMk cId="3124353102" sldId="332"/>
+        </pc:sldMkLst>
+        <pc:spChg chg="mod">
+          <ac:chgData name="Long B Nguyen" userId="f59fb8f3-a021-417a-8bc1-65c8d471c621" providerId="ADAL" clId="{4D090DEB-D33E-0146-8FDE-1BD7A7A456A7}" dt="2020-11-19T04:31:26.138" v="540" actId="1076"/>
+          <ac:spMkLst>
+            <pc:docMk/>
+            <pc:sldMk cId="3124353102" sldId="332"/>
+            <ac:spMk id="2" creationId="{AA3A228F-61D0-D949-A5E7-F83756230BF8}"/>
+          </ac:spMkLst>
+        </pc:spChg>
+        <pc:spChg chg="mod">
+          <ac:chgData name="Long B Nguyen" userId="f59fb8f3-a021-417a-8bc1-65c8d471c621" providerId="ADAL" clId="{4D090DEB-D33E-0146-8FDE-1BD7A7A456A7}" dt="2020-11-20T14:06:48.637" v="1117" actId="20577"/>
+          <ac:spMkLst>
+            <pc:docMk/>
+            <pc:sldMk cId="3124353102" sldId="332"/>
+            <ac:spMk id="9" creationId="{E3B2E017-30B2-884B-A113-B419A2ED51AD}"/>
+          </ac:spMkLst>
+        </pc:spChg>
+      </pc:sldChg>
+    </pc:docChg>
+  </pc:docChgLst>
+  <pc:docChgLst>
+    <pc:chgData name="Long B Nguyen" userId="f59fb8f3-a021-417a-8bc1-65c8d471c621" providerId="ADAL" clId="{03B59D2A-58F7-2C47-BB72-AE152660F162}"/>
+    <pc:docChg chg="addSld modSld">
+      <pc:chgData name="Long B Nguyen" userId="f59fb8f3-a021-417a-8bc1-65c8d471c621" providerId="ADAL" clId="{03B59D2A-58F7-2C47-BB72-AE152660F162}" dt="2021-06-05T16:01:06.129" v="84" actId="20577"/>
+      <pc:docMkLst>
+        <pc:docMk/>
+      </pc:docMkLst>
+      <pc:sldChg chg="modSp mod">
+        <pc:chgData name="Long B Nguyen" userId="f59fb8f3-a021-417a-8bc1-65c8d471c621" providerId="ADAL" clId="{03B59D2A-58F7-2C47-BB72-AE152660F162}" dt="2021-06-05T15:57:48.063" v="34" actId="1037"/>
+        <pc:sldMkLst>
+          <pc:docMk/>
+          <pc:sldMk cId="4247104139" sldId="256"/>
+        </pc:sldMkLst>
+        <pc:spChg chg="mod">
+          <ac:chgData name="Long B Nguyen" userId="f59fb8f3-a021-417a-8bc1-65c8d471c621" providerId="ADAL" clId="{03B59D2A-58F7-2C47-BB72-AE152660F162}" dt="2021-06-05T15:57:48.063" v="34" actId="1037"/>
+          <ac:spMkLst>
+            <pc:docMk/>
+            <pc:sldMk cId="4247104139" sldId="256"/>
+            <ac:spMk id="3" creationId="{1BDC47C8-6776-7B44-9CD4-95FC91452D62}"/>
+          </ac:spMkLst>
+        </pc:spChg>
+      </pc:sldChg>
+      <pc:sldChg chg="modSp add mod">
+        <pc:chgData name="Long B Nguyen" userId="f59fb8f3-a021-417a-8bc1-65c8d471c621" providerId="ADAL" clId="{03B59D2A-58F7-2C47-BB72-AE152660F162}" dt="2021-06-05T16:00:22.832" v="50" actId="20577"/>
+        <pc:sldMkLst>
+          <pc:docMk/>
+          <pc:sldMk cId="403449732" sldId="302"/>
+        </pc:sldMkLst>
+        <pc:spChg chg="mod">
+          <ac:chgData name="Long B Nguyen" userId="f59fb8f3-a021-417a-8bc1-65c8d471c621" providerId="ADAL" clId="{03B59D2A-58F7-2C47-BB72-AE152660F162}" dt="2021-06-05T16:00:06.744" v="35" actId="1076"/>
+          <ac:spMkLst>
+            <pc:docMk/>
+            <pc:sldMk cId="403449732" sldId="302"/>
+            <ac:spMk id="2" creationId="{AA3A228F-61D0-D949-A5E7-F83756230BF8}"/>
+          </ac:spMkLst>
+        </pc:spChg>
+        <pc:spChg chg="mod">
+          <ac:chgData name="Long B Nguyen" userId="f59fb8f3-a021-417a-8bc1-65c8d471c621" providerId="ADAL" clId="{03B59D2A-58F7-2C47-BB72-AE152660F162}" dt="2021-06-05T16:00:22.832" v="50" actId="20577"/>
+          <ac:spMkLst>
+            <pc:docMk/>
+            <pc:sldMk cId="403449732" sldId="302"/>
+            <ac:spMk id="9" creationId="{E3B2E017-30B2-884B-A113-B419A2ED51AD}"/>
+          </ac:spMkLst>
+        </pc:spChg>
+      </pc:sldChg>
+      <pc:sldChg chg="modSp add mod">
+        <pc:chgData name="Long B Nguyen" userId="f59fb8f3-a021-417a-8bc1-65c8d471c621" providerId="ADAL" clId="{03B59D2A-58F7-2C47-BB72-AE152660F162}" dt="2021-06-05T16:00:47.158" v="66" actId="20577"/>
+        <pc:sldMkLst>
+          <pc:docMk/>
+          <pc:sldMk cId="370395365" sldId="306"/>
+        </pc:sldMkLst>
+        <pc:spChg chg="mod">
+          <ac:chgData name="Long B Nguyen" userId="f59fb8f3-a021-417a-8bc1-65c8d471c621" providerId="ADAL" clId="{03B59D2A-58F7-2C47-BB72-AE152660F162}" dt="2021-06-05T16:00:29.774" v="51" actId="1076"/>
+          <ac:spMkLst>
+            <pc:docMk/>
+            <pc:sldMk cId="370395365" sldId="306"/>
+            <ac:spMk id="2" creationId="{AA3A228F-61D0-D949-A5E7-F83756230BF8}"/>
+          </ac:spMkLst>
+        </pc:spChg>
+        <pc:spChg chg="mod">
+          <ac:chgData name="Long B Nguyen" userId="f59fb8f3-a021-417a-8bc1-65c8d471c621" providerId="ADAL" clId="{03B59D2A-58F7-2C47-BB72-AE152660F162}" dt="2021-06-05T16:00:47.158" v="66" actId="20577"/>
+          <ac:spMkLst>
+            <pc:docMk/>
+            <pc:sldMk cId="370395365" sldId="306"/>
+            <ac:spMk id="9" creationId="{E3B2E017-30B2-884B-A113-B419A2ED51AD}"/>
+          </ac:spMkLst>
+        </pc:spChg>
+      </pc:sldChg>
+      <pc:sldChg chg="modSp add mod">
+        <pc:chgData name="Long B Nguyen" userId="f59fb8f3-a021-417a-8bc1-65c8d471c621" providerId="ADAL" clId="{03B59D2A-58F7-2C47-BB72-AE152660F162}" dt="2021-06-05T16:01:06.129" v="84" actId="20577"/>
+        <pc:sldMkLst>
+          <pc:docMk/>
+          <pc:sldMk cId="224751101" sldId="307"/>
+        </pc:sldMkLst>
+        <pc:spChg chg="mod">
+          <ac:chgData name="Long B Nguyen" userId="f59fb8f3-a021-417a-8bc1-65c8d471c621" providerId="ADAL" clId="{03B59D2A-58F7-2C47-BB72-AE152660F162}" dt="2021-06-05T16:00:53.536" v="67" actId="1076"/>
+          <ac:spMkLst>
+            <pc:docMk/>
+            <pc:sldMk cId="224751101" sldId="307"/>
+            <ac:spMk id="2" creationId="{AA3A228F-61D0-D949-A5E7-F83756230BF8}"/>
+          </ac:spMkLst>
+        </pc:spChg>
+        <pc:spChg chg="mod">
+          <ac:chgData name="Long B Nguyen" userId="f59fb8f3-a021-417a-8bc1-65c8d471c621" providerId="ADAL" clId="{03B59D2A-58F7-2C47-BB72-AE152660F162}" dt="2021-06-05T16:01:06.129" v="84" actId="20577"/>
+          <ac:spMkLst>
+            <pc:docMk/>
+            <pc:sldMk cId="224751101" sldId="307"/>
             <ac:spMk id="9" creationId="{E3B2E017-30B2-884B-A113-B419A2ED51AD}"/>
           </ac:spMkLst>
         </pc:spChg>
@@ -1570,20 +1661,20 @@
     </pc:docChg>
   </pc:docChgLst>
   <pc:docChgLst>
-    <pc:chgData name="Long B Nguyen" userId="f59fb8f3-a021-417a-8bc1-65c8d471c621" providerId="ADAL" clId="{03B59D2A-58F7-2C47-BB72-AE152660F162}"/>
-    <pc:docChg chg="addSld modSld">
-      <pc:chgData name="Long B Nguyen" userId="f59fb8f3-a021-417a-8bc1-65c8d471c621" providerId="ADAL" clId="{03B59D2A-58F7-2C47-BB72-AE152660F162}" dt="2021-06-05T16:01:06.129" v="84" actId="20577"/>
+    <pc:chgData name="Long B Nguyen" userId="f59fb8f3-a021-417a-8bc1-65c8d471c621" providerId="ADAL" clId="{AA9102B5-DACA-D841-B260-AEEBF90FC60A}"/>
+    <pc:docChg chg="custSel addSld delSld modSld">
+      <pc:chgData name="Long B Nguyen" userId="f59fb8f3-a021-417a-8bc1-65c8d471c621" providerId="ADAL" clId="{AA9102B5-DACA-D841-B260-AEEBF90FC60A}" dt="2020-01-06T17:07:10.515" v="1519" actId="2711"/>
       <pc:docMkLst>
         <pc:docMk/>
       </pc:docMkLst>
-      <pc:sldChg chg="modSp mod">
-        <pc:chgData name="Long B Nguyen" userId="f59fb8f3-a021-417a-8bc1-65c8d471c621" providerId="ADAL" clId="{03B59D2A-58F7-2C47-BB72-AE152660F162}" dt="2021-06-05T15:57:48.063" v="34" actId="1037"/>
+      <pc:sldChg chg="modSp">
+        <pc:chgData name="Long B Nguyen" userId="f59fb8f3-a021-417a-8bc1-65c8d471c621" providerId="ADAL" clId="{AA9102B5-DACA-D841-B260-AEEBF90FC60A}" dt="2020-01-05T22:05:23.536" v="23" actId="20577"/>
         <pc:sldMkLst>
           <pc:docMk/>
           <pc:sldMk cId="4247104139" sldId="256"/>
         </pc:sldMkLst>
         <pc:spChg chg="mod">
-          <ac:chgData name="Long B Nguyen" userId="f59fb8f3-a021-417a-8bc1-65c8d471c621" providerId="ADAL" clId="{03B59D2A-58F7-2C47-BB72-AE152660F162}" dt="2021-06-05T15:57:48.063" v="34" actId="1037"/>
+          <ac:chgData name="Long B Nguyen" userId="f59fb8f3-a021-417a-8bc1-65c8d471c621" providerId="ADAL" clId="{AA9102B5-DACA-D841-B260-AEEBF90FC60A}" dt="2020-01-05T22:05:23.536" v="23" actId="20577"/>
           <ac:spMkLst>
             <pc:docMk/>
             <pc:sldMk cId="4247104139" sldId="256"/>
@@ -1591,78 +1682,711 @@
           </ac:spMkLst>
         </pc:spChg>
       </pc:sldChg>
-      <pc:sldChg chg="modSp add mod">
-        <pc:chgData name="Long B Nguyen" userId="f59fb8f3-a021-417a-8bc1-65c8d471c621" providerId="ADAL" clId="{03B59D2A-58F7-2C47-BB72-AE152660F162}" dt="2021-06-05T16:00:22.832" v="50" actId="20577"/>
+      <pc:sldChg chg="del">
+        <pc:chgData name="Long B Nguyen" userId="f59fb8f3-a021-417a-8bc1-65c8d471c621" providerId="ADAL" clId="{AA9102B5-DACA-D841-B260-AEEBF90FC60A}" dt="2020-01-05T22:05:52.483" v="41" actId="2696"/>
         <pc:sldMkLst>
           <pc:docMk/>
-          <pc:sldMk cId="403449732" sldId="302"/>
+          <pc:sldMk cId="1438711869" sldId="284"/>
+        </pc:sldMkLst>
+      </pc:sldChg>
+      <pc:sldChg chg="del">
+        <pc:chgData name="Long B Nguyen" userId="f59fb8f3-a021-417a-8bc1-65c8d471c621" providerId="ADAL" clId="{AA9102B5-DACA-D841-B260-AEEBF90FC60A}" dt="2020-01-05T22:05:52.199" v="24" actId="2696"/>
+        <pc:sldMkLst>
+          <pc:docMk/>
+          <pc:sldMk cId="131840209" sldId="286"/>
+        </pc:sldMkLst>
+      </pc:sldChg>
+      <pc:sldChg chg="del">
+        <pc:chgData name="Long B Nguyen" userId="f59fb8f3-a021-417a-8bc1-65c8d471c621" providerId="ADAL" clId="{AA9102B5-DACA-D841-B260-AEEBF90FC60A}" dt="2020-01-05T22:05:52.214" v="25" actId="2696"/>
+        <pc:sldMkLst>
+          <pc:docMk/>
+          <pc:sldMk cId="1816941262" sldId="295"/>
+        </pc:sldMkLst>
+      </pc:sldChg>
+      <pc:sldChg chg="del">
+        <pc:chgData name="Long B Nguyen" userId="f59fb8f3-a021-417a-8bc1-65c8d471c621" providerId="ADAL" clId="{AA9102B5-DACA-D841-B260-AEEBF90FC60A}" dt="2020-01-05T22:05:52.246" v="27" actId="2696"/>
+        <pc:sldMkLst>
+          <pc:docMk/>
+          <pc:sldMk cId="553003360" sldId="296"/>
+        </pc:sldMkLst>
+      </pc:sldChg>
+      <pc:sldChg chg="del">
+        <pc:chgData name="Long B Nguyen" userId="f59fb8f3-a021-417a-8bc1-65c8d471c621" providerId="ADAL" clId="{AA9102B5-DACA-D841-B260-AEEBF90FC60A}" dt="2020-01-05T22:05:52.268" v="28" actId="2696"/>
+        <pc:sldMkLst>
+          <pc:docMk/>
+          <pc:sldMk cId="3006175481" sldId="297"/>
+        </pc:sldMkLst>
+      </pc:sldChg>
+      <pc:sldChg chg="del">
+        <pc:chgData name="Long B Nguyen" userId="f59fb8f3-a021-417a-8bc1-65c8d471c621" providerId="ADAL" clId="{AA9102B5-DACA-D841-B260-AEEBF90FC60A}" dt="2020-01-05T22:05:52.287" v="29" actId="2696"/>
+        <pc:sldMkLst>
+          <pc:docMk/>
+          <pc:sldMk cId="3150557076" sldId="298"/>
+        </pc:sldMkLst>
+      </pc:sldChg>
+      <pc:sldChg chg="del">
+        <pc:chgData name="Long B Nguyen" userId="f59fb8f3-a021-417a-8bc1-65c8d471c621" providerId="ADAL" clId="{AA9102B5-DACA-D841-B260-AEEBF90FC60A}" dt="2020-01-05T22:05:52.442" v="38" actId="2696"/>
+        <pc:sldMkLst>
+          <pc:docMk/>
+          <pc:sldMk cId="128704095" sldId="302"/>
+        </pc:sldMkLst>
+      </pc:sldChg>
+      <pc:sldChg chg="del">
+        <pc:chgData name="Long B Nguyen" userId="f59fb8f3-a021-417a-8bc1-65c8d471c621" providerId="ADAL" clId="{AA9102B5-DACA-D841-B260-AEEBF90FC60A}" dt="2020-01-05T22:05:52.305" v="30" actId="2696"/>
+        <pc:sldMkLst>
+          <pc:docMk/>
+          <pc:sldMk cId="3275945509" sldId="303"/>
+        </pc:sldMkLst>
+      </pc:sldChg>
+      <pc:sldChg chg="del">
+        <pc:chgData name="Long B Nguyen" userId="f59fb8f3-a021-417a-8bc1-65c8d471c621" providerId="ADAL" clId="{AA9102B5-DACA-D841-B260-AEEBF90FC60A}" dt="2020-01-05T22:05:52.321" v="31" actId="2696"/>
+        <pc:sldMkLst>
+          <pc:docMk/>
+          <pc:sldMk cId="406772024" sldId="304"/>
+        </pc:sldMkLst>
+      </pc:sldChg>
+      <pc:sldChg chg="del">
+        <pc:chgData name="Long B Nguyen" userId="f59fb8f3-a021-417a-8bc1-65c8d471c621" providerId="ADAL" clId="{AA9102B5-DACA-D841-B260-AEEBF90FC60A}" dt="2020-01-05T22:05:52.334" v="32" actId="2696"/>
+        <pc:sldMkLst>
+          <pc:docMk/>
+          <pc:sldMk cId="1703902501" sldId="305"/>
+        </pc:sldMkLst>
+      </pc:sldChg>
+      <pc:sldChg chg="del">
+        <pc:chgData name="Long B Nguyen" userId="f59fb8f3-a021-417a-8bc1-65c8d471c621" providerId="ADAL" clId="{AA9102B5-DACA-D841-B260-AEEBF90FC60A}" dt="2020-01-05T22:05:52.461" v="39" actId="2696"/>
+        <pc:sldMkLst>
+          <pc:docMk/>
+          <pc:sldMk cId="3614829039" sldId="306"/>
+        </pc:sldMkLst>
+      </pc:sldChg>
+      <pc:sldChg chg="del">
+        <pc:chgData name="Long B Nguyen" userId="f59fb8f3-a021-417a-8bc1-65c8d471c621" providerId="ADAL" clId="{AA9102B5-DACA-D841-B260-AEEBF90FC60A}" dt="2020-01-05T22:05:52.471" v="40" actId="2696"/>
+        <pc:sldMkLst>
+          <pc:docMk/>
+          <pc:sldMk cId="295911327" sldId="307"/>
+        </pc:sldMkLst>
+      </pc:sldChg>
+      <pc:sldChg chg="del">
+        <pc:chgData name="Long B Nguyen" userId="f59fb8f3-a021-417a-8bc1-65c8d471c621" providerId="ADAL" clId="{AA9102B5-DACA-D841-B260-AEEBF90FC60A}" dt="2020-01-05T22:05:52.353" v="33" actId="2696"/>
+        <pc:sldMkLst>
+          <pc:docMk/>
+          <pc:sldMk cId="67957925" sldId="308"/>
+        </pc:sldMkLst>
+      </pc:sldChg>
+      <pc:sldChg chg="del">
+        <pc:chgData name="Long B Nguyen" userId="f59fb8f3-a021-417a-8bc1-65c8d471c621" providerId="ADAL" clId="{AA9102B5-DACA-D841-B260-AEEBF90FC60A}" dt="2020-01-05T22:05:52.365" v="34" actId="2696"/>
+        <pc:sldMkLst>
+          <pc:docMk/>
+          <pc:sldMk cId="1872435103" sldId="309"/>
+        </pc:sldMkLst>
+      </pc:sldChg>
+      <pc:sldChg chg="del">
+        <pc:chgData name="Long B Nguyen" userId="f59fb8f3-a021-417a-8bc1-65c8d471c621" providerId="ADAL" clId="{AA9102B5-DACA-D841-B260-AEEBF90FC60A}" dt="2020-01-05T22:05:52.385" v="35" actId="2696"/>
+        <pc:sldMkLst>
+          <pc:docMk/>
+          <pc:sldMk cId="4088965571" sldId="310"/>
+        </pc:sldMkLst>
+      </pc:sldChg>
+      <pc:sldChg chg="del">
+        <pc:chgData name="Long B Nguyen" userId="f59fb8f3-a021-417a-8bc1-65c8d471c621" providerId="ADAL" clId="{AA9102B5-DACA-D841-B260-AEEBF90FC60A}" dt="2020-01-05T22:05:52.404" v="36" actId="2696"/>
+        <pc:sldMkLst>
+          <pc:docMk/>
+          <pc:sldMk cId="2255846137" sldId="311"/>
+        </pc:sldMkLst>
+      </pc:sldChg>
+      <pc:sldChg chg="del">
+        <pc:chgData name="Long B Nguyen" userId="f59fb8f3-a021-417a-8bc1-65c8d471c621" providerId="ADAL" clId="{AA9102B5-DACA-D841-B260-AEEBF90FC60A}" dt="2020-01-05T22:05:52.423" v="37" actId="2696"/>
+        <pc:sldMkLst>
+          <pc:docMk/>
+          <pc:sldMk cId="1513627164" sldId="312"/>
+        </pc:sldMkLst>
+      </pc:sldChg>
+      <pc:sldChg chg="del">
+        <pc:chgData name="Long B Nguyen" userId="f59fb8f3-a021-417a-8bc1-65c8d471c621" providerId="ADAL" clId="{AA9102B5-DACA-D841-B260-AEEBF90FC60A}" dt="2020-01-05T22:05:52.231" v="26" actId="2696"/>
+        <pc:sldMkLst>
+          <pc:docMk/>
+          <pc:sldMk cId="2097059918" sldId="313"/>
+        </pc:sldMkLst>
+      </pc:sldChg>
+      <pc:sldChg chg="modSp">
+        <pc:chgData name="Long B Nguyen" userId="f59fb8f3-a021-417a-8bc1-65c8d471c621" providerId="ADAL" clId="{AA9102B5-DACA-D841-B260-AEEBF90FC60A}" dt="2020-01-06T15:37:30.346" v="948" actId="20577"/>
+        <pc:sldMkLst>
+          <pc:docMk/>
+          <pc:sldMk cId="1452600724" sldId="316"/>
         </pc:sldMkLst>
         <pc:spChg chg="mod">
-          <ac:chgData name="Long B Nguyen" userId="f59fb8f3-a021-417a-8bc1-65c8d471c621" providerId="ADAL" clId="{03B59D2A-58F7-2C47-BB72-AE152660F162}" dt="2021-06-05T16:00:06.744" v="35" actId="1076"/>
+          <ac:chgData name="Long B Nguyen" userId="f59fb8f3-a021-417a-8bc1-65c8d471c621" providerId="ADAL" clId="{AA9102B5-DACA-D841-B260-AEEBF90FC60A}" dt="2020-01-06T15:37:30.346" v="948" actId="20577"/>
           <ac:spMkLst>
             <pc:docMk/>
-            <pc:sldMk cId="403449732" sldId="302"/>
+            <pc:sldMk cId="1452600724" sldId="316"/>
+            <ac:spMk id="9" creationId="{E3B2E017-30B2-884B-A113-B419A2ED51AD}"/>
+          </ac:spMkLst>
+        </pc:spChg>
+      </pc:sldChg>
+      <pc:sldChg chg="del">
+        <pc:chgData name="Long B Nguyen" userId="f59fb8f3-a021-417a-8bc1-65c8d471c621" providerId="ADAL" clId="{AA9102B5-DACA-D841-B260-AEEBF90FC60A}" dt="2020-01-06T15:03:11.354" v="848" actId="2696"/>
+        <pc:sldMkLst>
+          <pc:docMk/>
+          <pc:sldMk cId="1787114790" sldId="317"/>
+        </pc:sldMkLst>
+      </pc:sldChg>
+      <pc:sldChg chg="del">
+        <pc:chgData name="Long B Nguyen" userId="f59fb8f3-a021-417a-8bc1-65c8d471c621" providerId="ADAL" clId="{AA9102B5-DACA-D841-B260-AEEBF90FC60A}" dt="2020-01-05T22:06:12.101" v="42" actId="2696"/>
+        <pc:sldMkLst>
+          <pc:docMk/>
+          <pc:sldMk cId="1215229427" sldId="318"/>
+        </pc:sldMkLst>
+      </pc:sldChg>
+      <pc:sldChg chg="modSp">
+        <pc:chgData name="Long B Nguyen" userId="f59fb8f3-a021-417a-8bc1-65c8d471c621" providerId="ADAL" clId="{AA9102B5-DACA-D841-B260-AEEBF90FC60A}" dt="2020-01-06T01:48:03.413" v="110" actId="20577"/>
+        <pc:sldMkLst>
+          <pc:docMk/>
+          <pc:sldMk cId="924617162" sldId="319"/>
+        </pc:sldMkLst>
+        <pc:spChg chg="mod">
+          <ac:chgData name="Long B Nguyen" userId="f59fb8f3-a021-417a-8bc1-65c8d471c621" providerId="ADAL" clId="{AA9102B5-DACA-D841-B260-AEEBF90FC60A}" dt="2020-01-06T01:48:03.413" v="110" actId="20577"/>
+          <ac:spMkLst>
+            <pc:docMk/>
+            <pc:sldMk cId="924617162" sldId="319"/>
+            <ac:spMk id="9" creationId="{E3B2E017-30B2-884B-A113-B419A2ED51AD}"/>
+          </ac:spMkLst>
+        </pc:spChg>
+      </pc:sldChg>
+      <pc:sldChg chg="modSp">
+        <pc:chgData name="Long B Nguyen" userId="f59fb8f3-a021-417a-8bc1-65c8d471c621" providerId="ADAL" clId="{AA9102B5-DACA-D841-B260-AEEBF90FC60A}" dt="2020-01-06T01:56:11.549" v="712" actId="1076"/>
+        <pc:sldMkLst>
+          <pc:docMk/>
+          <pc:sldMk cId="1310010799" sldId="324"/>
+        </pc:sldMkLst>
+        <pc:spChg chg="mod">
+          <ac:chgData name="Long B Nguyen" userId="f59fb8f3-a021-417a-8bc1-65c8d471c621" providerId="ADAL" clId="{AA9102B5-DACA-D841-B260-AEEBF90FC60A}" dt="2020-01-06T01:56:11.549" v="712" actId="1076"/>
+          <ac:spMkLst>
+            <pc:docMk/>
+            <pc:sldMk cId="1310010799" sldId="324"/>
+            <ac:spMk id="9" creationId="{E3B2E017-30B2-884B-A113-B419A2ED51AD}"/>
+          </ac:spMkLst>
+        </pc:spChg>
+      </pc:sldChg>
+      <pc:sldChg chg="modSp">
+        <pc:chgData name="Long B Nguyen" userId="f59fb8f3-a021-417a-8bc1-65c8d471c621" providerId="ADAL" clId="{AA9102B5-DACA-D841-B260-AEEBF90FC60A}" dt="2020-01-06T15:35:11.658" v="853" actId="20577"/>
+        <pc:sldMkLst>
+          <pc:docMk/>
+          <pc:sldMk cId="3314372952" sldId="325"/>
+        </pc:sldMkLst>
+        <pc:spChg chg="mod">
+          <ac:chgData name="Long B Nguyen" userId="f59fb8f3-a021-417a-8bc1-65c8d471c621" providerId="ADAL" clId="{AA9102B5-DACA-D841-B260-AEEBF90FC60A}" dt="2020-01-06T15:35:11.658" v="853" actId="20577"/>
+          <ac:spMkLst>
+            <pc:docMk/>
+            <pc:sldMk cId="3314372952" sldId="325"/>
             <ac:spMk id="2" creationId="{AA3A228F-61D0-D949-A5E7-F83756230BF8}"/>
           </ac:spMkLst>
         </pc:spChg>
         <pc:spChg chg="mod">
-          <ac:chgData name="Long B Nguyen" userId="f59fb8f3-a021-417a-8bc1-65c8d471c621" providerId="ADAL" clId="{03B59D2A-58F7-2C47-BB72-AE152660F162}" dt="2021-06-05T16:00:22.832" v="50" actId="20577"/>
+          <ac:chgData name="Long B Nguyen" userId="f59fb8f3-a021-417a-8bc1-65c8d471c621" providerId="ADAL" clId="{AA9102B5-DACA-D841-B260-AEEBF90FC60A}" dt="2020-01-06T15:02:45.351" v="846" actId="20577"/>
           <ac:spMkLst>
             <pc:docMk/>
-            <pc:sldMk cId="403449732" sldId="302"/>
+            <pc:sldMk cId="3314372952" sldId="325"/>
             <ac:spMk id="9" creationId="{E3B2E017-30B2-884B-A113-B419A2ED51AD}"/>
           </ac:spMkLst>
         </pc:spChg>
       </pc:sldChg>
-      <pc:sldChg chg="modSp add mod">
-        <pc:chgData name="Long B Nguyen" userId="f59fb8f3-a021-417a-8bc1-65c8d471c621" providerId="ADAL" clId="{03B59D2A-58F7-2C47-BB72-AE152660F162}" dt="2021-06-05T16:00:47.158" v="66" actId="20577"/>
+      <pc:sldChg chg="del">
+        <pc:chgData name="Long B Nguyen" userId="f59fb8f3-a021-417a-8bc1-65c8d471c621" providerId="ADAL" clId="{AA9102B5-DACA-D841-B260-AEEBF90FC60A}" dt="2020-01-06T15:03:07.580" v="847" actId="2696"/>
         <pc:sldMkLst>
           <pc:docMk/>
-          <pc:sldMk cId="370395365" sldId="306"/>
+          <pc:sldMk cId="3117943122" sldId="326"/>
+        </pc:sldMkLst>
+      </pc:sldChg>
+      <pc:sldChg chg="del">
+        <pc:chgData name="Long B Nguyen" userId="f59fb8f3-a021-417a-8bc1-65c8d471c621" providerId="ADAL" clId="{AA9102B5-DACA-D841-B260-AEEBF90FC60A}" dt="2020-01-06T01:49:27.456" v="111" actId="2696"/>
+        <pc:sldMkLst>
+          <pc:docMk/>
+          <pc:sldMk cId="1025618360" sldId="327"/>
+        </pc:sldMkLst>
+      </pc:sldChg>
+      <pc:sldChg chg="modSp add">
+        <pc:chgData name="Long B Nguyen" userId="f59fb8f3-a021-417a-8bc1-65c8d471c621" providerId="ADAL" clId="{AA9102B5-DACA-D841-B260-AEEBF90FC60A}" dt="2020-01-06T15:00:48.763" v="818" actId="113"/>
+        <pc:sldMkLst>
+          <pc:docMk/>
+          <pc:sldMk cId="1724104636" sldId="327"/>
         </pc:sldMkLst>
         <pc:spChg chg="mod">
-          <ac:chgData name="Long B Nguyen" userId="f59fb8f3-a021-417a-8bc1-65c8d471c621" providerId="ADAL" clId="{03B59D2A-58F7-2C47-BB72-AE152660F162}" dt="2021-06-05T16:00:29.774" v="51" actId="1076"/>
+          <ac:chgData name="Long B Nguyen" userId="f59fb8f3-a021-417a-8bc1-65c8d471c621" providerId="ADAL" clId="{AA9102B5-DACA-D841-B260-AEEBF90FC60A}" dt="2020-01-06T15:00:48.763" v="818" actId="113"/>
           <ac:spMkLst>
             <pc:docMk/>
-            <pc:sldMk cId="370395365" sldId="306"/>
+            <pc:sldMk cId="1724104636" sldId="327"/>
+            <ac:spMk id="9" creationId="{E3B2E017-30B2-884B-A113-B419A2ED51AD}"/>
+          </ac:spMkLst>
+        </pc:spChg>
+      </pc:sldChg>
+      <pc:sldChg chg="modSp">
+        <pc:chgData name="Long B Nguyen" userId="f59fb8f3-a021-417a-8bc1-65c8d471c621" providerId="ADAL" clId="{AA9102B5-DACA-D841-B260-AEEBF90FC60A}" dt="2020-01-06T01:55:34.369" v="708" actId="20577"/>
+        <pc:sldMkLst>
+          <pc:docMk/>
+          <pc:sldMk cId="4294143140" sldId="329"/>
+        </pc:sldMkLst>
+        <pc:spChg chg="mod">
+          <ac:chgData name="Long B Nguyen" userId="f59fb8f3-a021-417a-8bc1-65c8d471c621" providerId="ADAL" clId="{AA9102B5-DACA-D841-B260-AEEBF90FC60A}" dt="2020-01-06T01:55:34.369" v="708" actId="20577"/>
+          <ac:spMkLst>
+            <pc:docMk/>
+            <pc:sldMk cId="4294143140" sldId="329"/>
+            <ac:spMk id="9" creationId="{E3B2E017-30B2-884B-A113-B419A2ED51AD}"/>
+          </ac:spMkLst>
+        </pc:spChg>
+      </pc:sldChg>
+      <pc:sldChg chg="modSp add">
+        <pc:chgData name="Long B Nguyen" userId="f59fb8f3-a021-417a-8bc1-65c8d471c621" providerId="ADAL" clId="{AA9102B5-DACA-D841-B260-AEEBF90FC60A}" dt="2020-01-06T15:01:01.638" v="819" actId="2711"/>
+        <pc:sldMkLst>
+          <pc:docMk/>
+          <pc:sldMk cId="3594730708" sldId="330"/>
+        </pc:sldMkLst>
+        <pc:spChg chg="mod">
+          <ac:chgData name="Long B Nguyen" userId="f59fb8f3-a021-417a-8bc1-65c8d471c621" providerId="ADAL" clId="{AA9102B5-DACA-D841-B260-AEEBF90FC60A}" dt="2020-01-06T15:01:01.638" v="819" actId="2711"/>
+          <ac:spMkLst>
+            <pc:docMk/>
+            <pc:sldMk cId="3594730708" sldId="330"/>
+            <ac:spMk id="9" creationId="{E3B2E017-30B2-884B-A113-B419A2ED51AD}"/>
+          </ac:spMkLst>
+        </pc:spChg>
+      </pc:sldChg>
+      <pc:sldChg chg="modSp add">
+        <pc:chgData name="Long B Nguyen" userId="f59fb8f3-a021-417a-8bc1-65c8d471c621" providerId="ADAL" clId="{AA9102B5-DACA-D841-B260-AEEBF90FC60A}" dt="2020-01-06T02:00:17.493" v="815" actId="255"/>
+        <pc:sldMkLst>
+          <pc:docMk/>
+          <pc:sldMk cId="3870816631" sldId="331"/>
+        </pc:sldMkLst>
+        <pc:spChg chg="mod">
+          <ac:chgData name="Long B Nguyen" userId="f59fb8f3-a021-417a-8bc1-65c8d471c621" providerId="ADAL" clId="{AA9102B5-DACA-D841-B260-AEEBF90FC60A}" dt="2020-01-06T02:00:17.493" v="815" actId="255"/>
+          <ac:spMkLst>
+            <pc:docMk/>
+            <pc:sldMk cId="3870816631" sldId="331"/>
+            <ac:spMk id="9" creationId="{E3B2E017-30B2-884B-A113-B419A2ED51AD}"/>
+          </ac:spMkLst>
+        </pc:spChg>
+      </pc:sldChg>
+      <pc:sldChg chg="modSp add">
+        <pc:chgData name="Long B Nguyen" userId="f59fb8f3-a021-417a-8bc1-65c8d471c621" providerId="ADAL" clId="{AA9102B5-DACA-D841-B260-AEEBF90FC60A}" dt="2020-01-06T17:07:10.515" v="1519" actId="2711"/>
+        <pc:sldMkLst>
+          <pc:docMk/>
+          <pc:sldMk cId="3124353102" sldId="332"/>
+        </pc:sldMkLst>
+        <pc:spChg chg="mod">
+          <ac:chgData name="Long B Nguyen" userId="f59fb8f3-a021-417a-8bc1-65c8d471c621" providerId="ADAL" clId="{AA9102B5-DACA-D841-B260-AEEBF90FC60A}" dt="2020-01-06T17:03:36.721" v="1332" actId="20577"/>
+          <ac:spMkLst>
+            <pc:docMk/>
+            <pc:sldMk cId="3124353102" sldId="332"/>
             <ac:spMk id="2" creationId="{AA3A228F-61D0-D949-A5E7-F83756230BF8}"/>
           </ac:spMkLst>
         </pc:spChg>
         <pc:spChg chg="mod">
-          <ac:chgData name="Long B Nguyen" userId="f59fb8f3-a021-417a-8bc1-65c8d471c621" providerId="ADAL" clId="{03B59D2A-58F7-2C47-BB72-AE152660F162}" dt="2021-06-05T16:00:47.158" v="66" actId="20577"/>
+          <ac:chgData name="Long B Nguyen" userId="f59fb8f3-a021-417a-8bc1-65c8d471c621" providerId="ADAL" clId="{AA9102B5-DACA-D841-B260-AEEBF90FC60A}" dt="2020-01-06T17:07:10.515" v="1519" actId="2711"/>
           <ac:spMkLst>
             <pc:docMk/>
-            <pc:sldMk cId="370395365" sldId="306"/>
-            <ac:spMk id="9" creationId="{E3B2E017-30B2-884B-A113-B419A2ED51AD}"/>
-          </ac:spMkLst>
-        </pc:spChg>
-      </pc:sldChg>
-      <pc:sldChg chg="modSp add mod">
-        <pc:chgData name="Long B Nguyen" userId="f59fb8f3-a021-417a-8bc1-65c8d471c621" providerId="ADAL" clId="{03B59D2A-58F7-2C47-BB72-AE152660F162}" dt="2021-06-05T16:01:06.129" v="84" actId="20577"/>
-        <pc:sldMkLst>
-          <pc:docMk/>
-          <pc:sldMk cId="224751101" sldId="307"/>
-        </pc:sldMkLst>
-        <pc:spChg chg="mod">
-          <ac:chgData name="Long B Nguyen" userId="f59fb8f3-a021-417a-8bc1-65c8d471c621" providerId="ADAL" clId="{03B59D2A-58F7-2C47-BB72-AE152660F162}" dt="2021-06-05T16:00:53.536" v="67" actId="1076"/>
-          <ac:spMkLst>
-            <pc:docMk/>
-            <pc:sldMk cId="224751101" sldId="307"/>
-            <ac:spMk id="2" creationId="{AA3A228F-61D0-D949-A5E7-F83756230BF8}"/>
-          </ac:spMkLst>
-        </pc:spChg>
-        <pc:spChg chg="mod">
-          <ac:chgData name="Long B Nguyen" userId="f59fb8f3-a021-417a-8bc1-65c8d471c621" providerId="ADAL" clId="{03B59D2A-58F7-2C47-BB72-AE152660F162}" dt="2021-06-05T16:01:06.129" v="84" actId="20577"/>
-          <ac:spMkLst>
-            <pc:docMk/>
-            <pc:sldMk cId="224751101" sldId="307"/>
+            <pc:sldMk cId="3124353102" sldId="332"/>
             <ac:spMk id="9" creationId="{E3B2E017-30B2-884B-A113-B419A2ED51AD}"/>
           </ac:spMkLst>
         </pc:spChg>
       </pc:sldChg>
     </pc:docChg>
   </pc:docChgLst>
+  <pc:docChgLst>
+    <pc:chgData name="Long B Nguyen" userId="f59fb8f3-a021-417a-8bc1-65c8d471c621" providerId="ADAL" clId="{3CB66211-2DF4-2442-833E-8DD261694FF0}"/>
+    <pc:docChg chg="addSld modSld">
+      <pc:chgData name="Long B Nguyen" userId="f59fb8f3-a021-417a-8bc1-65c8d471c621" providerId="ADAL" clId="{3CB66211-2DF4-2442-833E-8DD261694FF0}" dt="2021-11-07T17:24:01.542" v="250" actId="20577"/>
+      <pc:docMkLst>
+        <pc:docMk/>
+      </pc:docMkLst>
+      <pc:sldChg chg="modSp add modAnim">
+        <pc:chgData name="Long B Nguyen" userId="f59fb8f3-a021-417a-8bc1-65c8d471c621" providerId="ADAL" clId="{3CB66211-2DF4-2442-833E-8DD261694FF0}" dt="2021-11-07T17:24:01.542" v="250" actId="20577"/>
+        <pc:sldMkLst>
+          <pc:docMk/>
+          <pc:sldMk cId="2023389722" sldId="333"/>
+        </pc:sldMkLst>
+        <pc:spChg chg="mod">
+          <ac:chgData name="Long B Nguyen" userId="f59fb8f3-a021-417a-8bc1-65c8d471c621" providerId="ADAL" clId="{3CB66211-2DF4-2442-833E-8DD261694FF0}" dt="2021-11-07T17:24:01.542" v="250" actId="20577"/>
+          <ac:spMkLst>
+            <pc:docMk/>
+            <pc:sldMk cId="2023389722" sldId="333"/>
+            <ac:spMk id="9" creationId="{E3B2E017-30B2-884B-A113-B419A2ED51AD}"/>
+          </ac:spMkLst>
+        </pc:spChg>
+      </pc:sldChg>
+    </pc:docChg>
+  </pc:docChgLst>
+  <pc:docChgLst>
+    <pc:chgData name="Long B Nguyen" userId="f59fb8f3-a021-417a-8bc1-65c8d471c621" providerId="ADAL" clId="{B5860C40-AA08-4447-A918-2D2782E0FC0B}"/>
+    <pc:docChg chg="delSld modSld">
+      <pc:chgData name="Long B Nguyen" userId="f59fb8f3-a021-417a-8bc1-65c8d471c621" providerId="ADAL" clId="{B5860C40-AA08-4447-A918-2D2782E0FC0B}" dt="2019-09-16T13:59:20.091" v="35" actId="2696"/>
+      <pc:docMkLst>
+        <pc:docMk/>
+      </pc:docMkLst>
+      <pc:sldChg chg="modSp">
+        <pc:chgData name="Long B Nguyen" userId="f59fb8f3-a021-417a-8bc1-65c8d471c621" providerId="ADAL" clId="{B5860C40-AA08-4447-A918-2D2782E0FC0B}" dt="2019-09-16T13:58:36.640" v="18" actId="20577"/>
+        <pc:sldMkLst>
+          <pc:docMk/>
+          <pc:sldMk cId="4247104139" sldId="256"/>
+        </pc:sldMkLst>
+        <pc:spChg chg="mod">
+          <ac:chgData name="Long B Nguyen" userId="f59fb8f3-a021-417a-8bc1-65c8d471c621" providerId="ADAL" clId="{B5860C40-AA08-4447-A918-2D2782E0FC0B}" dt="2019-09-16T13:58:36.640" v="18" actId="20577"/>
+          <ac:spMkLst>
+            <pc:docMk/>
+            <pc:sldMk cId="4247104139" sldId="256"/>
+            <ac:spMk id="3" creationId="{1BDC47C8-6776-7B44-9CD4-95FC91452D62}"/>
+          </ac:spMkLst>
+        </pc:spChg>
+      </pc:sldChg>
+    </pc:docChg>
+  </pc:docChgLst>
 </pc:chgInfo>
+</file>
+
+<file path=ppt/notesMasters/notesMaster1.xml><?xml version="1.0" encoding="utf-8"?>
+<p:notesMaster xmlns:a="http://schemas.openxmlformats.org/drawingml/2006/main" xmlns:r="http://schemas.openxmlformats.org/officeDocument/2006/relationships" xmlns:p="http://schemas.openxmlformats.org/presentationml/2006/main">
+  <p:cSld>
+    <p:bg>
+      <p:bgRef idx="1001">
+        <a:schemeClr val="bg1"/>
+      </p:bgRef>
+    </p:bg>
+    <p:spTree>
+      <p:nvGrpSpPr>
+        <p:cNvPr id="1" name=""/>
+        <p:cNvGrpSpPr/>
+        <p:nvPr/>
+      </p:nvGrpSpPr>
+      <p:grpSpPr>
+        <a:xfrm>
+          <a:off x="0" y="0"/>
+          <a:ext cx="0" cy="0"/>
+          <a:chOff x="0" y="0"/>
+          <a:chExt cx="0" cy="0"/>
+        </a:xfrm>
+      </p:grpSpPr>
+      <p:sp>
+        <p:nvSpPr>
+          <p:cNvPr id="2" name="Header Placeholder 1"/>
+          <p:cNvSpPr>
+            <a:spLocks noGrp="1"/>
+          </p:cNvSpPr>
+          <p:nvPr>
+            <p:ph type="hdr" sz="quarter"/>
+          </p:nvPr>
+        </p:nvSpPr>
+        <p:spPr>
+          <a:xfrm>
+            <a:off x="0" y="0"/>
+            <a:ext cx="2971800" cy="458788"/>
+          </a:xfrm>
+          <a:prstGeom prst="rect">
+            <a:avLst/>
+          </a:prstGeom>
+        </p:spPr>
+        <p:txBody>
+          <a:bodyPr vert="horz" lIns="91440" tIns="45720" rIns="91440" bIns="45720" rtlCol="0"/>
+          <a:lstStyle>
+            <a:lvl1pPr algn="l">
+              <a:defRPr sz="1200"/>
+            </a:lvl1pPr>
+          </a:lstStyle>
+          <a:p>
+            <a:endParaRPr lang="en-US"/>
+          </a:p>
+        </p:txBody>
+      </p:sp>
+      <p:sp>
+        <p:nvSpPr>
+          <p:cNvPr id="3" name="Date Placeholder 2"/>
+          <p:cNvSpPr>
+            <a:spLocks noGrp="1"/>
+          </p:cNvSpPr>
+          <p:nvPr>
+            <p:ph type="dt" idx="1"/>
+          </p:nvPr>
+        </p:nvSpPr>
+        <p:spPr>
+          <a:xfrm>
+            <a:off x="3884613" y="0"/>
+            <a:ext cx="2971800" cy="458788"/>
+          </a:xfrm>
+          <a:prstGeom prst="rect">
+            <a:avLst/>
+          </a:prstGeom>
+        </p:spPr>
+        <p:txBody>
+          <a:bodyPr vert="horz" lIns="91440" tIns="45720" rIns="91440" bIns="45720" rtlCol="0"/>
+          <a:lstStyle>
+            <a:lvl1pPr algn="r">
+              <a:defRPr sz="1200"/>
+            </a:lvl1pPr>
+          </a:lstStyle>
+          <a:p>
+            <a:fld id="{A72EAE5B-FAC7-1D4A-97BD-119B918062BA}" type="datetimeFigureOut">
+              <a:rPr lang="en-US" smtClean="0"/>
+              <a:t>11/29/21</a:t>
+            </a:fld>
+            <a:endParaRPr lang="en-US"/>
+          </a:p>
+        </p:txBody>
+      </p:sp>
+      <p:sp>
+        <p:nvSpPr>
+          <p:cNvPr id="4" name="Slide Image Placeholder 3"/>
+          <p:cNvSpPr>
+            <a:spLocks noGrp="1" noRot="1" noChangeAspect="1"/>
+          </p:cNvSpPr>
+          <p:nvPr>
+            <p:ph type="sldImg" idx="2"/>
+          </p:nvPr>
+        </p:nvSpPr>
+        <p:spPr>
+          <a:xfrm>
+            <a:off x="960438" y="1143000"/>
+            <a:ext cx="4937125" cy="3086100"/>
+          </a:xfrm>
+          <a:prstGeom prst="rect">
+            <a:avLst/>
+          </a:prstGeom>
+          <a:noFill/>
+          <a:ln w="12700">
+            <a:solidFill>
+              <a:prstClr val="black"/>
+            </a:solidFill>
+          </a:ln>
+        </p:spPr>
+        <p:txBody>
+          <a:bodyPr vert="horz" lIns="91440" tIns="45720" rIns="91440" bIns="45720" rtlCol="0" anchor="ctr"/>
+          <a:lstStyle/>
+          <a:p>
+            <a:endParaRPr lang="en-US"/>
+          </a:p>
+        </p:txBody>
+      </p:sp>
+      <p:sp>
+        <p:nvSpPr>
+          <p:cNvPr id="5" name="Notes Placeholder 4"/>
+          <p:cNvSpPr>
+            <a:spLocks noGrp="1"/>
+          </p:cNvSpPr>
+          <p:nvPr>
+            <p:ph type="body" sz="quarter" idx="3"/>
+          </p:nvPr>
+        </p:nvSpPr>
+        <p:spPr>
+          <a:xfrm>
+            <a:off x="685800" y="4400550"/>
+            <a:ext cx="5486400" cy="3600450"/>
+          </a:xfrm>
+          <a:prstGeom prst="rect">
+            <a:avLst/>
+          </a:prstGeom>
+        </p:spPr>
+        <p:txBody>
+          <a:bodyPr vert="horz" lIns="91440" tIns="45720" rIns="91440" bIns="45720" rtlCol="0"/>
+          <a:lstStyle/>
+          <a:p>
+            <a:pPr lvl="0"/>
+            <a:r>
+              <a:rPr lang="en-US"/>
+              <a:t>Click to edit Master text styles</a:t>
+            </a:r>
+          </a:p>
+          <a:p>
+            <a:pPr lvl="1"/>
+            <a:r>
+              <a:rPr lang="en-US"/>
+              <a:t>Second level</a:t>
+            </a:r>
+          </a:p>
+          <a:p>
+            <a:pPr lvl="2"/>
+            <a:r>
+              <a:rPr lang="en-US"/>
+              <a:t>Third level</a:t>
+            </a:r>
+          </a:p>
+          <a:p>
+            <a:pPr lvl="3"/>
+            <a:r>
+              <a:rPr lang="en-US"/>
+              <a:t>Fourth level</a:t>
+            </a:r>
+          </a:p>
+          <a:p>
+            <a:pPr lvl="4"/>
+            <a:r>
+              <a:rPr lang="en-US"/>
+              <a:t>Fifth level</a:t>
+            </a:r>
+          </a:p>
+        </p:txBody>
+      </p:sp>
+      <p:sp>
+        <p:nvSpPr>
+          <p:cNvPr id="6" name="Footer Placeholder 5"/>
+          <p:cNvSpPr>
+            <a:spLocks noGrp="1"/>
+          </p:cNvSpPr>
+          <p:nvPr>
+            <p:ph type="ftr" sz="quarter" idx="4"/>
+          </p:nvPr>
+        </p:nvSpPr>
+        <p:spPr>
+          <a:xfrm>
+            <a:off x="0" y="8685213"/>
+            <a:ext cx="2971800" cy="458787"/>
+          </a:xfrm>
+          <a:prstGeom prst="rect">
+            <a:avLst/>
+          </a:prstGeom>
+        </p:spPr>
+        <p:txBody>
+          <a:bodyPr vert="horz" lIns="91440" tIns="45720" rIns="91440" bIns="45720" rtlCol="0" anchor="b"/>
+          <a:lstStyle>
+            <a:lvl1pPr algn="l">
+              <a:defRPr sz="1200"/>
+            </a:lvl1pPr>
+          </a:lstStyle>
+          <a:p>
+            <a:endParaRPr lang="en-US"/>
+          </a:p>
+        </p:txBody>
+      </p:sp>
+      <p:sp>
+        <p:nvSpPr>
+          <p:cNvPr id="7" name="Slide Number Placeholder 6"/>
+          <p:cNvSpPr>
+            <a:spLocks noGrp="1"/>
+          </p:cNvSpPr>
+          <p:nvPr>
+            <p:ph type="sldNum" sz="quarter" idx="5"/>
+          </p:nvPr>
+        </p:nvSpPr>
+        <p:spPr>
+          <a:xfrm>
+            <a:off x="3884613" y="8685213"/>
+            <a:ext cx="2971800" cy="458787"/>
+          </a:xfrm>
+          <a:prstGeom prst="rect">
+            <a:avLst/>
+          </a:prstGeom>
+        </p:spPr>
+        <p:txBody>
+          <a:bodyPr vert="horz" lIns="91440" tIns="45720" rIns="91440" bIns="45720" rtlCol="0" anchor="b"/>
+          <a:lstStyle>
+            <a:lvl1pPr algn="r">
+              <a:defRPr sz="1200"/>
+            </a:lvl1pPr>
+          </a:lstStyle>
+          <a:p>
+            <a:fld id="{FC6DD18B-951E-514E-AC68-F551FE5C66CD}" type="slidenum">
+              <a:rPr lang="en-US" smtClean="0"/>
+              <a:t>‹#›</a:t>
+            </a:fld>
+            <a:endParaRPr lang="en-US"/>
+          </a:p>
+        </p:txBody>
+      </p:sp>
+    </p:spTree>
+    <p:extLst>
+      <p:ext uri="{BB962C8B-B14F-4D97-AF65-F5344CB8AC3E}">
+        <p14:creationId xmlns:p14="http://schemas.microsoft.com/office/powerpoint/2010/main" val="281547927"/>
+      </p:ext>
+    </p:extLst>
+  </p:cSld>
+  <p:clrMap bg1="lt1" tx1="dk1" bg2="lt2" tx2="dk2" accent1="accent1" accent2="accent2" accent3="accent3" accent4="accent4" accent5="accent5" accent6="accent6" hlink="hlink" folHlink="folHlink"/>
+  <p:notesStyle>
+    <a:lvl1pPr marL="0" algn="l" defTabSz="914400" rtl="0" eaLnBrk="1" latinLnBrk="0" hangingPunct="1">
+      <a:defRPr sz="1200" kern="1200">
+        <a:solidFill>
+          <a:schemeClr val="tx1"/>
+        </a:solidFill>
+        <a:latin typeface="+mn-lt"/>
+        <a:ea typeface="+mn-ea"/>
+        <a:cs typeface="+mn-cs"/>
+      </a:defRPr>
+    </a:lvl1pPr>
+    <a:lvl2pPr marL="457200" algn="l" defTabSz="914400" rtl="0" eaLnBrk="1" latinLnBrk="0" hangingPunct="1">
+      <a:defRPr sz="1200" kern="1200">
+        <a:solidFill>
+          <a:schemeClr val="tx1"/>
+        </a:solidFill>
+        <a:latin typeface="+mn-lt"/>
+        <a:ea typeface="+mn-ea"/>
+        <a:cs typeface="+mn-cs"/>
+      </a:defRPr>
+    </a:lvl2pPr>
+    <a:lvl3pPr marL="914400" algn="l" defTabSz="914400" rtl="0" eaLnBrk="1" latinLnBrk="0" hangingPunct="1">
+      <a:defRPr sz="1200" kern="1200">
+        <a:solidFill>
+          <a:schemeClr val="tx1"/>
+        </a:solidFill>
+        <a:latin typeface="+mn-lt"/>
+        <a:ea typeface="+mn-ea"/>
+        <a:cs typeface="+mn-cs"/>
+      </a:defRPr>
+    </a:lvl3pPr>
+    <a:lvl4pPr marL="1371600" algn="l" defTabSz="914400" rtl="0" eaLnBrk="1" latinLnBrk="0" hangingPunct="1">
+      <a:defRPr sz="1200" kern="1200">
+        <a:solidFill>
+          <a:schemeClr val="tx1"/>
+        </a:solidFill>
+        <a:latin typeface="+mn-lt"/>
+        <a:ea typeface="+mn-ea"/>
+        <a:cs typeface="+mn-cs"/>
+      </a:defRPr>
+    </a:lvl4pPr>
+    <a:lvl5pPr marL="1828800" algn="l" defTabSz="914400" rtl="0" eaLnBrk="1" latinLnBrk="0" hangingPunct="1">
+      <a:defRPr sz="1200" kern="1200">
+        <a:solidFill>
+          <a:schemeClr val="tx1"/>
+        </a:solidFill>
+        <a:latin typeface="+mn-lt"/>
+        <a:ea typeface="+mn-ea"/>
+        <a:cs typeface="+mn-cs"/>
+      </a:defRPr>
+    </a:lvl5pPr>
+    <a:lvl6pPr marL="2286000" algn="l" defTabSz="914400" rtl="0" eaLnBrk="1" latinLnBrk="0" hangingPunct="1">
+      <a:defRPr sz="1200" kern="1200">
+        <a:solidFill>
+          <a:schemeClr val="tx1"/>
+        </a:solidFill>
+        <a:latin typeface="+mn-lt"/>
+        <a:ea typeface="+mn-ea"/>
+        <a:cs typeface="+mn-cs"/>
+      </a:defRPr>
+    </a:lvl6pPr>
+    <a:lvl7pPr marL="2743200" algn="l" defTabSz="914400" rtl="0" eaLnBrk="1" latinLnBrk="0" hangingPunct="1">
+      <a:defRPr sz="1200" kern="1200">
+        <a:solidFill>
+          <a:schemeClr val="tx1"/>
+        </a:solidFill>
+        <a:latin typeface="+mn-lt"/>
+        <a:ea typeface="+mn-ea"/>
+        <a:cs typeface="+mn-cs"/>
+      </a:defRPr>
+    </a:lvl7pPr>
+    <a:lvl8pPr marL="3200400" algn="l" defTabSz="914400" rtl="0" eaLnBrk="1" latinLnBrk="0" hangingPunct="1">
+      <a:defRPr sz="1200" kern="1200">
+        <a:solidFill>
+          <a:schemeClr val="tx1"/>
+        </a:solidFill>
+        <a:latin typeface="+mn-lt"/>
+        <a:ea typeface="+mn-ea"/>
+        <a:cs typeface="+mn-cs"/>
+      </a:defRPr>
+    </a:lvl8pPr>
+    <a:lvl9pPr marL="3657600" algn="l" defTabSz="914400" rtl="0" eaLnBrk="1" latinLnBrk="0" hangingPunct="1">
+      <a:defRPr sz="1200" kern="1200">
+        <a:solidFill>
+          <a:schemeClr val="tx1"/>
+        </a:solidFill>
+        <a:latin typeface="+mn-lt"/>
+        <a:ea typeface="+mn-ea"/>
+        <a:cs typeface="+mn-cs"/>
+      </a:defRPr>
+    </a:lvl9pPr>
+  </p:notesStyle>
+</p:notesMaster>
 </file>
 
 <file path=ppt/slideLayouts/slideLayout1.xml><?xml version="1.0" encoding="utf-8"?>
@@ -1794,9 +2518,9 @@
           <a:bodyPr/>
           <a:lstStyle/>
           <a:p>
-            <a:fld id="{4AAD347D-5ACD-4C99-B74B-A9C85AD731AF}" type="datetimeFigureOut">
+            <a:fld id="{82CFC92D-B69B-DD42-9FFD-8548C975772E}" type="datetime1">
               <a:rPr lang="en-US" smtClean="0"/>
-              <a:t>11/17/21</a:t>
+              <a:t>11/29/21</a:t>
             </a:fld>
             <a:endParaRPr lang="en-US" dirty="0"/>
           </a:p>
@@ -1964,9 +2688,9 @@
           <a:bodyPr/>
           <a:lstStyle/>
           <a:p>
-            <a:fld id="{4509A250-FF31-4206-8172-F9D3106AACB1}" type="datetimeFigureOut">
+            <a:fld id="{1A921C1C-C077-844A-871D-D078BA708997}" type="datetime1">
               <a:rPr lang="en-US" smtClean="0"/>
-              <a:t>11/17/21</a:t>
+              <a:t>11/29/21</a:t>
             </a:fld>
             <a:endParaRPr lang="en-US" dirty="0"/>
           </a:p>
@@ -2144,9 +2868,9 @@
           <a:bodyPr/>
           <a:lstStyle/>
           <a:p>
-            <a:fld id="{4509A250-FF31-4206-8172-F9D3106AACB1}" type="datetimeFigureOut">
+            <a:fld id="{96B8A7E2-D08C-624D-9173-CD4D0F66ACD6}" type="datetime1">
               <a:rPr lang="en-US" smtClean="0"/>
-              <a:t>11/17/21</a:t>
+              <a:t>11/29/21</a:t>
             </a:fld>
             <a:endParaRPr lang="en-US" dirty="0"/>
           </a:p>
@@ -2314,9 +3038,9 @@
           <a:bodyPr/>
           <a:lstStyle/>
           <a:p>
-            <a:fld id="{4509A250-FF31-4206-8172-F9D3106AACB1}" type="datetimeFigureOut">
+            <a:fld id="{E8D26D7E-151F-BF4A-BA82-4192DBA7F96C}" type="datetime1">
               <a:rPr lang="en-US" smtClean="0"/>
-              <a:t>11/17/21</a:t>
+              <a:t>11/29/21</a:t>
             </a:fld>
             <a:endParaRPr lang="en-US" dirty="0"/>
           </a:p>
@@ -2560,9 +3284,9 @@
           <a:bodyPr/>
           <a:lstStyle/>
           <a:p>
-            <a:fld id="{9796027F-7875-4030-9381-8BD8C4F21935}" type="datetimeFigureOut">
+            <a:fld id="{1A6DE5AC-A485-2841-98DC-CEC47774A2EE}" type="datetime1">
               <a:rPr lang="en-US" smtClean="0"/>
-              <a:t>11/17/21</a:t>
+              <a:t>11/29/21</a:t>
             </a:fld>
             <a:endParaRPr lang="en-US" dirty="0"/>
           </a:p>
@@ -2792,9 +3516,9 @@
           <a:bodyPr/>
           <a:lstStyle/>
           <a:p>
-            <a:fld id="{9796027F-7875-4030-9381-8BD8C4F21935}" type="datetimeFigureOut">
+            <a:fld id="{3A74C248-7EDD-B449-8D04-7FD85432CD97}" type="datetime1">
               <a:rPr lang="en-US" smtClean="0"/>
-              <a:t>11/17/21</a:t>
+              <a:t>11/29/21</a:t>
             </a:fld>
             <a:endParaRPr lang="en-US" dirty="0"/>
           </a:p>
@@ -3159,9 +3883,9 @@
           <a:bodyPr/>
           <a:lstStyle/>
           <a:p>
-            <a:fld id="{9796027F-7875-4030-9381-8BD8C4F21935}" type="datetimeFigureOut">
+            <a:fld id="{BB935A3B-74DE-714A-86E9-1E979217BF76}" type="datetime1">
               <a:rPr lang="en-US" smtClean="0"/>
-              <a:t>11/17/21</a:t>
+              <a:t>11/29/21</a:t>
             </a:fld>
             <a:endParaRPr lang="en-US" dirty="0"/>
           </a:p>
@@ -3277,9 +4001,9 @@
           <a:bodyPr/>
           <a:lstStyle/>
           <a:p>
-            <a:fld id="{4509A250-FF31-4206-8172-F9D3106AACB1}" type="datetimeFigureOut">
+            <a:fld id="{1AF4CE23-CE3D-CB43-A359-0E3B60CC494B}" type="datetime1">
               <a:rPr lang="en-US" smtClean="0"/>
-              <a:t>11/17/21</a:t>
+              <a:t>11/29/21</a:t>
             </a:fld>
             <a:endParaRPr lang="en-US" dirty="0"/>
           </a:p>
@@ -3372,9 +4096,9 @@
           <a:bodyPr/>
           <a:lstStyle/>
           <a:p>
-            <a:fld id="{4509A250-FF31-4206-8172-F9D3106AACB1}" type="datetimeFigureOut">
+            <a:fld id="{50DFAC4E-8793-5C4C-A345-2711F8FFE92F}" type="datetime1">
               <a:rPr lang="en-US" smtClean="0"/>
-              <a:t>11/17/21</a:t>
+              <a:t>11/29/21</a:t>
             </a:fld>
             <a:endParaRPr lang="en-US" dirty="0"/>
           </a:p>
@@ -3649,9 +4373,9 @@
           <a:bodyPr/>
           <a:lstStyle/>
           <a:p>
-            <a:fld id="{4509A250-FF31-4206-8172-F9D3106AACB1}" type="datetimeFigureOut">
+            <a:fld id="{1AC5FF9F-8E44-0F4F-8BBA-F52D813C03E4}" type="datetime1">
               <a:rPr lang="en-US" smtClean="0"/>
-              <a:t>11/17/21</a:t>
+              <a:t>11/29/21</a:t>
             </a:fld>
             <a:endParaRPr lang="en-US" dirty="0"/>
           </a:p>
@@ -3906,9 +4630,9 @@
           <a:bodyPr/>
           <a:lstStyle/>
           <a:p>
-            <a:fld id="{4509A250-FF31-4206-8172-F9D3106AACB1}" type="datetimeFigureOut">
+            <a:fld id="{7F8D8EB2-A56C-E94B-9C30-E7CE215C46FD}" type="datetime1">
               <a:rPr lang="en-US" smtClean="0"/>
-              <a:t>11/17/21</a:t>
+              <a:t>11/29/21</a:t>
             </a:fld>
             <a:endParaRPr lang="en-US" dirty="0"/>
           </a:p>
@@ -4119,9 +4843,9 @@
             </a:lvl1pPr>
           </a:lstStyle>
           <a:p>
-            <a:fld id="{4AAD347D-5ACD-4C99-B74B-A9C85AD731AF}" type="datetimeFigureOut">
+            <a:fld id="{8E3764FC-F343-EC4C-ADA6-BCB8E6623870}" type="datetime1">
               <a:rPr lang="en-US" smtClean="0"/>
-              <a:t>11/17/21</a:t>
+              <a:t>11/29/21</a:t>
             </a:fld>
             <a:endParaRPr lang="en-US" dirty="0"/>
           </a:p>
@@ -4226,7 +4950,7 @@
     <p:sldLayoutId id="2147483801" r:id="rId10"/>
     <p:sldLayoutId id="2147483802" r:id="rId11"/>
   </p:sldLayoutIdLst>
-  <p:hf sldNum="0" hdr="0" ftr="0" dt="0"/>
+  <p:hf hdr="0" ftr="0" dt="0"/>
   <p:txStyles>
     <p:titleStyle>
       <a:lvl1pPr algn="l" defTabSz="685800" rtl="0" eaLnBrk="1" latinLnBrk="0" hangingPunct="1">
@@ -4794,6 +5518,35 @@
           </a:p>
         </p:txBody>
       </p:sp>
+      <p:sp>
+        <p:nvSpPr>
+          <p:cNvPr id="5" name="Slide Number Placeholder 4">
+            <a:extLst>
+              <a:ext uri="{FF2B5EF4-FFF2-40B4-BE49-F238E27FC236}">
+                <a16:creationId xmlns:a16="http://schemas.microsoft.com/office/drawing/2014/main" id="{B2BC8EC2-B682-6F4D-9E6C-B5FCC03B133E}"/>
+              </a:ext>
+            </a:extLst>
+          </p:cNvPr>
+          <p:cNvSpPr>
+            <a:spLocks noGrp="1"/>
+          </p:cNvSpPr>
+          <p:nvPr>
+            <p:ph type="sldNum" sz="quarter" idx="12"/>
+          </p:nvPr>
+        </p:nvSpPr>
+        <p:spPr/>
+        <p:txBody>
+          <a:bodyPr/>
+          <a:lstStyle/>
+          <a:p>
+            <a:fld id="{D57F1E4F-1CFF-5643-939E-02111984F565}" type="slidenum">
+              <a:rPr lang="en-US" smtClean="0"/>
+              <a:t>1</a:t>
+            </a:fld>
+            <a:endParaRPr lang="en-US" dirty="0"/>
+          </a:p>
+        </p:txBody>
+      </p:sp>
     </p:spTree>
     <p:extLst>
       <p:ext uri="{BB962C8B-B14F-4D97-AF65-F5344CB8AC3E}">
@@ -4975,7 +5728,7 @@
             <a:r>
               <a:rPr lang="en-US" sz="2000" b="1" dirty="0">
                 <a:solidFill>
-                  <a:srgbClr val="0CFF00"/>
+                  <a:srgbClr val="FF0000"/>
                 </a:solidFill>
                 <a:latin typeface="Inconsolata" panose="020B0609030003000000" pitchFamily="49" charset="77"/>
               </a:rPr>
@@ -5064,7 +5817,7 @@
             <a:r>
               <a:rPr lang="en-US" sz="2000" b="1" dirty="0">
                 <a:solidFill>
-                  <a:srgbClr val="0CFF00"/>
+                  <a:srgbClr val="FF0000"/>
                 </a:solidFill>
                 <a:latin typeface="Inconsolata" panose="020B0609030003000000" pitchFamily="49" charset="77"/>
               </a:rPr>
@@ -5134,6 +5887,35 @@
             <a:endParaRPr lang="en-US" dirty="0">
               <a:latin typeface="Gill Sans MT" panose="020B0502020104020203" pitchFamily="34" charset="77"/>
             </a:endParaRPr>
+          </a:p>
+        </p:txBody>
+      </p:sp>
+      <p:sp>
+        <p:nvSpPr>
+          <p:cNvPr id="3" name="Slide Number Placeholder 2">
+            <a:extLst>
+              <a:ext uri="{FF2B5EF4-FFF2-40B4-BE49-F238E27FC236}">
+                <a16:creationId xmlns:a16="http://schemas.microsoft.com/office/drawing/2014/main" id="{BCC2F645-119F-024F-873B-D01338AB7CFC}"/>
+              </a:ext>
+            </a:extLst>
+          </p:cNvPr>
+          <p:cNvSpPr>
+            <a:spLocks noGrp="1"/>
+          </p:cNvSpPr>
+          <p:nvPr>
+            <p:ph type="sldNum" sz="quarter" idx="12"/>
+          </p:nvPr>
+        </p:nvSpPr>
+        <p:spPr/>
+        <p:txBody>
+          <a:bodyPr/>
+          <a:lstStyle/>
+          <a:p>
+            <a:fld id="{D57F1E4F-1CFF-5643-939E-02111984F565}" type="slidenum">
+              <a:rPr lang="en-US" smtClean="0"/>
+              <a:t>10</a:t>
+            </a:fld>
+            <a:endParaRPr lang="en-US" dirty="0"/>
           </a:p>
         </p:txBody>
       </p:sp>
@@ -5609,7 +6391,7 @@
             <a:r>
               <a:rPr lang="en-US" sz="2000" b="1" dirty="0">
                 <a:solidFill>
-                  <a:srgbClr val="0CFF00"/>
+                  <a:srgbClr val="FF0000"/>
                 </a:solidFill>
                 <a:latin typeface="Inconsolata" panose="020B0609030003000000" pitchFamily="49" charset="77"/>
               </a:rPr>
@@ -5675,9 +6457,6 @@
               </a:rPr>
               <a:t>: </a:t>
             </a:r>
-            <a:endParaRPr lang="en-US" sz="2000" dirty="0">
-              <a:latin typeface="Inconsolata" panose="020B0609030003000000" pitchFamily="49" charset="77"/>
-            </a:endParaRPr>
           </a:p>
           <a:p>
             <a:pPr marL="0" indent="0">
@@ -5701,7 +6480,7 @@
             <a:r>
               <a:rPr lang="en-US" sz="2000" b="1" dirty="0">
                 <a:solidFill>
-                  <a:srgbClr val="0CFF00"/>
+                  <a:srgbClr val="FF0000"/>
                 </a:solidFill>
                 <a:latin typeface="Inconsolata" panose="020B0609030003000000" pitchFamily="49" charset="77"/>
               </a:rPr>
@@ -5731,7 +6510,7 @@
               <a:rPr lang="en-US" sz="2000" b="1" dirty="0">
                 <a:latin typeface="Inconsolata" panose="020B0609030003000000" pitchFamily="49" charset="77"/>
               </a:rPr>
-              <a:t>(number)   </a:t>
+              <a:t>(number)    </a:t>
             </a:r>
             <a:r>
               <a:rPr lang="en-US" sz="2000" b="1" dirty="0">
@@ -5744,14 +6523,6 @@
               </a:rPr>
               <a:t># Just echo the valid input </a:t>
             </a:r>
-            <a:endParaRPr lang="en-US" sz="2000" dirty="0">
-              <a:solidFill>
-                <a:schemeClr val="accent1">
-                  <a:lumMod val="75000"/>
-                </a:schemeClr>
-              </a:solidFill>
-              <a:latin typeface="Inconsolata" panose="020B0609030003000000" pitchFamily="49" charset="77"/>
-            </a:endParaRPr>
           </a:p>
           <a:p>
             <a:pPr marL="0" indent="0">
@@ -5882,6 +6653,35 @@
             <a:endParaRPr lang="en-US" dirty="0">
               <a:latin typeface="Gill Sans MT" panose="020B0502020104020203" pitchFamily="34" charset="77"/>
             </a:endParaRPr>
+          </a:p>
+        </p:txBody>
+      </p:sp>
+      <p:sp>
+        <p:nvSpPr>
+          <p:cNvPr id="3" name="Slide Number Placeholder 2">
+            <a:extLst>
+              <a:ext uri="{FF2B5EF4-FFF2-40B4-BE49-F238E27FC236}">
+                <a16:creationId xmlns:a16="http://schemas.microsoft.com/office/drawing/2014/main" id="{93848D8B-7F38-C24B-9E96-0219B9F33CC1}"/>
+              </a:ext>
+            </a:extLst>
+          </p:cNvPr>
+          <p:cNvSpPr>
+            <a:spLocks noGrp="1"/>
+          </p:cNvSpPr>
+          <p:nvPr>
+            <p:ph type="sldNum" sz="quarter" idx="12"/>
+          </p:nvPr>
+        </p:nvSpPr>
+        <p:spPr/>
+        <p:txBody>
+          <a:bodyPr/>
+          <a:lstStyle/>
+          <a:p>
+            <a:fld id="{D57F1E4F-1CFF-5643-939E-02111984F565}" type="slidenum">
+              <a:rPr lang="en-US" smtClean="0"/>
+              <a:t>11</a:t>
+            </a:fld>
+            <a:endParaRPr lang="en-US" dirty="0"/>
           </a:p>
         </p:txBody>
       </p:sp>
@@ -6635,6 +7435,35 @@
             <a:endParaRPr lang="en-US" dirty="0">
               <a:latin typeface="Gill Sans MT" panose="020B0502020104020203" pitchFamily="34" charset="77"/>
             </a:endParaRPr>
+          </a:p>
+        </p:txBody>
+      </p:sp>
+      <p:sp>
+        <p:nvSpPr>
+          <p:cNvPr id="3" name="Slide Number Placeholder 2">
+            <a:extLst>
+              <a:ext uri="{FF2B5EF4-FFF2-40B4-BE49-F238E27FC236}">
+                <a16:creationId xmlns:a16="http://schemas.microsoft.com/office/drawing/2014/main" id="{FF1B6A0E-7C7A-634F-BD13-8643F7F1AE4F}"/>
+              </a:ext>
+            </a:extLst>
+          </p:cNvPr>
+          <p:cNvSpPr>
+            <a:spLocks noGrp="1"/>
+          </p:cNvSpPr>
+          <p:nvPr>
+            <p:ph type="sldNum" sz="quarter" idx="12"/>
+          </p:nvPr>
+        </p:nvSpPr>
+        <p:spPr/>
+        <p:txBody>
+          <a:bodyPr/>
+          <a:lstStyle/>
+          <a:p>
+            <a:fld id="{D57F1E4F-1CFF-5643-939E-02111984F565}" type="slidenum">
+              <a:rPr lang="en-US" smtClean="0"/>
+              <a:t>12</a:t>
+            </a:fld>
+            <a:endParaRPr lang="en-US" dirty="0"/>
           </a:p>
         </p:txBody>
       </p:sp>
@@ -7232,7 +8061,7 @@
             <a:r>
               <a:rPr lang="en-US" sz="2000" b="1" dirty="0">
                 <a:solidFill>
-                  <a:srgbClr val="0CFF00"/>
+                  <a:srgbClr val="FF0000"/>
                 </a:solidFill>
                 <a:latin typeface="Inconsolata" panose="020B0609030003000000" pitchFamily="49" charset="77"/>
               </a:rPr>
@@ -7267,7 +8096,7 @@
             <a:r>
               <a:rPr lang="en-US" sz="2000" b="1" dirty="0">
                 <a:solidFill>
-                  <a:srgbClr val="0CFF00"/>
+                  <a:srgbClr val="FF0000"/>
                 </a:solidFill>
                 <a:latin typeface="Inconsolata" panose="020B0609030003000000" pitchFamily="49" charset="77"/>
               </a:rPr>
@@ -7316,15 +8145,40 @@
             </a:pPr>
             <a:r>
               <a:rPr lang="en-US" dirty="0"/>
-              <a:t>3 26 22 5 69 86 45 30 45 53 34 82 94 4 21 30 2 87 94 80 41 </a:t>
-            </a:r>
-            <a:r>
-              <a:rPr lang="en-US"/>
-              <a:t>8 </a:t>
+              <a:t>3 26 22 5 69 86 45 30 45 53 34 82 94 4 21 30 2 87 94 80 41 8 </a:t>
             </a:r>
             <a:endParaRPr lang="en-US" dirty="0">
               <a:latin typeface="Gill Sans MT" panose="020B0502020104020203" pitchFamily="34" charset="77"/>
             </a:endParaRPr>
+          </a:p>
+        </p:txBody>
+      </p:sp>
+      <p:sp>
+        <p:nvSpPr>
+          <p:cNvPr id="3" name="Slide Number Placeholder 2">
+            <a:extLst>
+              <a:ext uri="{FF2B5EF4-FFF2-40B4-BE49-F238E27FC236}">
+                <a16:creationId xmlns:a16="http://schemas.microsoft.com/office/drawing/2014/main" id="{393B07D7-C9D9-954D-97C6-2A5FB5603F99}"/>
+              </a:ext>
+            </a:extLst>
+          </p:cNvPr>
+          <p:cNvSpPr>
+            <a:spLocks noGrp="1"/>
+          </p:cNvSpPr>
+          <p:nvPr>
+            <p:ph type="sldNum" sz="quarter" idx="12"/>
+          </p:nvPr>
+        </p:nvSpPr>
+        <p:spPr/>
+        <p:txBody>
+          <a:bodyPr/>
+          <a:lstStyle/>
+          <a:p>
+            <a:fld id="{D57F1E4F-1CFF-5643-939E-02111984F565}" type="slidenum">
+              <a:rPr lang="en-US" smtClean="0"/>
+              <a:t>13</a:t>
+            </a:fld>
+            <a:endParaRPr lang="en-US" dirty="0"/>
           </a:p>
         </p:txBody>
       </p:sp>
@@ -8192,6 +9046,35 @@
           </a:p>
         </p:txBody>
       </p:sp>
+      <p:sp>
+        <p:nvSpPr>
+          <p:cNvPr id="3" name="Slide Number Placeholder 2">
+            <a:extLst>
+              <a:ext uri="{FF2B5EF4-FFF2-40B4-BE49-F238E27FC236}">
+                <a16:creationId xmlns:a16="http://schemas.microsoft.com/office/drawing/2014/main" id="{B16612CE-F205-704B-A1A0-DA8AFE914EE0}"/>
+              </a:ext>
+            </a:extLst>
+          </p:cNvPr>
+          <p:cNvSpPr>
+            <a:spLocks noGrp="1"/>
+          </p:cNvSpPr>
+          <p:nvPr>
+            <p:ph type="sldNum" sz="quarter" idx="12"/>
+          </p:nvPr>
+        </p:nvSpPr>
+        <p:spPr/>
+        <p:txBody>
+          <a:bodyPr/>
+          <a:lstStyle/>
+          <a:p>
+            <a:fld id="{D57F1E4F-1CFF-5643-939E-02111984F565}" type="slidenum">
+              <a:rPr lang="en-US" smtClean="0"/>
+              <a:t>14</a:t>
+            </a:fld>
+            <a:endParaRPr lang="en-US" dirty="0"/>
+          </a:p>
+        </p:txBody>
+      </p:sp>
     </p:spTree>
     <p:extLst>
       <p:ext uri="{BB962C8B-B14F-4D97-AF65-F5344CB8AC3E}">
@@ -8842,6 +9725,35 @@
           </a:p>
         </p:txBody>
       </p:sp>
+      <p:sp>
+        <p:nvSpPr>
+          <p:cNvPr id="3" name="Slide Number Placeholder 2">
+            <a:extLst>
+              <a:ext uri="{FF2B5EF4-FFF2-40B4-BE49-F238E27FC236}">
+                <a16:creationId xmlns:a16="http://schemas.microsoft.com/office/drawing/2014/main" id="{079F9442-BDD5-664F-B683-5FEDE5D4DFC6}"/>
+              </a:ext>
+            </a:extLst>
+          </p:cNvPr>
+          <p:cNvSpPr>
+            <a:spLocks noGrp="1"/>
+          </p:cNvSpPr>
+          <p:nvPr>
+            <p:ph type="sldNum" sz="quarter" idx="12"/>
+          </p:nvPr>
+        </p:nvSpPr>
+        <p:spPr/>
+        <p:txBody>
+          <a:bodyPr/>
+          <a:lstStyle/>
+          <a:p>
+            <a:fld id="{D57F1E4F-1CFF-5643-939E-02111984F565}" type="slidenum">
+              <a:rPr lang="en-US" smtClean="0"/>
+              <a:t>15</a:t>
+            </a:fld>
+            <a:endParaRPr lang="en-US" dirty="0"/>
+          </a:p>
+        </p:txBody>
+      </p:sp>
     </p:spTree>
     <p:extLst>
       <p:ext uri="{BB962C8B-B14F-4D97-AF65-F5344CB8AC3E}">
@@ -9430,6 +10342,35 @@
             <a:endParaRPr lang="en-US" sz="2100" b="1" dirty="0">
               <a:latin typeface="Inconsolata" panose="020B0609030003000000" pitchFamily="49" charset="77"/>
             </a:endParaRPr>
+          </a:p>
+        </p:txBody>
+      </p:sp>
+      <p:sp>
+        <p:nvSpPr>
+          <p:cNvPr id="3" name="Slide Number Placeholder 2">
+            <a:extLst>
+              <a:ext uri="{FF2B5EF4-FFF2-40B4-BE49-F238E27FC236}">
+                <a16:creationId xmlns:a16="http://schemas.microsoft.com/office/drawing/2014/main" id="{EBA6D9F6-F879-B64D-A123-E8BD5ADAF5FF}"/>
+              </a:ext>
+            </a:extLst>
+          </p:cNvPr>
+          <p:cNvSpPr>
+            <a:spLocks noGrp="1"/>
+          </p:cNvSpPr>
+          <p:nvPr>
+            <p:ph type="sldNum" sz="quarter" idx="12"/>
+          </p:nvPr>
+        </p:nvSpPr>
+        <p:spPr/>
+        <p:txBody>
+          <a:bodyPr/>
+          <a:lstStyle/>
+          <a:p>
+            <a:fld id="{D57F1E4F-1CFF-5643-939E-02111984F565}" type="slidenum">
+              <a:rPr lang="en-US" smtClean="0"/>
+              <a:t>16</a:t>
+            </a:fld>
+            <a:endParaRPr lang="en-US" dirty="0"/>
           </a:p>
         </p:txBody>
       </p:sp>
@@ -9961,6 +10902,35 @@
           </a:p>
           <a:p>
             <a:endParaRPr lang="en-US" sz="2000" dirty="0"/>
+          </a:p>
+        </p:txBody>
+      </p:sp>
+      <p:sp>
+        <p:nvSpPr>
+          <p:cNvPr id="4" name="Slide Number Placeholder 3">
+            <a:extLst>
+              <a:ext uri="{FF2B5EF4-FFF2-40B4-BE49-F238E27FC236}">
+                <a16:creationId xmlns:a16="http://schemas.microsoft.com/office/drawing/2014/main" id="{9D9AD293-8923-2F42-8581-E79C1EA45B01}"/>
+              </a:ext>
+            </a:extLst>
+          </p:cNvPr>
+          <p:cNvSpPr>
+            <a:spLocks noGrp="1"/>
+          </p:cNvSpPr>
+          <p:nvPr>
+            <p:ph type="sldNum" sz="quarter" idx="12"/>
+          </p:nvPr>
+        </p:nvSpPr>
+        <p:spPr/>
+        <p:txBody>
+          <a:bodyPr/>
+          <a:lstStyle/>
+          <a:p>
+            <a:fld id="{D57F1E4F-1CFF-5643-939E-02111984F565}" type="slidenum">
+              <a:rPr lang="en-US" smtClean="0"/>
+              <a:t>17</a:t>
+            </a:fld>
+            <a:endParaRPr lang="en-US" dirty="0"/>
           </a:p>
         </p:txBody>
       </p:sp>
@@ -10655,6 +11625,35 @@
           </a:p>
         </p:txBody>
       </p:sp>
+      <p:sp>
+        <p:nvSpPr>
+          <p:cNvPr id="3" name="Slide Number Placeholder 2">
+            <a:extLst>
+              <a:ext uri="{FF2B5EF4-FFF2-40B4-BE49-F238E27FC236}">
+                <a16:creationId xmlns:a16="http://schemas.microsoft.com/office/drawing/2014/main" id="{3690ACAD-D471-614E-9143-D07140CF8606}"/>
+              </a:ext>
+            </a:extLst>
+          </p:cNvPr>
+          <p:cNvSpPr>
+            <a:spLocks noGrp="1"/>
+          </p:cNvSpPr>
+          <p:nvPr>
+            <p:ph type="sldNum" sz="quarter" idx="12"/>
+          </p:nvPr>
+        </p:nvSpPr>
+        <p:spPr/>
+        <p:txBody>
+          <a:bodyPr/>
+          <a:lstStyle/>
+          <a:p>
+            <a:fld id="{D57F1E4F-1CFF-5643-939E-02111984F565}" type="slidenum">
+              <a:rPr lang="en-US" smtClean="0"/>
+              <a:t>18</a:t>
+            </a:fld>
+            <a:endParaRPr lang="en-US" dirty="0"/>
+          </a:p>
+        </p:txBody>
+      </p:sp>
     </p:spTree>
     <p:extLst>
       <p:ext uri="{BB962C8B-B14F-4D97-AF65-F5344CB8AC3E}">
@@ -11235,6 +12234,35 @@
           </a:p>
         </p:txBody>
       </p:sp>
+      <p:sp>
+        <p:nvSpPr>
+          <p:cNvPr id="3" name="Slide Number Placeholder 2">
+            <a:extLst>
+              <a:ext uri="{FF2B5EF4-FFF2-40B4-BE49-F238E27FC236}">
+                <a16:creationId xmlns:a16="http://schemas.microsoft.com/office/drawing/2014/main" id="{72F8AA9C-740A-0B4D-9AD6-D531DA9B9312}"/>
+              </a:ext>
+            </a:extLst>
+          </p:cNvPr>
+          <p:cNvSpPr>
+            <a:spLocks noGrp="1"/>
+          </p:cNvSpPr>
+          <p:nvPr>
+            <p:ph type="sldNum" sz="quarter" idx="12"/>
+          </p:nvPr>
+        </p:nvSpPr>
+        <p:spPr/>
+        <p:txBody>
+          <a:bodyPr/>
+          <a:lstStyle/>
+          <a:p>
+            <a:fld id="{D57F1E4F-1CFF-5643-939E-02111984F565}" type="slidenum">
+              <a:rPr lang="en-US" smtClean="0"/>
+              <a:t>19</a:t>
+            </a:fld>
+            <a:endParaRPr lang="en-US" dirty="0"/>
+          </a:p>
+        </p:txBody>
+      </p:sp>
     </p:spTree>
     <p:extLst>
       <p:ext uri="{BB962C8B-B14F-4D97-AF65-F5344CB8AC3E}">
@@ -11641,6 +12669,35 @@
           </a:p>
         </p:txBody>
       </p:sp>
+      <p:sp>
+        <p:nvSpPr>
+          <p:cNvPr id="3" name="Slide Number Placeholder 2">
+            <a:extLst>
+              <a:ext uri="{FF2B5EF4-FFF2-40B4-BE49-F238E27FC236}">
+                <a16:creationId xmlns:a16="http://schemas.microsoft.com/office/drawing/2014/main" id="{BDC2059B-C28B-4640-BA06-033C10FB8E3F}"/>
+              </a:ext>
+            </a:extLst>
+          </p:cNvPr>
+          <p:cNvSpPr>
+            <a:spLocks noGrp="1"/>
+          </p:cNvSpPr>
+          <p:nvPr>
+            <p:ph type="sldNum" sz="quarter" idx="12"/>
+          </p:nvPr>
+        </p:nvSpPr>
+        <p:spPr/>
+        <p:txBody>
+          <a:bodyPr/>
+          <a:lstStyle/>
+          <a:p>
+            <a:fld id="{D57F1E4F-1CFF-5643-939E-02111984F565}" type="slidenum">
+              <a:rPr lang="en-US" smtClean="0"/>
+              <a:t>2</a:t>
+            </a:fld>
+            <a:endParaRPr lang="en-US" dirty="0"/>
+          </a:p>
+        </p:txBody>
+      </p:sp>
     </p:spTree>
     <p:extLst>
       <p:ext uri="{BB962C8B-B14F-4D97-AF65-F5344CB8AC3E}">
@@ -11973,12 +13030,6 @@
             </a:pPr>
             <a:r>
               <a:rPr lang="en-US" sz="1800" b="1" dirty="0">
-                <a:latin typeface="LucidaSansTypewriterStd"/>
-              </a:rPr>
-              <a:t> </a:t>
-            </a:r>
-            <a:r>
-              <a:rPr lang="en-US" sz="1800" b="1" dirty="0">
                 <a:solidFill>
                   <a:srgbClr val="193FFF"/>
                 </a:solidFill>
@@ -12295,6 +13346,35 @@
             </a:endParaRPr>
           </a:p>
           <a:p>
+            <a:endParaRPr lang="en-US" dirty="0"/>
+          </a:p>
+        </p:txBody>
+      </p:sp>
+      <p:sp>
+        <p:nvSpPr>
+          <p:cNvPr id="3" name="Slide Number Placeholder 2">
+            <a:extLst>
+              <a:ext uri="{FF2B5EF4-FFF2-40B4-BE49-F238E27FC236}">
+                <a16:creationId xmlns:a16="http://schemas.microsoft.com/office/drawing/2014/main" id="{71A391CE-3106-A64C-86FD-38D7AFDB1446}"/>
+              </a:ext>
+            </a:extLst>
+          </p:cNvPr>
+          <p:cNvSpPr>
+            <a:spLocks noGrp="1"/>
+          </p:cNvSpPr>
+          <p:nvPr>
+            <p:ph type="sldNum" sz="quarter" idx="12"/>
+          </p:nvPr>
+        </p:nvSpPr>
+        <p:spPr/>
+        <p:txBody>
+          <a:bodyPr/>
+          <a:lstStyle/>
+          <a:p>
+            <a:fld id="{D57F1E4F-1CFF-5643-939E-02111984F565}" type="slidenum">
+              <a:rPr lang="en-US" smtClean="0"/>
+              <a:t>20</a:t>
+            </a:fld>
             <a:endParaRPr lang="en-US" dirty="0"/>
           </a:p>
         </p:txBody>
@@ -13168,6 +14248,35 @@
           </a:p>
         </p:txBody>
       </p:sp>
+      <p:sp>
+        <p:nvSpPr>
+          <p:cNvPr id="3" name="Slide Number Placeholder 2">
+            <a:extLst>
+              <a:ext uri="{FF2B5EF4-FFF2-40B4-BE49-F238E27FC236}">
+                <a16:creationId xmlns:a16="http://schemas.microsoft.com/office/drawing/2014/main" id="{A6EC21DB-BE94-5A4E-B755-315F7F935D76}"/>
+              </a:ext>
+            </a:extLst>
+          </p:cNvPr>
+          <p:cNvSpPr>
+            <a:spLocks noGrp="1"/>
+          </p:cNvSpPr>
+          <p:nvPr>
+            <p:ph type="sldNum" sz="quarter" idx="12"/>
+          </p:nvPr>
+        </p:nvSpPr>
+        <p:spPr/>
+        <p:txBody>
+          <a:bodyPr/>
+          <a:lstStyle/>
+          <a:p>
+            <a:fld id="{D57F1E4F-1CFF-5643-939E-02111984F565}" type="slidenum">
+              <a:rPr lang="en-US" smtClean="0"/>
+              <a:t>21</a:t>
+            </a:fld>
+            <a:endParaRPr lang="en-US" dirty="0"/>
+          </a:p>
+        </p:txBody>
+      </p:sp>
     </p:spTree>
     <p:extLst>
       <p:ext uri="{BB962C8B-B14F-4D97-AF65-F5344CB8AC3E}">
@@ -13411,6 +14520,35 @@
             <a:endParaRPr lang="en-US" dirty="0">
               <a:latin typeface="Gill Sans MT" panose="020B0502020104020203" pitchFamily="34" charset="77"/>
             </a:endParaRPr>
+          </a:p>
+        </p:txBody>
+      </p:sp>
+      <p:sp>
+        <p:nvSpPr>
+          <p:cNvPr id="3" name="Slide Number Placeholder 2">
+            <a:extLst>
+              <a:ext uri="{FF2B5EF4-FFF2-40B4-BE49-F238E27FC236}">
+                <a16:creationId xmlns:a16="http://schemas.microsoft.com/office/drawing/2014/main" id="{E2921E85-92BD-2245-8705-A9D236339CAB}"/>
+              </a:ext>
+            </a:extLst>
+          </p:cNvPr>
+          <p:cNvSpPr>
+            <a:spLocks noGrp="1"/>
+          </p:cNvSpPr>
+          <p:nvPr>
+            <p:ph type="sldNum" sz="quarter" idx="12"/>
+          </p:nvPr>
+        </p:nvSpPr>
+        <p:spPr/>
+        <p:txBody>
+          <a:bodyPr/>
+          <a:lstStyle/>
+          <a:p>
+            <a:fld id="{D57F1E4F-1CFF-5643-939E-02111984F565}" type="slidenum">
+              <a:rPr lang="en-US" smtClean="0"/>
+              <a:t>3</a:t>
+            </a:fld>
+            <a:endParaRPr lang="en-US" dirty="0"/>
           </a:p>
         </p:txBody>
       </p:sp>
@@ -14095,6 +15233,35 @@
               </a:rPr>
               <a:t>and increment are at three different places.</a:t>
             </a:r>
+          </a:p>
+        </p:txBody>
+      </p:sp>
+      <p:sp>
+        <p:nvSpPr>
+          <p:cNvPr id="4" name="Slide Number Placeholder 3">
+            <a:extLst>
+              <a:ext uri="{FF2B5EF4-FFF2-40B4-BE49-F238E27FC236}">
+                <a16:creationId xmlns:a16="http://schemas.microsoft.com/office/drawing/2014/main" id="{D9791036-EBBC-1043-9CA9-F3A064B804DF}"/>
+              </a:ext>
+            </a:extLst>
+          </p:cNvPr>
+          <p:cNvSpPr>
+            <a:spLocks noGrp="1"/>
+          </p:cNvSpPr>
+          <p:nvPr>
+            <p:ph type="sldNum" sz="quarter" idx="12"/>
+          </p:nvPr>
+        </p:nvSpPr>
+        <p:spPr/>
+        <p:txBody>
+          <a:bodyPr/>
+          <a:lstStyle/>
+          <a:p>
+            <a:fld id="{D57F1E4F-1CFF-5643-939E-02111984F565}" type="slidenum">
+              <a:rPr lang="en-US" smtClean="0"/>
+              <a:t>4</a:t>
+            </a:fld>
+            <a:endParaRPr lang="en-US" dirty="0"/>
           </a:p>
         </p:txBody>
       </p:sp>
@@ -14846,6 +16013,35 @@
           </a:p>
         </p:txBody>
       </p:sp>
+      <p:sp>
+        <p:nvSpPr>
+          <p:cNvPr id="3" name="Slide Number Placeholder 2">
+            <a:extLst>
+              <a:ext uri="{FF2B5EF4-FFF2-40B4-BE49-F238E27FC236}">
+                <a16:creationId xmlns:a16="http://schemas.microsoft.com/office/drawing/2014/main" id="{08CC6065-403A-EE41-909D-293639D20DA3}"/>
+              </a:ext>
+            </a:extLst>
+          </p:cNvPr>
+          <p:cNvSpPr>
+            <a:spLocks noGrp="1"/>
+          </p:cNvSpPr>
+          <p:nvPr>
+            <p:ph type="sldNum" sz="quarter" idx="12"/>
+          </p:nvPr>
+        </p:nvSpPr>
+        <p:spPr/>
+        <p:txBody>
+          <a:bodyPr/>
+          <a:lstStyle/>
+          <a:p>
+            <a:fld id="{D57F1E4F-1CFF-5643-939E-02111984F565}" type="slidenum">
+              <a:rPr lang="en-US" smtClean="0"/>
+              <a:t>5</a:t>
+            </a:fld>
+            <a:endParaRPr lang="en-US" dirty="0"/>
+          </a:p>
+        </p:txBody>
+      </p:sp>
     </p:spTree>
     <p:extLst>
       <p:ext uri="{BB962C8B-B14F-4D97-AF65-F5344CB8AC3E}">
@@ -15252,12 +16448,36 @@
             </a:pPr>
             <a:r>
               <a:rPr lang="en-US" dirty="0"/>
-              <a:t>While loops are used for indefinite loops: loops where the number of iterations is unknown </a:t>
-            </a:r>
-            <a:r>
-              <a:rPr lang="en-US"/>
-              <a:t>in advance.  </a:t>
-            </a:r>
+              <a:t>While loops are used for indefinite loops: loops where the number of iterations is unknown in advance.  </a:t>
+            </a:r>
+          </a:p>
+        </p:txBody>
+      </p:sp>
+      <p:sp>
+        <p:nvSpPr>
+          <p:cNvPr id="3" name="Slide Number Placeholder 2">
+            <a:extLst>
+              <a:ext uri="{FF2B5EF4-FFF2-40B4-BE49-F238E27FC236}">
+                <a16:creationId xmlns:a16="http://schemas.microsoft.com/office/drawing/2014/main" id="{3EA68713-CEA0-764E-8333-024802A96FE5}"/>
+              </a:ext>
+            </a:extLst>
+          </p:cNvPr>
+          <p:cNvSpPr>
+            <a:spLocks noGrp="1"/>
+          </p:cNvSpPr>
+          <p:nvPr>
+            <p:ph type="sldNum" sz="quarter" idx="12"/>
+          </p:nvPr>
+        </p:nvSpPr>
+        <p:spPr/>
+        <p:txBody>
+          <a:bodyPr/>
+          <a:lstStyle/>
+          <a:p>
+            <a:fld id="{D57F1E4F-1CFF-5643-939E-02111984F565}" type="slidenum">
+              <a:rPr lang="en-US" smtClean="0"/>
+              <a:t>6</a:t>
+            </a:fld>
             <a:endParaRPr lang="en-US" dirty="0"/>
           </a:p>
         </p:txBody>
@@ -15272,6 +16492,85 @@
   <p:clrMapOvr>
     <a:masterClrMapping/>
   </p:clrMapOvr>
+  <p:timing>
+    <p:tnLst>
+      <p:par>
+        <p:cTn id="1" dur="indefinite" restart="never" nodeType="tmRoot">
+          <p:childTnLst>
+            <p:seq concurrent="1" nextAc="seek">
+              <p:cTn id="2" dur="indefinite" nodeType="mainSeq">
+                <p:childTnLst>
+                  <p:par>
+                    <p:cTn id="3" fill="hold">
+                      <p:stCondLst>
+                        <p:cond delay="indefinite"/>
+                      </p:stCondLst>
+                      <p:childTnLst>
+                        <p:par>
+                          <p:cTn id="4" fill="hold">
+                            <p:stCondLst>
+                              <p:cond delay="0"/>
+                            </p:stCondLst>
+                            <p:childTnLst>
+                              <p:par>
+                                <p:cTn id="5" presetID="1" presetClass="entr" presetSubtype="0" fill="hold" nodeType="clickEffect">
+                                  <p:stCondLst>
+                                    <p:cond delay="0"/>
+                                  </p:stCondLst>
+                                  <p:childTnLst>
+                                    <p:set>
+                                      <p:cBhvr>
+                                        <p:cTn id="6" dur="1" fill="hold">
+                                          <p:stCondLst>
+                                            <p:cond delay="0"/>
+                                          </p:stCondLst>
+                                        </p:cTn>
+                                        <p:tgtEl>
+                                          <p:spTgt spid="9">
+                                            <p:txEl>
+                                              <p:pRg st="4" end="4"/>
+                                            </p:txEl>
+                                          </p:spTgt>
+                                        </p:tgtEl>
+                                        <p:attrNameLst>
+                                          <p:attrName>style.visibility</p:attrName>
+                                        </p:attrNameLst>
+                                      </p:cBhvr>
+                                      <p:to>
+                                        <p:strVal val="visible"/>
+                                      </p:to>
+                                    </p:set>
+                                  </p:childTnLst>
+                                </p:cTn>
+                              </p:par>
+                            </p:childTnLst>
+                          </p:cTn>
+                        </p:par>
+                      </p:childTnLst>
+                    </p:cTn>
+                  </p:par>
+                </p:childTnLst>
+              </p:cTn>
+              <p:prevCondLst>
+                <p:cond evt="onPrev" delay="0">
+                  <p:tgtEl>
+                    <p:sldTgt/>
+                  </p:tgtEl>
+                </p:cond>
+              </p:prevCondLst>
+              <p:nextCondLst>
+                <p:cond evt="onNext" delay="0">
+                  <p:tgtEl>
+                    <p:sldTgt/>
+                  </p:tgtEl>
+                </p:cond>
+              </p:nextCondLst>
+            </p:seq>
+          </p:childTnLst>
+        </p:cTn>
+      </p:par>
+    </p:tnLst>
+  </p:timing>
 </p:sld>
 </file>
 
@@ -15410,7 +16709,7 @@
             <a:r>
               <a:rPr lang="en-US" sz="2000" b="1" dirty="0">
                 <a:solidFill>
-                  <a:srgbClr val="0CFF00"/>
+                  <a:srgbClr val="FF0000"/>
                 </a:solidFill>
                 <a:latin typeface="Inconsolata" panose="020B0609030003000000" pitchFamily="49" charset="77"/>
               </a:rPr>
@@ -15445,7 +16744,7 @@
             <a:r>
               <a:rPr lang="en-US" sz="2000" b="1" dirty="0">
                 <a:solidFill>
-                  <a:srgbClr val="0CFF00"/>
+                  <a:srgbClr val="FF0000"/>
                 </a:solidFill>
                 <a:latin typeface="Inconsolata" panose="020B0609030003000000" pitchFamily="49" charset="77"/>
               </a:rPr>
@@ -15523,7 +16822,7 @@
             <a:r>
               <a:rPr lang="en-US" sz="2000" b="1" dirty="0">
                 <a:solidFill>
-                  <a:srgbClr val="0CFF00"/>
+                  <a:srgbClr val="FF0000"/>
                 </a:solidFill>
                 <a:latin typeface="Inconsolata" panose="020B0609030003000000" pitchFamily="49" charset="77"/>
               </a:rPr>
@@ -15549,7 +16848,7 @@
             <a:r>
               <a:rPr lang="en-US" sz="2000" b="1" dirty="0">
                 <a:solidFill>
-                  <a:srgbClr val="0CFF00"/>
+                  <a:srgbClr val="FF0000"/>
                 </a:solidFill>
                 <a:latin typeface="Inconsolata" panose="020B0609030003000000" pitchFamily="49" charset="77"/>
               </a:rPr>
@@ -15588,6 +16887,35 @@
             <a:endParaRPr lang="en-US" dirty="0">
               <a:latin typeface="Gill Sans MT" panose="020B0502020104020203" pitchFamily="34" charset="77"/>
             </a:endParaRPr>
+          </a:p>
+        </p:txBody>
+      </p:sp>
+      <p:sp>
+        <p:nvSpPr>
+          <p:cNvPr id="3" name="Slide Number Placeholder 2">
+            <a:extLst>
+              <a:ext uri="{FF2B5EF4-FFF2-40B4-BE49-F238E27FC236}">
+                <a16:creationId xmlns:a16="http://schemas.microsoft.com/office/drawing/2014/main" id="{EC90FA93-9BA3-C942-ADC3-F78FED46447E}"/>
+              </a:ext>
+            </a:extLst>
+          </p:cNvPr>
+          <p:cNvSpPr>
+            <a:spLocks noGrp="1"/>
+          </p:cNvSpPr>
+          <p:nvPr>
+            <p:ph type="sldNum" sz="quarter" idx="12"/>
+          </p:nvPr>
+        </p:nvSpPr>
+        <p:spPr/>
+        <p:txBody>
+          <a:bodyPr/>
+          <a:lstStyle/>
+          <a:p>
+            <a:fld id="{D57F1E4F-1CFF-5643-939E-02111984F565}" type="slidenum">
+              <a:rPr lang="en-US" smtClean="0"/>
+              <a:t>7</a:t>
+            </a:fld>
+            <a:endParaRPr lang="en-US" dirty="0"/>
           </a:p>
         </p:txBody>
       </p:sp>
@@ -16065,7 +17393,7 @@
             <a:r>
               <a:rPr lang="en-US" sz="1800" b="1" dirty="0">
                 <a:solidFill>
-                  <a:srgbClr val="0CFF00"/>
+                  <a:srgbClr val="FF0000"/>
                 </a:solidFill>
                 <a:latin typeface="Inconsolata" panose="020B0609030003000000" pitchFamily="49" charset="77"/>
               </a:rPr>
@@ -16100,7 +17428,7 @@
             <a:r>
               <a:rPr lang="en-US" sz="1800" b="1" dirty="0">
                 <a:solidFill>
-                  <a:srgbClr val="0CFF00"/>
+                  <a:srgbClr val="FF0000"/>
                 </a:solidFill>
                 <a:latin typeface="Inconsolata" panose="020B0609030003000000" pitchFamily="49" charset="77"/>
               </a:rPr>
@@ -16178,7 +17506,7 @@
             <a:r>
               <a:rPr lang="en-US" sz="1800" b="1" dirty="0">
                 <a:solidFill>
-                  <a:srgbClr val="0CFF00"/>
+                  <a:srgbClr val="FF0000"/>
                 </a:solidFill>
                 <a:latin typeface="Inconsolata" panose="020B0609030003000000" pitchFamily="49" charset="77"/>
               </a:rPr>
@@ -16204,7 +17532,7 @@
             <a:r>
               <a:rPr lang="en-US" sz="1800" b="1" dirty="0">
                 <a:solidFill>
-                  <a:srgbClr val="0CFF00"/>
+                  <a:srgbClr val="FF0000"/>
                 </a:solidFill>
                 <a:latin typeface="Inconsolata" panose="020B0609030003000000" pitchFamily="49" charset="77"/>
               </a:rPr>
@@ -16335,6 +17663,35 @@
             <a:endParaRPr lang="en-US" dirty="0">
               <a:latin typeface="Gill Sans MT" panose="020B0502020104020203" pitchFamily="34" charset="77"/>
             </a:endParaRPr>
+          </a:p>
+        </p:txBody>
+      </p:sp>
+      <p:sp>
+        <p:nvSpPr>
+          <p:cNvPr id="3" name="Slide Number Placeholder 2">
+            <a:extLst>
+              <a:ext uri="{FF2B5EF4-FFF2-40B4-BE49-F238E27FC236}">
+                <a16:creationId xmlns:a16="http://schemas.microsoft.com/office/drawing/2014/main" id="{CC2FA81F-03BB-8F4F-850A-A518C2411A1F}"/>
+              </a:ext>
+            </a:extLst>
+          </p:cNvPr>
+          <p:cNvSpPr>
+            <a:spLocks noGrp="1"/>
+          </p:cNvSpPr>
+          <p:nvPr>
+            <p:ph type="sldNum" sz="quarter" idx="12"/>
+          </p:nvPr>
+        </p:nvSpPr>
+        <p:spPr/>
+        <p:txBody>
+          <a:bodyPr/>
+          <a:lstStyle/>
+          <a:p>
+            <a:fld id="{D57F1E4F-1CFF-5643-939E-02111984F565}" type="slidenum">
+              <a:rPr lang="en-US" smtClean="0"/>
+              <a:t>8</a:t>
+            </a:fld>
+            <a:endParaRPr lang="en-US" dirty="0"/>
           </a:p>
         </p:txBody>
       </p:sp>
@@ -16796,7 +18153,7 @@
             <a:r>
               <a:rPr lang="en-US" sz="2000" b="1" dirty="0">
                 <a:solidFill>
-                  <a:srgbClr val="0CFF00"/>
+                  <a:srgbClr val="FF0000"/>
                 </a:solidFill>
                 <a:latin typeface="Inconsolata" panose="020B0609030003000000" pitchFamily="49" charset="77"/>
               </a:rPr>
@@ -16831,7 +18188,7 @@
             <a:r>
               <a:rPr lang="en-US" sz="2000" b="1" dirty="0">
                 <a:solidFill>
-                  <a:srgbClr val="0CFF00"/>
+                  <a:srgbClr val="FF0000"/>
                 </a:solidFill>
                 <a:latin typeface="Inconsolata" panose="020B0609030003000000" pitchFamily="49" charset="77"/>
               </a:rPr>
@@ -16911,7 +18268,7 @@
             <a:r>
               <a:rPr lang="en-US" sz="2000" b="1" dirty="0">
                 <a:solidFill>
-                  <a:srgbClr val="0CFF00"/>
+                  <a:srgbClr val="FF0000"/>
                 </a:solidFill>
                 <a:latin typeface="Inconsolata" panose="020B0609030003000000" pitchFamily="49" charset="77"/>
               </a:rPr>
@@ -16939,6 +18296,35 @@
             <a:endParaRPr lang="en-US" dirty="0">
               <a:latin typeface="Gill Sans MT" panose="020B0502020104020203" pitchFamily="34" charset="77"/>
             </a:endParaRPr>
+          </a:p>
+        </p:txBody>
+      </p:sp>
+      <p:sp>
+        <p:nvSpPr>
+          <p:cNvPr id="3" name="Slide Number Placeholder 2">
+            <a:extLst>
+              <a:ext uri="{FF2B5EF4-FFF2-40B4-BE49-F238E27FC236}">
+                <a16:creationId xmlns:a16="http://schemas.microsoft.com/office/drawing/2014/main" id="{E6BB2C50-2D6D-3845-88A0-760C2F31B7F1}"/>
+              </a:ext>
+            </a:extLst>
+          </p:cNvPr>
+          <p:cNvSpPr>
+            <a:spLocks noGrp="1"/>
+          </p:cNvSpPr>
+          <p:nvPr>
+            <p:ph type="sldNum" sz="quarter" idx="12"/>
+          </p:nvPr>
+        </p:nvSpPr>
+        <p:spPr/>
+        <p:txBody>
+          <a:bodyPr/>
+          <a:lstStyle/>
+          <a:p>
+            <a:fld id="{D57F1E4F-1CFF-5643-939E-02111984F565}" type="slidenum">
+              <a:rPr lang="en-US" smtClean="0"/>
+              <a:t>9</a:t>
+            </a:fld>
+            <a:endParaRPr lang="en-US" dirty="0"/>
           </a:p>
         </p:txBody>
       </p:sp>
@@ -17604,4 +18990,299 @@
     </a:ext>
   </a:extLst>
 </a:theme>
+</file>
+
+<file path=ppt/theme/theme2.xml><?xml version="1.0" encoding="utf-8"?>
+<a:theme xmlns:a="http://schemas.openxmlformats.org/drawingml/2006/main" name="Office Theme">
+  <a:themeElements>
+    <a:clrScheme name="Office">
+      <a:dk1>
+        <a:sysClr val="windowText" lastClr="000000"/>
+      </a:dk1>
+      <a:lt1>
+        <a:sysClr val="window" lastClr="FFFFFF"/>
+      </a:lt1>
+      <a:dk2>
+        <a:srgbClr val="44546A"/>
+      </a:dk2>
+      <a:lt2>
+        <a:srgbClr val="E7E6E6"/>
+      </a:lt2>
+      <a:accent1>
+        <a:srgbClr val="4472C4"/>
+      </a:accent1>
+      <a:accent2>
+        <a:srgbClr val="ED7D31"/>
+      </a:accent2>
+      <a:accent3>
+        <a:srgbClr val="A5A5A5"/>
+      </a:accent3>
+      <a:accent4>
+        <a:srgbClr val="FFC000"/>
+      </a:accent4>
+      <a:accent5>
+        <a:srgbClr val="5B9BD5"/>
+      </a:accent5>
+      <a:accent6>
+        <a:srgbClr val="70AD47"/>
+      </a:accent6>
+      <a:hlink>
+        <a:srgbClr val="0563C1"/>
+      </a:hlink>
+      <a:folHlink>
+        <a:srgbClr val="954F72"/>
+      </a:folHlink>
+    </a:clrScheme>
+    <a:fontScheme name="Office">
+      <a:majorFont>
+        <a:latin typeface="Calibri Light" panose="020F0302020204030204"/>
+        <a:ea typeface=""/>
+        <a:cs typeface=""/>
+        <a:font script="Jpan" typeface="游ゴシック Light"/>
+        <a:font script="Hang" typeface="맑은 고딕"/>
+        <a:font script="Hans" typeface="等线 Light"/>
+        <a:font script="Hant" typeface="新細明體"/>
+        <a:font script="Arab" typeface="Times New Roman"/>
+        <a:font script="Hebr" typeface="Times New Roman"/>
+        <a:font script="Thai" typeface="Angsana New"/>
+        <a:font script="Ethi" typeface="Nyala"/>
+        <a:font script="Beng" typeface="Vrinda"/>
+        <a:font script="Gujr" typeface="Shruti"/>
+        <a:font script="Khmr" typeface="MoolBoran"/>
+        <a:font script="Knda" typeface="Tunga"/>
+        <a:font script="Guru" typeface="Raavi"/>
+        <a:font script="Cans" typeface="Euphemia"/>
+        <a:font script="Cher" typeface="Plantagenet Cherokee"/>
+        <a:font script="Yiii" typeface="Microsoft Yi Baiti"/>
+        <a:font script="Tibt" typeface="Microsoft Himalaya"/>
+        <a:font script="Thaa" typeface="MV Boli"/>
+        <a:font script="Deva" typeface="Mangal"/>
+        <a:font script="Telu" typeface="Gautami"/>
+        <a:font script="Taml" typeface="Latha"/>
+        <a:font script="Syrc" typeface="Estrangelo Edessa"/>
+        <a:font script="Orya" typeface="Kalinga"/>
+        <a:font script="Mlym" typeface="Kartika"/>
+        <a:font script="Laoo" typeface="DokChampa"/>
+        <a:font script="Sinh" typeface="Iskoola Pota"/>
+        <a:font script="Mong" typeface="Mongolian Baiti"/>
+        <a:font script="Viet" typeface="Times New Roman"/>
+        <a:font script="Uigh" typeface="Microsoft Uighur"/>
+        <a:font script="Geor" typeface="Sylfaen"/>
+        <a:font script="Armn" typeface="Arial"/>
+        <a:font script="Bugi" typeface="Leelawadee UI"/>
+        <a:font script="Bopo" typeface="Microsoft JhengHei"/>
+        <a:font script="Java" typeface="Javanese Text"/>
+        <a:font script="Lisu" typeface="Segoe UI"/>
+        <a:font script="Mymr" typeface="Myanmar Text"/>
+        <a:font script="Nkoo" typeface="Ebrima"/>
+        <a:font script="Olck" typeface="Nirmala UI"/>
+        <a:font script="Osma" typeface="Ebrima"/>
+        <a:font script="Phag" typeface="Phagspa"/>
+        <a:font script="Syrn" typeface="Estrangelo Edessa"/>
+        <a:font script="Syrj" typeface="Estrangelo Edessa"/>
+        <a:font script="Syre" typeface="Estrangelo Edessa"/>
+        <a:font script="Sora" typeface="Nirmala UI"/>
+        <a:font script="Tale" typeface="Microsoft Tai Le"/>
+        <a:font script="Talu" typeface="Microsoft New Tai Lue"/>
+        <a:font script="Tfng" typeface="Ebrima"/>
+      </a:majorFont>
+      <a:minorFont>
+        <a:latin typeface="Calibri" panose="020F0502020204030204"/>
+        <a:ea typeface=""/>
+        <a:cs typeface=""/>
+        <a:font script="Jpan" typeface="游ゴシック"/>
+        <a:font script="Hang" typeface="맑은 고딕"/>
+        <a:font script="Hans" typeface="等线"/>
+        <a:font script="Hant" typeface="新細明體"/>
+        <a:font script="Arab" typeface="Arial"/>
+        <a:font script="Hebr" typeface="Arial"/>
+        <a:font script="Thai" typeface="Cordia New"/>
+        <a:font script="Ethi" typeface="Nyala"/>
+        <a:font script="Beng" typeface="Vrinda"/>
+        <a:font script="Gujr" typeface="Shruti"/>
+        <a:font script="Khmr" typeface="DaunPenh"/>
+        <a:font script="Knda" typeface="Tunga"/>
+        <a:font script="Guru" typeface="Raavi"/>
+        <a:font script="Cans" typeface="Euphemia"/>
+        <a:font script="Cher" typeface="Plantagenet Cherokee"/>
+        <a:font script="Yiii" typeface="Microsoft Yi Baiti"/>
+        <a:font script="Tibt" typeface="Microsoft Himalaya"/>
+        <a:font script="Thaa" typeface="MV Boli"/>
+        <a:font script="Deva" typeface="Mangal"/>
+        <a:font script="Telu" typeface="Gautami"/>
+        <a:font script="Taml" typeface="Latha"/>
+        <a:font script="Syrc" typeface="Estrangelo Edessa"/>
+        <a:font script="Orya" typeface="Kalinga"/>
+        <a:font script="Mlym" typeface="Kartika"/>
+        <a:font script="Laoo" typeface="DokChampa"/>
+        <a:font script="Sinh" typeface="Iskoola Pota"/>
+        <a:font script="Mong" typeface="Mongolian Baiti"/>
+        <a:font script="Viet" typeface="Arial"/>
+        <a:font script="Uigh" typeface="Microsoft Uighur"/>
+        <a:font script="Geor" typeface="Sylfaen"/>
+        <a:font script="Armn" typeface="Arial"/>
+        <a:font script="Bugi" typeface="Leelawadee UI"/>
+        <a:font script="Bopo" typeface="Microsoft JhengHei"/>
+        <a:font script="Java" typeface="Javanese Text"/>
+        <a:font script="Lisu" typeface="Segoe UI"/>
+        <a:font script="Mymr" typeface="Myanmar Text"/>
+        <a:font script="Nkoo" typeface="Ebrima"/>
+        <a:font script="Olck" typeface="Nirmala UI"/>
+        <a:font script="Osma" typeface="Ebrima"/>
+        <a:font script="Phag" typeface="Phagspa"/>
+        <a:font script="Syrn" typeface="Estrangelo Edessa"/>
+        <a:font script="Syrj" typeface="Estrangelo Edessa"/>
+        <a:font script="Syre" typeface="Estrangelo Edessa"/>
+        <a:font script="Sora" typeface="Nirmala UI"/>
+        <a:font script="Tale" typeface="Microsoft Tai Le"/>
+        <a:font script="Talu" typeface="Microsoft New Tai Lue"/>
+        <a:font script="Tfng" typeface="Ebrima"/>
+      </a:minorFont>
+    </a:fontScheme>
+    <a:fmtScheme name="Office">
+      <a:fillStyleLst>
+        <a:solidFill>
+          <a:schemeClr val="phClr"/>
+        </a:solidFill>
+        <a:gradFill rotWithShape="1">
+          <a:gsLst>
+            <a:gs pos="0">
+              <a:schemeClr val="phClr">
+                <a:lumMod val="110000"/>
+                <a:satMod val="105000"/>
+                <a:tint val="67000"/>
+              </a:schemeClr>
+            </a:gs>
+            <a:gs pos="50000">
+              <a:schemeClr val="phClr">
+                <a:lumMod val="105000"/>
+                <a:satMod val="103000"/>
+                <a:tint val="73000"/>
+              </a:schemeClr>
+            </a:gs>
+            <a:gs pos="100000">
+              <a:schemeClr val="phClr">
+                <a:lumMod val="105000"/>
+                <a:satMod val="109000"/>
+                <a:tint val="81000"/>
+              </a:schemeClr>
+            </a:gs>
+          </a:gsLst>
+          <a:lin ang="5400000" scaled="0"/>
+        </a:gradFill>
+        <a:gradFill rotWithShape="1">
+          <a:gsLst>
+            <a:gs pos="0">
+              <a:schemeClr val="phClr">
+                <a:satMod val="103000"/>
+                <a:lumMod val="102000"/>
+                <a:tint val="94000"/>
+              </a:schemeClr>
+            </a:gs>
+            <a:gs pos="50000">
+              <a:schemeClr val="phClr">
+                <a:satMod val="110000"/>
+                <a:lumMod val="100000"/>
+                <a:shade val="100000"/>
+              </a:schemeClr>
+            </a:gs>
+            <a:gs pos="100000">
+              <a:schemeClr val="phClr">
+                <a:lumMod val="99000"/>
+                <a:satMod val="120000"/>
+                <a:shade val="78000"/>
+              </a:schemeClr>
+            </a:gs>
+          </a:gsLst>
+          <a:lin ang="5400000" scaled="0"/>
+        </a:gradFill>
+      </a:fillStyleLst>
+      <a:lnStyleLst>
+        <a:ln w="6350" cap="flat" cmpd="sng" algn="ctr">
+          <a:solidFill>
+            <a:schemeClr val="phClr"/>
+          </a:solidFill>
+          <a:prstDash val="solid"/>
+          <a:miter lim="800000"/>
+        </a:ln>
+        <a:ln w="12700" cap="flat" cmpd="sng" algn="ctr">
+          <a:solidFill>
+            <a:schemeClr val="phClr"/>
+          </a:solidFill>
+          <a:prstDash val="solid"/>
+          <a:miter lim="800000"/>
+        </a:ln>
+        <a:ln w="19050" cap="flat" cmpd="sng" algn="ctr">
+          <a:solidFill>
+            <a:schemeClr val="phClr"/>
+          </a:solidFill>
+          <a:prstDash val="solid"/>
+          <a:miter lim="800000"/>
+        </a:ln>
+      </a:lnStyleLst>
+      <a:effectStyleLst>
+        <a:effectStyle>
+          <a:effectLst/>
+        </a:effectStyle>
+        <a:effectStyle>
+          <a:effectLst/>
+        </a:effectStyle>
+        <a:effectStyle>
+          <a:effectLst>
+            <a:outerShdw blurRad="57150" dist="19050" dir="5400000" algn="ctr" rotWithShape="0">
+              <a:srgbClr val="000000">
+                <a:alpha val="63000"/>
+              </a:srgbClr>
+            </a:outerShdw>
+          </a:effectLst>
+        </a:effectStyle>
+      </a:effectStyleLst>
+      <a:bgFillStyleLst>
+        <a:solidFill>
+          <a:schemeClr val="phClr"/>
+        </a:solidFill>
+        <a:solidFill>
+          <a:schemeClr val="phClr">
+            <a:tint val="95000"/>
+            <a:satMod val="170000"/>
+          </a:schemeClr>
+        </a:solidFill>
+        <a:gradFill rotWithShape="1">
+          <a:gsLst>
+            <a:gs pos="0">
+              <a:schemeClr val="phClr">
+                <a:tint val="93000"/>
+                <a:satMod val="150000"/>
+                <a:shade val="98000"/>
+                <a:lumMod val="102000"/>
+              </a:schemeClr>
+            </a:gs>
+            <a:gs pos="50000">
+              <a:schemeClr val="phClr">
+                <a:tint val="98000"/>
+                <a:satMod val="130000"/>
+                <a:shade val="90000"/>
+                <a:lumMod val="103000"/>
+              </a:schemeClr>
+            </a:gs>
+            <a:gs pos="100000">
+              <a:schemeClr val="phClr">
+                <a:shade val="63000"/>
+                <a:satMod val="120000"/>
+              </a:schemeClr>
+            </a:gs>
+          </a:gsLst>
+          <a:lin ang="5400000" scaled="0"/>
+        </a:gradFill>
+      </a:bgFillStyleLst>
+    </a:fmtScheme>
+  </a:themeElements>
+  <a:objectDefaults/>
+  <a:extraClrSchemeLst/>
+  <a:extLst>
+    <a:ext uri="{05A4C25C-085E-4340-85A3-A5531E510DB2}">
+      <thm15:themeFamily xmlns:thm15="http://schemas.microsoft.com/office/thememl/2012/main" name="Office Theme" id="{62F939B6-93AF-4DB8-9C6B-D6C7DFDC589F}" vid="{4A3C46E8-61CC-4603-A589-7422A47A8E4A}"/>
+    </a:ext>
+  </a:extLst>
+</a:theme>
 </file>
--- a/courses/apcsp/lect8.pptx
+++ b/courses/apcsp/lect8.pptx
@@ -5,7 +5,7 @@
     <p:sldMasterId id="2147483791" r:id="rId1"/>
   </p:sldMasterIdLst>
   <p:notesMasterIdLst>
-    <p:notesMasterId r:id="rId23"/>
+    <p:notesMasterId r:id="rId25"/>
   </p:notesMasterIdLst>
   <p:sldIdLst>
     <p:sldId id="256" r:id="rId2"/>
@@ -24,11 +24,13 @@
     <p:sldId id="302" r:id="rId15"/>
     <p:sldId id="306" r:id="rId16"/>
     <p:sldId id="307" r:id="rId17"/>
-    <p:sldId id="334" r:id="rId18"/>
-    <p:sldId id="335" r:id="rId19"/>
-    <p:sldId id="325" r:id="rId20"/>
-    <p:sldId id="331" r:id="rId21"/>
-    <p:sldId id="316" r:id="rId22"/>
+    <p:sldId id="337" r:id="rId18"/>
+    <p:sldId id="334" r:id="rId19"/>
+    <p:sldId id="336" r:id="rId20"/>
+    <p:sldId id="335" r:id="rId21"/>
+    <p:sldId id="325" r:id="rId22"/>
+    <p:sldId id="331" r:id="rId23"/>
+    <p:sldId id="316" r:id="rId24"/>
   </p:sldIdLst>
   <p:sldSz cx="9144000" cy="5715000" type="screen16x10"/>
   <p:notesSz cx="6858000" cy="9144000"/>
@@ -138,7 +140,7 @@
 <file path=ppt/revisionInfo.xml><?xml version="1.0" encoding="utf-8"?>
 <p1510:revInfo xmlns:a="http://schemas.openxmlformats.org/drawingml/2006/main" xmlns:r="http://schemas.openxmlformats.org/officeDocument/2006/relationships" xmlns:p1510="http://schemas.microsoft.com/office/powerpoint/2015/10/main">
   <p1510:revLst>
-    <p1510:client id="{4F0F93AB-943A-FD4E-8DF3-2A5EF8EE30F9}" v="15" dt="2021-11-29T18:28:50.781"/>
+    <p1510:client id="{4F0F93AB-943A-FD4E-8DF3-2A5EF8EE30F9}" v="121" dt="2021-11-29T19:06:07.157"/>
   </p1510:revLst>
 </p1510:revInfo>
 </file>
@@ -147,8 +149,8 @@
 <pc:chgInfo xmlns:a="http://schemas.openxmlformats.org/drawingml/2006/main" xmlns:r="http://schemas.openxmlformats.org/officeDocument/2006/relationships" xmlns:ac="http://schemas.microsoft.com/office/drawing/2013/main/command" xmlns:pc="http://schemas.microsoft.com/office/powerpoint/2013/main/command">
   <pc:docChgLst>
     <pc:chgData name="Long B Nguyen" userId="f59fb8f3-a021-417a-8bc1-65c8d471c621" providerId="ADAL" clId="{4F0F93AB-943A-FD4E-8DF3-2A5EF8EE30F9}"/>
-    <pc:docChg chg="modSld">
-      <pc:chgData name="Long B Nguyen" userId="f59fb8f3-a021-417a-8bc1-65c8d471c621" providerId="ADAL" clId="{4F0F93AB-943A-FD4E-8DF3-2A5EF8EE30F9}" dt="2021-11-29T18:28:50.780" v="14" actId="207"/>
+    <pc:docChg chg="addSld modSld">
+      <pc:chgData name="Long B Nguyen" userId="f59fb8f3-a021-417a-8bc1-65c8d471c621" providerId="ADAL" clId="{4F0F93AB-943A-FD4E-8DF3-2A5EF8EE30F9}" dt="2021-11-29T19:06:07.156" v="159" actId="20577"/>
       <pc:docMkLst>
         <pc:docMk/>
       </pc:docMkLst>
@@ -512,6 +514,52 @@
             <pc:docMk/>
             <pc:sldMk cId="1205733451" sldId="335"/>
             <ac:spMk id="3" creationId="{3690ACAD-D471-614E-9143-D07140CF8606}"/>
+          </ac:spMkLst>
+        </pc:spChg>
+      </pc:sldChg>
+      <pc:sldChg chg="modSp add mod">
+        <pc:chgData name="Long B Nguyen" userId="f59fb8f3-a021-417a-8bc1-65c8d471c621" providerId="ADAL" clId="{4F0F93AB-943A-FD4E-8DF3-2A5EF8EE30F9}" dt="2021-11-29T19:06:07.156" v="159" actId="20577"/>
+        <pc:sldMkLst>
+          <pc:docMk/>
+          <pc:sldMk cId="3536550318" sldId="336"/>
+        </pc:sldMkLst>
+        <pc:spChg chg="mod">
+          <ac:chgData name="Long B Nguyen" userId="f59fb8f3-a021-417a-8bc1-65c8d471c621" providerId="ADAL" clId="{4F0F93AB-943A-FD4E-8DF3-2A5EF8EE30F9}" dt="2021-11-29T18:30:44.780" v="42" actId="20577"/>
+          <ac:spMkLst>
+            <pc:docMk/>
+            <pc:sldMk cId="3536550318" sldId="336"/>
+            <ac:spMk id="2" creationId="{AA3A228F-61D0-D949-A5E7-F83756230BF8}"/>
+          </ac:spMkLst>
+        </pc:spChg>
+        <pc:spChg chg="mod">
+          <ac:chgData name="Long B Nguyen" userId="f59fb8f3-a021-417a-8bc1-65c8d471c621" providerId="ADAL" clId="{4F0F93AB-943A-FD4E-8DF3-2A5EF8EE30F9}" dt="2021-11-29T19:06:07.156" v="159" actId="20577"/>
+          <ac:spMkLst>
+            <pc:docMk/>
+            <pc:sldMk cId="3536550318" sldId="336"/>
+            <ac:spMk id="9" creationId="{E3B2E017-30B2-884B-A113-B419A2ED51AD}"/>
+          </ac:spMkLst>
+        </pc:spChg>
+      </pc:sldChg>
+      <pc:sldChg chg="modSp add mod modAnim">
+        <pc:chgData name="Long B Nguyen" userId="f59fb8f3-a021-417a-8bc1-65c8d471c621" providerId="ADAL" clId="{4F0F93AB-943A-FD4E-8DF3-2A5EF8EE30F9}" dt="2021-11-29T18:33:31.535" v="151" actId="1036"/>
+        <pc:sldMkLst>
+          <pc:docMk/>
+          <pc:sldMk cId="278063722" sldId="337"/>
+        </pc:sldMkLst>
+        <pc:spChg chg="mod">
+          <ac:chgData name="Long B Nguyen" userId="f59fb8f3-a021-417a-8bc1-65c8d471c621" providerId="ADAL" clId="{4F0F93AB-943A-FD4E-8DF3-2A5EF8EE30F9}" dt="2021-11-29T18:33:31.535" v="151" actId="1036"/>
+          <ac:spMkLst>
+            <pc:docMk/>
+            <pc:sldMk cId="278063722" sldId="337"/>
+            <ac:spMk id="3" creationId="{48DA4FF1-142A-6D44-9986-344D8D8232A1}"/>
+          </ac:spMkLst>
+        </pc:spChg>
+        <pc:spChg chg="mod">
+          <ac:chgData name="Long B Nguyen" userId="f59fb8f3-a021-417a-8bc1-65c8d471c621" providerId="ADAL" clId="{4F0F93AB-943A-FD4E-8DF3-2A5EF8EE30F9}" dt="2021-11-29T18:33:26.464" v="139" actId="20577"/>
+          <ac:spMkLst>
+            <pc:docMk/>
+            <pc:sldMk cId="278063722" sldId="337"/>
+            <ac:spMk id="9" creationId="{E3B2E017-30B2-884B-A113-B419A2ED51AD}"/>
           </ac:spMkLst>
         </pc:spChg>
       </pc:sldChg>
@@ -10682,6 +10730,506 @@
             <a:pPr marL="0" indent="0">
               <a:buNone/>
             </a:pPr>
+            <a:endParaRPr lang="en-US" dirty="0">
+              <a:latin typeface="INCONSOLATA" panose="020B0609030003000000" pitchFamily="49" charset="77"/>
+            </a:endParaRPr>
+          </a:p>
+          <a:p>
+            <a:pPr marL="0" indent="0">
+              <a:buNone/>
+            </a:pPr>
+            <a:r>
+              <a:rPr lang="en-US" dirty="0">
+                <a:latin typeface="INCONSOLATA" panose="020B0609030003000000" pitchFamily="49" charset="77"/>
+              </a:rPr>
+              <a:t>list2d = [[1, 2, 5],</a:t>
+            </a:r>
+          </a:p>
+          <a:p>
+            <a:pPr marL="0" indent="0">
+              <a:buNone/>
+            </a:pPr>
+            <a:r>
+              <a:rPr lang="en-US" dirty="0">
+                <a:latin typeface="INCONSOLATA" panose="020B0609030003000000" pitchFamily="49" charset="77"/>
+              </a:rPr>
+              <a:t>		[3, -1, 6],</a:t>
+            </a:r>
+          </a:p>
+          <a:p>
+            <a:pPr marL="0" indent="0">
+              <a:buNone/>
+            </a:pPr>
+            <a:r>
+              <a:rPr lang="en-US" dirty="0">
+                <a:latin typeface="INCONSOLATA" panose="020B0609030003000000" pitchFamily="49" charset="77"/>
+              </a:rPr>
+              <a:t>		[10, 1, 0]]</a:t>
+            </a:r>
+          </a:p>
+          <a:p>
+            <a:pPr marL="0" indent="0">
+              <a:buNone/>
+            </a:pPr>
+            <a:r>
+              <a:rPr lang="en-US" b="1" dirty="0">
+                <a:latin typeface="Inconsolata" panose="020B0609030003000000" pitchFamily="49" charset="77"/>
+              </a:rPr>
+              <a:t>print(list2d[0])	# [1, 2, 5]</a:t>
+            </a:r>
+          </a:p>
+          <a:p>
+            <a:pPr marL="0" indent="0">
+              <a:buNone/>
+            </a:pPr>
+            <a:r>
+              <a:rPr lang="en-US" b="1" dirty="0">
+                <a:latin typeface="Inconsolata" panose="020B0609030003000000" pitchFamily="49" charset="77"/>
+              </a:rPr>
+              <a:t>print(list2d[0][1])	# 2</a:t>
+            </a:r>
+          </a:p>
+          <a:p>
+            <a:pPr marL="0" indent="0">
+              <a:buNone/>
+            </a:pPr>
+            <a:r>
+              <a:rPr lang="en-US" b="1" dirty="0">
+                <a:latin typeface="Inconsolata" panose="020B0609030003000000" pitchFamily="49" charset="77"/>
+              </a:rPr>
+              <a:t>print(list2d[2][0])	# 10</a:t>
+            </a:r>
+          </a:p>
+          <a:p>
+            <a:pPr marL="0" indent="0">
+              <a:buNone/>
+            </a:pPr>
+            <a:endParaRPr lang="en-US" b="1" dirty="0">
+              <a:latin typeface="Inconsolata" panose="020B0609030003000000" pitchFamily="49" charset="77"/>
+            </a:endParaRPr>
+          </a:p>
+          <a:p>
+            <a:pPr marL="0" indent="0">
+              <a:buNone/>
+            </a:pPr>
+            <a:endParaRPr lang="en-US" b="1" dirty="0">
+              <a:latin typeface="Inconsolata" panose="020B0609030003000000" pitchFamily="49" charset="77"/>
+            </a:endParaRPr>
+          </a:p>
+        </p:txBody>
+      </p:sp>
+      <p:sp>
+        <p:nvSpPr>
+          <p:cNvPr id="3" name="TextBox 2">
+            <a:extLst>
+              <a:ext uri="{FF2B5EF4-FFF2-40B4-BE49-F238E27FC236}">
+                <a16:creationId xmlns:a16="http://schemas.microsoft.com/office/drawing/2014/main" id="{48DA4FF1-142A-6D44-9986-344D8D8232A1}"/>
+              </a:ext>
+            </a:extLst>
+          </p:cNvPr>
+          <p:cNvSpPr txBox="1"/>
+          <p:nvPr/>
+        </p:nvSpPr>
+        <p:spPr>
+          <a:xfrm>
+            <a:off x="3610024" y="1681300"/>
+            <a:ext cx="5786322" cy="1015663"/>
+          </a:xfrm>
+          <a:prstGeom prst="rect">
+            <a:avLst/>
+          </a:prstGeom>
+          <a:noFill/>
+        </p:spPr>
+        <p:txBody>
+          <a:bodyPr wrap="square" rtlCol="0">
+            <a:spAutoFit/>
+          </a:bodyPr>
+          <a:lstStyle/>
+          <a:p>
+            <a:r>
+              <a:rPr lang="en-US" sz="2000" dirty="0">
+                <a:solidFill>
+                  <a:srgbClr val="FF0000"/>
+                </a:solidFill>
+              </a:rPr>
+              <a:t>Equivalently:</a:t>
+            </a:r>
+          </a:p>
+          <a:p>
+            <a:r>
+              <a:rPr lang="en-US" sz="2000" dirty="0">
+                <a:solidFill>
+                  <a:srgbClr val="FF0000"/>
+                </a:solidFill>
+                <a:latin typeface="INCONSOLATA" panose="020B0609030003000000" pitchFamily="49" charset="77"/>
+              </a:rPr>
+              <a:t>list2d = [[1, 2, 5],[3, -1, 6],[10, 1, 0]]</a:t>
+            </a:r>
+          </a:p>
+          <a:p>
+            <a:endParaRPr lang="en-US" sz="2000" dirty="0"/>
+          </a:p>
+        </p:txBody>
+      </p:sp>
+      <p:sp>
+        <p:nvSpPr>
+          <p:cNvPr id="4" name="Slide Number Placeholder 3">
+            <a:extLst>
+              <a:ext uri="{FF2B5EF4-FFF2-40B4-BE49-F238E27FC236}">
+                <a16:creationId xmlns:a16="http://schemas.microsoft.com/office/drawing/2014/main" id="{9D9AD293-8923-2F42-8581-E79C1EA45B01}"/>
+              </a:ext>
+            </a:extLst>
+          </p:cNvPr>
+          <p:cNvSpPr>
+            <a:spLocks noGrp="1"/>
+          </p:cNvSpPr>
+          <p:nvPr>
+            <p:ph type="sldNum" sz="quarter" idx="12"/>
+          </p:nvPr>
+        </p:nvSpPr>
+        <p:spPr/>
+        <p:txBody>
+          <a:bodyPr/>
+          <a:lstStyle/>
+          <a:p>
+            <a:fld id="{D57F1E4F-1CFF-5643-939E-02111984F565}" type="slidenum">
+              <a:rPr lang="en-US" smtClean="0"/>
+              <a:t>17</a:t>
+            </a:fld>
+            <a:endParaRPr lang="en-US" dirty="0"/>
+          </a:p>
+        </p:txBody>
+      </p:sp>
+    </p:spTree>
+    <p:extLst>
+      <p:ext uri="{BB962C8B-B14F-4D97-AF65-F5344CB8AC3E}">
+        <p14:creationId xmlns:p14="http://schemas.microsoft.com/office/powerpoint/2010/main" val="278063722"/>
+      </p:ext>
+    </p:extLst>
+  </p:cSld>
+  <p:clrMapOvr>
+    <a:masterClrMapping/>
+  </p:clrMapOvr>
+  <p:timing>
+    <p:tnLst>
+      <p:par>
+        <p:cTn id="1" dur="indefinite" restart="never" nodeType="tmRoot">
+          <p:childTnLst>
+            <p:seq concurrent="1" nextAc="seek">
+              <p:cTn id="2" dur="indefinite" nodeType="mainSeq">
+                <p:childTnLst>
+                  <p:par>
+                    <p:cTn id="3" fill="hold">
+                      <p:stCondLst>
+                        <p:cond delay="indefinite"/>
+                      </p:stCondLst>
+                      <p:childTnLst>
+                        <p:par>
+                          <p:cTn id="4" fill="hold">
+                            <p:stCondLst>
+                              <p:cond delay="0"/>
+                            </p:stCondLst>
+                            <p:childTnLst>
+                              <p:par>
+                                <p:cTn id="5" presetID="1" presetClass="entr" presetSubtype="0" fill="hold" grpId="0" nodeType="clickEffect">
+                                  <p:stCondLst>
+                                    <p:cond delay="0"/>
+                                  </p:stCondLst>
+                                  <p:childTnLst>
+                                    <p:set>
+                                      <p:cBhvr>
+                                        <p:cTn id="6" dur="1" fill="hold">
+                                          <p:stCondLst>
+                                            <p:cond delay="0"/>
+                                          </p:stCondLst>
+                                        </p:cTn>
+                                        <p:tgtEl>
+                                          <p:spTgt spid="3"/>
+                                        </p:tgtEl>
+                                        <p:attrNameLst>
+                                          <p:attrName>style.visibility</p:attrName>
+                                        </p:attrNameLst>
+                                      </p:cBhvr>
+                                      <p:to>
+                                        <p:strVal val="visible"/>
+                                      </p:to>
+                                    </p:set>
+                                  </p:childTnLst>
+                                </p:cTn>
+                              </p:par>
+                            </p:childTnLst>
+                          </p:cTn>
+                        </p:par>
+                      </p:childTnLst>
+                    </p:cTn>
+                  </p:par>
+                  <p:par>
+                    <p:cTn id="7" fill="hold">
+                      <p:stCondLst>
+                        <p:cond delay="indefinite"/>
+                      </p:stCondLst>
+                      <p:childTnLst>
+                        <p:par>
+                          <p:cTn id="8" fill="hold">
+                            <p:stCondLst>
+                              <p:cond delay="0"/>
+                            </p:stCondLst>
+                            <p:childTnLst>
+                              <p:par>
+                                <p:cTn id="9" presetID="1" presetClass="entr" presetSubtype="0" fill="hold" nodeType="clickEffect">
+                                  <p:stCondLst>
+                                    <p:cond delay="0"/>
+                                  </p:stCondLst>
+                                  <p:childTnLst>
+                                    <p:set>
+                                      <p:cBhvr>
+                                        <p:cTn id="10" dur="1" fill="hold">
+                                          <p:stCondLst>
+                                            <p:cond delay="0"/>
+                                          </p:stCondLst>
+                                        </p:cTn>
+                                        <p:tgtEl>
+                                          <p:spTgt spid="9">
+                                            <p:txEl>
+                                              <p:pRg st="5" end="5"/>
+                                            </p:txEl>
+                                          </p:spTgt>
+                                        </p:tgtEl>
+                                        <p:attrNameLst>
+                                          <p:attrName>style.visibility</p:attrName>
+                                        </p:attrNameLst>
+                                      </p:cBhvr>
+                                      <p:to>
+                                        <p:strVal val="visible"/>
+                                      </p:to>
+                                    </p:set>
+                                  </p:childTnLst>
+                                </p:cTn>
+                              </p:par>
+                            </p:childTnLst>
+                          </p:cTn>
+                        </p:par>
+                      </p:childTnLst>
+                    </p:cTn>
+                  </p:par>
+                  <p:par>
+                    <p:cTn id="11" fill="hold">
+                      <p:stCondLst>
+                        <p:cond delay="indefinite"/>
+                      </p:stCondLst>
+                      <p:childTnLst>
+                        <p:par>
+                          <p:cTn id="12" fill="hold">
+                            <p:stCondLst>
+                              <p:cond delay="0"/>
+                            </p:stCondLst>
+                            <p:childTnLst>
+                              <p:par>
+                                <p:cTn id="13" presetID="1" presetClass="entr" presetSubtype="0" fill="hold" nodeType="clickEffect">
+                                  <p:stCondLst>
+                                    <p:cond delay="0"/>
+                                  </p:stCondLst>
+                                  <p:childTnLst>
+                                    <p:set>
+                                      <p:cBhvr>
+                                        <p:cTn id="14" dur="1" fill="hold">
+                                          <p:stCondLst>
+                                            <p:cond delay="0"/>
+                                          </p:stCondLst>
+                                        </p:cTn>
+                                        <p:tgtEl>
+                                          <p:spTgt spid="9">
+                                            <p:txEl>
+                                              <p:pRg st="6" end="6"/>
+                                            </p:txEl>
+                                          </p:spTgt>
+                                        </p:tgtEl>
+                                        <p:attrNameLst>
+                                          <p:attrName>style.visibility</p:attrName>
+                                        </p:attrNameLst>
+                                      </p:cBhvr>
+                                      <p:to>
+                                        <p:strVal val="visible"/>
+                                      </p:to>
+                                    </p:set>
+                                  </p:childTnLst>
+                                </p:cTn>
+                              </p:par>
+                            </p:childTnLst>
+                          </p:cTn>
+                        </p:par>
+                      </p:childTnLst>
+                    </p:cTn>
+                  </p:par>
+                  <p:par>
+                    <p:cTn id="15" fill="hold">
+                      <p:stCondLst>
+                        <p:cond delay="indefinite"/>
+                      </p:stCondLst>
+                      <p:childTnLst>
+                        <p:par>
+                          <p:cTn id="16" fill="hold">
+                            <p:stCondLst>
+                              <p:cond delay="0"/>
+                            </p:stCondLst>
+                            <p:childTnLst>
+                              <p:par>
+                                <p:cTn id="17" presetID="1" presetClass="entr" presetSubtype="0" fill="hold" nodeType="clickEffect">
+                                  <p:stCondLst>
+                                    <p:cond delay="0"/>
+                                  </p:stCondLst>
+                                  <p:childTnLst>
+                                    <p:set>
+                                      <p:cBhvr>
+                                        <p:cTn id="18" dur="1" fill="hold">
+                                          <p:stCondLst>
+                                            <p:cond delay="0"/>
+                                          </p:stCondLst>
+                                        </p:cTn>
+                                        <p:tgtEl>
+                                          <p:spTgt spid="9">
+                                            <p:txEl>
+                                              <p:pRg st="7" end="7"/>
+                                            </p:txEl>
+                                          </p:spTgt>
+                                        </p:tgtEl>
+                                        <p:attrNameLst>
+                                          <p:attrName>style.visibility</p:attrName>
+                                        </p:attrNameLst>
+                                      </p:cBhvr>
+                                      <p:to>
+                                        <p:strVal val="visible"/>
+                                      </p:to>
+                                    </p:set>
+                                  </p:childTnLst>
+                                </p:cTn>
+                              </p:par>
+                            </p:childTnLst>
+                          </p:cTn>
+                        </p:par>
+                      </p:childTnLst>
+                    </p:cTn>
+                  </p:par>
+                </p:childTnLst>
+              </p:cTn>
+              <p:prevCondLst>
+                <p:cond evt="onPrev" delay="0">
+                  <p:tgtEl>
+                    <p:sldTgt/>
+                  </p:tgtEl>
+                </p:cond>
+              </p:prevCondLst>
+              <p:nextCondLst>
+                <p:cond evt="onNext" delay="0">
+                  <p:tgtEl>
+                    <p:sldTgt/>
+                  </p:tgtEl>
+                </p:cond>
+              </p:nextCondLst>
+            </p:seq>
+          </p:childTnLst>
+        </p:cTn>
+      </p:par>
+    </p:tnLst>
+    <p:bldLst>
+      <p:bldP spid="3" grpId="0"/>
+    </p:bldLst>
+  </p:timing>
+</p:sld>
+</file>
+
+<file path=ppt/slides/slide18.xml><?xml version="1.0" encoding="utf-8"?>
+<p:sld xmlns:a="http://schemas.openxmlformats.org/drawingml/2006/main" xmlns:r="http://schemas.openxmlformats.org/officeDocument/2006/relationships" xmlns:p="http://schemas.openxmlformats.org/presentationml/2006/main">
+  <p:cSld>
+    <p:spTree>
+      <p:nvGrpSpPr>
+        <p:cNvPr id="1" name=""/>
+        <p:cNvGrpSpPr/>
+        <p:nvPr/>
+      </p:nvGrpSpPr>
+      <p:grpSpPr>
+        <a:xfrm>
+          <a:off x="0" y="0"/>
+          <a:ext cx="0" cy="0"/>
+          <a:chOff x="0" y="0"/>
+          <a:chExt cx="0" cy="0"/>
+        </a:xfrm>
+      </p:grpSpPr>
+      <p:sp>
+        <p:nvSpPr>
+          <p:cNvPr id="2" name="Title 1">
+            <a:extLst>
+              <a:ext uri="{FF2B5EF4-FFF2-40B4-BE49-F238E27FC236}">
+                <a16:creationId xmlns:a16="http://schemas.microsoft.com/office/drawing/2014/main" id="{AA3A228F-61D0-D949-A5E7-F83756230BF8}"/>
+              </a:ext>
+            </a:extLst>
+          </p:cNvPr>
+          <p:cNvSpPr>
+            <a:spLocks noGrp="1"/>
+          </p:cNvSpPr>
+          <p:nvPr>
+            <p:ph type="title"/>
+          </p:nvPr>
+        </p:nvSpPr>
+        <p:spPr>
+          <a:xfrm>
+            <a:off x="170339" y="134008"/>
+            <a:ext cx="7053542" cy="683886"/>
+          </a:xfrm>
+        </p:spPr>
+        <p:txBody>
+          <a:bodyPr/>
+          <a:lstStyle/>
+          <a:p>
+            <a:r>
+              <a:rPr lang="en-US" dirty="0"/>
+              <a:t>Sum of 2D lists</a:t>
+            </a:r>
+          </a:p>
+        </p:txBody>
+      </p:sp>
+      <p:sp>
+        <p:nvSpPr>
+          <p:cNvPr id="9" name="Content Placeholder 8">
+            <a:extLst>
+              <a:ext uri="{FF2B5EF4-FFF2-40B4-BE49-F238E27FC236}">
+                <a16:creationId xmlns:a16="http://schemas.microsoft.com/office/drawing/2014/main" id="{E3B2E017-30B2-884B-A113-B419A2ED51AD}"/>
+              </a:ext>
+            </a:extLst>
+          </p:cNvPr>
+          <p:cNvSpPr>
+            <a:spLocks noGrp="1"/>
+          </p:cNvSpPr>
+          <p:nvPr>
+            <p:ph idx="1"/>
+          </p:nvPr>
+        </p:nvSpPr>
+        <p:spPr>
+          <a:xfrm>
+            <a:off x="170340" y="817895"/>
+            <a:ext cx="8365234" cy="4763098"/>
+          </a:xfrm>
+        </p:spPr>
+        <p:txBody>
+          <a:bodyPr>
+            <a:normAutofit/>
+          </a:bodyPr>
+          <a:lstStyle/>
+          <a:p>
+            <a:pPr marL="0" indent="0">
+              <a:buNone/>
+            </a:pPr>
+            <a:r>
+              <a:rPr lang="en-US" dirty="0">
+                <a:latin typeface="Gill Sans MT" panose="020B0502020104020203" pitchFamily="34" charset="77"/>
+              </a:rPr>
+              <a:t>A 2D list is a list of lists. </a:t>
+            </a:r>
+          </a:p>
+          <a:p>
+            <a:pPr marL="0" indent="0">
+              <a:buNone/>
+            </a:pPr>
             <a:r>
               <a:rPr lang="en-US" dirty="0">
                 <a:latin typeface="INCONSOLATA" panose="020B0609030003000000" pitchFamily="49" charset="77"/>
@@ -10928,7 +11476,7 @@
           <a:p>
             <a:fld id="{D57F1E4F-1CFF-5643-939E-02111984F565}" type="slidenum">
               <a:rPr lang="en-US" smtClean="0"/>
-              <a:t>17</a:t>
+              <a:t>18</a:t>
             </a:fld>
             <a:endParaRPr lang="en-US" dirty="0"/>
           </a:p>
@@ -11368,7 +11916,7 @@
 </p:sld>
 </file>
 
-<file path=ppt/slides/slide18.xml><?xml version="1.0" encoding="utf-8"?>
+<file path=ppt/slides/slide19.xml><?xml version="1.0" encoding="utf-8"?>
 <p:sld xmlns:a="http://schemas.openxmlformats.org/drawingml/2006/main" xmlns:r="http://schemas.openxmlformats.org/officeDocument/2006/relationships" xmlns:p="http://schemas.openxmlformats.org/presentationml/2006/main">
   <p:cSld>
     <p:spTree>
@@ -11413,7 +11961,7 @@
           <a:p>
             <a:r>
               <a:rPr lang="en-US" dirty="0"/>
-              <a:t>List of Students</a:t>
+              <a:t>Sum of 2D lists(Using Indices)</a:t>
             </a:r>
           </a:p>
         </p:txBody>
@@ -11451,6 +11999,1242 @@
             </a:pPr>
             <a:r>
               <a:rPr lang="en-US" dirty="0">
+                <a:latin typeface="Gill Sans MT" panose="020B0502020104020203" pitchFamily="34" charset="77"/>
+              </a:rPr>
+              <a:t>A 2D list is a list of lists. </a:t>
+            </a:r>
+          </a:p>
+          <a:p>
+            <a:pPr marL="0" indent="0">
+              <a:buNone/>
+            </a:pPr>
+            <a:r>
+              <a:rPr lang="en-US" dirty="0">
+                <a:latin typeface="INCONSOLATA" panose="020B0609030003000000" pitchFamily="49" charset="77"/>
+              </a:rPr>
+              <a:t>list2d = [[1, 2, 5],</a:t>
+            </a:r>
+          </a:p>
+          <a:p>
+            <a:pPr marL="0" indent="0">
+              <a:buNone/>
+            </a:pPr>
+            <a:r>
+              <a:rPr lang="en-US" dirty="0">
+                <a:latin typeface="INCONSOLATA" panose="020B0609030003000000" pitchFamily="49" charset="77"/>
+              </a:rPr>
+              <a:t>		[3, -1, 6],</a:t>
+            </a:r>
+          </a:p>
+          <a:p>
+            <a:pPr marL="0" indent="0">
+              <a:buNone/>
+            </a:pPr>
+            <a:r>
+              <a:rPr lang="en-US" dirty="0">
+                <a:latin typeface="INCONSOLATA" panose="020B0609030003000000" pitchFamily="49" charset="77"/>
+              </a:rPr>
+              <a:t>		[10, 1, 0]]</a:t>
+            </a:r>
+          </a:p>
+          <a:p>
+            <a:pPr marL="0" indent="0">
+              <a:buNone/>
+            </a:pPr>
+            <a:r>
+              <a:rPr lang="en-US" dirty="0">
+                <a:latin typeface="INCONSOLATA" panose="020B0609030003000000" pitchFamily="49" charset="77"/>
+              </a:rPr>
+              <a:t>sum = 0</a:t>
+            </a:r>
+          </a:p>
+          <a:p>
+            <a:pPr marL="0" indent="0">
+              <a:buNone/>
+            </a:pPr>
+            <a:r>
+              <a:rPr lang="en-US" b="1" dirty="0">
+                <a:solidFill>
+                  <a:srgbClr val="006699"/>
+                </a:solidFill>
+                <a:latin typeface="Inconsolata" panose="020B0609030003000000" pitchFamily="49" charset="77"/>
+              </a:rPr>
+              <a:t>for </a:t>
+            </a:r>
+            <a:r>
+              <a:rPr lang="en-US" b="1" dirty="0" err="1">
+                <a:solidFill>
+                  <a:srgbClr val="000087"/>
+                </a:solidFill>
+                <a:latin typeface="Inconsolata" panose="020B0609030003000000" pitchFamily="49" charset="77"/>
+              </a:rPr>
+              <a:t>i</a:t>
+            </a:r>
+            <a:r>
+              <a:rPr lang="en-US" b="1" dirty="0">
+                <a:solidFill>
+                  <a:srgbClr val="000087"/>
+                </a:solidFill>
+                <a:latin typeface="Inconsolata" panose="020B0609030003000000" pitchFamily="49" charset="77"/>
+              </a:rPr>
+              <a:t> </a:t>
+            </a:r>
+            <a:r>
+              <a:rPr lang="en-US" b="1" dirty="0">
+                <a:latin typeface="Inconsolata" panose="020B0609030003000000" pitchFamily="49" charset="77"/>
+              </a:rPr>
+              <a:t>in range(</a:t>
+            </a:r>
+            <a:r>
+              <a:rPr lang="en-US" b="1" dirty="0" err="1">
+                <a:latin typeface="Inconsolata" panose="020B0609030003000000" pitchFamily="49" charset="77"/>
+              </a:rPr>
+              <a:t>len</a:t>
+            </a:r>
+            <a:r>
+              <a:rPr lang="en-US" b="1" dirty="0">
+                <a:latin typeface="Inconsolata" panose="020B0609030003000000" pitchFamily="49" charset="77"/>
+              </a:rPr>
+              <a:t>(list2d)):</a:t>
+            </a:r>
+          </a:p>
+          <a:p>
+            <a:pPr marL="0" indent="0">
+              <a:buNone/>
+            </a:pPr>
+            <a:r>
+              <a:rPr lang="en-US" b="1" dirty="0">
+                <a:solidFill>
+                  <a:srgbClr val="FF6600"/>
+                </a:solidFill>
+                <a:latin typeface="Inconsolata" panose="020B0609030003000000" pitchFamily="49" charset="77"/>
+              </a:rPr>
+              <a:t>	</a:t>
+            </a:r>
+            <a:r>
+              <a:rPr lang="en-US" b="1" dirty="0">
+                <a:solidFill>
+                  <a:srgbClr val="006699"/>
+                </a:solidFill>
+                <a:latin typeface="Inconsolata" panose="020B0609030003000000" pitchFamily="49" charset="77"/>
+              </a:rPr>
+              <a:t>for j </a:t>
+            </a:r>
+            <a:r>
+              <a:rPr lang="en-US" b="1" dirty="0">
+                <a:latin typeface="Inconsolata" panose="020B0609030003000000" pitchFamily="49" charset="77"/>
+              </a:rPr>
+              <a:t>in range(</a:t>
+            </a:r>
+            <a:r>
+              <a:rPr lang="en-US" b="1" dirty="0" err="1">
+                <a:latin typeface="Inconsolata" panose="020B0609030003000000" pitchFamily="49" charset="77"/>
+              </a:rPr>
+              <a:t>len</a:t>
+            </a:r>
+            <a:r>
+              <a:rPr lang="en-US" b="1" dirty="0">
+                <a:latin typeface="Inconsolata" panose="020B0609030003000000" pitchFamily="49" charset="77"/>
+              </a:rPr>
+              <a:t>(list2d[</a:t>
+            </a:r>
+            <a:r>
+              <a:rPr lang="en-US" b="1" dirty="0" err="1">
+                <a:latin typeface="Inconsolata" panose="020B0609030003000000" pitchFamily="49" charset="77"/>
+              </a:rPr>
+              <a:t>i</a:t>
+            </a:r>
+            <a:r>
+              <a:rPr lang="en-US" b="1">
+                <a:latin typeface="Inconsolata" panose="020B0609030003000000" pitchFamily="49" charset="77"/>
+              </a:rPr>
+              <a:t>])): </a:t>
+            </a:r>
+            <a:endParaRPr lang="en-US" b="1" dirty="0">
+              <a:latin typeface="Inconsolata" panose="020B0609030003000000" pitchFamily="49" charset="77"/>
+            </a:endParaRPr>
+          </a:p>
+          <a:p>
+            <a:pPr marL="0" indent="0">
+              <a:buNone/>
+            </a:pPr>
+            <a:r>
+              <a:rPr lang="en-US" b="1" dirty="0">
+                <a:solidFill>
+                  <a:srgbClr val="006699"/>
+                </a:solidFill>
+                <a:latin typeface="Inconsolata" panose="020B0609030003000000" pitchFamily="49" charset="77"/>
+              </a:rPr>
+              <a:t>		sum += list2d[</a:t>
+            </a:r>
+            <a:r>
+              <a:rPr lang="en-US" b="1" dirty="0" err="1">
+                <a:solidFill>
+                  <a:srgbClr val="006699"/>
+                </a:solidFill>
+                <a:latin typeface="Inconsolata" panose="020B0609030003000000" pitchFamily="49" charset="77"/>
+              </a:rPr>
+              <a:t>i</a:t>
+            </a:r>
+            <a:r>
+              <a:rPr lang="en-US" b="1" dirty="0">
+                <a:solidFill>
+                  <a:srgbClr val="006699"/>
+                </a:solidFill>
+                <a:latin typeface="Inconsolata" panose="020B0609030003000000" pitchFamily="49" charset="77"/>
+              </a:rPr>
+              <a:t>][j]</a:t>
+            </a:r>
+            <a:endParaRPr lang="en-US" b="1" dirty="0">
+              <a:latin typeface="Inconsolata" panose="020B0609030003000000" pitchFamily="49" charset="77"/>
+            </a:endParaRPr>
+          </a:p>
+          <a:p>
+            <a:pPr marL="0" indent="0">
+              <a:buNone/>
+            </a:pPr>
+            <a:r>
+              <a:rPr lang="en-US" b="1" dirty="0">
+                <a:latin typeface="Inconsolata" panose="020B0609030003000000" pitchFamily="49" charset="77"/>
+              </a:rPr>
+              <a:t>print(sum)</a:t>
+            </a:r>
+          </a:p>
+          <a:p>
+            <a:pPr marL="0" indent="0">
+              <a:buNone/>
+            </a:pPr>
+            <a:endParaRPr lang="en-US" b="1" dirty="0">
+              <a:latin typeface="Inconsolata" panose="020B0609030003000000" pitchFamily="49" charset="77"/>
+            </a:endParaRPr>
+          </a:p>
+          <a:p>
+            <a:pPr marL="0" indent="0">
+              <a:buNone/>
+            </a:pPr>
+            <a:r>
+              <a:rPr lang="en-US" dirty="0">
+                <a:latin typeface="Gill Sans MT" panose="020B0502020104020203" pitchFamily="34" charset="77"/>
+              </a:rPr>
+              <a:t>Output:</a:t>
+            </a:r>
+          </a:p>
+          <a:p>
+            <a:pPr marL="0" indent="0">
+              <a:buNone/>
+            </a:pPr>
+            <a:r>
+              <a:rPr lang="en-US" dirty="0">
+                <a:latin typeface="Gill Sans MT" panose="020B0502020104020203" pitchFamily="34" charset="77"/>
+              </a:rPr>
+              <a:t>27</a:t>
+            </a:r>
+          </a:p>
+        </p:txBody>
+      </p:sp>
+      <p:sp>
+        <p:nvSpPr>
+          <p:cNvPr id="3" name="TextBox 2">
+            <a:extLst>
+              <a:ext uri="{FF2B5EF4-FFF2-40B4-BE49-F238E27FC236}">
+                <a16:creationId xmlns:a16="http://schemas.microsoft.com/office/drawing/2014/main" id="{48DA4FF1-142A-6D44-9986-344D8D8232A1}"/>
+              </a:ext>
+            </a:extLst>
+          </p:cNvPr>
+          <p:cNvSpPr txBox="1"/>
+          <p:nvPr/>
+        </p:nvSpPr>
+        <p:spPr>
+          <a:xfrm>
+            <a:off x="3610024" y="1166950"/>
+            <a:ext cx="5786322" cy="1015663"/>
+          </a:xfrm>
+          <a:prstGeom prst="rect">
+            <a:avLst/>
+          </a:prstGeom>
+          <a:noFill/>
+        </p:spPr>
+        <p:txBody>
+          <a:bodyPr wrap="square" rtlCol="0">
+            <a:spAutoFit/>
+          </a:bodyPr>
+          <a:lstStyle/>
+          <a:p>
+            <a:r>
+              <a:rPr lang="en-US" sz="2000" dirty="0">
+                <a:solidFill>
+                  <a:srgbClr val="FF0000"/>
+                </a:solidFill>
+              </a:rPr>
+              <a:t>Equivalently:</a:t>
+            </a:r>
+          </a:p>
+          <a:p>
+            <a:r>
+              <a:rPr lang="en-US" sz="2000" dirty="0">
+                <a:solidFill>
+                  <a:srgbClr val="FF0000"/>
+                </a:solidFill>
+                <a:latin typeface="INCONSOLATA" panose="020B0609030003000000" pitchFamily="49" charset="77"/>
+              </a:rPr>
+              <a:t>list2d = [[1, 2, 5],[3, -1, 6],[10, 1, 0]]</a:t>
+            </a:r>
+          </a:p>
+          <a:p>
+            <a:endParaRPr lang="en-US" sz="2000" dirty="0"/>
+          </a:p>
+        </p:txBody>
+      </p:sp>
+      <p:sp>
+        <p:nvSpPr>
+          <p:cNvPr id="4" name="Slide Number Placeholder 3">
+            <a:extLst>
+              <a:ext uri="{FF2B5EF4-FFF2-40B4-BE49-F238E27FC236}">
+                <a16:creationId xmlns:a16="http://schemas.microsoft.com/office/drawing/2014/main" id="{9D9AD293-8923-2F42-8581-E79C1EA45B01}"/>
+              </a:ext>
+            </a:extLst>
+          </p:cNvPr>
+          <p:cNvSpPr>
+            <a:spLocks noGrp="1"/>
+          </p:cNvSpPr>
+          <p:nvPr>
+            <p:ph type="sldNum" sz="quarter" idx="12"/>
+          </p:nvPr>
+        </p:nvSpPr>
+        <p:spPr/>
+        <p:txBody>
+          <a:bodyPr/>
+          <a:lstStyle/>
+          <a:p>
+            <a:fld id="{D57F1E4F-1CFF-5643-939E-02111984F565}" type="slidenum">
+              <a:rPr lang="en-US" smtClean="0"/>
+              <a:t>19</a:t>
+            </a:fld>
+            <a:endParaRPr lang="en-US" dirty="0"/>
+          </a:p>
+        </p:txBody>
+      </p:sp>
+    </p:spTree>
+    <p:extLst>
+      <p:ext uri="{BB962C8B-B14F-4D97-AF65-F5344CB8AC3E}">
+        <p14:creationId xmlns:p14="http://schemas.microsoft.com/office/powerpoint/2010/main" val="3536550318"/>
+      </p:ext>
+    </p:extLst>
+  </p:cSld>
+  <p:clrMapOvr>
+    <a:masterClrMapping/>
+  </p:clrMapOvr>
+  <p:timing>
+    <p:tnLst>
+      <p:par>
+        <p:cTn id="1" dur="indefinite" restart="never" nodeType="tmRoot">
+          <p:childTnLst>
+            <p:seq concurrent="1" nextAc="seek">
+              <p:cTn id="2" dur="indefinite" nodeType="mainSeq">
+                <p:childTnLst>
+                  <p:par>
+                    <p:cTn id="3" fill="hold">
+                      <p:stCondLst>
+                        <p:cond delay="indefinite"/>
+                      </p:stCondLst>
+                      <p:childTnLst>
+                        <p:par>
+                          <p:cTn id="4" fill="hold">
+                            <p:stCondLst>
+                              <p:cond delay="0"/>
+                            </p:stCondLst>
+                            <p:childTnLst>
+                              <p:par>
+                                <p:cTn id="5" presetID="1" presetClass="entr" presetSubtype="0" fill="hold" grpId="0" nodeType="clickEffect">
+                                  <p:stCondLst>
+                                    <p:cond delay="0"/>
+                                  </p:stCondLst>
+                                  <p:childTnLst>
+                                    <p:set>
+                                      <p:cBhvr>
+                                        <p:cTn id="6" dur="1" fill="hold">
+                                          <p:stCondLst>
+                                            <p:cond delay="0"/>
+                                          </p:stCondLst>
+                                        </p:cTn>
+                                        <p:tgtEl>
+                                          <p:spTgt spid="3"/>
+                                        </p:tgtEl>
+                                        <p:attrNameLst>
+                                          <p:attrName>style.visibility</p:attrName>
+                                        </p:attrNameLst>
+                                      </p:cBhvr>
+                                      <p:to>
+                                        <p:strVal val="visible"/>
+                                      </p:to>
+                                    </p:set>
+                                  </p:childTnLst>
+                                </p:cTn>
+                              </p:par>
+                            </p:childTnLst>
+                          </p:cTn>
+                        </p:par>
+                      </p:childTnLst>
+                    </p:cTn>
+                  </p:par>
+                  <p:par>
+                    <p:cTn id="7" fill="hold">
+                      <p:stCondLst>
+                        <p:cond delay="indefinite"/>
+                      </p:stCondLst>
+                      <p:childTnLst>
+                        <p:par>
+                          <p:cTn id="8" fill="hold">
+                            <p:stCondLst>
+                              <p:cond delay="0"/>
+                            </p:stCondLst>
+                            <p:childTnLst>
+                              <p:par>
+                                <p:cTn id="9" presetID="1" presetClass="entr" presetSubtype="0" fill="hold" nodeType="clickEffect">
+                                  <p:stCondLst>
+                                    <p:cond delay="0"/>
+                                  </p:stCondLst>
+                                  <p:childTnLst>
+                                    <p:set>
+                                      <p:cBhvr>
+                                        <p:cTn id="10" dur="1" fill="hold">
+                                          <p:stCondLst>
+                                            <p:cond delay="0"/>
+                                          </p:stCondLst>
+                                        </p:cTn>
+                                        <p:tgtEl>
+                                          <p:spTgt spid="9">
+                                            <p:txEl>
+                                              <p:pRg st="4" end="4"/>
+                                            </p:txEl>
+                                          </p:spTgt>
+                                        </p:tgtEl>
+                                        <p:attrNameLst>
+                                          <p:attrName>style.visibility</p:attrName>
+                                        </p:attrNameLst>
+                                      </p:cBhvr>
+                                      <p:to>
+                                        <p:strVal val="visible"/>
+                                      </p:to>
+                                    </p:set>
+                                  </p:childTnLst>
+                                </p:cTn>
+                              </p:par>
+                            </p:childTnLst>
+                          </p:cTn>
+                        </p:par>
+                      </p:childTnLst>
+                    </p:cTn>
+                  </p:par>
+                  <p:par>
+                    <p:cTn id="11" fill="hold">
+                      <p:stCondLst>
+                        <p:cond delay="indefinite"/>
+                      </p:stCondLst>
+                      <p:childTnLst>
+                        <p:par>
+                          <p:cTn id="12" fill="hold">
+                            <p:stCondLst>
+                              <p:cond delay="0"/>
+                            </p:stCondLst>
+                            <p:childTnLst>
+                              <p:par>
+                                <p:cTn id="13" presetID="1" presetClass="entr" presetSubtype="0" fill="hold" nodeType="clickEffect">
+                                  <p:stCondLst>
+                                    <p:cond delay="0"/>
+                                  </p:stCondLst>
+                                  <p:childTnLst>
+                                    <p:set>
+                                      <p:cBhvr>
+                                        <p:cTn id="14" dur="1" fill="hold">
+                                          <p:stCondLst>
+                                            <p:cond delay="0"/>
+                                          </p:stCondLst>
+                                        </p:cTn>
+                                        <p:tgtEl>
+                                          <p:spTgt spid="9">
+                                            <p:txEl>
+                                              <p:pRg st="5" end="5"/>
+                                            </p:txEl>
+                                          </p:spTgt>
+                                        </p:tgtEl>
+                                        <p:attrNameLst>
+                                          <p:attrName>style.visibility</p:attrName>
+                                        </p:attrNameLst>
+                                      </p:cBhvr>
+                                      <p:to>
+                                        <p:strVal val="visible"/>
+                                      </p:to>
+                                    </p:set>
+                                  </p:childTnLst>
+                                </p:cTn>
+                              </p:par>
+                            </p:childTnLst>
+                          </p:cTn>
+                        </p:par>
+                      </p:childTnLst>
+                    </p:cTn>
+                  </p:par>
+                  <p:par>
+                    <p:cTn id="15" fill="hold">
+                      <p:stCondLst>
+                        <p:cond delay="indefinite"/>
+                      </p:stCondLst>
+                      <p:childTnLst>
+                        <p:par>
+                          <p:cTn id="16" fill="hold">
+                            <p:stCondLst>
+                              <p:cond delay="0"/>
+                            </p:stCondLst>
+                            <p:childTnLst>
+                              <p:par>
+                                <p:cTn id="17" presetID="1" presetClass="entr" presetSubtype="0" fill="hold" nodeType="clickEffect">
+                                  <p:stCondLst>
+                                    <p:cond delay="0"/>
+                                  </p:stCondLst>
+                                  <p:childTnLst>
+                                    <p:set>
+                                      <p:cBhvr>
+                                        <p:cTn id="18" dur="1" fill="hold">
+                                          <p:stCondLst>
+                                            <p:cond delay="0"/>
+                                          </p:stCondLst>
+                                        </p:cTn>
+                                        <p:tgtEl>
+                                          <p:spTgt spid="9">
+                                            <p:txEl>
+                                              <p:pRg st="6" end="6"/>
+                                            </p:txEl>
+                                          </p:spTgt>
+                                        </p:tgtEl>
+                                        <p:attrNameLst>
+                                          <p:attrName>style.visibility</p:attrName>
+                                        </p:attrNameLst>
+                                      </p:cBhvr>
+                                      <p:to>
+                                        <p:strVal val="visible"/>
+                                      </p:to>
+                                    </p:set>
+                                  </p:childTnLst>
+                                </p:cTn>
+                              </p:par>
+                            </p:childTnLst>
+                          </p:cTn>
+                        </p:par>
+                      </p:childTnLst>
+                    </p:cTn>
+                  </p:par>
+                  <p:par>
+                    <p:cTn id="19" fill="hold">
+                      <p:stCondLst>
+                        <p:cond delay="indefinite"/>
+                      </p:stCondLst>
+                      <p:childTnLst>
+                        <p:par>
+                          <p:cTn id="20" fill="hold">
+                            <p:stCondLst>
+                              <p:cond delay="0"/>
+                            </p:stCondLst>
+                            <p:childTnLst>
+                              <p:par>
+                                <p:cTn id="21" presetID="1" presetClass="entr" presetSubtype="0" fill="hold" nodeType="clickEffect">
+                                  <p:stCondLst>
+                                    <p:cond delay="0"/>
+                                  </p:stCondLst>
+                                  <p:childTnLst>
+                                    <p:set>
+                                      <p:cBhvr>
+                                        <p:cTn id="22" dur="1" fill="hold">
+                                          <p:stCondLst>
+                                            <p:cond delay="0"/>
+                                          </p:stCondLst>
+                                        </p:cTn>
+                                        <p:tgtEl>
+                                          <p:spTgt spid="9">
+                                            <p:txEl>
+                                              <p:pRg st="7" end="7"/>
+                                            </p:txEl>
+                                          </p:spTgt>
+                                        </p:tgtEl>
+                                        <p:attrNameLst>
+                                          <p:attrName>style.visibility</p:attrName>
+                                        </p:attrNameLst>
+                                      </p:cBhvr>
+                                      <p:to>
+                                        <p:strVal val="visible"/>
+                                      </p:to>
+                                    </p:set>
+                                  </p:childTnLst>
+                                </p:cTn>
+                              </p:par>
+                            </p:childTnLst>
+                          </p:cTn>
+                        </p:par>
+                      </p:childTnLst>
+                    </p:cTn>
+                  </p:par>
+                  <p:par>
+                    <p:cTn id="23" fill="hold">
+                      <p:stCondLst>
+                        <p:cond delay="indefinite"/>
+                      </p:stCondLst>
+                      <p:childTnLst>
+                        <p:par>
+                          <p:cTn id="24" fill="hold">
+                            <p:stCondLst>
+                              <p:cond delay="0"/>
+                            </p:stCondLst>
+                            <p:childTnLst>
+                              <p:par>
+                                <p:cTn id="25" presetID="1" presetClass="entr" presetSubtype="0" fill="hold" nodeType="clickEffect">
+                                  <p:stCondLst>
+                                    <p:cond delay="0"/>
+                                  </p:stCondLst>
+                                  <p:childTnLst>
+                                    <p:set>
+                                      <p:cBhvr>
+                                        <p:cTn id="26" dur="1" fill="hold">
+                                          <p:stCondLst>
+                                            <p:cond delay="0"/>
+                                          </p:stCondLst>
+                                        </p:cTn>
+                                        <p:tgtEl>
+                                          <p:spTgt spid="9">
+                                            <p:txEl>
+                                              <p:pRg st="8" end="8"/>
+                                            </p:txEl>
+                                          </p:spTgt>
+                                        </p:tgtEl>
+                                        <p:attrNameLst>
+                                          <p:attrName>style.visibility</p:attrName>
+                                        </p:attrNameLst>
+                                      </p:cBhvr>
+                                      <p:to>
+                                        <p:strVal val="visible"/>
+                                      </p:to>
+                                    </p:set>
+                                  </p:childTnLst>
+                                </p:cTn>
+                              </p:par>
+                            </p:childTnLst>
+                          </p:cTn>
+                        </p:par>
+                      </p:childTnLst>
+                    </p:cTn>
+                  </p:par>
+                  <p:par>
+                    <p:cTn id="27" fill="hold">
+                      <p:stCondLst>
+                        <p:cond delay="indefinite"/>
+                      </p:stCondLst>
+                      <p:childTnLst>
+                        <p:par>
+                          <p:cTn id="28" fill="hold">
+                            <p:stCondLst>
+                              <p:cond delay="0"/>
+                            </p:stCondLst>
+                            <p:childTnLst>
+                              <p:par>
+                                <p:cTn id="29" presetID="1" presetClass="entr" presetSubtype="0" fill="hold" nodeType="clickEffect">
+                                  <p:stCondLst>
+                                    <p:cond delay="0"/>
+                                  </p:stCondLst>
+                                  <p:childTnLst>
+                                    <p:set>
+                                      <p:cBhvr>
+                                        <p:cTn id="30" dur="1" fill="hold">
+                                          <p:stCondLst>
+                                            <p:cond delay="0"/>
+                                          </p:stCondLst>
+                                        </p:cTn>
+                                        <p:tgtEl>
+                                          <p:spTgt spid="9">
+                                            <p:txEl>
+                                              <p:pRg st="10" end="10"/>
+                                            </p:txEl>
+                                          </p:spTgt>
+                                        </p:tgtEl>
+                                        <p:attrNameLst>
+                                          <p:attrName>style.visibility</p:attrName>
+                                        </p:attrNameLst>
+                                      </p:cBhvr>
+                                      <p:to>
+                                        <p:strVal val="visible"/>
+                                      </p:to>
+                                    </p:set>
+                                  </p:childTnLst>
+                                </p:cTn>
+                              </p:par>
+                            </p:childTnLst>
+                          </p:cTn>
+                        </p:par>
+                      </p:childTnLst>
+                    </p:cTn>
+                  </p:par>
+                  <p:par>
+                    <p:cTn id="31" fill="hold">
+                      <p:stCondLst>
+                        <p:cond delay="indefinite"/>
+                      </p:stCondLst>
+                      <p:childTnLst>
+                        <p:par>
+                          <p:cTn id="32" fill="hold">
+                            <p:stCondLst>
+                              <p:cond delay="0"/>
+                            </p:stCondLst>
+                            <p:childTnLst>
+                              <p:par>
+                                <p:cTn id="33" presetID="1" presetClass="entr" presetSubtype="0" fill="hold" nodeType="clickEffect">
+                                  <p:stCondLst>
+                                    <p:cond delay="0"/>
+                                  </p:stCondLst>
+                                  <p:childTnLst>
+                                    <p:set>
+                                      <p:cBhvr>
+                                        <p:cTn id="34" dur="1" fill="hold">
+                                          <p:stCondLst>
+                                            <p:cond delay="0"/>
+                                          </p:stCondLst>
+                                        </p:cTn>
+                                        <p:tgtEl>
+                                          <p:spTgt spid="9">
+                                            <p:txEl>
+                                              <p:pRg st="11" end="11"/>
+                                            </p:txEl>
+                                          </p:spTgt>
+                                        </p:tgtEl>
+                                        <p:attrNameLst>
+                                          <p:attrName>style.visibility</p:attrName>
+                                        </p:attrNameLst>
+                                      </p:cBhvr>
+                                      <p:to>
+                                        <p:strVal val="visible"/>
+                                      </p:to>
+                                    </p:set>
+                                  </p:childTnLst>
+                                </p:cTn>
+                              </p:par>
+                            </p:childTnLst>
+                          </p:cTn>
+                        </p:par>
+                      </p:childTnLst>
+                    </p:cTn>
+                  </p:par>
+                </p:childTnLst>
+              </p:cTn>
+              <p:prevCondLst>
+                <p:cond evt="onPrev" delay="0">
+                  <p:tgtEl>
+                    <p:sldTgt/>
+                  </p:tgtEl>
+                </p:cond>
+              </p:prevCondLst>
+              <p:nextCondLst>
+                <p:cond evt="onNext" delay="0">
+                  <p:tgtEl>
+                    <p:sldTgt/>
+                  </p:tgtEl>
+                </p:cond>
+              </p:nextCondLst>
+            </p:seq>
+          </p:childTnLst>
+        </p:cTn>
+      </p:par>
+    </p:tnLst>
+    <p:bldLst>
+      <p:bldP spid="3" grpId="0"/>
+    </p:bldLst>
+  </p:timing>
+</p:sld>
+</file>
+
+<file path=ppt/slides/slide2.xml><?xml version="1.0" encoding="utf-8"?>
+<p:sld xmlns:a="http://schemas.openxmlformats.org/drawingml/2006/main" xmlns:r="http://schemas.openxmlformats.org/officeDocument/2006/relationships" xmlns:p="http://schemas.openxmlformats.org/presentationml/2006/main">
+  <p:cSld>
+    <p:spTree>
+      <p:nvGrpSpPr>
+        <p:cNvPr id="1" name=""/>
+        <p:cNvGrpSpPr/>
+        <p:nvPr/>
+      </p:nvGrpSpPr>
+      <p:grpSpPr>
+        <a:xfrm>
+          <a:off x="0" y="0"/>
+          <a:ext cx="0" cy="0"/>
+          <a:chOff x="0" y="0"/>
+          <a:chExt cx="0" cy="0"/>
+        </a:xfrm>
+      </p:grpSpPr>
+      <p:sp>
+        <p:nvSpPr>
+          <p:cNvPr id="2" name="Title 1">
+            <a:extLst>
+              <a:ext uri="{FF2B5EF4-FFF2-40B4-BE49-F238E27FC236}">
+                <a16:creationId xmlns:a16="http://schemas.microsoft.com/office/drawing/2014/main" id="{AA3A228F-61D0-D949-A5E7-F83756230BF8}"/>
+              </a:ext>
+            </a:extLst>
+          </p:cNvPr>
+          <p:cNvSpPr>
+            <a:spLocks noGrp="1"/>
+          </p:cNvSpPr>
+          <p:nvPr>
+            <p:ph type="title"/>
+          </p:nvPr>
+        </p:nvSpPr>
+        <p:spPr>
+          <a:xfrm>
+            <a:off x="169682" y="134007"/>
+            <a:ext cx="7053542" cy="683886"/>
+          </a:xfrm>
+        </p:spPr>
+        <p:txBody>
+          <a:bodyPr/>
+          <a:lstStyle/>
+          <a:p>
+            <a:r>
+              <a:rPr lang="en-US" dirty="0"/>
+              <a:t>Indefinite Loop</a:t>
+            </a:r>
+          </a:p>
+        </p:txBody>
+      </p:sp>
+      <p:sp>
+        <p:nvSpPr>
+          <p:cNvPr id="9" name="Content Placeholder 8">
+            <a:extLst>
+              <a:ext uri="{FF2B5EF4-FFF2-40B4-BE49-F238E27FC236}">
+                <a16:creationId xmlns:a16="http://schemas.microsoft.com/office/drawing/2014/main" id="{E3B2E017-30B2-884B-A113-B419A2ED51AD}"/>
+              </a:ext>
+            </a:extLst>
+          </p:cNvPr>
+          <p:cNvSpPr>
+            <a:spLocks noGrp="1"/>
+          </p:cNvSpPr>
+          <p:nvPr>
+            <p:ph idx="1"/>
+          </p:nvPr>
+        </p:nvSpPr>
+        <p:spPr>
+          <a:xfrm>
+            <a:off x="169682" y="1007165"/>
+            <a:ext cx="8804636" cy="4573828"/>
+          </a:xfrm>
+        </p:spPr>
+        <p:txBody>
+          <a:bodyPr>
+            <a:normAutofit/>
+          </a:bodyPr>
+          <a:lstStyle/>
+          <a:p>
+            <a:pPr marL="0" indent="0">
+              <a:buNone/>
+            </a:pPr>
+            <a:r>
+              <a:rPr lang="en-US" dirty="0"/>
+              <a:t>A </a:t>
+            </a:r>
+            <a:r>
+              <a:rPr lang="en-US" b="1" dirty="0"/>
+              <a:t>for </a:t>
+            </a:r>
+            <a:r>
+              <a:rPr lang="en-US" dirty="0"/>
+              <a:t>loop, we discussed earlier is an example of a </a:t>
+            </a:r>
+            <a:r>
+              <a:rPr lang="en-US" b="1" dirty="0"/>
+              <a:t>definite loop</a:t>
+            </a:r>
+            <a:r>
+              <a:rPr lang="en-US" dirty="0"/>
+              <a:t>, the number of iterations can be specified ahead of time by the programmer.</a:t>
+            </a:r>
+          </a:p>
+          <a:p>
+            <a:pPr marL="0" indent="0">
+              <a:buNone/>
+            </a:pPr>
+            <a:endParaRPr lang="en-US" dirty="0"/>
+          </a:p>
+          <a:p>
+            <a:pPr marL="0" indent="0">
+              <a:buNone/>
+            </a:pPr>
+            <a:r>
+              <a:rPr lang="en-US" dirty="0"/>
+              <a:t>In some cases, however, the number of iterations can be unknown.  This type of loop is called an </a:t>
+            </a:r>
+            <a:r>
+              <a:rPr lang="en-US" b="1" dirty="0"/>
+              <a:t>indefinite loop.  </a:t>
+            </a:r>
+            <a:r>
+              <a:rPr lang="en-US" dirty="0"/>
+              <a:t>For example, a user is asked to enter a set of inputs. The number of inputs the user enter is not known in advance. The program’s input loop accepts these values until the user enters a special value or </a:t>
+            </a:r>
+            <a:r>
+              <a:rPr lang="en-US" b="1" dirty="0"/>
+              <a:t>sentinel </a:t>
+            </a:r>
+            <a:r>
+              <a:rPr lang="en-US" dirty="0"/>
+              <a:t>that terminates the input. </a:t>
+            </a:r>
+          </a:p>
+          <a:p>
+            <a:pPr marL="0" indent="0">
+              <a:buNone/>
+            </a:pPr>
+            <a:endParaRPr lang="en-US" dirty="0"/>
+          </a:p>
+          <a:p>
+            <a:pPr marL="0" indent="0">
+              <a:buNone/>
+            </a:pPr>
+            <a:r>
+              <a:rPr lang="en-US" dirty="0"/>
+              <a:t>In this section, we explore the use of the </a:t>
+            </a:r>
+            <a:r>
+              <a:rPr lang="en-US" b="1" dirty="0"/>
+              <a:t>while </a:t>
+            </a:r>
+            <a:r>
+              <a:rPr lang="en-US" dirty="0"/>
+              <a:t>loop to describe conditional iteration: iteration that repeats as long as a condition is true. </a:t>
+            </a:r>
+          </a:p>
+          <a:p>
+            <a:pPr marL="0" indent="0">
+              <a:buNone/>
+            </a:pPr>
+            <a:endParaRPr lang="en-US" dirty="0"/>
+          </a:p>
+          <a:p>
+            <a:pPr marL="0" indent="0">
+              <a:buNone/>
+            </a:pPr>
+            <a:r>
+              <a:rPr lang="en-US" dirty="0"/>
+              <a:t>Between the two loops, the for loop is more common. </a:t>
+            </a:r>
+          </a:p>
+          <a:p>
+            <a:pPr marL="0" indent="0">
+              <a:buNone/>
+            </a:pPr>
+            <a:endParaRPr lang="en-US" dirty="0"/>
+          </a:p>
+          <a:p>
+            <a:pPr marL="0" indent="0">
+              <a:buNone/>
+            </a:pPr>
+            <a:endParaRPr lang="en-US" dirty="0"/>
+          </a:p>
+        </p:txBody>
+      </p:sp>
+      <p:sp>
+        <p:nvSpPr>
+          <p:cNvPr id="3" name="Slide Number Placeholder 2">
+            <a:extLst>
+              <a:ext uri="{FF2B5EF4-FFF2-40B4-BE49-F238E27FC236}">
+                <a16:creationId xmlns:a16="http://schemas.microsoft.com/office/drawing/2014/main" id="{BDC2059B-C28B-4640-BA06-033C10FB8E3F}"/>
+              </a:ext>
+            </a:extLst>
+          </p:cNvPr>
+          <p:cNvSpPr>
+            <a:spLocks noGrp="1"/>
+          </p:cNvSpPr>
+          <p:nvPr>
+            <p:ph type="sldNum" sz="quarter" idx="12"/>
+          </p:nvPr>
+        </p:nvSpPr>
+        <p:spPr/>
+        <p:txBody>
+          <a:bodyPr/>
+          <a:lstStyle/>
+          <a:p>
+            <a:fld id="{D57F1E4F-1CFF-5643-939E-02111984F565}" type="slidenum">
+              <a:rPr lang="en-US" smtClean="0"/>
+              <a:t>2</a:t>
+            </a:fld>
+            <a:endParaRPr lang="en-US" dirty="0"/>
+          </a:p>
+        </p:txBody>
+      </p:sp>
+    </p:spTree>
+    <p:extLst>
+      <p:ext uri="{BB962C8B-B14F-4D97-AF65-F5344CB8AC3E}">
+        <p14:creationId xmlns:p14="http://schemas.microsoft.com/office/powerpoint/2010/main" val="924617162"/>
+      </p:ext>
+    </p:extLst>
+  </p:cSld>
+  <p:clrMapOvr>
+    <a:masterClrMapping/>
+  </p:clrMapOvr>
+  <p:timing>
+    <p:tnLst>
+      <p:par>
+        <p:cTn id="1" dur="indefinite" restart="never" nodeType="tmRoot">
+          <p:childTnLst>
+            <p:seq concurrent="1" nextAc="seek">
+              <p:cTn id="2" dur="indefinite" nodeType="mainSeq">
+                <p:childTnLst>
+                  <p:par>
+                    <p:cTn id="3" fill="hold">
+                      <p:stCondLst>
+                        <p:cond delay="indefinite"/>
+                      </p:stCondLst>
+                      <p:childTnLst>
+                        <p:par>
+                          <p:cTn id="4" fill="hold">
+                            <p:stCondLst>
+                              <p:cond delay="0"/>
+                            </p:stCondLst>
+                            <p:childTnLst>
+                              <p:par>
+                                <p:cTn id="5" presetID="1" presetClass="entr" presetSubtype="0" fill="hold" nodeType="clickEffect">
+                                  <p:stCondLst>
+                                    <p:cond delay="0"/>
+                                  </p:stCondLst>
+                                  <p:childTnLst>
+                                    <p:set>
+                                      <p:cBhvr>
+                                        <p:cTn id="6" dur="1" fill="hold">
+                                          <p:stCondLst>
+                                            <p:cond delay="0"/>
+                                          </p:stCondLst>
+                                        </p:cTn>
+                                        <p:tgtEl>
+                                          <p:spTgt spid="9">
+                                            <p:txEl>
+                                              <p:pRg st="2" end="2"/>
+                                            </p:txEl>
+                                          </p:spTgt>
+                                        </p:tgtEl>
+                                        <p:attrNameLst>
+                                          <p:attrName>style.visibility</p:attrName>
+                                        </p:attrNameLst>
+                                      </p:cBhvr>
+                                      <p:to>
+                                        <p:strVal val="visible"/>
+                                      </p:to>
+                                    </p:set>
+                                  </p:childTnLst>
+                                </p:cTn>
+                              </p:par>
+                            </p:childTnLst>
+                          </p:cTn>
+                        </p:par>
+                      </p:childTnLst>
+                    </p:cTn>
+                  </p:par>
+                  <p:par>
+                    <p:cTn id="7" fill="hold">
+                      <p:stCondLst>
+                        <p:cond delay="indefinite"/>
+                      </p:stCondLst>
+                      <p:childTnLst>
+                        <p:par>
+                          <p:cTn id="8" fill="hold">
+                            <p:stCondLst>
+                              <p:cond delay="0"/>
+                            </p:stCondLst>
+                            <p:childTnLst>
+                              <p:par>
+                                <p:cTn id="9" presetID="1" presetClass="entr" presetSubtype="0" fill="hold" nodeType="clickEffect">
+                                  <p:stCondLst>
+                                    <p:cond delay="0"/>
+                                  </p:stCondLst>
+                                  <p:childTnLst>
+                                    <p:set>
+                                      <p:cBhvr>
+                                        <p:cTn id="10" dur="1" fill="hold">
+                                          <p:stCondLst>
+                                            <p:cond delay="0"/>
+                                          </p:stCondLst>
+                                        </p:cTn>
+                                        <p:tgtEl>
+                                          <p:spTgt spid="9">
+                                            <p:txEl>
+                                              <p:pRg st="4" end="4"/>
+                                            </p:txEl>
+                                          </p:spTgt>
+                                        </p:tgtEl>
+                                        <p:attrNameLst>
+                                          <p:attrName>style.visibility</p:attrName>
+                                        </p:attrNameLst>
+                                      </p:cBhvr>
+                                      <p:to>
+                                        <p:strVal val="visible"/>
+                                      </p:to>
+                                    </p:set>
+                                  </p:childTnLst>
+                                </p:cTn>
+                              </p:par>
+                            </p:childTnLst>
+                          </p:cTn>
+                        </p:par>
+                      </p:childTnLst>
+                    </p:cTn>
+                  </p:par>
+                  <p:par>
+                    <p:cTn id="11" fill="hold">
+                      <p:stCondLst>
+                        <p:cond delay="indefinite"/>
+                      </p:stCondLst>
+                      <p:childTnLst>
+                        <p:par>
+                          <p:cTn id="12" fill="hold">
+                            <p:stCondLst>
+                              <p:cond delay="0"/>
+                            </p:stCondLst>
+                            <p:childTnLst>
+                              <p:par>
+                                <p:cTn id="13" presetID="1" presetClass="entr" presetSubtype="0" fill="hold" nodeType="clickEffect">
+                                  <p:stCondLst>
+                                    <p:cond delay="0"/>
+                                  </p:stCondLst>
+                                  <p:childTnLst>
+                                    <p:set>
+                                      <p:cBhvr>
+                                        <p:cTn id="14" dur="1" fill="hold">
+                                          <p:stCondLst>
+                                            <p:cond delay="0"/>
+                                          </p:stCondLst>
+                                        </p:cTn>
+                                        <p:tgtEl>
+                                          <p:spTgt spid="9">
+                                            <p:txEl>
+                                              <p:pRg st="6" end="6"/>
+                                            </p:txEl>
+                                          </p:spTgt>
+                                        </p:tgtEl>
+                                        <p:attrNameLst>
+                                          <p:attrName>style.visibility</p:attrName>
+                                        </p:attrNameLst>
+                                      </p:cBhvr>
+                                      <p:to>
+                                        <p:strVal val="visible"/>
+                                      </p:to>
+                                    </p:set>
+                                  </p:childTnLst>
+                                </p:cTn>
+                              </p:par>
+                            </p:childTnLst>
+                          </p:cTn>
+                        </p:par>
+                      </p:childTnLst>
+                    </p:cTn>
+                  </p:par>
+                </p:childTnLst>
+              </p:cTn>
+              <p:prevCondLst>
+                <p:cond evt="onPrev" delay="0">
+                  <p:tgtEl>
+                    <p:sldTgt/>
+                  </p:tgtEl>
+                </p:cond>
+              </p:prevCondLst>
+              <p:nextCondLst>
+                <p:cond evt="onNext" delay="0">
+                  <p:tgtEl>
+                    <p:sldTgt/>
+                  </p:tgtEl>
+                </p:cond>
+              </p:nextCondLst>
+            </p:seq>
+          </p:childTnLst>
+        </p:cTn>
+      </p:par>
+    </p:tnLst>
+  </p:timing>
+</p:sld>
+</file>
+
+<file path=ppt/slides/slide20.xml><?xml version="1.0" encoding="utf-8"?>
+<p:sld xmlns:a="http://schemas.openxmlformats.org/drawingml/2006/main" xmlns:r="http://schemas.openxmlformats.org/officeDocument/2006/relationships" xmlns:p="http://schemas.openxmlformats.org/presentationml/2006/main">
+  <p:cSld>
+    <p:spTree>
+      <p:nvGrpSpPr>
+        <p:cNvPr id="1" name=""/>
+        <p:cNvGrpSpPr/>
+        <p:nvPr/>
+      </p:nvGrpSpPr>
+      <p:grpSpPr>
+        <a:xfrm>
+          <a:off x="0" y="0"/>
+          <a:ext cx="0" cy="0"/>
+          <a:chOff x="0" y="0"/>
+          <a:chExt cx="0" cy="0"/>
+        </a:xfrm>
+      </p:grpSpPr>
+      <p:sp>
+        <p:nvSpPr>
+          <p:cNvPr id="2" name="Title 1">
+            <a:extLst>
+              <a:ext uri="{FF2B5EF4-FFF2-40B4-BE49-F238E27FC236}">
+                <a16:creationId xmlns:a16="http://schemas.microsoft.com/office/drawing/2014/main" id="{AA3A228F-61D0-D949-A5E7-F83756230BF8}"/>
+              </a:ext>
+            </a:extLst>
+          </p:cNvPr>
+          <p:cNvSpPr>
+            <a:spLocks noGrp="1"/>
+          </p:cNvSpPr>
+          <p:nvPr>
+            <p:ph type="title"/>
+          </p:nvPr>
+        </p:nvSpPr>
+        <p:spPr>
+          <a:xfrm>
+            <a:off x="170339" y="134008"/>
+            <a:ext cx="7053542" cy="683886"/>
+          </a:xfrm>
+        </p:spPr>
+        <p:txBody>
+          <a:bodyPr/>
+          <a:lstStyle/>
+          <a:p>
+            <a:r>
+              <a:rPr lang="en-US" dirty="0"/>
+              <a:t>List of Students</a:t>
+            </a:r>
+          </a:p>
+        </p:txBody>
+      </p:sp>
+      <p:sp>
+        <p:nvSpPr>
+          <p:cNvPr id="9" name="Content Placeholder 8">
+            <a:extLst>
+              <a:ext uri="{FF2B5EF4-FFF2-40B4-BE49-F238E27FC236}">
+                <a16:creationId xmlns:a16="http://schemas.microsoft.com/office/drawing/2014/main" id="{E3B2E017-30B2-884B-A113-B419A2ED51AD}"/>
+              </a:ext>
+            </a:extLst>
+          </p:cNvPr>
+          <p:cNvSpPr>
+            <a:spLocks noGrp="1"/>
+          </p:cNvSpPr>
+          <p:nvPr>
+            <p:ph idx="1"/>
+          </p:nvPr>
+        </p:nvSpPr>
+        <p:spPr>
+          <a:xfrm>
+            <a:off x="170340" y="817895"/>
+            <a:ext cx="8365234" cy="4763098"/>
+          </a:xfrm>
+        </p:spPr>
+        <p:txBody>
+          <a:bodyPr>
+            <a:normAutofit/>
+          </a:bodyPr>
+          <a:lstStyle/>
+          <a:p>
+            <a:pPr marL="0" indent="0">
+              <a:buNone/>
+            </a:pPr>
+            <a:r>
+              <a:rPr lang="en-US" dirty="0">
                 <a:latin typeface="INCONSOLATA" panose="020B0609030003000000" pitchFamily="49" charset="77"/>
               </a:rPr>
               <a:t>students = [["Mike", 80], </a:t>
@@ -11648,7 +13432,7 @@
           <a:p>
             <a:fld id="{D57F1E4F-1CFF-5643-939E-02111984F565}" type="slidenum">
               <a:rPr lang="en-US" smtClean="0"/>
-              <a:t>18</a:t>
+              <a:t>20</a:t>
             </a:fld>
             <a:endParaRPr lang="en-US" dirty="0"/>
           </a:p>
@@ -11991,7 +13775,7 @@
 </p:sld>
 </file>
 
-<file path=ppt/slides/slide19.xml><?xml version="1.0" encoding="utf-8"?>
+<file path=ppt/slides/slide21.xml><?xml version="1.0" encoding="utf-8"?>
 <p:sld xmlns:a="http://schemas.openxmlformats.org/drawingml/2006/main" xmlns:r="http://schemas.openxmlformats.org/officeDocument/2006/relationships" xmlns:p="http://schemas.openxmlformats.org/presentationml/2006/main">
   <p:cSld>
     <p:spTree>
@@ -12257,7 +14041,7 @@
           <a:p>
             <a:fld id="{D57F1E4F-1CFF-5643-939E-02111984F565}" type="slidenum">
               <a:rPr lang="en-US" smtClean="0"/>
-              <a:t>19</a:t>
+              <a:t>21</a:t>
             </a:fld>
             <a:endParaRPr lang="en-US" dirty="0"/>
           </a:p>
@@ -12484,411 +14268,7 @@
 </p:sld>
 </file>
 
-<file path=ppt/slides/slide2.xml><?xml version="1.0" encoding="utf-8"?>
-<p:sld xmlns:a="http://schemas.openxmlformats.org/drawingml/2006/main" xmlns:r="http://schemas.openxmlformats.org/officeDocument/2006/relationships" xmlns:p="http://schemas.openxmlformats.org/presentationml/2006/main">
-  <p:cSld>
-    <p:spTree>
-      <p:nvGrpSpPr>
-        <p:cNvPr id="1" name=""/>
-        <p:cNvGrpSpPr/>
-        <p:nvPr/>
-      </p:nvGrpSpPr>
-      <p:grpSpPr>
-        <a:xfrm>
-          <a:off x="0" y="0"/>
-          <a:ext cx="0" cy="0"/>
-          <a:chOff x="0" y="0"/>
-          <a:chExt cx="0" cy="0"/>
-        </a:xfrm>
-      </p:grpSpPr>
-      <p:sp>
-        <p:nvSpPr>
-          <p:cNvPr id="2" name="Title 1">
-            <a:extLst>
-              <a:ext uri="{FF2B5EF4-FFF2-40B4-BE49-F238E27FC236}">
-                <a16:creationId xmlns:a16="http://schemas.microsoft.com/office/drawing/2014/main" id="{AA3A228F-61D0-D949-A5E7-F83756230BF8}"/>
-              </a:ext>
-            </a:extLst>
-          </p:cNvPr>
-          <p:cNvSpPr>
-            <a:spLocks noGrp="1"/>
-          </p:cNvSpPr>
-          <p:nvPr>
-            <p:ph type="title"/>
-          </p:nvPr>
-        </p:nvSpPr>
-        <p:spPr>
-          <a:xfrm>
-            <a:off x="169682" y="134007"/>
-            <a:ext cx="7053542" cy="683886"/>
-          </a:xfrm>
-        </p:spPr>
-        <p:txBody>
-          <a:bodyPr/>
-          <a:lstStyle/>
-          <a:p>
-            <a:r>
-              <a:rPr lang="en-US" dirty="0"/>
-              <a:t>Indefinite Loop</a:t>
-            </a:r>
-          </a:p>
-        </p:txBody>
-      </p:sp>
-      <p:sp>
-        <p:nvSpPr>
-          <p:cNvPr id="9" name="Content Placeholder 8">
-            <a:extLst>
-              <a:ext uri="{FF2B5EF4-FFF2-40B4-BE49-F238E27FC236}">
-                <a16:creationId xmlns:a16="http://schemas.microsoft.com/office/drawing/2014/main" id="{E3B2E017-30B2-884B-A113-B419A2ED51AD}"/>
-              </a:ext>
-            </a:extLst>
-          </p:cNvPr>
-          <p:cNvSpPr>
-            <a:spLocks noGrp="1"/>
-          </p:cNvSpPr>
-          <p:nvPr>
-            <p:ph idx="1"/>
-          </p:nvPr>
-        </p:nvSpPr>
-        <p:spPr>
-          <a:xfrm>
-            <a:off x="169682" y="1007165"/>
-            <a:ext cx="8804636" cy="4573828"/>
-          </a:xfrm>
-        </p:spPr>
-        <p:txBody>
-          <a:bodyPr>
-            <a:normAutofit/>
-          </a:bodyPr>
-          <a:lstStyle/>
-          <a:p>
-            <a:pPr marL="0" indent="0">
-              <a:buNone/>
-            </a:pPr>
-            <a:r>
-              <a:rPr lang="en-US" dirty="0"/>
-              <a:t>A </a:t>
-            </a:r>
-            <a:r>
-              <a:rPr lang="en-US" b="1" dirty="0"/>
-              <a:t>for </a:t>
-            </a:r>
-            <a:r>
-              <a:rPr lang="en-US" dirty="0"/>
-              <a:t>loop, we discussed earlier is an example of a </a:t>
-            </a:r>
-            <a:r>
-              <a:rPr lang="en-US" b="1" dirty="0"/>
-              <a:t>definite loop</a:t>
-            </a:r>
-            <a:r>
-              <a:rPr lang="en-US" dirty="0"/>
-              <a:t>, the number of iterations can be specified ahead of time by the programmer.</a:t>
-            </a:r>
-          </a:p>
-          <a:p>
-            <a:pPr marL="0" indent="0">
-              <a:buNone/>
-            </a:pPr>
-            <a:endParaRPr lang="en-US" dirty="0"/>
-          </a:p>
-          <a:p>
-            <a:pPr marL="0" indent="0">
-              <a:buNone/>
-            </a:pPr>
-            <a:r>
-              <a:rPr lang="en-US" dirty="0"/>
-              <a:t>In some cases, however, the number of iterations can be unknown.  This type of loop is called an </a:t>
-            </a:r>
-            <a:r>
-              <a:rPr lang="en-US" b="1" dirty="0"/>
-              <a:t>indefinite loop.  </a:t>
-            </a:r>
-            <a:r>
-              <a:rPr lang="en-US" dirty="0"/>
-              <a:t>For example, a user is asked to enter a set of inputs. The number of inputs the user enter is not known in advance. The program’s input loop accepts these values until the user enters a special value or </a:t>
-            </a:r>
-            <a:r>
-              <a:rPr lang="en-US" b="1" dirty="0"/>
-              <a:t>sentinel </a:t>
-            </a:r>
-            <a:r>
-              <a:rPr lang="en-US" dirty="0"/>
-              <a:t>that terminates the input. </a:t>
-            </a:r>
-          </a:p>
-          <a:p>
-            <a:pPr marL="0" indent="0">
-              <a:buNone/>
-            </a:pPr>
-            <a:endParaRPr lang="en-US" dirty="0"/>
-          </a:p>
-          <a:p>
-            <a:pPr marL="0" indent="0">
-              <a:buNone/>
-            </a:pPr>
-            <a:r>
-              <a:rPr lang="en-US" dirty="0"/>
-              <a:t>In this section, we explore the use of the </a:t>
-            </a:r>
-            <a:r>
-              <a:rPr lang="en-US" b="1" dirty="0"/>
-              <a:t>while </a:t>
-            </a:r>
-            <a:r>
-              <a:rPr lang="en-US" dirty="0"/>
-              <a:t>loop to describe conditional iteration: iteration that repeats as long as a condition is true. </a:t>
-            </a:r>
-          </a:p>
-          <a:p>
-            <a:pPr marL="0" indent="0">
-              <a:buNone/>
-            </a:pPr>
-            <a:endParaRPr lang="en-US" dirty="0"/>
-          </a:p>
-          <a:p>
-            <a:pPr marL="0" indent="0">
-              <a:buNone/>
-            </a:pPr>
-            <a:r>
-              <a:rPr lang="en-US" dirty="0"/>
-              <a:t>Between the two loops, the for loop is more common. </a:t>
-            </a:r>
-          </a:p>
-          <a:p>
-            <a:pPr marL="0" indent="0">
-              <a:buNone/>
-            </a:pPr>
-            <a:endParaRPr lang="en-US" dirty="0"/>
-          </a:p>
-          <a:p>
-            <a:pPr marL="0" indent="0">
-              <a:buNone/>
-            </a:pPr>
-            <a:endParaRPr lang="en-US" dirty="0"/>
-          </a:p>
-        </p:txBody>
-      </p:sp>
-      <p:sp>
-        <p:nvSpPr>
-          <p:cNvPr id="3" name="Slide Number Placeholder 2">
-            <a:extLst>
-              <a:ext uri="{FF2B5EF4-FFF2-40B4-BE49-F238E27FC236}">
-                <a16:creationId xmlns:a16="http://schemas.microsoft.com/office/drawing/2014/main" id="{BDC2059B-C28B-4640-BA06-033C10FB8E3F}"/>
-              </a:ext>
-            </a:extLst>
-          </p:cNvPr>
-          <p:cNvSpPr>
-            <a:spLocks noGrp="1"/>
-          </p:cNvSpPr>
-          <p:nvPr>
-            <p:ph type="sldNum" sz="quarter" idx="12"/>
-          </p:nvPr>
-        </p:nvSpPr>
-        <p:spPr/>
-        <p:txBody>
-          <a:bodyPr/>
-          <a:lstStyle/>
-          <a:p>
-            <a:fld id="{D57F1E4F-1CFF-5643-939E-02111984F565}" type="slidenum">
-              <a:rPr lang="en-US" smtClean="0"/>
-              <a:t>2</a:t>
-            </a:fld>
-            <a:endParaRPr lang="en-US" dirty="0"/>
-          </a:p>
-        </p:txBody>
-      </p:sp>
-    </p:spTree>
-    <p:extLst>
-      <p:ext uri="{BB962C8B-B14F-4D97-AF65-F5344CB8AC3E}">
-        <p14:creationId xmlns:p14="http://schemas.microsoft.com/office/powerpoint/2010/main" val="924617162"/>
-      </p:ext>
-    </p:extLst>
-  </p:cSld>
-  <p:clrMapOvr>
-    <a:masterClrMapping/>
-  </p:clrMapOvr>
-  <p:timing>
-    <p:tnLst>
-      <p:par>
-        <p:cTn id="1" dur="indefinite" restart="never" nodeType="tmRoot">
-          <p:childTnLst>
-            <p:seq concurrent="1" nextAc="seek">
-              <p:cTn id="2" dur="indefinite" nodeType="mainSeq">
-                <p:childTnLst>
-                  <p:par>
-                    <p:cTn id="3" fill="hold">
-                      <p:stCondLst>
-                        <p:cond delay="indefinite"/>
-                      </p:stCondLst>
-                      <p:childTnLst>
-                        <p:par>
-                          <p:cTn id="4" fill="hold">
-                            <p:stCondLst>
-                              <p:cond delay="0"/>
-                            </p:stCondLst>
-                            <p:childTnLst>
-                              <p:par>
-                                <p:cTn id="5" presetID="1" presetClass="entr" presetSubtype="0" fill="hold" nodeType="clickEffect">
-                                  <p:stCondLst>
-                                    <p:cond delay="0"/>
-                                  </p:stCondLst>
-                                  <p:childTnLst>
-                                    <p:set>
-                                      <p:cBhvr>
-                                        <p:cTn id="6" dur="1" fill="hold">
-                                          <p:stCondLst>
-                                            <p:cond delay="0"/>
-                                          </p:stCondLst>
-                                        </p:cTn>
-                                        <p:tgtEl>
-                                          <p:spTgt spid="9">
-                                            <p:txEl>
-                                              <p:pRg st="2" end="2"/>
-                                            </p:txEl>
-                                          </p:spTgt>
-                                        </p:tgtEl>
-                                        <p:attrNameLst>
-                                          <p:attrName>style.visibility</p:attrName>
-                                        </p:attrNameLst>
-                                      </p:cBhvr>
-                                      <p:to>
-                                        <p:strVal val="visible"/>
-                                      </p:to>
-                                    </p:set>
-                                  </p:childTnLst>
-                                </p:cTn>
-                              </p:par>
-                            </p:childTnLst>
-                          </p:cTn>
-                        </p:par>
-                      </p:childTnLst>
-                    </p:cTn>
-                  </p:par>
-                  <p:par>
-                    <p:cTn id="7" fill="hold">
-                      <p:stCondLst>
-                        <p:cond delay="indefinite"/>
-                      </p:stCondLst>
-                      <p:childTnLst>
-                        <p:par>
-                          <p:cTn id="8" fill="hold">
-                            <p:stCondLst>
-                              <p:cond delay="0"/>
-                            </p:stCondLst>
-                            <p:childTnLst>
-                              <p:par>
-                                <p:cTn id="9" presetID="1" presetClass="entr" presetSubtype="0" fill="hold" nodeType="clickEffect">
-                                  <p:stCondLst>
-                                    <p:cond delay="0"/>
-                                  </p:stCondLst>
-                                  <p:childTnLst>
-                                    <p:set>
-                                      <p:cBhvr>
-                                        <p:cTn id="10" dur="1" fill="hold">
-                                          <p:stCondLst>
-                                            <p:cond delay="0"/>
-                                          </p:stCondLst>
-                                        </p:cTn>
-                                        <p:tgtEl>
-                                          <p:spTgt spid="9">
-                                            <p:txEl>
-                                              <p:pRg st="4" end="4"/>
-                                            </p:txEl>
-                                          </p:spTgt>
-                                        </p:tgtEl>
-                                        <p:attrNameLst>
-                                          <p:attrName>style.visibility</p:attrName>
-                                        </p:attrNameLst>
-                                      </p:cBhvr>
-                                      <p:to>
-                                        <p:strVal val="visible"/>
-                                      </p:to>
-                                    </p:set>
-                                  </p:childTnLst>
-                                </p:cTn>
-                              </p:par>
-                            </p:childTnLst>
-                          </p:cTn>
-                        </p:par>
-                      </p:childTnLst>
-                    </p:cTn>
-                  </p:par>
-                  <p:par>
-                    <p:cTn id="11" fill="hold">
-                      <p:stCondLst>
-                        <p:cond delay="indefinite"/>
-                      </p:stCondLst>
-                      <p:childTnLst>
-                        <p:par>
-                          <p:cTn id="12" fill="hold">
-                            <p:stCondLst>
-                              <p:cond delay="0"/>
-                            </p:stCondLst>
-                            <p:childTnLst>
-                              <p:par>
-                                <p:cTn id="13" presetID="1" presetClass="entr" presetSubtype="0" fill="hold" nodeType="clickEffect">
-                                  <p:stCondLst>
-                                    <p:cond delay="0"/>
-                                  </p:stCondLst>
-                                  <p:childTnLst>
-                                    <p:set>
-                                      <p:cBhvr>
-                                        <p:cTn id="14" dur="1" fill="hold">
-                                          <p:stCondLst>
-                                            <p:cond delay="0"/>
-                                          </p:stCondLst>
-                                        </p:cTn>
-                                        <p:tgtEl>
-                                          <p:spTgt spid="9">
-                                            <p:txEl>
-                                              <p:pRg st="6" end="6"/>
-                                            </p:txEl>
-                                          </p:spTgt>
-                                        </p:tgtEl>
-                                        <p:attrNameLst>
-                                          <p:attrName>style.visibility</p:attrName>
-                                        </p:attrNameLst>
-                                      </p:cBhvr>
-                                      <p:to>
-                                        <p:strVal val="visible"/>
-                                      </p:to>
-                                    </p:set>
-                                  </p:childTnLst>
-                                </p:cTn>
-                              </p:par>
-                            </p:childTnLst>
-                          </p:cTn>
-                        </p:par>
-                      </p:childTnLst>
-                    </p:cTn>
-                  </p:par>
-                </p:childTnLst>
-              </p:cTn>
-              <p:prevCondLst>
-                <p:cond evt="onPrev" delay="0">
-                  <p:tgtEl>
-                    <p:sldTgt/>
-                  </p:tgtEl>
-                </p:cond>
-              </p:prevCondLst>
-              <p:nextCondLst>
-                <p:cond evt="onNext" delay="0">
-                  <p:tgtEl>
-                    <p:sldTgt/>
-                  </p:tgtEl>
-                </p:cond>
-              </p:nextCondLst>
-            </p:seq>
-          </p:childTnLst>
-        </p:cTn>
-      </p:par>
-    </p:tnLst>
-  </p:timing>
-</p:sld>
-</file>
-
-<file path=ppt/slides/slide20.xml><?xml version="1.0" encoding="utf-8"?>
+<file path=ppt/slides/slide22.xml><?xml version="1.0" encoding="utf-8"?>
 <p:sld xmlns:a="http://schemas.openxmlformats.org/drawingml/2006/main" xmlns:r="http://schemas.openxmlformats.org/officeDocument/2006/relationships" xmlns:p="http://schemas.openxmlformats.org/presentationml/2006/main">
   <p:cSld>
     <p:spTree>
@@ -13373,7 +14753,7 @@
           <a:p>
             <a:fld id="{D57F1E4F-1CFF-5643-939E-02111984F565}" type="slidenum">
               <a:rPr lang="en-US" smtClean="0"/>
-              <a:t>20</a:t>
+              <a:t>22</a:t>
             </a:fld>
             <a:endParaRPr lang="en-US" dirty="0"/>
           </a:p>
@@ -14108,7 +15488,7 @@
 </p:sld>
 </file>
 
-<file path=ppt/slides/slide21.xml><?xml version="1.0" encoding="utf-8"?>
+<file path=ppt/slides/slide23.xml><?xml version="1.0" encoding="utf-8"?>
 <p:sld xmlns:a="http://schemas.openxmlformats.org/drawingml/2006/main" xmlns:r="http://schemas.openxmlformats.org/officeDocument/2006/relationships" xmlns:p="http://schemas.openxmlformats.org/presentationml/2006/main">
   <p:cSld>
     <p:spTree>
@@ -14271,7 +15651,7 @@
           <a:p>
             <a:fld id="{D57F1E4F-1CFF-5643-939E-02111984F565}" type="slidenum">
               <a:rPr lang="en-US" smtClean="0"/>
-              <a:t>21</a:t>
+              <a:t>23</a:t>
             </a:fld>
             <a:endParaRPr lang="en-US" dirty="0"/>
           </a:p>

--- a/courses/apcsp/lect8.pptx
+++ b/courses/apcsp/lect8.pptx
@@ -5,7 +5,7 @@
     <p:sldMasterId id="2147483791" r:id="rId1"/>
   </p:sldMasterIdLst>
   <p:notesMasterIdLst>
-    <p:notesMasterId r:id="rId34"/>
+    <p:notesMasterId r:id="rId32"/>
   </p:notesMasterIdLst>
   <p:sldIdLst>
     <p:sldId id="256" r:id="rId2"/>
@@ -35,11 +35,9 @@
     <p:sldId id="348" r:id="rId26"/>
     <p:sldId id="351" r:id="rId27"/>
     <p:sldId id="350" r:id="rId28"/>
-    <p:sldId id="549" r:id="rId29"/>
-    <p:sldId id="551" r:id="rId30"/>
-    <p:sldId id="546" r:id="rId31"/>
-    <p:sldId id="554" r:id="rId32"/>
-    <p:sldId id="284" r:id="rId33"/>
+    <p:sldId id="546" r:id="rId29"/>
+    <p:sldId id="554" r:id="rId30"/>
+    <p:sldId id="284" r:id="rId31"/>
   </p:sldIdLst>
   <p:sldSz cx="9144000" cy="5715000" type="screen16x10"/>
   <p:notesSz cx="6858000" cy="9144000"/>
@@ -149,7 +147,7 @@
 <file path=ppt/revisionInfo.xml><?xml version="1.0" encoding="utf-8"?>
 <p1510:revInfo xmlns:a="http://schemas.openxmlformats.org/drawingml/2006/main" xmlns:r="http://schemas.openxmlformats.org/officeDocument/2006/relationships" xmlns:p1510="http://schemas.microsoft.com/office/powerpoint/2015/10/main">
   <p1510:revLst>
-    <p1510:client id="{625106A7-3D2F-2F41-B14B-01ED01256878}" v="46" dt="2022-05-20T11:49:11.595"/>
+    <p1510:client id="{A12BE549-1123-0646-AF0D-D853CA6ECE39}" v="57" dt="2023-01-05T12:48:37.589"/>
   </p1510:revLst>
 </p1510:revInfo>
 </file>
@@ -1874,6 +1872,44 @@
     </pc:docChg>
   </pc:docChgLst>
   <pc:docChgLst>
+    <pc:chgData name="Long Nguyen" userId="f59fb8f3-a021-417a-8bc1-65c8d471c621" providerId="ADAL" clId="{A12BE549-1123-0646-AF0D-D853CA6ECE39}"/>
+    <pc:docChg chg="delSld modSld">
+      <pc:chgData name="Long Nguyen" userId="f59fb8f3-a021-417a-8bc1-65c8d471c621" providerId="ADAL" clId="{A12BE549-1123-0646-AF0D-D853CA6ECE39}" dt="2023-01-05T12:54:49.203" v="58" actId="2696"/>
+      <pc:docMkLst>
+        <pc:docMk/>
+      </pc:docMkLst>
+      <pc:sldChg chg="modSp">
+        <pc:chgData name="Long Nguyen" userId="f59fb8f3-a021-417a-8bc1-65c8d471c621" providerId="ADAL" clId="{A12BE549-1123-0646-AF0D-D853CA6ECE39}" dt="2023-01-05T12:48:37.589" v="56" actId="20577"/>
+        <pc:sldMkLst>
+          <pc:docMk/>
+          <pc:sldMk cId="2101795491" sldId="545"/>
+        </pc:sldMkLst>
+        <pc:spChg chg="mod">
+          <ac:chgData name="Long Nguyen" userId="f59fb8f3-a021-417a-8bc1-65c8d471c621" providerId="ADAL" clId="{A12BE549-1123-0646-AF0D-D853CA6ECE39}" dt="2023-01-05T12:48:37.589" v="56" actId="20577"/>
+          <ac:spMkLst>
+            <pc:docMk/>
+            <pc:sldMk cId="2101795491" sldId="545"/>
+            <ac:spMk id="3" creationId="{8BA9D0DA-1D67-ED43-A19F-6557EAD9C067}"/>
+          </ac:spMkLst>
+        </pc:spChg>
+      </pc:sldChg>
+      <pc:sldChg chg="del">
+        <pc:chgData name="Long Nguyen" userId="f59fb8f3-a021-417a-8bc1-65c8d471c621" providerId="ADAL" clId="{A12BE549-1123-0646-AF0D-D853CA6ECE39}" dt="2023-01-05T12:54:49.188" v="57" actId="2696"/>
+        <pc:sldMkLst>
+          <pc:docMk/>
+          <pc:sldMk cId="1299838656" sldId="549"/>
+        </pc:sldMkLst>
+      </pc:sldChg>
+      <pc:sldChg chg="del">
+        <pc:chgData name="Long Nguyen" userId="f59fb8f3-a021-417a-8bc1-65c8d471c621" providerId="ADAL" clId="{A12BE549-1123-0646-AF0D-D853CA6ECE39}" dt="2023-01-05T12:54:49.203" v="58" actId="2696"/>
+        <pc:sldMkLst>
+          <pc:docMk/>
+          <pc:sldMk cId="2820908233" sldId="551"/>
+        </pc:sldMkLst>
+      </pc:sldChg>
+    </pc:docChg>
+  </pc:docChgLst>
+  <pc:docChgLst>
     <pc:chgData name="Long B Nguyen" userId="f59fb8f3-a021-417a-8bc1-65c8d471c621" providerId="ADAL" clId="{6E7B29A8-F479-1D4C-864D-9324180C0D1F}"/>
     <pc:docChg chg="custSel addSld delSld modSld">
       <pc:chgData name="Long B Nguyen" userId="f59fb8f3-a021-417a-8bc1-65c8d471c621" providerId="ADAL" clId="{6E7B29A8-F479-1D4C-864D-9324180C0D1F}" dt="2021-07-26T15:59:18.733" v="1282" actId="1076"/>
@@ -2551,7 +2587,7 @@
           <a:p>
             <a:fld id="{728059E6-F4BB-1F4B-A95E-4DE193584F11}" type="datetimeFigureOut">
               <a:rPr lang="en-US" smtClean="0"/>
-              <a:t>5/20/22</a:t>
+              <a:t>1/5/23</a:t>
             </a:fld>
             <a:endParaRPr lang="en-US"/>
           </a:p>
@@ -3117,7 +3153,7 @@
           <a:p>
             <a:fld id="{4AAD347D-5ACD-4C99-B74B-A9C85AD731AF}" type="datetimeFigureOut">
               <a:rPr lang="en-US" smtClean="0"/>
-              <a:t>5/20/22</a:t>
+              <a:t>1/5/23</a:t>
             </a:fld>
             <a:endParaRPr lang="en-US" dirty="0"/>
           </a:p>
@@ -3287,7 +3323,7 @@
           <a:p>
             <a:fld id="{4509A250-FF31-4206-8172-F9D3106AACB1}" type="datetimeFigureOut">
               <a:rPr lang="en-US" smtClean="0"/>
-              <a:t>5/20/22</a:t>
+              <a:t>1/5/23</a:t>
             </a:fld>
             <a:endParaRPr lang="en-US" dirty="0"/>
           </a:p>
@@ -3467,7 +3503,7 @@
           <a:p>
             <a:fld id="{4509A250-FF31-4206-8172-F9D3106AACB1}" type="datetimeFigureOut">
               <a:rPr lang="en-US" smtClean="0"/>
-              <a:t>5/20/22</a:t>
+              <a:t>1/5/23</a:t>
             </a:fld>
             <a:endParaRPr lang="en-US" dirty="0"/>
           </a:p>
@@ -3637,7 +3673,7 @@
           <a:p>
             <a:fld id="{4509A250-FF31-4206-8172-F9D3106AACB1}" type="datetimeFigureOut">
               <a:rPr lang="en-US" smtClean="0"/>
-              <a:t>5/20/22</a:t>
+              <a:t>1/5/23</a:t>
             </a:fld>
             <a:endParaRPr lang="en-US" dirty="0"/>
           </a:p>
@@ -3883,7 +3919,7 @@
           <a:p>
             <a:fld id="{9796027F-7875-4030-9381-8BD8C4F21935}" type="datetimeFigureOut">
               <a:rPr lang="en-US" smtClean="0"/>
-              <a:t>5/20/22</a:t>
+              <a:t>1/5/23</a:t>
             </a:fld>
             <a:endParaRPr lang="en-US" dirty="0"/>
           </a:p>
@@ -4115,7 +4151,7 @@
           <a:p>
             <a:fld id="{9796027F-7875-4030-9381-8BD8C4F21935}" type="datetimeFigureOut">
               <a:rPr lang="en-US" smtClean="0"/>
-              <a:t>5/20/22</a:t>
+              <a:t>1/5/23</a:t>
             </a:fld>
             <a:endParaRPr lang="en-US" dirty="0"/>
           </a:p>
@@ -4482,7 +4518,7 @@
           <a:p>
             <a:fld id="{9796027F-7875-4030-9381-8BD8C4F21935}" type="datetimeFigureOut">
               <a:rPr lang="en-US" smtClean="0"/>
-              <a:t>5/20/22</a:t>
+              <a:t>1/5/23</a:t>
             </a:fld>
             <a:endParaRPr lang="en-US" dirty="0"/>
           </a:p>
@@ -4600,7 +4636,7 @@
           <a:p>
             <a:fld id="{4509A250-FF31-4206-8172-F9D3106AACB1}" type="datetimeFigureOut">
               <a:rPr lang="en-US" smtClean="0"/>
-              <a:t>5/20/22</a:t>
+              <a:t>1/5/23</a:t>
             </a:fld>
             <a:endParaRPr lang="en-US" dirty="0"/>
           </a:p>
@@ -4695,7 +4731,7 @@
           <a:p>
             <a:fld id="{4509A250-FF31-4206-8172-F9D3106AACB1}" type="datetimeFigureOut">
               <a:rPr lang="en-US" smtClean="0"/>
-              <a:t>5/20/22</a:t>
+              <a:t>1/5/23</a:t>
             </a:fld>
             <a:endParaRPr lang="en-US" dirty="0"/>
           </a:p>
@@ -4972,7 +5008,7 @@
           <a:p>
             <a:fld id="{4509A250-FF31-4206-8172-F9D3106AACB1}" type="datetimeFigureOut">
               <a:rPr lang="en-US" smtClean="0"/>
-              <a:t>5/20/22</a:t>
+              <a:t>1/5/23</a:t>
             </a:fld>
             <a:endParaRPr lang="en-US" dirty="0"/>
           </a:p>
@@ -5229,7 +5265,7 @@
           <a:p>
             <a:fld id="{4509A250-FF31-4206-8172-F9D3106AACB1}" type="datetimeFigureOut">
               <a:rPr lang="en-US" smtClean="0"/>
-              <a:t>5/20/22</a:t>
+              <a:t>1/5/23</a:t>
             </a:fld>
             <a:endParaRPr lang="en-US" dirty="0"/>
           </a:p>
@@ -5442,7 +5478,7 @@
           <a:p>
             <a:fld id="{4AAD347D-5ACD-4C99-B74B-A9C85AD731AF}" type="datetimeFigureOut">
               <a:rPr lang="en-US" smtClean="0"/>
-              <a:t>5/20/22</a:t>
+              <a:t>1/5/23</a:t>
             </a:fld>
             <a:endParaRPr lang="en-US" dirty="0"/>
           </a:p>
@@ -20713,19 +20749,17 @@
         </p:nvSpPr>
         <p:spPr>
           <a:xfrm>
-            <a:off x="483848" y="83453"/>
-            <a:ext cx="7053542" cy="535672"/>
+            <a:off x="111709" y="123498"/>
+            <a:ext cx="7053542" cy="683886"/>
           </a:xfrm>
         </p:spPr>
         <p:txBody>
-          <a:bodyPr>
-            <a:normAutofit fontScale="90000"/>
-          </a:bodyPr>
+          <a:bodyPr/>
           <a:lstStyle/>
           <a:p>
             <a:r>
               <a:rPr lang="en-US" dirty="0"/>
-              <a:t>Another Example</a:t>
+              <a:t>Lab 1</a:t>
             </a:r>
           </a:p>
         </p:txBody>
@@ -20748,22 +20782,178 @@
         </p:nvSpPr>
         <p:spPr>
           <a:xfrm>
-            <a:off x="483848" y="619125"/>
-            <a:ext cx="8051725" cy="5095875"/>
+            <a:off x="233916" y="914401"/>
+            <a:ext cx="8301657" cy="4677102"/>
           </a:xfrm>
         </p:spPr>
         <p:txBody>
           <a:bodyPr>
-            <a:noAutofit/>
+            <a:normAutofit/>
           </a:bodyPr>
           <a:lstStyle/>
           <a:p>
             <a:pPr marL="0" indent="0">
               <a:buNone/>
             </a:pPr>
-            <a:endParaRPr lang="en-US" sz="1600" b="1" dirty="0">
+            <a:r>
+              <a:rPr lang="en-US" dirty="0"/>
+              <a:t>Write the Student class which has two instance variables: name(str) and </a:t>
+            </a:r>
+            <a:r>
+              <a:rPr lang="en-US" dirty="0" err="1"/>
+              <a:t>gpa</a:t>
+            </a:r>
+            <a:r>
+              <a:rPr lang="en-US" dirty="0"/>
+              <a:t>(float). </a:t>
+            </a:r>
+          </a:p>
+          <a:p>
+            <a:pPr marL="0" indent="0">
+              <a:buNone/>
+            </a:pPr>
+            <a:endParaRPr lang="en-US" sz="2000" dirty="0">
+              <a:latin typeface="Gill Sans MT" panose="020B0502020104020203" pitchFamily="34" charset="77"/>
+            </a:endParaRPr>
+          </a:p>
+          <a:p>
+            <a:pPr marL="0" indent="0">
+              <a:buNone/>
+            </a:pPr>
+            <a:r>
+              <a:rPr lang="en-US" sz="2000" dirty="0">
+                <a:latin typeface="Gill Sans MT" panose="020B0502020104020203" pitchFamily="34" charset="77"/>
+              </a:rPr>
+              <a:t>Write the </a:t>
+            </a:r>
+            <a:r>
+              <a:rPr lang="en-US" sz="2000" dirty="0" err="1">
+                <a:latin typeface="Gill Sans MT" panose="020B0502020104020203" pitchFamily="34" charset="77"/>
+              </a:rPr>
+              <a:t>average_gpa</a:t>
+            </a:r>
+            <a:r>
+              <a:rPr lang="en-US" sz="2000" dirty="0">
+                <a:latin typeface="Gill Sans MT" panose="020B0502020104020203" pitchFamily="34" charset="77"/>
+              </a:rPr>
+              <a:t> function which accepts a list of Student objects and returns the average </a:t>
+            </a:r>
+            <a:r>
+              <a:rPr lang="en-US" sz="2000" dirty="0" err="1">
+                <a:latin typeface="Gill Sans MT" panose="020B0502020104020203" pitchFamily="34" charset="77"/>
+              </a:rPr>
+              <a:t>gpa</a:t>
+            </a:r>
+            <a:r>
+              <a:rPr lang="en-US" sz="2000" dirty="0">
+                <a:latin typeface="Gill Sans MT" panose="020B0502020104020203" pitchFamily="34" charset="77"/>
+              </a:rPr>
+              <a:t>. </a:t>
+            </a:r>
+          </a:p>
+          <a:p>
+            <a:pPr marL="0" indent="0">
+              <a:buNone/>
+            </a:pPr>
+            <a:endParaRPr lang="en-US" sz="2000" dirty="0">
+              <a:latin typeface="Gill Sans MT" panose="020B0502020104020203" pitchFamily="34" charset="77"/>
+            </a:endParaRPr>
+          </a:p>
+          <a:p>
+            <a:pPr marL="0" indent="0">
+              <a:buNone/>
+            </a:pPr>
+            <a:r>
+              <a:rPr lang="en-US" sz="2000" dirty="0">
+                <a:latin typeface="Gill Sans MT" panose="020B0502020104020203" pitchFamily="34" charset="77"/>
+              </a:rPr>
+              <a:t>Write the main method and:</a:t>
+            </a:r>
+          </a:p>
+          <a:p>
+            <a:pPr marL="457200" indent="-457200">
+              <a:buAutoNum type="arabicParenR"/>
+            </a:pPr>
+            <a:r>
+              <a:rPr lang="en-US" sz="2000" dirty="0">
+                <a:latin typeface="Gill Sans MT" panose="020B0502020104020203" pitchFamily="34" charset="77"/>
+              </a:rPr>
+              <a:t>Create a Student object and store it in a variable. Print out name and </a:t>
+            </a:r>
+            <a:r>
+              <a:rPr lang="en-US" sz="2000" dirty="0" err="1">
+                <a:latin typeface="Gill Sans MT" panose="020B0502020104020203" pitchFamily="34" charset="77"/>
+              </a:rPr>
+              <a:t>gpa</a:t>
+            </a:r>
+            <a:r>
+              <a:rPr lang="en-US" sz="2000" dirty="0">
+                <a:latin typeface="Gill Sans MT" panose="020B0502020104020203" pitchFamily="34" charset="77"/>
+              </a:rPr>
+              <a:t> of the Student object using the dot notation. </a:t>
+            </a:r>
+          </a:p>
+          <a:p>
+            <a:pPr marL="457200" indent="-457200">
+              <a:buAutoNum type="arabicParenR"/>
+            </a:pPr>
+            <a:r>
+              <a:rPr lang="en-US" sz="2000" dirty="0">
+                <a:latin typeface="Gill Sans MT" panose="020B0502020104020203" pitchFamily="34" charset="77"/>
+              </a:rPr>
+              <a:t>Create a list of three Student objects. Use a for loop to print out the names.  </a:t>
+            </a:r>
+          </a:p>
+          <a:p>
+            <a:pPr marL="457200" indent="-457200">
+              <a:buAutoNum type="arabicParenR"/>
+            </a:pPr>
+            <a:r>
+              <a:rPr lang="en-US" sz="2000" dirty="0">
+                <a:latin typeface="Gill Sans MT" panose="020B0502020104020203" pitchFamily="34" charset="77"/>
+              </a:rPr>
+              <a:t>Call </a:t>
+            </a:r>
+            <a:r>
+              <a:rPr lang="en-US" sz="2000" dirty="0" err="1">
+                <a:latin typeface="Gill Sans MT" panose="020B0502020104020203" pitchFamily="34" charset="77"/>
+              </a:rPr>
+              <a:t>average_gpa</a:t>
+            </a:r>
+            <a:r>
+              <a:rPr lang="en-US" sz="2000" dirty="0">
+                <a:latin typeface="Gill Sans MT" panose="020B0502020104020203" pitchFamily="34" charset="77"/>
+              </a:rPr>
+              <a:t> and make sure it works by printing out the average </a:t>
+            </a:r>
+            <a:r>
+              <a:rPr lang="en-US" sz="2000" dirty="0" err="1">
+                <a:latin typeface="Gill Sans MT" panose="020B0502020104020203" pitchFamily="34" charset="77"/>
+              </a:rPr>
+              <a:t>gpa</a:t>
+            </a:r>
+            <a:r>
+              <a:rPr lang="en-US" sz="2000" dirty="0">
+                <a:latin typeface="Gill Sans MT" panose="020B0502020104020203" pitchFamily="34" charset="77"/>
+              </a:rPr>
+              <a:t>.</a:t>
+            </a:r>
+          </a:p>
+          <a:p>
+            <a:pPr marL="0" indent="0">
+              <a:buNone/>
+            </a:pPr>
+            <a:endParaRPr lang="en-US" sz="2000" dirty="0">
+              <a:latin typeface="Gill Sans MT" panose="020B0502020104020203" pitchFamily="34" charset="77"/>
+            </a:endParaRPr>
+          </a:p>
+          <a:p>
+            <a:pPr marL="0" indent="0">
+              <a:buNone/>
+            </a:pPr>
+            <a:endParaRPr lang="en-US" b="1" dirty="0">
               <a:solidFill>
-                <a:srgbClr val="006699"/>
+                <a:srgbClr val="000087"/>
               </a:solidFill>
               <a:latin typeface="Inconsolata" panose="020B0609030003000000" pitchFamily="49" charset="77"/>
             </a:endParaRPr>
@@ -20772,255 +20962,10 @@
             <a:pPr marL="0" indent="0">
               <a:buNone/>
             </a:pPr>
-            <a:r>
-              <a:rPr lang="en-US" sz="1600" b="1" dirty="0">
-                <a:solidFill>
-                  <a:srgbClr val="006699"/>
-                </a:solidFill>
-                <a:latin typeface="Inconsolata" panose="020B0609030003000000" pitchFamily="49" charset="77"/>
-              </a:rPr>
-              <a:t># class definitions</a:t>
-            </a:r>
-            <a:endParaRPr lang="en-US" sz="1600" b="1" dirty="0">
+            <a:endParaRPr lang="en-US" b="1" dirty="0">
               <a:solidFill>
-                <a:srgbClr val="34A327"/>
+                <a:srgbClr val="000087"/>
               </a:solidFill>
-              <a:latin typeface="Inconsolata" panose="020B0609030003000000" pitchFamily="49" charset="77"/>
-            </a:endParaRPr>
-          </a:p>
-          <a:p>
-            <a:pPr marL="0" indent="0">
-              <a:buNone/>
-            </a:pPr>
-            <a:r>
-              <a:rPr lang="en-US" sz="1600" b="1" dirty="0">
-                <a:solidFill>
-                  <a:srgbClr val="34A327"/>
-                </a:solidFill>
-                <a:latin typeface="Inconsolata" panose="020B0609030003000000" pitchFamily="49" charset="77"/>
-              </a:rPr>
-              <a:t>class</a:t>
-            </a:r>
-            <a:r>
-              <a:rPr lang="en-US" sz="1600" b="1" dirty="0">
-                <a:solidFill>
-                  <a:srgbClr val="000000"/>
-                </a:solidFill>
-                <a:latin typeface="Inconsolata" panose="020B0609030003000000" pitchFamily="49" charset="77"/>
-              </a:rPr>
-              <a:t> </a:t>
-            </a:r>
-            <a:r>
-              <a:rPr lang="en-US" sz="1600" b="1" dirty="0">
-                <a:solidFill>
-                  <a:srgbClr val="3C9FF2"/>
-                </a:solidFill>
-                <a:latin typeface="Inconsolata" panose="020B0609030003000000" pitchFamily="49" charset="77"/>
-              </a:rPr>
-              <a:t>Employee:</a:t>
-            </a:r>
-          </a:p>
-          <a:p>
-            <a:pPr marL="0" indent="0">
-              <a:buNone/>
-            </a:pPr>
-            <a:r>
-              <a:rPr lang="en-US" sz="1600" b="1" dirty="0">
-                <a:solidFill>
-                  <a:srgbClr val="3C9FF2"/>
-                </a:solidFill>
-                <a:latin typeface="Inconsolata" panose="020B0609030003000000" pitchFamily="49" charset="77"/>
-              </a:rPr>
-              <a:t>	def __</a:t>
-            </a:r>
-            <a:r>
-              <a:rPr lang="en-US" sz="1600" b="1" dirty="0" err="1">
-                <a:solidFill>
-                  <a:srgbClr val="3C9FF2"/>
-                </a:solidFill>
-                <a:latin typeface="Inconsolata" panose="020B0609030003000000" pitchFamily="49" charset="77"/>
-              </a:rPr>
-              <a:t>init</a:t>
-            </a:r>
-            <a:r>
-              <a:rPr lang="en-US" sz="1600" b="1" dirty="0">
-                <a:solidFill>
-                  <a:srgbClr val="3C9FF2"/>
-                </a:solidFill>
-                <a:latin typeface="Inconsolata" panose="020B0609030003000000" pitchFamily="49" charset="77"/>
-              </a:rPr>
-              <a:t>__(self, name, salary)</a:t>
-            </a:r>
-          </a:p>
-          <a:p>
-            <a:pPr marL="0" indent="0">
-              <a:buNone/>
-            </a:pPr>
-            <a:r>
-              <a:rPr lang="en-US" sz="1600" b="1" dirty="0">
-                <a:solidFill>
-                  <a:srgbClr val="3C9FF2"/>
-                </a:solidFill>
-                <a:latin typeface="Inconsolata" panose="020B0609030003000000" pitchFamily="49" charset="77"/>
-              </a:rPr>
-              <a:t>		</a:t>
-            </a:r>
-            <a:r>
-              <a:rPr lang="en-US" sz="1600" b="1" dirty="0" err="1">
-                <a:solidFill>
-                  <a:srgbClr val="3C9FF2"/>
-                </a:solidFill>
-                <a:latin typeface="Inconsolata" panose="020B0609030003000000" pitchFamily="49" charset="77"/>
-              </a:rPr>
-              <a:t>self.name</a:t>
-            </a:r>
-            <a:r>
-              <a:rPr lang="en-US" sz="1600" b="1" dirty="0">
-                <a:solidFill>
-                  <a:srgbClr val="3C9FF2"/>
-                </a:solidFill>
-                <a:latin typeface="Inconsolata" panose="020B0609030003000000" pitchFamily="49" charset="77"/>
-              </a:rPr>
-              <a:t> = name</a:t>
-            </a:r>
-          </a:p>
-          <a:p>
-            <a:pPr marL="0" indent="0">
-              <a:buNone/>
-            </a:pPr>
-            <a:r>
-              <a:rPr lang="en-US" sz="1600" b="1" dirty="0">
-                <a:solidFill>
-                  <a:srgbClr val="3C9FF2"/>
-                </a:solidFill>
-                <a:latin typeface="Inconsolata" panose="020B0609030003000000" pitchFamily="49" charset="77"/>
-              </a:rPr>
-              <a:t>		</a:t>
-            </a:r>
-            <a:r>
-              <a:rPr lang="en-US" sz="1600" b="1" dirty="0" err="1">
-                <a:solidFill>
-                  <a:srgbClr val="3C9FF2"/>
-                </a:solidFill>
-                <a:latin typeface="Inconsolata" panose="020B0609030003000000" pitchFamily="49" charset="77"/>
-              </a:rPr>
-              <a:t>self.salary</a:t>
-            </a:r>
-            <a:r>
-              <a:rPr lang="en-US" sz="1600" b="1" dirty="0">
-                <a:solidFill>
-                  <a:srgbClr val="3C9FF2"/>
-                </a:solidFill>
-                <a:latin typeface="Inconsolata" panose="020B0609030003000000" pitchFamily="49" charset="77"/>
-              </a:rPr>
-              <a:t> = salary</a:t>
-            </a:r>
-          </a:p>
-          <a:p>
-            <a:pPr marL="0" indent="0">
-              <a:buNone/>
-            </a:pPr>
-            <a:endParaRPr lang="en-US" sz="1600" b="1" dirty="0">
-              <a:solidFill>
-                <a:srgbClr val="006699"/>
-              </a:solidFill>
-              <a:latin typeface="Inconsolata" panose="020B0609030003000000" pitchFamily="49" charset="77"/>
-            </a:endParaRPr>
-          </a:p>
-          <a:p>
-            <a:pPr marL="0" indent="0">
-              <a:buNone/>
-            </a:pPr>
-            <a:r>
-              <a:rPr lang="en-US" sz="1600" b="1" dirty="0">
-                <a:solidFill>
-                  <a:srgbClr val="000000"/>
-                </a:solidFill>
-                <a:latin typeface="Inconsolata" panose="020B0609030003000000" pitchFamily="49" charset="77"/>
-              </a:rPr>
-              <a:t>emp1 = Employee("Mike Smith", 60000.0)</a:t>
-            </a:r>
-          </a:p>
-          <a:p>
-            <a:pPr marL="0" indent="0">
-              <a:buNone/>
-            </a:pPr>
-            <a:r>
-              <a:rPr lang="en-US" sz="1600" b="1" dirty="0">
-                <a:solidFill>
-                  <a:srgbClr val="000000"/>
-                </a:solidFill>
-                <a:latin typeface="Inconsolata" panose="020B0609030003000000" pitchFamily="49" charset="77"/>
-              </a:rPr>
-              <a:t>emp2 = Employee("Sarah Jones", 75000.0)</a:t>
-            </a:r>
-          </a:p>
-          <a:p>
-            <a:pPr marL="0" indent="0">
-              <a:buNone/>
-            </a:pPr>
-            <a:r>
-              <a:rPr lang="en-US" sz="1600" b="1" dirty="0">
-                <a:solidFill>
-                  <a:srgbClr val="000000"/>
-                </a:solidFill>
-                <a:latin typeface="Inconsolata" panose="020B0609030003000000" pitchFamily="49" charset="77"/>
-              </a:rPr>
-              <a:t>print(emp1.name)</a:t>
-            </a:r>
-          </a:p>
-          <a:p>
-            <a:pPr marL="0" indent="0">
-              <a:buNone/>
-            </a:pPr>
-            <a:r>
-              <a:rPr lang="en-US" sz="1600" b="1" dirty="0">
-                <a:solidFill>
-                  <a:srgbClr val="000000"/>
-                </a:solidFill>
-                <a:latin typeface="Inconsolata" panose="020B0609030003000000" pitchFamily="49" charset="77"/>
-              </a:rPr>
-              <a:t>print(emp2.salary)</a:t>
-            </a:r>
-          </a:p>
-          <a:p>
-            <a:pPr marL="0" indent="0">
-              <a:buNone/>
-            </a:pPr>
-            <a:endParaRPr lang="en-US" sz="1600" b="1" dirty="0">
-              <a:solidFill>
-                <a:srgbClr val="000000"/>
-              </a:solidFill>
-              <a:latin typeface="Inconsolata" panose="020B0609030003000000" pitchFamily="49" charset="77"/>
-            </a:endParaRPr>
-          </a:p>
-          <a:p>
-            <a:pPr marL="0" indent="0">
-              <a:buNone/>
-            </a:pPr>
-            <a:endParaRPr lang="en-US" sz="1600" b="1" dirty="0">
-              <a:solidFill>
-                <a:srgbClr val="000000"/>
-              </a:solidFill>
-              <a:latin typeface="Inconsolata" panose="020B0609030003000000" pitchFamily="49" charset="77"/>
-            </a:endParaRPr>
-          </a:p>
-          <a:p>
-            <a:pPr marL="0" indent="0">
-              <a:buNone/>
-            </a:pPr>
-            <a:endParaRPr lang="en-US" sz="1600" b="1" dirty="0">
-              <a:solidFill>
-                <a:srgbClr val="000000"/>
-              </a:solidFill>
-              <a:latin typeface="Inconsolata" panose="020B0609030003000000" pitchFamily="49" charset="77"/>
-            </a:endParaRPr>
-          </a:p>
-          <a:p>
-            <a:pPr marL="0" indent="0">
-              <a:buNone/>
-            </a:pPr>
-            <a:endParaRPr lang="en-US" sz="1600" b="1" dirty="0">
               <a:latin typeface="Inconsolata" panose="020B0609030003000000" pitchFamily="49" charset="77"/>
             </a:endParaRPr>
           </a:p>
@@ -21029,206 +20974,13 @@
     </p:spTree>
     <p:extLst>
       <p:ext uri="{BB962C8B-B14F-4D97-AF65-F5344CB8AC3E}">
-        <p14:creationId xmlns:p14="http://schemas.microsoft.com/office/powerpoint/2010/main" val="1299838656"/>
+        <p14:creationId xmlns:p14="http://schemas.microsoft.com/office/powerpoint/2010/main" val="1854861563"/>
       </p:ext>
     </p:extLst>
   </p:cSld>
   <p:clrMapOvr>
     <a:masterClrMapping/>
   </p:clrMapOvr>
-  <p:timing>
-    <p:tnLst>
-      <p:par>
-        <p:cTn id="1" dur="indefinite" restart="never" nodeType="tmRoot">
-          <p:childTnLst>
-            <p:seq concurrent="1" nextAc="seek">
-              <p:cTn id="2" dur="indefinite" nodeType="mainSeq">
-                <p:childTnLst>
-                  <p:par>
-                    <p:cTn id="3" fill="hold">
-                      <p:stCondLst>
-                        <p:cond delay="indefinite"/>
-                        <p:cond evt="onBegin" delay="0">
-                          <p:tn val="2"/>
-                        </p:cond>
-                      </p:stCondLst>
-                      <p:childTnLst>
-                        <p:par>
-                          <p:cTn id="4" fill="hold">
-                            <p:stCondLst>
-                              <p:cond delay="0"/>
-                            </p:stCondLst>
-                            <p:childTnLst>
-                              <p:par>
-                                <p:cTn id="5" presetID="1" presetClass="entr" presetSubtype="0" fill="hold" nodeType="withEffect">
-                                  <p:stCondLst>
-                                    <p:cond delay="0"/>
-                                  </p:stCondLst>
-                                  <p:childTnLst>
-                                    <p:set>
-                                      <p:cBhvr>
-                                        <p:cTn id="6" dur="1" fill="hold">
-                                          <p:stCondLst>
-                                            <p:cond delay="0"/>
-                                          </p:stCondLst>
-                                        </p:cTn>
-                                        <p:tgtEl>
-                                          <p:spTgt spid="9">
-                                            <p:txEl>
-                                              <p:pRg st="7" end="7"/>
-                                            </p:txEl>
-                                          </p:spTgt>
-                                        </p:tgtEl>
-                                        <p:attrNameLst>
-                                          <p:attrName>style.visibility</p:attrName>
-                                        </p:attrNameLst>
-                                      </p:cBhvr>
-                                      <p:to>
-                                        <p:strVal val="visible"/>
-                                      </p:to>
-                                    </p:set>
-                                  </p:childTnLst>
-                                </p:cTn>
-                              </p:par>
-                              <p:par>
-                                <p:cTn id="7" presetID="1" presetClass="entr" presetSubtype="0" fill="hold" nodeType="withEffect">
-                                  <p:stCondLst>
-                                    <p:cond delay="0"/>
-                                  </p:stCondLst>
-                                  <p:childTnLst>
-                                    <p:set>
-                                      <p:cBhvr>
-                                        <p:cTn id="8" dur="1" fill="hold">
-                                          <p:stCondLst>
-                                            <p:cond delay="0"/>
-                                          </p:stCondLst>
-                                        </p:cTn>
-                                        <p:tgtEl>
-                                          <p:spTgt spid="9">
-                                            <p:txEl>
-                                              <p:pRg st="8" end="8"/>
-                                            </p:txEl>
-                                          </p:spTgt>
-                                        </p:tgtEl>
-                                        <p:attrNameLst>
-                                          <p:attrName>style.visibility</p:attrName>
-                                        </p:attrNameLst>
-                                      </p:cBhvr>
-                                      <p:to>
-                                        <p:strVal val="visible"/>
-                                      </p:to>
-                                    </p:set>
-                                  </p:childTnLst>
-                                </p:cTn>
-                              </p:par>
-                            </p:childTnLst>
-                          </p:cTn>
-                        </p:par>
-                      </p:childTnLst>
-                    </p:cTn>
-                  </p:par>
-                  <p:par>
-                    <p:cTn id="9" fill="hold">
-                      <p:stCondLst>
-                        <p:cond delay="indefinite"/>
-                      </p:stCondLst>
-                      <p:childTnLst>
-                        <p:par>
-                          <p:cTn id="10" fill="hold">
-                            <p:stCondLst>
-                              <p:cond delay="0"/>
-                            </p:stCondLst>
-                            <p:childTnLst>
-                              <p:par>
-                                <p:cTn id="11" presetID="1" presetClass="entr" presetSubtype="0" fill="hold" nodeType="clickEffect">
-                                  <p:stCondLst>
-                                    <p:cond delay="0"/>
-                                  </p:stCondLst>
-                                  <p:childTnLst>
-                                    <p:set>
-                                      <p:cBhvr>
-                                        <p:cTn id="12" dur="1" fill="hold">
-                                          <p:stCondLst>
-                                            <p:cond delay="0"/>
-                                          </p:stCondLst>
-                                        </p:cTn>
-                                        <p:tgtEl>
-                                          <p:spTgt spid="9">
-                                            <p:txEl>
-                                              <p:pRg st="9" end="9"/>
-                                            </p:txEl>
-                                          </p:spTgt>
-                                        </p:tgtEl>
-                                        <p:attrNameLst>
-                                          <p:attrName>style.visibility</p:attrName>
-                                        </p:attrNameLst>
-                                      </p:cBhvr>
-                                      <p:to>
-                                        <p:strVal val="visible"/>
-                                      </p:to>
-                                    </p:set>
-                                  </p:childTnLst>
-                                </p:cTn>
-                              </p:par>
-                              <p:par>
-                                <p:cTn id="13" presetID="1" presetClass="entr" presetSubtype="0" fill="hold" nodeType="withEffect">
-                                  <p:stCondLst>
-                                    <p:cond delay="0"/>
-                                  </p:stCondLst>
-                                  <p:childTnLst>
-                                    <p:set>
-                                      <p:cBhvr>
-                                        <p:cTn id="14" dur="1" fill="hold">
-                                          <p:stCondLst>
-                                            <p:cond delay="0"/>
-                                          </p:stCondLst>
-                                        </p:cTn>
-                                        <p:tgtEl>
-                                          <p:spTgt spid="9">
-                                            <p:txEl>
-                                              <p:pRg st="10" end="10"/>
-                                            </p:txEl>
-                                          </p:spTgt>
-                                        </p:tgtEl>
-                                        <p:attrNameLst>
-                                          <p:attrName>style.visibility</p:attrName>
-                                        </p:attrNameLst>
-                                      </p:cBhvr>
-                                      <p:to>
-                                        <p:strVal val="visible"/>
-                                      </p:to>
-                                    </p:set>
-                                  </p:childTnLst>
-                                </p:cTn>
-                              </p:par>
-                            </p:childTnLst>
-                          </p:cTn>
-                        </p:par>
-                      </p:childTnLst>
-                    </p:cTn>
-                  </p:par>
-                </p:childTnLst>
-              </p:cTn>
-              <p:prevCondLst>
-                <p:cond evt="onPrev" delay="0">
-                  <p:tgtEl>
-                    <p:sldTgt/>
-                  </p:tgtEl>
-                </p:cond>
-              </p:prevCondLst>
-              <p:nextCondLst>
-                <p:cond evt="onNext" delay="0">
-                  <p:tgtEl>
-                    <p:sldTgt/>
-                  </p:tgtEl>
-                </p:cond>
-              </p:nextCondLst>
-            </p:seq>
-          </p:childTnLst>
-        </p:cTn>
-      </p:par>
-    </p:tnLst>
-  </p:timing>
 </p:sld>
 </file>
 
@@ -21267,19 +21019,17 @@
         </p:nvSpPr>
         <p:spPr>
           <a:xfrm>
-            <a:off x="218804" y="83453"/>
-            <a:ext cx="7053542" cy="535672"/>
+            <a:off x="483848" y="467027"/>
+            <a:ext cx="7053542" cy="683886"/>
           </a:xfrm>
         </p:spPr>
         <p:txBody>
-          <a:bodyPr>
-            <a:normAutofit fontScale="90000"/>
-          </a:bodyPr>
+          <a:bodyPr/>
           <a:lstStyle/>
           <a:p>
             <a:r>
               <a:rPr lang="en-US" dirty="0"/>
-              <a:t>A list of objects</a:t>
+              <a:t>Lab 1</a:t>
             </a:r>
           </a:p>
         </p:txBody>
@@ -21302,31 +21052,96 @@
         </p:nvSpPr>
         <p:spPr>
           <a:xfrm>
-            <a:off x="483848" y="619125"/>
-            <a:ext cx="8051725" cy="5095875"/>
+            <a:off x="483848" y="1257299"/>
+            <a:ext cx="8051725" cy="4334203"/>
           </a:xfrm>
         </p:spPr>
         <p:txBody>
           <a:bodyPr>
-            <a:noAutofit/>
+            <a:normAutofit/>
           </a:bodyPr>
           <a:lstStyle/>
           <a:p>
             <a:pPr marL="0" indent="0">
               <a:buNone/>
             </a:pPr>
-            <a:r>
-              <a:rPr lang="en-US" sz="1600" b="1" dirty="0" err="1">
-                <a:solidFill>
-                  <a:srgbClr val="FF0000"/>
-                </a:solidFill>
-                <a:latin typeface="Inconsolata" panose="020B0609030003000000" pitchFamily="49" charset="77"/>
-              </a:rPr>
-              <a:t>main.py</a:t>
-            </a:r>
-            <a:endParaRPr lang="en-US" sz="1600" b="1" dirty="0">
+            <a:endParaRPr lang="en-US" dirty="0"/>
+          </a:p>
+          <a:p>
+            <a:pPr marL="0" indent="0">
+              <a:buNone/>
+            </a:pPr>
+            <a:endParaRPr lang="en-US" dirty="0"/>
+          </a:p>
+          <a:p>
+            <a:pPr marL="0" indent="0">
+              <a:buNone/>
+            </a:pPr>
+            <a:endParaRPr lang="en-US" dirty="0"/>
+          </a:p>
+          <a:p>
+            <a:pPr marL="0" indent="0">
+              <a:buNone/>
+            </a:pPr>
+            <a:r>
+              <a:rPr lang="en-US" dirty="0"/>
+              <a:t>Modify the previous lab by putting Student class and the average </a:t>
+            </a:r>
+            <a:r>
+              <a:rPr lang="en-US" dirty="0" err="1"/>
+              <a:t>gpa</a:t>
+            </a:r>
+            <a:r>
+              <a:rPr lang="en-US" dirty="0"/>
+              <a:t> function in a different module(.</a:t>
+            </a:r>
+            <a:r>
+              <a:rPr lang="en-US" dirty="0" err="1"/>
+              <a:t>py</a:t>
+            </a:r>
+            <a:r>
+              <a:rPr lang="en-US" dirty="0"/>
+              <a:t>). </a:t>
+            </a:r>
+          </a:p>
+          <a:p>
+            <a:pPr marL="0" indent="0">
+              <a:buNone/>
+            </a:pPr>
+            <a:endParaRPr lang="en-US" dirty="0"/>
+          </a:p>
+          <a:p>
+            <a:pPr marL="0" indent="0">
+              <a:buNone/>
+            </a:pPr>
+            <a:r>
+              <a:rPr lang="en-US" dirty="0"/>
+              <a:t>Make the necessary import statement to make your code runs correctly. </a:t>
+            </a:r>
+          </a:p>
+          <a:p>
+            <a:pPr marL="0" indent="0">
+              <a:buNone/>
+            </a:pPr>
+            <a:endParaRPr lang="en-US" sz="2000" dirty="0">
+              <a:latin typeface="Gill Sans MT" panose="020B0502020104020203" pitchFamily="34" charset="77"/>
+            </a:endParaRPr>
+          </a:p>
+          <a:p>
+            <a:pPr marL="0" indent="0">
+              <a:buNone/>
+            </a:pPr>
+            <a:endParaRPr lang="en-US" sz="2000" dirty="0">
+              <a:latin typeface="Gill Sans MT" panose="020B0502020104020203" pitchFamily="34" charset="77"/>
+            </a:endParaRPr>
+          </a:p>
+          <a:p>
+            <a:pPr marL="0" indent="0">
+              <a:buNone/>
+            </a:pPr>
+            <a:endParaRPr lang="en-US" b="1" dirty="0">
               <a:solidFill>
-                <a:srgbClr val="34A327"/>
+                <a:srgbClr val="000087"/>
               </a:solidFill>
               <a:latin typeface="Inconsolata" panose="020B0609030003000000" pitchFamily="49" charset="77"/>
             </a:endParaRPr>
@@ -21335,453 +21150,10 @@
             <a:pPr marL="0" indent="0">
               <a:buNone/>
             </a:pPr>
-            <a:r>
-              <a:rPr lang="en-US" sz="1600" b="1" dirty="0">
-                <a:solidFill>
-                  <a:srgbClr val="34A327"/>
-                </a:solidFill>
-                <a:latin typeface="Inconsolata" panose="020B0609030003000000" pitchFamily="49" charset="77"/>
-              </a:rPr>
-              <a:t>class</a:t>
-            </a:r>
-            <a:r>
-              <a:rPr lang="en-US" sz="1600" b="1" dirty="0">
-                <a:solidFill>
-                  <a:srgbClr val="000000"/>
-                </a:solidFill>
-                <a:latin typeface="Inconsolata" panose="020B0609030003000000" pitchFamily="49" charset="77"/>
-              </a:rPr>
-              <a:t> </a:t>
-            </a:r>
-            <a:r>
-              <a:rPr lang="en-US" sz="1600" b="1" dirty="0">
-                <a:solidFill>
-                  <a:srgbClr val="3C9FF2"/>
-                </a:solidFill>
-                <a:latin typeface="Inconsolata" panose="020B0609030003000000" pitchFamily="49" charset="77"/>
-              </a:rPr>
-              <a:t>Employee:</a:t>
-            </a:r>
-          </a:p>
-          <a:p>
-            <a:pPr marL="0" indent="0">
-              <a:buNone/>
-            </a:pPr>
-            <a:r>
-              <a:rPr lang="en-US" sz="1600" b="1" dirty="0">
-                <a:solidFill>
-                  <a:srgbClr val="3C9FF2"/>
-                </a:solidFill>
-                <a:latin typeface="Inconsolata" panose="020B0609030003000000" pitchFamily="49" charset="77"/>
-              </a:rPr>
-              <a:t>	def __</a:t>
-            </a:r>
-            <a:r>
-              <a:rPr lang="en-US" sz="1600" b="1" dirty="0" err="1">
-                <a:solidFill>
-                  <a:srgbClr val="3C9FF2"/>
-                </a:solidFill>
-                <a:latin typeface="Inconsolata" panose="020B0609030003000000" pitchFamily="49" charset="77"/>
-              </a:rPr>
-              <a:t>init</a:t>
-            </a:r>
-            <a:r>
-              <a:rPr lang="en-US" sz="1600" b="1" dirty="0">
-                <a:solidFill>
-                  <a:srgbClr val="3C9FF2"/>
-                </a:solidFill>
-                <a:latin typeface="Inconsolata" panose="020B0609030003000000" pitchFamily="49" charset="77"/>
-              </a:rPr>
-              <a:t>__(self, </a:t>
-            </a:r>
-            <a:r>
-              <a:rPr lang="en-US" sz="1600" b="1" dirty="0">
-                <a:latin typeface="Inconsolata" panose="020B0609030003000000" pitchFamily="49" charset="77"/>
-              </a:rPr>
-              <a:t>name</a:t>
-            </a:r>
-            <a:r>
-              <a:rPr lang="en-US" sz="1600" b="1" dirty="0">
-                <a:solidFill>
-                  <a:srgbClr val="3C9FF2"/>
-                </a:solidFill>
-                <a:latin typeface="Inconsolata" panose="020B0609030003000000" pitchFamily="49" charset="77"/>
-              </a:rPr>
-              <a:t>, </a:t>
-            </a:r>
-            <a:r>
-              <a:rPr lang="en-US" sz="1600" b="1" dirty="0">
-                <a:latin typeface="Inconsolata" panose="020B0609030003000000" pitchFamily="49" charset="77"/>
-              </a:rPr>
-              <a:t>salary</a:t>
-            </a:r>
-            <a:r>
-              <a:rPr lang="en-US" sz="1600" b="1" dirty="0">
-                <a:solidFill>
-                  <a:srgbClr val="3C9FF2"/>
-                </a:solidFill>
-                <a:latin typeface="Inconsolata" panose="020B0609030003000000" pitchFamily="49" charset="77"/>
-              </a:rPr>
-              <a:t>)</a:t>
-            </a:r>
-          </a:p>
-          <a:p>
-            <a:pPr marL="0" indent="0">
-              <a:buNone/>
-            </a:pPr>
-            <a:r>
-              <a:rPr lang="en-US" sz="1600" b="1" dirty="0">
-                <a:solidFill>
-                  <a:srgbClr val="3C9FF2"/>
-                </a:solidFill>
-                <a:latin typeface="Inconsolata" panose="020B0609030003000000" pitchFamily="49" charset="77"/>
-              </a:rPr>
-              <a:t>		</a:t>
-            </a:r>
-            <a:r>
-              <a:rPr lang="en-US" sz="1600" b="1" dirty="0" err="1">
-                <a:latin typeface="Inconsolata" panose="020B0609030003000000" pitchFamily="49" charset="77"/>
-              </a:rPr>
-              <a:t>self.name</a:t>
-            </a:r>
-            <a:r>
-              <a:rPr lang="en-US" sz="1600" b="1" dirty="0">
-                <a:latin typeface="Inconsolata" panose="020B0609030003000000" pitchFamily="49" charset="77"/>
-              </a:rPr>
-              <a:t> </a:t>
-            </a:r>
-            <a:r>
-              <a:rPr lang="en-US" sz="1600" b="1" dirty="0">
-                <a:solidFill>
-                  <a:srgbClr val="3C9FF2"/>
-                </a:solidFill>
-                <a:latin typeface="Inconsolata" panose="020B0609030003000000" pitchFamily="49" charset="77"/>
-              </a:rPr>
-              <a:t>= name</a:t>
-            </a:r>
-          </a:p>
-          <a:p>
-            <a:pPr marL="0" indent="0">
-              <a:buNone/>
-            </a:pPr>
-            <a:r>
-              <a:rPr lang="en-US" sz="1600" b="1" dirty="0">
-                <a:solidFill>
-                  <a:srgbClr val="3C9FF2"/>
-                </a:solidFill>
-                <a:latin typeface="Inconsolata" panose="020B0609030003000000" pitchFamily="49" charset="77"/>
-              </a:rPr>
-              <a:t>		</a:t>
-            </a:r>
-            <a:r>
-              <a:rPr lang="en-US" sz="1600" b="1" dirty="0" err="1">
-                <a:latin typeface="Inconsolata" panose="020B0609030003000000" pitchFamily="49" charset="77"/>
-              </a:rPr>
-              <a:t>self.salary</a:t>
-            </a:r>
-            <a:r>
-              <a:rPr lang="en-US" sz="1600" b="1" dirty="0">
-                <a:latin typeface="Inconsolata" panose="020B0609030003000000" pitchFamily="49" charset="77"/>
-              </a:rPr>
-              <a:t> </a:t>
-            </a:r>
-            <a:r>
-              <a:rPr lang="en-US" sz="1600" b="1" dirty="0">
-                <a:solidFill>
-                  <a:srgbClr val="3C9FF2"/>
-                </a:solidFill>
-                <a:latin typeface="Inconsolata" panose="020B0609030003000000" pitchFamily="49" charset="77"/>
-              </a:rPr>
-              <a:t>= salary</a:t>
-            </a:r>
-          </a:p>
-          <a:p>
-            <a:pPr marL="0" indent="0">
-              <a:buNone/>
-            </a:pPr>
-            <a:r>
-              <a:rPr lang="en-US" sz="1600" b="1" dirty="0">
-                <a:solidFill>
-                  <a:srgbClr val="34A327"/>
-                </a:solidFill>
-                <a:latin typeface="Inconsolata" panose="020B0609030003000000" pitchFamily="49" charset="77"/>
-              </a:rPr>
-              <a:t>def</a:t>
-            </a:r>
-            <a:r>
-              <a:rPr lang="en-US" sz="1600" b="1" dirty="0">
-                <a:solidFill>
-                  <a:srgbClr val="000000"/>
-                </a:solidFill>
-                <a:latin typeface="Inconsolata" panose="020B0609030003000000" pitchFamily="49" charset="77"/>
-              </a:rPr>
-              <a:t> </a:t>
-            </a:r>
-            <a:r>
-              <a:rPr lang="en-US" sz="1600" b="1" dirty="0" err="1">
-                <a:solidFill>
-                  <a:srgbClr val="3C9FF2"/>
-                </a:solidFill>
-                <a:latin typeface="Inconsolata" panose="020B0609030003000000" pitchFamily="49" charset="77"/>
-              </a:rPr>
-              <a:t>printEmployeesInfo</a:t>
-            </a:r>
-            <a:r>
-              <a:rPr lang="en-US" sz="1600" b="1" dirty="0">
-                <a:solidFill>
-                  <a:srgbClr val="000000"/>
-                </a:solidFill>
-                <a:latin typeface="Inconsolata" panose="020B0609030003000000" pitchFamily="49" charset="77"/>
-              </a:rPr>
-              <a:t>(</a:t>
-            </a:r>
-            <a:r>
-              <a:rPr lang="en-US" sz="1600" b="1" dirty="0" err="1">
-                <a:solidFill>
-                  <a:srgbClr val="000000"/>
-                </a:solidFill>
-                <a:latin typeface="Inconsolata" panose="020B0609030003000000" pitchFamily="49" charset="77"/>
-              </a:rPr>
-              <a:t>lst</a:t>
-            </a:r>
-            <a:r>
-              <a:rPr lang="en-US" sz="1600" b="1" dirty="0">
-                <a:solidFill>
-                  <a:srgbClr val="000000"/>
-                </a:solidFill>
-                <a:latin typeface="Inconsolata" panose="020B0609030003000000" pitchFamily="49" charset="77"/>
-              </a:rPr>
-              <a:t>):</a:t>
-            </a:r>
-          </a:p>
-          <a:p>
-            <a:pPr marL="0" indent="0">
-              <a:buNone/>
-            </a:pPr>
-            <a:r>
-              <a:rPr lang="en-US" sz="1600" b="1" dirty="0">
-                <a:solidFill>
-                  <a:srgbClr val="000000"/>
-                </a:solidFill>
-                <a:latin typeface="Inconsolata" panose="020B0609030003000000" pitchFamily="49" charset="77"/>
-              </a:rPr>
-              <a:t>	for emp in </a:t>
-            </a:r>
-            <a:r>
-              <a:rPr lang="en-US" sz="1600" b="1" dirty="0" err="1">
-                <a:solidFill>
-                  <a:srgbClr val="000000"/>
-                </a:solidFill>
-                <a:latin typeface="Inconsolata" panose="020B0609030003000000" pitchFamily="49" charset="77"/>
-              </a:rPr>
-              <a:t>lst</a:t>
-            </a:r>
-            <a:r>
-              <a:rPr lang="en-US" sz="1600" b="1" dirty="0">
-                <a:solidFill>
-                  <a:srgbClr val="000000"/>
-                </a:solidFill>
-                <a:latin typeface="Inconsolata" panose="020B0609030003000000" pitchFamily="49" charset="77"/>
-              </a:rPr>
-              <a:t>:</a:t>
-            </a:r>
-          </a:p>
-          <a:p>
-            <a:pPr marL="0" indent="0">
-              <a:buNone/>
-            </a:pPr>
-            <a:r>
-              <a:rPr lang="en-US" sz="1600" b="1" dirty="0">
-                <a:solidFill>
-                  <a:srgbClr val="000000"/>
-                </a:solidFill>
-                <a:latin typeface="Inconsolata" panose="020B0609030003000000" pitchFamily="49" charset="77"/>
-              </a:rPr>
-              <a:t>		print("Name: ", </a:t>
-            </a:r>
-            <a:r>
-              <a:rPr lang="en-US" sz="1600" b="1" dirty="0" err="1">
-                <a:solidFill>
-                  <a:srgbClr val="000000"/>
-                </a:solidFill>
-                <a:latin typeface="Inconsolata" panose="020B0609030003000000" pitchFamily="49" charset="77"/>
-              </a:rPr>
-              <a:t>emp.name</a:t>
-            </a:r>
-            <a:r>
-              <a:rPr lang="en-US" sz="1600" b="1" dirty="0">
-                <a:solidFill>
-                  <a:srgbClr val="000000"/>
-                </a:solidFill>
-                <a:latin typeface="Inconsolata" panose="020B0609030003000000" pitchFamily="49" charset="77"/>
-              </a:rPr>
-              <a:t>)</a:t>
-            </a:r>
-          </a:p>
-          <a:p>
-            <a:pPr marL="0" indent="0">
-              <a:buNone/>
-            </a:pPr>
-            <a:r>
-              <a:rPr lang="en-US" sz="1600" b="1" dirty="0">
-                <a:solidFill>
-                  <a:srgbClr val="000000"/>
-                </a:solidFill>
-                <a:latin typeface="Inconsolata" panose="020B0609030003000000" pitchFamily="49" charset="77"/>
-              </a:rPr>
-              <a:t>		print("Salary: ", </a:t>
-            </a:r>
-            <a:r>
-              <a:rPr lang="en-US" sz="1600" b="1" dirty="0" err="1">
-                <a:solidFill>
-                  <a:srgbClr val="000000"/>
-                </a:solidFill>
-                <a:latin typeface="Inconsolata" panose="020B0609030003000000" pitchFamily="49" charset="77"/>
-              </a:rPr>
-              <a:t>emp.salary</a:t>
-            </a:r>
-            <a:r>
-              <a:rPr lang="en-US" sz="1600" b="1" dirty="0">
-                <a:solidFill>
-                  <a:srgbClr val="000000"/>
-                </a:solidFill>
-                <a:latin typeface="Inconsolata" panose="020B0609030003000000" pitchFamily="49" charset="77"/>
-              </a:rPr>
-              <a:t>)  </a:t>
-            </a:r>
-            <a:endParaRPr lang="en-US" sz="1600" b="1" dirty="0">
+            <a:endParaRPr lang="en-US" b="1" dirty="0">
               <a:solidFill>
-                <a:srgbClr val="006699"/>
+                <a:srgbClr val="000087"/>
               </a:solidFill>
-              <a:latin typeface="Inconsolata" panose="020B0609030003000000" pitchFamily="49" charset="77"/>
-            </a:endParaRPr>
-          </a:p>
-          <a:p>
-            <a:pPr marL="0" indent="0">
-              <a:buNone/>
-            </a:pPr>
-            <a:endParaRPr lang="en-US" sz="1600" b="1" dirty="0">
-              <a:solidFill>
-                <a:srgbClr val="000000"/>
-              </a:solidFill>
-              <a:latin typeface="Inconsolata" panose="020B0609030003000000" pitchFamily="49" charset="77"/>
-            </a:endParaRPr>
-          </a:p>
-          <a:p>
-            <a:pPr marL="0" indent="0">
-              <a:buNone/>
-            </a:pPr>
-            <a:r>
-              <a:rPr lang="en-US" sz="1600" b="1" dirty="0">
-                <a:solidFill>
-                  <a:srgbClr val="000000"/>
-                </a:solidFill>
-                <a:latin typeface="Inconsolata" panose="020B0609030003000000" pitchFamily="49" charset="77"/>
-              </a:rPr>
-              <a:t>emp1 = Employee("Mike Smith", 60000.0)</a:t>
-            </a:r>
-          </a:p>
-          <a:p>
-            <a:pPr marL="0" indent="0">
-              <a:buNone/>
-            </a:pPr>
-            <a:r>
-              <a:rPr lang="en-US" sz="1600" b="1" dirty="0">
-                <a:solidFill>
-                  <a:srgbClr val="000000"/>
-                </a:solidFill>
-                <a:latin typeface="Inconsolata" panose="020B0609030003000000" pitchFamily="49" charset="77"/>
-              </a:rPr>
-              <a:t>emp2 = Employee("Sarah Jones", 75000.0)</a:t>
-            </a:r>
-          </a:p>
-          <a:p>
-            <a:pPr marL="0" indent="0">
-              <a:buNone/>
-            </a:pPr>
-            <a:r>
-              <a:rPr lang="en-US" sz="1600" b="1" dirty="0">
-                <a:solidFill>
-                  <a:srgbClr val="000000"/>
-                </a:solidFill>
-                <a:latin typeface="Inconsolata" panose="020B0609030003000000" pitchFamily="49" charset="77"/>
-              </a:rPr>
-              <a:t>employees = [emp1]</a:t>
-            </a:r>
-          </a:p>
-          <a:p>
-            <a:pPr marL="0" indent="0">
-              <a:buNone/>
-            </a:pPr>
-            <a:r>
-              <a:rPr lang="en-US" sz="1600" b="1" dirty="0" err="1">
-                <a:solidFill>
-                  <a:srgbClr val="000000"/>
-                </a:solidFill>
-                <a:latin typeface="Inconsolata" panose="020B0609030003000000" pitchFamily="49" charset="77"/>
-              </a:rPr>
-              <a:t>employees.append</a:t>
-            </a:r>
-            <a:r>
-              <a:rPr lang="en-US" sz="1600" b="1" dirty="0">
-                <a:solidFill>
-                  <a:srgbClr val="000000"/>
-                </a:solidFill>
-                <a:latin typeface="Inconsolata" panose="020B0609030003000000" pitchFamily="49" charset="77"/>
-              </a:rPr>
-              <a:t>(emp2)</a:t>
-            </a:r>
-          </a:p>
-          <a:p>
-            <a:pPr marL="0" indent="0">
-              <a:buNone/>
-            </a:pPr>
-            <a:r>
-              <a:rPr lang="en-US" sz="1600" b="1" dirty="0" err="1">
-                <a:solidFill>
-                  <a:srgbClr val="000000"/>
-                </a:solidFill>
-                <a:latin typeface="Inconsolata" panose="020B0609030003000000" pitchFamily="49" charset="77"/>
-              </a:rPr>
-              <a:t>printEmployeesInfo</a:t>
-            </a:r>
-            <a:r>
-              <a:rPr lang="en-US" sz="1600" b="1" dirty="0">
-                <a:solidFill>
-                  <a:srgbClr val="000000"/>
-                </a:solidFill>
-                <a:latin typeface="Inconsolata" panose="020B0609030003000000" pitchFamily="49" charset="77"/>
-              </a:rPr>
-              <a:t>(employees)</a:t>
-            </a:r>
-          </a:p>
-          <a:p>
-            <a:pPr marL="0" indent="0">
-              <a:buNone/>
-            </a:pPr>
-            <a:endParaRPr lang="en-US" sz="1600" b="1" dirty="0">
-              <a:solidFill>
-                <a:srgbClr val="000000"/>
-              </a:solidFill>
-              <a:latin typeface="Inconsolata" panose="020B0609030003000000" pitchFamily="49" charset="77"/>
-            </a:endParaRPr>
-          </a:p>
-          <a:p>
-            <a:pPr marL="0" indent="0">
-              <a:buNone/>
-            </a:pPr>
-            <a:endParaRPr lang="en-US" sz="1600" b="1" dirty="0">
-              <a:solidFill>
-                <a:srgbClr val="000000"/>
-              </a:solidFill>
-              <a:latin typeface="Inconsolata" panose="020B0609030003000000" pitchFamily="49" charset="77"/>
-            </a:endParaRPr>
-          </a:p>
-          <a:p>
-            <a:pPr marL="0" indent="0">
-              <a:buNone/>
-            </a:pPr>
-            <a:endParaRPr lang="en-US" sz="1600" b="1" dirty="0">
               <a:latin typeface="Inconsolata" panose="020B0609030003000000" pitchFamily="49" charset="77"/>
             </a:endParaRPr>
           </a:p>
@@ -21790,358 +21162,13 @@
     </p:spTree>
     <p:extLst>
       <p:ext uri="{BB962C8B-B14F-4D97-AF65-F5344CB8AC3E}">
-        <p14:creationId xmlns:p14="http://schemas.microsoft.com/office/powerpoint/2010/main" val="2820908233"/>
+        <p14:creationId xmlns:p14="http://schemas.microsoft.com/office/powerpoint/2010/main" val="3027756854"/>
       </p:ext>
     </p:extLst>
   </p:cSld>
   <p:clrMapOvr>
     <a:masterClrMapping/>
   </p:clrMapOvr>
-  <p:timing>
-    <p:tnLst>
-      <p:par>
-        <p:cTn id="1" dur="indefinite" restart="never" nodeType="tmRoot">
-          <p:childTnLst>
-            <p:seq concurrent="1" nextAc="seek">
-              <p:cTn id="2" dur="indefinite" nodeType="mainSeq">
-                <p:childTnLst>
-                  <p:par>
-                    <p:cTn id="3" fill="hold">
-                      <p:stCondLst>
-                        <p:cond delay="indefinite"/>
-                      </p:stCondLst>
-                      <p:childTnLst>
-                        <p:par>
-                          <p:cTn id="4" fill="hold">
-                            <p:stCondLst>
-                              <p:cond delay="0"/>
-                            </p:stCondLst>
-                            <p:childTnLst>
-                              <p:par>
-                                <p:cTn id="5" presetID="1" presetClass="entr" presetSubtype="0" fill="hold" nodeType="clickEffect">
-                                  <p:stCondLst>
-                                    <p:cond delay="0"/>
-                                  </p:stCondLst>
-                                  <p:childTnLst>
-                                    <p:set>
-                                      <p:cBhvr>
-                                        <p:cTn id="6" dur="1" fill="hold">
-                                          <p:stCondLst>
-                                            <p:cond delay="0"/>
-                                          </p:stCondLst>
-                                        </p:cTn>
-                                        <p:tgtEl>
-                                          <p:spTgt spid="9">
-                                            <p:txEl>
-                                              <p:pRg st="5" end="5"/>
-                                            </p:txEl>
-                                          </p:spTgt>
-                                        </p:tgtEl>
-                                        <p:attrNameLst>
-                                          <p:attrName>style.visibility</p:attrName>
-                                        </p:attrNameLst>
-                                      </p:cBhvr>
-                                      <p:to>
-                                        <p:strVal val="visible"/>
-                                      </p:to>
-                                    </p:set>
-                                  </p:childTnLst>
-                                </p:cTn>
-                              </p:par>
-                              <p:par>
-                                <p:cTn id="7" presetID="1" presetClass="entr" presetSubtype="0" fill="hold" nodeType="withEffect">
-                                  <p:stCondLst>
-                                    <p:cond delay="0"/>
-                                  </p:stCondLst>
-                                  <p:childTnLst>
-                                    <p:set>
-                                      <p:cBhvr>
-                                        <p:cTn id="8" dur="1" fill="hold">
-                                          <p:stCondLst>
-                                            <p:cond delay="0"/>
-                                          </p:stCondLst>
-                                        </p:cTn>
-                                        <p:tgtEl>
-                                          <p:spTgt spid="9">
-                                            <p:txEl>
-                                              <p:pRg st="6" end="6"/>
-                                            </p:txEl>
-                                          </p:spTgt>
-                                        </p:tgtEl>
-                                        <p:attrNameLst>
-                                          <p:attrName>style.visibility</p:attrName>
-                                        </p:attrNameLst>
-                                      </p:cBhvr>
-                                      <p:to>
-                                        <p:strVal val="visible"/>
-                                      </p:to>
-                                    </p:set>
-                                  </p:childTnLst>
-                                </p:cTn>
-                              </p:par>
-                              <p:par>
-                                <p:cTn id="9" presetID="1" presetClass="entr" presetSubtype="0" fill="hold" nodeType="withEffect">
-                                  <p:stCondLst>
-                                    <p:cond delay="0"/>
-                                  </p:stCondLst>
-                                  <p:childTnLst>
-                                    <p:set>
-                                      <p:cBhvr>
-                                        <p:cTn id="10" dur="1" fill="hold">
-                                          <p:stCondLst>
-                                            <p:cond delay="0"/>
-                                          </p:stCondLst>
-                                        </p:cTn>
-                                        <p:tgtEl>
-                                          <p:spTgt spid="9">
-                                            <p:txEl>
-                                              <p:pRg st="7" end="7"/>
-                                            </p:txEl>
-                                          </p:spTgt>
-                                        </p:tgtEl>
-                                        <p:attrNameLst>
-                                          <p:attrName>style.visibility</p:attrName>
-                                        </p:attrNameLst>
-                                      </p:cBhvr>
-                                      <p:to>
-                                        <p:strVal val="visible"/>
-                                      </p:to>
-                                    </p:set>
-                                  </p:childTnLst>
-                                </p:cTn>
-                              </p:par>
-                              <p:par>
-                                <p:cTn id="11" presetID="1" presetClass="entr" presetSubtype="0" fill="hold" nodeType="withEffect">
-                                  <p:stCondLst>
-                                    <p:cond delay="0"/>
-                                  </p:stCondLst>
-                                  <p:childTnLst>
-                                    <p:set>
-                                      <p:cBhvr>
-                                        <p:cTn id="12" dur="1" fill="hold">
-                                          <p:stCondLst>
-                                            <p:cond delay="0"/>
-                                          </p:stCondLst>
-                                        </p:cTn>
-                                        <p:tgtEl>
-                                          <p:spTgt spid="9">
-                                            <p:txEl>
-                                              <p:pRg st="8" end="8"/>
-                                            </p:txEl>
-                                          </p:spTgt>
-                                        </p:tgtEl>
-                                        <p:attrNameLst>
-                                          <p:attrName>style.visibility</p:attrName>
-                                        </p:attrNameLst>
-                                      </p:cBhvr>
-                                      <p:to>
-                                        <p:strVal val="visible"/>
-                                      </p:to>
-                                    </p:set>
-                                  </p:childTnLst>
-                                </p:cTn>
-                              </p:par>
-                              <p:par>
-                                <p:cTn id="13" presetID="1" presetClass="entr" presetSubtype="0" fill="hold" nodeType="withEffect">
-                                  <p:stCondLst>
-                                    <p:cond delay="0"/>
-                                  </p:stCondLst>
-                                  <p:childTnLst>
-                                    <p:set>
-                                      <p:cBhvr>
-                                        <p:cTn id="14" dur="1" fill="hold">
-                                          <p:stCondLst>
-                                            <p:cond delay="0"/>
-                                          </p:stCondLst>
-                                        </p:cTn>
-                                        <p:tgtEl>
-                                          <p:spTgt spid="9">
-                                            <p:txEl>
-                                              <p:pRg st="10" end="10"/>
-                                            </p:txEl>
-                                          </p:spTgt>
-                                        </p:tgtEl>
-                                        <p:attrNameLst>
-                                          <p:attrName>style.visibility</p:attrName>
-                                        </p:attrNameLst>
-                                      </p:cBhvr>
-                                      <p:to>
-                                        <p:strVal val="visible"/>
-                                      </p:to>
-                                    </p:set>
-                                  </p:childTnLst>
-                                </p:cTn>
-                              </p:par>
-                              <p:par>
-                                <p:cTn id="15" presetID="1" presetClass="entr" presetSubtype="0" fill="hold" nodeType="withEffect">
-                                  <p:stCondLst>
-                                    <p:cond delay="0"/>
-                                  </p:stCondLst>
-                                  <p:childTnLst>
-                                    <p:set>
-                                      <p:cBhvr>
-                                        <p:cTn id="16" dur="1" fill="hold">
-                                          <p:stCondLst>
-                                            <p:cond delay="0"/>
-                                          </p:stCondLst>
-                                        </p:cTn>
-                                        <p:tgtEl>
-                                          <p:spTgt spid="9">
-                                            <p:txEl>
-                                              <p:pRg st="11" end="11"/>
-                                            </p:txEl>
-                                          </p:spTgt>
-                                        </p:tgtEl>
-                                        <p:attrNameLst>
-                                          <p:attrName>style.visibility</p:attrName>
-                                        </p:attrNameLst>
-                                      </p:cBhvr>
-                                      <p:to>
-                                        <p:strVal val="visible"/>
-                                      </p:to>
-                                    </p:set>
-                                  </p:childTnLst>
-                                </p:cTn>
-                              </p:par>
-                            </p:childTnLst>
-                          </p:cTn>
-                        </p:par>
-                      </p:childTnLst>
-                    </p:cTn>
-                  </p:par>
-                  <p:par>
-                    <p:cTn id="17" fill="hold">
-                      <p:stCondLst>
-                        <p:cond delay="indefinite"/>
-                      </p:stCondLst>
-                      <p:childTnLst>
-                        <p:par>
-                          <p:cTn id="18" fill="hold">
-                            <p:stCondLst>
-                              <p:cond delay="0"/>
-                            </p:stCondLst>
-                            <p:childTnLst>
-                              <p:par>
-                                <p:cTn id="19" presetID="1" presetClass="entr" presetSubtype="0" fill="hold" nodeType="clickEffect">
-                                  <p:stCondLst>
-                                    <p:cond delay="0"/>
-                                  </p:stCondLst>
-                                  <p:childTnLst>
-                                    <p:set>
-                                      <p:cBhvr>
-                                        <p:cTn id="20" dur="1" fill="hold">
-                                          <p:stCondLst>
-                                            <p:cond delay="0"/>
-                                          </p:stCondLst>
-                                        </p:cTn>
-                                        <p:tgtEl>
-                                          <p:spTgt spid="9">
-                                            <p:txEl>
-                                              <p:pRg st="12" end="12"/>
-                                            </p:txEl>
-                                          </p:spTgt>
-                                        </p:tgtEl>
-                                        <p:attrNameLst>
-                                          <p:attrName>style.visibility</p:attrName>
-                                        </p:attrNameLst>
-                                      </p:cBhvr>
-                                      <p:to>
-                                        <p:strVal val="visible"/>
-                                      </p:to>
-                                    </p:set>
-                                  </p:childTnLst>
-                                </p:cTn>
-                              </p:par>
-                              <p:par>
-                                <p:cTn id="21" presetID="1" presetClass="entr" presetSubtype="0" fill="hold" nodeType="withEffect">
-                                  <p:stCondLst>
-                                    <p:cond delay="0"/>
-                                  </p:stCondLst>
-                                  <p:childTnLst>
-                                    <p:set>
-                                      <p:cBhvr>
-                                        <p:cTn id="22" dur="1" fill="hold">
-                                          <p:stCondLst>
-                                            <p:cond delay="0"/>
-                                          </p:stCondLst>
-                                        </p:cTn>
-                                        <p:tgtEl>
-                                          <p:spTgt spid="9">
-                                            <p:txEl>
-                                              <p:pRg st="13" end="13"/>
-                                            </p:txEl>
-                                          </p:spTgt>
-                                        </p:tgtEl>
-                                        <p:attrNameLst>
-                                          <p:attrName>style.visibility</p:attrName>
-                                        </p:attrNameLst>
-                                      </p:cBhvr>
-                                      <p:to>
-                                        <p:strVal val="visible"/>
-                                      </p:to>
-                                    </p:set>
-                                  </p:childTnLst>
-                                </p:cTn>
-                              </p:par>
-                              <p:par>
-                                <p:cTn id="23" presetID="1" presetClass="entr" presetSubtype="0" fill="hold" nodeType="withEffect">
-                                  <p:stCondLst>
-                                    <p:cond delay="0"/>
-                                  </p:stCondLst>
-                                  <p:childTnLst>
-                                    <p:set>
-                                      <p:cBhvr>
-                                        <p:cTn id="24" dur="1" fill="hold">
-                                          <p:stCondLst>
-                                            <p:cond delay="0"/>
-                                          </p:stCondLst>
-                                        </p:cTn>
-                                        <p:tgtEl>
-                                          <p:spTgt spid="9">
-                                            <p:txEl>
-                                              <p:pRg st="14" end="14"/>
-                                            </p:txEl>
-                                          </p:spTgt>
-                                        </p:tgtEl>
-                                        <p:attrNameLst>
-                                          <p:attrName>style.visibility</p:attrName>
-                                        </p:attrNameLst>
-                                      </p:cBhvr>
-                                      <p:to>
-                                        <p:strVal val="visible"/>
-                                      </p:to>
-                                    </p:set>
-                                  </p:childTnLst>
-                                </p:cTn>
-                              </p:par>
-                            </p:childTnLst>
-                          </p:cTn>
-                        </p:par>
-                      </p:childTnLst>
-                    </p:cTn>
-                  </p:par>
-                </p:childTnLst>
-              </p:cTn>
-              <p:prevCondLst>
-                <p:cond evt="onPrev" delay="0">
-                  <p:tgtEl>
-                    <p:sldTgt/>
-                  </p:tgtEl>
-                </p:cond>
-              </p:prevCondLst>
-              <p:nextCondLst>
-                <p:cond evt="onNext" delay="0">
-                  <p:tgtEl>
-                    <p:sldTgt/>
-                  </p:tgtEl>
-                </p:cond>
-              </p:nextCondLst>
-            </p:seq>
-          </p:childTnLst>
-        </p:cTn>
-      </p:par>
-    </p:tnLst>
-  </p:timing>
 </p:sld>
 </file>
 
@@ -22263,7 +21290,7 @@
             </a:pPr>
             <a:r>
               <a:rPr lang="en-US" dirty="0"/>
-              <a:t>A student has more than just one piece of information: name, age, id, address, </a:t>
+              <a:t>A student has more than just one piece of information: name, age, id, address,list of courses, grades </a:t>
             </a:r>
             <a:r>
               <a:rPr lang="en-US" dirty="0" err="1"/>
@@ -22302,7 +21329,7 @@
             </a:r>
             <a:r>
               <a:rPr lang="en-US" dirty="0"/>
-              <a:t>: ability to print personal information, change their address, update school information. </a:t>
+              <a:t>: ability to print personal information, change their address, update school information, add a course, update a grade. </a:t>
             </a:r>
           </a:p>
           <a:p>
@@ -22660,464 +21687,6 @@
 </file>
 
 <file path=ppt/slides/slide30.xml><?xml version="1.0" encoding="utf-8"?>
-<p:sld xmlns:a="http://schemas.openxmlformats.org/drawingml/2006/main" xmlns:r="http://schemas.openxmlformats.org/officeDocument/2006/relationships" xmlns:p="http://schemas.openxmlformats.org/presentationml/2006/main">
-  <p:cSld>
-    <p:spTree>
-      <p:nvGrpSpPr>
-        <p:cNvPr id="1" name=""/>
-        <p:cNvGrpSpPr/>
-        <p:nvPr/>
-      </p:nvGrpSpPr>
-      <p:grpSpPr>
-        <a:xfrm>
-          <a:off x="0" y="0"/>
-          <a:ext cx="0" cy="0"/>
-          <a:chOff x="0" y="0"/>
-          <a:chExt cx="0" cy="0"/>
-        </a:xfrm>
-      </p:grpSpPr>
-      <p:sp>
-        <p:nvSpPr>
-          <p:cNvPr id="2" name="Title 1">
-            <a:extLst>
-              <a:ext uri="{FF2B5EF4-FFF2-40B4-BE49-F238E27FC236}">
-                <a16:creationId xmlns:a16="http://schemas.microsoft.com/office/drawing/2014/main" id="{AA3A228F-61D0-D949-A5E7-F83756230BF8}"/>
-              </a:ext>
-            </a:extLst>
-          </p:cNvPr>
-          <p:cNvSpPr>
-            <a:spLocks noGrp="1"/>
-          </p:cNvSpPr>
-          <p:nvPr>
-            <p:ph type="title"/>
-          </p:nvPr>
-        </p:nvSpPr>
-        <p:spPr>
-          <a:xfrm>
-            <a:off x="111709" y="123498"/>
-            <a:ext cx="7053542" cy="683886"/>
-          </a:xfrm>
-        </p:spPr>
-        <p:txBody>
-          <a:bodyPr/>
-          <a:lstStyle/>
-          <a:p>
-            <a:r>
-              <a:rPr lang="en-US" dirty="0"/>
-              <a:t>Lab 1</a:t>
-            </a:r>
-          </a:p>
-        </p:txBody>
-      </p:sp>
-      <p:sp>
-        <p:nvSpPr>
-          <p:cNvPr id="9" name="Content Placeholder 8">
-            <a:extLst>
-              <a:ext uri="{FF2B5EF4-FFF2-40B4-BE49-F238E27FC236}">
-                <a16:creationId xmlns:a16="http://schemas.microsoft.com/office/drawing/2014/main" id="{E3B2E017-30B2-884B-A113-B419A2ED51AD}"/>
-              </a:ext>
-            </a:extLst>
-          </p:cNvPr>
-          <p:cNvSpPr>
-            <a:spLocks noGrp="1"/>
-          </p:cNvSpPr>
-          <p:nvPr>
-            <p:ph idx="1"/>
-          </p:nvPr>
-        </p:nvSpPr>
-        <p:spPr>
-          <a:xfrm>
-            <a:off x="233916" y="914401"/>
-            <a:ext cx="8301657" cy="4677102"/>
-          </a:xfrm>
-        </p:spPr>
-        <p:txBody>
-          <a:bodyPr>
-            <a:normAutofit/>
-          </a:bodyPr>
-          <a:lstStyle/>
-          <a:p>
-            <a:pPr marL="0" indent="0">
-              <a:buNone/>
-            </a:pPr>
-            <a:r>
-              <a:rPr lang="en-US" dirty="0"/>
-              <a:t>Write the Student class which has two instance variables: name(str) and </a:t>
-            </a:r>
-            <a:r>
-              <a:rPr lang="en-US" dirty="0" err="1"/>
-              <a:t>gpa</a:t>
-            </a:r>
-            <a:r>
-              <a:rPr lang="en-US" dirty="0"/>
-              <a:t>(float). </a:t>
-            </a:r>
-          </a:p>
-          <a:p>
-            <a:pPr marL="0" indent="0">
-              <a:buNone/>
-            </a:pPr>
-            <a:endParaRPr lang="en-US" sz="2000" dirty="0">
-              <a:latin typeface="Gill Sans MT" panose="020B0502020104020203" pitchFamily="34" charset="77"/>
-            </a:endParaRPr>
-          </a:p>
-          <a:p>
-            <a:pPr marL="0" indent="0">
-              <a:buNone/>
-            </a:pPr>
-            <a:r>
-              <a:rPr lang="en-US" sz="2000" dirty="0">
-                <a:latin typeface="Gill Sans MT" panose="020B0502020104020203" pitchFamily="34" charset="77"/>
-              </a:rPr>
-              <a:t>Write the </a:t>
-            </a:r>
-            <a:r>
-              <a:rPr lang="en-US" sz="2000" dirty="0" err="1">
-                <a:latin typeface="Gill Sans MT" panose="020B0502020104020203" pitchFamily="34" charset="77"/>
-              </a:rPr>
-              <a:t>average_gpa</a:t>
-            </a:r>
-            <a:r>
-              <a:rPr lang="en-US" sz="2000" dirty="0">
-                <a:latin typeface="Gill Sans MT" panose="020B0502020104020203" pitchFamily="34" charset="77"/>
-              </a:rPr>
-              <a:t> function which accepts a list of Student objects and returns the average </a:t>
-            </a:r>
-            <a:r>
-              <a:rPr lang="en-US" sz="2000" dirty="0" err="1">
-                <a:latin typeface="Gill Sans MT" panose="020B0502020104020203" pitchFamily="34" charset="77"/>
-              </a:rPr>
-              <a:t>gpa</a:t>
-            </a:r>
-            <a:r>
-              <a:rPr lang="en-US" sz="2000" dirty="0">
-                <a:latin typeface="Gill Sans MT" panose="020B0502020104020203" pitchFamily="34" charset="77"/>
-              </a:rPr>
-              <a:t>. </a:t>
-            </a:r>
-          </a:p>
-          <a:p>
-            <a:pPr marL="0" indent="0">
-              <a:buNone/>
-            </a:pPr>
-            <a:endParaRPr lang="en-US" sz="2000" dirty="0">
-              <a:latin typeface="Gill Sans MT" panose="020B0502020104020203" pitchFamily="34" charset="77"/>
-            </a:endParaRPr>
-          </a:p>
-          <a:p>
-            <a:pPr marL="0" indent="0">
-              <a:buNone/>
-            </a:pPr>
-            <a:r>
-              <a:rPr lang="en-US" sz="2000" dirty="0">
-                <a:latin typeface="Gill Sans MT" panose="020B0502020104020203" pitchFamily="34" charset="77"/>
-              </a:rPr>
-              <a:t>Write the main method and:</a:t>
-            </a:r>
-          </a:p>
-          <a:p>
-            <a:pPr marL="457200" indent="-457200">
-              <a:buAutoNum type="arabicParenR"/>
-            </a:pPr>
-            <a:r>
-              <a:rPr lang="en-US" sz="2000" dirty="0">
-                <a:latin typeface="Gill Sans MT" panose="020B0502020104020203" pitchFamily="34" charset="77"/>
-              </a:rPr>
-              <a:t>Create a Student object and store it in a variable. Print out name and </a:t>
-            </a:r>
-            <a:r>
-              <a:rPr lang="en-US" sz="2000" dirty="0" err="1">
-                <a:latin typeface="Gill Sans MT" panose="020B0502020104020203" pitchFamily="34" charset="77"/>
-              </a:rPr>
-              <a:t>gpa</a:t>
-            </a:r>
-            <a:r>
-              <a:rPr lang="en-US" sz="2000" dirty="0">
-                <a:latin typeface="Gill Sans MT" panose="020B0502020104020203" pitchFamily="34" charset="77"/>
-              </a:rPr>
-              <a:t> of the Student object using the dot notation. </a:t>
-            </a:r>
-          </a:p>
-          <a:p>
-            <a:pPr marL="457200" indent="-457200">
-              <a:buAutoNum type="arabicParenR"/>
-            </a:pPr>
-            <a:r>
-              <a:rPr lang="en-US" sz="2000" dirty="0">
-                <a:latin typeface="Gill Sans MT" panose="020B0502020104020203" pitchFamily="34" charset="77"/>
-              </a:rPr>
-              <a:t>Create a list of three Student objects. Use a for loop to print out the names.  </a:t>
-            </a:r>
-          </a:p>
-          <a:p>
-            <a:pPr marL="457200" indent="-457200">
-              <a:buAutoNum type="arabicParenR"/>
-            </a:pPr>
-            <a:r>
-              <a:rPr lang="en-US" sz="2000" dirty="0">
-                <a:latin typeface="Gill Sans MT" panose="020B0502020104020203" pitchFamily="34" charset="77"/>
-              </a:rPr>
-              <a:t>Call </a:t>
-            </a:r>
-            <a:r>
-              <a:rPr lang="en-US" sz="2000" dirty="0" err="1">
-                <a:latin typeface="Gill Sans MT" panose="020B0502020104020203" pitchFamily="34" charset="77"/>
-              </a:rPr>
-              <a:t>average_gpa</a:t>
-            </a:r>
-            <a:r>
-              <a:rPr lang="en-US" sz="2000" dirty="0">
-                <a:latin typeface="Gill Sans MT" panose="020B0502020104020203" pitchFamily="34" charset="77"/>
-              </a:rPr>
-              <a:t> and make sure it works by printing out the average </a:t>
-            </a:r>
-            <a:r>
-              <a:rPr lang="en-US" sz="2000" dirty="0" err="1">
-                <a:latin typeface="Gill Sans MT" panose="020B0502020104020203" pitchFamily="34" charset="77"/>
-              </a:rPr>
-              <a:t>gpa</a:t>
-            </a:r>
-            <a:r>
-              <a:rPr lang="en-US" sz="2000" dirty="0">
-                <a:latin typeface="Gill Sans MT" panose="020B0502020104020203" pitchFamily="34" charset="77"/>
-              </a:rPr>
-              <a:t>.</a:t>
-            </a:r>
-          </a:p>
-          <a:p>
-            <a:pPr marL="0" indent="0">
-              <a:buNone/>
-            </a:pPr>
-            <a:endParaRPr lang="en-US" sz="2000" dirty="0">
-              <a:latin typeface="Gill Sans MT" panose="020B0502020104020203" pitchFamily="34" charset="77"/>
-            </a:endParaRPr>
-          </a:p>
-          <a:p>
-            <a:pPr marL="0" indent="0">
-              <a:buNone/>
-            </a:pPr>
-            <a:endParaRPr lang="en-US" b="1" dirty="0">
-              <a:solidFill>
-                <a:srgbClr val="000087"/>
-              </a:solidFill>
-              <a:latin typeface="Inconsolata" panose="020B0609030003000000" pitchFamily="49" charset="77"/>
-            </a:endParaRPr>
-          </a:p>
-          <a:p>
-            <a:pPr marL="0" indent="0">
-              <a:buNone/>
-            </a:pPr>
-            <a:endParaRPr lang="en-US" b="1" dirty="0">
-              <a:solidFill>
-                <a:srgbClr val="000087"/>
-              </a:solidFill>
-              <a:latin typeface="Inconsolata" panose="020B0609030003000000" pitchFamily="49" charset="77"/>
-            </a:endParaRPr>
-          </a:p>
-        </p:txBody>
-      </p:sp>
-    </p:spTree>
-    <p:extLst>
-      <p:ext uri="{BB962C8B-B14F-4D97-AF65-F5344CB8AC3E}">
-        <p14:creationId xmlns:p14="http://schemas.microsoft.com/office/powerpoint/2010/main" val="1854861563"/>
-      </p:ext>
-    </p:extLst>
-  </p:cSld>
-  <p:clrMapOvr>
-    <a:masterClrMapping/>
-  </p:clrMapOvr>
-</p:sld>
-</file>
-
-<file path=ppt/slides/slide31.xml><?xml version="1.0" encoding="utf-8"?>
-<p:sld xmlns:a="http://schemas.openxmlformats.org/drawingml/2006/main" xmlns:r="http://schemas.openxmlformats.org/officeDocument/2006/relationships" xmlns:p="http://schemas.openxmlformats.org/presentationml/2006/main">
-  <p:cSld>
-    <p:spTree>
-      <p:nvGrpSpPr>
-        <p:cNvPr id="1" name=""/>
-        <p:cNvGrpSpPr/>
-        <p:nvPr/>
-      </p:nvGrpSpPr>
-      <p:grpSpPr>
-        <a:xfrm>
-          <a:off x="0" y="0"/>
-          <a:ext cx="0" cy="0"/>
-          <a:chOff x="0" y="0"/>
-          <a:chExt cx="0" cy="0"/>
-        </a:xfrm>
-      </p:grpSpPr>
-      <p:sp>
-        <p:nvSpPr>
-          <p:cNvPr id="2" name="Title 1">
-            <a:extLst>
-              <a:ext uri="{FF2B5EF4-FFF2-40B4-BE49-F238E27FC236}">
-                <a16:creationId xmlns:a16="http://schemas.microsoft.com/office/drawing/2014/main" id="{AA3A228F-61D0-D949-A5E7-F83756230BF8}"/>
-              </a:ext>
-            </a:extLst>
-          </p:cNvPr>
-          <p:cNvSpPr>
-            <a:spLocks noGrp="1"/>
-          </p:cNvSpPr>
-          <p:nvPr>
-            <p:ph type="title"/>
-          </p:nvPr>
-        </p:nvSpPr>
-        <p:spPr>
-          <a:xfrm>
-            <a:off x="483848" y="467027"/>
-            <a:ext cx="7053542" cy="683886"/>
-          </a:xfrm>
-        </p:spPr>
-        <p:txBody>
-          <a:bodyPr/>
-          <a:lstStyle/>
-          <a:p>
-            <a:r>
-              <a:rPr lang="en-US" dirty="0"/>
-              <a:t>Lab 1</a:t>
-            </a:r>
-          </a:p>
-        </p:txBody>
-      </p:sp>
-      <p:sp>
-        <p:nvSpPr>
-          <p:cNvPr id="9" name="Content Placeholder 8">
-            <a:extLst>
-              <a:ext uri="{FF2B5EF4-FFF2-40B4-BE49-F238E27FC236}">
-                <a16:creationId xmlns:a16="http://schemas.microsoft.com/office/drawing/2014/main" id="{E3B2E017-30B2-884B-A113-B419A2ED51AD}"/>
-              </a:ext>
-            </a:extLst>
-          </p:cNvPr>
-          <p:cNvSpPr>
-            <a:spLocks noGrp="1"/>
-          </p:cNvSpPr>
-          <p:nvPr>
-            <p:ph idx="1"/>
-          </p:nvPr>
-        </p:nvSpPr>
-        <p:spPr>
-          <a:xfrm>
-            <a:off x="483848" y="1257299"/>
-            <a:ext cx="8051725" cy="4334203"/>
-          </a:xfrm>
-        </p:spPr>
-        <p:txBody>
-          <a:bodyPr>
-            <a:normAutofit/>
-          </a:bodyPr>
-          <a:lstStyle/>
-          <a:p>
-            <a:pPr marL="0" indent="0">
-              <a:buNone/>
-            </a:pPr>
-            <a:endParaRPr lang="en-US" dirty="0"/>
-          </a:p>
-          <a:p>
-            <a:pPr marL="0" indent="0">
-              <a:buNone/>
-            </a:pPr>
-            <a:endParaRPr lang="en-US" dirty="0"/>
-          </a:p>
-          <a:p>
-            <a:pPr marL="0" indent="0">
-              <a:buNone/>
-            </a:pPr>
-            <a:endParaRPr lang="en-US" dirty="0"/>
-          </a:p>
-          <a:p>
-            <a:pPr marL="0" indent="0">
-              <a:buNone/>
-            </a:pPr>
-            <a:r>
-              <a:rPr lang="en-US" dirty="0"/>
-              <a:t>Modify the previous lab by putting Student class and the average </a:t>
-            </a:r>
-            <a:r>
-              <a:rPr lang="en-US" dirty="0" err="1"/>
-              <a:t>gpa</a:t>
-            </a:r>
-            <a:r>
-              <a:rPr lang="en-US" dirty="0"/>
-              <a:t> function in a different module(.</a:t>
-            </a:r>
-            <a:r>
-              <a:rPr lang="en-US" dirty="0" err="1"/>
-              <a:t>py</a:t>
-            </a:r>
-            <a:r>
-              <a:rPr lang="en-US" dirty="0"/>
-              <a:t>). </a:t>
-            </a:r>
-          </a:p>
-          <a:p>
-            <a:pPr marL="0" indent="0">
-              <a:buNone/>
-            </a:pPr>
-            <a:endParaRPr lang="en-US" dirty="0"/>
-          </a:p>
-          <a:p>
-            <a:pPr marL="0" indent="0">
-              <a:buNone/>
-            </a:pPr>
-            <a:r>
-              <a:rPr lang="en-US" dirty="0"/>
-              <a:t>Make the necessary import statement to make your code runs correctly. </a:t>
-            </a:r>
-          </a:p>
-          <a:p>
-            <a:pPr marL="0" indent="0">
-              <a:buNone/>
-            </a:pPr>
-            <a:endParaRPr lang="en-US" sz="2000" dirty="0">
-              <a:latin typeface="Gill Sans MT" panose="020B0502020104020203" pitchFamily="34" charset="77"/>
-            </a:endParaRPr>
-          </a:p>
-          <a:p>
-            <a:pPr marL="0" indent="0">
-              <a:buNone/>
-            </a:pPr>
-            <a:endParaRPr lang="en-US" sz="2000" dirty="0">
-              <a:latin typeface="Gill Sans MT" panose="020B0502020104020203" pitchFamily="34" charset="77"/>
-            </a:endParaRPr>
-          </a:p>
-          <a:p>
-            <a:pPr marL="0" indent="0">
-              <a:buNone/>
-            </a:pPr>
-            <a:endParaRPr lang="en-US" b="1" dirty="0">
-              <a:solidFill>
-                <a:srgbClr val="000087"/>
-              </a:solidFill>
-              <a:latin typeface="Inconsolata" panose="020B0609030003000000" pitchFamily="49" charset="77"/>
-            </a:endParaRPr>
-          </a:p>
-          <a:p>
-            <a:pPr marL="0" indent="0">
-              <a:buNone/>
-            </a:pPr>
-            <a:endParaRPr lang="en-US" b="1" dirty="0">
-              <a:solidFill>
-                <a:srgbClr val="000087"/>
-              </a:solidFill>
-              <a:latin typeface="Inconsolata" panose="020B0609030003000000" pitchFamily="49" charset="77"/>
-            </a:endParaRPr>
-          </a:p>
-        </p:txBody>
-      </p:sp>
-    </p:spTree>
-    <p:extLst>
-      <p:ext uri="{BB962C8B-B14F-4D97-AF65-F5344CB8AC3E}">
-        <p14:creationId xmlns:p14="http://schemas.microsoft.com/office/powerpoint/2010/main" val="3027756854"/>
-      </p:ext>
-    </p:extLst>
-  </p:cSld>
-  <p:clrMapOvr>
-    <a:masterClrMapping/>
-  </p:clrMapOvr>
-</p:sld>
-</file>
-
-<file path=ppt/slides/slide32.xml><?xml version="1.0" encoding="utf-8"?>
 <p:sld xmlns:a="http://schemas.openxmlformats.org/drawingml/2006/main" xmlns:r="http://schemas.openxmlformats.org/officeDocument/2006/relationships" xmlns:p="http://schemas.openxmlformats.org/presentationml/2006/main">
   <p:cSld>
     <p:spTree>

--- a/courses/apcsp/lect8.pptx
+++ b/courses/apcsp/lect8.pptx
@@ -5,39 +5,40 @@
     <p:sldMasterId id="2147483791" r:id="rId1"/>
   </p:sldMasterIdLst>
   <p:notesMasterIdLst>
-    <p:notesMasterId r:id="rId32"/>
+    <p:notesMasterId r:id="rId33"/>
   </p:notesMasterIdLst>
   <p:sldIdLst>
     <p:sldId id="256" r:id="rId2"/>
     <p:sldId id="286" r:id="rId3"/>
-    <p:sldId id="545" r:id="rId4"/>
-    <p:sldId id="556" r:id="rId5"/>
-    <p:sldId id="257" r:id="rId6"/>
-    <p:sldId id="555" r:id="rId7"/>
-    <p:sldId id="342" r:id="rId8"/>
-    <p:sldId id="341" r:id="rId9"/>
-    <p:sldId id="339" r:id="rId10"/>
-    <p:sldId id="340" r:id="rId11"/>
-    <p:sldId id="547" r:id="rId12"/>
-    <p:sldId id="324" r:id="rId13"/>
-    <p:sldId id="328" r:id="rId14"/>
-    <p:sldId id="333" r:id="rId15"/>
-    <p:sldId id="557" r:id="rId16"/>
-    <p:sldId id="335" r:id="rId17"/>
-    <p:sldId id="548" r:id="rId18"/>
-    <p:sldId id="332" r:id="rId19"/>
-    <p:sldId id="336" r:id="rId20"/>
-    <p:sldId id="321" r:id="rId21"/>
-    <p:sldId id="331" r:id="rId22"/>
-    <p:sldId id="334" r:id="rId23"/>
-    <p:sldId id="346" r:id="rId24"/>
-    <p:sldId id="347" r:id="rId25"/>
-    <p:sldId id="348" r:id="rId26"/>
-    <p:sldId id="351" r:id="rId27"/>
-    <p:sldId id="350" r:id="rId28"/>
-    <p:sldId id="546" r:id="rId29"/>
-    <p:sldId id="554" r:id="rId30"/>
-    <p:sldId id="284" r:id="rId31"/>
+    <p:sldId id="559" r:id="rId4"/>
+    <p:sldId id="558" r:id="rId5"/>
+    <p:sldId id="556" r:id="rId6"/>
+    <p:sldId id="257" r:id="rId7"/>
+    <p:sldId id="555" r:id="rId8"/>
+    <p:sldId id="342" r:id="rId9"/>
+    <p:sldId id="341" r:id="rId10"/>
+    <p:sldId id="339" r:id="rId11"/>
+    <p:sldId id="340" r:id="rId12"/>
+    <p:sldId id="547" r:id="rId13"/>
+    <p:sldId id="324" r:id="rId14"/>
+    <p:sldId id="328" r:id="rId15"/>
+    <p:sldId id="333" r:id="rId16"/>
+    <p:sldId id="557" r:id="rId17"/>
+    <p:sldId id="335" r:id="rId18"/>
+    <p:sldId id="548" r:id="rId19"/>
+    <p:sldId id="332" r:id="rId20"/>
+    <p:sldId id="336" r:id="rId21"/>
+    <p:sldId id="321" r:id="rId22"/>
+    <p:sldId id="331" r:id="rId23"/>
+    <p:sldId id="334" r:id="rId24"/>
+    <p:sldId id="346" r:id="rId25"/>
+    <p:sldId id="347" r:id="rId26"/>
+    <p:sldId id="348" r:id="rId27"/>
+    <p:sldId id="351" r:id="rId28"/>
+    <p:sldId id="350" r:id="rId29"/>
+    <p:sldId id="546" r:id="rId30"/>
+    <p:sldId id="554" r:id="rId31"/>
+    <p:sldId id="284" r:id="rId32"/>
   </p:sldIdLst>
   <p:sldSz cx="9144000" cy="5715000" type="screen16x10"/>
   <p:notesSz cx="6858000" cy="9144000"/>
@@ -147,7 +148,7 @@
 <file path=ppt/revisionInfo.xml><?xml version="1.0" encoding="utf-8"?>
 <p1510:revInfo xmlns:a="http://schemas.openxmlformats.org/drawingml/2006/main" xmlns:r="http://schemas.openxmlformats.org/officeDocument/2006/relationships" xmlns:p1510="http://schemas.microsoft.com/office/powerpoint/2015/10/main">
   <p1510:revLst>
-    <p1510:client id="{A12BE549-1123-0646-AF0D-D853CA6ECE39}" v="57" dt="2023-01-05T12:48:37.589"/>
+    <p1510:client id="{A12BE549-1123-0646-AF0D-D853CA6ECE39}" v="866" dt="2023-01-05T15:04:38.945"/>
   </p1510:revLst>
 </p1510:revInfo>
 </file>
@@ -1873,22 +1874,45 @@
   </pc:docChgLst>
   <pc:docChgLst>
     <pc:chgData name="Long Nguyen" userId="f59fb8f3-a021-417a-8bc1-65c8d471c621" providerId="ADAL" clId="{A12BE549-1123-0646-AF0D-D853CA6ECE39}"/>
-    <pc:docChg chg="delSld modSld">
-      <pc:chgData name="Long Nguyen" userId="f59fb8f3-a021-417a-8bc1-65c8d471c621" providerId="ADAL" clId="{A12BE549-1123-0646-AF0D-D853CA6ECE39}" dt="2023-01-05T12:54:49.203" v="58" actId="2696"/>
+    <pc:docChg chg="undo custSel addSld delSld modSld">
+      <pc:chgData name="Long Nguyen" userId="f59fb8f3-a021-417a-8bc1-65c8d471c621" providerId="ADAL" clId="{A12BE549-1123-0646-AF0D-D853CA6ECE39}" dt="2023-01-05T15:04:38.945" v="895"/>
       <pc:docMkLst>
         <pc:docMk/>
       </pc:docMkLst>
-      <pc:sldChg chg="modSp">
-        <pc:chgData name="Long Nguyen" userId="f59fb8f3-a021-417a-8bc1-65c8d471c621" providerId="ADAL" clId="{A12BE549-1123-0646-AF0D-D853CA6ECE39}" dt="2023-01-05T12:48:37.589" v="56" actId="20577"/>
+      <pc:sldChg chg="modSp add del mod modAnim">
+        <pc:chgData name="Long Nguyen" userId="f59fb8f3-a021-417a-8bc1-65c8d471c621" providerId="ADAL" clId="{A12BE549-1123-0646-AF0D-D853CA6ECE39}" dt="2023-01-05T14:55:53.919" v="712" actId="2696"/>
         <pc:sldMkLst>
           <pc:docMk/>
           <pc:sldMk cId="2101795491" sldId="545"/>
         </pc:sldMkLst>
         <pc:spChg chg="mod">
-          <ac:chgData name="Long Nguyen" userId="f59fb8f3-a021-417a-8bc1-65c8d471c621" providerId="ADAL" clId="{A12BE549-1123-0646-AF0D-D853CA6ECE39}" dt="2023-01-05T12:48:37.589" v="56" actId="20577"/>
+          <ac:chgData name="Long Nguyen" userId="f59fb8f3-a021-417a-8bc1-65c8d471c621" providerId="ADAL" clId="{A12BE549-1123-0646-AF0D-D853CA6ECE39}" dt="2023-01-05T14:51:11.087" v="506" actId="20577"/>
           <ac:spMkLst>
             <pc:docMk/>
             <pc:sldMk cId="2101795491" sldId="545"/>
+            <ac:spMk id="3" creationId="{8BA9D0DA-1D67-ED43-A19F-6557EAD9C067}"/>
+          </ac:spMkLst>
+        </pc:spChg>
+        <pc:spChg chg="mod">
+          <ac:chgData name="Long Nguyen" userId="f59fb8f3-a021-417a-8bc1-65c8d471c621" providerId="ADAL" clId="{A12BE549-1123-0646-AF0D-D853CA6ECE39}" dt="2023-01-05T14:48:16.555" v="332" actId="1038"/>
+          <ac:spMkLst>
+            <pc:docMk/>
+            <pc:sldMk cId="2101795491" sldId="545"/>
+            <ac:spMk id="23554" creationId="{4A410BF0-5019-0D40-8CE7-D9E5FEAB56F9}"/>
+          </ac:spMkLst>
+        </pc:spChg>
+      </pc:sldChg>
+      <pc:sldChg chg="modSp add del mod modAnim">
+        <pc:chgData name="Long Nguyen" userId="f59fb8f3-a021-417a-8bc1-65c8d471c621" providerId="ADAL" clId="{A12BE549-1123-0646-AF0D-D853CA6ECE39}" dt="2023-01-05T14:57:49.123" v="729" actId="2696"/>
+        <pc:sldMkLst>
+          <pc:docMk/>
+          <pc:sldMk cId="2375327809" sldId="545"/>
+        </pc:sldMkLst>
+        <pc:spChg chg="mod">
+          <ac:chgData name="Long Nguyen" userId="f59fb8f3-a021-417a-8bc1-65c8d471c621" providerId="ADAL" clId="{A12BE549-1123-0646-AF0D-D853CA6ECE39}" dt="2023-01-05T14:57:43.213" v="725" actId="21"/>
+          <ac:spMkLst>
+            <pc:docMk/>
+            <pc:sldMk cId="2375327809" sldId="545"/>
             <ac:spMk id="3" creationId="{8BA9D0DA-1D67-ED43-A19F-6557EAD9C067}"/>
           </ac:spMkLst>
         </pc:spChg>
@@ -1906,6 +1930,80 @@
           <pc:docMk/>
           <pc:sldMk cId="2820908233" sldId="551"/>
         </pc:sldMkLst>
+      </pc:sldChg>
+      <pc:sldChg chg="del">
+        <pc:chgData name="Long Nguyen" userId="f59fb8f3-a021-417a-8bc1-65c8d471c621" providerId="ADAL" clId="{A12BE549-1123-0646-AF0D-D853CA6ECE39}" dt="2023-01-05T14:54:56.502" v="695" actId="2696"/>
+        <pc:sldMkLst>
+          <pc:docMk/>
+          <pc:sldMk cId="1226276962" sldId="555"/>
+        </pc:sldMkLst>
+      </pc:sldChg>
+      <pc:sldChg chg="modSp add">
+        <pc:chgData name="Long Nguyen" userId="f59fb8f3-a021-417a-8bc1-65c8d471c621" providerId="ADAL" clId="{A12BE549-1123-0646-AF0D-D853CA6ECE39}" dt="2023-01-05T14:55:14.182" v="709" actId="20577"/>
+        <pc:sldMkLst>
+          <pc:docMk/>
+          <pc:sldMk cId="2163137016" sldId="555"/>
+        </pc:sldMkLst>
+        <pc:spChg chg="mod">
+          <ac:chgData name="Long Nguyen" userId="f59fb8f3-a021-417a-8bc1-65c8d471c621" providerId="ADAL" clId="{A12BE549-1123-0646-AF0D-D853CA6ECE39}" dt="2023-01-05T14:55:14.182" v="709" actId="20577"/>
+          <ac:spMkLst>
+            <pc:docMk/>
+            <pc:sldMk cId="2163137016" sldId="555"/>
+            <ac:spMk id="27650" creationId="{CDDBD0B0-F30B-EE40-92BE-F8B3992FD62C}"/>
+          </ac:spMkLst>
+        </pc:spChg>
+      </pc:sldChg>
+      <pc:sldChg chg="modAnim">
+        <pc:chgData name="Long Nguyen" userId="f59fb8f3-a021-417a-8bc1-65c8d471c621" providerId="ADAL" clId="{A12BE549-1123-0646-AF0D-D853CA6ECE39}" dt="2023-01-05T15:04:38.945" v="895"/>
+        <pc:sldMkLst>
+          <pc:docMk/>
+          <pc:sldMk cId="290283863" sldId="556"/>
+        </pc:sldMkLst>
+      </pc:sldChg>
+      <pc:sldChg chg="modSp add del mod modAnim">
+        <pc:chgData name="Long Nguyen" userId="f59fb8f3-a021-417a-8bc1-65c8d471c621" providerId="ADAL" clId="{A12BE549-1123-0646-AF0D-D853CA6ECE39}" dt="2023-01-05T14:56:52.238" v="717" actId="2696"/>
+        <pc:sldMkLst>
+          <pc:docMk/>
+          <pc:sldMk cId="1951937657" sldId="558"/>
+        </pc:sldMkLst>
+        <pc:spChg chg="mod">
+          <ac:chgData name="Long Nguyen" userId="f59fb8f3-a021-417a-8bc1-65c8d471c621" providerId="ADAL" clId="{A12BE549-1123-0646-AF0D-D853CA6ECE39}" dt="2023-01-05T14:53:45.699" v="688" actId="20577"/>
+          <ac:spMkLst>
+            <pc:docMk/>
+            <pc:sldMk cId="1951937657" sldId="558"/>
+            <ac:spMk id="3" creationId="{8BA9D0DA-1D67-ED43-A19F-6557EAD9C067}"/>
+          </ac:spMkLst>
+        </pc:spChg>
+      </pc:sldChg>
+      <pc:sldChg chg="modSp add modAnim">
+        <pc:chgData name="Long Nguyen" userId="f59fb8f3-a021-417a-8bc1-65c8d471c621" providerId="ADAL" clId="{A12BE549-1123-0646-AF0D-D853CA6ECE39}" dt="2023-01-05T14:59:12.002" v="849" actId="20577"/>
+        <pc:sldMkLst>
+          <pc:docMk/>
+          <pc:sldMk cId="3285234988" sldId="558"/>
+        </pc:sldMkLst>
+        <pc:spChg chg="mod">
+          <ac:chgData name="Long Nguyen" userId="f59fb8f3-a021-417a-8bc1-65c8d471c621" providerId="ADAL" clId="{A12BE549-1123-0646-AF0D-D853CA6ECE39}" dt="2023-01-05T14:59:12.002" v="849" actId="20577"/>
+          <ac:spMkLst>
+            <pc:docMk/>
+            <pc:sldMk cId="3285234988" sldId="558"/>
+            <ac:spMk id="3" creationId="{8BA9D0DA-1D67-ED43-A19F-6557EAD9C067}"/>
+          </ac:spMkLst>
+        </pc:spChg>
+      </pc:sldChg>
+      <pc:sldChg chg="modSp add mod">
+        <pc:chgData name="Long Nguyen" userId="f59fb8f3-a021-417a-8bc1-65c8d471c621" providerId="ADAL" clId="{A12BE549-1123-0646-AF0D-D853CA6ECE39}" dt="2023-01-05T14:57:03.193" v="719" actId="20577"/>
+        <pc:sldMkLst>
+          <pc:docMk/>
+          <pc:sldMk cId="4073389924" sldId="559"/>
+        </pc:sldMkLst>
+        <pc:spChg chg="mod">
+          <ac:chgData name="Long Nguyen" userId="f59fb8f3-a021-417a-8bc1-65c8d471c621" providerId="ADAL" clId="{A12BE549-1123-0646-AF0D-D853CA6ECE39}" dt="2023-01-05T14:57:03.193" v="719" actId="20577"/>
+          <ac:spMkLst>
+            <pc:docMk/>
+            <pc:sldMk cId="4073389924" sldId="559"/>
+            <ac:spMk id="3" creationId="{8BA9D0DA-1D67-ED43-A19F-6557EAD9C067}"/>
+          </ac:spMkLst>
+        </pc:spChg>
       </pc:sldChg>
     </pc:docChg>
   </pc:docChgLst>
@@ -2919,7 +3017,7 @@
           <a:p>
             <a:fld id="{0AFEF361-BF3E-A44F-A756-159279D577CC}" type="slidenum">
               <a:rPr lang="en-US" smtClean="0"/>
-              <a:t>14</a:t>
+              <a:t>15</a:t>
             </a:fld>
             <a:endParaRPr lang="en-US"/>
           </a:p>
@@ -3003,7 +3101,7 @@
           <a:p>
             <a:fld id="{0AFEF361-BF3E-A44F-A756-159279D577CC}" type="slidenum">
               <a:rPr lang="en-US" smtClean="0"/>
-              <a:t>15</a:t>
+              <a:t>16</a:t>
             </a:fld>
             <a:endParaRPr lang="en-US"/>
           </a:p>
@@ -6199,6 +6297,511 @@
         </p:nvSpPr>
         <p:spPr>
           <a:xfrm>
+            <a:off x="179048" y="171752"/>
+            <a:ext cx="7053542" cy="683886"/>
+          </a:xfrm>
+        </p:spPr>
+        <p:txBody>
+          <a:bodyPr/>
+          <a:lstStyle/>
+          <a:p>
+            <a:r>
+              <a:rPr lang="en-US" dirty="0"/>
+              <a:t>Examples</a:t>
+            </a:r>
+          </a:p>
+        </p:txBody>
+      </p:sp>
+      <p:sp>
+        <p:nvSpPr>
+          <p:cNvPr id="9" name="Content Placeholder 8">
+            <a:extLst>
+              <a:ext uri="{FF2B5EF4-FFF2-40B4-BE49-F238E27FC236}">
+                <a16:creationId xmlns:a16="http://schemas.microsoft.com/office/drawing/2014/main" id="{E3B2E017-30B2-884B-A113-B419A2ED51AD}"/>
+              </a:ext>
+            </a:extLst>
+          </p:cNvPr>
+          <p:cNvSpPr>
+            <a:spLocks noGrp="1"/>
+          </p:cNvSpPr>
+          <p:nvPr>
+            <p:ph idx="1"/>
+          </p:nvPr>
+        </p:nvSpPr>
+        <p:spPr>
+          <a:xfrm>
+            <a:off x="179048" y="855639"/>
+            <a:ext cx="8356525" cy="4546994"/>
+          </a:xfrm>
+        </p:spPr>
+        <p:txBody>
+          <a:bodyPr>
+            <a:noAutofit/>
+          </a:bodyPr>
+          <a:lstStyle/>
+          <a:p>
+            <a:pPr marL="0" indent="0">
+              <a:buNone/>
+              <a:tabLst>
+                <a:tab pos="1141413" algn="l"/>
+                <a:tab pos="2173288" algn="l"/>
+              </a:tabLst>
+            </a:pPr>
+            <a:endParaRPr lang="en-US" altLang="en-US" sz="2000" dirty="0">
+              <a:ea typeface="ＭＳ Ｐゴシック" panose="020B0600070205080204" pitchFamily="34" charset="-128"/>
+            </a:endParaRPr>
+          </a:p>
+          <a:p>
+            <a:pPr marL="0" indent="0">
+              <a:buNone/>
+              <a:tabLst>
+                <a:tab pos="1141413" algn="l"/>
+                <a:tab pos="2173288" algn="l"/>
+              </a:tabLst>
+            </a:pPr>
+            <a:r>
+              <a:rPr lang="en-US" altLang="en-US" sz="2000" dirty="0">
+                <a:ea typeface="ＭＳ Ｐゴシック" panose="020B0600070205080204" pitchFamily="34" charset="-128"/>
+              </a:rPr>
+              <a:t>Suppose you are writing an arcade game. What are some useful classes and their corresponding objects?</a:t>
+            </a:r>
+            <a:endParaRPr lang="en-US" dirty="0"/>
+          </a:p>
+          <a:p>
+            <a:pPr marL="0" indent="0">
+              <a:buNone/>
+              <a:tabLst>
+                <a:tab pos="1141413" algn="l"/>
+                <a:tab pos="2173288" algn="l"/>
+              </a:tabLst>
+            </a:pPr>
+            <a:endParaRPr lang="en-US" altLang="en-US" sz="2000" dirty="0">
+              <a:ea typeface="ＭＳ Ｐゴシック" panose="020B0600070205080204" pitchFamily="34" charset="-128"/>
+            </a:endParaRPr>
+          </a:p>
+          <a:p>
+            <a:pPr marL="0" indent="0">
+              <a:buNone/>
+              <a:tabLst>
+                <a:tab pos="1141413" algn="l"/>
+                <a:tab pos="2173288" algn="l"/>
+              </a:tabLst>
+            </a:pPr>
+            <a:r>
+              <a:rPr lang="en-US" altLang="en-US" sz="2000" dirty="0">
+                <a:ea typeface="ＭＳ Ｐゴシック" panose="020B0600070205080204" pitchFamily="34" charset="-128"/>
+              </a:rPr>
+              <a:t>Example: </a:t>
+            </a:r>
+          </a:p>
+          <a:p>
+            <a:pPr marL="0" indent="0">
+              <a:buNone/>
+              <a:tabLst>
+                <a:tab pos="1141413" algn="l"/>
+                <a:tab pos="2173288" algn="l"/>
+              </a:tabLst>
+            </a:pPr>
+            <a:r>
+              <a:rPr lang="en-US" altLang="en-US" sz="2000" dirty="0">
+                <a:ea typeface="ＭＳ Ｐゴシック" panose="020B0600070205080204" pitchFamily="34" charset="-128"/>
+              </a:rPr>
+              <a:t>The </a:t>
+            </a:r>
+            <a:r>
+              <a:rPr lang="en-US" altLang="en-US" sz="2000" b="1" dirty="0">
+                <a:ea typeface="ＭＳ Ｐゴシック" panose="020B0600070205080204" pitchFamily="34" charset="-128"/>
+              </a:rPr>
+              <a:t>Character </a:t>
+            </a:r>
+            <a:r>
+              <a:rPr lang="en-US" altLang="en-US" sz="2000" dirty="0">
+                <a:ea typeface="ＭＳ Ｐゴシック" panose="020B0600070205080204" pitchFamily="34" charset="-128"/>
+              </a:rPr>
+              <a:t>Class</a:t>
+            </a:r>
+            <a:r>
+              <a:rPr lang="en-US" altLang="en-US" sz="2000" b="1" dirty="0">
+                <a:ea typeface="ＭＳ Ｐゴシック" panose="020B0600070205080204" pitchFamily="34" charset="-128"/>
+              </a:rPr>
+              <a:t> </a:t>
+            </a:r>
+            <a:r>
+              <a:rPr lang="en-US" altLang="en-US" sz="2000" dirty="0">
+                <a:ea typeface="ＭＳ Ｐゴシック" panose="020B0600070205080204" pitchFamily="34" charset="-128"/>
+              </a:rPr>
+              <a:t>represents characters in the game.</a:t>
+            </a:r>
+          </a:p>
+          <a:p>
+            <a:pPr marL="0" indent="0">
+              <a:buNone/>
+              <a:tabLst>
+                <a:tab pos="1141413" algn="l"/>
+                <a:tab pos="2173288" algn="l"/>
+              </a:tabLst>
+            </a:pPr>
+            <a:r>
+              <a:rPr lang="en-US" altLang="en-US" sz="2000" b="1" dirty="0">
+                <a:ea typeface="ＭＳ Ｐゴシック" panose="020B0600070205080204" pitchFamily="34" charset="-128"/>
+              </a:rPr>
+              <a:t>Variables/Attributes/Data</a:t>
+            </a:r>
+            <a:r>
+              <a:rPr lang="en-US" altLang="en-US" sz="2000" dirty="0">
+                <a:ea typeface="ＭＳ Ｐゴシック" panose="020B0600070205080204" pitchFamily="34" charset="-128"/>
+              </a:rPr>
+              <a:t>: name, position, speed. </a:t>
+            </a:r>
+          </a:p>
+          <a:p>
+            <a:pPr marL="0" indent="0">
+              <a:buNone/>
+              <a:tabLst>
+                <a:tab pos="1141413" algn="l"/>
+                <a:tab pos="2173288" algn="l"/>
+              </a:tabLst>
+            </a:pPr>
+            <a:r>
+              <a:rPr lang="en-US" altLang="en-US" sz="2000" b="1" dirty="0">
+                <a:ea typeface="ＭＳ Ｐゴシック" panose="020B0600070205080204" pitchFamily="34" charset="-128"/>
+              </a:rPr>
+              <a:t>Behavior/Methods</a:t>
+            </a:r>
+            <a:r>
+              <a:rPr lang="en-US" altLang="en-US" sz="2000" dirty="0">
+                <a:ea typeface="ＭＳ Ｐゴシック" panose="020B0600070205080204" pitchFamily="34" charset="-128"/>
+              </a:rPr>
+              <a:t>:  shoot(), </a:t>
+            </a:r>
+            <a:r>
+              <a:rPr lang="en-US" altLang="en-US" sz="2000" dirty="0" err="1">
+                <a:ea typeface="ＭＳ Ｐゴシック" panose="020B0600070205080204" pitchFamily="34" charset="-128"/>
+              </a:rPr>
+              <a:t>runLeft</a:t>
+            </a:r>
+            <a:r>
+              <a:rPr lang="en-US" altLang="en-US" sz="2000" dirty="0">
+                <a:ea typeface="ＭＳ Ｐゴシック" panose="020B0600070205080204" pitchFamily="34" charset="-128"/>
+              </a:rPr>
+              <a:t>(), </a:t>
+            </a:r>
+            <a:r>
+              <a:rPr lang="en-US" altLang="en-US" sz="2000" dirty="0" err="1">
+                <a:ea typeface="ＭＳ Ｐゴシック" panose="020B0600070205080204" pitchFamily="34" charset="-128"/>
+              </a:rPr>
+              <a:t>runRight</a:t>
+            </a:r>
+            <a:r>
+              <a:rPr lang="en-US" altLang="en-US" sz="2000" dirty="0">
+                <a:ea typeface="ＭＳ Ｐゴシック" panose="020B0600070205080204" pitchFamily="34" charset="-128"/>
+              </a:rPr>
+              <a:t>(), jump().</a:t>
+            </a:r>
+          </a:p>
+          <a:p>
+            <a:pPr marL="0" indent="0">
+              <a:buNone/>
+              <a:tabLst>
+                <a:tab pos="1141413" algn="l"/>
+                <a:tab pos="2173288" algn="l"/>
+              </a:tabLst>
+            </a:pPr>
+            <a:endParaRPr lang="en-US" altLang="en-US" sz="2000" dirty="0">
+              <a:ea typeface="ＭＳ Ｐゴシック" panose="020B0600070205080204" pitchFamily="34" charset="-128"/>
+            </a:endParaRPr>
+          </a:p>
+          <a:p>
+            <a:pPr marL="0" indent="0">
+              <a:buNone/>
+              <a:tabLst>
+                <a:tab pos="1141413" algn="l"/>
+                <a:tab pos="2173288" algn="l"/>
+              </a:tabLst>
+            </a:pPr>
+            <a:r>
+              <a:rPr lang="en-US" altLang="en-US" sz="2000" dirty="0">
+                <a:ea typeface="ＭＳ Ｐゴシック" panose="020B0600070205080204" pitchFamily="34" charset="-128"/>
+              </a:rPr>
+              <a:t>Objects: From the same blueprint, the Character class, we can create multiple Character objects. </a:t>
+            </a:r>
+          </a:p>
+        </p:txBody>
+      </p:sp>
+    </p:spTree>
+    <p:extLst>
+      <p:ext uri="{BB962C8B-B14F-4D97-AF65-F5344CB8AC3E}">
+        <p14:creationId xmlns:p14="http://schemas.microsoft.com/office/powerpoint/2010/main" val="2700872664"/>
+      </p:ext>
+    </p:extLst>
+  </p:cSld>
+  <p:clrMapOvr>
+    <a:masterClrMapping/>
+  </p:clrMapOvr>
+  <p:timing>
+    <p:tnLst>
+      <p:par>
+        <p:cTn id="1" dur="indefinite" restart="never" nodeType="tmRoot">
+          <p:childTnLst>
+            <p:seq concurrent="1" nextAc="seek">
+              <p:cTn id="2" dur="indefinite" nodeType="mainSeq">
+                <p:childTnLst>
+                  <p:par>
+                    <p:cTn id="3" fill="hold">
+                      <p:stCondLst>
+                        <p:cond delay="indefinite"/>
+                      </p:stCondLst>
+                      <p:childTnLst>
+                        <p:par>
+                          <p:cTn id="4" fill="hold">
+                            <p:stCondLst>
+                              <p:cond delay="0"/>
+                            </p:stCondLst>
+                            <p:childTnLst>
+                              <p:par>
+                                <p:cTn id="5" presetID="1" presetClass="entr" presetSubtype="0" fill="hold" nodeType="clickEffect">
+                                  <p:stCondLst>
+                                    <p:cond delay="0"/>
+                                  </p:stCondLst>
+                                  <p:childTnLst>
+                                    <p:set>
+                                      <p:cBhvr>
+                                        <p:cTn id="6" dur="1" fill="hold">
+                                          <p:stCondLst>
+                                            <p:cond delay="0"/>
+                                          </p:stCondLst>
+                                        </p:cTn>
+                                        <p:tgtEl>
+                                          <p:spTgt spid="9">
+                                            <p:txEl>
+                                              <p:pRg st="4" end="4"/>
+                                            </p:txEl>
+                                          </p:spTgt>
+                                        </p:tgtEl>
+                                        <p:attrNameLst>
+                                          <p:attrName>style.visibility</p:attrName>
+                                        </p:attrNameLst>
+                                      </p:cBhvr>
+                                      <p:to>
+                                        <p:strVal val="visible"/>
+                                      </p:to>
+                                    </p:set>
+                                  </p:childTnLst>
+                                </p:cTn>
+                              </p:par>
+                            </p:childTnLst>
+                          </p:cTn>
+                        </p:par>
+                      </p:childTnLst>
+                    </p:cTn>
+                  </p:par>
+                  <p:par>
+                    <p:cTn id="7" fill="hold">
+                      <p:stCondLst>
+                        <p:cond delay="indefinite"/>
+                      </p:stCondLst>
+                      <p:childTnLst>
+                        <p:par>
+                          <p:cTn id="8" fill="hold">
+                            <p:stCondLst>
+                              <p:cond delay="0"/>
+                            </p:stCondLst>
+                            <p:childTnLst>
+                              <p:par>
+                                <p:cTn id="9" presetID="1" presetClass="entr" presetSubtype="0" fill="hold" nodeType="clickEffect">
+                                  <p:stCondLst>
+                                    <p:cond delay="0"/>
+                                  </p:stCondLst>
+                                  <p:childTnLst>
+                                    <p:set>
+                                      <p:cBhvr>
+                                        <p:cTn id="10" dur="1" fill="hold">
+                                          <p:stCondLst>
+                                            <p:cond delay="0"/>
+                                          </p:stCondLst>
+                                        </p:cTn>
+                                        <p:tgtEl>
+                                          <p:spTgt spid="9">
+                                            <p:txEl>
+                                              <p:pRg st="5" end="5"/>
+                                            </p:txEl>
+                                          </p:spTgt>
+                                        </p:tgtEl>
+                                        <p:attrNameLst>
+                                          <p:attrName>style.visibility</p:attrName>
+                                        </p:attrNameLst>
+                                      </p:cBhvr>
+                                      <p:to>
+                                        <p:strVal val="visible"/>
+                                      </p:to>
+                                    </p:set>
+                                  </p:childTnLst>
+                                </p:cTn>
+                              </p:par>
+                            </p:childTnLst>
+                          </p:cTn>
+                        </p:par>
+                      </p:childTnLst>
+                    </p:cTn>
+                  </p:par>
+                  <p:par>
+                    <p:cTn id="11" fill="hold">
+                      <p:stCondLst>
+                        <p:cond delay="indefinite"/>
+                      </p:stCondLst>
+                      <p:childTnLst>
+                        <p:par>
+                          <p:cTn id="12" fill="hold">
+                            <p:stCondLst>
+                              <p:cond delay="0"/>
+                            </p:stCondLst>
+                            <p:childTnLst>
+                              <p:par>
+                                <p:cTn id="13" presetID="1" presetClass="entr" presetSubtype="0" fill="hold" nodeType="clickEffect">
+                                  <p:stCondLst>
+                                    <p:cond delay="0"/>
+                                  </p:stCondLst>
+                                  <p:childTnLst>
+                                    <p:set>
+                                      <p:cBhvr>
+                                        <p:cTn id="14" dur="1" fill="hold">
+                                          <p:stCondLst>
+                                            <p:cond delay="0"/>
+                                          </p:stCondLst>
+                                        </p:cTn>
+                                        <p:tgtEl>
+                                          <p:spTgt spid="9">
+                                            <p:txEl>
+                                              <p:pRg st="6" end="6"/>
+                                            </p:txEl>
+                                          </p:spTgt>
+                                        </p:tgtEl>
+                                        <p:attrNameLst>
+                                          <p:attrName>style.visibility</p:attrName>
+                                        </p:attrNameLst>
+                                      </p:cBhvr>
+                                      <p:to>
+                                        <p:strVal val="visible"/>
+                                      </p:to>
+                                    </p:set>
+                                  </p:childTnLst>
+                                </p:cTn>
+                              </p:par>
+                            </p:childTnLst>
+                          </p:cTn>
+                        </p:par>
+                      </p:childTnLst>
+                    </p:cTn>
+                  </p:par>
+                  <p:par>
+                    <p:cTn id="15" fill="hold">
+                      <p:stCondLst>
+                        <p:cond delay="indefinite"/>
+                      </p:stCondLst>
+                      <p:childTnLst>
+                        <p:par>
+                          <p:cTn id="16" fill="hold">
+                            <p:stCondLst>
+                              <p:cond delay="0"/>
+                            </p:stCondLst>
+                            <p:childTnLst>
+                              <p:par>
+                                <p:cTn id="17" presetID="1" presetClass="entr" presetSubtype="0" fill="hold" nodeType="clickEffect">
+                                  <p:stCondLst>
+                                    <p:cond delay="0"/>
+                                  </p:stCondLst>
+                                  <p:childTnLst>
+                                    <p:set>
+                                      <p:cBhvr>
+                                        <p:cTn id="18" dur="1" fill="hold">
+                                          <p:stCondLst>
+                                            <p:cond delay="0"/>
+                                          </p:stCondLst>
+                                        </p:cTn>
+                                        <p:tgtEl>
+                                          <p:spTgt spid="9">
+                                            <p:txEl>
+                                              <p:pRg st="8" end="8"/>
+                                            </p:txEl>
+                                          </p:spTgt>
+                                        </p:tgtEl>
+                                        <p:attrNameLst>
+                                          <p:attrName>style.visibility</p:attrName>
+                                        </p:attrNameLst>
+                                      </p:cBhvr>
+                                      <p:to>
+                                        <p:strVal val="visible"/>
+                                      </p:to>
+                                    </p:set>
+                                  </p:childTnLst>
+                                </p:cTn>
+                              </p:par>
+                            </p:childTnLst>
+                          </p:cTn>
+                        </p:par>
+                      </p:childTnLst>
+                    </p:cTn>
+                  </p:par>
+                </p:childTnLst>
+              </p:cTn>
+              <p:prevCondLst>
+                <p:cond evt="onPrev" delay="0">
+                  <p:tgtEl>
+                    <p:sldTgt/>
+                  </p:tgtEl>
+                </p:cond>
+              </p:prevCondLst>
+              <p:nextCondLst>
+                <p:cond evt="onNext" delay="0">
+                  <p:tgtEl>
+                    <p:sldTgt/>
+                  </p:tgtEl>
+                </p:cond>
+              </p:nextCondLst>
+            </p:seq>
+          </p:childTnLst>
+        </p:cTn>
+      </p:par>
+    </p:tnLst>
+  </p:timing>
+</p:sld>
+</file>
+
+<file path=ppt/slides/slide11.xml><?xml version="1.0" encoding="utf-8"?>
+<p:sld xmlns:a="http://schemas.openxmlformats.org/drawingml/2006/main" xmlns:r="http://schemas.openxmlformats.org/officeDocument/2006/relationships" xmlns:p="http://schemas.openxmlformats.org/presentationml/2006/main">
+  <p:cSld>
+    <p:spTree>
+      <p:nvGrpSpPr>
+        <p:cNvPr id="1" name=""/>
+        <p:cNvGrpSpPr/>
+        <p:nvPr/>
+      </p:nvGrpSpPr>
+      <p:grpSpPr>
+        <a:xfrm>
+          <a:off x="0" y="0"/>
+          <a:ext cx="0" cy="0"/>
+          <a:chOff x="0" y="0"/>
+          <a:chExt cx="0" cy="0"/>
+        </a:xfrm>
+      </p:grpSpPr>
+      <p:sp>
+        <p:nvSpPr>
+          <p:cNvPr id="2" name="Title 1">
+            <a:extLst>
+              <a:ext uri="{FF2B5EF4-FFF2-40B4-BE49-F238E27FC236}">
+                <a16:creationId xmlns:a16="http://schemas.microsoft.com/office/drawing/2014/main" id="{AA3A228F-61D0-D949-A5E7-F83756230BF8}"/>
+              </a:ext>
+            </a:extLst>
+          </p:cNvPr>
+          <p:cNvSpPr>
+            <a:spLocks noGrp="1"/>
+          </p:cNvSpPr>
+          <p:nvPr>
+            <p:ph type="title"/>
+          </p:nvPr>
+        </p:nvSpPr>
+        <p:spPr>
+          <a:xfrm>
             <a:off x="121898" y="162227"/>
             <a:ext cx="7053542" cy="683886"/>
           </a:xfrm>
@@ -6612,7 +7215,7 @@
 </p:sld>
 </file>
 
-<file path=ppt/slides/slide11.xml><?xml version="1.0" encoding="utf-8"?>
+<file path=ppt/slides/slide12.xml><?xml version="1.0" encoding="utf-8"?>
 <p:sld xmlns:a="http://schemas.openxmlformats.org/drawingml/2006/main" xmlns:r="http://schemas.openxmlformats.org/officeDocument/2006/relationships" xmlns:p="http://schemas.openxmlformats.org/presentationml/2006/main">
   <p:cSld>
     <p:spTree>
@@ -7037,7 +7640,7 @@
 </p:sld>
 </file>
 
-<file path=ppt/slides/slide12.xml><?xml version="1.0" encoding="utf-8"?>
+<file path=ppt/slides/slide13.xml><?xml version="1.0" encoding="utf-8"?>
 <p:sld xmlns:a="http://schemas.openxmlformats.org/drawingml/2006/main" xmlns:r="http://schemas.openxmlformats.org/officeDocument/2006/relationships" xmlns:p="http://schemas.openxmlformats.org/presentationml/2006/main">
   <p:cSld>
     <p:spTree>
@@ -8143,7 +8746,7 @@
 </p:sld>
 </file>
 
-<file path=ppt/slides/slide13.xml><?xml version="1.0" encoding="utf-8"?>
+<file path=ppt/slides/slide14.xml><?xml version="1.0" encoding="utf-8"?>
 <p:sld xmlns:a="http://schemas.openxmlformats.org/drawingml/2006/main" xmlns:r="http://schemas.openxmlformats.org/officeDocument/2006/relationships" xmlns:p="http://schemas.openxmlformats.org/presentationml/2006/main">
   <p:cSld>
     <p:spTree>
@@ -8958,7 +9561,7 @@
 </p:sld>
 </file>
 
-<file path=ppt/slides/slide14.xml><?xml version="1.0" encoding="utf-8"?>
+<file path=ppt/slides/slide15.xml><?xml version="1.0" encoding="utf-8"?>
 <p:sld xmlns:a="http://schemas.openxmlformats.org/drawingml/2006/main" xmlns:r="http://schemas.openxmlformats.org/officeDocument/2006/relationships" xmlns:p="http://schemas.openxmlformats.org/presentationml/2006/main">
   <p:cSld>
     <p:spTree>
@@ -10231,7 +10834,7 @@
 </p:sld>
 </file>
 
-<file path=ppt/slides/slide15.xml><?xml version="1.0" encoding="utf-8"?>
+<file path=ppt/slides/slide16.xml><?xml version="1.0" encoding="utf-8"?>
 <p:sld xmlns:a="http://schemas.openxmlformats.org/drawingml/2006/main" xmlns:r="http://schemas.openxmlformats.org/officeDocument/2006/relationships" xmlns:p="http://schemas.openxmlformats.org/presentationml/2006/main">
   <p:cSld>
     <p:spTree>
@@ -11237,7 +11840,7 @@
 </p:sld>
 </file>
 
-<file path=ppt/slides/slide16.xml><?xml version="1.0" encoding="utf-8"?>
+<file path=ppt/slides/slide17.xml><?xml version="1.0" encoding="utf-8"?>
 <p:sld xmlns:a="http://schemas.openxmlformats.org/drawingml/2006/main" xmlns:r="http://schemas.openxmlformats.org/officeDocument/2006/relationships" xmlns:p="http://schemas.openxmlformats.org/presentationml/2006/main">
   <p:cSld>
     <p:spTree>
@@ -12158,7 +12761,7 @@
 </p:sld>
 </file>
 
-<file path=ppt/slides/slide17.xml><?xml version="1.0" encoding="utf-8"?>
+<file path=ppt/slides/slide18.xml><?xml version="1.0" encoding="utf-8"?>
 <p:sld xmlns:a="http://schemas.openxmlformats.org/drawingml/2006/main" xmlns:r="http://schemas.openxmlformats.org/officeDocument/2006/relationships" xmlns:p="http://schemas.openxmlformats.org/presentationml/2006/main">
   <p:cSld>
     <p:spTree>
@@ -12607,7 +13210,7 @@
 </p:sld>
 </file>
 
-<file path=ppt/slides/slide18.xml><?xml version="1.0" encoding="utf-8"?>
+<file path=ppt/slides/slide19.xml><?xml version="1.0" encoding="utf-8"?>
 <p:sld xmlns:a="http://schemas.openxmlformats.org/drawingml/2006/main" xmlns:r="http://schemas.openxmlformats.org/officeDocument/2006/relationships" xmlns:p="http://schemas.openxmlformats.org/presentationml/2006/main">
   <p:cSld>
     <p:spTree>
@@ -13514,7 +14117,264 @@
 </p:sld>
 </file>
 
-<file path=ppt/slides/slide19.xml><?xml version="1.0" encoding="utf-8"?>
+<file path=ppt/slides/slide2.xml><?xml version="1.0" encoding="utf-8"?>
+<p:sld xmlns:a="http://schemas.openxmlformats.org/drawingml/2006/main" xmlns:r="http://schemas.openxmlformats.org/officeDocument/2006/relationships" xmlns:p="http://schemas.openxmlformats.org/presentationml/2006/main">
+  <p:cSld>
+    <p:spTree>
+      <p:nvGrpSpPr>
+        <p:cNvPr id="1" name=""/>
+        <p:cNvGrpSpPr/>
+        <p:nvPr/>
+      </p:nvGrpSpPr>
+      <p:grpSpPr>
+        <a:xfrm>
+          <a:off x="0" y="0"/>
+          <a:ext cx="0" cy="0"/>
+          <a:chOff x="0" y="0"/>
+          <a:chExt cx="0" cy="0"/>
+        </a:xfrm>
+      </p:grpSpPr>
+      <p:sp>
+        <p:nvSpPr>
+          <p:cNvPr id="2" name="Title 1">
+            <a:extLst>
+              <a:ext uri="{FF2B5EF4-FFF2-40B4-BE49-F238E27FC236}">
+                <a16:creationId xmlns:a16="http://schemas.microsoft.com/office/drawing/2014/main" id="{AA3A228F-61D0-D949-A5E7-F83756230BF8}"/>
+              </a:ext>
+            </a:extLst>
+          </p:cNvPr>
+          <p:cNvSpPr>
+            <a:spLocks noGrp="1"/>
+          </p:cNvSpPr>
+          <p:nvPr>
+            <p:ph type="title"/>
+          </p:nvPr>
+        </p:nvSpPr>
+        <p:spPr>
+          <a:xfrm>
+            <a:off x="483848" y="467027"/>
+            <a:ext cx="7053542" cy="683886"/>
+          </a:xfrm>
+        </p:spPr>
+        <p:txBody>
+          <a:bodyPr/>
+          <a:lstStyle/>
+          <a:p>
+            <a:r>
+              <a:rPr lang="en-US" dirty="0"/>
+              <a:t>Topics</a:t>
+            </a:r>
+          </a:p>
+        </p:txBody>
+      </p:sp>
+      <p:sp>
+        <p:nvSpPr>
+          <p:cNvPr id="9" name="Content Placeholder 8">
+            <a:extLst>
+              <a:ext uri="{FF2B5EF4-FFF2-40B4-BE49-F238E27FC236}">
+                <a16:creationId xmlns:a16="http://schemas.microsoft.com/office/drawing/2014/main" id="{E3B2E017-30B2-884B-A113-B419A2ED51AD}"/>
+              </a:ext>
+            </a:extLst>
+          </p:cNvPr>
+          <p:cNvSpPr>
+            <a:spLocks noGrp="1"/>
+          </p:cNvSpPr>
+          <p:nvPr>
+            <p:ph idx="1"/>
+          </p:nvPr>
+        </p:nvSpPr>
+        <p:spPr>
+          <a:xfrm>
+            <a:off x="483848" y="1288073"/>
+            <a:ext cx="8051725" cy="4303429"/>
+          </a:xfrm>
+        </p:spPr>
+        <p:txBody>
+          <a:bodyPr/>
+          <a:lstStyle/>
+          <a:p>
+            <a:pPr marL="0" indent="0">
+              <a:buNone/>
+            </a:pPr>
+            <a:endParaRPr lang="en-US" dirty="0">
+              <a:latin typeface="Gill Sans MT" panose="020B0502020104020203" pitchFamily="34" charset="77"/>
+            </a:endParaRPr>
+          </a:p>
+          <a:p>
+            <a:pPr marL="457200" indent="-457200">
+              <a:buAutoNum type="arabicParenR"/>
+            </a:pPr>
+            <a:endParaRPr lang="en-US" dirty="0">
+              <a:latin typeface="Gill Sans MT" panose="020B0502020104020203" pitchFamily="34" charset="77"/>
+            </a:endParaRPr>
+          </a:p>
+          <a:p>
+            <a:pPr marL="457200" indent="-457200">
+              <a:buAutoNum type="arabicParenR"/>
+            </a:pPr>
+            <a:r>
+              <a:rPr lang="en-US" dirty="0">
+                <a:latin typeface="Gill Sans MT" panose="020B0502020104020203" pitchFamily="34" charset="77"/>
+              </a:rPr>
+              <a:t>Classes</a:t>
+            </a:r>
+          </a:p>
+          <a:p>
+            <a:pPr marL="457200" indent="-457200">
+              <a:buAutoNum type="arabicParenR"/>
+            </a:pPr>
+            <a:r>
+              <a:rPr lang="en-US" dirty="0">
+                <a:latin typeface="Gill Sans MT" panose="020B0502020104020203" pitchFamily="34" charset="77"/>
+              </a:rPr>
+              <a:t>Class vs Object</a:t>
+            </a:r>
+          </a:p>
+          <a:p>
+            <a:pPr marL="457200" indent="-457200">
+              <a:buAutoNum type="arabicParenR"/>
+            </a:pPr>
+            <a:r>
+              <a:rPr lang="en-US" dirty="0">
+                <a:latin typeface="Gill Sans MT" panose="020B0502020104020203" pitchFamily="34" charset="77"/>
+              </a:rPr>
+              <a:t>__</a:t>
+            </a:r>
+            <a:r>
+              <a:rPr lang="en-US" dirty="0" err="1">
+                <a:latin typeface="Gill Sans MT" panose="020B0502020104020203" pitchFamily="34" charset="77"/>
+              </a:rPr>
+              <a:t>init</a:t>
+            </a:r>
+            <a:r>
+              <a:rPr lang="en-US" dirty="0">
+                <a:latin typeface="Gill Sans MT" panose="020B0502020104020203" pitchFamily="34" charset="77"/>
+              </a:rPr>
+              <a:t>__(</a:t>
+            </a:r>
+            <a:r>
+              <a:rPr lang="en-US" dirty="0" err="1">
+                <a:latin typeface="Gill Sans MT" panose="020B0502020104020203" pitchFamily="34" charset="77"/>
+              </a:rPr>
+              <a:t>dunder</a:t>
+            </a:r>
+            <a:r>
+              <a:rPr lang="en-US" dirty="0">
+                <a:latin typeface="Gill Sans MT" panose="020B0502020104020203" pitchFamily="34" charset="77"/>
+              </a:rPr>
+              <a:t> </a:t>
+            </a:r>
+            <a:r>
+              <a:rPr lang="en-US" dirty="0" err="1">
+                <a:latin typeface="Gill Sans MT" panose="020B0502020104020203" pitchFamily="34" charset="77"/>
+              </a:rPr>
+              <a:t>init</a:t>
+            </a:r>
+            <a:r>
+              <a:rPr lang="en-US" dirty="0">
+                <a:latin typeface="Gill Sans MT" panose="020B0502020104020203" pitchFamily="34" charset="77"/>
+              </a:rPr>
+              <a:t>)</a:t>
+            </a:r>
+          </a:p>
+          <a:p>
+            <a:pPr marL="457200" indent="-457200">
+              <a:buAutoNum type="arabicParenR"/>
+            </a:pPr>
+            <a:r>
+              <a:rPr lang="en-US" dirty="0">
+                <a:latin typeface="Gill Sans MT" panose="020B0502020104020203" pitchFamily="34" charset="77"/>
+              </a:rPr>
+              <a:t>Functions vs Methods</a:t>
+            </a:r>
+          </a:p>
+          <a:p>
+            <a:pPr marL="457200" indent="-457200">
+              <a:buAutoNum type="arabicParenR"/>
+            </a:pPr>
+            <a:r>
+              <a:rPr lang="en-US" dirty="0">
+                <a:latin typeface="Gill Sans MT" panose="020B0502020104020203" pitchFamily="34" charset="77"/>
+              </a:rPr>
+              <a:t>self</a:t>
+            </a:r>
+          </a:p>
+          <a:p>
+            <a:pPr marL="457200" indent="-457200">
+              <a:buFont typeface="Arial" panose="020B0604020202020204" pitchFamily="34" charset="0"/>
+              <a:buAutoNum type="arabicParenR"/>
+            </a:pPr>
+            <a:r>
+              <a:rPr lang="en-US" dirty="0">
+                <a:latin typeface="Gill Sans MT" panose="020B0502020104020203" pitchFamily="34" charset="77"/>
+              </a:rPr>
+              <a:t>Importing modules</a:t>
+            </a:r>
+          </a:p>
+          <a:p>
+            <a:pPr marL="0" indent="0">
+              <a:buNone/>
+            </a:pPr>
+            <a:endParaRPr lang="en-US" dirty="0">
+              <a:latin typeface="Gill Sans MT" panose="020B0502020104020203" pitchFamily="34" charset="77"/>
+            </a:endParaRPr>
+          </a:p>
+          <a:p>
+            <a:pPr marL="0" indent="0">
+              <a:buNone/>
+            </a:pPr>
+            <a:endParaRPr lang="en-US" dirty="0">
+              <a:latin typeface="Gill Sans MT" panose="020B0502020104020203" pitchFamily="34" charset="77"/>
+            </a:endParaRPr>
+          </a:p>
+          <a:p>
+            <a:pPr marL="457200" indent="-457200">
+              <a:buAutoNum type="arabicParenR"/>
+            </a:pPr>
+            <a:endParaRPr lang="en-US" dirty="0">
+              <a:latin typeface="Gill Sans MT" panose="020B0502020104020203" pitchFamily="34" charset="77"/>
+            </a:endParaRPr>
+          </a:p>
+          <a:p>
+            <a:pPr marL="457200" indent="-457200">
+              <a:buAutoNum type="arabicParenR"/>
+            </a:pPr>
+            <a:endParaRPr lang="en-US" dirty="0">
+              <a:latin typeface="Gill Sans MT" panose="020B0502020104020203" pitchFamily="34" charset="77"/>
+            </a:endParaRPr>
+          </a:p>
+          <a:p>
+            <a:pPr marL="0" indent="0">
+              <a:buNone/>
+            </a:pPr>
+            <a:endParaRPr lang="en-US" dirty="0">
+              <a:latin typeface="Gill Sans MT" panose="020B0502020104020203" pitchFamily="34" charset="77"/>
+            </a:endParaRPr>
+          </a:p>
+          <a:p>
+            <a:pPr marL="0" indent="0">
+              <a:buNone/>
+            </a:pPr>
+            <a:endParaRPr lang="en-US" b="1" dirty="0">
+              <a:latin typeface="Gill Sans MT" panose="020B0502020104020203" pitchFamily="34" charset="77"/>
+            </a:endParaRPr>
+          </a:p>
+        </p:txBody>
+      </p:sp>
+    </p:spTree>
+    <p:extLst>
+      <p:ext uri="{BB962C8B-B14F-4D97-AF65-F5344CB8AC3E}">
+        <p14:creationId xmlns:p14="http://schemas.microsoft.com/office/powerpoint/2010/main" val="131840209"/>
+      </p:ext>
+    </p:extLst>
+  </p:cSld>
+  <p:clrMapOvr>
+    <a:masterClrMapping/>
+  </p:clrMapOvr>
+</p:sld>
+</file>
+
+<file path=ppt/slides/slide20.xml><?xml version="1.0" encoding="utf-8"?>
 <p:sld xmlns:a="http://schemas.openxmlformats.org/drawingml/2006/main" xmlns:r="http://schemas.openxmlformats.org/officeDocument/2006/relationships" xmlns:p="http://schemas.openxmlformats.org/presentationml/2006/main">
   <p:cSld>
     <p:spTree>
@@ -14193,264 +15053,7 @@
 </p:sld>
 </file>
 
-<file path=ppt/slides/slide2.xml><?xml version="1.0" encoding="utf-8"?>
-<p:sld xmlns:a="http://schemas.openxmlformats.org/drawingml/2006/main" xmlns:r="http://schemas.openxmlformats.org/officeDocument/2006/relationships" xmlns:p="http://schemas.openxmlformats.org/presentationml/2006/main">
-  <p:cSld>
-    <p:spTree>
-      <p:nvGrpSpPr>
-        <p:cNvPr id="1" name=""/>
-        <p:cNvGrpSpPr/>
-        <p:nvPr/>
-      </p:nvGrpSpPr>
-      <p:grpSpPr>
-        <a:xfrm>
-          <a:off x="0" y="0"/>
-          <a:ext cx="0" cy="0"/>
-          <a:chOff x="0" y="0"/>
-          <a:chExt cx="0" cy="0"/>
-        </a:xfrm>
-      </p:grpSpPr>
-      <p:sp>
-        <p:nvSpPr>
-          <p:cNvPr id="2" name="Title 1">
-            <a:extLst>
-              <a:ext uri="{FF2B5EF4-FFF2-40B4-BE49-F238E27FC236}">
-                <a16:creationId xmlns:a16="http://schemas.microsoft.com/office/drawing/2014/main" id="{AA3A228F-61D0-D949-A5E7-F83756230BF8}"/>
-              </a:ext>
-            </a:extLst>
-          </p:cNvPr>
-          <p:cNvSpPr>
-            <a:spLocks noGrp="1"/>
-          </p:cNvSpPr>
-          <p:nvPr>
-            <p:ph type="title"/>
-          </p:nvPr>
-        </p:nvSpPr>
-        <p:spPr>
-          <a:xfrm>
-            <a:off x="483848" y="467027"/>
-            <a:ext cx="7053542" cy="683886"/>
-          </a:xfrm>
-        </p:spPr>
-        <p:txBody>
-          <a:bodyPr/>
-          <a:lstStyle/>
-          <a:p>
-            <a:r>
-              <a:rPr lang="en-US" dirty="0"/>
-              <a:t>Topics</a:t>
-            </a:r>
-          </a:p>
-        </p:txBody>
-      </p:sp>
-      <p:sp>
-        <p:nvSpPr>
-          <p:cNvPr id="9" name="Content Placeholder 8">
-            <a:extLst>
-              <a:ext uri="{FF2B5EF4-FFF2-40B4-BE49-F238E27FC236}">
-                <a16:creationId xmlns:a16="http://schemas.microsoft.com/office/drawing/2014/main" id="{E3B2E017-30B2-884B-A113-B419A2ED51AD}"/>
-              </a:ext>
-            </a:extLst>
-          </p:cNvPr>
-          <p:cNvSpPr>
-            <a:spLocks noGrp="1"/>
-          </p:cNvSpPr>
-          <p:nvPr>
-            <p:ph idx="1"/>
-          </p:nvPr>
-        </p:nvSpPr>
-        <p:spPr>
-          <a:xfrm>
-            <a:off x="483848" y="1288073"/>
-            <a:ext cx="8051725" cy="4303429"/>
-          </a:xfrm>
-        </p:spPr>
-        <p:txBody>
-          <a:bodyPr/>
-          <a:lstStyle/>
-          <a:p>
-            <a:pPr marL="0" indent="0">
-              <a:buNone/>
-            </a:pPr>
-            <a:endParaRPr lang="en-US" dirty="0">
-              <a:latin typeface="Gill Sans MT" panose="020B0502020104020203" pitchFamily="34" charset="77"/>
-            </a:endParaRPr>
-          </a:p>
-          <a:p>
-            <a:pPr marL="457200" indent="-457200">
-              <a:buAutoNum type="arabicParenR"/>
-            </a:pPr>
-            <a:endParaRPr lang="en-US" dirty="0">
-              <a:latin typeface="Gill Sans MT" panose="020B0502020104020203" pitchFamily="34" charset="77"/>
-            </a:endParaRPr>
-          </a:p>
-          <a:p>
-            <a:pPr marL="457200" indent="-457200">
-              <a:buAutoNum type="arabicParenR"/>
-            </a:pPr>
-            <a:r>
-              <a:rPr lang="en-US" dirty="0">
-                <a:latin typeface="Gill Sans MT" panose="020B0502020104020203" pitchFamily="34" charset="77"/>
-              </a:rPr>
-              <a:t>Classes</a:t>
-            </a:r>
-          </a:p>
-          <a:p>
-            <a:pPr marL="457200" indent="-457200">
-              <a:buAutoNum type="arabicParenR"/>
-            </a:pPr>
-            <a:r>
-              <a:rPr lang="en-US" dirty="0">
-                <a:latin typeface="Gill Sans MT" panose="020B0502020104020203" pitchFamily="34" charset="77"/>
-              </a:rPr>
-              <a:t>Class vs Object</a:t>
-            </a:r>
-          </a:p>
-          <a:p>
-            <a:pPr marL="457200" indent="-457200">
-              <a:buAutoNum type="arabicParenR"/>
-            </a:pPr>
-            <a:r>
-              <a:rPr lang="en-US" dirty="0">
-                <a:latin typeface="Gill Sans MT" panose="020B0502020104020203" pitchFamily="34" charset="77"/>
-              </a:rPr>
-              <a:t>__</a:t>
-            </a:r>
-            <a:r>
-              <a:rPr lang="en-US" dirty="0" err="1">
-                <a:latin typeface="Gill Sans MT" panose="020B0502020104020203" pitchFamily="34" charset="77"/>
-              </a:rPr>
-              <a:t>init</a:t>
-            </a:r>
-            <a:r>
-              <a:rPr lang="en-US" dirty="0">
-                <a:latin typeface="Gill Sans MT" panose="020B0502020104020203" pitchFamily="34" charset="77"/>
-              </a:rPr>
-              <a:t>__(</a:t>
-            </a:r>
-            <a:r>
-              <a:rPr lang="en-US" dirty="0" err="1">
-                <a:latin typeface="Gill Sans MT" panose="020B0502020104020203" pitchFamily="34" charset="77"/>
-              </a:rPr>
-              <a:t>dunder</a:t>
-            </a:r>
-            <a:r>
-              <a:rPr lang="en-US" dirty="0">
-                <a:latin typeface="Gill Sans MT" panose="020B0502020104020203" pitchFamily="34" charset="77"/>
-              </a:rPr>
-              <a:t> </a:t>
-            </a:r>
-            <a:r>
-              <a:rPr lang="en-US" dirty="0" err="1">
-                <a:latin typeface="Gill Sans MT" panose="020B0502020104020203" pitchFamily="34" charset="77"/>
-              </a:rPr>
-              <a:t>init</a:t>
-            </a:r>
-            <a:r>
-              <a:rPr lang="en-US" dirty="0">
-                <a:latin typeface="Gill Sans MT" panose="020B0502020104020203" pitchFamily="34" charset="77"/>
-              </a:rPr>
-              <a:t>)</a:t>
-            </a:r>
-          </a:p>
-          <a:p>
-            <a:pPr marL="457200" indent="-457200">
-              <a:buAutoNum type="arabicParenR"/>
-            </a:pPr>
-            <a:r>
-              <a:rPr lang="en-US" dirty="0">
-                <a:latin typeface="Gill Sans MT" panose="020B0502020104020203" pitchFamily="34" charset="77"/>
-              </a:rPr>
-              <a:t>Functions vs Methods</a:t>
-            </a:r>
-          </a:p>
-          <a:p>
-            <a:pPr marL="457200" indent="-457200">
-              <a:buAutoNum type="arabicParenR"/>
-            </a:pPr>
-            <a:r>
-              <a:rPr lang="en-US" dirty="0">
-                <a:latin typeface="Gill Sans MT" panose="020B0502020104020203" pitchFamily="34" charset="77"/>
-              </a:rPr>
-              <a:t>self</a:t>
-            </a:r>
-          </a:p>
-          <a:p>
-            <a:pPr marL="457200" indent="-457200">
-              <a:buFont typeface="Arial" panose="020B0604020202020204" pitchFamily="34" charset="0"/>
-              <a:buAutoNum type="arabicParenR"/>
-            </a:pPr>
-            <a:r>
-              <a:rPr lang="en-US" dirty="0">
-                <a:latin typeface="Gill Sans MT" panose="020B0502020104020203" pitchFamily="34" charset="77"/>
-              </a:rPr>
-              <a:t>Importing modules</a:t>
-            </a:r>
-          </a:p>
-          <a:p>
-            <a:pPr marL="0" indent="0">
-              <a:buNone/>
-            </a:pPr>
-            <a:endParaRPr lang="en-US" dirty="0">
-              <a:latin typeface="Gill Sans MT" panose="020B0502020104020203" pitchFamily="34" charset="77"/>
-            </a:endParaRPr>
-          </a:p>
-          <a:p>
-            <a:pPr marL="0" indent="0">
-              <a:buNone/>
-            </a:pPr>
-            <a:endParaRPr lang="en-US" dirty="0">
-              <a:latin typeface="Gill Sans MT" panose="020B0502020104020203" pitchFamily="34" charset="77"/>
-            </a:endParaRPr>
-          </a:p>
-          <a:p>
-            <a:pPr marL="457200" indent="-457200">
-              <a:buAutoNum type="arabicParenR"/>
-            </a:pPr>
-            <a:endParaRPr lang="en-US" dirty="0">
-              <a:latin typeface="Gill Sans MT" panose="020B0502020104020203" pitchFamily="34" charset="77"/>
-            </a:endParaRPr>
-          </a:p>
-          <a:p>
-            <a:pPr marL="457200" indent="-457200">
-              <a:buAutoNum type="arabicParenR"/>
-            </a:pPr>
-            <a:endParaRPr lang="en-US" dirty="0">
-              <a:latin typeface="Gill Sans MT" panose="020B0502020104020203" pitchFamily="34" charset="77"/>
-            </a:endParaRPr>
-          </a:p>
-          <a:p>
-            <a:pPr marL="0" indent="0">
-              <a:buNone/>
-            </a:pPr>
-            <a:endParaRPr lang="en-US" dirty="0">
-              <a:latin typeface="Gill Sans MT" panose="020B0502020104020203" pitchFamily="34" charset="77"/>
-            </a:endParaRPr>
-          </a:p>
-          <a:p>
-            <a:pPr marL="0" indent="0">
-              <a:buNone/>
-            </a:pPr>
-            <a:endParaRPr lang="en-US" b="1" dirty="0">
-              <a:latin typeface="Gill Sans MT" panose="020B0502020104020203" pitchFamily="34" charset="77"/>
-            </a:endParaRPr>
-          </a:p>
-        </p:txBody>
-      </p:sp>
-    </p:spTree>
-    <p:extLst>
-      <p:ext uri="{BB962C8B-B14F-4D97-AF65-F5344CB8AC3E}">
-        <p14:creationId xmlns:p14="http://schemas.microsoft.com/office/powerpoint/2010/main" val="131840209"/>
-      </p:ext>
-    </p:extLst>
-  </p:cSld>
-  <p:clrMapOvr>
-    <a:masterClrMapping/>
-  </p:clrMapOvr>
-</p:sld>
-</file>
-
-<file path=ppt/slides/slide20.xml><?xml version="1.0" encoding="utf-8"?>
+<file path=ppt/slides/slide21.xml><?xml version="1.0" encoding="utf-8"?>
 <p:sld xmlns:a="http://schemas.openxmlformats.org/drawingml/2006/main" xmlns:r="http://schemas.openxmlformats.org/officeDocument/2006/relationships" xmlns:p="http://schemas.openxmlformats.org/presentationml/2006/main">
   <p:cSld>
     <p:spTree>
@@ -15175,7 +15778,7 @@
 </p:sld>
 </file>
 
-<file path=ppt/slides/slide21.xml><?xml version="1.0" encoding="utf-8"?>
+<file path=ppt/slides/slide22.xml><?xml version="1.0" encoding="utf-8"?>
 <p:sld xmlns:a="http://schemas.openxmlformats.org/drawingml/2006/main" xmlns:r="http://schemas.openxmlformats.org/officeDocument/2006/relationships" xmlns:p="http://schemas.openxmlformats.org/presentationml/2006/main">
   <p:cSld>
     <p:spTree>
@@ -16330,7 +16933,7 @@
 </p:sld>
 </file>
 
-<file path=ppt/slides/slide22.xml><?xml version="1.0" encoding="utf-8"?>
+<file path=ppt/slides/slide23.xml><?xml version="1.0" encoding="utf-8"?>
 <p:sld xmlns:a="http://schemas.openxmlformats.org/drawingml/2006/main" xmlns:r="http://schemas.openxmlformats.org/officeDocument/2006/relationships" xmlns:p="http://schemas.openxmlformats.org/presentationml/2006/main">
   <p:cSld>
     <p:spTree>
@@ -17043,7 +17646,7 @@
 </p:sld>
 </file>
 
-<file path=ppt/slides/slide23.xml><?xml version="1.0" encoding="utf-8"?>
+<file path=ppt/slides/slide24.xml><?xml version="1.0" encoding="utf-8"?>
 <p:sld xmlns:a="http://schemas.openxmlformats.org/drawingml/2006/main" xmlns:r="http://schemas.openxmlformats.org/officeDocument/2006/relationships" xmlns:p="http://schemas.openxmlformats.org/presentationml/2006/main">
   <p:cSld>
     <p:spTree>
@@ -18141,7 +18744,7 @@
 </p:sld>
 </file>
 
-<file path=ppt/slides/slide24.xml><?xml version="1.0" encoding="utf-8"?>
+<file path=ppt/slides/slide25.xml><?xml version="1.0" encoding="utf-8"?>
 <p:sld xmlns:a="http://schemas.openxmlformats.org/drawingml/2006/main" xmlns:r="http://schemas.openxmlformats.org/officeDocument/2006/relationships" xmlns:p="http://schemas.openxmlformats.org/presentationml/2006/main">
   <p:cSld>
     <p:spTree>
@@ -18508,7 +19111,7 @@
 </p:sld>
 </file>
 
-<file path=ppt/slides/slide25.xml><?xml version="1.0" encoding="utf-8"?>
+<file path=ppt/slides/slide26.xml><?xml version="1.0" encoding="utf-8"?>
 <p:sld xmlns:a="http://schemas.openxmlformats.org/drawingml/2006/main" xmlns:r="http://schemas.openxmlformats.org/officeDocument/2006/relationships" xmlns:p="http://schemas.openxmlformats.org/presentationml/2006/main">
   <p:cSld>
     <p:spTree>
@@ -19395,7 +19998,7 @@
 </p:sld>
 </file>
 
-<file path=ppt/slides/slide26.xml><?xml version="1.0" encoding="utf-8"?>
+<file path=ppt/slides/slide27.xml><?xml version="1.0" encoding="utf-8"?>
 <p:sld xmlns:a="http://schemas.openxmlformats.org/drawingml/2006/main" xmlns:r="http://schemas.openxmlformats.org/officeDocument/2006/relationships" xmlns:p="http://schemas.openxmlformats.org/presentationml/2006/main">
   <p:cSld>
     <p:spTree>
@@ -20139,7 +20742,7 @@
 </p:sld>
 </file>
 
-<file path=ppt/slides/slide27.xml><?xml version="1.0" encoding="utf-8"?>
+<file path=ppt/slides/slide28.xml><?xml version="1.0" encoding="utf-8"?>
 <p:sld xmlns:a="http://schemas.openxmlformats.org/drawingml/2006/main" xmlns:r="http://schemas.openxmlformats.org/officeDocument/2006/relationships" xmlns:p="http://schemas.openxmlformats.org/presentationml/2006/main">
   <p:cSld>
     <p:spTree>
@@ -20714,7 +21317,7 @@
 </p:sld>
 </file>
 
-<file path=ppt/slides/slide28.xml><?xml version="1.0" encoding="utf-8"?>
+<file path=ppt/slides/slide29.xml><?xml version="1.0" encoding="utf-8"?>
 <p:sld xmlns:a="http://schemas.openxmlformats.org/drawingml/2006/main" xmlns:r="http://schemas.openxmlformats.org/officeDocument/2006/relationships" xmlns:p="http://schemas.openxmlformats.org/presentationml/2006/main">
   <p:cSld>
     <p:spTree>
@@ -20975,194 +21578,6 @@
     <p:extLst>
       <p:ext uri="{BB962C8B-B14F-4D97-AF65-F5344CB8AC3E}">
         <p14:creationId xmlns:p14="http://schemas.microsoft.com/office/powerpoint/2010/main" val="1854861563"/>
-      </p:ext>
-    </p:extLst>
-  </p:cSld>
-  <p:clrMapOvr>
-    <a:masterClrMapping/>
-  </p:clrMapOvr>
-</p:sld>
-</file>
-
-<file path=ppt/slides/slide29.xml><?xml version="1.0" encoding="utf-8"?>
-<p:sld xmlns:a="http://schemas.openxmlformats.org/drawingml/2006/main" xmlns:r="http://schemas.openxmlformats.org/officeDocument/2006/relationships" xmlns:p="http://schemas.openxmlformats.org/presentationml/2006/main">
-  <p:cSld>
-    <p:spTree>
-      <p:nvGrpSpPr>
-        <p:cNvPr id="1" name=""/>
-        <p:cNvGrpSpPr/>
-        <p:nvPr/>
-      </p:nvGrpSpPr>
-      <p:grpSpPr>
-        <a:xfrm>
-          <a:off x="0" y="0"/>
-          <a:ext cx="0" cy="0"/>
-          <a:chOff x="0" y="0"/>
-          <a:chExt cx="0" cy="0"/>
-        </a:xfrm>
-      </p:grpSpPr>
-      <p:sp>
-        <p:nvSpPr>
-          <p:cNvPr id="2" name="Title 1">
-            <a:extLst>
-              <a:ext uri="{FF2B5EF4-FFF2-40B4-BE49-F238E27FC236}">
-                <a16:creationId xmlns:a16="http://schemas.microsoft.com/office/drawing/2014/main" id="{AA3A228F-61D0-D949-A5E7-F83756230BF8}"/>
-              </a:ext>
-            </a:extLst>
-          </p:cNvPr>
-          <p:cNvSpPr>
-            <a:spLocks noGrp="1"/>
-          </p:cNvSpPr>
-          <p:nvPr>
-            <p:ph type="title"/>
-          </p:nvPr>
-        </p:nvSpPr>
-        <p:spPr>
-          <a:xfrm>
-            <a:off x="483848" y="467027"/>
-            <a:ext cx="7053542" cy="683886"/>
-          </a:xfrm>
-        </p:spPr>
-        <p:txBody>
-          <a:bodyPr/>
-          <a:lstStyle/>
-          <a:p>
-            <a:r>
-              <a:rPr lang="en-US" dirty="0"/>
-              <a:t>Lab 1</a:t>
-            </a:r>
-          </a:p>
-        </p:txBody>
-      </p:sp>
-      <p:sp>
-        <p:nvSpPr>
-          <p:cNvPr id="9" name="Content Placeholder 8">
-            <a:extLst>
-              <a:ext uri="{FF2B5EF4-FFF2-40B4-BE49-F238E27FC236}">
-                <a16:creationId xmlns:a16="http://schemas.microsoft.com/office/drawing/2014/main" id="{E3B2E017-30B2-884B-A113-B419A2ED51AD}"/>
-              </a:ext>
-            </a:extLst>
-          </p:cNvPr>
-          <p:cNvSpPr>
-            <a:spLocks noGrp="1"/>
-          </p:cNvSpPr>
-          <p:nvPr>
-            <p:ph idx="1"/>
-          </p:nvPr>
-        </p:nvSpPr>
-        <p:spPr>
-          <a:xfrm>
-            <a:off x="483848" y="1257299"/>
-            <a:ext cx="8051725" cy="4334203"/>
-          </a:xfrm>
-        </p:spPr>
-        <p:txBody>
-          <a:bodyPr>
-            <a:normAutofit/>
-          </a:bodyPr>
-          <a:lstStyle/>
-          <a:p>
-            <a:pPr marL="0" indent="0">
-              <a:buNone/>
-            </a:pPr>
-            <a:endParaRPr lang="en-US" dirty="0"/>
-          </a:p>
-          <a:p>
-            <a:pPr marL="0" indent="0">
-              <a:buNone/>
-            </a:pPr>
-            <a:endParaRPr lang="en-US" dirty="0"/>
-          </a:p>
-          <a:p>
-            <a:pPr marL="0" indent="0">
-              <a:buNone/>
-            </a:pPr>
-            <a:endParaRPr lang="en-US" dirty="0"/>
-          </a:p>
-          <a:p>
-            <a:pPr marL="0" indent="0">
-              <a:buNone/>
-            </a:pPr>
-            <a:r>
-              <a:rPr lang="en-US" dirty="0"/>
-              <a:t>Modify the previous lab by putting Student class and the average </a:t>
-            </a:r>
-            <a:r>
-              <a:rPr lang="en-US" dirty="0" err="1"/>
-              <a:t>gpa</a:t>
-            </a:r>
-            <a:r>
-              <a:rPr lang="en-US" dirty="0"/>
-              <a:t> function in a different module(.</a:t>
-            </a:r>
-            <a:r>
-              <a:rPr lang="en-US" dirty="0" err="1"/>
-              <a:t>py</a:t>
-            </a:r>
-            <a:r>
-              <a:rPr lang="en-US" dirty="0"/>
-              <a:t>). </a:t>
-            </a:r>
-          </a:p>
-          <a:p>
-            <a:pPr marL="0" indent="0">
-              <a:buNone/>
-            </a:pPr>
-            <a:endParaRPr lang="en-US" dirty="0"/>
-          </a:p>
-          <a:p>
-            <a:pPr marL="0" indent="0">
-              <a:buNone/>
-            </a:pPr>
-            <a:r>
-              <a:rPr lang="en-US" dirty="0"/>
-              <a:t>Make the necessary import statement to make your code runs correctly. </a:t>
-            </a:r>
-          </a:p>
-          <a:p>
-            <a:pPr marL="0" indent="0">
-              <a:buNone/>
-            </a:pPr>
-            <a:endParaRPr lang="en-US" sz="2000" dirty="0">
-              <a:latin typeface="Gill Sans MT" panose="020B0502020104020203" pitchFamily="34" charset="77"/>
-            </a:endParaRPr>
-          </a:p>
-          <a:p>
-            <a:pPr marL="0" indent="0">
-              <a:buNone/>
-            </a:pPr>
-            <a:endParaRPr lang="en-US" sz="2000" dirty="0">
-              <a:latin typeface="Gill Sans MT" panose="020B0502020104020203" pitchFamily="34" charset="77"/>
-            </a:endParaRPr>
-          </a:p>
-          <a:p>
-            <a:pPr marL="0" indent="0">
-              <a:buNone/>
-            </a:pPr>
-            <a:endParaRPr lang="en-US" b="1" dirty="0">
-              <a:solidFill>
-                <a:srgbClr val="000087"/>
-              </a:solidFill>
-              <a:latin typeface="Inconsolata" panose="020B0609030003000000" pitchFamily="49" charset="77"/>
-            </a:endParaRPr>
-          </a:p>
-          <a:p>
-            <a:pPr marL="0" indent="0">
-              <a:buNone/>
-            </a:pPr>
-            <a:endParaRPr lang="en-US" b="1" dirty="0">
-              <a:solidFill>
-                <a:srgbClr val="000087"/>
-              </a:solidFill>
-              <a:latin typeface="Inconsolata" panose="020B0609030003000000" pitchFamily="49" charset="77"/>
-            </a:endParaRPr>
-          </a:p>
-        </p:txBody>
-      </p:sp>
-    </p:spTree>
-    <p:extLst>
-      <p:ext uri="{BB962C8B-B14F-4D97-AF65-F5344CB8AC3E}">
-        <p14:creationId xmlns:p14="http://schemas.microsoft.com/office/powerpoint/2010/main" val="3027756854"/>
       </p:ext>
     </p:extLst>
   </p:cSld>
@@ -21207,7 +21622,7 @@
         </p:nvSpPr>
         <p:spPr>
           <a:xfrm>
-            <a:off x="180975" y="74732"/>
+            <a:off x="81822" y="8630"/>
             <a:ext cx="7886700" cy="751682"/>
           </a:xfrm>
         </p:spPr>
@@ -21251,149 +21666,64 @@
         </p:spPr>
         <p:txBody>
           <a:bodyPr>
-            <a:normAutofit lnSpcReduction="10000"/>
+            <a:noAutofit/>
           </a:bodyPr>
           <a:lstStyle/>
           <a:p>
             <a:pPr marL="0" indent="0">
               <a:buNone/>
             </a:pPr>
-            <a:r>
-              <a:rPr lang="en-US" dirty="0"/>
-              <a:t>So far, our data has been one piece of information: an int, a float, a string.</a:t>
-            </a:r>
-          </a:p>
-          <a:p>
-            <a:pPr marL="0" indent="0">
-              <a:buNone/>
-            </a:pPr>
-            <a:endParaRPr lang="en-US" dirty="0"/>
-          </a:p>
-          <a:p>
-            <a:pPr marL="0" indent="0">
-              <a:buNone/>
-            </a:pPr>
-            <a:r>
-              <a:rPr lang="en-US" dirty="0"/>
-              <a:t>Suppose we are writing a program that manages a database of students. We need a data type that contains information about a student. </a:t>
-            </a:r>
-          </a:p>
-          <a:p>
-            <a:pPr marL="0" indent="0">
-              <a:buNone/>
-            </a:pPr>
-            <a:endParaRPr lang="en-US" dirty="0"/>
-          </a:p>
-          <a:p>
-            <a:pPr marL="0" indent="0">
-              <a:buNone/>
-            </a:pPr>
-            <a:r>
-              <a:rPr lang="en-US" dirty="0"/>
-              <a:t>A student has more than just one piece of information: name, age, id, address,list of courses, grades </a:t>
-            </a:r>
-            <a:r>
-              <a:rPr lang="en-US" dirty="0" err="1"/>
-              <a:t>etc</a:t>
-            </a:r>
-            <a:r>
-              <a:rPr lang="en-US" dirty="0"/>
-              <a:t>…These collectively are the </a:t>
-            </a:r>
-            <a:r>
-              <a:rPr lang="en-US" b="1" dirty="0"/>
-              <a:t>data</a:t>
-            </a:r>
-            <a:r>
-              <a:rPr lang="en-US" dirty="0"/>
-              <a:t> of a student. </a:t>
-            </a:r>
-          </a:p>
-          <a:p>
-            <a:pPr marL="0" indent="0">
-              <a:buNone/>
-            </a:pPr>
-            <a:endParaRPr lang="en-US" dirty="0"/>
-          </a:p>
-          <a:p>
-            <a:pPr marL="0" indent="0">
-              <a:buNone/>
-            </a:pPr>
-            <a:r>
-              <a:rPr lang="en-US" dirty="0"/>
-              <a:t>A student might have some </a:t>
-            </a:r>
-            <a:r>
-              <a:rPr lang="en-US" b="1" dirty="0"/>
-              <a:t>functionality</a:t>
-            </a:r>
-            <a:r>
-              <a:rPr lang="en-US" dirty="0"/>
-              <a:t>: ability to print personal information, change their address, update school information, add a course, update a grade. </a:t>
-            </a:r>
-          </a:p>
-          <a:p>
-            <a:pPr marL="0" indent="0">
-              <a:buNone/>
-            </a:pPr>
-            <a:endParaRPr lang="en-US" dirty="0"/>
-          </a:p>
-          <a:p>
-            <a:pPr marL="0" indent="0">
-              <a:buNone/>
-            </a:pPr>
-            <a:r>
-              <a:rPr lang="en-US" dirty="0"/>
-              <a:t>We like a data type that can bundle </a:t>
-            </a:r>
-            <a:r>
-              <a:rPr lang="en-US" b="1" dirty="0"/>
-              <a:t>data</a:t>
-            </a:r>
-            <a:r>
-              <a:rPr lang="en-US" dirty="0"/>
-              <a:t> and </a:t>
-            </a:r>
-            <a:r>
-              <a:rPr lang="en-US" b="1" dirty="0"/>
-              <a:t>functionality</a:t>
-            </a:r>
-            <a:r>
-              <a:rPr lang="en-US" dirty="0"/>
-              <a:t> into one variable.</a:t>
-            </a:r>
-          </a:p>
-          <a:p>
-            <a:pPr marL="0" indent="0">
-              <a:buNone/>
-            </a:pPr>
-            <a:r>
-              <a:rPr lang="en-US" dirty="0"/>
-              <a:t>A </a:t>
-            </a:r>
-            <a:r>
-              <a:rPr lang="en-US" b="1" dirty="0"/>
-              <a:t>class</a:t>
-            </a:r>
-            <a:r>
-              <a:rPr lang="en-US" dirty="0"/>
-              <a:t> bundles together </a:t>
-            </a:r>
-            <a:r>
-              <a:rPr lang="en-US" i="1" dirty="0"/>
-              <a:t>data </a:t>
-            </a:r>
-            <a:r>
-              <a:rPr lang="en-US" dirty="0"/>
-              <a:t>(instance variables or attributes) and </a:t>
-            </a:r>
-            <a:r>
-              <a:rPr lang="en-US" i="1" dirty="0"/>
-              <a:t>functionality </a:t>
-            </a:r>
-            <a:r>
-              <a:rPr lang="en-US" dirty="0"/>
-              <a:t>(functions). </a:t>
+            <a:endParaRPr lang="en-US" sz="1800" dirty="0"/>
+          </a:p>
+          <a:p>
+            <a:pPr marL="0" indent="0">
+              <a:buNone/>
+            </a:pPr>
+            <a:r>
+              <a:rPr lang="en-US" sz="1800" dirty="0"/>
+              <a:t>So far, our data has been one piece of information: an int, a float, a string. If we have several pieces of information, we can use tuples to store all of the data:</a:t>
+            </a:r>
+          </a:p>
+          <a:p>
+            <a:pPr marL="0" indent="0">
+              <a:buNone/>
+            </a:pPr>
+            <a:r>
+              <a:rPr lang="en-US" sz="1800" dirty="0">
+                <a:latin typeface="Inconsolata" pitchFamily="49" charset="77"/>
+                <a:ea typeface="Inconsolata" pitchFamily="49" charset="77"/>
+              </a:rPr>
+              <a:t>student = (“Mike Smith”, 3.5)</a:t>
+            </a:r>
+          </a:p>
+          <a:p>
+            <a:pPr marL="0" indent="0">
+              <a:buNone/>
+            </a:pPr>
+            <a:endParaRPr lang="en-US" sz="1800" dirty="0"/>
+          </a:p>
+          <a:p>
+            <a:pPr marL="0" indent="0">
+              <a:buNone/>
+            </a:pPr>
+            <a:r>
+              <a:rPr lang="en-US" sz="1800" dirty="0"/>
+              <a:t>Tuples are often used to store static data: data that doesn’t change in the course of the program. In a more complex setting, we might need to store data that does change throughout the program.</a:t>
+            </a:r>
+          </a:p>
+          <a:p>
+            <a:pPr marL="0" indent="0">
+              <a:buNone/>
+            </a:pPr>
+            <a:endParaRPr lang="en-US" sz="1800" dirty="0"/>
+          </a:p>
+          <a:p>
+            <a:pPr marL="0" indent="0">
+              <a:buNone/>
+            </a:pPr>
+            <a:r>
+              <a:rPr lang="en-US" sz="1800" dirty="0"/>
+              <a:t>We need a data type that: 1) store several pieces of data and 2) have the ability to manipulate or change that data.</a:t>
             </a:r>
           </a:p>
         </p:txBody>
@@ -21401,7 +21731,7 @@
     </p:spTree>
     <p:extLst>
       <p:ext uri="{BB962C8B-B14F-4D97-AF65-F5344CB8AC3E}">
-        <p14:creationId xmlns:p14="http://schemas.microsoft.com/office/powerpoint/2010/main" val="2101795491"/>
+        <p14:creationId xmlns:p14="http://schemas.microsoft.com/office/powerpoint/2010/main" val="4073389924"/>
       </p:ext>
     </p:extLst>
   </p:cSld>
@@ -21444,7 +21774,7 @@
                                         <p:tgtEl>
                                           <p:spTgt spid="3">
                                             <p:txEl>
-                                              <p:pRg st="2" end="2"/>
+                                              <p:pRg st="4" end="4"/>
                                             </p:txEl>
                                           </p:spTgt>
                                         </p:tgtEl>
@@ -21493,154 +21823,7 @@
                                         <p:tgtEl>
                                           <p:spTgt spid="3">
                                             <p:txEl>
-                                              <p:pRg st="4" end="4"/>
-                                            </p:txEl>
-                                          </p:spTgt>
-                                        </p:tgtEl>
-                                        <p:attrNameLst>
-                                          <p:attrName>style.visibility</p:attrName>
-                                        </p:attrNameLst>
-                                      </p:cBhvr>
-                                      <p:to>
-                                        <p:strVal val="visible"/>
-                                      </p:to>
-                                    </p:set>
-                                  </p:childTnLst>
-                                </p:cTn>
-                              </p:par>
-                            </p:childTnLst>
-                          </p:cTn>
-                        </p:par>
-                      </p:childTnLst>
-                    </p:cTn>
-                  </p:par>
-                  <p:par>
-                    <p:cTn id="11" fill="hold">
-                      <p:stCondLst>
-                        <p:cond delay="indefinite"/>
-                      </p:stCondLst>
-                      <p:childTnLst>
-                        <p:par>
-                          <p:cTn id="12" fill="hold">
-                            <p:stCondLst>
-                              <p:cond delay="0"/>
-                            </p:stCondLst>
-                            <p:childTnLst>
-                              <p:par>
-                                <p:cTn id="13" presetID="1" presetClass="entr" presetSubtype="0" fill="hold" nodeType="clickEffect">
-                                  <p:stCondLst>
-                                    <p:cond delay="0"/>
-                                  </p:stCondLst>
-                                  <p:childTnLst>
-                                    <p:set>
-                                      <p:cBhvr>
-                                        <p:cTn id="14" dur="1" fill="hold">
-                                          <p:stCondLst>
-                                            <p:cond delay="0"/>
-                                          </p:stCondLst>
-                                        </p:cTn>
-                                        <p:tgtEl>
-                                          <p:spTgt spid="3">
-                                            <p:txEl>
                                               <p:pRg st="6" end="6"/>
-                                            </p:txEl>
-                                          </p:spTgt>
-                                        </p:tgtEl>
-                                        <p:attrNameLst>
-                                          <p:attrName>style.visibility</p:attrName>
-                                        </p:attrNameLst>
-                                      </p:cBhvr>
-                                      <p:to>
-                                        <p:strVal val="visible"/>
-                                      </p:to>
-                                    </p:set>
-                                  </p:childTnLst>
-                                </p:cTn>
-                              </p:par>
-                            </p:childTnLst>
-                          </p:cTn>
-                        </p:par>
-                      </p:childTnLst>
-                    </p:cTn>
-                  </p:par>
-                  <p:par>
-                    <p:cTn id="15" fill="hold">
-                      <p:stCondLst>
-                        <p:cond delay="indefinite"/>
-                      </p:stCondLst>
-                      <p:childTnLst>
-                        <p:par>
-                          <p:cTn id="16" fill="hold">
-                            <p:stCondLst>
-                              <p:cond delay="0"/>
-                            </p:stCondLst>
-                            <p:childTnLst>
-                              <p:par>
-                                <p:cTn id="17" presetID="1" presetClass="entr" presetSubtype="0" fill="hold" nodeType="clickEffect">
-                                  <p:stCondLst>
-                                    <p:cond delay="0"/>
-                                  </p:stCondLst>
-                                  <p:childTnLst>
-                                    <p:set>
-                                      <p:cBhvr>
-                                        <p:cTn id="18" dur="1" fill="hold">
-                                          <p:stCondLst>
-                                            <p:cond delay="0"/>
-                                          </p:stCondLst>
-                                        </p:cTn>
-                                        <p:tgtEl>
-                                          <p:spTgt spid="3">
-                                            <p:txEl>
-                                              <p:pRg st="8" end="8"/>
-                                            </p:txEl>
-                                          </p:spTgt>
-                                        </p:tgtEl>
-                                        <p:attrNameLst>
-                                          <p:attrName>style.visibility</p:attrName>
-                                        </p:attrNameLst>
-                                      </p:cBhvr>
-                                      <p:to>
-                                        <p:strVal val="visible"/>
-                                      </p:to>
-                                    </p:set>
-                                  </p:childTnLst>
-                                </p:cTn>
-                              </p:par>
-                            </p:childTnLst>
-                          </p:cTn>
-                        </p:par>
-                      </p:childTnLst>
-                    </p:cTn>
-                  </p:par>
-                  <p:par>
-                    <p:cTn id="19" fill="hold">
-                      <p:stCondLst>
-                        <p:cond delay="indefinite"/>
-                      </p:stCondLst>
-                      <p:childTnLst>
-                        <p:par>
-                          <p:cTn id="20" fill="hold">
-                            <p:stCondLst>
-                              <p:cond delay="0"/>
-                            </p:stCondLst>
-                            <p:childTnLst>
-                              <p:par>
-                                <p:cTn id="21" presetID="1" presetClass="entr" presetSubtype="0" fill="hold" nodeType="clickEffect">
-                                  <p:stCondLst>
-                                    <p:cond delay="0"/>
-                                  </p:stCondLst>
-                                  <p:childTnLst>
-                                    <p:set>
-                                      <p:cBhvr>
-                                        <p:cTn id="22" dur="1" fill="hold">
-                                          <p:stCondLst>
-                                            <p:cond delay="0"/>
-                                          </p:stCondLst>
-                                        </p:cTn>
-                                        <p:tgtEl>
-                                          <p:spTgt spid="3">
-                                            <p:txEl>
-                                              <p:pRg st="9" end="9"/>
                                             </p:txEl>
                                           </p:spTgt>
                                         </p:tgtEl>
@@ -21731,6 +21914,194 @@
           <a:p>
             <a:r>
               <a:rPr lang="en-US" dirty="0"/>
+              <a:t>Lab 1</a:t>
+            </a:r>
+          </a:p>
+        </p:txBody>
+      </p:sp>
+      <p:sp>
+        <p:nvSpPr>
+          <p:cNvPr id="9" name="Content Placeholder 8">
+            <a:extLst>
+              <a:ext uri="{FF2B5EF4-FFF2-40B4-BE49-F238E27FC236}">
+                <a16:creationId xmlns:a16="http://schemas.microsoft.com/office/drawing/2014/main" id="{E3B2E017-30B2-884B-A113-B419A2ED51AD}"/>
+              </a:ext>
+            </a:extLst>
+          </p:cNvPr>
+          <p:cNvSpPr>
+            <a:spLocks noGrp="1"/>
+          </p:cNvSpPr>
+          <p:nvPr>
+            <p:ph idx="1"/>
+          </p:nvPr>
+        </p:nvSpPr>
+        <p:spPr>
+          <a:xfrm>
+            <a:off x="483848" y="1257299"/>
+            <a:ext cx="8051725" cy="4334203"/>
+          </a:xfrm>
+        </p:spPr>
+        <p:txBody>
+          <a:bodyPr>
+            <a:normAutofit/>
+          </a:bodyPr>
+          <a:lstStyle/>
+          <a:p>
+            <a:pPr marL="0" indent="0">
+              <a:buNone/>
+            </a:pPr>
+            <a:endParaRPr lang="en-US" dirty="0"/>
+          </a:p>
+          <a:p>
+            <a:pPr marL="0" indent="0">
+              <a:buNone/>
+            </a:pPr>
+            <a:endParaRPr lang="en-US" dirty="0"/>
+          </a:p>
+          <a:p>
+            <a:pPr marL="0" indent="0">
+              <a:buNone/>
+            </a:pPr>
+            <a:endParaRPr lang="en-US" dirty="0"/>
+          </a:p>
+          <a:p>
+            <a:pPr marL="0" indent="0">
+              <a:buNone/>
+            </a:pPr>
+            <a:r>
+              <a:rPr lang="en-US" dirty="0"/>
+              <a:t>Modify the previous lab by putting Student class and the average </a:t>
+            </a:r>
+            <a:r>
+              <a:rPr lang="en-US" dirty="0" err="1"/>
+              <a:t>gpa</a:t>
+            </a:r>
+            <a:r>
+              <a:rPr lang="en-US" dirty="0"/>
+              <a:t> function in a different module(.</a:t>
+            </a:r>
+            <a:r>
+              <a:rPr lang="en-US" dirty="0" err="1"/>
+              <a:t>py</a:t>
+            </a:r>
+            <a:r>
+              <a:rPr lang="en-US" dirty="0"/>
+              <a:t>). </a:t>
+            </a:r>
+          </a:p>
+          <a:p>
+            <a:pPr marL="0" indent="0">
+              <a:buNone/>
+            </a:pPr>
+            <a:endParaRPr lang="en-US" dirty="0"/>
+          </a:p>
+          <a:p>
+            <a:pPr marL="0" indent="0">
+              <a:buNone/>
+            </a:pPr>
+            <a:r>
+              <a:rPr lang="en-US" dirty="0"/>
+              <a:t>Make the necessary import statement to make your code runs correctly. </a:t>
+            </a:r>
+          </a:p>
+          <a:p>
+            <a:pPr marL="0" indent="0">
+              <a:buNone/>
+            </a:pPr>
+            <a:endParaRPr lang="en-US" sz="2000" dirty="0">
+              <a:latin typeface="Gill Sans MT" panose="020B0502020104020203" pitchFamily="34" charset="77"/>
+            </a:endParaRPr>
+          </a:p>
+          <a:p>
+            <a:pPr marL="0" indent="0">
+              <a:buNone/>
+            </a:pPr>
+            <a:endParaRPr lang="en-US" sz="2000" dirty="0">
+              <a:latin typeface="Gill Sans MT" panose="020B0502020104020203" pitchFamily="34" charset="77"/>
+            </a:endParaRPr>
+          </a:p>
+          <a:p>
+            <a:pPr marL="0" indent="0">
+              <a:buNone/>
+            </a:pPr>
+            <a:endParaRPr lang="en-US" b="1" dirty="0">
+              <a:solidFill>
+                <a:srgbClr val="000087"/>
+              </a:solidFill>
+              <a:latin typeface="Inconsolata" panose="020B0609030003000000" pitchFamily="49" charset="77"/>
+            </a:endParaRPr>
+          </a:p>
+          <a:p>
+            <a:pPr marL="0" indent="0">
+              <a:buNone/>
+            </a:pPr>
+            <a:endParaRPr lang="en-US" b="1" dirty="0">
+              <a:solidFill>
+                <a:srgbClr val="000087"/>
+              </a:solidFill>
+              <a:latin typeface="Inconsolata" panose="020B0609030003000000" pitchFamily="49" charset="77"/>
+            </a:endParaRPr>
+          </a:p>
+        </p:txBody>
+      </p:sp>
+    </p:spTree>
+    <p:extLst>
+      <p:ext uri="{BB962C8B-B14F-4D97-AF65-F5344CB8AC3E}">
+        <p14:creationId xmlns:p14="http://schemas.microsoft.com/office/powerpoint/2010/main" val="3027756854"/>
+      </p:ext>
+    </p:extLst>
+  </p:cSld>
+  <p:clrMapOvr>
+    <a:masterClrMapping/>
+  </p:clrMapOvr>
+</p:sld>
+</file>
+
+<file path=ppt/slides/slide31.xml><?xml version="1.0" encoding="utf-8"?>
+<p:sld xmlns:a="http://schemas.openxmlformats.org/drawingml/2006/main" xmlns:r="http://schemas.openxmlformats.org/officeDocument/2006/relationships" xmlns:p="http://schemas.openxmlformats.org/presentationml/2006/main">
+  <p:cSld>
+    <p:spTree>
+      <p:nvGrpSpPr>
+        <p:cNvPr id="1" name=""/>
+        <p:cNvGrpSpPr/>
+        <p:nvPr/>
+      </p:nvGrpSpPr>
+      <p:grpSpPr>
+        <a:xfrm>
+          <a:off x="0" y="0"/>
+          <a:ext cx="0" cy="0"/>
+          <a:chOff x="0" y="0"/>
+          <a:chExt cx="0" cy="0"/>
+        </a:xfrm>
+      </p:grpSpPr>
+      <p:sp>
+        <p:nvSpPr>
+          <p:cNvPr id="2" name="Title 1">
+            <a:extLst>
+              <a:ext uri="{FF2B5EF4-FFF2-40B4-BE49-F238E27FC236}">
+                <a16:creationId xmlns:a16="http://schemas.microsoft.com/office/drawing/2014/main" id="{AA3A228F-61D0-D949-A5E7-F83756230BF8}"/>
+              </a:ext>
+            </a:extLst>
+          </p:cNvPr>
+          <p:cNvSpPr>
+            <a:spLocks noGrp="1"/>
+          </p:cNvSpPr>
+          <p:nvPr>
+            <p:ph type="title"/>
+          </p:nvPr>
+        </p:nvSpPr>
+        <p:spPr>
+          <a:xfrm>
+            <a:off x="483848" y="467027"/>
+            <a:ext cx="7053542" cy="683886"/>
+          </a:xfrm>
+        </p:spPr>
+        <p:txBody>
+          <a:bodyPr/>
+          <a:lstStyle/>
+          <a:p>
+            <a:r>
+              <a:rPr lang="en-US" dirty="0"/>
               <a:t>References</a:t>
             </a:r>
           </a:p>
@@ -21814,6 +22185,519 @@
 </file>
 
 <file path=ppt/slides/slide4.xml><?xml version="1.0" encoding="utf-8"?>
+<p:sld xmlns:a="http://schemas.openxmlformats.org/drawingml/2006/main" xmlns:r="http://schemas.openxmlformats.org/officeDocument/2006/relationships" xmlns:p="http://schemas.openxmlformats.org/presentationml/2006/main">
+  <p:cSld>
+    <p:spTree>
+      <p:nvGrpSpPr>
+        <p:cNvPr id="1" name=""/>
+        <p:cNvGrpSpPr/>
+        <p:nvPr/>
+      </p:nvGrpSpPr>
+      <p:grpSpPr>
+        <a:xfrm>
+          <a:off x="0" y="0"/>
+          <a:ext cx="0" cy="0"/>
+          <a:chOff x="0" y="0"/>
+          <a:chExt cx="0" cy="0"/>
+        </a:xfrm>
+      </p:grpSpPr>
+      <p:sp>
+        <p:nvSpPr>
+          <p:cNvPr id="23554" name="Rectangle 2">
+            <a:extLst>
+              <a:ext uri="{FF2B5EF4-FFF2-40B4-BE49-F238E27FC236}">
+                <a16:creationId xmlns:a16="http://schemas.microsoft.com/office/drawing/2014/main" id="{4A410BF0-5019-0D40-8CE7-D9E5FEAB56F9}"/>
+              </a:ext>
+            </a:extLst>
+          </p:cNvPr>
+          <p:cNvSpPr>
+            <a:spLocks noGrp="1" noChangeArrowheads="1"/>
+          </p:cNvSpPr>
+          <p:nvPr>
+            <p:ph type="title"/>
+          </p:nvPr>
+        </p:nvSpPr>
+        <p:spPr>
+          <a:xfrm>
+            <a:off x="81822" y="8630"/>
+            <a:ext cx="7886700" cy="751682"/>
+          </a:xfrm>
+        </p:spPr>
+        <p:txBody>
+          <a:bodyPr/>
+          <a:lstStyle/>
+          <a:p>
+            <a:pPr eaLnBrk="1" hangingPunct="1">
+              <a:defRPr/>
+            </a:pPr>
+            <a:r>
+              <a:rPr lang="en-US" dirty="0">
+                <a:cs typeface="+mj-cs"/>
+              </a:rPr>
+              <a:t>An Example</a:t>
+            </a:r>
+          </a:p>
+        </p:txBody>
+      </p:sp>
+      <p:sp>
+        <p:nvSpPr>
+          <p:cNvPr id="3" name="Content Placeholder 2">
+            <a:extLst>
+              <a:ext uri="{FF2B5EF4-FFF2-40B4-BE49-F238E27FC236}">
+                <a16:creationId xmlns:a16="http://schemas.microsoft.com/office/drawing/2014/main" id="{8BA9D0DA-1D67-ED43-A19F-6557EAD9C067}"/>
+              </a:ext>
+            </a:extLst>
+          </p:cNvPr>
+          <p:cNvSpPr>
+            <a:spLocks noGrp="1"/>
+          </p:cNvSpPr>
+          <p:nvPr>
+            <p:ph idx="1"/>
+          </p:nvPr>
+        </p:nvSpPr>
+        <p:spPr>
+          <a:xfrm>
+            <a:off x="85061" y="688190"/>
+            <a:ext cx="9058940" cy="5026810"/>
+          </a:xfrm>
+        </p:spPr>
+        <p:txBody>
+          <a:bodyPr>
+            <a:noAutofit/>
+          </a:bodyPr>
+          <a:lstStyle/>
+          <a:p>
+            <a:pPr marL="0" indent="0">
+              <a:buNone/>
+            </a:pPr>
+            <a:r>
+              <a:rPr lang="en-US" sz="1800" dirty="0"/>
+              <a:t>Suppose we are writing a program that manages a database of students. </a:t>
+            </a:r>
+          </a:p>
+          <a:p>
+            <a:pPr marL="0" indent="0">
+              <a:buNone/>
+            </a:pPr>
+            <a:endParaRPr lang="en-US" sz="1800" dirty="0"/>
+          </a:p>
+          <a:p>
+            <a:pPr marL="0" indent="0">
+              <a:buNone/>
+            </a:pPr>
+            <a:r>
+              <a:rPr lang="en-US" sz="1800" dirty="0"/>
+              <a:t>We need a data type that contains information about a student.  A student has more than just one piece of information: name, age, id, address,list of courses, grades </a:t>
+            </a:r>
+            <a:r>
+              <a:rPr lang="en-US" sz="1800" dirty="0" err="1"/>
+              <a:t>etc</a:t>
+            </a:r>
+            <a:r>
+              <a:rPr lang="en-US" sz="1800" dirty="0"/>
+              <a:t>…These collectively are the </a:t>
+            </a:r>
+            <a:r>
+              <a:rPr lang="en-US" sz="1800" b="1" dirty="0"/>
+              <a:t>data</a:t>
+            </a:r>
+            <a:r>
+              <a:rPr lang="en-US" sz="1800" dirty="0"/>
+              <a:t> of a student. </a:t>
+            </a:r>
+          </a:p>
+          <a:p>
+            <a:pPr marL="0" indent="0">
+              <a:buNone/>
+            </a:pPr>
+            <a:endParaRPr lang="en-US" sz="1800" dirty="0"/>
+          </a:p>
+          <a:p>
+            <a:pPr marL="0" indent="0">
+              <a:buNone/>
+            </a:pPr>
+            <a:r>
+              <a:rPr lang="en-US" sz="1800" dirty="0"/>
+              <a:t>A student might have some </a:t>
+            </a:r>
+            <a:r>
+              <a:rPr lang="en-US" sz="1800" b="1" dirty="0"/>
+              <a:t>functionalities</a:t>
+            </a:r>
+            <a:r>
+              <a:rPr lang="en-US" sz="1800" dirty="0"/>
+              <a:t>: ability to print personal information, add a course, update a grade., change their address, update school information, </a:t>
+            </a:r>
+          </a:p>
+          <a:p>
+            <a:pPr marL="0" indent="0">
+              <a:buNone/>
+            </a:pPr>
+            <a:endParaRPr lang="en-US" sz="1800" dirty="0"/>
+          </a:p>
+          <a:p>
+            <a:pPr marL="0" indent="0">
+              <a:buNone/>
+            </a:pPr>
+            <a:r>
+              <a:rPr lang="en-US" sz="1800" dirty="0"/>
+              <a:t>We like a data type that can bundle </a:t>
+            </a:r>
+            <a:r>
+              <a:rPr lang="en-US" sz="1800" b="1" dirty="0"/>
+              <a:t>data</a:t>
+            </a:r>
+            <a:r>
+              <a:rPr lang="en-US" sz="1800" dirty="0"/>
+              <a:t> and </a:t>
+            </a:r>
+            <a:r>
+              <a:rPr lang="en-US" sz="1800" b="1" dirty="0"/>
+              <a:t>functionality</a:t>
+            </a:r>
+            <a:r>
+              <a:rPr lang="en-US" sz="1800" dirty="0"/>
+              <a:t> into one variable.</a:t>
+            </a:r>
+          </a:p>
+          <a:p>
+            <a:pPr marL="0" indent="0">
+              <a:buNone/>
+            </a:pPr>
+            <a:endParaRPr lang="en-US" sz="1800" dirty="0"/>
+          </a:p>
+          <a:p>
+            <a:pPr marL="0" indent="0">
+              <a:buNone/>
+            </a:pPr>
+            <a:r>
+              <a:rPr lang="en-US" sz="1800" dirty="0"/>
+              <a:t>A </a:t>
+            </a:r>
+            <a:r>
+              <a:rPr lang="en-US" sz="1800" b="1" dirty="0"/>
+              <a:t>class</a:t>
+            </a:r>
+            <a:r>
+              <a:rPr lang="en-US" sz="1800" dirty="0"/>
+              <a:t> bundles together </a:t>
+            </a:r>
+            <a:r>
+              <a:rPr lang="en-US" sz="1800" i="1" dirty="0"/>
+              <a:t>data </a:t>
+            </a:r>
+            <a:r>
+              <a:rPr lang="en-US" sz="1800" dirty="0"/>
+              <a:t>(instance variables or attributes) and </a:t>
+            </a:r>
+            <a:r>
+              <a:rPr lang="en-US" sz="1800" i="1" dirty="0"/>
+              <a:t>functionality </a:t>
+            </a:r>
+            <a:r>
+              <a:rPr lang="en-US" sz="1800" dirty="0"/>
+              <a:t>(functions). From that class, we can create many </a:t>
+            </a:r>
+            <a:r>
+              <a:rPr lang="en-US" sz="1800" b="1" dirty="0"/>
+              <a:t>objects</a:t>
+            </a:r>
+            <a:r>
+              <a:rPr lang="en-US" sz="1800" dirty="0"/>
+              <a:t> of that class. </a:t>
+            </a:r>
+          </a:p>
+        </p:txBody>
+      </p:sp>
+    </p:spTree>
+    <p:extLst>
+      <p:ext uri="{BB962C8B-B14F-4D97-AF65-F5344CB8AC3E}">
+        <p14:creationId xmlns:p14="http://schemas.microsoft.com/office/powerpoint/2010/main" val="3285234988"/>
+      </p:ext>
+    </p:extLst>
+  </p:cSld>
+  <p:clrMapOvr>
+    <a:masterClrMapping/>
+  </p:clrMapOvr>
+  <p:timing>
+    <p:tnLst>
+      <p:par>
+        <p:cTn id="1" dur="indefinite" restart="never" nodeType="tmRoot">
+          <p:childTnLst>
+            <p:seq concurrent="1" nextAc="seek">
+              <p:cTn id="2" dur="indefinite" nodeType="mainSeq">
+                <p:childTnLst>
+                  <p:par>
+                    <p:cTn id="3" fill="hold">
+                      <p:stCondLst>
+                        <p:cond delay="indefinite"/>
+                      </p:stCondLst>
+                      <p:childTnLst>
+                        <p:par>
+                          <p:cTn id="4" fill="hold">
+                            <p:stCondLst>
+                              <p:cond delay="0"/>
+                            </p:stCondLst>
+                            <p:childTnLst>
+                              <p:par>
+                                <p:cTn id="5" presetID="1" presetClass="entr" presetSubtype="0" fill="hold" nodeType="clickEffect">
+                                  <p:stCondLst>
+                                    <p:cond delay="0"/>
+                                  </p:stCondLst>
+                                  <p:childTnLst>
+                                    <p:set>
+                                      <p:cBhvr>
+                                        <p:cTn id="6" dur="1" fill="hold">
+                                          <p:stCondLst>
+                                            <p:cond delay="0"/>
+                                          </p:stCondLst>
+                                        </p:cTn>
+                                        <p:tgtEl>
+                                          <p:spTgt spid="3">
+                                            <p:txEl>
+                                              <p:pRg st="0" end="0"/>
+                                            </p:txEl>
+                                          </p:spTgt>
+                                        </p:tgtEl>
+                                        <p:attrNameLst>
+                                          <p:attrName>style.visibility</p:attrName>
+                                        </p:attrNameLst>
+                                      </p:cBhvr>
+                                      <p:to>
+                                        <p:strVal val="visible"/>
+                                      </p:to>
+                                    </p:set>
+                                  </p:childTnLst>
+                                </p:cTn>
+                              </p:par>
+                            </p:childTnLst>
+                          </p:cTn>
+                        </p:par>
+                      </p:childTnLst>
+                    </p:cTn>
+                  </p:par>
+                  <p:par>
+                    <p:cTn id="7" fill="hold">
+                      <p:stCondLst>
+                        <p:cond delay="indefinite"/>
+                      </p:stCondLst>
+                      <p:childTnLst>
+                        <p:par>
+                          <p:cTn id="8" fill="hold">
+                            <p:stCondLst>
+                              <p:cond delay="0"/>
+                            </p:stCondLst>
+                            <p:childTnLst>
+                              <p:par>
+                                <p:cTn id="9" presetID="1" presetClass="entr" presetSubtype="0" fill="hold" nodeType="clickEffect">
+                                  <p:stCondLst>
+                                    <p:cond delay="0"/>
+                                  </p:stCondLst>
+                                  <p:childTnLst>
+                                    <p:set>
+                                      <p:cBhvr>
+                                        <p:cTn id="10" dur="1" fill="hold">
+                                          <p:stCondLst>
+                                            <p:cond delay="0"/>
+                                          </p:stCondLst>
+                                        </p:cTn>
+                                        <p:tgtEl>
+                                          <p:spTgt spid="3">
+                                            <p:txEl>
+                                              <p:pRg st="2" end="2"/>
+                                            </p:txEl>
+                                          </p:spTgt>
+                                        </p:tgtEl>
+                                        <p:attrNameLst>
+                                          <p:attrName>style.visibility</p:attrName>
+                                        </p:attrNameLst>
+                                      </p:cBhvr>
+                                      <p:to>
+                                        <p:strVal val="visible"/>
+                                      </p:to>
+                                    </p:set>
+                                  </p:childTnLst>
+                                </p:cTn>
+                              </p:par>
+                            </p:childTnLst>
+                          </p:cTn>
+                        </p:par>
+                      </p:childTnLst>
+                    </p:cTn>
+                  </p:par>
+                  <p:par>
+                    <p:cTn id="11" fill="hold">
+                      <p:stCondLst>
+                        <p:cond delay="indefinite"/>
+                      </p:stCondLst>
+                      <p:childTnLst>
+                        <p:par>
+                          <p:cTn id="12" fill="hold">
+                            <p:stCondLst>
+                              <p:cond delay="0"/>
+                            </p:stCondLst>
+                            <p:childTnLst>
+                              <p:par>
+                                <p:cTn id="13" presetID="1" presetClass="entr" presetSubtype="0" fill="hold" nodeType="clickEffect">
+                                  <p:stCondLst>
+                                    <p:cond delay="0"/>
+                                  </p:stCondLst>
+                                  <p:childTnLst>
+                                    <p:set>
+                                      <p:cBhvr>
+                                        <p:cTn id="14" dur="1" fill="hold">
+                                          <p:stCondLst>
+                                            <p:cond delay="0"/>
+                                          </p:stCondLst>
+                                        </p:cTn>
+                                        <p:tgtEl>
+                                          <p:spTgt spid="3">
+                                            <p:txEl>
+                                              <p:pRg st="4" end="4"/>
+                                            </p:txEl>
+                                          </p:spTgt>
+                                        </p:tgtEl>
+                                        <p:attrNameLst>
+                                          <p:attrName>style.visibility</p:attrName>
+                                        </p:attrNameLst>
+                                      </p:cBhvr>
+                                      <p:to>
+                                        <p:strVal val="visible"/>
+                                      </p:to>
+                                    </p:set>
+                                  </p:childTnLst>
+                                </p:cTn>
+                              </p:par>
+                            </p:childTnLst>
+                          </p:cTn>
+                        </p:par>
+                      </p:childTnLst>
+                    </p:cTn>
+                  </p:par>
+                  <p:par>
+                    <p:cTn id="15" fill="hold">
+                      <p:stCondLst>
+                        <p:cond delay="indefinite"/>
+                      </p:stCondLst>
+                      <p:childTnLst>
+                        <p:par>
+                          <p:cTn id="16" fill="hold">
+                            <p:stCondLst>
+                              <p:cond delay="0"/>
+                            </p:stCondLst>
+                            <p:childTnLst>
+                              <p:par>
+                                <p:cTn id="17" presetID="1" presetClass="entr" presetSubtype="0" fill="hold" nodeType="clickEffect">
+                                  <p:stCondLst>
+                                    <p:cond delay="0"/>
+                                  </p:stCondLst>
+                                  <p:childTnLst>
+                                    <p:set>
+                                      <p:cBhvr>
+                                        <p:cTn id="18" dur="1" fill="hold">
+                                          <p:stCondLst>
+                                            <p:cond delay="0"/>
+                                          </p:stCondLst>
+                                        </p:cTn>
+                                        <p:tgtEl>
+                                          <p:spTgt spid="3">
+                                            <p:txEl>
+                                              <p:pRg st="6" end="6"/>
+                                            </p:txEl>
+                                          </p:spTgt>
+                                        </p:tgtEl>
+                                        <p:attrNameLst>
+                                          <p:attrName>style.visibility</p:attrName>
+                                        </p:attrNameLst>
+                                      </p:cBhvr>
+                                      <p:to>
+                                        <p:strVal val="visible"/>
+                                      </p:to>
+                                    </p:set>
+                                  </p:childTnLst>
+                                </p:cTn>
+                              </p:par>
+                            </p:childTnLst>
+                          </p:cTn>
+                        </p:par>
+                      </p:childTnLst>
+                    </p:cTn>
+                  </p:par>
+                  <p:par>
+                    <p:cTn id="19" fill="hold">
+                      <p:stCondLst>
+                        <p:cond delay="indefinite"/>
+                      </p:stCondLst>
+                      <p:childTnLst>
+                        <p:par>
+                          <p:cTn id="20" fill="hold">
+                            <p:stCondLst>
+                              <p:cond delay="0"/>
+                            </p:stCondLst>
+                            <p:childTnLst>
+                              <p:par>
+                                <p:cTn id="21" presetID="1" presetClass="entr" presetSubtype="0" fill="hold" nodeType="clickEffect">
+                                  <p:stCondLst>
+                                    <p:cond delay="0"/>
+                                  </p:stCondLst>
+                                  <p:childTnLst>
+                                    <p:set>
+                                      <p:cBhvr>
+                                        <p:cTn id="22" dur="1" fill="hold">
+                                          <p:stCondLst>
+                                            <p:cond delay="0"/>
+                                          </p:stCondLst>
+                                        </p:cTn>
+                                        <p:tgtEl>
+                                          <p:spTgt spid="3">
+                                            <p:txEl>
+                                              <p:pRg st="8" end="8"/>
+                                            </p:txEl>
+                                          </p:spTgt>
+                                        </p:tgtEl>
+                                        <p:attrNameLst>
+                                          <p:attrName>style.visibility</p:attrName>
+                                        </p:attrNameLst>
+                                      </p:cBhvr>
+                                      <p:to>
+                                        <p:strVal val="visible"/>
+                                      </p:to>
+                                    </p:set>
+                                  </p:childTnLst>
+                                </p:cTn>
+                              </p:par>
+                            </p:childTnLst>
+                          </p:cTn>
+                        </p:par>
+                      </p:childTnLst>
+                    </p:cTn>
+                  </p:par>
+                </p:childTnLst>
+              </p:cTn>
+              <p:prevCondLst>
+                <p:cond evt="onPrev" delay="0">
+                  <p:tgtEl>
+                    <p:sldTgt/>
+                  </p:tgtEl>
+                </p:cond>
+              </p:prevCondLst>
+              <p:nextCondLst>
+                <p:cond evt="onNext" delay="0">
+                  <p:tgtEl>
+                    <p:sldTgt/>
+                  </p:tgtEl>
+                </p:cond>
+              </p:nextCondLst>
+            </p:seq>
+          </p:childTnLst>
+        </p:cTn>
+      </p:par>
+    </p:tnLst>
+  </p:timing>
+</p:sld>
+</file>
+
+<file path=ppt/slides/slide5.xml><?xml version="1.0" encoding="utf-8"?>
 <p:sld xmlns:a="http://schemas.openxmlformats.org/drawingml/2006/main" xmlns:r="http://schemas.openxmlformats.org/officeDocument/2006/relationships" xmlns:p="http://schemas.openxmlformats.org/presentationml/2006/main">
   <p:cSld>
     <p:spTree>
@@ -22831,9 +23715,9 @@
                                           </p:stCondLst>
                                         </p:cTn>
                                         <p:tgtEl>
-                                          <p:spTgt spid="9">
+                                          <p:spTgt spid="11">
                                             <p:txEl>
-                                              <p:pRg st="1" end="1"/>
+                                              <p:pRg st="0" end="0"/>
                                             </p:txEl>
                                           </p:spTgt>
                                         </p:tgtEl>
@@ -22862,11 +23746,7 @@
                                           </p:stCondLst>
                                         </p:cTn>
                                         <p:tgtEl>
-                                          <p:spTgt spid="9">
-                                            <p:txEl>
-                                              <p:pRg st="2" end="2"/>
-                                            </p:txEl>
-                                          </p:spTgt>
+                                          <p:spTgt spid="12"/>
                                         </p:tgtEl>
                                         <p:attrNameLst>
                                           <p:attrName>style.visibility</p:attrName>
@@ -22879,39 +23759,26 @@
                                   </p:childTnLst>
                                 </p:cTn>
                               </p:par>
+                            </p:childTnLst>
+                          </p:cTn>
+                        </p:par>
+                      </p:childTnLst>
+                    </p:cTn>
+                  </p:par>
+                  <p:par>
+                    <p:cTn id="9" fill="hold">
+                      <p:stCondLst>
+                        <p:cond delay="indefinite"/>
+                      </p:stCondLst>
+                      <p:childTnLst>
+                        <p:par>
+                          <p:cTn id="10" fill="hold">
+                            <p:stCondLst>
+                              <p:cond delay="0"/>
+                            </p:stCondLst>
+                            <p:childTnLst>
                               <p:par>
-                                <p:cTn id="9" presetID="1" presetClass="entr" presetSubtype="0" fill="hold" nodeType="withEffect">
-                                  <p:stCondLst>
-                                    <p:cond delay="0"/>
-                                  </p:stCondLst>
-                                  <p:childTnLst>
-                                    <p:set>
-                                      <p:cBhvr>
-                                        <p:cTn id="10" dur="1" fill="hold">
-                                          <p:stCondLst>
-                                            <p:cond delay="0"/>
-                                          </p:stCondLst>
-                                        </p:cTn>
-                                        <p:tgtEl>
-                                          <p:spTgt spid="9">
-                                            <p:txEl>
-                                              <p:pRg st="3" end="3"/>
-                                            </p:txEl>
-                                          </p:spTgt>
-                                        </p:tgtEl>
-                                        <p:attrNameLst>
-                                          <p:attrName>style.visibility</p:attrName>
-                                        </p:attrNameLst>
-                                      </p:cBhvr>
-                                      <p:to>
-                                        <p:strVal val="visible"/>
-                                      </p:to>
-                                    </p:set>
-                                  </p:childTnLst>
-                                </p:cTn>
-                              </p:par>
-                              <p:par>
-                                <p:cTn id="11" presetID="1" presetClass="entr" presetSubtype="0" fill="hold" nodeType="withEffect">
+                                <p:cTn id="11" presetID="1" presetClass="entr" presetSubtype="0" fill="hold" grpId="0" nodeType="clickEffect">
                                   <p:stCondLst>
                                     <p:cond delay="0"/>
                                   </p:stCondLst>
@@ -22924,11 +23791,7 @@
                                           </p:stCondLst>
                                         </p:cTn>
                                         <p:tgtEl>
-                                          <p:spTgt spid="9">
-                                            <p:txEl>
-                                              <p:pRg st="4" end="4"/>
-                                            </p:txEl>
-                                          </p:spTgt>
+                                          <p:spTgt spid="4"/>
                                         </p:tgtEl>
                                         <p:attrNameLst>
                                           <p:attrName>style.visibility</p:attrName>
@@ -22955,11 +23818,7 @@
                                           </p:stCondLst>
                                         </p:cTn>
                                         <p:tgtEl>
-                                          <p:spTgt spid="9">
-                                            <p:txEl>
-                                              <p:pRg st="5" end="5"/>
-                                            </p:txEl>
-                                          </p:spTgt>
+                                          <p:spTgt spid="10"/>
                                         </p:tgtEl>
                                         <p:attrNameLst>
                                           <p:attrName>style.visibility</p:attrName>
@@ -22972,39 +23831,26 @@
                                   </p:childTnLst>
                                 </p:cTn>
                               </p:par>
+                            </p:childTnLst>
+                          </p:cTn>
+                        </p:par>
+                      </p:childTnLst>
+                    </p:cTn>
+                  </p:par>
+                  <p:par>
+                    <p:cTn id="15" fill="hold">
+                      <p:stCondLst>
+                        <p:cond delay="indefinite"/>
+                      </p:stCondLst>
+                      <p:childTnLst>
+                        <p:par>
+                          <p:cTn id="16" fill="hold">
+                            <p:stCondLst>
+                              <p:cond delay="0"/>
+                            </p:stCondLst>
+                            <p:childTnLst>
                               <p:par>
-                                <p:cTn id="15" presetID="1" presetClass="entr" presetSubtype="0" fill="hold" nodeType="withEffect">
-                                  <p:stCondLst>
-                                    <p:cond delay="0"/>
-                                  </p:stCondLst>
-                                  <p:childTnLst>
-                                    <p:set>
-                                      <p:cBhvr>
-                                        <p:cTn id="16" dur="1" fill="hold">
-                                          <p:stCondLst>
-                                            <p:cond delay="0"/>
-                                          </p:stCondLst>
-                                        </p:cTn>
-                                        <p:tgtEl>
-                                          <p:spTgt spid="9">
-                                            <p:txEl>
-                                              <p:pRg st="6" end="6"/>
-                                            </p:txEl>
-                                          </p:spTgt>
-                                        </p:tgtEl>
-                                        <p:attrNameLst>
-                                          <p:attrName>style.visibility</p:attrName>
-                                        </p:attrNameLst>
-                                      </p:cBhvr>
-                                      <p:to>
-                                        <p:strVal val="visible"/>
-                                      </p:to>
-                                    </p:set>
-                                  </p:childTnLst>
-                                </p:cTn>
-                              </p:par>
-                              <p:par>
-                                <p:cTn id="17" presetID="1" presetClass="entr" presetSubtype="0" fill="hold" nodeType="withEffect">
+                                <p:cTn id="17" presetID="1" presetClass="entr" presetSubtype="0" fill="hold" nodeType="clickEffect">
                                   <p:stCondLst>
                                     <p:cond delay="0"/>
                                   </p:stCondLst>
@@ -23088,35 +23934,26 @@
                                   </p:childTnLst>
                                 </p:cTn>
                               </p:par>
+                            </p:childTnLst>
+                          </p:cTn>
+                        </p:par>
+                      </p:childTnLst>
+                    </p:cTn>
+                  </p:par>
+                  <p:par>
+                    <p:cTn id="23" fill="hold">
+                      <p:stCondLst>
+                        <p:cond delay="indefinite"/>
+                      </p:stCondLst>
+                      <p:childTnLst>
+                        <p:par>
+                          <p:cTn id="24" fill="hold">
+                            <p:stCondLst>
+                              <p:cond delay="0"/>
+                            </p:stCondLst>
+                            <p:childTnLst>
                               <p:par>
-                                <p:cTn id="23" presetID="1" presetClass="entr" presetSubtype="0" fill="hold" nodeType="withEffect">
-                                  <p:stCondLst>
-                                    <p:cond delay="0"/>
-                                  </p:stCondLst>
-                                  <p:childTnLst>
-                                    <p:set>
-                                      <p:cBhvr>
-                                        <p:cTn id="24" dur="1" fill="hold">
-                                          <p:stCondLst>
-                                            <p:cond delay="0"/>
-                                          </p:stCondLst>
-                                        </p:cTn>
-                                        <p:tgtEl>
-                                          <p:spTgt spid="10"/>
-                                        </p:tgtEl>
-                                        <p:attrNameLst>
-                                          <p:attrName>style.visibility</p:attrName>
-                                        </p:attrNameLst>
-                                      </p:cBhvr>
-                                      <p:to>
-                                        <p:strVal val="visible"/>
-                                      </p:to>
-                                    </p:set>
-                                  </p:childTnLst>
-                                </p:cTn>
-                              </p:par>
-                              <p:par>
-                                <p:cTn id="25" presetID="1" presetClass="entr" presetSubtype="0" fill="hold" grpId="0" nodeType="withEffect">
+                                <p:cTn id="25" presetID="1" presetClass="entr" presetSubtype="0" fill="hold" nodeType="clickEffect">
                                   <p:stCondLst>
                                     <p:cond delay="0"/>
                                   </p:stCondLst>
@@ -23129,7 +23966,11 @@
                                           </p:stCondLst>
                                         </p:cTn>
                                         <p:tgtEl>
-                                          <p:spTgt spid="4"/>
+                                          <p:spTgt spid="9">
+                                            <p:txEl>
+                                              <p:pRg st="9" end="9"/>
+                                            </p:txEl>
+                                          </p:spTgt>
                                         </p:tgtEl>
                                         <p:attrNameLst>
                                           <p:attrName>style.visibility</p:attrName>
@@ -23174,11 +24015,100 @@
                                           </p:stCondLst>
                                         </p:cTn>
                                         <p:tgtEl>
-                                          <p:spTgt spid="9">
+                                          <p:spTgt spid="11">
                                             <p:txEl>
-                                              <p:pRg st="9" end="9"/>
+                                              <p:pRg st="2" end="2"/>
                                             </p:txEl>
                                           </p:spTgt>
+                                        </p:tgtEl>
+                                        <p:attrNameLst>
+                                          <p:attrName>style.visibility</p:attrName>
+                                        </p:attrNameLst>
+                                      </p:cBhvr>
+                                      <p:to>
+                                        <p:strVal val="visible"/>
+                                      </p:to>
+                                    </p:set>
+                                  </p:childTnLst>
+                                </p:cTn>
+                              </p:par>
+                              <p:par>
+                                <p:cTn id="31" presetID="1" presetClass="entr" presetSubtype="0" fill="hold" nodeType="withEffect">
+                                  <p:stCondLst>
+                                    <p:cond delay="0"/>
+                                  </p:stCondLst>
+                                  <p:childTnLst>
+                                    <p:set>
+                                      <p:cBhvr>
+                                        <p:cTn id="32" dur="1" fill="hold">
+                                          <p:stCondLst>
+                                            <p:cond delay="0"/>
+                                          </p:stCondLst>
+                                        </p:cTn>
+                                        <p:tgtEl>
+                                          <p:spTgt spid="11">
+                                            <p:txEl>
+                                              <p:pRg st="3" end="3"/>
+                                            </p:txEl>
+                                          </p:spTgt>
+                                        </p:tgtEl>
+                                        <p:attrNameLst>
+                                          <p:attrName>style.visibility</p:attrName>
+                                        </p:attrNameLst>
+                                      </p:cBhvr>
+                                      <p:to>
+                                        <p:strVal val="visible"/>
+                                      </p:to>
+                                    </p:set>
+                                  </p:childTnLst>
+                                </p:cTn>
+                              </p:par>
+                              <p:par>
+                                <p:cTn id="33" presetID="1" presetClass="entr" presetSubtype="0" fill="hold" nodeType="withEffect">
+                                  <p:stCondLst>
+                                    <p:cond delay="0"/>
+                                  </p:stCondLst>
+                                  <p:childTnLst>
+                                    <p:set>
+                                      <p:cBhvr>
+                                        <p:cTn id="34" dur="1" fill="hold">
+                                          <p:stCondLst>
+                                            <p:cond delay="0"/>
+                                          </p:stCondLst>
+                                        </p:cTn>
+                                        <p:tgtEl>
+                                          <p:spTgt spid="11">
+                                            <p:txEl>
+                                              <p:pRg st="4" end="4"/>
+                                            </p:txEl>
+                                          </p:spTgt>
+                                        </p:tgtEl>
+                                        <p:attrNameLst>
+                                          <p:attrName>style.visibility</p:attrName>
+                                        </p:attrNameLst>
+                                      </p:cBhvr>
+                                      <p:to>
+                                        <p:strVal val="visible"/>
+                                      </p:to>
+                                    </p:set>
+                                  </p:childTnLst>
+                                </p:cTn>
+                              </p:par>
+                              <p:par>
+                                <p:cTn id="35" presetID="1" presetClass="entr" presetSubtype="0" fill="hold" nodeType="withEffect">
+                                  <p:stCondLst>
+                                    <p:cond delay="0"/>
+                                  </p:stCondLst>
+                                  <p:childTnLst>
+                                    <p:set>
+                                      <p:cBhvr>
+                                        <p:cTn id="36" dur="1" fill="hold">
+                                          <p:stCondLst>
+                                            <p:cond delay="0"/>
+                                          </p:stCondLst>
+                                        </p:cTn>
+                                        <p:tgtEl>
+                                          <p:spTgt spid="14"/>
                                         </p:tgtEl>
                                         <p:attrNameLst>
                                           <p:attrName>style.visibility</p:attrName>
@@ -23198,26 +24128,26 @@
                     </p:cTn>
                   </p:par>
                   <p:par>
-                    <p:cTn id="31" fill="hold">
+                    <p:cTn id="37" fill="hold">
                       <p:stCondLst>
                         <p:cond delay="indefinite"/>
                       </p:stCondLst>
                       <p:childTnLst>
                         <p:par>
-                          <p:cTn id="32" fill="hold">
+                          <p:cTn id="38" fill="hold">
                             <p:stCondLst>
                               <p:cond delay="0"/>
                             </p:stCondLst>
                             <p:childTnLst>
                               <p:par>
-                                <p:cTn id="33" presetID="1" presetClass="entr" presetSubtype="0" fill="hold" nodeType="clickEffect">
+                                <p:cTn id="39" presetID="1" presetClass="entr" presetSubtype="0" fill="hold" nodeType="clickEffect">
                                   <p:stCondLst>
                                     <p:cond delay="0"/>
                                   </p:stCondLst>
                                   <p:childTnLst>
                                     <p:set>
                                       <p:cBhvr>
-                                        <p:cTn id="34" dur="1" fill="hold">
+                                        <p:cTn id="40" dur="1" fill="hold">
                                           <p:stCondLst>
                                             <p:cond delay="0"/>
                                           </p:stCondLst>
@@ -23240,33 +24170,15 @@
                                   </p:childTnLst>
                                 </p:cTn>
                               </p:par>
-                            </p:childTnLst>
-                          </p:cTn>
-                        </p:par>
-                      </p:childTnLst>
-                    </p:cTn>
-                  </p:par>
-                  <p:par>
-                    <p:cTn id="35" fill="hold">
-                      <p:stCondLst>
-                        <p:cond delay="indefinite"/>
-                      </p:stCondLst>
-                      <p:childTnLst>
-                        <p:par>
-                          <p:cTn id="36" fill="hold">
-                            <p:stCondLst>
-                              <p:cond delay="0"/>
-                            </p:stCondLst>
-                            <p:childTnLst>
                               <p:par>
-                                <p:cTn id="37" presetID="1" presetClass="entr" presetSubtype="0" fill="hold" nodeType="clickEffect">
+                                <p:cTn id="41" presetID="1" presetClass="entr" presetSubtype="0" fill="hold" nodeType="withEffect">
                                   <p:stCondLst>
                                     <p:cond delay="0"/>
                                   </p:stCondLst>
                                   <p:childTnLst>
                                     <p:set>
                                       <p:cBhvr>
-                                        <p:cTn id="38" dur="1" fill="hold">
+                                        <p:cTn id="42" dur="1" fill="hold">
                                           <p:stCondLst>
                                             <p:cond delay="0"/>
                                           </p:stCondLst>
@@ -23289,33 +24201,15 @@
                                   </p:childTnLst>
                                 </p:cTn>
                               </p:par>
-                            </p:childTnLst>
-                          </p:cTn>
-                        </p:par>
-                      </p:childTnLst>
-                    </p:cTn>
-                  </p:par>
-                  <p:par>
-                    <p:cTn id="39" fill="hold">
-                      <p:stCondLst>
-                        <p:cond delay="indefinite"/>
-                      </p:stCondLst>
-                      <p:childTnLst>
-                        <p:par>
-                          <p:cTn id="40" fill="hold">
-                            <p:stCondLst>
-                              <p:cond delay="0"/>
-                            </p:stCondLst>
-                            <p:childTnLst>
                               <p:par>
-                                <p:cTn id="41" presetID="1" presetClass="entr" presetSubtype="0" fill="hold" nodeType="clickEffect">
+                                <p:cTn id="43" presetID="1" presetClass="entr" presetSubtype="0" fill="hold" nodeType="withEffect">
                                   <p:stCondLst>
                                     <p:cond delay="0"/>
                                   </p:stCondLst>
                                   <p:childTnLst>
                                     <p:set>
                                       <p:cBhvr>
-                                        <p:cTn id="42" dur="1" fill="hold">
+                                        <p:cTn id="44" dur="1" fill="hold">
                                           <p:stCondLst>
                                             <p:cond delay="0"/>
                                           </p:stCondLst>
@@ -23338,26 +24232,8 @@
                                   </p:childTnLst>
                                 </p:cTn>
                               </p:par>
-                            </p:childTnLst>
-                          </p:cTn>
-                        </p:par>
-                      </p:childTnLst>
-                    </p:cTn>
-                  </p:par>
-                  <p:par>
-                    <p:cTn id="43" fill="hold">
-                      <p:stCondLst>
-                        <p:cond delay="indefinite"/>
-                      </p:stCondLst>
-                      <p:childTnLst>
-                        <p:par>
-                          <p:cTn id="44" fill="hold">
-                            <p:stCondLst>
-                              <p:cond delay="0"/>
-                            </p:stCondLst>
-                            <p:childTnLst>
                               <p:par>
-                                <p:cTn id="45" presetID="1" presetClass="entr" presetSubtype="0" fill="hold" nodeType="clickEffect">
+                                <p:cTn id="45" presetID="1" presetClass="entr" presetSubtype="0" fill="hold" nodeType="withEffect">
                                   <p:stCondLst>
                                     <p:cond delay="0"/>
                                   </p:stCondLst>
@@ -23387,33 +24263,15 @@
                                   </p:childTnLst>
                                 </p:cTn>
                               </p:par>
-                            </p:childTnLst>
-                          </p:cTn>
-                        </p:par>
-                      </p:childTnLst>
-                    </p:cTn>
-                  </p:par>
-                  <p:par>
-                    <p:cTn id="47" fill="hold">
-                      <p:stCondLst>
-                        <p:cond delay="indefinite"/>
-                      </p:stCondLst>
-                      <p:childTnLst>
-                        <p:par>
-                          <p:cTn id="48" fill="hold">
-                            <p:stCondLst>
-                              <p:cond delay="0"/>
-                            </p:stCondLst>
-                            <p:childTnLst>
                               <p:par>
-                                <p:cTn id="49" presetID="1" presetClass="entr" presetSubtype="0" fill="hold" nodeType="clickEffect">
+                                <p:cTn id="47" presetID="1" presetClass="entr" presetSubtype="0" fill="hold" nodeType="withEffect">
                                   <p:stCondLst>
                                     <p:cond delay="0"/>
                                   </p:stCondLst>
                                   <p:childTnLst>
                                     <p:set>
                                       <p:cBhvr>
-                                        <p:cTn id="50" dur="1" fill="hold">
+                                        <p:cTn id="48" dur="1" fill="hold">
                                           <p:stCondLst>
                                             <p:cond delay="0"/>
                                           </p:stCondLst>
@@ -23436,8 +24294,26 @@
                                   </p:childTnLst>
                                 </p:cTn>
                               </p:par>
+                            </p:childTnLst>
+                          </p:cTn>
+                        </p:par>
+                      </p:childTnLst>
+                    </p:cTn>
+                  </p:par>
+                  <p:par>
+                    <p:cTn id="49" fill="hold">
+                      <p:stCondLst>
+                        <p:cond delay="indefinite"/>
+                      </p:stCondLst>
+                      <p:childTnLst>
+                        <p:par>
+                          <p:cTn id="50" fill="hold">
+                            <p:stCondLst>
+                              <p:cond delay="0"/>
+                            </p:stCondLst>
+                            <p:childTnLst>
                               <p:par>
-                                <p:cTn id="51" presetID="1" presetClass="entr" presetSubtype="0" fill="hold" nodeType="withEffect">
+                                <p:cTn id="51" presetID="1" presetClass="entr" presetSubtype="0" fill="hold" nodeType="clickEffect">
                                   <p:stCondLst>
                                     <p:cond delay="0"/>
                                   </p:stCondLst>
@@ -23450,7 +24326,11 @@
                                           </p:stCondLst>
                                         </p:cTn>
                                         <p:tgtEl>
-                                          <p:spTgt spid="12"/>
+                                          <p:spTgt spid="11">
+                                            <p:txEl>
+                                              <p:pRg st="6" end="6"/>
+                                            </p:txEl>
+                                          </p:spTgt>
                                         </p:tgtEl>
                                         <p:attrNameLst>
                                           <p:attrName>style.visibility</p:attrName>
@@ -23477,7 +24357,11 @@
                                           </p:stCondLst>
                                         </p:cTn>
                                         <p:tgtEl>
-                                          <p:spTgt spid="14"/>
+                                          <p:spTgt spid="11">
+                                            <p:txEl>
+                                              <p:pRg st="7" end="7"/>
+                                            </p:txEl>
+                                          </p:spTgt>
                                         </p:tgtEl>
                                         <p:attrNameLst>
                                           <p:attrName>style.visibility</p:attrName>
@@ -23504,7 +24388,73 @@
                                           </p:stCondLst>
                                         </p:cTn>
                                         <p:tgtEl>
-                                          <p:spTgt spid="16"/>
+                                          <p:spTgt spid="11">
+                                            <p:txEl>
+                                              <p:pRg st="8" end="8"/>
+                                            </p:txEl>
+                                          </p:spTgt>
+                                        </p:tgtEl>
+                                        <p:attrNameLst>
+                                          <p:attrName>style.visibility</p:attrName>
+                                        </p:attrNameLst>
+                                      </p:cBhvr>
+                                      <p:to>
+                                        <p:strVal val="visible"/>
+                                      </p:to>
+                                    </p:set>
+                                  </p:childTnLst>
+                                </p:cTn>
+                              </p:par>
+                              <p:par>
+                                <p:cTn id="57" presetID="1" presetClass="entr" presetSubtype="0" fill="hold" nodeType="withEffect">
+                                  <p:stCondLst>
+                                    <p:cond delay="0"/>
+                                  </p:stCondLst>
+                                  <p:childTnLst>
+                                    <p:set>
+                                      <p:cBhvr>
+                                        <p:cTn id="58" dur="1" fill="hold">
+                                          <p:stCondLst>
+                                            <p:cond delay="0"/>
+                                          </p:stCondLst>
+                                        </p:cTn>
+                                        <p:tgtEl>
+                                          <p:spTgt spid="11">
+                                            <p:txEl>
+                                              <p:pRg st="10" end="10"/>
+                                            </p:txEl>
+                                          </p:spTgt>
+                                        </p:tgtEl>
+                                        <p:attrNameLst>
+                                          <p:attrName>style.visibility</p:attrName>
+                                        </p:attrNameLst>
+                                      </p:cBhvr>
+                                      <p:to>
+                                        <p:strVal val="visible"/>
+                                      </p:to>
+                                    </p:set>
+                                  </p:childTnLst>
+                                </p:cTn>
+                              </p:par>
+                              <p:par>
+                                <p:cTn id="59" presetID="1" presetClass="entr" presetSubtype="0" fill="hold" nodeType="withEffect">
+                                  <p:stCondLst>
+                                    <p:cond delay="0"/>
+                                  </p:stCondLst>
+                                  <p:childTnLst>
+                                    <p:set>
+                                      <p:cBhvr>
+                                        <p:cTn id="60" dur="1" fill="hold">
+                                          <p:stCondLst>
+                                            <p:cond delay="0"/>
+                                          </p:stCondLst>
+                                        </p:cTn>
+                                        <p:tgtEl>
+                                          <p:spTgt spid="11">
+                                            <p:txEl>
+                                              <p:pRg st="11" end="11"/>
+                                            </p:txEl>
+                                          </p:spTgt>
                                         </p:tgtEl>
                                         <p:attrNameLst>
                                           <p:attrName>style.visibility</p:attrName>
@@ -23551,7 +24501,7 @@
 </p:sld>
 </file>
 
-<file path=ppt/slides/slide5.xml><?xml version="1.0" encoding="utf-8"?>
+<file path=ppt/slides/slide6.xml><?xml version="1.0" encoding="utf-8"?>
 <p:sld xmlns:a="http://schemas.openxmlformats.org/drawingml/2006/main" xmlns:r="http://schemas.openxmlformats.org/officeDocument/2006/relationships" xmlns:p="http://schemas.openxmlformats.org/presentationml/2006/main">
   <p:cSld>
     <p:spTree>
@@ -23829,7 +24779,7 @@
 </p:sld>
 </file>
 
-<file path=ppt/slides/slide6.xml><?xml version="1.0" encoding="utf-8"?>
+<file path=ppt/slides/slide7.xml><?xml version="1.0" encoding="utf-8"?>
 <p:sld xmlns:a="http://schemas.openxmlformats.org/drawingml/2006/main" xmlns:r="http://schemas.openxmlformats.org/officeDocument/2006/relationships" xmlns:p="http://schemas.openxmlformats.org/presentationml/2006/main">
   <p:cSld>
     <p:spTree>
@@ -23969,7 +24919,7 @@
               <a:rPr lang="en-US" altLang="en-US" sz="2000" dirty="0">
                 <a:ea typeface="ＭＳ Ｐゴシック" panose="020B0600070205080204" pitchFamily="34" charset="-128"/>
               </a:rPr>
-              <a:t>in the form of methods). </a:t>
+              <a:t>in the form of functions or methods). </a:t>
             </a:r>
           </a:p>
           <a:p>
@@ -24048,7 +24998,7 @@
     </p:spTree>
     <p:extLst>
       <p:ext uri="{BB962C8B-B14F-4D97-AF65-F5344CB8AC3E}">
-        <p14:creationId xmlns:p14="http://schemas.microsoft.com/office/powerpoint/2010/main" val="1226276962"/>
+        <p14:creationId xmlns:p14="http://schemas.microsoft.com/office/powerpoint/2010/main" val="2163137016"/>
       </p:ext>
     </p:extLst>
   </p:cSld>
@@ -24137,7 +25087,7 @@
 </p:sld>
 </file>
 
-<file path=ppt/slides/slide7.xml><?xml version="1.0" encoding="utf-8"?>
+<file path=ppt/slides/slide8.xml><?xml version="1.0" encoding="utf-8"?>
 <p:sld xmlns:a="http://schemas.openxmlformats.org/drawingml/2006/main" xmlns:r="http://schemas.openxmlformats.org/officeDocument/2006/relationships" xmlns:p="http://schemas.openxmlformats.org/presentationml/2006/main">
   <p:cSld>
     <p:spTree>
@@ -24526,7 +25476,7 @@
 </p:sld>
 </file>
 
-<file path=ppt/slides/slide8.xml><?xml version="1.0" encoding="utf-8"?>
+<file path=ppt/slides/slide9.xml><?xml version="1.0" encoding="utf-8"?>
 <p:sld xmlns:a="http://schemas.openxmlformats.org/drawingml/2006/main" xmlns:r="http://schemas.openxmlformats.org/officeDocument/2006/relationships" xmlns:p="http://schemas.openxmlformats.org/presentationml/2006/main">
   <p:cSld>
     <p:spTree>
@@ -24776,511 +25726,6 @@
                                           <p:spTgt spid="9">
                                             <p:txEl>
                                               <p:pRg st="6" end="6"/>
-                                            </p:txEl>
-                                          </p:spTgt>
-                                        </p:tgtEl>
-                                        <p:attrNameLst>
-                                          <p:attrName>style.visibility</p:attrName>
-                                        </p:attrNameLst>
-                                      </p:cBhvr>
-                                      <p:to>
-                                        <p:strVal val="visible"/>
-                                      </p:to>
-                                    </p:set>
-                                  </p:childTnLst>
-                                </p:cTn>
-                              </p:par>
-                            </p:childTnLst>
-                          </p:cTn>
-                        </p:par>
-                      </p:childTnLst>
-                    </p:cTn>
-                  </p:par>
-                </p:childTnLst>
-              </p:cTn>
-              <p:prevCondLst>
-                <p:cond evt="onPrev" delay="0">
-                  <p:tgtEl>
-                    <p:sldTgt/>
-                  </p:tgtEl>
-                </p:cond>
-              </p:prevCondLst>
-              <p:nextCondLst>
-                <p:cond evt="onNext" delay="0">
-                  <p:tgtEl>
-                    <p:sldTgt/>
-                  </p:tgtEl>
-                </p:cond>
-              </p:nextCondLst>
-            </p:seq>
-          </p:childTnLst>
-        </p:cTn>
-      </p:par>
-    </p:tnLst>
-  </p:timing>
-</p:sld>
-</file>
-
-<file path=ppt/slides/slide9.xml><?xml version="1.0" encoding="utf-8"?>
-<p:sld xmlns:a="http://schemas.openxmlformats.org/drawingml/2006/main" xmlns:r="http://schemas.openxmlformats.org/officeDocument/2006/relationships" xmlns:p="http://schemas.openxmlformats.org/presentationml/2006/main">
-  <p:cSld>
-    <p:spTree>
-      <p:nvGrpSpPr>
-        <p:cNvPr id="1" name=""/>
-        <p:cNvGrpSpPr/>
-        <p:nvPr/>
-      </p:nvGrpSpPr>
-      <p:grpSpPr>
-        <a:xfrm>
-          <a:off x="0" y="0"/>
-          <a:ext cx="0" cy="0"/>
-          <a:chOff x="0" y="0"/>
-          <a:chExt cx="0" cy="0"/>
-        </a:xfrm>
-      </p:grpSpPr>
-      <p:sp>
-        <p:nvSpPr>
-          <p:cNvPr id="2" name="Title 1">
-            <a:extLst>
-              <a:ext uri="{FF2B5EF4-FFF2-40B4-BE49-F238E27FC236}">
-                <a16:creationId xmlns:a16="http://schemas.microsoft.com/office/drawing/2014/main" id="{AA3A228F-61D0-D949-A5E7-F83756230BF8}"/>
-              </a:ext>
-            </a:extLst>
-          </p:cNvPr>
-          <p:cNvSpPr>
-            <a:spLocks noGrp="1"/>
-          </p:cNvSpPr>
-          <p:nvPr>
-            <p:ph type="title"/>
-          </p:nvPr>
-        </p:nvSpPr>
-        <p:spPr>
-          <a:xfrm>
-            <a:off x="179048" y="171752"/>
-            <a:ext cx="7053542" cy="683886"/>
-          </a:xfrm>
-        </p:spPr>
-        <p:txBody>
-          <a:bodyPr/>
-          <a:lstStyle/>
-          <a:p>
-            <a:r>
-              <a:rPr lang="en-US" dirty="0"/>
-              <a:t>Examples</a:t>
-            </a:r>
-          </a:p>
-        </p:txBody>
-      </p:sp>
-      <p:sp>
-        <p:nvSpPr>
-          <p:cNvPr id="9" name="Content Placeholder 8">
-            <a:extLst>
-              <a:ext uri="{FF2B5EF4-FFF2-40B4-BE49-F238E27FC236}">
-                <a16:creationId xmlns:a16="http://schemas.microsoft.com/office/drawing/2014/main" id="{E3B2E017-30B2-884B-A113-B419A2ED51AD}"/>
-              </a:ext>
-            </a:extLst>
-          </p:cNvPr>
-          <p:cNvSpPr>
-            <a:spLocks noGrp="1"/>
-          </p:cNvSpPr>
-          <p:nvPr>
-            <p:ph idx="1"/>
-          </p:nvPr>
-        </p:nvSpPr>
-        <p:spPr>
-          <a:xfrm>
-            <a:off x="179048" y="855639"/>
-            <a:ext cx="8356525" cy="4546994"/>
-          </a:xfrm>
-        </p:spPr>
-        <p:txBody>
-          <a:bodyPr>
-            <a:noAutofit/>
-          </a:bodyPr>
-          <a:lstStyle/>
-          <a:p>
-            <a:pPr marL="0" indent="0">
-              <a:buNone/>
-              <a:tabLst>
-                <a:tab pos="1141413" algn="l"/>
-                <a:tab pos="2173288" algn="l"/>
-              </a:tabLst>
-            </a:pPr>
-            <a:endParaRPr lang="en-US" altLang="en-US" sz="2000" dirty="0">
-              <a:ea typeface="ＭＳ Ｐゴシック" panose="020B0600070205080204" pitchFamily="34" charset="-128"/>
-            </a:endParaRPr>
-          </a:p>
-          <a:p>
-            <a:pPr marL="0" indent="0">
-              <a:buNone/>
-              <a:tabLst>
-                <a:tab pos="1141413" algn="l"/>
-                <a:tab pos="2173288" algn="l"/>
-              </a:tabLst>
-            </a:pPr>
-            <a:r>
-              <a:rPr lang="en-US" altLang="en-US" sz="2000" dirty="0">
-                <a:ea typeface="ＭＳ Ｐゴシック" panose="020B0600070205080204" pitchFamily="34" charset="-128"/>
-              </a:rPr>
-              <a:t>Suppose you are writing an arcade game. What are some useful classes and their corresponding objects?</a:t>
-            </a:r>
-            <a:endParaRPr lang="en-US" dirty="0"/>
-          </a:p>
-          <a:p>
-            <a:pPr marL="0" indent="0">
-              <a:buNone/>
-              <a:tabLst>
-                <a:tab pos="1141413" algn="l"/>
-                <a:tab pos="2173288" algn="l"/>
-              </a:tabLst>
-            </a:pPr>
-            <a:endParaRPr lang="en-US" altLang="en-US" sz="2000" dirty="0">
-              <a:ea typeface="ＭＳ Ｐゴシック" panose="020B0600070205080204" pitchFamily="34" charset="-128"/>
-            </a:endParaRPr>
-          </a:p>
-          <a:p>
-            <a:pPr marL="0" indent="0">
-              <a:buNone/>
-              <a:tabLst>
-                <a:tab pos="1141413" algn="l"/>
-                <a:tab pos="2173288" algn="l"/>
-              </a:tabLst>
-            </a:pPr>
-            <a:r>
-              <a:rPr lang="en-US" altLang="en-US" sz="2000" dirty="0">
-                <a:ea typeface="ＭＳ Ｐゴシック" panose="020B0600070205080204" pitchFamily="34" charset="-128"/>
-              </a:rPr>
-              <a:t>Example: </a:t>
-            </a:r>
-          </a:p>
-          <a:p>
-            <a:pPr marL="0" indent="0">
-              <a:buNone/>
-              <a:tabLst>
-                <a:tab pos="1141413" algn="l"/>
-                <a:tab pos="2173288" algn="l"/>
-              </a:tabLst>
-            </a:pPr>
-            <a:r>
-              <a:rPr lang="en-US" altLang="en-US" sz="2000" dirty="0">
-                <a:ea typeface="ＭＳ Ｐゴシック" panose="020B0600070205080204" pitchFamily="34" charset="-128"/>
-              </a:rPr>
-              <a:t>The </a:t>
-            </a:r>
-            <a:r>
-              <a:rPr lang="en-US" altLang="en-US" sz="2000" b="1" dirty="0">
-                <a:ea typeface="ＭＳ Ｐゴシック" panose="020B0600070205080204" pitchFamily="34" charset="-128"/>
-              </a:rPr>
-              <a:t>Character </a:t>
-            </a:r>
-            <a:r>
-              <a:rPr lang="en-US" altLang="en-US" sz="2000" dirty="0">
-                <a:ea typeface="ＭＳ Ｐゴシック" panose="020B0600070205080204" pitchFamily="34" charset="-128"/>
-              </a:rPr>
-              <a:t>Class</a:t>
-            </a:r>
-            <a:r>
-              <a:rPr lang="en-US" altLang="en-US" sz="2000" b="1" dirty="0">
-                <a:ea typeface="ＭＳ Ｐゴシック" panose="020B0600070205080204" pitchFamily="34" charset="-128"/>
-              </a:rPr>
-              <a:t> </a:t>
-            </a:r>
-            <a:r>
-              <a:rPr lang="en-US" altLang="en-US" sz="2000" dirty="0">
-                <a:ea typeface="ＭＳ Ｐゴシック" panose="020B0600070205080204" pitchFamily="34" charset="-128"/>
-              </a:rPr>
-              <a:t>represents characters in the game.</a:t>
-            </a:r>
-          </a:p>
-          <a:p>
-            <a:pPr marL="0" indent="0">
-              <a:buNone/>
-              <a:tabLst>
-                <a:tab pos="1141413" algn="l"/>
-                <a:tab pos="2173288" algn="l"/>
-              </a:tabLst>
-            </a:pPr>
-            <a:r>
-              <a:rPr lang="en-US" altLang="en-US" sz="2000" b="1" dirty="0">
-                <a:ea typeface="ＭＳ Ｐゴシック" panose="020B0600070205080204" pitchFamily="34" charset="-128"/>
-              </a:rPr>
-              <a:t>Variables/Attributes/Data</a:t>
-            </a:r>
-            <a:r>
-              <a:rPr lang="en-US" altLang="en-US" sz="2000" dirty="0">
-                <a:ea typeface="ＭＳ Ｐゴシック" panose="020B0600070205080204" pitchFamily="34" charset="-128"/>
-              </a:rPr>
-              <a:t>: name, position, speed. </a:t>
-            </a:r>
-          </a:p>
-          <a:p>
-            <a:pPr marL="0" indent="0">
-              <a:buNone/>
-              <a:tabLst>
-                <a:tab pos="1141413" algn="l"/>
-                <a:tab pos="2173288" algn="l"/>
-              </a:tabLst>
-            </a:pPr>
-            <a:r>
-              <a:rPr lang="en-US" altLang="en-US" sz="2000" b="1" dirty="0">
-                <a:ea typeface="ＭＳ Ｐゴシック" panose="020B0600070205080204" pitchFamily="34" charset="-128"/>
-              </a:rPr>
-              <a:t>Behavior/Methods</a:t>
-            </a:r>
-            <a:r>
-              <a:rPr lang="en-US" altLang="en-US" sz="2000" dirty="0">
-                <a:ea typeface="ＭＳ Ｐゴシック" panose="020B0600070205080204" pitchFamily="34" charset="-128"/>
-              </a:rPr>
-              <a:t>:  shoot(), </a:t>
-            </a:r>
-            <a:r>
-              <a:rPr lang="en-US" altLang="en-US" sz="2000" dirty="0" err="1">
-                <a:ea typeface="ＭＳ Ｐゴシック" panose="020B0600070205080204" pitchFamily="34" charset="-128"/>
-              </a:rPr>
-              <a:t>runLeft</a:t>
-            </a:r>
-            <a:r>
-              <a:rPr lang="en-US" altLang="en-US" sz="2000" dirty="0">
-                <a:ea typeface="ＭＳ Ｐゴシック" panose="020B0600070205080204" pitchFamily="34" charset="-128"/>
-              </a:rPr>
-              <a:t>(), </a:t>
-            </a:r>
-            <a:r>
-              <a:rPr lang="en-US" altLang="en-US" sz="2000" dirty="0" err="1">
-                <a:ea typeface="ＭＳ Ｐゴシック" panose="020B0600070205080204" pitchFamily="34" charset="-128"/>
-              </a:rPr>
-              <a:t>runRight</a:t>
-            </a:r>
-            <a:r>
-              <a:rPr lang="en-US" altLang="en-US" sz="2000" dirty="0">
-                <a:ea typeface="ＭＳ Ｐゴシック" panose="020B0600070205080204" pitchFamily="34" charset="-128"/>
-              </a:rPr>
-              <a:t>(), jump().</a:t>
-            </a:r>
-          </a:p>
-          <a:p>
-            <a:pPr marL="0" indent="0">
-              <a:buNone/>
-              <a:tabLst>
-                <a:tab pos="1141413" algn="l"/>
-                <a:tab pos="2173288" algn="l"/>
-              </a:tabLst>
-            </a:pPr>
-            <a:endParaRPr lang="en-US" altLang="en-US" sz="2000" dirty="0">
-              <a:ea typeface="ＭＳ Ｐゴシック" panose="020B0600070205080204" pitchFamily="34" charset="-128"/>
-            </a:endParaRPr>
-          </a:p>
-          <a:p>
-            <a:pPr marL="0" indent="0">
-              <a:buNone/>
-              <a:tabLst>
-                <a:tab pos="1141413" algn="l"/>
-                <a:tab pos="2173288" algn="l"/>
-              </a:tabLst>
-            </a:pPr>
-            <a:r>
-              <a:rPr lang="en-US" altLang="en-US" sz="2000" dirty="0">
-                <a:ea typeface="ＭＳ Ｐゴシック" panose="020B0600070205080204" pitchFamily="34" charset="-128"/>
-              </a:rPr>
-              <a:t>Objects: From the same blueprint, the Character class, we can create multiple Character objects. </a:t>
-            </a:r>
-          </a:p>
-        </p:txBody>
-      </p:sp>
-    </p:spTree>
-    <p:extLst>
-      <p:ext uri="{BB962C8B-B14F-4D97-AF65-F5344CB8AC3E}">
-        <p14:creationId xmlns:p14="http://schemas.microsoft.com/office/powerpoint/2010/main" val="2700872664"/>
-      </p:ext>
-    </p:extLst>
-  </p:cSld>
-  <p:clrMapOvr>
-    <a:masterClrMapping/>
-  </p:clrMapOvr>
-  <p:timing>
-    <p:tnLst>
-      <p:par>
-        <p:cTn id="1" dur="indefinite" restart="never" nodeType="tmRoot">
-          <p:childTnLst>
-            <p:seq concurrent="1" nextAc="seek">
-              <p:cTn id="2" dur="indefinite" nodeType="mainSeq">
-                <p:childTnLst>
-                  <p:par>
-                    <p:cTn id="3" fill="hold">
-                      <p:stCondLst>
-                        <p:cond delay="indefinite"/>
-                      </p:stCondLst>
-                      <p:childTnLst>
-                        <p:par>
-                          <p:cTn id="4" fill="hold">
-                            <p:stCondLst>
-                              <p:cond delay="0"/>
-                            </p:stCondLst>
-                            <p:childTnLst>
-                              <p:par>
-                                <p:cTn id="5" presetID="1" presetClass="entr" presetSubtype="0" fill="hold" nodeType="clickEffect">
-                                  <p:stCondLst>
-                                    <p:cond delay="0"/>
-                                  </p:stCondLst>
-                                  <p:childTnLst>
-                                    <p:set>
-                                      <p:cBhvr>
-                                        <p:cTn id="6" dur="1" fill="hold">
-                                          <p:stCondLst>
-                                            <p:cond delay="0"/>
-                                          </p:stCondLst>
-                                        </p:cTn>
-                                        <p:tgtEl>
-                                          <p:spTgt spid="9">
-                                            <p:txEl>
-                                              <p:pRg st="4" end="4"/>
-                                            </p:txEl>
-                                          </p:spTgt>
-                                        </p:tgtEl>
-                                        <p:attrNameLst>
-                                          <p:attrName>style.visibility</p:attrName>
-                                        </p:attrNameLst>
-                                      </p:cBhvr>
-                                      <p:to>
-                                        <p:strVal val="visible"/>
-                                      </p:to>
-                                    </p:set>
-                                  </p:childTnLst>
-                                </p:cTn>
-                              </p:par>
-                            </p:childTnLst>
-                          </p:cTn>
-                        </p:par>
-                      </p:childTnLst>
-                    </p:cTn>
-                  </p:par>
-                  <p:par>
-                    <p:cTn id="7" fill="hold">
-                      <p:stCondLst>
-                        <p:cond delay="indefinite"/>
-                      </p:stCondLst>
-                      <p:childTnLst>
-                        <p:par>
-                          <p:cTn id="8" fill="hold">
-                            <p:stCondLst>
-                              <p:cond delay="0"/>
-                            </p:stCondLst>
-                            <p:childTnLst>
-                              <p:par>
-                                <p:cTn id="9" presetID="1" presetClass="entr" presetSubtype="0" fill="hold" nodeType="clickEffect">
-                                  <p:stCondLst>
-                                    <p:cond delay="0"/>
-                                  </p:stCondLst>
-                                  <p:childTnLst>
-                                    <p:set>
-                                      <p:cBhvr>
-                                        <p:cTn id="10" dur="1" fill="hold">
-                                          <p:stCondLst>
-                                            <p:cond delay="0"/>
-                                          </p:stCondLst>
-                                        </p:cTn>
-                                        <p:tgtEl>
-                                          <p:spTgt spid="9">
-                                            <p:txEl>
-                                              <p:pRg st="5" end="5"/>
-                                            </p:txEl>
-                                          </p:spTgt>
-                                        </p:tgtEl>
-                                        <p:attrNameLst>
-                                          <p:attrName>style.visibility</p:attrName>
-                                        </p:attrNameLst>
-                                      </p:cBhvr>
-                                      <p:to>
-                                        <p:strVal val="visible"/>
-                                      </p:to>
-                                    </p:set>
-                                  </p:childTnLst>
-                                </p:cTn>
-                              </p:par>
-                            </p:childTnLst>
-                          </p:cTn>
-                        </p:par>
-                      </p:childTnLst>
-                    </p:cTn>
-                  </p:par>
-                  <p:par>
-                    <p:cTn id="11" fill="hold">
-                      <p:stCondLst>
-                        <p:cond delay="indefinite"/>
-                      </p:stCondLst>
-                      <p:childTnLst>
-                        <p:par>
-                          <p:cTn id="12" fill="hold">
-                            <p:stCondLst>
-                              <p:cond delay="0"/>
-                            </p:stCondLst>
-                            <p:childTnLst>
-                              <p:par>
-                                <p:cTn id="13" presetID="1" presetClass="entr" presetSubtype="0" fill="hold" nodeType="clickEffect">
-                                  <p:stCondLst>
-                                    <p:cond delay="0"/>
-                                  </p:stCondLst>
-                                  <p:childTnLst>
-                                    <p:set>
-                                      <p:cBhvr>
-                                        <p:cTn id="14" dur="1" fill="hold">
-                                          <p:stCondLst>
-                                            <p:cond delay="0"/>
-                                          </p:stCondLst>
-                                        </p:cTn>
-                                        <p:tgtEl>
-                                          <p:spTgt spid="9">
-                                            <p:txEl>
-                                              <p:pRg st="6" end="6"/>
-                                            </p:txEl>
-                                          </p:spTgt>
-                                        </p:tgtEl>
-                                        <p:attrNameLst>
-                                          <p:attrName>style.visibility</p:attrName>
-                                        </p:attrNameLst>
-                                      </p:cBhvr>
-                                      <p:to>
-                                        <p:strVal val="visible"/>
-                                      </p:to>
-                                    </p:set>
-                                  </p:childTnLst>
-                                </p:cTn>
-                              </p:par>
-                            </p:childTnLst>
-                          </p:cTn>
-                        </p:par>
-                      </p:childTnLst>
-                    </p:cTn>
-                  </p:par>
-                  <p:par>
-                    <p:cTn id="15" fill="hold">
-                      <p:stCondLst>
-                        <p:cond delay="indefinite"/>
-                      </p:stCondLst>
-                      <p:childTnLst>
-                        <p:par>
-                          <p:cTn id="16" fill="hold">
-                            <p:stCondLst>
-                              <p:cond delay="0"/>
-                            </p:stCondLst>
-                            <p:childTnLst>
-                              <p:par>
-                                <p:cTn id="17" presetID="1" presetClass="entr" presetSubtype="0" fill="hold" nodeType="clickEffect">
-                                  <p:stCondLst>
-                                    <p:cond delay="0"/>
-                                  </p:stCondLst>
-                                  <p:childTnLst>
-                                    <p:set>
-                                      <p:cBhvr>
-                                        <p:cTn id="18" dur="1" fill="hold">
-                                          <p:stCondLst>
-                                            <p:cond delay="0"/>
-                                          </p:stCondLst>
-                                        </p:cTn>
-                                        <p:tgtEl>
-                                          <p:spTgt spid="9">
-                                            <p:txEl>
-                                              <p:pRg st="8" end="8"/>
                                             </p:txEl>
                                           </p:spTgt>
                                         </p:tgtEl>

--- a/courses/apcsp/lect8.pptx
+++ b/courses/apcsp/lect8.pptx
@@ -148,7 +148,7 @@
 <file path=ppt/revisionInfo.xml><?xml version="1.0" encoding="utf-8"?>
 <p1510:revInfo xmlns:a="http://schemas.openxmlformats.org/drawingml/2006/main" xmlns:r="http://schemas.openxmlformats.org/officeDocument/2006/relationships" xmlns:p1510="http://schemas.microsoft.com/office/powerpoint/2015/10/main">
   <p1510:revLst>
-    <p1510:client id="{A12BE549-1123-0646-AF0D-D853CA6ECE39}" v="866" dt="2023-01-05T15:04:38.945"/>
+    <p1510:client id="{A12BE549-1123-0646-AF0D-D853CA6ECE39}" v="867" dt="2023-01-06T14:45:38.575"/>
   </p1510:revLst>
 </p1510:revInfo>
 </file>
@@ -1875,7 +1875,7 @@
   <pc:docChgLst>
     <pc:chgData name="Long Nguyen" userId="f59fb8f3-a021-417a-8bc1-65c8d471c621" providerId="ADAL" clId="{A12BE549-1123-0646-AF0D-D853CA6ECE39}"/>
     <pc:docChg chg="undo custSel addSld delSld modSld">
-      <pc:chgData name="Long Nguyen" userId="f59fb8f3-a021-417a-8bc1-65c8d471c621" providerId="ADAL" clId="{A12BE549-1123-0646-AF0D-D853CA6ECE39}" dt="2023-01-05T15:04:38.945" v="895"/>
+      <pc:chgData name="Long Nguyen" userId="f59fb8f3-a021-417a-8bc1-65c8d471c621" providerId="ADAL" clId="{A12BE549-1123-0646-AF0D-D853CA6ECE39}" dt="2023-01-06T14:45:38.574" v="896"/>
       <pc:docMkLst>
         <pc:docMk/>
       </pc:docMkLst>
@@ -1954,7 +1954,7 @@
         </pc:spChg>
       </pc:sldChg>
       <pc:sldChg chg="modAnim">
-        <pc:chgData name="Long Nguyen" userId="f59fb8f3-a021-417a-8bc1-65c8d471c621" providerId="ADAL" clId="{A12BE549-1123-0646-AF0D-D853CA6ECE39}" dt="2023-01-05T15:04:38.945" v="895"/>
+        <pc:chgData name="Long Nguyen" userId="f59fb8f3-a021-417a-8bc1-65c8d471c621" providerId="ADAL" clId="{A12BE549-1123-0646-AF0D-D853CA6ECE39}" dt="2023-01-06T14:45:38.574" v="896"/>
         <pc:sldMkLst>
           <pc:docMk/>
           <pc:sldMk cId="290283863" sldId="556"/>
@@ -2685,7 +2685,7 @@
           <a:p>
             <a:fld id="{728059E6-F4BB-1F4B-A95E-4DE193584F11}" type="datetimeFigureOut">
               <a:rPr lang="en-US" smtClean="0"/>
-              <a:t>1/5/23</a:t>
+              <a:t>1/6/23</a:t>
             </a:fld>
             <a:endParaRPr lang="en-US"/>
           </a:p>
@@ -3251,7 +3251,7 @@
           <a:p>
             <a:fld id="{4AAD347D-5ACD-4C99-B74B-A9C85AD731AF}" type="datetimeFigureOut">
               <a:rPr lang="en-US" smtClean="0"/>
-              <a:t>1/5/23</a:t>
+              <a:t>1/6/23</a:t>
             </a:fld>
             <a:endParaRPr lang="en-US" dirty="0"/>
           </a:p>
@@ -3421,7 +3421,7 @@
           <a:p>
             <a:fld id="{4509A250-FF31-4206-8172-F9D3106AACB1}" type="datetimeFigureOut">
               <a:rPr lang="en-US" smtClean="0"/>
-              <a:t>1/5/23</a:t>
+              <a:t>1/6/23</a:t>
             </a:fld>
             <a:endParaRPr lang="en-US" dirty="0"/>
           </a:p>
@@ -3601,7 +3601,7 @@
           <a:p>
             <a:fld id="{4509A250-FF31-4206-8172-F9D3106AACB1}" type="datetimeFigureOut">
               <a:rPr lang="en-US" smtClean="0"/>
-              <a:t>1/5/23</a:t>
+              <a:t>1/6/23</a:t>
             </a:fld>
             <a:endParaRPr lang="en-US" dirty="0"/>
           </a:p>
@@ -3771,7 +3771,7 @@
           <a:p>
             <a:fld id="{4509A250-FF31-4206-8172-F9D3106AACB1}" type="datetimeFigureOut">
               <a:rPr lang="en-US" smtClean="0"/>
-              <a:t>1/5/23</a:t>
+              <a:t>1/6/23</a:t>
             </a:fld>
             <a:endParaRPr lang="en-US" dirty="0"/>
           </a:p>
@@ -4017,7 +4017,7 @@
           <a:p>
             <a:fld id="{9796027F-7875-4030-9381-8BD8C4F21935}" type="datetimeFigureOut">
               <a:rPr lang="en-US" smtClean="0"/>
-              <a:t>1/5/23</a:t>
+              <a:t>1/6/23</a:t>
             </a:fld>
             <a:endParaRPr lang="en-US" dirty="0"/>
           </a:p>
@@ -4249,7 +4249,7 @@
           <a:p>
             <a:fld id="{9796027F-7875-4030-9381-8BD8C4F21935}" type="datetimeFigureOut">
               <a:rPr lang="en-US" smtClean="0"/>
-              <a:t>1/5/23</a:t>
+              <a:t>1/6/23</a:t>
             </a:fld>
             <a:endParaRPr lang="en-US" dirty="0"/>
           </a:p>
@@ -4616,7 +4616,7 @@
           <a:p>
             <a:fld id="{9796027F-7875-4030-9381-8BD8C4F21935}" type="datetimeFigureOut">
               <a:rPr lang="en-US" smtClean="0"/>
-              <a:t>1/5/23</a:t>
+              <a:t>1/6/23</a:t>
             </a:fld>
             <a:endParaRPr lang="en-US" dirty="0"/>
           </a:p>
@@ -4734,7 +4734,7 @@
           <a:p>
             <a:fld id="{4509A250-FF31-4206-8172-F9D3106AACB1}" type="datetimeFigureOut">
               <a:rPr lang="en-US" smtClean="0"/>
-              <a:t>1/5/23</a:t>
+              <a:t>1/6/23</a:t>
             </a:fld>
             <a:endParaRPr lang="en-US" dirty="0"/>
           </a:p>
@@ -4829,7 +4829,7 @@
           <a:p>
             <a:fld id="{4509A250-FF31-4206-8172-F9D3106AACB1}" type="datetimeFigureOut">
               <a:rPr lang="en-US" smtClean="0"/>
-              <a:t>1/5/23</a:t>
+              <a:t>1/6/23</a:t>
             </a:fld>
             <a:endParaRPr lang="en-US" dirty="0"/>
           </a:p>
@@ -5106,7 +5106,7 @@
           <a:p>
             <a:fld id="{4509A250-FF31-4206-8172-F9D3106AACB1}" type="datetimeFigureOut">
               <a:rPr lang="en-US" smtClean="0"/>
-              <a:t>1/5/23</a:t>
+              <a:t>1/6/23</a:t>
             </a:fld>
             <a:endParaRPr lang="en-US" dirty="0"/>
           </a:p>
@@ -5363,7 +5363,7 @@
           <a:p>
             <a:fld id="{4509A250-FF31-4206-8172-F9D3106AACB1}" type="datetimeFigureOut">
               <a:rPr lang="en-US" smtClean="0"/>
-              <a:t>1/5/23</a:t>
+              <a:t>1/6/23</a:t>
             </a:fld>
             <a:endParaRPr lang="en-US" dirty="0"/>
           </a:p>
@@ -5576,7 +5576,7 @@
           <a:p>
             <a:fld id="{4AAD347D-5ACD-4C99-B74B-A9C85AD731AF}" type="datetimeFigureOut">
               <a:rPr lang="en-US" smtClean="0"/>
-              <a:t>1/5/23</a:t>
+              <a:t>1/6/23</a:t>
             </a:fld>
             <a:endParaRPr lang="en-US" dirty="0"/>
           </a:p>
@@ -24473,6 +24473,51 @@
                       </p:childTnLst>
                     </p:cTn>
                   </p:par>
+                  <p:par>
+                    <p:cTn id="61" fill="hold">
+                      <p:stCondLst>
+                        <p:cond delay="indefinite"/>
+                      </p:stCondLst>
+                      <p:childTnLst>
+                        <p:par>
+                          <p:cTn id="62" fill="hold">
+                            <p:stCondLst>
+                              <p:cond delay="0"/>
+                            </p:stCondLst>
+                            <p:childTnLst>
+                              <p:par>
+                                <p:cTn id="63" presetID="1" presetClass="entr" presetSubtype="0" fill="hold" nodeType="clickEffect">
+                                  <p:stCondLst>
+                                    <p:cond delay="0"/>
+                                  </p:stCondLst>
+                                  <p:childTnLst>
+                                    <p:set>
+                                      <p:cBhvr>
+                                        <p:cTn id="64" dur="1" fill="hold">
+                                          <p:stCondLst>
+                                            <p:cond delay="0"/>
+                                          </p:stCondLst>
+                                        </p:cTn>
+                                        <p:tgtEl>
+                                          <p:spTgt spid="16"/>
+                                        </p:tgtEl>
+                                        <p:attrNameLst>
+                                          <p:attrName>style.visibility</p:attrName>
+                                        </p:attrNameLst>
+                                      </p:cBhvr>
+                                      <p:to>
+                                        <p:strVal val="visible"/>
+                                      </p:to>
+                                    </p:set>
+                                  </p:childTnLst>
+                                </p:cTn>
+                              </p:par>
+                            </p:childTnLst>
+                          </p:cTn>
+                        </p:par>
+                      </p:childTnLst>
+                    </p:cTn>
+                  </p:par>
                 </p:childTnLst>
               </p:cTn>
               <p:prevCondLst>
